--- a/Healthify-NWMSU.pptx
+++ b/Healthify-NWMSU.pptx
@@ -7,13 +7,14 @@
   <p:sldIdLst>
     <p:sldId id="256" r:id="rId2"/>
     <p:sldId id="257" r:id="rId3"/>
-    <p:sldId id="258" r:id="rId4"/>
-    <p:sldId id="259" r:id="rId5"/>
-    <p:sldId id="260" r:id="rId6"/>
-    <p:sldId id="261" r:id="rId7"/>
-    <p:sldId id="262" r:id="rId8"/>
-    <p:sldId id="263" r:id="rId9"/>
-    <p:sldId id="264" r:id="rId10"/>
+    <p:sldId id="265" r:id="rId4"/>
+    <p:sldId id="258" r:id="rId5"/>
+    <p:sldId id="259" r:id="rId6"/>
+    <p:sldId id="260" r:id="rId7"/>
+    <p:sldId id="261" r:id="rId8"/>
+    <p:sldId id="262" r:id="rId9"/>
+    <p:sldId id="263" r:id="rId10"/>
+    <p:sldId id="264" r:id="rId11"/>
   </p:sldIdLst>
   <p:sldSz cx="12192000" cy="6858000"/>
   <p:notesSz cx="6858000" cy="9144000"/>
@@ -112,6 +113,11 @@
       </a:defRPr>
     </a:lvl9pPr>
   </p:defaultTextStyle>
+  <p:extLst>
+    <p:ext uri="{EFAFB233-063F-42B5-8137-9DF3F51BA10A}">
+      <p15:sldGuideLst xmlns:p15="http://schemas.microsoft.com/office/powerpoint/2012/main"/>
+    </p:ext>
+  </p:extLst>
 </p:presentation>
 </file>
 
@@ -301,7 +307,7 @@
           <a:p>
             <a:fld id="{C2D2E4A4-709C-4720-8A60-129554F155B1}" type="datetimeFigureOut">
               <a:rPr lang="en-US" smtClean="0"/>
-              <a:t>8/30/2020</a:t>
+              <a:t>9/1/2020</a:t>
             </a:fld>
             <a:endParaRPr lang="en-US"/>
           </a:p>
@@ -576,7 +582,7 @@
           <a:p>
             <a:fld id="{C2D2E4A4-709C-4720-8A60-129554F155B1}" type="datetimeFigureOut">
               <a:rPr lang="en-US" smtClean="0"/>
-              <a:t>8/30/2020</a:t>
+              <a:t>9/1/2020</a:t>
             </a:fld>
             <a:endParaRPr lang="en-US"/>
           </a:p>
@@ -770,7 +776,7 @@
           <a:p>
             <a:fld id="{C2D2E4A4-709C-4720-8A60-129554F155B1}" type="datetimeFigureOut">
               <a:rPr lang="en-US" smtClean="0"/>
-              <a:t>8/30/2020</a:t>
+              <a:t>9/1/2020</a:t>
             </a:fld>
             <a:endParaRPr lang="en-US"/>
           </a:p>
@@ -1043,7 +1049,7 @@
           <a:p>
             <a:fld id="{C2D2E4A4-709C-4720-8A60-129554F155B1}" type="datetimeFigureOut">
               <a:rPr lang="en-US" smtClean="0"/>
-              <a:t>8/30/2020</a:t>
+              <a:t>9/1/2020</a:t>
             </a:fld>
             <a:endParaRPr lang="en-US"/>
           </a:p>
@@ -1384,7 +1390,7 @@
           <a:p>
             <a:fld id="{C2D2E4A4-709C-4720-8A60-129554F155B1}" type="datetimeFigureOut">
               <a:rPr lang="en-US" smtClean="0"/>
-              <a:t>8/30/2020</a:t>
+              <a:t>9/1/2020</a:t>
             </a:fld>
             <a:endParaRPr lang="en-US"/>
           </a:p>
@@ -2007,7 +2013,7 @@
           <a:p>
             <a:fld id="{C2D2E4A4-709C-4720-8A60-129554F155B1}" type="datetimeFigureOut">
               <a:rPr lang="en-US" smtClean="0"/>
-              <a:t>8/30/2020</a:t>
+              <a:t>9/1/2020</a:t>
             </a:fld>
             <a:endParaRPr lang="en-US"/>
           </a:p>
@@ -2867,7 +2873,7 @@
           <a:p>
             <a:fld id="{C2D2E4A4-709C-4720-8A60-129554F155B1}" type="datetimeFigureOut">
               <a:rPr lang="en-US" smtClean="0"/>
-              <a:t>8/30/2020</a:t>
+              <a:t>9/1/2020</a:t>
             </a:fld>
             <a:endParaRPr lang="en-US"/>
           </a:p>
@@ -3037,7 +3043,7 @@
           <a:p>
             <a:fld id="{C2D2E4A4-709C-4720-8A60-129554F155B1}" type="datetimeFigureOut">
               <a:rPr lang="en-US" smtClean="0"/>
-              <a:t>8/30/2020</a:t>
+              <a:t>9/1/2020</a:t>
             </a:fld>
             <a:endParaRPr lang="en-US"/>
           </a:p>
@@ -3217,7 +3223,7 @@
           <a:p>
             <a:fld id="{C2D2E4A4-709C-4720-8A60-129554F155B1}" type="datetimeFigureOut">
               <a:rPr lang="en-US" smtClean="0"/>
-              <a:t>8/30/2020</a:t>
+              <a:t>9/1/2020</a:t>
             </a:fld>
             <a:endParaRPr lang="en-US"/>
           </a:p>
@@ -3387,7 +3393,7 @@
           <a:p>
             <a:fld id="{C2D2E4A4-709C-4720-8A60-129554F155B1}" type="datetimeFigureOut">
               <a:rPr lang="en-US" smtClean="0"/>
-              <a:t>8/30/2020</a:t>
+              <a:t>9/1/2020</a:t>
             </a:fld>
             <a:endParaRPr lang="en-US"/>
           </a:p>
@@ -3634,7 +3640,7 @@
           <a:p>
             <a:fld id="{C2D2E4A4-709C-4720-8A60-129554F155B1}" type="datetimeFigureOut">
               <a:rPr lang="en-US" smtClean="0"/>
-              <a:t>8/30/2020</a:t>
+              <a:t>9/1/2020</a:t>
             </a:fld>
             <a:endParaRPr lang="en-US"/>
           </a:p>
@@ -3926,7 +3932,7 @@
           <a:p>
             <a:fld id="{C2D2E4A4-709C-4720-8A60-129554F155B1}" type="datetimeFigureOut">
               <a:rPr lang="en-US" smtClean="0"/>
-              <a:t>8/30/2020</a:t>
+              <a:t>9/1/2020</a:t>
             </a:fld>
             <a:endParaRPr lang="en-US"/>
           </a:p>
@@ -4370,7 +4376,7 @@
           <a:p>
             <a:fld id="{C2D2E4A4-709C-4720-8A60-129554F155B1}" type="datetimeFigureOut">
               <a:rPr lang="en-US" smtClean="0"/>
-              <a:t>8/30/2020</a:t>
+              <a:t>9/1/2020</a:t>
             </a:fld>
             <a:endParaRPr lang="en-US"/>
           </a:p>
@@ -4488,7 +4494,7 @@
           <a:p>
             <a:fld id="{C2D2E4A4-709C-4720-8A60-129554F155B1}" type="datetimeFigureOut">
               <a:rPr lang="en-US" smtClean="0"/>
-              <a:t>8/30/2020</a:t>
+              <a:t>9/1/2020</a:t>
             </a:fld>
             <a:endParaRPr lang="en-US"/>
           </a:p>
@@ -4583,7 +4589,7 @@
           <a:p>
             <a:fld id="{C2D2E4A4-709C-4720-8A60-129554F155B1}" type="datetimeFigureOut">
               <a:rPr lang="en-US" smtClean="0"/>
-              <a:t>8/30/2020</a:t>
+              <a:t>9/1/2020</a:t>
             </a:fld>
             <a:endParaRPr lang="en-US"/>
           </a:p>
@@ -4862,7 +4868,7 @@
           <a:p>
             <a:fld id="{C2D2E4A4-709C-4720-8A60-129554F155B1}" type="datetimeFigureOut">
               <a:rPr lang="en-US" smtClean="0"/>
-              <a:t>8/30/2020</a:t>
+              <a:t>9/1/2020</a:t>
             </a:fld>
             <a:endParaRPr lang="en-US"/>
           </a:p>
@@ -5137,7 +5143,7 @@
           <a:p>
             <a:fld id="{C2D2E4A4-709C-4720-8A60-129554F155B1}" type="datetimeFigureOut">
               <a:rPr lang="en-US" smtClean="0"/>
-              <a:t>8/30/2020</a:t>
+              <a:t>9/1/2020</a:t>
             </a:fld>
             <a:endParaRPr lang="en-US"/>
           </a:p>
@@ -5566,7 +5572,7 @@
           <a:p>
             <a:fld id="{C2D2E4A4-709C-4720-8A60-129554F155B1}" type="datetimeFigureOut">
               <a:rPr lang="en-US" smtClean="0"/>
-              <a:t>8/30/2020</a:t>
+              <a:t>9/1/2020</a:t>
             </a:fld>
             <a:endParaRPr lang="en-US"/>
           </a:p>
@@ -7227,6 +7233,141 @@
 </p:sld>
 </file>
 
+<file path=ppt/slides/slide10.xml><?xml version="1.0" encoding="utf-8"?>
+<p:sld xmlns:a="http://schemas.openxmlformats.org/drawingml/2006/main" xmlns:r="http://schemas.openxmlformats.org/officeDocument/2006/relationships" xmlns:p="http://schemas.openxmlformats.org/presentationml/2006/main">
+  <p:cSld>
+    <p:spTree>
+      <p:nvGrpSpPr>
+        <p:cNvPr id="1" name=""/>
+        <p:cNvGrpSpPr/>
+        <p:nvPr/>
+      </p:nvGrpSpPr>
+      <p:grpSpPr>
+        <a:xfrm>
+          <a:off x="0" y="0"/>
+          <a:ext cx="0" cy="0"/>
+          <a:chOff x="0" y="0"/>
+          <a:chExt cx="0" cy="0"/>
+        </a:xfrm>
+      </p:grpSpPr>
+      <p:sp>
+        <p:nvSpPr>
+          <p:cNvPr id="2" name="Title 1">
+            <a:extLst>
+              <a:ext uri="{FF2B5EF4-FFF2-40B4-BE49-F238E27FC236}">
+                <a16:creationId xmlns:a16="http://schemas.microsoft.com/office/drawing/2014/main" id="{9779E0E0-BE73-487B-AAF5-B9C63665EBD8}"/>
+              </a:ext>
+            </a:extLst>
+          </p:cNvPr>
+          <p:cNvSpPr>
+            <a:spLocks noGrp="1"/>
+          </p:cNvSpPr>
+          <p:nvPr>
+            <p:ph type="title"/>
+          </p:nvPr>
+        </p:nvSpPr>
+        <p:spPr/>
+        <p:txBody>
+          <a:bodyPr/>
+          <a:lstStyle/>
+          <a:p>
+            <a:endParaRPr lang="en-US"/>
+          </a:p>
+        </p:txBody>
+      </p:sp>
+      <p:sp>
+        <p:nvSpPr>
+          <p:cNvPr id="3" name="Content Placeholder 2">
+            <a:extLst>
+              <a:ext uri="{FF2B5EF4-FFF2-40B4-BE49-F238E27FC236}">
+                <a16:creationId xmlns:a16="http://schemas.microsoft.com/office/drawing/2014/main" id="{8C5FA733-FC78-402F-9B41-4D7D9B48900E}"/>
+              </a:ext>
+            </a:extLst>
+          </p:cNvPr>
+          <p:cNvSpPr>
+            <a:spLocks noGrp="1"/>
+          </p:cNvSpPr>
+          <p:nvPr>
+            <p:ph idx="1"/>
+          </p:nvPr>
+        </p:nvSpPr>
+        <p:spPr/>
+        <p:txBody>
+          <a:bodyPr/>
+          <a:lstStyle/>
+          <a:p>
+            <a:endParaRPr lang="en-US" dirty="0"/>
+          </a:p>
+        </p:txBody>
+      </p:sp>
+      <p:sp>
+        <p:nvSpPr>
+          <p:cNvPr id="6" name="Rectangle 5">
+            <a:extLst>
+              <a:ext uri="{FF2B5EF4-FFF2-40B4-BE49-F238E27FC236}">
+                <a16:creationId xmlns:a16="http://schemas.microsoft.com/office/drawing/2014/main" id="{0468E680-15C9-40DA-A95E-46A760AABEDE}"/>
+              </a:ext>
+            </a:extLst>
+          </p:cNvPr>
+          <p:cNvSpPr/>
+          <p:nvPr/>
+        </p:nvSpPr>
+        <p:spPr>
+          <a:xfrm>
+            <a:off x="4272426" y="2967335"/>
+            <a:ext cx="3647152" cy="923330"/>
+          </a:xfrm>
+          <a:prstGeom prst="rect">
+            <a:avLst/>
+          </a:prstGeom>
+          <a:noFill/>
+        </p:spPr>
+        <p:txBody>
+          <a:bodyPr wrap="none" lIns="91440" tIns="45720" rIns="91440" bIns="45720">
+            <a:spAutoFit/>
+          </a:bodyPr>
+          <a:lstStyle/>
+          <a:p>
+            <a:pPr algn="ctr"/>
+            <a:r>
+              <a:rPr lang="en-US" sz="5400" b="1" cap="none" spc="0" dirty="0">
+                <a:ln w="12700">
+                  <a:solidFill>
+                    <a:schemeClr val="accent3">
+                      <a:lumMod val="50000"/>
+                    </a:schemeClr>
+                  </a:solidFill>
+                  <a:prstDash val="solid"/>
+                </a:ln>
+                <a:solidFill>
+                  <a:schemeClr val="accent3"/>
+                </a:solidFill>
+                <a:effectLst>
+                  <a:outerShdw blurRad="38100" dist="38100" dir="2700000" algn="tl">
+                    <a:srgbClr val="000000">
+                      <a:alpha val="43137"/>
+                    </a:srgbClr>
+                  </a:outerShdw>
+                </a:effectLst>
+              </a:rPr>
+              <a:t>Thank You</a:t>
+            </a:r>
+          </a:p>
+        </p:txBody>
+      </p:sp>
+    </p:spTree>
+    <p:extLst>
+      <p:ext uri="{BB962C8B-B14F-4D97-AF65-F5344CB8AC3E}">
+        <p14:creationId xmlns:p14="http://schemas.microsoft.com/office/powerpoint/2010/main" val="355826045"/>
+      </p:ext>
+    </p:extLst>
+  </p:cSld>
+  <p:clrMapOvr>
+    <a:masterClrMapping/>
+  </p:clrMapOvr>
+</p:sld>
+</file>
+
 <file path=ppt/slides/slide2.xml><?xml version="1.0" encoding="utf-8"?>
 <p:sld xmlns:a="http://schemas.openxmlformats.org/drawingml/2006/main" xmlns:r="http://schemas.openxmlformats.org/officeDocument/2006/relationships" xmlns:p="http://schemas.openxmlformats.org/presentationml/2006/main">
   <p:cSld>
@@ -7295,6 +7436,119 @@
           <a:bodyPr/>
           <a:lstStyle/>
           <a:p>
+            <a:pPr marL="0" indent="0">
+              <a:buNone/>
+            </a:pPr>
+            <a:r>
+              <a:rPr lang="en-US" dirty="0">
+                <a:latin typeface="Times New Roman" panose="02020603050405020304" pitchFamily="18" charset="0"/>
+                <a:cs typeface="Times New Roman" panose="02020603050405020304" pitchFamily="18" charset="0"/>
+              </a:rPr>
+              <a:t>    </a:t>
+            </a:r>
+            <a:r>
+              <a:rPr lang="en-US" dirty="0" err="1">
+                <a:latin typeface="Times New Roman" panose="02020603050405020304" pitchFamily="18" charset="0"/>
+                <a:cs typeface="Times New Roman" panose="02020603050405020304" pitchFamily="18" charset="0"/>
+              </a:rPr>
+              <a:t>Vineetha</a:t>
+            </a:r>
+            <a:r>
+              <a:rPr lang="en-US" dirty="0">
+                <a:latin typeface="Times New Roman" panose="02020603050405020304" pitchFamily="18" charset="0"/>
+                <a:cs typeface="Times New Roman" panose="02020603050405020304" pitchFamily="18" charset="0"/>
+              </a:rPr>
+              <a:t> </a:t>
+            </a:r>
+            <a:r>
+              <a:rPr lang="en-US" dirty="0" err="1">
+                <a:latin typeface="Times New Roman" panose="02020603050405020304" pitchFamily="18" charset="0"/>
+                <a:cs typeface="Times New Roman" panose="02020603050405020304" pitchFamily="18" charset="0"/>
+              </a:rPr>
+              <a:t>Yenugula</a:t>
+            </a:r>
+            <a:r>
+              <a:rPr lang="en-US" dirty="0">
+                <a:latin typeface="Times New Roman" panose="02020603050405020304" pitchFamily="18" charset="0"/>
+                <a:cs typeface="Times New Roman" panose="02020603050405020304" pitchFamily="18" charset="0"/>
+              </a:rPr>
+              <a:t>			Shiva Rama Krishna </a:t>
+            </a:r>
+            <a:r>
+              <a:rPr lang="en-US" dirty="0" err="1">
+                <a:latin typeface="Times New Roman" panose="02020603050405020304" pitchFamily="18" charset="0"/>
+                <a:cs typeface="Times New Roman" panose="02020603050405020304" pitchFamily="18" charset="0"/>
+              </a:rPr>
+              <a:t>Vodnala</a:t>
+            </a:r>
+            <a:r>
+              <a:rPr lang="en-US" dirty="0">
+                <a:latin typeface="Times New Roman" panose="02020603050405020304" pitchFamily="18" charset="0"/>
+                <a:cs typeface="Times New Roman" panose="02020603050405020304" pitchFamily="18" charset="0"/>
+              </a:rPr>
+              <a:t>		Naga Anshitha Velagapudi</a:t>
+            </a:r>
+          </a:p>
+          <a:p>
+            <a:pPr marL="0" indent="0">
+              <a:buNone/>
+            </a:pPr>
+            <a:endParaRPr lang="en-US" dirty="0">
+              <a:latin typeface="Times New Roman" panose="02020603050405020304" pitchFamily="18" charset="0"/>
+              <a:cs typeface="Times New Roman" panose="02020603050405020304" pitchFamily="18" charset="0"/>
+            </a:endParaRPr>
+          </a:p>
+          <a:p>
+            <a:endParaRPr lang="en-US" dirty="0">
+              <a:latin typeface="Times New Roman" panose="02020603050405020304" pitchFamily="18" charset="0"/>
+              <a:cs typeface="Times New Roman" panose="02020603050405020304" pitchFamily="18" charset="0"/>
+            </a:endParaRPr>
+          </a:p>
+          <a:p>
+            <a:endParaRPr lang="en-US" dirty="0">
+              <a:latin typeface="Times New Roman" panose="02020603050405020304" pitchFamily="18" charset="0"/>
+              <a:cs typeface="Times New Roman" panose="02020603050405020304" pitchFamily="18" charset="0"/>
+            </a:endParaRPr>
+          </a:p>
+          <a:p>
+            <a:endParaRPr lang="en-US" dirty="0"/>
+          </a:p>
+          <a:p>
+            <a:endParaRPr lang="en-US" dirty="0"/>
+          </a:p>
+          <a:p>
+            <a:endParaRPr lang="en-US" dirty="0"/>
+          </a:p>
+          <a:p>
+            <a:endParaRPr lang="en-US" dirty="0"/>
+          </a:p>
+          <a:p>
+            <a:endParaRPr lang="en-US" dirty="0"/>
+          </a:p>
+          <a:p>
+            <a:endParaRPr lang="en-US" dirty="0"/>
+          </a:p>
+          <a:p>
+            <a:r>
+              <a:rPr lang="en-US" dirty="0">
+                <a:latin typeface="Times New Roman" panose="02020603050405020304" pitchFamily="18" charset="0"/>
+                <a:cs typeface="Times New Roman" panose="02020603050405020304" pitchFamily="18" charset="0"/>
+              </a:rPr>
+              <a:t>Swaroopa </a:t>
+            </a:r>
+            <a:r>
+              <a:rPr lang="en-US" dirty="0" err="1">
+                <a:latin typeface="Times New Roman" panose="02020603050405020304" pitchFamily="18" charset="0"/>
+                <a:cs typeface="Times New Roman" panose="02020603050405020304" pitchFamily="18" charset="0"/>
+              </a:rPr>
+              <a:t>Thirumalareddy</a:t>
+            </a:r>
+            <a:endParaRPr lang="en-US" dirty="0">
+              <a:latin typeface="Times New Roman" panose="02020603050405020304" pitchFamily="18" charset="0"/>
+              <a:cs typeface="Times New Roman" panose="02020603050405020304" pitchFamily="18" charset="0"/>
+            </a:endParaRPr>
+          </a:p>
+          <a:p>
             <a:r>
               <a:rPr lang="en-US" dirty="0">
                 <a:latin typeface="Times New Roman" panose="02020603050405020304" pitchFamily="18" charset="0"/>
@@ -7315,86 +7569,118 @@
             </a:endParaRPr>
           </a:p>
           <a:p>
-            <a:r>
-              <a:rPr lang="en-US" dirty="0" err="1">
-                <a:latin typeface="Times New Roman" panose="02020603050405020304" pitchFamily="18" charset="0"/>
-                <a:cs typeface="Times New Roman" panose="02020603050405020304" pitchFamily="18" charset="0"/>
-              </a:rPr>
-              <a:t>Vineetha</a:t>
-            </a:r>
-            <a:r>
-              <a:rPr lang="en-US" dirty="0">
-                <a:latin typeface="Times New Roman" panose="02020603050405020304" pitchFamily="18" charset="0"/>
-                <a:cs typeface="Times New Roman" panose="02020603050405020304" pitchFamily="18" charset="0"/>
-              </a:rPr>
-              <a:t> </a:t>
-            </a:r>
-            <a:r>
-              <a:rPr lang="en-US" dirty="0" err="1">
-                <a:latin typeface="Times New Roman" panose="02020603050405020304" pitchFamily="18" charset="0"/>
-                <a:cs typeface="Times New Roman" panose="02020603050405020304" pitchFamily="18" charset="0"/>
-              </a:rPr>
-              <a:t>Yenugula</a:t>
-            </a:r>
-            <a:endParaRPr lang="en-US" dirty="0">
-              <a:latin typeface="Times New Roman" panose="02020603050405020304" pitchFamily="18" charset="0"/>
-              <a:cs typeface="Times New Roman" panose="02020603050405020304" pitchFamily="18" charset="0"/>
-            </a:endParaRPr>
-          </a:p>
-          <a:p>
-            <a:r>
-              <a:rPr lang="en-US" dirty="0">
-                <a:latin typeface="Times New Roman" panose="02020603050405020304" pitchFamily="18" charset="0"/>
-                <a:cs typeface="Times New Roman" panose="02020603050405020304" pitchFamily="18" charset="0"/>
-              </a:rPr>
-              <a:t>Naga Anshitha Velagapudi</a:t>
-            </a:r>
-          </a:p>
-          <a:p>
-            <a:r>
-              <a:rPr lang="en-US" dirty="0">
-                <a:latin typeface="Times New Roman" panose="02020603050405020304" pitchFamily="18" charset="0"/>
-                <a:cs typeface="Times New Roman" panose="02020603050405020304" pitchFamily="18" charset="0"/>
-              </a:rPr>
-              <a:t>Shiva Rama Krishna </a:t>
-            </a:r>
-            <a:r>
-              <a:rPr lang="en-US" dirty="0" err="1">
-                <a:latin typeface="Times New Roman" panose="02020603050405020304" pitchFamily="18" charset="0"/>
-                <a:cs typeface="Times New Roman" panose="02020603050405020304" pitchFamily="18" charset="0"/>
-              </a:rPr>
-              <a:t>Vodnala</a:t>
-            </a:r>
-            <a:endParaRPr lang="en-US" dirty="0">
-              <a:latin typeface="Times New Roman" panose="02020603050405020304" pitchFamily="18" charset="0"/>
-              <a:cs typeface="Times New Roman" panose="02020603050405020304" pitchFamily="18" charset="0"/>
-            </a:endParaRPr>
-          </a:p>
-          <a:p>
-            <a:r>
-              <a:rPr lang="en-US" dirty="0">
-                <a:latin typeface="Times New Roman" panose="02020603050405020304" pitchFamily="18" charset="0"/>
-                <a:cs typeface="Times New Roman" panose="02020603050405020304" pitchFamily="18" charset="0"/>
-              </a:rPr>
-              <a:t>Swaroopa </a:t>
-            </a:r>
-            <a:r>
-              <a:rPr lang="en-US" dirty="0" err="1">
-                <a:latin typeface="Times New Roman" panose="02020603050405020304" pitchFamily="18" charset="0"/>
-                <a:cs typeface="Times New Roman" panose="02020603050405020304" pitchFamily="18" charset="0"/>
-              </a:rPr>
-              <a:t>Thirumalareddy</a:t>
-            </a:r>
-            <a:endParaRPr lang="en-US" dirty="0">
-              <a:latin typeface="Times New Roman" panose="02020603050405020304" pitchFamily="18" charset="0"/>
-              <a:cs typeface="Times New Roman" panose="02020603050405020304" pitchFamily="18" charset="0"/>
-            </a:endParaRPr>
-          </a:p>
-          <a:p>
             <a:endParaRPr lang="en-US" dirty="0"/>
           </a:p>
         </p:txBody>
       </p:sp>
+      <p:pic>
+        <p:nvPicPr>
+          <p:cNvPr id="5" name="Picture 4" descr="A person standing in front of a body of water&#10;&#10;Description automatically generated">
+            <a:extLst>
+              <a:ext uri="{FF2B5EF4-FFF2-40B4-BE49-F238E27FC236}">
+                <a16:creationId xmlns:a16="http://schemas.microsoft.com/office/drawing/2014/main" id="{92DB79B2-DF6D-431D-8B85-E3B38A6179B2}"/>
+              </a:ext>
+            </a:extLst>
+          </p:cNvPr>
+          <p:cNvPicPr>
+            <a:picLocks noChangeAspect="1"/>
+          </p:cNvPicPr>
+          <p:nvPr/>
+        </p:nvPicPr>
+        <p:blipFill>
+          <a:blip r:embed="rId2">
+            <a:extLst>
+              <a:ext uri="{28A0092B-C50C-407E-A947-70E740481C1C}">
+                <a14:useLocalDpi xmlns:a14="http://schemas.microsoft.com/office/drawing/2010/main" val="0"/>
+              </a:ext>
+            </a:extLst>
+          </a:blip>
+          <a:stretch>
+            <a:fillRect/>
+          </a:stretch>
+        </p:blipFill>
+        <p:spPr>
+          <a:xfrm>
+            <a:off x="1287659" y="863000"/>
+            <a:ext cx="1707013" cy="2272093"/>
+          </a:xfrm>
+          <a:prstGeom prst="rect">
+            <a:avLst/>
+          </a:prstGeom>
+        </p:spPr>
+      </p:pic>
+      <p:pic>
+        <p:nvPicPr>
+          <p:cNvPr id="7" name="Picture 6" descr="A person smiling for the camera&#10;&#10;Description automatically generated">
+            <a:extLst>
+              <a:ext uri="{FF2B5EF4-FFF2-40B4-BE49-F238E27FC236}">
+                <a16:creationId xmlns:a16="http://schemas.microsoft.com/office/drawing/2014/main" id="{64698B35-8E26-4280-AFB3-C7EAA5BE7E87}"/>
+              </a:ext>
+            </a:extLst>
+          </p:cNvPr>
+          <p:cNvPicPr>
+            <a:picLocks noChangeAspect="1"/>
+          </p:cNvPicPr>
+          <p:nvPr/>
+        </p:nvPicPr>
+        <p:blipFill>
+          <a:blip r:embed="rId3">
+            <a:extLst>
+              <a:ext uri="{28A0092B-C50C-407E-A947-70E740481C1C}">
+                <a14:useLocalDpi xmlns:a14="http://schemas.microsoft.com/office/drawing/2010/main" val="0"/>
+              </a:ext>
+            </a:extLst>
+          </a:blip>
+          <a:stretch>
+            <a:fillRect/>
+          </a:stretch>
+        </p:blipFill>
+        <p:spPr>
+          <a:xfrm>
+            <a:off x="4815739" y="863000"/>
+            <a:ext cx="1707013" cy="2272093"/>
+          </a:xfrm>
+          <a:prstGeom prst="rect">
+            <a:avLst/>
+          </a:prstGeom>
+        </p:spPr>
+      </p:pic>
+      <p:pic>
+        <p:nvPicPr>
+          <p:cNvPr id="9" name="Picture 8" descr="A person smiling for the camera&#10;&#10;Description automatically generated">
+            <a:extLst>
+              <a:ext uri="{FF2B5EF4-FFF2-40B4-BE49-F238E27FC236}">
+                <a16:creationId xmlns:a16="http://schemas.microsoft.com/office/drawing/2014/main" id="{4DC14134-59B9-40CD-B4BE-E8D1F5CD7132}"/>
+              </a:ext>
+            </a:extLst>
+          </p:cNvPr>
+          <p:cNvPicPr>
+            <a:picLocks noChangeAspect="1"/>
+          </p:cNvPicPr>
+          <p:nvPr/>
+        </p:nvPicPr>
+        <p:blipFill>
+          <a:blip r:embed="rId4">
+            <a:extLst>
+              <a:ext uri="{28A0092B-C50C-407E-A947-70E740481C1C}">
+                <a14:useLocalDpi xmlns:a14="http://schemas.microsoft.com/office/drawing/2010/main" val="0"/>
+              </a:ext>
+            </a:extLst>
+          </a:blip>
+          <a:stretch>
+            <a:fillRect/>
+          </a:stretch>
+        </p:blipFill>
+        <p:spPr>
+          <a:xfrm>
+            <a:off x="8343819" y="863000"/>
+            <a:ext cx="1707013" cy="2272093"/>
+          </a:xfrm>
+          <a:prstGeom prst="rect">
+            <a:avLst/>
+          </a:prstGeom>
+        </p:spPr>
+      </p:pic>
     </p:spTree>
     <p:extLst>
       <p:ext uri="{BB962C8B-B14F-4D97-AF65-F5344CB8AC3E}">
@@ -7430,6 +7716,218 @@
           <p:cNvPr id="2" name="Title 1">
             <a:extLst>
               <a:ext uri="{FF2B5EF4-FFF2-40B4-BE49-F238E27FC236}">
+                <a16:creationId xmlns:a16="http://schemas.microsoft.com/office/drawing/2014/main" id="{C8C00379-46E4-446E-88A8-5933040D965B}"/>
+              </a:ext>
+            </a:extLst>
+          </p:cNvPr>
+          <p:cNvSpPr>
+            <a:spLocks noGrp="1"/>
+          </p:cNvSpPr>
+          <p:nvPr>
+            <p:ph type="title"/>
+          </p:nvPr>
+        </p:nvSpPr>
+        <p:spPr>
+          <a:xfrm>
+            <a:off x="646111" y="452718"/>
+            <a:ext cx="9404723" cy="893197"/>
+          </a:xfrm>
+        </p:spPr>
+        <p:txBody>
+          <a:bodyPr/>
+          <a:lstStyle/>
+          <a:p>
+            <a:r>
+              <a:rPr lang="en-US" b="1" dirty="0">
+                <a:solidFill>
+                  <a:schemeClr val="accent3"/>
+                </a:solidFill>
+                <a:effectLst>
+                  <a:outerShdw blurRad="38100" dist="38100" dir="2700000" algn="tl">
+                    <a:srgbClr val="000000">
+                      <a:alpha val="43137"/>
+                    </a:srgbClr>
+                  </a:outerShdw>
+                </a:effectLst>
+                <a:latin typeface="Times New Roman" panose="02020603050405020304" pitchFamily="18" charset="0"/>
+                <a:cs typeface="Times New Roman" panose="02020603050405020304" pitchFamily="18" charset="0"/>
+              </a:rPr>
+              <a:t>Requirements</a:t>
+            </a:r>
+            <a:r>
+              <a:rPr lang="en-US" dirty="0">
+                <a:effectLst>
+                  <a:outerShdw blurRad="38100" dist="38100" dir="2700000" algn="tl">
+                    <a:srgbClr val="000000">
+                      <a:alpha val="43137"/>
+                    </a:srgbClr>
+                  </a:outerShdw>
+                </a:effectLst>
+                <a:latin typeface="Times New Roman" panose="02020603050405020304" pitchFamily="18" charset="0"/>
+                <a:cs typeface="Times New Roman" panose="02020603050405020304" pitchFamily="18" charset="0"/>
+              </a:rPr>
+              <a:t>	</a:t>
+            </a:r>
+          </a:p>
+        </p:txBody>
+      </p:sp>
+      <p:sp>
+        <p:nvSpPr>
+          <p:cNvPr id="3" name="Content Placeholder 2">
+            <a:extLst>
+              <a:ext uri="{FF2B5EF4-FFF2-40B4-BE49-F238E27FC236}">
+                <a16:creationId xmlns:a16="http://schemas.microsoft.com/office/drawing/2014/main" id="{A0AC3E9A-BB0B-4A18-AEAA-7929FA74C75D}"/>
+              </a:ext>
+            </a:extLst>
+          </p:cNvPr>
+          <p:cNvSpPr>
+            <a:spLocks noGrp="1"/>
+          </p:cNvSpPr>
+          <p:nvPr>
+            <p:ph idx="1"/>
+          </p:nvPr>
+        </p:nvSpPr>
+        <p:spPr>
+          <a:xfrm>
+            <a:off x="1103312" y="1489753"/>
+            <a:ext cx="8946541" cy="4758647"/>
+          </a:xfrm>
+        </p:spPr>
+        <p:txBody>
+          <a:bodyPr>
+            <a:normAutofit lnSpcReduction="10000"/>
+          </a:bodyPr>
+          <a:lstStyle/>
+          <a:p>
+            <a:r>
+              <a:rPr lang="en-US" sz="2400" dirty="0">
+                <a:latin typeface="Times New Roman" panose="02020603050405020304" pitchFamily="18" charset="0"/>
+                <a:cs typeface="Times New Roman" panose="02020603050405020304" pitchFamily="18" charset="0"/>
+              </a:rPr>
+              <a:t>Choose your app name</a:t>
+            </a:r>
+          </a:p>
+          <a:p>
+            <a:r>
+              <a:rPr lang="en-US" sz="2400" dirty="0">
+                <a:latin typeface="Times New Roman" panose="02020603050405020304" pitchFamily="18" charset="0"/>
+                <a:cs typeface="Times New Roman" panose="02020603050405020304" pitchFamily="18" charset="0"/>
+              </a:rPr>
+              <a:t>Select a color scheme</a:t>
+            </a:r>
+          </a:p>
+          <a:p>
+            <a:r>
+              <a:rPr lang="en-US" sz="2400" dirty="0">
+                <a:latin typeface="Times New Roman" panose="02020603050405020304" pitchFamily="18" charset="0"/>
+                <a:cs typeface="Times New Roman" panose="02020603050405020304" pitchFamily="18" charset="0"/>
+              </a:rPr>
+              <a:t>Customize your app design</a:t>
+            </a:r>
+          </a:p>
+          <a:p>
+            <a:r>
+              <a:rPr lang="en-US" sz="2400" dirty="0">
+                <a:latin typeface="Times New Roman" panose="02020603050405020304" pitchFamily="18" charset="0"/>
+                <a:cs typeface="Times New Roman" panose="02020603050405020304" pitchFamily="18" charset="0"/>
+              </a:rPr>
+              <a:t>Choose the right test device</a:t>
+            </a:r>
+          </a:p>
+          <a:p>
+            <a:r>
+              <a:rPr lang="en-US" sz="2400" dirty="0">
+                <a:latin typeface="Times New Roman" panose="02020603050405020304" pitchFamily="18" charset="0"/>
+                <a:cs typeface="Times New Roman" panose="02020603050405020304" pitchFamily="18" charset="0"/>
+              </a:rPr>
+              <a:t>Install the app on your device</a:t>
+            </a:r>
+          </a:p>
+          <a:p>
+            <a:r>
+              <a:rPr lang="en-US" sz="2400" dirty="0">
+                <a:latin typeface="Times New Roman" panose="02020603050405020304" pitchFamily="18" charset="0"/>
+                <a:cs typeface="Times New Roman" panose="02020603050405020304" pitchFamily="18" charset="0"/>
+              </a:rPr>
+              <a:t>Add the features you want (Key Section)</a:t>
+            </a:r>
+          </a:p>
+          <a:p>
+            <a:r>
+              <a:rPr lang="en-US" sz="2400" dirty="0">
+                <a:latin typeface="Times New Roman" panose="02020603050405020304" pitchFamily="18" charset="0"/>
+                <a:cs typeface="Times New Roman" panose="02020603050405020304" pitchFamily="18" charset="0"/>
+              </a:rPr>
+              <a:t>Test, test, and test before the launch</a:t>
+            </a:r>
+          </a:p>
+          <a:p>
+            <a:r>
+              <a:rPr lang="en-US" sz="2400" dirty="0">
+                <a:latin typeface="Times New Roman" panose="02020603050405020304" pitchFamily="18" charset="0"/>
+                <a:cs typeface="Times New Roman" panose="02020603050405020304" pitchFamily="18" charset="0"/>
+              </a:rPr>
+              <a:t>Publish your app</a:t>
+            </a:r>
+          </a:p>
+          <a:p>
+            <a:r>
+              <a:rPr lang="en-US" sz="2400" dirty="0">
+                <a:latin typeface="Times New Roman" panose="02020603050405020304" pitchFamily="18" charset="0"/>
+                <a:cs typeface="Times New Roman" panose="02020603050405020304" pitchFamily="18" charset="0"/>
+              </a:rPr>
+              <a:t>Promote your app</a:t>
+            </a:r>
+          </a:p>
+          <a:p>
+            <a:r>
+              <a:rPr lang="en-US" sz="2400" dirty="0">
+                <a:latin typeface="Times New Roman" panose="02020603050405020304" pitchFamily="18" charset="0"/>
+                <a:cs typeface="Times New Roman" panose="02020603050405020304" pitchFamily="18" charset="0"/>
+              </a:rPr>
+              <a:t>Ask your users for feedback</a:t>
+            </a:r>
+          </a:p>
+          <a:p>
+            <a:endParaRPr lang="en-US" dirty="0"/>
+          </a:p>
+        </p:txBody>
+      </p:sp>
+    </p:spTree>
+    <p:extLst>
+      <p:ext uri="{BB962C8B-B14F-4D97-AF65-F5344CB8AC3E}">
+        <p14:creationId xmlns:p14="http://schemas.microsoft.com/office/powerpoint/2010/main" val="1734231488"/>
+      </p:ext>
+    </p:extLst>
+  </p:cSld>
+  <p:clrMapOvr>
+    <a:masterClrMapping/>
+  </p:clrMapOvr>
+</p:sld>
+</file>
+
+<file path=ppt/slides/slide4.xml><?xml version="1.0" encoding="utf-8"?>
+<p:sld xmlns:a="http://schemas.openxmlformats.org/drawingml/2006/main" xmlns:r="http://schemas.openxmlformats.org/officeDocument/2006/relationships" xmlns:p="http://schemas.openxmlformats.org/presentationml/2006/main">
+  <p:cSld>
+    <p:spTree>
+      <p:nvGrpSpPr>
+        <p:cNvPr id="1" name=""/>
+        <p:cNvGrpSpPr/>
+        <p:nvPr/>
+      </p:nvGrpSpPr>
+      <p:grpSpPr>
+        <a:xfrm>
+          <a:off x="0" y="0"/>
+          <a:ext cx="0" cy="0"/>
+          <a:chOff x="0" y="0"/>
+          <a:chExt cx="0" cy="0"/>
+        </a:xfrm>
+      </p:grpSpPr>
+      <p:sp>
+        <p:nvSpPr>
+          <p:cNvPr id="2" name="Title 1">
+            <a:extLst>
+              <a:ext uri="{FF2B5EF4-FFF2-40B4-BE49-F238E27FC236}">
                 <a16:creationId xmlns:a16="http://schemas.microsoft.com/office/drawing/2014/main" id="{125EC5BE-68C9-4C55-8D48-904C9CFC8A87}"/>
               </a:ext>
             </a:extLst>
@@ -7452,7 +7950,17 @@
           <a:lstStyle/>
           <a:p>
             <a:r>
-              <a:rPr lang="en-US" sz="4000" dirty="0">
+              <a:rPr lang="en-US" b="1" dirty="0">
+                <a:solidFill>
+                  <a:schemeClr val="accent3"/>
+                </a:solidFill>
+                <a:effectLst>
+                  <a:outerShdw blurRad="38100" dist="38100" dir="2700000" algn="tl">
+                    <a:srgbClr val="000000">
+                      <a:alpha val="43137"/>
+                    </a:srgbClr>
+                  </a:outerShdw>
+                </a:effectLst>
                 <a:latin typeface="Times New Roman" panose="02020603050405020304" pitchFamily="18" charset="0"/>
                 <a:cs typeface="Times New Roman" panose="02020603050405020304" pitchFamily="18" charset="0"/>
               </a:rPr>
@@ -7564,7 +8072,7 @@
 </p:sld>
 </file>
 
-<file path=ppt/slides/slide4.xml><?xml version="1.0" encoding="utf-8"?>
+<file path=ppt/slides/slide5.xml><?xml version="1.0" encoding="utf-8"?>
 <p:sld xmlns:a="http://schemas.openxmlformats.org/drawingml/2006/main" xmlns:r="http://schemas.openxmlformats.org/officeDocument/2006/relationships" xmlns:p="http://schemas.openxmlformats.org/presentationml/2006/main">
   <p:cSld>
     <p:spTree>
@@ -7603,13 +8111,34 @@
           <a:lstStyle/>
           <a:p>
             <a:r>
-              <a:rPr lang="en-US" sz="4400" dirty="0">
+              <a:rPr lang="en-US" b="1" dirty="0">
+                <a:solidFill>
+                  <a:schemeClr val="accent3"/>
+                </a:solidFill>
+                <a:effectLst>
+                  <a:outerShdw blurRad="38100" dist="38100" dir="2700000" algn="tl">
+                    <a:srgbClr val="000000">
+                      <a:alpha val="43137"/>
+                    </a:srgbClr>
+                  </a:outerShdw>
+                </a:effectLst>
                 <a:latin typeface="Times New Roman" panose="02020603050405020304" pitchFamily="18" charset="0"/>
                 <a:cs typeface="Times New Roman" panose="02020603050405020304" pitchFamily="18" charset="0"/>
               </a:rPr>
               <a:t>Screens of UI Sketches</a:t>
             </a:r>
-            <a:endParaRPr lang="en-US" dirty="0"/>
+            <a:endParaRPr lang="en-US" b="1" dirty="0">
+              <a:solidFill>
+                <a:schemeClr val="accent3"/>
+              </a:solidFill>
+              <a:effectLst>
+                <a:outerShdw blurRad="38100" dist="38100" dir="2700000" algn="tl">
+                  <a:srgbClr val="000000">
+                    <a:alpha val="43137"/>
+                  </a:srgbClr>
+                </a:outerShdw>
+              </a:effectLst>
+            </a:endParaRPr>
           </a:p>
         </p:txBody>
       </p:sp>
@@ -7697,7 +8226,7 @@
 </p:sld>
 </file>
 
-<file path=ppt/slides/slide5.xml><?xml version="1.0" encoding="utf-8"?>
+<file path=ppt/slides/slide6.xml><?xml version="1.0" encoding="utf-8"?>
 <p:sld xmlns:a="http://schemas.openxmlformats.org/drawingml/2006/main" xmlns:r="http://schemas.openxmlformats.org/officeDocument/2006/relationships" xmlns:p="http://schemas.openxmlformats.org/presentationml/2006/main">
   <p:cSld>
     <p:spTree>
@@ -7736,13 +8265,34 @@
           <a:lstStyle/>
           <a:p>
             <a:r>
-              <a:rPr lang="en-US" sz="4000" dirty="0">
+              <a:rPr lang="en-US" b="1" dirty="0">
+                <a:solidFill>
+                  <a:schemeClr val="accent3"/>
+                </a:solidFill>
+                <a:effectLst>
+                  <a:outerShdw blurRad="38100" dist="38100" dir="2700000" algn="tl">
+                    <a:srgbClr val="000000">
+                      <a:alpha val="43137"/>
+                    </a:srgbClr>
+                  </a:outerShdw>
+                </a:effectLst>
                 <a:latin typeface="Times New Roman" panose="02020603050405020304" pitchFamily="18" charset="0"/>
                 <a:cs typeface="Times New Roman" panose="02020603050405020304" pitchFamily="18" charset="0"/>
               </a:rPr>
               <a:t>Screens of UI Sketches</a:t>
             </a:r>
-            <a:endParaRPr lang="en-US" dirty="0"/>
+            <a:endParaRPr lang="en-US" b="1" dirty="0">
+              <a:solidFill>
+                <a:schemeClr val="accent3"/>
+              </a:solidFill>
+              <a:effectLst>
+                <a:outerShdw blurRad="38100" dist="38100" dir="2700000" algn="tl">
+                  <a:srgbClr val="000000">
+                    <a:alpha val="43137"/>
+                  </a:srgbClr>
+                </a:outerShdw>
+              </a:effectLst>
+            </a:endParaRPr>
           </a:p>
         </p:txBody>
       </p:sp>
@@ -7830,7 +8380,7 @@
 </p:sld>
 </file>
 
-<file path=ppt/slides/slide6.xml><?xml version="1.0" encoding="utf-8"?>
+<file path=ppt/slides/slide7.xml><?xml version="1.0" encoding="utf-8"?>
 <p:sld xmlns:a="http://schemas.openxmlformats.org/drawingml/2006/main" xmlns:r="http://schemas.openxmlformats.org/officeDocument/2006/relationships" xmlns:p="http://schemas.openxmlformats.org/presentationml/2006/main">
   <p:cSld>
     <p:spTree>
@@ -7869,7 +8419,20 @@
           <a:lstStyle/>
           <a:p>
             <a:r>
-              <a:rPr lang="en-US" dirty="0"/>
+              <a:rPr lang="en-US" b="1" dirty="0">
+                <a:solidFill>
+                  <a:schemeClr val="accent3"/>
+                </a:solidFill>
+                <a:effectLst>
+                  <a:outerShdw blurRad="38100" dist="38100" dir="2700000" algn="tl">
+                    <a:srgbClr val="000000">
+                      <a:alpha val="43137"/>
+                    </a:srgbClr>
+                  </a:outerShdw>
+                </a:effectLst>
+                <a:latin typeface="Times New Roman" panose="02020603050405020304" pitchFamily="18" charset="0"/>
+                <a:cs typeface="Times New Roman" panose="02020603050405020304" pitchFamily="18" charset="0"/>
+              </a:rPr>
               <a:t>Cost Management </a:t>
             </a:r>
           </a:p>
@@ -7923,7 +8486,7 @@
 </p:sld>
 </file>
 
-<file path=ppt/slides/slide7.xml><?xml version="1.0" encoding="utf-8"?>
+<file path=ppt/slides/slide8.xml><?xml version="1.0" encoding="utf-8"?>
 <p:sld xmlns:a="http://schemas.openxmlformats.org/drawingml/2006/main" xmlns:r="http://schemas.openxmlformats.org/officeDocument/2006/relationships" xmlns:p="http://schemas.openxmlformats.org/presentationml/2006/main">
   <p:cSld>
     <p:spTree>
@@ -7962,7 +8525,20 @@
           <a:lstStyle/>
           <a:p>
             <a:r>
-              <a:rPr lang="en-US" dirty="0"/>
+              <a:rPr lang="en-US" b="1" dirty="0">
+                <a:solidFill>
+                  <a:schemeClr val="accent3"/>
+                </a:solidFill>
+                <a:effectLst>
+                  <a:outerShdw blurRad="38100" dist="38100" dir="2700000" algn="tl">
+                    <a:srgbClr val="000000">
+                      <a:alpha val="43137"/>
+                    </a:srgbClr>
+                  </a:outerShdw>
+                </a:effectLst>
+                <a:latin typeface="Times New Roman" panose="02020603050405020304" pitchFamily="18" charset="0"/>
+                <a:cs typeface="Times New Roman" panose="02020603050405020304" pitchFamily="18" charset="0"/>
+              </a:rPr>
               <a:t>Schedule Management</a:t>
             </a:r>
           </a:p>
@@ -8016,7 +8592,7 @@
 </p:sld>
 </file>
 
-<file path=ppt/slides/slide8.xml><?xml version="1.0" encoding="utf-8"?>
+<file path=ppt/slides/slide9.xml><?xml version="1.0" encoding="utf-8"?>
 <p:sld xmlns:a="http://schemas.openxmlformats.org/drawingml/2006/main" xmlns:r="http://schemas.openxmlformats.org/officeDocument/2006/relationships" xmlns:p="http://schemas.openxmlformats.org/presentationml/2006/main">
   <p:cSld>
     <p:spTree>
@@ -8055,7 +8631,20 @@
           <a:lstStyle/>
           <a:p>
             <a:r>
-              <a:rPr lang="en-US" dirty="0"/>
+              <a:rPr lang="en-US" b="1" dirty="0">
+                <a:solidFill>
+                  <a:schemeClr val="accent3"/>
+                </a:solidFill>
+                <a:effectLst>
+                  <a:outerShdw blurRad="38100" dist="38100" dir="2700000" algn="tl">
+                    <a:srgbClr val="000000">
+                      <a:alpha val="43137"/>
+                    </a:srgbClr>
+                  </a:outerShdw>
+                </a:effectLst>
+                <a:latin typeface="Times New Roman" panose="02020603050405020304" pitchFamily="18" charset="0"/>
+                <a:cs typeface="Times New Roman" panose="02020603050405020304" pitchFamily="18" charset="0"/>
+              </a:rPr>
               <a:t>ER Diagram</a:t>
             </a:r>
           </a:p>
@@ -8100,149 +8689,6 @@
     <p:extLst>
       <p:ext uri="{BB962C8B-B14F-4D97-AF65-F5344CB8AC3E}">
         <p14:creationId xmlns:p14="http://schemas.microsoft.com/office/powerpoint/2010/main" val="2907710349"/>
-      </p:ext>
-    </p:extLst>
-  </p:cSld>
-  <p:clrMapOvr>
-    <a:masterClrMapping/>
-  </p:clrMapOvr>
-</p:sld>
-</file>
-
-<file path=ppt/slides/slide9.xml><?xml version="1.0" encoding="utf-8"?>
-<p:sld xmlns:a="http://schemas.openxmlformats.org/drawingml/2006/main" xmlns:r="http://schemas.openxmlformats.org/officeDocument/2006/relationships" xmlns:p="http://schemas.openxmlformats.org/presentationml/2006/main">
-  <p:cSld>
-    <p:spTree>
-      <p:nvGrpSpPr>
-        <p:cNvPr id="1" name=""/>
-        <p:cNvGrpSpPr/>
-        <p:nvPr/>
-      </p:nvGrpSpPr>
-      <p:grpSpPr>
-        <a:xfrm>
-          <a:off x="0" y="0"/>
-          <a:ext cx="0" cy="0"/>
-          <a:chOff x="0" y="0"/>
-          <a:chExt cx="0" cy="0"/>
-        </a:xfrm>
-      </p:grpSpPr>
-      <p:sp>
-        <p:nvSpPr>
-          <p:cNvPr id="2" name="Title 1">
-            <a:extLst>
-              <a:ext uri="{FF2B5EF4-FFF2-40B4-BE49-F238E27FC236}">
-                <a16:creationId xmlns:a16="http://schemas.microsoft.com/office/drawing/2014/main" id="{9779E0E0-BE73-487B-AAF5-B9C63665EBD8}"/>
-              </a:ext>
-            </a:extLst>
-          </p:cNvPr>
-          <p:cNvSpPr>
-            <a:spLocks noGrp="1"/>
-          </p:cNvSpPr>
-          <p:nvPr>
-            <p:ph type="title"/>
-          </p:nvPr>
-        </p:nvSpPr>
-        <p:spPr/>
-        <p:txBody>
-          <a:bodyPr/>
-          <a:lstStyle/>
-          <a:p>
-            <a:endParaRPr lang="en-US"/>
-          </a:p>
-        </p:txBody>
-      </p:sp>
-      <p:sp>
-        <p:nvSpPr>
-          <p:cNvPr id="3" name="Content Placeholder 2">
-            <a:extLst>
-              <a:ext uri="{FF2B5EF4-FFF2-40B4-BE49-F238E27FC236}">
-                <a16:creationId xmlns:a16="http://schemas.microsoft.com/office/drawing/2014/main" id="{8C5FA733-FC78-402F-9B41-4D7D9B48900E}"/>
-              </a:ext>
-            </a:extLst>
-          </p:cNvPr>
-          <p:cNvSpPr>
-            <a:spLocks noGrp="1"/>
-          </p:cNvSpPr>
-          <p:nvPr>
-            <p:ph idx="1"/>
-          </p:nvPr>
-        </p:nvSpPr>
-        <p:spPr/>
-        <p:txBody>
-          <a:bodyPr/>
-          <a:lstStyle/>
-          <a:p>
-            <a:endParaRPr lang="en-US" dirty="0"/>
-          </a:p>
-        </p:txBody>
-      </p:sp>
-      <p:sp>
-        <p:nvSpPr>
-          <p:cNvPr id="6" name="Rectangle 5">
-            <a:extLst>
-              <a:ext uri="{FF2B5EF4-FFF2-40B4-BE49-F238E27FC236}">
-                <a16:creationId xmlns:a16="http://schemas.microsoft.com/office/drawing/2014/main" id="{0468E680-15C9-40DA-A95E-46A760AABEDE}"/>
-              </a:ext>
-            </a:extLst>
-          </p:cNvPr>
-          <p:cNvSpPr/>
-          <p:nvPr/>
-        </p:nvSpPr>
-        <p:spPr>
-          <a:xfrm>
-            <a:off x="4272426" y="2967335"/>
-            <a:ext cx="3647152" cy="923330"/>
-          </a:xfrm>
-          <a:prstGeom prst="rect">
-            <a:avLst/>
-          </a:prstGeom>
-          <a:noFill/>
-        </p:spPr>
-        <p:txBody>
-          <a:bodyPr wrap="none" lIns="91440" tIns="45720" rIns="91440" bIns="45720">
-            <a:spAutoFit/>
-          </a:bodyPr>
-          <a:lstStyle/>
-          <a:p>
-            <a:pPr algn="ctr"/>
-            <a:r>
-              <a:rPr lang="en-US" sz="5400" b="1" cap="none" spc="0" dirty="0">
-                <a:ln w="12700">
-                  <a:solidFill>
-                    <a:schemeClr val="accent3">
-                      <a:lumMod val="50000"/>
-                    </a:schemeClr>
-                  </a:solidFill>
-                  <a:prstDash val="solid"/>
-                </a:ln>
-                <a:pattFill prst="narHorz">
-                  <a:fgClr>
-                    <a:schemeClr val="accent3"/>
-                  </a:fgClr>
-                  <a:bgClr>
-                    <a:schemeClr val="accent3">
-                      <a:lumMod val="40000"/>
-                      <a:lumOff val="60000"/>
-                    </a:schemeClr>
-                  </a:bgClr>
-                </a:pattFill>
-                <a:effectLst>
-                  <a:innerShdw blurRad="177800">
-                    <a:schemeClr val="accent3">
-                      <a:lumMod val="50000"/>
-                    </a:schemeClr>
-                  </a:innerShdw>
-                </a:effectLst>
-              </a:rPr>
-              <a:t>Thank You</a:t>
-            </a:r>
-          </a:p>
-        </p:txBody>
-      </p:sp>
-    </p:spTree>
-    <p:extLst>
-      <p:ext uri="{BB962C8B-B14F-4D97-AF65-F5344CB8AC3E}">
-        <p14:creationId xmlns:p14="http://schemas.microsoft.com/office/powerpoint/2010/main" val="355826045"/>
       </p:ext>
     </p:extLst>
   </p:cSld>

--- a/Healthify-NWMSU.pptx
+++ b/Healthify-NWMSU.pptx
@@ -7406,7 +7406,7 @@
           <a:bodyPr/>
           <a:lstStyle/>
           <a:p>
-            <a:endParaRPr lang="en-US"/>
+            <a:endParaRPr lang="en-US" dirty="0"/>
           </a:p>
         </p:txBody>
       </p:sp>
@@ -7472,7 +7472,69 @@
                 <a:latin typeface="Times New Roman" panose="02020603050405020304" pitchFamily="18" charset="0"/>
                 <a:cs typeface="Times New Roman" panose="02020603050405020304" pitchFamily="18" charset="0"/>
               </a:rPr>
-              <a:t>			Shiva Rama Krishna </a:t>
+              <a:t>			Naga Anshitha Velagapudi			 Swaroopa </a:t>
+            </a:r>
+            <a:r>
+              <a:rPr lang="en-US" dirty="0" err="1">
+                <a:latin typeface="Times New Roman" panose="02020603050405020304" pitchFamily="18" charset="0"/>
+                <a:cs typeface="Times New Roman" panose="02020603050405020304" pitchFamily="18" charset="0"/>
+              </a:rPr>
+              <a:t>Thirumalareddy</a:t>
+            </a:r>
+            <a:endParaRPr lang="en-US" dirty="0">
+              <a:latin typeface="Times New Roman" panose="02020603050405020304" pitchFamily="18" charset="0"/>
+              <a:cs typeface="Times New Roman" panose="02020603050405020304" pitchFamily="18" charset="0"/>
+            </a:endParaRPr>
+          </a:p>
+          <a:p>
+            <a:pPr marL="0" indent="0">
+              <a:buNone/>
+            </a:pPr>
+            <a:endParaRPr lang="en-US" dirty="0">
+              <a:latin typeface="Times New Roman" panose="02020603050405020304" pitchFamily="18" charset="0"/>
+              <a:cs typeface="Times New Roman" panose="02020603050405020304" pitchFamily="18" charset="0"/>
+            </a:endParaRPr>
+          </a:p>
+          <a:p>
+            <a:endParaRPr lang="en-US" dirty="0">
+              <a:latin typeface="Times New Roman" panose="02020603050405020304" pitchFamily="18" charset="0"/>
+              <a:cs typeface="Times New Roman" panose="02020603050405020304" pitchFamily="18" charset="0"/>
+            </a:endParaRPr>
+          </a:p>
+          <a:p>
+            <a:endParaRPr lang="en-US" dirty="0">
+              <a:latin typeface="Times New Roman" panose="02020603050405020304" pitchFamily="18" charset="0"/>
+              <a:cs typeface="Times New Roman" panose="02020603050405020304" pitchFamily="18" charset="0"/>
+            </a:endParaRPr>
+          </a:p>
+          <a:p>
+            <a:endParaRPr lang="en-US" dirty="0"/>
+          </a:p>
+          <a:p>
+            <a:endParaRPr lang="en-US" dirty="0"/>
+          </a:p>
+          <a:p>
+            <a:endParaRPr lang="en-US" dirty="0"/>
+          </a:p>
+          <a:p>
+            <a:pPr marL="0" indent="0">
+              <a:buNone/>
+            </a:pPr>
+            <a:endParaRPr lang="en-US" dirty="0">
+              <a:latin typeface="Times New Roman" panose="02020603050405020304" pitchFamily="18" charset="0"/>
+              <a:cs typeface="Times New Roman" panose="02020603050405020304" pitchFamily="18" charset="0"/>
+            </a:endParaRPr>
+          </a:p>
+          <a:p>
+            <a:pPr marL="0" indent="0">
+              <a:buNone/>
+            </a:pPr>
+            <a:r>
+              <a:rPr lang="en-US" dirty="0">
+                <a:latin typeface="Times New Roman" panose="02020603050405020304" pitchFamily="18" charset="0"/>
+                <a:cs typeface="Times New Roman" panose="02020603050405020304" pitchFamily="18" charset="0"/>
+              </a:rPr>
+              <a:t>Shiva Rama Krishna </a:t>
             </a:r>
             <a:r>
               <a:rPr lang="en-US" dirty="0" err="1">
@@ -7486,75 +7548,7 @@
                 <a:latin typeface="Times New Roman" panose="02020603050405020304" pitchFamily="18" charset="0"/>
                 <a:cs typeface="Times New Roman" panose="02020603050405020304" pitchFamily="18" charset="0"/>
               </a:rPr>
-              <a:t>		Naga Anshitha Velagapudi</a:t>
-            </a:r>
-          </a:p>
-          <a:p>
-            <a:pPr marL="0" indent="0">
-              <a:buNone/>
-            </a:pPr>
-            <a:endParaRPr lang="en-US" dirty="0">
-              <a:latin typeface="Times New Roman" panose="02020603050405020304" pitchFamily="18" charset="0"/>
-              <a:cs typeface="Times New Roman" panose="02020603050405020304" pitchFamily="18" charset="0"/>
-            </a:endParaRPr>
-          </a:p>
-          <a:p>
-            <a:endParaRPr lang="en-US" dirty="0">
-              <a:latin typeface="Times New Roman" panose="02020603050405020304" pitchFamily="18" charset="0"/>
-              <a:cs typeface="Times New Roman" panose="02020603050405020304" pitchFamily="18" charset="0"/>
-            </a:endParaRPr>
-          </a:p>
-          <a:p>
-            <a:endParaRPr lang="en-US" dirty="0">
-              <a:latin typeface="Times New Roman" panose="02020603050405020304" pitchFamily="18" charset="0"/>
-              <a:cs typeface="Times New Roman" panose="02020603050405020304" pitchFamily="18" charset="0"/>
-            </a:endParaRPr>
-          </a:p>
-          <a:p>
-            <a:endParaRPr lang="en-US" dirty="0"/>
-          </a:p>
-          <a:p>
-            <a:endParaRPr lang="en-US" dirty="0"/>
-          </a:p>
-          <a:p>
-            <a:endParaRPr lang="en-US" dirty="0"/>
-          </a:p>
-          <a:p>
-            <a:endParaRPr lang="en-US" dirty="0"/>
-          </a:p>
-          <a:p>
-            <a:endParaRPr lang="en-US" dirty="0"/>
-          </a:p>
-          <a:p>
-            <a:endParaRPr lang="en-US" dirty="0"/>
-          </a:p>
-          <a:p>
-            <a:r>
-              <a:rPr lang="en-US" dirty="0">
-                <a:latin typeface="Times New Roman" panose="02020603050405020304" pitchFamily="18" charset="0"/>
-                <a:cs typeface="Times New Roman" panose="02020603050405020304" pitchFamily="18" charset="0"/>
-              </a:rPr>
-              <a:t>Swaroopa </a:t>
-            </a:r>
-            <a:r>
-              <a:rPr lang="en-US" dirty="0" err="1">
-                <a:latin typeface="Times New Roman" panose="02020603050405020304" pitchFamily="18" charset="0"/>
-                <a:cs typeface="Times New Roman" panose="02020603050405020304" pitchFamily="18" charset="0"/>
-              </a:rPr>
-              <a:t>Thirumalareddy</a:t>
-            </a:r>
-            <a:endParaRPr lang="en-US" dirty="0">
-              <a:latin typeface="Times New Roman" panose="02020603050405020304" pitchFamily="18" charset="0"/>
-              <a:cs typeface="Times New Roman" panose="02020603050405020304" pitchFamily="18" charset="0"/>
-            </a:endParaRPr>
-          </a:p>
-          <a:p>
-            <a:r>
-              <a:rPr lang="en-US" dirty="0">
-                <a:latin typeface="Times New Roman" panose="02020603050405020304" pitchFamily="18" charset="0"/>
-                <a:cs typeface="Times New Roman" panose="02020603050405020304" pitchFamily="18" charset="0"/>
-              </a:rPr>
-              <a:t>Soumya </a:t>
+              <a:t>		Soumya </a:t>
             </a:r>
             <a:r>
               <a:rPr lang="en-US" dirty="0" err="1">
@@ -7563,10 +7557,7 @@
               </a:rPr>
               <a:t>Thogiti</a:t>
             </a:r>
-            <a:endParaRPr lang="en-US" dirty="0">
-              <a:latin typeface="Times New Roman" panose="02020603050405020304" pitchFamily="18" charset="0"/>
-              <a:cs typeface="Times New Roman" panose="02020603050405020304" pitchFamily="18" charset="0"/>
-            </a:endParaRPr>
+            <a:endParaRPr lang="en-US" dirty="0"/>
           </a:p>
           <a:p>
             <a:endParaRPr lang="en-US" dirty="0"/>
@@ -7637,7 +7628,7 @@
         </p:blipFill>
         <p:spPr>
           <a:xfrm>
-            <a:off x="4815739" y="863000"/>
+            <a:off x="1287659" y="4220782"/>
             <a:ext cx="1707013" cy="2272093"/>
           </a:xfrm>
           <a:prstGeom prst="rect">
@@ -7673,7 +7664,7 @@
         </p:blipFill>
         <p:spPr>
           <a:xfrm>
-            <a:off x="8343819" y="863000"/>
+            <a:off x="4613716" y="862999"/>
             <a:ext cx="1707013" cy="2272093"/>
           </a:xfrm>
           <a:prstGeom prst="rect">

--- a/Healthify-NWMSU.pptx
+++ b/Healthify-NWMSU.pptx
@@ -14,7 +14,9 @@
     <p:sldId id="261" r:id="rId8"/>
     <p:sldId id="262" r:id="rId9"/>
     <p:sldId id="263" r:id="rId10"/>
-    <p:sldId id="264" r:id="rId11"/>
+    <p:sldId id="267" r:id="rId11"/>
+    <p:sldId id="266" r:id="rId12"/>
+    <p:sldId id="264" r:id="rId13"/>
   </p:sldIdLst>
   <p:sldSz cx="12192000" cy="6858000"/>
   <p:notesSz cx="6858000" cy="9144000"/>
@@ -7255,6 +7257,705 @@
           <p:cNvPr id="2" name="Title 1">
             <a:extLst>
               <a:ext uri="{FF2B5EF4-FFF2-40B4-BE49-F238E27FC236}">
+                <a16:creationId xmlns:a16="http://schemas.microsoft.com/office/drawing/2014/main" id="{573E737E-8EF4-48B3-9937-7787C41E3A2D}"/>
+              </a:ext>
+            </a:extLst>
+          </p:cNvPr>
+          <p:cNvSpPr>
+            <a:spLocks noGrp="1"/>
+          </p:cNvSpPr>
+          <p:nvPr>
+            <p:ph type="title"/>
+          </p:nvPr>
+        </p:nvSpPr>
+        <p:spPr/>
+        <p:txBody>
+          <a:bodyPr/>
+          <a:lstStyle/>
+          <a:p>
+            <a:r>
+              <a:rPr lang="en-US" b="1" dirty="0">
+                <a:solidFill>
+                  <a:schemeClr val="accent3"/>
+                </a:solidFill>
+                <a:effectLst>
+                  <a:outerShdw blurRad="38100" dist="38100" dir="2700000" algn="tl">
+                    <a:srgbClr val="000000">
+                      <a:alpha val="43137"/>
+                    </a:srgbClr>
+                  </a:outerShdw>
+                </a:effectLst>
+                <a:latin typeface="-apple-system"/>
+              </a:rPr>
+              <a:t>Acceptance Criteria</a:t>
+            </a:r>
+            <a:br>
+              <a:rPr lang="en-US" b="1" dirty="0">
+                <a:solidFill>
+                  <a:srgbClr val="24292E"/>
+                </a:solidFill>
+                <a:latin typeface="-apple-system"/>
+              </a:rPr>
+            </a:br>
+            <a:endParaRPr lang="en-US" dirty="0"/>
+          </a:p>
+        </p:txBody>
+      </p:sp>
+      <p:sp>
+        <p:nvSpPr>
+          <p:cNvPr id="3" name="Content Placeholder 2">
+            <a:extLst>
+              <a:ext uri="{FF2B5EF4-FFF2-40B4-BE49-F238E27FC236}">
+                <a16:creationId xmlns:a16="http://schemas.microsoft.com/office/drawing/2014/main" id="{9C7E8854-7F3E-4442-BC30-0FA2B15FA669}"/>
+              </a:ext>
+            </a:extLst>
+          </p:cNvPr>
+          <p:cNvSpPr>
+            <a:spLocks noGrp="1"/>
+          </p:cNvSpPr>
+          <p:nvPr>
+            <p:ph idx="1"/>
+          </p:nvPr>
+        </p:nvSpPr>
+        <p:spPr>
+          <a:xfrm>
+            <a:off x="1103312" y="1335640"/>
+            <a:ext cx="8946541" cy="4912759"/>
+          </a:xfrm>
+        </p:spPr>
+        <p:txBody>
+          <a:bodyPr>
+            <a:normAutofit fontScale="32500" lnSpcReduction="20000"/>
+          </a:bodyPr>
+          <a:lstStyle/>
+          <a:p>
+            <a:pPr>
+              <a:buFont typeface="Arial" panose="020B0604020202020204" pitchFamily="34" charset="0"/>
+              <a:buChar char="•"/>
+            </a:pPr>
+            <a:r>
+              <a:rPr lang="en-US" sz="4200" dirty="0">
+                <a:solidFill>
+                  <a:schemeClr val="tx1">
+                    <a:lumMod val="95000"/>
+                  </a:schemeClr>
+                </a:solidFill>
+                <a:latin typeface="Times New Roman" panose="02020603050405020304" pitchFamily="18" charset="0"/>
+                <a:cs typeface="Times New Roman" panose="02020603050405020304" pitchFamily="18" charset="0"/>
+              </a:rPr>
+              <a:t>The </a:t>
+            </a:r>
+            <a:r>
+              <a:rPr lang="en-US" sz="4200" dirty="0" err="1">
+                <a:solidFill>
+                  <a:schemeClr val="tx1">
+                    <a:lumMod val="95000"/>
+                  </a:schemeClr>
+                </a:solidFill>
+                <a:latin typeface="Times New Roman" panose="02020603050405020304" pitchFamily="18" charset="0"/>
+                <a:cs typeface="Times New Roman" panose="02020603050405020304" pitchFamily="18" charset="0"/>
+              </a:rPr>
+              <a:t>Healthify</a:t>
+            </a:r>
+            <a:r>
+              <a:rPr lang="en-US" sz="4200" dirty="0">
+                <a:solidFill>
+                  <a:schemeClr val="tx1">
+                    <a:lumMod val="95000"/>
+                  </a:schemeClr>
+                </a:solidFill>
+                <a:latin typeface="Times New Roman" panose="02020603050405020304" pitchFamily="18" charset="0"/>
+                <a:cs typeface="Times New Roman" panose="02020603050405020304" pitchFamily="18" charset="0"/>
+              </a:rPr>
+              <a:t>-NWMSU app will work on all devices like in all android devices ,an </a:t>
+            </a:r>
+            <a:r>
+              <a:rPr lang="en-US" sz="4200" dirty="0" err="1">
+                <a:solidFill>
+                  <a:schemeClr val="tx1">
+                    <a:lumMod val="95000"/>
+                  </a:schemeClr>
+                </a:solidFill>
+                <a:latin typeface="Times New Roman" panose="02020603050405020304" pitchFamily="18" charset="0"/>
+                <a:cs typeface="Times New Roman" panose="02020603050405020304" pitchFamily="18" charset="0"/>
+              </a:rPr>
+              <a:t>iphone</a:t>
+            </a:r>
+            <a:r>
+              <a:rPr lang="en-US" sz="4200" dirty="0">
+                <a:solidFill>
+                  <a:schemeClr val="tx1">
+                    <a:lumMod val="95000"/>
+                  </a:schemeClr>
+                </a:solidFill>
+                <a:latin typeface="Times New Roman" panose="02020603050405020304" pitchFamily="18" charset="0"/>
+                <a:cs typeface="Times New Roman" panose="02020603050405020304" pitchFamily="18" charset="0"/>
+              </a:rPr>
+              <a:t> SE , an iPad and in all laptops.</a:t>
+            </a:r>
+          </a:p>
+          <a:p>
+            <a:pPr>
+              <a:buFont typeface="Arial" panose="020B0604020202020204" pitchFamily="34" charset="0"/>
+              <a:buChar char="•"/>
+            </a:pPr>
+            <a:r>
+              <a:rPr lang="en-US" sz="4200" dirty="0">
+                <a:solidFill>
+                  <a:schemeClr val="tx1">
+                    <a:lumMod val="95000"/>
+                  </a:schemeClr>
+                </a:solidFill>
+                <a:latin typeface="Times New Roman" panose="02020603050405020304" pitchFamily="18" charset="0"/>
+                <a:cs typeface="Times New Roman" panose="02020603050405020304" pitchFamily="18" charset="0"/>
+              </a:rPr>
+              <a:t>Admin is able to view and download all data entered by the user by just selecting the get data </a:t>
+            </a:r>
+            <a:r>
+              <a:rPr lang="en-US" sz="4200" dirty="0" err="1">
+                <a:solidFill>
+                  <a:schemeClr val="tx1">
+                    <a:lumMod val="95000"/>
+                  </a:schemeClr>
+                </a:solidFill>
+                <a:latin typeface="Times New Roman" panose="02020603050405020304" pitchFamily="18" charset="0"/>
+                <a:cs typeface="Times New Roman" panose="02020603050405020304" pitchFamily="18" charset="0"/>
+              </a:rPr>
+              <a:t>intoa</a:t>
+            </a:r>
+            <a:r>
+              <a:rPr lang="en-US" sz="4200" dirty="0">
+                <a:solidFill>
+                  <a:schemeClr val="tx1">
+                    <a:lumMod val="95000"/>
+                  </a:schemeClr>
+                </a:solidFill>
+                <a:latin typeface="Times New Roman" panose="02020603050405020304" pitchFamily="18" charset="0"/>
+                <a:cs typeface="Times New Roman" panose="02020603050405020304" pitchFamily="18" charset="0"/>
+              </a:rPr>
+              <a:t> file button.</a:t>
+            </a:r>
+          </a:p>
+          <a:p>
+            <a:pPr>
+              <a:buFont typeface="Arial" panose="020B0604020202020204" pitchFamily="34" charset="0"/>
+              <a:buChar char="•"/>
+            </a:pPr>
+            <a:r>
+              <a:rPr lang="en-US" sz="4200" dirty="0">
+                <a:solidFill>
+                  <a:schemeClr val="tx1">
+                    <a:lumMod val="95000"/>
+                  </a:schemeClr>
+                </a:solidFill>
+                <a:latin typeface="Times New Roman" panose="02020603050405020304" pitchFamily="18" charset="0"/>
+                <a:cs typeface="Times New Roman" panose="02020603050405020304" pitchFamily="18" charset="0"/>
+              </a:rPr>
+              <a:t>Admin is able to create and manage the user groups by selecting add symbol.</a:t>
+            </a:r>
+          </a:p>
+          <a:p>
+            <a:pPr>
+              <a:buFont typeface="Arial" panose="020B0604020202020204" pitchFamily="34" charset="0"/>
+              <a:buChar char="•"/>
+            </a:pPr>
+            <a:r>
+              <a:rPr lang="en-US" sz="4200" dirty="0">
+                <a:solidFill>
+                  <a:schemeClr val="tx1">
+                    <a:lumMod val="95000"/>
+                  </a:schemeClr>
+                </a:solidFill>
+                <a:latin typeface="Times New Roman" panose="02020603050405020304" pitchFamily="18" charset="0"/>
+                <a:cs typeface="Times New Roman" panose="02020603050405020304" pitchFamily="18" charset="0"/>
+              </a:rPr>
+              <a:t>Admin is able to share challenge results with group members by clicking release results button.</a:t>
+            </a:r>
+          </a:p>
+          <a:p>
+            <a:pPr>
+              <a:buFont typeface="Arial" panose="020B0604020202020204" pitchFamily="34" charset="0"/>
+              <a:buChar char="•"/>
+            </a:pPr>
+            <a:r>
+              <a:rPr lang="en-US" sz="4200" dirty="0">
+                <a:solidFill>
+                  <a:schemeClr val="tx1">
+                    <a:lumMod val="95000"/>
+                  </a:schemeClr>
+                </a:solidFill>
+                <a:latin typeface="Times New Roman" panose="02020603050405020304" pitchFamily="18" charset="0"/>
+                <a:cs typeface="Times New Roman" panose="02020603050405020304" pitchFamily="18" charset="0"/>
+              </a:rPr>
+              <a:t>Users are able to create and edit data of personal details upon signup.</a:t>
+            </a:r>
+          </a:p>
+          <a:p>
+            <a:pPr>
+              <a:buFont typeface="Arial" panose="020B0604020202020204" pitchFamily="34" charset="0"/>
+              <a:buChar char="•"/>
+            </a:pPr>
+            <a:r>
+              <a:rPr lang="en-US" sz="4200" dirty="0">
+                <a:solidFill>
+                  <a:schemeClr val="tx1">
+                    <a:lumMod val="95000"/>
+                  </a:schemeClr>
+                </a:solidFill>
+                <a:latin typeface="Times New Roman" panose="02020603050405020304" pitchFamily="18" charset="0"/>
+                <a:cs typeface="Times New Roman" panose="02020603050405020304" pitchFamily="18" charset="0"/>
+              </a:rPr>
+              <a:t>Users are able to participate in new challenges just by clicking register buttons on each page of challenges.</a:t>
+            </a:r>
+          </a:p>
+          <a:p>
+            <a:pPr>
+              <a:buFont typeface="Arial" panose="020B0604020202020204" pitchFamily="34" charset="0"/>
+              <a:buChar char="•"/>
+            </a:pPr>
+            <a:r>
+              <a:rPr lang="en-US" sz="4200" dirty="0">
+                <a:solidFill>
+                  <a:schemeClr val="tx1">
+                    <a:lumMod val="95000"/>
+                  </a:schemeClr>
+                </a:solidFill>
+                <a:latin typeface="Times New Roman" panose="02020603050405020304" pitchFamily="18" charset="0"/>
+                <a:cs typeface="Times New Roman" panose="02020603050405020304" pitchFamily="18" charset="0"/>
+              </a:rPr>
+              <a:t>Users are able to accept or reject group </a:t>
+            </a:r>
+            <a:r>
+              <a:rPr lang="en-US" sz="4200" dirty="0" err="1">
+                <a:solidFill>
+                  <a:schemeClr val="tx1">
+                    <a:lumMod val="95000"/>
+                  </a:schemeClr>
+                </a:solidFill>
+                <a:latin typeface="Times New Roman" panose="02020603050405020304" pitchFamily="18" charset="0"/>
+                <a:cs typeface="Times New Roman" panose="02020603050405020304" pitchFamily="18" charset="0"/>
+              </a:rPr>
+              <a:t>assignents</a:t>
+            </a:r>
+            <a:r>
+              <a:rPr lang="en-US" sz="4200" dirty="0">
+                <a:solidFill>
+                  <a:schemeClr val="tx1">
+                    <a:lumMod val="95000"/>
+                  </a:schemeClr>
+                </a:solidFill>
+                <a:latin typeface="Times New Roman" panose="02020603050405020304" pitchFamily="18" charset="0"/>
+                <a:cs typeface="Times New Roman" panose="02020603050405020304" pitchFamily="18" charset="0"/>
+              </a:rPr>
+              <a:t> upon receiving mails from the admin invites.</a:t>
+            </a:r>
+          </a:p>
+          <a:p>
+            <a:pPr>
+              <a:buFont typeface="Arial" panose="020B0604020202020204" pitchFamily="34" charset="0"/>
+              <a:buChar char="•"/>
+            </a:pPr>
+            <a:r>
+              <a:rPr lang="en-US" sz="4200" dirty="0">
+                <a:solidFill>
+                  <a:schemeClr val="tx1">
+                    <a:lumMod val="95000"/>
+                  </a:schemeClr>
+                </a:solidFill>
+                <a:latin typeface="Times New Roman" panose="02020603050405020304" pitchFamily="18" charset="0"/>
+                <a:cs typeface="Times New Roman" panose="02020603050405020304" pitchFamily="18" charset="0"/>
+              </a:rPr>
+              <a:t>Users are able to view data from past challenges by clicking on the results.</a:t>
+            </a:r>
+          </a:p>
+          <a:p>
+            <a:pPr>
+              <a:buFont typeface="Arial" panose="020B0604020202020204" pitchFamily="34" charset="0"/>
+              <a:buChar char="•"/>
+            </a:pPr>
+            <a:r>
+              <a:rPr lang="en-US" sz="4200" dirty="0">
+                <a:solidFill>
+                  <a:schemeClr val="tx1">
+                    <a:lumMod val="95000"/>
+                  </a:schemeClr>
+                </a:solidFill>
+                <a:latin typeface="Times New Roman" panose="02020603050405020304" pitchFamily="18" charset="0"/>
+                <a:cs typeface="Times New Roman" panose="02020603050405020304" pitchFamily="18" charset="0"/>
+              </a:rPr>
+              <a:t>User can access the application only by submitting required details.</a:t>
+            </a:r>
+          </a:p>
+          <a:p>
+            <a:pPr>
+              <a:buFont typeface="Arial" panose="020B0604020202020204" pitchFamily="34" charset="0"/>
+              <a:buChar char="•"/>
+            </a:pPr>
+            <a:r>
+              <a:rPr lang="en-US" sz="4200" dirty="0">
+                <a:solidFill>
+                  <a:schemeClr val="tx1">
+                    <a:lumMod val="95000"/>
+                  </a:schemeClr>
+                </a:solidFill>
+                <a:latin typeface="Times New Roman" panose="02020603050405020304" pitchFamily="18" charset="0"/>
+                <a:cs typeface="Times New Roman" panose="02020603050405020304" pitchFamily="18" charset="0"/>
+              </a:rPr>
+              <a:t>Enabling responsive Mobile menu for Tablets and Mobiles.</a:t>
+            </a:r>
+          </a:p>
+          <a:p>
+            <a:pPr>
+              <a:buFont typeface="Arial" panose="020B0604020202020204" pitchFamily="34" charset="0"/>
+              <a:buChar char="•"/>
+            </a:pPr>
+            <a:r>
+              <a:rPr lang="en-US" sz="4200" dirty="0">
+                <a:solidFill>
+                  <a:schemeClr val="tx1">
+                    <a:lumMod val="95000"/>
+                  </a:schemeClr>
+                </a:solidFill>
+                <a:latin typeface="Times New Roman" panose="02020603050405020304" pitchFamily="18" charset="0"/>
+                <a:cs typeface="Times New Roman" panose="02020603050405020304" pitchFamily="18" charset="0"/>
+              </a:rPr>
+              <a:t>User can Easily Navigate across different screens.</a:t>
+            </a:r>
+          </a:p>
+          <a:p>
+            <a:pPr>
+              <a:buFont typeface="Arial" panose="020B0604020202020204" pitchFamily="34" charset="0"/>
+              <a:buChar char="•"/>
+            </a:pPr>
+            <a:r>
+              <a:rPr lang="en-US" sz="4200" dirty="0">
+                <a:solidFill>
+                  <a:schemeClr val="tx1">
+                    <a:lumMod val="95000"/>
+                  </a:schemeClr>
+                </a:solidFill>
+                <a:latin typeface="Times New Roman" panose="02020603050405020304" pitchFamily="18" charset="0"/>
+                <a:cs typeface="Times New Roman" panose="02020603050405020304" pitchFamily="18" charset="0"/>
+              </a:rPr>
+              <a:t>User can have a clear Clarity and Readability of application buttons.</a:t>
+            </a:r>
+          </a:p>
+          <a:p>
+            <a:pPr>
+              <a:buFont typeface="Arial" panose="020B0604020202020204" pitchFamily="34" charset="0"/>
+              <a:buChar char="•"/>
+            </a:pPr>
+            <a:r>
+              <a:rPr lang="en-US" sz="4200" dirty="0">
+                <a:solidFill>
+                  <a:schemeClr val="tx1">
+                    <a:lumMod val="95000"/>
+                  </a:schemeClr>
+                </a:solidFill>
+                <a:latin typeface="Times New Roman" panose="02020603050405020304" pitchFamily="18" charset="0"/>
+                <a:cs typeface="Times New Roman" panose="02020603050405020304" pitchFamily="18" charset="0"/>
+              </a:rPr>
+              <a:t>User can have Responsiveness of drop-down lists.</a:t>
+            </a:r>
+          </a:p>
+          <a:p>
+            <a:pPr>
+              <a:buFont typeface="Arial" panose="020B0604020202020204" pitchFamily="34" charset="0"/>
+              <a:buChar char="•"/>
+            </a:pPr>
+            <a:r>
+              <a:rPr lang="en-US" sz="4200" dirty="0">
+                <a:solidFill>
+                  <a:schemeClr val="tx1">
+                    <a:lumMod val="95000"/>
+                  </a:schemeClr>
+                </a:solidFill>
+                <a:latin typeface="Times New Roman" panose="02020603050405020304" pitchFamily="18" charset="0"/>
+                <a:cs typeface="Times New Roman" panose="02020603050405020304" pitchFamily="18" charset="0"/>
+              </a:rPr>
+              <a:t>User can Distinguish the inactive buttons from active buttons.</a:t>
+            </a:r>
+          </a:p>
+          <a:p>
+            <a:endParaRPr lang="en-US" dirty="0"/>
+          </a:p>
+        </p:txBody>
+      </p:sp>
+    </p:spTree>
+    <p:extLst>
+      <p:ext uri="{BB962C8B-B14F-4D97-AF65-F5344CB8AC3E}">
+        <p14:creationId xmlns:p14="http://schemas.microsoft.com/office/powerpoint/2010/main" val="849554449"/>
+      </p:ext>
+    </p:extLst>
+  </p:cSld>
+  <p:clrMapOvr>
+    <a:masterClrMapping/>
+  </p:clrMapOvr>
+</p:sld>
+</file>
+
+<file path=ppt/slides/slide11.xml><?xml version="1.0" encoding="utf-8"?>
+<p:sld xmlns:a="http://schemas.openxmlformats.org/drawingml/2006/main" xmlns:r="http://schemas.openxmlformats.org/officeDocument/2006/relationships" xmlns:p="http://schemas.openxmlformats.org/presentationml/2006/main">
+  <p:cSld>
+    <p:spTree>
+      <p:nvGrpSpPr>
+        <p:cNvPr id="1" name=""/>
+        <p:cNvGrpSpPr/>
+        <p:nvPr/>
+      </p:nvGrpSpPr>
+      <p:grpSpPr>
+        <a:xfrm>
+          <a:off x="0" y="0"/>
+          <a:ext cx="0" cy="0"/>
+          <a:chOff x="0" y="0"/>
+          <a:chExt cx="0" cy="0"/>
+        </a:xfrm>
+      </p:grpSpPr>
+      <p:sp>
+        <p:nvSpPr>
+          <p:cNvPr id="2" name="Title 1">
+            <a:extLst>
+              <a:ext uri="{FF2B5EF4-FFF2-40B4-BE49-F238E27FC236}">
+                <a16:creationId xmlns:a16="http://schemas.microsoft.com/office/drawing/2014/main" id="{405F658A-143D-4B11-9418-4DFD99116EE8}"/>
+              </a:ext>
+            </a:extLst>
+          </p:cNvPr>
+          <p:cNvSpPr>
+            <a:spLocks noGrp="1"/>
+          </p:cNvSpPr>
+          <p:nvPr>
+            <p:ph type="title"/>
+          </p:nvPr>
+        </p:nvSpPr>
+        <p:spPr/>
+        <p:txBody>
+          <a:bodyPr/>
+          <a:lstStyle/>
+          <a:p>
+            <a:r>
+              <a:rPr lang="en-US" b="1" dirty="0">
+                <a:solidFill>
+                  <a:schemeClr val="accent3"/>
+                </a:solidFill>
+                <a:effectLst>
+                  <a:outerShdw blurRad="38100" dist="38100" dir="2700000" algn="tl">
+                    <a:srgbClr val="000000">
+                      <a:alpha val="43137"/>
+                    </a:srgbClr>
+                  </a:outerShdw>
+                </a:effectLst>
+                <a:latin typeface="Times New Roman" panose="02020603050405020304" pitchFamily="18" charset="0"/>
+                <a:cs typeface="Times New Roman" panose="02020603050405020304" pitchFamily="18" charset="0"/>
+              </a:rPr>
+              <a:t>Benefits</a:t>
+            </a:r>
+            <a:br>
+              <a:rPr lang="en-US" sz="2400" b="1" dirty="0">
+                <a:latin typeface="Times New Roman" panose="02020603050405020304" pitchFamily="18" charset="0"/>
+                <a:cs typeface="Times New Roman" panose="02020603050405020304" pitchFamily="18" charset="0"/>
+              </a:rPr>
+            </a:br>
+            <a:br>
+              <a:rPr lang="en-US" sz="2400" b="1" dirty="0">
+                <a:latin typeface="Times New Roman" panose="02020603050405020304" pitchFamily="18" charset="0"/>
+                <a:cs typeface="Times New Roman" panose="02020603050405020304" pitchFamily="18" charset="0"/>
+              </a:rPr>
+            </a:br>
+            <a:endParaRPr lang="en-US" sz="2400" dirty="0">
+              <a:latin typeface="Times New Roman" panose="02020603050405020304" pitchFamily="18" charset="0"/>
+              <a:cs typeface="Times New Roman" panose="02020603050405020304" pitchFamily="18" charset="0"/>
+            </a:endParaRPr>
+          </a:p>
+        </p:txBody>
+      </p:sp>
+      <p:sp>
+        <p:nvSpPr>
+          <p:cNvPr id="3" name="Content Placeholder 2">
+            <a:extLst>
+              <a:ext uri="{FF2B5EF4-FFF2-40B4-BE49-F238E27FC236}">
+                <a16:creationId xmlns:a16="http://schemas.microsoft.com/office/drawing/2014/main" id="{3C1589E6-2CE7-437E-B912-6C37A64FE22A}"/>
+              </a:ext>
+            </a:extLst>
+          </p:cNvPr>
+          <p:cNvSpPr>
+            <a:spLocks noGrp="1"/>
+          </p:cNvSpPr>
+          <p:nvPr>
+            <p:ph idx="1"/>
+          </p:nvPr>
+        </p:nvSpPr>
+        <p:spPr>
+          <a:xfrm>
+            <a:off x="1103312" y="1335640"/>
+            <a:ext cx="8946541" cy="4912759"/>
+          </a:xfrm>
+        </p:spPr>
+        <p:txBody>
+          <a:bodyPr>
+            <a:normAutofit fontScale="92500" lnSpcReduction="20000"/>
+          </a:bodyPr>
+          <a:lstStyle/>
+          <a:p>
+            <a:r>
+              <a:rPr lang="en-US" dirty="0">
+                <a:latin typeface="Times New Roman" panose="02020603050405020304" pitchFamily="18" charset="0"/>
+                <a:cs typeface="Times New Roman" panose="02020603050405020304" pitchFamily="18" charset="0"/>
+              </a:rPr>
+              <a:t>Monitor your diet everyday</a:t>
+            </a:r>
+          </a:p>
+          <a:p>
+            <a:r>
+              <a:rPr lang="en-US" dirty="0">
+                <a:latin typeface="Times New Roman" panose="02020603050405020304" pitchFamily="18" charset="0"/>
+                <a:cs typeface="Times New Roman" panose="02020603050405020304" pitchFamily="18" charset="0"/>
+              </a:rPr>
+              <a:t>Track your footsteps</a:t>
+            </a:r>
+          </a:p>
+          <a:p>
+            <a:r>
+              <a:rPr lang="en-US" dirty="0">
+                <a:latin typeface="Times New Roman" panose="02020603050405020304" pitchFamily="18" charset="0"/>
+                <a:cs typeface="Times New Roman" panose="02020603050405020304" pitchFamily="18" charset="0"/>
+              </a:rPr>
+              <a:t>Track your water intake</a:t>
+            </a:r>
+          </a:p>
+          <a:p>
+            <a:r>
+              <a:rPr lang="en-US" dirty="0">
+                <a:latin typeface="Times New Roman" panose="02020603050405020304" pitchFamily="18" charset="0"/>
+                <a:cs typeface="Times New Roman" panose="02020603050405020304" pitchFamily="18" charset="0"/>
+              </a:rPr>
+              <a:t>Helps in calorie count</a:t>
+            </a:r>
+          </a:p>
+          <a:p>
+            <a:r>
+              <a:rPr lang="en-US" dirty="0">
+                <a:latin typeface="Times New Roman" panose="02020603050405020304" pitchFamily="18" charset="0"/>
+                <a:cs typeface="Times New Roman" panose="02020603050405020304" pitchFamily="18" charset="0"/>
+              </a:rPr>
+              <a:t>Set goals that you can achieve</a:t>
+            </a:r>
+          </a:p>
+          <a:p>
+            <a:r>
+              <a:rPr lang="en-US" dirty="0">
+                <a:latin typeface="Times New Roman" panose="02020603050405020304" pitchFamily="18" charset="0"/>
+                <a:cs typeface="Times New Roman" panose="02020603050405020304" pitchFamily="18" charset="0"/>
+              </a:rPr>
+              <a:t>Create your yoga studio</a:t>
+            </a:r>
+          </a:p>
+          <a:p>
+            <a:r>
+              <a:rPr lang="en-US" dirty="0">
+                <a:latin typeface="Times New Roman" panose="02020603050405020304" pitchFamily="18" charset="0"/>
+                <a:cs typeface="Times New Roman" panose="02020603050405020304" pitchFamily="18" charset="0"/>
+              </a:rPr>
+              <a:t>Easily keep track of your progress</a:t>
+            </a:r>
+          </a:p>
+          <a:p>
+            <a:r>
+              <a:rPr lang="en-US" dirty="0">
+                <a:latin typeface="Times New Roman" panose="02020603050405020304" pitchFamily="18" charset="0"/>
+                <a:cs typeface="Times New Roman" panose="02020603050405020304" pitchFamily="18" charset="0"/>
+              </a:rPr>
+              <a:t>Get free workout ideas</a:t>
+            </a:r>
+          </a:p>
+          <a:p>
+            <a:r>
+              <a:rPr lang="en-US" dirty="0">
+                <a:latin typeface="Times New Roman" panose="02020603050405020304" pitchFamily="18" charset="0"/>
+                <a:cs typeface="Times New Roman" panose="02020603050405020304" pitchFamily="18" charset="0"/>
+              </a:rPr>
+              <a:t>Heartrate tracking</a:t>
+            </a:r>
+          </a:p>
+          <a:p>
+            <a:r>
+              <a:rPr lang="en-US" dirty="0">
+                <a:latin typeface="Times New Roman" panose="02020603050405020304" pitchFamily="18" charset="0"/>
+                <a:cs typeface="Times New Roman" panose="02020603050405020304" pitchFamily="18" charset="0"/>
+              </a:rPr>
+              <a:t>Weight loss progression</a:t>
+            </a:r>
+          </a:p>
+          <a:p>
+            <a:r>
+              <a:rPr lang="en-US" dirty="0">
+                <a:latin typeface="Times New Roman" panose="02020603050405020304" pitchFamily="18" charset="0"/>
+                <a:cs typeface="Times New Roman" panose="02020603050405020304" pitchFamily="18" charset="0"/>
+              </a:rPr>
+              <a:t>Pedometer</a:t>
+            </a:r>
+          </a:p>
+          <a:p>
+            <a:r>
+              <a:rPr lang="en-US" dirty="0">
+                <a:latin typeface="Times New Roman" panose="02020603050405020304" pitchFamily="18" charset="0"/>
+                <a:cs typeface="Times New Roman" panose="02020603050405020304" pitchFamily="18" charset="0"/>
+              </a:rPr>
+              <a:t>Give free health and fitness tips</a:t>
+            </a:r>
+          </a:p>
+          <a:p>
+            <a:r>
+              <a:rPr lang="en-US" dirty="0">
+                <a:latin typeface="Times New Roman" panose="02020603050405020304" pitchFamily="18" charset="0"/>
+                <a:cs typeface="Times New Roman" panose="02020603050405020304" pitchFamily="18" charset="0"/>
+              </a:rPr>
+              <a:t>Keeps you Motivated</a:t>
+            </a:r>
+            <a:br>
+              <a:rPr lang="en-US" dirty="0">
+                <a:latin typeface="Times New Roman" panose="02020603050405020304" pitchFamily="18" charset="0"/>
+                <a:cs typeface="Times New Roman" panose="02020603050405020304" pitchFamily="18" charset="0"/>
+              </a:rPr>
+            </a:br>
+            <a:endParaRPr lang="en-US" dirty="0"/>
+          </a:p>
+        </p:txBody>
+      </p:sp>
+    </p:spTree>
+    <p:extLst>
+      <p:ext uri="{BB962C8B-B14F-4D97-AF65-F5344CB8AC3E}">
+        <p14:creationId xmlns:p14="http://schemas.microsoft.com/office/powerpoint/2010/main" val="3234541247"/>
+      </p:ext>
+    </p:extLst>
+  </p:cSld>
+  <p:clrMapOvr>
+    <a:masterClrMapping/>
+  </p:clrMapOvr>
+</p:sld>
+</file>
+
+<file path=ppt/slides/slide12.xml><?xml version="1.0" encoding="utf-8"?>
+<p:sld xmlns:a="http://schemas.openxmlformats.org/drawingml/2006/main" xmlns:r="http://schemas.openxmlformats.org/officeDocument/2006/relationships" xmlns:p="http://schemas.openxmlformats.org/presentationml/2006/main">
+  <p:cSld>
+    <p:spTree>
+      <p:nvGrpSpPr>
+        <p:cNvPr id="1" name=""/>
+        <p:cNvGrpSpPr/>
+        <p:nvPr/>
+      </p:nvGrpSpPr>
+      <p:grpSpPr>
+        <a:xfrm>
+          <a:off x="0" y="0"/>
+          <a:ext cx="0" cy="0"/>
+          <a:chOff x="0" y="0"/>
+          <a:chExt cx="0" cy="0"/>
+        </a:xfrm>
+      </p:grpSpPr>
+      <p:sp>
+        <p:nvSpPr>
+          <p:cNvPr id="2" name="Title 1">
+            <a:extLst>
+              <a:ext uri="{FF2B5EF4-FFF2-40B4-BE49-F238E27FC236}">
                 <a16:creationId xmlns:a16="http://schemas.microsoft.com/office/drawing/2014/main" id="{9779E0E0-BE73-487B-AAF5-B9C63665EBD8}"/>
               </a:ext>
             </a:extLst>

--- a/Healthify-NWMSU.pptx
+++ b/Healthify-NWMSU.pptx
@@ -7,15 +7,15 @@
   <p:sldIdLst>
     <p:sldId id="256" r:id="rId2"/>
     <p:sldId id="257" r:id="rId3"/>
-    <p:sldId id="265" r:id="rId4"/>
-    <p:sldId id="258" r:id="rId5"/>
-    <p:sldId id="259" r:id="rId6"/>
-    <p:sldId id="260" r:id="rId7"/>
-    <p:sldId id="261" r:id="rId8"/>
-    <p:sldId id="262" r:id="rId9"/>
-    <p:sldId id="263" r:id="rId10"/>
-    <p:sldId id="267" r:id="rId11"/>
-    <p:sldId id="266" r:id="rId12"/>
+    <p:sldId id="268" r:id="rId4"/>
+    <p:sldId id="270" r:id="rId5"/>
+    <p:sldId id="272" r:id="rId6"/>
+    <p:sldId id="273" r:id="rId7"/>
+    <p:sldId id="274" r:id="rId8"/>
+    <p:sldId id="265" r:id="rId9"/>
+    <p:sldId id="258" r:id="rId10"/>
+    <p:sldId id="260" r:id="rId11"/>
+    <p:sldId id="263" r:id="rId12"/>
     <p:sldId id="264" r:id="rId13"/>
   </p:sldIdLst>
   <p:sldSz cx="12192000" cy="6858000"/>
@@ -7257,7 +7257,7 @@
           <p:cNvPr id="2" name="Title 1">
             <a:extLst>
               <a:ext uri="{FF2B5EF4-FFF2-40B4-BE49-F238E27FC236}">
-                <a16:creationId xmlns:a16="http://schemas.microsoft.com/office/drawing/2014/main" id="{573E737E-8EF4-48B3-9937-7787C41E3A2D}"/>
+                <a16:creationId xmlns:a16="http://schemas.microsoft.com/office/drawing/2014/main" id="{EE86DD78-E9CE-490E-88B1-0385B046D747}"/>
               </a:ext>
             </a:extLst>
           </p:cNvPr>
@@ -7285,406 +7285,137 @@
                     </a:srgbClr>
                   </a:outerShdw>
                 </a:effectLst>
-                <a:latin typeface="-apple-system"/>
+                <a:latin typeface="Times New Roman" panose="02020603050405020304" pitchFamily="18" charset="0"/>
+                <a:cs typeface="Times New Roman" panose="02020603050405020304" pitchFamily="18" charset="0"/>
               </a:rPr>
-              <a:t>Acceptance Criteria</a:t>
-            </a:r>
-            <a:br>
-              <a:rPr lang="en-US" b="1" dirty="0">
-                <a:solidFill>
-                  <a:srgbClr val="24292E"/>
-                </a:solidFill>
-                <a:latin typeface="-apple-system"/>
-              </a:rPr>
-            </a:br>
-            <a:endParaRPr lang="en-US" dirty="0"/>
-          </a:p>
-        </p:txBody>
-      </p:sp>
-      <p:sp>
-        <p:nvSpPr>
-          <p:cNvPr id="3" name="Content Placeholder 2">
+              <a:t>Screens of UI Sketches</a:t>
+            </a:r>
+            <a:endParaRPr lang="en-US" b="1" dirty="0">
+              <a:solidFill>
+                <a:schemeClr val="accent3"/>
+              </a:solidFill>
+              <a:effectLst>
+                <a:outerShdw blurRad="38100" dist="38100" dir="2700000" algn="tl">
+                  <a:srgbClr val="000000">
+                    <a:alpha val="43137"/>
+                  </a:srgbClr>
+                </a:outerShdw>
+              </a:effectLst>
+            </a:endParaRPr>
+          </a:p>
+        </p:txBody>
+      </p:sp>
+      <p:pic>
+        <p:nvPicPr>
+          <p:cNvPr id="5" name="Content Placeholder 4" descr="A screenshot of a cell phone&#10;&#10;Description automatically generated">
             <a:extLst>
               <a:ext uri="{FF2B5EF4-FFF2-40B4-BE49-F238E27FC236}">
-                <a16:creationId xmlns:a16="http://schemas.microsoft.com/office/drawing/2014/main" id="{9C7E8854-7F3E-4442-BC30-0FA2B15FA669}"/>
+                <a16:creationId xmlns:a16="http://schemas.microsoft.com/office/drawing/2014/main" id="{3C2846B6-CBD7-4174-A78E-EB0295F266B7}"/>
               </a:ext>
             </a:extLst>
           </p:cNvPr>
-          <p:cNvSpPr>
-            <a:spLocks noGrp="1"/>
-          </p:cNvSpPr>
+          <p:cNvPicPr>
+            <a:picLocks noGrp="1" noChangeAspect="1"/>
+          </p:cNvPicPr>
           <p:nvPr>
             <p:ph idx="1"/>
           </p:nvPr>
-        </p:nvSpPr>
+        </p:nvPicPr>
+        <p:blipFill>
+          <a:blip r:embed="rId2">
+            <a:extLst>
+              <a:ext uri="{28A0092B-C50C-407E-A947-70E740481C1C}">
+                <a14:useLocalDpi xmlns:a14="http://schemas.microsoft.com/office/drawing/2010/main" val="0"/>
+              </a:ext>
+            </a:extLst>
+          </a:blip>
+          <a:stretch>
+            <a:fillRect/>
+          </a:stretch>
+        </p:blipFill>
         <p:spPr>
           <a:xfrm>
-            <a:off x="1103312" y="1335640"/>
-            <a:ext cx="8946541" cy="4912759"/>
+            <a:off x="4714634" y="1348202"/>
+            <a:ext cx="2821552" cy="5323091"/>
           </a:xfrm>
         </p:spPr>
-        <p:txBody>
-          <a:bodyPr>
-            <a:normAutofit fontScale="32500" lnSpcReduction="20000"/>
-          </a:bodyPr>
-          <a:lstStyle/>
-          <a:p>
-            <a:pPr>
-              <a:buFont typeface="Arial" panose="020B0604020202020204" pitchFamily="34" charset="0"/>
-              <a:buChar char="•"/>
-            </a:pPr>
-            <a:r>
-              <a:rPr lang="en-US" sz="4200" dirty="0">
-                <a:solidFill>
-                  <a:schemeClr val="tx1">
-                    <a:lumMod val="95000"/>
-                  </a:schemeClr>
-                </a:solidFill>
-                <a:latin typeface="Times New Roman" panose="02020603050405020304" pitchFamily="18" charset="0"/>
-                <a:cs typeface="Times New Roman" panose="02020603050405020304" pitchFamily="18" charset="0"/>
-              </a:rPr>
-              <a:t>The </a:t>
-            </a:r>
-            <a:r>
-              <a:rPr lang="en-US" sz="4200" dirty="0" err="1">
-                <a:solidFill>
-                  <a:schemeClr val="tx1">
-                    <a:lumMod val="95000"/>
-                  </a:schemeClr>
-                </a:solidFill>
-                <a:latin typeface="Times New Roman" panose="02020603050405020304" pitchFamily="18" charset="0"/>
-                <a:cs typeface="Times New Roman" panose="02020603050405020304" pitchFamily="18" charset="0"/>
-              </a:rPr>
-              <a:t>Healthify</a:t>
-            </a:r>
-            <a:r>
-              <a:rPr lang="en-US" sz="4200" dirty="0">
-                <a:solidFill>
-                  <a:schemeClr val="tx1">
-                    <a:lumMod val="95000"/>
-                  </a:schemeClr>
-                </a:solidFill>
-                <a:latin typeface="Times New Roman" panose="02020603050405020304" pitchFamily="18" charset="0"/>
-                <a:cs typeface="Times New Roman" panose="02020603050405020304" pitchFamily="18" charset="0"/>
-              </a:rPr>
-              <a:t>-NWMSU app will work on all devices like in all android devices ,an </a:t>
-            </a:r>
-            <a:r>
-              <a:rPr lang="en-US" sz="4200" dirty="0" err="1">
-                <a:solidFill>
-                  <a:schemeClr val="tx1">
-                    <a:lumMod val="95000"/>
-                  </a:schemeClr>
-                </a:solidFill>
-                <a:latin typeface="Times New Roman" panose="02020603050405020304" pitchFamily="18" charset="0"/>
-                <a:cs typeface="Times New Roman" panose="02020603050405020304" pitchFamily="18" charset="0"/>
-              </a:rPr>
-              <a:t>iphone</a:t>
-            </a:r>
-            <a:r>
-              <a:rPr lang="en-US" sz="4200" dirty="0">
-                <a:solidFill>
-                  <a:schemeClr val="tx1">
-                    <a:lumMod val="95000"/>
-                  </a:schemeClr>
-                </a:solidFill>
-                <a:latin typeface="Times New Roman" panose="02020603050405020304" pitchFamily="18" charset="0"/>
-                <a:cs typeface="Times New Roman" panose="02020603050405020304" pitchFamily="18" charset="0"/>
-              </a:rPr>
-              <a:t> SE , an iPad and in all laptops.</a:t>
-            </a:r>
-          </a:p>
-          <a:p>
-            <a:pPr>
-              <a:buFont typeface="Arial" panose="020B0604020202020204" pitchFamily="34" charset="0"/>
-              <a:buChar char="•"/>
-            </a:pPr>
-            <a:r>
-              <a:rPr lang="en-US" sz="4200" dirty="0">
-                <a:solidFill>
-                  <a:schemeClr val="tx1">
-                    <a:lumMod val="95000"/>
-                  </a:schemeClr>
-                </a:solidFill>
-                <a:latin typeface="Times New Roman" panose="02020603050405020304" pitchFamily="18" charset="0"/>
-                <a:cs typeface="Times New Roman" panose="02020603050405020304" pitchFamily="18" charset="0"/>
-              </a:rPr>
-              <a:t>Admin is able to view and download all data entered by the user by just selecting the get data </a:t>
-            </a:r>
-            <a:r>
-              <a:rPr lang="en-US" sz="4200" dirty="0" err="1">
-                <a:solidFill>
-                  <a:schemeClr val="tx1">
-                    <a:lumMod val="95000"/>
-                  </a:schemeClr>
-                </a:solidFill>
-                <a:latin typeface="Times New Roman" panose="02020603050405020304" pitchFamily="18" charset="0"/>
-                <a:cs typeface="Times New Roman" panose="02020603050405020304" pitchFamily="18" charset="0"/>
-              </a:rPr>
-              <a:t>intoa</a:t>
-            </a:r>
-            <a:r>
-              <a:rPr lang="en-US" sz="4200" dirty="0">
-                <a:solidFill>
-                  <a:schemeClr val="tx1">
-                    <a:lumMod val="95000"/>
-                  </a:schemeClr>
-                </a:solidFill>
-                <a:latin typeface="Times New Roman" panose="02020603050405020304" pitchFamily="18" charset="0"/>
-                <a:cs typeface="Times New Roman" panose="02020603050405020304" pitchFamily="18" charset="0"/>
-              </a:rPr>
-              <a:t> file button.</a:t>
-            </a:r>
-          </a:p>
-          <a:p>
-            <a:pPr>
-              <a:buFont typeface="Arial" panose="020B0604020202020204" pitchFamily="34" charset="0"/>
-              <a:buChar char="•"/>
-            </a:pPr>
-            <a:r>
-              <a:rPr lang="en-US" sz="4200" dirty="0">
-                <a:solidFill>
-                  <a:schemeClr val="tx1">
-                    <a:lumMod val="95000"/>
-                  </a:schemeClr>
-                </a:solidFill>
-                <a:latin typeface="Times New Roman" panose="02020603050405020304" pitchFamily="18" charset="0"/>
-                <a:cs typeface="Times New Roman" panose="02020603050405020304" pitchFamily="18" charset="0"/>
-              </a:rPr>
-              <a:t>Admin is able to create and manage the user groups by selecting add symbol.</a:t>
-            </a:r>
-          </a:p>
-          <a:p>
-            <a:pPr>
-              <a:buFont typeface="Arial" panose="020B0604020202020204" pitchFamily="34" charset="0"/>
-              <a:buChar char="•"/>
-            </a:pPr>
-            <a:r>
-              <a:rPr lang="en-US" sz="4200" dirty="0">
-                <a:solidFill>
-                  <a:schemeClr val="tx1">
-                    <a:lumMod val="95000"/>
-                  </a:schemeClr>
-                </a:solidFill>
-                <a:latin typeface="Times New Roman" panose="02020603050405020304" pitchFamily="18" charset="0"/>
-                <a:cs typeface="Times New Roman" panose="02020603050405020304" pitchFamily="18" charset="0"/>
-              </a:rPr>
-              <a:t>Admin is able to share challenge results with group members by clicking release results button.</a:t>
-            </a:r>
-          </a:p>
-          <a:p>
-            <a:pPr>
-              <a:buFont typeface="Arial" panose="020B0604020202020204" pitchFamily="34" charset="0"/>
-              <a:buChar char="•"/>
-            </a:pPr>
-            <a:r>
-              <a:rPr lang="en-US" sz="4200" dirty="0">
-                <a:solidFill>
-                  <a:schemeClr val="tx1">
-                    <a:lumMod val="95000"/>
-                  </a:schemeClr>
-                </a:solidFill>
-                <a:latin typeface="Times New Roman" panose="02020603050405020304" pitchFamily="18" charset="0"/>
-                <a:cs typeface="Times New Roman" panose="02020603050405020304" pitchFamily="18" charset="0"/>
-              </a:rPr>
-              <a:t>Users are able to create and edit data of personal details upon signup.</a:t>
-            </a:r>
-          </a:p>
-          <a:p>
-            <a:pPr>
-              <a:buFont typeface="Arial" panose="020B0604020202020204" pitchFamily="34" charset="0"/>
-              <a:buChar char="•"/>
-            </a:pPr>
-            <a:r>
-              <a:rPr lang="en-US" sz="4200" dirty="0">
-                <a:solidFill>
-                  <a:schemeClr val="tx1">
-                    <a:lumMod val="95000"/>
-                  </a:schemeClr>
-                </a:solidFill>
-                <a:latin typeface="Times New Roman" panose="02020603050405020304" pitchFamily="18" charset="0"/>
-                <a:cs typeface="Times New Roman" panose="02020603050405020304" pitchFamily="18" charset="0"/>
-              </a:rPr>
-              <a:t>Users are able to participate in new challenges just by clicking register buttons on each page of challenges.</a:t>
-            </a:r>
-          </a:p>
-          <a:p>
-            <a:pPr>
-              <a:buFont typeface="Arial" panose="020B0604020202020204" pitchFamily="34" charset="0"/>
-              <a:buChar char="•"/>
-            </a:pPr>
-            <a:r>
-              <a:rPr lang="en-US" sz="4200" dirty="0">
-                <a:solidFill>
-                  <a:schemeClr val="tx1">
-                    <a:lumMod val="95000"/>
-                  </a:schemeClr>
-                </a:solidFill>
-                <a:latin typeface="Times New Roman" panose="02020603050405020304" pitchFamily="18" charset="0"/>
-                <a:cs typeface="Times New Roman" panose="02020603050405020304" pitchFamily="18" charset="0"/>
-              </a:rPr>
-              <a:t>Users are able to accept or reject group </a:t>
-            </a:r>
-            <a:r>
-              <a:rPr lang="en-US" sz="4200" dirty="0" err="1">
-                <a:solidFill>
-                  <a:schemeClr val="tx1">
-                    <a:lumMod val="95000"/>
-                  </a:schemeClr>
-                </a:solidFill>
-                <a:latin typeface="Times New Roman" panose="02020603050405020304" pitchFamily="18" charset="0"/>
-                <a:cs typeface="Times New Roman" panose="02020603050405020304" pitchFamily="18" charset="0"/>
-              </a:rPr>
-              <a:t>assignents</a:t>
-            </a:r>
-            <a:r>
-              <a:rPr lang="en-US" sz="4200" dirty="0">
-                <a:solidFill>
-                  <a:schemeClr val="tx1">
-                    <a:lumMod val="95000"/>
-                  </a:schemeClr>
-                </a:solidFill>
-                <a:latin typeface="Times New Roman" panose="02020603050405020304" pitchFamily="18" charset="0"/>
-                <a:cs typeface="Times New Roman" panose="02020603050405020304" pitchFamily="18" charset="0"/>
-              </a:rPr>
-              <a:t> upon receiving mails from the admin invites.</a:t>
-            </a:r>
-          </a:p>
-          <a:p>
-            <a:pPr>
-              <a:buFont typeface="Arial" panose="020B0604020202020204" pitchFamily="34" charset="0"/>
-              <a:buChar char="•"/>
-            </a:pPr>
-            <a:r>
-              <a:rPr lang="en-US" sz="4200" dirty="0">
-                <a:solidFill>
-                  <a:schemeClr val="tx1">
-                    <a:lumMod val="95000"/>
-                  </a:schemeClr>
-                </a:solidFill>
-                <a:latin typeface="Times New Roman" panose="02020603050405020304" pitchFamily="18" charset="0"/>
-                <a:cs typeface="Times New Roman" panose="02020603050405020304" pitchFamily="18" charset="0"/>
-              </a:rPr>
-              <a:t>Users are able to view data from past challenges by clicking on the results.</a:t>
-            </a:r>
-          </a:p>
-          <a:p>
-            <a:pPr>
-              <a:buFont typeface="Arial" panose="020B0604020202020204" pitchFamily="34" charset="0"/>
-              <a:buChar char="•"/>
-            </a:pPr>
-            <a:r>
-              <a:rPr lang="en-US" sz="4200" dirty="0">
-                <a:solidFill>
-                  <a:schemeClr val="tx1">
-                    <a:lumMod val="95000"/>
-                  </a:schemeClr>
-                </a:solidFill>
-                <a:latin typeface="Times New Roman" panose="02020603050405020304" pitchFamily="18" charset="0"/>
-                <a:cs typeface="Times New Roman" panose="02020603050405020304" pitchFamily="18" charset="0"/>
-              </a:rPr>
-              <a:t>User can access the application only by submitting required details.</a:t>
-            </a:r>
-          </a:p>
-          <a:p>
-            <a:pPr>
-              <a:buFont typeface="Arial" panose="020B0604020202020204" pitchFamily="34" charset="0"/>
-              <a:buChar char="•"/>
-            </a:pPr>
-            <a:r>
-              <a:rPr lang="en-US" sz="4200" dirty="0">
-                <a:solidFill>
-                  <a:schemeClr val="tx1">
-                    <a:lumMod val="95000"/>
-                  </a:schemeClr>
-                </a:solidFill>
-                <a:latin typeface="Times New Roman" panose="02020603050405020304" pitchFamily="18" charset="0"/>
-                <a:cs typeface="Times New Roman" panose="02020603050405020304" pitchFamily="18" charset="0"/>
-              </a:rPr>
-              <a:t>Enabling responsive Mobile menu for Tablets and Mobiles.</a:t>
-            </a:r>
-          </a:p>
-          <a:p>
-            <a:pPr>
-              <a:buFont typeface="Arial" panose="020B0604020202020204" pitchFamily="34" charset="0"/>
-              <a:buChar char="•"/>
-            </a:pPr>
-            <a:r>
-              <a:rPr lang="en-US" sz="4200" dirty="0">
-                <a:solidFill>
-                  <a:schemeClr val="tx1">
-                    <a:lumMod val="95000"/>
-                  </a:schemeClr>
-                </a:solidFill>
-                <a:latin typeface="Times New Roman" panose="02020603050405020304" pitchFamily="18" charset="0"/>
-                <a:cs typeface="Times New Roman" panose="02020603050405020304" pitchFamily="18" charset="0"/>
-              </a:rPr>
-              <a:t>User can Easily Navigate across different screens.</a:t>
-            </a:r>
-          </a:p>
-          <a:p>
-            <a:pPr>
-              <a:buFont typeface="Arial" panose="020B0604020202020204" pitchFamily="34" charset="0"/>
-              <a:buChar char="•"/>
-            </a:pPr>
-            <a:r>
-              <a:rPr lang="en-US" sz="4200" dirty="0">
-                <a:solidFill>
-                  <a:schemeClr val="tx1">
-                    <a:lumMod val="95000"/>
-                  </a:schemeClr>
-                </a:solidFill>
-                <a:latin typeface="Times New Roman" panose="02020603050405020304" pitchFamily="18" charset="0"/>
-                <a:cs typeface="Times New Roman" panose="02020603050405020304" pitchFamily="18" charset="0"/>
-              </a:rPr>
-              <a:t>User can have a clear Clarity and Readability of application buttons.</a:t>
-            </a:r>
-          </a:p>
-          <a:p>
-            <a:pPr>
-              <a:buFont typeface="Arial" panose="020B0604020202020204" pitchFamily="34" charset="0"/>
-              <a:buChar char="•"/>
-            </a:pPr>
-            <a:r>
-              <a:rPr lang="en-US" sz="4200" dirty="0">
-                <a:solidFill>
-                  <a:schemeClr val="tx1">
-                    <a:lumMod val="95000"/>
-                  </a:schemeClr>
-                </a:solidFill>
-                <a:latin typeface="Times New Roman" panose="02020603050405020304" pitchFamily="18" charset="0"/>
-                <a:cs typeface="Times New Roman" panose="02020603050405020304" pitchFamily="18" charset="0"/>
-              </a:rPr>
-              <a:t>User can have Responsiveness of drop-down lists.</a:t>
-            </a:r>
-          </a:p>
-          <a:p>
-            <a:pPr>
-              <a:buFont typeface="Arial" panose="020B0604020202020204" pitchFamily="34" charset="0"/>
-              <a:buChar char="•"/>
-            </a:pPr>
-            <a:r>
-              <a:rPr lang="en-US" sz="4200" dirty="0">
-                <a:solidFill>
-                  <a:schemeClr val="tx1">
-                    <a:lumMod val="95000"/>
-                  </a:schemeClr>
-                </a:solidFill>
-                <a:latin typeface="Times New Roman" panose="02020603050405020304" pitchFamily="18" charset="0"/>
-                <a:cs typeface="Times New Roman" panose="02020603050405020304" pitchFamily="18" charset="0"/>
-              </a:rPr>
-              <a:t>User can Distinguish the inactive buttons from active buttons.</a:t>
-            </a:r>
-          </a:p>
-          <a:p>
-            <a:endParaRPr lang="en-US" dirty="0"/>
-          </a:p>
-        </p:txBody>
-      </p:sp>
+      </p:pic>
+      <p:pic>
+        <p:nvPicPr>
+          <p:cNvPr id="7" name="Picture 6" descr="A screenshot of a cell phone&#10;&#10;Description automatically generated">
+            <a:extLst>
+              <a:ext uri="{FF2B5EF4-FFF2-40B4-BE49-F238E27FC236}">
+                <a16:creationId xmlns:a16="http://schemas.microsoft.com/office/drawing/2014/main" id="{BCDB2B0F-E630-4116-889C-BF24E926A169}"/>
+              </a:ext>
+            </a:extLst>
+          </p:cNvPr>
+          <p:cNvPicPr>
+            <a:picLocks noChangeAspect="1"/>
+          </p:cNvPicPr>
+          <p:nvPr/>
+        </p:nvPicPr>
+        <p:blipFill>
+          <a:blip r:embed="rId3">
+            <a:extLst>
+              <a:ext uri="{28A0092B-C50C-407E-A947-70E740481C1C}">
+                <a14:useLocalDpi xmlns:a14="http://schemas.microsoft.com/office/drawing/2010/main" val="0"/>
+              </a:ext>
+            </a:extLst>
+          </a:blip>
+          <a:stretch>
+            <a:fillRect/>
+          </a:stretch>
+        </p:blipFill>
+        <p:spPr>
+          <a:xfrm>
+            <a:off x="8279222" y="1348201"/>
+            <a:ext cx="2916184" cy="5323092"/>
+          </a:xfrm>
+          <a:prstGeom prst="rect">
+            <a:avLst/>
+          </a:prstGeom>
+        </p:spPr>
+      </p:pic>
+      <p:pic>
+        <p:nvPicPr>
+          <p:cNvPr id="6" name="Picture 5" descr="A screenshot of a cell phone&#10;&#10;Description automatically generated">
+            <a:extLst>
+              <a:ext uri="{FF2B5EF4-FFF2-40B4-BE49-F238E27FC236}">
+                <a16:creationId xmlns:a16="http://schemas.microsoft.com/office/drawing/2014/main" id="{BC02AB21-A8B2-431B-B6C0-5A214AE639C7}"/>
+              </a:ext>
+            </a:extLst>
+          </p:cNvPr>
+          <p:cNvPicPr>
+            <a:picLocks noChangeAspect="1"/>
+          </p:cNvPicPr>
+          <p:nvPr/>
+        </p:nvPicPr>
+        <p:blipFill>
+          <a:blip r:embed="rId4">
+            <a:extLst>
+              <a:ext uri="{28A0092B-C50C-407E-A947-70E740481C1C}">
+                <a14:useLocalDpi xmlns:a14="http://schemas.microsoft.com/office/drawing/2010/main" val="0"/>
+              </a:ext>
+            </a:extLst>
+          </a:blip>
+          <a:stretch>
+            <a:fillRect/>
+          </a:stretch>
+        </p:blipFill>
+        <p:spPr>
+          <a:xfrm>
+            <a:off x="996594" y="1395092"/>
+            <a:ext cx="2821552" cy="5276201"/>
+          </a:xfrm>
+          <a:prstGeom prst="rect">
+            <a:avLst/>
+          </a:prstGeom>
+        </p:spPr>
+      </p:pic>
     </p:spTree>
     <p:extLst>
       <p:ext uri="{BB962C8B-B14F-4D97-AF65-F5344CB8AC3E}">
-        <p14:creationId xmlns:p14="http://schemas.microsoft.com/office/powerpoint/2010/main" val="849554449"/>
+        <p14:creationId xmlns:p14="http://schemas.microsoft.com/office/powerpoint/2010/main" val="971212024"/>
       </p:ext>
     </p:extLst>
   </p:cSld>
@@ -7716,7 +7447,7 @@
           <p:cNvPr id="2" name="Title 1">
             <a:extLst>
               <a:ext uri="{FF2B5EF4-FFF2-40B4-BE49-F238E27FC236}">
-                <a16:creationId xmlns:a16="http://schemas.microsoft.com/office/drawing/2014/main" id="{405F658A-143D-4B11-9418-4DFD99116EE8}"/>
+                <a16:creationId xmlns:a16="http://schemas.microsoft.com/office/drawing/2014/main" id="{EDF33ABE-0CCC-4CB2-8A07-107E3F35A1F5}"/>
               </a:ext>
             </a:extLst>
           </p:cNvPr>
@@ -7747,184 +7478,50 @@
                 <a:latin typeface="Times New Roman" panose="02020603050405020304" pitchFamily="18" charset="0"/>
                 <a:cs typeface="Times New Roman" panose="02020603050405020304" pitchFamily="18" charset="0"/>
               </a:rPr>
-              <a:t>Benefits</a:t>
-            </a:r>
-            <a:br>
-              <a:rPr lang="en-US" sz="2400" b="1" dirty="0">
-                <a:latin typeface="Times New Roman" panose="02020603050405020304" pitchFamily="18" charset="0"/>
-                <a:cs typeface="Times New Roman" panose="02020603050405020304" pitchFamily="18" charset="0"/>
-              </a:rPr>
-            </a:br>
-            <a:br>
-              <a:rPr lang="en-US" sz="2400" b="1" dirty="0">
-                <a:latin typeface="Times New Roman" panose="02020603050405020304" pitchFamily="18" charset="0"/>
-                <a:cs typeface="Times New Roman" panose="02020603050405020304" pitchFamily="18" charset="0"/>
-              </a:rPr>
-            </a:br>
-            <a:endParaRPr lang="en-US" sz="2400" dirty="0">
-              <a:latin typeface="Times New Roman" panose="02020603050405020304" pitchFamily="18" charset="0"/>
-              <a:cs typeface="Times New Roman" panose="02020603050405020304" pitchFamily="18" charset="0"/>
-            </a:endParaRPr>
-          </a:p>
-        </p:txBody>
-      </p:sp>
-      <p:sp>
-        <p:nvSpPr>
-          <p:cNvPr id="3" name="Content Placeholder 2">
+              <a:t>ER Diagram</a:t>
+            </a:r>
+          </a:p>
+        </p:txBody>
+      </p:sp>
+      <p:pic>
+        <p:nvPicPr>
+          <p:cNvPr id="5" name="Content Placeholder 4" descr="A close up of text on a white surface&#10;&#10;Description automatically generated">
             <a:extLst>
               <a:ext uri="{FF2B5EF4-FFF2-40B4-BE49-F238E27FC236}">
-                <a16:creationId xmlns:a16="http://schemas.microsoft.com/office/drawing/2014/main" id="{3C1589E6-2CE7-437E-B912-6C37A64FE22A}"/>
+                <a16:creationId xmlns:a16="http://schemas.microsoft.com/office/drawing/2014/main" id="{6EACB86E-0239-4971-8B76-392FF2502486}"/>
               </a:ext>
             </a:extLst>
           </p:cNvPr>
-          <p:cNvSpPr>
-            <a:spLocks noGrp="1"/>
-          </p:cNvSpPr>
+          <p:cNvPicPr>
+            <a:picLocks noGrp="1" noChangeAspect="1"/>
+          </p:cNvPicPr>
           <p:nvPr>
             <p:ph idx="1"/>
           </p:nvPr>
-        </p:nvSpPr>
+        </p:nvPicPr>
+        <p:blipFill>
+          <a:blip r:embed="rId2">
+            <a:extLst>
+              <a:ext uri="{28A0092B-C50C-407E-A947-70E740481C1C}">
+                <a14:useLocalDpi xmlns:a14="http://schemas.microsoft.com/office/drawing/2010/main" val="0"/>
+              </a:ext>
+            </a:extLst>
+          </a:blip>
+          <a:stretch>
+            <a:fillRect/>
+          </a:stretch>
+        </p:blipFill>
         <p:spPr>
           <a:xfrm>
-            <a:off x="1103312" y="1335640"/>
-            <a:ext cx="8946541" cy="4912759"/>
+            <a:off x="1647289" y="1520575"/>
+            <a:ext cx="8897421" cy="5147353"/>
           </a:xfrm>
         </p:spPr>
-        <p:txBody>
-          <a:bodyPr>
-            <a:normAutofit fontScale="92500" lnSpcReduction="20000"/>
-          </a:bodyPr>
-          <a:lstStyle/>
-          <a:p>
-            <a:r>
-              <a:rPr lang="en-US" dirty="0">
-                <a:latin typeface="Times New Roman" panose="02020603050405020304" pitchFamily="18" charset="0"/>
-                <a:cs typeface="Times New Roman" panose="02020603050405020304" pitchFamily="18" charset="0"/>
-              </a:rPr>
-              <a:t>Monitor your diet everyday</a:t>
-            </a:r>
-          </a:p>
-          <a:p>
-            <a:r>
-              <a:rPr lang="en-US" dirty="0">
-                <a:latin typeface="Times New Roman" panose="02020603050405020304" pitchFamily="18" charset="0"/>
-                <a:cs typeface="Times New Roman" panose="02020603050405020304" pitchFamily="18" charset="0"/>
-              </a:rPr>
-              <a:t>Track your footsteps</a:t>
-            </a:r>
-          </a:p>
-          <a:p>
-            <a:r>
-              <a:rPr lang="en-US" dirty="0">
-                <a:latin typeface="Times New Roman" panose="02020603050405020304" pitchFamily="18" charset="0"/>
-                <a:cs typeface="Times New Roman" panose="02020603050405020304" pitchFamily="18" charset="0"/>
-              </a:rPr>
-              <a:t>Track your water intake</a:t>
-            </a:r>
-          </a:p>
-          <a:p>
-            <a:r>
-              <a:rPr lang="en-US" dirty="0">
-                <a:latin typeface="Times New Roman" panose="02020603050405020304" pitchFamily="18" charset="0"/>
-                <a:cs typeface="Times New Roman" panose="02020603050405020304" pitchFamily="18" charset="0"/>
-              </a:rPr>
-              <a:t>Helps in calorie count</a:t>
-            </a:r>
-          </a:p>
-          <a:p>
-            <a:r>
-              <a:rPr lang="en-US" dirty="0">
-                <a:latin typeface="Times New Roman" panose="02020603050405020304" pitchFamily="18" charset="0"/>
-                <a:cs typeface="Times New Roman" panose="02020603050405020304" pitchFamily="18" charset="0"/>
-              </a:rPr>
-              <a:t>Set goals that you can achieve</a:t>
-            </a:r>
-          </a:p>
-          <a:p>
-            <a:r>
-              <a:rPr lang="en-US" dirty="0">
-                <a:latin typeface="Times New Roman" panose="02020603050405020304" pitchFamily="18" charset="0"/>
-                <a:cs typeface="Times New Roman" panose="02020603050405020304" pitchFamily="18" charset="0"/>
-              </a:rPr>
-              <a:t>Create your yoga studio</a:t>
-            </a:r>
-          </a:p>
-          <a:p>
-            <a:r>
-              <a:rPr lang="en-US" dirty="0">
-                <a:latin typeface="Times New Roman" panose="02020603050405020304" pitchFamily="18" charset="0"/>
-                <a:cs typeface="Times New Roman" panose="02020603050405020304" pitchFamily="18" charset="0"/>
-              </a:rPr>
-              <a:t>Easily keep track of your progress</a:t>
-            </a:r>
-          </a:p>
-          <a:p>
-            <a:r>
-              <a:rPr lang="en-US" dirty="0">
-                <a:latin typeface="Times New Roman" panose="02020603050405020304" pitchFamily="18" charset="0"/>
-                <a:cs typeface="Times New Roman" panose="02020603050405020304" pitchFamily="18" charset="0"/>
-              </a:rPr>
-              <a:t>Get free workout ideas</a:t>
-            </a:r>
-          </a:p>
-          <a:p>
-            <a:r>
-              <a:rPr lang="en-US" dirty="0">
-                <a:latin typeface="Times New Roman" panose="02020603050405020304" pitchFamily="18" charset="0"/>
-                <a:cs typeface="Times New Roman" panose="02020603050405020304" pitchFamily="18" charset="0"/>
-              </a:rPr>
-              <a:t>Heartrate tracking</a:t>
-            </a:r>
-          </a:p>
-          <a:p>
-            <a:r>
-              <a:rPr lang="en-US" dirty="0">
-                <a:latin typeface="Times New Roman" panose="02020603050405020304" pitchFamily="18" charset="0"/>
-                <a:cs typeface="Times New Roman" panose="02020603050405020304" pitchFamily="18" charset="0"/>
-              </a:rPr>
-              <a:t>Weight loss progression</a:t>
-            </a:r>
-          </a:p>
-          <a:p>
-            <a:r>
-              <a:rPr lang="en-US" dirty="0">
-                <a:latin typeface="Times New Roman" panose="02020603050405020304" pitchFamily="18" charset="0"/>
-                <a:cs typeface="Times New Roman" panose="02020603050405020304" pitchFamily="18" charset="0"/>
-              </a:rPr>
-              <a:t>Pedometer</a:t>
-            </a:r>
-          </a:p>
-          <a:p>
-            <a:r>
-              <a:rPr lang="en-US" dirty="0">
-                <a:latin typeface="Times New Roman" panose="02020603050405020304" pitchFamily="18" charset="0"/>
-                <a:cs typeface="Times New Roman" panose="02020603050405020304" pitchFamily="18" charset="0"/>
-              </a:rPr>
-              <a:t>Give free health and fitness tips</a:t>
-            </a:r>
-          </a:p>
-          <a:p>
-            <a:r>
-              <a:rPr lang="en-US" dirty="0">
-                <a:latin typeface="Times New Roman" panose="02020603050405020304" pitchFamily="18" charset="0"/>
-                <a:cs typeface="Times New Roman" panose="02020603050405020304" pitchFamily="18" charset="0"/>
-              </a:rPr>
-              <a:t>Keeps you Motivated</a:t>
-            </a:r>
-            <a:br>
-              <a:rPr lang="en-US" dirty="0">
-                <a:latin typeface="Times New Roman" panose="02020603050405020304" pitchFamily="18" charset="0"/>
-                <a:cs typeface="Times New Roman" panose="02020603050405020304" pitchFamily="18" charset="0"/>
-              </a:rPr>
-            </a:br>
-            <a:endParaRPr lang="en-US" dirty="0"/>
-          </a:p>
-        </p:txBody>
-      </p:sp>
+      </p:pic>
     </p:spTree>
     <p:extLst>
       <p:ext uri="{BB962C8B-B14F-4D97-AF65-F5344CB8AC3E}">
-        <p14:creationId xmlns:p14="http://schemas.microsoft.com/office/powerpoint/2010/main" val="3234541247"/>
+        <p14:creationId xmlns:p14="http://schemas.microsoft.com/office/powerpoint/2010/main" val="2907710349"/>
       </p:ext>
     </p:extLst>
   </p:cSld>
@@ -8145,7 +7742,21 @@
                 <a:latin typeface="Times New Roman" panose="02020603050405020304" pitchFamily="18" charset="0"/>
                 <a:cs typeface="Times New Roman" panose="02020603050405020304" pitchFamily="18" charset="0"/>
               </a:rPr>
-              <a:t>    </a:t>
+              <a:t>    Sowmya </a:t>
+            </a:r>
+            <a:r>
+              <a:rPr lang="en-US" dirty="0" err="1">
+                <a:latin typeface="Times New Roman" panose="02020603050405020304" pitchFamily="18" charset="0"/>
+                <a:cs typeface="Times New Roman" panose="02020603050405020304" pitchFamily="18" charset="0"/>
+              </a:rPr>
+              <a:t>Thogiti</a:t>
+            </a:r>
+            <a:r>
+              <a:rPr lang="en-US" dirty="0">
+                <a:latin typeface="Times New Roman" panose="02020603050405020304" pitchFamily="18" charset="0"/>
+                <a:cs typeface="Times New Roman" panose="02020603050405020304" pitchFamily="18" charset="0"/>
+              </a:rPr>
+              <a:t>				</a:t>
             </a:r>
             <a:r>
               <a:rPr lang="en-US" dirty="0" err="1">
@@ -8173,7 +7784,7 @@
                 <a:latin typeface="Times New Roman" panose="02020603050405020304" pitchFamily="18" charset="0"/>
                 <a:cs typeface="Times New Roman" panose="02020603050405020304" pitchFamily="18" charset="0"/>
               </a:rPr>
-              <a:t>			Naga Anshitha Velagapudi			 Swaroopa </a:t>
+              <a:t>			 Swaroopa </a:t>
             </a:r>
             <a:r>
               <a:rPr lang="en-US" dirty="0" err="1">
@@ -8191,6 +7802,15 @@
             <a:pPr marL="0" indent="0">
               <a:buNone/>
             </a:pPr>
+            <a:r>
+              <a:rPr lang="en-US" dirty="0">
+                <a:latin typeface="Times New Roman" panose="02020603050405020304" pitchFamily="18" charset="0"/>
+                <a:cs typeface="Times New Roman" panose="02020603050405020304" pitchFamily="18" charset="0"/>
+              </a:rPr>
+              <a:t>         (Admin)				     	     (Developer)					(Developer)</a:t>
+            </a:r>
+          </a:p>
+          <a:p>
             <a:endParaRPr lang="en-US" dirty="0">
               <a:latin typeface="Times New Roman" panose="02020603050405020304" pitchFamily="18" charset="0"/>
               <a:cs typeface="Times New Roman" panose="02020603050405020304" pitchFamily="18" charset="0"/>
@@ -8203,12 +7823,6 @@
             </a:endParaRPr>
           </a:p>
           <a:p>
-            <a:endParaRPr lang="en-US" dirty="0">
-              <a:latin typeface="Times New Roman" panose="02020603050405020304" pitchFamily="18" charset="0"/>
-              <a:cs typeface="Times New Roman" panose="02020603050405020304" pitchFamily="18" charset="0"/>
-            </a:endParaRPr>
-          </a:p>
-          <a:p>
             <a:endParaRPr lang="en-US" dirty="0"/>
           </a:p>
           <a:p>
@@ -8216,15 +7830,6 @@
           </a:p>
           <a:p>
             <a:endParaRPr lang="en-US" dirty="0"/>
-          </a:p>
-          <a:p>
-            <a:pPr marL="0" indent="0">
-              <a:buNone/>
-            </a:pPr>
-            <a:endParaRPr lang="en-US" dirty="0">
-              <a:latin typeface="Times New Roman" panose="02020603050405020304" pitchFamily="18" charset="0"/>
-              <a:cs typeface="Times New Roman" panose="02020603050405020304" pitchFamily="18" charset="0"/>
-            </a:endParaRPr>
           </a:p>
           <a:p>
             <a:pPr marL="0" indent="0">
@@ -8235,7 +7840,7 @@
                 <a:latin typeface="Times New Roman" panose="02020603050405020304" pitchFamily="18" charset="0"/>
                 <a:cs typeface="Times New Roman" panose="02020603050405020304" pitchFamily="18" charset="0"/>
               </a:rPr>
-              <a:t>Shiva Rama Krishna </a:t>
+              <a:t>			Naga Anshitha Velagapudi						Shiva Rama Krishna </a:t>
             </a:r>
             <a:r>
               <a:rPr lang="en-US" dirty="0" err="1">
@@ -8249,19 +7854,30 @@
                 <a:latin typeface="Times New Roman" panose="02020603050405020304" pitchFamily="18" charset="0"/>
                 <a:cs typeface="Times New Roman" panose="02020603050405020304" pitchFamily="18" charset="0"/>
               </a:rPr>
-              <a:t>		Soumya </a:t>
-            </a:r>
-            <a:r>
-              <a:rPr lang="en-US" dirty="0" err="1">
+              <a:t>		</a:t>
+            </a:r>
+            <a:r>
+              <a:rPr lang="en-US" dirty="0"/>
+              <a:t>					</a:t>
+            </a:r>
+            <a:r>
+              <a:rPr lang="en-US" dirty="0">
                 <a:latin typeface="Times New Roman" panose="02020603050405020304" pitchFamily="18" charset="0"/>
                 <a:cs typeface="Times New Roman" panose="02020603050405020304" pitchFamily="18" charset="0"/>
               </a:rPr>
-              <a:t>Thogiti</a:t>
-            </a:r>
-            <a:endParaRPr lang="en-US" dirty="0"/>
-          </a:p>
-          <a:p>
-            <a:endParaRPr lang="en-US" dirty="0"/>
+              <a:t>(Tester)		</a:t>
+            </a:r>
+            <a:r>
+              <a:rPr lang="en-US" dirty="0"/>
+              <a:t>							    </a:t>
+            </a:r>
+            <a:r>
+              <a:rPr lang="en-US" dirty="0">
+                <a:latin typeface="Times New Roman" panose="02020603050405020304" pitchFamily="18" charset="0"/>
+                <a:cs typeface="Times New Roman" panose="02020603050405020304" pitchFamily="18" charset="0"/>
+              </a:rPr>
+              <a:t>(UI Designer)</a:t>
+            </a:r>
           </a:p>
         </p:txBody>
       </p:sp>
@@ -8293,8 +7909,8 @@
         </p:blipFill>
         <p:spPr>
           <a:xfrm>
-            <a:off x="1287659" y="863000"/>
-            <a:ext cx="1707013" cy="2272093"/>
+            <a:off x="4778423" y="1152983"/>
+            <a:ext cx="1532972" cy="2038355"/>
           </a:xfrm>
           <a:prstGeom prst="rect">
             <a:avLst/>
@@ -8329,8 +7945,8 @@
         </p:blipFill>
         <p:spPr>
           <a:xfrm>
-            <a:off x="1287659" y="4220782"/>
-            <a:ext cx="1707013" cy="2272093"/>
+            <a:off x="8073364" y="4226200"/>
+            <a:ext cx="1532973" cy="2038356"/>
           </a:xfrm>
           <a:prstGeom prst="rect">
             <a:avLst/>
@@ -8365,8 +7981,80 @@
         </p:blipFill>
         <p:spPr>
           <a:xfrm>
-            <a:off x="4613716" y="862999"/>
-            <a:ext cx="1707013" cy="2272093"/>
+            <a:off x="2857483" y="4226200"/>
+            <a:ext cx="1532972" cy="2038356"/>
+          </a:xfrm>
+          <a:prstGeom prst="rect">
+            <a:avLst/>
+          </a:prstGeom>
+        </p:spPr>
+      </p:pic>
+      <p:pic>
+        <p:nvPicPr>
+          <p:cNvPr id="6" name="Picture 5" descr="A person standing in front of a house&#10;&#10;Description automatically generated">
+            <a:extLst>
+              <a:ext uri="{FF2B5EF4-FFF2-40B4-BE49-F238E27FC236}">
+                <a16:creationId xmlns:a16="http://schemas.microsoft.com/office/drawing/2014/main" id="{BB84EB3D-8FB7-429A-8E57-A3E8E731121F}"/>
+              </a:ext>
+            </a:extLst>
+          </p:cNvPr>
+          <p:cNvPicPr>
+            <a:picLocks noChangeAspect="1"/>
+          </p:cNvPicPr>
+          <p:nvPr/>
+        </p:nvPicPr>
+        <p:blipFill>
+          <a:blip r:embed="rId5">
+            <a:extLst>
+              <a:ext uri="{28A0092B-C50C-407E-A947-70E740481C1C}">
+                <a14:useLocalDpi xmlns:a14="http://schemas.microsoft.com/office/drawing/2010/main" val="0"/>
+              </a:ext>
+            </a:extLst>
+          </a:blip>
+          <a:stretch>
+            <a:fillRect/>
+          </a:stretch>
+        </p:blipFill>
+        <p:spPr>
+          <a:xfrm>
+            <a:off x="8169769" y="1152983"/>
+            <a:ext cx="1436568" cy="2038356"/>
+          </a:xfrm>
+          <a:prstGeom prst="rect">
+            <a:avLst/>
+          </a:prstGeom>
+        </p:spPr>
+      </p:pic>
+      <p:pic>
+        <p:nvPicPr>
+          <p:cNvPr id="10" name="Picture 9" descr="A person taking a selfie&#10;&#10;Description automatically generated">
+            <a:extLst>
+              <a:ext uri="{FF2B5EF4-FFF2-40B4-BE49-F238E27FC236}">
+                <a16:creationId xmlns:a16="http://schemas.microsoft.com/office/drawing/2014/main" id="{1D3FEEC3-AF16-4966-A8CF-1233051B5509}"/>
+              </a:ext>
+            </a:extLst>
+          </p:cNvPr>
+          <p:cNvPicPr>
+            <a:picLocks noChangeAspect="1"/>
+          </p:cNvPicPr>
+          <p:nvPr/>
+        </p:nvPicPr>
+        <p:blipFill>
+          <a:blip r:embed="rId6">
+            <a:extLst>
+              <a:ext uri="{28A0092B-C50C-407E-A947-70E740481C1C}">
+                <a14:useLocalDpi xmlns:a14="http://schemas.microsoft.com/office/drawing/2010/main" val="0"/>
+              </a:ext>
+            </a:extLst>
+          </a:blip>
+          <a:stretch>
+            <a:fillRect/>
+          </a:stretch>
+        </p:blipFill>
+        <p:spPr>
+          <a:xfrm>
+            <a:off x="1287659" y="1256556"/>
+            <a:ext cx="1454030" cy="1938708"/>
           </a:xfrm>
           <a:prstGeom prst="rect">
             <a:avLst/>
@@ -8408,7 +8096,7 @@
           <p:cNvPr id="2" name="Title 1">
             <a:extLst>
               <a:ext uri="{FF2B5EF4-FFF2-40B4-BE49-F238E27FC236}">
-                <a16:creationId xmlns:a16="http://schemas.microsoft.com/office/drawing/2014/main" id="{C8C00379-46E4-446E-88A8-5933040D965B}"/>
+                <a16:creationId xmlns:a16="http://schemas.microsoft.com/office/drawing/2014/main" id="{53CAD9F5-5D35-43A4-86EF-12603C6DCE87}"/>
               </a:ext>
             </a:extLst>
           </p:cNvPr>
@@ -8421,8 +8109,8 @@
         </p:nvSpPr>
         <p:spPr>
           <a:xfrm>
-            <a:off x="646111" y="452718"/>
-            <a:ext cx="9404723" cy="893197"/>
+            <a:off x="646111" y="401347"/>
+            <a:ext cx="9404723" cy="728810"/>
           </a:xfrm>
         </p:spPr>
         <p:txBody>
@@ -8444,10 +8132,13 @@
                 <a:latin typeface="Times New Roman" panose="02020603050405020304" pitchFamily="18" charset="0"/>
                 <a:cs typeface="Times New Roman" panose="02020603050405020304" pitchFamily="18" charset="0"/>
               </a:rPr>
-              <a:t>Requirements</a:t>
-            </a:r>
-            <a:r>
-              <a:rPr lang="en-US" dirty="0">
+              <a:t>Purpose</a:t>
+            </a:r>
+            <a:br>
+              <a:rPr lang="en-US" b="1" dirty="0">
+                <a:solidFill>
+                  <a:schemeClr val="accent3"/>
+                </a:solidFill>
                 <a:effectLst>
                   <a:outerShdw blurRad="38100" dist="38100" dir="2700000" algn="tl">
                     <a:srgbClr val="000000">
@@ -8458,7 +8149,71 @@
                 <a:latin typeface="Times New Roman" panose="02020603050405020304" pitchFamily="18" charset="0"/>
                 <a:cs typeface="Times New Roman" panose="02020603050405020304" pitchFamily="18" charset="0"/>
               </a:rPr>
-              <a:t>	</a:t>
+            </a:br>
+            <a:br>
+              <a:rPr lang="en-US" b="1" dirty="0">
+                <a:solidFill>
+                  <a:schemeClr val="accent3"/>
+                </a:solidFill>
+                <a:effectLst>
+                  <a:outerShdw blurRad="38100" dist="38100" dir="2700000" algn="tl">
+                    <a:srgbClr val="000000">
+                      <a:alpha val="43137"/>
+                    </a:srgbClr>
+                  </a:outerShdw>
+                </a:effectLst>
+                <a:latin typeface="Times New Roman" panose="02020603050405020304" pitchFamily="18" charset="0"/>
+                <a:cs typeface="Times New Roman" panose="02020603050405020304" pitchFamily="18" charset="0"/>
+              </a:rPr>
+            </a:br>
+            <a:br>
+              <a:rPr lang="en-US" b="1" dirty="0">
+                <a:solidFill>
+                  <a:schemeClr val="accent3"/>
+                </a:solidFill>
+                <a:effectLst>
+                  <a:outerShdw blurRad="38100" dist="38100" dir="2700000" algn="tl">
+                    <a:srgbClr val="000000">
+                      <a:alpha val="43137"/>
+                    </a:srgbClr>
+                  </a:outerShdw>
+                </a:effectLst>
+                <a:latin typeface="Times New Roman" panose="02020603050405020304" pitchFamily="18" charset="0"/>
+                <a:cs typeface="Times New Roman" panose="02020603050405020304" pitchFamily="18" charset="0"/>
+              </a:rPr>
+            </a:br>
+            <a:br>
+              <a:rPr lang="en-US" b="1" dirty="0">
+                <a:solidFill>
+                  <a:schemeClr val="accent3"/>
+                </a:solidFill>
+                <a:effectLst>
+                  <a:outerShdw blurRad="38100" dist="38100" dir="2700000" algn="tl">
+                    <a:srgbClr val="000000">
+                      <a:alpha val="43137"/>
+                    </a:srgbClr>
+                  </a:outerShdw>
+                </a:effectLst>
+                <a:latin typeface="Times New Roman" panose="02020603050405020304" pitchFamily="18" charset="0"/>
+                <a:cs typeface="Times New Roman" panose="02020603050405020304" pitchFamily="18" charset="0"/>
+              </a:rPr>
+            </a:br>
+            <a:r>
+              <a:rPr lang="en-US" b="1" dirty="0">
+                <a:solidFill>
+                  <a:schemeClr val="accent3"/>
+                </a:solidFill>
+                <a:effectLst>
+                  <a:outerShdw blurRad="38100" dist="38100" dir="2700000" algn="tl">
+                    <a:srgbClr val="000000">
+                      <a:alpha val="43137"/>
+                    </a:srgbClr>
+                  </a:outerShdw>
+                </a:effectLst>
+                <a:latin typeface="Times New Roman" panose="02020603050405020304" pitchFamily="18" charset="0"/>
+                <a:cs typeface="Times New Roman" panose="02020603050405020304" pitchFamily="18" charset="0"/>
+              </a:rPr>
+              <a:t>Overview</a:t>
             </a:r>
           </a:p>
         </p:txBody>
@@ -8468,7 +8223,7 @@
           <p:cNvPr id="3" name="Content Placeholder 2">
             <a:extLst>
               <a:ext uri="{FF2B5EF4-FFF2-40B4-BE49-F238E27FC236}">
-                <a16:creationId xmlns:a16="http://schemas.microsoft.com/office/drawing/2014/main" id="{A0AC3E9A-BB0B-4A18-AEAA-7929FA74C75D}"/>
+                <a16:creationId xmlns:a16="http://schemas.microsoft.com/office/drawing/2014/main" id="{0169D338-F03C-45A3-AF88-E7BA60FE6263}"/>
               </a:ext>
             </a:extLst>
           </p:cNvPr>
@@ -8481,114 +8236,57 @@
         </p:nvSpPr>
         <p:spPr>
           <a:xfrm>
-            <a:off x="1103312" y="1489753"/>
-            <a:ext cx="8946541" cy="4758647"/>
+            <a:off x="842482" y="1458930"/>
+            <a:ext cx="9152618" cy="4818580"/>
           </a:xfrm>
         </p:spPr>
         <p:txBody>
           <a:bodyPr>
-            <a:normAutofit lnSpcReduction="10000"/>
+            <a:normAutofit/>
           </a:bodyPr>
           <a:lstStyle/>
           <a:p>
             <a:r>
-              <a:rPr lang="en-US" sz="2400" dirty="0">
-                <a:latin typeface="Times New Roman" panose="02020603050405020304" pitchFamily="18" charset="0"/>
-                <a:cs typeface="Times New Roman" panose="02020603050405020304" pitchFamily="18" charset="0"/>
-              </a:rPr>
-              <a:t>Choose your app name</a:t>
-            </a:r>
-          </a:p>
-          <a:p>
-            <a:r>
-              <a:rPr lang="en-US" sz="2400" dirty="0">
-                <a:latin typeface="Times New Roman" panose="02020603050405020304" pitchFamily="18" charset="0"/>
-                <a:cs typeface="Times New Roman" panose="02020603050405020304" pitchFamily="18" charset="0"/>
-              </a:rPr>
-              <a:t>Select a color scheme</a:t>
-            </a:r>
-          </a:p>
-          <a:p>
-            <a:r>
-              <a:rPr lang="en-US" sz="2400" dirty="0">
-                <a:latin typeface="Times New Roman" panose="02020603050405020304" pitchFamily="18" charset="0"/>
-                <a:cs typeface="Times New Roman" panose="02020603050405020304" pitchFamily="18" charset="0"/>
-              </a:rPr>
-              <a:t>Customize your app design</a:t>
-            </a:r>
-          </a:p>
-          <a:p>
-            <a:r>
-              <a:rPr lang="en-US" sz="2400" dirty="0">
-                <a:latin typeface="Times New Roman" panose="02020603050405020304" pitchFamily="18" charset="0"/>
-                <a:cs typeface="Times New Roman" panose="02020603050405020304" pitchFamily="18" charset="0"/>
-              </a:rPr>
-              <a:t>Choose the right test device</a:t>
-            </a:r>
-          </a:p>
-          <a:p>
-            <a:r>
-              <a:rPr lang="en-US" sz="2400" dirty="0">
-                <a:latin typeface="Times New Roman" panose="02020603050405020304" pitchFamily="18" charset="0"/>
-                <a:cs typeface="Times New Roman" panose="02020603050405020304" pitchFamily="18" charset="0"/>
-              </a:rPr>
-              <a:t>Install the app on your device</a:t>
-            </a:r>
-          </a:p>
-          <a:p>
-            <a:r>
-              <a:rPr lang="en-US" sz="2400" dirty="0">
-                <a:latin typeface="Times New Roman" panose="02020603050405020304" pitchFamily="18" charset="0"/>
-                <a:cs typeface="Times New Roman" panose="02020603050405020304" pitchFamily="18" charset="0"/>
-              </a:rPr>
-              <a:t>Add the features you want (Key Section)</a:t>
-            </a:r>
-          </a:p>
-          <a:p>
-            <a:r>
-              <a:rPr lang="en-US" sz="2400" dirty="0">
-                <a:latin typeface="Times New Roman" panose="02020603050405020304" pitchFamily="18" charset="0"/>
-                <a:cs typeface="Times New Roman" panose="02020603050405020304" pitchFamily="18" charset="0"/>
-              </a:rPr>
-              <a:t>Test, test, and test before the launch</a:t>
-            </a:r>
-          </a:p>
-          <a:p>
-            <a:r>
-              <a:rPr lang="en-US" sz="2400" dirty="0">
-                <a:latin typeface="Times New Roman" panose="02020603050405020304" pitchFamily="18" charset="0"/>
-                <a:cs typeface="Times New Roman" panose="02020603050405020304" pitchFamily="18" charset="0"/>
-              </a:rPr>
-              <a:t>Publish your app</a:t>
-            </a:r>
-          </a:p>
-          <a:p>
-            <a:r>
-              <a:rPr lang="en-US" sz="2400" dirty="0">
-                <a:latin typeface="Times New Roman" panose="02020603050405020304" pitchFamily="18" charset="0"/>
-                <a:cs typeface="Times New Roman" panose="02020603050405020304" pitchFamily="18" charset="0"/>
-              </a:rPr>
-              <a:t>Promote your app</a:t>
-            </a:r>
-          </a:p>
-          <a:p>
-            <a:r>
-              <a:rPr lang="en-US" sz="2400" dirty="0">
-                <a:latin typeface="Times New Roman" panose="02020603050405020304" pitchFamily="18" charset="0"/>
-                <a:cs typeface="Times New Roman" panose="02020603050405020304" pitchFamily="18" charset="0"/>
-              </a:rPr>
-              <a:t>Ask your users for feedback</a:t>
+              <a:rPr lang="en-US" dirty="0"/>
+              <a:t>The Healthify-NWMSU app can incorporate data from thousands of third-party apps that are designed to promote healthier habits from nutrition to fitness.</a:t>
+            </a:r>
+          </a:p>
+          <a:p>
+            <a:r>
+              <a:rPr lang="en-US" dirty="0"/>
+              <a:t>This app lets you keep all your health and fitness information under your control and in one place on your device.</a:t>
             </a:r>
           </a:p>
           <a:p>
             <a:endParaRPr lang="en-US" dirty="0"/>
+          </a:p>
+          <a:p>
+            <a:endParaRPr lang="en-US" dirty="0"/>
+          </a:p>
+          <a:p>
+            <a:r>
+              <a:rPr lang="en-US" dirty="0"/>
+              <a:t>Healthify-NWMSU is a fitness app that helps users track their diet and weight and set fitness goals.</a:t>
+            </a:r>
+          </a:p>
+          <a:p>
+            <a:r>
+              <a:rPr lang="en-US" dirty="0"/>
+              <a:t>It is free to download app which allows user to track their calories, steps, manage, view and participate in group challenges.</a:t>
+            </a:r>
+          </a:p>
+          <a:p>
+            <a:r>
+              <a:rPr lang="en-US" dirty="0"/>
+              <a:t>It helps users to track their food intake and measure calories accurately.</a:t>
+            </a:r>
           </a:p>
         </p:txBody>
       </p:sp>
     </p:spTree>
     <p:extLst>
       <p:ext uri="{BB962C8B-B14F-4D97-AF65-F5344CB8AC3E}">
-        <p14:creationId xmlns:p14="http://schemas.microsoft.com/office/powerpoint/2010/main" val="1734231488"/>
+        <p14:creationId xmlns:p14="http://schemas.microsoft.com/office/powerpoint/2010/main" val="602519577"/>
       </p:ext>
     </p:extLst>
   </p:cSld>
@@ -8620,6 +8318,1129 @@
           <p:cNvPr id="2" name="Title 1">
             <a:extLst>
               <a:ext uri="{FF2B5EF4-FFF2-40B4-BE49-F238E27FC236}">
+                <a16:creationId xmlns:a16="http://schemas.microsoft.com/office/drawing/2014/main" id="{405F658A-143D-4B11-9418-4DFD99116EE8}"/>
+              </a:ext>
+            </a:extLst>
+          </p:cNvPr>
+          <p:cNvSpPr>
+            <a:spLocks noGrp="1"/>
+          </p:cNvSpPr>
+          <p:nvPr>
+            <p:ph type="title"/>
+          </p:nvPr>
+        </p:nvSpPr>
+        <p:spPr/>
+        <p:txBody>
+          <a:bodyPr/>
+          <a:lstStyle/>
+          <a:p>
+            <a:r>
+              <a:rPr lang="en-US" b="1" dirty="0">
+                <a:solidFill>
+                  <a:schemeClr val="accent3"/>
+                </a:solidFill>
+                <a:effectLst>
+                  <a:outerShdw blurRad="38100" dist="38100" dir="2700000" algn="tl">
+                    <a:srgbClr val="000000">
+                      <a:alpha val="43137"/>
+                    </a:srgbClr>
+                  </a:outerShdw>
+                </a:effectLst>
+                <a:latin typeface="Times New Roman" panose="02020603050405020304" pitchFamily="18" charset="0"/>
+                <a:cs typeface="Times New Roman" panose="02020603050405020304" pitchFamily="18" charset="0"/>
+              </a:rPr>
+              <a:t>Benefits</a:t>
+            </a:r>
+            <a:br>
+              <a:rPr lang="en-US" sz="2400" b="1" dirty="0">
+                <a:latin typeface="Times New Roman" panose="02020603050405020304" pitchFamily="18" charset="0"/>
+                <a:cs typeface="Times New Roman" panose="02020603050405020304" pitchFamily="18" charset="0"/>
+              </a:rPr>
+            </a:br>
+            <a:br>
+              <a:rPr lang="en-US" sz="2400" b="1" dirty="0">
+                <a:latin typeface="Times New Roman" panose="02020603050405020304" pitchFamily="18" charset="0"/>
+                <a:cs typeface="Times New Roman" panose="02020603050405020304" pitchFamily="18" charset="0"/>
+              </a:rPr>
+            </a:br>
+            <a:endParaRPr lang="en-US" sz="2400" dirty="0">
+              <a:latin typeface="Times New Roman" panose="02020603050405020304" pitchFamily="18" charset="0"/>
+              <a:cs typeface="Times New Roman" panose="02020603050405020304" pitchFamily="18" charset="0"/>
+            </a:endParaRPr>
+          </a:p>
+        </p:txBody>
+      </p:sp>
+      <p:sp>
+        <p:nvSpPr>
+          <p:cNvPr id="3" name="Content Placeholder 2">
+            <a:extLst>
+              <a:ext uri="{FF2B5EF4-FFF2-40B4-BE49-F238E27FC236}">
+                <a16:creationId xmlns:a16="http://schemas.microsoft.com/office/drawing/2014/main" id="{3C1589E6-2CE7-437E-B912-6C37A64FE22A}"/>
+              </a:ext>
+            </a:extLst>
+          </p:cNvPr>
+          <p:cNvSpPr>
+            <a:spLocks noGrp="1"/>
+          </p:cNvSpPr>
+          <p:nvPr>
+            <p:ph idx="1"/>
+          </p:nvPr>
+        </p:nvSpPr>
+        <p:spPr>
+          <a:xfrm>
+            <a:off x="1103312" y="1335640"/>
+            <a:ext cx="8946541" cy="4912759"/>
+          </a:xfrm>
+        </p:spPr>
+        <p:txBody>
+          <a:bodyPr>
+            <a:normAutofit fontScale="92500" lnSpcReduction="20000"/>
+          </a:bodyPr>
+          <a:lstStyle/>
+          <a:p>
+            <a:r>
+              <a:rPr lang="en-US" dirty="0">
+                <a:latin typeface="Times New Roman" panose="02020603050405020304" pitchFamily="18" charset="0"/>
+                <a:cs typeface="Times New Roman" panose="02020603050405020304" pitchFamily="18" charset="0"/>
+              </a:rPr>
+              <a:t>Monitor your diet everyday</a:t>
+            </a:r>
+          </a:p>
+          <a:p>
+            <a:r>
+              <a:rPr lang="en-US" dirty="0">
+                <a:latin typeface="Times New Roman" panose="02020603050405020304" pitchFamily="18" charset="0"/>
+                <a:cs typeface="Times New Roman" panose="02020603050405020304" pitchFamily="18" charset="0"/>
+              </a:rPr>
+              <a:t>Track your footsteps</a:t>
+            </a:r>
+          </a:p>
+          <a:p>
+            <a:r>
+              <a:rPr lang="en-US" dirty="0">
+                <a:latin typeface="Times New Roman" panose="02020603050405020304" pitchFamily="18" charset="0"/>
+                <a:cs typeface="Times New Roman" panose="02020603050405020304" pitchFamily="18" charset="0"/>
+              </a:rPr>
+              <a:t>Track your water intake</a:t>
+            </a:r>
+          </a:p>
+          <a:p>
+            <a:r>
+              <a:rPr lang="en-US" dirty="0">
+                <a:latin typeface="Times New Roman" panose="02020603050405020304" pitchFamily="18" charset="0"/>
+                <a:cs typeface="Times New Roman" panose="02020603050405020304" pitchFamily="18" charset="0"/>
+              </a:rPr>
+              <a:t>Helps in calorie count</a:t>
+            </a:r>
+          </a:p>
+          <a:p>
+            <a:r>
+              <a:rPr lang="en-US" dirty="0">
+                <a:latin typeface="Times New Roman" panose="02020603050405020304" pitchFamily="18" charset="0"/>
+                <a:cs typeface="Times New Roman" panose="02020603050405020304" pitchFamily="18" charset="0"/>
+              </a:rPr>
+              <a:t>Set goals that you can achieve</a:t>
+            </a:r>
+          </a:p>
+          <a:p>
+            <a:r>
+              <a:rPr lang="en-US" dirty="0">
+                <a:latin typeface="Times New Roman" panose="02020603050405020304" pitchFamily="18" charset="0"/>
+                <a:cs typeface="Times New Roman" panose="02020603050405020304" pitchFamily="18" charset="0"/>
+              </a:rPr>
+              <a:t>Create your yoga studio</a:t>
+            </a:r>
+          </a:p>
+          <a:p>
+            <a:r>
+              <a:rPr lang="en-US" dirty="0">
+                <a:latin typeface="Times New Roman" panose="02020603050405020304" pitchFamily="18" charset="0"/>
+                <a:cs typeface="Times New Roman" panose="02020603050405020304" pitchFamily="18" charset="0"/>
+              </a:rPr>
+              <a:t>Easily keep track of your progress</a:t>
+            </a:r>
+          </a:p>
+          <a:p>
+            <a:r>
+              <a:rPr lang="en-US" dirty="0">
+                <a:latin typeface="Times New Roman" panose="02020603050405020304" pitchFamily="18" charset="0"/>
+                <a:cs typeface="Times New Roman" panose="02020603050405020304" pitchFamily="18" charset="0"/>
+              </a:rPr>
+              <a:t>Get free workout ideas</a:t>
+            </a:r>
+          </a:p>
+          <a:p>
+            <a:r>
+              <a:rPr lang="en-US" dirty="0">
+                <a:latin typeface="Times New Roman" panose="02020603050405020304" pitchFamily="18" charset="0"/>
+                <a:cs typeface="Times New Roman" panose="02020603050405020304" pitchFamily="18" charset="0"/>
+              </a:rPr>
+              <a:t>Heartrate tracking</a:t>
+            </a:r>
+          </a:p>
+          <a:p>
+            <a:r>
+              <a:rPr lang="en-US" dirty="0">
+                <a:latin typeface="Times New Roman" panose="02020603050405020304" pitchFamily="18" charset="0"/>
+                <a:cs typeface="Times New Roman" panose="02020603050405020304" pitchFamily="18" charset="0"/>
+              </a:rPr>
+              <a:t>Weight loss progression</a:t>
+            </a:r>
+          </a:p>
+          <a:p>
+            <a:r>
+              <a:rPr lang="en-US" dirty="0">
+                <a:latin typeface="Times New Roman" panose="02020603050405020304" pitchFamily="18" charset="0"/>
+                <a:cs typeface="Times New Roman" panose="02020603050405020304" pitchFamily="18" charset="0"/>
+              </a:rPr>
+              <a:t>Pedometer</a:t>
+            </a:r>
+          </a:p>
+          <a:p>
+            <a:r>
+              <a:rPr lang="en-US" dirty="0">
+                <a:latin typeface="Times New Roman" panose="02020603050405020304" pitchFamily="18" charset="0"/>
+                <a:cs typeface="Times New Roman" panose="02020603050405020304" pitchFamily="18" charset="0"/>
+              </a:rPr>
+              <a:t>Give free health and fitness tips</a:t>
+            </a:r>
+          </a:p>
+          <a:p>
+            <a:r>
+              <a:rPr lang="en-US" dirty="0">
+                <a:latin typeface="Times New Roman" panose="02020603050405020304" pitchFamily="18" charset="0"/>
+                <a:cs typeface="Times New Roman" panose="02020603050405020304" pitchFamily="18" charset="0"/>
+              </a:rPr>
+              <a:t>Keeps you Motivated</a:t>
+            </a:r>
+            <a:br>
+              <a:rPr lang="en-US" dirty="0">
+                <a:latin typeface="Times New Roman" panose="02020603050405020304" pitchFamily="18" charset="0"/>
+                <a:cs typeface="Times New Roman" panose="02020603050405020304" pitchFamily="18" charset="0"/>
+              </a:rPr>
+            </a:br>
+            <a:endParaRPr lang="en-US" dirty="0"/>
+          </a:p>
+        </p:txBody>
+      </p:sp>
+    </p:spTree>
+    <p:extLst>
+      <p:ext uri="{BB962C8B-B14F-4D97-AF65-F5344CB8AC3E}">
+        <p14:creationId xmlns:p14="http://schemas.microsoft.com/office/powerpoint/2010/main" val="764525553"/>
+      </p:ext>
+    </p:extLst>
+  </p:cSld>
+  <p:clrMapOvr>
+    <a:masterClrMapping/>
+  </p:clrMapOvr>
+</p:sld>
+</file>
+
+<file path=ppt/slides/slide5.xml><?xml version="1.0" encoding="utf-8"?>
+<p:sld xmlns:a="http://schemas.openxmlformats.org/drawingml/2006/main" xmlns:r="http://schemas.openxmlformats.org/officeDocument/2006/relationships" xmlns:p="http://schemas.openxmlformats.org/presentationml/2006/main">
+  <p:cSld>
+    <p:spTree>
+      <p:nvGrpSpPr>
+        <p:cNvPr id="1" name=""/>
+        <p:cNvGrpSpPr/>
+        <p:nvPr/>
+      </p:nvGrpSpPr>
+      <p:grpSpPr>
+        <a:xfrm>
+          <a:off x="0" y="0"/>
+          <a:ext cx="0" cy="0"/>
+          <a:chOff x="0" y="0"/>
+          <a:chExt cx="0" cy="0"/>
+        </a:xfrm>
+      </p:grpSpPr>
+      <p:sp>
+        <p:nvSpPr>
+          <p:cNvPr id="2" name="Title 1">
+            <a:extLst>
+              <a:ext uri="{FF2B5EF4-FFF2-40B4-BE49-F238E27FC236}">
+                <a16:creationId xmlns:a16="http://schemas.microsoft.com/office/drawing/2014/main" id="{573E737E-8EF4-48B3-9937-7787C41E3A2D}"/>
+              </a:ext>
+            </a:extLst>
+          </p:cNvPr>
+          <p:cNvSpPr>
+            <a:spLocks noGrp="1"/>
+          </p:cNvSpPr>
+          <p:nvPr>
+            <p:ph type="title"/>
+          </p:nvPr>
+        </p:nvSpPr>
+        <p:spPr/>
+        <p:txBody>
+          <a:bodyPr/>
+          <a:lstStyle/>
+          <a:p>
+            <a:r>
+              <a:rPr lang="en-US" b="1" dirty="0">
+                <a:solidFill>
+                  <a:schemeClr val="accent3"/>
+                </a:solidFill>
+                <a:effectLst>
+                  <a:outerShdw blurRad="38100" dist="38100" dir="2700000" algn="tl">
+                    <a:srgbClr val="000000">
+                      <a:alpha val="43137"/>
+                    </a:srgbClr>
+                  </a:outerShdw>
+                </a:effectLst>
+                <a:latin typeface="-apple-system"/>
+              </a:rPr>
+              <a:t>Acceptance Criteria</a:t>
+            </a:r>
+            <a:br>
+              <a:rPr lang="en-US" b="1" dirty="0">
+                <a:solidFill>
+                  <a:srgbClr val="24292E"/>
+                </a:solidFill>
+                <a:latin typeface="-apple-system"/>
+              </a:rPr>
+            </a:br>
+            <a:endParaRPr lang="en-US" dirty="0"/>
+          </a:p>
+        </p:txBody>
+      </p:sp>
+      <p:sp>
+        <p:nvSpPr>
+          <p:cNvPr id="3" name="Content Placeholder 2">
+            <a:extLst>
+              <a:ext uri="{FF2B5EF4-FFF2-40B4-BE49-F238E27FC236}">
+                <a16:creationId xmlns:a16="http://schemas.microsoft.com/office/drawing/2014/main" id="{9C7E8854-7F3E-4442-BC30-0FA2B15FA669}"/>
+              </a:ext>
+            </a:extLst>
+          </p:cNvPr>
+          <p:cNvSpPr>
+            <a:spLocks noGrp="1"/>
+          </p:cNvSpPr>
+          <p:nvPr>
+            <p:ph idx="1"/>
+          </p:nvPr>
+        </p:nvSpPr>
+        <p:spPr>
+          <a:xfrm>
+            <a:off x="1103311" y="1335640"/>
+            <a:ext cx="10352373" cy="5311740"/>
+          </a:xfrm>
+        </p:spPr>
+        <p:txBody>
+          <a:bodyPr>
+            <a:normAutofit fontScale="32500" lnSpcReduction="20000"/>
+          </a:bodyPr>
+          <a:lstStyle/>
+          <a:p>
+            <a:pPr>
+              <a:buFont typeface="Arial" panose="020B0604020202020204" pitchFamily="34" charset="0"/>
+              <a:buChar char="•"/>
+            </a:pPr>
+            <a:r>
+              <a:rPr lang="en-US" sz="5500" dirty="0">
+                <a:solidFill>
+                  <a:schemeClr val="tx1">
+                    <a:lumMod val="95000"/>
+                  </a:schemeClr>
+                </a:solidFill>
+                <a:latin typeface="Times New Roman" panose="02020603050405020304" pitchFamily="18" charset="0"/>
+                <a:cs typeface="Times New Roman" panose="02020603050405020304" pitchFamily="18" charset="0"/>
+              </a:rPr>
+              <a:t>The </a:t>
+            </a:r>
+            <a:r>
+              <a:rPr lang="en-US" sz="5500" dirty="0" err="1">
+                <a:solidFill>
+                  <a:schemeClr val="tx1">
+                    <a:lumMod val="95000"/>
+                  </a:schemeClr>
+                </a:solidFill>
+                <a:latin typeface="Times New Roman" panose="02020603050405020304" pitchFamily="18" charset="0"/>
+                <a:cs typeface="Times New Roman" panose="02020603050405020304" pitchFamily="18" charset="0"/>
+              </a:rPr>
+              <a:t>Healthify</a:t>
+            </a:r>
+            <a:r>
+              <a:rPr lang="en-US" sz="5500" dirty="0">
+                <a:solidFill>
+                  <a:schemeClr val="tx1">
+                    <a:lumMod val="95000"/>
+                  </a:schemeClr>
+                </a:solidFill>
+                <a:latin typeface="Times New Roman" panose="02020603050405020304" pitchFamily="18" charset="0"/>
+                <a:cs typeface="Times New Roman" panose="02020603050405020304" pitchFamily="18" charset="0"/>
+              </a:rPr>
+              <a:t>-NWMSU app will work on all devices like in all android devices ,an </a:t>
+            </a:r>
+            <a:r>
+              <a:rPr lang="en-US" sz="5500" dirty="0" err="1">
+                <a:solidFill>
+                  <a:schemeClr val="tx1">
+                    <a:lumMod val="95000"/>
+                  </a:schemeClr>
+                </a:solidFill>
+                <a:latin typeface="Times New Roman" panose="02020603050405020304" pitchFamily="18" charset="0"/>
+                <a:cs typeface="Times New Roman" panose="02020603050405020304" pitchFamily="18" charset="0"/>
+              </a:rPr>
+              <a:t>iphone</a:t>
+            </a:r>
+            <a:r>
+              <a:rPr lang="en-US" sz="5500" dirty="0">
+                <a:solidFill>
+                  <a:schemeClr val="tx1">
+                    <a:lumMod val="95000"/>
+                  </a:schemeClr>
+                </a:solidFill>
+                <a:latin typeface="Times New Roman" panose="02020603050405020304" pitchFamily="18" charset="0"/>
+                <a:cs typeface="Times New Roman" panose="02020603050405020304" pitchFamily="18" charset="0"/>
+              </a:rPr>
+              <a:t> SE , an iPad and in all laptops.</a:t>
+            </a:r>
+          </a:p>
+          <a:p>
+            <a:pPr>
+              <a:buFont typeface="Arial" panose="020B0604020202020204" pitchFamily="34" charset="0"/>
+              <a:buChar char="•"/>
+            </a:pPr>
+            <a:r>
+              <a:rPr lang="en-US" sz="5500" dirty="0">
+                <a:solidFill>
+                  <a:schemeClr val="tx1">
+                    <a:lumMod val="95000"/>
+                  </a:schemeClr>
+                </a:solidFill>
+                <a:latin typeface="Times New Roman" panose="02020603050405020304" pitchFamily="18" charset="0"/>
+                <a:cs typeface="Times New Roman" panose="02020603050405020304" pitchFamily="18" charset="0"/>
+              </a:rPr>
+              <a:t>Admin is able to view and download all data entered by the user by just selecting the get data </a:t>
+            </a:r>
+            <a:r>
+              <a:rPr lang="en-US" sz="5500" dirty="0" err="1">
+                <a:solidFill>
+                  <a:schemeClr val="tx1">
+                    <a:lumMod val="95000"/>
+                  </a:schemeClr>
+                </a:solidFill>
+                <a:latin typeface="Times New Roman" panose="02020603050405020304" pitchFamily="18" charset="0"/>
+                <a:cs typeface="Times New Roman" panose="02020603050405020304" pitchFamily="18" charset="0"/>
+              </a:rPr>
+              <a:t>intoa</a:t>
+            </a:r>
+            <a:r>
+              <a:rPr lang="en-US" sz="5500" dirty="0">
+                <a:solidFill>
+                  <a:schemeClr val="tx1">
+                    <a:lumMod val="95000"/>
+                  </a:schemeClr>
+                </a:solidFill>
+                <a:latin typeface="Times New Roman" panose="02020603050405020304" pitchFamily="18" charset="0"/>
+                <a:cs typeface="Times New Roman" panose="02020603050405020304" pitchFamily="18" charset="0"/>
+              </a:rPr>
+              <a:t> file button.</a:t>
+            </a:r>
+          </a:p>
+          <a:p>
+            <a:pPr>
+              <a:buFont typeface="Arial" panose="020B0604020202020204" pitchFamily="34" charset="0"/>
+              <a:buChar char="•"/>
+            </a:pPr>
+            <a:r>
+              <a:rPr lang="en-US" sz="5500" dirty="0">
+                <a:solidFill>
+                  <a:schemeClr val="tx1">
+                    <a:lumMod val="95000"/>
+                  </a:schemeClr>
+                </a:solidFill>
+                <a:latin typeface="Times New Roman" panose="02020603050405020304" pitchFamily="18" charset="0"/>
+                <a:cs typeface="Times New Roman" panose="02020603050405020304" pitchFamily="18" charset="0"/>
+              </a:rPr>
+              <a:t>Admin is able to create and manage the user groups by selecting add symbol.</a:t>
+            </a:r>
+          </a:p>
+          <a:p>
+            <a:pPr>
+              <a:buFont typeface="Arial" panose="020B0604020202020204" pitchFamily="34" charset="0"/>
+              <a:buChar char="•"/>
+            </a:pPr>
+            <a:r>
+              <a:rPr lang="en-US" sz="5500" dirty="0">
+                <a:solidFill>
+                  <a:schemeClr val="tx1">
+                    <a:lumMod val="95000"/>
+                  </a:schemeClr>
+                </a:solidFill>
+                <a:latin typeface="Times New Roman" panose="02020603050405020304" pitchFamily="18" charset="0"/>
+                <a:cs typeface="Times New Roman" panose="02020603050405020304" pitchFamily="18" charset="0"/>
+              </a:rPr>
+              <a:t>Admin is able to share challenge results with group members by clicking release results button.</a:t>
+            </a:r>
+          </a:p>
+          <a:p>
+            <a:pPr>
+              <a:buFont typeface="Arial" panose="020B0604020202020204" pitchFamily="34" charset="0"/>
+              <a:buChar char="•"/>
+            </a:pPr>
+            <a:r>
+              <a:rPr lang="en-US" sz="5500" dirty="0">
+                <a:solidFill>
+                  <a:schemeClr val="tx1">
+                    <a:lumMod val="95000"/>
+                  </a:schemeClr>
+                </a:solidFill>
+                <a:latin typeface="Times New Roman" panose="02020603050405020304" pitchFamily="18" charset="0"/>
+                <a:cs typeface="Times New Roman" panose="02020603050405020304" pitchFamily="18" charset="0"/>
+              </a:rPr>
+              <a:t>Users are able to create and edit data of personal details upon signup.</a:t>
+            </a:r>
+          </a:p>
+          <a:p>
+            <a:pPr>
+              <a:buFont typeface="Arial" panose="020B0604020202020204" pitchFamily="34" charset="0"/>
+              <a:buChar char="•"/>
+            </a:pPr>
+            <a:r>
+              <a:rPr lang="en-US" sz="5500" dirty="0">
+                <a:solidFill>
+                  <a:schemeClr val="tx1">
+                    <a:lumMod val="95000"/>
+                  </a:schemeClr>
+                </a:solidFill>
+                <a:latin typeface="Times New Roman" panose="02020603050405020304" pitchFamily="18" charset="0"/>
+                <a:cs typeface="Times New Roman" panose="02020603050405020304" pitchFamily="18" charset="0"/>
+              </a:rPr>
+              <a:t>Users are able to participate in new challenges just by clicking register buttons on each page of challenges.</a:t>
+            </a:r>
+          </a:p>
+          <a:p>
+            <a:pPr>
+              <a:buFont typeface="Arial" panose="020B0604020202020204" pitchFamily="34" charset="0"/>
+              <a:buChar char="•"/>
+            </a:pPr>
+            <a:r>
+              <a:rPr lang="en-US" sz="5500" dirty="0">
+                <a:solidFill>
+                  <a:schemeClr val="tx1">
+                    <a:lumMod val="95000"/>
+                  </a:schemeClr>
+                </a:solidFill>
+                <a:latin typeface="Times New Roman" panose="02020603050405020304" pitchFamily="18" charset="0"/>
+                <a:cs typeface="Times New Roman" panose="02020603050405020304" pitchFamily="18" charset="0"/>
+              </a:rPr>
+              <a:t>Users are able to accept or reject group </a:t>
+            </a:r>
+            <a:r>
+              <a:rPr lang="en-US" sz="5500" dirty="0" err="1">
+                <a:solidFill>
+                  <a:schemeClr val="tx1">
+                    <a:lumMod val="95000"/>
+                  </a:schemeClr>
+                </a:solidFill>
+                <a:latin typeface="Times New Roman" panose="02020603050405020304" pitchFamily="18" charset="0"/>
+                <a:cs typeface="Times New Roman" panose="02020603050405020304" pitchFamily="18" charset="0"/>
+              </a:rPr>
+              <a:t>assignents</a:t>
+            </a:r>
+            <a:r>
+              <a:rPr lang="en-US" sz="5500" dirty="0">
+                <a:solidFill>
+                  <a:schemeClr val="tx1">
+                    <a:lumMod val="95000"/>
+                  </a:schemeClr>
+                </a:solidFill>
+                <a:latin typeface="Times New Roman" panose="02020603050405020304" pitchFamily="18" charset="0"/>
+                <a:cs typeface="Times New Roman" panose="02020603050405020304" pitchFamily="18" charset="0"/>
+              </a:rPr>
+              <a:t> upon receiving mails from the admin invites.</a:t>
+            </a:r>
+          </a:p>
+          <a:p>
+            <a:pPr>
+              <a:buFont typeface="Arial" panose="020B0604020202020204" pitchFamily="34" charset="0"/>
+              <a:buChar char="•"/>
+            </a:pPr>
+            <a:r>
+              <a:rPr lang="en-US" sz="5500" dirty="0">
+                <a:solidFill>
+                  <a:schemeClr val="tx1">
+                    <a:lumMod val="95000"/>
+                  </a:schemeClr>
+                </a:solidFill>
+                <a:latin typeface="Times New Roman" panose="02020603050405020304" pitchFamily="18" charset="0"/>
+                <a:cs typeface="Times New Roman" panose="02020603050405020304" pitchFamily="18" charset="0"/>
+              </a:rPr>
+              <a:t>Users are able to view data from past challenges by clicking on the results.</a:t>
+            </a:r>
+          </a:p>
+          <a:p>
+            <a:pPr>
+              <a:buFont typeface="Arial" panose="020B0604020202020204" pitchFamily="34" charset="0"/>
+              <a:buChar char="•"/>
+            </a:pPr>
+            <a:r>
+              <a:rPr lang="en-US" sz="5500" dirty="0">
+                <a:solidFill>
+                  <a:schemeClr val="tx1">
+                    <a:lumMod val="95000"/>
+                  </a:schemeClr>
+                </a:solidFill>
+                <a:latin typeface="Times New Roman" panose="02020603050405020304" pitchFamily="18" charset="0"/>
+                <a:cs typeface="Times New Roman" panose="02020603050405020304" pitchFamily="18" charset="0"/>
+              </a:rPr>
+              <a:t>User can access the application only by submitting required details.</a:t>
+            </a:r>
+          </a:p>
+          <a:p>
+            <a:pPr>
+              <a:buFont typeface="Arial" panose="020B0604020202020204" pitchFamily="34" charset="0"/>
+              <a:buChar char="•"/>
+            </a:pPr>
+            <a:r>
+              <a:rPr lang="en-US" sz="5500" dirty="0">
+                <a:solidFill>
+                  <a:schemeClr val="tx1">
+                    <a:lumMod val="95000"/>
+                  </a:schemeClr>
+                </a:solidFill>
+                <a:latin typeface="Times New Roman" panose="02020603050405020304" pitchFamily="18" charset="0"/>
+                <a:cs typeface="Times New Roman" panose="02020603050405020304" pitchFamily="18" charset="0"/>
+              </a:rPr>
+              <a:t>Enabling responsive Mobile menu for Tablets and Mobiles.</a:t>
+            </a:r>
+          </a:p>
+          <a:p>
+            <a:pPr>
+              <a:buFont typeface="Arial" panose="020B0604020202020204" pitchFamily="34" charset="0"/>
+              <a:buChar char="•"/>
+            </a:pPr>
+            <a:r>
+              <a:rPr lang="en-US" sz="5500" dirty="0">
+                <a:solidFill>
+                  <a:schemeClr val="tx1">
+                    <a:lumMod val="95000"/>
+                  </a:schemeClr>
+                </a:solidFill>
+                <a:latin typeface="Times New Roman" panose="02020603050405020304" pitchFamily="18" charset="0"/>
+                <a:cs typeface="Times New Roman" panose="02020603050405020304" pitchFamily="18" charset="0"/>
+              </a:rPr>
+              <a:t>User can Easily Navigate across different screens.</a:t>
+            </a:r>
+          </a:p>
+          <a:p>
+            <a:pPr>
+              <a:buFont typeface="Arial" panose="020B0604020202020204" pitchFamily="34" charset="0"/>
+              <a:buChar char="•"/>
+            </a:pPr>
+            <a:r>
+              <a:rPr lang="en-US" sz="5500" dirty="0">
+                <a:solidFill>
+                  <a:schemeClr val="tx1">
+                    <a:lumMod val="95000"/>
+                  </a:schemeClr>
+                </a:solidFill>
+                <a:latin typeface="Times New Roman" panose="02020603050405020304" pitchFamily="18" charset="0"/>
+                <a:cs typeface="Times New Roman" panose="02020603050405020304" pitchFamily="18" charset="0"/>
+              </a:rPr>
+              <a:t>User can have a clear Clarity and Readability of application buttons.</a:t>
+            </a:r>
+          </a:p>
+          <a:p>
+            <a:pPr>
+              <a:buFont typeface="Arial" panose="020B0604020202020204" pitchFamily="34" charset="0"/>
+              <a:buChar char="•"/>
+            </a:pPr>
+            <a:r>
+              <a:rPr lang="en-US" sz="5500" dirty="0">
+                <a:solidFill>
+                  <a:schemeClr val="tx1">
+                    <a:lumMod val="95000"/>
+                  </a:schemeClr>
+                </a:solidFill>
+                <a:latin typeface="Times New Roman" panose="02020603050405020304" pitchFamily="18" charset="0"/>
+                <a:cs typeface="Times New Roman" panose="02020603050405020304" pitchFamily="18" charset="0"/>
+              </a:rPr>
+              <a:t>User can have Responsiveness of drop-down lists.</a:t>
+            </a:r>
+          </a:p>
+          <a:p>
+            <a:pPr>
+              <a:buFont typeface="Arial" panose="020B0604020202020204" pitchFamily="34" charset="0"/>
+              <a:buChar char="•"/>
+            </a:pPr>
+            <a:r>
+              <a:rPr lang="en-US" sz="5500" dirty="0">
+                <a:solidFill>
+                  <a:schemeClr val="tx1">
+                    <a:lumMod val="95000"/>
+                  </a:schemeClr>
+                </a:solidFill>
+                <a:latin typeface="Times New Roman" panose="02020603050405020304" pitchFamily="18" charset="0"/>
+                <a:cs typeface="Times New Roman" panose="02020603050405020304" pitchFamily="18" charset="0"/>
+              </a:rPr>
+              <a:t>User can Distinguish the inactive buttons from active buttons.</a:t>
+            </a:r>
+          </a:p>
+          <a:p>
+            <a:endParaRPr lang="en-US" dirty="0"/>
+          </a:p>
+        </p:txBody>
+      </p:sp>
+    </p:spTree>
+    <p:extLst>
+      <p:ext uri="{BB962C8B-B14F-4D97-AF65-F5344CB8AC3E}">
+        <p14:creationId xmlns:p14="http://schemas.microsoft.com/office/powerpoint/2010/main" val="601251735"/>
+      </p:ext>
+    </p:extLst>
+  </p:cSld>
+  <p:clrMapOvr>
+    <a:masterClrMapping/>
+  </p:clrMapOvr>
+</p:sld>
+</file>
+
+<file path=ppt/slides/slide6.xml><?xml version="1.0" encoding="utf-8"?>
+<p:sld xmlns:a="http://schemas.openxmlformats.org/drawingml/2006/main" xmlns:r="http://schemas.openxmlformats.org/officeDocument/2006/relationships" xmlns:p="http://schemas.openxmlformats.org/presentationml/2006/main">
+  <p:cSld>
+    <p:spTree>
+      <p:nvGrpSpPr>
+        <p:cNvPr id="1" name=""/>
+        <p:cNvGrpSpPr/>
+        <p:nvPr/>
+      </p:nvGrpSpPr>
+      <p:grpSpPr>
+        <a:xfrm>
+          <a:off x="0" y="0"/>
+          <a:ext cx="0" cy="0"/>
+          <a:chOff x="0" y="0"/>
+          <a:chExt cx="0" cy="0"/>
+        </a:xfrm>
+      </p:grpSpPr>
+      <p:sp>
+        <p:nvSpPr>
+          <p:cNvPr id="2" name="Title 1">
+            <a:extLst>
+              <a:ext uri="{FF2B5EF4-FFF2-40B4-BE49-F238E27FC236}">
+                <a16:creationId xmlns:a16="http://schemas.microsoft.com/office/drawing/2014/main" id="{D10C0F41-67DB-4902-B02E-10AF0EA12871}"/>
+              </a:ext>
+            </a:extLst>
+          </p:cNvPr>
+          <p:cNvSpPr>
+            <a:spLocks noGrp="1"/>
+          </p:cNvSpPr>
+          <p:nvPr>
+            <p:ph type="title"/>
+          </p:nvPr>
+        </p:nvSpPr>
+        <p:spPr/>
+        <p:txBody>
+          <a:bodyPr/>
+          <a:lstStyle/>
+          <a:p>
+            <a:r>
+              <a:rPr lang="en-US" b="1" dirty="0">
+                <a:solidFill>
+                  <a:schemeClr val="accent3"/>
+                </a:solidFill>
+                <a:effectLst>
+                  <a:outerShdw blurRad="38100" dist="38100" dir="2700000" algn="tl">
+                    <a:srgbClr val="000000">
+                      <a:alpha val="43137"/>
+                    </a:srgbClr>
+                  </a:outerShdw>
+                </a:effectLst>
+                <a:latin typeface="Times New Roman" panose="02020603050405020304" pitchFamily="18" charset="0"/>
+                <a:cs typeface="Times New Roman" panose="02020603050405020304" pitchFamily="18" charset="0"/>
+              </a:rPr>
+              <a:t>Schedule Management</a:t>
+            </a:r>
+          </a:p>
+        </p:txBody>
+      </p:sp>
+      <p:pic>
+        <p:nvPicPr>
+          <p:cNvPr id="5" name="Content Placeholder 4" descr="A screenshot of a computer&#10;&#10;Description automatically generated">
+            <a:extLst>
+              <a:ext uri="{FF2B5EF4-FFF2-40B4-BE49-F238E27FC236}">
+                <a16:creationId xmlns:a16="http://schemas.microsoft.com/office/drawing/2014/main" id="{B6736611-1689-4464-81E3-6C6B2B6F5B36}"/>
+              </a:ext>
+            </a:extLst>
+          </p:cNvPr>
+          <p:cNvPicPr>
+            <a:picLocks noGrp="1" noChangeAspect="1"/>
+          </p:cNvPicPr>
+          <p:nvPr>
+            <p:ph idx="1"/>
+          </p:nvPr>
+        </p:nvPicPr>
+        <p:blipFill>
+          <a:blip r:embed="rId2">
+            <a:extLst>
+              <a:ext uri="{28A0092B-C50C-407E-A947-70E740481C1C}">
+                <a14:useLocalDpi xmlns:a14="http://schemas.microsoft.com/office/drawing/2010/main" val="0"/>
+              </a:ext>
+            </a:extLst>
+          </a:blip>
+          <a:stretch>
+            <a:fillRect/>
+          </a:stretch>
+        </p:blipFill>
+        <p:spPr>
+          <a:xfrm>
+            <a:off x="1715784" y="1613043"/>
+            <a:ext cx="8681663" cy="5075433"/>
+          </a:xfrm>
+        </p:spPr>
+      </p:pic>
+    </p:spTree>
+    <p:extLst>
+      <p:ext uri="{BB962C8B-B14F-4D97-AF65-F5344CB8AC3E}">
+        <p14:creationId xmlns:p14="http://schemas.microsoft.com/office/powerpoint/2010/main" val="4153707155"/>
+      </p:ext>
+    </p:extLst>
+  </p:cSld>
+  <p:clrMapOvr>
+    <a:masterClrMapping/>
+  </p:clrMapOvr>
+</p:sld>
+</file>
+
+<file path=ppt/slides/slide7.xml><?xml version="1.0" encoding="utf-8"?>
+<p:sld xmlns:a="http://schemas.openxmlformats.org/drawingml/2006/main" xmlns:r="http://schemas.openxmlformats.org/officeDocument/2006/relationships" xmlns:p="http://schemas.openxmlformats.org/presentationml/2006/main">
+  <p:cSld>
+    <p:spTree>
+      <p:nvGrpSpPr>
+        <p:cNvPr id="1" name=""/>
+        <p:cNvGrpSpPr/>
+        <p:nvPr/>
+      </p:nvGrpSpPr>
+      <p:grpSpPr>
+        <a:xfrm>
+          <a:off x="0" y="0"/>
+          <a:ext cx="0" cy="0"/>
+          <a:chOff x="0" y="0"/>
+          <a:chExt cx="0" cy="0"/>
+        </a:xfrm>
+      </p:grpSpPr>
+      <p:sp>
+        <p:nvSpPr>
+          <p:cNvPr id="2" name="Title 1">
+            <a:extLst>
+              <a:ext uri="{FF2B5EF4-FFF2-40B4-BE49-F238E27FC236}">
+                <a16:creationId xmlns:a16="http://schemas.microsoft.com/office/drawing/2014/main" id="{019B3870-AD76-44DC-A5A0-5B8C0D926FEF}"/>
+              </a:ext>
+            </a:extLst>
+          </p:cNvPr>
+          <p:cNvSpPr>
+            <a:spLocks noGrp="1"/>
+          </p:cNvSpPr>
+          <p:nvPr>
+            <p:ph type="title"/>
+          </p:nvPr>
+        </p:nvSpPr>
+        <p:spPr/>
+        <p:txBody>
+          <a:bodyPr/>
+          <a:lstStyle/>
+          <a:p>
+            <a:r>
+              <a:rPr lang="en-US" b="1" dirty="0">
+                <a:solidFill>
+                  <a:schemeClr val="accent3"/>
+                </a:solidFill>
+                <a:effectLst>
+                  <a:outerShdw blurRad="38100" dist="38100" dir="2700000" algn="tl">
+                    <a:srgbClr val="000000">
+                      <a:alpha val="43137"/>
+                    </a:srgbClr>
+                  </a:outerShdw>
+                </a:effectLst>
+                <a:latin typeface="Times New Roman" panose="02020603050405020304" pitchFamily="18" charset="0"/>
+                <a:cs typeface="Times New Roman" panose="02020603050405020304" pitchFamily="18" charset="0"/>
+              </a:rPr>
+              <a:t>Cost Management </a:t>
+            </a:r>
+          </a:p>
+        </p:txBody>
+      </p:sp>
+      <p:pic>
+        <p:nvPicPr>
+          <p:cNvPr id="5" name="Content Placeholder 4" descr="A screenshot of a computer&#10;&#10;Description automatically generated">
+            <a:extLst>
+              <a:ext uri="{FF2B5EF4-FFF2-40B4-BE49-F238E27FC236}">
+                <a16:creationId xmlns:a16="http://schemas.microsoft.com/office/drawing/2014/main" id="{B434056D-5920-4F14-B7DD-B27BD2A28ADB}"/>
+              </a:ext>
+            </a:extLst>
+          </p:cNvPr>
+          <p:cNvPicPr>
+            <a:picLocks noGrp="1" noChangeAspect="1"/>
+          </p:cNvPicPr>
+          <p:nvPr>
+            <p:ph idx="1"/>
+          </p:nvPr>
+        </p:nvPicPr>
+        <p:blipFill>
+          <a:blip r:embed="rId2">
+            <a:extLst>
+              <a:ext uri="{28A0092B-C50C-407E-A947-70E740481C1C}">
+                <a14:useLocalDpi xmlns:a14="http://schemas.microsoft.com/office/drawing/2010/main" val="0"/>
+              </a:ext>
+            </a:extLst>
+          </a:blip>
+          <a:stretch>
+            <a:fillRect/>
+          </a:stretch>
+        </p:blipFill>
+        <p:spPr>
+          <a:xfrm>
+            <a:off x="1397284" y="1592494"/>
+            <a:ext cx="9404723" cy="5118080"/>
+          </a:xfrm>
+        </p:spPr>
+      </p:pic>
+    </p:spTree>
+    <p:extLst>
+      <p:ext uri="{BB962C8B-B14F-4D97-AF65-F5344CB8AC3E}">
+        <p14:creationId xmlns:p14="http://schemas.microsoft.com/office/powerpoint/2010/main" val="1271753515"/>
+      </p:ext>
+    </p:extLst>
+  </p:cSld>
+  <p:clrMapOvr>
+    <a:masterClrMapping/>
+  </p:clrMapOvr>
+</p:sld>
+</file>
+
+<file path=ppt/slides/slide8.xml><?xml version="1.0" encoding="utf-8"?>
+<p:sld xmlns:a="http://schemas.openxmlformats.org/drawingml/2006/main" xmlns:r="http://schemas.openxmlformats.org/officeDocument/2006/relationships" xmlns:p="http://schemas.openxmlformats.org/presentationml/2006/main">
+  <p:cSld>
+    <p:spTree>
+      <p:nvGrpSpPr>
+        <p:cNvPr id="1" name=""/>
+        <p:cNvGrpSpPr/>
+        <p:nvPr/>
+      </p:nvGrpSpPr>
+      <p:grpSpPr>
+        <a:xfrm>
+          <a:off x="0" y="0"/>
+          <a:ext cx="0" cy="0"/>
+          <a:chOff x="0" y="0"/>
+          <a:chExt cx="0" cy="0"/>
+        </a:xfrm>
+      </p:grpSpPr>
+      <p:sp>
+        <p:nvSpPr>
+          <p:cNvPr id="2" name="Title 1">
+            <a:extLst>
+              <a:ext uri="{FF2B5EF4-FFF2-40B4-BE49-F238E27FC236}">
+                <a16:creationId xmlns:a16="http://schemas.microsoft.com/office/drawing/2014/main" id="{C8C00379-46E4-446E-88A8-5933040D965B}"/>
+              </a:ext>
+            </a:extLst>
+          </p:cNvPr>
+          <p:cNvSpPr>
+            <a:spLocks noGrp="1"/>
+          </p:cNvSpPr>
+          <p:nvPr>
+            <p:ph type="title"/>
+          </p:nvPr>
+        </p:nvSpPr>
+        <p:spPr>
+          <a:xfrm>
+            <a:off x="646111" y="452718"/>
+            <a:ext cx="9404723" cy="893197"/>
+          </a:xfrm>
+        </p:spPr>
+        <p:txBody>
+          <a:bodyPr/>
+          <a:lstStyle/>
+          <a:p>
+            <a:r>
+              <a:rPr lang="en-US" b="1" dirty="0">
+                <a:solidFill>
+                  <a:schemeClr val="accent3"/>
+                </a:solidFill>
+                <a:effectLst>
+                  <a:outerShdw blurRad="38100" dist="38100" dir="2700000" algn="tl">
+                    <a:srgbClr val="000000">
+                      <a:alpha val="43137"/>
+                    </a:srgbClr>
+                  </a:outerShdw>
+                </a:effectLst>
+                <a:latin typeface="Times New Roman" panose="02020603050405020304" pitchFamily="18" charset="0"/>
+                <a:cs typeface="Times New Roman" panose="02020603050405020304" pitchFamily="18" charset="0"/>
+              </a:rPr>
+              <a:t>Requirements</a:t>
+            </a:r>
+            <a:r>
+              <a:rPr lang="en-US" dirty="0">
+                <a:effectLst>
+                  <a:outerShdw blurRad="38100" dist="38100" dir="2700000" algn="tl">
+                    <a:srgbClr val="000000">
+                      <a:alpha val="43137"/>
+                    </a:srgbClr>
+                  </a:outerShdw>
+                </a:effectLst>
+                <a:latin typeface="Times New Roman" panose="02020603050405020304" pitchFamily="18" charset="0"/>
+                <a:cs typeface="Times New Roman" panose="02020603050405020304" pitchFamily="18" charset="0"/>
+              </a:rPr>
+              <a:t>	</a:t>
+            </a:r>
+          </a:p>
+        </p:txBody>
+      </p:sp>
+      <p:sp>
+        <p:nvSpPr>
+          <p:cNvPr id="3" name="Content Placeholder 2">
+            <a:extLst>
+              <a:ext uri="{FF2B5EF4-FFF2-40B4-BE49-F238E27FC236}">
+                <a16:creationId xmlns:a16="http://schemas.microsoft.com/office/drawing/2014/main" id="{A0AC3E9A-BB0B-4A18-AEAA-7929FA74C75D}"/>
+              </a:ext>
+            </a:extLst>
+          </p:cNvPr>
+          <p:cNvSpPr>
+            <a:spLocks noGrp="1"/>
+          </p:cNvSpPr>
+          <p:nvPr>
+            <p:ph idx="1"/>
+          </p:nvPr>
+        </p:nvSpPr>
+        <p:spPr>
+          <a:xfrm>
+            <a:off x="1103312" y="1489753"/>
+            <a:ext cx="8946541" cy="4758647"/>
+          </a:xfrm>
+        </p:spPr>
+        <p:txBody>
+          <a:bodyPr>
+            <a:normAutofit lnSpcReduction="10000"/>
+          </a:bodyPr>
+          <a:lstStyle/>
+          <a:p>
+            <a:r>
+              <a:rPr lang="en-US" sz="2400" dirty="0">
+                <a:latin typeface="Times New Roman" panose="02020603050405020304" pitchFamily="18" charset="0"/>
+                <a:cs typeface="Times New Roman" panose="02020603050405020304" pitchFamily="18" charset="0"/>
+              </a:rPr>
+              <a:t>Choose your app name</a:t>
+            </a:r>
+          </a:p>
+          <a:p>
+            <a:r>
+              <a:rPr lang="en-US" sz="2400" dirty="0">
+                <a:latin typeface="Times New Roman" panose="02020603050405020304" pitchFamily="18" charset="0"/>
+                <a:cs typeface="Times New Roman" panose="02020603050405020304" pitchFamily="18" charset="0"/>
+              </a:rPr>
+              <a:t>Select a color scheme</a:t>
+            </a:r>
+          </a:p>
+          <a:p>
+            <a:r>
+              <a:rPr lang="en-US" sz="2400" dirty="0">
+                <a:latin typeface="Times New Roman" panose="02020603050405020304" pitchFamily="18" charset="0"/>
+                <a:cs typeface="Times New Roman" panose="02020603050405020304" pitchFamily="18" charset="0"/>
+              </a:rPr>
+              <a:t>Customize your app design</a:t>
+            </a:r>
+          </a:p>
+          <a:p>
+            <a:r>
+              <a:rPr lang="en-US" sz="2400" dirty="0">
+                <a:latin typeface="Times New Roman" panose="02020603050405020304" pitchFamily="18" charset="0"/>
+                <a:cs typeface="Times New Roman" panose="02020603050405020304" pitchFamily="18" charset="0"/>
+              </a:rPr>
+              <a:t>Choose the right test device</a:t>
+            </a:r>
+          </a:p>
+          <a:p>
+            <a:r>
+              <a:rPr lang="en-US" sz="2400" dirty="0">
+                <a:latin typeface="Times New Roman" panose="02020603050405020304" pitchFamily="18" charset="0"/>
+                <a:cs typeface="Times New Roman" panose="02020603050405020304" pitchFamily="18" charset="0"/>
+              </a:rPr>
+              <a:t>Install the app on your device</a:t>
+            </a:r>
+          </a:p>
+          <a:p>
+            <a:r>
+              <a:rPr lang="en-US" sz="2400" dirty="0">
+                <a:latin typeface="Times New Roman" panose="02020603050405020304" pitchFamily="18" charset="0"/>
+                <a:cs typeface="Times New Roman" panose="02020603050405020304" pitchFamily="18" charset="0"/>
+              </a:rPr>
+              <a:t>Add the features you want (Key Section)</a:t>
+            </a:r>
+          </a:p>
+          <a:p>
+            <a:r>
+              <a:rPr lang="en-US" sz="2400" dirty="0">
+                <a:latin typeface="Times New Roman" panose="02020603050405020304" pitchFamily="18" charset="0"/>
+                <a:cs typeface="Times New Roman" panose="02020603050405020304" pitchFamily="18" charset="0"/>
+              </a:rPr>
+              <a:t>Test, test, and test before the launch</a:t>
+            </a:r>
+          </a:p>
+          <a:p>
+            <a:r>
+              <a:rPr lang="en-US" sz="2400" dirty="0">
+                <a:latin typeface="Times New Roman" panose="02020603050405020304" pitchFamily="18" charset="0"/>
+                <a:cs typeface="Times New Roman" panose="02020603050405020304" pitchFamily="18" charset="0"/>
+              </a:rPr>
+              <a:t>Publish your app</a:t>
+            </a:r>
+          </a:p>
+          <a:p>
+            <a:r>
+              <a:rPr lang="en-US" sz="2400" dirty="0">
+                <a:latin typeface="Times New Roman" panose="02020603050405020304" pitchFamily="18" charset="0"/>
+                <a:cs typeface="Times New Roman" panose="02020603050405020304" pitchFamily="18" charset="0"/>
+              </a:rPr>
+              <a:t>Promote your app</a:t>
+            </a:r>
+          </a:p>
+          <a:p>
+            <a:r>
+              <a:rPr lang="en-US" sz="2400" dirty="0">
+                <a:latin typeface="Times New Roman" panose="02020603050405020304" pitchFamily="18" charset="0"/>
+                <a:cs typeface="Times New Roman" panose="02020603050405020304" pitchFamily="18" charset="0"/>
+              </a:rPr>
+              <a:t>Ask your users for feedback</a:t>
+            </a:r>
+          </a:p>
+          <a:p>
+            <a:endParaRPr lang="en-US" dirty="0"/>
+          </a:p>
+        </p:txBody>
+      </p:sp>
+    </p:spTree>
+    <p:extLst>
+      <p:ext uri="{BB962C8B-B14F-4D97-AF65-F5344CB8AC3E}">
+        <p14:creationId xmlns:p14="http://schemas.microsoft.com/office/powerpoint/2010/main" val="1734231488"/>
+      </p:ext>
+    </p:extLst>
+  </p:cSld>
+  <p:clrMapOvr>
+    <a:masterClrMapping/>
+  </p:clrMapOvr>
+</p:sld>
+</file>
+
+<file path=ppt/slides/slide9.xml><?xml version="1.0" encoding="utf-8"?>
+<p:sld xmlns:a="http://schemas.openxmlformats.org/drawingml/2006/main" xmlns:r="http://schemas.openxmlformats.org/officeDocument/2006/relationships" xmlns:p="http://schemas.openxmlformats.org/presentationml/2006/main">
+  <p:cSld>
+    <p:spTree>
+      <p:nvGrpSpPr>
+        <p:cNvPr id="1" name=""/>
+        <p:cNvGrpSpPr/>
+        <p:nvPr/>
+      </p:nvGrpSpPr>
+      <p:grpSpPr>
+        <a:xfrm>
+          <a:off x="0" y="0"/>
+          <a:ext cx="0" cy="0"/>
+          <a:chOff x="0" y="0"/>
+          <a:chExt cx="0" cy="0"/>
+        </a:xfrm>
+      </p:grpSpPr>
+      <p:sp>
+        <p:nvSpPr>
+          <p:cNvPr id="2" name="Title 1">
+            <a:extLst>
+              <a:ext uri="{FF2B5EF4-FFF2-40B4-BE49-F238E27FC236}">
                 <a16:creationId xmlns:a16="http://schemas.microsoft.com/office/drawing/2014/main" id="{125EC5BE-68C9-4C55-8D48-904C9CFC8A87}"/>
               </a:ext>
             </a:extLst>
@@ -8670,13 +9491,10 @@
                 <a:cs typeface="Times New Roman" panose="02020603050405020304" pitchFamily="18" charset="0"/>
               </a:rPr>
             </a:br>
-            <a:r>
-              <a:rPr lang="en-US" sz="2000" dirty="0">
-                <a:latin typeface="Times New Roman" panose="02020603050405020304" pitchFamily="18" charset="0"/>
-                <a:cs typeface="Times New Roman" panose="02020603050405020304" pitchFamily="18" charset="0"/>
-              </a:rPr>
-              <a:t>Login page of user and admin</a:t>
-            </a:r>
+            <a:endParaRPr lang="en-US" sz="2000" dirty="0">
+              <a:latin typeface="Times New Roman" panose="02020603050405020304" pitchFamily="18" charset="0"/>
+              <a:cs typeface="Times New Roman" panose="02020603050405020304" pitchFamily="18" charset="0"/>
+            </a:endParaRPr>
           </a:p>
         </p:txBody>
       </p:sp>
@@ -8710,8 +9528,8 @@
         </p:blipFill>
         <p:spPr>
           <a:xfrm>
-            <a:off x="3869057" y="1479283"/>
-            <a:ext cx="2352551" cy="4830762"/>
+            <a:off x="992292" y="1191802"/>
+            <a:ext cx="3024903" cy="5424755"/>
           </a:xfrm>
         </p:spPr>
       </p:pic>
@@ -8743,115 +9561,30 @@
         </p:blipFill>
         <p:spPr>
           <a:xfrm>
-            <a:off x="8322944" y="1479283"/>
-            <a:ext cx="2580022" cy="4830762"/>
+            <a:off x="4598458" y="1191802"/>
+            <a:ext cx="3024902" cy="5424755"/>
           </a:xfrm>
           <a:prstGeom prst="rect">
             <a:avLst/>
           </a:prstGeom>
         </p:spPr>
       </p:pic>
-    </p:spTree>
-    <p:extLst>
-      <p:ext uri="{BB962C8B-B14F-4D97-AF65-F5344CB8AC3E}">
-        <p14:creationId xmlns:p14="http://schemas.microsoft.com/office/powerpoint/2010/main" val="212726881"/>
-      </p:ext>
-    </p:extLst>
-  </p:cSld>
-  <p:clrMapOvr>
-    <a:masterClrMapping/>
-  </p:clrMapOvr>
-</p:sld>
-</file>
-
-<file path=ppt/slides/slide5.xml><?xml version="1.0" encoding="utf-8"?>
-<p:sld xmlns:a="http://schemas.openxmlformats.org/drawingml/2006/main" xmlns:r="http://schemas.openxmlformats.org/officeDocument/2006/relationships" xmlns:p="http://schemas.openxmlformats.org/presentationml/2006/main">
-  <p:cSld>
-    <p:spTree>
-      <p:nvGrpSpPr>
-        <p:cNvPr id="1" name=""/>
-        <p:cNvGrpSpPr/>
-        <p:nvPr/>
-      </p:nvGrpSpPr>
-      <p:grpSpPr>
-        <a:xfrm>
-          <a:off x="0" y="0"/>
-          <a:ext cx="0" cy="0"/>
-          <a:chOff x="0" y="0"/>
-          <a:chExt cx="0" cy="0"/>
-        </a:xfrm>
-      </p:grpSpPr>
-      <p:sp>
-        <p:nvSpPr>
-          <p:cNvPr id="2" name="Title 1">
+      <p:pic>
+        <p:nvPicPr>
+          <p:cNvPr id="6" name="Content Placeholder 4" descr="A screenshot of a social media post&#10;&#10;Description automatically generated">
             <a:extLst>
               <a:ext uri="{FF2B5EF4-FFF2-40B4-BE49-F238E27FC236}">
-                <a16:creationId xmlns:a16="http://schemas.microsoft.com/office/drawing/2014/main" id="{0F38E1B9-3943-4167-A0C0-9B39FD45F264}"/>
-              </a:ext>
-            </a:extLst>
-          </p:cNvPr>
-          <p:cNvSpPr>
-            <a:spLocks noGrp="1"/>
-          </p:cNvSpPr>
-          <p:nvPr>
-            <p:ph type="title"/>
-          </p:nvPr>
-        </p:nvSpPr>
-        <p:spPr/>
-        <p:txBody>
-          <a:bodyPr/>
-          <a:lstStyle/>
-          <a:p>
-            <a:r>
-              <a:rPr lang="en-US" b="1" dirty="0">
-                <a:solidFill>
-                  <a:schemeClr val="accent3"/>
-                </a:solidFill>
-                <a:effectLst>
-                  <a:outerShdw blurRad="38100" dist="38100" dir="2700000" algn="tl">
-                    <a:srgbClr val="000000">
-                      <a:alpha val="43137"/>
-                    </a:srgbClr>
-                  </a:outerShdw>
-                </a:effectLst>
-                <a:latin typeface="Times New Roman" panose="02020603050405020304" pitchFamily="18" charset="0"/>
-                <a:cs typeface="Times New Roman" panose="02020603050405020304" pitchFamily="18" charset="0"/>
-              </a:rPr>
-              <a:t>Screens of UI Sketches</a:t>
-            </a:r>
-            <a:endParaRPr lang="en-US" b="1" dirty="0">
-              <a:solidFill>
-                <a:schemeClr val="accent3"/>
-              </a:solidFill>
-              <a:effectLst>
-                <a:outerShdw blurRad="38100" dist="38100" dir="2700000" algn="tl">
-                  <a:srgbClr val="000000">
-                    <a:alpha val="43137"/>
-                  </a:srgbClr>
-                </a:outerShdw>
-              </a:effectLst>
-            </a:endParaRPr>
-          </a:p>
-        </p:txBody>
-      </p:sp>
-      <p:pic>
-        <p:nvPicPr>
-          <p:cNvPr id="5" name="Content Placeholder 4" descr="A screenshot of a social media post&#10;&#10;Description automatically generated">
-            <a:extLst>
-              <a:ext uri="{FF2B5EF4-FFF2-40B4-BE49-F238E27FC236}">
-                <a16:creationId xmlns:a16="http://schemas.microsoft.com/office/drawing/2014/main" id="{3D22EA72-5E16-4220-8D92-E22366091F03}"/>
+                <a16:creationId xmlns:a16="http://schemas.microsoft.com/office/drawing/2014/main" id="{DCA5CF85-32D6-4081-B84D-BFBED4F434BC}"/>
               </a:ext>
             </a:extLst>
           </p:cNvPr>
           <p:cNvPicPr>
-            <a:picLocks noGrp="1" noChangeAspect="1"/>
+            <a:picLocks noChangeAspect="1"/>
           </p:cNvPicPr>
-          <p:nvPr>
-            <p:ph idx="1"/>
-          </p:nvPr>
+          <p:nvPr/>
         </p:nvPicPr>
         <p:blipFill>
-          <a:blip r:embed="rId2">
+          <a:blip r:embed="rId4">
             <a:extLst>
               <a:ext uri="{28A0092B-C50C-407E-A947-70E740481C1C}">
                 <a14:useLocalDpi xmlns:a14="http://schemas.microsoft.com/office/drawing/2010/main" val="0"/>
@@ -8864,41 +9597,8 @@
         </p:blipFill>
         <p:spPr>
           <a:xfrm>
-            <a:off x="3801731" y="1402753"/>
-            <a:ext cx="2218925" cy="4936681"/>
-          </a:xfrm>
-        </p:spPr>
-      </p:pic>
-      <p:pic>
-        <p:nvPicPr>
-          <p:cNvPr id="7" name="Picture 6" descr="A screenshot of a cell phone&#10;&#10;Description automatically generated">
-            <a:extLst>
-              <a:ext uri="{FF2B5EF4-FFF2-40B4-BE49-F238E27FC236}">
-                <a16:creationId xmlns:a16="http://schemas.microsoft.com/office/drawing/2014/main" id="{E450D8CC-103A-4EE8-984F-C7780E538E83}"/>
-              </a:ext>
-            </a:extLst>
-          </p:cNvPr>
-          <p:cNvPicPr>
-            <a:picLocks noChangeAspect="1"/>
-          </p:cNvPicPr>
-          <p:nvPr/>
-        </p:nvPicPr>
-        <p:blipFill>
-          <a:blip r:embed="rId3">
-            <a:extLst>
-              <a:ext uri="{28A0092B-C50C-407E-A947-70E740481C1C}">
-                <a14:useLocalDpi xmlns:a14="http://schemas.microsoft.com/office/drawing/2010/main" val="0"/>
-              </a:ext>
-            </a:extLst>
-          </a:blip>
-          <a:stretch>
-            <a:fillRect/>
-          </a:stretch>
-        </p:blipFill>
-        <p:spPr>
-          <a:xfrm>
-            <a:off x="7140539" y="1402753"/>
-            <a:ext cx="2327576" cy="4936681"/>
+            <a:off x="8311793" y="1191801"/>
+            <a:ext cx="2815119" cy="5424755"/>
           </a:xfrm>
           <a:prstGeom prst="rect">
             <a:avLst/>
@@ -8908,479 +9608,7 @@
     </p:spTree>
     <p:extLst>
       <p:ext uri="{BB962C8B-B14F-4D97-AF65-F5344CB8AC3E}">
-        <p14:creationId xmlns:p14="http://schemas.microsoft.com/office/powerpoint/2010/main" val="1114607460"/>
-      </p:ext>
-    </p:extLst>
-  </p:cSld>
-  <p:clrMapOvr>
-    <a:masterClrMapping/>
-  </p:clrMapOvr>
-</p:sld>
-</file>
-
-<file path=ppt/slides/slide6.xml><?xml version="1.0" encoding="utf-8"?>
-<p:sld xmlns:a="http://schemas.openxmlformats.org/drawingml/2006/main" xmlns:r="http://schemas.openxmlformats.org/officeDocument/2006/relationships" xmlns:p="http://schemas.openxmlformats.org/presentationml/2006/main">
-  <p:cSld>
-    <p:spTree>
-      <p:nvGrpSpPr>
-        <p:cNvPr id="1" name=""/>
-        <p:cNvGrpSpPr/>
-        <p:nvPr/>
-      </p:nvGrpSpPr>
-      <p:grpSpPr>
-        <a:xfrm>
-          <a:off x="0" y="0"/>
-          <a:ext cx="0" cy="0"/>
-          <a:chOff x="0" y="0"/>
-          <a:chExt cx="0" cy="0"/>
-        </a:xfrm>
-      </p:grpSpPr>
-      <p:sp>
-        <p:nvSpPr>
-          <p:cNvPr id="2" name="Title 1">
-            <a:extLst>
-              <a:ext uri="{FF2B5EF4-FFF2-40B4-BE49-F238E27FC236}">
-                <a16:creationId xmlns:a16="http://schemas.microsoft.com/office/drawing/2014/main" id="{EE86DD78-E9CE-490E-88B1-0385B046D747}"/>
-              </a:ext>
-            </a:extLst>
-          </p:cNvPr>
-          <p:cNvSpPr>
-            <a:spLocks noGrp="1"/>
-          </p:cNvSpPr>
-          <p:nvPr>
-            <p:ph type="title"/>
-          </p:nvPr>
-        </p:nvSpPr>
-        <p:spPr/>
-        <p:txBody>
-          <a:bodyPr/>
-          <a:lstStyle/>
-          <a:p>
-            <a:r>
-              <a:rPr lang="en-US" b="1" dirty="0">
-                <a:solidFill>
-                  <a:schemeClr val="accent3"/>
-                </a:solidFill>
-                <a:effectLst>
-                  <a:outerShdw blurRad="38100" dist="38100" dir="2700000" algn="tl">
-                    <a:srgbClr val="000000">
-                      <a:alpha val="43137"/>
-                    </a:srgbClr>
-                  </a:outerShdw>
-                </a:effectLst>
-                <a:latin typeface="Times New Roman" panose="02020603050405020304" pitchFamily="18" charset="0"/>
-                <a:cs typeface="Times New Roman" panose="02020603050405020304" pitchFamily="18" charset="0"/>
-              </a:rPr>
-              <a:t>Screens of UI Sketches</a:t>
-            </a:r>
-            <a:endParaRPr lang="en-US" b="1" dirty="0">
-              <a:solidFill>
-                <a:schemeClr val="accent3"/>
-              </a:solidFill>
-              <a:effectLst>
-                <a:outerShdw blurRad="38100" dist="38100" dir="2700000" algn="tl">
-                  <a:srgbClr val="000000">
-                    <a:alpha val="43137"/>
-                  </a:srgbClr>
-                </a:outerShdw>
-              </a:effectLst>
-            </a:endParaRPr>
-          </a:p>
-        </p:txBody>
-      </p:sp>
-      <p:pic>
-        <p:nvPicPr>
-          <p:cNvPr id="5" name="Content Placeholder 4" descr="A screenshot of a cell phone&#10;&#10;Description automatically generated">
-            <a:extLst>
-              <a:ext uri="{FF2B5EF4-FFF2-40B4-BE49-F238E27FC236}">
-                <a16:creationId xmlns:a16="http://schemas.microsoft.com/office/drawing/2014/main" id="{3C2846B6-CBD7-4174-A78E-EB0295F266B7}"/>
-              </a:ext>
-            </a:extLst>
-          </p:cNvPr>
-          <p:cNvPicPr>
-            <a:picLocks noGrp="1" noChangeAspect="1"/>
-          </p:cNvPicPr>
-          <p:nvPr>
-            <p:ph idx="1"/>
-          </p:nvPr>
-        </p:nvPicPr>
-        <p:blipFill>
-          <a:blip r:embed="rId2">
-            <a:extLst>
-              <a:ext uri="{28A0092B-C50C-407E-A947-70E740481C1C}">
-                <a14:useLocalDpi xmlns:a14="http://schemas.microsoft.com/office/drawing/2010/main" val="0"/>
-              </a:ext>
-            </a:extLst>
-          </a:blip>
-          <a:stretch>
-            <a:fillRect/>
-          </a:stretch>
-        </p:blipFill>
-        <p:spPr>
-          <a:xfrm>
-            <a:off x="3739250" y="1395092"/>
-            <a:ext cx="2428670" cy="5308118"/>
-          </a:xfrm>
-        </p:spPr>
-      </p:pic>
-      <p:pic>
-        <p:nvPicPr>
-          <p:cNvPr id="7" name="Picture 6" descr="A screenshot of a cell phone&#10;&#10;Description automatically generated">
-            <a:extLst>
-              <a:ext uri="{FF2B5EF4-FFF2-40B4-BE49-F238E27FC236}">
-                <a16:creationId xmlns:a16="http://schemas.microsoft.com/office/drawing/2014/main" id="{BCDB2B0F-E630-4116-889C-BF24E926A169}"/>
-              </a:ext>
-            </a:extLst>
-          </p:cNvPr>
-          <p:cNvPicPr>
-            <a:picLocks noChangeAspect="1"/>
-          </p:cNvPicPr>
-          <p:nvPr/>
-        </p:nvPicPr>
-        <p:blipFill>
-          <a:blip r:embed="rId3">
-            <a:extLst>
-              <a:ext uri="{28A0092B-C50C-407E-A947-70E740481C1C}">
-                <a14:useLocalDpi xmlns:a14="http://schemas.microsoft.com/office/drawing/2010/main" val="0"/>
-              </a:ext>
-            </a:extLst>
-          </a:blip>
-          <a:stretch>
-            <a:fillRect/>
-          </a:stretch>
-        </p:blipFill>
-        <p:spPr>
-          <a:xfrm>
-            <a:off x="7564809" y="1361994"/>
-            <a:ext cx="2428671" cy="5341215"/>
-          </a:xfrm>
-          <a:prstGeom prst="rect">
-            <a:avLst/>
-          </a:prstGeom>
-        </p:spPr>
-      </p:pic>
-    </p:spTree>
-    <p:extLst>
-      <p:ext uri="{BB962C8B-B14F-4D97-AF65-F5344CB8AC3E}">
-        <p14:creationId xmlns:p14="http://schemas.microsoft.com/office/powerpoint/2010/main" val="971212024"/>
-      </p:ext>
-    </p:extLst>
-  </p:cSld>
-  <p:clrMapOvr>
-    <a:masterClrMapping/>
-  </p:clrMapOvr>
-</p:sld>
-</file>
-
-<file path=ppt/slides/slide7.xml><?xml version="1.0" encoding="utf-8"?>
-<p:sld xmlns:a="http://schemas.openxmlformats.org/drawingml/2006/main" xmlns:r="http://schemas.openxmlformats.org/officeDocument/2006/relationships" xmlns:p="http://schemas.openxmlformats.org/presentationml/2006/main">
-  <p:cSld>
-    <p:spTree>
-      <p:nvGrpSpPr>
-        <p:cNvPr id="1" name=""/>
-        <p:cNvGrpSpPr/>
-        <p:nvPr/>
-      </p:nvGrpSpPr>
-      <p:grpSpPr>
-        <a:xfrm>
-          <a:off x="0" y="0"/>
-          <a:ext cx="0" cy="0"/>
-          <a:chOff x="0" y="0"/>
-          <a:chExt cx="0" cy="0"/>
-        </a:xfrm>
-      </p:grpSpPr>
-      <p:sp>
-        <p:nvSpPr>
-          <p:cNvPr id="2" name="Title 1">
-            <a:extLst>
-              <a:ext uri="{FF2B5EF4-FFF2-40B4-BE49-F238E27FC236}">
-                <a16:creationId xmlns:a16="http://schemas.microsoft.com/office/drawing/2014/main" id="{019B3870-AD76-44DC-A5A0-5B8C0D926FEF}"/>
-              </a:ext>
-            </a:extLst>
-          </p:cNvPr>
-          <p:cNvSpPr>
-            <a:spLocks noGrp="1"/>
-          </p:cNvSpPr>
-          <p:nvPr>
-            <p:ph type="title"/>
-          </p:nvPr>
-        </p:nvSpPr>
-        <p:spPr/>
-        <p:txBody>
-          <a:bodyPr/>
-          <a:lstStyle/>
-          <a:p>
-            <a:r>
-              <a:rPr lang="en-US" b="1" dirty="0">
-                <a:solidFill>
-                  <a:schemeClr val="accent3"/>
-                </a:solidFill>
-                <a:effectLst>
-                  <a:outerShdw blurRad="38100" dist="38100" dir="2700000" algn="tl">
-                    <a:srgbClr val="000000">
-                      <a:alpha val="43137"/>
-                    </a:srgbClr>
-                  </a:outerShdw>
-                </a:effectLst>
-                <a:latin typeface="Times New Roman" panose="02020603050405020304" pitchFamily="18" charset="0"/>
-                <a:cs typeface="Times New Roman" panose="02020603050405020304" pitchFamily="18" charset="0"/>
-              </a:rPr>
-              <a:t>Cost Management </a:t>
-            </a:r>
-          </a:p>
-        </p:txBody>
-      </p:sp>
-      <p:pic>
-        <p:nvPicPr>
-          <p:cNvPr id="5" name="Content Placeholder 4" descr="A screenshot of a computer&#10;&#10;Description automatically generated">
-            <a:extLst>
-              <a:ext uri="{FF2B5EF4-FFF2-40B4-BE49-F238E27FC236}">
-                <a16:creationId xmlns:a16="http://schemas.microsoft.com/office/drawing/2014/main" id="{B434056D-5920-4F14-B7DD-B27BD2A28ADB}"/>
-              </a:ext>
-            </a:extLst>
-          </p:cNvPr>
-          <p:cNvPicPr>
-            <a:picLocks noGrp="1" noChangeAspect="1"/>
-          </p:cNvPicPr>
-          <p:nvPr>
-            <p:ph idx="1"/>
-          </p:nvPr>
-        </p:nvPicPr>
-        <p:blipFill>
-          <a:blip r:embed="rId2">
-            <a:extLst>
-              <a:ext uri="{28A0092B-C50C-407E-A947-70E740481C1C}">
-                <a14:useLocalDpi xmlns:a14="http://schemas.microsoft.com/office/drawing/2010/main" val="0"/>
-              </a:ext>
-            </a:extLst>
-          </a:blip>
-          <a:stretch>
-            <a:fillRect/>
-          </a:stretch>
-        </p:blipFill>
-        <p:spPr>
-          <a:xfrm>
-            <a:off x="1397284" y="1592494"/>
-            <a:ext cx="9404723" cy="5118080"/>
-          </a:xfrm>
-        </p:spPr>
-      </p:pic>
-    </p:spTree>
-    <p:extLst>
-      <p:ext uri="{BB962C8B-B14F-4D97-AF65-F5344CB8AC3E}">
-        <p14:creationId xmlns:p14="http://schemas.microsoft.com/office/powerpoint/2010/main" val="297321317"/>
-      </p:ext>
-    </p:extLst>
-  </p:cSld>
-  <p:clrMapOvr>
-    <a:masterClrMapping/>
-  </p:clrMapOvr>
-</p:sld>
-</file>
-
-<file path=ppt/slides/slide8.xml><?xml version="1.0" encoding="utf-8"?>
-<p:sld xmlns:a="http://schemas.openxmlformats.org/drawingml/2006/main" xmlns:r="http://schemas.openxmlformats.org/officeDocument/2006/relationships" xmlns:p="http://schemas.openxmlformats.org/presentationml/2006/main">
-  <p:cSld>
-    <p:spTree>
-      <p:nvGrpSpPr>
-        <p:cNvPr id="1" name=""/>
-        <p:cNvGrpSpPr/>
-        <p:nvPr/>
-      </p:nvGrpSpPr>
-      <p:grpSpPr>
-        <a:xfrm>
-          <a:off x="0" y="0"/>
-          <a:ext cx="0" cy="0"/>
-          <a:chOff x="0" y="0"/>
-          <a:chExt cx="0" cy="0"/>
-        </a:xfrm>
-      </p:grpSpPr>
-      <p:sp>
-        <p:nvSpPr>
-          <p:cNvPr id="2" name="Title 1">
-            <a:extLst>
-              <a:ext uri="{FF2B5EF4-FFF2-40B4-BE49-F238E27FC236}">
-                <a16:creationId xmlns:a16="http://schemas.microsoft.com/office/drawing/2014/main" id="{D10C0F41-67DB-4902-B02E-10AF0EA12871}"/>
-              </a:ext>
-            </a:extLst>
-          </p:cNvPr>
-          <p:cNvSpPr>
-            <a:spLocks noGrp="1"/>
-          </p:cNvSpPr>
-          <p:nvPr>
-            <p:ph type="title"/>
-          </p:nvPr>
-        </p:nvSpPr>
-        <p:spPr/>
-        <p:txBody>
-          <a:bodyPr/>
-          <a:lstStyle/>
-          <a:p>
-            <a:r>
-              <a:rPr lang="en-US" b="1" dirty="0">
-                <a:solidFill>
-                  <a:schemeClr val="accent3"/>
-                </a:solidFill>
-                <a:effectLst>
-                  <a:outerShdw blurRad="38100" dist="38100" dir="2700000" algn="tl">
-                    <a:srgbClr val="000000">
-                      <a:alpha val="43137"/>
-                    </a:srgbClr>
-                  </a:outerShdw>
-                </a:effectLst>
-                <a:latin typeface="Times New Roman" panose="02020603050405020304" pitchFamily="18" charset="0"/>
-                <a:cs typeface="Times New Roman" panose="02020603050405020304" pitchFamily="18" charset="0"/>
-              </a:rPr>
-              <a:t>Schedule Management</a:t>
-            </a:r>
-          </a:p>
-        </p:txBody>
-      </p:sp>
-      <p:pic>
-        <p:nvPicPr>
-          <p:cNvPr id="5" name="Content Placeholder 4" descr="A screenshot of a computer&#10;&#10;Description automatically generated">
-            <a:extLst>
-              <a:ext uri="{FF2B5EF4-FFF2-40B4-BE49-F238E27FC236}">
-                <a16:creationId xmlns:a16="http://schemas.microsoft.com/office/drawing/2014/main" id="{B6736611-1689-4464-81E3-6C6B2B6F5B36}"/>
-              </a:ext>
-            </a:extLst>
-          </p:cNvPr>
-          <p:cNvPicPr>
-            <a:picLocks noGrp="1" noChangeAspect="1"/>
-          </p:cNvPicPr>
-          <p:nvPr>
-            <p:ph idx="1"/>
-          </p:nvPr>
-        </p:nvPicPr>
-        <p:blipFill>
-          <a:blip r:embed="rId2">
-            <a:extLst>
-              <a:ext uri="{28A0092B-C50C-407E-A947-70E740481C1C}">
-                <a14:useLocalDpi xmlns:a14="http://schemas.microsoft.com/office/drawing/2010/main" val="0"/>
-              </a:ext>
-            </a:extLst>
-          </a:blip>
-          <a:stretch>
-            <a:fillRect/>
-          </a:stretch>
-        </p:blipFill>
-        <p:spPr>
-          <a:xfrm>
-            <a:off x="1715784" y="1613043"/>
-            <a:ext cx="8681663" cy="5075433"/>
-          </a:xfrm>
-        </p:spPr>
-      </p:pic>
-    </p:spTree>
-    <p:extLst>
-      <p:ext uri="{BB962C8B-B14F-4D97-AF65-F5344CB8AC3E}">
-        <p14:creationId xmlns:p14="http://schemas.microsoft.com/office/powerpoint/2010/main" val="2492416562"/>
-      </p:ext>
-    </p:extLst>
-  </p:cSld>
-  <p:clrMapOvr>
-    <a:masterClrMapping/>
-  </p:clrMapOvr>
-</p:sld>
-</file>
-
-<file path=ppt/slides/slide9.xml><?xml version="1.0" encoding="utf-8"?>
-<p:sld xmlns:a="http://schemas.openxmlformats.org/drawingml/2006/main" xmlns:r="http://schemas.openxmlformats.org/officeDocument/2006/relationships" xmlns:p="http://schemas.openxmlformats.org/presentationml/2006/main">
-  <p:cSld>
-    <p:spTree>
-      <p:nvGrpSpPr>
-        <p:cNvPr id="1" name=""/>
-        <p:cNvGrpSpPr/>
-        <p:nvPr/>
-      </p:nvGrpSpPr>
-      <p:grpSpPr>
-        <a:xfrm>
-          <a:off x="0" y="0"/>
-          <a:ext cx="0" cy="0"/>
-          <a:chOff x="0" y="0"/>
-          <a:chExt cx="0" cy="0"/>
-        </a:xfrm>
-      </p:grpSpPr>
-      <p:sp>
-        <p:nvSpPr>
-          <p:cNvPr id="2" name="Title 1">
-            <a:extLst>
-              <a:ext uri="{FF2B5EF4-FFF2-40B4-BE49-F238E27FC236}">
-                <a16:creationId xmlns:a16="http://schemas.microsoft.com/office/drawing/2014/main" id="{EDF33ABE-0CCC-4CB2-8A07-107E3F35A1F5}"/>
-              </a:ext>
-            </a:extLst>
-          </p:cNvPr>
-          <p:cNvSpPr>
-            <a:spLocks noGrp="1"/>
-          </p:cNvSpPr>
-          <p:nvPr>
-            <p:ph type="title"/>
-          </p:nvPr>
-        </p:nvSpPr>
-        <p:spPr/>
-        <p:txBody>
-          <a:bodyPr/>
-          <a:lstStyle/>
-          <a:p>
-            <a:r>
-              <a:rPr lang="en-US" b="1" dirty="0">
-                <a:solidFill>
-                  <a:schemeClr val="accent3"/>
-                </a:solidFill>
-                <a:effectLst>
-                  <a:outerShdw blurRad="38100" dist="38100" dir="2700000" algn="tl">
-                    <a:srgbClr val="000000">
-                      <a:alpha val="43137"/>
-                    </a:srgbClr>
-                  </a:outerShdw>
-                </a:effectLst>
-                <a:latin typeface="Times New Roman" panose="02020603050405020304" pitchFamily="18" charset="0"/>
-                <a:cs typeface="Times New Roman" panose="02020603050405020304" pitchFamily="18" charset="0"/>
-              </a:rPr>
-              <a:t>ER Diagram</a:t>
-            </a:r>
-          </a:p>
-        </p:txBody>
-      </p:sp>
-      <p:pic>
-        <p:nvPicPr>
-          <p:cNvPr id="5" name="Content Placeholder 4" descr="A close up of text on a white surface&#10;&#10;Description automatically generated">
-            <a:extLst>
-              <a:ext uri="{FF2B5EF4-FFF2-40B4-BE49-F238E27FC236}">
-                <a16:creationId xmlns:a16="http://schemas.microsoft.com/office/drawing/2014/main" id="{6EACB86E-0239-4971-8B76-392FF2502486}"/>
-              </a:ext>
-            </a:extLst>
-          </p:cNvPr>
-          <p:cNvPicPr>
-            <a:picLocks noGrp="1" noChangeAspect="1"/>
-          </p:cNvPicPr>
-          <p:nvPr>
-            <p:ph idx="1"/>
-          </p:nvPr>
-        </p:nvPicPr>
-        <p:blipFill>
-          <a:blip r:embed="rId2">
-            <a:extLst>
-              <a:ext uri="{28A0092B-C50C-407E-A947-70E740481C1C}">
-                <a14:useLocalDpi xmlns:a14="http://schemas.microsoft.com/office/drawing/2010/main" val="0"/>
-              </a:ext>
-            </a:extLst>
-          </a:blip>
-          <a:stretch>
-            <a:fillRect/>
-          </a:stretch>
-        </p:blipFill>
-        <p:spPr>
-          <a:xfrm>
-            <a:off x="1647289" y="1520575"/>
-            <a:ext cx="8897421" cy="5147353"/>
-          </a:xfrm>
-        </p:spPr>
-      </p:pic>
-    </p:spTree>
-    <p:extLst>
-      <p:ext uri="{BB962C8B-B14F-4D97-AF65-F5344CB8AC3E}">
-        <p14:creationId xmlns:p14="http://schemas.microsoft.com/office/powerpoint/2010/main" val="2907710349"/>
+        <p14:creationId xmlns:p14="http://schemas.microsoft.com/office/powerpoint/2010/main" val="212726881"/>
       </p:ext>
     </p:extLst>
   </p:cSld>

--- a/Healthify-NWMSU.pptx
+++ b/Healthify-NWMSU.pptx
@@ -8,15 +8,16 @@
     <p:sldId id="256" r:id="rId2"/>
     <p:sldId id="257" r:id="rId3"/>
     <p:sldId id="268" r:id="rId4"/>
-    <p:sldId id="270" r:id="rId5"/>
-    <p:sldId id="272" r:id="rId6"/>
-    <p:sldId id="273" r:id="rId7"/>
-    <p:sldId id="274" r:id="rId8"/>
-    <p:sldId id="265" r:id="rId9"/>
-    <p:sldId id="258" r:id="rId10"/>
-    <p:sldId id="260" r:id="rId11"/>
-    <p:sldId id="263" r:id="rId12"/>
-    <p:sldId id="264" r:id="rId13"/>
+    <p:sldId id="272" r:id="rId5"/>
+    <p:sldId id="273" r:id="rId6"/>
+    <p:sldId id="274" r:id="rId7"/>
+    <p:sldId id="265" r:id="rId8"/>
+    <p:sldId id="258" r:id="rId9"/>
+    <p:sldId id="260" r:id="rId10"/>
+    <p:sldId id="263" r:id="rId11"/>
+    <p:sldId id="275" r:id="rId12"/>
+    <p:sldId id="276" r:id="rId13"/>
+    <p:sldId id="264" r:id="rId14"/>
   </p:sldIdLst>
   <p:sldSz cx="12192000" cy="6858000"/>
   <p:notesSz cx="6858000" cy="9144000"/>
@@ -7257,196 +7258,6 @@
           <p:cNvPr id="2" name="Title 1">
             <a:extLst>
               <a:ext uri="{FF2B5EF4-FFF2-40B4-BE49-F238E27FC236}">
-                <a16:creationId xmlns:a16="http://schemas.microsoft.com/office/drawing/2014/main" id="{EE86DD78-E9CE-490E-88B1-0385B046D747}"/>
-              </a:ext>
-            </a:extLst>
-          </p:cNvPr>
-          <p:cNvSpPr>
-            <a:spLocks noGrp="1"/>
-          </p:cNvSpPr>
-          <p:nvPr>
-            <p:ph type="title"/>
-          </p:nvPr>
-        </p:nvSpPr>
-        <p:spPr/>
-        <p:txBody>
-          <a:bodyPr/>
-          <a:lstStyle/>
-          <a:p>
-            <a:r>
-              <a:rPr lang="en-US" b="1" dirty="0">
-                <a:solidFill>
-                  <a:schemeClr val="accent3"/>
-                </a:solidFill>
-                <a:effectLst>
-                  <a:outerShdw blurRad="38100" dist="38100" dir="2700000" algn="tl">
-                    <a:srgbClr val="000000">
-                      <a:alpha val="43137"/>
-                    </a:srgbClr>
-                  </a:outerShdw>
-                </a:effectLst>
-                <a:latin typeface="Times New Roman" panose="02020603050405020304" pitchFamily="18" charset="0"/>
-                <a:cs typeface="Times New Roman" panose="02020603050405020304" pitchFamily="18" charset="0"/>
-              </a:rPr>
-              <a:t>Screens of UI Sketches</a:t>
-            </a:r>
-            <a:endParaRPr lang="en-US" b="1" dirty="0">
-              <a:solidFill>
-                <a:schemeClr val="accent3"/>
-              </a:solidFill>
-              <a:effectLst>
-                <a:outerShdw blurRad="38100" dist="38100" dir="2700000" algn="tl">
-                  <a:srgbClr val="000000">
-                    <a:alpha val="43137"/>
-                  </a:srgbClr>
-                </a:outerShdw>
-              </a:effectLst>
-            </a:endParaRPr>
-          </a:p>
-        </p:txBody>
-      </p:sp>
-      <p:pic>
-        <p:nvPicPr>
-          <p:cNvPr id="5" name="Content Placeholder 4" descr="A screenshot of a cell phone&#10;&#10;Description automatically generated">
-            <a:extLst>
-              <a:ext uri="{FF2B5EF4-FFF2-40B4-BE49-F238E27FC236}">
-                <a16:creationId xmlns:a16="http://schemas.microsoft.com/office/drawing/2014/main" id="{3C2846B6-CBD7-4174-A78E-EB0295F266B7}"/>
-              </a:ext>
-            </a:extLst>
-          </p:cNvPr>
-          <p:cNvPicPr>
-            <a:picLocks noGrp="1" noChangeAspect="1"/>
-          </p:cNvPicPr>
-          <p:nvPr>
-            <p:ph idx="1"/>
-          </p:nvPr>
-        </p:nvPicPr>
-        <p:blipFill>
-          <a:blip r:embed="rId2">
-            <a:extLst>
-              <a:ext uri="{28A0092B-C50C-407E-A947-70E740481C1C}">
-                <a14:useLocalDpi xmlns:a14="http://schemas.microsoft.com/office/drawing/2010/main" val="0"/>
-              </a:ext>
-            </a:extLst>
-          </a:blip>
-          <a:stretch>
-            <a:fillRect/>
-          </a:stretch>
-        </p:blipFill>
-        <p:spPr>
-          <a:xfrm>
-            <a:off x="4714634" y="1348202"/>
-            <a:ext cx="2821552" cy="5323091"/>
-          </a:xfrm>
-        </p:spPr>
-      </p:pic>
-      <p:pic>
-        <p:nvPicPr>
-          <p:cNvPr id="7" name="Picture 6" descr="A screenshot of a cell phone&#10;&#10;Description automatically generated">
-            <a:extLst>
-              <a:ext uri="{FF2B5EF4-FFF2-40B4-BE49-F238E27FC236}">
-                <a16:creationId xmlns:a16="http://schemas.microsoft.com/office/drawing/2014/main" id="{BCDB2B0F-E630-4116-889C-BF24E926A169}"/>
-              </a:ext>
-            </a:extLst>
-          </p:cNvPr>
-          <p:cNvPicPr>
-            <a:picLocks noChangeAspect="1"/>
-          </p:cNvPicPr>
-          <p:nvPr/>
-        </p:nvPicPr>
-        <p:blipFill>
-          <a:blip r:embed="rId3">
-            <a:extLst>
-              <a:ext uri="{28A0092B-C50C-407E-A947-70E740481C1C}">
-                <a14:useLocalDpi xmlns:a14="http://schemas.microsoft.com/office/drawing/2010/main" val="0"/>
-              </a:ext>
-            </a:extLst>
-          </a:blip>
-          <a:stretch>
-            <a:fillRect/>
-          </a:stretch>
-        </p:blipFill>
-        <p:spPr>
-          <a:xfrm>
-            <a:off x="8279222" y="1348201"/>
-            <a:ext cx="2916184" cy="5323092"/>
-          </a:xfrm>
-          <a:prstGeom prst="rect">
-            <a:avLst/>
-          </a:prstGeom>
-        </p:spPr>
-      </p:pic>
-      <p:pic>
-        <p:nvPicPr>
-          <p:cNvPr id="6" name="Picture 5" descr="A screenshot of a cell phone&#10;&#10;Description automatically generated">
-            <a:extLst>
-              <a:ext uri="{FF2B5EF4-FFF2-40B4-BE49-F238E27FC236}">
-                <a16:creationId xmlns:a16="http://schemas.microsoft.com/office/drawing/2014/main" id="{BC02AB21-A8B2-431B-B6C0-5A214AE639C7}"/>
-              </a:ext>
-            </a:extLst>
-          </p:cNvPr>
-          <p:cNvPicPr>
-            <a:picLocks noChangeAspect="1"/>
-          </p:cNvPicPr>
-          <p:nvPr/>
-        </p:nvPicPr>
-        <p:blipFill>
-          <a:blip r:embed="rId4">
-            <a:extLst>
-              <a:ext uri="{28A0092B-C50C-407E-A947-70E740481C1C}">
-                <a14:useLocalDpi xmlns:a14="http://schemas.microsoft.com/office/drawing/2010/main" val="0"/>
-              </a:ext>
-            </a:extLst>
-          </a:blip>
-          <a:stretch>
-            <a:fillRect/>
-          </a:stretch>
-        </p:blipFill>
-        <p:spPr>
-          <a:xfrm>
-            <a:off x="996594" y="1395092"/>
-            <a:ext cx="2821552" cy="5276201"/>
-          </a:xfrm>
-          <a:prstGeom prst="rect">
-            <a:avLst/>
-          </a:prstGeom>
-        </p:spPr>
-      </p:pic>
-    </p:spTree>
-    <p:extLst>
-      <p:ext uri="{BB962C8B-B14F-4D97-AF65-F5344CB8AC3E}">
-        <p14:creationId xmlns:p14="http://schemas.microsoft.com/office/powerpoint/2010/main" val="971212024"/>
-      </p:ext>
-    </p:extLst>
-  </p:cSld>
-  <p:clrMapOvr>
-    <a:masterClrMapping/>
-  </p:clrMapOvr>
-</p:sld>
-</file>
-
-<file path=ppt/slides/slide11.xml><?xml version="1.0" encoding="utf-8"?>
-<p:sld xmlns:a="http://schemas.openxmlformats.org/drawingml/2006/main" xmlns:r="http://schemas.openxmlformats.org/officeDocument/2006/relationships" xmlns:p="http://schemas.openxmlformats.org/presentationml/2006/main">
-  <p:cSld>
-    <p:spTree>
-      <p:nvGrpSpPr>
-        <p:cNvPr id="1" name=""/>
-        <p:cNvGrpSpPr/>
-        <p:nvPr/>
-      </p:nvGrpSpPr>
-      <p:grpSpPr>
-        <a:xfrm>
-          <a:off x="0" y="0"/>
-          <a:ext cx="0" cy="0"/>
-          <a:chOff x="0" y="0"/>
-          <a:chExt cx="0" cy="0"/>
-        </a:xfrm>
-      </p:grpSpPr>
-      <p:sp>
-        <p:nvSpPr>
-          <p:cNvPr id="2" name="Title 1">
-            <a:extLst>
-              <a:ext uri="{FF2B5EF4-FFF2-40B4-BE49-F238E27FC236}">
                 <a16:creationId xmlns:a16="http://schemas.microsoft.com/office/drawing/2014/main" id="{EDF33ABE-0CCC-4CB2-8A07-107E3F35A1F5}"/>
               </a:ext>
             </a:extLst>
@@ -7531,7 +7342,430 @@
 </p:sld>
 </file>
 
+<file path=ppt/slides/slide11.xml><?xml version="1.0" encoding="utf-8"?>
+<p:sld xmlns:a="http://schemas.openxmlformats.org/drawingml/2006/main" xmlns:r="http://schemas.openxmlformats.org/officeDocument/2006/relationships" xmlns:p="http://schemas.openxmlformats.org/presentationml/2006/main">
+  <p:cSld>
+    <p:spTree>
+      <p:nvGrpSpPr>
+        <p:cNvPr id="1" name=""/>
+        <p:cNvGrpSpPr/>
+        <p:nvPr/>
+      </p:nvGrpSpPr>
+      <p:grpSpPr>
+        <a:xfrm>
+          <a:off x="0" y="0"/>
+          <a:ext cx="0" cy="0"/>
+          <a:chOff x="0" y="0"/>
+          <a:chExt cx="0" cy="0"/>
+        </a:xfrm>
+      </p:grpSpPr>
+      <p:sp>
+        <p:nvSpPr>
+          <p:cNvPr id="2" name="Title 1">
+            <a:extLst>
+              <a:ext uri="{FF2B5EF4-FFF2-40B4-BE49-F238E27FC236}">
+                <a16:creationId xmlns:a16="http://schemas.microsoft.com/office/drawing/2014/main" id="{405F658A-143D-4B11-9418-4DFD99116EE8}"/>
+              </a:ext>
+            </a:extLst>
+          </p:cNvPr>
+          <p:cNvSpPr>
+            <a:spLocks noGrp="1"/>
+          </p:cNvSpPr>
+          <p:nvPr>
+            <p:ph type="title"/>
+          </p:nvPr>
+        </p:nvSpPr>
+        <p:spPr/>
+        <p:txBody>
+          <a:bodyPr/>
+          <a:lstStyle/>
+          <a:p>
+            <a:r>
+              <a:rPr lang="en-US" b="1" dirty="0">
+                <a:solidFill>
+                  <a:schemeClr val="accent3"/>
+                </a:solidFill>
+                <a:effectLst>
+                  <a:outerShdw blurRad="38100" dist="38100" dir="2700000" algn="tl">
+                    <a:srgbClr val="000000">
+                      <a:alpha val="43137"/>
+                    </a:srgbClr>
+                  </a:outerShdw>
+                </a:effectLst>
+                <a:latin typeface="Times New Roman" panose="02020603050405020304" pitchFamily="18" charset="0"/>
+                <a:cs typeface="Times New Roman" panose="02020603050405020304" pitchFamily="18" charset="0"/>
+              </a:rPr>
+              <a:t>Benefits</a:t>
+            </a:r>
+            <a:br>
+              <a:rPr lang="en-US" sz="2400" b="1" dirty="0">
+                <a:latin typeface="Times New Roman" panose="02020603050405020304" pitchFamily="18" charset="0"/>
+                <a:cs typeface="Times New Roman" panose="02020603050405020304" pitchFamily="18" charset="0"/>
+              </a:rPr>
+            </a:br>
+            <a:br>
+              <a:rPr lang="en-US" sz="2400" b="1" dirty="0">
+                <a:latin typeface="Times New Roman" panose="02020603050405020304" pitchFamily="18" charset="0"/>
+                <a:cs typeface="Times New Roman" panose="02020603050405020304" pitchFamily="18" charset="0"/>
+              </a:rPr>
+            </a:br>
+            <a:endParaRPr lang="en-US" sz="2400" dirty="0">
+              <a:latin typeface="Times New Roman" panose="02020603050405020304" pitchFamily="18" charset="0"/>
+              <a:cs typeface="Times New Roman" panose="02020603050405020304" pitchFamily="18" charset="0"/>
+            </a:endParaRPr>
+          </a:p>
+        </p:txBody>
+      </p:sp>
+      <p:sp>
+        <p:nvSpPr>
+          <p:cNvPr id="3" name="Content Placeholder 2">
+            <a:extLst>
+              <a:ext uri="{FF2B5EF4-FFF2-40B4-BE49-F238E27FC236}">
+                <a16:creationId xmlns:a16="http://schemas.microsoft.com/office/drawing/2014/main" id="{3C1589E6-2CE7-437E-B912-6C37A64FE22A}"/>
+              </a:ext>
+            </a:extLst>
+          </p:cNvPr>
+          <p:cNvSpPr>
+            <a:spLocks noGrp="1"/>
+          </p:cNvSpPr>
+          <p:nvPr>
+            <p:ph idx="1"/>
+          </p:nvPr>
+        </p:nvSpPr>
+        <p:spPr>
+          <a:xfrm>
+            <a:off x="1103312" y="1335640"/>
+            <a:ext cx="8946541" cy="4912759"/>
+          </a:xfrm>
+        </p:spPr>
+        <p:txBody>
+          <a:bodyPr>
+            <a:normAutofit fontScale="92500" lnSpcReduction="20000"/>
+          </a:bodyPr>
+          <a:lstStyle/>
+          <a:p>
+            <a:r>
+              <a:rPr lang="en-US" dirty="0">
+                <a:latin typeface="Times New Roman" panose="02020603050405020304" pitchFamily="18" charset="0"/>
+                <a:cs typeface="Times New Roman" panose="02020603050405020304" pitchFamily="18" charset="0"/>
+              </a:rPr>
+              <a:t>Monitor your diet everyday</a:t>
+            </a:r>
+          </a:p>
+          <a:p>
+            <a:r>
+              <a:rPr lang="en-US" dirty="0">
+                <a:latin typeface="Times New Roman" panose="02020603050405020304" pitchFamily="18" charset="0"/>
+                <a:cs typeface="Times New Roman" panose="02020603050405020304" pitchFamily="18" charset="0"/>
+              </a:rPr>
+              <a:t>Track your footsteps</a:t>
+            </a:r>
+          </a:p>
+          <a:p>
+            <a:r>
+              <a:rPr lang="en-US" dirty="0">
+                <a:latin typeface="Times New Roman" panose="02020603050405020304" pitchFamily="18" charset="0"/>
+                <a:cs typeface="Times New Roman" panose="02020603050405020304" pitchFamily="18" charset="0"/>
+              </a:rPr>
+              <a:t>Track your water intake</a:t>
+            </a:r>
+          </a:p>
+          <a:p>
+            <a:r>
+              <a:rPr lang="en-US" dirty="0">
+                <a:latin typeface="Times New Roman" panose="02020603050405020304" pitchFamily="18" charset="0"/>
+                <a:cs typeface="Times New Roman" panose="02020603050405020304" pitchFamily="18" charset="0"/>
+              </a:rPr>
+              <a:t>Helps in calorie count</a:t>
+            </a:r>
+          </a:p>
+          <a:p>
+            <a:r>
+              <a:rPr lang="en-US" dirty="0">
+                <a:latin typeface="Times New Roman" panose="02020603050405020304" pitchFamily="18" charset="0"/>
+                <a:cs typeface="Times New Roman" panose="02020603050405020304" pitchFamily="18" charset="0"/>
+              </a:rPr>
+              <a:t>Set goals that you can achieve</a:t>
+            </a:r>
+          </a:p>
+          <a:p>
+            <a:r>
+              <a:rPr lang="en-US" dirty="0">
+                <a:latin typeface="Times New Roman" panose="02020603050405020304" pitchFamily="18" charset="0"/>
+                <a:cs typeface="Times New Roman" panose="02020603050405020304" pitchFamily="18" charset="0"/>
+              </a:rPr>
+              <a:t>Create your yoga studio</a:t>
+            </a:r>
+          </a:p>
+          <a:p>
+            <a:r>
+              <a:rPr lang="en-US" dirty="0">
+                <a:latin typeface="Times New Roman" panose="02020603050405020304" pitchFamily="18" charset="0"/>
+                <a:cs typeface="Times New Roman" panose="02020603050405020304" pitchFamily="18" charset="0"/>
+              </a:rPr>
+              <a:t>Easily keep track of your progress</a:t>
+            </a:r>
+          </a:p>
+          <a:p>
+            <a:r>
+              <a:rPr lang="en-US" dirty="0">
+                <a:latin typeface="Times New Roman" panose="02020603050405020304" pitchFamily="18" charset="0"/>
+                <a:cs typeface="Times New Roman" panose="02020603050405020304" pitchFamily="18" charset="0"/>
+              </a:rPr>
+              <a:t>Get free workout ideas</a:t>
+            </a:r>
+          </a:p>
+          <a:p>
+            <a:r>
+              <a:rPr lang="en-US" dirty="0">
+                <a:latin typeface="Times New Roman" panose="02020603050405020304" pitchFamily="18" charset="0"/>
+                <a:cs typeface="Times New Roman" panose="02020603050405020304" pitchFamily="18" charset="0"/>
+              </a:rPr>
+              <a:t>Heartrate tracking</a:t>
+            </a:r>
+          </a:p>
+          <a:p>
+            <a:r>
+              <a:rPr lang="en-US" dirty="0">
+                <a:latin typeface="Times New Roman" panose="02020603050405020304" pitchFamily="18" charset="0"/>
+                <a:cs typeface="Times New Roman" panose="02020603050405020304" pitchFamily="18" charset="0"/>
+              </a:rPr>
+              <a:t>Weight loss progression</a:t>
+            </a:r>
+          </a:p>
+          <a:p>
+            <a:r>
+              <a:rPr lang="en-US" dirty="0">
+                <a:latin typeface="Times New Roman" panose="02020603050405020304" pitchFamily="18" charset="0"/>
+                <a:cs typeface="Times New Roman" panose="02020603050405020304" pitchFamily="18" charset="0"/>
+              </a:rPr>
+              <a:t>Pedometer</a:t>
+            </a:r>
+          </a:p>
+          <a:p>
+            <a:r>
+              <a:rPr lang="en-US" dirty="0">
+                <a:latin typeface="Times New Roman" panose="02020603050405020304" pitchFamily="18" charset="0"/>
+                <a:cs typeface="Times New Roman" panose="02020603050405020304" pitchFamily="18" charset="0"/>
+              </a:rPr>
+              <a:t>Give free health and fitness tips</a:t>
+            </a:r>
+          </a:p>
+          <a:p>
+            <a:r>
+              <a:rPr lang="en-US" dirty="0">
+                <a:latin typeface="Times New Roman" panose="02020603050405020304" pitchFamily="18" charset="0"/>
+                <a:cs typeface="Times New Roman" panose="02020603050405020304" pitchFamily="18" charset="0"/>
+              </a:rPr>
+              <a:t>Keeps you Motivated</a:t>
+            </a:r>
+            <a:br>
+              <a:rPr lang="en-US" dirty="0">
+                <a:latin typeface="Times New Roman" panose="02020603050405020304" pitchFamily="18" charset="0"/>
+                <a:cs typeface="Times New Roman" panose="02020603050405020304" pitchFamily="18" charset="0"/>
+              </a:rPr>
+            </a:br>
+            <a:endParaRPr lang="en-US" dirty="0"/>
+          </a:p>
+        </p:txBody>
+      </p:sp>
+    </p:spTree>
+    <p:extLst>
+      <p:ext uri="{BB962C8B-B14F-4D97-AF65-F5344CB8AC3E}">
+        <p14:creationId xmlns:p14="http://schemas.microsoft.com/office/powerpoint/2010/main" val="964727621"/>
+      </p:ext>
+    </p:extLst>
+  </p:cSld>
+  <p:clrMapOvr>
+    <a:masterClrMapping/>
+  </p:clrMapOvr>
+</p:sld>
+</file>
+
 <file path=ppt/slides/slide12.xml><?xml version="1.0" encoding="utf-8"?>
+<p:sld xmlns:a="http://schemas.openxmlformats.org/drawingml/2006/main" xmlns:r="http://schemas.openxmlformats.org/officeDocument/2006/relationships" xmlns:p="http://schemas.openxmlformats.org/presentationml/2006/main">
+  <p:cSld>
+    <p:spTree>
+      <p:nvGrpSpPr>
+        <p:cNvPr id="1" name=""/>
+        <p:cNvGrpSpPr/>
+        <p:nvPr/>
+      </p:nvGrpSpPr>
+      <p:grpSpPr>
+        <a:xfrm>
+          <a:off x="0" y="0"/>
+          <a:ext cx="0" cy="0"/>
+          <a:chOff x="0" y="0"/>
+          <a:chExt cx="0" cy="0"/>
+        </a:xfrm>
+      </p:grpSpPr>
+      <p:sp>
+        <p:nvSpPr>
+          <p:cNvPr id="2" name="Title 1">
+            <a:extLst>
+              <a:ext uri="{FF2B5EF4-FFF2-40B4-BE49-F238E27FC236}">
+                <a16:creationId xmlns:a16="http://schemas.microsoft.com/office/drawing/2014/main" id="{C97ED26C-B80A-468B-9308-6F02858E1560}"/>
+              </a:ext>
+            </a:extLst>
+          </p:cNvPr>
+          <p:cNvSpPr>
+            <a:spLocks noGrp="1"/>
+          </p:cNvSpPr>
+          <p:nvPr>
+            <p:ph type="title"/>
+          </p:nvPr>
+        </p:nvSpPr>
+        <p:spPr>
+          <a:xfrm>
+            <a:off x="646111" y="452718"/>
+            <a:ext cx="9404723" cy="934293"/>
+          </a:xfrm>
+        </p:spPr>
+        <p:txBody>
+          <a:bodyPr/>
+          <a:lstStyle/>
+          <a:p>
+            <a:r>
+              <a:rPr lang="en-US" b="1" dirty="0">
+                <a:solidFill>
+                  <a:schemeClr val="accent3"/>
+                </a:solidFill>
+                <a:effectLst>
+                  <a:outerShdw blurRad="38100" dist="38100" dir="2700000" algn="tl">
+                    <a:srgbClr val="000000">
+                      <a:alpha val="43137"/>
+                    </a:srgbClr>
+                  </a:outerShdw>
+                </a:effectLst>
+                <a:latin typeface="Times New Roman" panose="02020603050405020304" pitchFamily="18" charset="0"/>
+                <a:cs typeface="Times New Roman" panose="02020603050405020304" pitchFamily="18" charset="0"/>
+              </a:rPr>
+              <a:t>References</a:t>
+            </a:r>
+          </a:p>
+        </p:txBody>
+      </p:sp>
+      <p:sp>
+        <p:nvSpPr>
+          <p:cNvPr id="3" name="Content Placeholder 2">
+            <a:extLst>
+              <a:ext uri="{FF2B5EF4-FFF2-40B4-BE49-F238E27FC236}">
+                <a16:creationId xmlns:a16="http://schemas.microsoft.com/office/drawing/2014/main" id="{5788D7AD-89B9-4372-933F-CB05EC9505E5}"/>
+              </a:ext>
+            </a:extLst>
+          </p:cNvPr>
+          <p:cNvSpPr>
+            <a:spLocks noGrp="1"/>
+          </p:cNvSpPr>
+          <p:nvPr>
+            <p:ph idx="1"/>
+          </p:nvPr>
+        </p:nvSpPr>
+        <p:spPr>
+          <a:xfrm>
+            <a:off x="1103312" y="1387012"/>
+            <a:ext cx="8946541" cy="4861388"/>
+          </a:xfrm>
+        </p:spPr>
+        <p:txBody>
+          <a:bodyPr/>
+          <a:lstStyle/>
+          <a:p>
+            <a:r>
+              <a:rPr lang="en-US" dirty="0">
+                <a:latin typeface="Times New Roman" panose="02020603050405020304" pitchFamily="18" charset="0"/>
+                <a:cs typeface="Times New Roman" panose="02020603050405020304" pitchFamily="18" charset="0"/>
+              </a:rPr>
+              <a:t>Jira link: </a:t>
+            </a:r>
+            <a:r>
+              <a:rPr lang="en-US" dirty="0">
+                <a:latin typeface="Times New Roman" panose="02020603050405020304" pitchFamily="18" charset="0"/>
+                <a:cs typeface="Times New Roman" panose="02020603050405020304" pitchFamily="18" charset="0"/>
+                <a:hlinkClick r:id="rId2"/>
+              </a:rPr>
+              <a:t>https://sowmyathogiti27.atlassian.net/jira/software/projects/HN/boards/2</a:t>
+            </a:r>
+            <a:endParaRPr lang="en-US" dirty="0">
+              <a:latin typeface="Times New Roman" panose="02020603050405020304" pitchFamily="18" charset="0"/>
+              <a:cs typeface="Times New Roman" panose="02020603050405020304" pitchFamily="18" charset="0"/>
+            </a:endParaRPr>
+          </a:p>
+          <a:p>
+            <a:r>
+              <a:rPr lang="en-US" dirty="0" err="1">
+                <a:latin typeface="Times New Roman" panose="02020603050405020304" pitchFamily="18" charset="0"/>
+                <a:cs typeface="Times New Roman" panose="02020603050405020304" pitchFamily="18" charset="0"/>
+              </a:rPr>
+              <a:t>FluidUI</a:t>
+            </a:r>
+            <a:r>
+              <a:rPr lang="en-US" dirty="0">
+                <a:latin typeface="Times New Roman" panose="02020603050405020304" pitchFamily="18" charset="0"/>
+                <a:cs typeface="Times New Roman" panose="02020603050405020304" pitchFamily="18" charset="0"/>
+              </a:rPr>
+              <a:t> Link: </a:t>
+            </a:r>
+            <a:r>
+              <a:rPr lang="en-US" dirty="0">
+                <a:latin typeface="Times New Roman" panose="02020603050405020304" pitchFamily="18" charset="0"/>
+                <a:cs typeface="Times New Roman" panose="02020603050405020304" pitchFamily="18" charset="0"/>
+                <a:hlinkClick r:id="rId3"/>
+              </a:rPr>
+              <a:t>https://www.fluidui.com/editor/live/</a:t>
+            </a:r>
+            <a:endParaRPr lang="en-US" dirty="0">
+              <a:latin typeface="Times New Roman" panose="02020603050405020304" pitchFamily="18" charset="0"/>
+              <a:cs typeface="Times New Roman" panose="02020603050405020304" pitchFamily="18" charset="0"/>
+            </a:endParaRPr>
+          </a:p>
+          <a:p>
+            <a:r>
+              <a:rPr lang="en-US" dirty="0" err="1">
+                <a:latin typeface="Times New Roman" panose="02020603050405020304" pitchFamily="18" charset="0"/>
+                <a:cs typeface="Times New Roman" panose="02020603050405020304" pitchFamily="18" charset="0"/>
+              </a:rPr>
+              <a:t>Github</a:t>
+            </a:r>
+            <a:r>
+              <a:rPr lang="en-US" dirty="0">
+                <a:latin typeface="Times New Roman" panose="02020603050405020304" pitchFamily="18" charset="0"/>
+                <a:cs typeface="Times New Roman" panose="02020603050405020304" pitchFamily="18" charset="0"/>
+              </a:rPr>
+              <a:t> Link: </a:t>
+            </a:r>
+            <a:r>
+              <a:rPr lang="en-US" dirty="0">
+                <a:latin typeface="Times New Roman" panose="02020603050405020304" pitchFamily="18" charset="0"/>
+                <a:cs typeface="Times New Roman" panose="02020603050405020304" pitchFamily="18" charset="0"/>
+                <a:hlinkClick r:id="rId4"/>
+              </a:rPr>
+              <a:t>https://github.com/sowmyathogiti/Healthify-NWMSU</a:t>
+            </a:r>
+            <a:endParaRPr lang="en-US" dirty="0">
+              <a:latin typeface="Times New Roman" panose="02020603050405020304" pitchFamily="18" charset="0"/>
+              <a:cs typeface="Times New Roman" panose="02020603050405020304" pitchFamily="18" charset="0"/>
+            </a:endParaRPr>
+          </a:p>
+          <a:p>
+            <a:endParaRPr lang="en-US" dirty="0"/>
+          </a:p>
+        </p:txBody>
+      </p:sp>
+    </p:spTree>
+    <p:extLst>
+      <p:ext uri="{BB962C8B-B14F-4D97-AF65-F5344CB8AC3E}">
+        <p14:creationId xmlns:p14="http://schemas.microsoft.com/office/powerpoint/2010/main" val="613347474"/>
+      </p:ext>
+    </p:extLst>
+  </p:cSld>
+  <p:clrMapOvr>
+    <a:masterClrMapping/>
+  </p:clrMapOvr>
+</p:sld>
+</file>
+
+<file path=ppt/slides/slide13.xml><?xml version="1.0" encoding="utf-8"?>
 <p:sld xmlns:a="http://schemas.openxmlformats.org/drawingml/2006/main" xmlns:r="http://schemas.openxmlformats.org/officeDocument/2006/relationships" xmlns:p="http://schemas.openxmlformats.org/presentationml/2006/main">
   <p:cSld>
     <p:spTree>
@@ -8247,37 +8481,58 @@
           <a:lstStyle/>
           <a:p>
             <a:r>
-              <a:rPr lang="en-US" dirty="0"/>
+              <a:rPr lang="en-US" dirty="0">
+                <a:latin typeface="Times New Roman" panose="02020603050405020304" pitchFamily="18" charset="0"/>
+                <a:cs typeface="Times New Roman" panose="02020603050405020304" pitchFamily="18" charset="0"/>
+              </a:rPr>
               <a:t>The Healthify-NWMSU app can incorporate data from thousands of third-party apps that are designed to promote healthier habits from nutrition to fitness.</a:t>
             </a:r>
           </a:p>
           <a:p>
             <a:r>
-              <a:rPr lang="en-US" dirty="0"/>
+              <a:rPr lang="en-US" dirty="0">
+                <a:latin typeface="Times New Roman" panose="02020603050405020304" pitchFamily="18" charset="0"/>
+                <a:cs typeface="Times New Roman" panose="02020603050405020304" pitchFamily="18" charset="0"/>
+              </a:rPr>
               <a:t>This app lets you keep all your health and fitness information under your control and in one place on your device.</a:t>
             </a:r>
           </a:p>
           <a:p>
-            <a:endParaRPr lang="en-US" dirty="0"/>
-          </a:p>
-          <a:p>
-            <a:endParaRPr lang="en-US" dirty="0"/>
-          </a:p>
-          <a:p>
-            <a:r>
-              <a:rPr lang="en-US" dirty="0"/>
+            <a:endParaRPr lang="en-US" dirty="0">
+              <a:latin typeface="Times New Roman" panose="02020603050405020304" pitchFamily="18" charset="0"/>
+              <a:cs typeface="Times New Roman" panose="02020603050405020304" pitchFamily="18" charset="0"/>
+            </a:endParaRPr>
+          </a:p>
+          <a:p>
+            <a:endParaRPr lang="en-US" dirty="0">
+              <a:latin typeface="Times New Roman" panose="02020603050405020304" pitchFamily="18" charset="0"/>
+              <a:cs typeface="Times New Roman" panose="02020603050405020304" pitchFamily="18" charset="0"/>
+            </a:endParaRPr>
+          </a:p>
+          <a:p>
+            <a:r>
+              <a:rPr lang="en-US" dirty="0">
+                <a:latin typeface="Times New Roman" panose="02020603050405020304" pitchFamily="18" charset="0"/>
+                <a:cs typeface="Times New Roman" panose="02020603050405020304" pitchFamily="18" charset="0"/>
+              </a:rPr>
               <a:t>Healthify-NWMSU is a fitness app that helps users track their diet and weight and set fitness goals.</a:t>
             </a:r>
           </a:p>
           <a:p>
             <a:r>
-              <a:rPr lang="en-US" dirty="0"/>
+              <a:rPr lang="en-US" dirty="0">
+                <a:latin typeface="Times New Roman" panose="02020603050405020304" pitchFamily="18" charset="0"/>
+                <a:cs typeface="Times New Roman" panose="02020603050405020304" pitchFamily="18" charset="0"/>
+              </a:rPr>
               <a:t>It is free to download app which allows user to track their calories, steps, manage, view and participate in group challenges.</a:t>
             </a:r>
           </a:p>
           <a:p>
             <a:r>
-              <a:rPr lang="en-US" dirty="0"/>
+              <a:rPr lang="en-US" dirty="0">
+                <a:latin typeface="Times New Roman" panose="02020603050405020304" pitchFamily="18" charset="0"/>
+                <a:cs typeface="Times New Roman" panose="02020603050405020304" pitchFamily="18" charset="0"/>
+              </a:rPr>
               <a:t>It helps users to track their food intake and measure calories accurately.</a:t>
             </a:r>
           </a:p>
@@ -8318,7 +8573,7 @@
           <p:cNvPr id="2" name="Title 1">
             <a:extLst>
               <a:ext uri="{FF2B5EF4-FFF2-40B4-BE49-F238E27FC236}">
-                <a16:creationId xmlns:a16="http://schemas.microsoft.com/office/drawing/2014/main" id="{405F658A-143D-4B11-9418-4DFD99116EE8}"/>
+                <a16:creationId xmlns:a16="http://schemas.microsoft.com/office/drawing/2014/main" id="{573E737E-8EF4-48B3-9937-7787C41E3A2D}"/>
               </a:ext>
             </a:extLst>
           </p:cNvPr>
@@ -8349,245 +8604,6 @@
                 <a:latin typeface="Times New Roman" panose="02020603050405020304" pitchFamily="18" charset="0"/>
                 <a:cs typeface="Times New Roman" panose="02020603050405020304" pitchFamily="18" charset="0"/>
               </a:rPr>
-              <a:t>Benefits</a:t>
-            </a:r>
-            <a:br>
-              <a:rPr lang="en-US" sz="2400" b="1" dirty="0">
-                <a:latin typeface="Times New Roman" panose="02020603050405020304" pitchFamily="18" charset="0"/>
-                <a:cs typeface="Times New Roman" panose="02020603050405020304" pitchFamily="18" charset="0"/>
-              </a:rPr>
-            </a:br>
-            <a:br>
-              <a:rPr lang="en-US" sz="2400" b="1" dirty="0">
-                <a:latin typeface="Times New Roman" panose="02020603050405020304" pitchFamily="18" charset="0"/>
-                <a:cs typeface="Times New Roman" panose="02020603050405020304" pitchFamily="18" charset="0"/>
-              </a:rPr>
-            </a:br>
-            <a:endParaRPr lang="en-US" sz="2400" dirty="0">
-              <a:latin typeface="Times New Roman" panose="02020603050405020304" pitchFamily="18" charset="0"/>
-              <a:cs typeface="Times New Roman" panose="02020603050405020304" pitchFamily="18" charset="0"/>
-            </a:endParaRPr>
-          </a:p>
-        </p:txBody>
-      </p:sp>
-      <p:sp>
-        <p:nvSpPr>
-          <p:cNvPr id="3" name="Content Placeholder 2">
-            <a:extLst>
-              <a:ext uri="{FF2B5EF4-FFF2-40B4-BE49-F238E27FC236}">
-                <a16:creationId xmlns:a16="http://schemas.microsoft.com/office/drawing/2014/main" id="{3C1589E6-2CE7-437E-B912-6C37A64FE22A}"/>
-              </a:ext>
-            </a:extLst>
-          </p:cNvPr>
-          <p:cNvSpPr>
-            <a:spLocks noGrp="1"/>
-          </p:cNvSpPr>
-          <p:nvPr>
-            <p:ph idx="1"/>
-          </p:nvPr>
-        </p:nvSpPr>
-        <p:spPr>
-          <a:xfrm>
-            <a:off x="1103312" y="1335640"/>
-            <a:ext cx="8946541" cy="4912759"/>
-          </a:xfrm>
-        </p:spPr>
-        <p:txBody>
-          <a:bodyPr>
-            <a:normAutofit fontScale="92500" lnSpcReduction="20000"/>
-          </a:bodyPr>
-          <a:lstStyle/>
-          <a:p>
-            <a:r>
-              <a:rPr lang="en-US" dirty="0">
-                <a:latin typeface="Times New Roman" panose="02020603050405020304" pitchFamily="18" charset="0"/>
-                <a:cs typeface="Times New Roman" panose="02020603050405020304" pitchFamily="18" charset="0"/>
-              </a:rPr>
-              <a:t>Monitor your diet everyday</a:t>
-            </a:r>
-          </a:p>
-          <a:p>
-            <a:r>
-              <a:rPr lang="en-US" dirty="0">
-                <a:latin typeface="Times New Roman" panose="02020603050405020304" pitchFamily="18" charset="0"/>
-                <a:cs typeface="Times New Roman" panose="02020603050405020304" pitchFamily="18" charset="0"/>
-              </a:rPr>
-              <a:t>Track your footsteps</a:t>
-            </a:r>
-          </a:p>
-          <a:p>
-            <a:r>
-              <a:rPr lang="en-US" dirty="0">
-                <a:latin typeface="Times New Roman" panose="02020603050405020304" pitchFamily="18" charset="0"/>
-                <a:cs typeface="Times New Roman" panose="02020603050405020304" pitchFamily="18" charset="0"/>
-              </a:rPr>
-              <a:t>Track your water intake</a:t>
-            </a:r>
-          </a:p>
-          <a:p>
-            <a:r>
-              <a:rPr lang="en-US" dirty="0">
-                <a:latin typeface="Times New Roman" panose="02020603050405020304" pitchFamily="18" charset="0"/>
-                <a:cs typeface="Times New Roman" panose="02020603050405020304" pitchFamily="18" charset="0"/>
-              </a:rPr>
-              <a:t>Helps in calorie count</a:t>
-            </a:r>
-          </a:p>
-          <a:p>
-            <a:r>
-              <a:rPr lang="en-US" dirty="0">
-                <a:latin typeface="Times New Roman" panose="02020603050405020304" pitchFamily="18" charset="0"/>
-                <a:cs typeface="Times New Roman" panose="02020603050405020304" pitchFamily="18" charset="0"/>
-              </a:rPr>
-              <a:t>Set goals that you can achieve</a:t>
-            </a:r>
-          </a:p>
-          <a:p>
-            <a:r>
-              <a:rPr lang="en-US" dirty="0">
-                <a:latin typeface="Times New Roman" panose="02020603050405020304" pitchFamily="18" charset="0"/>
-                <a:cs typeface="Times New Roman" panose="02020603050405020304" pitchFamily="18" charset="0"/>
-              </a:rPr>
-              <a:t>Create your yoga studio</a:t>
-            </a:r>
-          </a:p>
-          <a:p>
-            <a:r>
-              <a:rPr lang="en-US" dirty="0">
-                <a:latin typeface="Times New Roman" panose="02020603050405020304" pitchFamily="18" charset="0"/>
-                <a:cs typeface="Times New Roman" panose="02020603050405020304" pitchFamily="18" charset="0"/>
-              </a:rPr>
-              <a:t>Easily keep track of your progress</a:t>
-            </a:r>
-          </a:p>
-          <a:p>
-            <a:r>
-              <a:rPr lang="en-US" dirty="0">
-                <a:latin typeface="Times New Roman" panose="02020603050405020304" pitchFamily="18" charset="0"/>
-                <a:cs typeface="Times New Roman" panose="02020603050405020304" pitchFamily="18" charset="0"/>
-              </a:rPr>
-              <a:t>Get free workout ideas</a:t>
-            </a:r>
-          </a:p>
-          <a:p>
-            <a:r>
-              <a:rPr lang="en-US" dirty="0">
-                <a:latin typeface="Times New Roman" panose="02020603050405020304" pitchFamily="18" charset="0"/>
-                <a:cs typeface="Times New Roman" panose="02020603050405020304" pitchFamily="18" charset="0"/>
-              </a:rPr>
-              <a:t>Heartrate tracking</a:t>
-            </a:r>
-          </a:p>
-          <a:p>
-            <a:r>
-              <a:rPr lang="en-US" dirty="0">
-                <a:latin typeface="Times New Roman" panose="02020603050405020304" pitchFamily="18" charset="0"/>
-                <a:cs typeface="Times New Roman" panose="02020603050405020304" pitchFamily="18" charset="0"/>
-              </a:rPr>
-              <a:t>Weight loss progression</a:t>
-            </a:r>
-          </a:p>
-          <a:p>
-            <a:r>
-              <a:rPr lang="en-US" dirty="0">
-                <a:latin typeface="Times New Roman" panose="02020603050405020304" pitchFamily="18" charset="0"/>
-                <a:cs typeface="Times New Roman" panose="02020603050405020304" pitchFamily="18" charset="0"/>
-              </a:rPr>
-              <a:t>Pedometer</a:t>
-            </a:r>
-          </a:p>
-          <a:p>
-            <a:r>
-              <a:rPr lang="en-US" dirty="0">
-                <a:latin typeface="Times New Roman" panose="02020603050405020304" pitchFamily="18" charset="0"/>
-                <a:cs typeface="Times New Roman" panose="02020603050405020304" pitchFamily="18" charset="0"/>
-              </a:rPr>
-              <a:t>Give free health and fitness tips</a:t>
-            </a:r>
-          </a:p>
-          <a:p>
-            <a:r>
-              <a:rPr lang="en-US" dirty="0">
-                <a:latin typeface="Times New Roman" panose="02020603050405020304" pitchFamily="18" charset="0"/>
-                <a:cs typeface="Times New Roman" panose="02020603050405020304" pitchFamily="18" charset="0"/>
-              </a:rPr>
-              <a:t>Keeps you Motivated</a:t>
-            </a:r>
-            <a:br>
-              <a:rPr lang="en-US" dirty="0">
-                <a:latin typeface="Times New Roman" panose="02020603050405020304" pitchFamily="18" charset="0"/>
-                <a:cs typeface="Times New Roman" panose="02020603050405020304" pitchFamily="18" charset="0"/>
-              </a:rPr>
-            </a:br>
-            <a:endParaRPr lang="en-US" dirty="0"/>
-          </a:p>
-        </p:txBody>
-      </p:sp>
-    </p:spTree>
-    <p:extLst>
-      <p:ext uri="{BB962C8B-B14F-4D97-AF65-F5344CB8AC3E}">
-        <p14:creationId xmlns:p14="http://schemas.microsoft.com/office/powerpoint/2010/main" val="764525553"/>
-      </p:ext>
-    </p:extLst>
-  </p:cSld>
-  <p:clrMapOvr>
-    <a:masterClrMapping/>
-  </p:clrMapOvr>
-</p:sld>
-</file>
-
-<file path=ppt/slides/slide5.xml><?xml version="1.0" encoding="utf-8"?>
-<p:sld xmlns:a="http://schemas.openxmlformats.org/drawingml/2006/main" xmlns:r="http://schemas.openxmlformats.org/officeDocument/2006/relationships" xmlns:p="http://schemas.openxmlformats.org/presentationml/2006/main">
-  <p:cSld>
-    <p:spTree>
-      <p:nvGrpSpPr>
-        <p:cNvPr id="1" name=""/>
-        <p:cNvGrpSpPr/>
-        <p:nvPr/>
-      </p:nvGrpSpPr>
-      <p:grpSpPr>
-        <a:xfrm>
-          <a:off x="0" y="0"/>
-          <a:ext cx="0" cy="0"/>
-          <a:chOff x="0" y="0"/>
-          <a:chExt cx="0" cy="0"/>
-        </a:xfrm>
-      </p:grpSpPr>
-      <p:sp>
-        <p:nvSpPr>
-          <p:cNvPr id="2" name="Title 1">
-            <a:extLst>
-              <a:ext uri="{FF2B5EF4-FFF2-40B4-BE49-F238E27FC236}">
-                <a16:creationId xmlns:a16="http://schemas.microsoft.com/office/drawing/2014/main" id="{573E737E-8EF4-48B3-9937-7787C41E3A2D}"/>
-              </a:ext>
-            </a:extLst>
-          </p:cNvPr>
-          <p:cNvSpPr>
-            <a:spLocks noGrp="1"/>
-          </p:cNvSpPr>
-          <p:nvPr>
-            <p:ph type="title"/>
-          </p:nvPr>
-        </p:nvSpPr>
-        <p:spPr/>
-        <p:txBody>
-          <a:bodyPr/>
-          <a:lstStyle/>
-          <a:p>
-            <a:r>
-              <a:rPr lang="en-US" b="1" dirty="0">
-                <a:solidFill>
-                  <a:schemeClr val="accent3"/>
-                </a:solidFill>
-                <a:effectLst>
-                  <a:outerShdw blurRad="38100" dist="38100" dir="2700000" algn="tl">
-                    <a:srgbClr val="000000">
-                      <a:alpha val="43137"/>
-                    </a:srgbClr>
-                  </a:outerShdw>
-                </a:effectLst>
-                <a:latin typeface="-apple-system"/>
-              </a:rPr>
               <a:t>Acceptance Criteria</a:t>
             </a:r>
             <a:br>
@@ -8620,13 +8636,13 @@
         </p:nvSpPr>
         <p:spPr>
           <a:xfrm>
-            <a:off x="1103311" y="1335640"/>
-            <a:ext cx="10352373" cy="5311740"/>
+            <a:off x="1103311" y="1150706"/>
+            <a:ext cx="10352373" cy="5496674"/>
           </a:xfrm>
         </p:spPr>
         <p:txBody>
           <a:bodyPr>
-            <a:normAutofit fontScale="32500" lnSpcReduction="20000"/>
+            <a:normAutofit fontScale="25000" lnSpcReduction="20000"/>
           </a:bodyPr>
           <a:lstStyle/>
           <a:p>
@@ -8635,7 +8651,7 @@
               <a:buChar char="•"/>
             </a:pPr>
             <a:r>
-              <a:rPr lang="en-US" sz="5500" dirty="0">
+              <a:rPr lang="en-US" sz="8000" dirty="0">
                 <a:solidFill>
                   <a:schemeClr val="tx1">
                     <a:lumMod val="95000"/>
@@ -8647,7 +8663,7 @@
               <a:t>The </a:t>
             </a:r>
             <a:r>
-              <a:rPr lang="en-US" sz="5500" dirty="0" err="1">
+              <a:rPr lang="en-US" sz="8000" dirty="0" err="1">
                 <a:solidFill>
                   <a:schemeClr val="tx1">
                     <a:lumMod val="95000"/>
@@ -8659,7 +8675,7 @@
               <a:t>Healthify</a:t>
             </a:r>
             <a:r>
-              <a:rPr lang="en-US" sz="5500" dirty="0">
+              <a:rPr lang="en-US" sz="8000" dirty="0">
                 <a:solidFill>
                   <a:schemeClr val="tx1">
                     <a:lumMod val="95000"/>
@@ -8671,7 +8687,7 @@
               <a:t>-NWMSU app will work on all devices like in all android devices ,an </a:t>
             </a:r>
             <a:r>
-              <a:rPr lang="en-US" sz="5500" dirty="0" err="1">
+              <a:rPr lang="en-US" sz="8000" dirty="0" err="1">
                 <a:solidFill>
                   <a:schemeClr val="tx1">
                     <a:lumMod val="95000"/>
@@ -8683,7 +8699,7 @@
               <a:t>iphone</a:t>
             </a:r>
             <a:r>
-              <a:rPr lang="en-US" sz="5500" dirty="0">
+              <a:rPr lang="en-US" sz="8000" dirty="0">
                 <a:solidFill>
                   <a:schemeClr val="tx1">
                     <a:lumMod val="95000"/>
@@ -8701,7 +8717,7 @@
               <a:buChar char="•"/>
             </a:pPr>
             <a:r>
-              <a:rPr lang="en-US" sz="5500" dirty="0">
+              <a:rPr lang="en-US" sz="8000" dirty="0">
                 <a:solidFill>
                   <a:schemeClr val="tx1">
                     <a:lumMod val="95000"/>
@@ -8710,31 +8726,7 @@
                 <a:latin typeface="Times New Roman" panose="02020603050405020304" pitchFamily="18" charset="0"/>
                 <a:cs typeface="Times New Roman" panose="02020603050405020304" pitchFamily="18" charset="0"/>
               </a:rPr>
-              <a:t>Admin is able to view and download all data entered by the user by just selecting the get data </a:t>
-            </a:r>
-            <a:r>
-              <a:rPr lang="en-US" sz="5500" dirty="0" err="1">
-                <a:solidFill>
-                  <a:schemeClr val="tx1">
-                    <a:lumMod val="95000"/>
-                  </a:schemeClr>
-                </a:solidFill>
-                <a:latin typeface="Times New Roman" panose="02020603050405020304" pitchFamily="18" charset="0"/>
-                <a:cs typeface="Times New Roman" panose="02020603050405020304" pitchFamily="18" charset="0"/>
-              </a:rPr>
-              <a:t>intoa</a:t>
-            </a:r>
-            <a:r>
-              <a:rPr lang="en-US" sz="5500" dirty="0">
-                <a:solidFill>
-                  <a:schemeClr val="tx1">
-                    <a:lumMod val="95000"/>
-                  </a:schemeClr>
-                </a:solidFill>
-                <a:latin typeface="Times New Roman" panose="02020603050405020304" pitchFamily="18" charset="0"/>
-                <a:cs typeface="Times New Roman" panose="02020603050405020304" pitchFamily="18" charset="0"/>
-              </a:rPr>
-              <a:t> file button.</a:t>
+              <a:t>Admin is able to view and download all data entered by the user by just selecting the get data into a file button.</a:t>
             </a:r>
           </a:p>
           <a:p>
@@ -8743,7 +8735,7 @@
               <a:buChar char="•"/>
             </a:pPr>
             <a:r>
-              <a:rPr lang="en-US" sz="5500" dirty="0">
+              <a:rPr lang="en-US" sz="8000" dirty="0">
                 <a:solidFill>
                   <a:schemeClr val="tx1">
                     <a:lumMod val="95000"/>
@@ -8761,7 +8753,7 @@
               <a:buChar char="•"/>
             </a:pPr>
             <a:r>
-              <a:rPr lang="en-US" sz="5500" dirty="0">
+              <a:rPr lang="en-US" sz="8000" dirty="0">
                 <a:solidFill>
                   <a:schemeClr val="tx1">
                     <a:lumMod val="95000"/>
@@ -8779,7 +8771,7 @@
               <a:buChar char="•"/>
             </a:pPr>
             <a:r>
-              <a:rPr lang="en-US" sz="5500" dirty="0">
+              <a:rPr lang="en-US" sz="8000" dirty="0">
                 <a:solidFill>
                   <a:schemeClr val="tx1">
                     <a:lumMod val="95000"/>
@@ -8797,7 +8789,7 @@
               <a:buChar char="•"/>
             </a:pPr>
             <a:r>
-              <a:rPr lang="en-US" sz="5500" dirty="0">
+              <a:rPr lang="en-US" sz="8000" dirty="0">
                 <a:solidFill>
                   <a:schemeClr val="tx1">
                     <a:lumMod val="95000"/>
@@ -8815,7 +8807,7 @@
               <a:buChar char="•"/>
             </a:pPr>
             <a:r>
-              <a:rPr lang="en-US" sz="5500" dirty="0">
+              <a:rPr lang="en-US" sz="8000" dirty="0">
                 <a:solidFill>
                   <a:schemeClr val="tx1">
                     <a:lumMod val="95000"/>
@@ -8824,31 +8816,7 @@
                 <a:latin typeface="Times New Roman" panose="02020603050405020304" pitchFamily="18" charset="0"/>
                 <a:cs typeface="Times New Roman" panose="02020603050405020304" pitchFamily="18" charset="0"/>
               </a:rPr>
-              <a:t>Users are able to accept or reject group </a:t>
-            </a:r>
-            <a:r>
-              <a:rPr lang="en-US" sz="5500" dirty="0" err="1">
-                <a:solidFill>
-                  <a:schemeClr val="tx1">
-                    <a:lumMod val="95000"/>
-                  </a:schemeClr>
-                </a:solidFill>
-                <a:latin typeface="Times New Roman" panose="02020603050405020304" pitchFamily="18" charset="0"/>
-                <a:cs typeface="Times New Roman" panose="02020603050405020304" pitchFamily="18" charset="0"/>
-              </a:rPr>
-              <a:t>assignents</a:t>
-            </a:r>
-            <a:r>
-              <a:rPr lang="en-US" sz="5500" dirty="0">
-                <a:solidFill>
-                  <a:schemeClr val="tx1">
-                    <a:lumMod val="95000"/>
-                  </a:schemeClr>
-                </a:solidFill>
-                <a:latin typeface="Times New Roman" panose="02020603050405020304" pitchFamily="18" charset="0"/>
-                <a:cs typeface="Times New Roman" panose="02020603050405020304" pitchFamily="18" charset="0"/>
-              </a:rPr>
-              <a:t> upon receiving mails from the admin invites.</a:t>
+              <a:t>Users are able to accept or reject group assignments upon receiving mails from the admin invites.</a:t>
             </a:r>
           </a:p>
           <a:p>
@@ -8857,7 +8825,7 @@
               <a:buChar char="•"/>
             </a:pPr>
             <a:r>
-              <a:rPr lang="en-US" sz="5500" dirty="0">
+              <a:rPr lang="en-US" sz="8000" dirty="0">
                 <a:solidFill>
                   <a:schemeClr val="tx1">
                     <a:lumMod val="95000"/>
@@ -8875,7 +8843,7 @@
               <a:buChar char="•"/>
             </a:pPr>
             <a:r>
-              <a:rPr lang="en-US" sz="5500" dirty="0">
+              <a:rPr lang="en-US" sz="8000" dirty="0">
                 <a:solidFill>
                   <a:schemeClr val="tx1">
                     <a:lumMod val="95000"/>
@@ -8893,7 +8861,7 @@
               <a:buChar char="•"/>
             </a:pPr>
             <a:r>
-              <a:rPr lang="en-US" sz="5500" dirty="0">
+              <a:rPr lang="en-US" sz="8000" dirty="0">
                 <a:solidFill>
                   <a:schemeClr val="tx1">
                     <a:lumMod val="95000"/>
@@ -8911,7 +8879,7 @@
               <a:buChar char="•"/>
             </a:pPr>
             <a:r>
-              <a:rPr lang="en-US" sz="5500" dirty="0">
+              <a:rPr lang="en-US" sz="8000" dirty="0">
                 <a:solidFill>
                   <a:schemeClr val="tx1">
                     <a:lumMod val="95000"/>
@@ -8929,25 +8897,7 @@
               <a:buChar char="•"/>
             </a:pPr>
             <a:r>
-              <a:rPr lang="en-US" sz="5500" dirty="0">
-                <a:solidFill>
-                  <a:schemeClr val="tx1">
-                    <a:lumMod val="95000"/>
-                  </a:schemeClr>
-                </a:solidFill>
-                <a:latin typeface="Times New Roman" panose="02020603050405020304" pitchFamily="18" charset="0"/>
-                <a:cs typeface="Times New Roman" panose="02020603050405020304" pitchFamily="18" charset="0"/>
-              </a:rPr>
-              <a:t>User can have a clear Clarity and Readability of application buttons.</a:t>
-            </a:r>
-          </a:p>
-          <a:p>
-            <a:pPr>
-              <a:buFont typeface="Arial" panose="020B0604020202020204" pitchFamily="34" charset="0"/>
-              <a:buChar char="•"/>
-            </a:pPr>
-            <a:r>
-              <a:rPr lang="en-US" sz="5500" dirty="0">
+              <a:rPr lang="en-US" sz="8000" dirty="0">
                 <a:solidFill>
                   <a:schemeClr val="tx1">
                     <a:lumMod val="95000"/>
@@ -8960,24 +8910,9 @@
             </a:r>
           </a:p>
           <a:p>
-            <a:pPr>
-              <a:buFont typeface="Arial" panose="020B0604020202020204" pitchFamily="34" charset="0"/>
-              <a:buChar char="•"/>
+            <a:pPr marL="0" indent="0">
+              <a:buNone/>
             </a:pPr>
-            <a:r>
-              <a:rPr lang="en-US" sz="5500" dirty="0">
-                <a:solidFill>
-                  <a:schemeClr val="tx1">
-                    <a:lumMod val="95000"/>
-                  </a:schemeClr>
-                </a:solidFill>
-                <a:latin typeface="Times New Roman" panose="02020603050405020304" pitchFamily="18" charset="0"/>
-                <a:cs typeface="Times New Roman" panose="02020603050405020304" pitchFamily="18" charset="0"/>
-              </a:rPr>
-              <a:t>User can Distinguish the inactive buttons from active buttons.</a:t>
-            </a:r>
-          </a:p>
-          <a:p>
             <a:endParaRPr lang="en-US" dirty="0"/>
           </a:p>
         </p:txBody>
@@ -8995,7 +8930,7 @@
 </p:sld>
 </file>
 
-<file path=ppt/slides/slide6.xml><?xml version="1.0" encoding="utf-8"?>
+<file path=ppt/slides/slide5.xml><?xml version="1.0" encoding="utf-8"?>
 <p:sld xmlns:a="http://schemas.openxmlformats.org/drawingml/2006/main" xmlns:r="http://schemas.openxmlformats.org/officeDocument/2006/relationships" xmlns:p="http://schemas.openxmlformats.org/presentationml/2006/main">
   <p:cSld>
     <p:spTree>
@@ -9101,7 +9036,7 @@
 </p:sld>
 </file>
 
-<file path=ppt/slides/slide7.xml><?xml version="1.0" encoding="utf-8"?>
+<file path=ppt/slides/slide6.xml><?xml version="1.0" encoding="utf-8"?>
 <p:sld xmlns:a="http://schemas.openxmlformats.org/drawingml/2006/main" xmlns:r="http://schemas.openxmlformats.org/officeDocument/2006/relationships" xmlns:p="http://schemas.openxmlformats.org/presentationml/2006/main">
   <p:cSld>
     <p:spTree>
@@ -9207,7 +9142,7 @@
 </p:sld>
 </file>
 
-<file path=ppt/slides/slide8.xml><?xml version="1.0" encoding="utf-8"?>
+<file path=ppt/slides/slide7.xml><?xml version="1.0" encoding="utf-8"?>
 <p:sld xmlns:a="http://schemas.openxmlformats.org/drawingml/2006/main" xmlns:r="http://schemas.openxmlformats.org/officeDocument/2006/relationships" xmlns:p="http://schemas.openxmlformats.org/presentationml/2006/main">
   <p:cSld>
     <p:spTree>
@@ -9308,12 +9243,12 @@
         </p:spPr>
         <p:txBody>
           <a:bodyPr>
-            <a:normAutofit lnSpcReduction="10000"/>
+            <a:normAutofit/>
           </a:bodyPr>
           <a:lstStyle/>
           <a:p>
             <a:r>
-              <a:rPr lang="en-US" sz="2400" dirty="0">
+              <a:rPr lang="en-US" dirty="0">
                 <a:latin typeface="Times New Roman" panose="02020603050405020304" pitchFamily="18" charset="0"/>
                 <a:cs typeface="Times New Roman" panose="02020603050405020304" pitchFamily="18" charset="0"/>
               </a:rPr>
@@ -9322,7 +9257,7 @@
           </a:p>
           <a:p>
             <a:r>
-              <a:rPr lang="en-US" sz="2400" dirty="0">
+              <a:rPr lang="en-US" dirty="0">
                 <a:latin typeface="Times New Roman" panose="02020603050405020304" pitchFamily="18" charset="0"/>
                 <a:cs typeface="Times New Roman" panose="02020603050405020304" pitchFamily="18" charset="0"/>
               </a:rPr>
@@ -9331,7 +9266,7 @@
           </a:p>
           <a:p>
             <a:r>
-              <a:rPr lang="en-US" sz="2400" dirty="0">
+              <a:rPr lang="en-US" dirty="0">
                 <a:latin typeface="Times New Roman" panose="02020603050405020304" pitchFamily="18" charset="0"/>
                 <a:cs typeface="Times New Roman" panose="02020603050405020304" pitchFamily="18" charset="0"/>
               </a:rPr>
@@ -9340,7 +9275,7 @@
           </a:p>
           <a:p>
             <a:r>
-              <a:rPr lang="en-US" sz="2400" dirty="0">
+              <a:rPr lang="en-US" dirty="0">
                 <a:latin typeface="Times New Roman" panose="02020603050405020304" pitchFamily="18" charset="0"/>
                 <a:cs typeface="Times New Roman" panose="02020603050405020304" pitchFamily="18" charset="0"/>
               </a:rPr>
@@ -9349,7 +9284,7 @@
           </a:p>
           <a:p>
             <a:r>
-              <a:rPr lang="en-US" sz="2400" dirty="0">
+              <a:rPr lang="en-US" dirty="0">
                 <a:latin typeface="Times New Roman" panose="02020603050405020304" pitchFamily="18" charset="0"/>
                 <a:cs typeface="Times New Roman" panose="02020603050405020304" pitchFamily="18" charset="0"/>
               </a:rPr>
@@ -9358,7 +9293,7 @@
           </a:p>
           <a:p>
             <a:r>
-              <a:rPr lang="en-US" sz="2400" dirty="0">
+              <a:rPr lang="en-US" dirty="0">
                 <a:latin typeface="Times New Roman" panose="02020603050405020304" pitchFamily="18" charset="0"/>
                 <a:cs typeface="Times New Roman" panose="02020603050405020304" pitchFamily="18" charset="0"/>
               </a:rPr>
@@ -9367,7 +9302,7 @@
           </a:p>
           <a:p>
             <a:r>
-              <a:rPr lang="en-US" sz="2400" dirty="0">
+              <a:rPr lang="en-US" dirty="0">
                 <a:latin typeface="Times New Roman" panose="02020603050405020304" pitchFamily="18" charset="0"/>
                 <a:cs typeface="Times New Roman" panose="02020603050405020304" pitchFamily="18" charset="0"/>
               </a:rPr>
@@ -9376,7 +9311,7 @@
           </a:p>
           <a:p>
             <a:r>
-              <a:rPr lang="en-US" sz="2400" dirty="0">
+              <a:rPr lang="en-US" dirty="0">
                 <a:latin typeface="Times New Roman" panose="02020603050405020304" pitchFamily="18" charset="0"/>
                 <a:cs typeface="Times New Roman" panose="02020603050405020304" pitchFamily="18" charset="0"/>
               </a:rPr>
@@ -9385,7 +9320,7 @@
           </a:p>
           <a:p>
             <a:r>
-              <a:rPr lang="en-US" sz="2400" dirty="0">
+              <a:rPr lang="en-US" dirty="0">
                 <a:latin typeface="Times New Roman" panose="02020603050405020304" pitchFamily="18" charset="0"/>
                 <a:cs typeface="Times New Roman" panose="02020603050405020304" pitchFamily="18" charset="0"/>
               </a:rPr>
@@ -9394,7 +9329,7 @@
           </a:p>
           <a:p>
             <a:r>
-              <a:rPr lang="en-US" sz="2400" dirty="0">
+              <a:rPr lang="en-US" dirty="0">
                 <a:latin typeface="Times New Roman" panose="02020603050405020304" pitchFamily="18" charset="0"/>
                 <a:cs typeface="Times New Roman" panose="02020603050405020304" pitchFamily="18" charset="0"/>
               </a:rPr>
@@ -9419,7 +9354,7 @@
 </p:sld>
 </file>
 
-<file path=ppt/slides/slide9.xml><?xml version="1.0" encoding="utf-8"?>
+<file path=ppt/slides/slide8.xml><?xml version="1.0" encoding="utf-8"?>
 <p:sld xmlns:a="http://schemas.openxmlformats.org/drawingml/2006/main" xmlns:r="http://schemas.openxmlformats.org/officeDocument/2006/relationships" xmlns:p="http://schemas.openxmlformats.org/presentationml/2006/main">
   <p:cSld>
     <p:spTree>
@@ -9609,6 +9544,196 @@
     <p:extLst>
       <p:ext uri="{BB962C8B-B14F-4D97-AF65-F5344CB8AC3E}">
         <p14:creationId xmlns:p14="http://schemas.microsoft.com/office/powerpoint/2010/main" val="212726881"/>
+      </p:ext>
+    </p:extLst>
+  </p:cSld>
+  <p:clrMapOvr>
+    <a:masterClrMapping/>
+  </p:clrMapOvr>
+</p:sld>
+</file>
+
+<file path=ppt/slides/slide9.xml><?xml version="1.0" encoding="utf-8"?>
+<p:sld xmlns:a="http://schemas.openxmlformats.org/drawingml/2006/main" xmlns:r="http://schemas.openxmlformats.org/officeDocument/2006/relationships" xmlns:p="http://schemas.openxmlformats.org/presentationml/2006/main">
+  <p:cSld>
+    <p:spTree>
+      <p:nvGrpSpPr>
+        <p:cNvPr id="1" name=""/>
+        <p:cNvGrpSpPr/>
+        <p:nvPr/>
+      </p:nvGrpSpPr>
+      <p:grpSpPr>
+        <a:xfrm>
+          <a:off x="0" y="0"/>
+          <a:ext cx="0" cy="0"/>
+          <a:chOff x="0" y="0"/>
+          <a:chExt cx="0" cy="0"/>
+        </a:xfrm>
+      </p:grpSpPr>
+      <p:sp>
+        <p:nvSpPr>
+          <p:cNvPr id="2" name="Title 1">
+            <a:extLst>
+              <a:ext uri="{FF2B5EF4-FFF2-40B4-BE49-F238E27FC236}">
+                <a16:creationId xmlns:a16="http://schemas.microsoft.com/office/drawing/2014/main" id="{EE86DD78-E9CE-490E-88B1-0385B046D747}"/>
+              </a:ext>
+            </a:extLst>
+          </p:cNvPr>
+          <p:cNvSpPr>
+            <a:spLocks noGrp="1"/>
+          </p:cNvSpPr>
+          <p:nvPr>
+            <p:ph type="title"/>
+          </p:nvPr>
+        </p:nvSpPr>
+        <p:spPr/>
+        <p:txBody>
+          <a:bodyPr/>
+          <a:lstStyle/>
+          <a:p>
+            <a:r>
+              <a:rPr lang="en-US" b="1" dirty="0">
+                <a:solidFill>
+                  <a:schemeClr val="accent3"/>
+                </a:solidFill>
+                <a:effectLst>
+                  <a:outerShdw blurRad="38100" dist="38100" dir="2700000" algn="tl">
+                    <a:srgbClr val="000000">
+                      <a:alpha val="43137"/>
+                    </a:srgbClr>
+                  </a:outerShdw>
+                </a:effectLst>
+                <a:latin typeface="Times New Roman" panose="02020603050405020304" pitchFamily="18" charset="0"/>
+                <a:cs typeface="Times New Roman" panose="02020603050405020304" pitchFamily="18" charset="0"/>
+              </a:rPr>
+              <a:t>Screens of UI Sketches</a:t>
+            </a:r>
+            <a:endParaRPr lang="en-US" b="1" dirty="0">
+              <a:solidFill>
+                <a:schemeClr val="accent3"/>
+              </a:solidFill>
+              <a:effectLst>
+                <a:outerShdw blurRad="38100" dist="38100" dir="2700000" algn="tl">
+                  <a:srgbClr val="000000">
+                    <a:alpha val="43137"/>
+                  </a:srgbClr>
+                </a:outerShdw>
+              </a:effectLst>
+            </a:endParaRPr>
+          </a:p>
+        </p:txBody>
+      </p:sp>
+      <p:pic>
+        <p:nvPicPr>
+          <p:cNvPr id="5" name="Content Placeholder 4" descr="A screenshot of a cell phone&#10;&#10;Description automatically generated">
+            <a:extLst>
+              <a:ext uri="{FF2B5EF4-FFF2-40B4-BE49-F238E27FC236}">
+                <a16:creationId xmlns:a16="http://schemas.microsoft.com/office/drawing/2014/main" id="{3C2846B6-CBD7-4174-A78E-EB0295F266B7}"/>
+              </a:ext>
+            </a:extLst>
+          </p:cNvPr>
+          <p:cNvPicPr>
+            <a:picLocks noGrp="1" noChangeAspect="1"/>
+          </p:cNvPicPr>
+          <p:nvPr>
+            <p:ph idx="1"/>
+          </p:nvPr>
+        </p:nvPicPr>
+        <p:blipFill>
+          <a:blip r:embed="rId2">
+            <a:extLst>
+              <a:ext uri="{28A0092B-C50C-407E-A947-70E740481C1C}">
+                <a14:useLocalDpi xmlns:a14="http://schemas.microsoft.com/office/drawing/2010/main" val="0"/>
+              </a:ext>
+            </a:extLst>
+          </a:blip>
+          <a:stretch>
+            <a:fillRect/>
+          </a:stretch>
+        </p:blipFill>
+        <p:spPr>
+          <a:xfrm>
+            <a:off x="4714634" y="1348202"/>
+            <a:ext cx="2821552" cy="5323091"/>
+          </a:xfrm>
+        </p:spPr>
+      </p:pic>
+      <p:pic>
+        <p:nvPicPr>
+          <p:cNvPr id="7" name="Picture 6" descr="A screenshot of a cell phone&#10;&#10;Description automatically generated">
+            <a:extLst>
+              <a:ext uri="{FF2B5EF4-FFF2-40B4-BE49-F238E27FC236}">
+                <a16:creationId xmlns:a16="http://schemas.microsoft.com/office/drawing/2014/main" id="{BCDB2B0F-E630-4116-889C-BF24E926A169}"/>
+              </a:ext>
+            </a:extLst>
+          </p:cNvPr>
+          <p:cNvPicPr>
+            <a:picLocks noChangeAspect="1"/>
+          </p:cNvPicPr>
+          <p:nvPr/>
+        </p:nvPicPr>
+        <p:blipFill>
+          <a:blip r:embed="rId3">
+            <a:extLst>
+              <a:ext uri="{28A0092B-C50C-407E-A947-70E740481C1C}">
+                <a14:useLocalDpi xmlns:a14="http://schemas.microsoft.com/office/drawing/2010/main" val="0"/>
+              </a:ext>
+            </a:extLst>
+          </a:blip>
+          <a:stretch>
+            <a:fillRect/>
+          </a:stretch>
+        </p:blipFill>
+        <p:spPr>
+          <a:xfrm>
+            <a:off x="8279222" y="1348201"/>
+            <a:ext cx="2916184" cy="5323092"/>
+          </a:xfrm>
+          <a:prstGeom prst="rect">
+            <a:avLst/>
+          </a:prstGeom>
+        </p:spPr>
+      </p:pic>
+      <p:pic>
+        <p:nvPicPr>
+          <p:cNvPr id="6" name="Picture 5" descr="A screenshot of a cell phone&#10;&#10;Description automatically generated">
+            <a:extLst>
+              <a:ext uri="{FF2B5EF4-FFF2-40B4-BE49-F238E27FC236}">
+                <a16:creationId xmlns:a16="http://schemas.microsoft.com/office/drawing/2014/main" id="{BC02AB21-A8B2-431B-B6C0-5A214AE639C7}"/>
+              </a:ext>
+            </a:extLst>
+          </p:cNvPr>
+          <p:cNvPicPr>
+            <a:picLocks noChangeAspect="1"/>
+          </p:cNvPicPr>
+          <p:nvPr/>
+        </p:nvPicPr>
+        <p:blipFill>
+          <a:blip r:embed="rId4">
+            <a:extLst>
+              <a:ext uri="{28A0092B-C50C-407E-A947-70E740481C1C}">
+                <a14:useLocalDpi xmlns:a14="http://schemas.microsoft.com/office/drawing/2010/main" val="0"/>
+              </a:ext>
+            </a:extLst>
+          </a:blip>
+          <a:stretch>
+            <a:fillRect/>
+          </a:stretch>
+        </p:blipFill>
+        <p:spPr>
+          <a:xfrm>
+            <a:off x="996594" y="1395092"/>
+            <a:ext cx="2821552" cy="5276201"/>
+          </a:xfrm>
+          <a:prstGeom prst="rect">
+            <a:avLst/>
+          </a:prstGeom>
+        </p:spPr>
+      </p:pic>
+    </p:spTree>
+    <p:extLst>
+      <p:ext uri="{BB962C8B-B14F-4D97-AF65-F5344CB8AC3E}">
+        <p14:creationId xmlns:p14="http://schemas.microsoft.com/office/powerpoint/2010/main" val="971212024"/>
       </p:ext>
     </p:extLst>
   </p:cSld>

--- a/Healthify-NWMSU.pptx
+++ b/Healthify-NWMSU.pptx
@@ -9247,94 +9247,92 @@
           </a:bodyPr>
           <a:lstStyle/>
           <a:p>
+            <a:pPr fontAlgn="base"/>
             <a:r>
               <a:rPr lang="en-US" dirty="0">
                 <a:latin typeface="Times New Roman" panose="02020603050405020304" pitchFamily="18" charset="0"/>
                 <a:cs typeface="Times New Roman" panose="02020603050405020304" pitchFamily="18" charset="0"/>
               </a:rPr>
-              <a:t>Choose your app name</a:t>
-            </a:r>
-          </a:p>
-          <a:p>
+              <a:t>The text narrative or user story</a:t>
+            </a:r>
+          </a:p>
+          <a:p>
+            <a:pPr fontAlgn="base"/>
             <a:r>
               <a:rPr lang="en-US" dirty="0">
                 <a:latin typeface="Times New Roman" panose="02020603050405020304" pitchFamily="18" charset="0"/>
                 <a:cs typeface="Times New Roman" panose="02020603050405020304" pitchFamily="18" charset="0"/>
               </a:rPr>
-              <a:t>Select a color scheme</a:t>
-            </a:r>
-          </a:p>
-          <a:p>
+              <a:t>Project scope</a:t>
+            </a:r>
+          </a:p>
+          <a:p>
+            <a:pPr fontAlgn="base"/>
             <a:r>
               <a:rPr lang="en-US" dirty="0">
                 <a:latin typeface="Times New Roman" panose="02020603050405020304" pitchFamily="18" charset="0"/>
                 <a:cs typeface="Times New Roman" panose="02020603050405020304" pitchFamily="18" charset="0"/>
               </a:rPr>
-              <a:t>Customize your app design</a:t>
-            </a:r>
-          </a:p>
-          <a:p>
+              <a:t>Technical specifications</a:t>
+            </a:r>
+          </a:p>
+          <a:p>
+            <a:pPr fontAlgn="base"/>
             <a:r>
               <a:rPr lang="en-US" dirty="0">
                 <a:latin typeface="Times New Roman" panose="02020603050405020304" pitchFamily="18" charset="0"/>
                 <a:cs typeface="Times New Roman" panose="02020603050405020304" pitchFamily="18" charset="0"/>
               </a:rPr>
-              <a:t>Choose the right test device</a:t>
-            </a:r>
-          </a:p>
-          <a:p>
+              <a:t>Sketches</a:t>
+            </a:r>
+          </a:p>
+          <a:p>
+            <a:pPr fontAlgn="base"/>
             <a:r>
               <a:rPr lang="en-US" dirty="0">
                 <a:latin typeface="Times New Roman" panose="02020603050405020304" pitchFamily="18" charset="0"/>
                 <a:cs typeface="Times New Roman" panose="02020603050405020304" pitchFamily="18" charset="0"/>
               </a:rPr>
-              <a:t>Install the app on your device</a:t>
-            </a:r>
-          </a:p>
-          <a:p>
+              <a:t>Asset creation</a:t>
+            </a:r>
+          </a:p>
+          <a:p>
+            <a:pPr fontAlgn="base"/>
             <a:r>
               <a:rPr lang="en-US" dirty="0">
                 <a:latin typeface="Times New Roman" panose="02020603050405020304" pitchFamily="18" charset="0"/>
                 <a:cs typeface="Times New Roman" panose="02020603050405020304" pitchFamily="18" charset="0"/>
               </a:rPr>
-              <a:t>Add the features you want (Key Section)</a:t>
-            </a:r>
-          </a:p>
-          <a:p>
-            <a:r>
-              <a:rPr lang="en-US" dirty="0">
+              <a:t>Putting everything together in a workflow document(Jira).</a:t>
+            </a:r>
+          </a:p>
+          <a:p>
+            <a:pPr fontAlgn="base"/>
+            <a:r>
+              <a:rPr lang="en-US" dirty="0" err="1">
                 <a:latin typeface="Times New Roman" panose="02020603050405020304" pitchFamily="18" charset="0"/>
                 <a:cs typeface="Times New Roman" panose="02020603050405020304" pitchFamily="18" charset="0"/>
               </a:rPr>
-              <a:t>Test, test, and test before the launch</a:t>
-            </a:r>
-          </a:p>
-          <a:p>
-            <a:r>
-              <a:rPr lang="en-US" dirty="0">
+              <a:t>FluidUI</a:t>
+            </a:r>
+            <a:endParaRPr lang="en-US" dirty="0">
+              <a:latin typeface="Times New Roman" panose="02020603050405020304" pitchFamily="18" charset="0"/>
+              <a:cs typeface="Times New Roman" panose="02020603050405020304" pitchFamily="18" charset="0"/>
+            </a:endParaRPr>
+          </a:p>
+          <a:p>
+            <a:pPr fontAlgn="base"/>
+            <a:r>
+              <a:rPr lang="en-US" dirty="0" err="1">
                 <a:latin typeface="Times New Roman" panose="02020603050405020304" pitchFamily="18" charset="0"/>
                 <a:cs typeface="Times New Roman" panose="02020603050405020304" pitchFamily="18" charset="0"/>
               </a:rPr>
-              <a:t>Publish your app</a:t>
-            </a:r>
-          </a:p>
-          <a:p>
-            <a:r>
-              <a:rPr lang="en-US" dirty="0">
-                <a:latin typeface="Times New Roman" panose="02020603050405020304" pitchFamily="18" charset="0"/>
-                <a:cs typeface="Times New Roman" panose="02020603050405020304" pitchFamily="18" charset="0"/>
-              </a:rPr>
-              <a:t>Promote your app</a:t>
-            </a:r>
-          </a:p>
-          <a:p>
-            <a:r>
-              <a:rPr lang="en-US" dirty="0">
-                <a:latin typeface="Times New Roman" panose="02020603050405020304" pitchFamily="18" charset="0"/>
-                <a:cs typeface="Times New Roman" panose="02020603050405020304" pitchFamily="18" charset="0"/>
-              </a:rPr>
-              <a:t>Ask your users for feedback</a:t>
-            </a:r>
+              <a:t>Github</a:t>
+            </a:r>
+            <a:endParaRPr lang="en-US" dirty="0">
+              <a:latin typeface="Times New Roman" panose="02020603050405020304" pitchFamily="18" charset="0"/>
+              <a:cs typeface="Times New Roman" panose="02020603050405020304" pitchFamily="18" charset="0"/>
+            </a:endParaRPr>
           </a:p>
           <a:p>
             <a:endParaRPr lang="en-US" dirty="0"/>

--- a/Healthify-NWMSU.pptx
+++ b/Healthify-NWMSU.pptx
@@ -2,8 +2,11 @@
 <file path=ppt/presentation.xml><?xml version="1.0" encoding="utf-8"?>
 <p:presentation xmlns:a="http://schemas.openxmlformats.org/drawingml/2006/main" xmlns:r="http://schemas.openxmlformats.org/officeDocument/2006/relationships" xmlns:p="http://schemas.openxmlformats.org/presentationml/2006/main" saveSubsetFonts="1">
   <p:sldMasterIdLst>
-    <p:sldMasterId id="2147483689" r:id="rId1"/>
+    <p:sldMasterId id="2147484073" r:id="rId1"/>
   </p:sldMasterIdLst>
+  <p:notesMasterIdLst>
+    <p:notesMasterId r:id="rId15"/>
+  </p:notesMasterIdLst>
   <p:sldIdLst>
     <p:sldId id="256" r:id="rId2"/>
     <p:sldId id="257" r:id="rId3"/>
@@ -124,8 +127,357 @@
 </p:presentation>
 </file>
 
+<file path=ppt/notesMasters/notesMaster1.xml><?xml version="1.0" encoding="utf-8"?>
+<p:notesMaster xmlns:a="http://schemas.openxmlformats.org/drawingml/2006/main" xmlns:r="http://schemas.openxmlformats.org/officeDocument/2006/relationships" xmlns:p="http://schemas.openxmlformats.org/presentationml/2006/main">
+  <p:cSld>
+    <p:bg>
+      <p:bgRef idx="1001">
+        <a:schemeClr val="bg1"/>
+      </p:bgRef>
+    </p:bg>
+    <p:spTree>
+      <p:nvGrpSpPr>
+        <p:cNvPr id="1" name=""/>
+        <p:cNvGrpSpPr/>
+        <p:nvPr/>
+      </p:nvGrpSpPr>
+      <p:grpSpPr>
+        <a:xfrm>
+          <a:off x="0" y="0"/>
+          <a:ext cx="0" cy="0"/>
+          <a:chOff x="0" y="0"/>
+          <a:chExt cx="0" cy="0"/>
+        </a:xfrm>
+      </p:grpSpPr>
+      <p:sp>
+        <p:nvSpPr>
+          <p:cNvPr id="2" name="Header Placeholder 1"/>
+          <p:cNvSpPr>
+            <a:spLocks noGrp="1"/>
+          </p:cNvSpPr>
+          <p:nvPr>
+            <p:ph type="hdr" sz="quarter"/>
+          </p:nvPr>
+        </p:nvSpPr>
+        <p:spPr>
+          <a:xfrm>
+            <a:off x="0" y="0"/>
+            <a:ext cx="2971800" cy="458788"/>
+          </a:xfrm>
+          <a:prstGeom prst="rect">
+            <a:avLst/>
+          </a:prstGeom>
+        </p:spPr>
+        <p:txBody>
+          <a:bodyPr vert="horz" lIns="91440" tIns="45720" rIns="91440" bIns="45720" rtlCol="0"/>
+          <a:lstStyle>
+            <a:lvl1pPr algn="l">
+              <a:defRPr sz="1200"/>
+            </a:lvl1pPr>
+          </a:lstStyle>
+          <a:p>
+            <a:endParaRPr lang="en-US"/>
+          </a:p>
+        </p:txBody>
+      </p:sp>
+      <p:sp>
+        <p:nvSpPr>
+          <p:cNvPr id="3" name="Date Placeholder 2"/>
+          <p:cNvSpPr>
+            <a:spLocks noGrp="1"/>
+          </p:cNvSpPr>
+          <p:nvPr>
+            <p:ph type="dt" idx="1"/>
+          </p:nvPr>
+        </p:nvSpPr>
+        <p:spPr>
+          <a:xfrm>
+            <a:off x="3884613" y="0"/>
+            <a:ext cx="2971800" cy="458788"/>
+          </a:xfrm>
+          <a:prstGeom prst="rect">
+            <a:avLst/>
+          </a:prstGeom>
+        </p:spPr>
+        <p:txBody>
+          <a:bodyPr vert="horz" lIns="91440" tIns="45720" rIns="91440" bIns="45720" rtlCol="0"/>
+          <a:lstStyle>
+            <a:lvl1pPr algn="r">
+              <a:defRPr sz="1200"/>
+            </a:lvl1pPr>
+          </a:lstStyle>
+          <a:p>
+            <a:fld id="{47668349-CA56-4ADD-94D4-8C9AF5942285}" type="datetimeFigureOut">
+              <a:rPr lang="en-US" smtClean="0"/>
+              <a:t>9/1/2020</a:t>
+            </a:fld>
+            <a:endParaRPr lang="en-US"/>
+          </a:p>
+        </p:txBody>
+      </p:sp>
+      <p:sp>
+        <p:nvSpPr>
+          <p:cNvPr id="4" name="Slide Image Placeholder 3"/>
+          <p:cNvSpPr>
+            <a:spLocks noGrp="1" noRot="1" noChangeAspect="1"/>
+          </p:cNvSpPr>
+          <p:nvPr>
+            <p:ph type="sldImg" idx="2"/>
+          </p:nvPr>
+        </p:nvSpPr>
+        <p:spPr>
+          <a:xfrm>
+            <a:off x="685800" y="1143000"/>
+            <a:ext cx="5486400" cy="3086100"/>
+          </a:xfrm>
+          <a:prstGeom prst="rect">
+            <a:avLst/>
+          </a:prstGeom>
+          <a:noFill/>
+          <a:ln w="12700">
+            <a:solidFill>
+              <a:prstClr val="black"/>
+            </a:solidFill>
+          </a:ln>
+        </p:spPr>
+        <p:txBody>
+          <a:bodyPr vert="horz" lIns="91440" tIns="45720" rIns="91440" bIns="45720" rtlCol="0" anchor="ctr"/>
+          <a:lstStyle/>
+          <a:p>
+            <a:endParaRPr lang="en-US"/>
+          </a:p>
+        </p:txBody>
+      </p:sp>
+      <p:sp>
+        <p:nvSpPr>
+          <p:cNvPr id="5" name="Notes Placeholder 4"/>
+          <p:cNvSpPr>
+            <a:spLocks noGrp="1"/>
+          </p:cNvSpPr>
+          <p:nvPr>
+            <p:ph type="body" sz="quarter" idx="3"/>
+          </p:nvPr>
+        </p:nvSpPr>
+        <p:spPr>
+          <a:xfrm>
+            <a:off x="685800" y="4400550"/>
+            <a:ext cx="5486400" cy="3600450"/>
+          </a:xfrm>
+          <a:prstGeom prst="rect">
+            <a:avLst/>
+          </a:prstGeom>
+        </p:spPr>
+        <p:txBody>
+          <a:bodyPr vert="horz" lIns="91440" tIns="45720" rIns="91440" bIns="45720" rtlCol="0"/>
+          <a:lstStyle/>
+          <a:p>
+            <a:pPr lvl="0"/>
+            <a:r>
+              <a:rPr lang="en-US"/>
+              <a:t>Click to edit Master text styles</a:t>
+            </a:r>
+          </a:p>
+          <a:p>
+            <a:pPr lvl="1"/>
+            <a:r>
+              <a:rPr lang="en-US"/>
+              <a:t>Second level</a:t>
+            </a:r>
+          </a:p>
+          <a:p>
+            <a:pPr lvl="2"/>
+            <a:r>
+              <a:rPr lang="en-US"/>
+              <a:t>Third level</a:t>
+            </a:r>
+          </a:p>
+          <a:p>
+            <a:pPr lvl="3"/>
+            <a:r>
+              <a:rPr lang="en-US"/>
+              <a:t>Fourth level</a:t>
+            </a:r>
+          </a:p>
+          <a:p>
+            <a:pPr lvl="4"/>
+            <a:r>
+              <a:rPr lang="en-US"/>
+              <a:t>Fifth level</a:t>
+            </a:r>
+          </a:p>
+        </p:txBody>
+      </p:sp>
+      <p:sp>
+        <p:nvSpPr>
+          <p:cNvPr id="6" name="Footer Placeholder 5"/>
+          <p:cNvSpPr>
+            <a:spLocks noGrp="1"/>
+          </p:cNvSpPr>
+          <p:nvPr>
+            <p:ph type="ftr" sz="quarter" idx="4"/>
+          </p:nvPr>
+        </p:nvSpPr>
+        <p:spPr>
+          <a:xfrm>
+            <a:off x="0" y="8685213"/>
+            <a:ext cx="2971800" cy="458787"/>
+          </a:xfrm>
+          <a:prstGeom prst="rect">
+            <a:avLst/>
+          </a:prstGeom>
+        </p:spPr>
+        <p:txBody>
+          <a:bodyPr vert="horz" lIns="91440" tIns="45720" rIns="91440" bIns="45720" rtlCol="0" anchor="b"/>
+          <a:lstStyle>
+            <a:lvl1pPr algn="l">
+              <a:defRPr sz="1200"/>
+            </a:lvl1pPr>
+          </a:lstStyle>
+          <a:p>
+            <a:endParaRPr lang="en-US"/>
+          </a:p>
+        </p:txBody>
+      </p:sp>
+      <p:sp>
+        <p:nvSpPr>
+          <p:cNvPr id="7" name="Slide Number Placeholder 6"/>
+          <p:cNvSpPr>
+            <a:spLocks noGrp="1"/>
+          </p:cNvSpPr>
+          <p:nvPr>
+            <p:ph type="sldNum" sz="quarter" idx="5"/>
+          </p:nvPr>
+        </p:nvSpPr>
+        <p:spPr>
+          <a:xfrm>
+            <a:off x="3884613" y="8685213"/>
+            <a:ext cx="2971800" cy="458787"/>
+          </a:xfrm>
+          <a:prstGeom prst="rect">
+            <a:avLst/>
+          </a:prstGeom>
+        </p:spPr>
+        <p:txBody>
+          <a:bodyPr vert="horz" lIns="91440" tIns="45720" rIns="91440" bIns="45720" rtlCol="0" anchor="b"/>
+          <a:lstStyle>
+            <a:lvl1pPr algn="r">
+              <a:defRPr sz="1200"/>
+            </a:lvl1pPr>
+          </a:lstStyle>
+          <a:p>
+            <a:fld id="{73F6A049-BFC5-4E55-BE9C-6DC1F17A3050}" type="slidenum">
+              <a:rPr lang="en-US" smtClean="0"/>
+              <a:t>‹#›</a:t>
+            </a:fld>
+            <a:endParaRPr lang="en-US"/>
+          </a:p>
+        </p:txBody>
+      </p:sp>
+    </p:spTree>
+    <p:extLst>
+      <p:ext uri="{BB962C8B-B14F-4D97-AF65-F5344CB8AC3E}">
+        <p14:creationId xmlns:p14="http://schemas.microsoft.com/office/powerpoint/2010/main" val="3111084812"/>
+      </p:ext>
+    </p:extLst>
+  </p:cSld>
+  <p:clrMap bg1="lt1" tx1="dk1" bg2="lt2" tx2="dk2" accent1="accent1" accent2="accent2" accent3="accent3" accent4="accent4" accent5="accent5" accent6="accent6" hlink="hlink" folHlink="folHlink"/>
+  <p:notesStyle>
+    <a:lvl1pPr marL="0" algn="l" defTabSz="914400" rtl="0" eaLnBrk="1" latinLnBrk="0" hangingPunct="1">
+      <a:defRPr sz="1200" kern="1200">
+        <a:solidFill>
+          <a:schemeClr val="tx1"/>
+        </a:solidFill>
+        <a:latin typeface="+mn-lt"/>
+        <a:ea typeface="+mn-ea"/>
+        <a:cs typeface="+mn-cs"/>
+      </a:defRPr>
+    </a:lvl1pPr>
+    <a:lvl2pPr marL="457200" algn="l" defTabSz="914400" rtl="0" eaLnBrk="1" latinLnBrk="0" hangingPunct="1">
+      <a:defRPr sz="1200" kern="1200">
+        <a:solidFill>
+          <a:schemeClr val="tx1"/>
+        </a:solidFill>
+        <a:latin typeface="+mn-lt"/>
+        <a:ea typeface="+mn-ea"/>
+        <a:cs typeface="+mn-cs"/>
+      </a:defRPr>
+    </a:lvl2pPr>
+    <a:lvl3pPr marL="914400" algn="l" defTabSz="914400" rtl="0" eaLnBrk="1" latinLnBrk="0" hangingPunct="1">
+      <a:defRPr sz="1200" kern="1200">
+        <a:solidFill>
+          <a:schemeClr val="tx1"/>
+        </a:solidFill>
+        <a:latin typeface="+mn-lt"/>
+        <a:ea typeface="+mn-ea"/>
+        <a:cs typeface="+mn-cs"/>
+      </a:defRPr>
+    </a:lvl3pPr>
+    <a:lvl4pPr marL="1371600" algn="l" defTabSz="914400" rtl="0" eaLnBrk="1" latinLnBrk="0" hangingPunct="1">
+      <a:defRPr sz="1200" kern="1200">
+        <a:solidFill>
+          <a:schemeClr val="tx1"/>
+        </a:solidFill>
+        <a:latin typeface="+mn-lt"/>
+        <a:ea typeface="+mn-ea"/>
+        <a:cs typeface="+mn-cs"/>
+      </a:defRPr>
+    </a:lvl4pPr>
+    <a:lvl5pPr marL="1828800" algn="l" defTabSz="914400" rtl="0" eaLnBrk="1" latinLnBrk="0" hangingPunct="1">
+      <a:defRPr sz="1200" kern="1200">
+        <a:solidFill>
+          <a:schemeClr val="tx1"/>
+        </a:solidFill>
+        <a:latin typeface="+mn-lt"/>
+        <a:ea typeface="+mn-ea"/>
+        <a:cs typeface="+mn-cs"/>
+      </a:defRPr>
+    </a:lvl5pPr>
+    <a:lvl6pPr marL="2286000" algn="l" defTabSz="914400" rtl="0" eaLnBrk="1" latinLnBrk="0" hangingPunct="1">
+      <a:defRPr sz="1200" kern="1200">
+        <a:solidFill>
+          <a:schemeClr val="tx1"/>
+        </a:solidFill>
+        <a:latin typeface="+mn-lt"/>
+        <a:ea typeface="+mn-ea"/>
+        <a:cs typeface="+mn-cs"/>
+      </a:defRPr>
+    </a:lvl6pPr>
+    <a:lvl7pPr marL="2743200" algn="l" defTabSz="914400" rtl="0" eaLnBrk="1" latinLnBrk="0" hangingPunct="1">
+      <a:defRPr sz="1200" kern="1200">
+        <a:solidFill>
+          <a:schemeClr val="tx1"/>
+        </a:solidFill>
+        <a:latin typeface="+mn-lt"/>
+        <a:ea typeface="+mn-ea"/>
+        <a:cs typeface="+mn-cs"/>
+      </a:defRPr>
+    </a:lvl7pPr>
+    <a:lvl8pPr marL="3200400" algn="l" defTabSz="914400" rtl="0" eaLnBrk="1" latinLnBrk="0" hangingPunct="1">
+      <a:defRPr sz="1200" kern="1200">
+        <a:solidFill>
+          <a:schemeClr val="tx1"/>
+        </a:solidFill>
+        <a:latin typeface="+mn-lt"/>
+        <a:ea typeface="+mn-ea"/>
+        <a:cs typeface="+mn-cs"/>
+      </a:defRPr>
+    </a:lvl8pPr>
+    <a:lvl9pPr marL="3657600" algn="l" defTabSz="914400" rtl="0" eaLnBrk="1" latinLnBrk="0" hangingPunct="1">
+      <a:defRPr sz="1200" kern="1200">
+        <a:solidFill>
+          <a:schemeClr val="tx1"/>
+        </a:solidFill>
+        <a:latin typeface="+mn-lt"/>
+        <a:ea typeface="+mn-ea"/>
+        <a:cs typeface="+mn-cs"/>
+      </a:defRPr>
+    </a:lvl9pPr>
+  </p:notesStyle>
+</p:notesMaster>
+</file>
+
 <file path=ppt/slideLayouts/slideLayout1.xml><?xml version="1.0" encoding="utf-8"?>
-<p:sldLayout xmlns:a="http://schemas.openxmlformats.org/drawingml/2006/main" xmlns:r="http://schemas.openxmlformats.org/officeDocument/2006/relationships" xmlns:p="http://schemas.openxmlformats.org/presentationml/2006/main" type="title" preserve="1">
+<p:sldLayout xmlns:a="http://schemas.openxmlformats.org/drawingml/2006/main" xmlns:r="http://schemas.openxmlformats.org/officeDocument/2006/relationships" xmlns:p="http://schemas.openxmlformats.org/presentationml/2006/main" showMasterSp="0" type="title" preserve="1">
   <p:cSld name="Title Slide">
     <p:spTree>
       <p:nvGrpSpPr>
@@ -141,6 +493,536 @@
           <a:chExt cx="0" cy="0"/>
         </a:xfrm>
       </p:grpSpPr>
+      <p:grpSp>
+        <p:nvGrpSpPr>
+          <p:cNvPr id="7" name="Group 6"/>
+          <p:cNvGrpSpPr/>
+          <p:nvPr/>
+        </p:nvGrpSpPr>
+        <p:grpSpPr>
+          <a:xfrm>
+            <a:off x="0" y="-8467"/>
+            <a:ext cx="12192000" cy="6866467"/>
+            <a:chOff x="0" y="-8467"/>
+            <a:chExt cx="12192000" cy="6866467"/>
+          </a:xfrm>
+        </p:grpSpPr>
+        <p:cxnSp>
+          <p:nvCxnSpPr>
+            <p:cNvPr id="32" name="Straight Connector 31"/>
+            <p:cNvCxnSpPr/>
+            <p:nvPr/>
+          </p:nvCxnSpPr>
+          <p:spPr>
+            <a:xfrm>
+              <a:off x="9371012" y="0"/>
+              <a:ext cx="1219200" cy="6858000"/>
+            </a:xfrm>
+            <a:prstGeom prst="line">
+              <a:avLst/>
+            </a:prstGeom>
+            <a:ln w="9525">
+              <a:solidFill>
+                <a:schemeClr val="bg1">
+                  <a:lumMod val="75000"/>
+                </a:schemeClr>
+              </a:solidFill>
+            </a:ln>
+          </p:spPr>
+          <p:style>
+            <a:lnRef idx="2">
+              <a:schemeClr val="accent1"/>
+            </a:lnRef>
+            <a:fillRef idx="0">
+              <a:schemeClr val="accent1"/>
+            </a:fillRef>
+            <a:effectRef idx="1">
+              <a:schemeClr val="accent1"/>
+            </a:effectRef>
+            <a:fontRef idx="minor">
+              <a:schemeClr val="tx1"/>
+            </a:fontRef>
+          </p:style>
+        </p:cxnSp>
+        <p:cxnSp>
+          <p:nvCxnSpPr>
+            <p:cNvPr id="21" name="Straight Connector 20"/>
+            <p:cNvCxnSpPr/>
+            <p:nvPr/>
+          </p:nvCxnSpPr>
+          <p:spPr>
+            <a:xfrm flipH="1">
+              <a:off x="7425267" y="3681413"/>
+              <a:ext cx="4763558" cy="3176587"/>
+            </a:xfrm>
+            <a:prstGeom prst="line">
+              <a:avLst/>
+            </a:prstGeom>
+            <a:ln w="9525">
+              <a:solidFill>
+                <a:schemeClr val="bg1">
+                  <a:lumMod val="85000"/>
+                </a:schemeClr>
+              </a:solidFill>
+            </a:ln>
+          </p:spPr>
+          <p:style>
+            <a:lnRef idx="2">
+              <a:schemeClr val="accent1"/>
+            </a:lnRef>
+            <a:fillRef idx="0">
+              <a:schemeClr val="accent1"/>
+            </a:fillRef>
+            <a:effectRef idx="1">
+              <a:schemeClr val="accent1"/>
+            </a:effectRef>
+            <a:fontRef idx="minor">
+              <a:schemeClr val="tx1"/>
+            </a:fontRef>
+          </p:style>
+        </p:cxnSp>
+        <p:sp>
+          <p:nvSpPr>
+            <p:cNvPr id="24" name="Rectangle 23"/>
+            <p:cNvSpPr/>
+            <p:nvPr/>
+          </p:nvSpPr>
+          <p:spPr>
+            <a:xfrm>
+              <a:off x="9181476" y="-8467"/>
+              <a:ext cx="3007349" cy="6866467"/>
+            </a:xfrm>
+            <a:custGeom>
+              <a:avLst/>
+              <a:gdLst/>
+              <a:ahLst/>
+              <a:cxnLst/>
+              <a:rect l="l" t="t" r="r" b="b"/>
+              <a:pathLst>
+                <a:path w="3007349" h="6866467">
+                  <a:moveTo>
+                    <a:pt x="2045532" y="0"/>
+                  </a:moveTo>
+                  <a:lnTo>
+                    <a:pt x="3007349" y="0"/>
+                  </a:lnTo>
+                  <a:lnTo>
+                    <a:pt x="3007349" y="6866467"/>
+                  </a:lnTo>
+                  <a:lnTo>
+                    <a:pt x="0" y="6866467"/>
+                  </a:lnTo>
+                  <a:lnTo>
+                    <a:pt x="2045532" y="0"/>
+                  </a:lnTo>
+                  <a:close/>
+                </a:path>
+              </a:pathLst>
+            </a:custGeom>
+            <a:solidFill>
+              <a:schemeClr val="accent1">
+                <a:alpha val="30000"/>
+              </a:schemeClr>
+            </a:solidFill>
+            <a:ln>
+              <a:noFill/>
+            </a:ln>
+            <a:effectLst/>
+          </p:spPr>
+          <p:style>
+            <a:lnRef idx="1">
+              <a:schemeClr val="accent1"/>
+            </a:lnRef>
+            <a:fillRef idx="3">
+              <a:schemeClr val="accent1"/>
+            </a:fillRef>
+            <a:effectRef idx="2">
+              <a:schemeClr val="accent1"/>
+            </a:effectRef>
+            <a:fontRef idx="minor">
+              <a:schemeClr val="lt1"/>
+            </a:fontRef>
+          </p:style>
+        </p:sp>
+        <p:sp>
+          <p:nvSpPr>
+            <p:cNvPr id="26" name="Rectangle 25"/>
+            <p:cNvSpPr/>
+            <p:nvPr/>
+          </p:nvSpPr>
+          <p:spPr>
+            <a:xfrm>
+              <a:off x="9603442" y="-8467"/>
+              <a:ext cx="2588558" cy="6866467"/>
+            </a:xfrm>
+            <a:custGeom>
+              <a:avLst/>
+              <a:gdLst/>
+              <a:ahLst/>
+              <a:cxnLst/>
+              <a:rect l="l" t="t" r="r" b="b"/>
+              <a:pathLst>
+                <a:path w="2573311" h="6866467">
+                  <a:moveTo>
+                    <a:pt x="0" y="0"/>
+                  </a:moveTo>
+                  <a:lnTo>
+                    <a:pt x="2573311" y="0"/>
+                  </a:lnTo>
+                  <a:lnTo>
+                    <a:pt x="2573311" y="6866467"/>
+                  </a:lnTo>
+                  <a:lnTo>
+                    <a:pt x="1202336" y="6866467"/>
+                  </a:lnTo>
+                  <a:lnTo>
+                    <a:pt x="0" y="0"/>
+                  </a:lnTo>
+                  <a:close/>
+                </a:path>
+              </a:pathLst>
+            </a:custGeom>
+            <a:solidFill>
+              <a:schemeClr val="accent1">
+                <a:alpha val="20000"/>
+              </a:schemeClr>
+            </a:solidFill>
+            <a:ln>
+              <a:noFill/>
+            </a:ln>
+            <a:effectLst/>
+          </p:spPr>
+          <p:style>
+            <a:lnRef idx="1">
+              <a:schemeClr val="accent1"/>
+            </a:lnRef>
+            <a:fillRef idx="3">
+              <a:schemeClr val="accent1"/>
+            </a:fillRef>
+            <a:effectRef idx="2">
+              <a:schemeClr val="accent1"/>
+            </a:effectRef>
+            <a:fontRef idx="minor">
+              <a:schemeClr val="lt1"/>
+            </a:fontRef>
+          </p:style>
+        </p:sp>
+        <p:sp>
+          <p:nvSpPr>
+            <p:cNvPr id="27" name="Isosceles Triangle 26"/>
+            <p:cNvSpPr/>
+            <p:nvPr/>
+          </p:nvSpPr>
+          <p:spPr>
+            <a:xfrm>
+              <a:off x="8932333" y="3048000"/>
+              <a:ext cx="3259667" cy="3810000"/>
+            </a:xfrm>
+            <a:prstGeom prst="triangle">
+              <a:avLst>
+                <a:gd name="adj" fmla="val 100000"/>
+              </a:avLst>
+            </a:prstGeom>
+            <a:solidFill>
+              <a:schemeClr val="accent2">
+                <a:alpha val="72000"/>
+              </a:schemeClr>
+            </a:solidFill>
+            <a:ln>
+              <a:noFill/>
+            </a:ln>
+            <a:effectLst/>
+          </p:spPr>
+          <p:style>
+            <a:lnRef idx="1">
+              <a:schemeClr val="accent1"/>
+            </a:lnRef>
+            <a:fillRef idx="3">
+              <a:schemeClr val="accent1"/>
+            </a:fillRef>
+            <a:effectRef idx="2">
+              <a:schemeClr val="accent1"/>
+            </a:effectRef>
+            <a:fontRef idx="minor">
+              <a:schemeClr val="lt1"/>
+            </a:fontRef>
+          </p:style>
+        </p:sp>
+        <p:sp>
+          <p:nvSpPr>
+            <p:cNvPr id="28" name="Rectangle 27"/>
+            <p:cNvSpPr/>
+            <p:nvPr/>
+          </p:nvSpPr>
+          <p:spPr>
+            <a:xfrm>
+              <a:off x="9334500" y="-8467"/>
+              <a:ext cx="2854326" cy="6866467"/>
+            </a:xfrm>
+            <a:custGeom>
+              <a:avLst/>
+              <a:gdLst/>
+              <a:ahLst/>
+              <a:cxnLst/>
+              <a:rect l="l" t="t" r="r" b="b"/>
+              <a:pathLst>
+                <a:path w="2858013" h="6866467">
+                  <a:moveTo>
+                    <a:pt x="0" y="0"/>
+                  </a:moveTo>
+                  <a:lnTo>
+                    <a:pt x="2858013" y="0"/>
+                  </a:lnTo>
+                  <a:lnTo>
+                    <a:pt x="2858013" y="6866467"/>
+                  </a:lnTo>
+                  <a:lnTo>
+                    <a:pt x="2473942" y="6866467"/>
+                  </a:lnTo>
+                  <a:lnTo>
+                    <a:pt x="0" y="0"/>
+                  </a:lnTo>
+                  <a:close/>
+                </a:path>
+              </a:pathLst>
+            </a:custGeom>
+            <a:solidFill>
+              <a:schemeClr val="accent2">
+                <a:lumMod val="75000"/>
+                <a:alpha val="70000"/>
+              </a:schemeClr>
+            </a:solidFill>
+            <a:ln>
+              <a:noFill/>
+            </a:ln>
+            <a:effectLst/>
+          </p:spPr>
+          <p:style>
+            <a:lnRef idx="1">
+              <a:schemeClr val="accent1"/>
+            </a:lnRef>
+            <a:fillRef idx="3">
+              <a:schemeClr val="accent1"/>
+            </a:fillRef>
+            <a:effectRef idx="2">
+              <a:schemeClr val="accent1"/>
+            </a:effectRef>
+            <a:fontRef idx="minor">
+              <a:schemeClr val="lt1"/>
+            </a:fontRef>
+          </p:style>
+        </p:sp>
+        <p:sp>
+          <p:nvSpPr>
+            <p:cNvPr id="29" name="Rectangle 28"/>
+            <p:cNvSpPr/>
+            <p:nvPr/>
+          </p:nvSpPr>
+          <p:spPr>
+            <a:xfrm>
+              <a:off x="10898730" y="-8467"/>
+              <a:ext cx="1290094" cy="6866467"/>
+            </a:xfrm>
+            <a:custGeom>
+              <a:avLst/>
+              <a:gdLst/>
+              <a:ahLst/>
+              <a:cxnLst/>
+              <a:rect l="l" t="t" r="r" b="b"/>
+              <a:pathLst>
+                <a:path w="1290094" h="6858000">
+                  <a:moveTo>
+                    <a:pt x="1019735" y="0"/>
+                  </a:moveTo>
+                  <a:lnTo>
+                    <a:pt x="1290094" y="0"/>
+                  </a:lnTo>
+                  <a:lnTo>
+                    <a:pt x="1290094" y="6858000"/>
+                  </a:lnTo>
+                  <a:lnTo>
+                    <a:pt x="0" y="6858000"/>
+                  </a:lnTo>
+                  <a:lnTo>
+                    <a:pt x="1019735" y="0"/>
+                  </a:lnTo>
+                  <a:close/>
+                </a:path>
+              </a:pathLst>
+            </a:custGeom>
+            <a:solidFill>
+              <a:schemeClr val="accent1">
+                <a:lumMod val="60000"/>
+                <a:lumOff val="40000"/>
+                <a:alpha val="70000"/>
+              </a:schemeClr>
+            </a:solidFill>
+            <a:ln>
+              <a:noFill/>
+            </a:ln>
+            <a:effectLst/>
+          </p:spPr>
+          <p:style>
+            <a:lnRef idx="1">
+              <a:schemeClr val="accent1"/>
+            </a:lnRef>
+            <a:fillRef idx="3">
+              <a:schemeClr val="accent1"/>
+            </a:fillRef>
+            <a:effectRef idx="2">
+              <a:schemeClr val="accent1"/>
+            </a:effectRef>
+            <a:fontRef idx="minor">
+              <a:schemeClr val="lt1"/>
+            </a:fontRef>
+          </p:style>
+        </p:sp>
+        <p:sp>
+          <p:nvSpPr>
+            <p:cNvPr id="30" name="Rectangle 29"/>
+            <p:cNvSpPr/>
+            <p:nvPr/>
+          </p:nvSpPr>
+          <p:spPr>
+            <a:xfrm>
+              <a:off x="10938999" y="-8467"/>
+              <a:ext cx="1249825" cy="6866467"/>
+            </a:xfrm>
+            <a:custGeom>
+              <a:avLst/>
+              <a:gdLst/>
+              <a:ahLst/>
+              <a:cxnLst/>
+              <a:rect l="l" t="t" r="r" b="b"/>
+              <a:pathLst>
+                <a:path w="1249825" h="6858000">
+                  <a:moveTo>
+                    <a:pt x="0" y="0"/>
+                  </a:moveTo>
+                  <a:lnTo>
+                    <a:pt x="1249825" y="0"/>
+                  </a:lnTo>
+                  <a:lnTo>
+                    <a:pt x="1249825" y="6858000"/>
+                  </a:lnTo>
+                  <a:lnTo>
+                    <a:pt x="1109382" y="6858000"/>
+                  </a:lnTo>
+                  <a:lnTo>
+                    <a:pt x="0" y="0"/>
+                  </a:lnTo>
+                  <a:close/>
+                </a:path>
+              </a:pathLst>
+            </a:custGeom>
+            <a:solidFill>
+              <a:schemeClr val="accent1">
+                <a:alpha val="65000"/>
+              </a:schemeClr>
+            </a:solidFill>
+            <a:ln>
+              <a:noFill/>
+            </a:ln>
+            <a:effectLst/>
+          </p:spPr>
+          <p:style>
+            <a:lnRef idx="1">
+              <a:schemeClr val="accent1"/>
+            </a:lnRef>
+            <a:fillRef idx="3">
+              <a:schemeClr val="accent1"/>
+            </a:fillRef>
+            <a:effectRef idx="2">
+              <a:schemeClr val="accent1"/>
+            </a:effectRef>
+            <a:fontRef idx="minor">
+              <a:schemeClr val="lt1"/>
+            </a:fontRef>
+          </p:style>
+        </p:sp>
+        <p:sp>
+          <p:nvSpPr>
+            <p:cNvPr id="31" name="Isosceles Triangle 30"/>
+            <p:cNvSpPr/>
+            <p:nvPr/>
+          </p:nvSpPr>
+          <p:spPr>
+            <a:xfrm>
+              <a:off x="10371666" y="3589867"/>
+              <a:ext cx="1817159" cy="3268133"/>
+            </a:xfrm>
+            <a:prstGeom prst="triangle">
+              <a:avLst>
+                <a:gd name="adj" fmla="val 100000"/>
+              </a:avLst>
+            </a:prstGeom>
+            <a:solidFill>
+              <a:schemeClr val="accent1">
+                <a:alpha val="80000"/>
+              </a:schemeClr>
+            </a:solidFill>
+            <a:ln>
+              <a:noFill/>
+            </a:ln>
+            <a:effectLst/>
+          </p:spPr>
+          <p:style>
+            <a:lnRef idx="1">
+              <a:schemeClr val="accent1"/>
+            </a:lnRef>
+            <a:fillRef idx="3">
+              <a:schemeClr val="accent1"/>
+            </a:fillRef>
+            <a:effectRef idx="2">
+              <a:schemeClr val="accent1"/>
+            </a:effectRef>
+            <a:fontRef idx="minor">
+              <a:schemeClr val="lt1"/>
+            </a:fontRef>
+          </p:style>
+        </p:sp>
+        <p:sp>
+          <p:nvSpPr>
+            <p:cNvPr id="19" name="Isosceles Triangle 18"/>
+            <p:cNvSpPr/>
+            <p:nvPr/>
+          </p:nvSpPr>
+          <p:spPr>
+            <a:xfrm rot="10800000">
+              <a:off x="0" y="0"/>
+              <a:ext cx="842596" cy="5666154"/>
+            </a:xfrm>
+            <a:prstGeom prst="triangle">
+              <a:avLst>
+                <a:gd name="adj" fmla="val 100000"/>
+              </a:avLst>
+            </a:prstGeom>
+            <a:solidFill>
+              <a:schemeClr val="accent1">
+                <a:alpha val="85000"/>
+              </a:schemeClr>
+            </a:solidFill>
+            <a:ln>
+              <a:noFill/>
+            </a:ln>
+            <a:effectLst/>
+          </p:spPr>
+          <p:style>
+            <a:lnRef idx="1">
+              <a:schemeClr val="accent1"/>
+            </a:lnRef>
+            <a:fillRef idx="3">
+              <a:schemeClr val="accent1"/>
+            </a:fillRef>
+            <a:effectRef idx="2">
+              <a:schemeClr val="accent1"/>
+            </a:effectRef>
+            <a:fontRef idx="minor">
+              <a:schemeClr val="lt1"/>
+            </a:fontRef>
+          </p:style>
+        </p:sp>
+      </p:grpSp>
       <p:sp>
         <p:nvSpPr>
           <p:cNvPr id="2" name="Title 1"/>
@@ -153,15 +1035,21 @@
         </p:nvSpPr>
         <p:spPr>
           <a:xfrm>
-            <a:off x="1154955" y="1447800"/>
-            <a:ext cx="8825658" cy="3329581"/>
+            <a:off x="1507067" y="2404534"/>
+            <a:ext cx="7766936" cy="1646302"/>
           </a:xfrm>
         </p:spPr>
         <p:txBody>
-          <a:bodyPr anchor="b"/>
+          <a:bodyPr anchor="b">
+            <a:noAutofit/>
+          </a:bodyPr>
           <a:lstStyle>
-            <a:lvl1pPr>
-              <a:defRPr sz="7200"/>
+            <a:lvl1pPr algn="r">
+              <a:defRPr sz="5400">
+                <a:solidFill>
+                  <a:schemeClr val="accent1"/>
+                </a:solidFill>
+              </a:defRPr>
             </a:lvl1pPr>
           </a:lstStyle>
           <a:p>
@@ -185,20 +1073,20 @@
         </p:nvSpPr>
         <p:spPr>
           <a:xfrm>
-            <a:off x="1154955" y="4777380"/>
-            <a:ext cx="8825658" cy="861420"/>
+            <a:off x="1507067" y="4050833"/>
+            <a:ext cx="7766936" cy="1096899"/>
           </a:xfrm>
         </p:spPr>
         <p:txBody>
           <a:bodyPr anchor="t"/>
           <a:lstStyle>
-            <a:lvl1pPr marL="0" indent="0" algn="l">
-              <a:buNone/>
-              <a:defRPr cap="all">
-                <a:solidFill>
-                  <a:schemeClr val="bg2">
-                    <a:lumMod val="40000"/>
-                    <a:lumOff val="60000"/>
+            <a:lvl1pPr marL="0" indent="0" algn="r">
+              <a:buNone/>
+              <a:defRPr>
+                <a:solidFill>
+                  <a:schemeClr val="tx1">
+                    <a:lumMod val="50000"/>
+                    <a:lumOff val="50000"/>
                   </a:schemeClr>
                 </a:solidFill>
               </a:defRPr>
@@ -308,7 +1196,7 @@
           <a:bodyPr/>
           <a:lstStyle/>
           <a:p>
-            <a:fld id="{C2D2E4A4-709C-4720-8A60-129554F155B1}" type="datetimeFigureOut">
+            <a:fld id="{3A1EF30B-C248-4506-8212-5FE56D3ED25B}" type="datetime1">
               <a:rPr lang="en-US" smtClean="0"/>
               <a:t>9/1/2020</a:t>
             </a:fld>
@@ -331,7 +1219,10 @@
           <a:bodyPr/>
           <a:lstStyle/>
           <a:p>
-            <a:endParaRPr lang="en-US"/>
+            <a:r>
+              <a:rPr lang="en-US"/>
+              <a:t>Healthify-NWMSU</a:t>
+            </a:r>
           </a:p>
         </p:txBody>
       </p:sp>
@@ -361,7 +1252,7 @@
     </p:spTree>
     <p:extLst>
       <p:ext uri="{BB962C8B-B14F-4D97-AF65-F5344CB8AC3E}">
-        <p14:creationId xmlns:p14="http://schemas.microsoft.com/office/powerpoint/2010/main" val="3829201427"/>
+        <p14:creationId xmlns:p14="http://schemas.microsoft.com/office/powerpoint/2010/main" val="3972286419"/>
       </p:ext>
     </p:extLst>
   </p:cSld>
@@ -372,281 +1263,6 @@
 </file>
 
 <file path=ppt/slideLayouts/slideLayout10.xml><?xml version="1.0" encoding="utf-8"?>
-<p:sldLayout xmlns:a="http://schemas.openxmlformats.org/drawingml/2006/main" xmlns:r="http://schemas.openxmlformats.org/officeDocument/2006/relationships" xmlns:p="http://schemas.openxmlformats.org/presentationml/2006/main" preserve="1">
-  <p:cSld name="Panoramic Picture with Caption">
-    <p:spTree>
-      <p:nvGrpSpPr>
-        <p:cNvPr id="1" name=""/>
-        <p:cNvGrpSpPr/>
-        <p:nvPr/>
-      </p:nvGrpSpPr>
-      <p:grpSpPr>
-        <a:xfrm>
-          <a:off x="0" y="0"/>
-          <a:ext cx="0" cy="0"/>
-          <a:chOff x="0" y="0"/>
-          <a:chExt cx="0" cy="0"/>
-        </a:xfrm>
-      </p:grpSpPr>
-      <p:sp>
-        <p:nvSpPr>
-          <p:cNvPr id="2" name="Title 1"/>
-          <p:cNvSpPr>
-            <a:spLocks noGrp="1"/>
-          </p:cNvSpPr>
-          <p:nvPr>
-            <p:ph type="title"/>
-          </p:nvPr>
-        </p:nvSpPr>
-        <p:spPr>
-          <a:xfrm>
-            <a:off x="1154956" y="4800587"/>
-            <a:ext cx="8825657" cy="566738"/>
-          </a:xfrm>
-        </p:spPr>
-        <p:txBody>
-          <a:bodyPr anchor="b">
-            <a:normAutofit/>
-          </a:bodyPr>
-          <a:lstStyle>
-            <a:lvl1pPr algn="l">
-              <a:defRPr sz="2400" b="0"/>
-            </a:lvl1pPr>
-          </a:lstStyle>
-          <a:p>
-            <a:r>
-              <a:rPr lang="en-US"/>
-              <a:t>Click to edit Master title style</a:t>
-            </a:r>
-            <a:endParaRPr lang="en-US" dirty="0"/>
-          </a:p>
-        </p:txBody>
-      </p:sp>
-      <p:sp>
-        <p:nvSpPr>
-          <p:cNvPr id="3" name="Picture Placeholder 2"/>
-          <p:cNvSpPr>
-            <a:spLocks noGrp="1" noChangeAspect="1"/>
-          </p:cNvSpPr>
-          <p:nvPr>
-            <p:ph type="pic" idx="1"/>
-          </p:nvPr>
-        </p:nvSpPr>
-        <p:spPr>
-          <a:xfrm>
-            <a:off x="1154955" y="685800"/>
-            <a:ext cx="8825658" cy="3640666"/>
-          </a:xfrm>
-          <a:prstGeom prst="roundRect">
-            <a:avLst>
-              <a:gd name="adj" fmla="val 1858"/>
-            </a:avLst>
-          </a:prstGeom>
-          <a:effectLst>
-            <a:outerShdw blurRad="50800" dist="50800" dir="5400000" algn="tl" rotWithShape="0">
-              <a:srgbClr val="000000">
-                <a:alpha val="43000"/>
-              </a:srgbClr>
-            </a:outerShdw>
-          </a:effectLst>
-        </p:spPr>
-        <p:txBody>
-          <a:bodyPr anchor="t">
-            <a:normAutofit/>
-          </a:bodyPr>
-          <a:lstStyle>
-            <a:lvl1pPr marL="0" indent="0" algn="ctr">
-              <a:buNone/>
-              <a:defRPr sz="1600"/>
-            </a:lvl1pPr>
-            <a:lvl2pPr marL="457200" indent="0">
-              <a:buNone/>
-              <a:defRPr sz="1600"/>
-            </a:lvl2pPr>
-            <a:lvl3pPr marL="914400" indent="0">
-              <a:buNone/>
-              <a:defRPr sz="1600"/>
-            </a:lvl3pPr>
-            <a:lvl4pPr marL="1371600" indent="0">
-              <a:buNone/>
-              <a:defRPr sz="1600"/>
-            </a:lvl4pPr>
-            <a:lvl5pPr marL="1828800" indent="0">
-              <a:buNone/>
-              <a:defRPr sz="1600"/>
-            </a:lvl5pPr>
-            <a:lvl6pPr marL="2286000" indent="0">
-              <a:buNone/>
-              <a:defRPr sz="1600"/>
-            </a:lvl6pPr>
-            <a:lvl7pPr marL="2743200" indent="0">
-              <a:buNone/>
-              <a:defRPr sz="1600"/>
-            </a:lvl7pPr>
-            <a:lvl8pPr marL="3200400" indent="0">
-              <a:buNone/>
-              <a:defRPr sz="1600"/>
-            </a:lvl8pPr>
-            <a:lvl9pPr marL="3657600" indent="0">
-              <a:buNone/>
-              <a:defRPr sz="1600"/>
-            </a:lvl9pPr>
-          </a:lstStyle>
-          <a:p>
-            <a:r>
-              <a:rPr lang="en-US"/>
-              <a:t>Click icon to add picture</a:t>
-            </a:r>
-            <a:endParaRPr lang="en-US" dirty="0"/>
-          </a:p>
-        </p:txBody>
-      </p:sp>
-      <p:sp>
-        <p:nvSpPr>
-          <p:cNvPr id="4" name="Text Placeholder 3"/>
-          <p:cNvSpPr>
-            <a:spLocks noGrp="1"/>
-          </p:cNvSpPr>
-          <p:nvPr>
-            <p:ph type="body" sz="half" idx="2"/>
-          </p:nvPr>
-        </p:nvSpPr>
-        <p:spPr>
-          <a:xfrm>
-            <a:off x="1154956" y="5367325"/>
-            <a:ext cx="8825656" cy="493712"/>
-          </a:xfrm>
-        </p:spPr>
-        <p:txBody>
-          <a:bodyPr>
-            <a:normAutofit/>
-          </a:bodyPr>
-          <a:lstStyle>
-            <a:lvl1pPr marL="0" indent="0">
-              <a:buNone/>
-              <a:defRPr sz="1200"/>
-            </a:lvl1pPr>
-            <a:lvl2pPr marL="457200" indent="0">
-              <a:buNone/>
-              <a:defRPr sz="1200"/>
-            </a:lvl2pPr>
-            <a:lvl3pPr marL="914400" indent="0">
-              <a:buNone/>
-              <a:defRPr sz="1000"/>
-            </a:lvl3pPr>
-            <a:lvl4pPr marL="1371600" indent="0">
-              <a:buNone/>
-              <a:defRPr sz="900"/>
-            </a:lvl4pPr>
-            <a:lvl5pPr marL="1828800" indent="0">
-              <a:buNone/>
-              <a:defRPr sz="900"/>
-            </a:lvl5pPr>
-            <a:lvl6pPr marL="2286000" indent="0">
-              <a:buNone/>
-              <a:defRPr sz="900"/>
-            </a:lvl6pPr>
-            <a:lvl7pPr marL="2743200" indent="0">
-              <a:buNone/>
-              <a:defRPr sz="900"/>
-            </a:lvl7pPr>
-            <a:lvl8pPr marL="3200400" indent="0">
-              <a:buNone/>
-              <a:defRPr sz="900"/>
-            </a:lvl8pPr>
-            <a:lvl9pPr marL="3657600" indent="0">
-              <a:buNone/>
-              <a:defRPr sz="900"/>
-            </a:lvl9pPr>
-          </a:lstStyle>
-          <a:p>
-            <a:pPr lvl="0"/>
-            <a:r>
-              <a:rPr lang="en-US"/>
-              <a:t>Click to edit Master text styles</a:t>
-            </a:r>
-          </a:p>
-        </p:txBody>
-      </p:sp>
-      <p:sp>
-        <p:nvSpPr>
-          <p:cNvPr id="5" name="Date Placeholder 4"/>
-          <p:cNvSpPr>
-            <a:spLocks noGrp="1"/>
-          </p:cNvSpPr>
-          <p:nvPr>
-            <p:ph type="dt" sz="half" idx="10"/>
-          </p:nvPr>
-        </p:nvSpPr>
-        <p:spPr/>
-        <p:txBody>
-          <a:bodyPr/>
-          <a:lstStyle/>
-          <a:p>
-            <a:fld id="{C2D2E4A4-709C-4720-8A60-129554F155B1}" type="datetimeFigureOut">
-              <a:rPr lang="en-US" smtClean="0"/>
-              <a:t>9/1/2020</a:t>
-            </a:fld>
-            <a:endParaRPr lang="en-US"/>
-          </a:p>
-        </p:txBody>
-      </p:sp>
-      <p:sp>
-        <p:nvSpPr>
-          <p:cNvPr id="6" name="Footer Placeholder 5"/>
-          <p:cNvSpPr>
-            <a:spLocks noGrp="1"/>
-          </p:cNvSpPr>
-          <p:nvPr>
-            <p:ph type="ftr" sz="quarter" idx="11"/>
-          </p:nvPr>
-        </p:nvSpPr>
-        <p:spPr/>
-        <p:txBody>
-          <a:bodyPr/>
-          <a:lstStyle/>
-          <a:p>
-            <a:endParaRPr lang="en-US"/>
-          </a:p>
-        </p:txBody>
-      </p:sp>
-      <p:sp>
-        <p:nvSpPr>
-          <p:cNvPr id="7" name="Slide Number Placeholder 6"/>
-          <p:cNvSpPr>
-            <a:spLocks noGrp="1"/>
-          </p:cNvSpPr>
-          <p:nvPr>
-            <p:ph type="sldNum" sz="quarter" idx="12"/>
-          </p:nvPr>
-        </p:nvSpPr>
-        <p:spPr/>
-        <p:txBody>
-          <a:bodyPr/>
-          <a:lstStyle/>
-          <a:p>
-            <a:fld id="{FC6EDEEF-6E47-4D41-B312-2A124904AE2A}" type="slidenum">
-              <a:rPr lang="en-US" smtClean="0"/>
-              <a:t>‹#›</a:t>
-            </a:fld>
-            <a:endParaRPr lang="en-US"/>
-          </a:p>
-        </p:txBody>
-      </p:sp>
-    </p:spTree>
-    <p:extLst>
-      <p:ext uri="{BB962C8B-B14F-4D97-AF65-F5344CB8AC3E}">
-        <p14:creationId xmlns:p14="http://schemas.microsoft.com/office/powerpoint/2010/main" val="1389326209"/>
-      </p:ext>
-    </p:extLst>
-  </p:cSld>
-  <p:clrMapOvr>
-    <a:masterClrMapping/>
-  </p:clrMapOvr>
-</p:sldLayout>
-</file>
-
-<file path=ppt/slideLayouts/slideLayout11.xml><?xml version="1.0" encoding="utf-8"?>
 <p:sldLayout xmlns:a="http://schemas.openxmlformats.org/drawingml/2006/main" xmlns:r="http://schemas.openxmlformats.org/officeDocument/2006/relationships" xmlns:p="http://schemas.openxmlformats.org/presentationml/2006/main" preserve="1">
   <p:cSld name="Title and Caption">
     <p:spTree>
@@ -675,40 +1291,8 @@
         </p:nvSpPr>
         <p:spPr>
           <a:xfrm>
-            <a:off x="1154954" y="1447800"/>
-            <a:ext cx="8825659" cy="1981200"/>
-          </a:xfrm>
-        </p:spPr>
-        <p:txBody>
-          <a:bodyPr/>
-          <a:lstStyle>
-            <a:lvl1pPr>
-              <a:defRPr sz="4800"/>
-            </a:lvl1pPr>
-          </a:lstStyle>
-          <a:p>
-            <a:r>
-              <a:rPr lang="en-US"/>
-              <a:t>Click to edit Master title style</a:t>
-            </a:r>
-            <a:endParaRPr lang="en-US" dirty="0"/>
-          </a:p>
-        </p:txBody>
-      </p:sp>
-      <p:sp>
-        <p:nvSpPr>
-          <p:cNvPr id="8" name="Text Placeholder 3"/>
-          <p:cNvSpPr>
-            <a:spLocks noGrp="1"/>
-          </p:cNvSpPr>
-          <p:nvPr>
-            <p:ph type="body" sz="half" idx="2"/>
-          </p:nvPr>
-        </p:nvSpPr>
-        <p:spPr>
-          <a:xfrm>
-            <a:off x="1154954" y="3657600"/>
-            <a:ext cx="8825659" cy="2362200"/>
+            <a:off x="677335" y="609600"/>
+            <a:ext cx="8596668" cy="3403600"/>
           </a:xfrm>
         </p:spPr>
         <p:txBody>
@@ -716,41 +1300,130 @@
             <a:normAutofit/>
           </a:bodyPr>
           <a:lstStyle>
-            <a:lvl1pPr marL="0" indent="0">
-              <a:buNone/>
-              <a:defRPr sz="1800"/>
+            <a:lvl1pPr algn="l">
+              <a:defRPr sz="4400" b="0" cap="none"/>
+            </a:lvl1pPr>
+          </a:lstStyle>
+          <a:p>
+            <a:r>
+              <a:rPr lang="en-US"/>
+              <a:t>Click to edit Master title style</a:t>
+            </a:r>
+            <a:endParaRPr lang="en-US" dirty="0"/>
+          </a:p>
+        </p:txBody>
+      </p:sp>
+      <p:sp>
+        <p:nvSpPr>
+          <p:cNvPr id="3" name="Text Placeholder 2"/>
+          <p:cNvSpPr>
+            <a:spLocks noGrp="1"/>
+          </p:cNvSpPr>
+          <p:nvPr>
+            <p:ph type="body" idx="1"/>
+          </p:nvPr>
+        </p:nvSpPr>
+        <p:spPr>
+          <a:xfrm>
+            <a:off x="677335" y="4470400"/>
+            <a:ext cx="8596668" cy="1570962"/>
+          </a:xfrm>
+        </p:spPr>
+        <p:txBody>
+          <a:bodyPr anchor="ctr">
+            <a:normAutofit/>
+          </a:bodyPr>
+          <a:lstStyle>
+            <a:lvl1pPr marL="0" indent="0" algn="l">
+              <a:buNone/>
+              <a:defRPr sz="1800">
+                <a:solidFill>
+                  <a:schemeClr val="tx1">
+                    <a:lumMod val="75000"/>
+                    <a:lumOff val="25000"/>
+                  </a:schemeClr>
+                </a:solidFill>
+              </a:defRPr>
             </a:lvl1pPr>
             <a:lvl2pPr marL="457200" indent="0">
               <a:buNone/>
-              <a:defRPr sz="1200"/>
+              <a:defRPr sz="1800">
+                <a:solidFill>
+                  <a:schemeClr val="tx1">
+                    <a:tint val="75000"/>
+                  </a:schemeClr>
+                </a:solidFill>
+              </a:defRPr>
             </a:lvl2pPr>
             <a:lvl3pPr marL="914400" indent="0">
               <a:buNone/>
-              <a:defRPr sz="1000"/>
+              <a:defRPr sz="1600">
+                <a:solidFill>
+                  <a:schemeClr val="tx1">
+                    <a:tint val="75000"/>
+                  </a:schemeClr>
+                </a:solidFill>
+              </a:defRPr>
             </a:lvl3pPr>
             <a:lvl4pPr marL="1371600" indent="0">
               <a:buNone/>
-              <a:defRPr sz="900"/>
+              <a:defRPr sz="1400">
+                <a:solidFill>
+                  <a:schemeClr val="tx1">
+                    <a:tint val="75000"/>
+                  </a:schemeClr>
+                </a:solidFill>
+              </a:defRPr>
             </a:lvl4pPr>
             <a:lvl5pPr marL="1828800" indent="0">
               <a:buNone/>
-              <a:defRPr sz="900"/>
+              <a:defRPr sz="1400">
+                <a:solidFill>
+                  <a:schemeClr val="tx1">
+                    <a:tint val="75000"/>
+                  </a:schemeClr>
+                </a:solidFill>
+              </a:defRPr>
             </a:lvl5pPr>
             <a:lvl6pPr marL="2286000" indent="0">
               <a:buNone/>
-              <a:defRPr sz="900"/>
+              <a:defRPr sz="1400">
+                <a:solidFill>
+                  <a:schemeClr val="tx1">
+                    <a:tint val="75000"/>
+                  </a:schemeClr>
+                </a:solidFill>
+              </a:defRPr>
             </a:lvl6pPr>
             <a:lvl7pPr marL="2743200" indent="0">
               <a:buNone/>
-              <a:defRPr sz="900"/>
+              <a:defRPr sz="1400">
+                <a:solidFill>
+                  <a:schemeClr val="tx1">
+                    <a:tint val="75000"/>
+                  </a:schemeClr>
+                </a:solidFill>
+              </a:defRPr>
             </a:lvl7pPr>
             <a:lvl8pPr marL="3200400" indent="0">
               <a:buNone/>
-              <a:defRPr sz="900"/>
+              <a:defRPr sz="1400">
+                <a:solidFill>
+                  <a:schemeClr val="tx1">
+                    <a:tint val="75000"/>
+                  </a:schemeClr>
+                </a:solidFill>
+              </a:defRPr>
             </a:lvl8pPr>
             <a:lvl9pPr marL="3657600" indent="0">
               <a:buNone/>
-              <a:defRPr sz="900"/>
+              <a:defRPr sz="1400">
+                <a:solidFill>
+                  <a:schemeClr val="tx1">
+                    <a:tint val="75000"/>
+                  </a:schemeClr>
+                </a:solidFill>
+              </a:defRPr>
             </a:lvl9pPr>
           </a:lstStyle>
           <a:p>
@@ -777,7 +1450,7 @@
           <a:bodyPr/>
           <a:lstStyle/>
           <a:p>
-            <a:fld id="{C2D2E4A4-709C-4720-8A60-129554F155B1}" type="datetimeFigureOut">
+            <a:fld id="{24C87863-0F40-4B7E-95E9-700E3F69D13C}" type="datetime1">
               <a:rPr lang="en-US" smtClean="0"/>
               <a:t>9/1/2020</a:t>
             </a:fld>
@@ -800,7 +1473,10 @@
           <a:bodyPr/>
           <a:lstStyle/>
           <a:p>
-            <a:endParaRPr lang="en-US"/>
+            <a:r>
+              <a:rPr lang="en-US"/>
+              <a:t>Healthify-NWMSU</a:t>
+            </a:r>
           </a:p>
         </p:txBody>
       </p:sp>
@@ -830,7 +1506,7 @@
     </p:spTree>
     <p:extLst>
       <p:ext uri="{BB962C8B-B14F-4D97-AF65-F5344CB8AC3E}">
-        <p14:creationId xmlns:p14="http://schemas.microsoft.com/office/powerpoint/2010/main" val="4176331465"/>
+        <p14:creationId xmlns:p14="http://schemas.microsoft.com/office/powerpoint/2010/main" val="389890915"/>
       </p:ext>
     </p:extLst>
   </p:cSld>
@@ -840,7 +1516,7 @@
 </p:sldLayout>
 </file>
 
-<file path=ppt/slideLayouts/slideLayout12.xml><?xml version="1.0" encoding="utf-8"?>
+<file path=ppt/slideLayouts/slideLayout11.xml><?xml version="1.0" encoding="utf-8"?>
 <p:sldLayout xmlns:a="http://schemas.openxmlformats.org/drawingml/2006/main" xmlns:r="http://schemas.openxmlformats.org/officeDocument/2006/relationships" xmlns:p="http://schemas.openxmlformats.org/presentationml/2006/main" preserve="1">
   <p:cSld name="Quote with Caption">
     <p:spTree>
@@ -869,119 +1545,8 @@
         </p:nvSpPr>
         <p:spPr>
           <a:xfrm>
-            <a:off x="1574801" y="1447800"/>
-            <a:ext cx="7999315" cy="2323374"/>
-          </a:xfrm>
-        </p:spPr>
-        <p:txBody>
-          <a:bodyPr/>
-          <a:lstStyle>
-            <a:lvl1pPr>
-              <a:defRPr sz="4800"/>
-            </a:lvl1pPr>
-          </a:lstStyle>
-          <a:p>
-            <a:r>
-              <a:rPr lang="en-US"/>
-              <a:t>Click to edit Master title style</a:t>
-            </a:r>
-            <a:endParaRPr lang="en-US" dirty="0"/>
-          </a:p>
-        </p:txBody>
-      </p:sp>
-      <p:sp>
-        <p:nvSpPr>
-          <p:cNvPr id="11" name="Text Placeholder 3"/>
-          <p:cNvSpPr>
-            <a:spLocks noGrp="1"/>
-          </p:cNvSpPr>
-          <p:nvPr>
-            <p:ph type="body" sz="half" idx="14"/>
-          </p:nvPr>
-        </p:nvSpPr>
-        <p:spPr>
-          <a:xfrm>
-            <a:off x="1930400" y="3771174"/>
-            <a:ext cx="7279649" cy="342174"/>
-          </a:xfrm>
-        </p:spPr>
-        <p:txBody>
-          <a:bodyPr vert="horz" lIns="91440" tIns="45720" rIns="91440" bIns="45720" rtlCol="0" anchor="t">
-            <a:normAutofit/>
-          </a:bodyPr>
-          <a:lstStyle>
-            <a:lvl1pPr marL="0" indent="0">
-              <a:buNone/>
-              <a:defRPr lang="en-US" sz="1400" b="0" i="0" kern="1200" cap="small" dirty="0">
-                <a:solidFill>
-                  <a:schemeClr val="bg2">
-                    <a:lumMod val="40000"/>
-                    <a:lumOff val="60000"/>
-                  </a:schemeClr>
-                </a:solidFill>
-                <a:latin typeface="+mj-lt"/>
-                <a:ea typeface="+mj-ea"/>
-                <a:cs typeface="+mj-cs"/>
-              </a:defRPr>
-            </a:lvl1pPr>
-            <a:lvl2pPr marL="457200" indent="0">
-              <a:buNone/>
-              <a:defRPr sz="1200"/>
-            </a:lvl2pPr>
-            <a:lvl3pPr marL="914400" indent="0">
-              <a:buNone/>
-              <a:defRPr sz="1000"/>
-            </a:lvl3pPr>
-            <a:lvl4pPr marL="1371600" indent="0">
-              <a:buNone/>
-              <a:defRPr sz="900"/>
-            </a:lvl4pPr>
-            <a:lvl5pPr marL="1828800" indent="0">
-              <a:buNone/>
-              <a:defRPr sz="900"/>
-            </a:lvl5pPr>
-            <a:lvl6pPr marL="2286000" indent="0">
-              <a:buNone/>
-              <a:defRPr sz="900"/>
-            </a:lvl6pPr>
-            <a:lvl7pPr marL="2743200" indent="0">
-              <a:buNone/>
-              <a:defRPr sz="900"/>
-            </a:lvl7pPr>
-            <a:lvl8pPr marL="3200400" indent="0">
-              <a:buNone/>
-              <a:defRPr sz="900"/>
-            </a:lvl8pPr>
-            <a:lvl9pPr marL="3657600" indent="0">
-              <a:buNone/>
-              <a:defRPr sz="900"/>
-            </a:lvl9pPr>
-          </a:lstStyle>
-          <a:p>
-            <a:pPr marL="0" lvl="0" indent="0">
-              <a:buNone/>
-            </a:pPr>
-            <a:r>
-              <a:rPr lang="en-US"/>
-              <a:t>Click to edit Master text styles</a:t>
-            </a:r>
-          </a:p>
-        </p:txBody>
-      </p:sp>
-      <p:sp>
-        <p:nvSpPr>
-          <p:cNvPr id="10" name="Text Placeholder 3"/>
-          <p:cNvSpPr>
-            <a:spLocks noGrp="1"/>
-          </p:cNvSpPr>
-          <p:nvPr>
-            <p:ph type="body" sz="half" idx="2"/>
-          </p:nvPr>
-        </p:nvSpPr>
-        <p:spPr>
-          <a:xfrm>
-            <a:off x="1154954" y="4350657"/>
-            <a:ext cx="8825659" cy="1676400"/>
+            <a:off x="931334" y="609600"/>
+            <a:ext cx="8094134" cy="3022600"/>
           </a:xfrm>
         </p:spPr>
         <p:txBody>
@@ -989,41 +1554,193 @@
             <a:normAutofit/>
           </a:bodyPr>
           <a:lstStyle>
+            <a:lvl1pPr algn="l">
+              <a:defRPr sz="4400" b="0" cap="none"/>
+            </a:lvl1pPr>
+          </a:lstStyle>
+          <a:p>
+            <a:r>
+              <a:rPr lang="en-US"/>
+              <a:t>Click to edit Master title style</a:t>
+            </a:r>
+            <a:endParaRPr lang="en-US" dirty="0"/>
+          </a:p>
+        </p:txBody>
+      </p:sp>
+      <p:sp>
+        <p:nvSpPr>
+          <p:cNvPr id="23" name="Text Placeholder 9"/>
+          <p:cNvSpPr>
+            <a:spLocks noGrp="1"/>
+          </p:cNvSpPr>
+          <p:nvPr>
+            <p:ph type="body" sz="quarter" idx="13"/>
+          </p:nvPr>
+        </p:nvSpPr>
+        <p:spPr>
+          <a:xfrm>
+            <a:off x="1366139" y="3632200"/>
+            <a:ext cx="7224524" cy="381000"/>
+          </a:xfrm>
+        </p:spPr>
+        <p:txBody>
+          <a:bodyPr anchor="ctr">
+            <a:noAutofit/>
+          </a:bodyPr>
+          <a:lstStyle>
             <a:lvl1pPr marL="0" indent="0">
-              <a:buNone/>
-              <a:defRPr sz="1800"/>
+              <a:buFontTx/>
+              <a:buNone/>
+              <a:defRPr sz="1600">
+                <a:solidFill>
+                  <a:schemeClr val="tx1">
+                    <a:lumMod val="50000"/>
+                    <a:lumOff val="50000"/>
+                  </a:schemeClr>
+                </a:solidFill>
+              </a:defRPr>
             </a:lvl1pPr>
             <a:lvl2pPr marL="457200" indent="0">
-              <a:buNone/>
-              <a:defRPr sz="1200"/>
+              <a:buFontTx/>
+              <a:buNone/>
+              <a:defRPr/>
             </a:lvl2pPr>
             <a:lvl3pPr marL="914400" indent="0">
-              <a:buNone/>
-              <a:defRPr sz="1000"/>
+              <a:buFontTx/>
+              <a:buNone/>
+              <a:defRPr/>
             </a:lvl3pPr>
             <a:lvl4pPr marL="1371600" indent="0">
-              <a:buNone/>
-              <a:defRPr sz="900"/>
+              <a:buFontTx/>
+              <a:buNone/>
+              <a:defRPr/>
             </a:lvl4pPr>
             <a:lvl5pPr marL="1828800" indent="0">
-              <a:buNone/>
-              <a:defRPr sz="900"/>
+              <a:buFontTx/>
+              <a:buNone/>
+              <a:defRPr/>
+            </a:lvl5pPr>
+          </a:lstStyle>
+          <a:p>
+            <a:pPr lvl="0"/>
+            <a:r>
+              <a:rPr lang="en-US"/>
+              <a:t>Click to edit Master text styles</a:t>
+            </a:r>
+          </a:p>
+        </p:txBody>
+      </p:sp>
+      <p:sp>
+        <p:nvSpPr>
+          <p:cNvPr id="3" name="Text Placeholder 2"/>
+          <p:cNvSpPr>
+            <a:spLocks noGrp="1"/>
+          </p:cNvSpPr>
+          <p:nvPr>
+            <p:ph type="body" idx="1"/>
+          </p:nvPr>
+        </p:nvSpPr>
+        <p:spPr>
+          <a:xfrm>
+            <a:off x="677335" y="4470400"/>
+            <a:ext cx="8596668" cy="1570962"/>
+          </a:xfrm>
+        </p:spPr>
+        <p:txBody>
+          <a:bodyPr anchor="ctr">
+            <a:normAutofit/>
+          </a:bodyPr>
+          <a:lstStyle>
+            <a:lvl1pPr marL="0" indent="0" algn="l">
+              <a:buNone/>
+              <a:defRPr sz="1800">
+                <a:solidFill>
+                  <a:schemeClr val="tx1">
+                    <a:lumMod val="75000"/>
+                    <a:lumOff val="25000"/>
+                  </a:schemeClr>
+                </a:solidFill>
+              </a:defRPr>
+            </a:lvl1pPr>
+            <a:lvl2pPr marL="457200" indent="0">
+              <a:buNone/>
+              <a:defRPr sz="1800">
+                <a:solidFill>
+                  <a:schemeClr val="tx1">
+                    <a:tint val="75000"/>
+                  </a:schemeClr>
+                </a:solidFill>
+              </a:defRPr>
+            </a:lvl2pPr>
+            <a:lvl3pPr marL="914400" indent="0">
+              <a:buNone/>
+              <a:defRPr sz="1600">
+                <a:solidFill>
+                  <a:schemeClr val="tx1">
+                    <a:tint val="75000"/>
+                  </a:schemeClr>
+                </a:solidFill>
+              </a:defRPr>
+            </a:lvl3pPr>
+            <a:lvl4pPr marL="1371600" indent="0">
+              <a:buNone/>
+              <a:defRPr sz="1400">
+                <a:solidFill>
+                  <a:schemeClr val="tx1">
+                    <a:tint val="75000"/>
+                  </a:schemeClr>
+                </a:solidFill>
+              </a:defRPr>
+            </a:lvl4pPr>
+            <a:lvl5pPr marL="1828800" indent="0">
+              <a:buNone/>
+              <a:defRPr sz="1400">
+                <a:solidFill>
+                  <a:schemeClr val="tx1">
+                    <a:tint val="75000"/>
+                  </a:schemeClr>
+                </a:solidFill>
+              </a:defRPr>
             </a:lvl5pPr>
             <a:lvl6pPr marL="2286000" indent="0">
               <a:buNone/>
-              <a:defRPr sz="900"/>
+              <a:defRPr sz="1400">
+                <a:solidFill>
+                  <a:schemeClr val="tx1">
+                    <a:tint val="75000"/>
+                  </a:schemeClr>
+                </a:solidFill>
+              </a:defRPr>
             </a:lvl6pPr>
             <a:lvl7pPr marL="2743200" indent="0">
               <a:buNone/>
-              <a:defRPr sz="900"/>
+              <a:defRPr sz="1400">
+                <a:solidFill>
+                  <a:schemeClr val="tx1">
+                    <a:tint val="75000"/>
+                  </a:schemeClr>
+                </a:solidFill>
+              </a:defRPr>
             </a:lvl7pPr>
             <a:lvl8pPr marL="3200400" indent="0">
               <a:buNone/>
-              <a:defRPr sz="900"/>
+              <a:defRPr sz="1400">
+                <a:solidFill>
+                  <a:schemeClr val="tx1">
+                    <a:tint val="75000"/>
+                  </a:schemeClr>
+                </a:solidFill>
+              </a:defRPr>
             </a:lvl8pPr>
             <a:lvl9pPr marL="3657600" indent="0">
               <a:buNone/>
-              <a:defRPr sz="900"/>
+              <a:defRPr sz="1400">
+                <a:solidFill>
+                  <a:schemeClr val="tx1">
+                    <a:tint val="75000"/>
+                  </a:schemeClr>
+                </a:solidFill>
+              </a:defRPr>
             </a:lvl9pPr>
           </a:lstStyle>
           <a:p>
@@ -1050,7 +1767,7 @@
           <a:bodyPr/>
           <a:lstStyle/>
           <a:p>
-            <a:fld id="{C2D2E4A4-709C-4720-8A60-129554F155B1}" type="datetimeFigureOut">
+            <a:fld id="{DE8BFFC1-4678-443B-9BC8-EA5145155977}" type="datetime1">
               <a:rPr lang="en-US" smtClean="0"/>
               <a:t>9/1/2020</a:t>
             </a:fld>
@@ -1073,7 +1790,10 @@
           <a:bodyPr/>
           <a:lstStyle/>
           <a:p>
-            <a:endParaRPr lang="en-US"/>
+            <a:r>
+              <a:rPr lang="en-US"/>
+              <a:t>Healthify-NWMSU</a:t>
+            </a:r>
           </a:p>
         </p:txBody>
       </p:sp>
@@ -1102,46 +1822,40 @@
       </p:sp>
       <p:sp>
         <p:nvSpPr>
-          <p:cNvPr id="12" name="TextBox 11"/>
+          <p:cNvPr id="20" name="TextBox 19"/>
           <p:cNvSpPr txBox="1"/>
           <p:nvPr/>
         </p:nvSpPr>
         <p:spPr>
           <a:xfrm>
-            <a:off x="898295" y="971253"/>
-            <a:ext cx="801912" cy="1969770"/>
+            <a:off x="541870" y="790378"/>
+            <a:ext cx="609600" cy="584776"/>
           </a:xfrm>
           <a:prstGeom prst="rect">
             <a:avLst/>
           </a:prstGeom>
-          <a:noFill/>
         </p:spPr>
         <p:txBody>
-          <a:bodyPr wrap="square" rtlCol="0">
-            <a:spAutoFit/>
+          <a:bodyPr vert="horz" lIns="91440" tIns="45720" rIns="91440" bIns="45720" rtlCol="0" anchor="ctr">
+            <a:noAutofit/>
           </a:bodyPr>
-          <a:lstStyle>
-            <a:defPPr>
-              <a:defRPr lang="en-US"/>
-            </a:defPPr>
-            <a:lvl1pPr algn="r">
-              <a:defRPr sz="12200" b="0" i="0">
-                <a:solidFill>
-                  <a:schemeClr val="bg2">
-                    <a:lumMod val="40000"/>
-                    <a:lumOff val="60000"/>
+          <a:lstStyle/>
+          <a:p>
+            <a:pPr lvl="0"/>
+            <a:r>
+              <a:rPr lang="en-US" sz="8000" baseline="0" dirty="0">
+                <a:ln w="3175" cmpd="sng">
+                  <a:noFill/>
+                </a:ln>
+                <a:solidFill>
+                  <a:schemeClr val="accent1">
+                    <a:lumMod val="60000"/>
+                    <a:lumOff val="40000"/>
                   </a:schemeClr>
                 </a:solidFill>
+                <a:effectLst/>
                 <a:latin typeface="Arial"/>
-                <a:ea typeface="+mj-ea"/>
-                <a:cs typeface="+mj-cs"/>
-              </a:defRPr>
-            </a:lvl1pPr>
-          </a:lstStyle>
-          <a:p>
-            <a:pPr lvl="0"/>
-            <a:r>
-              <a:rPr lang="en-US" dirty="0"/>
+              </a:rPr>
               <a:t>“</a:t>
             </a:r>
           </a:p>
@@ -1149,55 +1863,57 @@
       </p:sp>
       <p:sp>
         <p:nvSpPr>
-          <p:cNvPr id="15" name="TextBox 14"/>
+          <p:cNvPr id="22" name="TextBox 21"/>
           <p:cNvSpPr txBox="1"/>
           <p:nvPr/>
         </p:nvSpPr>
         <p:spPr>
           <a:xfrm>
-            <a:off x="9330490" y="2613787"/>
-            <a:ext cx="801912" cy="1969770"/>
+            <a:off x="8893011" y="2886556"/>
+            <a:ext cx="609600" cy="584776"/>
           </a:xfrm>
           <a:prstGeom prst="rect">
             <a:avLst/>
           </a:prstGeom>
-          <a:noFill/>
         </p:spPr>
         <p:txBody>
-          <a:bodyPr wrap="square" rtlCol="0">
-            <a:spAutoFit/>
+          <a:bodyPr vert="horz" lIns="91440" tIns="45720" rIns="91440" bIns="45720" rtlCol="0" anchor="ctr">
+            <a:noAutofit/>
           </a:bodyPr>
-          <a:lstStyle>
-            <a:defPPr>
-              <a:defRPr lang="en-US"/>
-            </a:defPPr>
-            <a:lvl1pPr algn="r">
-              <a:defRPr sz="12200" b="0" i="0">
-                <a:solidFill>
-                  <a:schemeClr val="bg2">
-                    <a:lumMod val="40000"/>
-                    <a:lumOff val="60000"/>
+          <a:lstStyle/>
+          <a:p>
+            <a:pPr lvl="0"/>
+            <a:r>
+              <a:rPr lang="en-US" sz="8000" baseline="0" dirty="0">
+                <a:ln w="3175" cmpd="sng">
+                  <a:noFill/>
+                </a:ln>
+                <a:solidFill>
+                  <a:schemeClr val="accent1">
+                    <a:lumMod val="60000"/>
+                    <a:lumOff val="40000"/>
                   </a:schemeClr>
                 </a:solidFill>
                 <a:latin typeface="Arial"/>
-                <a:ea typeface="+mj-ea"/>
-                <a:cs typeface="+mj-cs"/>
-              </a:defRPr>
-            </a:lvl1pPr>
-          </a:lstStyle>
-          <a:p>
-            <a:pPr lvl="0"/>
-            <a:r>
-              <a:rPr lang="en-US" dirty="0"/>
+              </a:rPr>
               <a:t>”</a:t>
             </a:r>
+            <a:endParaRPr lang="en-US" dirty="0">
+              <a:solidFill>
+                <a:schemeClr val="accent1">
+                  <a:lumMod val="60000"/>
+                  <a:lumOff val="40000"/>
+                </a:schemeClr>
+              </a:solidFill>
+              <a:latin typeface="Arial"/>
+            </a:endParaRPr>
           </a:p>
         </p:txBody>
       </p:sp>
     </p:spTree>
     <p:extLst>
       <p:ext uri="{BB962C8B-B14F-4D97-AF65-F5344CB8AC3E}">
-        <p14:creationId xmlns:p14="http://schemas.microsoft.com/office/powerpoint/2010/main" val="2672447656"/>
+        <p14:creationId xmlns:p14="http://schemas.microsoft.com/office/powerpoint/2010/main" val="2250720395"/>
       </p:ext>
     </p:extLst>
   </p:cSld>
@@ -1207,7 +1923,7 @@
 </p:sldLayout>
 </file>
 
-<file path=ppt/slideLayouts/slideLayout13.xml><?xml version="1.0" encoding="utf-8"?>
+<file path=ppt/slideLayouts/slideLayout12.xml><?xml version="1.0" encoding="utf-8"?>
 <p:sldLayout xmlns:a="http://schemas.openxmlformats.org/drawingml/2006/main" xmlns:r="http://schemas.openxmlformats.org/officeDocument/2006/relationships" xmlns:p="http://schemas.openxmlformats.org/presentationml/2006/main" preserve="1">
   <p:cSld name="Name Card">
     <p:spTree>
@@ -1236,15 +1952,17 @@
         </p:nvSpPr>
         <p:spPr>
           <a:xfrm>
-            <a:off x="1154954" y="3124201"/>
-            <a:ext cx="8825660" cy="1653180"/>
+            <a:off x="677335" y="1931988"/>
+            <a:ext cx="8596668" cy="2595460"/>
           </a:xfrm>
         </p:spPr>
         <p:txBody>
-          <a:bodyPr anchor="b"/>
+          <a:bodyPr anchor="b">
+            <a:normAutofit/>
+          </a:bodyPr>
           <a:lstStyle>
             <a:lvl1pPr algn="l">
-              <a:defRPr sz="4000" b="0" cap="none"/>
+              <a:defRPr sz="4400" b="0" cap="none"/>
             </a:lvl1pPr>
           </a:lstStyle>
           <a:p>
@@ -1268,20 +1986,22 @@
         </p:nvSpPr>
         <p:spPr>
           <a:xfrm>
-            <a:off x="1154954" y="4777381"/>
-            <a:ext cx="8825659" cy="860400"/>
+            <a:off x="677335" y="4527448"/>
+            <a:ext cx="8596668" cy="1513914"/>
           </a:xfrm>
         </p:spPr>
         <p:txBody>
-          <a:bodyPr anchor="t"/>
+          <a:bodyPr anchor="t">
+            <a:normAutofit/>
+          </a:bodyPr>
           <a:lstStyle>
             <a:lvl1pPr marL="0" indent="0" algn="l">
               <a:buNone/>
-              <a:defRPr sz="2000" cap="none">
-                <a:solidFill>
-                  <a:schemeClr val="bg2">
-                    <a:lumMod val="40000"/>
-                    <a:lumOff val="60000"/>
+              <a:defRPr sz="1800">
+                <a:solidFill>
+                  <a:schemeClr val="tx1">
+                    <a:lumMod val="75000"/>
+                    <a:lumOff val="25000"/>
                   </a:schemeClr>
                 </a:solidFill>
               </a:defRPr>
@@ -1391,7 +2111,7 @@
           <a:bodyPr/>
           <a:lstStyle/>
           <a:p>
-            <a:fld id="{C2D2E4A4-709C-4720-8A60-129554F155B1}" type="datetimeFigureOut">
+            <a:fld id="{8A0CA5B6-8176-4083-84C8-8931C71F8050}" type="datetime1">
               <a:rPr lang="en-US" smtClean="0"/>
               <a:t>9/1/2020</a:t>
             </a:fld>
@@ -1414,7 +2134,10 @@
           <a:bodyPr/>
           <a:lstStyle/>
           <a:p>
-            <a:endParaRPr lang="en-US"/>
+            <a:r>
+              <a:rPr lang="en-US"/>
+              <a:t>Healthify-NWMSU</a:t>
+            </a:r>
           </a:p>
         </p:txBody>
       </p:sp>
@@ -1444,7 +2167,7 @@
     </p:spTree>
     <p:extLst>
       <p:ext uri="{BB962C8B-B14F-4D97-AF65-F5344CB8AC3E}">
-        <p14:creationId xmlns:p14="http://schemas.microsoft.com/office/powerpoint/2010/main" val="1372936418"/>
+        <p14:creationId xmlns:p14="http://schemas.microsoft.com/office/powerpoint/2010/main" val="2381594881"/>
       </p:ext>
     </p:extLst>
   </p:cSld>
@@ -1454,9 +2177,9 @@
 </p:sldLayout>
 </file>
 
-<file path=ppt/slideLayouts/slideLayout14.xml><?xml version="1.0" encoding="utf-8"?>
+<file path=ppt/slideLayouts/slideLayout13.xml><?xml version="1.0" encoding="utf-8"?>
 <p:sldLayout xmlns:a="http://schemas.openxmlformats.org/drawingml/2006/main" xmlns:r="http://schemas.openxmlformats.org/officeDocument/2006/relationships" xmlns:p="http://schemas.openxmlformats.org/presentationml/2006/main" preserve="1">
-  <p:cSld name="3 Column">
+  <p:cSld name="Quote Name Card">
     <p:spTree>
       <p:nvGrpSpPr>
         <p:cNvPr id="1" name=""/>
@@ -1481,12 +2204,19 @@
             <p:ph type="title"/>
           </p:nvPr>
         </p:nvSpPr>
-        <p:spPr/>
-        <p:txBody>
-          <a:bodyPr/>
+        <p:spPr>
+          <a:xfrm>
+            <a:off x="931334" y="609600"/>
+            <a:ext cx="8094134" cy="3022600"/>
+          </a:xfrm>
+        </p:spPr>
+        <p:txBody>
+          <a:bodyPr anchor="ctr">
+            <a:normAutofit/>
+          </a:bodyPr>
           <a:lstStyle>
-            <a:lvl1pPr>
-              <a:defRPr sz="4200"/>
+            <a:lvl1pPr algn="l">
+              <a:defRPr sz="4400" b="0" cap="none"/>
             </a:lvl1pPr>
           </a:lstStyle>
           <a:p>
@@ -1500,18 +2230,18 @@
       </p:sp>
       <p:sp>
         <p:nvSpPr>
-          <p:cNvPr id="3" name="Text Placeholder 2"/>
-          <p:cNvSpPr>
-            <a:spLocks noGrp="1"/>
-          </p:cNvSpPr>
-          <p:nvPr>
-            <p:ph type="body" idx="1"/>
+          <p:cNvPr id="23" name="Text Placeholder 9"/>
+          <p:cNvSpPr>
+            <a:spLocks noGrp="1"/>
+          </p:cNvSpPr>
+          <p:nvPr>
+            <p:ph type="body" sz="quarter" idx="13"/>
           </p:nvPr>
         </p:nvSpPr>
         <p:spPr>
           <a:xfrm>
-            <a:off x="632947" y="1981200"/>
-            <a:ext cx="2946866" cy="576262"/>
+            <a:off x="677332" y="4013200"/>
+            <a:ext cx="8596669" cy="514248"/>
           </a:xfrm>
         </p:spPr>
         <p:txBody>
@@ -1520,48 +2250,37 @@
           </a:bodyPr>
           <a:lstStyle>
             <a:lvl1pPr marL="0" indent="0">
-              <a:buNone/>
-              <a:defRPr sz="2400" b="0">
-                <a:solidFill>
-                  <a:schemeClr val="bg2">
-                    <a:lumMod val="40000"/>
-                    <a:lumOff val="60000"/>
+              <a:buFontTx/>
+              <a:buNone/>
+              <a:defRPr sz="2400">
+                <a:solidFill>
+                  <a:schemeClr val="tx1">
+                    <a:lumMod val="75000"/>
+                    <a:lumOff val="25000"/>
                   </a:schemeClr>
                 </a:solidFill>
               </a:defRPr>
             </a:lvl1pPr>
             <a:lvl2pPr marL="457200" indent="0">
-              <a:buNone/>
-              <a:defRPr sz="2000" b="1"/>
+              <a:buFontTx/>
+              <a:buNone/>
+              <a:defRPr/>
             </a:lvl2pPr>
             <a:lvl3pPr marL="914400" indent="0">
-              <a:buNone/>
-              <a:defRPr sz="1800" b="1"/>
+              <a:buFontTx/>
+              <a:buNone/>
+              <a:defRPr/>
             </a:lvl3pPr>
             <a:lvl4pPr marL="1371600" indent="0">
-              <a:buNone/>
-              <a:defRPr sz="1600" b="1"/>
+              <a:buFontTx/>
+              <a:buNone/>
+              <a:defRPr/>
             </a:lvl4pPr>
             <a:lvl5pPr marL="1828800" indent="0">
-              <a:buNone/>
-              <a:defRPr sz="1600" b="1"/>
+              <a:buFontTx/>
+              <a:buNone/>
+              <a:defRPr/>
             </a:lvl5pPr>
-            <a:lvl6pPr marL="2286000" indent="0">
-              <a:buNone/>
-              <a:defRPr sz="1600" b="1"/>
-            </a:lvl6pPr>
-            <a:lvl7pPr marL="2743200" indent="0">
-              <a:buNone/>
-              <a:defRPr sz="1600" b="1"/>
-            </a:lvl7pPr>
-            <a:lvl8pPr marL="3200400" indent="0">
-              <a:buNone/>
-              <a:defRPr sz="1600" b="1"/>
-            </a:lvl8pPr>
-            <a:lvl9pPr marL="3657600" indent="0">
-              <a:buNone/>
-              <a:defRPr sz="1600" b="1"/>
-            </a:lvl9pPr>
           </a:lstStyle>
           <a:p>
             <a:pPr lvl="0"/>
@@ -1574,18 +2293,18 @@
       </p:sp>
       <p:sp>
         <p:nvSpPr>
-          <p:cNvPr id="16" name="Text Placeholder 3"/>
-          <p:cNvSpPr>
-            <a:spLocks noGrp="1"/>
-          </p:cNvSpPr>
-          <p:nvPr>
-            <p:ph type="body" sz="half" idx="15"/>
+          <p:cNvPr id="3" name="Text Placeholder 2"/>
+          <p:cNvSpPr>
+            <a:spLocks noGrp="1"/>
+          </p:cNvSpPr>
+          <p:nvPr>
+            <p:ph type="body" idx="1"/>
           </p:nvPr>
         </p:nvSpPr>
         <p:spPr>
           <a:xfrm>
-            <a:off x="652463" y="2667000"/>
-            <a:ext cx="2927350" cy="3589338"/>
+            <a:off x="677335" y="4527448"/>
+            <a:ext cx="8596668" cy="1513914"/>
           </a:xfrm>
         </p:spPr>
         <p:txBody>
@@ -1593,115 +2312,96 @@
             <a:normAutofit/>
           </a:bodyPr>
           <a:lstStyle>
-            <a:lvl1pPr marL="0" indent="0">
-              <a:buNone/>
-              <a:defRPr sz="1400"/>
-            </a:lvl1pPr>
-            <a:lvl2pPr marL="457200" indent="0">
-              <a:buNone/>
-              <a:defRPr sz="1200"/>
-            </a:lvl2pPr>
-            <a:lvl3pPr marL="914400" indent="0">
-              <a:buNone/>
-              <a:defRPr sz="1000"/>
-            </a:lvl3pPr>
-            <a:lvl4pPr marL="1371600" indent="0">
-              <a:buNone/>
-              <a:defRPr sz="900"/>
-            </a:lvl4pPr>
-            <a:lvl5pPr marL="1828800" indent="0">
-              <a:buNone/>
-              <a:defRPr sz="900"/>
-            </a:lvl5pPr>
-            <a:lvl6pPr marL="2286000" indent="0">
-              <a:buNone/>
-              <a:defRPr sz="900"/>
-            </a:lvl6pPr>
-            <a:lvl7pPr marL="2743200" indent="0">
-              <a:buNone/>
-              <a:defRPr sz="900"/>
-            </a:lvl7pPr>
-            <a:lvl8pPr marL="3200400" indent="0">
-              <a:buNone/>
-              <a:defRPr sz="900"/>
-            </a:lvl8pPr>
-            <a:lvl9pPr marL="3657600" indent="0">
-              <a:buNone/>
-              <a:defRPr sz="900"/>
-            </a:lvl9pPr>
-          </a:lstStyle>
-          <a:p>
-            <a:pPr lvl="0"/>
-            <a:r>
-              <a:rPr lang="en-US"/>
-              <a:t>Click to edit Master text styles</a:t>
-            </a:r>
-          </a:p>
-        </p:txBody>
-      </p:sp>
-      <p:sp>
-        <p:nvSpPr>
-          <p:cNvPr id="5" name="Text Placeholder 4"/>
-          <p:cNvSpPr>
-            <a:spLocks noGrp="1"/>
-          </p:cNvSpPr>
-          <p:nvPr>
-            <p:ph type="body" sz="quarter" idx="3"/>
-          </p:nvPr>
-        </p:nvSpPr>
-        <p:spPr>
-          <a:xfrm>
-            <a:off x="3883659" y="1981200"/>
-            <a:ext cx="2936241" cy="576262"/>
-          </a:xfrm>
-        </p:spPr>
-        <p:txBody>
-          <a:bodyPr anchor="b">
-            <a:noAutofit/>
-          </a:bodyPr>
-          <a:lstStyle>
-            <a:lvl1pPr marL="0" indent="0">
-              <a:buNone/>
-              <a:defRPr sz="2400" b="0">
-                <a:solidFill>
-                  <a:schemeClr val="bg2">
-                    <a:lumMod val="40000"/>
-                    <a:lumOff val="60000"/>
+            <a:lvl1pPr marL="0" indent="0" algn="l">
+              <a:buNone/>
+              <a:defRPr sz="1800">
+                <a:solidFill>
+                  <a:schemeClr val="tx1">
+                    <a:lumMod val="50000"/>
+                    <a:lumOff val="50000"/>
                   </a:schemeClr>
                 </a:solidFill>
               </a:defRPr>
             </a:lvl1pPr>
             <a:lvl2pPr marL="457200" indent="0">
               <a:buNone/>
-              <a:defRPr sz="2000" b="1"/>
+              <a:defRPr sz="1800">
+                <a:solidFill>
+                  <a:schemeClr val="tx1">
+                    <a:tint val="75000"/>
+                  </a:schemeClr>
+                </a:solidFill>
+              </a:defRPr>
             </a:lvl2pPr>
             <a:lvl3pPr marL="914400" indent="0">
               <a:buNone/>
-              <a:defRPr sz="1800" b="1"/>
+              <a:defRPr sz="1600">
+                <a:solidFill>
+                  <a:schemeClr val="tx1">
+                    <a:tint val="75000"/>
+                  </a:schemeClr>
+                </a:solidFill>
+              </a:defRPr>
             </a:lvl3pPr>
             <a:lvl4pPr marL="1371600" indent="0">
               <a:buNone/>
-              <a:defRPr sz="1600" b="1"/>
+              <a:defRPr sz="1400">
+                <a:solidFill>
+                  <a:schemeClr val="tx1">
+                    <a:tint val="75000"/>
+                  </a:schemeClr>
+                </a:solidFill>
+              </a:defRPr>
             </a:lvl4pPr>
             <a:lvl5pPr marL="1828800" indent="0">
               <a:buNone/>
-              <a:defRPr sz="1600" b="1"/>
+              <a:defRPr sz="1400">
+                <a:solidFill>
+                  <a:schemeClr val="tx1">
+                    <a:tint val="75000"/>
+                  </a:schemeClr>
+                </a:solidFill>
+              </a:defRPr>
             </a:lvl5pPr>
             <a:lvl6pPr marL="2286000" indent="0">
               <a:buNone/>
-              <a:defRPr sz="1600" b="1"/>
+              <a:defRPr sz="1400">
+                <a:solidFill>
+                  <a:schemeClr val="tx1">
+                    <a:tint val="75000"/>
+                  </a:schemeClr>
+                </a:solidFill>
+              </a:defRPr>
             </a:lvl6pPr>
             <a:lvl7pPr marL="2743200" indent="0">
               <a:buNone/>
-              <a:defRPr sz="1600" b="1"/>
+              <a:defRPr sz="1400">
+                <a:solidFill>
+                  <a:schemeClr val="tx1">
+                    <a:tint val="75000"/>
+                  </a:schemeClr>
+                </a:solidFill>
+              </a:defRPr>
             </a:lvl7pPr>
             <a:lvl8pPr marL="3200400" indent="0">
               <a:buNone/>
-              <a:defRPr sz="1600" b="1"/>
+              <a:defRPr sz="1400">
+                <a:solidFill>
+                  <a:schemeClr val="tx1">
+                    <a:tint val="75000"/>
+                  </a:schemeClr>
+                </a:solidFill>
+              </a:defRPr>
             </a:lvl8pPr>
             <a:lvl9pPr marL="3657600" indent="0">
               <a:buNone/>
-              <a:defRPr sz="1600" b="1"/>
+              <a:defRPr sz="1400">
+                <a:solidFill>
+                  <a:schemeClr val="tx1">
+                    <a:tint val="75000"/>
+                  </a:schemeClr>
+                </a:solidFill>
+              </a:defRPr>
             </a:lvl9pPr>
           </a:lstStyle>
           <a:p>
@@ -1715,293 +2415,7 @@
       </p:sp>
       <p:sp>
         <p:nvSpPr>
-          <p:cNvPr id="19" name="Text Placeholder 3"/>
-          <p:cNvSpPr>
-            <a:spLocks noGrp="1"/>
-          </p:cNvSpPr>
-          <p:nvPr>
-            <p:ph type="body" sz="half" idx="16"/>
-          </p:nvPr>
-        </p:nvSpPr>
-        <p:spPr>
-          <a:xfrm>
-            <a:off x="3873106" y="2667000"/>
-            <a:ext cx="2946794" cy="3589338"/>
-          </a:xfrm>
-        </p:spPr>
-        <p:txBody>
-          <a:bodyPr anchor="t">
-            <a:normAutofit/>
-          </a:bodyPr>
-          <a:lstStyle>
-            <a:lvl1pPr marL="0" indent="0">
-              <a:buNone/>
-              <a:defRPr sz="1400"/>
-            </a:lvl1pPr>
-            <a:lvl2pPr marL="457200" indent="0">
-              <a:buNone/>
-              <a:defRPr sz="1200"/>
-            </a:lvl2pPr>
-            <a:lvl3pPr marL="914400" indent="0">
-              <a:buNone/>
-              <a:defRPr sz="1000"/>
-            </a:lvl3pPr>
-            <a:lvl4pPr marL="1371600" indent="0">
-              <a:buNone/>
-              <a:defRPr sz="900"/>
-            </a:lvl4pPr>
-            <a:lvl5pPr marL="1828800" indent="0">
-              <a:buNone/>
-              <a:defRPr sz="900"/>
-            </a:lvl5pPr>
-            <a:lvl6pPr marL="2286000" indent="0">
-              <a:buNone/>
-              <a:defRPr sz="900"/>
-            </a:lvl6pPr>
-            <a:lvl7pPr marL="2743200" indent="0">
-              <a:buNone/>
-              <a:defRPr sz="900"/>
-            </a:lvl7pPr>
-            <a:lvl8pPr marL="3200400" indent="0">
-              <a:buNone/>
-              <a:defRPr sz="900"/>
-            </a:lvl8pPr>
-            <a:lvl9pPr marL="3657600" indent="0">
-              <a:buNone/>
-              <a:defRPr sz="900"/>
-            </a:lvl9pPr>
-          </a:lstStyle>
-          <a:p>
-            <a:pPr lvl="0"/>
-            <a:r>
-              <a:rPr lang="en-US"/>
-              <a:t>Click to edit Master text styles</a:t>
-            </a:r>
-          </a:p>
-        </p:txBody>
-      </p:sp>
-      <p:sp>
-        <p:nvSpPr>
-          <p:cNvPr id="14" name="Text Placeholder 4"/>
-          <p:cNvSpPr>
-            <a:spLocks noGrp="1"/>
-          </p:cNvSpPr>
-          <p:nvPr>
-            <p:ph type="body" sz="quarter" idx="13"/>
-          </p:nvPr>
-        </p:nvSpPr>
-        <p:spPr>
-          <a:xfrm>
-            <a:off x="7124700" y="1981200"/>
-            <a:ext cx="2932113" cy="576262"/>
-          </a:xfrm>
-        </p:spPr>
-        <p:txBody>
-          <a:bodyPr anchor="b">
-            <a:noAutofit/>
-          </a:bodyPr>
-          <a:lstStyle>
-            <a:lvl1pPr marL="0" indent="0">
-              <a:buNone/>
-              <a:defRPr sz="2400" b="0">
-                <a:solidFill>
-                  <a:schemeClr val="bg2">
-                    <a:lumMod val="40000"/>
-                    <a:lumOff val="60000"/>
-                  </a:schemeClr>
-                </a:solidFill>
-              </a:defRPr>
-            </a:lvl1pPr>
-            <a:lvl2pPr marL="457200" indent="0">
-              <a:buNone/>
-              <a:defRPr sz="2000" b="1"/>
-            </a:lvl2pPr>
-            <a:lvl3pPr marL="914400" indent="0">
-              <a:buNone/>
-              <a:defRPr sz="1800" b="1"/>
-            </a:lvl3pPr>
-            <a:lvl4pPr marL="1371600" indent="0">
-              <a:buNone/>
-              <a:defRPr sz="1600" b="1"/>
-            </a:lvl4pPr>
-            <a:lvl5pPr marL="1828800" indent="0">
-              <a:buNone/>
-              <a:defRPr sz="1600" b="1"/>
-            </a:lvl5pPr>
-            <a:lvl6pPr marL="2286000" indent="0">
-              <a:buNone/>
-              <a:defRPr sz="1600" b="1"/>
-            </a:lvl6pPr>
-            <a:lvl7pPr marL="2743200" indent="0">
-              <a:buNone/>
-              <a:defRPr sz="1600" b="1"/>
-            </a:lvl7pPr>
-            <a:lvl8pPr marL="3200400" indent="0">
-              <a:buNone/>
-              <a:defRPr sz="1600" b="1"/>
-            </a:lvl8pPr>
-            <a:lvl9pPr marL="3657600" indent="0">
-              <a:buNone/>
-              <a:defRPr sz="1600" b="1"/>
-            </a:lvl9pPr>
-          </a:lstStyle>
-          <a:p>
-            <a:pPr lvl="0"/>
-            <a:r>
-              <a:rPr lang="en-US"/>
-              <a:t>Click to edit Master text styles</a:t>
-            </a:r>
-          </a:p>
-        </p:txBody>
-      </p:sp>
-      <p:sp>
-        <p:nvSpPr>
-          <p:cNvPr id="20" name="Text Placeholder 3"/>
-          <p:cNvSpPr>
-            <a:spLocks noGrp="1"/>
-          </p:cNvSpPr>
-          <p:nvPr>
-            <p:ph type="body" sz="half" idx="17"/>
-          </p:nvPr>
-        </p:nvSpPr>
-        <p:spPr>
-          <a:xfrm>
-            <a:off x="7124700" y="2667000"/>
-            <a:ext cx="2932113" cy="3589338"/>
-          </a:xfrm>
-        </p:spPr>
-        <p:txBody>
-          <a:bodyPr anchor="t">
-            <a:normAutofit/>
-          </a:bodyPr>
-          <a:lstStyle>
-            <a:lvl1pPr marL="0" indent="0">
-              <a:buNone/>
-              <a:defRPr sz="1400"/>
-            </a:lvl1pPr>
-            <a:lvl2pPr marL="457200" indent="0">
-              <a:buNone/>
-              <a:defRPr sz="1200"/>
-            </a:lvl2pPr>
-            <a:lvl3pPr marL="914400" indent="0">
-              <a:buNone/>
-              <a:defRPr sz="1000"/>
-            </a:lvl3pPr>
-            <a:lvl4pPr marL="1371600" indent="0">
-              <a:buNone/>
-              <a:defRPr sz="900"/>
-            </a:lvl4pPr>
-            <a:lvl5pPr marL="1828800" indent="0">
-              <a:buNone/>
-              <a:defRPr sz="900"/>
-            </a:lvl5pPr>
-            <a:lvl6pPr marL="2286000" indent="0">
-              <a:buNone/>
-              <a:defRPr sz="900"/>
-            </a:lvl6pPr>
-            <a:lvl7pPr marL="2743200" indent="0">
-              <a:buNone/>
-              <a:defRPr sz="900"/>
-            </a:lvl7pPr>
-            <a:lvl8pPr marL="3200400" indent="0">
-              <a:buNone/>
-              <a:defRPr sz="900"/>
-            </a:lvl8pPr>
-            <a:lvl9pPr marL="3657600" indent="0">
-              <a:buNone/>
-              <a:defRPr sz="900"/>
-            </a:lvl9pPr>
-          </a:lstStyle>
-          <a:p>
-            <a:pPr lvl="0"/>
-            <a:r>
-              <a:rPr lang="en-US"/>
-              <a:t>Click to edit Master text styles</a:t>
-            </a:r>
-          </a:p>
-        </p:txBody>
-      </p:sp>
-      <p:cxnSp>
-        <p:nvCxnSpPr>
-          <p:cNvPr id="17" name="Straight Connector 16"/>
-          <p:cNvCxnSpPr/>
-          <p:nvPr/>
-        </p:nvCxnSpPr>
-        <p:spPr>
-          <a:xfrm>
-            <a:off x="3726142" y="2133600"/>
-            <a:ext cx="0" cy="3962400"/>
-          </a:xfrm>
-          <a:prstGeom prst="line">
-            <a:avLst/>
-          </a:prstGeom>
-          <a:ln w="12700" cmpd="sng">
-            <a:solidFill>
-              <a:schemeClr val="bg2">
-                <a:lumMod val="40000"/>
-                <a:lumOff val="60000"/>
-                <a:alpha val="40000"/>
-              </a:schemeClr>
-            </a:solidFill>
-          </a:ln>
-        </p:spPr>
-        <p:style>
-          <a:lnRef idx="2">
-            <a:schemeClr val="accent1"/>
-          </a:lnRef>
-          <a:fillRef idx="0">
-            <a:schemeClr val="accent1"/>
-          </a:fillRef>
-          <a:effectRef idx="1">
-            <a:schemeClr val="accent1"/>
-          </a:effectRef>
-          <a:fontRef idx="minor">
-            <a:schemeClr val="tx1"/>
-          </a:fontRef>
-        </p:style>
-      </p:cxnSp>
-      <p:cxnSp>
-        <p:nvCxnSpPr>
-          <p:cNvPr id="18" name="Straight Connector 17"/>
-          <p:cNvCxnSpPr/>
-          <p:nvPr/>
-        </p:nvCxnSpPr>
-        <p:spPr>
-          <a:xfrm>
-            <a:off x="6962227" y="2133600"/>
-            <a:ext cx="0" cy="3966882"/>
-          </a:xfrm>
-          <a:prstGeom prst="line">
-            <a:avLst/>
-          </a:prstGeom>
-          <a:ln w="12700" cmpd="sng">
-            <a:solidFill>
-              <a:schemeClr val="bg2">
-                <a:lumMod val="40000"/>
-                <a:lumOff val="60000"/>
-                <a:alpha val="40000"/>
-              </a:schemeClr>
-            </a:solidFill>
-          </a:ln>
-        </p:spPr>
-        <p:style>
-          <a:lnRef idx="2">
-            <a:schemeClr val="accent1"/>
-          </a:lnRef>
-          <a:fillRef idx="0">
-            <a:schemeClr val="accent1"/>
-          </a:fillRef>
-          <a:effectRef idx="1">
-            <a:schemeClr val="accent1"/>
-          </a:effectRef>
-          <a:fontRef idx="minor">
-            <a:schemeClr val="tx1"/>
-          </a:fontRef>
-        </p:style>
-      </p:cxnSp>
-      <p:sp>
-        <p:nvSpPr>
-          <p:cNvPr id="7" name="Date Placeholder 3"/>
+          <p:cNvPr id="4" name="Date Placeholder 3"/>
           <p:cNvSpPr>
             <a:spLocks noGrp="1"/>
           </p:cNvSpPr>
@@ -2014,7 +2428,7 @@
           <a:bodyPr/>
           <a:lstStyle/>
           <a:p>
-            <a:fld id="{C2D2E4A4-709C-4720-8A60-129554F155B1}" type="datetimeFigureOut">
+            <a:fld id="{A2FBAB3E-A674-40AA-ACA8-5A81BD2531B0}" type="datetime1">
               <a:rPr lang="en-US" smtClean="0"/>
               <a:t>9/1/2020</a:t>
             </a:fld>
@@ -2024,7 +2438,7 @@
       </p:sp>
       <p:sp>
         <p:nvSpPr>
-          <p:cNvPr id="4" name="Footer Placeholder 4"/>
+          <p:cNvPr id="5" name="Footer Placeholder 4"/>
           <p:cNvSpPr>
             <a:spLocks noGrp="1"/>
           </p:cNvSpPr>
@@ -2037,7 +2451,10 @@
           <a:bodyPr/>
           <a:lstStyle/>
           <a:p>
-            <a:endParaRPr lang="en-US"/>
+            <a:r>
+              <a:rPr lang="en-US"/>
+              <a:t>Healthify-NWMSU</a:t>
+            </a:r>
           </a:p>
         </p:txBody>
       </p:sp>
@@ -2064,10 +2481,92 @@
           </a:p>
         </p:txBody>
       </p:sp>
+      <p:sp>
+        <p:nvSpPr>
+          <p:cNvPr id="24" name="TextBox 23"/>
+          <p:cNvSpPr txBox="1"/>
+          <p:nvPr/>
+        </p:nvSpPr>
+        <p:spPr>
+          <a:xfrm>
+            <a:off x="541870" y="790378"/>
+            <a:ext cx="609600" cy="584776"/>
+          </a:xfrm>
+          <a:prstGeom prst="rect">
+            <a:avLst/>
+          </a:prstGeom>
+        </p:spPr>
+        <p:txBody>
+          <a:bodyPr vert="horz" lIns="91440" tIns="45720" rIns="91440" bIns="45720" rtlCol="0" anchor="ctr">
+            <a:noAutofit/>
+          </a:bodyPr>
+          <a:lstStyle/>
+          <a:p>
+            <a:pPr lvl="0"/>
+            <a:r>
+              <a:rPr lang="en-US" sz="8000" baseline="0" dirty="0">
+                <a:ln w="3175" cmpd="sng">
+                  <a:noFill/>
+                </a:ln>
+                <a:solidFill>
+                  <a:schemeClr val="accent1">
+                    <a:lumMod val="60000"/>
+                    <a:lumOff val="40000"/>
+                  </a:schemeClr>
+                </a:solidFill>
+                <a:effectLst/>
+                <a:latin typeface="Arial"/>
+              </a:rPr>
+              <a:t>“</a:t>
+            </a:r>
+          </a:p>
+        </p:txBody>
+      </p:sp>
+      <p:sp>
+        <p:nvSpPr>
+          <p:cNvPr id="25" name="TextBox 24"/>
+          <p:cNvSpPr txBox="1"/>
+          <p:nvPr/>
+        </p:nvSpPr>
+        <p:spPr>
+          <a:xfrm>
+            <a:off x="8893011" y="2886556"/>
+            <a:ext cx="609600" cy="584776"/>
+          </a:xfrm>
+          <a:prstGeom prst="rect">
+            <a:avLst/>
+          </a:prstGeom>
+        </p:spPr>
+        <p:txBody>
+          <a:bodyPr vert="horz" lIns="91440" tIns="45720" rIns="91440" bIns="45720" rtlCol="0" anchor="ctr">
+            <a:noAutofit/>
+          </a:bodyPr>
+          <a:lstStyle/>
+          <a:p>
+            <a:pPr lvl="0"/>
+            <a:r>
+              <a:rPr lang="en-US" sz="8000" baseline="0" dirty="0">
+                <a:ln w="3175" cmpd="sng">
+                  <a:noFill/>
+                </a:ln>
+                <a:solidFill>
+                  <a:schemeClr val="accent1">
+                    <a:lumMod val="60000"/>
+                    <a:lumOff val="40000"/>
+                  </a:schemeClr>
+                </a:solidFill>
+                <a:effectLst/>
+                <a:latin typeface="Arial"/>
+              </a:rPr>
+              <a:t>”</a:t>
+            </a:r>
+          </a:p>
+        </p:txBody>
+      </p:sp>
     </p:spTree>
     <p:extLst>
       <p:ext uri="{BB962C8B-B14F-4D97-AF65-F5344CB8AC3E}">
-        <p14:creationId xmlns:p14="http://schemas.microsoft.com/office/powerpoint/2010/main" val="1994331951"/>
+        <p14:creationId xmlns:p14="http://schemas.microsoft.com/office/powerpoint/2010/main" val="1954950627"/>
       </p:ext>
     </p:extLst>
   </p:cSld>
@@ -2077,9 +2576,9 @@
 </p:sldLayout>
 </file>
 
-<file path=ppt/slideLayouts/slideLayout15.xml><?xml version="1.0" encoding="utf-8"?>
+<file path=ppt/slideLayouts/slideLayout14.xml><?xml version="1.0" encoding="utf-8"?>
 <p:sldLayout xmlns:a="http://schemas.openxmlformats.org/drawingml/2006/main" xmlns:r="http://schemas.openxmlformats.org/officeDocument/2006/relationships" xmlns:p="http://schemas.openxmlformats.org/presentationml/2006/main" preserve="1">
-  <p:cSld name="3 Picture Column">
+  <p:cSld name="True or False">
     <p:spTree>
       <p:nvGrpSpPr>
         <p:cNvPr id="1" name=""/>
@@ -2104,12 +2603,19 @@
             <p:ph type="title"/>
           </p:nvPr>
         </p:nvSpPr>
-        <p:spPr/>
-        <p:txBody>
-          <a:bodyPr/>
+        <p:spPr>
+          <a:xfrm>
+            <a:off x="685799" y="609600"/>
+            <a:ext cx="8588203" cy="3022600"/>
+          </a:xfrm>
+        </p:spPr>
+        <p:txBody>
+          <a:bodyPr anchor="ctr">
+            <a:normAutofit/>
+          </a:bodyPr>
           <a:lstStyle>
-            <a:lvl1pPr>
-              <a:defRPr sz="4200"/>
+            <a:lvl1pPr algn="l">
+              <a:defRPr sz="4400" b="0" cap="none"/>
             </a:lvl1pPr>
           </a:lstStyle>
           <a:p>
@@ -2123,18 +2629,18 @@
       </p:sp>
       <p:sp>
         <p:nvSpPr>
-          <p:cNvPr id="3" name="Text Placeholder 2"/>
-          <p:cNvSpPr>
-            <a:spLocks noGrp="1"/>
-          </p:cNvSpPr>
-          <p:nvPr>
-            <p:ph type="body" idx="1"/>
+          <p:cNvPr id="23" name="Text Placeholder 9"/>
+          <p:cNvSpPr>
+            <a:spLocks noGrp="1"/>
+          </p:cNvSpPr>
+          <p:nvPr>
+            <p:ph type="body" sz="quarter" idx="13"/>
           </p:nvPr>
         </p:nvSpPr>
         <p:spPr>
           <a:xfrm>
-            <a:off x="652463" y="4250949"/>
-            <a:ext cx="2940050" cy="576262"/>
+            <a:off x="677332" y="4013200"/>
+            <a:ext cx="8596669" cy="514248"/>
           </a:xfrm>
         </p:spPr>
         <p:txBody>
@@ -2143,48 +2649,34 @@
           </a:bodyPr>
           <a:lstStyle>
             <a:lvl1pPr marL="0" indent="0">
-              <a:buNone/>
-              <a:defRPr sz="2400" b="0">
-                <a:solidFill>
-                  <a:schemeClr val="bg2">
-                    <a:lumMod val="40000"/>
-                    <a:lumOff val="60000"/>
-                  </a:schemeClr>
+              <a:buFontTx/>
+              <a:buNone/>
+              <a:defRPr sz="2400">
+                <a:solidFill>
+                  <a:schemeClr val="accent1"/>
                 </a:solidFill>
               </a:defRPr>
             </a:lvl1pPr>
             <a:lvl2pPr marL="457200" indent="0">
-              <a:buNone/>
-              <a:defRPr sz="2000" b="1"/>
+              <a:buFontTx/>
+              <a:buNone/>
+              <a:defRPr/>
             </a:lvl2pPr>
             <a:lvl3pPr marL="914400" indent="0">
-              <a:buNone/>
-              <a:defRPr sz="1800" b="1"/>
+              <a:buFontTx/>
+              <a:buNone/>
+              <a:defRPr/>
             </a:lvl3pPr>
             <a:lvl4pPr marL="1371600" indent="0">
-              <a:buNone/>
-              <a:defRPr sz="1600" b="1"/>
+              <a:buFontTx/>
+              <a:buNone/>
+              <a:defRPr/>
             </a:lvl4pPr>
             <a:lvl5pPr marL="1828800" indent="0">
-              <a:buNone/>
-              <a:defRPr sz="1600" b="1"/>
+              <a:buFontTx/>
+              <a:buNone/>
+              <a:defRPr/>
             </a:lvl5pPr>
-            <a:lvl6pPr marL="2286000" indent="0">
-              <a:buNone/>
-              <a:defRPr sz="1600" b="1"/>
-            </a:lvl6pPr>
-            <a:lvl7pPr marL="2743200" indent="0">
-              <a:buNone/>
-              <a:defRPr sz="1600" b="1"/>
-            </a:lvl7pPr>
-            <a:lvl8pPr marL="3200400" indent="0">
-              <a:buNone/>
-              <a:defRPr sz="1600" b="1"/>
-            </a:lvl8pPr>
-            <a:lvl9pPr marL="3657600" indent="0">
-              <a:buNone/>
-              <a:defRPr sz="1600" b="1"/>
-            </a:lvl9pPr>
           </a:lstStyle>
           <a:p>
             <a:pPr lvl="0"/>
@@ -2197,213 +2689,115 @@
       </p:sp>
       <p:sp>
         <p:nvSpPr>
-          <p:cNvPr id="29" name="Picture Placeholder 2"/>
-          <p:cNvSpPr>
-            <a:spLocks noGrp="1" noChangeAspect="1"/>
-          </p:cNvSpPr>
-          <p:nvPr>
-            <p:ph type="pic" idx="15"/>
+          <p:cNvPr id="3" name="Text Placeholder 2"/>
+          <p:cNvSpPr>
+            <a:spLocks noGrp="1"/>
+          </p:cNvSpPr>
+          <p:nvPr>
+            <p:ph type="body" idx="1"/>
           </p:nvPr>
         </p:nvSpPr>
         <p:spPr>
           <a:xfrm>
-            <a:off x="652463" y="2209800"/>
-            <a:ext cx="2940050" cy="1524000"/>
+            <a:off x="677335" y="4527448"/>
+            <a:ext cx="8596668" cy="1513914"/>
           </a:xfrm>
-          <a:prstGeom prst="roundRect">
-            <a:avLst>
-              <a:gd name="adj" fmla="val 1858"/>
-            </a:avLst>
-          </a:prstGeom>
-          <a:effectLst>
-            <a:outerShdw blurRad="50800" dist="50800" dir="5400000" algn="tl" rotWithShape="0">
-              <a:srgbClr val="000000">
-                <a:alpha val="43000"/>
-              </a:srgbClr>
-            </a:outerShdw>
-          </a:effectLst>
         </p:spPr>
         <p:txBody>
           <a:bodyPr anchor="t">
             <a:normAutofit/>
           </a:bodyPr>
           <a:lstStyle>
-            <a:lvl1pPr marL="0" indent="0" algn="ctr">
-              <a:buNone/>
-              <a:defRPr sz="1600"/>
-            </a:lvl1pPr>
-            <a:lvl2pPr marL="457200" indent="0">
-              <a:buNone/>
-              <a:defRPr sz="1600"/>
-            </a:lvl2pPr>
-            <a:lvl3pPr marL="914400" indent="0">
-              <a:buNone/>
-              <a:defRPr sz="1600"/>
-            </a:lvl3pPr>
-            <a:lvl4pPr marL="1371600" indent="0">
-              <a:buNone/>
-              <a:defRPr sz="1600"/>
-            </a:lvl4pPr>
-            <a:lvl5pPr marL="1828800" indent="0">
-              <a:buNone/>
-              <a:defRPr sz="1600"/>
-            </a:lvl5pPr>
-            <a:lvl6pPr marL="2286000" indent="0">
-              <a:buNone/>
-              <a:defRPr sz="1600"/>
-            </a:lvl6pPr>
-            <a:lvl7pPr marL="2743200" indent="0">
-              <a:buNone/>
-              <a:defRPr sz="1600"/>
-            </a:lvl7pPr>
-            <a:lvl8pPr marL="3200400" indent="0">
-              <a:buNone/>
-              <a:defRPr sz="1600"/>
-            </a:lvl8pPr>
-            <a:lvl9pPr marL="3657600" indent="0">
-              <a:buNone/>
-              <a:defRPr sz="1600"/>
-            </a:lvl9pPr>
-          </a:lstStyle>
-          <a:p>
-            <a:r>
-              <a:rPr lang="en-US"/>
-              <a:t>Click icon to add picture</a:t>
-            </a:r>
-            <a:endParaRPr lang="en-US" dirty="0"/>
-          </a:p>
-        </p:txBody>
-      </p:sp>
-      <p:sp>
-        <p:nvSpPr>
-          <p:cNvPr id="22" name="Text Placeholder 3"/>
-          <p:cNvSpPr>
-            <a:spLocks noGrp="1"/>
-          </p:cNvSpPr>
-          <p:nvPr>
-            <p:ph type="body" sz="half" idx="18"/>
-          </p:nvPr>
-        </p:nvSpPr>
-        <p:spPr>
-          <a:xfrm>
-            <a:off x="652463" y="4827211"/>
-            <a:ext cx="2940050" cy="659189"/>
-          </a:xfrm>
-        </p:spPr>
-        <p:txBody>
-          <a:bodyPr anchor="t">
-            <a:normAutofit/>
-          </a:bodyPr>
-          <a:lstStyle>
-            <a:lvl1pPr marL="0" indent="0">
-              <a:buNone/>
-              <a:defRPr sz="1400"/>
-            </a:lvl1pPr>
-            <a:lvl2pPr marL="457200" indent="0">
-              <a:buNone/>
-              <a:defRPr sz="1200"/>
-            </a:lvl2pPr>
-            <a:lvl3pPr marL="914400" indent="0">
-              <a:buNone/>
-              <a:defRPr sz="1000"/>
-            </a:lvl3pPr>
-            <a:lvl4pPr marL="1371600" indent="0">
-              <a:buNone/>
-              <a:defRPr sz="900"/>
-            </a:lvl4pPr>
-            <a:lvl5pPr marL="1828800" indent="0">
-              <a:buNone/>
-              <a:defRPr sz="900"/>
-            </a:lvl5pPr>
-            <a:lvl6pPr marL="2286000" indent="0">
-              <a:buNone/>
-              <a:defRPr sz="900"/>
-            </a:lvl6pPr>
-            <a:lvl7pPr marL="2743200" indent="0">
-              <a:buNone/>
-              <a:defRPr sz="900"/>
-            </a:lvl7pPr>
-            <a:lvl8pPr marL="3200400" indent="0">
-              <a:buNone/>
-              <a:defRPr sz="900"/>
-            </a:lvl8pPr>
-            <a:lvl9pPr marL="3657600" indent="0">
-              <a:buNone/>
-              <a:defRPr sz="900"/>
-            </a:lvl9pPr>
-          </a:lstStyle>
-          <a:p>
-            <a:pPr lvl="0"/>
-            <a:r>
-              <a:rPr lang="en-US"/>
-              <a:t>Click to edit Master text styles</a:t>
-            </a:r>
-          </a:p>
-        </p:txBody>
-      </p:sp>
-      <p:sp>
-        <p:nvSpPr>
-          <p:cNvPr id="5" name="Text Placeholder 4"/>
-          <p:cNvSpPr>
-            <a:spLocks noGrp="1"/>
-          </p:cNvSpPr>
-          <p:nvPr>
-            <p:ph type="body" sz="quarter" idx="3"/>
-          </p:nvPr>
-        </p:nvSpPr>
-        <p:spPr>
-          <a:xfrm>
-            <a:off x="3889375" y="4250949"/>
-            <a:ext cx="2930525" cy="576262"/>
-          </a:xfrm>
-        </p:spPr>
-        <p:txBody>
-          <a:bodyPr anchor="b">
-            <a:noAutofit/>
-          </a:bodyPr>
-          <a:lstStyle>
-            <a:lvl1pPr marL="0" indent="0">
-              <a:buNone/>
-              <a:defRPr sz="2400" b="0">
-                <a:solidFill>
-                  <a:schemeClr val="bg2">
-                    <a:lumMod val="40000"/>
-                    <a:lumOff val="60000"/>
+            <a:lvl1pPr marL="0" indent="0" algn="l">
+              <a:buNone/>
+              <a:defRPr sz="1800">
+                <a:solidFill>
+                  <a:schemeClr val="tx1">
+                    <a:lumMod val="50000"/>
+                    <a:lumOff val="50000"/>
                   </a:schemeClr>
                 </a:solidFill>
               </a:defRPr>
             </a:lvl1pPr>
             <a:lvl2pPr marL="457200" indent="0">
               <a:buNone/>
-              <a:defRPr sz="2000" b="1"/>
+              <a:defRPr sz="1800">
+                <a:solidFill>
+                  <a:schemeClr val="tx1">
+                    <a:tint val="75000"/>
+                  </a:schemeClr>
+                </a:solidFill>
+              </a:defRPr>
             </a:lvl2pPr>
             <a:lvl3pPr marL="914400" indent="0">
               <a:buNone/>
-              <a:defRPr sz="1800" b="1"/>
+              <a:defRPr sz="1600">
+                <a:solidFill>
+                  <a:schemeClr val="tx1">
+                    <a:tint val="75000"/>
+                  </a:schemeClr>
+                </a:solidFill>
+              </a:defRPr>
             </a:lvl3pPr>
             <a:lvl4pPr marL="1371600" indent="0">
               <a:buNone/>
-              <a:defRPr sz="1600" b="1"/>
+              <a:defRPr sz="1400">
+                <a:solidFill>
+                  <a:schemeClr val="tx1">
+                    <a:tint val="75000"/>
+                  </a:schemeClr>
+                </a:solidFill>
+              </a:defRPr>
             </a:lvl4pPr>
             <a:lvl5pPr marL="1828800" indent="0">
               <a:buNone/>
-              <a:defRPr sz="1600" b="1"/>
+              <a:defRPr sz="1400">
+                <a:solidFill>
+                  <a:schemeClr val="tx1">
+                    <a:tint val="75000"/>
+                  </a:schemeClr>
+                </a:solidFill>
+              </a:defRPr>
             </a:lvl5pPr>
             <a:lvl6pPr marL="2286000" indent="0">
               <a:buNone/>
-              <a:defRPr sz="1600" b="1"/>
+              <a:defRPr sz="1400">
+                <a:solidFill>
+                  <a:schemeClr val="tx1">
+                    <a:tint val="75000"/>
+                  </a:schemeClr>
+                </a:solidFill>
+              </a:defRPr>
             </a:lvl6pPr>
             <a:lvl7pPr marL="2743200" indent="0">
               <a:buNone/>
-              <a:defRPr sz="1600" b="1"/>
+              <a:defRPr sz="1400">
+                <a:solidFill>
+                  <a:schemeClr val="tx1">
+                    <a:tint val="75000"/>
+                  </a:schemeClr>
+                </a:solidFill>
+              </a:defRPr>
             </a:lvl7pPr>
             <a:lvl8pPr marL="3200400" indent="0">
               <a:buNone/>
-              <a:defRPr sz="1600" b="1"/>
+              <a:defRPr sz="1400">
+                <a:solidFill>
+                  <a:schemeClr val="tx1">
+                    <a:tint val="75000"/>
+                  </a:schemeClr>
+                </a:solidFill>
+              </a:defRPr>
             </a:lvl8pPr>
             <a:lvl9pPr marL="3657600" indent="0">
               <a:buNone/>
-              <a:defRPr sz="1600" b="1"/>
+              <a:defRPr sz="1400">
+                <a:solidFill>
+                  <a:schemeClr val="tx1">
+                    <a:tint val="75000"/>
+                  </a:schemeClr>
+                </a:solidFill>
+              </a:defRPr>
             </a:lvl9pPr>
           </a:lstStyle>
           <a:p>
@@ -2417,451 +2811,7 @@
       </p:sp>
       <p:sp>
         <p:nvSpPr>
-          <p:cNvPr id="30" name="Picture Placeholder 2"/>
-          <p:cNvSpPr>
-            <a:spLocks noGrp="1" noChangeAspect="1"/>
-          </p:cNvSpPr>
-          <p:nvPr>
-            <p:ph type="pic" idx="21"/>
-          </p:nvPr>
-        </p:nvSpPr>
-        <p:spPr>
-          <a:xfrm>
-            <a:off x="3889374" y="2209800"/>
-            <a:ext cx="2930525" cy="1524000"/>
-          </a:xfrm>
-          <a:prstGeom prst="roundRect">
-            <a:avLst>
-              <a:gd name="adj" fmla="val 1858"/>
-            </a:avLst>
-          </a:prstGeom>
-          <a:effectLst>
-            <a:outerShdw blurRad="50800" dist="50800" dir="5400000" algn="tl" rotWithShape="0">
-              <a:srgbClr val="000000">
-                <a:alpha val="43000"/>
-              </a:srgbClr>
-            </a:outerShdw>
-          </a:effectLst>
-        </p:spPr>
-        <p:txBody>
-          <a:bodyPr anchor="t">
-            <a:normAutofit/>
-          </a:bodyPr>
-          <a:lstStyle>
-            <a:lvl1pPr marL="0" indent="0" algn="ctr">
-              <a:buNone/>
-              <a:defRPr sz="1600"/>
-            </a:lvl1pPr>
-            <a:lvl2pPr marL="457200" indent="0">
-              <a:buNone/>
-              <a:defRPr sz="1600"/>
-            </a:lvl2pPr>
-            <a:lvl3pPr marL="914400" indent="0">
-              <a:buNone/>
-              <a:defRPr sz="1600"/>
-            </a:lvl3pPr>
-            <a:lvl4pPr marL="1371600" indent="0">
-              <a:buNone/>
-              <a:defRPr sz="1600"/>
-            </a:lvl4pPr>
-            <a:lvl5pPr marL="1828800" indent="0">
-              <a:buNone/>
-              <a:defRPr sz="1600"/>
-            </a:lvl5pPr>
-            <a:lvl6pPr marL="2286000" indent="0">
-              <a:buNone/>
-              <a:defRPr sz="1600"/>
-            </a:lvl6pPr>
-            <a:lvl7pPr marL="2743200" indent="0">
-              <a:buNone/>
-              <a:defRPr sz="1600"/>
-            </a:lvl7pPr>
-            <a:lvl8pPr marL="3200400" indent="0">
-              <a:buNone/>
-              <a:defRPr sz="1600"/>
-            </a:lvl8pPr>
-            <a:lvl9pPr marL="3657600" indent="0">
-              <a:buNone/>
-              <a:defRPr sz="1600"/>
-            </a:lvl9pPr>
-          </a:lstStyle>
-          <a:p>
-            <a:r>
-              <a:rPr lang="en-US"/>
-              <a:t>Click icon to add picture</a:t>
-            </a:r>
-            <a:endParaRPr lang="en-US" dirty="0"/>
-          </a:p>
-        </p:txBody>
-      </p:sp>
-      <p:sp>
-        <p:nvSpPr>
-          <p:cNvPr id="23" name="Text Placeholder 3"/>
-          <p:cNvSpPr>
-            <a:spLocks noGrp="1"/>
-          </p:cNvSpPr>
-          <p:nvPr>
-            <p:ph type="body" sz="half" idx="19"/>
-          </p:nvPr>
-        </p:nvSpPr>
-        <p:spPr>
-          <a:xfrm>
-            <a:off x="3888022" y="4827210"/>
-            <a:ext cx="2934406" cy="659189"/>
-          </a:xfrm>
-        </p:spPr>
-        <p:txBody>
-          <a:bodyPr anchor="t">
-            <a:normAutofit/>
-          </a:bodyPr>
-          <a:lstStyle>
-            <a:lvl1pPr marL="0" indent="0">
-              <a:buNone/>
-              <a:defRPr sz="1400"/>
-            </a:lvl1pPr>
-            <a:lvl2pPr marL="457200" indent="0">
-              <a:buNone/>
-              <a:defRPr sz="1200"/>
-            </a:lvl2pPr>
-            <a:lvl3pPr marL="914400" indent="0">
-              <a:buNone/>
-              <a:defRPr sz="1000"/>
-            </a:lvl3pPr>
-            <a:lvl4pPr marL="1371600" indent="0">
-              <a:buNone/>
-              <a:defRPr sz="900"/>
-            </a:lvl4pPr>
-            <a:lvl5pPr marL="1828800" indent="0">
-              <a:buNone/>
-              <a:defRPr sz="900"/>
-            </a:lvl5pPr>
-            <a:lvl6pPr marL="2286000" indent="0">
-              <a:buNone/>
-              <a:defRPr sz="900"/>
-            </a:lvl6pPr>
-            <a:lvl7pPr marL="2743200" indent="0">
-              <a:buNone/>
-              <a:defRPr sz="900"/>
-            </a:lvl7pPr>
-            <a:lvl8pPr marL="3200400" indent="0">
-              <a:buNone/>
-              <a:defRPr sz="900"/>
-            </a:lvl8pPr>
-            <a:lvl9pPr marL="3657600" indent="0">
-              <a:buNone/>
-              <a:defRPr sz="900"/>
-            </a:lvl9pPr>
-          </a:lstStyle>
-          <a:p>
-            <a:pPr lvl="0"/>
-            <a:r>
-              <a:rPr lang="en-US"/>
-              <a:t>Click to edit Master text styles</a:t>
-            </a:r>
-          </a:p>
-        </p:txBody>
-      </p:sp>
-      <p:sp>
-        <p:nvSpPr>
-          <p:cNvPr id="14" name="Text Placeholder 4"/>
-          <p:cNvSpPr>
-            <a:spLocks noGrp="1"/>
-          </p:cNvSpPr>
-          <p:nvPr>
-            <p:ph type="body" sz="quarter" idx="13"/>
-          </p:nvPr>
-        </p:nvSpPr>
-        <p:spPr>
-          <a:xfrm>
-            <a:off x="7124700" y="4250949"/>
-            <a:ext cx="2932113" cy="576262"/>
-          </a:xfrm>
-        </p:spPr>
-        <p:txBody>
-          <a:bodyPr anchor="b">
-            <a:noAutofit/>
-          </a:bodyPr>
-          <a:lstStyle>
-            <a:lvl1pPr marL="0" indent="0">
-              <a:buNone/>
-              <a:defRPr sz="2400" b="0">
-                <a:solidFill>
-                  <a:schemeClr val="bg2">
-                    <a:lumMod val="40000"/>
-                    <a:lumOff val="60000"/>
-                  </a:schemeClr>
-                </a:solidFill>
-              </a:defRPr>
-            </a:lvl1pPr>
-            <a:lvl2pPr marL="457200" indent="0">
-              <a:buNone/>
-              <a:defRPr sz="2000" b="1"/>
-            </a:lvl2pPr>
-            <a:lvl3pPr marL="914400" indent="0">
-              <a:buNone/>
-              <a:defRPr sz="1800" b="1"/>
-            </a:lvl3pPr>
-            <a:lvl4pPr marL="1371600" indent="0">
-              <a:buNone/>
-              <a:defRPr sz="1600" b="1"/>
-            </a:lvl4pPr>
-            <a:lvl5pPr marL="1828800" indent="0">
-              <a:buNone/>
-              <a:defRPr sz="1600" b="1"/>
-            </a:lvl5pPr>
-            <a:lvl6pPr marL="2286000" indent="0">
-              <a:buNone/>
-              <a:defRPr sz="1600" b="1"/>
-            </a:lvl6pPr>
-            <a:lvl7pPr marL="2743200" indent="0">
-              <a:buNone/>
-              <a:defRPr sz="1600" b="1"/>
-            </a:lvl7pPr>
-            <a:lvl8pPr marL="3200400" indent="0">
-              <a:buNone/>
-              <a:defRPr sz="1600" b="1"/>
-            </a:lvl8pPr>
-            <a:lvl9pPr marL="3657600" indent="0">
-              <a:buNone/>
-              <a:defRPr sz="1600" b="1"/>
-            </a:lvl9pPr>
-          </a:lstStyle>
-          <a:p>
-            <a:pPr lvl="0"/>
-            <a:r>
-              <a:rPr lang="en-US"/>
-              <a:t>Click to edit Master text styles</a:t>
-            </a:r>
-          </a:p>
-        </p:txBody>
-      </p:sp>
-      <p:sp>
-        <p:nvSpPr>
-          <p:cNvPr id="31" name="Picture Placeholder 2"/>
-          <p:cNvSpPr>
-            <a:spLocks noGrp="1" noChangeAspect="1"/>
-          </p:cNvSpPr>
-          <p:nvPr>
-            <p:ph type="pic" idx="22"/>
-          </p:nvPr>
-        </p:nvSpPr>
-        <p:spPr>
-          <a:xfrm>
-            <a:off x="7124699" y="2209800"/>
-            <a:ext cx="2932113" cy="1524000"/>
-          </a:xfrm>
-          <a:prstGeom prst="roundRect">
-            <a:avLst>
-              <a:gd name="adj" fmla="val 1858"/>
-            </a:avLst>
-          </a:prstGeom>
-          <a:effectLst>
-            <a:outerShdw blurRad="50800" dist="50800" dir="5400000" algn="tl" rotWithShape="0">
-              <a:srgbClr val="000000">
-                <a:alpha val="43000"/>
-              </a:srgbClr>
-            </a:outerShdw>
-          </a:effectLst>
-        </p:spPr>
-        <p:txBody>
-          <a:bodyPr anchor="t">
-            <a:normAutofit/>
-          </a:bodyPr>
-          <a:lstStyle>
-            <a:lvl1pPr marL="0" indent="0" algn="ctr">
-              <a:buNone/>
-              <a:defRPr sz="1600"/>
-            </a:lvl1pPr>
-            <a:lvl2pPr marL="457200" indent="0">
-              <a:buNone/>
-              <a:defRPr sz="1600"/>
-            </a:lvl2pPr>
-            <a:lvl3pPr marL="914400" indent="0">
-              <a:buNone/>
-              <a:defRPr sz="1600"/>
-            </a:lvl3pPr>
-            <a:lvl4pPr marL="1371600" indent="0">
-              <a:buNone/>
-              <a:defRPr sz="1600"/>
-            </a:lvl4pPr>
-            <a:lvl5pPr marL="1828800" indent="0">
-              <a:buNone/>
-              <a:defRPr sz="1600"/>
-            </a:lvl5pPr>
-            <a:lvl6pPr marL="2286000" indent="0">
-              <a:buNone/>
-              <a:defRPr sz="1600"/>
-            </a:lvl6pPr>
-            <a:lvl7pPr marL="2743200" indent="0">
-              <a:buNone/>
-              <a:defRPr sz="1600"/>
-            </a:lvl7pPr>
-            <a:lvl8pPr marL="3200400" indent="0">
-              <a:buNone/>
-              <a:defRPr sz="1600"/>
-            </a:lvl8pPr>
-            <a:lvl9pPr marL="3657600" indent="0">
-              <a:buNone/>
-              <a:defRPr sz="1600"/>
-            </a:lvl9pPr>
-          </a:lstStyle>
-          <a:p>
-            <a:r>
-              <a:rPr lang="en-US"/>
-              <a:t>Click icon to add picture</a:t>
-            </a:r>
-            <a:endParaRPr lang="en-US" dirty="0"/>
-          </a:p>
-        </p:txBody>
-      </p:sp>
-      <p:sp>
-        <p:nvSpPr>
-          <p:cNvPr id="24" name="Text Placeholder 3"/>
-          <p:cNvSpPr>
-            <a:spLocks noGrp="1"/>
-          </p:cNvSpPr>
-          <p:nvPr>
-            <p:ph type="body" sz="half" idx="20"/>
-          </p:nvPr>
-        </p:nvSpPr>
-        <p:spPr>
-          <a:xfrm>
-            <a:off x="7124575" y="4827208"/>
-            <a:ext cx="2935997" cy="659189"/>
-          </a:xfrm>
-        </p:spPr>
-        <p:txBody>
-          <a:bodyPr anchor="t">
-            <a:normAutofit/>
-          </a:bodyPr>
-          <a:lstStyle>
-            <a:lvl1pPr marL="0" indent="0">
-              <a:buNone/>
-              <a:defRPr sz="1400"/>
-            </a:lvl1pPr>
-            <a:lvl2pPr marL="457200" indent="0">
-              <a:buNone/>
-              <a:defRPr sz="1200"/>
-            </a:lvl2pPr>
-            <a:lvl3pPr marL="914400" indent="0">
-              <a:buNone/>
-              <a:defRPr sz="1000"/>
-            </a:lvl3pPr>
-            <a:lvl4pPr marL="1371600" indent="0">
-              <a:buNone/>
-              <a:defRPr sz="900"/>
-            </a:lvl4pPr>
-            <a:lvl5pPr marL="1828800" indent="0">
-              <a:buNone/>
-              <a:defRPr sz="900"/>
-            </a:lvl5pPr>
-            <a:lvl6pPr marL="2286000" indent="0">
-              <a:buNone/>
-              <a:defRPr sz="900"/>
-            </a:lvl6pPr>
-            <a:lvl7pPr marL="2743200" indent="0">
-              <a:buNone/>
-              <a:defRPr sz="900"/>
-            </a:lvl7pPr>
-            <a:lvl8pPr marL="3200400" indent="0">
-              <a:buNone/>
-              <a:defRPr sz="900"/>
-            </a:lvl8pPr>
-            <a:lvl9pPr marL="3657600" indent="0">
-              <a:buNone/>
-              <a:defRPr sz="900"/>
-            </a:lvl9pPr>
-          </a:lstStyle>
-          <a:p>
-            <a:pPr lvl="0"/>
-            <a:r>
-              <a:rPr lang="en-US"/>
-              <a:t>Click to edit Master text styles</a:t>
-            </a:r>
-          </a:p>
-        </p:txBody>
-      </p:sp>
-      <p:cxnSp>
-        <p:nvCxnSpPr>
-          <p:cNvPr id="19" name="Straight Connector 18"/>
-          <p:cNvCxnSpPr/>
-          <p:nvPr/>
-        </p:nvCxnSpPr>
-        <p:spPr>
-          <a:xfrm>
-            <a:off x="3726142" y="2133600"/>
-            <a:ext cx="0" cy="3962400"/>
-          </a:xfrm>
-          <a:prstGeom prst="line">
-            <a:avLst/>
-          </a:prstGeom>
-          <a:ln w="12700" cmpd="sng">
-            <a:solidFill>
-              <a:schemeClr val="bg2">
-                <a:lumMod val="40000"/>
-                <a:lumOff val="60000"/>
-                <a:alpha val="40000"/>
-              </a:schemeClr>
-            </a:solidFill>
-          </a:ln>
-        </p:spPr>
-        <p:style>
-          <a:lnRef idx="2">
-            <a:schemeClr val="accent1"/>
-          </a:lnRef>
-          <a:fillRef idx="0">
-            <a:schemeClr val="accent1"/>
-          </a:fillRef>
-          <a:effectRef idx="1">
-            <a:schemeClr val="accent1"/>
-          </a:effectRef>
-          <a:fontRef idx="minor">
-            <a:schemeClr val="tx1"/>
-          </a:fontRef>
-        </p:style>
-      </p:cxnSp>
-      <p:cxnSp>
-        <p:nvCxnSpPr>
-          <p:cNvPr id="20" name="Straight Connector 19"/>
-          <p:cNvCxnSpPr/>
-          <p:nvPr/>
-        </p:nvCxnSpPr>
-        <p:spPr>
-          <a:xfrm>
-            <a:off x="6962227" y="2133600"/>
-            <a:ext cx="0" cy="3966882"/>
-          </a:xfrm>
-          <a:prstGeom prst="line">
-            <a:avLst/>
-          </a:prstGeom>
-          <a:ln w="12700" cmpd="sng">
-            <a:solidFill>
-              <a:schemeClr val="bg2">
-                <a:lumMod val="40000"/>
-                <a:lumOff val="60000"/>
-                <a:alpha val="40000"/>
-              </a:schemeClr>
-            </a:solidFill>
-          </a:ln>
-        </p:spPr>
-        <p:style>
-          <a:lnRef idx="2">
-            <a:schemeClr val="accent1"/>
-          </a:lnRef>
-          <a:fillRef idx="0">
-            <a:schemeClr val="accent1"/>
-          </a:fillRef>
-          <a:effectRef idx="1">
-            <a:schemeClr val="accent1"/>
-          </a:effectRef>
-          <a:fontRef idx="minor">
-            <a:schemeClr val="tx1"/>
-          </a:fontRef>
-        </p:style>
-      </p:cxnSp>
-      <p:sp>
-        <p:nvSpPr>
-          <p:cNvPr id="7" name="Date Placeholder 3"/>
+          <p:cNvPr id="4" name="Date Placeholder 3"/>
           <p:cNvSpPr>
             <a:spLocks noGrp="1"/>
           </p:cNvSpPr>
@@ -2874,7 +2824,7 @@
           <a:bodyPr/>
           <a:lstStyle/>
           <a:p>
-            <a:fld id="{C2D2E4A4-709C-4720-8A60-129554F155B1}" type="datetimeFigureOut">
+            <a:fld id="{C79B4036-9250-4240-A883-6BEC39EC1BCD}" type="datetime1">
               <a:rPr lang="en-US" smtClean="0"/>
               <a:t>9/1/2020</a:t>
             </a:fld>
@@ -2884,7 +2834,7 @@
       </p:sp>
       <p:sp>
         <p:nvSpPr>
-          <p:cNvPr id="4" name="Footer Placeholder 4"/>
+          <p:cNvPr id="5" name="Footer Placeholder 4"/>
           <p:cNvSpPr>
             <a:spLocks noGrp="1"/>
           </p:cNvSpPr>
@@ -2897,7 +2847,10 @@
           <a:bodyPr/>
           <a:lstStyle/>
           <a:p>
-            <a:endParaRPr lang="en-US"/>
+            <a:r>
+              <a:rPr lang="en-US"/>
+              <a:t>Healthify-NWMSU</a:t>
+            </a:r>
           </a:p>
         </p:txBody>
       </p:sp>
@@ -2927,7 +2880,7 @@
     </p:spTree>
     <p:extLst>
       <p:ext uri="{BB962C8B-B14F-4D97-AF65-F5344CB8AC3E}">
-        <p14:creationId xmlns:p14="http://schemas.microsoft.com/office/powerpoint/2010/main" val="3834703487"/>
+        <p14:creationId xmlns:p14="http://schemas.microsoft.com/office/powerpoint/2010/main" val="2017580355"/>
       </p:ext>
     </p:extLst>
   </p:cSld>
@@ -2937,7 +2890,7 @@
 </p:sldLayout>
 </file>
 
-<file path=ppt/slideLayouts/slideLayout16.xml><?xml version="1.0" encoding="utf-8"?>
+<file path=ppt/slideLayouts/slideLayout15.xml><?xml version="1.0" encoding="utf-8"?>
 <p:sldLayout xmlns:a="http://schemas.openxmlformats.org/drawingml/2006/main" xmlns:r="http://schemas.openxmlformats.org/officeDocument/2006/relationships" xmlns:p="http://schemas.openxmlformats.org/presentationml/2006/main" type="vertTx" preserve="1">
   <p:cSld name="Title and Vertical Text">
     <p:spTree>
@@ -2989,7 +2942,7 @@
         </p:nvSpPr>
         <p:spPr/>
         <p:txBody>
-          <a:bodyPr vert="eaVert" anchor="t" anchorCtr="0"/>
+          <a:bodyPr vert="eaVert"/>
           <a:lstStyle/>
           <a:p>
             <a:pPr lvl="0"/>
@@ -3044,7 +2997,7 @@
           <a:bodyPr/>
           <a:lstStyle/>
           <a:p>
-            <a:fld id="{C2D2E4A4-709C-4720-8A60-129554F155B1}" type="datetimeFigureOut">
+            <a:fld id="{7A86C77A-FDED-4854-865C-8E65A2279A47}" type="datetime1">
               <a:rPr lang="en-US" smtClean="0"/>
               <a:t>9/1/2020</a:t>
             </a:fld>
@@ -3067,7 +3020,10 @@
           <a:bodyPr/>
           <a:lstStyle/>
           <a:p>
-            <a:endParaRPr lang="en-US"/>
+            <a:r>
+              <a:rPr lang="en-US"/>
+              <a:t>Healthify-NWMSU</a:t>
+            </a:r>
           </a:p>
         </p:txBody>
       </p:sp>
@@ -3097,7 +3053,7 @@
     </p:spTree>
     <p:extLst>
       <p:ext uri="{BB962C8B-B14F-4D97-AF65-F5344CB8AC3E}">
-        <p14:creationId xmlns:p14="http://schemas.microsoft.com/office/powerpoint/2010/main" val="862612442"/>
+        <p14:creationId xmlns:p14="http://schemas.microsoft.com/office/powerpoint/2010/main" val="841355308"/>
       </p:ext>
     </p:extLst>
   </p:cSld>
@@ -3107,7 +3063,7 @@
 </p:sldLayout>
 </file>
 
-<file path=ppt/slideLayouts/slideLayout17.xml><?xml version="1.0" encoding="utf-8"?>
+<file path=ppt/slideLayouts/slideLayout16.xml><?xml version="1.0" encoding="utf-8"?>
 <p:sldLayout xmlns:a="http://schemas.openxmlformats.org/drawingml/2006/main" xmlns:r="http://schemas.openxmlformats.org/officeDocument/2006/relationships" xmlns:p="http://schemas.openxmlformats.org/presentationml/2006/main" type="vertTitleAndTx" preserve="1">
   <p:cSld name="Vertical Title and Text">
     <p:spTree>
@@ -3136,12 +3092,12 @@
         </p:nvSpPr>
         <p:spPr>
           <a:xfrm>
-            <a:off x="8304212" y="430213"/>
-            <a:ext cx="1752601" cy="5826125"/>
+            <a:off x="7967673" y="609599"/>
+            <a:ext cx="1304743" cy="5251451"/>
           </a:xfrm>
         </p:spPr>
         <p:txBody>
-          <a:bodyPr vert="eaVert" anchor="b" anchorCtr="0"/>
+          <a:bodyPr vert="eaVert" anchor="ctr"/>
           <a:lstStyle/>
           <a:p>
             <a:r>
@@ -3164,8 +3120,8 @@
         </p:nvSpPr>
         <p:spPr>
           <a:xfrm>
-            <a:off x="652463" y="887414"/>
-            <a:ext cx="7423149" cy="5368924"/>
+            <a:off x="677335" y="609600"/>
+            <a:ext cx="7060150" cy="5251450"/>
           </a:xfrm>
         </p:spPr>
         <p:txBody>
@@ -3224,7 +3180,7 @@
           <a:bodyPr/>
           <a:lstStyle/>
           <a:p>
-            <a:fld id="{C2D2E4A4-709C-4720-8A60-129554F155B1}" type="datetimeFigureOut">
+            <a:fld id="{964AA931-C8E9-46DE-A388-74BE7193A5EE}" type="datetime1">
               <a:rPr lang="en-US" smtClean="0"/>
               <a:t>9/1/2020</a:t>
             </a:fld>
@@ -3247,7 +3203,10 @@
           <a:bodyPr/>
           <a:lstStyle/>
           <a:p>
-            <a:endParaRPr lang="en-US"/>
+            <a:r>
+              <a:rPr lang="en-US"/>
+              <a:t>Healthify-NWMSU</a:t>
+            </a:r>
           </a:p>
         </p:txBody>
       </p:sp>
@@ -3277,7 +3236,7 @@
     </p:spTree>
     <p:extLst>
       <p:ext uri="{BB962C8B-B14F-4D97-AF65-F5344CB8AC3E}">
-        <p14:creationId xmlns:p14="http://schemas.microsoft.com/office/powerpoint/2010/main" val="2360433595"/>
+        <p14:creationId xmlns:p14="http://schemas.microsoft.com/office/powerpoint/2010/main" val="913654800"/>
       </p:ext>
     </p:extLst>
   </p:cSld>
@@ -3316,12 +3275,70 @@
         </p:nvSpPr>
         <p:spPr/>
         <p:txBody>
+          <a:bodyPr>
+            <a:normAutofit/>
+          </a:bodyPr>
+          <a:lstStyle>
+            <a:lvl1pPr>
+              <a:defRPr sz="3600"/>
+            </a:lvl1pPr>
+          </a:lstStyle>
+          <a:p>
+            <a:r>
+              <a:rPr lang="en-US"/>
+              <a:t>Click to edit Master title style</a:t>
+            </a:r>
+            <a:endParaRPr lang="en-US" dirty="0"/>
+          </a:p>
+        </p:txBody>
+      </p:sp>
+      <p:sp>
+        <p:nvSpPr>
+          <p:cNvPr id="3" name="Content Placeholder 2"/>
+          <p:cNvSpPr>
+            <a:spLocks noGrp="1"/>
+          </p:cNvSpPr>
+          <p:nvPr>
+            <p:ph idx="1"/>
+          </p:nvPr>
+        </p:nvSpPr>
+        <p:spPr/>
+        <p:txBody>
           <a:bodyPr/>
           <a:lstStyle/>
           <a:p>
-            <a:r>
-              <a:rPr lang="en-US"/>
-              <a:t>Click to edit Master title style</a:t>
+            <a:pPr lvl="0"/>
+            <a:r>
+              <a:rPr lang="en-US"/>
+              <a:t>Click to edit Master text styles</a:t>
+            </a:r>
+          </a:p>
+          <a:p>
+            <a:pPr lvl="1"/>
+            <a:r>
+              <a:rPr lang="en-US"/>
+              <a:t>Second level</a:t>
+            </a:r>
+          </a:p>
+          <a:p>
+            <a:pPr lvl="2"/>
+            <a:r>
+              <a:rPr lang="en-US"/>
+              <a:t>Third level</a:t>
+            </a:r>
+          </a:p>
+          <a:p>
+            <a:pPr lvl="3"/>
+            <a:r>
+              <a:rPr lang="en-US"/>
+              <a:t>Fourth level</a:t>
+            </a:r>
+          </a:p>
+          <a:p>
+            <a:pPr lvl="4"/>
+            <a:r>
+              <a:rPr lang="en-US"/>
+              <a:t>Fifth level</a:t>
             </a:r>
             <a:endParaRPr lang="en-US" dirty="0"/>
           </a:p>
@@ -3329,12 +3346,12 @@
       </p:sp>
       <p:sp>
         <p:nvSpPr>
-          <p:cNvPr id="3" name="Content Placeholder 2"/>
-          <p:cNvSpPr>
-            <a:spLocks noGrp="1"/>
-          </p:cNvSpPr>
-          <p:nvPr>
-            <p:ph idx="1"/>
+          <p:cNvPr id="4" name="Date Placeholder 3"/>
+          <p:cNvSpPr>
+            <a:spLocks noGrp="1"/>
+          </p:cNvSpPr>
+          <p:nvPr>
+            <p:ph type="dt" sz="half" idx="10"/>
           </p:nvPr>
         </p:nvSpPr>
         <p:spPr/>
@@ -3342,59 +3359,7 @@
           <a:bodyPr/>
           <a:lstStyle/>
           <a:p>
-            <a:pPr lvl="0"/>
-            <a:r>
-              <a:rPr lang="en-US"/>
-              <a:t>Click to edit Master text styles</a:t>
-            </a:r>
-          </a:p>
-          <a:p>
-            <a:pPr lvl="1"/>
-            <a:r>
-              <a:rPr lang="en-US"/>
-              <a:t>Second level</a:t>
-            </a:r>
-          </a:p>
-          <a:p>
-            <a:pPr lvl="2"/>
-            <a:r>
-              <a:rPr lang="en-US"/>
-              <a:t>Third level</a:t>
-            </a:r>
-          </a:p>
-          <a:p>
-            <a:pPr lvl="3"/>
-            <a:r>
-              <a:rPr lang="en-US"/>
-              <a:t>Fourth level</a:t>
-            </a:r>
-          </a:p>
-          <a:p>
-            <a:pPr lvl="4"/>
-            <a:r>
-              <a:rPr lang="en-US"/>
-              <a:t>Fifth level</a:t>
-            </a:r>
-            <a:endParaRPr lang="en-US" dirty="0"/>
-          </a:p>
-        </p:txBody>
-      </p:sp>
-      <p:sp>
-        <p:nvSpPr>
-          <p:cNvPr id="7" name="Date Placeholder 3"/>
-          <p:cNvSpPr>
-            <a:spLocks noGrp="1"/>
-          </p:cNvSpPr>
-          <p:nvPr>
-            <p:ph type="dt" sz="half" idx="10"/>
-          </p:nvPr>
-        </p:nvSpPr>
-        <p:spPr/>
-        <p:txBody>
-          <a:bodyPr/>
-          <a:lstStyle/>
-          <a:p>
-            <a:fld id="{C2D2E4A4-709C-4720-8A60-129554F155B1}" type="datetimeFigureOut">
+            <a:fld id="{21923828-AD49-48C6-B843-96BE5F4C14D3}" type="datetime1">
               <a:rPr lang="en-US" smtClean="0"/>
               <a:t>9/1/2020</a:t>
             </a:fld>
@@ -3417,7 +3382,10 @@
           <a:bodyPr/>
           <a:lstStyle/>
           <a:p>
-            <a:endParaRPr lang="en-US"/>
+            <a:r>
+              <a:rPr lang="en-US"/>
+              <a:t>Healthify-NWMSU</a:t>
+            </a:r>
           </a:p>
         </p:txBody>
       </p:sp>
@@ -3447,7 +3415,7 @@
     </p:spTree>
     <p:extLst>
       <p:ext uri="{BB962C8B-B14F-4D97-AF65-F5344CB8AC3E}">
-        <p14:creationId xmlns:p14="http://schemas.microsoft.com/office/powerpoint/2010/main" val="2269051296"/>
+        <p14:creationId xmlns:p14="http://schemas.microsoft.com/office/powerpoint/2010/main" val="1150139056"/>
       </p:ext>
     </p:extLst>
   </p:cSld>
@@ -3486,8 +3454,8 @@
         </p:nvSpPr>
         <p:spPr>
           <a:xfrm>
-            <a:off x="1154956" y="2861733"/>
-            <a:ext cx="8825657" cy="1915647"/>
+            <a:off x="677335" y="2700867"/>
+            <a:ext cx="8596668" cy="1826581"/>
           </a:xfrm>
         </p:spPr>
         <p:txBody>
@@ -3518,8 +3486,8 @@
         </p:nvSpPr>
         <p:spPr>
           <a:xfrm>
-            <a:off x="1154955" y="4777381"/>
-            <a:ext cx="8825658" cy="860400"/>
+            <a:off x="677335" y="4527448"/>
+            <a:ext cx="8596668" cy="860400"/>
           </a:xfrm>
         </p:spPr>
         <p:txBody>
@@ -3527,11 +3495,11 @@
           <a:lstStyle>
             <a:lvl1pPr marL="0" indent="0" algn="l">
               <a:buNone/>
-              <a:defRPr sz="2000" cap="all">
-                <a:solidFill>
-                  <a:schemeClr val="bg2">
-                    <a:lumMod val="40000"/>
-                    <a:lumOff val="60000"/>
+              <a:defRPr sz="2000">
+                <a:solidFill>
+                  <a:schemeClr val="tx1">
+                    <a:lumMod val="50000"/>
+                    <a:lumOff val="50000"/>
                   </a:schemeClr>
                 </a:solidFill>
               </a:defRPr>
@@ -3641,7 +3609,7 @@
           <a:bodyPr/>
           <a:lstStyle/>
           <a:p>
-            <a:fld id="{C2D2E4A4-709C-4720-8A60-129554F155B1}" type="datetimeFigureOut">
+            <a:fld id="{9536738A-7D94-4E21-A39C-E69D6CC68B05}" type="datetime1">
               <a:rPr lang="en-US" smtClean="0"/>
               <a:t>9/1/2020</a:t>
             </a:fld>
@@ -3664,7 +3632,10 @@
           <a:bodyPr/>
           <a:lstStyle/>
           <a:p>
-            <a:endParaRPr lang="en-US"/>
+            <a:r>
+              <a:rPr lang="en-US"/>
+              <a:t>Healthify-NWMSU</a:t>
+            </a:r>
           </a:p>
         </p:txBody>
       </p:sp>
@@ -3694,7 +3665,7 @@
     </p:spTree>
     <p:extLst>
       <p:ext uri="{BB962C8B-B14F-4D97-AF65-F5344CB8AC3E}">
-        <p14:creationId xmlns:p14="http://schemas.microsoft.com/office/powerpoint/2010/main" val="211389284"/>
+        <p14:creationId xmlns:p14="http://schemas.microsoft.com/office/powerpoint/2010/main" val="822768154"/>
       </p:ext>
     </p:extLst>
   </p:cSld>
@@ -3756,43 +3727,13 @@
         </p:nvSpPr>
         <p:spPr>
           <a:xfrm>
-            <a:off x="1103312" y="2060575"/>
-            <a:ext cx="4396339" cy="4195763"/>
+            <a:off x="677334" y="2160589"/>
+            <a:ext cx="4184035" cy="3880772"/>
           </a:xfrm>
         </p:spPr>
         <p:txBody>
-          <a:bodyPr>
-            <a:normAutofit/>
-          </a:bodyPr>
-          <a:lstStyle>
-            <a:lvl1pPr>
-              <a:defRPr sz="1800"/>
-            </a:lvl1pPr>
-            <a:lvl2pPr>
-              <a:defRPr sz="1600"/>
-            </a:lvl2pPr>
-            <a:lvl3pPr>
-              <a:defRPr sz="1400"/>
-            </a:lvl3pPr>
-            <a:lvl4pPr>
-              <a:defRPr sz="1200"/>
-            </a:lvl4pPr>
-            <a:lvl5pPr>
-              <a:defRPr sz="1200"/>
-            </a:lvl5pPr>
-            <a:lvl6pPr>
-              <a:defRPr sz="1200"/>
-            </a:lvl6pPr>
-            <a:lvl7pPr>
-              <a:defRPr sz="1200"/>
-            </a:lvl7pPr>
-            <a:lvl8pPr>
-              <a:defRPr sz="1200"/>
-            </a:lvl8pPr>
-            <a:lvl9pPr>
-              <a:defRPr sz="1200"/>
-            </a:lvl9pPr>
-          </a:lstStyle>
+          <a:bodyPr/>
+          <a:lstStyle/>
           <a:p>
             <a:pPr lvl="0"/>
             <a:r>
@@ -3843,43 +3784,13 @@
         </p:nvSpPr>
         <p:spPr>
           <a:xfrm>
-            <a:off x="5654493" y="2056092"/>
-            <a:ext cx="4396341" cy="4200245"/>
+            <a:off x="5089970" y="2160589"/>
+            <a:ext cx="4184034" cy="3880773"/>
           </a:xfrm>
         </p:spPr>
         <p:txBody>
-          <a:bodyPr>
-            <a:normAutofit/>
-          </a:bodyPr>
-          <a:lstStyle>
-            <a:lvl1pPr>
-              <a:defRPr sz="1800"/>
-            </a:lvl1pPr>
-            <a:lvl2pPr>
-              <a:defRPr sz="1600"/>
-            </a:lvl2pPr>
-            <a:lvl3pPr>
-              <a:defRPr sz="1400"/>
-            </a:lvl3pPr>
-            <a:lvl4pPr>
-              <a:defRPr sz="1200"/>
-            </a:lvl4pPr>
-            <a:lvl5pPr>
-              <a:defRPr sz="1200"/>
-            </a:lvl5pPr>
-            <a:lvl6pPr>
-              <a:defRPr sz="1200"/>
-            </a:lvl6pPr>
-            <a:lvl7pPr>
-              <a:defRPr sz="1200"/>
-            </a:lvl7pPr>
-            <a:lvl8pPr>
-              <a:defRPr sz="1200"/>
-            </a:lvl8pPr>
-            <a:lvl9pPr>
-              <a:defRPr sz="1200"/>
-            </a:lvl9pPr>
-          </a:lstStyle>
+          <a:bodyPr/>
+          <a:lstStyle/>
           <a:p>
             <a:pPr lvl="0"/>
             <a:r>
@@ -3933,7 +3844,7 @@
           <a:bodyPr/>
           <a:lstStyle/>
           <a:p>
-            <a:fld id="{C2D2E4A4-709C-4720-8A60-129554F155B1}" type="datetimeFigureOut">
+            <a:fld id="{0EBC7817-DC40-4CCD-A2EB-F63BD3A3F3CE}" type="datetime1">
               <a:rPr lang="en-US" smtClean="0"/>
               <a:t>9/1/2020</a:t>
             </a:fld>
@@ -3956,7 +3867,10 @@
           <a:bodyPr/>
           <a:lstStyle/>
           <a:p>
-            <a:endParaRPr lang="en-US"/>
+            <a:r>
+              <a:rPr lang="en-US"/>
+              <a:t>Healthify-NWMSU</a:t>
+            </a:r>
           </a:p>
         </p:txBody>
       </p:sp>
@@ -3986,7 +3900,7 @@
     </p:spTree>
     <p:extLst>
       <p:ext uri="{BB962C8B-B14F-4D97-AF65-F5344CB8AC3E}">
-        <p14:creationId xmlns:p14="http://schemas.microsoft.com/office/powerpoint/2010/main" val="2711489709"/>
+        <p14:creationId xmlns:p14="http://schemas.microsoft.com/office/powerpoint/2010/main" val="4089802983"/>
       </p:ext>
     </p:extLst>
   </p:cSld>
@@ -4052,8 +3966,8 @@
         </p:nvSpPr>
         <p:spPr>
           <a:xfrm>
-            <a:off x="1103313" y="1905000"/>
-            <a:ext cx="4396338" cy="576262"/>
+            <a:off x="675745" y="2160983"/>
+            <a:ext cx="4185623" cy="576262"/>
           </a:xfrm>
         </p:spPr>
         <p:txBody>
@@ -4063,14 +3977,7 @@
           <a:lstStyle>
             <a:lvl1pPr marL="0" indent="0">
               <a:buNone/>
-              <a:defRPr sz="2400" b="0">
-                <a:solidFill>
-                  <a:schemeClr val="bg2">
-                    <a:lumMod val="40000"/>
-                    <a:lumOff val="60000"/>
-                  </a:schemeClr>
-                </a:solidFill>
-              </a:defRPr>
+              <a:defRPr sz="2400" b="0"/>
             </a:lvl1pPr>
             <a:lvl2pPr marL="457200" indent="0">
               <a:buNone/>
@@ -4126,43 +4033,15 @@
         </p:nvSpPr>
         <p:spPr>
           <a:xfrm>
-            <a:off x="1103312" y="2514600"/>
-            <a:ext cx="4396339" cy="3741738"/>
+            <a:off x="675745" y="2737245"/>
+            <a:ext cx="4185623" cy="3304117"/>
           </a:xfrm>
         </p:spPr>
         <p:txBody>
           <a:bodyPr>
             <a:normAutofit/>
           </a:bodyPr>
-          <a:lstStyle>
-            <a:lvl1pPr>
-              <a:defRPr sz="1800"/>
-            </a:lvl1pPr>
-            <a:lvl2pPr>
-              <a:defRPr sz="1600"/>
-            </a:lvl2pPr>
-            <a:lvl3pPr>
-              <a:defRPr sz="1400"/>
-            </a:lvl3pPr>
-            <a:lvl4pPr>
-              <a:defRPr sz="1200"/>
-            </a:lvl4pPr>
-            <a:lvl5pPr>
-              <a:defRPr sz="1200"/>
-            </a:lvl5pPr>
-            <a:lvl6pPr>
-              <a:defRPr sz="1200"/>
-            </a:lvl6pPr>
-            <a:lvl7pPr>
-              <a:defRPr sz="1200"/>
-            </a:lvl7pPr>
-            <a:lvl8pPr>
-              <a:defRPr sz="1200"/>
-            </a:lvl8pPr>
-            <a:lvl9pPr>
-              <a:defRPr sz="1200"/>
-            </a:lvl9pPr>
-          </a:lstStyle>
+          <a:lstStyle/>
           <a:p>
             <a:pPr lvl="0"/>
             <a:r>
@@ -4213,8 +4092,8 @@
         </p:nvSpPr>
         <p:spPr>
           <a:xfrm>
-            <a:off x="5654495" y="1905000"/>
-            <a:ext cx="4396339" cy="576262"/>
+            <a:off x="5088383" y="2160983"/>
+            <a:ext cx="4185618" cy="576262"/>
           </a:xfrm>
         </p:spPr>
         <p:txBody>
@@ -4224,14 +4103,7 @@
           <a:lstStyle>
             <a:lvl1pPr marL="0" indent="0">
               <a:buNone/>
-              <a:defRPr sz="2400" b="0">
-                <a:solidFill>
-                  <a:schemeClr val="bg2">
-                    <a:lumMod val="40000"/>
-                    <a:lumOff val="60000"/>
-                  </a:schemeClr>
-                </a:solidFill>
-              </a:defRPr>
+              <a:defRPr sz="2400" b="0"/>
             </a:lvl1pPr>
             <a:lvl2pPr marL="457200" indent="0">
               <a:buNone/>
@@ -4287,43 +4159,15 @@
         </p:nvSpPr>
         <p:spPr>
           <a:xfrm>
-            <a:off x="5654495" y="2514600"/>
-            <a:ext cx="4396339" cy="3741738"/>
+            <a:off x="5088384" y="2737245"/>
+            <a:ext cx="4185617" cy="3304117"/>
           </a:xfrm>
         </p:spPr>
         <p:txBody>
           <a:bodyPr>
             <a:normAutofit/>
           </a:bodyPr>
-          <a:lstStyle>
-            <a:lvl1pPr>
-              <a:defRPr sz="1800"/>
-            </a:lvl1pPr>
-            <a:lvl2pPr>
-              <a:defRPr sz="1600"/>
-            </a:lvl2pPr>
-            <a:lvl3pPr>
-              <a:defRPr sz="1400"/>
-            </a:lvl3pPr>
-            <a:lvl4pPr>
-              <a:defRPr sz="1200"/>
-            </a:lvl4pPr>
-            <a:lvl5pPr>
-              <a:defRPr sz="1200"/>
-            </a:lvl5pPr>
-            <a:lvl6pPr>
-              <a:defRPr sz="1200"/>
-            </a:lvl6pPr>
-            <a:lvl7pPr>
-              <a:defRPr sz="1200"/>
-            </a:lvl7pPr>
-            <a:lvl8pPr>
-              <a:defRPr sz="1200"/>
-            </a:lvl8pPr>
-            <a:lvl9pPr>
-              <a:defRPr sz="1200"/>
-            </a:lvl9pPr>
-          </a:lstStyle>
+          <a:lstStyle/>
           <a:p>
             <a:pPr lvl="0"/>
             <a:r>
@@ -4377,7 +4221,7 @@
           <a:bodyPr/>
           <a:lstStyle/>
           <a:p>
-            <a:fld id="{C2D2E4A4-709C-4720-8A60-129554F155B1}" type="datetimeFigureOut">
+            <a:fld id="{35538925-F7DC-4CF2-91AA-89BFD364F1F1}" type="datetime1">
               <a:rPr lang="en-US" smtClean="0"/>
               <a:t>9/1/2020</a:t>
             </a:fld>
@@ -4400,7 +4244,10 @@
           <a:bodyPr/>
           <a:lstStyle/>
           <a:p>
-            <a:endParaRPr lang="en-US"/>
+            <a:r>
+              <a:rPr lang="en-US"/>
+              <a:t>Healthify-NWMSU</a:t>
+            </a:r>
           </a:p>
         </p:txBody>
       </p:sp>
@@ -4430,7 +4277,7 @@
     </p:spTree>
     <p:extLst>
       <p:ext uri="{BB962C8B-B14F-4D97-AF65-F5344CB8AC3E}">
-        <p14:creationId xmlns:p14="http://schemas.microsoft.com/office/powerpoint/2010/main" val="2652308168"/>
+        <p14:creationId xmlns:p14="http://schemas.microsoft.com/office/powerpoint/2010/main" val="1261063424"/>
       </p:ext>
     </p:extLst>
   </p:cSld>
@@ -4467,35 +4314,40 @@
             <p:ph type="title"/>
           </p:nvPr>
         </p:nvSpPr>
+        <p:spPr>
+          <a:xfrm>
+            <a:off x="677334" y="609600"/>
+            <a:ext cx="8596668" cy="1320800"/>
+          </a:xfrm>
+        </p:spPr>
+        <p:txBody>
+          <a:bodyPr/>
+          <a:lstStyle/>
+          <a:p>
+            <a:r>
+              <a:rPr lang="en-US"/>
+              <a:t>Click to edit Master title style</a:t>
+            </a:r>
+            <a:endParaRPr lang="en-US" dirty="0"/>
+          </a:p>
+        </p:txBody>
+      </p:sp>
+      <p:sp>
+        <p:nvSpPr>
+          <p:cNvPr id="3" name="Date Placeholder 2"/>
+          <p:cNvSpPr>
+            <a:spLocks noGrp="1"/>
+          </p:cNvSpPr>
+          <p:nvPr>
+            <p:ph type="dt" sz="half" idx="10"/>
+          </p:nvPr>
+        </p:nvSpPr>
         <p:spPr/>
         <p:txBody>
           <a:bodyPr/>
           <a:lstStyle/>
           <a:p>
-            <a:r>
-              <a:rPr lang="en-US"/>
-              <a:t>Click to edit Master title style</a:t>
-            </a:r>
-            <a:endParaRPr lang="en-US" dirty="0"/>
-          </a:p>
-        </p:txBody>
-      </p:sp>
-      <p:sp>
-        <p:nvSpPr>
-          <p:cNvPr id="7" name="Date Placeholder 2"/>
-          <p:cNvSpPr>
-            <a:spLocks noGrp="1"/>
-          </p:cNvSpPr>
-          <p:nvPr>
-            <p:ph type="dt" sz="half" idx="10"/>
-          </p:nvPr>
-        </p:nvSpPr>
-        <p:spPr/>
-        <p:txBody>
-          <a:bodyPr/>
-          <a:lstStyle/>
-          <a:p>
-            <a:fld id="{C2D2E4A4-709C-4720-8A60-129554F155B1}" type="datetimeFigureOut">
+            <a:fld id="{D8CD788C-F0C9-40F9-A88D-99199032970B}" type="datetime1">
               <a:rPr lang="en-US" smtClean="0"/>
               <a:t>9/1/2020</a:t>
             </a:fld>
@@ -4505,7 +4357,7 @@
       </p:sp>
       <p:sp>
         <p:nvSpPr>
-          <p:cNvPr id="5" name="Footer Placeholder 3"/>
+          <p:cNvPr id="4" name="Footer Placeholder 3"/>
           <p:cNvSpPr>
             <a:spLocks noGrp="1"/>
           </p:cNvSpPr>
@@ -4518,13 +4370,16 @@
           <a:bodyPr/>
           <a:lstStyle/>
           <a:p>
-            <a:endParaRPr lang="en-US"/>
-          </a:p>
-        </p:txBody>
-      </p:sp>
-      <p:sp>
-        <p:nvSpPr>
-          <p:cNvPr id="6" name="Slide Number Placeholder 4"/>
+            <a:r>
+              <a:rPr lang="en-US"/>
+              <a:t>Healthify-NWMSU</a:t>
+            </a:r>
+          </a:p>
+        </p:txBody>
+      </p:sp>
+      <p:sp>
+        <p:nvSpPr>
+          <p:cNvPr id="5" name="Slide Number Placeholder 4"/>
           <p:cNvSpPr>
             <a:spLocks noGrp="1"/>
           </p:cNvSpPr>
@@ -4548,7 +4403,7 @@
     </p:spTree>
     <p:extLst>
       <p:ext uri="{BB962C8B-B14F-4D97-AF65-F5344CB8AC3E}">
-        <p14:creationId xmlns:p14="http://schemas.microsoft.com/office/powerpoint/2010/main" val="890087896"/>
+        <p14:creationId xmlns:p14="http://schemas.microsoft.com/office/powerpoint/2010/main" val="4122621618"/>
       </p:ext>
     </p:extLst>
   </p:cSld>
@@ -4577,7 +4432,7 @@
       </p:grpSpPr>
       <p:sp>
         <p:nvSpPr>
-          <p:cNvPr id="7" name="Date Placeholder 1"/>
+          <p:cNvPr id="2" name="Date Placeholder 1"/>
           <p:cNvSpPr>
             <a:spLocks noGrp="1"/>
           </p:cNvSpPr>
@@ -4590,7 +4445,7 @@
           <a:bodyPr/>
           <a:lstStyle/>
           <a:p>
-            <a:fld id="{C2D2E4A4-709C-4720-8A60-129554F155B1}" type="datetimeFigureOut">
+            <a:fld id="{5C1EAB9D-6352-42F3-9DBA-06E972EA61C1}" type="datetime1">
               <a:rPr lang="en-US" smtClean="0"/>
               <a:t>9/1/2020</a:t>
             </a:fld>
@@ -4600,7 +4455,7 @@
       </p:sp>
       <p:sp>
         <p:nvSpPr>
-          <p:cNvPr id="5" name="Footer Placeholder 2"/>
+          <p:cNvPr id="3" name="Footer Placeholder 2"/>
           <p:cNvSpPr>
             <a:spLocks noGrp="1"/>
           </p:cNvSpPr>
@@ -4613,13 +4468,16 @@
           <a:bodyPr/>
           <a:lstStyle/>
           <a:p>
-            <a:endParaRPr lang="en-US"/>
-          </a:p>
-        </p:txBody>
-      </p:sp>
-      <p:sp>
-        <p:nvSpPr>
-          <p:cNvPr id="6" name="Slide Number Placeholder 3"/>
+            <a:r>
+              <a:rPr lang="en-US"/>
+              <a:t>Healthify-NWMSU</a:t>
+            </a:r>
+          </a:p>
+        </p:txBody>
+      </p:sp>
+      <p:sp>
+        <p:nvSpPr>
+          <p:cNvPr id="4" name="Slide Number Placeholder 3"/>
           <p:cNvSpPr>
             <a:spLocks noGrp="1"/>
           </p:cNvSpPr>
@@ -4643,7 +4501,7 @@
     </p:spTree>
     <p:extLst>
       <p:ext uri="{BB962C8B-B14F-4D97-AF65-F5344CB8AC3E}">
-        <p14:creationId xmlns:p14="http://schemas.microsoft.com/office/powerpoint/2010/main" val="1479881462"/>
+        <p14:creationId xmlns:p14="http://schemas.microsoft.com/office/powerpoint/2010/main" val="1199735030"/>
       </p:ext>
     </p:extLst>
   </p:cSld>
@@ -4682,73 +4540,143 @@
         </p:nvSpPr>
         <p:spPr>
           <a:xfrm>
-            <a:off x="1154953" y="1447800"/>
-            <a:ext cx="3401064" cy="1447800"/>
+            <a:off x="677334" y="1498604"/>
+            <a:ext cx="3854528" cy="1278466"/>
           </a:xfrm>
         </p:spPr>
         <p:txBody>
-          <a:bodyPr anchor="b"/>
-          <a:lstStyle>
-            <a:lvl1pPr algn="l">
-              <a:defRPr sz="2400" b="0"/>
-            </a:lvl1pPr>
-          </a:lstStyle>
-          <a:p>
-            <a:r>
-              <a:rPr lang="en-US"/>
-              <a:t>Click to edit Master title style</a:t>
-            </a:r>
-            <a:endParaRPr lang="en-US" dirty="0"/>
-          </a:p>
-        </p:txBody>
-      </p:sp>
-      <p:sp>
-        <p:nvSpPr>
-          <p:cNvPr id="3" name="Content Placeholder 2"/>
-          <p:cNvSpPr>
-            <a:spLocks noGrp="1"/>
-          </p:cNvSpPr>
-          <p:nvPr>
-            <p:ph idx="1"/>
-          </p:nvPr>
-        </p:nvSpPr>
-        <p:spPr>
-          <a:xfrm>
-            <a:off x="4784616" y="1447800"/>
-            <a:ext cx="5195997" cy="4572000"/>
-          </a:xfrm>
-        </p:spPr>
-        <p:txBody>
-          <a:bodyPr anchor="ctr">
+          <a:bodyPr anchor="b">
             <a:normAutofit/>
           </a:bodyPr>
           <a:lstStyle>
             <a:lvl1pPr>
               <a:defRPr sz="2000"/>
             </a:lvl1pPr>
-            <a:lvl2pPr>
-              <a:defRPr sz="1800"/>
+          </a:lstStyle>
+          <a:p>
+            <a:r>
+              <a:rPr lang="en-US"/>
+              <a:t>Click to edit Master title style</a:t>
+            </a:r>
+            <a:endParaRPr lang="en-US" dirty="0"/>
+          </a:p>
+        </p:txBody>
+      </p:sp>
+      <p:sp>
+        <p:nvSpPr>
+          <p:cNvPr id="3" name="Content Placeholder 2"/>
+          <p:cNvSpPr>
+            <a:spLocks noGrp="1"/>
+          </p:cNvSpPr>
+          <p:nvPr>
+            <p:ph idx="1"/>
+          </p:nvPr>
+        </p:nvSpPr>
+        <p:spPr>
+          <a:xfrm>
+            <a:off x="4760461" y="514924"/>
+            <a:ext cx="4513541" cy="5526437"/>
+          </a:xfrm>
+        </p:spPr>
+        <p:txBody>
+          <a:bodyPr>
+            <a:normAutofit/>
+          </a:bodyPr>
+          <a:lstStyle/>
+          <a:p>
+            <a:pPr lvl="0"/>
+            <a:r>
+              <a:rPr lang="en-US"/>
+              <a:t>Click to edit Master text styles</a:t>
+            </a:r>
+          </a:p>
+          <a:p>
+            <a:pPr lvl="1"/>
+            <a:r>
+              <a:rPr lang="en-US"/>
+              <a:t>Second level</a:t>
+            </a:r>
+          </a:p>
+          <a:p>
+            <a:pPr lvl="2"/>
+            <a:r>
+              <a:rPr lang="en-US"/>
+              <a:t>Third level</a:t>
+            </a:r>
+          </a:p>
+          <a:p>
+            <a:pPr lvl="3"/>
+            <a:r>
+              <a:rPr lang="en-US"/>
+              <a:t>Fourth level</a:t>
+            </a:r>
+          </a:p>
+          <a:p>
+            <a:pPr lvl="4"/>
+            <a:r>
+              <a:rPr lang="en-US"/>
+              <a:t>Fifth level</a:t>
+            </a:r>
+            <a:endParaRPr lang="en-US" dirty="0"/>
+          </a:p>
+        </p:txBody>
+      </p:sp>
+      <p:sp>
+        <p:nvSpPr>
+          <p:cNvPr id="4" name="Text Placeholder 3"/>
+          <p:cNvSpPr>
+            <a:spLocks noGrp="1"/>
+          </p:cNvSpPr>
+          <p:nvPr>
+            <p:ph type="body" sz="half" idx="2"/>
+          </p:nvPr>
+        </p:nvSpPr>
+        <p:spPr>
+          <a:xfrm>
+            <a:off x="677334" y="2777069"/>
+            <a:ext cx="3854528" cy="2584449"/>
+          </a:xfrm>
+        </p:spPr>
+        <p:txBody>
+          <a:bodyPr>
+            <a:normAutofit/>
+          </a:bodyPr>
+          <a:lstStyle>
+            <a:lvl1pPr marL="0" indent="0">
+              <a:buNone/>
+              <a:defRPr sz="1400"/>
+            </a:lvl1pPr>
+            <a:lvl2pPr marL="457063" indent="0">
+              <a:buNone/>
+              <a:defRPr sz="1400"/>
             </a:lvl2pPr>
-            <a:lvl3pPr>
-              <a:defRPr sz="1600"/>
+            <a:lvl3pPr marL="914126" indent="0">
+              <a:buNone/>
+              <a:defRPr sz="1200"/>
             </a:lvl3pPr>
-            <a:lvl4pPr>
-              <a:defRPr sz="1400"/>
+            <a:lvl4pPr marL="1371189" indent="0">
+              <a:buNone/>
+              <a:defRPr sz="1000"/>
             </a:lvl4pPr>
-            <a:lvl5pPr>
-              <a:defRPr sz="1400"/>
+            <a:lvl5pPr marL="1828251" indent="0">
+              <a:buNone/>
+              <a:defRPr sz="1000"/>
             </a:lvl5pPr>
-            <a:lvl6pPr>
-              <a:defRPr sz="1400"/>
+            <a:lvl6pPr marL="2285314" indent="0">
+              <a:buNone/>
+              <a:defRPr sz="1000"/>
             </a:lvl6pPr>
-            <a:lvl7pPr>
-              <a:defRPr sz="1400"/>
+            <a:lvl7pPr marL="2742377" indent="0">
+              <a:buNone/>
+              <a:defRPr sz="1000"/>
             </a:lvl7pPr>
-            <a:lvl8pPr>
-              <a:defRPr sz="1400"/>
+            <a:lvl8pPr marL="3199440" indent="0">
+              <a:buNone/>
+              <a:defRPr sz="1000"/>
             </a:lvl8pPr>
-            <a:lvl9pPr>
-              <a:defRPr sz="1400"/>
+            <a:lvl9pPr marL="3656503" indent="0">
+              <a:buNone/>
+              <a:defRPr sz="1000"/>
             </a:lvl9pPr>
           </a:lstStyle>
           <a:p>
@@ -4758,118 +4686,24 @@
               <a:t>Click to edit Master text styles</a:t>
             </a:r>
           </a:p>
-          <a:p>
-            <a:pPr lvl="1"/>
-            <a:r>
-              <a:rPr lang="en-US"/>
-              <a:t>Second level</a:t>
-            </a:r>
-          </a:p>
-          <a:p>
-            <a:pPr lvl="2"/>
-            <a:r>
-              <a:rPr lang="en-US"/>
-              <a:t>Third level</a:t>
-            </a:r>
-          </a:p>
-          <a:p>
-            <a:pPr lvl="3"/>
-            <a:r>
-              <a:rPr lang="en-US"/>
-              <a:t>Fourth level</a:t>
-            </a:r>
-          </a:p>
-          <a:p>
-            <a:pPr lvl="4"/>
-            <a:r>
-              <a:rPr lang="en-US"/>
-              <a:t>Fifth level</a:t>
-            </a:r>
-            <a:endParaRPr lang="en-US" dirty="0"/>
-          </a:p>
-        </p:txBody>
-      </p:sp>
-      <p:sp>
-        <p:nvSpPr>
-          <p:cNvPr id="4" name="Text Placeholder 3"/>
-          <p:cNvSpPr>
-            <a:spLocks noGrp="1"/>
-          </p:cNvSpPr>
-          <p:nvPr>
-            <p:ph type="body" sz="half" idx="2"/>
-          </p:nvPr>
-        </p:nvSpPr>
-        <p:spPr>
-          <a:xfrm>
-            <a:off x="1154953" y="3129280"/>
-            <a:ext cx="3401063" cy="2895599"/>
-          </a:xfrm>
-        </p:spPr>
+        </p:txBody>
+      </p:sp>
+      <p:sp>
+        <p:nvSpPr>
+          <p:cNvPr id="5" name="Date Placeholder 4"/>
+          <p:cNvSpPr>
+            <a:spLocks noGrp="1"/>
+          </p:cNvSpPr>
+          <p:nvPr>
+            <p:ph type="dt" sz="half" idx="10"/>
+          </p:nvPr>
+        </p:nvSpPr>
+        <p:spPr/>
         <p:txBody>
           <a:bodyPr/>
-          <a:lstStyle>
-            <a:lvl1pPr marL="0" indent="0">
-              <a:buNone/>
-              <a:defRPr sz="1400"/>
-            </a:lvl1pPr>
-            <a:lvl2pPr marL="457200" indent="0">
-              <a:buNone/>
-              <a:defRPr sz="1200"/>
-            </a:lvl2pPr>
-            <a:lvl3pPr marL="914400" indent="0">
-              <a:buNone/>
-              <a:defRPr sz="1000"/>
-            </a:lvl3pPr>
-            <a:lvl4pPr marL="1371600" indent="0">
-              <a:buNone/>
-              <a:defRPr sz="900"/>
-            </a:lvl4pPr>
-            <a:lvl5pPr marL="1828800" indent="0">
-              <a:buNone/>
-              <a:defRPr sz="900"/>
-            </a:lvl5pPr>
-            <a:lvl6pPr marL="2286000" indent="0">
-              <a:buNone/>
-              <a:defRPr sz="900"/>
-            </a:lvl6pPr>
-            <a:lvl7pPr marL="2743200" indent="0">
-              <a:buNone/>
-              <a:defRPr sz="900"/>
-            </a:lvl7pPr>
-            <a:lvl8pPr marL="3200400" indent="0">
-              <a:buNone/>
-              <a:defRPr sz="900"/>
-            </a:lvl8pPr>
-            <a:lvl9pPr marL="3657600" indent="0">
-              <a:buNone/>
-              <a:defRPr sz="900"/>
-            </a:lvl9pPr>
-          </a:lstStyle>
-          <a:p>
-            <a:pPr lvl="0"/>
-            <a:r>
-              <a:rPr lang="en-US"/>
-              <a:t>Click to edit Master text styles</a:t>
-            </a:r>
-          </a:p>
-        </p:txBody>
-      </p:sp>
-      <p:sp>
-        <p:nvSpPr>
-          <p:cNvPr id="7" name="Date Placeholder 4"/>
-          <p:cNvSpPr>
-            <a:spLocks noGrp="1"/>
-          </p:cNvSpPr>
-          <p:nvPr>
-            <p:ph type="dt" sz="half" idx="10"/>
-          </p:nvPr>
-        </p:nvSpPr>
-        <p:spPr/>
-        <p:txBody>
-          <a:bodyPr/>
-          <a:lstStyle/>
-          <a:p>
-            <a:fld id="{C2D2E4A4-709C-4720-8A60-129554F155B1}" type="datetimeFigureOut">
+          <a:lstStyle/>
+          <a:p>
+            <a:fld id="{6D4E1003-15BB-47AF-924E-10BEE17CFCE2}" type="datetime1">
               <a:rPr lang="en-US" smtClean="0"/>
               <a:t>9/1/2020</a:t>
             </a:fld>
@@ -4879,7 +4713,7 @@
       </p:sp>
       <p:sp>
         <p:nvSpPr>
-          <p:cNvPr id="5" name="Footer Placeholder 5"/>
+          <p:cNvPr id="6" name="Footer Placeholder 5"/>
           <p:cNvSpPr>
             <a:spLocks noGrp="1"/>
           </p:cNvSpPr>
@@ -4892,13 +4726,16 @@
           <a:bodyPr/>
           <a:lstStyle/>
           <a:p>
-            <a:endParaRPr lang="en-US"/>
-          </a:p>
-        </p:txBody>
-      </p:sp>
-      <p:sp>
-        <p:nvSpPr>
-          <p:cNvPr id="6" name="Slide Number Placeholder 6"/>
+            <a:r>
+              <a:rPr lang="en-US"/>
+              <a:t>Healthify-NWMSU</a:t>
+            </a:r>
+          </a:p>
+        </p:txBody>
+      </p:sp>
+      <p:sp>
+        <p:nvSpPr>
+          <p:cNvPr id="7" name="Slide Number Placeholder 6"/>
           <p:cNvSpPr>
             <a:spLocks noGrp="1"/>
           </p:cNvSpPr>
@@ -4922,7 +4759,7 @@
     </p:spTree>
     <p:extLst>
       <p:ext uri="{BB962C8B-B14F-4D97-AF65-F5344CB8AC3E}">
-        <p14:creationId xmlns:p14="http://schemas.microsoft.com/office/powerpoint/2010/main" val="1975331633"/>
+        <p14:creationId xmlns:p14="http://schemas.microsoft.com/office/powerpoint/2010/main" val="2730664565"/>
       </p:ext>
     </p:extLst>
   </p:cSld>
@@ -4961,8 +4798,8 @@
         </p:nvSpPr>
         <p:spPr>
           <a:xfrm>
-            <a:off x="1153907" y="1854192"/>
-            <a:ext cx="5092906" cy="1574808"/>
+            <a:off x="677334" y="4800600"/>
+            <a:ext cx="8596667" cy="566738"/>
           </a:xfrm>
         </p:spPr>
         <p:txBody>
@@ -4971,7 +4808,7 @@
           </a:bodyPr>
           <a:lstStyle>
             <a:lvl1pPr algn="l">
-              <a:defRPr sz="3600" b="0"/>
+              <a:defRPr sz="2400" b="0"/>
             </a:lvl1pPr>
           </a:lstStyle>
           <a:p>
@@ -4995,21 +4832,9 @@
         </p:nvSpPr>
         <p:spPr>
           <a:xfrm>
-            <a:off x="6949546" y="1143000"/>
-            <a:ext cx="3200400" cy="4572000"/>
+            <a:off x="677334" y="609600"/>
+            <a:ext cx="8596668" cy="3845718"/>
           </a:xfrm>
-          <a:prstGeom prst="roundRect">
-            <a:avLst>
-              <a:gd name="adj" fmla="val 1858"/>
-            </a:avLst>
-          </a:prstGeom>
-          <a:effectLst>
-            <a:outerShdw blurRad="50800" dist="50800" dir="5400000" algn="tl" rotWithShape="0">
-              <a:srgbClr val="000000">
-                <a:alpha val="43000"/>
-              </a:srgbClr>
-            </a:outerShdw>
-          </a:effectLst>
         </p:spPr>
         <p:txBody>
           <a:bodyPr anchor="t">
@@ -5074,8 +4899,8 @@
         </p:nvSpPr>
         <p:spPr>
           <a:xfrm>
-            <a:off x="1154954" y="3657600"/>
-            <a:ext cx="5084979" cy="1371600"/>
+            <a:off x="677334" y="5367338"/>
+            <a:ext cx="8596667" cy="674024"/>
           </a:xfrm>
         </p:spPr>
         <p:txBody>
@@ -5085,7 +4910,7 @@
           <a:lstStyle>
             <a:lvl1pPr marL="0" indent="0">
               <a:buNone/>
-              <a:defRPr sz="1400"/>
+              <a:defRPr sz="1200"/>
             </a:lvl1pPr>
             <a:lvl2pPr marL="457200" indent="0">
               <a:buNone/>
@@ -5144,7 +4969,7 @@
           <a:bodyPr/>
           <a:lstStyle/>
           <a:p>
-            <a:fld id="{C2D2E4A4-709C-4720-8A60-129554F155B1}" type="datetimeFigureOut">
+            <a:fld id="{8A9ED48A-44BE-445C-8197-6155F7FAFDFD}" type="datetime1">
               <a:rPr lang="en-US" smtClean="0"/>
               <a:t>9/1/2020</a:t>
             </a:fld>
@@ -5167,7 +4992,10 @@
           <a:bodyPr/>
           <a:lstStyle/>
           <a:p>
-            <a:endParaRPr lang="en-US"/>
+            <a:r>
+              <a:rPr lang="en-US"/>
+              <a:t>Healthify-NWMSU</a:t>
+            </a:r>
           </a:p>
         </p:txBody>
       </p:sp>
@@ -5197,7 +5025,7 @@
     </p:spTree>
     <p:extLst>
       <p:ext uri="{BB962C8B-B14F-4D97-AF65-F5344CB8AC3E}">
-        <p14:creationId xmlns:p14="http://schemas.microsoft.com/office/powerpoint/2010/main" val="926693060"/>
+        <p14:creationId xmlns:p14="http://schemas.microsoft.com/office/powerpoint/2010/main" val="2413873648"/>
       </p:ext>
     </p:extLst>
   </p:cSld>
@@ -5211,8 +5039,8 @@
 <p:sldMaster xmlns:a="http://schemas.openxmlformats.org/drawingml/2006/main" xmlns:r="http://schemas.openxmlformats.org/officeDocument/2006/relationships" xmlns:p="http://schemas.openxmlformats.org/presentationml/2006/main">
   <p:cSld>
     <p:bg>
-      <p:bgRef idx="1003">
-        <a:schemeClr val="bg2"/>
+      <p:bgRef idx="1001">
+        <a:schemeClr val="bg1"/>
       </p:bgRef>
     </p:bg>
     <p:spTree>
@@ -5229,424 +5057,738 @@
           <a:chExt cx="0" cy="0"/>
         </a:xfrm>
       </p:grpSpPr>
-      <p:pic>
-        <p:nvPicPr>
-          <p:cNvPr id="8" name="Picture 7"/>
-          <p:cNvPicPr>
-            <a:picLocks noChangeAspect="1"/>
-          </p:cNvPicPr>
+      <p:grpSp>
+        <p:nvGrpSpPr>
+          <p:cNvPr id="7" name="Group 6"/>
+          <p:cNvGrpSpPr/>
           <p:nvPr/>
-        </p:nvPicPr>
-        <p:blipFill rotWithShape="1">
-          <a:blip r:embed="rId19">
-            <a:extLst>
-              <a:ext uri="{28A0092B-C50C-407E-A947-70E740481C1C}">
-                <a14:useLocalDpi xmlns:a14="http://schemas.microsoft.com/office/drawing/2010/main" val="0"/>
-              </a:ext>
-            </a:extLst>
-          </a:blip>
-          <a:srcRect l="3613"/>
-          <a:stretch/>
-        </p:blipFill>
+        </p:nvGrpSpPr>
+        <p:grpSpPr>
+          <a:xfrm>
+            <a:off x="0" y="-8467"/>
+            <a:ext cx="12192000" cy="6866467"/>
+            <a:chOff x="0" y="-8467"/>
+            <a:chExt cx="12192000" cy="6866467"/>
+          </a:xfrm>
+        </p:grpSpPr>
+        <p:cxnSp>
+          <p:nvCxnSpPr>
+            <p:cNvPr id="20" name="Straight Connector 19"/>
+            <p:cNvCxnSpPr/>
+            <p:nvPr/>
+          </p:nvCxnSpPr>
+          <p:spPr>
+            <a:xfrm>
+              <a:off x="9371012" y="0"/>
+              <a:ext cx="1219200" cy="6858000"/>
+            </a:xfrm>
+            <a:prstGeom prst="line">
+              <a:avLst/>
+            </a:prstGeom>
+            <a:ln w="9525">
+              <a:solidFill>
+                <a:schemeClr val="bg1">
+                  <a:lumMod val="75000"/>
+                </a:schemeClr>
+              </a:solidFill>
+            </a:ln>
+          </p:spPr>
+          <p:style>
+            <a:lnRef idx="2">
+              <a:schemeClr val="accent1"/>
+            </a:lnRef>
+            <a:fillRef idx="0">
+              <a:schemeClr val="accent1"/>
+            </a:fillRef>
+            <a:effectRef idx="1">
+              <a:schemeClr val="accent1"/>
+            </a:effectRef>
+            <a:fontRef idx="minor">
+              <a:schemeClr val="tx1"/>
+            </a:fontRef>
+          </p:style>
+        </p:cxnSp>
+        <p:cxnSp>
+          <p:nvCxnSpPr>
+            <p:cNvPr id="21" name="Straight Connector 20"/>
+            <p:cNvCxnSpPr/>
+            <p:nvPr/>
+          </p:nvCxnSpPr>
+          <p:spPr>
+            <a:xfrm flipH="1">
+              <a:off x="7425267" y="3681413"/>
+              <a:ext cx="4763558" cy="3176587"/>
+            </a:xfrm>
+            <a:prstGeom prst="line">
+              <a:avLst/>
+            </a:prstGeom>
+            <a:ln w="9525">
+              <a:solidFill>
+                <a:schemeClr val="bg1">
+                  <a:lumMod val="85000"/>
+                </a:schemeClr>
+              </a:solidFill>
+            </a:ln>
+          </p:spPr>
+          <p:style>
+            <a:lnRef idx="2">
+              <a:schemeClr val="accent1"/>
+            </a:lnRef>
+            <a:fillRef idx="0">
+              <a:schemeClr val="accent1"/>
+            </a:fillRef>
+            <a:effectRef idx="1">
+              <a:schemeClr val="accent1"/>
+            </a:effectRef>
+            <a:fontRef idx="minor">
+              <a:schemeClr val="tx1"/>
+            </a:fontRef>
+          </p:style>
+        </p:cxnSp>
+        <p:sp>
+          <p:nvSpPr>
+            <p:cNvPr id="22" name="Rectangle 23"/>
+            <p:cNvSpPr/>
+            <p:nvPr/>
+          </p:nvSpPr>
+          <p:spPr>
+            <a:xfrm>
+              <a:off x="9181476" y="-8467"/>
+              <a:ext cx="3007349" cy="6866467"/>
+            </a:xfrm>
+            <a:custGeom>
+              <a:avLst/>
+              <a:gdLst/>
+              <a:ahLst/>
+              <a:cxnLst/>
+              <a:rect l="l" t="t" r="r" b="b"/>
+              <a:pathLst>
+                <a:path w="3007349" h="6866467">
+                  <a:moveTo>
+                    <a:pt x="2045532" y="0"/>
+                  </a:moveTo>
+                  <a:lnTo>
+                    <a:pt x="3007349" y="0"/>
+                  </a:lnTo>
+                  <a:lnTo>
+                    <a:pt x="3007349" y="6866467"/>
+                  </a:lnTo>
+                  <a:lnTo>
+                    <a:pt x="0" y="6866467"/>
+                  </a:lnTo>
+                  <a:lnTo>
+                    <a:pt x="2045532" y="0"/>
+                  </a:lnTo>
+                  <a:close/>
+                </a:path>
+              </a:pathLst>
+            </a:custGeom>
+            <a:solidFill>
+              <a:schemeClr val="accent1">
+                <a:alpha val="30000"/>
+              </a:schemeClr>
+            </a:solidFill>
+            <a:ln>
+              <a:noFill/>
+            </a:ln>
+            <a:effectLst/>
+          </p:spPr>
+          <p:style>
+            <a:lnRef idx="1">
+              <a:schemeClr val="accent1"/>
+            </a:lnRef>
+            <a:fillRef idx="3">
+              <a:schemeClr val="accent1"/>
+            </a:fillRef>
+            <a:effectRef idx="2">
+              <a:schemeClr val="accent1"/>
+            </a:effectRef>
+            <a:fontRef idx="minor">
+              <a:schemeClr val="lt1"/>
+            </a:fontRef>
+          </p:style>
+        </p:sp>
+        <p:sp>
+          <p:nvSpPr>
+            <p:cNvPr id="23" name="Rectangle 25"/>
+            <p:cNvSpPr/>
+            <p:nvPr/>
+          </p:nvSpPr>
+          <p:spPr>
+            <a:xfrm>
+              <a:off x="9603442" y="-8467"/>
+              <a:ext cx="2588558" cy="6866467"/>
+            </a:xfrm>
+            <a:custGeom>
+              <a:avLst/>
+              <a:gdLst/>
+              <a:ahLst/>
+              <a:cxnLst/>
+              <a:rect l="l" t="t" r="r" b="b"/>
+              <a:pathLst>
+                <a:path w="2573311" h="6866467">
+                  <a:moveTo>
+                    <a:pt x="0" y="0"/>
+                  </a:moveTo>
+                  <a:lnTo>
+                    <a:pt x="2573311" y="0"/>
+                  </a:lnTo>
+                  <a:lnTo>
+                    <a:pt x="2573311" y="6866467"/>
+                  </a:lnTo>
+                  <a:lnTo>
+                    <a:pt x="1202336" y="6866467"/>
+                  </a:lnTo>
+                  <a:lnTo>
+                    <a:pt x="0" y="0"/>
+                  </a:lnTo>
+                  <a:close/>
+                </a:path>
+              </a:pathLst>
+            </a:custGeom>
+            <a:solidFill>
+              <a:schemeClr val="accent1">
+                <a:alpha val="20000"/>
+              </a:schemeClr>
+            </a:solidFill>
+            <a:ln>
+              <a:noFill/>
+            </a:ln>
+            <a:effectLst/>
+          </p:spPr>
+          <p:style>
+            <a:lnRef idx="1">
+              <a:schemeClr val="accent1"/>
+            </a:lnRef>
+            <a:fillRef idx="3">
+              <a:schemeClr val="accent1"/>
+            </a:fillRef>
+            <a:effectRef idx="2">
+              <a:schemeClr val="accent1"/>
+            </a:effectRef>
+            <a:fontRef idx="minor">
+              <a:schemeClr val="lt1"/>
+            </a:fontRef>
+          </p:style>
+        </p:sp>
+        <p:sp>
+          <p:nvSpPr>
+            <p:cNvPr id="24" name="Isosceles Triangle 23"/>
+            <p:cNvSpPr/>
+            <p:nvPr/>
+          </p:nvSpPr>
+          <p:spPr>
+            <a:xfrm>
+              <a:off x="8932333" y="3048000"/>
+              <a:ext cx="3259667" cy="3810000"/>
+            </a:xfrm>
+            <a:prstGeom prst="triangle">
+              <a:avLst>
+                <a:gd name="adj" fmla="val 100000"/>
+              </a:avLst>
+            </a:prstGeom>
+            <a:solidFill>
+              <a:schemeClr val="accent2">
+                <a:alpha val="72000"/>
+              </a:schemeClr>
+            </a:solidFill>
+            <a:ln>
+              <a:noFill/>
+            </a:ln>
+            <a:effectLst/>
+          </p:spPr>
+          <p:style>
+            <a:lnRef idx="1">
+              <a:schemeClr val="accent1"/>
+            </a:lnRef>
+            <a:fillRef idx="3">
+              <a:schemeClr val="accent1"/>
+            </a:fillRef>
+            <a:effectRef idx="2">
+              <a:schemeClr val="accent1"/>
+            </a:effectRef>
+            <a:fontRef idx="minor">
+              <a:schemeClr val="lt1"/>
+            </a:fontRef>
+          </p:style>
+        </p:sp>
+        <p:sp>
+          <p:nvSpPr>
+            <p:cNvPr id="25" name="Rectangle 27"/>
+            <p:cNvSpPr/>
+            <p:nvPr/>
+          </p:nvSpPr>
+          <p:spPr>
+            <a:xfrm>
+              <a:off x="9334500" y="-8467"/>
+              <a:ext cx="2854326" cy="6866467"/>
+            </a:xfrm>
+            <a:custGeom>
+              <a:avLst/>
+              <a:gdLst/>
+              <a:ahLst/>
+              <a:cxnLst/>
+              <a:rect l="l" t="t" r="r" b="b"/>
+              <a:pathLst>
+                <a:path w="2858013" h="6866467">
+                  <a:moveTo>
+                    <a:pt x="0" y="0"/>
+                  </a:moveTo>
+                  <a:lnTo>
+                    <a:pt x="2858013" y="0"/>
+                  </a:lnTo>
+                  <a:lnTo>
+                    <a:pt x="2858013" y="6866467"/>
+                  </a:lnTo>
+                  <a:lnTo>
+                    <a:pt x="2473942" y="6866467"/>
+                  </a:lnTo>
+                  <a:lnTo>
+                    <a:pt x="0" y="0"/>
+                  </a:lnTo>
+                  <a:close/>
+                </a:path>
+              </a:pathLst>
+            </a:custGeom>
+            <a:solidFill>
+              <a:schemeClr val="accent2">
+                <a:lumMod val="75000"/>
+                <a:alpha val="70000"/>
+              </a:schemeClr>
+            </a:solidFill>
+            <a:ln>
+              <a:noFill/>
+            </a:ln>
+            <a:effectLst/>
+          </p:spPr>
+          <p:style>
+            <a:lnRef idx="1">
+              <a:schemeClr val="accent1"/>
+            </a:lnRef>
+            <a:fillRef idx="3">
+              <a:schemeClr val="accent1"/>
+            </a:fillRef>
+            <a:effectRef idx="2">
+              <a:schemeClr val="accent1"/>
+            </a:effectRef>
+            <a:fontRef idx="minor">
+              <a:schemeClr val="lt1"/>
+            </a:fontRef>
+          </p:style>
+        </p:sp>
+        <p:sp>
+          <p:nvSpPr>
+            <p:cNvPr id="26" name="Rectangle 28"/>
+            <p:cNvSpPr/>
+            <p:nvPr/>
+          </p:nvSpPr>
+          <p:spPr>
+            <a:xfrm>
+              <a:off x="10898730" y="-8467"/>
+              <a:ext cx="1290094" cy="6866467"/>
+            </a:xfrm>
+            <a:custGeom>
+              <a:avLst/>
+              <a:gdLst/>
+              <a:ahLst/>
+              <a:cxnLst/>
+              <a:rect l="l" t="t" r="r" b="b"/>
+              <a:pathLst>
+                <a:path w="1290094" h="6858000">
+                  <a:moveTo>
+                    <a:pt x="1019735" y="0"/>
+                  </a:moveTo>
+                  <a:lnTo>
+                    <a:pt x="1290094" y="0"/>
+                  </a:lnTo>
+                  <a:lnTo>
+                    <a:pt x="1290094" y="6858000"/>
+                  </a:lnTo>
+                  <a:lnTo>
+                    <a:pt x="0" y="6858000"/>
+                  </a:lnTo>
+                  <a:lnTo>
+                    <a:pt x="1019735" y="0"/>
+                  </a:lnTo>
+                  <a:close/>
+                </a:path>
+              </a:pathLst>
+            </a:custGeom>
+            <a:solidFill>
+              <a:schemeClr val="accent1">
+                <a:lumMod val="60000"/>
+                <a:lumOff val="40000"/>
+                <a:alpha val="70000"/>
+              </a:schemeClr>
+            </a:solidFill>
+            <a:ln>
+              <a:noFill/>
+            </a:ln>
+            <a:effectLst/>
+          </p:spPr>
+          <p:style>
+            <a:lnRef idx="1">
+              <a:schemeClr val="accent1"/>
+            </a:lnRef>
+            <a:fillRef idx="3">
+              <a:schemeClr val="accent1"/>
+            </a:fillRef>
+            <a:effectRef idx="2">
+              <a:schemeClr val="accent1"/>
+            </a:effectRef>
+            <a:fontRef idx="minor">
+              <a:schemeClr val="lt1"/>
+            </a:fontRef>
+          </p:style>
+        </p:sp>
+        <p:sp>
+          <p:nvSpPr>
+            <p:cNvPr id="27" name="Rectangle 29"/>
+            <p:cNvSpPr/>
+            <p:nvPr/>
+          </p:nvSpPr>
+          <p:spPr>
+            <a:xfrm>
+              <a:off x="10938999" y="-8467"/>
+              <a:ext cx="1249825" cy="6866467"/>
+            </a:xfrm>
+            <a:custGeom>
+              <a:avLst/>
+              <a:gdLst/>
+              <a:ahLst/>
+              <a:cxnLst/>
+              <a:rect l="l" t="t" r="r" b="b"/>
+              <a:pathLst>
+                <a:path w="1249825" h="6858000">
+                  <a:moveTo>
+                    <a:pt x="0" y="0"/>
+                  </a:moveTo>
+                  <a:lnTo>
+                    <a:pt x="1249825" y="0"/>
+                  </a:lnTo>
+                  <a:lnTo>
+                    <a:pt x="1249825" y="6858000"/>
+                  </a:lnTo>
+                  <a:lnTo>
+                    <a:pt x="1109382" y="6858000"/>
+                  </a:lnTo>
+                  <a:lnTo>
+                    <a:pt x="0" y="0"/>
+                  </a:lnTo>
+                  <a:close/>
+                </a:path>
+              </a:pathLst>
+            </a:custGeom>
+            <a:solidFill>
+              <a:schemeClr val="accent1">
+                <a:alpha val="65000"/>
+              </a:schemeClr>
+            </a:solidFill>
+            <a:ln>
+              <a:noFill/>
+            </a:ln>
+            <a:effectLst/>
+          </p:spPr>
+          <p:style>
+            <a:lnRef idx="1">
+              <a:schemeClr val="accent1"/>
+            </a:lnRef>
+            <a:fillRef idx="3">
+              <a:schemeClr val="accent1"/>
+            </a:fillRef>
+            <a:effectRef idx="2">
+              <a:schemeClr val="accent1"/>
+            </a:effectRef>
+            <a:fontRef idx="minor">
+              <a:schemeClr val="lt1"/>
+            </a:fontRef>
+          </p:style>
+        </p:sp>
+        <p:sp>
+          <p:nvSpPr>
+            <p:cNvPr id="28" name="Isosceles Triangle 27"/>
+            <p:cNvSpPr/>
+            <p:nvPr/>
+          </p:nvSpPr>
+          <p:spPr>
+            <a:xfrm>
+              <a:off x="10371666" y="3589867"/>
+              <a:ext cx="1817159" cy="3268133"/>
+            </a:xfrm>
+            <a:prstGeom prst="triangle">
+              <a:avLst>
+                <a:gd name="adj" fmla="val 100000"/>
+              </a:avLst>
+            </a:prstGeom>
+            <a:solidFill>
+              <a:schemeClr val="accent1">
+                <a:alpha val="80000"/>
+              </a:schemeClr>
+            </a:solidFill>
+            <a:ln>
+              <a:noFill/>
+            </a:ln>
+            <a:effectLst/>
+          </p:spPr>
+          <p:style>
+            <a:lnRef idx="1">
+              <a:schemeClr val="accent1"/>
+            </a:lnRef>
+            <a:fillRef idx="3">
+              <a:schemeClr val="accent1"/>
+            </a:fillRef>
+            <a:effectRef idx="2">
+              <a:schemeClr val="accent1"/>
+            </a:effectRef>
+            <a:fontRef idx="minor">
+              <a:schemeClr val="lt1"/>
+            </a:fontRef>
+          </p:style>
+        </p:sp>
+        <p:sp>
+          <p:nvSpPr>
+            <p:cNvPr id="29" name="Isosceles Triangle 28"/>
+            <p:cNvSpPr/>
+            <p:nvPr/>
+          </p:nvSpPr>
+          <p:spPr>
+            <a:xfrm>
+              <a:off x="0" y="4013200"/>
+              <a:ext cx="448733" cy="2844800"/>
+            </a:xfrm>
+            <a:prstGeom prst="triangle">
+              <a:avLst>
+                <a:gd name="adj" fmla="val 0"/>
+              </a:avLst>
+            </a:prstGeom>
+            <a:solidFill>
+              <a:schemeClr val="accent1">
+                <a:alpha val="85000"/>
+              </a:schemeClr>
+            </a:solidFill>
+            <a:ln>
+              <a:noFill/>
+            </a:ln>
+            <a:effectLst/>
+          </p:spPr>
+          <p:style>
+            <a:lnRef idx="1">
+              <a:schemeClr val="accent1"/>
+            </a:lnRef>
+            <a:fillRef idx="3">
+              <a:schemeClr val="accent1"/>
+            </a:fillRef>
+            <a:effectRef idx="2">
+              <a:schemeClr val="accent1"/>
+            </a:effectRef>
+            <a:fontRef idx="minor">
+              <a:schemeClr val="lt1"/>
+            </a:fontRef>
+          </p:style>
+        </p:sp>
+      </p:grpSp>
+      <p:sp>
+        <p:nvSpPr>
+          <p:cNvPr id="2" name="Title Placeholder 1"/>
+          <p:cNvSpPr>
+            <a:spLocks noGrp="1"/>
+          </p:cNvSpPr>
+          <p:nvPr>
+            <p:ph type="title"/>
+          </p:nvPr>
+        </p:nvSpPr>
         <p:spPr>
           <a:xfrm>
-            <a:off x="0" y="2669685"/>
-            <a:ext cx="4037012" cy="4188315"/>
+            <a:off x="677334" y="609600"/>
+            <a:ext cx="8596668" cy="1320800"/>
           </a:xfrm>
           <a:prstGeom prst="rect">
             <a:avLst/>
           </a:prstGeom>
         </p:spPr>
-      </p:pic>
-      <p:pic>
-        <p:nvPicPr>
-          <p:cNvPr id="7" name="Picture 6"/>
-          <p:cNvPicPr>
-            <a:picLocks noChangeAspect="1"/>
-          </p:cNvPicPr>
-          <p:nvPr/>
-        </p:nvPicPr>
-        <p:blipFill rotWithShape="1">
-          <a:blip r:embed="rId20">
-            <a:extLst>
-              <a:ext uri="{28A0092B-C50C-407E-A947-70E740481C1C}">
-                <a14:useLocalDpi xmlns:a14="http://schemas.microsoft.com/office/drawing/2010/main" val="0"/>
-              </a:ext>
-            </a:extLst>
-          </a:blip>
-          <a:srcRect l="35640"/>
-          <a:stretch/>
-        </p:blipFill>
+        <p:txBody>
+          <a:bodyPr vert="horz" lIns="91440" tIns="45720" rIns="91440" bIns="45720" rtlCol="0" anchor="t">
+            <a:normAutofit/>
+          </a:bodyPr>
+          <a:lstStyle/>
+          <a:p>
+            <a:r>
+              <a:rPr lang="en-US"/>
+              <a:t>Click to edit Master title style</a:t>
+            </a:r>
+            <a:endParaRPr lang="en-US" dirty="0"/>
+          </a:p>
+        </p:txBody>
+      </p:sp>
+      <p:sp>
+        <p:nvSpPr>
+          <p:cNvPr id="3" name="Text Placeholder 2"/>
+          <p:cNvSpPr>
+            <a:spLocks noGrp="1"/>
+          </p:cNvSpPr>
+          <p:nvPr>
+            <p:ph type="body" idx="1"/>
+          </p:nvPr>
+        </p:nvSpPr>
         <p:spPr>
           <a:xfrm>
-            <a:off x="0" y="2892347"/>
-            <a:ext cx="1522412" cy="2365453"/>
+            <a:off x="677334" y="2160589"/>
+            <a:ext cx="8596668" cy="3880773"/>
           </a:xfrm>
           <a:prstGeom prst="rect">
             <a:avLst/>
           </a:prstGeom>
         </p:spPr>
-      </p:pic>
-      <p:sp>
-        <p:nvSpPr>
-          <p:cNvPr id="16" name="Oval 15"/>
-          <p:cNvSpPr/>
-          <p:nvPr/>
+        <p:txBody>
+          <a:bodyPr vert="horz" lIns="91440" tIns="45720" rIns="91440" bIns="45720" rtlCol="0">
+            <a:normAutofit/>
+          </a:bodyPr>
+          <a:lstStyle/>
+          <a:p>
+            <a:pPr lvl="0"/>
+            <a:r>
+              <a:rPr lang="en-US"/>
+              <a:t>Click to edit Master text styles</a:t>
+            </a:r>
+          </a:p>
+          <a:p>
+            <a:pPr lvl="1"/>
+            <a:r>
+              <a:rPr lang="en-US"/>
+              <a:t>Second level</a:t>
+            </a:r>
+          </a:p>
+          <a:p>
+            <a:pPr lvl="2"/>
+            <a:r>
+              <a:rPr lang="en-US"/>
+              <a:t>Third level</a:t>
+            </a:r>
+          </a:p>
+          <a:p>
+            <a:pPr lvl="3"/>
+            <a:r>
+              <a:rPr lang="en-US"/>
+              <a:t>Fourth level</a:t>
+            </a:r>
+          </a:p>
+          <a:p>
+            <a:pPr lvl="4"/>
+            <a:r>
+              <a:rPr lang="en-US"/>
+              <a:t>Fifth level</a:t>
+            </a:r>
+            <a:endParaRPr lang="en-US" dirty="0"/>
+          </a:p>
+        </p:txBody>
+      </p:sp>
+      <p:sp>
+        <p:nvSpPr>
+          <p:cNvPr id="4" name="Date Placeholder 3"/>
+          <p:cNvSpPr>
+            <a:spLocks noGrp="1"/>
+          </p:cNvSpPr>
+          <p:nvPr>
+            <p:ph type="dt" sz="half" idx="2"/>
+          </p:nvPr>
         </p:nvSpPr>
         <p:spPr>
           <a:xfrm>
-            <a:off x="8609012" y="1676400"/>
-            <a:ext cx="2819400" cy="2819400"/>
-          </a:xfrm>
-          <a:prstGeom prst="ellipse">
-            <a:avLst/>
-          </a:prstGeom>
-          <a:gradFill flip="none" rotWithShape="1">
-            <a:gsLst>
-              <a:gs pos="0">
-                <a:schemeClr val="bg2">
-                  <a:lumMod val="60000"/>
-                  <a:lumOff val="40000"/>
-                  <a:alpha val="7000"/>
-                </a:schemeClr>
-              </a:gs>
-              <a:gs pos="69000">
-                <a:schemeClr val="bg2">
-                  <a:lumMod val="60000"/>
-                  <a:lumOff val="40000"/>
-                  <a:alpha val="0"/>
-                </a:schemeClr>
-              </a:gs>
-              <a:gs pos="36000">
-                <a:schemeClr val="bg2">
-                  <a:lumMod val="60000"/>
-                  <a:lumOff val="40000"/>
-                  <a:alpha val="6000"/>
-                </a:schemeClr>
-              </a:gs>
-            </a:gsLst>
-            <a:path path="circle">
-              <a:fillToRect l="50000" t="50000" r="50000" b="50000"/>
-            </a:path>
-            <a:tileRect/>
-          </a:gradFill>
-          <a:ln>
-            <a:noFill/>
-          </a:ln>
-          <a:effectLst/>
-        </p:spPr>
-        <p:style>
-          <a:lnRef idx="1">
-            <a:schemeClr val="accent1"/>
-          </a:lnRef>
-          <a:fillRef idx="3">
-            <a:schemeClr val="accent1"/>
-          </a:fillRef>
-          <a:effectRef idx="2">
-            <a:schemeClr val="accent1"/>
-          </a:effectRef>
-          <a:fontRef idx="minor">
-            <a:schemeClr val="lt1"/>
-          </a:fontRef>
-        </p:style>
-      </p:sp>
-      <p:pic>
-        <p:nvPicPr>
-          <p:cNvPr id="9" name="Picture 8"/>
-          <p:cNvPicPr>
-            <a:picLocks noChangeAspect="1"/>
-          </p:cNvPicPr>
-          <p:nvPr/>
-        </p:nvPicPr>
-        <p:blipFill rotWithShape="1">
-          <a:blip r:embed="rId21">
-            <a:extLst>
-              <a:ext uri="{28A0092B-C50C-407E-A947-70E740481C1C}">
-                <a14:useLocalDpi xmlns:a14="http://schemas.microsoft.com/office/drawing/2010/main" val="0"/>
-              </a:ext>
-            </a:extLst>
-          </a:blip>
-          <a:srcRect t="28813"/>
-          <a:stretch/>
-        </p:blipFill>
-        <p:spPr>
-          <a:xfrm>
-            <a:off x="7999412" y="0"/>
-            <a:ext cx="1603387" cy="1141407"/>
+            <a:off x="7205133" y="6041362"/>
+            <a:ext cx="911939" cy="365125"/>
           </a:xfrm>
           <a:prstGeom prst="rect">
             <a:avLst/>
           </a:prstGeom>
         </p:spPr>
-      </p:pic>
-      <p:pic>
-        <p:nvPicPr>
-          <p:cNvPr id="10" name="Picture 9"/>
-          <p:cNvPicPr>
-            <a:picLocks noChangeAspect="1"/>
-          </p:cNvPicPr>
-          <p:nvPr/>
-        </p:nvPicPr>
-        <p:blipFill rotWithShape="1">
-          <a:blip r:embed="rId22">
-            <a:extLst>
-              <a:ext uri="{28A0092B-C50C-407E-A947-70E740481C1C}">
-                <a14:useLocalDpi xmlns:a14="http://schemas.microsoft.com/office/drawing/2010/main" val="0"/>
-              </a:ext>
-            </a:extLst>
-          </a:blip>
-          <a:srcRect b="23320"/>
-          <a:stretch/>
-        </p:blipFill>
+        <p:txBody>
+          <a:bodyPr vert="horz" lIns="91440" tIns="45720" rIns="91440" bIns="45720" rtlCol="0" anchor="ctr"/>
+          <a:lstStyle>
+            <a:lvl1pPr algn="r">
+              <a:defRPr sz="900">
+                <a:solidFill>
+                  <a:schemeClr val="tx1">
+                    <a:tint val="75000"/>
+                  </a:schemeClr>
+                </a:solidFill>
+              </a:defRPr>
+            </a:lvl1pPr>
+          </a:lstStyle>
+          <a:p>
+            <a:fld id="{87E7C5B2-8431-42CE-902A-E317D84B6C47}" type="datetime1">
+              <a:rPr lang="en-US" smtClean="0"/>
+              <a:t>9/1/2020</a:t>
+            </a:fld>
+            <a:endParaRPr lang="en-US"/>
+          </a:p>
+        </p:txBody>
+      </p:sp>
+      <p:sp>
+        <p:nvSpPr>
+          <p:cNvPr id="5" name="Footer Placeholder 4"/>
+          <p:cNvSpPr>
+            <a:spLocks noGrp="1"/>
+          </p:cNvSpPr>
+          <p:nvPr>
+            <p:ph type="ftr" sz="quarter" idx="3"/>
+          </p:nvPr>
+        </p:nvSpPr>
         <p:spPr>
           <a:xfrm>
-            <a:off x="8605878" y="6096000"/>
-            <a:ext cx="993734" cy="762000"/>
+            <a:off x="677334" y="6041362"/>
+            <a:ext cx="6297612" cy="365125"/>
           </a:xfrm>
           <a:prstGeom prst="rect">
             <a:avLst/>
           </a:prstGeom>
         </p:spPr>
-      </p:pic>
-      <p:sp>
-        <p:nvSpPr>
-          <p:cNvPr id="14" name="Rectangle 13"/>
-          <p:cNvSpPr/>
-          <p:nvPr/>
+        <p:txBody>
+          <a:bodyPr vert="horz" lIns="91440" tIns="45720" rIns="91440" bIns="45720" rtlCol="0" anchor="ctr"/>
+          <a:lstStyle>
+            <a:lvl1pPr algn="l">
+              <a:defRPr sz="900">
+                <a:solidFill>
+                  <a:schemeClr val="tx1">
+                    <a:tint val="75000"/>
+                  </a:schemeClr>
+                </a:solidFill>
+              </a:defRPr>
+            </a:lvl1pPr>
+          </a:lstStyle>
+          <a:p>
+            <a:r>
+              <a:rPr lang="en-US"/>
+              <a:t>Healthify-NWMSU</a:t>
+            </a:r>
+          </a:p>
+        </p:txBody>
+      </p:sp>
+      <p:sp>
+        <p:nvSpPr>
+          <p:cNvPr id="6" name="Slide Number Placeholder 5"/>
+          <p:cNvSpPr>
+            <a:spLocks noGrp="1"/>
+          </p:cNvSpPr>
+          <p:nvPr>
+            <p:ph type="sldNum" sz="quarter" idx="4"/>
+          </p:nvPr>
         </p:nvSpPr>
         <p:spPr>
           <a:xfrm>
-            <a:off x="10437812" y="0"/>
-            <a:ext cx="685800" cy="1143000"/>
-          </a:xfrm>
-          <a:prstGeom prst="rect">
-            <a:avLst/>
-          </a:prstGeom>
-          <a:solidFill>
-            <a:schemeClr val="accent1"/>
-          </a:solidFill>
-          <a:ln>
-            <a:noFill/>
-          </a:ln>
-        </p:spPr>
-        <p:style>
-          <a:lnRef idx="1">
-            <a:schemeClr val="accent1"/>
-          </a:lnRef>
-          <a:fillRef idx="3">
-            <a:schemeClr val="accent1"/>
-          </a:fillRef>
-          <a:effectRef idx="2">
-            <a:schemeClr val="accent1"/>
-          </a:effectRef>
-          <a:fontRef idx="minor">
-            <a:schemeClr val="lt1"/>
-          </a:fontRef>
-        </p:style>
-      </p:sp>
-      <p:sp>
-        <p:nvSpPr>
-          <p:cNvPr id="2" name="Title Placeholder 1"/>
-          <p:cNvSpPr>
-            <a:spLocks noGrp="1"/>
-          </p:cNvSpPr>
-          <p:nvPr>
-            <p:ph type="title"/>
-          </p:nvPr>
-        </p:nvSpPr>
-        <p:spPr>
-          <a:xfrm>
-            <a:off x="646111" y="452718"/>
-            <a:ext cx="9404723" cy="1400530"/>
+            <a:off x="8590663" y="6041362"/>
+            <a:ext cx="683339" cy="365125"/>
           </a:xfrm>
           <a:prstGeom prst="rect">
             <a:avLst/>
           </a:prstGeom>
         </p:spPr>
         <p:txBody>
-          <a:bodyPr vert="horz" lIns="91440" tIns="45720" rIns="91440" bIns="45720" rtlCol="0" anchor="t">
-            <a:noAutofit/>
-          </a:bodyPr>
-          <a:lstStyle/>
-          <a:p>
-            <a:r>
-              <a:rPr lang="en-US"/>
-              <a:t>Click to edit Master title style</a:t>
-            </a:r>
-            <a:endParaRPr lang="en-US" dirty="0"/>
-          </a:p>
-        </p:txBody>
-      </p:sp>
-      <p:sp>
-        <p:nvSpPr>
-          <p:cNvPr id="3" name="Text Placeholder 2"/>
-          <p:cNvSpPr>
-            <a:spLocks noGrp="1"/>
-          </p:cNvSpPr>
-          <p:nvPr>
-            <p:ph type="body" idx="1"/>
-          </p:nvPr>
-        </p:nvSpPr>
-        <p:spPr>
-          <a:xfrm>
-            <a:off x="1103312" y="2052918"/>
-            <a:ext cx="8946541" cy="4195481"/>
-          </a:xfrm>
-          <a:prstGeom prst="rect">
-            <a:avLst/>
-          </a:prstGeom>
-        </p:spPr>
-        <p:txBody>
-          <a:bodyPr vert="horz" lIns="91440" tIns="45720" rIns="91440" bIns="45720" rtlCol="0">
-            <a:normAutofit/>
-          </a:bodyPr>
-          <a:lstStyle/>
-          <a:p>
-            <a:pPr lvl="0"/>
-            <a:r>
-              <a:rPr lang="en-US"/>
-              <a:t>Click to edit Master text styles</a:t>
-            </a:r>
-          </a:p>
-          <a:p>
-            <a:pPr lvl="1"/>
-            <a:r>
-              <a:rPr lang="en-US"/>
-              <a:t>Second level</a:t>
-            </a:r>
-          </a:p>
-          <a:p>
-            <a:pPr lvl="2"/>
-            <a:r>
-              <a:rPr lang="en-US"/>
-              <a:t>Third level</a:t>
-            </a:r>
-          </a:p>
-          <a:p>
-            <a:pPr lvl="3"/>
-            <a:r>
-              <a:rPr lang="en-US"/>
-              <a:t>Fourth level</a:t>
-            </a:r>
-          </a:p>
-          <a:p>
-            <a:pPr lvl="4"/>
-            <a:r>
-              <a:rPr lang="en-US"/>
-              <a:t>Fifth level</a:t>
-            </a:r>
-            <a:endParaRPr lang="en-US" dirty="0"/>
-          </a:p>
-        </p:txBody>
-      </p:sp>
-      <p:sp>
-        <p:nvSpPr>
-          <p:cNvPr id="4" name="Date Placeholder 3"/>
-          <p:cNvSpPr>
-            <a:spLocks noGrp="1"/>
-          </p:cNvSpPr>
-          <p:nvPr>
-            <p:ph type="dt" sz="half" idx="2"/>
-          </p:nvPr>
-        </p:nvSpPr>
-        <p:spPr>
-          <a:xfrm rot="5400000">
-            <a:off x="10155639" y="1790701"/>
-            <a:ext cx="990599" cy="304799"/>
-          </a:xfrm>
-          <a:prstGeom prst="rect">
-            <a:avLst/>
-          </a:prstGeom>
-        </p:spPr>
-        <p:txBody>
-          <a:bodyPr vert="horz" lIns="91440" tIns="45720" rIns="91440" bIns="45720" rtlCol="0" anchor="t"/>
+          <a:bodyPr vert="horz" lIns="91440" tIns="45720" rIns="91440" bIns="45720" rtlCol="0" anchor="ctr"/>
           <a:lstStyle>
-            <a:lvl1pPr algn="l">
-              <a:defRPr sz="1100" b="0" i="0">
-                <a:solidFill>
-                  <a:schemeClr val="tx1">
-                    <a:tint val="75000"/>
-                    <a:alpha val="60000"/>
-                  </a:schemeClr>
-                </a:solidFill>
-              </a:defRPr>
-            </a:lvl1pPr>
-          </a:lstStyle>
-          <a:p>
-            <a:fld id="{C2D2E4A4-709C-4720-8A60-129554F155B1}" type="datetimeFigureOut">
-              <a:rPr lang="en-US" smtClean="0"/>
-              <a:t>9/1/2020</a:t>
-            </a:fld>
-            <a:endParaRPr lang="en-US"/>
-          </a:p>
-        </p:txBody>
-      </p:sp>
-      <p:sp>
-        <p:nvSpPr>
-          <p:cNvPr id="5" name="Footer Placeholder 4"/>
-          <p:cNvSpPr>
-            <a:spLocks noGrp="1"/>
-          </p:cNvSpPr>
-          <p:nvPr>
-            <p:ph type="ftr" sz="quarter" idx="3"/>
-          </p:nvPr>
-        </p:nvSpPr>
-        <p:spPr>
-          <a:xfrm rot="5400000">
-            <a:off x="8951573" y="3225297"/>
-            <a:ext cx="3859795" cy="304801"/>
-          </a:xfrm>
-          <a:prstGeom prst="rect">
-            <a:avLst/>
-          </a:prstGeom>
-        </p:spPr>
-        <p:txBody>
-          <a:bodyPr vert="horz" lIns="91440" tIns="45720" rIns="91440" bIns="45720" rtlCol="0" anchor="b"/>
-          <a:lstStyle>
-            <a:lvl1pPr algn="l">
-              <a:defRPr sz="1100" b="0" i="0">
-                <a:solidFill>
-                  <a:schemeClr val="tx1">
-                    <a:tint val="75000"/>
-                    <a:alpha val="60000"/>
-                  </a:schemeClr>
-                </a:solidFill>
-              </a:defRPr>
-            </a:lvl1pPr>
-          </a:lstStyle>
-          <a:p>
-            <a:endParaRPr lang="en-US"/>
-          </a:p>
-        </p:txBody>
-      </p:sp>
-      <p:sp>
-        <p:nvSpPr>
-          <p:cNvPr id="6" name="Slide Number Placeholder 5"/>
-          <p:cNvSpPr>
-            <a:spLocks noGrp="1"/>
-          </p:cNvSpPr>
-          <p:nvPr>
-            <p:ph type="sldNum" sz="quarter" idx="4"/>
-          </p:nvPr>
-        </p:nvSpPr>
-        <p:spPr bwMode="gray">
-          <a:xfrm>
-            <a:off x="10352540" y="295729"/>
-            <a:ext cx="838199" cy="767687"/>
-          </a:xfrm>
-          <a:prstGeom prst="rect">
-            <a:avLst/>
-          </a:prstGeom>
-        </p:spPr>
-        <p:txBody>
-          <a:bodyPr vert="horz" lIns="91440" tIns="45720" rIns="91440" bIns="45720" rtlCol="0" anchor="b"/>
-          <a:lstStyle>
-            <a:lvl1pPr algn="ctr">
-              <a:defRPr sz="2800" b="0" i="0">
-                <a:solidFill>
-                  <a:schemeClr val="tx1">
-                    <a:tint val="75000"/>
-                  </a:schemeClr>
+            <a:lvl1pPr algn="r">
+              <a:defRPr sz="900">
+                <a:solidFill>
+                  <a:schemeClr val="accent1"/>
                 </a:solidFill>
               </a:defRPr>
             </a:lvl1pPr>
@@ -5663,30 +5805,30 @@
     </p:spTree>
     <p:extLst>
       <p:ext uri="{BB962C8B-B14F-4D97-AF65-F5344CB8AC3E}">
-        <p14:creationId xmlns:p14="http://schemas.microsoft.com/office/powerpoint/2010/main" val="2064997787"/>
+        <p14:creationId xmlns:p14="http://schemas.microsoft.com/office/powerpoint/2010/main" val="4205838828"/>
       </p:ext>
     </p:extLst>
   </p:cSld>
-  <p:clrMap bg1="dk1" tx1="lt1" bg2="dk2" tx2="lt2" accent1="accent1" accent2="accent2" accent3="accent3" accent4="accent4" accent5="accent5" accent6="accent6" hlink="hlink" folHlink="folHlink"/>
+  <p:clrMap bg1="lt1" tx1="dk1" bg2="lt2" tx2="dk2" accent1="accent1" accent2="accent2" accent3="accent3" accent4="accent4" accent5="accent5" accent6="accent6" hlink="hlink" folHlink="folHlink"/>
   <p:sldLayoutIdLst>
-    <p:sldLayoutId id="2147483690" r:id="rId1"/>
-    <p:sldLayoutId id="2147483691" r:id="rId2"/>
-    <p:sldLayoutId id="2147483692" r:id="rId3"/>
-    <p:sldLayoutId id="2147483693" r:id="rId4"/>
-    <p:sldLayoutId id="2147483694" r:id="rId5"/>
-    <p:sldLayoutId id="2147483695" r:id="rId6"/>
-    <p:sldLayoutId id="2147483696" r:id="rId7"/>
-    <p:sldLayoutId id="2147483697" r:id="rId8"/>
-    <p:sldLayoutId id="2147483698" r:id="rId9"/>
-    <p:sldLayoutId id="2147483699" r:id="rId10"/>
-    <p:sldLayoutId id="2147483700" r:id="rId11"/>
-    <p:sldLayoutId id="2147483701" r:id="rId12"/>
-    <p:sldLayoutId id="2147483702" r:id="rId13"/>
-    <p:sldLayoutId id="2147483703" r:id="rId14"/>
-    <p:sldLayoutId id="2147483704" r:id="rId15"/>
-    <p:sldLayoutId id="2147483705" r:id="rId16"/>
-    <p:sldLayoutId id="2147483706" r:id="rId17"/>
+    <p:sldLayoutId id="2147484074" r:id="rId1"/>
+    <p:sldLayoutId id="2147484075" r:id="rId2"/>
+    <p:sldLayoutId id="2147484076" r:id="rId3"/>
+    <p:sldLayoutId id="2147484077" r:id="rId4"/>
+    <p:sldLayoutId id="2147484078" r:id="rId5"/>
+    <p:sldLayoutId id="2147484079" r:id="rId6"/>
+    <p:sldLayoutId id="2147484080" r:id="rId7"/>
+    <p:sldLayoutId id="2147484081" r:id="rId8"/>
+    <p:sldLayoutId id="2147484082" r:id="rId9"/>
+    <p:sldLayoutId id="2147484083" r:id="rId10"/>
+    <p:sldLayoutId id="2147484084" r:id="rId11"/>
+    <p:sldLayoutId id="2147484085" r:id="rId12"/>
+    <p:sldLayoutId id="2147484086" r:id="rId13"/>
+    <p:sldLayoutId id="2147484087" r:id="rId14"/>
+    <p:sldLayoutId id="2147484088" r:id="rId15"/>
+    <p:sldLayoutId id="2147484089" r:id="rId16"/>
   </p:sldLayoutIdLst>
+  <p:hf hdr="0" dt="0"/>
   <p:txStyles>
     <p:titleStyle>
       <a:lvl1pPr algn="l" defTabSz="457200" rtl="0" eaLnBrk="1" latinLnBrk="0" hangingPunct="1">
@@ -5694,9 +5836,9 @@
           <a:spcPct val="0"/>
         </a:spcBef>
         <a:buNone/>
-        <a:defRPr sz="4200" b="0" i="0" kern="1200">
+        <a:defRPr sz="3600" kern="1200">
           <a:solidFill>
-            <a:schemeClr val="tx2"/>
+            <a:schemeClr val="accent1"/>
           </a:solidFill>
           <a:latin typeface="+mj-lt"/>
           <a:ea typeface="+mj-ea"/>
@@ -5769,21 +5911,21 @@
           <a:spcPts val="0"/>
         </a:spcAft>
         <a:buClr>
-          <a:schemeClr val="bg2">
-            <a:lumMod val="40000"/>
-            <a:lumOff val="60000"/>
-          </a:schemeClr>
+          <a:schemeClr val="accent1"/>
         </a:buClr>
         <a:buSzPct val="80000"/>
         <a:buFont typeface="Wingdings 3" charset="2"/>
         <a:buChar char=""/>
-        <a:defRPr sz="2000" b="0" i="0" kern="1200">
+        <a:defRPr sz="1800" kern="1200">
           <a:solidFill>
-            <a:schemeClr val="tx1"/>
+            <a:schemeClr val="tx1">
+              <a:lumMod val="75000"/>
+              <a:lumOff val="25000"/>
+            </a:schemeClr>
           </a:solidFill>
-          <a:latin typeface="+mj-lt"/>
-          <a:ea typeface="+mj-ea"/>
-          <a:cs typeface="+mj-cs"/>
+          <a:latin typeface="+mn-lt"/>
+          <a:ea typeface="+mn-ea"/>
+          <a:cs typeface="+mn-cs"/>
         </a:defRPr>
       </a:lvl1pPr>
       <a:lvl2pPr marL="742950" indent="-285750" algn="l" defTabSz="457200" rtl="0" eaLnBrk="1" latinLnBrk="0" hangingPunct="1">
@@ -5794,21 +5936,21 @@
           <a:spcPts val="0"/>
         </a:spcAft>
         <a:buClr>
-          <a:schemeClr val="bg2">
-            <a:lumMod val="40000"/>
-            <a:lumOff val="60000"/>
-          </a:schemeClr>
+          <a:schemeClr val="accent1"/>
         </a:buClr>
         <a:buSzPct val="80000"/>
         <a:buFont typeface="Wingdings 3" charset="2"/>
         <a:buChar char=""/>
-        <a:defRPr sz="1800" b="0" i="0" kern="1200">
+        <a:defRPr sz="1600" kern="1200">
           <a:solidFill>
-            <a:schemeClr val="tx1"/>
+            <a:schemeClr val="tx1">
+              <a:lumMod val="75000"/>
+              <a:lumOff val="25000"/>
+            </a:schemeClr>
           </a:solidFill>
-          <a:latin typeface="+mj-lt"/>
-          <a:ea typeface="+mj-ea"/>
-          <a:cs typeface="+mj-cs"/>
+          <a:latin typeface="+mn-lt"/>
+          <a:ea typeface="+mn-ea"/>
+          <a:cs typeface="+mn-cs"/>
         </a:defRPr>
       </a:lvl2pPr>
       <a:lvl3pPr marL="1143000" indent="-228600" algn="l" defTabSz="457200" rtl="0" eaLnBrk="1" latinLnBrk="0" hangingPunct="1">
@@ -5819,21 +5961,21 @@
           <a:spcPts val="0"/>
         </a:spcAft>
         <a:buClr>
-          <a:schemeClr val="bg2">
-            <a:lumMod val="40000"/>
-            <a:lumOff val="60000"/>
-          </a:schemeClr>
+          <a:schemeClr val="accent1"/>
         </a:buClr>
         <a:buSzPct val="80000"/>
         <a:buFont typeface="Wingdings 3" charset="2"/>
         <a:buChar char=""/>
-        <a:defRPr sz="1600" b="0" i="0" kern="1200">
+        <a:defRPr sz="1400" kern="1200">
           <a:solidFill>
-            <a:schemeClr val="tx1"/>
+            <a:schemeClr val="tx1">
+              <a:lumMod val="75000"/>
+              <a:lumOff val="25000"/>
+            </a:schemeClr>
           </a:solidFill>
-          <a:latin typeface="+mj-lt"/>
-          <a:ea typeface="+mj-ea"/>
-          <a:cs typeface="+mj-cs"/>
+          <a:latin typeface="+mn-lt"/>
+          <a:ea typeface="+mn-ea"/>
+          <a:cs typeface="+mn-cs"/>
         </a:defRPr>
       </a:lvl3pPr>
       <a:lvl4pPr marL="1600200" indent="-228600" algn="l" defTabSz="457200" rtl="0" eaLnBrk="1" latinLnBrk="0" hangingPunct="1">
@@ -5844,21 +5986,21 @@
           <a:spcPts val="0"/>
         </a:spcAft>
         <a:buClr>
-          <a:schemeClr val="bg2">
-            <a:lumMod val="40000"/>
-            <a:lumOff val="60000"/>
-          </a:schemeClr>
+          <a:schemeClr val="accent1"/>
         </a:buClr>
         <a:buSzPct val="80000"/>
         <a:buFont typeface="Wingdings 3" charset="2"/>
         <a:buChar char=""/>
-        <a:defRPr sz="1400" b="0" i="0" kern="1200">
+        <a:defRPr sz="1200" kern="1200">
           <a:solidFill>
-            <a:schemeClr val="tx1"/>
+            <a:schemeClr val="tx1">
+              <a:lumMod val="75000"/>
+              <a:lumOff val="25000"/>
+            </a:schemeClr>
           </a:solidFill>
-          <a:latin typeface="+mj-lt"/>
-          <a:ea typeface="+mj-ea"/>
-          <a:cs typeface="+mj-cs"/>
+          <a:latin typeface="+mn-lt"/>
+          <a:ea typeface="+mn-ea"/>
+          <a:cs typeface="+mn-cs"/>
         </a:defRPr>
       </a:lvl4pPr>
       <a:lvl5pPr marL="2057400" indent="-228600" algn="l" defTabSz="457200" rtl="0" eaLnBrk="1" latinLnBrk="0" hangingPunct="1">
@@ -5869,24 +6011,24 @@
           <a:spcPts val="0"/>
         </a:spcAft>
         <a:buClr>
-          <a:schemeClr val="bg2">
-            <a:lumMod val="40000"/>
-            <a:lumOff val="60000"/>
-          </a:schemeClr>
+          <a:schemeClr val="accent1"/>
         </a:buClr>
         <a:buSzPct val="80000"/>
         <a:buFont typeface="Wingdings 3" charset="2"/>
         <a:buChar char=""/>
-        <a:defRPr sz="1400" b="0" i="0" kern="1200">
+        <a:defRPr sz="1200" kern="1200">
           <a:solidFill>
-            <a:schemeClr val="tx1"/>
+            <a:schemeClr val="tx1">
+              <a:lumMod val="75000"/>
+              <a:lumOff val="25000"/>
+            </a:schemeClr>
           </a:solidFill>
-          <a:latin typeface="+mj-lt"/>
-          <a:ea typeface="+mj-ea"/>
-          <a:cs typeface="+mj-cs"/>
+          <a:latin typeface="+mn-lt"/>
+          <a:ea typeface="+mn-ea"/>
+          <a:cs typeface="+mn-cs"/>
         </a:defRPr>
       </a:lvl5pPr>
-      <a:lvl6pPr marL="2506000" indent="-228600" algn="l" defTabSz="457200" rtl="0" eaLnBrk="1" latinLnBrk="0" hangingPunct="1">
+      <a:lvl6pPr marL="2514600" indent="-228600" algn="l" defTabSz="457200" rtl="0" eaLnBrk="1" latinLnBrk="0" hangingPunct="1">
         <a:spcBef>
           <a:spcPts val="1000"/>
         </a:spcBef>
@@ -5894,21 +6036,21 @@
           <a:spcPts val="0"/>
         </a:spcAft>
         <a:buClr>
-          <a:schemeClr val="bg2">
-            <a:lumMod val="40000"/>
-            <a:lumOff val="60000"/>
-          </a:schemeClr>
+          <a:schemeClr val="accent1"/>
         </a:buClr>
         <a:buSzPct val="80000"/>
         <a:buFont typeface="Wingdings 3" charset="2"/>
         <a:buChar char=""/>
-        <a:defRPr sz="1400" b="0" i="0" kern="1200">
+        <a:defRPr sz="1200" kern="1200">
           <a:solidFill>
-            <a:schemeClr val="tx1"/>
+            <a:schemeClr val="tx1">
+              <a:lumMod val="75000"/>
+              <a:lumOff val="25000"/>
+            </a:schemeClr>
           </a:solidFill>
-          <a:latin typeface="+mj-lt"/>
-          <a:ea typeface="+mj-ea"/>
-          <a:cs typeface="+mj-cs"/>
+          <a:latin typeface="+mn-lt"/>
+          <a:ea typeface="+mn-ea"/>
+          <a:cs typeface="+mn-cs"/>
         </a:defRPr>
       </a:lvl6pPr>
       <a:lvl7pPr marL="2971800" indent="-228600" algn="l" defTabSz="457200" rtl="0" eaLnBrk="1" latinLnBrk="0" hangingPunct="1">
@@ -5919,21 +6061,21 @@
           <a:spcPts val="0"/>
         </a:spcAft>
         <a:buClr>
-          <a:schemeClr val="bg2">
-            <a:lumMod val="40000"/>
-            <a:lumOff val="60000"/>
-          </a:schemeClr>
+          <a:schemeClr val="accent1"/>
         </a:buClr>
         <a:buSzPct val="80000"/>
         <a:buFont typeface="Wingdings 3" charset="2"/>
         <a:buChar char=""/>
-        <a:defRPr sz="1400" b="0" i="0" kern="1200">
+        <a:defRPr sz="1200" kern="1200">
           <a:solidFill>
-            <a:schemeClr val="tx1"/>
+            <a:schemeClr val="tx1">
+              <a:lumMod val="75000"/>
+              <a:lumOff val="25000"/>
+            </a:schemeClr>
           </a:solidFill>
-          <a:latin typeface="+mj-lt"/>
-          <a:ea typeface="+mj-ea"/>
-          <a:cs typeface="+mj-cs"/>
+          <a:latin typeface="+mn-lt"/>
+          <a:ea typeface="+mn-ea"/>
+          <a:cs typeface="+mn-cs"/>
         </a:defRPr>
       </a:lvl7pPr>
       <a:lvl8pPr marL="3429000" indent="-228600" algn="l" defTabSz="457200" rtl="0" eaLnBrk="1" latinLnBrk="0" hangingPunct="1">
@@ -5944,21 +6086,21 @@
           <a:spcPts val="0"/>
         </a:spcAft>
         <a:buClr>
-          <a:schemeClr val="bg2">
-            <a:lumMod val="40000"/>
-            <a:lumOff val="60000"/>
-          </a:schemeClr>
+          <a:schemeClr val="accent1"/>
         </a:buClr>
         <a:buSzPct val="80000"/>
         <a:buFont typeface="Wingdings 3" charset="2"/>
         <a:buChar char=""/>
-        <a:defRPr sz="1400" b="0" i="0" kern="1200">
+        <a:defRPr sz="1200" kern="1200">
           <a:solidFill>
-            <a:schemeClr val="tx1"/>
+            <a:schemeClr val="tx1">
+              <a:lumMod val="75000"/>
+              <a:lumOff val="25000"/>
+            </a:schemeClr>
           </a:solidFill>
-          <a:latin typeface="+mj-lt"/>
-          <a:ea typeface="+mj-ea"/>
-          <a:cs typeface="+mj-cs"/>
+          <a:latin typeface="+mn-lt"/>
+          <a:ea typeface="+mn-ea"/>
+          <a:cs typeface="+mn-cs"/>
         </a:defRPr>
       </a:lvl8pPr>
       <a:lvl9pPr marL="3886200" indent="-228600" algn="l" defTabSz="457200" rtl="0" eaLnBrk="1" latinLnBrk="0" hangingPunct="1">
@@ -5969,21 +6111,21 @@
           <a:spcPts val="0"/>
         </a:spcAft>
         <a:buClr>
-          <a:schemeClr val="bg2">
-            <a:lumMod val="40000"/>
-            <a:lumOff val="60000"/>
-          </a:schemeClr>
+          <a:schemeClr val="accent1"/>
         </a:buClr>
         <a:buSzPct val="80000"/>
         <a:buFont typeface="Wingdings 3" charset="2"/>
         <a:buChar char=""/>
-        <a:defRPr sz="1400" b="0" i="0" kern="1200">
+        <a:defRPr sz="1200" kern="1200">
           <a:solidFill>
-            <a:schemeClr val="tx1"/>
+            <a:schemeClr val="tx1">
+              <a:lumMod val="75000"/>
+              <a:lumOff val="25000"/>
+            </a:schemeClr>
           </a:solidFill>
-          <a:latin typeface="+mj-lt"/>
-          <a:ea typeface="+mj-ea"/>
-          <a:cs typeface="+mj-cs"/>
+          <a:latin typeface="+mn-lt"/>
+          <a:ea typeface="+mn-ea"/>
+          <a:cs typeface="+mn-cs"/>
         </a:defRPr>
       </a:lvl9pPr>
     </p:bodyStyle>
@@ -6134,962 +6276,39 @@
       </p:grpSpPr>
       <p:sp>
         <p:nvSpPr>
-          <p:cNvPr id="15" name="Rectangle 7">
+          <p:cNvPr id="2" name="Title 1">
             <a:extLst>
               <a:ext uri="{FF2B5EF4-FFF2-40B4-BE49-F238E27FC236}">
-                <a16:creationId xmlns:a16="http://schemas.microsoft.com/office/drawing/2014/main" id="{DE27238C-8EAF-4098-86E6-7723B7DAE601}"/>
-              </a:ext>
-              <a:ext uri="{C183D7F6-B498-43B3-948B-1728B52AA6E4}">
-                <adec:decorative xmlns:adec="http://schemas.microsoft.com/office/drawing/2017/decorative" val="1"/>
+                <a16:creationId xmlns:a16="http://schemas.microsoft.com/office/drawing/2014/main" id="{E72E5F76-E7AE-4699-BC1F-24233D394D0E}"/>
               </a:ext>
             </a:extLst>
           </p:cNvPr>
           <p:cNvSpPr>
-            <a:spLocks noGrp="1" noRot="1" noChangeAspect="1" noMove="1" noResize="1" noEditPoints="1" noAdjustHandles="1" noChangeArrowheads="1" noChangeShapeType="1" noTextEdit="1"/>
-          </p:cNvSpPr>
-          <p:nvPr>
-            <p:extLst>
-              <p:ext uri="{386F3935-93C4-4BCD-93E2-E3B085C9AB24}">
-                <p16:designElem xmlns:p16="http://schemas.microsoft.com/office/powerpoint/2015/main" val="1"/>
-              </p:ext>
-            </p:extLst>
+            <a:spLocks noGrp="1"/>
+          </p:cNvSpPr>
+          <p:nvPr>
+            <p:ph type="ctrTitle"/>
           </p:nvPr>
         </p:nvSpPr>
         <p:spPr>
           <a:xfrm>
-            <a:off x="1" y="0"/>
-            <a:ext cx="12192000" cy="6858000"/>
+            <a:off x="1154955" y="1447800"/>
+            <a:ext cx="6974915" cy="3329581"/>
           </a:xfrm>
-          <a:prstGeom prst="rect">
-            <a:avLst/>
-          </a:prstGeom>
-          <a:solidFill>
-            <a:schemeClr val="tx2"/>
-          </a:solidFill>
-          <a:ln>
-            <a:noFill/>
-          </a:ln>
         </p:spPr>
-        <p:style>
-          <a:lnRef idx="2">
-            <a:schemeClr val="accent1">
-              <a:shade val="50000"/>
-            </a:schemeClr>
-          </a:lnRef>
-          <a:fillRef idx="1003">
-            <a:schemeClr val="dk2"/>
-          </a:fillRef>
-          <a:effectRef idx="0">
-            <a:schemeClr val="accent1"/>
-          </a:effectRef>
-          <a:fontRef idx="minor">
-            <a:schemeClr val="lt1"/>
-          </a:fontRef>
-        </p:style>
-        <p:txBody>
-          <a:bodyPr rtlCol="0" anchor="ctr"/>
-          <a:lstStyle/>
-          <a:p>
-            <a:pPr algn="ctr"/>
-            <a:endParaRPr lang="en-US"/>
-          </a:p>
-        </p:txBody>
-      </p:sp>
-      <p:sp>
-        <p:nvSpPr>
-          <p:cNvPr id="16" name="Freeform 36">
-            <a:extLst>
-              <a:ext uri="{FF2B5EF4-FFF2-40B4-BE49-F238E27FC236}">
-                <a16:creationId xmlns:a16="http://schemas.microsoft.com/office/drawing/2014/main" id="{992F97B1-1891-4FCC-9E5F-BA97EDB48F89}"/>
-              </a:ext>
-              <a:ext uri="{C183D7F6-B498-43B3-948B-1728B52AA6E4}">
-                <adec:decorative xmlns:adec="http://schemas.microsoft.com/office/drawing/2017/decorative" val="1"/>
-              </a:ext>
-            </a:extLst>
-          </p:cNvPr>
-          <p:cNvSpPr>
-            <a:spLocks noGrp="1" noRot="1" noChangeAspect="1" noMove="1" noResize="1" noEditPoints="1" noAdjustHandles="1" noChangeArrowheads="1" noChangeShapeType="1" noTextEdit="1"/>
-          </p:cNvSpPr>
-          <p:nvPr>
-            <p:extLst>
-              <p:ext uri="{386F3935-93C4-4BCD-93E2-E3B085C9AB24}">
-                <p16:designElem xmlns:p16="http://schemas.microsoft.com/office/powerpoint/2015/main" val="1"/>
-              </p:ext>
-            </p:extLst>
-          </p:nvPr>
-        </p:nvSpPr>
-        <p:spPr>
-          <a:xfrm flipH="1">
-            <a:off x="9351010" y="0"/>
-            <a:ext cx="559472" cy="3709642"/>
-          </a:xfrm>
-          <a:custGeom>
-            <a:avLst/>
-            <a:gdLst>
-              <a:gd name="connsiteX0" fmla="*/ 0 w 559472"/>
-              <a:gd name="connsiteY0" fmla="*/ 0 h 3709642"/>
-              <a:gd name="connsiteX1" fmla="*/ 473952 w 559472"/>
-              <a:gd name="connsiteY1" fmla="*/ 0 h 3709642"/>
-              <a:gd name="connsiteX2" fmla="*/ 485840 w 559472"/>
-              <a:gd name="connsiteY2" fmla="*/ 161194 h 3709642"/>
-              <a:gd name="connsiteX3" fmla="*/ 523949 w 559472"/>
-              <a:gd name="connsiteY3" fmla="*/ 3672197 h 3709642"/>
-              <a:gd name="connsiteX4" fmla="*/ 454748 w 559472"/>
-              <a:gd name="connsiteY4" fmla="*/ 3709642 h 3709642"/>
-              <a:gd name="connsiteX5" fmla="*/ 448224 w 559472"/>
-              <a:gd name="connsiteY5" fmla="*/ 3510471 h 3709642"/>
-              <a:gd name="connsiteX6" fmla="*/ 443564 w 559472"/>
-              <a:gd name="connsiteY6" fmla="*/ 3408563 h 3709642"/>
-              <a:gd name="connsiteX7" fmla="*/ 438902 w 559472"/>
-              <a:gd name="connsiteY7" fmla="*/ 3304407 h 3709642"/>
-              <a:gd name="connsiteX8" fmla="*/ 433941 w 559472"/>
-              <a:gd name="connsiteY8" fmla="*/ 3198777 h 3709642"/>
-              <a:gd name="connsiteX9" fmla="*/ 427584 w 559472"/>
-              <a:gd name="connsiteY9" fmla="*/ 3092510 h 3709642"/>
-              <a:gd name="connsiteX10" fmla="*/ 420988 w 559472"/>
-              <a:gd name="connsiteY10" fmla="*/ 2984390 h 3709642"/>
-              <a:gd name="connsiteX11" fmla="*/ 414330 w 559472"/>
-              <a:gd name="connsiteY11" fmla="*/ 2874401 h 3709642"/>
-              <a:gd name="connsiteX12" fmla="*/ 406840 w 559472"/>
-              <a:gd name="connsiteY12" fmla="*/ 2762980 h 3709642"/>
-              <a:gd name="connsiteX13" fmla="*/ 397745 w 559472"/>
-              <a:gd name="connsiteY13" fmla="*/ 2650566 h 3709642"/>
-              <a:gd name="connsiteX14" fmla="*/ 389154 w 559472"/>
-              <a:gd name="connsiteY14" fmla="*/ 2536612 h 3709642"/>
-              <a:gd name="connsiteX15" fmla="*/ 379225 w 559472"/>
-              <a:gd name="connsiteY15" fmla="*/ 2421642 h 3709642"/>
-              <a:gd name="connsiteX16" fmla="*/ 368316 w 559472"/>
-              <a:gd name="connsiteY16" fmla="*/ 2305627 h 3709642"/>
-              <a:gd name="connsiteX17" fmla="*/ 357466 w 559472"/>
-              <a:gd name="connsiteY17" fmla="*/ 2189233 h 3709642"/>
-              <a:gd name="connsiteX18" fmla="*/ 344982 w 559472"/>
-              <a:gd name="connsiteY18" fmla="*/ 2071473 h 3709642"/>
-              <a:gd name="connsiteX19" fmla="*/ 332466 w 559472"/>
-              <a:gd name="connsiteY19" fmla="*/ 1952216 h 3709642"/>
-              <a:gd name="connsiteX20" fmla="*/ 319121 w 559472"/>
-              <a:gd name="connsiteY20" fmla="*/ 1833776 h 3709642"/>
-              <a:gd name="connsiteX21" fmla="*/ 304408 w 559472"/>
-              <a:gd name="connsiteY21" fmla="*/ 1713948 h 3709642"/>
-              <a:gd name="connsiteX22" fmla="*/ 288685 w 559472"/>
-              <a:gd name="connsiteY22" fmla="*/ 1592703 h 3709642"/>
-              <a:gd name="connsiteX23" fmla="*/ 273050 w 559472"/>
-              <a:gd name="connsiteY23" fmla="*/ 1471451 h 3709642"/>
-              <a:gd name="connsiteX24" fmla="*/ 255813 w 559472"/>
-              <a:gd name="connsiteY24" fmla="*/ 1350328 h 3709642"/>
-              <a:gd name="connsiteX25" fmla="*/ 237060 w 559472"/>
-              <a:gd name="connsiteY25" fmla="*/ 1227080 h 3709642"/>
-              <a:gd name="connsiteX26" fmla="*/ 218488 w 559472"/>
-              <a:gd name="connsiteY26" fmla="*/ 1106065 h 3709642"/>
-              <a:gd name="connsiteX27" fmla="*/ 198221 w 559472"/>
-              <a:gd name="connsiteY27" fmla="*/ 982940 h 3709642"/>
-              <a:gd name="connsiteX28" fmla="*/ 177152 w 559472"/>
-              <a:gd name="connsiteY28" fmla="*/ 858755 h 3709642"/>
-              <a:gd name="connsiteX29" fmla="*/ 155551 w 559472"/>
-              <a:gd name="connsiteY29" fmla="*/ 736861 h 3709642"/>
-              <a:gd name="connsiteX30" fmla="*/ 131782 w 559472"/>
-              <a:gd name="connsiteY30" fmla="*/ 613645 h 3709642"/>
-              <a:gd name="connsiteX31" fmla="*/ 107123 w 559472"/>
-              <a:gd name="connsiteY31" fmla="*/ 490500 h 3709642"/>
-              <a:gd name="connsiteX32" fmla="*/ 82552 w 559472"/>
-              <a:gd name="connsiteY32" fmla="*/ 367348 h 3709642"/>
-              <a:gd name="connsiteX33" fmla="*/ 55608 w 559472"/>
-              <a:gd name="connsiteY33" fmla="*/ 244762 h 3709642"/>
-              <a:gd name="connsiteX34" fmla="*/ 28130 w 559472"/>
-              <a:gd name="connsiteY34" fmla="*/ 122220 h 3709642"/>
-              <a:gd name="connsiteX35" fmla="*/ 0 w 559472"/>
-              <a:gd name="connsiteY35" fmla="*/ 0 h 3709642"/>
-            </a:gdLst>
-            <a:ahLst/>
-            <a:cxnLst>
-              <a:cxn ang="0">
-                <a:pos x="connsiteX0" y="connsiteY0"/>
-              </a:cxn>
-              <a:cxn ang="0">
-                <a:pos x="connsiteX1" y="connsiteY1"/>
-              </a:cxn>
-              <a:cxn ang="0">
-                <a:pos x="connsiteX2" y="connsiteY2"/>
-              </a:cxn>
-              <a:cxn ang="0">
-                <a:pos x="connsiteX3" y="connsiteY3"/>
-              </a:cxn>
-              <a:cxn ang="0">
-                <a:pos x="connsiteX4" y="connsiteY4"/>
-              </a:cxn>
-              <a:cxn ang="0">
-                <a:pos x="connsiteX5" y="connsiteY5"/>
-              </a:cxn>
-              <a:cxn ang="0">
-                <a:pos x="connsiteX6" y="connsiteY6"/>
-              </a:cxn>
-              <a:cxn ang="0">
-                <a:pos x="connsiteX7" y="connsiteY7"/>
-              </a:cxn>
-              <a:cxn ang="0">
-                <a:pos x="connsiteX8" y="connsiteY8"/>
-              </a:cxn>
-              <a:cxn ang="0">
-                <a:pos x="connsiteX9" y="connsiteY9"/>
-              </a:cxn>
-              <a:cxn ang="0">
-                <a:pos x="connsiteX10" y="connsiteY10"/>
-              </a:cxn>
-              <a:cxn ang="0">
-                <a:pos x="connsiteX11" y="connsiteY11"/>
-              </a:cxn>
-              <a:cxn ang="0">
-                <a:pos x="connsiteX12" y="connsiteY12"/>
-              </a:cxn>
-              <a:cxn ang="0">
-                <a:pos x="connsiteX13" y="connsiteY13"/>
-              </a:cxn>
-              <a:cxn ang="0">
-                <a:pos x="connsiteX14" y="connsiteY14"/>
-              </a:cxn>
-              <a:cxn ang="0">
-                <a:pos x="connsiteX15" y="connsiteY15"/>
-              </a:cxn>
-              <a:cxn ang="0">
-                <a:pos x="connsiteX16" y="connsiteY16"/>
-              </a:cxn>
-              <a:cxn ang="0">
-                <a:pos x="connsiteX17" y="connsiteY17"/>
-              </a:cxn>
-              <a:cxn ang="0">
-                <a:pos x="connsiteX18" y="connsiteY18"/>
-              </a:cxn>
-              <a:cxn ang="0">
-                <a:pos x="connsiteX19" y="connsiteY19"/>
-              </a:cxn>
-              <a:cxn ang="0">
-                <a:pos x="connsiteX20" y="connsiteY20"/>
-              </a:cxn>
-              <a:cxn ang="0">
-                <a:pos x="connsiteX21" y="connsiteY21"/>
-              </a:cxn>
-              <a:cxn ang="0">
-                <a:pos x="connsiteX22" y="connsiteY22"/>
-              </a:cxn>
-              <a:cxn ang="0">
-                <a:pos x="connsiteX23" y="connsiteY23"/>
-              </a:cxn>
-              <a:cxn ang="0">
-                <a:pos x="connsiteX24" y="connsiteY24"/>
-              </a:cxn>
-              <a:cxn ang="0">
-                <a:pos x="connsiteX25" y="connsiteY25"/>
-              </a:cxn>
-              <a:cxn ang="0">
-                <a:pos x="connsiteX26" y="connsiteY26"/>
-              </a:cxn>
-              <a:cxn ang="0">
-                <a:pos x="connsiteX27" y="connsiteY27"/>
-              </a:cxn>
-              <a:cxn ang="0">
-                <a:pos x="connsiteX28" y="connsiteY28"/>
-              </a:cxn>
-              <a:cxn ang="0">
-                <a:pos x="connsiteX29" y="connsiteY29"/>
-              </a:cxn>
-              <a:cxn ang="0">
-                <a:pos x="connsiteX30" y="connsiteY30"/>
-              </a:cxn>
-              <a:cxn ang="0">
-                <a:pos x="connsiteX31" y="connsiteY31"/>
-              </a:cxn>
-              <a:cxn ang="0">
-                <a:pos x="connsiteX32" y="connsiteY32"/>
-              </a:cxn>
-              <a:cxn ang="0">
-                <a:pos x="connsiteX33" y="connsiteY33"/>
-              </a:cxn>
-              <a:cxn ang="0">
-                <a:pos x="connsiteX34" y="connsiteY34"/>
-              </a:cxn>
-              <a:cxn ang="0">
-                <a:pos x="connsiteX35" y="connsiteY35"/>
-              </a:cxn>
-            </a:cxnLst>
-            <a:rect l="l" t="t" r="r" b="b"/>
-            <a:pathLst>
-              <a:path w="559472" h="3709642">
-                <a:moveTo>
-                  <a:pt x="0" y="0"/>
-                </a:moveTo>
-                <a:lnTo>
-                  <a:pt x="473952" y="0"/>
-                </a:lnTo>
-                <a:lnTo>
-                  <a:pt x="485840" y="161194"/>
-                </a:lnTo>
-                <a:cubicBezTo>
-                  <a:pt x="552063" y="1147770"/>
-                  <a:pt x="592441" y="3086737"/>
-                  <a:pt x="523949" y="3672197"/>
-                </a:cubicBezTo>
-                <a:cubicBezTo>
-                  <a:pt x="500842" y="3684557"/>
-                  <a:pt x="477855" y="3697282"/>
-                  <a:pt x="454748" y="3709642"/>
-                </a:cubicBezTo>
-                <a:lnTo>
-                  <a:pt x="448224" y="3510471"/>
-                </a:lnTo>
-                <a:lnTo>
-                  <a:pt x="443564" y="3408563"/>
-                </a:lnTo>
-                <a:lnTo>
-                  <a:pt x="438902" y="3304407"/>
-                </a:lnTo>
-                <a:lnTo>
-                  <a:pt x="433941" y="3198777"/>
-                </a:lnTo>
-                <a:lnTo>
-                  <a:pt x="427584" y="3092510"/>
-                </a:lnTo>
-                <a:lnTo>
-                  <a:pt x="420988" y="2984390"/>
-                </a:lnTo>
-                <a:lnTo>
-                  <a:pt x="414330" y="2874401"/>
-                </a:lnTo>
-                <a:lnTo>
-                  <a:pt x="406840" y="2762980"/>
-                </a:lnTo>
-                <a:lnTo>
-                  <a:pt x="397745" y="2650566"/>
-                </a:lnTo>
-                <a:lnTo>
-                  <a:pt x="389154" y="2536612"/>
-                </a:lnTo>
-                <a:lnTo>
-                  <a:pt x="379225" y="2421642"/>
-                </a:lnTo>
-                <a:lnTo>
-                  <a:pt x="368316" y="2305627"/>
-                </a:lnTo>
-                <a:lnTo>
-                  <a:pt x="357466" y="2189233"/>
-                </a:lnTo>
-                <a:lnTo>
-                  <a:pt x="344982" y="2071473"/>
-                </a:lnTo>
-                <a:lnTo>
-                  <a:pt x="332466" y="1952216"/>
-                </a:lnTo>
-                <a:lnTo>
-                  <a:pt x="319121" y="1833776"/>
-                </a:lnTo>
-                <a:lnTo>
-                  <a:pt x="304408" y="1713948"/>
-                </a:lnTo>
-                <a:lnTo>
-                  <a:pt x="288685" y="1592703"/>
-                </a:lnTo>
-                <a:lnTo>
-                  <a:pt x="273050" y="1471451"/>
-                </a:lnTo>
-                <a:lnTo>
-                  <a:pt x="255813" y="1350328"/>
-                </a:lnTo>
-                <a:lnTo>
-                  <a:pt x="237060" y="1227080"/>
-                </a:lnTo>
-                <a:lnTo>
-                  <a:pt x="218488" y="1106065"/>
-                </a:lnTo>
-                <a:lnTo>
-                  <a:pt x="198221" y="982940"/>
-                </a:lnTo>
-                <a:lnTo>
-                  <a:pt x="177152" y="858755"/>
-                </a:lnTo>
-                <a:lnTo>
-                  <a:pt x="155551" y="736861"/>
-                </a:lnTo>
-                <a:lnTo>
-                  <a:pt x="131782" y="613645"/>
-                </a:lnTo>
-                <a:lnTo>
-                  <a:pt x="107123" y="490500"/>
-                </a:lnTo>
-                <a:lnTo>
-                  <a:pt x="82552" y="367348"/>
-                </a:lnTo>
-                <a:lnTo>
-                  <a:pt x="55608" y="244762"/>
-                </a:lnTo>
-                <a:lnTo>
-                  <a:pt x="28130" y="122220"/>
-                </a:lnTo>
-                <a:lnTo>
-                  <a:pt x="0" y="0"/>
-                </a:lnTo>
-                <a:close/>
-              </a:path>
-            </a:pathLst>
-          </a:custGeom>
-          <a:solidFill>
-            <a:schemeClr val="bg2">
-              <a:lumMod val="60000"/>
-              <a:lumOff val="40000"/>
-              <a:alpha val="20000"/>
-            </a:schemeClr>
-          </a:solidFill>
-          <a:ln>
-            <a:noFill/>
-          </a:ln>
-        </p:spPr>
-        <p:txBody>
-          <a:bodyPr rtlCol="0" anchor="ctr"/>
-          <a:lstStyle/>
-          <a:p>
-            <a:pPr algn="ctr"/>
-            <a:endParaRPr lang="en-US"/>
-          </a:p>
-        </p:txBody>
-      </p:sp>
-      <p:sp useBgFill="1">
-        <p:nvSpPr>
-          <p:cNvPr id="17" name="Freeform: Shape 11">
-            <a:extLst>
-              <a:ext uri="{FF2B5EF4-FFF2-40B4-BE49-F238E27FC236}">
-                <a16:creationId xmlns:a16="http://schemas.microsoft.com/office/drawing/2014/main" id="{78C6C821-FEE1-4EB6-9590-C021440C77DE}"/>
-              </a:ext>
-              <a:ext uri="{C183D7F6-B498-43B3-948B-1728B52AA6E4}">
-                <adec:decorative xmlns:adec="http://schemas.microsoft.com/office/drawing/2017/decorative" val="1"/>
-              </a:ext>
-            </a:extLst>
-          </p:cNvPr>
-          <p:cNvSpPr>
-            <a:spLocks noGrp="1" noRot="1" noChangeAspect="1" noMove="1" noResize="1" noEditPoints="1" noAdjustHandles="1" noChangeArrowheads="1" noChangeShapeType="1" noTextEdit="1"/>
-          </p:cNvSpPr>
-          <p:nvPr>
-            <p:extLst>
-              <p:ext uri="{386F3935-93C4-4BCD-93E2-E3B085C9AB24}">
-                <p16:designElem xmlns:p16="http://schemas.microsoft.com/office/powerpoint/2015/main" val="1"/>
-              </p:ext>
-            </p:extLst>
-          </p:nvPr>
-        </p:nvSpPr>
-        <p:spPr>
-          <a:xfrm>
-            <a:off x="-3175" y="0"/>
-            <a:ext cx="9700459" cy="6858001"/>
-          </a:xfrm>
-          <a:custGeom>
-            <a:avLst/>
-            <a:gdLst>
-              <a:gd name="connsiteX0" fmla="*/ 0 w 9700459"/>
-              <a:gd name="connsiteY0" fmla="*/ 0 h 6858001"/>
-              <a:gd name="connsiteX1" fmla="*/ 1323975 w 9700459"/>
-              <a:gd name="connsiteY1" fmla="*/ 0 h 6858001"/>
-              <a:gd name="connsiteX2" fmla="*/ 1517015 w 9700459"/>
-              <a:gd name="connsiteY2" fmla="*/ 0 h 6858001"/>
-              <a:gd name="connsiteX3" fmla="*/ 3241265 w 9700459"/>
-              <a:gd name="connsiteY3" fmla="*/ 0 h 6858001"/>
-              <a:gd name="connsiteX4" fmla="*/ 3241265 w 9700459"/>
-              <a:gd name="connsiteY4" fmla="*/ 1 h 6858001"/>
-              <a:gd name="connsiteX5" fmla="*/ 8355744 w 9700459"/>
-              <a:gd name="connsiteY5" fmla="*/ 1 h 6858001"/>
-              <a:gd name="connsiteX6" fmla="*/ 8355744 w 9700459"/>
-              <a:gd name="connsiteY6" fmla="*/ 0 h 6858001"/>
-              <a:gd name="connsiteX7" fmla="*/ 9699282 w 9700459"/>
-              <a:gd name="connsiteY7" fmla="*/ 0 h 6858001"/>
-              <a:gd name="connsiteX8" fmla="*/ 9674237 w 9700459"/>
-              <a:gd name="connsiteY8" fmla="*/ 155677 h 6858001"/>
-              <a:gd name="connsiteX9" fmla="*/ 9650368 w 9700459"/>
-              <a:gd name="connsiteY9" fmla="*/ 310668 h 6858001"/>
-              <a:gd name="connsiteX10" fmla="*/ 9627004 w 9700459"/>
-              <a:gd name="connsiteY10" fmla="*/ 466344 h 6858001"/>
-              <a:gd name="connsiteX11" fmla="*/ 9607001 w 9700459"/>
-              <a:gd name="connsiteY11" fmla="*/ 622707 h 6858001"/>
-              <a:gd name="connsiteX12" fmla="*/ 9586830 w 9700459"/>
-              <a:gd name="connsiteY12" fmla="*/ 778383 h 6858001"/>
-              <a:gd name="connsiteX13" fmla="*/ 9568004 w 9700459"/>
-              <a:gd name="connsiteY13" fmla="*/ 934746 h 6858001"/>
-              <a:gd name="connsiteX14" fmla="*/ 9551868 w 9700459"/>
-              <a:gd name="connsiteY14" fmla="*/ 1089051 h 6858001"/>
-              <a:gd name="connsiteX15" fmla="*/ 9536572 w 9700459"/>
-              <a:gd name="connsiteY15" fmla="*/ 1245413 h 6858001"/>
-              <a:gd name="connsiteX16" fmla="*/ 9522620 w 9700459"/>
-              <a:gd name="connsiteY16" fmla="*/ 1401090 h 6858001"/>
-              <a:gd name="connsiteX17" fmla="*/ 9510518 w 9700459"/>
-              <a:gd name="connsiteY17" fmla="*/ 1554023 h 6858001"/>
-              <a:gd name="connsiteX18" fmla="*/ 9498415 w 9700459"/>
-              <a:gd name="connsiteY18" fmla="*/ 1709014 h 6858001"/>
-              <a:gd name="connsiteX19" fmla="*/ 9488330 w 9700459"/>
-              <a:gd name="connsiteY19" fmla="*/ 1861947 h 6858001"/>
-              <a:gd name="connsiteX20" fmla="*/ 9480430 w 9700459"/>
-              <a:gd name="connsiteY20" fmla="*/ 2014881 h 6858001"/>
-              <a:gd name="connsiteX21" fmla="*/ 9472193 w 9700459"/>
-              <a:gd name="connsiteY21" fmla="*/ 2167128 h 6858001"/>
-              <a:gd name="connsiteX22" fmla="*/ 9465302 w 9700459"/>
-              <a:gd name="connsiteY22" fmla="*/ 2318004 h 6858001"/>
-              <a:gd name="connsiteX23" fmla="*/ 9460427 w 9700459"/>
-              <a:gd name="connsiteY23" fmla="*/ 2467509 h 6858001"/>
-              <a:gd name="connsiteX24" fmla="*/ 9456225 w 9700459"/>
-              <a:gd name="connsiteY24" fmla="*/ 2617013 h 6858001"/>
-              <a:gd name="connsiteX25" fmla="*/ 9452191 w 9700459"/>
-              <a:gd name="connsiteY25" fmla="*/ 2765146 h 6858001"/>
-              <a:gd name="connsiteX26" fmla="*/ 9450342 w 9700459"/>
-              <a:gd name="connsiteY26" fmla="*/ 2911221 h 6858001"/>
-              <a:gd name="connsiteX27" fmla="*/ 9448325 w 9700459"/>
-              <a:gd name="connsiteY27" fmla="*/ 3057297 h 6858001"/>
-              <a:gd name="connsiteX28" fmla="*/ 9447316 w 9700459"/>
-              <a:gd name="connsiteY28" fmla="*/ 3201315 h 6858001"/>
-              <a:gd name="connsiteX29" fmla="*/ 9448325 w 9700459"/>
-              <a:gd name="connsiteY29" fmla="*/ 3343961 h 6858001"/>
-              <a:gd name="connsiteX30" fmla="*/ 9448325 w 9700459"/>
-              <a:gd name="connsiteY30" fmla="*/ 3485236 h 6858001"/>
-              <a:gd name="connsiteX31" fmla="*/ 9450342 w 9700459"/>
-              <a:gd name="connsiteY31" fmla="*/ 3625139 h 6858001"/>
-              <a:gd name="connsiteX32" fmla="*/ 9453367 w 9700459"/>
-              <a:gd name="connsiteY32" fmla="*/ 3762299 h 6858001"/>
-              <a:gd name="connsiteX33" fmla="*/ 9456225 w 9700459"/>
-              <a:gd name="connsiteY33" fmla="*/ 3898087 h 6858001"/>
-              <a:gd name="connsiteX34" fmla="*/ 9459419 w 9700459"/>
-              <a:gd name="connsiteY34" fmla="*/ 4031133 h 6858001"/>
-              <a:gd name="connsiteX35" fmla="*/ 9464293 w 9700459"/>
-              <a:gd name="connsiteY35" fmla="*/ 4163492 h 6858001"/>
-              <a:gd name="connsiteX36" fmla="*/ 9469504 w 9700459"/>
-              <a:gd name="connsiteY36" fmla="*/ 4293793 h 6858001"/>
-              <a:gd name="connsiteX37" fmla="*/ 9474210 w 9700459"/>
-              <a:gd name="connsiteY37" fmla="*/ 4421352 h 6858001"/>
-              <a:gd name="connsiteX38" fmla="*/ 9487490 w 9700459"/>
-              <a:gd name="connsiteY38" fmla="*/ 4670298 h 6858001"/>
-              <a:gd name="connsiteX39" fmla="*/ 9501609 w 9700459"/>
-              <a:gd name="connsiteY39" fmla="*/ 4908956 h 6858001"/>
-              <a:gd name="connsiteX40" fmla="*/ 9516401 w 9700459"/>
-              <a:gd name="connsiteY40" fmla="*/ 5138013 h 6858001"/>
-              <a:gd name="connsiteX41" fmla="*/ 9532706 w 9700459"/>
-              <a:gd name="connsiteY41" fmla="*/ 5354726 h 6858001"/>
-              <a:gd name="connsiteX42" fmla="*/ 9549683 w 9700459"/>
-              <a:gd name="connsiteY42" fmla="*/ 5561838 h 6858001"/>
-              <a:gd name="connsiteX43" fmla="*/ 9568004 w 9700459"/>
-              <a:gd name="connsiteY43" fmla="*/ 5753862 h 6858001"/>
-              <a:gd name="connsiteX44" fmla="*/ 9585990 w 9700459"/>
-              <a:gd name="connsiteY44" fmla="*/ 5934227 h 6858001"/>
-              <a:gd name="connsiteX45" fmla="*/ 9603975 w 9700459"/>
-              <a:gd name="connsiteY45" fmla="*/ 6100191 h 6858001"/>
-              <a:gd name="connsiteX46" fmla="*/ 9620952 w 9700459"/>
-              <a:gd name="connsiteY46" fmla="*/ 6252438 h 6858001"/>
-              <a:gd name="connsiteX47" fmla="*/ 9637089 w 9700459"/>
-              <a:gd name="connsiteY47" fmla="*/ 6387541 h 6858001"/>
-              <a:gd name="connsiteX48" fmla="*/ 9652385 w 9700459"/>
-              <a:gd name="connsiteY48" fmla="*/ 6509613 h 6858001"/>
-              <a:gd name="connsiteX49" fmla="*/ 9665160 w 9700459"/>
-              <a:gd name="connsiteY49" fmla="*/ 6612483 h 6858001"/>
-              <a:gd name="connsiteX50" fmla="*/ 9677262 w 9700459"/>
-              <a:gd name="connsiteY50" fmla="*/ 6698894 h 6858001"/>
-              <a:gd name="connsiteX51" fmla="*/ 9694576 w 9700459"/>
-              <a:gd name="connsiteY51" fmla="*/ 6817538 h 6858001"/>
-              <a:gd name="connsiteX52" fmla="*/ 9700459 w 9700459"/>
-              <a:gd name="connsiteY52" fmla="*/ 6858000 h 6858001"/>
-              <a:gd name="connsiteX53" fmla="*/ 8795105 w 9700459"/>
-              <a:gd name="connsiteY53" fmla="*/ 6858000 h 6858001"/>
-              <a:gd name="connsiteX54" fmla="*/ 8795105 w 9700459"/>
-              <a:gd name="connsiteY54" fmla="*/ 6858001 h 6858001"/>
-              <a:gd name="connsiteX55" fmla="*/ 2704541 w 9700459"/>
-              <a:gd name="connsiteY55" fmla="*/ 6858001 h 6858001"/>
-              <a:gd name="connsiteX56" fmla="*/ 2704541 w 9700459"/>
-              <a:gd name="connsiteY56" fmla="*/ 6858000 h 6858001"/>
-              <a:gd name="connsiteX57" fmla="*/ 1517015 w 9700459"/>
-              <a:gd name="connsiteY57" fmla="*/ 6858000 h 6858001"/>
-              <a:gd name="connsiteX58" fmla="*/ 1323975 w 9700459"/>
-              <a:gd name="connsiteY58" fmla="*/ 6858000 h 6858001"/>
-              <a:gd name="connsiteX59" fmla="*/ 0 w 9700459"/>
-              <a:gd name="connsiteY59" fmla="*/ 6858000 h 6858001"/>
-            </a:gdLst>
-            <a:ahLst/>
-            <a:cxnLst>
-              <a:cxn ang="0">
-                <a:pos x="connsiteX0" y="connsiteY0"/>
-              </a:cxn>
-              <a:cxn ang="0">
-                <a:pos x="connsiteX1" y="connsiteY1"/>
-              </a:cxn>
-              <a:cxn ang="0">
-                <a:pos x="connsiteX2" y="connsiteY2"/>
-              </a:cxn>
-              <a:cxn ang="0">
-                <a:pos x="connsiteX3" y="connsiteY3"/>
-              </a:cxn>
-              <a:cxn ang="0">
-                <a:pos x="connsiteX4" y="connsiteY4"/>
-              </a:cxn>
-              <a:cxn ang="0">
-                <a:pos x="connsiteX5" y="connsiteY5"/>
-              </a:cxn>
-              <a:cxn ang="0">
-                <a:pos x="connsiteX6" y="connsiteY6"/>
-              </a:cxn>
-              <a:cxn ang="0">
-                <a:pos x="connsiteX7" y="connsiteY7"/>
-              </a:cxn>
-              <a:cxn ang="0">
-                <a:pos x="connsiteX8" y="connsiteY8"/>
-              </a:cxn>
-              <a:cxn ang="0">
-                <a:pos x="connsiteX9" y="connsiteY9"/>
-              </a:cxn>
-              <a:cxn ang="0">
-                <a:pos x="connsiteX10" y="connsiteY10"/>
-              </a:cxn>
-              <a:cxn ang="0">
-                <a:pos x="connsiteX11" y="connsiteY11"/>
-              </a:cxn>
-              <a:cxn ang="0">
-                <a:pos x="connsiteX12" y="connsiteY12"/>
-              </a:cxn>
-              <a:cxn ang="0">
-                <a:pos x="connsiteX13" y="connsiteY13"/>
-              </a:cxn>
-              <a:cxn ang="0">
-                <a:pos x="connsiteX14" y="connsiteY14"/>
-              </a:cxn>
-              <a:cxn ang="0">
-                <a:pos x="connsiteX15" y="connsiteY15"/>
-              </a:cxn>
-              <a:cxn ang="0">
-                <a:pos x="connsiteX16" y="connsiteY16"/>
-              </a:cxn>
-              <a:cxn ang="0">
-                <a:pos x="connsiteX17" y="connsiteY17"/>
-              </a:cxn>
-              <a:cxn ang="0">
-                <a:pos x="connsiteX18" y="connsiteY18"/>
-              </a:cxn>
-              <a:cxn ang="0">
-                <a:pos x="connsiteX19" y="connsiteY19"/>
-              </a:cxn>
-              <a:cxn ang="0">
-                <a:pos x="connsiteX20" y="connsiteY20"/>
-              </a:cxn>
-              <a:cxn ang="0">
-                <a:pos x="connsiteX21" y="connsiteY21"/>
-              </a:cxn>
-              <a:cxn ang="0">
-                <a:pos x="connsiteX22" y="connsiteY22"/>
-              </a:cxn>
-              <a:cxn ang="0">
-                <a:pos x="connsiteX23" y="connsiteY23"/>
-              </a:cxn>
-              <a:cxn ang="0">
-                <a:pos x="connsiteX24" y="connsiteY24"/>
-              </a:cxn>
-              <a:cxn ang="0">
-                <a:pos x="connsiteX25" y="connsiteY25"/>
-              </a:cxn>
-              <a:cxn ang="0">
-                <a:pos x="connsiteX26" y="connsiteY26"/>
-              </a:cxn>
-              <a:cxn ang="0">
-                <a:pos x="connsiteX27" y="connsiteY27"/>
-              </a:cxn>
-              <a:cxn ang="0">
-                <a:pos x="connsiteX28" y="connsiteY28"/>
-              </a:cxn>
-              <a:cxn ang="0">
-                <a:pos x="connsiteX29" y="connsiteY29"/>
-              </a:cxn>
-              <a:cxn ang="0">
-                <a:pos x="connsiteX30" y="connsiteY30"/>
-              </a:cxn>
-              <a:cxn ang="0">
-                <a:pos x="connsiteX31" y="connsiteY31"/>
-              </a:cxn>
-              <a:cxn ang="0">
-                <a:pos x="connsiteX32" y="connsiteY32"/>
-              </a:cxn>
-              <a:cxn ang="0">
-                <a:pos x="connsiteX33" y="connsiteY33"/>
-              </a:cxn>
-              <a:cxn ang="0">
-                <a:pos x="connsiteX34" y="connsiteY34"/>
-              </a:cxn>
-              <a:cxn ang="0">
-                <a:pos x="connsiteX35" y="connsiteY35"/>
-              </a:cxn>
-              <a:cxn ang="0">
-                <a:pos x="connsiteX36" y="connsiteY36"/>
-              </a:cxn>
-              <a:cxn ang="0">
-                <a:pos x="connsiteX37" y="connsiteY37"/>
-              </a:cxn>
-              <a:cxn ang="0">
-                <a:pos x="connsiteX38" y="connsiteY38"/>
-              </a:cxn>
-              <a:cxn ang="0">
-                <a:pos x="connsiteX39" y="connsiteY39"/>
-              </a:cxn>
-              <a:cxn ang="0">
-                <a:pos x="connsiteX40" y="connsiteY40"/>
-              </a:cxn>
-              <a:cxn ang="0">
-                <a:pos x="connsiteX41" y="connsiteY41"/>
-              </a:cxn>
-              <a:cxn ang="0">
-                <a:pos x="connsiteX42" y="connsiteY42"/>
-              </a:cxn>
-              <a:cxn ang="0">
-                <a:pos x="connsiteX43" y="connsiteY43"/>
-              </a:cxn>
-              <a:cxn ang="0">
-                <a:pos x="connsiteX44" y="connsiteY44"/>
-              </a:cxn>
-              <a:cxn ang="0">
-                <a:pos x="connsiteX45" y="connsiteY45"/>
-              </a:cxn>
-              <a:cxn ang="0">
-                <a:pos x="connsiteX46" y="connsiteY46"/>
-              </a:cxn>
-              <a:cxn ang="0">
-                <a:pos x="connsiteX47" y="connsiteY47"/>
-              </a:cxn>
-              <a:cxn ang="0">
-                <a:pos x="connsiteX48" y="connsiteY48"/>
-              </a:cxn>
-              <a:cxn ang="0">
-                <a:pos x="connsiteX49" y="connsiteY49"/>
-              </a:cxn>
-              <a:cxn ang="0">
-                <a:pos x="connsiteX50" y="connsiteY50"/>
-              </a:cxn>
-              <a:cxn ang="0">
-                <a:pos x="connsiteX51" y="connsiteY51"/>
-              </a:cxn>
-              <a:cxn ang="0">
-                <a:pos x="connsiteX52" y="connsiteY52"/>
-              </a:cxn>
-              <a:cxn ang="0">
-                <a:pos x="connsiteX53" y="connsiteY53"/>
-              </a:cxn>
-              <a:cxn ang="0">
-                <a:pos x="connsiteX54" y="connsiteY54"/>
-              </a:cxn>
-              <a:cxn ang="0">
-                <a:pos x="connsiteX55" y="connsiteY55"/>
-              </a:cxn>
-              <a:cxn ang="0">
-                <a:pos x="connsiteX56" y="connsiteY56"/>
-              </a:cxn>
-              <a:cxn ang="0">
-                <a:pos x="connsiteX57" y="connsiteY57"/>
-              </a:cxn>
-              <a:cxn ang="0">
-                <a:pos x="connsiteX58" y="connsiteY58"/>
-              </a:cxn>
-              <a:cxn ang="0">
-                <a:pos x="connsiteX59" y="connsiteY59"/>
-              </a:cxn>
-            </a:cxnLst>
-            <a:rect l="l" t="t" r="r" b="b"/>
-            <a:pathLst>
-              <a:path w="9700459" h="6858001">
-                <a:moveTo>
-                  <a:pt x="0" y="0"/>
-                </a:moveTo>
-                <a:lnTo>
-                  <a:pt x="1323975" y="0"/>
-                </a:lnTo>
-                <a:lnTo>
-                  <a:pt x="1517015" y="0"/>
-                </a:lnTo>
-                <a:lnTo>
-                  <a:pt x="3241265" y="0"/>
-                </a:lnTo>
-                <a:lnTo>
-                  <a:pt x="3241265" y="1"/>
-                </a:lnTo>
-                <a:lnTo>
-                  <a:pt x="8355744" y="1"/>
-                </a:lnTo>
-                <a:lnTo>
-                  <a:pt x="8355744" y="0"/>
-                </a:lnTo>
-                <a:lnTo>
-                  <a:pt x="9699282" y="0"/>
-                </a:lnTo>
-                <a:lnTo>
-                  <a:pt x="9674237" y="155677"/>
-                </a:lnTo>
-                <a:lnTo>
-                  <a:pt x="9650368" y="310668"/>
-                </a:lnTo>
-                <a:lnTo>
-                  <a:pt x="9627004" y="466344"/>
-                </a:lnTo>
-                <a:lnTo>
-                  <a:pt x="9607001" y="622707"/>
-                </a:lnTo>
-                <a:lnTo>
-                  <a:pt x="9586830" y="778383"/>
-                </a:lnTo>
-                <a:lnTo>
-                  <a:pt x="9568004" y="934746"/>
-                </a:lnTo>
-                <a:lnTo>
-                  <a:pt x="9551868" y="1089051"/>
-                </a:lnTo>
-                <a:lnTo>
-                  <a:pt x="9536572" y="1245413"/>
-                </a:lnTo>
-                <a:lnTo>
-                  <a:pt x="9522620" y="1401090"/>
-                </a:lnTo>
-                <a:lnTo>
-                  <a:pt x="9510518" y="1554023"/>
-                </a:lnTo>
-                <a:lnTo>
-                  <a:pt x="9498415" y="1709014"/>
-                </a:lnTo>
-                <a:lnTo>
-                  <a:pt x="9488330" y="1861947"/>
-                </a:lnTo>
-                <a:lnTo>
-                  <a:pt x="9480430" y="2014881"/>
-                </a:lnTo>
-                <a:lnTo>
-                  <a:pt x="9472193" y="2167128"/>
-                </a:lnTo>
-                <a:lnTo>
-                  <a:pt x="9465302" y="2318004"/>
-                </a:lnTo>
-                <a:lnTo>
-                  <a:pt x="9460427" y="2467509"/>
-                </a:lnTo>
-                <a:lnTo>
-                  <a:pt x="9456225" y="2617013"/>
-                </a:lnTo>
-                <a:lnTo>
-                  <a:pt x="9452191" y="2765146"/>
-                </a:lnTo>
-                <a:lnTo>
-                  <a:pt x="9450342" y="2911221"/>
-                </a:lnTo>
-                <a:lnTo>
-                  <a:pt x="9448325" y="3057297"/>
-                </a:lnTo>
-                <a:lnTo>
-                  <a:pt x="9447316" y="3201315"/>
-                </a:lnTo>
-                <a:lnTo>
-                  <a:pt x="9448325" y="3343961"/>
-                </a:lnTo>
-                <a:lnTo>
-                  <a:pt x="9448325" y="3485236"/>
-                </a:lnTo>
-                <a:lnTo>
-                  <a:pt x="9450342" y="3625139"/>
-                </a:lnTo>
-                <a:lnTo>
-                  <a:pt x="9453367" y="3762299"/>
-                </a:lnTo>
-                <a:lnTo>
-                  <a:pt x="9456225" y="3898087"/>
-                </a:lnTo>
-                <a:lnTo>
-                  <a:pt x="9459419" y="4031133"/>
-                </a:lnTo>
-                <a:lnTo>
-                  <a:pt x="9464293" y="4163492"/>
-                </a:lnTo>
-                <a:lnTo>
-                  <a:pt x="9469504" y="4293793"/>
-                </a:lnTo>
-                <a:lnTo>
-                  <a:pt x="9474210" y="4421352"/>
-                </a:lnTo>
-                <a:lnTo>
-                  <a:pt x="9487490" y="4670298"/>
-                </a:lnTo>
-                <a:lnTo>
-                  <a:pt x="9501609" y="4908956"/>
-                </a:lnTo>
-                <a:lnTo>
-                  <a:pt x="9516401" y="5138013"/>
-                </a:lnTo>
-                <a:lnTo>
-                  <a:pt x="9532706" y="5354726"/>
-                </a:lnTo>
-                <a:lnTo>
-                  <a:pt x="9549683" y="5561838"/>
-                </a:lnTo>
-                <a:lnTo>
-                  <a:pt x="9568004" y="5753862"/>
-                </a:lnTo>
-                <a:lnTo>
-                  <a:pt x="9585990" y="5934227"/>
-                </a:lnTo>
-                <a:lnTo>
-                  <a:pt x="9603975" y="6100191"/>
-                </a:lnTo>
-                <a:lnTo>
-                  <a:pt x="9620952" y="6252438"/>
-                </a:lnTo>
-                <a:lnTo>
-                  <a:pt x="9637089" y="6387541"/>
-                </a:lnTo>
-                <a:lnTo>
-                  <a:pt x="9652385" y="6509613"/>
-                </a:lnTo>
-                <a:lnTo>
-                  <a:pt x="9665160" y="6612483"/>
-                </a:lnTo>
-                <a:lnTo>
-                  <a:pt x="9677262" y="6698894"/>
-                </a:lnTo>
-                <a:lnTo>
-                  <a:pt x="9694576" y="6817538"/>
-                </a:lnTo>
-                <a:lnTo>
-                  <a:pt x="9700459" y="6858000"/>
-                </a:lnTo>
-                <a:lnTo>
-                  <a:pt x="8795105" y="6858000"/>
-                </a:lnTo>
-                <a:lnTo>
-                  <a:pt x="8795105" y="6858001"/>
-                </a:lnTo>
-                <a:lnTo>
-                  <a:pt x="2704541" y="6858001"/>
-                </a:lnTo>
-                <a:lnTo>
-                  <a:pt x="2704541" y="6858000"/>
-                </a:lnTo>
-                <a:lnTo>
-                  <a:pt x="1517015" y="6858000"/>
-                </a:lnTo>
-                <a:lnTo>
-                  <a:pt x="1323975" y="6858000"/>
-                </a:lnTo>
-                <a:lnTo>
-                  <a:pt x="0" y="6858000"/>
-                </a:lnTo>
-                <a:close/>
-              </a:path>
-            </a:pathLst>
-          </a:custGeom>
-          <a:ln>
-            <a:noFill/>
-          </a:ln>
-        </p:spPr>
-        <p:txBody>
-          <a:bodyPr rot="0" spcFirstLastPara="0" vertOverflow="overflow" horzOverflow="overflow" vert="horz" wrap="square" lIns="91440" tIns="45720" rIns="91440" bIns="45720" numCol="1" spcCol="0" rtlCol="0" fromWordArt="0" anchor="ctr" anchorCtr="0" forceAA="0" compatLnSpc="1">
-            <a:prstTxWarp prst="textNoShape">
-              <a:avLst/>
-            </a:prstTxWarp>
-            <a:noAutofit/>
+        <p:txBody>
+          <a:bodyPr>
+            <a:normAutofit/>
           </a:bodyPr>
           <a:lstStyle/>
           <a:p>
-            <a:pPr algn="ctr"/>
-            <a:endParaRPr lang="en-US">
-              <a:solidFill>
-                <a:schemeClr val="tx1"/>
-              </a:solidFill>
-            </a:endParaRPr>
+            <a:r>
+              <a:rPr lang="en-US" dirty="0">
+                <a:latin typeface="Times New Roman" panose="02020603050405020304" pitchFamily="18" charset="0"/>
+                <a:cs typeface="Times New Roman" panose="02020603050405020304" pitchFamily="18" charset="0"/>
+              </a:rPr>
+              <a:t>Healthify-NWMSU</a:t>
+            </a:r>
           </a:p>
         </p:txBody>
       </p:sp>
@@ -7134,10 +6353,10 @@
       </p:sp>
       <p:sp>
         <p:nvSpPr>
-          <p:cNvPr id="2" name="Title 1">
+          <p:cNvPr id="6" name="Footer Placeholder 5">
             <a:extLst>
               <a:ext uri="{FF2B5EF4-FFF2-40B4-BE49-F238E27FC236}">
-                <a16:creationId xmlns:a16="http://schemas.microsoft.com/office/drawing/2014/main" id="{E72E5F76-E7AE-4699-BC1F-24233D394D0E}"/>
+                <a16:creationId xmlns:a16="http://schemas.microsoft.com/office/drawing/2014/main" id="{289F2CF9-13E6-46E4-BB41-B1D7BA6AB950}"/>
               </a:ext>
             </a:extLst>
           </p:cNvPr>
@@ -7145,26 +6364,16 @@
             <a:spLocks noGrp="1"/>
           </p:cNvSpPr>
           <p:nvPr>
-            <p:ph type="ctrTitle"/>
-          </p:nvPr>
-        </p:nvSpPr>
-        <p:spPr>
-          <a:xfrm>
-            <a:off x="1154955" y="1447800"/>
-            <a:ext cx="6974915" cy="3329581"/>
-          </a:xfrm>
-        </p:spPr>
-        <p:txBody>
-          <a:bodyPr>
-            <a:normAutofit/>
-          </a:bodyPr>
-          <a:lstStyle/>
-          <a:p>
-            <a:r>
-              <a:rPr lang="en-US" dirty="0">
-                <a:latin typeface="Times New Roman" panose="02020603050405020304" pitchFamily="18" charset="0"/>
-                <a:cs typeface="Times New Roman" panose="02020603050405020304" pitchFamily="18" charset="0"/>
-              </a:rPr>
+            <p:ph type="ftr" sz="quarter" idx="11"/>
+          </p:nvPr>
+        </p:nvSpPr>
+        <p:spPr/>
+        <p:txBody>
+          <a:bodyPr/>
+          <a:lstStyle/>
+          <a:p>
+            <a:r>
+              <a:rPr lang="en-US"/>
               <a:t>Healthify-NWMSU</a:t>
             </a:r>
           </a:p>
@@ -7172,56 +6381,32 @@
       </p:sp>
       <p:sp>
         <p:nvSpPr>
-          <p:cNvPr id="14" name="Rectangle 13">
+          <p:cNvPr id="7" name="Slide Number Placeholder 6">
             <a:extLst>
               <a:ext uri="{FF2B5EF4-FFF2-40B4-BE49-F238E27FC236}">
-                <a16:creationId xmlns:a16="http://schemas.microsoft.com/office/drawing/2014/main" id="{B61A74B3-E247-44D4-8C48-FAE8E2056401}"/>
-              </a:ext>
-              <a:ext uri="{C183D7F6-B498-43B3-948B-1728B52AA6E4}">
-                <adec:decorative xmlns:adec="http://schemas.microsoft.com/office/drawing/2017/decorative" val="1"/>
+                <a16:creationId xmlns:a16="http://schemas.microsoft.com/office/drawing/2014/main" id="{447F2940-14A9-4559-A0B2-AA40696D810C}"/>
               </a:ext>
             </a:extLst>
           </p:cNvPr>
           <p:cNvSpPr>
-            <a:spLocks noGrp="1" noRot="1" noChangeAspect="1" noMove="1" noResize="1" noEditPoints="1" noAdjustHandles="1" noChangeArrowheads="1" noChangeShapeType="1" noTextEdit="1"/>
-          </p:cNvSpPr>
-          <p:nvPr>
-            <p:extLst>
-              <p:ext uri="{386F3935-93C4-4BCD-93E2-E3B085C9AB24}">
-                <p16:designElem xmlns:p16="http://schemas.microsoft.com/office/powerpoint/2015/main" val="1"/>
-              </p:ext>
-            </p:extLst>
-          </p:nvPr>
-        </p:nvSpPr>
-        <p:spPr>
-          <a:xfrm>
-            <a:off x="10437812" y="0"/>
-            <a:ext cx="685800" cy="1143000"/>
-          </a:xfrm>
-          <a:prstGeom prst="rect">
-            <a:avLst/>
-          </a:prstGeom>
-          <a:solidFill>
-            <a:schemeClr val="accent1"/>
-          </a:solidFill>
-          <a:ln>
-            <a:noFill/>
-          </a:ln>
-        </p:spPr>
-        <p:style>
-          <a:lnRef idx="1">
-            <a:schemeClr val="accent1"/>
-          </a:lnRef>
-          <a:fillRef idx="3">
-            <a:schemeClr val="accent1"/>
-          </a:fillRef>
-          <a:effectRef idx="2">
-            <a:schemeClr val="accent1"/>
-          </a:effectRef>
-          <a:fontRef idx="minor">
-            <a:schemeClr val="lt1"/>
-          </a:fontRef>
-        </p:style>
+            <a:spLocks noGrp="1"/>
+          </p:cNvSpPr>
+          <p:nvPr>
+            <p:ph type="sldNum" sz="quarter" idx="12"/>
+          </p:nvPr>
+        </p:nvSpPr>
+        <p:spPr/>
+        <p:txBody>
+          <a:bodyPr/>
+          <a:lstStyle/>
+          <a:p>
+            <a:fld id="{FC6EDEEF-6E47-4D41-B312-2A124904AE2A}" type="slidenum">
+              <a:rPr lang="en-US" smtClean="0"/>
+              <a:t>1</a:t>
+            </a:fld>
+            <a:endParaRPr lang="en-US"/>
+          </a:p>
+        </p:txBody>
       </p:sp>
     </p:spTree>
     <p:extLst>
@@ -7324,11 +6509,68 @@
         </p:blipFill>
         <p:spPr>
           <a:xfrm>
-            <a:off x="1647289" y="1520575"/>
-            <a:ext cx="8897421" cy="5147353"/>
+            <a:off x="1469204" y="1216889"/>
+            <a:ext cx="8825502" cy="4927057"/>
           </a:xfrm>
         </p:spPr>
       </p:pic>
+      <p:sp>
+        <p:nvSpPr>
+          <p:cNvPr id="6" name="Footer Placeholder 5">
+            <a:extLst>
+              <a:ext uri="{FF2B5EF4-FFF2-40B4-BE49-F238E27FC236}">
+                <a16:creationId xmlns:a16="http://schemas.microsoft.com/office/drawing/2014/main" id="{BAE23FFC-2FF3-48E5-B3EA-BD5D2D982092}"/>
+              </a:ext>
+            </a:extLst>
+          </p:cNvPr>
+          <p:cNvSpPr>
+            <a:spLocks noGrp="1"/>
+          </p:cNvSpPr>
+          <p:nvPr>
+            <p:ph type="ftr" sz="quarter" idx="11"/>
+          </p:nvPr>
+        </p:nvSpPr>
+        <p:spPr/>
+        <p:txBody>
+          <a:bodyPr/>
+          <a:lstStyle/>
+          <a:p>
+            <a:r>
+              <a:rPr lang="en-US"/>
+              <a:t>Healthify-NWMSU</a:t>
+            </a:r>
+          </a:p>
+        </p:txBody>
+      </p:sp>
+      <p:sp>
+        <p:nvSpPr>
+          <p:cNvPr id="7" name="Slide Number Placeholder 6">
+            <a:extLst>
+              <a:ext uri="{FF2B5EF4-FFF2-40B4-BE49-F238E27FC236}">
+                <a16:creationId xmlns:a16="http://schemas.microsoft.com/office/drawing/2014/main" id="{78F6E9AC-376C-45ED-90C7-5AED69B56DBF}"/>
+              </a:ext>
+            </a:extLst>
+          </p:cNvPr>
+          <p:cNvSpPr>
+            <a:spLocks noGrp="1"/>
+          </p:cNvSpPr>
+          <p:nvPr>
+            <p:ph type="sldNum" sz="quarter" idx="12"/>
+          </p:nvPr>
+        </p:nvSpPr>
+        <p:spPr/>
+        <p:txBody>
+          <a:bodyPr/>
+          <a:lstStyle/>
+          <a:p>
+            <a:fld id="{FC6EDEEF-6E47-4D41-B312-2A124904AE2A}" type="slidenum">
+              <a:rPr lang="en-US" smtClean="0"/>
+              <a:t>10</a:t>
+            </a:fld>
+            <a:endParaRPr lang="en-US"/>
+          </a:p>
+        </p:txBody>
+      </p:sp>
     </p:spTree>
     <p:extLst>
       <p:ext uri="{BB962C8B-B14F-4D97-AF65-F5344CB8AC3E}">
@@ -7377,7 +6619,9 @@
         </p:nvSpPr>
         <p:spPr/>
         <p:txBody>
-          <a:bodyPr/>
+          <a:bodyPr>
+            <a:normAutofit fontScale="90000"/>
+          </a:bodyPr>
           <a:lstStyle/>
           <a:p>
             <a:r>
@@ -7440,7 +6684,7 @@
         </p:spPr>
         <p:txBody>
           <a:bodyPr>
-            <a:normAutofit fontScale="92500" lnSpcReduction="20000"/>
+            <a:normAutofit fontScale="92500" lnSpcReduction="10000"/>
           </a:bodyPr>
           <a:lstStyle/>
           <a:p>
@@ -7566,6 +6810,63 @@
               </a:rPr>
             </a:br>
             <a:endParaRPr lang="en-US" dirty="0"/>
+          </a:p>
+        </p:txBody>
+      </p:sp>
+      <p:sp>
+        <p:nvSpPr>
+          <p:cNvPr id="6" name="Footer Placeholder 5">
+            <a:extLst>
+              <a:ext uri="{FF2B5EF4-FFF2-40B4-BE49-F238E27FC236}">
+                <a16:creationId xmlns:a16="http://schemas.microsoft.com/office/drawing/2014/main" id="{4B608E52-3160-4FB5-9321-FA0230206FAF}"/>
+              </a:ext>
+            </a:extLst>
+          </p:cNvPr>
+          <p:cNvSpPr>
+            <a:spLocks noGrp="1"/>
+          </p:cNvSpPr>
+          <p:nvPr>
+            <p:ph type="ftr" sz="quarter" idx="11"/>
+          </p:nvPr>
+        </p:nvSpPr>
+        <p:spPr/>
+        <p:txBody>
+          <a:bodyPr/>
+          <a:lstStyle/>
+          <a:p>
+            <a:r>
+              <a:rPr lang="en-US"/>
+              <a:t>Healthify-NWMSU</a:t>
+            </a:r>
+          </a:p>
+        </p:txBody>
+      </p:sp>
+      <p:sp>
+        <p:nvSpPr>
+          <p:cNvPr id="7" name="Slide Number Placeholder 6">
+            <a:extLst>
+              <a:ext uri="{FF2B5EF4-FFF2-40B4-BE49-F238E27FC236}">
+                <a16:creationId xmlns:a16="http://schemas.microsoft.com/office/drawing/2014/main" id="{B2E28E4D-841C-4814-8F4D-BA4586DE59F7}"/>
+              </a:ext>
+            </a:extLst>
+          </p:cNvPr>
+          <p:cNvSpPr>
+            <a:spLocks noGrp="1"/>
+          </p:cNvSpPr>
+          <p:nvPr>
+            <p:ph type="sldNum" sz="quarter" idx="12"/>
+          </p:nvPr>
+        </p:nvSpPr>
+        <p:spPr/>
+        <p:txBody>
+          <a:bodyPr/>
+          <a:lstStyle/>
+          <a:p>
+            <a:fld id="{FC6EDEEF-6E47-4D41-B312-2A124904AE2A}" type="slidenum">
+              <a:rPr lang="en-US" smtClean="0"/>
+              <a:t>11</a:t>
+            </a:fld>
+            <a:endParaRPr lang="en-US"/>
           </a:p>
         </p:txBody>
       </p:sp>
@@ -7693,18 +6994,11 @@
           </a:p>
           <a:p>
             <a:r>
-              <a:rPr lang="en-US" dirty="0" err="1">
-                <a:latin typeface="Times New Roman" panose="02020603050405020304" pitchFamily="18" charset="0"/>
-                <a:cs typeface="Times New Roman" panose="02020603050405020304" pitchFamily="18" charset="0"/>
-              </a:rPr>
-              <a:t>FluidUI</a:t>
-            </a:r>
-            <a:r>
               <a:rPr lang="en-US" dirty="0">
                 <a:latin typeface="Times New Roman" panose="02020603050405020304" pitchFamily="18" charset="0"/>
                 <a:cs typeface="Times New Roman" panose="02020603050405020304" pitchFamily="18" charset="0"/>
               </a:rPr>
-              <a:t> Link: </a:t>
+              <a:t>FluidUI Link: </a:t>
             </a:r>
             <a:r>
               <a:rPr lang="en-US" dirty="0">
@@ -7749,6 +7043,63 @@
           </a:p>
           <a:p>
             <a:endParaRPr lang="en-US" dirty="0"/>
+          </a:p>
+        </p:txBody>
+      </p:sp>
+      <p:sp>
+        <p:nvSpPr>
+          <p:cNvPr id="6" name="Footer Placeholder 5">
+            <a:extLst>
+              <a:ext uri="{FF2B5EF4-FFF2-40B4-BE49-F238E27FC236}">
+                <a16:creationId xmlns:a16="http://schemas.microsoft.com/office/drawing/2014/main" id="{9E920EAF-6020-4B29-9674-1A67459ED1C8}"/>
+              </a:ext>
+            </a:extLst>
+          </p:cNvPr>
+          <p:cNvSpPr>
+            <a:spLocks noGrp="1"/>
+          </p:cNvSpPr>
+          <p:nvPr>
+            <p:ph type="ftr" sz="quarter" idx="11"/>
+          </p:nvPr>
+        </p:nvSpPr>
+        <p:spPr/>
+        <p:txBody>
+          <a:bodyPr/>
+          <a:lstStyle/>
+          <a:p>
+            <a:r>
+              <a:rPr lang="en-US"/>
+              <a:t>Healthify-NWMSU</a:t>
+            </a:r>
+          </a:p>
+        </p:txBody>
+      </p:sp>
+      <p:sp>
+        <p:nvSpPr>
+          <p:cNvPr id="7" name="Slide Number Placeholder 6">
+            <a:extLst>
+              <a:ext uri="{FF2B5EF4-FFF2-40B4-BE49-F238E27FC236}">
+                <a16:creationId xmlns:a16="http://schemas.microsoft.com/office/drawing/2014/main" id="{3426C4F2-2A88-4081-9B53-38FAE1053920}"/>
+              </a:ext>
+            </a:extLst>
+          </p:cNvPr>
+          <p:cNvSpPr>
+            <a:spLocks noGrp="1"/>
+          </p:cNvSpPr>
+          <p:nvPr>
+            <p:ph type="sldNum" sz="quarter" idx="12"/>
+          </p:nvPr>
+        </p:nvSpPr>
+        <p:spPr/>
+        <p:txBody>
+          <a:bodyPr/>
+          <a:lstStyle/>
+          <a:p>
+            <a:fld id="{FC6EDEEF-6E47-4D41-B312-2A124904AE2A}" type="slidenum">
+              <a:rPr lang="en-US" smtClean="0"/>
+              <a:t>12</a:t>
+            </a:fld>
+            <a:endParaRPr lang="en-US"/>
           </a:p>
         </p:txBody>
       </p:sp>
@@ -7887,6 +7238,63 @@
           </a:p>
         </p:txBody>
       </p:sp>
+      <p:sp>
+        <p:nvSpPr>
+          <p:cNvPr id="7" name="Footer Placeholder 6">
+            <a:extLst>
+              <a:ext uri="{FF2B5EF4-FFF2-40B4-BE49-F238E27FC236}">
+                <a16:creationId xmlns:a16="http://schemas.microsoft.com/office/drawing/2014/main" id="{DA6C3D57-D90D-478E-90C7-F2D2AEBD5DCC}"/>
+              </a:ext>
+            </a:extLst>
+          </p:cNvPr>
+          <p:cNvSpPr>
+            <a:spLocks noGrp="1"/>
+          </p:cNvSpPr>
+          <p:nvPr>
+            <p:ph type="ftr" sz="quarter" idx="11"/>
+          </p:nvPr>
+        </p:nvSpPr>
+        <p:spPr/>
+        <p:txBody>
+          <a:bodyPr/>
+          <a:lstStyle/>
+          <a:p>
+            <a:r>
+              <a:rPr lang="en-US"/>
+              <a:t>Healthify-NWMSU</a:t>
+            </a:r>
+          </a:p>
+        </p:txBody>
+      </p:sp>
+      <p:sp>
+        <p:nvSpPr>
+          <p:cNvPr id="8" name="Slide Number Placeholder 7">
+            <a:extLst>
+              <a:ext uri="{FF2B5EF4-FFF2-40B4-BE49-F238E27FC236}">
+                <a16:creationId xmlns:a16="http://schemas.microsoft.com/office/drawing/2014/main" id="{4F071EC0-212A-481C-B636-A2BEB6D1F37E}"/>
+              </a:ext>
+            </a:extLst>
+          </p:cNvPr>
+          <p:cNvSpPr>
+            <a:spLocks noGrp="1"/>
+          </p:cNvSpPr>
+          <p:nvPr>
+            <p:ph type="sldNum" sz="quarter" idx="12"/>
+          </p:nvPr>
+        </p:nvSpPr>
+        <p:spPr/>
+        <p:txBody>
+          <a:bodyPr/>
+          <a:lstStyle/>
+          <a:p>
+            <a:fld id="{FC6EDEEF-6E47-4D41-B312-2A124904AE2A}" type="slidenum">
+              <a:rPr lang="en-US" smtClean="0"/>
+              <a:t>13</a:t>
+            </a:fld>
+            <a:endParaRPr lang="en-US"/>
+          </a:p>
+        </p:txBody>
+      </p:sp>
     </p:spTree>
     <p:extLst>
       <p:ext uri="{BB962C8B-B14F-4D97-AF65-F5344CB8AC3E}">
@@ -7965,7 +7373,9 @@
           </a:xfrm>
         </p:spPr>
         <p:txBody>
-          <a:bodyPr/>
+          <a:bodyPr>
+            <a:normAutofit/>
+          </a:bodyPr>
           <a:lstStyle/>
           <a:p>
             <a:pPr marL="0" indent="0">
@@ -7976,7 +7386,7 @@
                 <a:latin typeface="Times New Roman" panose="02020603050405020304" pitchFamily="18" charset="0"/>
                 <a:cs typeface="Times New Roman" panose="02020603050405020304" pitchFamily="18" charset="0"/>
               </a:rPr>
-              <a:t>    Sowmya </a:t>
+              <a:t>     Sowmya </a:t>
             </a:r>
             <a:r>
               <a:rPr lang="en-US" dirty="0" err="1">
@@ -8018,7 +7428,7 @@
                 <a:latin typeface="Times New Roman" panose="02020603050405020304" pitchFamily="18" charset="0"/>
                 <a:cs typeface="Times New Roman" panose="02020603050405020304" pitchFamily="18" charset="0"/>
               </a:rPr>
-              <a:t>			 Swaroopa </a:t>
+              <a:t>			    Swaroopa </a:t>
             </a:r>
             <a:r>
               <a:rPr lang="en-US" dirty="0" err="1">
@@ -8041,7 +7451,7 @@
                 <a:latin typeface="Times New Roman" panose="02020603050405020304" pitchFamily="18" charset="0"/>
                 <a:cs typeface="Times New Roman" panose="02020603050405020304" pitchFamily="18" charset="0"/>
               </a:rPr>
-              <a:t>         (Admin)				     	     (Developer)					(Developer)</a:t>
+              <a:t>           (Admin)				     (Developer)				       (Developer)</a:t>
             </a:r>
           </a:p>
           <a:p>
@@ -8074,7 +7484,19 @@
                 <a:latin typeface="Times New Roman" panose="02020603050405020304" pitchFamily="18" charset="0"/>
                 <a:cs typeface="Times New Roman" panose="02020603050405020304" pitchFamily="18" charset="0"/>
               </a:rPr>
-              <a:t>			Naga Anshitha Velagapudi						Shiva Rama Krishna </a:t>
+              <a:t>			</a:t>
+            </a:r>
+          </a:p>
+          <a:p>
+            <a:pPr marL="0" indent="0">
+              <a:buNone/>
+            </a:pPr>
+            <a:r>
+              <a:rPr lang="en-US" dirty="0">
+                <a:latin typeface="Times New Roman" panose="02020603050405020304" pitchFamily="18" charset="0"/>
+                <a:cs typeface="Times New Roman" panose="02020603050405020304" pitchFamily="18" charset="0"/>
+              </a:rPr>
+              <a:t>		       Naga Anshitha Velagapudi		Shiva Rama Krishna </a:t>
             </a:r>
             <a:r>
               <a:rPr lang="en-US" dirty="0" err="1">
@@ -8092,7 +7514,7 @@
             </a:r>
             <a:r>
               <a:rPr lang="en-US" dirty="0"/>
-              <a:t>					</a:t>
+              <a:t>					           	                        </a:t>
             </a:r>
             <a:r>
               <a:rPr lang="en-US" dirty="0">
@@ -8103,7 +7525,7 @@
             </a:r>
             <a:r>
               <a:rPr lang="en-US" dirty="0"/>
-              <a:t>							    </a:t>
+              <a:t>			   </a:t>
             </a:r>
             <a:r>
               <a:rPr lang="en-US" dirty="0">
@@ -8143,7 +7565,7 @@
         </p:blipFill>
         <p:spPr>
           <a:xfrm>
-            <a:off x="4778423" y="1152983"/>
+            <a:off x="4209182" y="1151841"/>
             <a:ext cx="1532972" cy="2038355"/>
           </a:xfrm>
           <a:prstGeom prst="rect">
@@ -8179,7 +7601,7 @@
         </p:blipFill>
         <p:spPr>
           <a:xfrm>
-            <a:off x="8073364" y="4226200"/>
+            <a:off x="6096000" y="4165542"/>
             <a:ext cx="1532973" cy="2038356"/>
           </a:xfrm>
           <a:prstGeom prst="rect">
@@ -8215,7 +7637,7 @@
         </p:blipFill>
         <p:spPr>
           <a:xfrm>
-            <a:off x="2857483" y="4226200"/>
+            <a:off x="2676210" y="4192477"/>
             <a:ext cx="1532972" cy="2038356"/>
           </a:xfrm>
           <a:prstGeom prst="rect">
@@ -8251,7 +7673,7 @@
         </p:blipFill>
         <p:spPr>
           <a:xfrm>
-            <a:off x="8169769" y="1152983"/>
+            <a:off x="7563552" y="1158593"/>
             <a:ext cx="1436568" cy="2038356"/>
           </a:xfrm>
           <a:prstGeom prst="rect">
@@ -8295,6 +7717,63 @@
           </a:prstGeom>
         </p:spPr>
       </p:pic>
+      <p:sp>
+        <p:nvSpPr>
+          <p:cNvPr id="13" name="Footer Placeholder 12">
+            <a:extLst>
+              <a:ext uri="{FF2B5EF4-FFF2-40B4-BE49-F238E27FC236}">
+                <a16:creationId xmlns:a16="http://schemas.microsoft.com/office/drawing/2014/main" id="{4DEB0D3C-FC0C-4AAE-8B1A-1CD6D3894DE9}"/>
+              </a:ext>
+            </a:extLst>
+          </p:cNvPr>
+          <p:cNvSpPr>
+            <a:spLocks noGrp="1"/>
+          </p:cNvSpPr>
+          <p:nvPr>
+            <p:ph type="ftr" sz="quarter" idx="11"/>
+          </p:nvPr>
+        </p:nvSpPr>
+        <p:spPr/>
+        <p:txBody>
+          <a:bodyPr/>
+          <a:lstStyle/>
+          <a:p>
+            <a:r>
+              <a:rPr lang="en-US"/>
+              <a:t>Healthify-NWMSU</a:t>
+            </a:r>
+          </a:p>
+        </p:txBody>
+      </p:sp>
+      <p:sp>
+        <p:nvSpPr>
+          <p:cNvPr id="15" name="Slide Number Placeholder 14">
+            <a:extLst>
+              <a:ext uri="{FF2B5EF4-FFF2-40B4-BE49-F238E27FC236}">
+                <a16:creationId xmlns:a16="http://schemas.microsoft.com/office/drawing/2014/main" id="{2FAD1378-BCC4-42D6-A20E-EC601EC1DFD7}"/>
+              </a:ext>
+            </a:extLst>
+          </p:cNvPr>
+          <p:cNvSpPr>
+            <a:spLocks noGrp="1"/>
+          </p:cNvSpPr>
+          <p:nvPr>
+            <p:ph type="sldNum" sz="quarter" idx="12"/>
+          </p:nvPr>
+        </p:nvSpPr>
+        <p:spPr/>
+        <p:txBody>
+          <a:bodyPr/>
+          <a:lstStyle/>
+          <a:p>
+            <a:fld id="{FC6EDEEF-6E47-4D41-B312-2A124904AE2A}" type="slidenum">
+              <a:rPr lang="en-US" smtClean="0"/>
+              <a:t>2</a:t>
+            </a:fld>
+            <a:endParaRPr lang="en-US"/>
+          </a:p>
+        </p:txBody>
+      </p:sp>
     </p:spTree>
     <p:extLst>
       <p:ext uri="{BB962C8B-B14F-4D97-AF65-F5344CB8AC3E}">
@@ -8348,7 +7827,9 @@
           </a:xfrm>
         </p:spPr>
         <p:txBody>
-          <a:bodyPr/>
+          <a:bodyPr>
+            <a:normAutofit fontScale="90000"/>
+          </a:bodyPr>
           <a:lstStyle/>
           <a:p>
             <a:r>
@@ -8432,6 +7913,22 @@
                 <a:cs typeface="Times New Roman" panose="02020603050405020304" pitchFamily="18" charset="0"/>
               </a:rPr>
             </a:br>
+            <a:br>
+              <a:rPr lang="en-US" b="1" dirty="0">
+                <a:solidFill>
+                  <a:schemeClr val="accent3"/>
+                </a:solidFill>
+                <a:effectLst>
+                  <a:outerShdw blurRad="38100" dist="38100" dir="2700000" algn="tl">
+                    <a:srgbClr val="000000">
+                      <a:alpha val="43137"/>
+                    </a:srgbClr>
+                  </a:outerShdw>
+                </a:effectLst>
+                <a:latin typeface="Times New Roman" panose="02020603050405020304" pitchFamily="18" charset="0"/>
+                <a:cs typeface="Times New Roman" panose="02020603050405020304" pitchFamily="18" charset="0"/>
+              </a:rPr>
+            </a:br>
             <a:r>
               <a:rPr lang="en-US" b="1" dirty="0">
                 <a:solidFill>
@@ -8535,6 +8032,63 @@
               </a:rPr>
               <a:t>It helps users to track their food intake and measure calories accurately.</a:t>
             </a:r>
+          </a:p>
+        </p:txBody>
+      </p:sp>
+      <p:sp>
+        <p:nvSpPr>
+          <p:cNvPr id="6" name="Footer Placeholder 5">
+            <a:extLst>
+              <a:ext uri="{FF2B5EF4-FFF2-40B4-BE49-F238E27FC236}">
+                <a16:creationId xmlns:a16="http://schemas.microsoft.com/office/drawing/2014/main" id="{69C0F0D7-0734-4D29-BB83-BBAF6A313E5D}"/>
+              </a:ext>
+            </a:extLst>
+          </p:cNvPr>
+          <p:cNvSpPr>
+            <a:spLocks noGrp="1"/>
+          </p:cNvSpPr>
+          <p:nvPr>
+            <p:ph type="ftr" sz="quarter" idx="11"/>
+          </p:nvPr>
+        </p:nvSpPr>
+        <p:spPr/>
+        <p:txBody>
+          <a:bodyPr/>
+          <a:lstStyle/>
+          <a:p>
+            <a:r>
+              <a:rPr lang="en-US"/>
+              <a:t>Healthify-NWMSU</a:t>
+            </a:r>
+          </a:p>
+        </p:txBody>
+      </p:sp>
+      <p:sp>
+        <p:nvSpPr>
+          <p:cNvPr id="7" name="Slide Number Placeholder 6">
+            <a:extLst>
+              <a:ext uri="{FF2B5EF4-FFF2-40B4-BE49-F238E27FC236}">
+                <a16:creationId xmlns:a16="http://schemas.microsoft.com/office/drawing/2014/main" id="{0C27BE6C-AA7F-4054-A992-C71124FC6FE4}"/>
+              </a:ext>
+            </a:extLst>
+          </p:cNvPr>
+          <p:cNvSpPr>
+            <a:spLocks noGrp="1"/>
+          </p:cNvSpPr>
+          <p:nvPr>
+            <p:ph type="sldNum" sz="quarter" idx="12"/>
+          </p:nvPr>
+        </p:nvSpPr>
+        <p:spPr/>
+        <p:txBody>
+          <a:bodyPr/>
+          <a:lstStyle/>
+          <a:p>
+            <a:fld id="{FC6EDEEF-6E47-4D41-B312-2A124904AE2A}" type="slidenum">
+              <a:rPr lang="en-US" smtClean="0"/>
+              <a:t>3</a:t>
+            </a:fld>
+            <a:endParaRPr lang="en-US"/>
           </a:p>
         </p:txBody>
       </p:sp>
@@ -8584,9 +8138,16 @@
             <p:ph type="title"/>
           </p:nvPr>
         </p:nvSpPr>
-        <p:spPr/>
-        <p:txBody>
-          <a:bodyPr/>
+        <p:spPr>
+          <a:xfrm>
+            <a:off x="677334" y="599326"/>
+            <a:ext cx="8596668" cy="1320800"/>
+          </a:xfrm>
+        </p:spPr>
+        <p:txBody>
+          <a:bodyPr>
+            <a:normAutofit/>
+          </a:bodyPr>
           <a:lstStyle/>
           <a:p>
             <a:r>
@@ -8660,31 +8221,7 @@
                 <a:latin typeface="Times New Roman" panose="02020603050405020304" pitchFamily="18" charset="0"/>
                 <a:cs typeface="Times New Roman" panose="02020603050405020304" pitchFamily="18" charset="0"/>
               </a:rPr>
-              <a:t>The </a:t>
-            </a:r>
-            <a:r>
-              <a:rPr lang="en-US" sz="8000" dirty="0" err="1">
-                <a:solidFill>
-                  <a:schemeClr val="tx1">
-                    <a:lumMod val="95000"/>
-                  </a:schemeClr>
-                </a:solidFill>
-                <a:latin typeface="Times New Roman" panose="02020603050405020304" pitchFamily="18" charset="0"/>
-                <a:cs typeface="Times New Roman" panose="02020603050405020304" pitchFamily="18" charset="0"/>
-              </a:rPr>
-              <a:t>Healthify</a:t>
-            </a:r>
-            <a:r>
-              <a:rPr lang="en-US" sz="8000" dirty="0">
-                <a:solidFill>
-                  <a:schemeClr val="tx1">
-                    <a:lumMod val="95000"/>
-                  </a:schemeClr>
-                </a:solidFill>
-                <a:latin typeface="Times New Roman" panose="02020603050405020304" pitchFamily="18" charset="0"/>
-                <a:cs typeface="Times New Roman" panose="02020603050405020304" pitchFamily="18" charset="0"/>
-              </a:rPr>
-              <a:t>-NWMSU app will work on all devices like in all android devices ,an </a:t>
+              <a:t>The Healthify-NWMSU app will work on all devices like in all android devices ,an </a:t>
             </a:r>
             <a:r>
               <a:rPr lang="en-US" sz="8000" dirty="0" err="1">
@@ -8726,7 +8263,7 @@
                 <a:latin typeface="Times New Roman" panose="02020603050405020304" pitchFamily="18" charset="0"/>
                 <a:cs typeface="Times New Roman" panose="02020603050405020304" pitchFamily="18" charset="0"/>
               </a:rPr>
-              <a:t>Admin is able to view and download all data entered by the user by just selecting the get data into a file button.</a:t>
+              <a:t>Admin can view and download all data entered by the user by just selecting the get data into a file button.</a:t>
             </a:r>
           </a:p>
           <a:p>
@@ -8744,7 +8281,7 @@
                 <a:latin typeface="Times New Roman" panose="02020603050405020304" pitchFamily="18" charset="0"/>
                 <a:cs typeface="Times New Roman" panose="02020603050405020304" pitchFamily="18" charset="0"/>
               </a:rPr>
-              <a:t>Admin is able to create and manage the user groups by selecting add symbol.</a:t>
+              <a:t>Admin can create and manage the user groups by selecting add symbol.</a:t>
             </a:r>
           </a:p>
           <a:p>
@@ -8762,7 +8299,7 @@
                 <a:latin typeface="Times New Roman" panose="02020603050405020304" pitchFamily="18" charset="0"/>
                 <a:cs typeface="Times New Roman" panose="02020603050405020304" pitchFamily="18" charset="0"/>
               </a:rPr>
-              <a:t>Admin is able to share challenge results with group members by clicking release results button.</a:t>
+              <a:t>Admin can share challenge results with group members by clicking release results button.</a:t>
             </a:r>
           </a:p>
           <a:p>
@@ -8780,7 +8317,7 @@
                 <a:latin typeface="Times New Roman" panose="02020603050405020304" pitchFamily="18" charset="0"/>
                 <a:cs typeface="Times New Roman" panose="02020603050405020304" pitchFamily="18" charset="0"/>
               </a:rPr>
-              <a:t>Users are able to create and edit data of personal details upon signup.</a:t>
+              <a:t>Users can create and edit data of personal details upon signup.</a:t>
             </a:r>
           </a:p>
           <a:p>
@@ -8798,7 +8335,7 @@
                 <a:latin typeface="Times New Roman" panose="02020603050405020304" pitchFamily="18" charset="0"/>
                 <a:cs typeface="Times New Roman" panose="02020603050405020304" pitchFamily="18" charset="0"/>
               </a:rPr>
-              <a:t>Users are able to participate in new challenges just by clicking register buttons on each page of challenges.</a:t>
+              <a:t>Users can accept or reject group assignments upon receiving mails from the admin invites.</a:t>
             </a:r>
           </a:p>
           <a:p>
@@ -8816,7 +8353,7 @@
                 <a:latin typeface="Times New Roman" panose="02020603050405020304" pitchFamily="18" charset="0"/>
                 <a:cs typeface="Times New Roman" panose="02020603050405020304" pitchFamily="18" charset="0"/>
               </a:rPr>
-              <a:t>Users are able to accept or reject group assignments upon receiving mails from the admin invites.</a:t>
+              <a:t>Users can view data from past challenges by clicking on the results.</a:t>
             </a:r>
           </a:p>
           <a:p>
@@ -8834,7 +8371,7 @@
                 <a:latin typeface="Times New Roman" panose="02020603050405020304" pitchFamily="18" charset="0"/>
                 <a:cs typeface="Times New Roman" panose="02020603050405020304" pitchFamily="18" charset="0"/>
               </a:rPr>
-              <a:t>Users are able to view data from past challenges by clicking on the results.</a:t>
+              <a:t>User can access the application only by submitting required details.</a:t>
             </a:r>
           </a:p>
           <a:p>
@@ -8852,7 +8389,7 @@
                 <a:latin typeface="Times New Roman" panose="02020603050405020304" pitchFamily="18" charset="0"/>
                 <a:cs typeface="Times New Roman" panose="02020603050405020304" pitchFamily="18" charset="0"/>
               </a:rPr>
-              <a:t>User can access the application only by submitting required details.</a:t>
+              <a:t>Enabling responsive Mobile menu for Tablets and Mobiles.</a:t>
             </a:r>
           </a:p>
           <a:p>
@@ -8870,7 +8407,7 @@
                 <a:latin typeface="Times New Roman" panose="02020603050405020304" pitchFamily="18" charset="0"/>
                 <a:cs typeface="Times New Roman" panose="02020603050405020304" pitchFamily="18" charset="0"/>
               </a:rPr>
-              <a:t>Enabling responsive Mobile menu for Tablets and Mobiles.</a:t>
+              <a:t>User can Easily Navigate across different screens.</a:t>
             </a:r>
           </a:p>
           <a:p>
@@ -8888,24 +8425,6 @@
                 <a:latin typeface="Times New Roman" panose="02020603050405020304" pitchFamily="18" charset="0"/>
                 <a:cs typeface="Times New Roman" panose="02020603050405020304" pitchFamily="18" charset="0"/>
               </a:rPr>
-              <a:t>User can Easily Navigate across different screens.</a:t>
-            </a:r>
-          </a:p>
-          <a:p>
-            <a:pPr>
-              <a:buFont typeface="Arial" panose="020B0604020202020204" pitchFamily="34" charset="0"/>
-              <a:buChar char="•"/>
-            </a:pPr>
-            <a:r>
-              <a:rPr lang="en-US" sz="8000" dirty="0">
-                <a:solidFill>
-                  <a:schemeClr val="tx1">
-                    <a:lumMod val="95000"/>
-                  </a:schemeClr>
-                </a:solidFill>
-                <a:latin typeface="Times New Roman" panose="02020603050405020304" pitchFamily="18" charset="0"/>
-                <a:cs typeface="Times New Roman" panose="02020603050405020304" pitchFamily="18" charset="0"/>
-              </a:rPr>
               <a:t>User can have Responsiveness of drop-down lists.</a:t>
             </a:r>
           </a:p>
@@ -8914,6 +8433,63 @@
               <a:buNone/>
             </a:pPr>
             <a:endParaRPr lang="en-US" dirty="0"/>
+          </a:p>
+        </p:txBody>
+      </p:sp>
+      <p:sp>
+        <p:nvSpPr>
+          <p:cNvPr id="6" name="Footer Placeholder 5">
+            <a:extLst>
+              <a:ext uri="{FF2B5EF4-FFF2-40B4-BE49-F238E27FC236}">
+                <a16:creationId xmlns:a16="http://schemas.microsoft.com/office/drawing/2014/main" id="{9DD87943-4C6A-46FB-B51C-3840DF598793}"/>
+              </a:ext>
+            </a:extLst>
+          </p:cNvPr>
+          <p:cNvSpPr>
+            <a:spLocks noGrp="1"/>
+          </p:cNvSpPr>
+          <p:nvPr>
+            <p:ph type="ftr" sz="quarter" idx="11"/>
+          </p:nvPr>
+        </p:nvSpPr>
+        <p:spPr/>
+        <p:txBody>
+          <a:bodyPr/>
+          <a:lstStyle/>
+          <a:p>
+            <a:r>
+              <a:rPr lang="en-US"/>
+              <a:t>Healthify-NWMSU</a:t>
+            </a:r>
+          </a:p>
+        </p:txBody>
+      </p:sp>
+      <p:sp>
+        <p:nvSpPr>
+          <p:cNvPr id="7" name="Slide Number Placeholder 6">
+            <a:extLst>
+              <a:ext uri="{FF2B5EF4-FFF2-40B4-BE49-F238E27FC236}">
+                <a16:creationId xmlns:a16="http://schemas.microsoft.com/office/drawing/2014/main" id="{2CA22E63-B086-4925-B662-12D17C54A126}"/>
+              </a:ext>
+            </a:extLst>
+          </p:cNvPr>
+          <p:cNvSpPr>
+            <a:spLocks noGrp="1"/>
+          </p:cNvSpPr>
+          <p:nvPr>
+            <p:ph type="sldNum" sz="quarter" idx="12"/>
+          </p:nvPr>
+        </p:nvSpPr>
+        <p:spPr/>
+        <p:txBody>
+          <a:bodyPr/>
+          <a:lstStyle/>
+          <a:p>
+            <a:fld id="{FC6EDEEF-6E47-4D41-B312-2A124904AE2A}" type="slidenum">
+              <a:rPr lang="en-US" smtClean="0"/>
+              <a:t>4</a:t>
+            </a:fld>
+            <a:endParaRPr lang="en-US"/>
           </a:p>
         </p:txBody>
       </p:sp>
@@ -9018,11 +8594,68 @@
         </p:blipFill>
         <p:spPr>
           <a:xfrm>
-            <a:off x="1715784" y="1613043"/>
-            <a:ext cx="8681663" cy="5075433"/>
+            <a:off x="1191803" y="1263721"/>
+            <a:ext cx="9832368" cy="4890499"/>
           </a:xfrm>
         </p:spPr>
       </p:pic>
+      <p:sp>
+        <p:nvSpPr>
+          <p:cNvPr id="6" name="Footer Placeholder 5">
+            <a:extLst>
+              <a:ext uri="{FF2B5EF4-FFF2-40B4-BE49-F238E27FC236}">
+                <a16:creationId xmlns:a16="http://schemas.microsoft.com/office/drawing/2014/main" id="{BB5C8C6F-C16D-4AB6-9B47-536A364DF7B3}"/>
+              </a:ext>
+            </a:extLst>
+          </p:cNvPr>
+          <p:cNvSpPr>
+            <a:spLocks noGrp="1"/>
+          </p:cNvSpPr>
+          <p:nvPr>
+            <p:ph type="ftr" sz="quarter" idx="11"/>
+          </p:nvPr>
+        </p:nvSpPr>
+        <p:spPr/>
+        <p:txBody>
+          <a:bodyPr/>
+          <a:lstStyle/>
+          <a:p>
+            <a:r>
+              <a:rPr lang="en-US"/>
+              <a:t>Healthify-NWMSU</a:t>
+            </a:r>
+          </a:p>
+        </p:txBody>
+      </p:sp>
+      <p:sp>
+        <p:nvSpPr>
+          <p:cNvPr id="7" name="Slide Number Placeholder 6">
+            <a:extLst>
+              <a:ext uri="{FF2B5EF4-FFF2-40B4-BE49-F238E27FC236}">
+                <a16:creationId xmlns:a16="http://schemas.microsoft.com/office/drawing/2014/main" id="{6B953DC5-5829-4EC7-99E1-A0A0139D473D}"/>
+              </a:ext>
+            </a:extLst>
+          </p:cNvPr>
+          <p:cNvSpPr>
+            <a:spLocks noGrp="1"/>
+          </p:cNvSpPr>
+          <p:nvPr>
+            <p:ph type="sldNum" sz="quarter" idx="12"/>
+          </p:nvPr>
+        </p:nvSpPr>
+        <p:spPr/>
+        <p:txBody>
+          <a:bodyPr/>
+          <a:lstStyle/>
+          <a:p>
+            <a:fld id="{FC6EDEEF-6E47-4D41-B312-2A124904AE2A}" type="slidenum">
+              <a:rPr lang="en-US" smtClean="0"/>
+              <a:t>5</a:t>
+            </a:fld>
+            <a:endParaRPr lang="en-US"/>
+          </a:p>
+        </p:txBody>
+      </p:sp>
     </p:spTree>
     <p:extLst>
       <p:ext uri="{BB962C8B-B14F-4D97-AF65-F5344CB8AC3E}">
@@ -9124,11 +8757,68 @@
         </p:blipFill>
         <p:spPr>
           <a:xfrm>
-            <a:off x="1397284" y="1592494"/>
-            <a:ext cx="9404723" cy="5118080"/>
+            <a:off x="1089062" y="1253448"/>
+            <a:ext cx="9647432" cy="4900772"/>
           </a:xfrm>
         </p:spPr>
       </p:pic>
+      <p:sp>
+        <p:nvSpPr>
+          <p:cNvPr id="6" name="Footer Placeholder 5">
+            <a:extLst>
+              <a:ext uri="{FF2B5EF4-FFF2-40B4-BE49-F238E27FC236}">
+                <a16:creationId xmlns:a16="http://schemas.microsoft.com/office/drawing/2014/main" id="{516688C4-0ADD-40B0-B93A-5E20A555C43D}"/>
+              </a:ext>
+            </a:extLst>
+          </p:cNvPr>
+          <p:cNvSpPr>
+            <a:spLocks noGrp="1"/>
+          </p:cNvSpPr>
+          <p:nvPr>
+            <p:ph type="ftr" sz="quarter" idx="11"/>
+          </p:nvPr>
+        </p:nvSpPr>
+        <p:spPr/>
+        <p:txBody>
+          <a:bodyPr/>
+          <a:lstStyle/>
+          <a:p>
+            <a:r>
+              <a:rPr lang="en-US"/>
+              <a:t>Healthify-NWMSU</a:t>
+            </a:r>
+          </a:p>
+        </p:txBody>
+      </p:sp>
+      <p:sp>
+        <p:nvSpPr>
+          <p:cNvPr id="7" name="Slide Number Placeholder 6">
+            <a:extLst>
+              <a:ext uri="{FF2B5EF4-FFF2-40B4-BE49-F238E27FC236}">
+                <a16:creationId xmlns:a16="http://schemas.microsoft.com/office/drawing/2014/main" id="{26449E8A-D908-40AB-96FA-365AF937BD48}"/>
+              </a:ext>
+            </a:extLst>
+          </p:cNvPr>
+          <p:cNvSpPr>
+            <a:spLocks noGrp="1"/>
+          </p:cNvSpPr>
+          <p:nvPr>
+            <p:ph type="sldNum" sz="quarter" idx="12"/>
+          </p:nvPr>
+        </p:nvSpPr>
+        <p:spPr/>
+        <p:txBody>
+          <a:bodyPr/>
+          <a:lstStyle/>
+          <a:p>
+            <a:fld id="{FC6EDEEF-6E47-4D41-B312-2A124904AE2A}" type="slidenum">
+              <a:rPr lang="en-US" smtClean="0"/>
+              <a:t>6</a:t>
+            </a:fld>
+            <a:endParaRPr lang="en-US"/>
+          </a:p>
+        </p:txBody>
+      </p:sp>
     </p:spTree>
     <p:extLst>
       <p:ext uri="{BB962C8B-B14F-4D97-AF65-F5344CB8AC3E}">
@@ -9309,33 +8999,82 @@
           <a:p>
             <a:pPr fontAlgn="base"/>
             <a:r>
-              <a:rPr lang="en-US" dirty="0" err="1">
+              <a:rPr lang="en-US" dirty="0">
                 <a:latin typeface="Times New Roman" panose="02020603050405020304" pitchFamily="18" charset="0"/>
                 <a:cs typeface="Times New Roman" panose="02020603050405020304" pitchFamily="18" charset="0"/>
               </a:rPr>
               <a:t>FluidUI</a:t>
             </a:r>
-            <a:endParaRPr lang="en-US" dirty="0">
-              <a:latin typeface="Times New Roman" panose="02020603050405020304" pitchFamily="18" charset="0"/>
-              <a:cs typeface="Times New Roman" panose="02020603050405020304" pitchFamily="18" charset="0"/>
-            </a:endParaRPr>
           </a:p>
           <a:p>
             <a:pPr fontAlgn="base"/>
             <a:r>
-              <a:rPr lang="en-US" dirty="0" err="1">
+              <a:rPr lang="en-US" dirty="0">
                 <a:latin typeface="Times New Roman" panose="02020603050405020304" pitchFamily="18" charset="0"/>
                 <a:cs typeface="Times New Roman" panose="02020603050405020304" pitchFamily="18" charset="0"/>
               </a:rPr>
-              <a:t>Github</a:t>
-            </a:r>
-            <a:endParaRPr lang="en-US" dirty="0">
-              <a:latin typeface="Times New Roman" panose="02020603050405020304" pitchFamily="18" charset="0"/>
-              <a:cs typeface="Times New Roman" panose="02020603050405020304" pitchFamily="18" charset="0"/>
-            </a:endParaRPr>
+              <a:t>GitHub</a:t>
+            </a:r>
           </a:p>
           <a:p>
             <a:endParaRPr lang="en-US" dirty="0"/>
+          </a:p>
+        </p:txBody>
+      </p:sp>
+      <p:sp>
+        <p:nvSpPr>
+          <p:cNvPr id="6" name="Footer Placeholder 5">
+            <a:extLst>
+              <a:ext uri="{FF2B5EF4-FFF2-40B4-BE49-F238E27FC236}">
+                <a16:creationId xmlns:a16="http://schemas.microsoft.com/office/drawing/2014/main" id="{38D8D3A6-7408-4215-99DB-0B35830B92DB}"/>
+              </a:ext>
+            </a:extLst>
+          </p:cNvPr>
+          <p:cNvSpPr>
+            <a:spLocks noGrp="1"/>
+          </p:cNvSpPr>
+          <p:nvPr>
+            <p:ph type="ftr" sz="quarter" idx="11"/>
+          </p:nvPr>
+        </p:nvSpPr>
+        <p:spPr/>
+        <p:txBody>
+          <a:bodyPr/>
+          <a:lstStyle/>
+          <a:p>
+            <a:r>
+              <a:rPr lang="en-US"/>
+              <a:t>Healthify-NWMSU</a:t>
+            </a:r>
+          </a:p>
+        </p:txBody>
+      </p:sp>
+      <p:sp>
+        <p:nvSpPr>
+          <p:cNvPr id="7" name="Slide Number Placeholder 6">
+            <a:extLst>
+              <a:ext uri="{FF2B5EF4-FFF2-40B4-BE49-F238E27FC236}">
+                <a16:creationId xmlns:a16="http://schemas.microsoft.com/office/drawing/2014/main" id="{53D8A5C7-D4C7-4B73-BDB0-C67A0F06FB39}"/>
+              </a:ext>
+            </a:extLst>
+          </p:cNvPr>
+          <p:cNvSpPr>
+            <a:spLocks noGrp="1"/>
+          </p:cNvSpPr>
+          <p:nvPr>
+            <p:ph type="sldNum" sz="quarter" idx="12"/>
+          </p:nvPr>
+        </p:nvSpPr>
+        <p:spPr/>
+        <p:txBody>
+          <a:bodyPr/>
+          <a:lstStyle/>
+          <a:p>
+            <a:fld id="{FC6EDEEF-6E47-4D41-B312-2A124904AE2A}" type="slidenum">
+              <a:rPr lang="en-US" smtClean="0"/>
+              <a:t>7</a:t>
+            </a:fld>
+            <a:endParaRPr lang="en-US"/>
           </a:p>
         </p:txBody>
       </p:sp>
@@ -9392,7 +9131,9 @@
           </a:xfrm>
         </p:spPr>
         <p:txBody>
-          <a:bodyPr/>
+          <a:bodyPr>
+            <a:normAutofit fontScale="90000"/>
+          </a:bodyPr>
           <a:lstStyle/>
           <a:p>
             <a:r>
@@ -9461,8 +9202,8 @@
         </p:blipFill>
         <p:spPr>
           <a:xfrm>
-            <a:off x="992292" y="1191802"/>
-            <a:ext cx="3024903" cy="5424755"/>
+            <a:off x="992292" y="1191803"/>
+            <a:ext cx="3024903" cy="4977926"/>
           </a:xfrm>
         </p:spPr>
       </p:pic>
@@ -9494,8 +9235,8 @@
         </p:blipFill>
         <p:spPr>
           <a:xfrm>
-            <a:off x="4598458" y="1191802"/>
-            <a:ext cx="3024902" cy="5424755"/>
+            <a:off x="4598458" y="1191803"/>
+            <a:ext cx="3024902" cy="4977926"/>
           </a:xfrm>
           <a:prstGeom prst="rect">
             <a:avLst/>
@@ -9530,14 +9271,71 @@
         </p:blipFill>
         <p:spPr>
           <a:xfrm>
-            <a:off x="8311793" y="1191801"/>
-            <a:ext cx="2815119" cy="5424755"/>
+            <a:off x="8204623" y="1191802"/>
+            <a:ext cx="2809273" cy="4977926"/>
           </a:xfrm>
           <a:prstGeom prst="rect">
             <a:avLst/>
           </a:prstGeom>
         </p:spPr>
       </p:pic>
+      <p:sp>
+        <p:nvSpPr>
+          <p:cNvPr id="8" name="Footer Placeholder 7">
+            <a:extLst>
+              <a:ext uri="{FF2B5EF4-FFF2-40B4-BE49-F238E27FC236}">
+                <a16:creationId xmlns:a16="http://schemas.microsoft.com/office/drawing/2014/main" id="{3D7665F4-0963-419D-B051-3FE3079E217D}"/>
+              </a:ext>
+            </a:extLst>
+          </p:cNvPr>
+          <p:cNvSpPr>
+            <a:spLocks noGrp="1"/>
+          </p:cNvSpPr>
+          <p:nvPr>
+            <p:ph type="ftr" sz="quarter" idx="11"/>
+          </p:nvPr>
+        </p:nvSpPr>
+        <p:spPr/>
+        <p:txBody>
+          <a:bodyPr/>
+          <a:lstStyle/>
+          <a:p>
+            <a:r>
+              <a:rPr lang="en-US"/>
+              <a:t>Healthify-NWMSU</a:t>
+            </a:r>
+          </a:p>
+        </p:txBody>
+      </p:sp>
+      <p:sp>
+        <p:nvSpPr>
+          <p:cNvPr id="9" name="Slide Number Placeholder 8">
+            <a:extLst>
+              <a:ext uri="{FF2B5EF4-FFF2-40B4-BE49-F238E27FC236}">
+                <a16:creationId xmlns:a16="http://schemas.microsoft.com/office/drawing/2014/main" id="{4F7404B4-B404-4287-985D-DA10D897BF21}"/>
+              </a:ext>
+            </a:extLst>
+          </p:cNvPr>
+          <p:cNvSpPr>
+            <a:spLocks noGrp="1"/>
+          </p:cNvSpPr>
+          <p:nvPr>
+            <p:ph type="sldNum" sz="quarter" idx="12"/>
+          </p:nvPr>
+        </p:nvSpPr>
+        <p:spPr/>
+        <p:txBody>
+          <a:bodyPr/>
+          <a:lstStyle/>
+          <a:p>
+            <a:fld id="{FC6EDEEF-6E47-4D41-B312-2A124904AE2A}" type="slidenum">
+              <a:rPr lang="en-US" smtClean="0"/>
+              <a:t>8</a:t>
+            </a:fld>
+            <a:endParaRPr lang="en-US"/>
+          </a:p>
+        </p:txBody>
+      </p:sp>
     </p:spTree>
     <p:extLst>
       <p:ext uri="{BB962C8B-B14F-4D97-AF65-F5344CB8AC3E}">
@@ -9651,8 +9449,8 @@
         </p:blipFill>
         <p:spPr>
           <a:xfrm>
-            <a:off x="4714634" y="1348202"/>
-            <a:ext cx="2821552" cy="5323091"/>
+            <a:off x="4509204" y="1270000"/>
+            <a:ext cx="2821551" cy="4884221"/>
           </a:xfrm>
         </p:spPr>
       </p:pic>
@@ -9684,8 +9482,8 @@
         </p:blipFill>
         <p:spPr>
           <a:xfrm>
-            <a:off x="8279222" y="1348201"/>
-            <a:ext cx="2916184" cy="5323092"/>
+            <a:off x="7910542" y="1270000"/>
+            <a:ext cx="2821551" cy="4884221"/>
           </a:xfrm>
           <a:prstGeom prst="rect">
             <a:avLst/>
@@ -9720,14 +9518,71 @@
         </p:blipFill>
         <p:spPr>
           <a:xfrm>
-            <a:off x="996594" y="1395092"/>
-            <a:ext cx="2821552" cy="5276201"/>
+            <a:off x="996594" y="1270000"/>
+            <a:ext cx="2821551" cy="4884221"/>
           </a:xfrm>
           <a:prstGeom prst="rect">
             <a:avLst/>
           </a:prstGeom>
         </p:spPr>
       </p:pic>
+      <p:sp>
+        <p:nvSpPr>
+          <p:cNvPr id="8" name="Footer Placeholder 7">
+            <a:extLst>
+              <a:ext uri="{FF2B5EF4-FFF2-40B4-BE49-F238E27FC236}">
+                <a16:creationId xmlns:a16="http://schemas.microsoft.com/office/drawing/2014/main" id="{5CED5646-90C1-4F81-90DA-AA017C6B22C5}"/>
+              </a:ext>
+            </a:extLst>
+          </p:cNvPr>
+          <p:cNvSpPr>
+            <a:spLocks noGrp="1"/>
+          </p:cNvSpPr>
+          <p:nvPr>
+            <p:ph type="ftr" sz="quarter" idx="11"/>
+          </p:nvPr>
+        </p:nvSpPr>
+        <p:spPr/>
+        <p:txBody>
+          <a:bodyPr/>
+          <a:lstStyle/>
+          <a:p>
+            <a:r>
+              <a:rPr lang="en-US"/>
+              <a:t>Healthify-NWMSU</a:t>
+            </a:r>
+          </a:p>
+        </p:txBody>
+      </p:sp>
+      <p:sp>
+        <p:nvSpPr>
+          <p:cNvPr id="9" name="Slide Number Placeholder 8">
+            <a:extLst>
+              <a:ext uri="{FF2B5EF4-FFF2-40B4-BE49-F238E27FC236}">
+                <a16:creationId xmlns:a16="http://schemas.microsoft.com/office/drawing/2014/main" id="{92881D41-A262-4F4C-BCDB-29B7F360E97E}"/>
+              </a:ext>
+            </a:extLst>
+          </p:cNvPr>
+          <p:cNvSpPr>
+            <a:spLocks noGrp="1"/>
+          </p:cNvSpPr>
+          <p:nvPr>
+            <p:ph type="sldNum" sz="quarter" idx="12"/>
+          </p:nvPr>
+        </p:nvSpPr>
+        <p:spPr/>
+        <p:txBody>
+          <a:bodyPr/>
+          <a:lstStyle/>
+          <a:p>
+            <a:fld id="{FC6EDEEF-6E47-4D41-B312-2A124904AE2A}" type="slidenum">
+              <a:rPr lang="en-US" smtClean="0"/>
+              <a:t>9</a:t>
+            </a:fld>
+            <a:endParaRPr lang="en-US"/>
+          </a:p>
+        </p:txBody>
+      </p:sp>
     </p:spTree>
     <p:extLst>
       <p:ext uri="{BB962C8B-B14F-4D97-AF65-F5344CB8AC3E}">
@@ -9742,9 +9597,266 @@
 </file>
 
 <file path=ppt/theme/theme1.xml><?xml version="1.0" encoding="utf-8"?>
-<a:theme xmlns:a="http://schemas.openxmlformats.org/drawingml/2006/main" name="Ion">
+<a:theme xmlns:a="http://schemas.openxmlformats.org/drawingml/2006/main" name="Facet">
   <a:themeElements>
-    <a:clrScheme name="Ion">
+    <a:clrScheme name="Marquee">
+      <a:dk1>
+        <a:srgbClr val="000000"/>
+      </a:dk1>
+      <a:lt1>
+        <a:sysClr val="window" lastClr="FFFFFF"/>
+      </a:lt1>
+      <a:dk2>
+        <a:srgbClr val="5E5E5E"/>
+      </a:dk2>
+      <a:lt2>
+        <a:srgbClr val="DDDDDD"/>
+      </a:lt2>
+      <a:accent1>
+        <a:srgbClr val="418AB3"/>
+      </a:accent1>
+      <a:accent2>
+        <a:srgbClr val="A6B727"/>
+      </a:accent2>
+      <a:accent3>
+        <a:srgbClr val="F69200"/>
+      </a:accent3>
+      <a:accent4>
+        <a:srgbClr val="838383"/>
+      </a:accent4>
+      <a:accent5>
+        <a:srgbClr val="FEC306"/>
+      </a:accent5>
+      <a:accent6>
+        <a:srgbClr val="DF5327"/>
+      </a:accent6>
+      <a:hlink>
+        <a:srgbClr val="F59E00"/>
+      </a:hlink>
+      <a:folHlink>
+        <a:srgbClr val="B2B2B2"/>
+      </a:folHlink>
+    </a:clrScheme>
+    <a:fontScheme name="Facet">
+      <a:majorFont>
+        <a:latin typeface="Trebuchet MS" panose="020B0603020202020204"/>
+        <a:ea typeface=""/>
+        <a:cs typeface=""/>
+        <a:font script="Jpan" typeface="メイリオ"/>
+        <a:font script="Hang" typeface="맑은 고딕"/>
+        <a:font script="Hans" typeface="方正姚体"/>
+        <a:font script="Hant" typeface="微軟正黑體"/>
+        <a:font script="Arab" typeface="Tahoma"/>
+        <a:font script="Hebr" typeface="Arial"/>
+        <a:font script="Thai" typeface="Cordia New"/>
+        <a:font script="Ethi" typeface="Nyala"/>
+        <a:font script="Beng" typeface="Vrinda"/>
+        <a:font script="Gujr" typeface="Shruti"/>
+        <a:font script="Khmr" typeface="DaunPenh"/>
+        <a:font script="Knda" typeface="Tunga"/>
+        <a:font script="Guru" typeface="Raavi"/>
+        <a:font script="Cans" typeface="Euphemia"/>
+        <a:font script="Cher" typeface="Plantagenet Cherokee"/>
+        <a:font script="Yiii" typeface="Microsoft Yi Baiti"/>
+        <a:font script="Tibt" typeface="Microsoft Himalaya"/>
+        <a:font script="Thaa" typeface="MV Boli"/>
+        <a:font script="Deva" typeface="Mangal"/>
+        <a:font script="Telu" typeface="Gautami"/>
+        <a:font script="Taml" typeface="Latha"/>
+        <a:font script="Syrc" typeface="Estrangelo Edessa"/>
+        <a:font script="Orya" typeface="Kalinga"/>
+        <a:font script="Mlym" typeface="Kartika"/>
+        <a:font script="Laoo" typeface="DokChampa"/>
+        <a:font script="Sinh" typeface="Iskoola Pota"/>
+        <a:font script="Mong" typeface="Mongolian Baiti"/>
+        <a:font script="Viet" typeface="Tahoma"/>
+        <a:font script="Uigh" typeface="Microsoft Uighur"/>
+        <a:font script="Geor" typeface="Sylfaen"/>
+      </a:majorFont>
+      <a:minorFont>
+        <a:latin typeface="Trebuchet MS" panose="020B0603020202020204"/>
+        <a:ea typeface=""/>
+        <a:cs typeface=""/>
+        <a:font script="Jpan" typeface="メイリオ"/>
+        <a:font script="Hang" typeface="HY그래픽M"/>
+        <a:font script="Hans" typeface="华文新魏"/>
+        <a:font script="Hant" typeface="微軟正黑體"/>
+        <a:font script="Arab" typeface="Tahoma"/>
+        <a:font script="Hebr" typeface="Gisha"/>
+        <a:font script="Thai" typeface="IrisUPC"/>
+        <a:font script="Ethi" typeface="Nyala"/>
+        <a:font script="Beng" typeface="Vrinda"/>
+        <a:font script="Gujr" typeface="Shruti"/>
+        <a:font script="Khmr" typeface="DaunPenh"/>
+        <a:font script="Knda" typeface="Tunga"/>
+        <a:font script="Guru" typeface="Raavi"/>
+        <a:font script="Cans" typeface="Euphemia"/>
+        <a:font script="Cher" typeface="Plantagenet Cherokee"/>
+        <a:font script="Yiii" typeface="Microsoft Yi Baiti"/>
+        <a:font script="Tibt" typeface="Microsoft Himalaya"/>
+        <a:font script="Thaa" typeface="MV Boli"/>
+        <a:font script="Deva" typeface="Mangal"/>
+        <a:font script="Telu" typeface="Gautami"/>
+        <a:font script="Taml" typeface="Latha"/>
+        <a:font script="Syrc" typeface="Estrangelo Edessa"/>
+        <a:font script="Orya" typeface="Kalinga"/>
+        <a:font script="Mlym" typeface="Kartika"/>
+        <a:font script="Laoo" typeface="DokChampa"/>
+        <a:font script="Sinh" typeface="Iskoola Pota"/>
+        <a:font script="Mong" typeface="Mongolian Baiti"/>
+        <a:font script="Viet" typeface="Arial"/>
+        <a:font script="Uigh" typeface="Microsoft Uighur"/>
+        <a:font script="Geor" typeface="Sylfaen"/>
+      </a:minorFont>
+    </a:fontScheme>
+    <a:fmtScheme name="Facet">
+      <a:fillStyleLst>
+        <a:solidFill>
+          <a:schemeClr val="phClr"/>
+        </a:solidFill>
+        <a:gradFill rotWithShape="1">
+          <a:gsLst>
+            <a:gs pos="0">
+              <a:schemeClr val="phClr">
+                <a:tint val="65000"/>
+                <a:lumMod val="110000"/>
+              </a:schemeClr>
+            </a:gs>
+            <a:gs pos="88000">
+              <a:schemeClr val="phClr">
+                <a:tint val="90000"/>
+              </a:schemeClr>
+            </a:gs>
+          </a:gsLst>
+          <a:lin ang="5400000" scaled="0"/>
+        </a:gradFill>
+        <a:gradFill rotWithShape="1">
+          <a:gsLst>
+            <a:gs pos="0">
+              <a:schemeClr val="phClr">
+                <a:tint val="96000"/>
+                <a:lumMod val="100000"/>
+              </a:schemeClr>
+            </a:gs>
+            <a:gs pos="78000">
+              <a:schemeClr val="phClr">
+                <a:shade val="94000"/>
+                <a:lumMod val="94000"/>
+              </a:schemeClr>
+            </a:gs>
+          </a:gsLst>
+          <a:lin ang="5400000" scaled="0"/>
+        </a:gradFill>
+      </a:fillStyleLst>
+      <a:lnStyleLst>
+        <a:ln w="12700" cap="rnd" cmpd="sng" algn="ctr">
+          <a:solidFill>
+            <a:schemeClr val="phClr"/>
+          </a:solidFill>
+          <a:prstDash val="solid"/>
+        </a:ln>
+        <a:ln w="19050" cap="rnd" cmpd="sng" algn="ctr">
+          <a:solidFill>
+            <a:schemeClr val="phClr"/>
+          </a:solidFill>
+          <a:prstDash val="solid"/>
+        </a:ln>
+        <a:ln w="25400" cap="rnd" cmpd="sng" algn="ctr">
+          <a:solidFill>
+            <a:schemeClr val="phClr"/>
+          </a:solidFill>
+          <a:prstDash val="solid"/>
+        </a:ln>
+      </a:lnStyleLst>
+      <a:effectStyleLst>
+        <a:effectStyle>
+          <a:effectLst/>
+        </a:effectStyle>
+        <a:effectStyle>
+          <a:effectLst>
+            <a:outerShdw blurRad="38100" dist="25400" dir="5400000" rotWithShape="0">
+              <a:srgbClr val="000000">
+                <a:alpha val="35000"/>
+              </a:srgbClr>
+            </a:outerShdw>
+          </a:effectLst>
+        </a:effectStyle>
+        <a:effectStyle>
+          <a:effectLst>
+            <a:outerShdw blurRad="50800" dist="38100" dir="5400000" rotWithShape="0">
+              <a:srgbClr val="000000">
+                <a:alpha val="35000"/>
+              </a:srgbClr>
+            </a:outerShdw>
+          </a:effectLst>
+          <a:scene3d>
+            <a:camera prst="orthographicFront">
+              <a:rot lat="0" lon="0" rev="0"/>
+            </a:camera>
+            <a:lightRig rig="threePt" dir="tl"/>
+          </a:scene3d>
+          <a:sp3d prstMaterial="plastic">
+            <a:bevelT w="0" h="0"/>
+          </a:sp3d>
+        </a:effectStyle>
+      </a:effectStyleLst>
+      <a:bgFillStyleLst>
+        <a:solidFill>
+          <a:schemeClr val="phClr"/>
+        </a:solidFill>
+        <a:gradFill rotWithShape="1">
+          <a:gsLst>
+            <a:gs pos="0">
+              <a:schemeClr val="phClr">
+                <a:tint val="90000"/>
+                <a:lumMod val="104000"/>
+              </a:schemeClr>
+            </a:gs>
+            <a:gs pos="94000">
+              <a:schemeClr val="phClr">
+                <a:shade val="96000"/>
+                <a:lumMod val="82000"/>
+              </a:schemeClr>
+            </a:gs>
+          </a:gsLst>
+          <a:lin ang="5400000" scaled="0"/>
+        </a:gradFill>
+        <a:gradFill rotWithShape="1">
+          <a:gsLst>
+            <a:gs pos="0">
+              <a:schemeClr val="phClr">
+                <a:tint val="90000"/>
+                <a:lumMod val="110000"/>
+              </a:schemeClr>
+            </a:gs>
+            <a:gs pos="100000">
+              <a:schemeClr val="phClr">
+                <a:shade val="94000"/>
+                <a:lumMod val="96000"/>
+              </a:schemeClr>
+            </a:gs>
+          </a:gsLst>
+          <a:path path="circle">
+            <a:fillToRect l="50000" t="50000" r="100000" b="100000"/>
+          </a:path>
+        </a:gradFill>
+      </a:bgFillStyleLst>
+    </a:fmtScheme>
+  </a:themeElements>
+  <a:objectDefaults/>
+  <a:extraClrSchemeLst/>
+  <a:extLst>
+    <a:ext uri="{05A4C25C-085E-4340-85A3-A5531E510DB2}">
+      <thm15:themeFamily xmlns:thm15="http://schemas.microsoft.com/office/thememl/2012/main" name="Facet" id="{C0C680CD-088A-49FC-A102-D699147F32B2}" vid="{CFBC31BA-B70F-4F30-BCAA-4F3011E16C4D}"/>
+    </a:ext>
+  </a:extLst>
+</a:theme>
+</file>
+
+<file path=ppt/theme/theme2.xml><?xml version="1.0" encoding="utf-8"?>
+<a:theme xmlns:a="http://schemas.openxmlformats.org/drawingml/2006/main" name="Office Theme">
+  <a:themeElements>
+    <a:clrScheme name="Office">
       <a:dk1>
         <a:sysClr val="windowText" lastClr="000000"/>
       </a:dk1>
@@ -9752,44 +9864,44 @@
         <a:sysClr val="window" lastClr="FFFFFF"/>
       </a:lt1>
       <a:dk2>
-        <a:srgbClr val="1E5155"/>
+        <a:srgbClr val="44546A"/>
       </a:dk2>
       <a:lt2>
-        <a:srgbClr val="EBEBEB"/>
+        <a:srgbClr val="E7E6E6"/>
       </a:lt2>
       <a:accent1>
-        <a:srgbClr val="B01513"/>
+        <a:srgbClr val="4472C4"/>
       </a:accent1>
       <a:accent2>
-        <a:srgbClr val="EA6312"/>
+        <a:srgbClr val="ED7D31"/>
       </a:accent2>
       <a:accent3>
-        <a:srgbClr val="E6B729"/>
+        <a:srgbClr val="A5A5A5"/>
       </a:accent3>
       <a:accent4>
-        <a:srgbClr val="6AAC90"/>
+        <a:srgbClr val="FFC000"/>
       </a:accent4>
       <a:accent5>
-        <a:srgbClr val="54849A"/>
+        <a:srgbClr val="5B9BD5"/>
       </a:accent5>
       <a:accent6>
-        <a:srgbClr val="9E5E9B"/>
+        <a:srgbClr val="70AD47"/>
       </a:accent6>
       <a:hlink>
-        <a:srgbClr val="58C1BA"/>
+        <a:srgbClr val="0563C1"/>
       </a:hlink>
       <a:folHlink>
-        <a:srgbClr val="9DFFCB"/>
+        <a:srgbClr val="954F72"/>
       </a:folHlink>
     </a:clrScheme>
-    <a:fontScheme name="Ion">
+    <a:fontScheme name="Office">
       <a:majorFont>
-        <a:latin typeface="Century Gothic" panose="020B0502020202020204"/>
+        <a:latin typeface="Calibri Light" panose="020F0302020204030204"/>
         <a:ea typeface=""/>
         <a:cs typeface=""/>
-        <a:font script="Jpan" typeface="メイリオ"/>
+        <a:font script="Jpan" typeface="游ゴシック Light"/>
         <a:font script="Hang" typeface="맑은 고딕"/>
-        <a:font script="Hans" typeface="宋体"/>
+        <a:font script="Hans" typeface="等线 Light"/>
         <a:font script="Hant" typeface="新細明體"/>
         <a:font script="Arab" typeface="Times New Roman"/>
         <a:font script="Hebr" typeface="Times New Roman"/>
@@ -9817,14 +9929,31 @@
         <a:font script="Viet" typeface="Times New Roman"/>
         <a:font script="Uigh" typeface="Microsoft Uighur"/>
         <a:font script="Geor" typeface="Sylfaen"/>
+        <a:font script="Armn" typeface="Arial"/>
+        <a:font script="Bugi" typeface="Leelawadee UI"/>
+        <a:font script="Bopo" typeface="Microsoft JhengHei"/>
+        <a:font script="Java" typeface="Javanese Text"/>
+        <a:font script="Lisu" typeface="Segoe UI"/>
+        <a:font script="Mymr" typeface="Myanmar Text"/>
+        <a:font script="Nkoo" typeface="Ebrima"/>
+        <a:font script="Olck" typeface="Nirmala UI"/>
+        <a:font script="Osma" typeface="Ebrima"/>
+        <a:font script="Phag" typeface="Phagspa"/>
+        <a:font script="Syrn" typeface="Estrangelo Edessa"/>
+        <a:font script="Syrj" typeface="Estrangelo Edessa"/>
+        <a:font script="Syre" typeface="Estrangelo Edessa"/>
+        <a:font script="Sora" typeface="Nirmala UI"/>
+        <a:font script="Tale" typeface="Microsoft Tai Le"/>
+        <a:font script="Talu" typeface="Microsoft New Tai Lue"/>
+        <a:font script="Tfng" typeface="Ebrima"/>
       </a:majorFont>
       <a:minorFont>
-        <a:latin typeface="Century Gothic" panose="020B0502020202020204"/>
+        <a:latin typeface="Calibri" panose="020F0502020204030204"/>
         <a:ea typeface=""/>
         <a:cs typeface=""/>
-        <a:font script="Jpan" typeface="メイリオ"/>
+        <a:font script="Jpan" typeface="游ゴシック"/>
         <a:font script="Hang" typeface="맑은 고딕"/>
-        <a:font script="Hans" typeface="宋体"/>
+        <a:font script="Hans" typeface="等线"/>
         <a:font script="Hant" typeface="新細明體"/>
         <a:font script="Arab" typeface="Arial"/>
         <a:font script="Hebr" typeface="Arial"/>
@@ -9852,9 +9981,26 @@
         <a:font script="Viet" typeface="Arial"/>
         <a:font script="Uigh" typeface="Microsoft Uighur"/>
         <a:font script="Geor" typeface="Sylfaen"/>
+        <a:font script="Armn" typeface="Arial"/>
+        <a:font script="Bugi" typeface="Leelawadee UI"/>
+        <a:font script="Bopo" typeface="Microsoft JhengHei"/>
+        <a:font script="Java" typeface="Javanese Text"/>
+        <a:font script="Lisu" typeface="Segoe UI"/>
+        <a:font script="Mymr" typeface="Myanmar Text"/>
+        <a:font script="Nkoo" typeface="Ebrima"/>
+        <a:font script="Olck" typeface="Nirmala UI"/>
+        <a:font script="Osma" typeface="Ebrima"/>
+        <a:font script="Phag" typeface="Phagspa"/>
+        <a:font script="Syrn" typeface="Estrangelo Edessa"/>
+        <a:font script="Syrj" typeface="Estrangelo Edessa"/>
+        <a:font script="Syre" typeface="Estrangelo Edessa"/>
+        <a:font script="Sora" typeface="Nirmala UI"/>
+        <a:font script="Tale" typeface="Microsoft Tai Le"/>
+        <a:font script="Talu" typeface="Microsoft New Tai Lue"/>
+        <a:font script="Tfng" typeface="Ebrima"/>
       </a:minorFont>
     </a:fontScheme>
-    <a:fmtScheme name="Ion">
+    <a:fmtScheme name="Office">
       <a:fillStyleLst>
         <a:solidFill>
           <a:schemeClr val="phClr"/>
@@ -9863,15 +10009,23 @@
           <a:gsLst>
             <a:gs pos="0">
               <a:schemeClr val="phClr">
-                <a:tint val="64000"/>
-                <a:lumMod val="118000"/>
+                <a:lumMod val="110000"/>
+                <a:satMod val="105000"/>
+                <a:tint val="67000"/>
+              </a:schemeClr>
+            </a:gs>
+            <a:gs pos="50000">
+              <a:schemeClr val="phClr">
+                <a:lumMod val="105000"/>
+                <a:satMod val="103000"/>
+                <a:tint val="73000"/>
               </a:schemeClr>
             </a:gs>
             <a:gs pos="100000">
               <a:schemeClr val="phClr">
-                <a:tint val="92000"/>
-                <a:alpha val="100000"/>
-                <a:lumMod val="110000"/>
+                <a:lumMod val="105000"/>
+                <a:satMod val="109000"/>
+                <a:tint val="81000"/>
               </a:schemeClr>
             </a:gs>
           </a:gsLst>
@@ -9881,14 +10035,23 @@
           <a:gsLst>
             <a:gs pos="0">
               <a:schemeClr val="phClr">
-                <a:tint val="98000"/>
-                <a:lumMod val="114000"/>
+                <a:satMod val="103000"/>
+                <a:lumMod val="102000"/>
+                <a:tint val="94000"/>
+              </a:schemeClr>
+            </a:gs>
+            <a:gs pos="50000">
+              <a:schemeClr val="phClr">
+                <a:satMod val="110000"/>
+                <a:lumMod val="100000"/>
+                <a:shade val="100000"/>
               </a:schemeClr>
             </a:gs>
             <a:gs pos="100000">
               <a:schemeClr val="phClr">
-                <a:shade val="90000"/>
-                <a:lumMod val="84000"/>
+                <a:lumMod val="99000"/>
+                <a:satMod val="120000"/>
+                <a:shade val="78000"/>
               </a:schemeClr>
             </a:gs>
           </a:gsLst>
@@ -9896,23 +10059,26 @@
         </a:gradFill>
       </a:fillStyleLst>
       <a:lnStyleLst>
-        <a:ln w="9525" cap="rnd" cmpd="sng" algn="ctr">
+        <a:ln w="6350" cap="flat" cmpd="sng" algn="ctr">
           <a:solidFill>
             <a:schemeClr val="phClr"/>
           </a:solidFill>
           <a:prstDash val="solid"/>
+          <a:miter lim="800000"/>
         </a:ln>
-        <a:ln w="19050" cap="rnd" cmpd="sng" algn="ctr">
+        <a:ln w="12700" cap="flat" cmpd="sng" algn="ctr">
           <a:solidFill>
             <a:schemeClr val="phClr"/>
           </a:solidFill>
           <a:prstDash val="solid"/>
+          <a:miter lim="800000"/>
         </a:ln>
-        <a:ln w="28575" cap="rnd" cmpd="sng" algn="ctr">
+        <a:ln w="19050" cap="flat" cmpd="sng" algn="ctr">
           <a:solidFill>
             <a:schemeClr val="phClr"/>
           </a:solidFill>
           <a:prstDash val="solid"/>
+          <a:miter lim="800000"/>
         </a:ln>
       </a:lnStyleLst>
       <a:effectStyleLst>
@@ -9920,80 +10086,55 @@
           <a:effectLst/>
         </a:effectStyle>
         <a:effectStyle>
+          <a:effectLst/>
+        </a:effectStyle>
+        <a:effectStyle>
           <a:effectLst>
-            <a:outerShdw blurRad="38100" dist="25400" dir="5400000" rotWithShape="0">
+            <a:outerShdw blurRad="57150" dist="19050" dir="5400000" algn="ctr" rotWithShape="0">
               <a:srgbClr val="000000">
-                <a:alpha val="45000"/>
+                <a:alpha val="63000"/>
               </a:srgbClr>
             </a:outerShdw>
           </a:effectLst>
-        </a:effectStyle>
-        <a:effectStyle>
-          <a:effectLst>
-            <a:outerShdw blurRad="63500" dist="38100" dir="5400000" rotWithShape="0">
-              <a:srgbClr val="000000">
-                <a:alpha val="60000"/>
-              </a:srgbClr>
-            </a:outerShdw>
-          </a:effectLst>
-          <a:scene3d>
-            <a:camera prst="orthographicFront">
-              <a:rot lat="0" lon="0" rev="0"/>
-            </a:camera>
-            <a:lightRig rig="threePt" dir="tl"/>
-          </a:scene3d>
-          <a:sp3d prstMaterial="plastic">
-            <a:bevelT w="0" h="0"/>
-          </a:sp3d>
         </a:effectStyle>
       </a:effectStyleLst>
       <a:bgFillStyleLst>
         <a:solidFill>
           <a:schemeClr val="phClr"/>
         </a:solidFill>
+        <a:solidFill>
+          <a:schemeClr val="phClr">
+            <a:tint val="95000"/>
+            <a:satMod val="170000"/>
+          </a:schemeClr>
+        </a:solidFill>
         <a:gradFill rotWithShape="1">
           <a:gsLst>
             <a:gs pos="0">
               <a:schemeClr val="phClr">
-                <a:tint val="97000"/>
-                <a:hueMod val="88000"/>
+                <a:tint val="93000"/>
+                <a:satMod val="150000"/>
+                <a:shade val="98000"/>
+                <a:lumMod val="102000"/>
+              </a:schemeClr>
+            </a:gs>
+            <a:gs pos="50000">
+              <a:schemeClr val="phClr">
+                <a:tint val="98000"/>
                 <a:satMod val="130000"/>
-                <a:lumMod val="124000"/>
+                <a:shade val="90000"/>
+                <a:lumMod val="103000"/>
               </a:schemeClr>
             </a:gs>
             <a:gs pos="100000">
               <a:schemeClr val="phClr">
-                <a:tint val="96000"/>
-                <a:shade val="88000"/>
-                <a:hueMod val="108000"/>
-                <a:satMod val="164000"/>
-                <a:lumMod val="76000"/>
+                <a:shade val="63000"/>
+                <a:satMod val="120000"/>
               </a:schemeClr>
             </a:gs>
           </a:gsLst>
-          <a:path path="circle">
-            <a:fillToRect l="45000" t="65000" r="125000" b="100000"/>
-          </a:path>
+          <a:lin ang="5400000" scaled="0"/>
         </a:gradFill>
-        <a:blipFill rotWithShape="1">
-          <a:blip xmlns:r="http://schemas.openxmlformats.org/officeDocument/2006/relationships" r:embed="rId1">
-            <a:duotone>
-              <a:schemeClr val="phClr">
-                <a:shade val="69000"/>
-                <a:hueMod val="108000"/>
-                <a:satMod val="164000"/>
-                <a:lumMod val="74000"/>
-              </a:schemeClr>
-              <a:schemeClr val="phClr">
-                <a:tint val="96000"/>
-                <a:hueMod val="88000"/>
-                <a:satMod val="140000"/>
-                <a:lumMod val="132000"/>
-              </a:schemeClr>
-            </a:duotone>
-          </a:blip>
-          <a:stretch/>
-        </a:blipFill>
       </a:bgFillStyleLst>
     </a:fmtScheme>
   </a:themeElements>
@@ -10001,7 +10142,7 @@
   <a:extraClrSchemeLst/>
   <a:extLst>
     <a:ext uri="{05A4C25C-085E-4340-85A3-A5531E510DB2}">
-      <thm15:themeFamily xmlns:thm15="http://schemas.microsoft.com/office/thememl/2012/main" name="Ion" id="{B8441ADB-2E43-4AF7-B97A-BD870242C6A8}" vid="{292E63A9-BB86-4E3D-B92A-7223C6510D2E}"/>
+      <thm15:themeFamily xmlns:thm15="http://schemas.microsoft.com/office/thememl/2012/main" name="Office Theme" id="{62F939B6-93AF-4DB8-9C6B-D6C7DFDC589F}" vid="{4A3C46E8-61CC-4603-A589-7422A47A8E4A}"/>
     </a:ext>
   </a:extLst>
 </a:theme>

--- a/Healthify-NWMSU.pptx
+++ b/Healthify-NWMSU.pptx
@@ -10,14 +10,14 @@
   <p:sldIdLst>
     <p:sldId id="256" r:id="rId2"/>
     <p:sldId id="257" r:id="rId3"/>
-    <p:sldId id="268" r:id="rId4"/>
-    <p:sldId id="272" r:id="rId5"/>
-    <p:sldId id="273" r:id="rId6"/>
-    <p:sldId id="274" r:id="rId7"/>
-    <p:sldId id="265" r:id="rId8"/>
-    <p:sldId id="258" r:id="rId9"/>
-    <p:sldId id="260" r:id="rId10"/>
-    <p:sldId id="263" r:id="rId11"/>
+    <p:sldId id="265" r:id="rId4"/>
+    <p:sldId id="268" r:id="rId5"/>
+    <p:sldId id="258" r:id="rId6"/>
+    <p:sldId id="260" r:id="rId7"/>
+    <p:sldId id="272" r:id="rId8"/>
+    <p:sldId id="263" r:id="rId9"/>
+    <p:sldId id="273" r:id="rId10"/>
+    <p:sldId id="274" r:id="rId11"/>
     <p:sldId id="275" r:id="rId12"/>
     <p:sldId id="276" r:id="rId13"/>
     <p:sldId id="264" r:id="rId14"/>
@@ -6292,22 +6292,29 @@
         </p:nvSpPr>
         <p:spPr>
           <a:xfrm>
-            <a:off x="1154955" y="1447800"/>
-            <a:ext cx="6974915" cy="3329581"/>
+            <a:off x="1699486" y="2703610"/>
+            <a:ext cx="6974915" cy="861420"/>
           </a:xfrm>
         </p:spPr>
         <p:txBody>
           <a:bodyPr>
-            <a:normAutofit/>
+            <a:normAutofit fontScale="90000"/>
           </a:bodyPr>
           <a:lstStyle/>
           <a:p>
+            <a:r>
+              <a:rPr lang="en-US" dirty="0" err="1">
+                <a:latin typeface="Times New Roman" panose="02020603050405020304" pitchFamily="18" charset="0"/>
+                <a:cs typeface="Times New Roman" panose="02020603050405020304" pitchFamily="18" charset="0"/>
+              </a:rPr>
+              <a:t>Healthify</a:t>
+            </a:r>
             <a:r>
               <a:rPr lang="en-US" dirty="0">
                 <a:latin typeface="Times New Roman" panose="02020603050405020304" pitchFamily="18" charset="0"/>
                 <a:cs typeface="Times New Roman" panose="02020603050405020304" pitchFamily="18" charset="0"/>
               </a:rPr>
-              <a:t>Healthify-NWMSU</a:t>
+              <a:t>-NWMSU</a:t>
             </a:r>
           </a:p>
         </p:txBody>
@@ -6443,7 +6450,7 @@
           <p:cNvPr id="2" name="Title 1">
             <a:extLst>
               <a:ext uri="{FF2B5EF4-FFF2-40B4-BE49-F238E27FC236}">
-                <a16:creationId xmlns:a16="http://schemas.microsoft.com/office/drawing/2014/main" id="{EDF33ABE-0CCC-4CB2-8A07-107E3F35A1F5}"/>
+                <a16:creationId xmlns:a16="http://schemas.microsoft.com/office/drawing/2014/main" id="{019B3870-AD76-44DC-A5A0-5B8C0D926FEF}"/>
               </a:ext>
             </a:extLst>
           </p:cNvPr>
@@ -6474,17 +6481,17 @@
                 <a:latin typeface="Times New Roman" panose="02020603050405020304" pitchFamily="18" charset="0"/>
                 <a:cs typeface="Times New Roman" panose="02020603050405020304" pitchFamily="18" charset="0"/>
               </a:rPr>
-              <a:t>ER Diagram</a:t>
+              <a:t>Cost Management </a:t>
             </a:r>
           </a:p>
         </p:txBody>
       </p:sp>
       <p:pic>
         <p:nvPicPr>
-          <p:cNvPr id="5" name="Content Placeholder 4" descr="A close up of text on a white surface&#10;&#10;Description automatically generated">
+          <p:cNvPr id="5" name="Content Placeholder 4" descr="A screenshot of a computer&#10;&#10;Description automatically generated">
             <a:extLst>
               <a:ext uri="{FF2B5EF4-FFF2-40B4-BE49-F238E27FC236}">
-                <a16:creationId xmlns:a16="http://schemas.microsoft.com/office/drawing/2014/main" id="{6EACB86E-0239-4971-8B76-392FF2502486}"/>
+                <a16:creationId xmlns:a16="http://schemas.microsoft.com/office/drawing/2014/main" id="{B434056D-5920-4F14-B7DD-B27BD2A28ADB}"/>
               </a:ext>
             </a:extLst>
           </p:cNvPr>
@@ -6509,8 +6516,8 @@
         </p:blipFill>
         <p:spPr>
           <a:xfrm>
-            <a:off x="1469204" y="1216889"/>
-            <a:ext cx="8825502" cy="4927057"/>
+            <a:off x="1089062" y="1253448"/>
+            <a:ext cx="9647432" cy="4900772"/>
           </a:xfrm>
         </p:spPr>
       </p:pic>
@@ -6519,7 +6526,7 @@
           <p:cNvPr id="6" name="Footer Placeholder 5">
             <a:extLst>
               <a:ext uri="{FF2B5EF4-FFF2-40B4-BE49-F238E27FC236}">
-                <a16:creationId xmlns:a16="http://schemas.microsoft.com/office/drawing/2014/main" id="{BAE23FFC-2FF3-48E5-B3EA-BD5D2D982092}"/>
+                <a16:creationId xmlns:a16="http://schemas.microsoft.com/office/drawing/2014/main" id="{516688C4-0ADD-40B0-B93A-5E20A555C43D}"/>
               </a:ext>
             </a:extLst>
           </p:cNvPr>
@@ -6547,7 +6554,7 @@
           <p:cNvPr id="7" name="Slide Number Placeholder 6">
             <a:extLst>
               <a:ext uri="{FF2B5EF4-FFF2-40B4-BE49-F238E27FC236}">
-                <a16:creationId xmlns:a16="http://schemas.microsoft.com/office/drawing/2014/main" id="{78F6E9AC-376C-45ED-90C7-5AED69B56DBF}"/>
+                <a16:creationId xmlns:a16="http://schemas.microsoft.com/office/drawing/2014/main" id="{26449E8A-D908-40AB-96FA-365AF937BD48}"/>
               </a:ext>
             </a:extLst>
           </p:cNvPr>
@@ -6574,7 +6581,7 @@
     </p:spTree>
     <p:extLst>
       <p:ext uri="{BB962C8B-B14F-4D97-AF65-F5344CB8AC3E}">
-        <p14:creationId xmlns:p14="http://schemas.microsoft.com/office/powerpoint/2010/main" val="2907710349"/>
+        <p14:creationId xmlns:p14="http://schemas.microsoft.com/office/powerpoint/2010/main" val="1271753515"/>
       </p:ext>
     </p:extLst>
   </p:cSld>
@@ -7809,6 +7816,265 @@
           <p:cNvPr id="2" name="Title 1">
             <a:extLst>
               <a:ext uri="{FF2B5EF4-FFF2-40B4-BE49-F238E27FC236}">
+                <a16:creationId xmlns:a16="http://schemas.microsoft.com/office/drawing/2014/main" id="{C8C00379-46E4-446E-88A8-5933040D965B}"/>
+              </a:ext>
+            </a:extLst>
+          </p:cNvPr>
+          <p:cNvSpPr>
+            <a:spLocks noGrp="1"/>
+          </p:cNvSpPr>
+          <p:nvPr>
+            <p:ph type="title"/>
+          </p:nvPr>
+        </p:nvSpPr>
+        <p:spPr>
+          <a:xfrm>
+            <a:off x="646111" y="452718"/>
+            <a:ext cx="9404723" cy="893197"/>
+          </a:xfrm>
+        </p:spPr>
+        <p:txBody>
+          <a:bodyPr/>
+          <a:lstStyle/>
+          <a:p>
+            <a:r>
+              <a:rPr lang="en-US" b="1" dirty="0">
+                <a:solidFill>
+                  <a:schemeClr val="accent3"/>
+                </a:solidFill>
+                <a:effectLst>
+                  <a:outerShdw blurRad="38100" dist="38100" dir="2700000" algn="tl">
+                    <a:srgbClr val="000000">
+                      <a:alpha val="43137"/>
+                    </a:srgbClr>
+                  </a:outerShdw>
+                </a:effectLst>
+                <a:latin typeface="Times New Roman" panose="02020603050405020304" pitchFamily="18" charset="0"/>
+                <a:cs typeface="Times New Roman" panose="02020603050405020304" pitchFamily="18" charset="0"/>
+              </a:rPr>
+              <a:t>Requirements</a:t>
+            </a:r>
+            <a:r>
+              <a:rPr lang="en-US" dirty="0">
+                <a:effectLst>
+                  <a:outerShdw blurRad="38100" dist="38100" dir="2700000" algn="tl">
+                    <a:srgbClr val="000000">
+                      <a:alpha val="43137"/>
+                    </a:srgbClr>
+                  </a:outerShdw>
+                </a:effectLst>
+                <a:latin typeface="Times New Roman" panose="02020603050405020304" pitchFamily="18" charset="0"/>
+                <a:cs typeface="Times New Roman" panose="02020603050405020304" pitchFamily="18" charset="0"/>
+              </a:rPr>
+              <a:t>	</a:t>
+            </a:r>
+          </a:p>
+        </p:txBody>
+      </p:sp>
+      <p:sp>
+        <p:nvSpPr>
+          <p:cNvPr id="3" name="Content Placeholder 2">
+            <a:extLst>
+              <a:ext uri="{FF2B5EF4-FFF2-40B4-BE49-F238E27FC236}">
+                <a16:creationId xmlns:a16="http://schemas.microsoft.com/office/drawing/2014/main" id="{A0AC3E9A-BB0B-4A18-AEAA-7929FA74C75D}"/>
+              </a:ext>
+            </a:extLst>
+          </p:cNvPr>
+          <p:cNvSpPr>
+            <a:spLocks noGrp="1"/>
+          </p:cNvSpPr>
+          <p:nvPr>
+            <p:ph idx="1"/>
+          </p:nvPr>
+        </p:nvSpPr>
+        <p:spPr>
+          <a:xfrm>
+            <a:off x="1103312" y="1489753"/>
+            <a:ext cx="8946541" cy="4758647"/>
+          </a:xfrm>
+        </p:spPr>
+        <p:txBody>
+          <a:bodyPr>
+            <a:normAutofit/>
+          </a:bodyPr>
+          <a:lstStyle/>
+          <a:p>
+            <a:pPr fontAlgn="base"/>
+            <a:r>
+              <a:rPr lang="en-US" dirty="0">
+                <a:latin typeface="Times New Roman" panose="02020603050405020304" pitchFamily="18" charset="0"/>
+                <a:cs typeface="Times New Roman" panose="02020603050405020304" pitchFamily="18" charset="0"/>
+              </a:rPr>
+              <a:t>The text narrative or user story</a:t>
+            </a:r>
+          </a:p>
+          <a:p>
+            <a:pPr fontAlgn="base"/>
+            <a:r>
+              <a:rPr lang="en-US" dirty="0">
+                <a:latin typeface="Times New Roman" panose="02020603050405020304" pitchFamily="18" charset="0"/>
+                <a:cs typeface="Times New Roman" panose="02020603050405020304" pitchFamily="18" charset="0"/>
+              </a:rPr>
+              <a:t>Project scope</a:t>
+            </a:r>
+          </a:p>
+          <a:p>
+            <a:pPr fontAlgn="base"/>
+            <a:r>
+              <a:rPr lang="en-US" dirty="0">
+                <a:latin typeface="Times New Roman" panose="02020603050405020304" pitchFamily="18" charset="0"/>
+                <a:cs typeface="Times New Roman" panose="02020603050405020304" pitchFamily="18" charset="0"/>
+              </a:rPr>
+              <a:t>Technical specifications</a:t>
+            </a:r>
+          </a:p>
+          <a:p>
+            <a:pPr fontAlgn="base"/>
+            <a:r>
+              <a:rPr lang="en-US" dirty="0">
+                <a:latin typeface="Times New Roman" panose="02020603050405020304" pitchFamily="18" charset="0"/>
+                <a:cs typeface="Times New Roman" panose="02020603050405020304" pitchFamily="18" charset="0"/>
+              </a:rPr>
+              <a:t>Sketches</a:t>
+            </a:r>
+          </a:p>
+          <a:p>
+            <a:pPr fontAlgn="base"/>
+            <a:r>
+              <a:rPr lang="en-US" dirty="0">
+                <a:latin typeface="Times New Roman" panose="02020603050405020304" pitchFamily="18" charset="0"/>
+                <a:cs typeface="Times New Roman" panose="02020603050405020304" pitchFamily="18" charset="0"/>
+              </a:rPr>
+              <a:t>Asset creation</a:t>
+            </a:r>
+          </a:p>
+          <a:p>
+            <a:pPr fontAlgn="base"/>
+            <a:r>
+              <a:rPr lang="en-US" dirty="0">
+                <a:latin typeface="Times New Roman" panose="02020603050405020304" pitchFamily="18" charset="0"/>
+                <a:cs typeface="Times New Roman" panose="02020603050405020304" pitchFamily="18" charset="0"/>
+              </a:rPr>
+              <a:t>Putting everything together in a workflow document(Jira).</a:t>
+            </a:r>
+          </a:p>
+          <a:p>
+            <a:pPr fontAlgn="base"/>
+            <a:r>
+              <a:rPr lang="en-US" dirty="0">
+                <a:latin typeface="Times New Roman" panose="02020603050405020304" pitchFamily="18" charset="0"/>
+                <a:cs typeface="Times New Roman" panose="02020603050405020304" pitchFamily="18" charset="0"/>
+              </a:rPr>
+              <a:t>FluidUI</a:t>
+            </a:r>
+          </a:p>
+          <a:p>
+            <a:pPr fontAlgn="base"/>
+            <a:r>
+              <a:rPr lang="en-US" dirty="0">
+                <a:latin typeface="Times New Roman" panose="02020603050405020304" pitchFamily="18" charset="0"/>
+                <a:cs typeface="Times New Roman" panose="02020603050405020304" pitchFamily="18" charset="0"/>
+              </a:rPr>
+              <a:t>GitHub</a:t>
+            </a:r>
+          </a:p>
+          <a:p>
+            <a:endParaRPr lang="en-US" dirty="0"/>
+          </a:p>
+        </p:txBody>
+      </p:sp>
+      <p:sp>
+        <p:nvSpPr>
+          <p:cNvPr id="6" name="Footer Placeholder 5">
+            <a:extLst>
+              <a:ext uri="{FF2B5EF4-FFF2-40B4-BE49-F238E27FC236}">
+                <a16:creationId xmlns:a16="http://schemas.microsoft.com/office/drawing/2014/main" id="{38D8D3A6-7408-4215-99DB-0B35830B92DB}"/>
+              </a:ext>
+            </a:extLst>
+          </p:cNvPr>
+          <p:cNvSpPr>
+            <a:spLocks noGrp="1"/>
+          </p:cNvSpPr>
+          <p:nvPr>
+            <p:ph type="ftr" sz="quarter" idx="11"/>
+          </p:nvPr>
+        </p:nvSpPr>
+        <p:spPr/>
+        <p:txBody>
+          <a:bodyPr/>
+          <a:lstStyle/>
+          <a:p>
+            <a:r>
+              <a:rPr lang="en-US"/>
+              <a:t>Healthify-NWMSU</a:t>
+            </a:r>
+          </a:p>
+        </p:txBody>
+      </p:sp>
+      <p:sp>
+        <p:nvSpPr>
+          <p:cNvPr id="7" name="Slide Number Placeholder 6">
+            <a:extLst>
+              <a:ext uri="{FF2B5EF4-FFF2-40B4-BE49-F238E27FC236}">
+                <a16:creationId xmlns:a16="http://schemas.microsoft.com/office/drawing/2014/main" id="{53D8A5C7-D4C7-4B73-BDB0-C67A0F06FB39}"/>
+              </a:ext>
+            </a:extLst>
+          </p:cNvPr>
+          <p:cNvSpPr>
+            <a:spLocks noGrp="1"/>
+          </p:cNvSpPr>
+          <p:nvPr>
+            <p:ph type="sldNum" sz="quarter" idx="12"/>
+          </p:nvPr>
+        </p:nvSpPr>
+        <p:spPr/>
+        <p:txBody>
+          <a:bodyPr/>
+          <a:lstStyle/>
+          <a:p>
+            <a:fld id="{FC6EDEEF-6E47-4D41-B312-2A124904AE2A}" type="slidenum">
+              <a:rPr lang="en-US" smtClean="0"/>
+              <a:t>3</a:t>
+            </a:fld>
+            <a:endParaRPr lang="en-US"/>
+          </a:p>
+        </p:txBody>
+      </p:sp>
+    </p:spTree>
+    <p:extLst>
+      <p:ext uri="{BB962C8B-B14F-4D97-AF65-F5344CB8AC3E}">
+        <p14:creationId xmlns:p14="http://schemas.microsoft.com/office/powerpoint/2010/main" val="2403520679"/>
+      </p:ext>
+    </p:extLst>
+  </p:cSld>
+  <p:clrMapOvr>
+    <a:masterClrMapping/>
+  </p:clrMapOvr>
+</p:sld>
+</file>
+
+<file path=ppt/slides/slide4.xml><?xml version="1.0" encoding="utf-8"?>
+<p:sld xmlns:a="http://schemas.openxmlformats.org/drawingml/2006/main" xmlns:r="http://schemas.openxmlformats.org/officeDocument/2006/relationships" xmlns:p="http://schemas.openxmlformats.org/presentationml/2006/main">
+  <p:cSld>
+    <p:spTree>
+      <p:nvGrpSpPr>
+        <p:cNvPr id="1" name=""/>
+        <p:cNvGrpSpPr/>
+        <p:nvPr/>
+      </p:nvGrpSpPr>
+      <p:grpSpPr>
+        <a:xfrm>
+          <a:off x="0" y="0"/>
+          <a:ext cx="0" cy="0"/>
+          <a:chOff x="0" y="0"/>
+          <a:chExt cx="0" cy="0"/>
+        </a:xfrm>
+      </p:grpSpPr>
+      <p:sp>
+        <p:nvSpPr>
+          <p:cNvPr id="2" name="Title 1">
+            <a:extLst>
+              <a:ext uri="{FF2B5EF4-FFF2-40B4-BE49-F238E27FC236}">
                 <a16:creationId xmlns:a16="http://schemas.microsoft.com/office/drawing/2014/main" id="{53CAD9F5-5D35-43A4-86EF-12603C6DCE87}"/>
               </a:ext>
             </a:extLst>
@@ -7823,7 +8089,7 @@
         <p:spPr>
           <a:xfrm>
             <a:off x="646111" y="401347"/>
-            <a:ext cx="9404723" cy="728810"/>
+            <a:ext cx="9404723" cy="708262"/>
           </a:xfrm>
         </p:spPr>
         <p:txBody>
@@ -7967,8 +8233,8 @@
         </p:nvSpPr>
         <p:spPr>
           <a:xfrm>
-            <a:off x="842482" y="1458930"/>
-            <a:ext cx="9152618" cy="4818580"/>
+            <a:off x="842482" y="1017142"/>
+            <a:ext cx="9152618" cy="5260368"/>
           </a:xfrm>
         </p:spPr>
         <p:txBody>
@@ -7976,6 +8242,15 @@
             <a:normAutofit/>
           </a:bodyPr>
           <a:lstStyle/>
+          <a:p>
+            <a:r>
+              <a:rPr lang="en-US" dirty="0">
+                <a:latin typeface="Times New Roman" panose="02020603050405020304" pitchFamily="18" charset="0"/>
+                <a:cs typeface="Times New Roman" panose="02020603050405020304" pitchFamily="18" charset="0"/>
+              </a:rPr>
+              <a:t>“Our vision is to make healthy living easy, fun, and affordable for all”</a:t>
+            </a:r>
+          </a:p>
           <a:p>
             <a:r>
               <a:rPr lang="en-US" dirty="0">
@@ -8086,7 +8361,7 @@
           <a:p>
             <a:fld id="{FC6EDEEF-6E47-4D41-B312-2A124904AE2A}" type="slidenum">
               <a:rPr lang="en-US" smtClean="0"/>
-              <a:t>3</a:t>
+              <a:t>4</a:t>
             </a:fld>
             <a:endParaRPr lang="en-US"/>
           </a:p>
@@ -8105,993 +8380,7 @@
 </p:sld>
 </file>
 
-<file path=ppt/slides/slide4.xml><?xml version="1.0" encoding="utf-8"?>
-<p:sld xmlns:a="http://schemas.openxmlformats.org/drawingml/2006/main" xmlns:r="http://schemas.openxmlformats.org/officeDocument/2006/relationships" xmlns:p="http://schemas.openxmlformats.org/presentationml/2006/main">
-  <p:cSld>
-    <p:spTree>
-      <p:nvGrpSpPr>
-        <p:cNvPr id="1" name=""/>
-        <p:cNvGrpSpPr/>
-        <p:nvPr/>
-      </p:nvGrpSpPr>
-      <p:grpSpPr>
-        <a:xfrm>
-          <a:off x="0" y="0"/>
-          <a:ext cx="0" cy="0"/>
-          <a:chOff x="0" y="0"/>
-          <a:chExt cx="0" cy="0"/>
-        </a:xfrm>
-      </p:grpSpPr>
-      <p:sp>
-        <p:nvSpPr>
-          <p:cNvPr id="2" name="Title 1">
-            <a:extLst>
-              <a:ext uri="{FF2B5EF4-FFF2-40B4-BE49-F238E27FC236}">
-                <a16:creationId xmlns:a16="http://schemas.microsoft.com/office/drawing/2014/main" id="{573E737E-8EF4-48B3-9937-7787C41E3A2D}"/>
-              </a:ext>
-            </a:extLst>
-          </p:cNvPr>
-          <p:cNvSpPr>
-            <a:spLocks noGrp="1"/>
-          </p:cNvSpPr>
-          <p:nvPr>
-            <p:ph type="title"/>
-          </p:nvPr>
-        </p:nvSpPr>
-        <p:spPr>
-          <a:xfrm>
-            <a:off x="677334" y="599326"/>
-            <a:ext cx="8596668" cy="1320800"/>
-          </a:xfrm>
-        </p:spPr>
-        <p:txBody>
-          <a:bodyPr>
-            <a:normAutofit/>
-          </a:bodyPr>
-          <a:lstStyle/>
-          <a:p>
-            <a:r>
-              <a:rPr lang="en-US" b="1" dirty="0">
-                <a:solidFill>
-                  <a:schemeClr val="accent3"/>
-                </a:solidFill>
-                <a:effectLst>
-                  <a:outerShdw blurRad="38100" dist="38100" dir="2700000" algn="tl">
-                    <a:srgbClr val="000000">
-                      <a:alpha val="43137"/>
-                    </a:srgbClr>
-                  </a:outerShdw>
-                </a:effectLst>
-                <a:latin typeface="Times New Roman" panose="02020603050405020304" pitchFamily="18" charset="0"/>
-                <a:cs typeface="Times New Roman" panose="02020603050405020304" pitchFamily="18" charset="0"/>
-              </a:rPr>
-              <a:t>Acceptance Criteria</a:t>
-            </a:r>
-            <a:br>
-              <a:rPr lang="en-US" b="1" dirty="0">
-                <a:solidFill>
-                  <a:srgbClr val="24292E"/>
-                </a:solidFill>
-                <a:latin typeface="-apple-system"/>
-              </a:rPr>
-            </a:br>
-            <a:endParaRPr lang="en-US" dirty="0"/>
-          </a:p>
-        </p:txBody>
-      </p:sp>
-      <p:sp>
-        <p:nvSpPr>
-          <p:cNvPr id="3" name="Content Placeholder 2">
-            <a:extLst>
-              <a:ext uri="{FF2B5EF4-FFF2-40B4-BE49-F238E27FC236}">
-                <a16:creationId xmlns:a16="http://schemas.microsoft.com/office/drawing/2014/main" id="{9C7E8854-7F3E-4442-BC30-0FA2B15FA669}"/>
-              </a:ext>
-            </a:extLst>
-          </p:cNvPr>
-          <p:cNvSpPr>
-            <a:spLocks noGrp="1"/>
-          </p:cNvSpPr>
-          <p:nvPr>
-            <p:ph idx="1"/>
-          </p:nvPr>
-        </p:nvSpPr>
-        <p:spPr>
-          <a:xfrm>
-            <a:off x="1103311" y="1150706"/>
-            <a:ext cx="10352373" cy="5496674"/>
-          </a:xfrm>
-        </p:spPr>
-        <p:txBody>
-          <a:bodyPr>
-            <a:normAutofit fontScale="25000" lnSpcReduction="20000"/>
-          </a:bodyPr>
-          <a:lstStyle/>
-          <a:p>
-            <a:pPr>
-              <a:buFont typeface="Arial" panose="020B0604020202020204" pitchFamily="34" charset="0"/>
-              <a:buChar char="•"/>
-            </a:pPr>
-            <a:r>
-              <a:rPr lang="en-US" sz="8000" dirty="0">
-                <a:solidFill>
-                  <a:schemeClr val="tx1">
-                    <a:lumMod val="95000"/>
-                  </a:schemeClr>
-                </a:solidFill>
-                <a:latin typeface="Times New Roman" panose="02020603050405020304" pitchFamily="18" charset="0"/>
-                <a:cs typeface="Times New Roman" panose="02020603050405020304" pitchFamily="18" charset="0"/>
-              </a:rPr>
-              <a:t>The Healthify-NWMSU app will work on all devices like in all android devices ,an </a:t>
-            </a:r>
-            <a:r>
-              <a:rPr lang="en-US" sz="8000" dirty="0" err="1">
-                <a:solidFill>
-                  <a:schemeClr val="tx1">
-                    <a:lumMod val="95000"/>
-                  </a:schemeClr>
-                </a:solidFill>
-                <a:latin typeface="Times New Roman" panose="02020603050405020304" pitchFamily="18" charset="0"/>
-                <a:cs typeface="Times New Roman" panose="02020603050405020304" pitchFamily="18" charset="0"/>
-              </a:rPr>
-              <a:t>iphone</a:t>
-            </a:r>
-            <a:r>
-              <a:rPr lang="en-US" sz="8000" dirty="0">
-                <a:solidFill>
-                  <a:schemeClr val="tx1">
-                    <a:lumMod val="95000"/>
-                  </a:schemeClr>
-                </a:solidFill>
-                <a:latin typeface="Times New Roman" panose="02020603050405020304" pitchFamily="18" charset="0"/>
-                <a:cs typeface="Times New Roman" panose="02020603050405020304" pitchFamily="18" charset="0"/>
-              </a:rPr>
-              <a:t> SE , an iPad and in all laptops.</a:t>
-            </a:r>
-          </a:p>
-          <a:p>
-            <a:pPr>
-              <a:buFont typeface="Arial" panose="020B0604020202020204" pitchFamily="34" charset="0"/>
-              <a:buChar char="•"/>
-            </a:pPr>
-            <a:r>
-              <a:rPr lang="en-US" sz="8000" dirty="0">
-                <a:solidFill>
-                  <a:schemeClr val="tx1">
-                    <a:lumMod val="95000"/>
-                  </a:schemeClr>
-                </a:solidFill>
-                <a:latin typeface="Times New Roman" panose="02020603050405020304" pitchFamily="18" charset="0"/>
-                <a:cs typeface="Times New Roman" panose="02020603050405020304" pitchFamily="18" charset="0"/>
-              </a:rPr>
-              <a:t>Admin can view and download all data entered by the user by just selecting the get data into a file button.</a:t>
-            </a:r>
-          </a:p>
-          <a:p>
-            <a:pPr>
-              <a:buFont typeface="Arial" panose="020B0604020202020204" pitchFamily="34" charset="0"/>
-              <a:buChar char="•"/>
-            </a:pPr>
-            <a:r>
-              <a:rPr lang="en-US" sz="8000" dirty="0">
-                <a:solidFill>
-                  <a:schemeClr val="tx1">
-                    <a:lumMod val="95000"/>
-                  </a:schemeClr>
-                </a:solidFill>
-                <a:latin typeface="Times New Roman" panose="02020603050405020304" pitchFamily="18" charset="0"/>
-                <a:cs typeface="Times New Roman" panose="02020603050405020304" pitchFamily="18" charset="0"/>
-              </a:rPr>
-              <a:t>Admin can create and manage the user groups by selecting add symbol.</a:t>
-            </a:r>
-          </a:p>
-          <a:p>
-            <a:pPr>
-              <a:buFont typeface="Arial" panose="020B0604020202020204" pitchFamily="34" charset="0"/>
-              <a:buChar char="•"/>
-            </a:pPr>
-            <a:r>
-              <a:rPr lang="en-US" sz="8000" dirty="0">
-                <a:solidFill>
-                  <a:schemeClr val="tx1">
-                    <a:lumMod val="95000"/>
-                  </a:schemeClr>
-                </a:solidFill>
-                <a:latin typeface="Times New Roman" panose="02020603050405020304" pitchFamily="18" charset="0"/>
-                <a:cs typeface="Times New Roman" panose="02020603050405020304" pitchFamily="18" charset="0"/>
-              </a:rPr>
-              <a:t>Admin can share challenge results with group members by clicking release results button.</a:t>
-            </a:r>
-          </a:p>
-          <a:p>
-            <a:pPr>
-              <a:buFont typeface="Arial" panose="020B0604020202020204" pitchFamily="34" charset="0"/>
-              <a:buChar char="•"/>
-            </a:pPr>
-            <a:r>
-              <a:rPr lang="en-US" sz="8000" dirty="0">
-                <a:solidFill>
-                  <a:schemeClr val="tx1">
-                    <a:lumMod val="95000"/>
-                  </a:schemeClr>
-                </a:solidFill>
-                <a:latin typeface="Times New Roman" panose="02020603050405020304" pitchFamily="18" charset="0"/>
-                <a:cs typeface="Times New Roman" panose="02020603050405020304" pitchFamily="18" charset="0"/>
-              </a:rPr>
-              <a:t>Users can create and edit data of personal details upon signup.</a:t>
-            </a:r>
-          </a:p>
-          <a:p>
-            <a:pPr>
-              <a:buFont typeface="Arial" panose="020B0604020202020204" pitchFamily="34" charset="0"/>
-              <a:buChar char="•"/>
-            </a:pPr>
-            <a:r>
-              <a:rPr lang="en-US" sz="8000" dirty="0">
-                <a:solidFill>
-                  <a:schemeClr val="tx1">
-                    <a:lumMod val="95000"/>
-                  </a:schemeClr>
-                </a:solidFill>
-                <a:latin typeface="Times New Roman" panose="02020603050405020304" pitchFamily="18" charset="0"/>
-                <a:cs typeface="Times New Roman" panose="02020603050405020304" pitchFamily="18" charset="0"/>
-              </a:rPr>
-              <a:t>Users can accept or reject group assignments upon receiving mails from the admin invites.</a:t>
-            </a:r>
-          </a:p>
-          <a:p>
-            <a:pPr>
-              <a:buFont typeface="Arial" panose="020B0604020202020204" pitchFamily="34" charset="0"/>
-              <a:buChar char="•"/>
-            </a:pPr>
-            <a:r>
-              <a:rPr lang="en-US" sz="8000" dirty="0">
-                <a:solidFill>
-                  <a:schemeClr val="tx1">
-                    <a:lumMod val="95000"/>
-                  </a:schemeClr>
-                </a:solidFill>
-                <a:latin typeface="Times New Roman" panose="02020603050405020304" pitchFamily="18" charset="0"/>
-                <a:cs typeface="Times New Roman" panose="02020603050405020304" pitchFamily="18" charset="0"/>
-              </a:rPr>
-              <a:t>Users can view data from past challenges by clicking on the results.</a:t>
-            </a:r>
-          </a:p>
-          <a:p>
-            <a:pPr>
-              <a:buFont typeface="Arial" panose="020B0604020202020204" pitchFamily="34" charset="0"/>
-              <a:buChar char="•"/>
-            </a:pPr>
-            <a:r>
-              <a:rPr lang="en-US" sz="8000" dirty="0">
-                <a:solidFill>
-                  <a:schemeClr val="tx1">
-                    <a:lumMod val="95000"/>
-                  </a:schemeClr>
-                </a:solidFill>
-                <a:latin typeface="Times New Roman" panose="02020603050405020304" pitchFamily="18" charset="0"/>
-                <a:cs typeface="Times New Roman" panose="02020603050405020304" pitchFamily="18" charset="0"/>
-              </a:rPr>
-              <a:t>User can access the application only by submitting required details.</a:t>
-            </a:r>
-          </a:p>
-          <a:p>
-            <a:pPr>
-              <a:buFont typeface="Arial" panose="020B0604020202020204" pitchFamily="34" charset="0"/>
-              <a:buChar char="•"/>
-            </a:pPr>
-            <a:r>
-              <a:rPr lang="en-US" sz="8000" dirty="0">
-                <a:solidFill>
-                  <a:schemeClr val="tx1">
-                    <a:lumMod val="95000"/>
-                  </a:schemeClr>
-                </a:solidFill>
-                <a:latin typeface="Times New Roman" panose="02020603050405020304" pitchFamily="18" charset="0"/>
-                <a:cs typeface="Times New Roman" panose="02020603050405020304" pitchFamily="18" charset="0"/>
-              </a:rPr>
-              <a:t>Enabling responsive Mobile menu for Tablets and Mobiles.</a:t>
-            </a:r>
-          </a:p>
-          <a:p>
-            <a:pPr>
-              <a:buFont typeface="Arial" panose="020B0604020202020204" pitchFamily="34" charset="0"/>
-              <a:buChar char="•"/>
-            </a:pPr>
-            <a:r>
-              <a:rPr lang="en-US" sz="8000" dirty="0">
-                <a:solidFill>
-                  <a:schemeClr val="tx1">
-                    <a:lumMod val="95000"/>
-                  </a:schemeClr>
-                </a:solidFill>
-                <a:latin typeface="Times New Roman" panose="02020603050405020304" pitchFamily="18" charset="0"/>
-                <a:cs typeface="Times New Roman" panose="02020603050405020304" pitchFamily="18" charset="0"/>
-              </a:rPr>
-              <a:t>User can Easily Navigate across different screens.</a:t>
-            </a:r>
-          </a:p>
-          <a:p>
-            <a:pPr>
-              <a:buFont typeface="Arial" panose="020B0604020202020204" pitchFamily="34" charset="0"/>
-              <a:buChar char="•"/>
-            </a:pPr>
-            <a:r>
-              <a:rPr lang="en-US" sz="8000" dirty="0">
-                <a:solidFill>
-                  <a:schemeClr val="tx1">
-                    <a:lumMod val="95000"/>
-                  </a:schemeClr>
-                </a:solidFill>
-                <a:latin typeface="Times New Roman" panose="02020603050405020304" pitchFamily="18" charset="0"/>
-                <a:cs typeface="Times New Roman" panose="02020603050405020304" pitchFamily="18" charset="0"/>
-              </a:rPr>
-              <a:t>User can have Responsiveness of drop-down lists.</a:t>
-            </a:r>
-          </a:p>
-          <a:p>
-            <a:pPr marL="0" indent="0">
-              <a:buNone/>
-            </a:pPr>
-            <a:endParaRPr lang="en-US" dirty="0"/>
-          </a:p>
-        </p:txBody>
-      </p:sp>
-      <p:sp>
-        <p:nvSpPr>
-          <p:cNvPr id="6" name="Footer Placeholder 5">
-            <a:extLst>
-              <a:ext uri="{FF2B5EF4-FFF2-40B4-BE49-F238E27FC236}">
-                <a16:creationId xmlns:a16="http://schemas.microsoft.com/office/drawing/2014/main" id="{9DD87943-4C6A-46FB-B51C-3840DF598793}"/>
-              </a:ext>
-            </a:extLst>
-          </p:cNvPr>
-          <p:cNvSpPr>
-            <a:spLocks noGrp="1"/>
-          </p:cNvSpPr>
-          <p:nvPr>
-            <p:ph type="ftr" sz="quarter" idx="11"/>
-          </p:nvPr>
-        </p:nvSpPr>
-        <p:spPr/>
-        <p:txBody>
-          <a:bodyPr/>
-          <a:lstStyle/>
-          <a:p>
-            <a:r>
-              <a:rPr lang="en-US"/>
-              <a:t>Healthify-NWMSU</a:t>
-            </a:r>
-          </a:p>
-        </p:txBody>
-      </p:sp>
-      <p:sp>
-        <p:nvSpPr>
-          <p:cNvPr id="7" name="Slide Number Placeholder 6">
-            <a:extLst>
-              <a:ext uri="{FF2B5EF4-FFF2-40B4-BE49-F238E27FC236}">
-                <a16:creationId xmlns:a16="http://schemas.microsoft.com/office/drawing/2014/main" id="{2CA22E63-B086-4925-B662-12D17C54A126}"/>
-              </a:ext>
-            </a:extLst>
-          </p:cNvPr>
-          <p:cNvSpPr>
-            <a:spLocks noGrp="1"/>
-          </p:cNvSpPr>
-          <p:nvPr>
-            <p:ph type="sldNum" sz="quarter" idx="12"/>
-          </p:nvPr>
-        </p:nvSpPr>
-        <p:spPr/>
-        <p:txBody>
-          <a:bodyPr/>
-          <a:lstStyle/>
-          <a:p>
-            <a:fld id="{FC6EDEEF-6E47-4D41-B312-2A124904AE2A}" type="slidenum">
-              <a:rPr lang="en-US" smtClean="0"/>
-              <a:t>4</a:t>
-            </a:fld>
-            <a:endParaRPr lang="en-US"/>
-          </a:p>
-        </p:txBody>
-      </p:sp>
-    </p:spTree>
-    <p:extLst>
-      <p:ext uri="{BB962C8B-B14F-4D97-AF65-F5344CB8AC3E}">
-        <p14:creationId xmlns:p14="http://schemas.microsoft.com/office/powerpoint/2010/main" val="601251735"/>
-      </p:ext>
-    </p:extLst>
-  </p:cSld>
-  <p:clrMapOvr>
-    <a:masterClrMapping/>
-  </p:clrMapOvr>
-</p:sld>
-</file>
-
 <file path=ppt/slides/slide5.xml><?xml version="1.0" encoding="utf-8"?>
-<p:sld xmlns:a="http://schemas.openxmlformats.org/drawingml/2006/main" xmlns:r="http://schemas.openxmlformats.org/officeDocument/2006/relationships" xmlns:p="http://schemas.openxmlformats.org/presentationml/2006/main">
-  <p:cSld>
-    <p:spTree>
-      <p:nvGrpSpPr>
-        <p:cNvPr id="1" name=""/>
-        <p:cNvGrpSpPr/>
-        <p:nvPr/>
-      </p:nvGrpSpPr>
-      <p:grpSpPr>
-        <a:xfrm>
-          <a:off x="0" y="0"/>
-          <a:ext cx="0" cy="0"/>
-          <a:chOff x="0" y="0"/>
-          <a:chExt cx="0" cy="0"/>
-        </a:xfrm>
-      </p:grpSpPr>
-      <p:sp>
-        <p:nvSpPr>
-          <p:cNvPr id="2" name="Title 1">
-            <a:extLst>
-              <a:ext uri="{FF2B5EF4-FFF2-40B4-BE49-F238E27FC236}">
-                <a16:creationId xmlns:a16="http://schemas.microsoft.com/office/drawing/2014/main" id="{D10C0F41-67DB-4902-B02E-10AF0EA12871}"/>
-              </a:ext>
-            </a:extLst>
-          </p:cNvPr>
-          <p:cNvSpPr>
-            <a:spLocks noGrp="1"/>
-          </p:cNvSpPr>
-          <p:nvPr>
-            <p:ph type="title"/>
-          </p:nvPr>
-        </p:nvSpPr>
-        <p:spPr/>
-        <p:txBody>
-          <a:bodyPr/>
-          <a:lstStyle/>
-          <a:p>
-            <a:r>
-              <a:rPr lang="en-US" b="1" dirty="0">
-                <a:solidFill>
-                  <a:schemeClr val="accent3"/>
-                </a:solidFill>
-                <a:effectLst>
-                  <a:outerShdw blurRad="38100" dist="38100" dir="2700000" algn="tl">
-                    <a:srgbClr val="000000">
-                      <a:alpha val="43137"/>
-                    </a:srgbClr>
-                  </a:outerShdw>
-                </a:effectLst>
-                <a:latin typeface="Times New Roman" panose="02020603050405020304" pitchFamily="18" charset="0"/>
-                <a:cs typeface="Times New Roman" panose="02020603050405020304" pitchFamily="18" charset="0"/>
-              </a:rPr>
-              <a:t>Schedule Management</a:t>
-            </a:r>
-          </a:p>
-        </p:txBody>
-      </p:sp>
-      <p:pic>
-        <p:nvPicPr>
-          <p:cNvPr id="5" name="Content Placeholder 4" descr="A screenshot of a computer&#10;&#10;Description automatically generated">
-            <a:extLst>
-              <a:ext uri="{FF2B5EF4-FFF2-40B4-BE49-F238E27FC236}">
-                <a16:creationId xmlns:a16="http://schemas.microsoft.com/office/drawing/2014/main" id="{B6736611-1689-4464-81E3-6C6B2B6F5B36}"/>
-              </a:ext>
-            </a:extLst>
-          </p:cNvPr>
-          <p:cNvPicPr>
-            <a:picLocks noGrp="1" noChangeAspect="1"/>
-          </p:cNvPicPr>
-          <p:nvPr>
-            <p:ph idx="1"/>
-          </p:nvPr>
-        </p:nvPicPr>
-        <p:blipFill>
-          <a:blip r:embed="rId2">
-            <a:extLst>
-              <a:ext uri="{28A0092B-C50C-407E-A947-70E740481C1C}">
-                <a14:useLocalDpi xmlns:a14="http://schemas.microsoft.com/office/drawing/2010/main" val="0"/>
-              </a:ext>
-            </a:extLst>
-          </a:blip>
-          <a:stretch>
-            <a:fillRect/>
-          </a:stretch>
-        </p:blipFill>
-        <p:spPr>
-          <a:xfrm>
-            <a:off x="1191803" y="1263721"/>
-            <a:ext cx="9832368" cy="4890499"/>
-          </a:xfrm>
-        </p:spPr>
-      </p:pic>
-      <p:sp>
-        <p:nvSpPr>
-          <p:cNvPr id="6" name="Footer Placeholder 5">
-            <a:extLst>
-              <a:ext uri="{FF2B5EF4-FFF2-40B4-BE49-F238E27FC236}">
-                <a16:creationId xmlns:a16="http://schemas.microsoft.com/office/drawing/2014/main" id="{BB5C8C6F-C16D-4AB6-9B47-536A364DF7B3}"/>
-              </a:ext>
-            </a:extLst>
-          </p:cNvPr>
-          <p:cNvSpPr>
-            <a:spLocks noGrp="1"/>
-          </p:cNvSpPr>
-          <p:nvPr>
-            <p:ph type="ftr" sz="quarter" idx="11"/>
-          </p:nvPr>
-        </p:nvSpPr>
-        <p:spPr/>
-        <p:txBody>
-          <a:bodyPr/>
-          <a:lstStyle/>
-          <a:p>
-            <a:r>
-              <a:rPr lang="en-US"/>
-              <a:t>Healthify-NWMSU</a:t>
-            </a:r>
-          </a:p>
-        </p:txBody>
-      </p:sp>
-      <p:sp>
-        <p:nvSpPr>
-          <p:cNvPr id="7" name="Slide Number Placeholder 6">
-            <a:extLst>
-              <a:ext uri="{FF2B5EF4-FFF2-40B4-BE49-F238E27FC236}">
-                <a16:creationId xmlns:a16="http://schemas.microsoft.com/office/drawing/2014/main" id="{6B953DC5-5829-4EC7-99E1-A0A0139D473D}"/>
-              </a:ext>
-            </a:extLst>
-          </p:cNvPr>
-          <p:cNvSpPr>
-            <a:spLocks noGrp="1"/>
-          </p:cNvSpPr>
-          <p:nvPr>
-            <p:ph type="sldNum" sz="quarter" idx="12"/>
-          </p:nvPr>
-        </p:nvSpPr>
-        <p:spPr/>
-        <p:txBody>
-          <a:bodyPr/>
-          <a:lstStyle/>
-          <a:p>
-            <a:fld id="{FC6EDEEF-6E47-4D41-B312-2A124904AE2A}" type="slidenum">
-              <a:rPr lang="en-US" smtClean="0"/>
-              <a:t>5</a:t>
-            </a:fld>
-            <a:endParaRPr lang="en-US"/>
-          </a:p>
-        </p:txBody>
-      </p:sp>
-    </p:spTree>
-    <p:extLst>
-      <p:ext uri="{BB962C8B-B14F-4D97-AF65-F5344CB8AC3E}">
-        <p14:creationId xmlns:p14="http://schemas.microsoft.com/office/powerpoint/2010/main" val="4153707155"/>
-      </p:ext>
-    </p:extLst>
-  </p:cSld>
-  <p:clrMapOvr>
-    <a:masterClrMapping/>
-  </p:clrMapOvr>
-</p:sld>
-</file>
-
-<file path=ppt/slides/slide6.xml><?xml version="1.0" encoding="utf-8"?>
-<p:sld xmlns:a="http://schemas.openxmlformats.org/drawingml/2006/main" xmlns:r="http://schemas.openxmlformats.org/officeDocument/2006/relationships" xmlns:p="http://schemas.openxmlformats.org/presentationml/2006/main">
-  <p:cSld>
-    <p:spTree>
-      <p:nvGrpSpPr>
-        <p:cNvPr id="1" name=""/>
-        <p:cNvGrpSpPr/>
-        <p:nvPr/>
-      </p:nvGrpSpPr>
-      <p:grpSpPr>
-        <a:xfrm>
-          <a:off x="0" y="0"/>
-          <a:ext cx="0" cy="0"/>
-          <a:chOff x="0" y="0"/>
-          <a:chExt cx="0" cy="0"/>
-        </a:xfrm>
-      </p:grpSpPr>
-      <p:sp>
-        <p:nvSpPr>
-          <p:cNvPr id="2" name="Title 1">
-            <a:extLst>
-              <a:ext uri="{FF2B5EF4-FFF2-40B4-BE49-F238E27FC236}">
-                <a16:creationId xmlns:a16="http://schemas.microsoft.com/office/drawing/2014/main" id="{019B3870-AD76-44DC-A5A0-5B8C0D926FEF}"/>
-              </a:ext>
-            </a:extLst>
-          </p:cNvPr>
-          <p:cNvSpPr>
-            <a:spLocks noGrp="1"/>
-          </p:cNvSpPr>
-          <p:nvPr>
-            <p:ph type="title"/>
-          </p:nvPr>
-        </p:nvSpPr>
-        <p:spPr/>
-        <p:txBody>
-          <a:bodyPr/>
-          <a:lstStyle/>
-          <a:p>
-            <a:r>
-              <a:rPr lang="en-US" b="1" dirty="0">
-                <a:solidFill>
-                  <a:schemeClr val="accent3"/>
-                </a:solidFill>
-                <a:effectLst>
-                  <a:outerShdw blurRad="38100" dist="38100" dir="2700000" algn="tl">
-                    <a:srgbClr val="000000">
-                      <a:alpha val="43137"/>
-                    </a:srgbClr>
-                  </a:outerShdw>
-                </a:effectLst>
-                <a:latin typeface="Times New Roman" panose="02020603050405020304" pitchFamily="18" charset="0"/>
-                <a:cs typeface="Times New Roman" panose="02020603050405020304" pitchFamily="18" charset="0"/>
-              </a:rPr>
-              <a:t>Cost Management </a:t>
-            </a:r>
-          </a:p>
-        </p:txBody>
-      </p:sp>
-      <p:pic>
-        <p:nvPicPr>
-          <p:cNvPr id="5" name="Content Placeholder 4" descr="A screenshot of a computer&#10;&#10;Description automatically generated">
-            <a:extLst>
-              <a:ext uri="{FF2B5EF4-FFF2-40B4-BE49-F238E27FC236}">
-                <a16:creationId xmlns:a16="http://schemas.microsoft.com/office/drawing/2014/main" id="{B434056D-5920-4F14-B7DD-B27BD2A28ADB}"/>
-              </a:ext>
-            </a:extLst>
-          </p:cNvPr>
-          <p:cNvPicPr>
-            <a:picLocks noGrp="1" noChangeAspect="1"/>
-          </p:cNvPicPr>
-          <p:nvPr>
-            <p:ph idx="1"/>
-          </p:nvPr>
-        </p:nvPicPr>
-        <p:blipFill>
-          <a:blip r:embed="rId2">
-            <a:extLst>
-              <a:ext uri="{28A0092B-C50C-407E-A947-70E740481C1C}">
-                <a14:useLocalDpi xmlns:a14="http://schemas.microsoft.com/office/drawing/2010/main" val="0"/>
-              </a:ext>
-            </a:extLst>
-          </a:blip>
-          <a:stretch>
-            <a:fillRect/>
-          </a:stretch>
-        </p:blipFill>
-        <p:spPr>
-          <a:xfrm>
-            <a:off x="1089062" y="1253448"/>
-            <a:ext cx="9647432" cy="4900772"/>
-          </a:xfrm>
-        </p:spPr>
-      </p:pic>
-      <p:sp>
-        <p:nvSpPr>
-          <p:cNvPr id="6" name="Footer Placeholder 5">
-            <a:extLst>
-              <a:ext uri="{FF2B5EF4-FFF2-40B4-BE49-F238E27FC236}">
-                <a16:creationId xmlns:a16="http://schemas.microsoft.com/office/drawing/2014/main" id="{516688C4-0ADD-40B0-B93A-5E20A555C43D}"/>
-              </a:ext>
-            </a:extLst>
-          </p:cNvPr>
-          <p:cNvSpPr>
-            <a:spLocks noGrp="1"/>
-          </p:cNvSpPr>
-          <p:nvPr>
-            <p:ph type="ftr" sz="quarter" idx="11"/>
-          </p:nvPr>
-        </p:nvSpPr>
-        <p:spPr/>
-        <p:txBody>
-          <a:bodyPr/>
-          <a:lstStyle/>
-          <a:p>
-            <a:r>
-              <a:rPr lang="en-US"/>
-              <a:t>Healthify-NWMSU</a:t>
-            </a:r>
-          </a:p>
-        </p:txBody>
-      </p:sp>
-      <p:sp>
-        <p:nvSpPr>
-          <p:cNvPr id="7" name="Slide Number Placeholder 6">
-            <a:extLst>
-              <a:ext uri="{FF2B5EF4-FFF2-40B4-BE49-F238E27FC236}">
-                <a16:creationId xmlns:a16="http://schemas.microsoft.com/office/drawing/2014/main" id="{26449E8A-D908-40AB-96FA-365AF937BD48}"/>
-              </a:ext>
-            </a:extLst>
-          </p:cNvPr>
-          <p:cNvSpPr>
-            <a:spLocks noGrp="1"/>
-          </p:cNvSpPr>
-          <p:nvPr>
-            <p:ph type="sldNum" sz="quarter" idx="12"/>
-          </p:nvPr>
-        </p:nvSpPr>
-        <p:spPr/>
-        <p:txBody>
-          <a:bodyPr/>
-          <a:lstStyle/>
-          <a:p>
-            <a:fld id="{FC6EDEEF-6E47-4D41-B312-2A124904AE2A}" type="slidenum">
-              <a:rPr lang="en-US" smtClean="0"/>
-              <a:t>6</a:t>
-            </a:fld>
-            <a:endParaRPr lang="en-US"/>
-          </a:p>
-        </p:txBody>
-      </p:sp>
-    </p:spTree>
-    <p:extLst>
-      <p:ext uri="{BB962C8B-B14F-4D97-AF65-F5344CB8AC3E}">
-        <p14:creationId xmlns:p14="http://schemas.microsoft.com/office/powerpoint/2010/main" val="1271753515"/>
-      </p:ext>
-    </p:extLst>
-  </p:cSld>
-  <p:clrMapOvr>
-    <a:masterClrMapping/>
-  </p:clrMapOvr>
-</p:sld>
-</file>
-
-<file path=ppt/slides/slide7.xml><?xml version="1.0" encoding="utf-8"?>
-<p:sld xmlns:a="http://schemas.openxmlformats.org/drawingml/2006/main" xmlns:r="http://schemas.openxmlformats.org/officeDocument/2006/relationships" xmlns:p="http://schemas.openxmlformats.org/presentationml/2006/main">
-  <p:cSld>
-    <p:spTree>
-      <p:nvGrpSpPr>
-        <p:cNvPr id="1" name=""/>
-        <p:cNvGrpSpPr/>
-        <p:nvPr/>
-      </p:nvGrpSpPr>
-      <p:grpSpPr>
-        <a:xfrm>
-          <a:off x="0" y="0"/>
-          <a:ext cx="0" cy="0"/>
-          <a:chOff x="0" y="0"/>
-          <a:chExt cx="0" cy="0"/>
-        </a:xfrm>
-      </p:grpSpPr>
-      <p:sp>
-        <p:nvSpPr>
-          <p:cNvPr id="2" name="Title 1">
-            <a:extLst>
-              <a:ext uri="{FF2B5EF4-FFF2-40B4-BE49-F238E27FC236}">
-                <a16:creationId xmlns:a16="http://schemas.microsoft.com/office/drawing/2014/main" id="{C8C00379-46E4-446E-88A8-5933040D965B}"/>
-              </a:ext>
-            </a:extLst>
-          </p:cNvPr>
-          <p:cNvSpPr>
-            <a:spLocks noGrp="1"/>
-          </p:cNvSpPr>
-          <p:nvPr>
-            <p:ph type="title"/>
-          </p:nvPr>
-        </p:nvSpPr>
-        <p:spPr>
-          <a:xfrm>
-            <a:off x="646111" y="452718"/>
-            <a:ext cx="9404723" cy="893197"/>
-          </a:xfrm>
-        </p:spPr>
-        <p:txBody>
-          <a:bodyPr/>
-          <a:lstStyle/>
-          <a:p>
-            <a:r>
-              <a:rPr lang="en-US" b="1" dirty="0">
-                <a:solidFill>
-                  <a:schemeClr val="accent3"/>
-                </a:solidFill>
-                <a:effectLst>
-                  <a:outerShdw blurRad="38100" dist="38100" dir="2700000" algn="tl">
-                    <a:srgbClr val="000000">
-                      <a:alpha val="43137"/>
-                    </a:srgbClr>
-                  </a:outerShdw>
-                </a:effectLst>
-                <a:latin typeface="Times New Roman" panose="02020603050405020304" pitchFamily="18" charset="0"/>
-                <a:cs typeface="Times New Roman" panose="02020603050405020304" pitchFamily="18" charset="0"/>
-              </a:rPr>
-              <a:t>Requirements</a:t>
-            </a:r>
-            <a:r>
-              <a:rPr lang="en-US" dirty="0">
-                <a:effectLst>
-                  <a:outerShdw blurRad="38100" dist="38100" dir="2700000" algn="tl">
-                    <a:srgbClr val="000000">
-                      <a:alpha val="43137"/>
-                    </a:srgbClr>
-                  </a:outerShdw>
-                </a:effectLst>
-                <a:latin typeface="Times New Roman" panose="02020603050405020304" pitchFamily="18" charset="0"/>
-                <a:cs typeface="Times New Roman" panose="02020603050405020304" pitchFamily="18" charset="0"/>
-              </a:rPr>
-              <a:t>	</a:t>
-            </a:r>
-          </a:p>
-        </p:txBody>
-      </p:sp>
-      <p:sp>
-        <p:nvSpPr>
-          <p:cNvPr id="3" name="Content Placeholder 2">
-            <a:extLst>
-              <a:ext uri="{FF2B5EF4-FFF2-40B4-BE49-F238E27FC236}">
-                <a16:creationId xmlns:a16="http://schemas.microsoft.com/office/drawing/2014/main" id="{A0AC3E9A-BB0B-4A18-AEAA-7929FA74C75D}"/>
-              </a:ext>
-            </a:extLst>
-          </p:cNvPr>
-          <p:cNvSpPr>
-            <a:spLocks noGrp="1"/>
-          </p:cNvSpPr>
-          <p:nvPr>
-            <p:ph idx="1"/>
-          </p:nvPr>
-        </p:nvSpPr>
-        <p:spPr>
-          <a:xfrm>
-            <a:off x="1103312" y="1489753"/>
-            <a:ext cx="8946541" cy="4758647"/>
-          </a:xfrm>
-        </p:spPr>
-        <p:txBody>
-          <a:bodyPr>
-            <a:normAutofit/>
-          </a:bodyPr>
-          <a:lstStyle/>
-          <a:p>
-            <a:pPr fontAlgn="base"/>
-            <a:r>
-              <a:rPr lang="en-US" dirty="0">
-                <a:latin typeface="Times New Roman" panose="02020603050405020304" pitchFamily="18" charset="0"/>
-                <a:cs typeface="Times New Roman" panose="02020603050405020304" pitchFamily="18" charset="0"/>
-              </a:rPr>
-              <a:t>The text narrative or user story</a:t>
-            </a:r>
-          </a:p>
-          <a:p>
-            <a:pPr fontAlgn="base"/>
-            <a:r>
-              <a:rPr lang="en-US" dirty="0">
-                <a:latin typeface="Times New Roman" panose="02020603050405020304" pitchFamily="18" charset="0"/>
-                <a:cs typeface="Times New Roman" panose="02020603050405020304" pitchFamily="18" charset="0"/>
-              </a:rPr>
-              <a:t>Project scope</a:t>
-            </a:r>
-          </a:p>
-          <a:p>
-            <a:pPr fontAlgn="base"/>
-            <a:r>
-              <a:rPr lang="en-US" dirty="0">
-                <a:latin typeface="Times New Roman" panose="02020603050405020304" pitchFamily="18" charset="0"/>
-                <a:cs typeface="Times New Roman" panose="02020603050405020304" pitchFamily="18" charset="0"/>
-              </a:rPr>
-              <a:t>Technical specifications</a:t>
-            </a:r>
-          </a:p>
-          <a:p>
-            <a:pPr fontAlgn="base"/>
-            <a:r>
-              <a:rPr lang="en-US" dirty="0">
-                <a:latin typeface="Times New Roman" panose="02020603050405020304" pitchFamily="18" charset="0"/>
-                <a:cs typeface="Times New Roman" panose="02020603050405020304" pitchFamily="18" charset="0"/>
-              </a:rPr>
-              <a:t>Sketches</a:t>
-            </a:r>
-          </a:p>
-          <a:p>
-            <a:pPr fontAlgn="base"/>
-            <a:r>
-              <a:rPr lang="en-US" dirty="0">
-                <a:latin typeface="Times New Roman" panose="02020603050405020304" pitchFamily="18" charset="0"/>
-                <a:cs typeface="Times New Roman" panose="02020603050405020304" pitchFamily="18" charset="0"/>
-              </a:rPr>
-              <a:t>Asset creation</a:t>
-            </a:r>
-          </a:p>
-          <a:p>
-            <a:pPr fontAlgn="base"/>
-            <a:r>
-              <a:rPr lang="en-US" dirty="0">
-                <a:latin typeface="Times New Roman" panose="02020603050405020304" pitchFamily="18" charset="0"/>
-                <a:cs typeface="Times New Roman" panose="02020603050405020304" pitchFamily="18" charset="0"/>
-              </a:rPr>
-              <a:t>Putting everything together in a workflow document(Jira).</a:t>
-            </a:r>
-          </a:p>
-          <a:p>
-            <a:pPr fontAlgn="base"/>
-            <a:r>
-              <a:rPr lang="en-US" dirty="0">
-                <a:latin typeface="Times New Roman" panose="02020603050405020304" pitchFamily="18" charset="0"/>
-                <a:cs typeface="Times New Roman" panose="02020603050405020304" pitchFamily="18" charset="0"/>
-              </a:rPr>
-              <a:t>FluidUI</a:t>
-            </a:r>
-          </a:p>
-          <a:p>
-            <a:pPr fontAlgn="base"/>
-            <a:r>
-              <a:rPr lang="en-US" dirty="0">
-                <a:latin typeface="Times New Roman" panose="02020603050405020304" pitchFamily="18" charset="0"/>
-                <a:cs typeface="Times New Roman" panose="02020603050405020304" pitchFamily="18" charset="0"/>
-              </a:rPr>
-              <a:t>GitHub</a:t>
-            </a:r>
-          </a:p>
-          <a:p>
-            <a:endParaRPr lang="en-US" dirty="0"/>
-          </a:p>
-        </p:txBody>
-      </p:sp>
-      <p:sp>
-        <p:nvSpPr>
-          <p:cNvPr id="6" name="Footer Placeholder 5">
-            <a:extLst>
-              <a:ext uri="{FF2B5EF4-FFF2-40B4-BE49-F238E27FC236}">
-                <a16:creationId xmlns:a16="http://schemas.microsoft.com/office/drawing/2014/main" id="{38D8D3A6-7408-4215-99DB-0B35830B92DB}"/>
-              </a:ext>
-            </a:extLst>
-          </p:cNvPr>
-          <p:cNvSpPr>
-            <a:spLocks noGrp="1"/>
-          </p:cNvSpPr>
-          <p:nvPr>
-            <p:ph type="ftr" sz="quarter" idx="11"/>
-          </p:nvPr>
-        </p:nvSpPr>
-        <p:spPr/>
-        <p:txBody>
-          <a:bodyPr/>
-          <a:lstStyle/>
-          <a:p>
-            <a:r>
-              <a:rPr lang="en-US"/>
-              <a:t>Healthify-NWMSU</a:t>
-            </a:r>
-          </a:p>
-        </p:txBody>
-      </p:sp>
-      <p:sp>
-        <p:nvSpPr>
-          <p:cNvPr id="7" name="Slide Number Placeholder 6">
-            <a:extLst>
-              <a:ext uri="{FF2B5EF4-FFF2-40B4-BE49-F238E27FC236}">
-                <a16:creationId xmlns:a16="http://schemas.microsoft.com/office/drawing/2014/main" id="{53D8A5C7-D4C7-4B73-BDB0-C67A0F06FB39}"/>
-              </a:ext>
-            </a:extLst>
-          </p:cNvPr>
-          <p:cNvSpPr>
-            <a:spLocks noGrp="1"/>
-          </p:cNvSpPr>
-          <p:nvPr>
-            <p:ph type="sldNum" sz="quarter" idx="12"/>
-          </p:nvPr>
-        </p:nvSpPr>
-        <p:spPr/>
-        <p:txBody>
-          <a:bodyPr/>
-          <a:lstStyle/>
-          <a:p>
-            <a:fld id="{FC6EDEEF-6E47-4D41-B312-2A124904AE2A}" type="slidenum">
-              <a:rPr lang="en-US" smtClean="0"/>
-              <a:t>7</a:t>
-            </a:fld>
-            <a:endParaRPr lang="en-US"/>
-          </a:p>
-        </p:txBody>
-      </p:sp>
-    </p:spTree>
-    <p:extLst>
-      <p:ext uri="{BB962C8B-B14F-4D97-AF65-F5344CB8AC3E}">
-        <p14:creationId xmlns:p14="http://schemas.microsoft.com/office/powerpoint/2010/main" val="1734231488"/>
-      </p:ext>
-    </p:extLst>
-  </p:cSld>
-  <p:clrMapOvr>
-    <a:masterClrMapping/>
-  </p:clrMapOvr>
-</p:sld>
-</file>
-
-<file path=ppt/slides/slide8.xml><?xml version="1.0" encoding="utf-8"?>
 <p:sld xmlns:a="http://schemas.openxmlformats.org/drawingml/2006/main" xmlns:r="http://schemas.openxmlformats.org/officeDocument/2006/relationships" xmlns:p="http://schemas.openxmlformats.org/presentationml/2006/main">
   <p:cSld>
     <p:spTree>
@@ -9330,7 +8619,7 @@
           <a:p>
             <a:fld id="{FC6EDEEF-6E47-4D41-B312-2A124904AE2A}" type="slidenum">
               <a:rPr lang="en-US" smtClean="0"/>
-              <a:t>8</a:t>
+              <a:t>5</a:t>
             </a:fld>
             <a:endParaRPr lang="en-US"/>
           </a:p>
@@ -9339,7 +8628,7 @@
     </p:spTree>
     <p:extLst>
       <p:ext uri="{BB962C8B-B14F-4D97-AF65-F5344CB8AC3E}">
-        <p14:creationId xmlns:p14="http://schemas.microsoft.com/office/powerpoint/2010/main" val="212726881"/>
+        <p14:creationId xmlns:p14="http://schemas.microsoft.com/office/powerpoint/2010/main" val="793526837"/>
       </p:ext>
     </p:extLst>
   </p:cSld>
@@ -9349,7 +8638,7 @@
 </p:sld>
 </file>
 
-<file path=ppt/slides/slide9.xml><?xml version="1.0" encoding="utf-8"?>
+<file path=ppt/slides/slide6.xml><?xml version="1.0" encoding="utf-8"?>
 <p:sld xmlns:a="http://schemas.openxmlformats.org/drawingml/2006/main" xmlns:r="http://schemas.openxmlformats.org/officeDocument/2006/relationships" xmlns:p="http://schemas.openxmlformats.org/presentationml/2006/main">
   <p:cSld>
     <p:spTree>
@@ -9577,6 +8866,735 @@
           <a:p>
             <a:fld id="{FC6EDEEF-6E47-4D41-B312-2A124904AE2A}" type="slidenum">
               <a:rPr lang="en-US" smtClean="0"/>
+              <a:t>6</a:t>
+            </a:fld>
+            <a:endParaRPr lang="en-US"/>
+          </a:p>
+        </p:txBody>
+      </p:sp>
+    </p:spTree>
+    <p:extLst>
+      <p:ext uri="{BB962C8B-B14F-4D97-AF65-F5344CB8AC3E}">
+        <p14:creationId xmlns:p14="http://schemas.microsoft.com/office/powerpoint/2010/main" val="2990232904"/>
+      </p:ext>
+    </p:extLst>
+  </p:cSld>
+  <p:clrMapOvr>
+    <a:masterClrMapping/>
+  </p:clrMapOvr>
+</p:sld>
+</file>
+
+<file path=ppt/slides/slide7.xml><?xml version="1.0" encoding="utf-8"?>
+<p:sld xmlns:a="http://schemas.openxmlformats.org/drawingml/2006/main" xmlns:r="http://schemas.openxmlformats.org/officeDocument/2006/relationships" xmlns:p="http://schemas.openxmlformats.org/presentationml/2006/main">
+  <p:cSld>
+    <p:spTree>
+      <p:nvGrpSpPr>
+        <p:cNvPr id="1" name=""/>
+        <p:cNvGrpSpPr/>
+        <p:nvPr/>
+      </p:nvGrpSpPr>
+      <p:grpSpPr>
+        <a:xfrm>
+          <a:off x="0" y="0"/>
+          <a:ext cx="0" cy="0"/>
+          <a:chOff x="0" y="0"/>
+          <a:chExt cx="0" cy="0"/>
+        </a:xfrm>
+      </p:grpSpPr>
+      <p:sp>
+        <p:nvSpPr>
+          <p:cNvPr id="2" name="Title 1">
+            <a:extLst>
+              <a:ext uri="{FF2B5EF4-FFF2-40B4-BE49-F238E27FC236}">
+                <a16:creationId xmlns:a16="http://schemas.microsoft.com/office/drawing/2014/main" id="{573E737E-8EF4-48B3-9937-7787C41E3A2D}"/>
+              </a:ext>
+            </a:extLst>
+          </p:cNvPr>
+          <p:cNvSpPr>
+            <a:spLocks noGrp="1"/>
+          </p:cNvSpPr>
+          <p:nvPr>
+            <p:ph type="title"/>
+          </p:nvPr>
+        </p:nvSpPr>
+        <p:spPr>
+          <a:xfrm>
+            <a:off x="677334" y="599326"/>
+            <a:ext cx="8596668" cy="1320800"/>
+          </a:xfrm>
+        </p:spPr>
+        <p:txBody>
+          <a:bodyPr>
+            <a:normAutofit/>
+          </a:bodyPr>
+          <a:lstStyle/>
+          <a:p>
+            <a:r>
+              <a:rPr lang="en-US" b="1" dirty="0">
+                <a:solidFill>
+                  <a:schemeClr val="accent3"/>
+                </a:solidFill>
+                <a:effectLst>
+                  <a:outerShdw blurRad="38100" dist="38100" dir="2700000" algn="tl">
+                    <a:srgbClr val="000000">
+                      <a:alpha val="43137"/>
+                    </a:srgbClr>
+                  </a:outerShdw>
+                </a:effectLst>
+                <a:latin typeface="Times New Roman" panose="02020603050405020304" pitchFamily="18" charset="0"/>
+                <a:cs typeface="Times New Roman" panose="02020603050405020304" pitchFamily="18" charset="0"/>
+              </a:rPr>
+              <a:t>Acceptance Criteria</a:t>
+            </a:r>
+            <a:br>
+              <a:rPr lang="en-US" b="1" dirty="0">
+                <a:solidFill>
+                  <a:srgbClr val="24292E"/>
+                </a:solidFill>
+                <a:latin typeface="-apple-system"/>
+              </a:rPr>
+            </a:br>
+            <a:endParaRPr lang="en-US" dirty="0"/>
+          </a:p>
+        </p:txBody>
+      </p:sp>
+      <p:sp>
+        <p:nvSpPr>
+          <p:cNvPr id="3" name="Content Placeholder 2">
+            <a:extLst>
+              <a:ext uri="{FF2B5EF4-FFF2-40B4-BE49-F238E27FC236}">
+                <a16:creationId xmlns:a16="http://schemas.microsoft.com/office/drawing/2014/main" id="{9C7E8854-7F3E-4442-BC30-0FA2B15FA669}"/>
+              </a:ext>
+            </a:extLst>
+          </p:cNvPr>
+          <p:cNvSpPr>
+            <a:spLocks noGrp="1"/>
+          </p:cNvSpPr>
+          <p:nvPr>
+            <p:ph idx="1"/>
+          </p:nvPr>
+        </p:nvSpPr>
+        <p:spPr>
+          <a:xfrm>
+            <a:off x="1103311" y="1273996"/>
+            <a:ext cx="10352373" cy="5373384"/>
+          </a:xfrm>
+        </p:spPr>
+        <p:txBody>
+          <a:bodyPr>
+            <a:normAutofit fontScale="25000" lnSpcReduction="20000"/>
+          </a:bodyPr>
+          <a:lstStyle/>
+          <a:p>
+            <a:pPr>
+              <a:buFont typeface="Arial" panose="020B0604020202020204" pitchFamily="34" charset="0"/>
+              <a:buChar char="•"/>
+            </a:pPr>
+            <a:r>
+              <a:rPr lang="en-US" sz="8000" dirty="0">
+                <a:solidFill>
+                  <a:schemeClr val="tx1">
+                    <a:lumMod val="95000"/>
+                  </a:schemeClr>
+                </a:solidFill>
+                <a:latin typeface="Times New Roman" panose="02020603050405020304" pitchFamily="18" charset="0"/>
+                <a:cs typeface="Times New Roman" panose="02020603050405020304" pitchFamily="18" charset="0"/>
+              </a:rPr>
+              <a:t>Admin can view and download all data entered by the user by just selecting the get data into a file button.</a:t>
+            </a:r>
+          </a:p>
+          <a:p>
+            <a:pPr>
+              <a:buFont typeface="Arial" panose="020B0604020202020204" pitchFamily="34" charset="0"/>
+              <a:buChar char="•"/>
+            </a:pPr>
+            <a:r>
+              <a:rPr lang="en-US" sz="8000" dirty="0">
+                <a:solidFill>
+                  <a:schemeClr val="tx1">
+                    <a:lumMod val="95000"/>
+                  </a:schemeClr>
+                </a:solidFill>
+                <a:latin typeface="Times New Roman" panose="02020603050405020304" pitchFamily="18" charset="0"/>
+                <a:cs typeface="Times New Roman" panose="02020603050405020304" pitchFamily="18" charset="0"/>
+              </a:rPr>
+              <a:t>Admin can create and manage the user groups by selecting add symbol.</a:t>
+            </a:r>
+          </a:p>
+          <a:p>
+            <a:pPr>
+              <a:buFont typeface="Arial" panose="020B0604020202020204" pitchFamily="34" charset="0"/>
+              <a:buChar char="•"/>
+            </a:pPr>
+            <a:r>
+              <a:rPr lang="en-US" sz="8000" dirty="0">
+                <a:solidFill>
+                  <a:schemeClr val="tx1">
+                    <a:lumMod val="95000"/>
+                  </a:schemeClr>
+                </a:solidFill>
+                <a:latin typeface="Times New Roman" panose="02020603050405020304" pitchFamily="18" charset="0"/>
+                <a:cs typeface="Times New Roman" panose="02020603050405020304" pitchFamily="18" charset="0"/>
+              </a:rPr>
+              <a:t>Admin can share challenge results with group members by clicking release results button.</a:t>
+            </a:r>
+          </a:p>
+          <a:p>
+            <a:pPr>
+              <a:buFont typeface="Arial" panose="020B0604020202020204" pitchFamily="34" charset="0"/>
+              <a:buChar char="•"/>
+            </a:pPr>
+            <a:r>
+              <a:rPr lang="en-US" sz="8000" dirty="0">
+                <a:solidFill>
+                  <a:schemeClr val="tx1">
+                    <a:lumMod val="95000"/>
+                  </a:schemeClr>
+                </a:solidFill>
+                <a:latin typeface="Times New Roman" panose="02020603050405020304" pitchFamily="18" charset="0"/>
+                <a:cs typeface="Times New Roman" panose="02020603050405020304" pitchFamily="18" charset="0"/>
+              </a:rPr>
+              <a:t>Users can create and edit data of personal details upon signup.</a:t>
+            </a:r>
+          </a:p>
+          <a:p>
+            <a:pPr>
+              <a:buFont typeface="Arial" panose="020B0604020202020204" pitchFamily="34" charset="0"/>
+              <a:buChar char="•"/>
+            </a:pPr>
+            <a:r>
+              <a:rPr lang="en-US" sz="8000" dirty="0">
+                <a:latin typeface="Times New Roman" panose="02020603050405020304" pitchFamily="18" charset="0"/>
+                <a:cs typeface="Times New Roman" panose="02020603050405020304" pitchFamily="18" charset="0"/>
+              </a:rPr>
+              <a:t>Users can participate in new challenges just by clicking register buttons on each page of challenges.</a:t>
+            </a:r>
+            <a:endParaRPr lang="en-US" sz="8000" dirty="0">
+              <a:solidFill>
+                <a:schemeClr val="tx1">
+                  <a:lumMod val="95000"/>
+                </a:schemeClr>
+              </a:solidFill>
+              <a:latin typeface="Times New Roman" panose="02020603050405020304" pitchFamily="18" charset="0"/>
+              <a:cs typeface="Times New Roman" panose="02020603050405020304" pitchFamily="18" charset="0"/>
+            </a:endParaRPr>
+          </a:p>
+          <a:p>
+            <a:pPr>
+              <a:buFont typeface="Arial" panose="020B0604020202020204" pitchFamily="34" charset="0"/>
+              <a:buChar char="•"/>
+            </a:pPr>
+            <a:r>
+              <a:rPr lang="en-US" sz="8000" dirty="0">
+                <a:solidFill>
+                  <a:schemeClr val="tx1">
+                    <a:lumMod val="95000"/>
+                  </a:schemeClr>
+                </a:solidFill>
+                <a:latin typeface="Times New Roman" panose="02020603050405020304" pitchFamily="18" charset="0"/>
+                <a:cs typeface="Times New Roman" panose="02020603050405020304" pitchFamily="18" charset="0"/>
+              </a:rPr>
+              <a:t>Users can accept or reject group assignments upon receiving mails from the admin invites.</a:t>
+            </a:r>
+          </a:p>
+          <a:p>
+            <a:pPr>
+              <a:buFont typeface="Arial" panose="020B0604020202020204" pitchFamily="34" charset="0"/>
+              <a:buChar char="•"/>
+            </a:pPr>
+            <a:r>
+              <a:rPr lang="en-US" sz="8000" dirty="0">
+                <a:solidFill>
+                  <a:schemeClr val="tx1">
+                    <a:lumMod val="95000"/>
+                  </a:schemeClr>
+                </a:solidFill>
+                <a:latin typeface="Times New Roman" panose="02020603050405020304" pitchFamily="18" charset="0"/>
+                <a:cs typeface="Times New Roman" panose="02020603050405020304" pitchFamily="18" charset="0"/>
+              </a:rPr>
+              <a:t>Users can view data from past challenges by clicking on the results.</a:t>
+            </a:r>
+          </a:p>
+          <a:p>
+            <a:pPr>
+              <a:buFont typeface="Arial" panose="020B0604020202020204" pitchFamily="34" charset="0"/>
+              <a:buChar char="•"/>
+            </a:pPr>
+            <a:r>
+              <a:rPr lang="en-US" sz="8000" dirty="0">
+                <a:solidFill>
+                  <a:schemeClr val="tx1">
+                    <a:lumMod val="95000"/>
+                  </a:schemeClr>
+                </a:solidFill>
+                <a:latin typeface="Times New Roman" panose="02020603050405020304" pitchFamily="18" charset="0"/>
+                <a:cs typeface="Times New Roman" panose="02020603050405020304" pitchFamily="18" charset="0"/>
+              </a:rPr>
+              <a:t>User can access the application only by submitting required details.</a:t>
+            </a:r>
+          </a:p>
+          <a:p>
+            <a:pPr>
+              <a:buFont typeface="Arial" panose="020B0604020202020204" pitchFamily="34" charset="0"/>
+              <a:buChar char="•"/>
+            </a:pPr>
+            <a:r>
+              <a:rPr lang="en-US" sz="8000" dirty="0">
+                <a:solidFill>
+                  <a:schemeClr val="tx1">
+                    <a:lumMod val="95000"/>
+                  </a:schemeClr>
+                </a:solidFill>
+                <a:latin typeface="Times New Roman" panose="02020603050405020304" pitchFamily="18" charset="0"/>
+                <a:cs typeface="Times New Roman" panose="02020603050405020304" pitchFamily="18" charset="0"/>
+              </a:rPr>
+              <a:t>Enabling responsive Mobile menu for Tablets and Mobiles.</a:t>
+            </a:r>
+          </a:p>
+          <a:p>
+            <a:pPr>
+              <a:buFont typeface="Arial" panose="020B0604020202020204" pitchFamily="34" charset="0"/>
+              <a:buChar char="•"/>
+            </a:pPr>
+            <a:r>
+              <a:rPr lang="en-US" sz="8000" dirty="0">
+                <a:solidFill>
+                  <a:schemeClr val="tx1">
+                    <a:lumMod val="95000"/>
+                  </a:schemeClr>
+                </a:solidFill>
+                <a:latin typeface="Times New Roman" panose="02020603050405020304" pitchFamily="18" charset="0"/>
+                <a:cs typeface="Times New Roman" panose="02020603050405020304" pitchFamily="18" charset="0"/>
+              </a:rPr>
+              <a:t>User can Easily Navigate across different screens.</a:t>
+            </a:r>
+          </a:p>
+          <a:p>
+            <a:pPr>
+              <a:buFont typeface="Arial" panose="020B0604020202020204" pitchFamily="34" charset="0"/>
+              <a:buChar char="•"/>
+            </a:pPr>
+            <a:r>
+              <a:rPr lang="en-US" sz="8000" dirty="0">
+                <a:solidFill>
+                  <a:schemeClr val="tx1">
+                    <a:lumMod val="95000"/>
+                  </a:schemeClr>
+                </a:solidFill>
+                <a:latin typeface="Times New Roman" panose="02020603050405020304" pitchFamily="18" charset="0"/>
+                <a:cs typeface="Times New Roman" panose="02020603050405020304" pitchFamily="18" charset="0"/>
+              </a:rPr>
+              <a:t>User can have Responsiveness of drop-down lists.</a:t>
+            </a:r>
+          </a:p>
+          <a:p>
+            <a:pPr>
+              <a:buFont typeface="Arial" panose="020B0604020202020204" pitchFamily="34" charset="0"/>
+              <a:buChar char="•"/>
+            </a:pPr>
+            <a:r>
+              <a:rPr lang="en-US" sz="8000" dirty="0">
+                <a:latin typeface="Times New Roman" panose="02020603050405020304" pitchFamily="18" charset="0"/>
+                <a:cs typeface="Times New Roman" panose="02020603050405020304" pitchFamily="18" charset="0"/>
+              </a:rPr>
+              <a:t>User can Distinguish the inactive buttons from active buttons.</a:t>
+            </a:r>
+            <a:endParaRPr lang="en-US" sz="8000" dirty="0">
+              <a:solidFill>
+                <a:schemeClr val="tx1">
+                  <a:lumMod val="95000"/>
+                </a:schemeClr>
+              </a:solidFill>
+              <a:latin typeface="Times New Roman" panose="02020603050405020304" pitchFamily="18" charset="0"/>
+              <a:cs typeface="Times New Roman" panose="02020603050405020304" pitchFamily="18" charset="0"/>
+            </a:endParaRPr>
+          </a:p>
+          <a:p>
+            <a:pPr marL="0" indent="0">
+              <a:buNone/>
+            </a:pPr>
+            <a:endParaRPr lang="en-US" dirty="0"/>
+          </a:p>
+        </p:txBody>
+      </p:sp>
+      <p:sp>
+        <p:nvSpPr>
+          <p:cNvPr id="6" name="Footer Placeholder 5">
+            <a:extLst>
+              <a:ext uri="{FF2B5EF4-FFF2-40B4-BE49-F238E27FC236}">
+                <a16:creationId xmlns:a16="http://schemas.microsoft.com/office/drawing/2014/main" id="{9DD87943-4C6A-46FB-B51C-3840DF598793}"/>
+              </a:ext>
+            </a:extLst>
+          </p:cNvPr>
+          <p:cNvSpPr>
+            <a:spLocks noGrp="1"/>
+          </p:cNvSpPr>
+          <p:nvPr>
+            <p:ph type="ftr" sz="quarter" idx="11"/>
+          </p:nvPr>
+        </p:nvSpPr>
+        <p:spPr/>
+        <p:txBody>
+          <a:bodyPr/>
+          <a:lstStyle/>
+          <a:p>
+            <a:r>
+              <a:rPr lang="en-US"/>
+              <a:t>Healthify-NWMSU</a:t>
+            </a:r>
+          </a:p>
+        </p:txBody>
+      </p:sp>
+      <p:sp>
+        <p:nvSpPr>
+          <p:cNvPr id="7" name="Slide Number Placeholder 6">
+            <a:extLst>
+              <a:ext uri="{FF2B5EF4-FFF2-40B4-BE49-F238E27FC236}">
+                <a16:creationId xmlns:a16="http://schemas.microsoft.com/office/drawing/2014/main" id="{2CA22E63-B086-4925-B662-12D17C54A126}"/>
+              </a:ext>
+            </a:extLst>
+          </p:cNvPr>
+          <p:cNvSpPr>
+            <a:spLocks noGrp="1"/>
+          </p:cNvSpPr>
+          <p:nvPr>
+            <p:ph type="sldNum" sz="quarter" idx="12"/>
+          </p:nvPr>
+        </p:nvSpPr>
+        <p:spPr/>
+        <p:txBody>
+          <a:bodyPr/>
+          <a:lstStyle/>
+          <a:p>
+            <a:fld id="{FC6EDEEF-6E47-4D41-B312-2A124904AE2A}" type="slidenum">
+              <a:rPr lang="en-US" smtClean="0"/>
+              <a:t>7</a:t>
+            </a:fld>
+            <a:endParaRPr lang="en-US"/>
+          </a:p>
+        </p:txBody>
+      </p:sp>
+    </p:spTree>
+    <p:extLst>
+      <p:ext uri="{BB962C8B-B14F-4D97-AF65-F5344CB8AC3E}">
+        <p14:creationId xmlns:p14="http://schemas.microsoft.com/office/powerpoint/2010/main" val="5059217"/>
+      </p:ext>
+    </p:extLst>
+  </p:cSld>
+  <p:clrMapOvr>
+    <a:masterClrMapping/>
+  </p:clrMapOvr>
+</p:sld>
+</file>
+
+<file path=ppt/slides/slide8.xml><?xml version="1.0" encoding="utf-8"?>
+<p:sld xmlns:a="http://schemas.openxmlformats.org/drawingml/2006/main" xmlns:r="http://schemas.openxmlformats.org/officeDocument/2006/relationships" xmlns:p="http://schemas.openxmlformats.org/presentationml/2006/main">
+  <p:cSld>
+    <p:spTree>
+      <p:nvGrpSpPr>
+        <p:cNvPr id="1" name=""/>
+        <p:cNvGrpSpPr/>
+        <p:nvPr/>
+      </p:nvGrpSpPr>
+      <p:grpSpPr>
+        <a:xfrm>
+          <a:off x="0" y="0"/>
+          <a:ext cx="0" cy="0"/>
+          <a:chOff x="0" y="0"/>
+          <a:chExt cx="0" cy="0"/>
+        </a:xfrm>
+      </p:grpSpPr>
+      <p:sp>
+        <p:nvSpPr>
+          <p:cNvPr id="2" name="Title 1">
+            <a:extLst>
+              <a:ext uri="{FF2B5EF4-FFF2-40B4-BE49-F238E27FC236}">
+                <a16:creationId xmlns:a16="http://schemas.microsoft.com/office/drawing/2014/main" id="{EDF33ABE-0CCC-4CB2-8A07-107E3F35A1F5}"/>
+              </a:ext>
+            </a:extLst>
+          </p:cNvPr>
+          <p:cNvSpPr>
+            <a:spLocks noGrp="1"/>
+          </p:cNvSpPr>
+          <p:nvPr>
+            <p:ph type="title"/>
+          </p:nvPr>
+        </p:nvSpPr>
+        <p:spPr/>
+        <p:txBody>
+          <a:bodyPr/>
+          <a:lstStyle/>
+          <a:p>
+            <a:r>
+              <a:rPr lang="en-US" b="1" dirty="0">
+                <a:solidFill>
+                  <a:schemeClr val="accent3"/>
+                </a:solidFill>
+                <a:effectLst>
+                  <a:outerShdw blurRad="38100" dist="38100" dir="2700000" algn="tl">
+                    <a:srgbClr val="000000">
+                      <a:alpha val="43137"/>
+                    </a:srgbClr>
+                  </a:outerShdw>
+                </a:effectLst>
+                <a:latin typeface="Times New Roman" panose="02020603050405020304" pitchFamily="18" charset="0"/>
+                <a:cs typeface="Times New Roman" panose="02020603050405020304" pitchFamily="18" charset="0"/>
+              </a:rPr>
+              <a:t>ER Diagram</a:t>
+            </a:r>
+          </a:p>
+        </p:txBody>
+      </p:sp>
+      <p:pic>
+        <p:nvPicPr>
+          <p:cNvPr id="5" name="Content Placeholder 4" descr="A close up of text on a white surface&#10;&#10;Description automatically generated">
+            <a:extLst>
+              <a:ext uri="{FF2B5EF4-FFF2-40B4-BE49-F238E27FC236}">
+                <a16:creationId xmlns:a16="http://schemas.microsoft.com/office/drawing/2014/main" id="{6EACB86E-0239-4971-8B76-392FF2502486}"/>
+              </a:ext>
+            </a:extLst>
+          </p:cNvPr>
+          <p:cNvPicPr>
+            <a:picLocks noGrp="1" noChangeAspect="1"/>
+          </p:cNvPicPr>
+          <p:nvPr>
+            <p:ph idx="1"/>
+          </p:nvPr>
+        </p:nvPicPr>
+        <p:blipFill>
+          <a:blip r:embed="rId2">
+            <a:extLst>
+              <a:ext uri="{28A0092B-C50C-407E-A947-70E740481C1C}">
+                <a14:useLocalDpi xmlns:a14="http://schemas.microsoft.com/office/drawing/2010/main" val="0"/>
+              </a:ext>
+            </a:extLst>
+          </a:blip>
+          <a:stretch>
+            <a:fillRect/>
+          </a:stretch>
+        </p:blipFill>
+        <p:spPr>
+          <a:xfrm>
+            <a:off x="1469204" y="1216889"/>
+            <a:ext cx="8825502" cy="4927057"/>
+          </a:xfrm>
+        </p:spPr>
+      </p:pic>
+      <p:sp>
+        <p:nvSpPr>
+          <p:cNvPr id="6" name="Footer Placeholder 5">
+            <a:extLst>
+              <a:ext uri="{FF2B5EF4-FFF2-40B4-BE49-F238E27FC236}">
+                <a16:creationId xmlns:a16="http://schemas.microsoft.com/office/drawing/2014/main" id="{BAE23FFC-2FF3-48E5-B3EA-BD5D2D982092}"/>
+              </a:ext>
+            </a:extLst>
+          </p:cNvPr>
+          <p:cNvSpPr>
+            <a:spLocks noGrp="1"/>
+          </p:cNvSpPr>
+          <p:nvPr>
+            <p:ph type="ftr" sz="quarter" idx="11"/>
+          </p:nvPr>
+        </p:nvSpPr>
+        <p:spPr/>
+        <p:txBody>
+          <a:bodyPr/>
+          <a:lstStyle/>
+          <a:p>
+            <a:r>
+              <a:rPr lang="en-US"/>
+              <a:t>Healthify-NWMSU</a:t>
+            </a:r>
+          </a:p>
+        </p:txBody>
+      </p:sp>
+      <p:sp>
+        <p:nvSpPr>
+          <p:cNvPr id="7" name="Slide Number Placeholder 6">
+            <a:extLst>
+              <a:ext uri="{FF2B5EF4-FFF2-40B4-BE49-F238E27FC236}">
+                <a16:creationId xmlns:a16="http://schemas.microsoft.com/office/drawing/2014/main" id="{78F6E9AC-376C-45ED-90C7-5AED69B56DBF}"/>
+              </a:ext>
+            </a:extLst>
+          </p:cNvPr>
+          <p:cNvSpPr>
+            <a:spLocks noGrp="1"/>
+          </p:cNvSpPr>
+          <p:nvPr>
+            <p:ph type="sldNum" sz="quarter" idx="12"/>
+          </p:nvPr>
+        </p:nvSpPr>
+        <p:spPr/>
+        <p:txBody>
+          <a:bodyPr/>
+          <a:lstStyle/>
+          <a:p>
+            <a:fld id="{FC6EDEEF-6E47-4D41-B312-2A124904AE2A}" type="slidenum">
+              <a:rPr lang="en-US" smtClean="0"/>
+              <a:t>8</a:t>
+            </a:fld>
+            <a:endParaRPr lang="en-US"/>
+          </a:p>
+        </p:txBody>
+      </p:sp>
+    </p:spTree>
+    <p:extLst>
+      <p:ext uri="{BB962C8B-B14F-4D97-AF65-F5344CB8AC3E}">
+        <p14:creationId xmlns:p14="http://schemas.microsoft.com/office/powerpoint/2010/main" val="3778845358"/>
+      </p:ext>
+    </p:extLst>
+  </p:cSld>
+  <p:clrMapOvr>
+    <a:masterClrMapping/>
+  </p:clrMapOvr>
+</p:sld>
+</file>
+
+<file path=ppt/slides/slide9.xml><?xml version="1.0" encoding="utf-8"?>
+<p:sld xmlns:a="http://schemas.openxmlformats.org/drawingml/2006/main" xmlns:r="http://schemas.openxmlformats.org/officeDocument/2006/relationships" xmlns:p="http://schemas.openxmlformats.org/presentationml/2006/main">
+  <p:cSld>
+    <p:spTree>
+      <p:nvGrpSpPr>
+        <p:cNvPr id="1" name=""/>
+        <p:cNvGrpSpPr/>
+        <p:nvPr/>
+      </p:nvGrpSpPr>
+      <p:grpSpPr>
+        <a:xfrm>
+          <a:off x="0" y="0"/>
+          <a:ext cx="0" cy="0"/>
+          <a:chOff x="0" y="0"/>
+          <a:chExt cx="0" cy="0"/>
+        </a:xfrm>
+      </p:grpSpPr>
+      <p:sp>
+        <p:nvSpPr>
+          <p:cNvPr id="2" name="Title 1">
+            <a:extLst>
+              <a:ext uri="{FF2B5EF4-FFF2-40B4-BE49-F238E27FC236}">
+                <a16:creationId xmlns:a16="http://schemas.microsoft.com/office/drawing/2014/main" id="{D10C0F41-67DB-4902-B02E-10AF0EA12871}"/>
+              </a:ext>
+            </a:extLst>
+          </p:cNvPr>
+          <p:cNvSpPr>
+            <a:spLocks noGrp="1"/>
+          </p:cNvSpPr>
+          <p:nvPr>
+            <p:ph type="title"/>
+          </p:nvPr>
+        </p:nvSpPr>
+        <p:spPr/>
+        <p:txBody>
+          <a:bodyPr/>
+          <a:lstStyle/>
+          <a:p>
+            <a:r>
+              <a:rPr lang="en-US" b="1" dirty="0">
+                <a:solidFill>
+                  <a:schemeClr val="accent3"/>
+                </a:solidFill>
+                <a:effectLst>
+                  <a:outerShdw blurRad="38100" dist="38100" dir="2700000" algn="tl">
+                    <a:srgbClr val="000000">
+                      <a:alpha val="43137"/>
+                    </a:srgbClr>
+                  </a:outerShdw>
+                </a:effectLst>
+                <a:latin typeface="Times New Roman" panose="02020603050405020304" pitchFamily="18" charset="0"/>
+                <a:cs typeface="Times New Roman" panose="02020603050405020304" pitchFamily="18" charset="0"/>
+              </a:rPr>
+              <a:t>Schedule Management</a:t>
+            </a:r>
+          </a:p>
+        </p:txBody>
+      </p:sp>
+      <p:pic>
+        <p:nvPicPr>
+          <p:cNvPr id="5" name="Content Placeholder 4" descr="A screenshot of a computer&#10;&#10;Description automatically generated">
+            <a:extLst>
+              <a:ext uri="{FF2B5EF4-FFF2-40B4-BE49-F238E27FC236}">
+                <a16:creationId xmlns:a16="http://schemas.microsoft.com/office/drawing/2014/main" id="{B6736611-1689-4464-81E3-6C6B2B6F5B36}"/>
+              </a:ext>
+            </a:extLst>
+          </p:cNvPr>
+          <p:cNvPicPr>
+            <a:picLocks noGrp="1" noChangeAspect="1"/>
+          </p:cNvPicPr>
+          <p:nvPr>
+            <p:ph idx="1"/>
+          </p:nvPr>
+        </p:nvPicPr>
+        <p:blipFill>
+          <a:blip r:embed="rId2">
+            <a:extLst>
+              <a:ext uri="{28A0092B-C50C-407E-A947-70E740481C1C}">
+                <a14:useLocalDpi xmlns:a14="http://schemas.microsoft.com/office/drawing/2010/main" val="0"/>
+              </a:ext>
+            </a:extLst>
+          </a:blip>
+          <a:stretch>
+            <a:fillRect/>
+          </a:stretch>
+        </p:blipFill>
+        <p:spPr>
+          <a:xfrm>
+            <a:off x="1191803" y="1263721"/>
+            <a:ext cx="9832368" cy="4890499"/>
+          </a:xfrm>
+        </p:spPr>
+      </p:pic>
+      <p:sp>
+        <p:nvSpPr>
+          <p:cNvPr id="6" name="Footer Placeholder 5">
+            <a:extLst>
+              <a:ext uri="{FF2B5EF4-FFF2-40B4-BE49-F238E27FC236}">
+                <a16:creationId xmlns:a16="http://schemas.microsoft.com/office/drawing/2014/main" id="{BB5C8C6F-C16D-4AB6-9B47-536A364DF7B3}"/>
+              </a:ext>
+            </a:extLst>
+          </p:cNvPr>
+          <p:cNvSpPr>
+            <a:spLocks noGrp="1"/>
+          </p:cNvSpPr>
+          <p:nvPr>
+            <p:ph type="ftr" sz="quarter" idx="11"/>
+          </p:nvPr>
+        </p:nvSpPr>
+        <p:spPr/>
+        <p:txBody>
+          <a:bodyPr/>
+          <a:lstStyle/>
+          <a:p>
+            <a:r>
+              <a:rPr lang="en-US"/>
+              <a:t>Healthify-NWMSU</a:t>
+            </a:r>
+          </a:p>
+        </p:txBody>
+      </p:sp>
+      <p:sp>
+        <p:nvSpPr>
+          <p:cNvPr id="7" name="Slide Number Placeholder 6">
+            <a:extLst>
+              <a:ext uri="{FF2B5EF4-FFF2-40B4-BE49-F238E27FC236}">
+                <a16:creationId xmlns:a16="http://schemas.microsoft.com/office/drawing/2014/main" id="{6B953DC5-5829-4EC7-99E1-A0A0139D473D}"/>
+              </a:ext>
+            </a:extLst>
+          </p:cNvPr>
+          <p:cNvSpPr>
+            <a:spLocks noGrp="1"/>
+          </p:cNvSpPr>
+          <p:nvPr>
+            <p:ph type="sldNum" sz="quarter" idx="12"/>
+          </p:nvPr>
+        </p:nvSpPr>
+        <p:spPr/>
+        <p:txBody>
+          <a:bodyPr/>
+          <a:lstStyle/>
+          <a:p>
+            <a:fld id="{FC6EDEEF-6E47-4D41-B312-2A124904AE2A}" type="slidenum">
+              <a:rPr lang="en-US" smtClean="0"/>
               <a:t>9</a:t>
             </a:fld>
             <a:endParaRPr lang="en-US"/>
@@ -9586,7 +9604,7 @@
     </p:spTree>
     <p:extLst>
       <p:ext uri="{BB962C8B-B14F-4D97-AF65-F5344CB8AC3E}">
-        <p14:creationId xmlns:p14="http://schemas.microsoft.com/office/powerpoint/2010/main" val="971212024"/>
+        <p14:creationId xmlns:p14="http://schemas.microsoft.com/office/powerpoint/2010/main" val="4153707155"/>
       </p:ext>
     </p:extLst>
   </p:cSld>

--- a/Healthify-NWMSU.pptx
+++ b/Healthify-NWMSU.pptx
@@ -7230,7 +7230,9 @@
                   <a:prstDash val="solid"/>
                 </a:ln>
                 <a:solidFill>
-                  <a:schemeClr val="accent3"/>
+                  <a:schemeClr val="accent1">
+                    <a:lumMod val="75000"/>
+                  </a:schemeClr>
                 </a:solidFill>
                 <a:effectLst>
                   <a:outerShdw blurRad="38100" dist="38100" dir="2700000" algn="tl">

--- a/Healthify-NWMSU.pptx
+++ b/Healthify-NWMSU.pptx
@@ -5,7 +5,7 @@
     <p:sldMasterId id="2147484073" r:id="rId1"/>
   </p:sldMasterIdLst>
   <p:notesMasterIdLst>
-    <p:notesMasterId r:id="rId15"/>
+    <p:notesMasterId r:id="rId16"/>
   </p:notesMasterIdLst>
   <p:sldIdLst>
     <p:sldId id="256" r:id="rId2"/>
@@ -18,9 +18,10 @@
     <p:sldId id="263" r:id="rId9"/>
     <p:sldId id="273" r:id="rId10"/>
     <p:sldId id="274" r:id="rId11"/>
-    <p:sldId id="275" r:id="rId12"/>
-    <p:sldId id="276" r:id="rId13"/>
-    <p:sldId id="264" r:id="rId14"/>
+    <p:sldId id="277" r:id="rId12"/>
+    <p:sldId id="275" r:id="rId13"/>
+    <p:sldId id="276" r:id="rId14"/>
+    <p:sldId id="264" r:id="rId15"/>
   </p:sldIdLst>
   <p:sldSz cx="12192000" cy="6858000"/>
   <p:notesSz cx="6858000" cy="9144000"/>
@@ -6613,7 +6614,7 @@
           <p:cNvPr id="2" name="Title 1">
             <a:extLst>
               <a:ext uri="{FF2B5EF4-FFF2-40B4-BE49-F238E27FC236}">
-                <a16:creationId xmlns:a16="http://schemas.microsoft.com/office/drawing/2014/main" id="{405F658A-143D-4B11-9418-4DFD99116EE8}"/>
+                <a16:creationId xmlns:a16="http://schemas.microsoft.com/office/drawing/2014/main" id="{5C26CEDB-B68F-49B7-B077-EF59C97D7443}"/>
               </a:ext>
             </a:extLst>
           </p:cNvPr>
@@ -6624,7 +6625,12 @@
             <p:ph type="title"/>
           </p:nvPr>
         </p:nvSpPr>
-        <p:spPr/>
+        <p:spPr>
+          <a:xfrm>
+            <a:off x="677334" y="609600"/>
+            <a:ext cx="8596668" cy="613025"/>
+          </a:xfrm>
+        </p:spPr>
         <p:txBody>
           <a:bodyPr>
             <a:normAutofit fontScale="90000"/>
@@ -6632,200 +6638,53 @@
           <a:lstStyle/>
           <a:p>
             <a:r>
-              <a:rPr lang="en-US" b="1" dirty="0">
-                <a:solidFill>
-                  <a:schemeClr val="accent3"/>
-                </a:solidFill>
-                <a:effectLst>
-                  <a:outerShdw blurRad="38100" dist="38100" dir="2700000" algn="tl">
-                    <a:srgbClr val="000000">
-                      <a:alpha val="43137"/>
-                    </a:srgbClr>
-                  </a:outerShdw>
-                </a:effectLst>
-                <a:latin typeface="Times New Roman" panose="02020603050405020304" pitchFamily="18" charset="0"/>
-                <a:cs typeface="Times New Roman" panose="02020603050405020304" pitchFamily="18" charset="0"/>
-              </a:rPr>
-              <a:t>Benefits</a:t>
-            </a:r>
-            <a:br>
-              <a:rPr lang="en-US" sz="2400" b="1" dirty="0">
-                <a:latin typeface="Times New Roman" panose="02020603050405020304" pitchFamily="18" charset="0"/>
-                <a:cs typeface="Times New Roman" panose="02020603050405020304" pitchFamily="18" charset="0"/>
-              </a:rPr>
-            </a:br>
-            <a:br>
-              <a:rPr lang="en-US" sz="2400" b="1" dirty="0">
-                <a:latin typeface="Times New Roman" panose="02020603050405020304" pitchFamily="18" charset="0"/>
-                <a:cs typeface="Times New Roman" panose="02020603050405020304" pitchFamily="18" charset="0"/>
-              </a:rPr>
-            </a:br>
-            <a:endParaRPr lang="en-US" sz="2400" dirty="0">
-              <a:latin typeface="Times New Roman" panose="02020603050405020304" pitchFamily="18" charset="0"/>
-              <a:cs typeface="Times New Roman" panose="02020603050405020304" pitchFamily="18" charset="0"/>
-            </a:endParaRPr>
-          </a:p>
-        </p:txBody>
-      </p:sp>
-      <p:sp>
-        <p:nvSpPr>
-          <p:cNvPr id="3" name="Content Placeholder 2">
+              <a:rPr lang="en-US" dirty="0"/>
+              <a:t>Testing</a:t>
+            </a:r>
+          </a:p>
+        </p:txBody>
+      </p:sp>
+      <p:pic>
+        <p:nvPicPr>
+          <p:cNvPr id="7" name="Content Placeholder 6" descr="A screenshot of a cell phone&#10;&#10;Description automatically generated">
             <a:extLst>
               <a:ext uri="{FF2B5EF4-FFF2-40B4-BE49-F238E27FC236}">
-                <a16:creationId xmlns:a16="http://schemas.microsoft.com/office/drawing/2014/main" id="{3C1589E6-2CE7-437E-B912-6C37A64FE22A}"/>
+                <a16:creationId xmlns:a16="http://schemas.microsoft.com/office/drawing/2014/main" id="{B2E7F958-D2AC-4554-AA2D-2B947A87153C}"/>
               </a:ext>
             </a:extLst>
           </p:cNvPr>
-          <p:cNvSpPr>
-            <a:spLocks noGrp="1"/>
-          </p:cNvSpPr>
+          <p:cNvPicPr>
+            <a:picLocks noGrp="1" noChangeAspect="1"/>
+          </p:cNvPicPr>
           <p:nvPr>
             <p:ph idx="1"/>
           </p:nvPr>
-        </p:nvSpPr>
+        </p:nvPicPr>
+        <p:blipFill>
+          <a:blip r:embed="rId2">
+            <a:extLst>
+              <a:ext uri="{28A0092B-C50C-407E-A947-70E740481C1C}">
+                <a14:useLocalDpi xmlns:a14="http://schemas.microsoft.com/office/drawing/2010/main" val="0"/>
+              </a:ext>
+            </a:extLst>
+          </a:blip>
+          <a:stretch>
+            <a:fillRect/>
+          </a:stretch>
+        </p:blipFill>
         <p:spPr>
           <a:xfrm>
-            <a:off x="1103312" y="1335640"/>
-            <a:ext cx="8946541" cy="4912759"/>
+            <a:off x="462107" y="1440829"/>
+            <a:ext cx="3471620" cy="1446208"/>
           </a:xfrm>
         </p:spPr>
-        <p:txBody>
-          <a:bodyPr>
-            <a:normAutofit fontScale="92500" lnSpcReduction="10000"/>
-          </a:bodyPr>
-          <a:lstStyle/>
-          <a:p>
-            <a:r>
-              <a:rPr lang="en-US" dirty="0">
-                <a:latin typeface="Times New Roman" panose="02020603050405020304" pitchFamily="18" charset="0"/>
-                <a:cs typeface="Times New Roman" panose="02020603050405020304" pitchFamily="18" charset="0"/>
-              </a:rPr>
-              <a:t>Monitor your diet everyday</a:t>
-            </a:r>
-          </a:p>
-          <a:p>
-            <a:r>
-              <a:rPr lang="en-US" dirty="0">
-                <a:latin typeface="Times New Roman" panose="02020603050405020304" pitchFamily="18" charset="0"/>
-                <a:cs typeface="Times New Roman" panose="02020603050405020304" pitchFamily="18" charset="0"/>
-              </a:rPr>
-              <a:t>Track your footsteps</a:t>
-            </a:r>
-          </a:p>
-          <a:p>
-            <a:r>
-              <a:rPr lang="en-US" dirty="0">
-                <a:latin typeface="Times New Roman" panose="02020603050405020304" pitchFamily="18" charset="0"/>
-                <a:cs typeface="Times New Roman" panose="02020603050405020304" pitchFamily="18" charset="0"/>
-              </a:rPr>
-              <a:t>Track your water intake</a:t>
-            </a:r>
-          </a:p>
-          <a:p>
-            <a:r>
-              <a:rPr lang="en-US" dirty="0">
-                <a:latin typeface="Times New Roman" panose="02020603050405020304" pitchFamily="18" charset="0"/>
-                <a:cs typeface="Times New Roman" panose="02020603050405020304" pitchFamily="18" charset="0"/>
-              </a:rPr>
-              <a:t>Helps in calorie count</a:t>
-            </a:r>
-          </a:p>
-          <a:p>
-            <a:r>
-              <a:rPr lang="en-US" dirty="0">
-                <a:latin typeface="Times New Roman" panose="02020603050405020304" pitchFamily="18" charset="0"/>
-                <a:cs typeface="Times New Roman" panose="02020603050405020304" pitchFamily="18" charset="0"/>
-              </a:rPr>
-              <a:t>Set goals that you can achieve</a:t>
-            </a:r>
-          </a:p>
-          <a:p>
-            <a:r>
-              <a:rPr lang="en-US" dirty="0">
-                <a:latin typeface="Times New Roman" panose="02020603050405020304" pitchFamily="18" charset="0"/>
-                <a:cs typeface="Times New Roman" panose="02020603050405020304" pitchFamily="18" charset="0"/>
-              </a:rPr>
-              <a:t>Create your yoga studio</a:t>
-            </a:r>
-          </a:p>
-          <a:p>
-            <a:r>
-              <a:rPr lang="en-US" dirty="0">
-                <a:latin typeface="Times New Roman" panose="02020603050405020304" pitchFamily="18" charset="0"/>
-                <a:cs typeface="Times New Roman" panose="02020603050405020304" pitchFamily="18" charset="0"/>
-              </a:rPr>
-              <a:t>Easily keep track of your progress</a:t>
-            </a:r>
-          </a:p>
-          <a:p>
-            <a:r>
-              <a:rPr lang="en-US" dirty="0">
-                <a:latin typeface="Times New Roman" panose="02020603050405020304" pitchFamily="18" charset="0"/>
-                <a:cs typeface="Times New Roman" panose="02020603050405020304" pitchFamily="18" charset="0"/>
-              </a:rPr>
-              <a:t>Get free workout ideas</a:t>
-            </a:r>
-          </a:p>
-          <a:p>
-            <a:r>
-              <a:rPr lang="en-US" dirty="0">
-                <a:latin typeface="Times New Roman" panose="02020603050405020304" pitchFamily="18" charset="0"/>
-                <a:cs typeface="Times New Roman" panose="02020603050405020304" pitchFamily="18" charset="0"/>
-              </a:rPr>
-              <a:t>Heartrate tracking</a:t>
-            </a:r>
-          </a:p>
-          <a:p>
-            <a:r>
-              <a:rPr lang="en-US" dirty="0">
-                <a:latin typeface="Times New Roman" panose="02020603050405020304" pitchFamily="18" charset="0"/>
-                <a:cs typeface="Times New Roman" panose="02020603050405020304" pitchFamily="18" charset="0"/>
-              </a:rPr>
-              <a:t>Weight loss progression</a:t>
-            </a:r>
-          </a:p>
-          <a:p>
-            <a:r>
-              <a:rPr lang="en-US" dirty="0">
-                <a:latin typeface="Times New Roman" panose="02020603050405020304" pitchFamily="18" charset="0"/>
-                <a:cs typeface="Times New Roman" panose="02020603050405020304" pitchFamily="18" charset="0"/>
-              </a:rPr>
-              <a:t>Pedometer</a:t>
-            </a:r>
-          </a:p>
-          <a:p>
-            <a:r>
-              <a:rPr lang="en-US" dirty="0">
-                <a:latin typeface="Times New Roman" panose="02020603050405020304" pitchFamily="18" charset="0"/>
-                <a:cs typeface="Times New Roman" panose="02020603050405020304" pitchFamily="18" charset="0"/>
-              </a:rPr>
-              <a:t>Give free health and fitness tips</a:t>
-            </a:r>
-          </a:p>
-          <a:p>
-            <a:r>
-              <a:rPr lang="en-US" dirty="0">
-                <a:latin typeface="Times New Roman" panose="02020603050405020304" pitchFamily="18" charset="0"/>
-                <a:cs typeface="Times New Roman" panose="02020603050405020304" pitchFamily="18" charset="0"/>
-              </a:rPr>
-              <a:t>Keeps you Motivated</a:t>
-            </a:r>
-            <a:br>
-              <a:rPr lang="en-US" dirty="0">
-                <a:latin typeface="Times New Roman" panose="02020603050405020304" pitchFamily="18" charset="0"/>
-                <a:cs typeface="Times New Roman" panose="02020603050405020304" pitchFamily="18" charset="0"/>
-              </a:rPr>
-            </a:br>
-            <a:endParaRPr lang="en-US" dirty="0"/>
-          </a:p>
-        </p:txBody>
-      </p:sp>
-      <p:sp>
-        <p:nvSpPr>
-          <p:cNvPr id="6" name="Footer Placeholder 5">
+      </p:pic>
+      <p:sp>
+        <p:nvSpPr>
+          <p:cNvPr id="4" name="Footer Placeholder 3">
             <a:extLst>
               <a:ext uri="{FF2B5EF4-FFF2-40B4-BE49-F238E27FC236}">
-                <a16:creationId xmlns:a16="http://schemas.microsoft.com/office/drawing/2014/main" id="{4B608E52-3160-4FB5-9321-FA0230206FAF}"/>
+                <a16:creationId xmlns:a16="http://schemas.microsoft.com/office/drawing/2014/main" id="{5C00AC9C-6425-4E98-8DD9-36ECE9E93F64}"/>
               </a:ext>
             </a:extLst>
           </p:cNvPr>
@@ -6850,10 +6709,10 @@
       </p:sp>
       <p:sp>
         <p:nvSpPr>
-          <p:cNvPr id="7" name="Slide Number Placeholder 6">
+          <p:cNvPr id="5" name="Slide Number Placeholder 4">
             <a:extLst>
               <a:ext uri="{FF2B5EF4-FFF2-40B4-BE49-F238E27FC236}">
-                <a16:creationId xmlns:a16="http://schemas.microsoft.com/office/drawing/2014/main" id="{B2E28E4D-841C-4814-8F4D-BA4586DE59F7}"/>
+                <a16:creationId xmlns:a16="http://schemas.microsoft.com/office/drawing/2014/main" id="{63E81D11-1787-403B-89B7-F1A6137BE457}"/>
               </a:ext>
             </a:extLst>
           </p:cNvPr>
@@ -6877,10 +6736,190 @@
           </a:p>
         </p:txBody>
       </p:sp>
+      <p:pic>
+        <p:nvPicPr>
+          <p:cNvPr id="9" name="Picture 8" descr="A picture containing wire, light&#10;&#10;Description automatically generated">
+            <a:extLst>
+              <a:ext uri="{FF2B5EF4-FFF2-40B4-BE49-F238E27FC236}">
+                <a16:creationId xmlns:a16="http://schemas.microsoft.com/office/drawing/2014/main" id="{751989BA-35A3-4132-B675-561E54449DDA}"/>
+              </a:ext>
+            </a:extLst>
+          </p:cNvPr>
+          <p:cNvPicPr>
+            <a:picLocks noChangeAspect="1"/>
+          </p:cNvPicPr>
+          <p:nvPr/>
+        </p:nvPicPr>
+        <p:blipFill>
+          <a:blip r:embed="rId3">
+            <a:extLst>
+              <a:ext uri="{28A0092B-C50C-407E-A947-70E740481C1C}">
+                <a14:useLocalDpi xmlns:a14="http://schemas.microsoft.com/office/drawing/2010/main" val="0"/>
+              </a:ext>
+            </a:extLst>
+          </a:blip>
+          <a:stretch>
+            <a:fillRect/>
+          </a:stretch>
+        </p:blipFill>
+        <p:spPr>
+          <a:xfrm>
+            <a:off x="4073652" y="1440828"/>
+            <a:ext cx="4517011" cy="1446209"/>
+          </a:xfrm>
+          <a:prstGeom prst="rect">
+            <a:avLst/>
+          </a:prstGeom>
+        </p:spPr>
+      </p:pic>
+      <p:pic>
+        <p:nvPicPr>
+          <p:cNvPr id="11" name="Picture 10" descr="A screenshot of a cell phone&#10;&#10;Description automatically generated">
+            <a:extLst>
+              <a:ext uri="{FF2B5EF4-FFF2-40B4-BE49-F238E27FC236}">
+                <a16:creationId xmlns:a16="http://schemas.microsoft.com/office/drawing/2014/main" id="{57F46A56-3B61-4992-8091-7B151A628A50}"/>
+              </a:ext>
+            </a:extLst>
+          </p:cNvPr>
+          <p:cNvPicPr>
+            <a:picLocks noChangeAspect="1"/>
+          </p:cNvPicPr>
+          <p:nvPr/>
+        </p:nvPicPr>
+        <p:blipFill>
+          <a:blip r:embed="rId4">
+            <a:extLst>
+              <a:ext uri="{28A0092B-C50C-407E-A947-70E740481C1C}">
+                <a14:useLocalDpi xmlns:a14="http://schemas.microsoft.com/office/drawing/2010/main" val="0"/>
+              </a:ext>
+            </a:extLst>
+          </a:blip>
+          <a:stretch>
+            <a:fillRect/>
+          </a:stretch>
+        </p:blipFill>
+        <p:spPr>
+          <a:xfrm>
+            <a:off x="8730588" y="1440828"/>
+            <a:ext cx="3545328" cy="1446209"/>
+          </a:xfrm>
+          <a:prstGeom prst="rect">
+            <a:avLst/>
+          </a:prstGeom>
+        </p:spPr>
+      </p:pic>
+      <p:pic>
+        <p:nvPicPr>
+          <p:cNvPr id="13" name="Picture 12" descr="A screenshot of a cell phone&#10;&#10;Description automatically generated">
+            <a:extLst>
+              <a:ext uri="{FF2B5EF4-FFF2-40B4-BE49-F238E27FC236}">
+                <a16:creationId xmlns:a16="http://schemas.microsoft.com/office/drawing/2014/main" id="{D3DC044B-DA68-4DFB-A15D-86C83CA65F27}"/>
+              </a:ext>
+            </a:extLst>
+          </p:cNvPr>
+          <p:cNvPicPr>
+            <a:picLocks noChangeAspect="1"/>
+          </p:cNvPicPr>
+          <p:nvPr/>
+        </p:nvPicPr>
+        <p:blipFill>
+          <a:blip r:embed="rId5">
+            <a:extLst>
+              <a:ext uri="{28A0092B-C50C-407E-A947-70E740481C1C}">
+                <a14:useLocalDpi xmlns:a14="http://schemas.microsoft.com/office/drawing/2010/main" val="0"/>
+              </a:ext>
+            </a:extLst>
+          </a:blip>
+          <a:stretch>
+            <a:fillRect/>
+          </a:stretch>
+        </p:blipFill>
+        <p:spPr>
+          <a:xfrm>
+            <a:off x="462107" y="3710143"/>
+            <a:ext cx="2969818" cy="1707028"/>
+          </a:xfrm>
+          <a:prstGeom prst="rect">
+            <a:avLst/>
+          </a:prstGeom>
+        </p:spPr>
+      </p:pic>
+      <p:pic>
+        <p:nvPicPr>
+          <p:cNvPr id="15" name="Picture 14" descr="A screenshot of a cell phone&#10;&#10;Description automatically generated">
+            <a:extLst>
+              <a:ext uri="{FF2B5EF4-FFF2-40B4-BE49-F238E27FC236}">
+                <a16:creationId xmlns:a16="http://schemas.microsoft.com/office/drawing/2014/main" id="{BF669350-0A2C-4A3B-8C13-D073BF8D2833}"/>
+              </a:ext>
+            </a:extLst>
+          </p:cNvPr>
+          <p:cNvPicPr>
+            <a:picLocks noChangeAspect="1"/>
+          </p:cNvPicPr>
+          <p:nvPr/>
+        </p:nvPicPr>
+        <p:blipFill>
+          <a:blip r:embed="rId6">
+            <a:extLst>
+              <a:ext uri="{28A0092B-C50C-407E-A947-70E740481C1C}">
+                <a14:useLocalDpi xmlns:a14="http://schemas.microsoft.com/office/drawing/2010/main" val="0"/>
+              </a:ext>
+            </a:extLst>
+          </a:blip>
+          <a:stretch>
+            <a:fillRect/>
+          </a:stretch>
+        </p:blipFill>
+        <p:spPr>
+          <a:xfrm>
+            <a:off x="3750067" y="3710144"/>
+            <a:ext cx="4162589" cy="1707028"/>
+          </a:xfrm>
+          <a:prstGeom prst="rect">
+            <a:avLst/>
+          </a:prstGeom>
+        </p:spPr>
+      </p:pic>
+      <p:pic>
+        <p:nvPicPr>
+          <p:cNvPr id="17" name="Picture 16" descr="A screenshot of a cell phone&#10;&#10;Description automatically generated">
+            <a:extLst>
+              <a:ext uri="{FF2B5EF4-FFF2-40B4-BE49-F238E27FC236}">
+                <a16:creationId xmlns:a16="http://schemas.microsoft.com/office/drawing/2014/main" id="{5EA25749-4F5A-41C3-BE73-5D932F330DA7}"/>
+              </a:ext>
+            </a:extLst>
+          </p:cNvPr>
+          <p:cNvPicPr>
+            <a:picLocks noChangeAspect="1"/>
+          </p:cNvPicPr>
+          <p:nvPr/>
+        </p:nvPicPr>
+        <p:blipFill>
+          <a:blip r:embed="rId7">
+            <a:extLst>
+              <a:ext uri="{28A0092B-C50C-407E-A947-70E740481C1C}">
+                <a14:useLocalDpi xmlns:a14="http://schemas.microsoft.com/office/drawing/2010/main" val="0"/>
+              </a:ext>
+            </a:extLst>
+          </a:blip>
+          <a:stretch>
+            <a:fillRect/>
+          </a:stretch>
+        </p:blipFill>
+        <p:spPr>
+          <a:xfrm>
+            <a:off x="8219326" y="3710143"/>
+            <a:ext cx="3869292" cy="1707028"/>
+          </a:xfrm>
+          <a:prstGeom prst="rect">
+            <a:avLst/>
+          </a:prstGeom>
+        </p:spPr>
+      </p:pic>
     </p:spTree>
     <p:extLst>
       <p:ext uri="{BB962C8B-B14F-4D97-AF65-F5344CB8AC3E}">
-        <p14:creationId xmlns:p14="http://schemas.microsoft.com/office/powerpoint/2010/main" val="964727621"/>
+        <p14:creationId xmlns:p14="http://schemas.microsoft.com/office/powerpoint/2010/main" val="1471639468"/>
       </p:ext>
     </p:extLst>
   </p:cSld>
@@ -6912,7 +6951,7 @@
           <p:cNvPr id="2" name="Title 1">
             <a:extLst>
               <a:ext uri="{FF2B5EF4-FFF2-40B4-BE49-F238E27FC236}">
-                <a16:creationId xmlns:a16="http://schemas.microsoft.com/office/drawing/2014/main" id="{C97ED26C-B80A-468B-9308-6F02858E1560}"/>
+                <a16:creationId xmlns:a16="http://schemas.microsoft.com/office/drawing/2014/main" id="{405F658A-143D-4B11-9418-4DFD99116EE8}"/>
               </a:ext>
             </a:extLst>
           </p:cNvPr>
@@ -6923,14 +6962,11 @@
             <p:ph type="title"/>
           </p:nvPr>
         </p:nvSpPr>
-        <p:spPr>
-          <a:xfrm>
-            <a:off x="646111" y="452718"/>
-            <a:ext cx="9404723" cy="934293"/>
-          </a:xfrm>
-        </p:spPr>
-        <p:txBody>
-          <a:bodyPr/>
+        <p:spPr/>
+        <p:txBody>
+          <a:bodyPr>
+            <a:normAutofit fontScale="90000"/>
+          </a:bodyPr>
           <a:lstStyle/>
           <a:p>
             <a:r>
@@ -6948,8 +6984,24 @@
                 <a:latin typeface="Times New Roman" panose="02020603050405020304" pitchFamily="18" charset="0"/>
                 <a:cs typeface="Times New Roman" panose="02020603050405020304" pitchFamily="18" charset="0"/>
               </a:rPr>
-              <a:t>References</a:t>
-            </a:r>
+              <a:t>Benefits</a:t>
+            </a:r>
+            <a:br>
+              <a:rPr lang="en-US" sz="2400" b="1" dirty="0">
+                <a:latin typeface="Times New Roman" panose="02020603050405020304" pitchFamily="18" charset="0"/>
+                <a:cs typeface="Times New Roman" panose="02020603050405020304" pitchFamily="18" charset="0"/>
+              </a:rPr>
+            </a:br>
+            <a:br>
+              <a:rPr lang="en-US" sz="2400" b="1" dirty="0">
+                <a:latin typeface="Times New Roman" panose="02020603050405020304" pitchFamily="18" charset="0"/>
+                <a:cs typeface="Times New Roman" panose="02020603050405020304" pitchFamily="18" charset="0"/>
+              </a:rPr>
+            </a:br>
+            <a:endParaRPr lang="en-US" sz="2400" dirty="0">
+              <a:latin typeface="Times New Roman" panose="02020603050405020304" pitchFamily="18" charset="0"/>
+              <a:cs typeface="Times New Roman" panose="02020603050405020304" pitchFamily="18" charset="0"/>
+            </a:endParaRPr>
           </a:p>
         </p:txBody>
       </p:sp>
@@ -6958,7 +7010,7 @@
           <p:cNvPr id="3" name="Content Placeholder 2">
             <a:extLst>
               <a:ext uri="{FF2B5EF4-FFF2-40B4-BE49-F238E27FC236}">
-                <a16:creationId xmlns:a16="http://schemas.microsoft.com/office/drawing/2014/main" id="{5788D7AD-89B9-4372-933F-CB05EC9505E5}"/>
+                <a16:creationId xmlns:a16="http://schemas.microsoft.com/office/drawing/2014/main" id="{3C1589E6-2CE7-437E-B912-6C37A64FE22A}"/>
               </a:ext>
             </a:extLst>
           </p:cNvPr>
@@ -6971,12 +7023,14 @@
         </p:nvSpPr>
         <p:spPr>
           <a:xfrm>
-            <a:off x="1103312" y="1387012"/>
-            <a:ext cx="8946541" cy="4861388"/>
+            <a:off x="1103312" y="1335640"/>
+            <a:ext cx="8946541" cy="4912759"/>
           </a:xfrm>
         </p:spPr>
         <p:txBody>
-          <a:bodyPr/>
+          <a:bodyPr>
+            <a:normAutofit fontScale="92500" lnSpcReduction="10000"/>
+          </a:bodyPr>
           <a:lstStyle/>
           <a:p>
             <a:r>
@@ -6984,20 +7038,8 @@
                 <a:latin typeface="Times New Roman" panose="02020603050405020304" pitchFamily="18" charset="0"/>
                 <a:cs typeface="Times New Roman" panose="02020603050405020304" pitchFamily="18" charset="0"/>
               </a:rPr>
-              <a:t>Jira link: </a:t>
-            </a:r>
-            <a:r>
-              <a:rPr lang="en-US" dirty="0">
-                <a:latin typeface="Times New Roman" panose="02020603050405020304" pitchFamily="18" charset="0"/>
-                <a:cs typeface="Times New Roman" panose="02020603050405020304" pitchFamily="18" charset="0"/>
-                <a:hlinkClick r:id="rId2"/>
-              </a:rPr>
-              <a:t>https://sowmyathogiti27.atlassian.net/jira/software/projects/HN/boards/2</a:t>
-            </a:r>
-            <a:endParaRPr lang="en-US" dirty="0">
-              <a:latin typeface="Times New Roman" panose="02020603050405020304" pitchFamily="18" charset="0"/>
-              <a:cs typeface="Times New Roman" panose="02020603050405020304" pitchFamily="18" charset="0"/>
-            </a:endParaRPr>
+              <a:t>Monitor your diet everyday</a:t>
+            </a:r>
           </a:p>
           <a:p>
             <a:r>
@@ -7005,50 +7047,113 @@
                 <a:latin typeface="Times New Roman" panose="02020603050405020304" pitchFamily="18" charset="0"/>
                 <a:cs typeface="Times New Roman" panose="02020603050405020304" pitchFamily="18" charset="0"/>
               </a:rPr>
-              <a:t>FluidUI Link: </a:t>
-            </a:r>
-            <a:r>
-              <a:rPr lang="en-US" dirty="0">
-                <a:latin typeface="Times New Roman" panose="02020603050405020304" pitchFamily="18" charset="0"/>
-                <a:cs typeface="Times New Roman" panose="02020603050405020304" pitchFamily="18" charset="0"/>
-                <a:hlinkClick r:id="rId3"/>
-              </a:rPr>
-              <a:t>https://www.fluidui.com/editor/live/</a:t>
-            </a:r>
-            <a:endParaRPr lang="en-US" dirty="0">
-              <a:latin typeface="Times New Roman" panose="02020603050405020304" pitchFamily="18" charset="0"/>
-              <a:cs typeface="Times New Roman" panose="02020603050405020304" pitchFamily="18" charset="0"/>
-            </a:endParaRPr>
-          </a:p>
-          <a:p>
-            <a:r>
-              <a:rPr lang="en-US" dirty="0" err="1">
-                <a:latin typeface="Times New Roman" panose="02020603050405020304" pitchFamily="18" charset="0"/>
-                <a:cs typeface="Times New Roman" panose="02020603050405020304" pitchFamily="18" charset="0"/>
-              </a:rPr>
-              <a:t>Github</a:t>
-            </a:r>
+              <a:t>Track your footsteps</a:t>
+            </a:r>
+          </a:p>
+          <a:p>
             <a:r>
               <a:rPr lang="en-US" dirty="0">
                 <a:latin typeface="Times New Roman" panose="02020603050405020304" pitchFamily="18" charset="0"/>
                 <a:cs typeface="Times New Roman" panose="02020603050405020304" pitchFamily="18" charset="0"/>
               </a:rPr>
-              <a:t> Link: </a:t>
-            </a:r>
+              <a:t>Track your water intake</a:t>
+            </a:r>
+          </a:p>
+          <a:p>
             <a:r>
               <a:rPr lang="en-US" dirty="0">
                 <a:latin typeface="Times New Roman" panose="02020603050405020304" pitchFamily="18" charset="0"/>
                 <a:cs typeface="Times New Roman" panose="02020603050405020304" pitchFamily="18" charset="0"/>
-                <a:hlinkClick r:id="rId4"/>
               </a:rPr>
-              <a:t>https://github.com/sowmyathogiti/Healthify-NWMSU</a:t>
-            </a:r>
-            <a:endParaRPr lang="en-US" dirty="0">
-              <a:latin typeface="Times New Roman" panose="02020603050405020304" pitchFamily="18" charset="0"/>
-              <a:cs typeface="Times New Roman" panose="02020603050405020304" pitchFamily="18" charset="0"/>
-            </a:endParaRPr>
-          </a:p>
-          <a:p>
+              <a:t>Helps in calorie count</a:t>
+            </a:r>
+          </a:p>
+          <a:p>
+            <a:r>
+              <a:rPr lang="en-US" dirty="0">
+                <a:latin typeface="Times New Roman" panose="02020603050405020304" pitchFamily="18" charset="0"/>
+                <a:cs typeface="Times New Roman" panose="02020603050405020304" pitchFamily="18" charset="0"/>
+              </a:rPr>
+              <a:t>Set goals that you can achieve</a:t>
+            </a:r>
+          </a:p>
+          <a:p>
+            <a:r>
+              <a:rPr lang="en-US" dirty="0">
+                <a:latin typeface="Times New Roman" panose="02020603050405020304" pitchFamily="18" charset="0"/>
+                <a:cs typeface="Times New Roman" panose="02020603050405020304" pitchFamily="18" charset="0"/>
+              </a:rPr>
+              <a:t>Create your yoga studio</a:t>
+            </a:r>
+          </a:p>
+          <a:p>
+            <a:r>
+              <a:rPr lang="en-US" dirty="0">
+                <a:latin typeface="Times New Roman" panose="02020603050405020304" pitchFamily="18" charset="0"/>
+                <a:cs typeface="Times New Roman" panose="02020603050405020304" pitchFamily="18" charset="0"/>
+              </a:rPr>
+              <a:t>Easily keep track of your progress</a:t>
+            </a:r>
+          </a:p>
+          <a:p>
+            <a:r>
+              <a:rPr lang="en-US" dirty="0">
+                <a:latin typeface="Times New Roman" panose="02020603050405020304" pitchFamily="18" charset="0"/>
+                <a:cs typeface="Times New Roman" panose="02020603050405020304" pitchFamily="18" charset="0"/>
+              </a:rPr>
+              <a:t>Get free workout ideas</a:t>
+            </a:r>
+          </a:p>
+          <a:p>
+            <a:r>
+              <a:rPr lang="en-US" dirty="0">
+                <a:latin typeface="Times New Roman" panose="02020603050405020304" pitchFamily="18" charset="0"/>
+                <a:cs typeface="Times New Roman" panose="02020603050405020304" pitchFamily="18" charset="0"/>
+              </a:rPr>
+              <a:t>Heartrate tracking</a:t>
+            </a:r>
+          </a:p>
+          <a:p>
+            <a:r>
+              <a:rPr lang="en-US" dirty="0">
+                <a:latin typeface="Times New Roman" panose="02020603050405020304" pitchFamily="18" charset="0"/>
+                <a:cs typeface="Times New Roman" panose="02020603050405020304" pitchFamily="18" charset="0"/>
+              </a:rPr>
+              <a:t>Weight loss progression</a:t>
+            </a:r>
+          </a:p>
+          <a:p>
+            <a:r>
+              <a:rPr lang="en-US" dirty="0">
+                <a:latin typeface="Times New Roman" panose="02020603050405020304" pitchFamily="18" charset="0"/>
+                <a:cs typeface="Times New Roman" panose="02020603050405020304" pitchFamily="18" charset="0"/>
+              </a:rPr>
+              <a:t>Pedometer</a:t>
+            </a:r>
+          </a:p>
+          <a:p>
+            <a:r>
+              <a:rPr lang="en-US" dirty="0">
+                <a:latin typeface="Times New Roman" panose="02020603050405020304" pitchFamily="18" charset="0"/>
+                <a:cs typeface="Times New Roman" panose="02020603050405020304" pitchFamily="18" charset="0"/>
+              </a:rPr>
+              <a:t>Give free health and fitness tips</a:t>
+            </a:r>
+          </a:p>
+          <a:p>
+            <a:r>
+              <a:rPr lang="en-US" dirty="0">
+                <a:latin typeface="Times New Roman" panose="02020603050405020304" pitchFamily="18" charset="0"/>
+                <a:cs typeface="Times New Roman" panose="02020603050405020304" pitchFamily="18" charset="0"/>
+              </a:rPr>
+              <a:t>Keeps you Motivated</a:t>
+            </a:r>
+            <a:br>
+              <a:rPr lang="en-US" dirty="0">
+                <a:latin typeface="Times New Roman" panose="02020603050405020304" pitchFamily="18" charset="0"/>
+                <a:cs typeface="Times New Roman" panose="02020603050405020304" pitchFamily="18" charset="0"/>
+              </a:rPr>
+            </a:br>
             <a:endParaRPr lang="en-US" dirty="0"/>
           </a:p>
         </p:txBody>
@@ -7058,7 +7163,7 @@
           <p:cNvPr id="6" name="Footer Placeholder 5">
             <a:extLst>
               <a:ext uri="{FF2B5EF4-FFF2-40B4-BE49-F238E27FC236}">
-                <a16:creationId xmlns:a16="http://schemas.microsoft.com/office/drawing/2014/main" id="{9E920EAF-6020-4B29-9674-1A67459ED1C8}"/>
+                <a16:creationId xmlns:a16="http://schemas.microsoft.com/office/drawing/2014/main" id="{4B608E52-3160-4FB5-9321-FA0230206FAF}"/>
               </a:ext>
             </a:extLst>
           </p:cNvPr>
@@ -7086,7 +7191,7 @@
           <p:cNvPr id="7" name="Slide Number Placeholder 6">
             <a:extLst>
               <a:ext uri="{FF2B5EF4-FFF2-40B4-BE49-F238E27FC236}">
-                <a16:creationId xmlns:a16="http://schemas.microsoft.com/office/drawing/2014/main" id="{3426C4F2-2A88-4081-9B53-38FAE1053920}"/>
+                <a16:creationId xmlns:a16="http://schemas.microsoft.com/office/drawing/2014/main" id="{B2E28E4D-841C-4814-8F4D-BA4586DE59F7}"/>
               </a:ext>
             </a:extLst>
           </p:cNvPr>
@@ -7113,7 +7218,7 @@
     </p:spTree>
     <p:extLst>
       <p:ext uri="{BB962C8B-B14F-4D97-AF65-F5344CB8AC3E}">
-        <p14:creationId xmlns:p14="http://schemas.microsoft.com/office/powerpoint/2010/main" val="613347474"/>
+        <p14:creationId xmlns:p14="http://schemas.microsoft.com/office/powerpoint/2010/main" val="964727621"/>
       </p:ext>
     </p:extLst>
   </p:cSld>
@@ -7145,6 +7250,239 @@
           <p:cNvPr id="2" name="Title 1">
             <a:extLst>
               <a:ext uri="{FF2B5EF4-FFF2-40B4-BE49-F238E27FC236}">
+                <a16:creationId xmlns:a16="http://schemas.microsoft.com/office/drawing/2014/main" id="{C97ED26C-B80A-468B-9308-6F02858E1560}"/>
+              </a:ext>
+            </a:extLst>
+          </p:cNvPr>
+          <p:cNvSpPr>
+            <a:spLocks noGrp="1"/>
+          </p:cNvSpPr>
+          <p:nvPr>
+            <p:ph type="title"/>
+          </p:nvPr>
+        </p:nvSpPr>
+        <p:spPr>
+          <a:xfrm>
+            <a:off x="646111" y="452718"/>
+            <a:ext cx="9404723" cy="934293"/>
+          </a:xfrm>
+        </p:spPr>
+        <p:txBody>
+          <a:bodyPr/>
+          <a:lstStyle/>
+          <a:p>
+            <a:r>
+              <a:rPr lang="en-US" b="1" dirty="0">
+                <a:solidFill>
+                  <a:schemeClr val="accent3"/>
+                </a:solidFill>
+                <a:effectLst>
+                  <a:outerShdw blurRad="38100" dist="38100" dir="2700000" algn="tl">
+                    <a:srgbClr val="000000">
+                      <a:alpha val="43137"/>
+                    </a:srgbClr>
+                  </a:outerShdw>
+                </a:effectLst>
+                <a:latin typeface="Times New Roman" panose="02020603050405020304" pitchFamily="18" charset="0"/>
+                <a:cs typeface="Times New Roman" panose="02020603050405020304" pitchFamily="18" charset="0"/>
+              </a:rPr>
+              <a:t>References</a:t>
+            </a:r>
+          </a:p>
+        </p:txBody>
+      </p:sp>
+      <p:sp>
+        <p:nvSpPr>
+          <p:cNvPr id="3" name="Content Placeholder 2">
+            <a:extLst>
+              <a:ext uri="{FF2B5EF4-FFF2-40B4-BE49-F238E27FC236}">
+                <a16:creationId xmlns:a16="http://schemas.microsoft.com/office/drawing/2014/main" id="{5788D7AD-89B9-4372-933F-CB05EC9505E5}"/>
+              </a:ext>
+            </a:extLst>
+          </p:cNvPr>
+          <p:cNvSpPr>
+            <a:spLocks noGrp="1"/>
+          </p:cNvSpPr>
+          <p:nvPr>
+            <p:ph idx="1"/>
+          </p:nvPr>
+        </p:nvSpPr>
+        <p:spPr>
+          <a:xfrm>
+            <a:off x="1103312" y="1387012"/>
+            <a:ext cx="8946541" cy="4861388"/>
+          </a:xfrm>
+        </p:spPr>
+        <p:txBody>
+          <a:bodyPr/>
+          <a:lstStyle/>
+          <a:p>
+            <a:r>
+              <a:rPr lang="en-US" dirty="0">
+                <a:latin typeface="Times New Roman" panose="02020603050405020304" pitchFamily="18" charset="0"/>
+                <a:cs typeface="Times New Roman" panose="02020603050405020304" pitchFamily="18" charset="0"/>
+              </a:rPr>
+              <a:t>Jira link: </a:t>
+            </a:r>
+            <a:r>
+              <a:rPr lang="en-US" dirty="0">
+                <a:latin typeface="Times New Roman" panose="02020603050405020304" pitchFamily="18" charset="0"/>
+                <a:cs typeface="Times New Roman" panose="02020603050405020304" pitchFamily="18" charset="0"/>
+                <a:hlinkClick r:id="rId2"/>
+              </a:rPr>
+              <a:t>https://sowmyathogiti27.atlassian.net/jira/software/projects/HN/boards/2</a:t>
+            </a:r>
+            <a:endParaRPr lang="en-US" dirty="0">
+              <a:latin typeface="Times New Roman" panose="02020603050405020304" pitchFamily="18" charset="0"/>
+              <a:cs typeface="Times New Roman" panose="02020603050405020304" pitchFamily="18" charset="0"/>
+            </a:endParaRPr>
+          </a:p>
+          <a:p>
+            <a:r>
+              <a:rPr lang="en-US" dirty="0">
+                <a:latin typeface="Times New Roman" panose="02020603050405020304" pitchFamily="18" charset="0"/>
+                <a:cs typeface="Times New Roman" panose="02020603050405020304" pitchFamily="18" charset="0"/>
+              </a:rPr>
+              <a:t>FluidUI Link: </a:t>
+            </a:r>
+            <a:r>
+              <a:rPr lang="en-US" dirty="0">
+                <a:latin typeface="Times New Roman" panose="02020603050405020304" pitchFamily="18" charset="0"/>
+                <a:cs typeface="Times New Roman" panose="02020603050405020304" pitchFamily="18" charset="0"/>
+                <a:hlinkClick r:id="rId3"/>
+              </a:rPr>
+              <a:t>https://www.fluidui.com/editor/live/</a:t>
+            </a:r>
+            <a:endParaRPr lang="en-US" dirty="0">
+              <a:latin typeface="Times New Roman" panose="02020603050405020304" pitchFamily="18" charset="0"/>
+              <a:cs typeface="Times New Roman" panose="02020603050405020304" pitchFamily="18" charset="0"/>
+            </a:endParaRPr>
+          </a:p>
+          <a:p>
+            <a:r>
+              <a:rPr lang="en-US" dirty="0" err="1">
+                <a:latin typeface="Times New Roman" panose="02020603050405020304" pitchFamily="18" charset="0"/>
+                <a:cs typeface="Times New Roman" panose="02020603050405020304" pitchFamily="18" charset="0"/>
+              </a:rPr>
+              <a:t>Github</a:t>
+            </a:r>
+            <a:r>
+              <a:rPr lang="en-US" dirty="0">
+                <a:latin typeface="Times New Roman" panose="02020603050405020304" pitchFamily="18" charset="0"/>
+                <a:cs typeface="Times New Roman" panose="02020603050405020304" pitchFamily="18" charset="0"/>
+              </a:rPr>
+              <a:t> Link: </a:t>
+            </a:r>
+            <a:r>
+              <a:rPr lang="en-US" dirty="0">
+                <a:latin typeface="Times New Roman" panose="02020603050405020304" pitchFamily="18" charset="0"/>
+                <a:cs typeface="Times New Roman" panose="02020603050405020304" pitchFamily="18" charset="0"/>
+                <a:hlinkClick r:id="rId4"/>
+              </a:rPr>
+              <a:t>https://github.com/sowmyathogiti/Healthify-NWMSU</a:t>
+            </a:r>
+            <a:endParaRPr lang="en-US" dirty="0">
+              <a:latin typeface="Times New Roman" panose="02020603050405020304" pitchFamily="18" charset="0"/>
+              <a:cs typeface="Times New Roman" panose="02020603050405020304" pitchFamily="18" charset="0"/>
+            </a:endParaRPr>
+          </a:p>
+          <a:p>
+            <a:endParaRPr lang="en-US" dirty="0"/>
+          </a:p>
+        </p:txBody>
+      </p:sp>
+      <p:sp>
+        <p:nvSpPr>
+          <p:cNvPr id="6" name="Footer Placeholder 5">
+            <a:extLst>
+              <a:ext uri="{FF2B5EF4-FFF2-40B4-BE49-F238E27FC236}">
+                <a16:creationId xmlns:a16="http://schemas.microsoft.com/office/drawing/2014/main" id="{9E920EAF-6020-4B29-9674-1A67459ED1C8}"/>
+              </a:ext>
+            </a:extLst>
+          </p:cNvPr>
+          <p:cNvSpPr>
+            <a:spLocks noGrp="1"/>
+          </p:cNvSpPr>
+          <p:nvPr>
+            <p:ph type="ftr" sz="quarter" idx="11"/>
+          </p:nvPr>
+        </p:nvSpPr>
+        <p:spPr/>
+        <p:txBody>
+          <a:bodyPr/>
+          <a:lstStyle/>
+          <a:p>
+            <a:r>
+              <a:rPr lang="en-US"/>
+              <a:t>Healthify-NWMSU</a:t>
+            </a:r>
+          </a:p>
+        </p:txBody>
+      </p:sp>
+      <p:sp>
+        <p:nvSpPr>
+          <p:cNvPr id="7" name="Slide Number Placeholder 6">
+            <a:extLst>
+              <a:ext uri="{FF2B5EF4-FFF2-40B4-BE49-F238E27FC236}">
+                <a16:creationId xmlns:a16="http://schemas.microsoft.com/office/drawing/2014/main" id="{3426C4F2-2A88-4081-9B53-38FAE1053920}"/>
+              </a:ext>
+            </a:extLst>
+          </p:cNvPr>
+          <p:cNvSpPr>
+            <a:spLocks noGrp="1"/>
+          </p:cNvSpPr>
+          <p:nvPr>
+            <p:ph type="sldNum" sz="quarter" idx="12"/>
+          </p:nvPr>
+        </p:nvSpPr>
+        <p:spPr/>
+        <p:txBody>
+          <a:bodyPr/>
+          <a:lstStyle/>
+          <a:p>
+            <a:fld id="{FC6EDEEF-6E47-4D41-B312-2A124904AE2A}" type="slidenum">
+              <a:rPr lang="en-US" smtClean="0"/>
+              <a:t>13</a:t>
+            </a:fld>
+            <a:endParaRPr lang="en-US"/>
+          </a:p>
+        </p:txBody>
+      </p:sp>
+    </p:spTree>
+    <p:extLst>
+      <p:ext uri="{BB962C8B-B14F-4D97-AF65-F5344CB8AC3E}">
+        <p14:creationId xmlns:p14="http://schemas.microsoft.com/office/powerpoint/2010/main" val="613347474"/>
+      </p:ext>
+    </p:extLst>
+  </p:cSld>
+  <p:clrMapOvr>
+    <a:masterClrMapping/>
+  </p:clrMapOvr>
+</p:sld>
+</file>
+
+<file path=ppt/slides/slide14.xml><?xml version="1.0" encoding="utf-8"?>
+<p:sld xmlns:a="http://schemas.openxmlformats.org/drawingml/2006/main" xmlns:r="http://schemas.openxmlformats.org/officeDocument/2006/relationships" xmlns:p="http://schemas.openxmlformats.org/presentationml/2006/main">
+  <p:cSld>
+    <p:spTree>
+      <p:nvGrpSpPr>
+        <p:cNvPr id="1" name=""/>
+        <p:cNvGrpSpPr/>
+        <p:nvPr/>
+      </p:nvGrpSpPr>
+      <p:grpSpPr>
+        <a:xfrm>
+          <a:off x="0" y="0"/>
+          <a:ext cx="0" cy="0"/>
+          <a:chOff x="0" y="0"/>
+          <a:chExt cx="0" cy="0"/>
+        </a:xfrm>
+      </p:grpSpPr>
+      <p:sp>
+        <p:nvSpPr>
+          <p:cNvPr id="2" name="Title 1">
+            <a:extLst>
+              <a:ext uri="{FF2B5EF4-FFF2-40B4-BE49-F238E27FC236}">
                 <a16:creationId xmlns:a16="http://schemas.microsoft.com/office/drawing/2014/main" id="{9779E0E0-BE73-487B-AAF5-B9C63665EBD8}"/>
               </a:ext>
             </a:extLst>
@@ -7298,7 +7636,7 @@
           <a:p>
             <a:fld id="{FC6EDEEF-6E47-4D41-B312-2A124904AE2A}" type="slidenum">
               <a:rPr lang="en-US" smtClean="0"/>
-              <a:t>13</a:t>
+              <a:t>14</a:t>
             </a:fld>
             <a:endParaRPr lang="en-US"/>
           </a:p>
@@ -8534,12 +8872,316 @@
           </a:prstGeom>
         </p:spPr>
       </p:pic>
+      <p:sp>
+        <p:nvSpPr>
+          <p:cNvPr id="8" name="Footer Placeholder 7">
+            <a:extLst>
+              <a:ext uri="{FF2B5EF4-FFF2-40B4-BE49-F238E27FC236}">
+                <a16:creationId xmlns:a16="http://schemas.microsoft.com/office/drawing/2014/main" id="{3D7665F4-0963-419D-B051-3FE3079E217D}"/>
+              </a:ext>
+            </a:extLst>
+          </p:cNvPr>
+          <p:cNvSpPr>
+            <a:spLocks noGrp="1"/>
+          </p:cNvSpPr>
+          <p:nvPr>
+            <p:ph type="ftr" sz="quarter" idx="11"/>
+          </p:nvPr>
+        </p:nvSpPr>
+        <p:spPr/>
+        <p:txBody>
+          <a:bodyPr/>
+          <a:lstStyle/>
+          <a:p>
+            <a:r>
+              <a:rPr lang="en-US"/>
+              <a:t>Healthify-NWMSU</a:t>
+            </a:r>
+          </a:p>
+        </p:txBody>
+      </p:sp>
+      <p:sp>
+        <p:nvSpPr>
+          <p:cNvPr id="9" name="Slide Number Placeholder 8">
+            <a:extLst>
+              <a:ext uri="{FF2B5EF4-FFF2-40B4-BE49-F238E27FC236}">
+                <a16:creationId xmlns:a16="http://schemas.microsoft.com/office/drawing/2014/main" id="{4F7404B4-B404-4287-985D-DA10D897BF21}"/>
+              </a:ext>
+            </a:extLst>
+          </p:cNvPr>
+          <p:cNvSpPr>
+            <a:spLocks noGrp="1"/>
+          </p:cNvSpPr>
+          <p:nvPr>
+            <p:ph type="sldNum" sz="quarter" idx="12"/>
+          </p:nvPr>
+        </p:nvSpPr>
+        <p:spPr/>
+        <p:txBody>
+          <a:bodyPr/>
+          <a:lstStyle/>
+          <a:p>
+            <a:fld id="{FC6EDEEF-6E47-4D41-B312-2A124904AE2A}" type="slidenum">
+              <a:rPr lang="en-US" smtClean="0"/>
+              <a:t>5</a:t>
+            </a:fld>
+            <a:endParaRPr lang="en-US"/>
+          </a:p>
+        </p:txBody>
+      </p:sp>
       <p:pic>
         <p:nvPicPr>
-          <p:cNvPr id="6" name="Content Placeholder 4" descr="A screenshot of a social media post&#10;&#10;Description automatically generated">
+          <p:cNvPr id="10" name="Picture 9" descr="A screenshot of a cell phone&#10;&#10;Description automatically generated">
             <a:extLst>
               <a:ext uri="{FF2B5EF4-FFF2-40B4-BE49-F238E27FC236}">
-                <a16:creationId xmlns:a16="http://schemas.microsoft.com/office/drawing/2014/main" id="{DCA5CF85-32D6-4081-B84D-BFBED4F434BC}"/>
+                <a16:creationId xmlns:a16="http://schemas.microsoft.com/office/drawing/2014/main" id="{8D84F9D6-7C5E-49A6-A655-EB05CB23DF91}"/>
+              </a:ext>
+            </a:extLst>
+          </p:cNvPr>
+          <p:cNvPicPr>
+            <a:picLocks noChangeAspect="1"/>
+          </p:cNvPicPr>
+          <p:nvPr/>
+        </p:nvPicPr>
+        <p:blipFill>
+          <a:blip r:embed="rId4">
+            <a:extLst>
+              <a:ext uri="{28A0092B-C50C-407E-A947-70E740481C1C}">
+                <a14:useLocalDpi xmlns:a14="http://schemas.microsoft.com/office/drawing/2010/main" val="0"/>
+              </a:ext>
+            </a:extLst>
+          </a:blip>
+          <a:stretch>
+            <a:fillRect/>
+          </a:stretch>
+        </p:blipFill>
+        <p:spPr>
+          <a:xfrm>
+            <a:off x="8378157" y="1191803"/>
+            <a:ext cx="2821551" cy="4884221"/>
+          </a:xfrm>
+          <a:prstGeom prst="rect">
+            <a:avLst/>
+          </a:prstGeom>
+        </p:spPr>
+      </p:pic>
+    </p:spTree>
+    <p:extLst>
+      <p:ext uri="{BB962C8B-B14F-4D97-AF65-F5344CB8AC3E}">
+        <p14:creationId xmlns:p14="http://schemas.microsoft.com/office/powerpoint/2010/main" val="793526837"/>
+      </p:ext>
+    </p:extLst>
+  </p:cSld>
+  <p:clrMapOvr>
+    <a:masterClrMapping/>
+  </p:clrMapOvr>
+</p:sld>
+</file>
+
+<file path=ppt/slides/slide6.xml><?xml version="1.0" encoding="utf-8"?>
+<p:sld xmlns:a="http://schemas.openxmlformats.org/drawingml/2006/main" xmlns:r="http://schemas.openxmlformats.org/officeDocument/2006/relationships" xmlns:p="http://schemas.openxmlformats.org/presentationml/2006/main">
+  <p:cSld>
+    <p:spTree>
+      <p:nvGrpSpPr>
+        <p:cNvPr id="1" name=""/>
+        <p:cNvGrpSpPr/>
+        <p:nvPr/>
+      </p:nvGrpSpPr>
+      <p:grpSpPr>
+        <a:xfrm>
+          <a:off x="0" y="0"/>
+          <a:ext cx="0" cy="0"/>
+          <a:chOff x="0" y="0"/>
+          <a:chExt cx="0" cy="0"/>
+        </a:xfrm>
+      </p:grpSpPr>
+      <p:sp>
+        <p:nvSpPr>
+          <p:cNvPr id="2" name="Title 1">
+            <a:extLst>
+              <a:ext uri="{FF2B5EF4-FFF2-40B4-BE49-F238E27FC236}">
+                <a16:creationId xmlns:a16="http://schemas.microsoft.com/office/drawing/2014/main" id="{EE86DD78-E9CE-490E-88B1-0385B046D747}"/>
+              </a:ext>
+            </a:extLst>
+          </p:cNvPr>
+          <p:cNvSpPr>
+            <a:spLocks noGrp="1"/>
+          </p:cNvSpPr>
+          <p:nvPr>
+            <p:ph type="title"/>
+          </p:nvPr>
+        </p:nvSpPr>
+        <p:spPr/>
+        <p:txBody>
+          <a:bodyPr/>
+          <a:lstStyle/>
+          <a:p>
+            <a:r>
+              <a:rPr lang="en-US" b="1" dirty="0">
+                <a:solidFill>
+                  <a:schemeClr val="accent3"/>
+                </a:solidFill>
+                <a:effectLst>
+                  <a:outerShdw blurRad="38100" dist="38100" dir="2700000" algn="tl">
+                    <a:srgbClr val="000000">
+                      <a:alpha val="43137"/>
+                    </a:srgbClr>
+                  </a:outerShdw>
+                </a:effectLst>
+                <a:latin typeface="Times New Roman" panose="02020603050405020304" pitchFamily="18" charset="0"/>
+                <a:cs typeface="Times New Roman" panose="02020603050405020304" pitchFamily="18" charset="0"/>
+              </a:rPr>
+              <a:t>Screens of UI Sketches</a:t>
+            </a:r>
+            <a:endParaRPr lang="en-US" b="1" dirty="0">
+              <a:solidFill>
+                <a:schemeClr val="accent3"/>
+              </a:solidFill>
+              <a:effectLst>
+                <a:outerShdw blurRad="38100" dist="38100" dir="2700000" algn="tl">
+                  <a:srgbClr val="000000">
+                    <a:alpha val="43137"/>
+                  </a:srgbClr>
+                </a:outerShdw>
+              </a:effectLst>
+            </a:endParaRPr>
+          </a:p>
+        </p:txBody>
+      </p:sp>
+      <p:pic>
+        <p:nvPicPr>
+          <p:cNvPr id="5" name="Content Placeholder 4" descr="A screenshot of a cell phone&#10;&#10;Description automatically generated">
+            <a:extLst>
+              <a:ext uri="{FF2B5EF4-FFF2-40B4-BE49-F238E27FC236}">
+                <a16:creationId xmlns:a16="http://schemas.microsoft.com/office/drawing/2014/main" id="{3C2846B6-CBD7-4174-A78E-EB0295F266B7}"/>
+              </a:ext>
+            </a:extLst>
+          </p:cNvPr>
+          <p:cNvPicPr>
+            <a:picLocks noGrp="1" noChangeAspect="1"/>
+          </p:cNvPicPr>
+          <p:nvPr>
+            <p:ph idx="1"/>
+          </p:nvPr>
+        </p:nvPicPr>
+        <p:blipFill>
+          <a:blip r:embed="rId2">
+            <a:extLst>
+              <a:ext uri="{28A0092B-C50C-407E-A947-70E740481C1C}">
+                <a14:useLocalDpi xmlns:a14="http://schemas.microsoft.com/office/drawing/2010/main" val="0"/>
+              </a:ext>
+            </a:extLst>
+          </a:blip>
+          <a:stretch>
+            <a:fillRect/>
+          </a:stretch>
+        </p:blipFill>
+        <p:spPr>
+          <a:xfrm>
+            <a:off x="4509204" y="1270000"/>
+            <a:ext cx="2821551" cy="4884221"/>
+          </a:xfrm>
+        </p:spPr>
+      </p:pic>
+      <p:pic>
+        <p:nvPicPr>
+          <p:cNvPr id="6" name="Picture 5" descr="A screenshot of a cell phone&#10;&#10;Description automatically generated">
+            <a:extLst>
+              <a:ext uri="{FF2B5EF4-FFF2-40B4-BE49-F238E27FC236}">
+                <a16:creationId xmlns:a16="http://schemas.microsoft.com/office/drawing/2014/main" id="{BC02AB21-A8B2-431B-B6C0-5A214AE639C7}"/>
+              </a:ext>
+            </a:extLst>
+          </p:cNvPr>
+          <p:cNvPicPr>
+            <a:picLocks noChangeAspect="1"/>
+          </p:cNvPicPr>
+          <p:nvPr/>
+        </p:nvPicPr>
+        <p:blipFill>
+          <a:blip r:embed="rId3">
+            <a:extLst>
+              <a:ext uri="{28A0092B-C50C-407E-A947-70E740481C1C}">
+                <a14:useLocalDpi xmlns:a14="http://schemas.microsoft.com/office/drawing/2010/main" val="0"/>
+              </a:ext>
+            </a:extLst>
+          </a:blip>
+          <a:stretch>
+            <a:fillRect/>
+          </a:stretch>
+        </p:blipFill>
+        <p:spPr>
+          <a:xfrm>
+            <a:off x="996594" y="1270000"/>
+            <a:ext cx="2821551" cy="4884221"/>
+          </a:xfrm>
+          <a:prstGeom prst="rect">
+            <a:avLst/>
+          </a:prstGeom>
+        </p:spPr>
+      </p:pic>
+      <p:sp>
+        <p:nvSpPr>
+          <p:cNvPr id="8" name="Footer Placeholder 7">
+            <a:extLst>
+              <a:ext uri="{FF2B5EF4-FFF2-40B4-BE49-F238E27FC236}">
+                <a16:creationId xmlns:a16="http://schemas.microsoft.com/office/drawing/2014/main" id="{5CED5646-90C1-4F81-90DA-AA017C6B22C5}"/>
+              </a:ext>
+            </a:extLst>
+          </p:cNvPr>
+          <p:cNvSpPr>
+            <a:spLocks noGrp="1"/>
+          </p:cNvSpPr>
+          <p:nvPr>
+            <p:ph type="ftr" sz="quarter" idx="11"/>
+          </p:nvPr>
+        </p:nvSpPr>
+        <p:spPr/>
+        <p:txBody>
+          <a:bodyPr/>
+          <a:lstStyle/>
+          <a:p>
+            <a:r>
+              <a:rPr lang="en-US"/>
+              <a:t>Healthify-NWMSU</a:t>
+            </a:r>
+          </a:p>
+        </p:txBody>
+      </p:sp>
+      <p:sp>
+        <p:nvSpPr>
+          <p:cNvPr id="9" name="Slide Number Placeholder 8">
+            <a:extLst>
+              <a:ext uri="{FF2B5EF4-FFF2-40B4-BE49-F238E27FC236}">
+                <a16:creationId xmlns:a16="http://schemas.microsoft.com/office/drawing/2014/main" id="{92881D41-A262-4F4C-BCDB-29B7F360E97E}"/>
+              </a:ext>
+            </a:extLst>
+          </p:cNvPr>
+          <p:cNvSpPr>
+            <a:spLocks noGrp="1"/>
+          </p:cNvSpPr>
+          <p:nvPr>
+            <p:ph type="sldNum" sz="quarter" idx="12"/>
+          </p:nvPr>
+        </p:nvSpPr>
+        <p:spPr/>
+        <p:txBody>
+          <a:bodyPr/>
+          <a:lstStyle/>
+          <a:p>
+            <a:fld id="{FC6EDEEF-6E47-4D41-B312-2A124904AE2A}" type="slidenum">
+              <a:rPr lang="en-US" smtClean="0"/>
+              <a:t>6</a:t>
+            </a:fld>
+            <a:endParaRPr lang="en-US"/>
+          </a:p>
+        </p:txBody>
+      </p:sp>
+      <p:pic>
+        <p:nvPicPr>
+          <p:cNvPr id="10" name="Content Placeholder 4" descr="A screenshot of a social media post&#10;&#10;Description automatically generated">
+            <a:extLst>
+              <a:ext uri="{FF2B5EF4-FFF2-40B4-BE49-F238E27FC236}">
+                <a16:creationId xmlns:a16="http://schemas.microsoft.com/office/drawing/2014/main" id="{EB2594DB-28A2-4C50-8FC6-1738B3EB1D2F}"/>
               </a:ext>
             </a:extLst>
           </p:cNvPr>
@@ -8570,310 +9212,6 @@
           </a:prstGeom>
         </p:spPr>
       </p:pic>
-      <p:sp>
-        <p:nvSpPr>
-          <p:cNvPr id="8" name="Footer Placeholder 7">
-            <a:extLst>
-              <a:ext uri="{FF2B5EF4-FFF2-40B4-BE49-F238E27FC236}">
-                <a16:creationId xmlns:a16="http://schemas.microsoft.com/office/drawing/2014/main" id="{3D7665F4-0963-419D-B051-3FE3079E217D}"/>
-              </a:ext>
-            </a:extLst>
-          </p:cNvPr>
-          <p:cNvSpPr>
-            <a:spLocks noGrp="1"/>
-          </p:cNvSpPr>
-          <p:nvPr>
-            <p:ph type="ftr" sz="quarter" idx="11"/>
-          </p:nvPr>
-        </p:nvSpPr>
-        <p:spPr/>
-        <p:txBody>
-          <a:bodyPr/>
-          <a:lstStyle/>
-          <a:p>
-            <a:r>
-              <a:rPr lang="en-US"/>
-              <a:t>Healthify-NWMSU</a:t>
-            </a:r>
-          </a:p>
-        </p:txBody>
-      </p:sp>
-      <p:sp>
-        <p:nvSpPr>
-          <p:cNvPr id="9" name="Slide Number Placeholder 8">
-            <a:extLst>
-              <a:ext uri="{FF2B5EF4-FFF2-40B4-BE49-F238E27FC236}">
-                <a16:creationId xmlns:a16="http://schemas.microsoft.com/office/drawing/2014/main" id="{4F7404B4-B404-4287-985D-DA10D897BF21}"/>
-              </a:ext>
-            </a:extLst>
-          </p:cNvPr>
-          <p:cNvSpPr>
-            <a:spLocks noGrp="1"/>
-          </p:cNvSpPr>
-          <p:nvPr>
-            <p:ph type="sldNum" sz="quarter" idx="12"/>
-          </p:nvPr>
-        </p:nvSpPr>
-        <p:spPr/>
-        <p:txBody>
-          <a:bodyPr/>
-          <a:lstStyle/>
-          <a:p>
-            <a:fld id="{FC6EDEEF-6E47-4D41-B312-2A124904AE2A}" type="slidenum">
-              <a:rPr lang="en-US" smtClean="0"/>
-              <a:t>5</a:t>
-            </a:fld>
-            <a:endParaRPr lang="en-US"/>
-          </a:p>
-        </p:txBody>
-      </p:sp>
-    </p:spTree>
-    <p:extLst>
-      <p:ext uri="{BB962C8B-B14F-4D97-AF65-F5344CB8AC3E}">
-        <p14:creationId xmlns:p14="http://schemas.microsoft.com/office/powerpoint/2010/main" val="793526837"/>
-      </p:ext>
-    </p:extLst>
-  </p:cSld>
-  <p:clrMapOvr>
-    <a:masterClrMapping/>
-  </p:clrMapOvr>
-</p:sld>
-</file>
-
-<file path=ppt/slides/slide6.xml><?xml version="1.0" encoding="utf-8"?>
-<p:sld xmlns:a="http://schemas.openxmlformats.org/drawingml/2006/main" xmlns:r="http://schemas.openxmlformats.org/officeDocument/2006/relationships" xmlns:p="http://schemas.openxmlformats.org/presentationml/2006/main">
-  <p:cSld>
-    <p:spTree>
-      <p:nvGrpSpPr>
-        <p:cNvPr id="1" name=""/>
-        <p:cNvGrpSpPr/>
-        <p:nvPr/>
-      </p:nvGrpSpPr>
-      <p:grpSpPr>
-        <a:xfrm>
-          <a:off x="0" y="0"/>
-          <a:ext cx="0" cy="0"/>
-          <a:chOff x="0" y="0"/>
-          <a:chExt cx="0" cy="0"/>
-        </a:xfrm>
-      </p:grpSpPr>
-      <p:sp>
-        <p:nvSpPr>
-          <p:cNvPr id="2" name="Title 1">
-            <a:extLst>
-              <a:ext uri="{FF2B5EF4-FFF2-40B4-BE49-F238E27FC236}">
-                <a16:creationId xmlns:a16="http://schemas.microsoft.com/office/drawing/2014/main" id="{EE86DD78-E9CE-490E-88B1-0385B046D747}"/>
-              </a:ext>
-            </a:extLst>
-          </p:cNvPr>
-          <p:cNvSpPr>
-            <a:spLocks noGrp="1"/>
-          </p:cNvSpPr>
-          <p:nvPr>
-            <p:ph type="title"/>
-          </p:nvPr>
-        </p:nvSpPr>
-        <p:spPr/>
-        <p:txBody>
-          <a:bodyPr/>
-          <a:lstStyle/>
-          <a:p>
-            <a:r>
-              <a:rPr lang="en-US" b="1" dirty="0">
-                <a:solidFill>
-                  <a:schemeClr val="accent3"/>
-                </a:solidFill>
-                <a:effectLst>
-                  <a:outerShdw blurRad="38100" dist="38100" dir="2700000" algn="tl">
-                    <a:srgbClr val="000000">
-                      <a:alpha val="43137"/>
-                    </a:srgbClr>
-                  </a:outerShdw>
-                </a:effectLst>
-                <a:latin typeface="Times New Roman" panose="02020603050405020304" pitchFamily="18" charset="0"/>
-                <a:cs typeface="Times New Roman" panose="02020603050405020304" pitchFamily="18" charset="0"/>
-              </a:rPr>
-              <a:t>Screens of UI Sketches</a:t>
-            </a:r>
-            <a:endParaRPr lang="en-US" b="1" dirty="0">
-              <a:solidFill>
-                <a:schemeClr val="accent3"/>
-              </a:solidFill>
-              <a:effectLst>
-                <a:outerShdw blurRad="38100" dist="38100" dir="2700000" algn="tl">
-                  <a:srgbClr val="000000">
-                    <a:alpha val="43137"/>
-                  </a:srgbClr>
-                </a:outerShdw>
-              </a:effectLst>
-            </a:endParaRPr>
-          </a:p>
-        </p:txBody>
-      </p:sp>
-      <p:pic>
-        <p:nvPicPr>
-          <p:cNvPr id="5" name="Content Placeholder 4" descr="A screenshot of a cell phone&#10;&#10;Description automatically generated">
-            <a:extLst>
-              <a:ext uri="{FF2B5EF4-FFF2-40B4-BE49-F238E27FC236}">
-                <a16:creationId xmlns:a16="http://schemas.microsoft.com/office/drawing/2014/main" id="{3C2846B6-CBD7-4174-A78E-EB0295F266B7}"/>
-              </a:ext>
-            </a:extLst>
-          </p:cNvPr>
-          <p:cNvPicPr>
-            <a:picLocks noGrp="1" noChangeAspect="1"/>
-          </p:cNvPicPr>
-          <p:nvPr>
-            <p:ph idx="1"/>
-          </p:nvPr>
-        </p:nvPicPr>
-        <p:blipFill>
-          <a:blip r:embed="rId2">
-            <a:extLst>
-              <a:ext uri="{28A0092B-C50C-407E-A947-70E740481C1C}">
-                <a14:useLocalDpi xmlns:a14="http://schemas.microsoft.com/office/drawing/2010/main" val="0"/>
-              </a:ext>
-            </a:extLst>
-          </a:blip>
-          <a:stretch>
-            <a:fillRect/>
-          </a:stretch>
-        </p:blipFill>
-        <p:spPr>
-          <a:xfrm>
-            <a:off x="4509204" y="1270000"/>
-            <a:ext cx="2821551" cy="4884221"/>
-          </a:xfrm>
-        </p:spPr>
-      </p:pic>
-      <p:pic>
-        <p:nvPicPr>
-          <p:cNvPr id="7" name="Picture 6" descr="A screenshot of a cell phone&#10;&#10;Description automatically generated">
-            <a:extLst>
-              <a:ext uri="{FF2B5EF4-FFF2-40B4-BE49-F238E27FC236}">
-                <a16:creationId xmlns:a16="http://schemas.microsoft.com/office/drawing/2014/main" id="{BCDB2B0F-E630-4116-889C-BF24E926A169}"/>
-              </a:ext>
-            </a:extLst>
-          </p:cNvPr>
-          <p:cNvPicPr>
-            <a:picLocks noChangeAspect="1"/>
-          </p:cNvPicPr>
-          <p:nvPr/>
-        </p:nvPicPr>
-        <p:blipFill>
-          <a:blip r:embed="rId3">
-            <a:extLst>
-              <a:ext uri="{28A0092B-C50C-407E-A947-70E740481C1C}">
-                <a14:useLocalDpi xmlns:a14="http://schemas.microsoft.com/office/drawing/2010/main" val="0"/>
-              </a:ext>
-            </a:extLst>
-          </a:blip>
-          <a:stretch>
-            <a:fillRect/>
-          </a:stretch>
-        </p:blipFill>
-        <p:spPr>
-          <a:xfrm>
-            <a:off x="7910542" y="1270000"/>
-            <a:ext cx="2821551" cy="4884221"/>
-          </a:xfrm>
-          <a:prstGeom prst="rect">
-            <a:avLst/>
-          </a:prstGeom>
-        </p:spPr>
-      </p:pic>
-      <p:pic>
-        <p:nvPicPr>
-          <p:cNvPr id="6" name="Picture 5" descr="A screenshot of a cell phone&#10;&#10;Description automatically generated">
-            <a:extLst>
-              <a:ext uri="{FF2B5EF4-FFF2-40B4-BE49-F238E27FC236}">
-                <a16:creationId xmlns:a16="http://schemas.microsoft.com/office/drawing/2014/main" id="{BC02AB21-A8B2-431B-B6C0-5A214AE639C7}"/>
-              </a:ext>
-            </a:extLst>
-          </p:cNvPr>
-          <p:cNvPicPr>
-            <a:picLocks noChangeAspect="1"/>
-          </p:cNvPicPr>
-          <p:nvPr/>
-        </p:nvPicPr>
-        <p:blipFill>
-          <a:blip r:embed="rId4">
-            <a:extLst>
-              <a:ext uri="{28A0092B-C50C-407E-A947-70E740481C1C}">
-                <a14:useLocalDpi xmlns:a14="http://schemas.microsoft.com/office/drawing/2010/main" val="0"/>
-              </a:ext>
-            </a:extLst>
-          </a:blip>
-          <a:stretch>
-            <a:fillRect/>
-          </a:stretch>
-        </p:blipFill>
-        <p:spPr>
-          <a:xfrm>
-            <a:off x="996594" y="1270000"/>
-            <a:ext cx="2821551" cy="4884221"/>
-          </a:xfrm>
-          <a:prstGeom prst="rect">
-            <a:avLst/>
-          </a:prstGeom>
-        </p:spPr>
-      </p:pic>
-      <p:sp>
-        <p:nvSpPr>
-          <p:cNvPr id="8" name="Footer Placeholder 7">
-            <a:extLst>
-              <a:ext uri="{FF2B5EF4-FFF2-40B4-BE49-F238E27FC236}">
-                <a16:creationId xmlns:a16="http://schemas.microsoft.com/office/drawing/2014/main" id="{5CED5646-90C1-4F81-90DA-AA017C6B22C5}"/>
-              </a:ext>
-            </a:extLst>
-          </p:cNvPr>
-          <p:cNvSpPr>
-            <a:spLocks noGrp="1"/>
-          </p:cNvSpPr>
-          <p:nvPr>
-            <p:ph type="ftr" sz="quarter" idx="11"/>
-          </p:nvPr>
-        </p:nvSpPr>
-        <p:spPr/>
-        <p:txBody>
-          <a:bodyPr/>
-          <a:lstStyle/>
-          <a:p>
-            <a:r>
-              <a:rPr lang="en-US"/>
-              <a:t>Healthify-NWMSU</a:t>
-            </a:r>
-          </a:p>
-        </p:txBody>
-      </p:sp>
-      <p:sp>
-        <p:nvSpPr>
-          <p:cNvPr id="9" name="Slide Number Placeholder 8">
-            <a:extLst>
-              <a:ext uri="{FF2B5EF4-FFF2-40B4-BE49-F238E27FC236}">
-                <a16:creationId xmlns:a16="http://schemas.microsoft.com/office/drawing/2014/main" id="{92881D41-A262-4F4C-BCDB-29B7F360E97E}"/>
-              </a:ext>
-            </a:extLst>
-          </p:cNvPr>
-          <p:cNvSpPr>
-            <a:spLocks noGrp="1"/>
-          </p:cNvSpPr>
-          <p:nvPr>
-            <p:ph type="sldNum" sz="quarter" idx="12"/>
-          </p:nvPr>
-        </p:nvSpPr>
-        <p:spPr/>
-        <p:txBody>
-          <a:bodyPr/>
-          <a:lstStyle/>
-          <a:p>
-            <a:fld id="{FC6EDEEF-6E47-4D41-B312-2A124904AE2A}" type="slidenum">
-              <a:rPr lang="en-US" smtClean="0"/>
-              <a:t>6</a:t>
-            </a:fld>
-            <a:endParaRPr lang="en-US"/>
-          </a:p>
-        </p:txBody>
-      </p:sp>
     </p:spTree>
     <p:extLst>
       <p:ext uri="{BB962C8B-B14F-4D97-AF65-F5344CB8AC3E}">

--- a/Healthify-NWMSU.pptx
+++ b/Healthify-NWMSU.pptx
@@ -7715,8 +7715,8 @@
         </p:nvSpPr>
         <p:spPr>
           <a:xfrm>
-            <a:off x="838200" y="365125"/>
-            <a:ext cx="10515600" cy="5811838"/>
+            <a:off x="369870" y="365125"/>
+            <a:ext cx="10983930" cy="5811838"/>
           </a:xfrm>
         </p:spPr>
         <p:txBody>
@@ -7733,7 +7733,37 @@
                 <a:latin typeface="Times New Roman" panose="02020603050405020304" pitchFamily="18" charset="0"/>
                 <a:cs typeface="Times New Roman" panose="02020603050405020304" pitchFamily="18" charset="0"/>
               </a:rPr>
-              <a:t>     Sowmya </a:t>
+              <a:t>						</a:t>
+            </a:r>
+          </a:p>
+          <a:p>
+            <a:pPr marL="0" indent="0">
+              <a:buNone/>
+            </a:pPr>
+            <a:r>
+              <a:rPr lang="en-US" dirty="0">
+                <a:latin typeface="Times New Roman" panose="02020603050405020304" pitchFamily="18" charset="0"/>
+                <a:cs typeface="Times New Roman" panose="02020603050405020304" pitchFamily="18" charset="0"/>
+              </a:rPr>
+              <a:t>				     				</a:t>
+            </a:r>
+          </a:p>
+          <a:p>
+            <a:endParaRPr lang="en-US" dirty="0">
+              <a:latin typeface="Times New Roman" panose="02020603050405020304" pitchFamily="18" charset="0"/>
+              <a:cs typeface="Times New Roman" panose="02020603050405020304" pitchFamily="18" charset="0"/>
+            </a:endParaRPr>
+          </a:p>
+          <a:p>
+            <a:pPr marL="0" indent="0">
+              <a:buNone/>
+            </a:pPr>
+            <a:r>
+              <a:rPr lang="en-US" dirty="0">
+                <a:latin typeface="Times New Roman" panose="02020603050405020304" pitchFamily="18" charset="0"/>
+                <a:cs typeface="Times New Roman" panose="02020603050405020304" pitchFamily="18" charset="0"/>
+              </a:rPr>
+              <a:t>   Sowmya </a:t>
             </a:r>
             <a:r>
               <a:rPr lang="en-US" dirty="0" err="1">
@@ -7747,7 +7777,7 @@
                 <a:latin typeface="Times New Roman" panose="02020603050405020304" pitchFamily="18" charset="0"/>
                 <a:cs typeface="Times New Roman" panose="02020603050405020304" pitchFamily="18" charset="0"/>
               </a:rPr>
-              <a:t>				</a:t>
+              <a:t>		 </a:t>
             </a:r>
             <a:r>
               <a:rPr lang="en-US" dirty="0" err="1">
@@ -7775,7 +7805,7 @@
                 <a:latin typeface="Times New Roman" panose="02020603050405020304" pitchFamily="18" charset="0"/>
                 <a:cs typeface="Times New Roman" panose="02020603050405020304" pitchFamily="18" charset="0"/>
               </a:rPr>
-              <a:t>			    Swaroopa </a:t>
+              <a:t>   Swaroopa </a:t>
             </a:r>
             <a:r>
               <a:rPr lang="en-US" dirty="0" err="1">
@@ -7798,22 +7828,15 @@
                 <a:latin typeface="Times New Roman" panose="02020603050405020304" pitchFamily="18" charset="0"/>
                 <a:cs typeface="Times New Roman" panose="02020603050405020304" pitchFamily="18" charset="0"/>
               </a:rPr>
-              <a:t>           (Admin)				     (Developer)				       (Developer)</a:t>
-            </a:r>
-          </a:p>
-          <a:p>
-            <a:endParaRPr lang="en-US" dirty="0">
-              <a:latin typeface="Times New Roman" panose="02020603050405020304" pitchFamily="18" charset="0"/>
-              <a:cs typeface="Times New Roman" panose="02020603050405020304" pitchFamily="18" charset="0"/>
-            </a:endParaRPr>
-          </a:p>
-          <a:p>
-            <a:endParaRPr lang="en-US" dirty="0">
-              <a:latin typeface="Times New Roman" panose="02020603050405020304" pitchFamily="18" charset="0"/>
-              <a:cs typeface="Times New Roman" panose="02020603050405020304" pitchFamily="18" charset="0"/>
-            </a:endParaRPr>
-          </a:p>
-          <a:p>
+              <a:t>	 (Admin)			     (</a:t>
+            </a:r>
+            <a:r>
+              <a:rPr lang="en-US">
+                <a:latin typeface="Times New Roman" panose="02020603050405020304" pitchFamily="18" charset="0"/>
+                <a:cs typeface="Times New Roman" panose="02020603050405020304" pitchFamily="18" charset="0"/>
+              </a:rPr>
+              <a:t>Developer)		    (Developer)</a:t>
+            </a:r>
             <a:endParaRPr lang="en-US" dirty="0"/>
           </a:p>
           <a:p>
@@ -7912,7 +7935,7 @@
         </p:blipFill>
         <p:spPr>
           <a:xfrm>
-            <a:off x="4209182" y="1151841"/>
+            <a:off x="2843139" y="2889246"/>
             <a:ext cx="1532972" cy="2038355"/>
           </a:xfrm>
           <a:prstGeom prst="rect">
@@ -7948,7 +7971,7 @@
         </p:blipFill>
         <p:spPr>
           <a:xfrm>
-            <a:off x="6096000" y="4165542"/>
+            <a:off x="9730721" y="2889245"/>
             <a:ext cx="1532973" cy="2038356"/>
           </a:xfrm>
           <a:prstGeom prst="rect">
@@ -7984,7 +8007,7 @@
         </p:blipFill>
         <p:spPr>
           <a:xfrm>
-            <a:off x="2676210" y="4192477"/>
+            <a:off x="7399360" y="2889245"/>
             <a:ext cx="1532972" cy="2038356"/>
           </a:xfrm>
           <a:prstGeom prst="rect">
@@ -8020,7 +8043,7 @@
         </p:blipFill>
         <p:spPr>
           <a:xfrm>
-            <a:off x="7563552" y="1158593"/>
+            <a:off x="5098498" y="2889246"/>
             <a:ext cx="1436568" cy="2038356"/>
           </a:xfrm>
           <a:prstGeom prst="rect">
@@ -8056,7 +8079,7 @@
         </p:blipFill>
         <p:spPr>
           <a:xfrm>
-            <a:off x="1287659" y="1256556"/>
+            <a:off x="677333" y="2891160"/>
             <a:ext cx="1454030" cy="1938708"/>
           </a:xfrm>
           <a:prstGeom prst="rect">

--- a/Healthify-NWMSU.pptx
+++ b/Healthify-NWMSU.pptx
@@ -5,7 +5,7 @@
     <p:sldMasterId id="2147484073" r:id="rId1"/>
   </p:sldMasterIdLst>
   <p:notesMasterIdLst>
-    <p:notesMasterId r:id="rId16"/>
+    <p:notesMasterId r:id="rId17"/>
   </p:notesMasterIdLst>
   <p:sldIdLst>
     <p:sldId id="256" r:id="rId2"/>
@@ -21,7 +21,8 @@
     <p:sldId id="277" r:id="rId12"/>
     <p:sldId id="275" r:id="rId13"/>
     <p:sldId id="276" r:id="rId14"/>
-    <p:sldId id="264" r:id="rId15"/>
+    <p:sldId id="278" r:id="rId15"/>
+    <p:sldId id="264" r:id="rId16"/>
   </p:sldIdLst>
   <p:sldSz cx="12192000" cy="6858000"/>
   <p:notesSz cx="6858000" cy="9144000"/>
@@ -6293,7 +6294,7 @@
         </p:nvSpPr>
         <p:spPr>
           <a:xfrm>
-            <a:off x="1699486" y="2703610"/>
+            <a:off x="1740582" y="2998290"/>
             <a:ext cx="6974915" cy="861420"/>
           </a:xfrm>
         </p:spPr>
@@ -6416,6 +6417,42 @@
           </a:p>
         </p:txBody>
       </p:sp>
+      <p:pic>
+        <p:nvPicPr>
+          <p:cNvPr id="5" name="Picture 4" descr="A picture containing scissors, bottle&#10;&#10;Description automatically generated">
+            <a:extLst>
+              <a:ext uri="{FF2B5EF4-FFF2-40B4-BE49-F238E27FC236}">
+                <a16:creationId xmlns:a16="http://schemas.microsoft.com/office/drawing/2014/main" id="{F176BAAB-67CE-42BB-8669-18813C54B63F}"/>
+              </a:ext>
+            </a:extLst>
+          </p:cNvPr>
+          <p:cNvPicPr>
+            <a:picLocks noChangeAspect="1"/>
+          </p:cNvPicPr>
+          <p:nvPr/>
+        </p:nvPicPr>
+        <p:blipFill>
+          <a:blip r:embed="rId2">
+            <a:extLst>
+              <a:ext uri="{28A0092B-C50C-407E-A947-70E740481C1C}">
+                <a14:useLocalDpi xmlns:a14="http://schemas.microsoft.com/office/drawing/2010/main" val="0"/>
+              </a:ext>
+            </a:extLst>
+          </a:blip>
+          <a:stretch>
+            <a:fillRect/>
+          </a:stretch>
+        </p:blipFill>
+        <p:spPr>
+          <a:xfrm>
+            <a:off x="4970217" y="816638"/>
+            <a:ext cx="1905000" cy="1905000"/>
+          </a:xfrm>
+          <a:prstGeom prst="rect">
+            <a:avLst/>
+          </a:prstGeom>
+        </p:spPr>
+      </p:pic>
     </p:spTree>
     <p:extLst>
       <p:ext uri="{BB962C8B-B14F-4D97-AF65-F5344CB8AC3E}">
@@ -7483,6 +7520,203 @@
           <p:cNvPr id="2" name="Title 1">
             <a:extLst>
               <a:ext uri="{FF2B5EF4-FFF2-40B4-BE49-F238E27FC236}">
+                <a16:creationId xmlns:a16="http://schemas.microsoft.com/office/drawing/2014/main" id="{2C604194-1C8A-4C9E-B1AF-0E12F8685766}"/>
+              </a:ext>
+            </a:extLst>
+          </p:cNvPr>
+          <p:cNvSpPr>
+            <a:spLocks noGrp="1"/>
+          </p:cNvSpPr>
+          <p:nvPr>
+            <p:ph type="title"/>
+          </p:nvPr>
+        </p:nvSpPr>
+        <p:spPr/>
+        <p:txBody>
+          <a:bodyPr/>
+          <a:lstStyle/>
+          <a:p>
+            <a:endParaRPr lang="en-US"/>
+          </a:p>
+        </p:txBody>
+      </p:sp>
+      <p:sp>
+        <p:nvSpPr>
+          <p:cNvPr id="3" name="Content Placeholder 2">
+            <a:extLst>
+              <a:ext uri="{FF2B5EF4-FFF2-40B4-BE49-F238E27FC236}">
+                <a16:creationId xmlns:a16="http://schemas.microsoft.com/office/drawing/2014/main" id="{3110738C-2F3D-4D74-8294-EACAC80F2821}"/>
+              </a:ext>
+            </a:extLst>
+          </p:cNvPr>
+          <p:cNvSpPr>
+            <a:spLocks noGrp="1"/>
+          </p:cNvSpPr>
+          <p:nvPr>
+            <p:ph idx="1"/>
+          </p:nvPr>
+        </p:nvSpPr>
+        <p:spPr/>
+        <p:txBody>
+          <a:bodyPr/>
+          <a:lstStyle/>
+          <a:p>
+            <a:endParaRPr lang="en-US" dirty="0"/>
+          </a:p>
+        </p:txBody>
+      </p:sp>
+      <p:sp>
+        <p:nvSpPr>
+          <p:cNvPr id="4" name="Footer Placeholder 3">
+            <a:extLst>
+              <a:ext uri="{FF2B5EF4-FFF2-40B4-BE49-F238E27FC236}">
+                <a16:creationId xmlns:a16="http://schemas.microsoft.com/office/drawing/2014/main" id="{E554116B-D012-45FA-859A-D28744FDB10A}"/>
+              </a:ext>
+            </a:extLst>
+          </p:cNvPr>
+          <p:cNvSpPr>
+            <a:spLocks noGrp="1"/>
+          </p:cNvSpPr>
+          <p:nvPr>
+            <p:ph type="ftr" sz="quarter" idx="11"/>
+          </p:nvPr>
+        </p:nvSpPr>
+        <p:spPr/>
+        <p:txBody>
+          <a:bodyPr/>
+          <a:lstStyle/>
+          <a:p>
+            <a:r>
+              <a:rPr lang="en-US"/>
+              <a:t>Healthify-NWMSU</a:t>
+            </a:r>
+          </a:p>
+        </p:txBody>
+      </p:sp>
+      <p:sp>
+        <p:nvSpPr>
+          <p:cNvPr id="5" name="Slide Number Placeholder 4">
+            <a:extLst>
+              <a:ext uri="{FF2B5EF4-FFF2-40B4-BE49-F238E27FC236}">
+                <a16:creationId xmlns:a16="http://schemas.microsoft.com/office/drawing/2014/main" id="{39B7C093-84C7-4286-83CB-8ADB42C8BEBD}"/>
+              </a:ext>
+            </a:extLst>
+          </p:cNvPr>
+          <p:cNvSpPr>
+            <a:spLocks noGrp="1"/>
+          </p:cNvSpPr>
+          <p:nvPr>
+            <p:ph type="sldNum" sz="quarter" idx="12"/>
+          </p:nvPr>
+        </p:nvSpPr>
+        <p:spPr/>
+        <p:txBody>
+          <a:bodyPr/>
+          <a:lstStyle/>
+          <a:p>
+            <a:fld id="{FC6EDEEF-6E47-4D41-B312-2A124904AE2A}" type="slidenum">
+              <a:rPr lang="en-US" smtClean="0"/>
+              <a:t>14</a:t>
+            </a:fld>
+            <a:endParaRPr lang="en-US"/>
+          </a:p>
+        </p:txBody>
+      </p:sp>
+      <p:sp>
+        <p:nvSpPr>
+          <p:cNvPr id="6" name="Thought Bubble: Cloud 5">
+            <a:extLst>
+              <a:ext uri="{FF2B5EF4-FFF2-40B4-BE49-F238E27FC236}">
+                <a16:creationId xmlns:a16="http://schemas.microsoft.com/office/drawing/2014/main" id="{B8208AA6-D504-4D2C-8300-3D388CB56686}"/>
+              </a:ext>
+            </a:extLst>
+          </p:cNvPr>
+          <p:cNvSpPr/>
+          <p:nvPr/>
+        </p:nvSpPr>
+        <p:spPr>
+          <a:xfrm>
+            <a:off x="3482939" y="2044557"/>
+            <a:ext cx="4428162" cy="2883044"/>
+          </a:xfrm>
+          <a:prstGeom prst="cloudCallout">
+            <a:avLst/>
+          </a:prstGeom>
+        </p:spPr>
+        <p:style>
+          <a:lnRef idx="2">
+            <a:schemeClr val="accent1">
+              <a:shade val="50000"/>
+            </a:schemeClr>
+          </a:lnRef>
+          <a:fillRef idx="1">
+            <a:schemeClr val="accent1"/>
+          </a:fillRef>
+          <a:effectRef idx="0">
+            <a:schemeClr val="accent1"/>
+          </a:effectRef>
+          <a:fontRef idx="minor">
+            <a:schemeClr val="lt1"/>
+          </a:fontRef>
+        </p:style>
+        <p:txBody>
+          <a:bodyPr rtlCol="0" anchor="ctr"/>
+          <a:lstStyle/>
+          <a:p>
+            <a:pPr algn="ctr"/>
+            <a:r>
+              <a:rPr lang="en-US" sz="4000" dirty="0">
+                <a:latin typeface="Times New Roman" panose="02020603050405020304" pitchFamily="18" charset="0"/>
+                <a:cs typeface="Times New Roman" panose="02020603050405020304" pitchFamily="18" charset="0"/>
+              </a:rPr>
+              <a:t>Queries…??</a:t>
+            </a:r>
+          </a:p>
+        </p:txBody>
+      </p:sp>
+    </p:spTree>
+    <p:extLst>
+      <p:ext uri="{BB962C8B-B14F-4D97-AF65-F5344CB8AC3E}">
+        <p14:creationId xmlns:p14="http://schemas.microsoft.com/office/powerpoint/2010/main" val="1034166838"/>
+      </p:ext>
+    </p:extLst>
+  </p:cSld>
+  <p:clrMapOvr>
+    <a:masterClrMapping/>
+  </p:clrMapOvr>
+</p:sld>
+</file>
+
+<file path=ppt/slides/slide15.xml><?xml version="1.0" encoding="utf-8"?>
+<p:sld xmlns:a="http://schemas.openxmlformats.org/drawingml/2006/main" xmlns:r="http://schemas.openxmlformats.org/officeDocument/2006/relationships" xmlns:p="http://schemas.openxmlformats.org/presentationml/2006/main">
+  <p:cSld>
+    <p:bg>
+      <p:bgPr>
+        <a:solidFill>
+          <a:schemeClr val="bg1"/>
+        </a:solidFill>
+        <a:effectLst/>
+      </p:bgPr>
+    </p:bg>
+    <p:spTree>
+      <p:nvGrpSpPr>
+        <p:cNvPr id="1" name=""/>
+        <p:cNvGrpSpPr/>
+        <p:nvPr/>
+      </p:nvGrpSpPr>
+      <p:grpSpPr>
+        <a:xfrm>
+          <a:off x="0" y="0"/>
+          <a:ext cx="0" cy="0"/>
+          <a:chOff x="0" y="0"/>
+          <a:chExt cx="0" cy="0"/>
+        </a:xfrm>
+      </p:grpSpPr>
+      <p:sp>
+        <p:nvSpPr>
+          <p:cNvPr id="2" name="Title 1">
+            <a:extLst>
+              <a:ext uri="{FF2B5EF4-FFF2-40B4-BE49-F238E27FC236}">
                 <a16:creationId xmlns:a16="http://schemas.microsoft.com/office/drawing/2014/main" id="{9779E0E0-BE73-487B-AAF5-B9C63665EBD8}"/>
               </a:ext>
             </a:extLst>
@@ -7494,9 +7728,16 @@
             <p:ph type="title"/>
           </p:nvPr>
         </p:nvSpPr>
-        <p:spPr/>
-        <p:txBody>
-          <a:bodyPr/>
+        <p:spPr>
+          <a:xfrm>
+            <a:off x="677334" y="609600"/>
+            <a:ext cx="8596668" cy="1320800"/>
+          </a:xfrm>
+        </p:spPr>
+        <p:txBody>
+          <a:bodyPr vert="horz" lIns="91440" tIns="45720" rIns="91440" bIns="45720" rtlCol="0" anchor="t">
+            <a:normAutofit/>
+          </a:bodyPr>
           <a:lstStyle/>
           <a:p>
             <a:endParaRPr lang="en-US"/>
@@ -7505,10 +7746,10 @@
       </p:sp>
       <p:sp>
         <p:nvSpPr>
-          <p:cNvPr id="3" name="Content Placeholder 2">
+          <p:cNvPr id="7" name="Footer Placeholder 6">
             <a:extLst>
               <a:ext uri="{FF2B5EF4-FFF2-40B4-BE49-F238E27FC236}">
-                <a16:creationId xmlns:a16="http://schemas.microsoft.com/office/drawing/2014/main" id="{8C5FA733-FC78-402F-9B41-4D7D9B48900E}"/>
+                <a16:creationId xmlns:a16="http://schemas.microsoft.com/office/drawing/2014/main" id="{DA6C3D57-D90D-478E-90C7-F2D2AEBD5DCC}"/>
               </a:ext>
             </a:extLst>
           </p:cNvPr>
@@ -7516,18 +7757,80 @@
             <a:spLocks noGrp="1"/>
           </p:cNvSpPr>
           <p:nvPr>
+            <p:ph type="ftr" sz="quarter" idx="11"/>
+          </p:nvPr>
+        </p:nvSpPr>
+        <p:spPr>
+          <a:xfrm>
+            <a:off x="677334" y="6041362"/>
+            <a:ext cx="5528230" cy="365125"/>
+          </a:xfrm>
+        </p:spPr>
+        <p:txBody>
+          <a:bodyPr vert="horz" lIns="91440" tIns="45720" rIns="91440" bIns="45720" rtlCol="0" anchor="ctr">
+            <a:normAutofit/>
+          </a:bodyPr>
+          <a:lstStyle/>
+          <a:p>
+            <a:pPr defTabSz="914400">
+              <a:spcAft>
+                <a:spcPts val="600"/>
+              </a:spcAft>
+            </a:pPr>
+            <a:r>
+              <a:rPr lang="en-US" kern="1200">
+                <a:solidFill>
+                  <a:schemeClr val="tx1">
+                    <a:tint val="75000"/>
+                  </a:schemeClr>
+                </a:solidFill>
+                <a:latin typeface="+mn-lt"/>
+                <a:ea typeface="+mn-ea"/>
+                <a:cs typeface="+mn-cs"/>
+              </a:rPr>
+              <a:t>Healthify-NWMSU</a:t>
+            </a:r>
+          </a:p>
+        </p:txBody>
+      </p:sp>
+      <p:pic>
+        <p:nvPicPr>
+          <p:cNvPr id="5" name="Content Placeholder 4" descr="A close up of a logo&#10;&#10;Description automatically generated">
+            <a:extLst>
+              <a:ext uri="{FF2B5EF4-FFF2-40B4-BE49-F238E27FC236}">
+                <a16:creationId xmlns:a16="http://schemas.microsoft.com/office/drawing/2014/main" id="{08FFB5C3-F678-438D-8035-CC3D28940A0B}"/>
+              </a:ext>
+            </a:extLst>
+          </p:cNvPr>
+          <p:cNvPicPr>
+            <a:picLocks noGrp="1" noChangeAspect="1"/>
+          </p:cNvPicPr>
+          <p:nvPr>
             <p:ph idx="1"/>
           </p:nvPr>
-        </p:nvSpPr>
-        <p:spPr/>
-        <p:txBody>
-          <a:bodyPr/>
-          <a:lstStyle/>
-          <a:p>
-            <a:endParaRPr lang="en-US" dirty="0"/>
-          </a:p>
-        </p:txBody>
-      </p:sp>
+        </p:nvPicPr>
+        <p:blipFill>
+          <a:blip r:embed="rId2">
+            <a:extLst>
+              <a:ext uri="{28A0092B-C50C-407E-A947-70E740481C1C}">
+                <a14:useLocalDpi xmlns:a14="http://schemas.microsoft.com/office/drawing/2010/main" val="0"/>
+              </a:ext>
+            </a:extLst>
+          </a:blip>
+          <a:stretch>
+            <a:fillRect/>
+          </a:stretch>
+        </p:blipFill>
+        <p:spPr>
+          <a:xfrm>
+            <a:off x="1244225" y="1051905"/>
+            <a:ext cx="8310741" cy="4425469"/>
+          </a:xfrm>
+          <a:prstGeom prst="rect">
+            <a:avLst/>
+          </a:prstGeom>
+        </p:spPr>
+      </p:pic>
       <p:sp>
         <p:nvSpPr>
           <p:cNvPr id="6" name="Rectangle 5">
@@ -7542,74 +7845,53 @@
         </p:nvSpPr>
         <p:spPr>
           <a:xfrm>
-            <a:off x="4272426" y="2967335"/>
-            <a:ext cx="3647152" cy="923330"/>
+            <a:off x="6416039" y="2160589"/>
+            <a:ext cx="2927185" cy="3880773"/>
           </a:xfrm>
           <a:prstGeom prst="rect">
             <a:avLst/>
           </a:prstGeom>
-          <a:noFill/>
         </p:spPr>
         <p:txBody>
-          <a:bodyPr wrap="none" lIns="91440" tIns="45720" rIns="91440" bIns="45720">
-            <a:spAutoFit/>
+          <a:bodyPr vert="horz" lIns="91440" tIns="45720" rIns="91440" bIns="45720" rtlCol="0">
+            <a:normAutofit/>
           </a:bodyPr>
           <a:lstStyle/>
           <a:p>
-            <a:pPr algn="ctr"/>
-            <a:r>
-              <a:rPr lang="en-US" sz="5400" b="1" cap="none" spc="0" dirty="0">
-                <a:ln w="12700">
-                  <a:solidFill>
-                    <a:schemeClr val="accent3">
-                      <a:lumMod val="50000"/>
-                    </a:schemeClr>
-                  </a:solidFill>
-                  <a:prstDash val="solid"/>
-                </a:ln>
+            <a:pPr>
+              <a:spcBef>
+                <a:spcPts val="1000"/>
+              </a:spcBef>
+              <a:buClr>
+                <a:schemeClr val="accent1"/>
+              </a:buClr>
+              <a:buSzPct val="80000"/>
+              <a:buFont typeface="Wingdings 3" charset="2"/>
+              <a:buChar char=""/>
+            </a:pPr>
+            <a:endParaRPr lang="en-US" sz="1500" b="1" cap="none" spc="0">
+              <a:ln w="12700">
                 <a:solidFill>
-                  <a:schemeClr val="accent1">
-                    <a:lumMod val="75000"/>
+                  <a:schemeClr val="accent3">
+                    <a:lumMod val="50000"/>
                   </a:schemeClr>
                 </a:solidFill>
-                <a:effectLst>
-                  <a:outerShdw blurRad="38100" dist="38100" dir="2700000" algn="tl">
-                    <a:srgbClr val="000000">
-                      <a:alpha val="43137"/>
-                    </a:srgbClr>
-                  </a:outerShdw>
-                </a:effectLst>
-              </a:rPr>
-              <a:t>Thank You</a:t>
-            </a:r>
-          </a:p>
-        </p:txBody>
-      </p:sp>
-      <p:sp>
-        <p:nvSpPr>
-          <p:cNvPr id="7" name="Footer Placeholder 6">
-            <a:extLst>
-              <a:ext uri="{FF2B5EF4-FFF2-40B4-BE49-F238E27FC236}">
-                <a16:creationId xmlns:a16="http://schemas.microsoft.com/office/drawing/2014/main" id="{DA6C3D57-D90D-478E-90C7-F2D2AEBD5DCC}"/>
-              </a:ext>
-            </a:extLst>
-          </p:cNvPr>
-          <p:cNvSpPr>
-            <a:spLocks noGrp="1"/>
-          </p:cNvSpPr>
-          <p:nvPr>
-            <p:ph type="ftr" sz="quarter" idx="11"/>
-          </p:nvPr>
-        </p:nvSpPr>
-        <p:spPr/>
-        <p:txBody>
-          <a:bodyPr/>
-          <a:lstStyle/>
-          <a:p>
-            <a:r>
-              <a:rPr lang="en-US"/>
-              <a:t>Healthify-NWMSU</a:t>
-            </a:r>
+                <a:prstDash val="solid"/>
+              </a:ln>
+              <a:solidFill>
+                <a:schemeClr val="tx1">
+                  <a:lumMod val="75000"/>
+                  <a:lumOff val="25000"/>
+                </a:schemeClr>
+              </a:solidFill>
+              <a:effectLst>
+                <a:outerShdw blurRad="38100" dist="38100" dir="2700000" algn="tl">
+                  <a:srgbClr val="000000">
+                    <a:alpha val="43137"/>
+                  </a:srgbClr>
+                </a:outerShdw>
+              </a:effectLst>
+            </a:endParaRPr>
           </a:p>
         </p:txBody>
       </p:sp>
@@ -7629,14 +7911,31 @@
             <p:ph type="sldNum" sz="quarter" idx="12"/>
           </p:nvPr>
         </p:nvSpPr>
-        <p:spPr/>
-        <p:txBody>
-          <a:bodyPr/>
-          <a:lstStyle/>
-          <a:p>
+        <p:spPr>
+          <a:xfrm>
+            <a:off x="8590663" y="6041362"/>
+            <a:ext cx="683339" cy="365125"/>
+          </a:xfrm>
+        </p:spPr>
+        <p:txBody>
+          <a:bodyPr vert="horz" lIns="91440" tIns="45720" rIns="91440" bIns="45720" rtlCol="0" anchor="ctr">
+            <a:normAutofit/>
+          </a:bodyPr>
+          <a:lstStyle/>
+          <a:p>
+            <a:pPr defTabSz="914400">
+              <a:spcAft>
+                <a:spcPts val="600"/>
+              </a:spcAft>
+            </a:pPr>
             <a:fld id="{FC6EDEEF-6E47-4D41-B312-2A124904AE2A}" type="slidenum">
               <a:rPr lang="en-US" smtClean="0"/>
-              <a:t>14</a:t>
+              <a:pPr defTabSz="914400">
+                <a:spcAft>
+                  <a:spcPts val="600"/>
+                </a:spcAft>
+              </a:pPr>
+              <a:t>15</a:t>
             </a:fld>
             <a:endParaRPr lang="en-US"/>
           </a:p>
@@ -7715,8 +8014,8 @@
         </p:nvSpPr>
         <p:spPr>
           <a:xfrm>
-            <a:off x="369870" y="365125"/>
-            <a:ext cx="10983930" cy="5811838"/>
+            <a:off x="369869" y="365125"/>
+            <a:ext cx="11578975" cy="5811838"/>
           </a:xfrm>
         </p:spPr>
         <p:txBody>
@@ -7747,6 +8046,16 @@
               </a:rPr>
               <a:t>				     				</a:t>
             </a:r>
+            <a:r>
+              <a:rPr lang="en-US" sz="4400" dirty="0">
+                <a:solidFill>
+                  <a:schemeClr val="accent3"/>
+                </a:solidFill>
+                <a:latin typeface="Times New Roman" panose="02020603050405020304" pitchFamily="18" charset="0"/>
+                <a:cs typeface="Times New Roman" panose="02020603050405020304" pitchFamily="18" charset="0"/>
+              </a:rPr>
+              <a:t>Group Members</a:t>
+            </a:r>
           </a:p>
           <a:p>
             <a:endParaRPr lang="en-US" dirty="0">
@@ -7805,7 +8114,33 @@
                 <a:latin typeface="Times New Roman" panose="02020603050405020304" pitchFamily="18" charset="0"/>
                 <a:cs typeface="Times New Roman" panose="02020603050405020304" pitchFamily="18" charset="0"/>
               </a:rPr>
-              <a:t>   Swaroopa </a:t>
+              <a:t>   	     Swaroopa 	  		   Naga Anshitha    	            Shiva Rama</a:t>
+            </a:r>
+          </a:p>
+          <a:p>
+            <a:pPr marL="0" indent="0">
+              <a:buNone/>
+            </a:pPr>
+            <a:r>
+              <a:rPr lang="en-US" dirty="0">
+                <a:latin typeface="Times New Roman" panose="02020603050405020304" pitchFamily="18" charset="0"/>
+                <a:cs typeface="Times New Roman" panose="02020603050405020304" pitchFamily="18" charset="0"/>
+              </a:rPr>
+              <a:t>(Project Manager)	       (</a:t>
+            </a:r>
+            <a:r>
+              <a:rPr lang="en-US" dirty="0" err="1">
+                <a:latin typeface="Times New Roman" panose="02020603050405020304" pitchFamily="18" charset="0"/>
+                <a:cs typeface="Times New Roman" panose="02020603050405020304" pitchFamily="18" charset="0"/>
+              </a:rPr>
+              <a:t>Fullstack</a:t>
+            </a:r>
+            <a:r>
+              <a:rPr lang="en-US" dirty="0">
+                <a:latin typeface="Times New Roman" panose="02020603050405020304" pitchFamily="18" charset="0"/>
+                <a:cs typeface="Times New Roman" panose="02020603050405020304" pitchFamily="18" charset="0"/>
+              </a:rPr>
+              <a:t> Developer)      </a:t>
             </a:r>
             <a:r>
               <a:rPr lang="en-US" dirty="0" err="1">
@@ -7814,36 +8149,33 @@
               </a:rPr>
               <a:t>Thirumalareddy</a:t>
             </a:r>
-            <a:endParaRPr lang="en-US" dirty="0">
-              <a:latin typeface="Times New Roman" panose="02020603050405020304" pitchFamily="18" charset="0"/>
-              <a:cs typeface="Times New Roman" panose="02020603050405020304" pitchFamily="18" charset="0"/>
-            </a:endParaRPr>
-          </a:p>
-          <a:p>
-            <a:pPr marL="0" indent="0">
-              <a:buNone/>
-            </a:pPr>
             <a:r>
               <a:rPr lang="en-US" dirty="0">
                 <a:latin typeface="Times New Roman" panose="02020603050405020304" pitchFamily="18" charset="0"/>
                 <a:cs typeface="Times New Roman" panose="02020603050405020304" pitchFamily="18" charset="0"/>
               </a:rPr>
-              <a:t>	 (Admin)			     (</a:t>
-            </a:r>
-            <a:r>
-              <a:rPr lang="en-US">
+              <a:t>		     Velagapudi		         Krishna </a:t>
+            </a:r>
+            <a:r>
+              <a:rPr lang="en-US" dirty="0" err="1">
                 <a:latin typeface="Times New Roman" panose="02020603050405020304" pitchFamily="18" charset="0"/>
                 <a:cs typeface="Times New Roman" panose="02020603050405020304" pitchFamily="18" charset="0"/>
               </a:rPr>
-              <a:t>Developer)		    (Developer)</a:t>
+              <a:t>Vodnala</a:t>
             </a:r>
             <a:endParaRPr lang="en-US" dirty="0"/>
           </a:p>
           <a:p>
-            <a:endParaRPr lang="en-US" dirty="0"/>
-          </a:p>
-          <a:p>
-            <a:endParaRPr lang="en-US" dirty="0"/>
+            <a:pPr marL="3657600" lvl="8" indent="0">
+              <a:buNone/>
+            </a:pPr>
+            <a:r>
+              <a:rPr lang="en-US" sz="1800" dirty="0">
+                <a:latin typeface="Times New Roman" panose="02020603050405020304" pitchFamily="18" charset="0"/>
+                <a:cs typeface="Times New Roman" panose="02020603050405020304" pitchFamily="18" charset="0"/>
+              </a:rPr>
+              <a:t>              (Backend Developer)	  (UI and Tester)	        (DB Administrator)					</a:t>
+            </a:r>
           </a:p>
           <a:p>
             <a:pPr marL="0" indent="0">
@@ -7861,49 +8193,10 @@
             <a:pPr marL="0" indent="0">
               <a:buNone/>
             </a:pPr>
-            <a:r>
-              <a:rPr lang="en-US" dirty="0">
-                <a:latin typeface="Times New Roman" panose="02020603050405020304" pitchFamily="18" charset="0"/>
-                <a:cs typeface="Times New Roman" panose="02020603050405020304" pitchFamily="18" charset="0"/>
-              </a:rPr>
-              <a:t>		       Naga Anshitha Velagapudi		Shiva Rama Krishna </a:t>
-            </a:r>
-            <a:r>
-              <a:rPr lang="en-US" dirty="0" err="1">
-                <a:latin typeface="Times New Roman" panose="02020603050405020304" pitchFamily="18" charset="0"/>
-                <a:cs typeface="Times New Roman" panose="02020603050405020304" pitchFamily="18" charset="0"/>
-              </a:rPr>
-              <a:t>Vodnala</a:t>
-            </a:r>
-            <a:r>
-              <a:rPr lang="en-US" dirty="0">
-                <a:latin typeface="Times New Roman" panose="02020603050405020304" pitchFamily="18" charset="0"/>
-                <a:cs typeface="Times New Roman" panose="02020603050405020304" pitchFamily="18" charset="0"/>
-              </a:rPr>
-              <a:t>		</a:t>
-            </a:r>
-            <a:r>
-              <a:rPr lang="en-US" dirty="0"/>
-              <a:t>					           	                        </a:t>
-            </a:r>
-            <a:r>
-              <a:rPr lang="en-US" dirty="0">
-                <a:latin typeface="Times New Roman" panose="02020603050405020304" pitchFamily="18" charset="0"/>
-                <a:cs typeface="Times New Roman" panose="02020603050405020304" pitchFamily="18" charset="0"/>
-              </a:rPr>
-              <a:t>(Tester)		</a:t>
-            </a:r>
-            <a:r>
-              <a:rPr lang="en-US" dirty="0"/>
-              <a:t>			   </a:t>
-            </a:r>
-            <a:r>
-              <a:rPr lang="en-US" dirty="0">
-                <a:latin typeface="Times New Roman" panose="02020603050405020304" pitchFamily="18" charset="0"/>
-                <a:cs typeface="Times New Roman" panose="02020603050405020304" pitchFamily="18" charset="0"/>
-              </a:rPr>
-              <a:t>(UI Designer)</a:t>
-            </a:r>
+            <a:endParaRPr lang="en-US" dirty="0">
+              <a:latin typeface="Times New Roman" panose="02020603050405020304" pitchFamily="18" charset="0"/>
+              <a:cs typeface="Times New Roman" panose="02020603050405020304" pitchFamily="18" charset="0"/>
+            </a:endParaRPr>
           </a:p>
         </p:txBody>
       </p:sp>
@@ -7935,7 +8228,7 @@
         </p:blipFill>
         <p:spPr>
           <a:xfrm>
-            <a:off x="2843139" y="2889246"/>
+            <a:off x="2843139" y="3044160"/>
             <a:ext cx="1532972" cy="2038355"/>
           </a:xfrm>
           <a:prstGeom prst="rect">
@@ -7971,7 +8264,7 @@
         </p:blipFill>
         <p:spPr>
           <a:xfrm>
-            <a:off x="9730721" y="2889245"/>
+            <a:off x="9730722" y="3156373"/>
             <a:ext cx="1532973" cy="2038356"/>
           </a:xfrm>
           <a:prstGeom prst="rect">
@@ -8007,7 +8300,7 @@
         </p:blipFill>
         <p:spPr>
           <a:xfrm>
-            <a:off x="7399360" y="2889245"/>
+            <a:off x="7399360" y="3156373"/>
             <a:ext cx="1532972" cy="2038356"/>
           </a:xfrm>
           <a:prstGeom prst="rect">
@@ -8043,7 +8336,7 @@
         </p:blipFill>
         <p:spPr>
           <a:xfrm>
-            <a:off x="5098498" y="2889246"/>
+            <a:off x="5098498" y="3084327"/>
             <a:ext cx="1436568" cy="2038356"/>
           </a:xfrm>
           <a:prstGeom prst="rect">
@@ -8079,7 +8372,7 @@
         </p:blipFill>
         <p:spPr>
           <a:xfrm>
-            <a:off x="677333" y="2891160"/>
+            <a:off x="666722" y="3084327"/>
             <a:ext cx="1454030" cy="1938708"/>
           </a:xfrm>
           <a:prstGeom prst="rect">

--- a/Healthify-NWMSU.pptx
+++ b/Healthify-NWMSU.pptx
@@ -16,9 +16,9 @@
     <p:sldId id="260" r:id="rId7"/>
     <p:sldId id="272" r:id="rId8"/>
     <p:sldId id="263" r:id="rId9"/>
-    <p:sldId id="273" r:id="rId10"/>
-    <p:sldId id="274" r:id="rId11"/>
-    <p:sldId id="277" r:id="rId12"/>
+    <p:sldId id="277" r:id="rId10"/>
+    <p:sldId id="273" r:id="rId11"/>
+    <p:sldId id="274" r:id="rId12"/>
     <p:sldId id="275" r:id="rId13"/>
     <p:sldId id="276" r:id="rId14"/>
     <p:sldId id="278" r:id="rId15"/>
@@ -211,7 +211,7 @@
           <a:p>
             <a:fld id="{47668349-CA56-4ADD-94D4-8C9AF5942285}" type="datetimeFigureOut">
               <a:rPr lang="en-US" smtClean="0"/>
-              <a:t>9/1/2020</a:t>
+              <a:t>9/2/2020</a:t>
             </a:fld>
             <a:endParaRPr lang="en-US"/>
           </a:p>
@@ -1200,7 +1200,7 @@
           <a:p>
             <a:fld id="{3A1EF30B-C248-4506-8212-5FE56D3ED25B}" type="datetime1">
               <a:rPr lang="en-US" smtClean="0"/>
-              <a:t>9/1/2020</a:t>
+              <a:t>9/2/2020</a:t>
             </a:fld>
             <a:endParaRPr lang="en-US"/>
           </a:p>
@@ -1454,7 +1454,7 @@
           <a:p>
             <a:fld id="{24C87863-0F40-4B7E-95E9-700E3F69D13C}" type="datetime1">
               <a:rPr lang="en-US" smtClean="0"/>
-              <a:t>9/1/2020</a:t>
+              <a:t>9/2/2020</a:t>
             </a:fld>
             <a:endParaRPr lang="en-US"/>
           </a:p>
@@ -1771,7 +1771,7 @@
           <a:p>
             <a:fld id="{DE8BFFC1-4678-443B-9BC8-EA5145155977}" type="datetime1">
               <a:rPr lang="en-US" smtClean="0"/>
-              <a:t>9/1/2020</a:t>
+              <a:t>9/2/2020</a:t>
             </a:fld>
             <a:endParaRPr lang="en-US"/>
           </a:p>
@@ -2115,7 +2115,7 @@
           <a:p>
             <a:fld id="{8A0CA5B6-8176-4083-84C8-8931C71F8050}" type="datetime1">
               <a:rPr lang="en-US" smtClean="0"/>
-              <a:t>9/1/2020</a:t>
+              <a:t>9/2/2020</a:t>
             </a:fld>
             <a:endParaRPr lang="en-US"/>
           </a:p>
@@ -2432,7 +2432,7 @@
           <a:p>
             <a:fld id="{A2FBAB3E-A674-40AA-ACA8-5A81BD2531B0}" type="datetime1">
               <a:rPr lang="en-US" smtClean="0"/>
-              <a:t>9/1/2020</a:t>
+              <a:t>9/2/2020</a:t>
             </a:fld>
             <a:endParaRPr lang="en-US"/>
           </a:p>
@@ -2828,7 +2828,7 @@
           <a:p>
             <a:fld id="{C79B4036-9250-4240-A883-6BEC39EC1BCD}" type="datetime1">
               <a:rPr lang="en-US" smtClean="0"/>
-              <a:t>9/1/2020</a:t>
+              <a:t>9/2/2020</a:t>
             </a:fld>
             <a:endParaRPr lang="en-US"/>
           </a:p>
@@ -3001,7 +3001,7 @@
           <a:p>
             <a:fld id="{7A86C77A-FDED-4854-865C-8E65A2279A47}" type="datetime1">
               <a:rPr lang="en-US" smtClean="0"/>
-              <a:t>9/1/2020</a:t>
+              <a:t>9/2/2020</a:t>
             </a:fld>
             <a:endParaRPr lang="en-US"/>
           </a:p>
@@ -3184,7 +3184,7 @@
           <a:p>
             <a:fld id="{964AA931-C8E9-46DE-A388-74BE7193A5EE}" type="datetime1">
               <a:rPr lang="en-US" smtClean="0"/>
-              <a:t>9/1/2020</a:t>
+              <a:t>9/2/2020</a:t>
             </a:fld>
             <a:endParaRPr lang="en-US"/>
           </a:p>
@@ -3363,7 +3363,7 @@
           <a:p>
             <a:fld id="{21923828-AD49-48C6-B843-96BE5F4C14D3}" type="datetime1">
               <a:rPr lang="en-US" smtClean="0"/>
-              <a:t>9/1/2020</a:t>
+              <a:t>9/2/2020</a:t>
             </a:fld>
             <a:endParaRPr lang="en-US"/>
           </a:p>
@@ -3613,7 +3613,7 @@
           <a:p>
             <a:fld id="{9536738A-7D94-4E21-A39C-E69D6CC68B05}" type="datetime1">
               <a:rPr lang="en-US" smtClean="0"/>
-              <a:t>9/1/2020</a:t>
+              <a:t>9/2/2020</a:t>
             </a:fld>
             <a:endParaRPr lang="en-US"/>
           </a:p>
@@ -3848,7 +3848,7 @@
           <a:p>
             <a:fld id="{0EBC7817-DC40-4CCD-A2EB-F63BD3A3F3CE}" type="datetime1">
               <a:rPr lang="en-US" smtClean="0"/>
-              <a:t>9/1/2020</a:t>
+              <a:t>9/2/2020</a:t>
             </a:fld>
             <a:endParaRPr lang="en-US"/>
           </a:p>
@@ -4225,7 +4225,7 @@
           <a:p>
             <a:fld id="{35538925-F7DC-4CF2-91AA-89BFD364F1F1}" type="datetime1">
               <a:rPr lang="en-US" smtClean="0"/>
-              <a:t>9/1/2020</a:t>
+              <a:t>9/2/2020</a:t>
             </a:fld>
             <a:endParaRPr lang="en-US"/>
           </a:p>
@@ -4351,7 +4351,7 @@
           <a:p>
             <a:fld id="{D8CD788C-F0C9-40F9-A88D-99199032970B}" type="datetime1">
               <a:rPr lang="en-US" smtClean="0"/>
-              <a:t>9/1/2020</a:t>
+              <a:t>9/2/2020</a:t>
             </a:fld>
             <a:endParaRPr lang="en-US"/>
           </a:p>
@@ -4449,7 +4449,7 @@
           <a:p>
             <a:fld id="{5C1EAB9D-6352-42F3-9DBA-06E972EA61C1}" type="datetime1">
               <a:rPr lang="en-US" smtClean="0"/>
-              <a:t>9/1/2020</a:t>
+              <a:t>9/2/2020</a:t>
             </a:fld>
             <a:endParaRPr lang="en-US"/>
           </a:p>
@@ -4707,7 +4707,7 @@
           <a:p>
             <a:fld id="{6D4E1003-15BB-47AF-924E-10BEE17CFCE2}" type="datetime1">
               <a:rPr lang="en-US" smtClean="0"/>
-              <a:t>9/1/2020</a:t>
+              <a:t>9/2/2020</a:t>
             </a:fld>
             <a:endParaRPr lang="en-US"/>
           </a:p>
@@ -4973,7 +4973,7 @@
           <a:p>
             <a:fld id="{8A9ED48A-44BE-445C-8197-6155F7FAFDFD}" type="datetime1">
               <a:rPr lang="en-US" smtClean="0"/>
-              <a:t>9/1/2020</a:t>
+              <a:t>9/2/2020</a:t>
             </a:fld>
             <a:endParaRPr lang="en-US"/>
           </a:p>
@@ -5719,7 +5719,7 @@
           <a:p>
             <a:fld id="{87E7C5B2-8431-42CE-902A-E317D84B6C47}" type="datetime1">
               <a:rPr lang="en-US" smtClean="0"/>
-              <a:t>9/1/2020</a:t>
+              <a:t>9/2/2020</a:t>
             </a:fld>
             <a:endParaRPr lang="en-US"/>
           </a:p>
@@ -6488,7 +6488,7 @@
           <p:cNvPr id="2" name="Title 1">
             <a:extLst>
               <a:ext uri="{FF2B5EF4-FFF2-40B4-BE49-F238E27FC236}">
-                <a16:creationId xmlns:a16="http://schemas.microsoft.com/office/drawing/2014/main" id="{019B3870-AD76-44DC-A5A0-5B8C0D926FEF}"/>
+                <a16:creationId xmlns:a16="http://schemas.microsoft.com/office/drawing/2014/main" id="{D10C0F41-67DB-4902-B02E-10AF0EA12871}"/>
               </a:ext>
             </a:extLst>
           </p:cNvPr>
@@ -6519,7 +6519,7 @@
                 <a:latin typeface="Times New Roman" panose="02020603050405020304" pitchFamily="18" charset="0"/>
                 <a:cs typeface="Times New Roman" panose="02020603050405020304" pitchFamily="18" charset="0"/>
               </a:rPr>
-              <a:t>Cost Management </a:t>
+              <a:t>Schedule Management</a:t>
             </a:r>
           </a:p>
         </p:txBody>
@@ -6529,7 +6529,7 @@
           <p:cNvPr id="5" name="Content Placeholder 4" descr="A screenshot of a computer&#10;&#10;Description automatically generated">
             <a:extLst>
               <a:ext uri="{FF2B5EF4-FFF2-40B4-BE49-F238E27FC236}">
-                <a16:creationId xmlns:a16="http://schemas.microsoft.com/office/drawing/2014/main" id="{B434056D-5920-4F14-B7DD-B27BD2A28ADB}"/>
+                <a16:creationId xmlns:a16="http://schemas.microsoft.com/office/drawing/2014/main" id="{B6736611-1689-4464-81E3-6C6B2B6F5B36}"/>
               </a:ext>
             </a:extLst>
           </p:cNvPr>
@@ -6554,8 +6554,8 @@
         </p:blipFill>
         <p:spPr>
           <a:xfrm>
-            <a:off x="1089062" y="1253448"/>
-            <a:ext cx="9647432" cy="4900772"/>
+            <a:off x="1191803" y="1263721"/>
+            <a:ext cx="9832368" cy="4890499"/>
           </a:xfrm>
         </p:spPr>
       </p:pic>
@@ -6564,7 +6564,7 @@
           <p:cNvPr id="6" name="Footer Placeholder 5">
             <a:extLst>
               <a:ext uri="{FF2B5EF4-FFF2-40B4-BE49-F238E27FC236}">
-                <a16:creationId xmlns:a16="http://schemas.microsoft.com/office/drawing/2014/main" id="{516688C4-0ADD-40B0-B93A-5E20A555C43D}"/>
+                <a16:creationId xmlns:a16="http://schemas.microsoft.com/office/drawing/2014/main" id="{BB5C8C6F-C16D-4AB6-9B47-536A364DF7B3}"/>
               </a:ext>
             </a:extLst>
           </p:cNvPr>
@@ -6592,7 +6592,7 @@
           <p:cNvPr id="7" name="Slide Number Placeholder 6">
             <a:extLst>
               <a:ext uri="{FF2B5EF4-FFF2-40B4-BE49-F238E27FC236}">
-                <a16:creationId xmlns:a16="http://schemas.microsoft.com/office/drawing/2014/main" id="{26449E8A-D908-40AB-96FA-365AF937BD48}"/>
+                <a16:creationId xmlns:a16="http://schemas.microsoft.com/office/drawing/2014/main" id="{6B953DC5-5829-4EC7-99E1-A0A0139D473D}"/>
               </a:ext>
             </a:extLst>
           </p:cNvPr>
@@ -6619,7 +6619,7 @@
     </p:spTree>
     <p:extLst>
       <p:ext uri="{BB962C8B-B14F-4D97-AF65-F5344CB8AC3E}">
-        <p14:creationId xmlns:p14="http://schemas.microsoft.com/office/powerpoint/2010/main" val="1271753515"/>
+        <p14:creationId xmlns:p14="http://schemas.microsoft.com/office/powerpoint/2010/main" val="4153707155"/>
       </p:ext>
     </p:extLst>
   </p:cSld>
@@ -6651,6 +6651,3317 @@
           <p:cNvPr id="2" name="Title 1">
             <a:extLst>
               <a:ext uri="{FF2B5EF4-FFF2-40B4-BE49-F238E27FC236}">
+                <a16:creationId xmlns:a16="http://schemas.microsoft.com/office/drawing/2014/main" id="{019B3870-AD76-44DC-A5A0-5B8C0D926FEF}"/>
+              </a:ext>
+            </a:extLst>
+          </p:cNvPr>
+          <p:cNvSpPr>
+            <a:spLocks noGrp="1"/>
+          </p:cNvSpPr>
+          <p:nvPr>
+            <p:ph type="title"/>
+          </p:nvPr>
+        </p:nvSpPr>
+        <p:spPr/>
+        <p:txBody>
+          <a:bodyPr/>
+          <a:lstStyle/>
+          <a:p>
+            <a:r>
+              <a:rPr lang="en-US" b="1" dirty="0">
+                <a:solidFill>
+                  <a:schemeClr val="accent3"/>
+                </a:solidFill>
+                <a:effectLst>
+                  <a:outerShdw blurRad="38100" dist="38100" dir="2700000" algn="tl">
+                    <a:srgbClr val="000000">
+                      <a:alpha val="43137"/>
+                    </a:srgbClr>
+                  </a:outerShdw>
+                </a:effectLst>
+                <a:latin typeface="Times New Roman" panose="02020603050405020304" pitchFamily="18" charset="0"/>
+                <a:cs typeface="Times New Roman" panose="02020603050405020304" pitchFamily="18" charset="0"/>
+              </a:rPr>
+              <a:t>Cost Management </a:t>
+            </a:r>
+          </a:p>
+        </p:txBody>
+      </p:sp>
+      <p:pic>
+        <p:nvPicPr>
+          <p:cNvPr id="5" name="Content Placeholder 4" descr="A screenshot of a computer&#10;&#10;Description automatically generated">
+            <a:extLst>
+              <a:ext uri="{FF2B5EF4-FFF2-40B4-BE49-F238E27FC236}">
+                <a16:creationId xmlns:a16="http://schemas.microsoft.com/office/drawing/2014/main" id="{B434056D-5920-4F14-B7DD-B27BD2A28ADB}"/>
+              </a:ext>
+            </a:extLst>
+          </p:cNvPr>
+          <p:cNvPicPr>
+            <a:picLocks noGrp="1" noChangeAspect="1"/>
+          </p:cNvPicPr>
+          <p:nvPr>
+            <p:ph idx="1"/>
+          </p:nvPr>
+        </p:nvPicPr>
+        <p:blipFill>
+          <a:blip r:embed="rId2">
+            <a:extLst>
+              <a:ext uri="{28A0092B-C50C-407E-A947-70E740481C1C}">
+                <a14:useLocalDpi xmlns:a14="http://schemas.microsoft.com/office/drawing/2010/main" val="0"/>
+              </a:ext>
+            </a:extLst>
+          </a:blip>
+          <a:stretch>
+            <a:fillRect/>
+          </a:stretch>
+        </p:blipFill>
+        <p:spPr>
+          <a:xfrm>
+            <a:off x="1089062" y="1253448"/>
+            <a:ext cx="9647432" cy="4900772"/>
+          </a:xfrm>
+        </p:spPr>
+      </p:pic>
+      <p:sp>
+        <p:nvSpPr>
+          <p:cNvPr id="6" name="Footer Placeholder 5">
+            <a:extLst>
+              <a:ext uri="{FF2B5EF4-FFF2-40B4-BE49-F238E27FC236}">
+                <a16:creationId xmlns:a16="http://schemas.microsoft.com/office/drawing/2014/main" id="{516688C4-0ADD-40B0-B93A-5E20A555C43D}"/>
+              </a:ext>
+            </a:extLst>
+          </p:cNvPr>
+          <p:cNvSpPr>
+            <a:spLocks noGrp="1"/>
+          </p:cNvSpPr>
+          <p:nvPr>
+            <p:ph type="ftr" sz="quarter" idx="11"/>
+          </p:nvPr>
+        </p:nvSpPr>
+        <p:spPr/>
+        <p:txBody>
+          <a:bodyPr/>
+          <a:lstStyle/>
+          <a:p>
+            <a:r>
+              <a:rPr lang="en-US"/>
+              <a:t>Healthify-NWMSU</a:t>
+            </a:r>
+          </a:p>
+        </p:txBody>
+      </p:sp>
+      <p:sp>
+        <p:nvSpPr>
+          <p:cNvPr id="7" name="Slide Number Placeholder 6">
+            <a:extLst>
+              <a:ext uri="{FF2B5EF4-FFF2-40B4-BE49-F238E27FC236}">
+                <a16:creationId xmlns:a16="http://schemas.microsoft.com/office/drawing/2014/main" id="{26449E8A-D908-40AB-96FA-365AF937BD48}"/>
+              </a:ext>
+            </a:extLst>
+          </p:cNvPr>
+          <p:cNvSpPr>
+            <a:spLocks noGrp="1"/>
+          </p:cNvSpPr>
+          <p:nvPr>
+            <p:ph type="sldNum" sz="quarter" idx="12"/>
+          </p:nvPr>
+        </p:nvSpPr>
+        <p:spPr/>
+        <p:txBody>
+          <a:bodyPr/>
+          <a:lstStyle/>
+          <a:p>
+            <a:fld id="{FC6EDEEF-6E47-4D41-B312-2A124904AE2A}" type="slidenum">
+              <a:rPr lang="en-US" smtClean="0"/>
+              <a:t>11</a:t>
+            </a:fld>
+            <a:endParaRPr lang="en-US"/>
+          </a:p>
+        </p:txBody>
+      </p:sp>
+    </p:spTree>
+    <p:extLst>
+      <p:ext uri="{BB962C8B-B14F-4D97-AF65-F5344CB8AC3E}">
+        <p14:creationId xmlns:p14="http://schemas.microsoft.com/office/powerpoint/2010/main" val="1271753515"/>
+      </p:ext>
+    </p:extLst>
+  </p:cSld>
+  <p:clrMapOvr>
+    <a:masterClrMapping/>
+  </p:clrMapOvr>
+</p:sld>
+</file>
+
+<file path=ppt/slides/slide12.xml><?xml version="1.0" encoding="utf-8"?>
+<p:sld xmlns:a="http://schemas.openxmlformats.org/drawingml/2006/main" xmlns:r="http://schemas.openxmlformats.org/officeDocument/2006/relationships" xmlns:p="http://schemas.openxmlformats.org/presentationml/2006/main">
+  <p:cSld>
+    <p:spTree>
+      <p:nvGrpSpPr>
+        <p:cNvPr id="1" name=""/>
+        <p:cNvGrpSpPr/>
+        <p:nvPr/>
+      </p:nvGrpSpPr>
+      <p:grpSpPr>
+        <a:xfrm>
+          <a:off x="0" y="0"/>
+          <a:ext cx="0" cy="0"/>
+          <a:chOff x="0" y="0"/>
+          <a:chExt cx="0" cy="0"/>
+        </a:xfrm>
+      </p:grpSpPr>
+      <p:sp>
+        <p:nvSpPr>
+          <p:cNvPr id="2" name="Title 1">
+            <a:extLst>
+              <a:ext uri="{FF2B5EF4-FFF2-40B4-BE49-F238E27FC236}">
+                <a16:creationId xmlns:a16="http://schemas.microsoft.com/office/drawing/2014/main" id="{405F658A-143D-4B11-9418-4DFD99116EE8}"/>
+              </a:ext>
+            </a:extLst>
+          </p:cNvPr>
+          <p:cNvSpPr>
+            <a:spLocks noGrp="1"/>
+          </p:cNvSpPr>
+          <p:nvPr>
+            <p:ph type="title"/>
+          </p:nvPr>
+        </p:nvSpPr>
+        <p:spPr/>
+        <p:txBody>
+          <a:bodyPr>
+            <a:normAutofit fontScale="90000"/>
+          </a:bodyPr>
+          <a:lstStyle/>
+          <a:p>
+            <a:r>
+              <a:rPr lang="en-US" sz="4000" b="1" dirty="0">
+                <a:solidFill>
+                  <a:schemeClr val="accent3"/>
+                </a:solidFill>
+                <a:effectLst>
+                  <a:outerShdw blurRad="38100" dist="38100" dir="2700000" algn="tl">
+                    <a:srgbClr val="000000">
+                      <a:alpha val="43137"/>
+                    </a:srgbClr>
+                  </a:outerShdw>
+                </a:effectLst>
+                <a:latin typeface="Times New Roman" panose="02020603050405020304" pitchFamily="18" charset="0"/>
+                <a:cs typeface="Times New Roman" panose="02020603050405020304" pitchFamily="18" charset="0"/>
+              </a:rPr>
+              <a:t>Benefits</a:t>
+            </a:r>
+            <a:br>
+              <a:rPr lang="en-US" sz="2400" b="1" dirty="0">
+                <a:latin typeface="Times New Roman" panose="02020603050405020304" pitchFamily="18" charset="0"/>
+                <a:cs typeface="Times New Roman" panose="02020603050405020304" pitchFamily="18" charset="0"/>
+              </a:rPr>
+            </a:br>
+            <a:br>
+              <a:rPr lang="en-US" sz="2400" b="1" dirty="0">
+                <a:latin typeface="Times New Roman" panose="02020603050405020304" pitchFamily="18" charset="0"/>
+                <a:cs typeface="Times New Roman" panose="02020603050405020304" pitchFamily="18" charset="0"/>
+              </a:rPr>
+            </a:br>
+            <a:endParaRPr lang="en-US" sz="2400" dirty="0">
+              <a:latin typeface="Times New Roman" panose="02020603050405020304" pitchFamily="18" charset="0"/>
+              <a:cs typeface="Times New Roman" panose="02020603050405020304" pitchFamily="18" charset="0"/>
+            </a:endParaRPr>
+          </a:p>
+        </p:txBody>
+      </p:sp>
+      <p:sp>
+        <p:nvSpPr>
+          <p:cNvPr id="3" name="Content Placeholder 2">
+            <a:extLst>
+              <a:ext uri="{FF2B5EF4-FFF2-40B4-BE49-F238E27FC236}">
+                <a16:creationId xmlns:a16="http://schemas.microsoft.com/office/drawing/2014/main" id="{3C1589E6-2CE7-437E-B912-6C37A64FE22A}"/>
+              </a:ext>
+            </a:extLst>
+          </p:cNvPr>
+          <p:cNvSpPr>
+            <a:spLocks noGrp="1"/>
+          </p:cNvSpPr>
+          <p:nvPr>
+            <p:ph idx="1"/>
+          </p:nvPr>
+        </p:nvSpPr>
+        <p:spPr>
+          <a:xfrm>
+            <a:off x="1103312" y="1335640"/>
+            <a:ext cx="8946541" cy="4912759"/>
+          </a:xfrm>
+        </p:spPr>
+        <p:txBody>
+          <a:bodyPr>
+            <a:normAutofit fontScale="92500" lnSpcReduction="10000"/>
+          </a:bodyPr>
+          <a:lstStyle/>
+          <a:p>
+            <a:r>
+              <a:rPr lang="en-US" dirty="0">
+                <a:latin typeface="Times New Roman" panose="02020603050405020304" pitchFamily="18" charset="0"/>
+                <a:cs typeface="Times New Roman" panose="02020603050405020304" pitchFamily="18" charset="0"/>
+              </a:rPr>
+              <a:t>Monitor your diet everyday</a:t>
+            </a:r>
+          </a:p>
+          <a:p>
+            <a:r>
+              <a:rPr lang="en-US" dirty="0">
+                <a:latin typeface="Times New Roman" panose="02020603050405020304" pitchFamily="18" charset="0"/>
+                <a:cs typeface="Times New Roman" panose="02020603050405020304" pitchFamily="18" charset="0"/>
+              </a:rPr>
+              <a:t>Track your footsteps</a:t>
+            </a:r>
+          </a:p>
+          <a:p>
+            <a:r>
+              <a:rPr lang="en-US" dirty="0">
+                <a:latin typeface="Times New Roman" panose="02020603050405020304" pitchFamily="18" charset="0"/>
+                <a:cs typeface="Times New Roman" panose="02020603050405020304" pitchFamily="18" charset="0"/>
+              </a:rPr>
+              <a:t>Track your water intake</a:t>
+            </a:r>
+          </a:p>
+          <a:p>
+            <a:r>
+              <a:rPr lang="en-US" dirty="0">
+                <a:latin typeface="Times New Roman" panose="02020603050405020304" pitchFamily="18" charset="0"/>
+                <a:cs typeface="Times New Roman" panose="02020603050405020304" pitchFamily="18" charset="0"/>
+              </a:rPr>
+              <a:t>Helps in calorie count</a:t>
+            </a:r>
+          </a:p>
+          <a:p>
+            <a:r>
+              <a:rPr lang="en-US" dirty="0">
+                <a:latin typeface="Times New Roman" panose="02020603050405020304" pitchFamily="18" charset="0"/>
+                <a:cs typeface="Times New Roman" panose="02020603050405020304" pitchFamily="18" charset="0"/>
+              </a:rPr>
+              <a:t>Set goals that you can achieve</a:t>
+            </a:r>
+          </a:p>
+          <a:p>
+            <a:r>
+              <a:rPr lang="en-US" dirty="0">
+                <a:latin typeface="Times New Roman" panose="02020603050405020304" pitchFamily="18" charset="0"/>
+                <a:cs typeface="Times New Roman" panose="02020603050405020304" pitchFamily="18" charset="0"/>
+              </a:rPr>
+              <a:t>Create your yoga studio</a:t>
+            </a:r>
+          </a:p>
+          <a:p>
+            <a:r>
+              <a:rPr lang="en-US" dirty="0">
+                <a:latin typeface="Times New Roman" panose="02020603050405020304" pitchFamily="18" charset="0"/>
+                <a:cs typeface="Times New Roman" panose="02020603050405020304" pitchFamily="18" charset="0"/>
+              </a:rPr>
+              <a:t>Easily keep track of your progress</a:t>
+            </a:r>
+          </a:p>
+          <a:p>
+            <a:r>
+              <a:rPr lang="en-US" dirty="0">
+                <a:latin typeface="Times New Roman" panose="02020603050405020304" pitchFamily="18" charset="0"/>
+                <a:cs typeface="Times New Roman" panose="02020603050405020304" pitchFamily="18" charset="0"/>
+              </a:rPr>
+              <a:t>Get free workout ideas</a:t>
+            </a:r>
+          </a:p>
+          <a:p>
+            <a:r>
+              <a:rPr lang="en-US" dirty="0">
+                <a:latin typeface="Times New Roman" panose="02020603050405020304" pitchFamily="18" charset="0"/>
+                <a:cs typeface="Times New Roman" panose="02020603050405020304" pitchFamily="18" charset="0"/>
+              </a:rPr>
+              <a:t>Heartrate tracking</a:t>
+            </a:r>
+          </a:p>
+          <a:p>
+            <a:r>
+              <a:rPr lang="en-US" dirty="0">
+                <a:latin typeface="Times New Roman" panose="02020603050405020304" pitchFamily="18" charset="0"/>
+                <a:cs typeface="Times New Roman" panose="02020603050405020304" pitchFamily="18" charset="0"/>
+              </a:rPr>
+              <a:t>Weight loss progression</a:t>
+            </a:r>
+          </a:p>
+          <a:p>
+            <a:r>
+              <a:rPr lang="en-US" dirty="0">
+                <a:latin typeface="Times New Roman" panose="02020603050405020304" pitchFamily="18" charset="0"/>
+                <a:cs typeface="Times New Roman" panose="02020603050405020304" pitchFamily="18" charset="0"/>
+              </a:rPr>
+              <a:t>Pedometer</a:t>
+            </a:r>
+          </a:p>
+          <a:p>
+            <a:r>
+              <a:rPr lang="en-US" dirty="0">
+                <a:latin typeface="Times New Roman" panose="02020603050405020304" pitchFamily="18" charset="0"/>
+                <a:cs typeface="Times New Roman" panose="02020603050405020304" pitchFamily="18" charset="0"/>
+              </a:rPr>
+              <a:t>Give free health and fitness tips</a:t>
+            </a:r>
+          </a:p>
+          <a:p>
+            <a:r>
+              <a:rPr lang="en-US" dirty="0">
+                <a:latin typeface="Times New Roman" panose="02020603050405020304" pitchFamily="18" charset="0"/>
+                <a:cs typeface="Times New Roman" panose="02020603050405020304" pitchFamily="18" charset="0"/>
+              </a:rPr>
+              <a:t>Keeps you Motivated</a:t>
+            </a:r>
+            <a:br>
+              <a:rPr lang="en-US" dirty="0">
+                <a:latin typeface="Times New Roman" panose="02020603050405020304" pitchFamily="18" charset="0"/>
+                <a:cs typeface="Times New Roman" panose="02020603050405020304" pitchFamily="18" charset="0"/>
+              </a:rPr>
+            </a:br>
+            <a:endParaRPr lang="en-US" dirty="0"/>
+          </a:p>
+        </p:txBody>
+      </p:sp>
+      <p:sp>
+        <p:nvSpPr>
+          <p:cNvPr id="6" name="Footer Placeholder 5">
+            <a:extLst>
+              <a:ext uri="{FF2B5EF4-FFF2-40B4-BE49-F238E27FC236}">
+                <a16:creationId xmlns:a16="http://schemas.microsoft.com/office/drawing/2014/main" id="{4B608E52-3160-4FB5-9321-FA0230206FAF}"/>
+              </a:ext>
+            </a:extLst>
+          </p:cNvPr>
+          <p:cNvSpPr>
+            <a:spLocks noGrp="1"/>
+          </p:cNvSpPr>
+          <p:nvPr>
+            <p:ph type="ftr" sz="quarter" idx="11"/>
+          </p:nvPr>
+        </p:nvSpPr>
+        <p:spPr/>
+        <p:txBody>
+          <a:bodyPr/>
+          <a:lstStyle/>
+          <a:p>
+            <a:r>
+              <a:rPr lang="en-US"/>
+              <a:t>Healthify-NWMSU</a:t>
+            </a:r>
+          </a:p>
+        </p:txBody>
+      </p:sp>
+      <p:sp>
+        <p:nvSpPr>
+          <p:cNvPr id="7" name="Slide Number Placeholder 6">
+            <a:extLst>
+              <a:ext uri="{FF2B5EF4-FFF2-40B4-BE49-F238E27FC236}">
+                <a16:creationId xmlns:a16="http://schemas.microsoft.com/office/drawing/2014/main" id="{B2E28E4D-841C-4814-8F4D-BA4586DE59F7}"/>
+              </a:ext>
+            </a:extLst>
+          </p:cNvPr>
+          <p:cNvSpPr>
+            <a:spLocks noGrp="1"/>
+          </p:cNvSpPr>
+          <p:nvPr>
+            <p:ph type="sldNum" sz="quarter" idx="12"/>
+          </p:nvPr>
+        </p:nvSpPr>
+        <p:spPr/>
+        <p:txBody>
+          <a:bodyPr/>
+          <a:lstStyle/>
+          <a:p>
+            <a:fld id="{FC6EDEEF-6E47-4D41-B312-2A124904AE2A}" type="slidenum">
+              <a:rPr lang="en-US" smtClean="0"/>
+              <a:t>12</a:t>
+            </a:fld>
+            <a:endParaRPr lang="en-US"/>
+          </a:p>
+        </p:txBody>
+      </p:sp>
+    </p:spTree>
+    <p:extLst>
+      <p:ext uri="{BB962C8B-B14F-4D97-AF65-F5344CB8AC3E}">
+        <p14:creationId xmlns:p14="http://schemas.microsoft.com/office/powerpoint/2010/main" val="964727621"/>
+      </p:ext>
+    </p:extLst>
+  </p:cSld>
+  <p:clrMapOvr>
+    <a:masterClrMapping/>
+  </p:clrMapOvr>
+</p:sld>
+</file>
+
+<file path=ppt/slides/slide13.xml><?xml version="1.0" encoding="utf-8"?>
+<p:sld xmlns:a="http://schemas.openxmlformats.org/drawingml/2006/main" xmlns:r="http://schemas.openxmlformats.org/officeDocument/2006/relationships" xmlns:p="http://schemas.openxmlformats.org/presentationml/2006/main">
+  <p:cSld>
+    <p:spTree>
+      <p:nvGrpSpPr>
+        <p:cNvPr id="1" name=""/>
+        <p:cNvGrpSpPr/>
+        <p:nvPr/>
+      </p:nvGrpSpPr>
+      <p:grpSpPr>
+        <a:xfrm>
+          <a:off x="0" y="0"/>
+          <a:ext cx="0" cy="0"/>
+          <a:chOff x="0" y="0"/>
+          <a:chExt cx="0" cy="0"/>
+        </a:xfrm>
+      </p:grpSpPr>
+      <p:sp>
+        <p:nvSpPr>
+          <p:cNvPr id="2" name="Title 1">
+            <a:extLst>
+              <a:ext uri="{FF2B5EF4-FFF2-40B4-BE49-F238E27FC236}">
+                <a16:creationId xmlns:a16="http://schemas.microsoft.com/office/drawing/2014/main" id="{C97ED26C-B80A-468B-9308-6F02858E1560}"/>
+              </a:ext>
+            </a:extLst>
+          </p:cNvPr>
+          <p:cNvSpPr>
+            <a:spLocks noGrp="1"/>
+          </p:cNvSpPr>
+          <p:nvPr>
+            <p:ph type="title"/>
+          </p:nvPr>
+        </p:nvSpPr>
+        <p:spPr>
+          <a:xfrm>
+            <a:off x="646111" y="452718"/>
+            <a:ext cx="9404723" cy="934293"/>
+          </a:xfrm>
+        </p:spPr>
+        <p:txBody>
+          <a:bodyPr/>
+          <a:lstStyle/>
+          <a:p>
+            <a:r>
+              <a:rPr lang="en-US" b="1" dirty="0">
+                <a:solidFill>
+                  <a:schemeClr val="accent3"/>
+                </a:solidFill>
+                <a:effectLst>
+                  <a:outerShdw blurRad="38100" dist="38100" dir="2700000" algn="tl">
+                    <a:srgbClr val="000000">
+                      <a:alpha val="43137"/>
+                    </a:srgbClr>
+                  </a:outerShdw>
+                </a:effectLst>
+                <a:latin typeface="Times New Roman" panose="02020603050405020304" pitchFamily="18" charset="0"/>
+                <a:cs typeface="Times New Roman" panose="02020603050405020304" pitchFamily="18" charset="0"/>
+              </a:rPr>
+              <a:t>References</a:t>
+            </a:r>
+          </a:p>
+        </p:txBody>
+      </p:sp>
+      <p:sp>
+        <p:nvSpPr>
+          <p:cNvPr id="3" name="Content Placeholder 2">
+            <a:extLst>
+              <a:ext uri="{FF2B5EF4-FFF2-40B4-BE49-F238E27FC236}">
+                <a16:creationId xmlns:a16="http://schemas.microsoft.com/office/drawing/2014/main" id="{5788D7AD-89B9-4372-933F-CB05EC9505E5}"/>
+              </a:ext>
+            </a:extLst>
+          </p:cNvPr>
+          <p:cNvSpPr>
+            <a:spLocks noGrp="1"/>
+          </p:cNvSpPr>
+          <p:nvPr>
+            <p:ph idx="1"/>
+          </p:nvPr>
+        </p:nvSpPr>
+        <p:spPr>
+          <a:xfrm>
+            <a:off x="1103312" y="1387012"/>
+            <a:ext cx="8946541" cy="4861388"/>
+          </a:xfrm>
+        </p:spPr>
+        <p:txBody>
+          <a:bodyPr/>
+          <a:lstStyle/>
+          <a:p>
+            <a:r>
+              <a:rPr lang="en-US" dirty="0">
+                <a:latin typeface="Times New Roman" panose="02020603050405020304" pitchFamily="18" charset="0"/>
+                <a:cs typeface="Times New Roman" panose="02020603050405020304" pitchFamily="18" charset="0"/>
+              </a:rPr>
+              <a:t>Jira link: </a:t>
+            </a:r>
+            <a:r>
+              <a:rPr lang="en-US" dirty="0">
+                <a:latin typeface="Times New Roman" panose="02020603050405020304" pitchFamily="18" charset="0"/>
+                <a:cs typeface="Times New Roman" panose="02020603050405020304" pitchFamily="18" charset="0"/>
+                <a:hlinkClick r:id="rId2"/>
+              </a:rPr>
+              <a:t>https://sowmyathogiti27.atlassian.net/jira/software/projects/HN/boards/2</a:t>
+            </a:r>
+            <a:endParaRPr lang="en-US" dirty="0">
+              <a:latin typeface="Times New Roman" panose="02020603050405020304" pitchFamily="18" charset="0"/>
+              <a:cs typeface="Times New Roman" panose="02020603050405020304" pitchFamily="18" charset="0"/>
+            </a:endParaRPr>
+          </a:p>
+          <a:p>
+            <a:r>
+              <a:rPr lang="en-US" dirty="0">
+                <a:latin typeface="Times New Roman" panose="02020603050405020304" pitchFamily="18" charset="0"/>
+                <a:cs typeface="Times New Roman" panose="02020603050405020304" pitchFamily="18" charset="0"/>
+              </a:rPr>
+              <a:t>FluidUI Link: </a:t>
+            </a:r>
+            <a:r>
+              <a:rPr lang="en-US" dirty="0">
+                <a:latin typeface="Times New Roman" panose="02020603050405020304" pitchFamily="18" charset="0"/>
+                <a:cs typeface="Times New Roman" panose="02020603050405020304" pitchFamily="18" charset="0"/>
+                <a:hlinkClick r:id="rId3"/>
+              </a:rPr>
+              <a:t>https://www.fluidui.com/editor/live/</a:t>
+            </a:r>
+            <a:endParaRPr lang="en-US" dirty="0">
+              <a:latin typeface="Times New Roman" panose="02020603050405020304" pitchFamily="18" charset="0"/>
+              <a:cs typeface="Times New Roman" panose="02020603050405020304" pitchFamily="18" charset="0"/>
+            </a:endParaRPr>
+          </a:p>
+          <a:p>
+            <a:r>
+              <a:rPr lang="en-US" dirty="0" err="1">
+                <a:latin typeface="Times New Roman" panose="02020603050405020304" pitchFamily="18" charset="0"/>
+                <a:cs typeface="Times New Roman" panose="02020603050405020304" pitchFamily="18" charset="0"/>
+              </a:rPr>
+              <a:t>Github</a:t>
+            </a:r>
+            <a:r>
+              <a:rPr lang="en-US" dirty="0">
+                <a:latin typeface="Times New Roman" panose="02020603050405020304" pitchFamily="18" charset="0"/>
+                <a:cs typeface="Times New Roman" panose="02020603050405020304" pitchFamily="18" charset="0"/>
+              </a:rPr>
+              <a:t> Link: </a:t>
+            </a:r>
+            <a:r>
+              <a:rPr lang="en-US" dirty="0">
+                <a:latin typeface="Times New Roman" panose="02020603050405020304" pitchFamily="18" charset="0"/>
+                <a:cs typeface="Times New Roman" panose="02020603050405020304" pitchFamily="18" charset="0"/>
+                <a:hlinkClick r:id="rId4"/>
+              </a:rPr>
+              <a:t>https://github.com/sowmyathogiti/Healthify-NWMSU</a:t>
+            </a:r>
+            <a:endParaRPr lang="en-US" dirty="0">
+              <a:latin typeface="Times New Roman" panose="02020603050405020304" pitchFamily="18" charset="0"/>
+              <a:cs typeface="Times New Roman" panose="02020603050405020304" pitchFamily="18" charset="0"/>
+            </a:endParaRPr>
+          </a:p>
+          <a:p>
+            <a:endParaRPr lang="en-US" dirty="0"/>
+          </a:p>
+        </p:txBody>
+      </p:sp>
+      <p:sp>
+        <p:nvSpPr>
+          <p:cNvPr id="6" name="Footer Placeholder 5">
+            <a:extLst>
+              <a:ext uri="{FF2B5EF4-FFF2-40B4-BE49-F238E27FC236}">
+                <a16:creationId xmlns:a16="http://schemas.microsoft.com/office/drawing/2014/main" id="{9E920EAF-6020-4B29-9674-1A67459ED1C8}"/>
+              </a:ext>
+            </a:extLst>
+          </p:cNvPr>
+          <p:cNvSpPr>
+            <a:spLocks noGrp="1"/>
+          </p:cNvSpPr>
+          <p:nvPr>
+            <p:ph type="ftr" sz="quarter" idx="11"/>
+          </p:nvPr>
+        </p:nvSpPr>
+        <p:spPr/>
+        <p:txBody>
+          <a:bodyPr/>
+          <a:lstStyle/>
+          <a:p>
+            <a:r>
+              <a:rPr lang="en-US"/>
+              <a:t>Healthify-NWMSU</a:t>
+            </a:r>
+          </a:p>
+        </p:txBody>
+      </p:sp>
+      <p:sp>
+        <p:nvSpPr>
+          <p:cNvPr id="7" name="Slide Number Placeholder 6">
+            <a:extLst>
+              <a:ext uri="{FF2B5EF4-FFF2-40B4-BE49-F238E27FC236}">
+                <a16:creationId xmlns:a16="http://schemas.microsoft.com/office/drawing/2014/main" id="{3426C4F2-2A88-4081-9B53-38FAE1053920}"/>
+              </a:ext>
+            </a:extLst>
+          </p:cNvPr>
+          <p:cNvSpPr>
+            <a:spLocks noGrp="1"/>
+          </p:cNvSpPr>
+          <p:nvPr>
+            <p:ph type="sldNum" sz="quarter" idx="12"/>
+          </p:nvPr>
+        </p:nvSpPr>
+        <p:spPr/>
+        <p:txBody>
+          <a:bodyPr/>
+          <a:lstStyle/>
+          <a:p>
+            <a:fld id="{FC6EDEEF-6E47-4D41-B312-2A124904AE2A}" type="slidenum">
+              <a:rPr lang="en-US" smtClean="0"/>
+              <a:t>13</a:t>
+            </a:fld>
+            <a:endParaRPr lang="en-US"/>
+          </a:p>
+        </p:txBody>
+      </p:sp>
+    </p:spTree>
+    <p:extLst>
+      <p:ext uri="{BB962C8B-B14F-4D97-AF65-F5344CB8AC3E}">
+        <p14:creationId xmlns:p14="http://schemas.microsoft.com/office/powerpoint/2010/main" val="613347474"/>
+      </p:ext>
+    </p:extLst>
+  </p:cSld>
+  <p:clrMapOvr>
+    <a:masterClrMapping/>
+  </p:clrMapOvr>
+</p:sld>
+</file>
+
+<file path=ppt/slides/slide14.xml><?xml version="1.0" encoding="utf-8"?>
+<p:sld xmlns:a="http://schemas.openxmlformats.org/drawingml/2006/main" xmlns:r="http://schemas.openxmlformats.org/officeDocument/2006/relationships" xmlns:p="http://schemas.openxmlformats.org/presentationml/2006/main">
+  <p:cSld>
+    <p:spTree>
+      <p:nvGrpSpPr>
+        <p:cNvPr id="1" name=""/>
+        <p:cNvGrpSpPr/>
+        <p:nvPr/>
+      </p:nvGrpSpPr>
+      <p:grpSpPr>
+        <a:xfrm>
+          <a:off x="0" y="0"/>
+          <a:ext cx="0" cy="0"/>
+          <a:chOff x="0" y="0"/>
+          <a:chExt cx="0" cy="0"/>
+        </a:xfrm>
+      </p:grpSpPr>
+      <p:sp>
+        <p:nvSpPr>
+          <p:cNvPr id="2" name="Title 1">
+            <a:extLst>
+              <a:ext uri="{FF2B5EF4-FFF2-40B4-BE49-F238E27FC236}">
+                <a16:creationId xmlns:a16="http://schemas.microsoft.com/office/drawing/2014/main" id="{2C604194-1C8A-4C9E-B1AF-0E12F8685766}"/>
+              </a:ext>
+            </a:extLst>
+          </p:cNvPr>
+          <p:cNvSpPr>
+            <a:spLocks noGrp="1"/>
+          </p:cNvSpPr>
+          <p:nvPr>
+            <p:ph type="title"/>
+          </p:nvPr>
+        </p:nvSpPr>
+        <p:spPr/>
+        <p:txBody>
+          <a:bodyPr/>
+          <a:lstStyle/>
+          <a:p>
+            <a:endParaRPr lang="en-US"/>
+          </a:p>
+        </p:txBody>
+      </p:sp>
+      <p:sp>
+        <p:nvSpPr>
+          <p:cNvPr id="3" name="Content Placeholder 2">
+            <a:extLst>
+              <a:ext uri="{FF2B5EF4-FFF2-40B4-BE49-F238E27FC236}">
+                <a16:creationId xmlns:a16="http://schemas.microsoft.com/office/drawing/2014/main" id="{3110738C-2F3D-4D74-8294-EACAC80F2821}"/>
+              </a:ext>
+            </a:extLst>
+          </p:cNvPr>
+          <p:cNvSpPr>
+            <a:spLocks noGrp="1"/>
+          </p:cNvSpPr>
+          <p:nvPr>
+            <p:ph idx="1"/>
+          </p:nvPr>
+        </p:nvSpPr>
+        <p:spPr/>
+        <p:txBody>
+          <a:bodyPr/>
+          <a:lstStyle/>
+          <a:p>
+            <a:endParaRPr lang="en-US" dirty="0"/>
+          </a:p>
+        </p:txBody>
+      </p:sp>
+      <p:sp>
+        <p:nvSpPr>
+          <p:cNvPr id="4" name="Footer Placeholder 3">
+            <a:extLst>
+              <a:ext uri="{FF2B5EF4-FFF2-40B4-BE49-F238E27FC236}">
+                <a16:creationId xmlns:a16="http://schemas.microsoft.com/office/drawing/2014/main" id="{E554116B-D012-45FA-859A-D28744FDB10A}"/>
+              </a:ext>
+            </a:extLst>
+          </p:cNvPr>
+          <p:cNvSpPr>
+            <a:spLocks noGrp="1"/>
+          </p:cNvSpPr>
+          <p:nvPr>
+            <p:ph type="ftr" sz="quarter" idx="11"/>
+          </p:nvPr>
+        </p:nvSpPr>
+        <p:spPr/>
+        <p:txBody>
+          <a:bodyPr/>
+          <a:lstStyle/>
+          <a:p>
+            <a:r>
+              <a:rPr lang="en-US"/>
+              <a:t>Healthify-NWMSU</a:t>
+            </a:r>
+          </a:p>
+        </p:txBody>
+      </p:sp>
+      <p:sp>
+        <p:nvSpPr>
+          <p:cNvPr id="5" name="Slide Number Placeholder 4">
+            <a:extLst>
+              <a:ext uri="{FF2B5EF4-FFF2-40B4-BE49-F238E27FC236}">
+                <a16:creationId xmlns:a16="http://schemas.microsoft.com/office/drawing/2014/main" id="{39B7C093-84C7-4286-83CB-8ADB42C8BEBD}"/>
+              </a:ext>
+            </a:extLst>
+          </p:cNvPr>
+          <p:cNvSpPr>
+            <a:spLocks noGrp="1"/>
+          </p:cNvSpPr>
+          <p:nvPr>
+            <p:ph type="sldNum" sz="quarter" idx="12"/>
+          </p:nvPr>
+        </p:nvSpPr>
+        <p:spPr/>
+        <p:txBody>
+          <a:bodyPr/>
+          <a:lstStyle/>
+          <a:p>
+            <a:fld id="{FC6EDEEF-6E47-4D41-B312-2A124904AE2A}" type="slidenum">
+              <a:rPr lang="en-US" smtClean="0"/>
+              <a:t>14</a:t>
+            </a:fld>
+            <a:endParaRPr lang="en-US"/>
+          </a:p>
+        </p:txBody>
+      </p:sp>
+      <p:sp>
+        <p:nvSpPr>
+          <p:cNvPr id="6" name="Thought Bubble: Cloud 5">
+            <a:extLst>
+              <a:ext uri="{FF2B5EF4-FFF2-40B4-BE49-F238E27FC236}">
+                <a16:creationId xmlns:a16="http://schemas.microsoft.com/office/drawing/2014/main" id="{B8208AA6-D504-4D2C-8300-3D388CB56686}"/>
+              </a:ext>
+            </a:extLst>
+          </p:cNvPr>
+          <p:cNvSpPr/>
+          <p:nvPr/>
+        </p:nvSpPr>
+        <p:spPr>
+          <a:xfrm>
+            <a:off x="3482939" y="2044557"/>
+            <a:ext cx="4428162" cy="2883044"/>
+          </a:xfrm>
+          <a:prstGeom prst="cloudCallout">
+            <a:avLst/>
+          </a:prstGeom>
+        </p:spPr>
+        <p:style>
+          <a:lnRef idx="2">
+            <a:schemeClr val="accent1">
+              <a:shade val="50000"/>
+            </a:schemeClr>
+          </a:lnRef>
+          <a:fillRef idx="1">
+            <a:schemeClr val="accent1"/>
+          </a:fillRef>
+          <a:effectRef idx="0">
+            <a:schemeClr val="accent1"/>
+          </a:effectRef>
+          <a:fontRef idx="minor">
+            <a:schemeClr val="lt1"/>
+          </a:fontRef>
+        </p:style>
+        <p:txBody>
+          <a:bodyPr rtlCol="0" anchor="ctr"/>
+          <a:lstStyle/>
+          <a:p>
+            <a:pPr algn="ctr"/>
+            <a:r>
+              <a:rPr lang="en-US" sz="4000" dirty="0">
+                <a:latin typeface="Times New Roman" panose="02020603050405020304" pitchFamily="18" charset="0"/>
+                <a:cs typeface="Times New Roman" panose="02020603050405020304" pitchFamily="18" charset="0"/>
+              </a:rPr>
+              <a:t>Queries…??</a:t>
+            </a:r>
+          </a:p>
+        </p:txBody>
+      </p:sp>
+    </p:spTree>
+    <p:extLst>
+      <p:ext uri="{BB962C8B-B14F-4D97-AF65-F5344CB8AC3E}">
+        <p14:creationId xmlns:p14="http://schemas.microsoft.com/office/powerpoint/2010/main" val="1034166838"/>
+      </p:ext>
+    </p:extLst>
+  </p:cSld>
+  <p:clrMapOvr>
+    <a:masterClrMapping/>
+  </p:clrMapOvr>
+</p:sld>
+</file>
+
+<file path=ppt/slides/slide15.xml><?xml version="1.0" encoding="utf-8"?>
+<p:sld xmlns:a="http://schemas.openxmlformats.org/drawingml/2006/main" xmlns:r="http://schemas.openxmlformats.org/officeDocument/2006/relationships" xmlns:p="http://schemas.openxmlformats.org/presentationml/2006/main">
+  <p:cSld>
+    <p:bg>
+      <p:bgPr>
+        <a:solidFill>
+          <a:schemeClr val="bg1"/>
+        </a:solidFill>
+        <a:effectLst/>
+      </p:bgPr>
+    </p:bg>
+    <p:spTree>
+      <p:nvGrpSpPr>
+        <p:cNvPr id="1" name=""/>
+        <p:cNvGrpSpPr/>
+        <p:nvPr/>
+      </p:nvGrpSpPr>
+      <p:grpSpPr>
+        <a:xfrm>
+          <a:off x="0" y="0"/>
+          <a:ext cx="0" cy="0"/>
+          <a:chOff x="0" y="0"/>
+          <a:chExt cx="0" cy="0"/>
+        </a:xfrm>
+      </p:grpSpPr>
+      <p:sp>
+        <p:nvSpPr>
+          <p:cNvPr id="2" name="Title 1">
+            <a:extLst>
+              <a:ext uri="{FF2B5EF4-FFF2-40B4-BE49-F238E27FC236}">
+                <a16:creationId xmlns:a16="http://schemas.microsoft.com/office/drawing/2014/main" id="{9779E0E0-BE73-487B-AAF5-B9C63665EBD8}"/>
+              </a:ext>
+            </a:extLst>
+          </p:cNvPr>
+          <p:cNvSpPr>
+            <a:spLocks noGrp="1"/>
+          </p:cNvSpPr>
+          <p:nvPr>
+            <p:ph type="title"/>
+          </p:nvPr>
+        </p:nvSpPr>
+        <p:spPr>
+          <a:xfrm>
+            <a:off x="677334" y="609600"/>
+            <a:ext cx="8596668" cy="1320800"/>
+          </a:xfrm>
+        </p:spPr>
+        <p:txBody>
+          <a:bodyPr vert="horz" lIns="91440" tIns="45720" rIns="91440" bIns="45720" rtlCol="0" anchor="t">
+            <a:normAutofit/>
+          </a:bodyPr>
+          <a:lstStyle/>
+          <a:p>
+            <a:endParaRPr lang="en-US"/>
+          </a:p>
+        </p:txBody>
+      </p:sp>
+      <p:sp>
+        <p:nvSpPr>
+          <p:cNvPr id="7" name="Footer Placeholder 6">
+            <a:extLst>
+              <a:ext uri="{FF2B5EF4-FFF2-40B4-BE49-F238E27FC236}">
+                <a16:creationId xmlns:a16="http://schemas.microsoft.com/office/drawing/2014/main" id="{DA6C3D57-D90D-478E-90C7-F2D2AEBD5DCC}"/>
+              </a:ext>
+            </a:extLst>
+          </p:cNvPr>
+          <p:cNvSpPr>
+            <a:spLocks noGrp="1"/>
+          </p:cNvSpPr>
+          <p:nvPr>
+            <p:ph type="ftr" sz="quarter" idx="11"/>
+          </p:nvPr>
+        </p:nvSpPr>
+        <p:spPr>
+          <a:xfrm>
+            <a:off x="677334" y="6041362"/>
+            <a:ext cx="5528230" cy="365125"/>
+          </a:xfrm>
+        </p:spPr>
+        <p:txBody>
+          <a:bodyPr vert="horz" lIns="91440" tIns="45720" rIns="91440" bIns="45720" rtlCol="0" anchor="ctr">
+            <a:normAutofit/>
+          </a:bodyPr>
+          <a:lstStyle/>
+          <a:p>
+            <a:pPr defTabSz="914400">
+              <a:spcAft>
+                <a:spcPts val="600"/>
+              </a:spcAft>
+            </a:pPr>
+            <a:r>
+              <a:rPr lang="en-US" kern="1200">
+                <a:solidFill>
+                  <a:schemeClr val="tx1">
+                    <a:tint val="75000"/>
+                  </a:schemeClr>
+                </a:solidFill>
+                <a:latin typeface="+mn-lt"/>
+                <a:ea typeface="+mn-ea"/>
+                <a:cs typeface="+mn-cs"/>
+              </a:rPr>
+              <a:t>Healthify-NWMSU</a:t>
+            </a:r>
+          </a:p>
+        </p:txBody>
+      </p:sp>
+      <p:pic>
+        <p:nvPicPr>
+          <p:cNvPr id="5" name="Content Placeholder 4" descr="A close up of a logo&#10;&#10;Description automatically generated">
+            <a:extLst>
+              <a:ext uri="{FF2B5EF4-FFF2-40B4-BE49-F238E27FC236}">
+                <a16:creationId xmlns:a16="http://schemas.microsoft.com/office/drawing/2014/main" id="{08FFB5C3-F678-438D-8035-CC3D28940A0B}"/>
+              </a:ext>
+            </a:extLst>
+          </p:cNvPr>
+          <p:cNvPicPr>
+            <a:picLocks noGrp="1" noChangeAspect="1"/>
+          </p:cNvPicPr>
+          <p:nvPr>
+            <p:ph idx="1"/>
+          </p:nvPr>
+        </p:nvPicPr>
+        <p:blipFill>
+          <a:blip r:embed="rId2">
+            <a:extLst>
+              <a:ext uri="{28A0092B-C50C-407E-A947-70E740481C1C}">
+                <a14:useLocalDpi xmlns:a14="http://schemas.microsoft.com/office/drawing/2010/main" val="0"/>
+              </a:ext>
+            </a:extLst>
+          </a:blip>
+          <a:stretch>
+            <a:fillRect/>
+          </a:stretch>
+        </p:blipFill>
+        <p:spPr>
+          <a:xfrm>
+            <a:off x="1244225" y="1051905"/>
+            <a:ext cx="8310741" cy="4425469"/>
+          </a:xfrm>
+          <a:prstGeom prst="rect">
+            <a:avLst/>
+          </a:prstGeom>
+        </p:spPr>
+      </p:pic>
+      <p:sp>
+        <p:nvSpPr>
+          <p:cNvPr id="6" name="Rectangle 5">
+            <a:extLst>
+              <a:ext uri="{FF2B5EF4-FFF2-40B4-BE49-F238E27FC236}">
+                <a16:creationId xmlns:a16="http://schemas.microsoft.com/office/drawing/2014/main" id="{0468E680-15C9-40DA-A95E-46A760AABEDE}"/>
+              </a:ext>
+            </a:extLst>
+          </p:cNvPr>
+          <p:cNvSpPr/>
+          <p:nvPr/>
+        </p:nvSpPr>
+        <p:spPr>
+          <a:xfrm>
+            <a:off x="6416039" y="2160589"/>
+            <a:ext cx="2927185" cy="3880773"/>
+          </a:xfrm>
+          <a:prstGeom prst="rect">
+            <a:avLst/>
+          </a:prstGeom>
+        </p:spPr>
+        <p:txBody>
+          <a:bodyPr vert="horz" lIns="91440" tIns="45720" rIns="91440" bIns="45720" rtlCol="0">
+            <a:normAutofit/>
+          </a:bodyPr>
+          <a:lstStyle/>
+          <a:p>
+            <a:pPr>
+              <a:spcBef>
+                <a:spcPts val="1000"/>
+              </a:spcBef>
+              <a:buClr>
+                <a:schemeClr val="accent1"/>
+              </a:buClr>
+              <a:buSzPct val="80000"/>
+              <a:buFont typeface="Wingdings 3" charset="2"/>
+              <a:buChar char=""/>
+            </a:pPr>
+            <a:endParaRPr lang="en-US" sz="1500" b="1" cap="none" spc="0">
+              <a:ln w="12700">
+                <a:solidFill>
+                  <a:schemeClr val="accent3">
+                    <a:lumMod val="50000"/>
+                  </a:schemeClr>
+                </a:solidFill>
+                <a:prstDash val="solid"/>
+              </a:ln>
+              <a:solidFill>
+                <a:schemeClr val="tx1">
+                  <a:lumMod val="75000"/>
+                  <a:lumOff val="25000"/>
+                </a:schemeClr>
+              </a:solidFill>
+              <a:effectLst>
+                <a:outerShdw blurRad="38100" dist="38100" dir="2700000" algn="tl">
+                  <a:srgbClr val="000000">
+                    <a:alpha val="43137"/>
+                  </a:srgbClr>
+                </a:outerShdw>
+              </a:effectLst>
+            </a:endParaRPr>
+          </a:p>
+        </p:txBody>
+      </p:sp>
+      <p:sp>
+        <p:nvSpPr>
+          <p:cNvPr id="8" name="Slide Number Placeholder 7">
+            <a:extLst>
+              <a:ext uri="{FF2B5EF4-FFF2-40B4-BE49-F238E27FC236}">
+                <a16:creationId xmlns:a16="http://schemas.microsoft.com/office/drawing/2014/main" id="{4F071EC0-212A-481C-B636-A2BEB6D1F37E}"/>
+              </a:ext>
+            </a:extLst>
+          </p:cNvPr>
+          <p:cNvSpPr>
+            <a:spLocks noGrp="1"/>
+          </p:cNvSpPr>
+          <p:nvPr>
+            <p:ph type="sldNum" sz="quarter" idx="12"/>
+          </p:nvPr>
+        </p:nvSpPr>
+        <p:spPr>
+          <a:xfrm>
+            <a:off x="8590663" y="6041362"/>
+            <a:ext cx="683339" cy="365125"/>
+          </a:xfrm>
+        </p:spPr>
+        <p:txBody>
+          <a:bodyPr vert="horz" lIns="91440" tIns="45720" rIns="91440" bIns="45720" rtlCol="0" anchor="ctr">
+            <a:normAutofit/>
+          </a:bodyPr>
+          <a:lstStyle/>
+          <a:p>
+            <a:pPr defTabSz="914400">
+              <a:spcAft>
+                <a:spcPts val="600"/>
+              </a:spcAft>
+            </a:pPr>
+            <a:fld id="{FC6EDEEF-6E47-4D41-B312-2A124904AE2A}" type="slidenum">
+              <a:rPr lang="en-US" smtClean="0"/>
+              <a:pPr defTabSz="914400">
+                <a:spcAft>
+                  <a:spcPts val="600"/>
+                </a:spcAft>
+              </a:pPr>
+              <a:t>15</a:t>
+            </a:fld>
+            <a:endParaRPr lang="en-US"/>
+          </a:p>
+        </p:txBody>
+      </p:sp>
+    </p:spTree>
+    <p:extLst>
+      <p:ext uri="{BB962C8B-B14F-4D97-AF65-F5344CB8AC3E}">
+        <p14:creationId xmlns:p14="http://schemas.microsoft.com/office/powerpoint/2010/main" val="355826045"/>
+      </p:ext>
+    </p:extLst>
+  </p:cSld>
+  <p:clrMapOvr>
+    <a:masterClrMapping/>
+  </p:clrMapOvr>
+</p:sld>
+</file>
+
+<file path=ppt/slides/slide2.xml><?xml version="1.0" encoding="utf-8"?>
+<p:sld xmlns:a="http://schemas.openxmlformats.org/drawingml/2006/main" xmlns:r="http://schemas.openxmlformats.org/officeDocument/2006/relationships" xmlns:p="http://schemas.openxmlformats.org/presentationml/2006/main">
+  <p:cSld>
+    <p:spTree>
+      <p:nvGrpSpPr>
+        <p:cNvPr id="1" name=""/>
+        <p:cNvGrpSpPr/>
+        <p:nvPr/>
+      </p:nvGrpSpPr>
+      <p:grpSpPr>
+        <a:xfrm>
+          <a:off x="0" y="0"/>
+          <a:ext cx="0" cy="0"/>
+          <a:chOff x="0" y="0"/>
+          <a:chExt cx="0" cy="0"/>
+        </a:xfrm>
+      </p:grpSpPr>
+      <p:sp>
+        <p:nvSpPr>
+          <p:cNvPr id="2" name="Title 1">
+            <a:extLst>
+              <a:ext uri="{FF2B5EF4-FFF2-40B4-BE49-F238E27FC236}">
+                <a16:creationId xmlns:a16="http://schemas.microsoft.com/office/drawing/2014/main" id="{8D92169C-45B9-4F5C-BC19-6EF2F92BC840}"/>
+              </a:ext>
+            </a:extLst>
+          </p:cNvPr>
+          <p:cNvSpPr>
+            <a:spLocks noGrp="1"/>
+          </p:cNvSpPr>
+          <p:nvPr>
+            <p:ph type="title"/>
+          </p:nvPr>
+        </p:nvSpPr>
+        <p:spPr/>
+        <p:txBody>
+          <a:bodyPr/>
+          <a:lstStyle/>
+          <a:p>
+            <a:endParaRPr lang="en-US" dirty="0"/>
+          </a:p>
+        </p:txBody>
+      </p:sp>
+      <p:sp>
+        <p:nvSpPr>
+          <p:cNvPr id="3" name="Content Placeholder 2">
+            <a:extLst>
+              <a:ext uri="{FF2B5EF4-FFF2-40B4-BE49-F238E27FC236}">
+                <a16:creationId xmlns:a16="http://schemas.microsoft.com/office/drawing/2014/main" id="{407994A8-EF1A-40FF-9A23-10EC476C603B}"/>
+              </a:ext>
+            </a:extLst>
+          </p:cNvPr>
+          <p:cNvSpPr>
+            <a:spLocks noGrp="1"/>
+          </p:cNvSpPr>
+          <p:nvPr>
+            <p:ph idx="1"/>
+          </p:nvPr>
+        </p:nvSpPr>
+        <p:spPr>
+          <a:xfrm>
+            <a:off x="369869" y="365125"/>
+            <a:ext cx="11578975" cy="5811838"/>
+          </a:xfrm>
+        </p:spPr>
+        <p:txBody>
+          <a:bodyPr>
+            <a:normAutofit/>
+          </a:bodyPr>
+          <a:lstStyle/>
+          <a:p>
+            <a:pPr marL="0" indent="0">
+              <a:buNone/>
+            </a:pPr>
+            <a:r>
+              <a:rPr lang="en-US" dirty="0">
+                <a:latin typeface="Times New Roman" panose="02020603050405020304" pitchFamily="18" charset="0"/>
+                <a:cs typeface="Times New Roman" panose="02020603050405020304" pitchFamily="18" charset="0"/>
+              </a:rPr>
+              <a:t>						</a:t>
+            </a:r>
+          </a:p>
+          <a:p>
+            <a:pPr marL="0" indent="0">
+              <a:buNone/>
+            </a:pPr>
+            <a:r>
+              <a:rPr lang="en-US" dirty="0">
+                <a:latin typeface="Times New Roman" panose="02020603050405020304" pitchFamily="18" charset="0"/>
+                <a:cs typeface="Times New Roman" panose="02020603050405020304" pitchFamily="18" charset="0"/>
+              </a:rPr>
+              <a:t>				     				</a:t>
+            </a:r>
+            <a:r>
+              <a:rPr lang="en-US" sz="3600" b="1" dirty="0">
+                <a:solidFill>
+                  <a:schemeClr val="accent3"/>
+                </a:solidFill>
+                <a:effectLst>
+                  <a:outerShdw blurRad="38100" dist="38100" dir="2700000" algn="tl">
+                    <a:srgbClr val="000000">
+                      <a:alpha val="43137"/>
+                    </a:srgbClr>
+                  </a:outerShdw>
+                </a:effectLst>
+                <a:latin typeface="Times New Roman" panose="02020603050405020304" pitchFamily="18" charset="0"/>
+                <a:cs typeface="Times New Roman" panose="02020603050405020304" pitchFamily="18" charset="0"/>
+              </a:rPr>
+              <a:t>Group Members</a:t>
+            </a:r>
+          </a:p>
+          <a:p>
+            <a:endParaRPr lang="en-US" dirty="0">
+              <a:latin typeface="Times New Roman" panose="02020603050405020304" pitchFamily="18" charset="0"/>
+              <a:cs typeface="Times New Roman" panose="02020603050405020304" pitchFamily="18" charset="0"/>
+            </a:endParaRPr>
+          </a:p>
+          <a:p>
+            <a:pPr marL="0" indent="0">
+              <a:buNone/>
+            </a:pPr>
+            <a:r>
+              <a:rPr lang="en-US" dirty="0">
+                <a:latin typeface="Times New Roman" panose="02020603050405020304" pitchFamily="18" charset="0"/>
+                <a:cs typeface="Times New Roman" panose="02020603050405020304" pitchFamily="18" charset="0"/>
+              </a:rPr>
+              <a:t>   Sowmya </a:t>
+            </a:r>
+            <a:r>
+              <a:rPr lang="en-US" dirty="0" err="1">
+                <a:latin typeface="Times New Roman" panose="02020603050405020304" pitchFamily="18" charset="0"/>
+                <a:cs typeface="Times New Roman" panose="02020603050405020304" pitchFamily="18" charset="0"/>
+              </a:rPr>
+              <a:t>Thogiti</a:t>
+            </a:r>
+            <a:r>
+              <a:rPr lang="en-US" dirty="0">
+                <a:latin typeface="Times New Roman" panose="02020603050405020304" pitchFamily="18" charset="0"/>
+                <a:cs typeface="Times New Roman" panose="02020603050405020304" pitchFamily="18" charset="0"/>
+              </a:rPr>
+              <a:t>		 </a:t>
+            </a:r>
+            <a:r>
+              <a:rPr lang="en-US" dirty="0" err="1">
+                <a:latin typeface="Times New Roman" panose="02020603050405020304" pitchFamily="18" charset="0"/>
+                <a:cs typeface="Times New Roman" panose="02020603050405020304" pitchFamily="18" charset="0"/>
+              </a:rPr>
+              <a:t>Vineetha</a:t>
+            </a:r>
+            <a:r>
+              <a:rPr lang="en-US" dirty="0">
+                <a:latin typeface="Times New Roman" panose="02020603050405020304" pitchFamily="18" charset="0"/>
+                <a:cs typeface="Times New Roman" panose="02020603050405020304" pitchFamily="18" charset="0"/>
+              </a:rPr>
+              <a:t> </a:t>
+            </a:r>
+            <a:r>
+              <a:rPr lang="en-US" dirty="0" err="1">
+                <a:latin typeface="Times New Roman" panose="02020603050405020304" pitchFamily="18" charset="0"/>
+                <a:cs typeface="Times New Roman" panose="02020603050405020304" pitchFamily="18" charset="0"/>
+              </a:rPr>
+              <a:t>Yenugula</a:t>
+            </a:r>
+            <a:r>
+              <a:rPr lang="en-US" dirty="0">
+                <a:latin typeface="Times New Roman" panose="02020603050405020304" pitchFamily="18" charset="0"/>
+                <a:cs typeface="Times New Roman" panose="02020603050405020304" pitchFamily="18" charset="0"/>
+              </a:rPr>
+              <a:t>   	     Swaroopa 	  		   Naga Anshitha    	            Shiva Rama</a:t>
+            </a:r>
+          </a:p>
+          <a:p>
+            <a:pPr marL="0" indent="0">
+              <a:buNone/>
+            </a:pPr>
+            <a:r>
+              <a:rPr lang="en-US" dirty="0">
+                <a:latin typeface="Times New Roman" panose="02020603050405020304" pitchFamily="18" charset="0"/>
+                <a:cs typeface="Times New Roman" panose="02020603050405020304" pitchFamily="18" charset="0"/>
+              </a:rPr>
+              <a:t>(Project Manager)	       (</a:t>
+            </a:r>
+            <a:r>
+              <a:rPr lang="en-US" dirty="0" err="1">
+                <a:latin typeface="Times New Roman" panose="02020603050405020304" pitchFamily="18" charset="0"/>
+                <a:cs typeface="Times New Roman" panose="02020603050405020304" pitchFamily="18" charset="0"/>
+              </a:rPr>
+              <a:t>Fullstack</a:t>
+            </a:r>
+            <a:r>
+              <a:rPr lang="en-US" dirty="0">
+                <a:latin typeface="Times New Roman" panose="02020603050405020304" pitchFamily="18" charset="0"/>
+                <a:cs typeface="Times New Roman" panose="02020603050405020304" pitchFamily="18" charset="0"/>
+              </a:rPr>
+              <a:t> Developer)      </a:t>
+            </a:r>
+            <a:r>
+              <a:rPr lang="en-US" dirty="0" err="1">
+                <a:latin typeface="Times New Roman" panose="02020603050405020304" pitchFamily="18" charset="0"/>
+                <a:cs typeface="Times New Roman" panose="02020603050405020304" pitchFamily="18" charset="0"/>
+              </a:rPr>
+              <a:t>Thirumalareddy</a:t>
+            </a:r>
+            <a:r>
+              <a:rPr lang="en-US" dirty="0">
+                <a:latin typeface="Times New Roman" panose="02020603050405020304" pitchFamily="18" charset="0"/>
+                <a:cs typeface="Times New Roman" panose="02020603050405020304" pitchFamily="18" charset="0"/>
+              </a:rPr>
+              <a:t>		     Velagapudi		         Krishna </a:t>
+            </a:r>
+            <a:r>
+              <a:rPr lang="en-US" dirty="0" err="1">
+                <a:latin typeface="Times New Roman" panose="02020603050405020304" pitchFamily="18" charset="0"/>
+                <a:cs typeface="Times New Roman" panose="02020603050405020304" pitchFamily="18" charset="0"/>
+              </a:rPr>
+              <a:t>Vodnala</a:t>
+            </a:r>
+            <a:endParaRPr lang="en-US" dirty="0"/>
+          </a:p>
+          <a:p>
+            <a:pPr marL="3657600" lvl="8" indent="0">
+              <a:buNone/>
+            </a:pPr>
+            <a:r>
+              <a:rPr lang="en-US" sz="1800" dirty="0">
+                <a:latin typeface="Times New Roman" panose="02020603050405020304" pitchFamily="18" charset="0"/>
+                <a:cs typeface="Times New Roman" panose="02020603050405020304" pitchFamily="18" charset="0"/>
+              </a:rPr>
+              <a:t>              (Backend Developer)	  (UI and Tester)	        (DB Administrator)					</a:t>
+            </a:r>
+          </a:p>
+          <a:p>
+            <a:pPr marL="0" indent="0">
+              <a:buNone/>
+            </a:pPr>
+            <a:r>
+              <a:rPr lang="en-US" dirty="0">
+                <a:latin typeface="Times New Roman" panose="02020603050405020304" pitchFamily="18" charset="0"/>
+                <a:cs typeface="Times New Roman" panose="02020603050405020304" pitchFamily="18" charset="0"/>
+              </a:rPr>
+              <a:t>			</a:t>
+            </a:r>
+          </a:p>
+          <a:p>
+            <a:pPr marL="0" indent="0">
+              <a:buNone/>
+            </a:pPr>
+            <a:endParaRPr lang="en-US" dirty="0">
+              <a:latin typeface="Times New Roman" panose="02020603050405020304" pitchFamily="18" charset="0"/>
+              <a:cs typeface="Times New Roman" panose="02020603050405020304" pitchFamily="18" charset="0"/>
+            </a:endParaRPr>
+          </a:p>
+        </p:txBody>
+      </p:sp>
+      <p:pic>
+        <p:nvPicPr>
+          <p:cNvPr id="5" name="Picture 4" descr="A person standing in front of a body of water&#10;&#10;Description automatically generated">
+            <a:extLst>
+              <a:ext uri="{FF2B5EF4-FFF2-40B4-BE49-F238E27FC236}">
+                <a16:creationId xmlns:a16="http://schemas.microsoft.com/office/drawing/2014/main" id="{92DB79B2-DF6D-431D-8B85-E3B38A6179B2}"/>
+              </a:ext>
+            </a:extLst>
+          </p:cNvPr>
+          <p:cNvPicPr>
+            <a:picLocks noChangeAspect="1"/>
+          </p:cNvPicPr>
+          <p:nvPr/>
+        </p:nvPicPr>
+        <p:blipFill>
+          <a:blip r:embed="rId2">
+            <a:extLst>
+              <a:ext uri="{28A0092B-C50C-407E-A947-70E740481C1C}">
+                <a14:useLocalDpi xmlns:a14="http://schemas.microsoft.com/office/drawing/2010/main" val="0"/>
+              </a:ext>
+            </a:extLst>
+          </a:blip>
+          <a:stretch>
+            <a:fillRect/>
+          </a:stretch>
+        </p:blipFill>
+        <p:spPr>
+          <a:xfrm>
+            <a:off x="2843139" y="3044160"/>
+            <a:ext cx="1532972" cy="2038355"/>
+          </a:xfrm>
+          <a:prstGeom prst="rect">
+            <a:avLst/>
+          </a:prstGeom>
+        </p:spPr>
+      </p:pic>
+      <p:pic>
+        <p:nvPicPr>
+          <p:cNvPr id="7" name="Picture 6" descr="A person smiling for the camera&#10;&#10;Description automatically generated">
+            <a:extLst>
+              <a:ext uri="{FF2B5EF4-FFF2-40B4-BE49-F238E27FC236}">
+                <a16:creationId xmlns:a16="http://schemas.microsoft.com/office/drawing/2014/main" id="{64698B35-8E26-4280-AFB3-C7EAA5BE7E87}"/>
+              </a:ext>
+            </a:extLst>
+          </p:cNvPr>
+          <p:cNvPicPr>
+            <a:picLocks noChangeAspect="1"/>
+          </p:cNvPicPr>
+          <p:nvPr/>
+        </p:nvPicPr>
+        <p:blipFill>
+          <a:blip r:embed="rId3">
+            <a:extLst>
+              <a:ext uri="{28A0092B-C50C-407E-A947-70E740481C1C}">
+                <a14:useLocalDpi xmlns:a14="http://schemas.microsoft.com/office/drawing/2010/main" val="0"/>
+              </a:ext>
+            </a:extLst>
+          </a:blip>
+          <a:stretch>
+            <a:fillRect/>
+          </a:stretch>
+        </p:blipFill>
+        <p:spPr>
+          <a:xfrm>
+            <a:off x="9730722" y="3156373"/>
+            <a:ext cx="1532973" cy="2038356"/>
+          </a:xfrm>
+          <a:prstGeom prst="rect">
+            <a:avLst/>
+          </a:prstGeom>
+        </p:spPr>
+      </p:pic>
+      <p:pic>
+        <p:nvPicPr>
+          <p:cNvPr id="9" name="Picture 8" descr="A person smiling for the camera&#10;&#10;Description automatically generated">
+            <a:extLst>
+              <a:ext uri="{FF2B5EF4-FFF2-40B4-BE49-F238E27FC236}">
+                <a16:creationId xmlns:a16="http://schemas.microsoft.com/office/drawing/2014/main" id="{4DC14134-59B9-40CD-B4BE-E8D1F5CD7132}"/>
+              </a:ext>
+            </a:extLst>
+          </p:cNvPr>
+          <p:cNvPicPr>
+            <a:picLocks noChangeAspect="1"/>
+          </p:cNvPicPr>
+          <p:nvPr/>
+        </p:nvPicPr>
+        <p:blipFill>
+          <a:blip r:embed="rId4">
+            <a:extLst>
+              <a:ext uri="{28A0092B-C50C-407E-A947-70E740481C1C}">
+                <a14:useLocalDpi xmlns:a14="http://schemas.microsoft.com/office/drawing/2010/main" val="0"/>
+              </a:ext>
+            </a:extLst>
+          </a:blip>
+          <a:stretch>
+            <a:fillRect/>
+          </a:stretch>
+        </p:blipFill>
+        <p:spPr>
+          <a:xfrm>
+            <a:off x="7399360" y="3156373"/>
+            <a:ext cx="1532972" cy="2038356"/>
+          </a:xfrm>
+          <a:prstGeom prst="rect">
+            <a:avLst/>
+          </a:prstGeom>
+        </p:spPr>
+      </p:pic>
+      <p:pic>
+        <p:nvPicPr>
+          <p:cNvPr id="6" name="Picture 5" descr="A person standing in front of a house&#10;&#10;Description automatically generated">
+            <a:extLst>
+              <a:ext uri="{FF2B5EF4-FFF2-40B4-BE49-F238E27FC236}">
+                <a16:creationId xmlns:a16="http://schemas.microsoft.com/office/drawing/2014/main" id="{BB84EB3D-8FB7-429A-8E57-A3E8E731121F}"/>
+              </a:ext>
+            </a:extLst>
+          </p:cNvPr>
+          <p:cNvPicPr>
+            <a:picLocks noChangeAspect="1"/>
+          </p:cNvPicPr>
+          <p:nvPr/>
+        </p:nvPicPr>
+        <p:blipFill>
+          <a:blip r:embed="rId5">
+            <a:extLst>
+              <a:ext uri="{28A0092B-C50C-407E-A947-70E740481C1C}">
+                <a14:useLocalDpi xmlns:a14="http://schemas.microsoft.com/office/drawing/2010/main" val="0"/>
+              </a:ext>
+            </a:extLst>
+          </a:blip>
+          <a:stretch>
+            <a:fillRect/>
+          </a:stretch>
+        </p:blipFill>
+        <p:spPr>
+          <a:xfrm>
+            <a:off x="5098498" y="3084327"/>
+            <a:ext cx="1436568" cy="2038356"/>
+          </a:xfrm>
+          <a:prstGeom prst="rect">
+            <a:avLst/>
+          </a:prstGeom>
+        </p:spPr>
+      </p:pic>
+      <p:pic>
+        <p:nvPicPr>
+          <p:cNvPr id="10" name="Picture 9" descr="A person taking a selfie&#10;&#10;Description automatically generated">
+            <a:extLst>
+              <a:ext uri="{FF2B5EF4-FFF2-40B4-BE49-F238E27FC236}">
+                <a16:creationId xmlns:a16="http://schemas.microsoft.com/office/drawing/2014/main" id="{1D3FEEC3-AF16-4966-A8CF-1233051B5509}"/>
+              </a:ext>
+            </a:extLst>
+          </p:cNvPr>
+          <p:cNvPicPr>
+            <a:picLocks noChangeAspect="1"/>
+          </p:cNvPicPr>
+          <p:nvPr/>
+        </p:nvPicPr>
+        <p:blipFill>
+          <a:blip r:embed="rId6">
+            <a:extLst>
+              <a:ext uri="{28A0092B-C50C-407E-A947-70E740481C1C}">
+                <a14:useLocalDpi xmlns:a14="http://schemas.microsoft.com/office/drawing/2010/main" val="0"/>
+              </a:ext>
+            </a:extLst>
+          </a:blip>
+          <a:stretch>
+            <a:fillRect/>
+          </a:stretch>
+        </p:blipFill>
+        <p:spPr>
+          <a:xfrm>
+            <a:off x="666722" y="3084327"/>
+            <a:ext cx="1454030" cy="1938708"/>
+          </a:xfrm>
+          <a:prstGeom prst="rect">
+            <a:avLst/>
+          </a:prstGeom>
+        </p:spPr>
+      </p:pic>
+      <p:sp>
+        <p:nvSpPr>
+          <p:cNvPr id="13" name="Footer Placeholder 12">
+            <a:extLst>
+              <a:ext uri="{FF2B5EF4-FFF2-40B4-BE49-F238E27FC236}">
+                <a16:creationId xmlns:a16="http://schemas.microsoft.com/office/drawing/2014/main" id="{4DEB0D3C-FC0C-4AAE-8B1A-1CD6D3894DE9}"/>
+              </a:ext>
+            </a:extLst>
+          </p:cNvPr>
+          <p:cNvSpPr>
+            <a:spLocks noGrp="1"/>
+          </p:cNvSpPr>
+          <p:nvPr>
+            <p:ph type="ftr" sz="quarter" idx="11"/>
+          </p:nvPr>
+        </p:nvSpPr>
+        <p:spPr/>
+        <p:txBody>
+          <a:bodyPr/>
+          <a:lstStyle/>
+          <a:p>
+            <a:r>
+              <a:rPr lang="en-US"/>
+              <a:t>Healthify-NWMSU</a:t>
+            </a:r>
+          </a:p>
+        </p:txBody>
+      </p:sp>
+      <p:sp>
+        <p:nvSpPr>
+          <p:cNvPr id="15" name="Slide Number Placeholder 14">
+            <a:extLst>
+              <a:ext uri="{FF2B5EF4-FFF2-40B4-BE49-F238E27FC236}">
+                <a16:creationId xmlns:a16="http://schemas.microsoft.com/office/drawing/2014/main" id="{2FAD1378-BCC4-42D6-A20E-EC601EC1DFD7}"/>
+              </a:ext>
+            </a:extLst>
+          </p:cNvPr>
+          <p:cNvSpPr>
+            <a:spLocks noGrp="1"/>
+          </p:cNvSpPr>
+          <p:nvPr>
+            <p:ph type="sldNum" sz="quarter" idx="12"/>
+          </p:nvPr>
+        </p:nvSpPr>
+        <p:spPr/>
+        <p:txBody>
+          <a:bodyPr/>
+          <a:lstStyle/>
+          <a:p>
+            <a:fld id="{FC6EDEEF-6E47-4D41-B312-2A124904AE2A}" type="slidenum">
+              <a:rPr lang="en-US" smtClean="0"/>
+              <a:t>2</a:t>
+            </a:fld>
+            <a:endParaRPr lang="en-US"/>
+          </a:p>
+        </p:txBody>
+      </p:sp>
+    </p:spTree>
+    <p:extLst>
+      <p:ext uri="{BB962C8B-B14F-4D97-AF65-F5344CB8AC3E}">
+        <p14:creationId xmlns:p14="http://schemas.microsoft.com/office/powerpoint/2010/main" val="4176327129"/>
+      </p:ext>
+    </p:extLst>
+  </p:cSld>
+  <p:clrMapOvr>
+    <a:masterClrMapping/>
+  </p:clrMapOvr>
+</p:sld>
+</file>
+
+<file path=ppt/slides/slide3.xml><?xml version="1.0" encoding="utf-8"?>
+<p:sld xmlns:a="http://schemas.openxmlformats.org/drawingml/2006/main" xmlns:r="http://schemas.openxmlformats.org/officeDocument/2006/relationships" xmlns:p="http://schemas.openxmlformats.org/presentationml/2006/main">
+  <p:cSld>
+    <p:spTree>
+      <p:nvGrpSpPr>
+        <p:cNvPr id="1" name=""/>
+        <p:cNvGrpSpPr/>
+        <p:nvPr/>
+      </p:nvGrpSpPr>
+      <p:grpSpPr>
+        <a:xfrm>
+          <a:off x="0" y="0"/>
+          <a:ext cx="0" cy="0"/>
+          <a:chOff x="0" y="0"/>
+          <a:chExt cx="0" cy="0"/>
+        </a:xfrm>
+      </p:grpSpPr>
+      <p:sp>
+        <p:nvSpPr>
+          <p:cNvPr id="2" name="Title 1">
+            <a:extLst>
+              <a:ext uri="{FF2B5EF4-FFF2-40B4-BE49-F238E27FC236}">
+                <a16:creationId xmlns:a16="http://schemas.microsoft.com/office/drawing/2014/main" id="{C8C00379-46E4-446E-88A8-5933040D965B}"/>
+              </a:ext>
+            </a:extLst>
+          </p:cNvPr>
+          <p:cNvSpPr>
+            <a:spLocks noGrp="1"/>
+          </p:cNvSpPr>
+          <p:nvPr>
+            <p:ph type="title"/>
+          </p:nvPr>
+        </p:nvSpPr>
+        <p:spPr>
+          <a:xfrm>
+            <a:off x="646111" y="452718"/>
+            <a:ext cx="9404723" cy="893197"/>
+          </a:xfrm>
+        </p:spPr>
+        <p:txBody>
+          <a:bodyPr/>
+          <a:lstStyle/>
+          <a:p>
+            <a:r>
+              <a:rPr lang="en-US" b="1" dirty="0">
+                <a:solidFill>
+                  <a:schemeClr val="accent3"/>
+                </a:solidFill>
+                <a:effectLst>
+                  <a:outerShdw blurRad="38100" dist="38100" dir="2700000" algn="tl">
+                    <a:srgbClr val="000000">
+                      <a:alpha val="43137"/>
+                    </a:srgbClr>
+                  </a:outerShdw>
+                </a:effectLst>
+                <a:latin typeface="Times New Roman" panose="02020603050405020304" pitchFamily="18" charset="0"/>
+                <a:cs typeface="Times New Roman" panose="02020603050405020304" pitchFamily="18" charset="0"/>
+              </a:rPr>
+              <a:t>Requirements</a:t>
+            </a:r>
+            <a:r>
+              <a:rPr lang="en-US" dirty="0">
+                <a:effectLst>
+                  <a:outerShdw blurRad="38100" dist="38100" dir="2700000" algn="tl">
+                    <a:srgbClr val="000000">
+                      <a:alpha val="43137"/>
+                    </a:srgbClr>
+                  </a:outerShdw>
+                </a:effectLst>
+                <a:latin typeface="Times New Roman" panose="02020603050405020304" pitchFamily="18" charset="0"/>
+                <a:cs typeface="Times New Roman" panose="02020603050405020304" pitchFamily="18" charset="0"/>
+              </a:rPr>
+              <a:t>	</a:t>
+            </a:r>
+          </a:p>
+        </p:txBody>
+      </p:sp>
+      <p:sp>
+        <p:nvSpPr>
+          <p:cNvPr id="3" name="Content Placeholder 2">
+            <a:extLst>
+              <a:ext uri="{FF2B5EF4-FFF2-40B4-BE49-F238E27FC236}">
+                <a16:creationId xmlns:a16="http://schemas.microsoft.com/office/drawing/2014/main" id="{A0AC3E9A-BB0B-4A18-AEAA-7929FA74C75D}"/>
+              </a:ext>
+            </a:extLst>
+          </p:cNvPr>
+          <p:cNvSpPr>
+            <a:spLocks noGrp="1"/>
+          </p:cNvSpPr>
+          <p:nvPr>
+            <p:ph idx="1"/>
+          </p:nvPr>
+        </p:nvSpPr>
+        <p:spPr>
+          <a:xfrm>
+            <a:off x="1103312" y="1489753"/>
+            <a:ext cx="8946541" cy="4758647"/>
+          </a:xfrm>
+        </p:spPr>
+        <p:txBody>
+          <a:bodyPr>
+            <a:normAutofit/>
+          </a:bodyPr>
+          <a:lstStyle/>
+          <a:p>
+            <a:pPr fontAlgn="base"/>
+            <a:r>
+              <a:rPr lang="en-US" dirty="0">
+                <a:latin typeface="Times New Roman" panose="02020603050405020304" pitchFamily="18" charset="0"/>
+                <a:cs typeface="Times New Roman" panose="02020603050405020304" pitchFamily="18" charset="0"/>
+              </a:rPr>
+              <a:t>The text narrative or user story</a:t>
+            </a:r>
+          </a:p>
+          <a:p>
+            <a:pPr fontAlgn="base"/>
+            <a:r>
+              <a:rPr lang="en-US" dirty="0">
+                <a:latin typeface="Times New Roman" panose="02020603050405020304" pitchFamily="18" charset="0"/>
+                <a:cs typeface="Times New Roman" panose="02020603050405020304" pitchFamily="18" charset="0"/>
+              </a:rPr>
+              <a:t>Project scope</a:t>
+            </a:r>
+          </a:p>
+          <a:p>
+            <a:pPr fontAlgn="base"/>
+            <a:r>
+              <a:rPr lang="en-US" dirty="0">
+                <a:latin typeface="Times New Roman" panose="02020603050405020304" pitchFamily="18" charset="0"/>
+                <a:cs typeface="Times New Roman" panose="02020603050405020304" pitchFamily="18" charset="0"/>
+              </a:rPr>
+              <a:t>Technical specifications</a:t>
+            </a:r>
+          </a:p>
+          <a:p>
+            <a:pPr fontAlgn="base"/>
+            <a:r>
+              <a:rPr lang="en-US" dirty="0">
+                <a:latin typeface="Times New Roman" panose="02020603050405020304" pitchFamily="18" charset="0"/>
+                <a:cs typeface="Times New Roman" panose="02020603050405020304" pitchFamily="18" charset="0"/>
+              </a:rPr>
+              <a:t>Sketches</a:t>
+            </a:r>
+          </a:p>
+          <a:p>
+            <a:pPr fontAlgn="base"/>
+            <a:r>
+              <a:rPr lang="en-US" dirty="0">
+                <a:latin typeface="Times New Roman" panose="02020603050405020304" pitchFamily="18" charset="0"/>
+                <a:cs typeface="Times New Roman" panose="02020603050405020304" pitchFamily="18" charset="0"/>
+              </a:rPr>
+              <a:t>Asset creation</a:t>
+            </a:r>
+          </a:p>
+          <a:p>
+            <a:pPr fontAlgn="base"/>
+            <a:r>
+              <a:rPr lang="en-US" dirty="0">
+                <a:latin typeface="Times New Roman" panose="02020603050405020304" pitchFamily="18" charset="0"/>
+                <a:cs typeface="Times New Roman" panose="02020603050405020304" pitchFamily="18" charset="0"/>
+              </a:rPr>
+              <a:t>Putting everything together in a workflow document(Jira).</a:t>
+            </a:r>
+          </a:p>
+          <a:p>
+            <a:pPr fontAlgn="base"/>
+            <a:r>
+              <a:rPr lang="en-US" dirty="0">
+                <a:latin typeface="Times New Roman" panose="02020603050405020304" pitchFamily="18" charset="0"/>
+                <a:cs typeface="Times New Roman" panose="02020603050405020304" pitchFamily="18" charset="0"/>
+              </a:rPr>
+              <a:t>FluidUI</a:t>
+            </a:r>
+          </a:p>
+          <a:p>
+            <a:pPr fontAlgn="base"/>
+            <a:r>
+              <a:rPr lang="en-US" dirty="0">
+                <a:latin typeface="Times New Roman" panose="02020603050405020304" pitchFamily="18" charset="0"/>
+                <a:cs typeface="Times New Roman" panose="02020603050405020304" pitchFamily="18" charset="0"/>
+              </a:rPr>
+              <a:t>GitHub</a:t>
+            </a:r>
+          </a:p>
+          <a:p>
+            <a:endParaRPr lang="en-US" dirty="0"/>
+          </a:p>
+        </p:txBody>
+      </p:sp>
+      <p:sp>
+        <p:nvSpPr>
+          <p:cNvPr id="6" name="Footer Placeholder 5">
+            <a:extLst>
+              <a:ext uri="{FF2B5EF4-FFF2-40B4-BE49-F238E27FC236}">
+                <a16:creationId xmlns:a16="http://schemas.microsoft.com/office/drawing/2014/main" id="{38D8D3A6-7408-4215-99DB-0B35830B92DB}"/>
+              </a:ext>
+            </a:extLst>
+          </p:cNvPr>
+          <p:cNvSpPr>
+            <a:spLocks noGrp="1"/>
+          </p:cNvSpPr>
+          <p:nvPr>
+            <p:ph type="ftr" sz="quarter" idx="11"/>
+          </p:nvPr>
+        </p:nvSpPr>
+        <p:spPr/>
+        <p:txBody>
+          <a:bodyPr/>
+          <a:lstStyle/>
+          <a:p>
+            <a:r>
+              <a:rPr lang="en-US"/>
+              <a:t>Healthify-NWMSU</a:t>
+            </a:r>
+          </a:p>
+        </p:txBody>
+      </p:sp>
+      <p:sp>
+        <p:nvSpPr>
+          <p:cNvPr id="7" name="Slide Number Placeholder 6">
+            <a:extLst>
+              <a:ext uri="{FF2B5EF4-FFF2-40B4-BE49-F238E27FC236}">
+                <a16:creationId xmlns:a16="http://schemas.microsoft.com/office/drawing/2014/main" id="{53D8A5C7-D4C7-4B73-BDB0-C67A0F06FB39}"/>
+              </a:ext>
+            </a:extLst>
+          </p:cNvPr>
+          <p:cNvSpPr>
+            <a:spLocks noGrp="1"/>
+          </p:cNvSpPr>
+          <p:nvPr>
+            <p:ph type="sldNum" sz="quarter" idx="12"/>
+          </p:nvPr>
+        </p:nvSpPr>
+        <p:spPr/>
+        <p:txBody>
+          <a:bodyPr/>
+          <a:lstStyle/>
+          <a:p>
+            <a:fld id="{FC6EDEEF-6E47-4D41-B312-2A124904AE2A}" type="slidenum">
+              <a:rPr lang="en-US" smtClean="0"/>
+              <a:t>3</a:t>
+            </a:fld>
+            <a:endParaRPr lang="en-US"/>
+          </a:p>
+        </p:txBody>
+      </p:sp>
+    </p:spTree>
+    <p:extLst>
+      <p:ext uri="{BB962C8B-B14F-4D97-AF65-F5344CB8AC3E}">
+        <p14:creationId xmlns:p14="http://schemas.microsoft.com/office/powerpoint/2010/main" val="2403520679"/>
+      </p:ext>
+    </p:extLst>
+  </p:cSld>
+  <p:clrMapOvr>
+    <a:masterClrMapping/>
+  </p:clrMapOvr>
+</p:sld>
+</file>
+
+<file path=ppt/slides/slide4.xml><?xml version="1.0" encoding="utf-8"?>
+<p:sld xmlns:a="http://schemas.openxmlformats.org/drawingml/2006/main" xmlns:r="http://schemas.openxmlformats.org/officeDocument/2006/relationships" xmlns:p="http://schemas.openxmlformats.org/presentationml/2006/main">
+  <p:cSld>
+    <p:spTree>
+      <p:nvGrpSpPr>
+        <p:cNvPr id="1" name=""/>
+        <p:cNvGrpSpPr/>
+        <p:nvPr/>
+      </p:nvGrpSpPr>
+      <p:grpSpPr>
+        <a:xfrm>
+          <a:off x="0" y="0"/>
+          <a:ext cx="0" cy="0"/>
+          <a:chOff x="0" y="0"/>
+          <a:chExt cx="0" cy="0"/>
+        </a:xfrm>
+      </p:grpSpPr>
+      <p:sp>
+        <p:nvSpPr>
+          <p:cNvPr id="2" name="Title 1">
+            <a:extLst>
+              <a:ext uri="{FF2B5EF4-FFF2-40B4-BE49-F238E27FC236}">
+                <a16:creationId xmlns:a16="http://schemas.microsoft.com/office/drawing/2014/main" id="{53CAD9F5-5D35-43A4-86EF-12603C6DCE87}"/>
+              </a:ext>
+            </a:extLst>
+          </p:cNvPr>
+          <p:cNvSpPr>
+            <a:spLocks noGrp="1"/>
+          </p:cNvSpPr>
+          <p:nvPr>
+            <p:ph type="title"/>
+          </p:nvPr>
+        </p:nvSpPr>
+        <p:spPr>
+          <a:xfrm>
+            <a:off x="646111" y="401347"/>
+            <a:ext cx="9404723" cy="708262"/>
+          </a:xfrm>
+        </p:spPr>
+        <p:txBody>
+          <a:bodyPr>
+            <a:normAutofit fontScale="90000"/>
+          </a:bodyPr>
+          <a:lstStyle/>
+          <a:p>
+            <a:r>
+              <a:rPr lang="en-US" sz="4000" b="1" dirty="0">
+                <a:solidFill>
+                  <a:schemeClr val="accent3"/>
+                </a:solidFill>
+                <a:effectLst>
+                  <a:outerShdw blurRad="38100" dist="38100" dir="2700000" algn="tl">
+                    <a:srgbClr val="000000">
+                      <a:alpha val="43137"/>
+                    </a:srgbClr>
+                  </a:outerShdw>
+                </a:effectLst>
+                <a:latin typeface="Times New Roman" panose="02020603050405020304" pitchFamily="18" charset="0"/>
+                <a:cs typeface="Times New Roman" panose="02020603050405020304" pitchFamily="18" charset="0"/>
+              </a:rPr>
+              <a:t>Purpose</a:t>
+            </a:r>
+            <a:br>
+              <a:rPr lang="en-US" b="1" dirty="0">
+                <a:solidFill>
+                  <a:schemeClr val="accent3"/>
+                </a:solidFill>
+                <a:effectLst>
+                  <a:outerShdw blurRad="38100" dist="38100" dir="2700000" algn="tl">
+                    <a:srgbClr val="000000">
+                      <a:alpha val="43137"/>
+                    </a:srgbClr>
+                  </a:outerShdw>
+                </a:effectLst>
+                <a:latin typeface="Times New Roman" panose="02020603050405020304" pitchFamily="18" charset="0"/>
+                <a:cs typeface="Times New Roman" panose="02020603050405020304" pitchFamily="18" charset="0"/>
+              </a:rPr>
+            </a:br>
+            <a:br>
+              <a:rPr lang="en-US" b="1" dirty="0">
+                <a:solidFill>
+                  <a:schemeClr val="accent3"/>
+                </a:solidFill>
+                <a:effectLst>
+                  <a:outerShdw blurRad="38100" dist="38100" dir="2700000" algn="tl">
+                    <a:srgbClr val="000000">
+                      <a:alpha val="43137"/>
+                    </a:srgbClr>
+                  </a:outerShdw>
+                </a:effectLst>
+                <a:latin typeface="Times New Roman" panose="02020603050405020304" pitchFamily="18" charset="0"/>
+                <a:cs typeface="Times New Roman" panose="02020603050405020304" pitchFamily="18" charset="0"/>
+              </a:rPr>
+            </a:br>
+            <a:br>
+              <a:rPr lang="en-US" b="1" dirty="0">
+                <a:solidFill>
+                  <a:schemeClr val="accent3"/>
+                </a:solidFill>
+                <a:effectLst>
+                  <a:outerShdw blurRad="38100" dist="38100" dir="2700000" algn="tl">
+                    <a:srgbClr val="000000">
+                      <a:alpha val="43137"/>
+                    </a:srgbClr>
+                  </a:outerShdw>
+                </a:effectLst>
+                <a:latin typeface="Times New Roman" panose="02020603050405020304" pitchFamily="18" charset="0"/>
+                <a:cs typeface="Times New Roman" panose="02020603050405020304" pitchFamily="18" charset="0"/>
+              </a:rPr>
+            </a:br>
+            <a:br>
+              <a:rPr lang="en-US" b="1" dirty="0">
+                <a:solidFill>
+                  <a:schemeClr val="accent3"/>
+                </a:solidFill>
+                <a:effectLst>
+                  <a:outerShdw blurRad="38100" dist="38100" dir="2700000" algn="tl">
+                    <a:srgbClr val="000000">
+                      <a:alpha val="43137"/>
+                    </a:srgbClr>
+                  </a:outerShdw>
+                </a:effectLst>
+                <a:latin typeface="Times New Roman" panose="02020603050405020304" pitchFamily="18" charset="0"/>
+                <a:cs typeface="Times New Roman" panose="02020603050405020304" pitchFamily="18" charset="0"/>
+              </a:rPr>
+            </a:br>
+            <a:br>
+              <a:rPr lang="en-US" b="1" dirty="0">
+                <a:solidFill>
+                  <a:schemeClr val="accent3"/>
+                </a:solidFill>
+                <a:effectLst>
+                  <a:outerShdw blurRad="38100" dist="38100" dir="2700000" algn="tl">
+                    <a:srgbClr val="000000">
+                      <a:alpha val="43137"/>
+                    </a:srgbClr>
+                  </a:outerShdw>
+                </a:effectLst>
+                <a:latin typeface="Times New Roman" panose="02020603050405020304" pitchFamily="18" charset="0"/>
+                <a:cs typeface="Times New Roman" panose="02020603050405020304" pitchFamily="18" charset="0"/>
+              </a:rPr>
+            </a:br>
+            <a:r>
+              <a:rPr lang="en-US" sz="4000" b="1" dirty="0">
+                <a:solidFill>
+                  <a:schemeClr val="accent3"/>
+                </a:solidFill>
+                <a:effectLst>
+                  <a:outerShdw blurRad="38100" dist="38100" dir="2700000" algn="tl">
+                    <a:srgbClr val="000000">
+                      <a:alpha val="43137"/>
+                    </a:srgbClr>
+                  </a:outerShdw>
+                </a:effectLst>
+                <a:latin typeface="Times New Roman" panose="02020603050405020304" pitchFamily="18" charset="0"/>
+                <a:cs typeface="Times New Roman" panose="02020603050405020304" pitchFamily="18" charset="0"/>
+              </a:rPr>
+              <a:t>Overview</a:t>
+            </a:r>
+          </a:p>
+        </p:txBody>
+      </p:sp>
+      <p:sp>
+        <p:nvSpPr>
+          <p:cNvPr id="3" name="Content Placeholder 2">
+            <a:extLst>
+              <a:ext uri="{FF2B5EF4-FFF2-40B4-BE49-F238E27FC236}">
+                <a16:creationId xmlns:a16="http://schemas.microsoft.com/office/drawing/2014/main" id="{0169D338-F03C-45A3-AF88-E7BA60FE6263}"/>
+              </a:ext>
+            </a:extLst>
+          </p:cNvPr>
+          <p:cNvSpPr>
+            <a:spLocks noGrp="1"/>
+          </p:cNvSpPr>
+          <p:nvPr>
+            <p:ph idx="1"/>
+          </p:nvPr>
+        </p:nvSpPr>
+        <p:spPr>
+          <a:xfrm>
+            <a:off x="842482" y="1017142"/>
+            <a:ext cx="9152618" cy="5260368"/>
+          </a:xfrm>
+        </p:spPr>
+        <p:txBody>
+          <a:bodyPr>
+            <a:normAutofit/>
+          </a:bodyPr>
+          <a:lstStyle/>
+          <a:p>
+            <a:r>
+              <a:rPr lang="en-US" dirty="0">
+                <a:latin typeface="Times New Roman" panose="02020603050405020304" pitchFamily="18" charset="0"/>
+                <a:cs typeface="Times New Roman" panose="02020603050405020304" pitchFamily="18" charset="0"/>
+              </a:rPr>
+              <a:t>“Our vision is to make healthy living easy, fun, and affordable for all”</a:t>
+            </a:r>
+          </a:p>
+          <a:p>
+            <a:r>
+              <a:rPr lang="en-US" dirty="0">
+                <a:latin typeface="Times New Roman" panose="02020603050405020304" pitchFamily="18" charset="0"/>
+                <a:cs typeface="Times New Roman" panose="02020603050405020304" pitchFamily="18" charset="0"/>
+              </a:rPr>
+              <a:t>The Healthify-NWMSU app can incorporate data from thousands of third-party apps that are designed to promote healthier habits from nutrition to fitness.</a:t>
+            </a:r>
+          </a:p>
+          <a:p>
+            <a:r>
+              <a:rPr lang="en-US" dirty="0">
+                <a:latin typeface="Times New Roman" panose="02020603050405020304" pitchFamily="18" charset="0"/>
+                <a:cs typeface="Times New Roman" panose="02020603050405020304" pitchFamily="18" charset="0"/>
+              </a:rPr>
+              <a:t>This app lets you keep all your health and fitness information under your control and in one place on your device.</a:t>
+            </a:r>
+          </a:p>
+          <a:p>
+            <a:endParaRPr lang="en-US" dirty="0">
+              <a:latin typeface="Times New Roman" panose="02020603050405020304" pitchFamily="18" charset="0"/>
+              <a:cs typeface="Times New Roman" panose="02020603050405020304" pitchFamily="18" charset="0"/>
+            </a:endParaRPr>
+          </a:p>
+          <a:p>
+            <a:endParaRPr lang="en-US" dirty="0">
+              <a:latin typeface="Times New Roman" panose="02020603050405020304" pitchFamily="18" charset="0"/>
+              <a:cs typeface="Times New Roman" panose="02020603050405020304" pitchFamily="18" charset="0"/>
+            </a:endParaRPr>
+          </a:p>
+          <a:p>
+            <a:r>
+              <a:rPr lang="en-US" dirty="0">
+                <a:latin typeface="Times New Roman" panose="02020603050405020304" pitchFamily="18" charset="0"/>
+                <a:cs typeface="Times New Roman" panose="02020603050405020304" pitchFamily="18" charset="0"/>
+              </a:rPr>
+              <a:t>Healthify-NWMSU is a fitness app that helps users track their diet and weight and set fitness goals.</a:t>
+            </a:r>
+          </a:p>
+          <a:p>
+            <a:r>
+              <a:rPr lang="en-US" dirty="0">
+                <a:latin typeface="Times New Roman" panose="02020603050405020304" pitchFamily="18" charset="0"/>
+                <a:cs typeface="Times New Roman" panose="02020603050405020304" pitchFamily="18" charset="0"/>
+              </a:rPr>
+              <a:t>It is free to download app which allows user to track their calories, steps, manage, view and participate in group challenges.</a:t>
+            </a:r>
+          </a:p>
+          <a:p>
+            <a:r>
+              <a:rPr lang="en-US" dirty="0">
+                <a:latin typeface="Times New Roman" panose="02020603050405020304" pitchFamily="18" charset="0"/>
+                <a:cs typeface="Times New Roman" panose="02020603050405020304" pitchFamily="18" charset="0"/>
+              </a:rPr>
+              <a:t>It helps users to track their food intake and measure calories accurately.</a:t>
+            </a:r>
+          </a:p>
+        </p:txBody>
+      </p:sp>
+      <p:sp>
+        <p:nvSpPr>
+          <p:cNvPr id="6" name="Footer Placeholder 5">
+            <a:extLst>
+              <a:ext uri="{FF2B5EF4-FFF2-40B4-BE49-F238E27FC236}">
+                <a16:creationId xmlns:a16="http://schemas.microsoft.com/office/drawing/2014/main" id="{69C0F0D7-0734-4D29-BB83-BBAF6A313E5D}"/>
+              </a:ext>
+            </a:extLst>
+          </p:cNvPr>
+          <p:cNvSpPr>
+            <a:spLocks noGrp="1"/>
+          </p:cNvSpPr>
+          <p:nvPr>
+            <p:ph type="ftr" sz="quarter" idx="11"/>
+          </p:nvPr>
+        </p:nvSpPr>
+        <p:spPr/>
+        <p:txBody>
+          <a:bodyPr/>
+          <a:lstStyle/>
+          <a:p>
+            <a:r>
+              <a:rPr lang="en-US"/>
+              <a:t>Healthify-NWMSU</a:t>
+            </a:r>
+          </a:p>
+        </p:txBody>
+      </p:sp>
+      <p:sp>
+        <p:nvSpPr>
+          <p:cNvPr id="7" name="Slide Number Placeholder 6">
+            <a:extLst>
+              <a:ext uri="{FF2B5EF4-FFF2-40B4-BE49-F238E27FC236}">
+                <a16:creationId xmlns:a16="http://schemas.microsoft.com/office/drawing/2014/main" id="{0C27BE6C-AA7F-4054-A992-C71124FC6FE4}"/>
+              </a:ext>
+            </a:extLst>
+          </p:cNvPr>
+          <p:cNvSpPr>
+            <a:spLocks noGrp="1"/>
+          </p:cNvSpPr>
+          <p:nvPr>
+            <p:ph type="sldNum" sz="quarter" idx="12"/>
+          </p:nvPr>
+        </p:nvSpPr>
+        <p:spPr/>
+        <p:txBody>
+          <a:bodyPr/>
+          <a:lstStyle/>
+          <a:p>
+            <a:fld id="{FC6EDEEF-6E47-4D41-B312-2A124904AE2A}" type="slidenum">
+              <a:rPr lang="en-US" smtClean="0"/>
+              <a:t>4</a:t>
+            </a:fld>
+            <a:endParaRPr lang="en-US"/>
+          </a:p>
+        </p:txBody>
+      </p:sp>
+    </p:spTree>
+    <p:extLst>
+      <p:ext uri="{BB962C8B-B14F-4D97-AF65-F5344CB8AC3E}">
+        <p14:creationId xmlns:p14="http://schemas.microsoft.com/office/powerpoint/2010/main" val="602519577"/>
+      </p:ext>
+    </p:extLst>
+  </p:cSld>
+  <p:clrMapOvr>
+    <a:masterClrMapping/>
+  </p:clrMapOvr>
+</p:sld>
+</file>
+
+<file path=ppt/slides/slide5.xml><?xml version="1.0" encoding="utf-8"?>
+<p:sld xmlns:a="http://schemas.openxmlformats.org/drawingml/2006/main" xmlns:r="http://schemas.openxmlformats.org/officeDocument/2006/relationships" xmlns:p="http://schemas.openxmlformats.org/presentationml/2006/main">
+  <p:cSld>
+    <p:spTree>
+      <p:nvGrpSpPr>
+        <p:cNvPr id="1" name=""/>
+        <p:cNvGrpSpPr/>
+        <p:nvPr/>
+      </p:nvGrpSpPr>
+      <p:grpSpPr>
+        <a:xfrm>
+          <a:off x="0" y="0"/>
+          <a:ext cx="0" cy="0"/>
+          <a:chOff x="0" y="0"/>
+          <a:chExt cx="0" cy="0"/>
+        </a:xfrm>
+      </p:grpSpPr>
+      <p:sp>
+        <p:nvSpPr>
+          <p:cNvPr id="2" name="Title 1">
+            <a:extLst>
+              <a:ext uri="{FF2B5EF4-FFF2-40B4-BE49-F238E27FC236}">
+                <a16:creationId xmlns:a16="http://schemas.microsoft.com/office/drawing/2014/main" id="{125EC5BE-68C9-4C55-8D48-904C9CFC8A87}"/>
+              </a:ext>
+            </a:extLst>
+          </p:cNvPr>
+          <p:cNvSpPr>
+            <a:spLocks noGrp="1"/>
+          </p:cNvSpPr>
+          <p:nvPr>
+            <p:ph type="title"/>
+          </p:nvPr>
+        </p:nvSpPr>
+        <p:spPr>
+          <a:xfrm>
+            <a:off x="646111" y="401347"/>
+            <a:ext cx="9404723" cy="1400530"/>
+          </a:xfrm>
+        </p:spPr>
+        <p:txBody>
+          <a:bodyPr>
+            <a:normAutofit fontScale="90000"/>
+          </a:bodyPr>
+          <a:lstStyle/>
+          <a:p>
+            <a:r>
+              <a:rPr lang="en-US" sz="4000" b="1" dirty="0">
+                <a:solidFill>
+                  <a:schemeClr val="accent3"/>
+                </a:solidFill>
+                <a:effectLst>
+                  <a:outerShdw blurRad="38100" dist="38100" dir="2700000" algn="tl">
+                    <a:srgbClr val="000000">
+                      <a:alpha val="43137"/>
+                    </a:srgbClr>
+                  </a:outerShdw>
+                </a:effectLst>
+                <a:latin typeface="Times New Roman" panose="02020603050405020304" pitchFamily="18" charset="0"/>
+                <a:cs typeface="Times New Roman" panose="02020603050405020304" pitchFamily="18" charset="0"/>
+              </a:rPr>
+              <a:t>Screens of UI Sketches</a:t>
+            </a:r>
+            <a:br>
+              <a:rPr lang="en-US" sz="4000" dirty="0">
+                <a:latin typeface="Times New Roman" panose="02020603050405020304" pitchFamily="18" charset="0"/>
+                <a:cs typeface="Times New Roman" panose="02020603050405020304" pitchFamily="18" charset="0"/>
+              </a:rPr>
+            </a:br>
+            <a:br>
+              <a:rPr lang="en-US" dirty="0">
+                <a:latin typeface="Times New Roman" panose="02020603050405020304" pitchFamily="18" charset="0"/>
+                <a:cs typeface="Times New Roman" panose="02020603050405020304" pitchFamily="18" charset="0"/>
+              </a:rPr>
+            </a:br>
+            <a:endParaRPr lang="en-US" sz="2000" dirty="0">
+              <a:latin typeface="Times New Roman" panose="02020603050405020304" pitchFamily="18" charset="0"/>
+              <a:cs typeface="Times New Roman" panose="02020603050405020304" pitchFamily="18" charset="0"/>
+            </a:endParaRPr>
+          </a:p>
+        </p:txBody>
+      </p:sp>
+      <p:pic>
+        <p:nvPicPr>
+          <p:cNvPr id="5" name="Content Placeholder 4" descr="A screenshot of a cell phone&#10;&#10;Description automatically generated">
+            <a:extLst>
+              <a:ext uri="{FF2B5EF4-FFF2-40B4-BE49-F238E27FC236}">
+                <a16:creationId xmlns:a16="http://schemas.microsoft.com/office/drawing/2014/main" id="{0EAAE02D-95D7-4790-9B8B-0C2E66ED1508}"/>
+              </a:ext>
+            </a:extLst>
+          </p:cNvPr>
+          <p:cNvPicPr>
+            <a:picLocks noGrp="1" noChangeAspect="1"/>
+          </p:cNvPicPr>
+          <p:nvPr>
+            <p:ph idx="1"/>
+          </p:nvPr>
+        </p:nvPicPr>
+        <p:blipFill>
+          <a:blip r:embed="rId2">
+            <a:extLst>
+              <a:ext uri="{28A0092B-C50C-407E-A947-70E740481C1C}">
+                <a14:useLocalDpi xmlns:a14="http://schemas.microsoft.com/office/drawing/2010/main" val="0"/>
+              </a:ext>
+            </a:extLst>
+          </a:blip>
+          <a:stretch>
+            <a:fillRect/>
+          </a:stretch>
+        </p:blipFill>
+        <p:spPr>
+          <a:xfrm>
+            <a:off x="992292" y="1191803"/>
+            <a:ext cx="3024903" cy="4977926"/>
+          </a:xfrm>
+        </p:spPr>
+      </p:pic>
+      <p:pic>
+        <p:nvPicPr>
+          <p:cNvPr id="7" name="Picture 6" descr="A screenshot of a cell phone&#10;&#10;Description automatically generated">
+            <a:extLst>
+              <a:ext uri="{FF2B5EF4-FFF2-40B4-BE49-F238E27FC236}">
+                <a16:creationId xmlns:a16="http://schemas.microsoft.com/office/drawing/2014/main" id="{50FBA26D-8217-4E8F-AA9C-568663C77F8B}"/>
+              </a:ext>
+            </a:extLst>
+          </p:cNvPr>
+          <p:cNvPicPr>
+            <a:picLocks noChangeAspect="1"/>
+          </p:cNvPicPr>
+          <p:nvPr/>
+        </p:nvPicPr>
+        <p:blipFill>
+          <a:blip r:embed="rId3">
+            <a:extLst>
+              <a:ext uri="{28A0092B-C50C-407E-A947-70E740481C1C}">
+                <a14:useLocalDpi xmlns:a14="http://schemas.microsoft.com/office/drawing/2010/main" val="0"/>
+              </a:ext>
+            </a:extLst>
+          </a:blip>
+          <a:stretch>
+            <a:fillRect/>
+          </a:stretch>
+        </p:blipFill>
+        <p:spPr>
+          <a:xfrm>
+            <a:off x="4598458" y="1191803"/>
+            <a:ext cx="3024902" cy="4977926"/>
+          </a:xfrm>
+          <a:prstGeom prst="rect">
+            <a:avLst/>
+          </a:prstGeom>
+        </p:spPr>
+      </p:pic>
+      <p:sp>
+        <p:nvSpPr>
+          <p:cNvPr id="8" name="Footer Placeholder 7">
+            <a:extLst>
+              <a:ext uri="{FF2B5EF4-FFF2-40B4-BE49-F238E27FC236}">
+                <a16:creationId xmlns:a16="http://schemas.microsoft.com/office/drawing/2014/main" id="{3D7665F4-0963-419D-B051-3FE3079E217D}"/>
+              </a:ext>
+            </a:extLst>
+          </p:cNvPr>
+          <p:cNvSpPr>
+            <a:spLocks noGrp="1"/>
+          </p:cNvSpPr>
+          <p:nvPr>
+            <p:ph type="ftr" sz="quarter" idx="11"/>
+          </p:nvPr>
+        </p:nvSpPr>
+        <p:spPr/>
+        <p:txBody>
+          <a:bodyPr/>
+          <a:lstStyle/>
+          <a:p>
+            <a:r>
+              <a:rPr lang="en-US"/>
+              <a:t>Healthify-NWMSU</a:t>
+            </a:r>
+          </a:p>
+        </p:txBody>
+      </p:sp>
+      <p:sp>
+        <p:nvSpPr>
+          <p:cNvPr id="9" name="Slide Number Placeholder 8">
+            <a:extLst>
+              <a:ext uri="{FF2B5EF4-FFF2-40B4-BE49-F238E27FC236}">
+                <a16:creationId xmlns:a16="http://schemas.microsoft.com/office/drawing/2014/main" id="{4F7404B4-B404-4287-985D-DA10D897BF21}"/>
+              </a:ext>
+            </a:extLst>
+          </p:cNvPr>
+          <p:cNvSpPr>
+            <a:spLocks noGrp="1"/>
+          </p:cNvSpPr>
+          <p:nvPr>
+            <p:ph type="sldNum" sz="quarter" idx="12"/>
+          </p:nvPr>
+        </p:nvSpPr>
+        <p:spPr/>
+        <p:txBody>
+          <a:bodyPr/>
+          <a:lstStyle/>
+          <a:p>
+            <a:fld id="{FC6EDEEF-6E47-4D41-B312-2A124904AE2A}" type="slidenum">
+              <a:rPr lang="en-US" smtClean="0"/>
+              <a:t>5</a:t>
+            </a:fld>
+            <a:endParaRPr lang="en-US"/>
+          </a:p>
+        </p:txBody>
+      </p:sp>
+      <p:pic>
+        <p:nvPicPr>
+          <p:cNvPr id="10" name="Picture 9" descr="A screenshot of a cell phone&#10;&#10;Description automatically generated">
+            <a:extLst>
+              <a:ext uri="{FF2B5EF4-FFF2-40B4-BE49-F238E27FC236}">
+                <a16:creationId xmlns:a16="http://schemas.microsoft.com/office/drawing/2014/main" id="{8D84F9D6-7C5E-49A6-A655-EB05CB23DF91}"/>
+              </a:ext>
+            </a:extLst>
+          </p:cNvPr>
+          <p:cNvPicPr>
+            <a:picLocks noChangeAspect="1"/>
+          </p:cNvPicPr>
+          <p:nvPr/>
+        </p:nvPicPr>
+        <p:blipFill>
+          <a:blip r:embed="rId4">
+            <a:extLst>
+              <a:ext uri="{28A0092B-C50C-407E-A947-70E740481C1C}">
+                <a14:useLocalDpi xmlns:a14="http://schemas.microsoft.com/office/drawing/2010/main" val="0"/>
+              </a:ext>
+            </a:extLst>
+          </a:blip>
+          <a:stretch>
+            <a:fillRect/>
+          </a:stretch>
+        </p:blipFill>
+        <p:spPr>
+          <a:xfrm>
+            <a:off x="8378157" y="1191803"/>
+            <a:ext cx="2821551" cy="4884221"/>
+          </a:xfrm>
+          <a:prstGeom prst="rect">
+            <a:avLst/>
+          </a:prstGeom>
+        </p:spPr>
+      </p:pic>
+    </p:spTree>
+    <p:extLst>
+      <p:ext uri="{BB962C8B-B14F-4D97-AF65-F5344CB8AC3E}">
+        <p14:creationId xmlns:p14="http://schemas.microsoft.com/office/powerpoint/2010/main" val="793526837"/>
+      </p:ext>
+    </p:extLst>
+  </p:cSld>
+  <p:clrMapOvr>
+    <a:masterClrMapping/>
+  </p:clrMapOvr>
+</p:sld>
+</file>
+
+<file path=ppt/slides/slide6.xml><?xml version="1.0" encoding="utf-8"?>
+<p:sld xmlns:a="http://schemas.openxmlformats.org/drawingml/2006/main" xmlns:r="http://schemas.openxmlformats.org/officeDocument/2006/relationships" xmlns:p="http://schemas.openxmlformats.org/presentationml/2006/main">
+  <p:cSld>
+    <p:spTree>
+      <p:nvGrpSpPr>
+        <p:cNvPr id="1" name=""/>
+        <p:cNvGrpSpPr/>
+        <p:nvPr/>
+      </p:nvGrpSpPr>
+      <p:grpSpPr>
+        <a:xfrm>
+          <a:off x="0" y="0"/>
+          <a:ext cx="0" cy="0"/>
+          <a:chOff x="0" y="0"/>
+          <a:chExt cx="0" cy="0"/>
+        </a:xfrm>
+      </p:grpSpPr>
+      <p:sp>
+        <p:nvSpPr>
+          <p:cNvPr id="2" name="Title 1">
+            <a:extLst>
+              <a:ext uri="{FF2B5EF4-FFF2-40B4-BE49-F238E27FC236}">
+                <a16:creationId xmlns:a16="http://schemas.microsoft.com/office/drawing/2014/main" id="{EE86DD78-E9CE-490E-88B1-0385B046D747}"/>
+              </a:ext>
+            </a:extLst>
+          </p:cNvPr>
+          <p:cNvSpPr>
+            <a:spLocks noGrp="1"/>
+          </p:cNvSpPr>
+          <p:nvPr>
+            <p:ph type="title"/>
+          </p:nvPr>
+        </p:nvSpPr>
+        <p:spPr/>
+        <p:txBody>
+          <a:bodyPr/>
+          <a:lstStyle/>
+          <a:p>
+            <a:r>
+              <a:rPr lang="en-US" b="1" dirty="0">
+                <a:solidFill>
+                  <a:schemeClr val="accent3"/>
+                </a:solidFill>
+                <a:effectLst>
+                  <a:outerShdw blurRad="38100" dist="38100" dir="2700000" algn="tl">
+                    <a:srgbClr val="000000">
+                      <a:alpha val="43137"/>
+                    </a:srgbClr>
+                  </a:outerShdw>
+                </a:effectLst>
+                <a:latin typeface="Times New Roman" panose="02020603050405020304" pitchFamily="18" charset="0"/>
+                <a:cs typeface="Times New Roman" panose="02020603050405020304" pitchFamily="18" charset="0"/>
+              </a:rPr>
+              <a:t>Screens of UI Sketches</a:t>
+            </a:r>
+            <a:endParaRPr lang="en-US" b="1" dirty="0">
+              <a:solidFill>
+                <a:schemeClr val="accent3"/>
+              </a:solidFill>
+              <a:effectLst>
+                <a:outerShdw blurRad="38100" dist="38100" dir="2700000" algn="tl">
+                  <a:srgbClr val="000000">
+                    <a:alpha val="43137"/>
+                  </a:srgbClr>
+                </a:outerShdw>
+              </a:effectLst>
+            </a:endParaRPr>
+          </a:p>
+        </p:txBody>
+      </p:sp>
+      <p:pic>
+        <p:nvPicPr>
+          <p:cNvPr id="5" name="Content Placeholder 4" descr="A screenshot of a cell phone&#10;&#10;Description automatically generated">
+            <a:extLst>
+              <a:ext uri="{FF2B5EF4-FFF2-40B4-BE49-F238E27FC236}">
+                <a16:creationId xmlns:a16="http://schemas.microsoft.com/office/drawing/2014/main" id="{3C2846B6-CBD7-4174-A78E-EB0295F266B7}"/>
+              </a:ext>
+            </a:extLst>
+          </p:cNvPr>
+          <p:cNvPicPr>
+            <a:picLocks noGrp="1" noChangeAspect="1"/>
+          </p:cNvPicPr>
+          <p:nvPr>
+            <p:ph idx="1"/>
+          </p:nvPr>
+        </p:nvPicPr>
+        <p:blipFill>
+          <a:blip r:embed="rId2">
+            <a:extLst>
+              <a:ext uri="{28A0092B-C50C-407E-A947-70E740481C1C}">
+                <a14:useLocalDpi xmlns:a14="http://schemas.microsoft.com/office/drawing/2010/main" val="0"/>
+              </a:ext>
+            </a:extLst>
+          </a:blip>
+          <a:stretch>
+            <a:fillRect/>
+          </a:stretch>
+        </p:blipFill>
+        <p:spPr>
+          <a:xfrm>
+            <a:off x="4509204" y="1270000"/>
+            <a:ext cx="2821551" cy="4884221"/>
+          </a:xfrm>
+        </p:spPr>
+      </p:pic>
+      <p:pic>
+        <p:nvPicPr>
+          <p:cNvPr id="6" name="Picture 5" descr="A screenshot of a cell phone&#10;&#10;Description automatically generated">
+            <a:extLst>
+              <a:ext uri="{FF2B5EF4-FFF2-40B4-BE49-F238E27FC236}">
+                <a16:creationId xmlns:a16="http://schemas.microsoft.com/office/drawing/2014/main" id="{BC02AB21-A8B2-431B-B6C0-5A214AE639C7}"/>
+              </a:ext>
+            </a:extLst>
+          </p:cNvPr>
+          <p:cNvPicPr>
+            <a:picLocks noChangeAspect="1"/>
+          </p:cNvPicPr>
+          <p:nvPr/>
+        </p:nvPicPr>
+        <p:blipFill>
+          <a:blip r:embed="rId3">
+            <a:extLst>
+              <a:ext uri="{28A0092B-C50C-407E-A947-70E740481C1C}">
+                <a14:useLocalDpi xmlns:a14="http://schemas.microsoft.com/office/drawing/2010/main" val="0"/>
+              </a:ext>
+            </a:extLst>
+          </a:blip>
+          <a:stretch>
+            <a:fillRect/>
+          </a:stretch>
+        </p:blipFill>
+        <p:spPr>
+          <a:xfrm>
+            <a:off x="996594" y="1270000"/>
+            <a:ext cx="2821551" cy="4884221"/>
+          </a:xfrm>
+          <a:prstGeom prst="rect">
+            <a:avLst/>
+          </a:prstGeom>
+        </p:spPr>
+      </p:pic>
+      <p:sp>
+        <p:nvSpPr>
+          <p:cNvPr id="8" name="Footer Placeholder 7">
+            <a:extLst>
+              <a:ext uri="{FF2B5EF4-FFF2-40B4-BE49-F238E27FC236}">
+                <a16:creationId xmlns:a16="http://schemas.microsoft.com/office/drawing/2014/main" id="{5CED5646-90C1-4F81-90DA-AA017C6B22C5}"/>
+              </a:ext>
+            </a:extLst>
+          </p:cNvPr>
+          <p:cNvSpPr>
+            <a:spLocks noGrp="1"/>
+          </p:cNvSpPr>
+          <p:nvPr>
+            <p:ph type="ftr" sz="quarter" idx="11"/>
+          </p:nvPr>
+        </p:nvSpPr>
+        <p:spPr/>
+        <p:txBody>
+          <a:bodyPr/>
+          <a:lstStyle/>
+          <a:p>
+            <a:r>
+              <a:rPr lang="en-US"/>
+              <a:t>Healthify-NWMSU</a:t>
+            </a:r>
+          </a:p>
+        </p:txBody>
+      </p:sp>
+      <p:sp>
+        <p:nvSpPr>
+          <p:cNvPr id="9" name="Slide Number Placeholder 8">
+            <a:extLst>
+              <a:ext uri="{FF2B5EF4-FFF2-40B4-BE49-F238E27FC236}">
+                <a16:creationId xmlns:a16="http://schemas.microsoft.com/office/drawing/2014/main" id="{92881D41-A262-4F4C-BCDB-29B7F360E97E}"/>
+              </a:ext>
+            </a:extLst>
+          </p:cNvPr>
+          <p:cNvSpPr>
+            <a:spLocks noGrp="1"/>
+          </p:cNvSpPr>
+          <p:nvPr>
+            <p:ph type="sldNum" sz="quarter" idx="12"/>
+          </p:nvPr>
+        </p:nvSpPr>
+        <p:spPr/>
+        <p:txBody>
+          <a:bodyPr/>
+          <a:lstStyle/>
+          <a:p>
+            <a:fld id="{FC6EDEEF-6E47-4D41-B312-2A124904AE2A}" type="slidenum">
+              <a:rPr lang="en-US" smtClean="0"/>
+              <a:t>6</a:t>
+            </a:fld>
+            <a:endParaRPr lang="en-US"/>
+          </a:p>
+        </p:txBody>
+      </p:sp>
+      <p:pic>
+        <p:nvPicPr>
+          <p:cNvPr id="10" name="Content Placeholder 4" descr="A screenshot of a social media post&#10;&#10;Description automatically generated">
+            <a:extLst>
+              <a:ext uri="{FF2B5EF4-FFF2-40B4-BE49-F238E27FC236}">
+                <a16:creationId xmlns:a16="http://schemas.microsoft.com/office/drawing/2014/main" id="{EB2594DB-28A2-4C50-8FC6-1738B3EB1D2F}"/>
+              </a:ext>
+            </a:extLst>
+          </p:cNvPr>
+          <p:cNvPicPr>
+            <a:picLocks noChangeAspect="1"/>
+          </p:cNvPicPr>
+          <p:nvPr/>
+        </p:nvPicPr>
+        <p:blipFill>
+          <a:blip r:embed="rId4">
+            <a:extLst>
+              <a:ext uri="{28A0092B-C50C-407E-A947-70E740481C1C}">
+                <a14:useLocalDpi xmlns:a14="http://schemas.microsoft.com/office/drawing/2010/main" val="0"/>
+              </a:ext>
+            </a:extLst>
+          </a:blip>
+          <a:stretch>
+            <a:fillRect/>
+          </a:stretch>
+        </p:blipFill>
+        <p:spPr>
+          <a:xfrm>
+            <a:off x="8204623" y="1191802"/>
+            <a:ext cx="2809273" cy="4977926"/>
+          </a:xfrm>
+          <a:prstGeom prst="rect">
+            <a:avLst/>
+          </a:prstGeom>
+        </p:spPr>
+      </p:pic>
+    </p:spTree>
+    <p:extLst>
+      <p:ext uri="{BB962C8B-B14F-4D97-AF65-F5344CB8AC3E}">
+        <p14:creationId xmlns:p14="http://schemas.microsoft.com/office/powerpoint/2010/main" val="2990232904"/>
+      </p:ext>
+    </p:extLst>
+  </p:cSld>
+  <p:clrMapOvr>
+    <a:masterClrMapping/>
+  </p:clrMapOvr>
+</p:sld>
+</file>
+
+<file path=ppt/slides/slide7.xml><?xml version="1.0" encoding="utf-8"?>
+<p:sld xmlns:a="http://schemas.openxmlformats.org/drawingml/2006/main" xmlns:r="http://schemas.openxmlformats.org/officeDocument/2006/relationships" xmlns:p="http://schemas.openxmlformats.org/presentationml/2006/main">
+  <p:cSld>
+    <p:spTree>
+      <p:nvGrpSpPr>
+        <p:cNvPr id="1" name=""/>
+        <p:cNvGrpSpPr/>
+        <p:nvPr/>
+      </p:nvGrpSpPr>
+      <p:grpSpPr>
+        <a:xfrm>
+          <a:off x="0" y="0"/>
+          <a:ext cx="0" cy="0"/>
+          <a:chOff x="0" y="0"/>
+          <a:chExt cx="0" cy="0"/>
+        </a:xfrm>
+      </p:grpSpPr>
+      <p:sp>
+        <p:nvSpPr>
+          <p:cNvPr id="2" name="Title 1">
+            <a:extLst>
+              <a:ext uri="{FF2B5EF4-FFF2-40B4-BE49-F238E27FC236}">
+                <a16:creationId xmlns:a16="http://schemas.microsoft.com/office/drawing/2014/main" id="{573E737E-8EF4-48B3-9937-7787C41E3A2D}"/>
+              </a:ext>
+            </a:extLst>
+          </p:cNvPr>
+          <p:cNvSpPr>
+            <a:spLocks noGrp="1"/>
+          </p:cNvSpPr>
+          <p:nvPr>
+            <p:ph type="title"/>
+          </p:nvPr>
+        </p:nvSpPr>
+        <p:spPr>
+          <a:xfrm>
+            <a:off x="677334" y="599326"/>
+            <a:ext cx="8596668" cy="1320800"/>
+          </a:xfrm>
+        </p:spPr>
+        <p:txBody>
+          <a:bodyPr>
+            <a:normAutofit/>
+          </a:bodyPr>
+          <a:lstStyle/>
+          <a:p>
+            <a:r>
+              <a:rPr lang="en-US" b="1" dirty="0">
+                <a:solidFill>
+                  <a:schemeClr val="accent3"/>
+                </a:solidFill>
+                <a:effectLst>
+                  <a:outerShdw blurRad="38100" dist="38100" dir="2700000" algn="tl">
+                    <a:srgbClr val="000000">
+                      <a:alpha val="43137"/>
+                    </a:srgbClr>
+                  </a:outerShdw>
+                </a:effectLst>
+                <a:latin typeface="Times New Roman" panose="02020603050405020304" pitchFamily="18" charset="0"/>
+                <a:cs typeface="Times New Roman" panose="02020603050405020304" pitchFamily="18" charset="0"/>
+              </a:rPr>
+              <a:t>Acceptance Criteria</a:t>
+            </a:r>
+            <a:br>
+              <a:rPr lang="en-US" b="1" dirty="0">
+                <a:solidFill>
+                  <a:srgbClr val="24292E"/>
+                </a:solidFill>
+                <a:latin typeface="-apple-system"/>
+              </a:rPr>
+            </a:br>
+            <a:endParaRPr lang="en-US" dirty="0"/>
+          </a:p>
+        </p:txBody>
+      </p:sp>
+      <p:sp>
+        <p:nvSpPr>
+          <p:cNvPr id="3" name="Content Placeholder 2">
+            <a:extLst>
+              <a:ext uri="{FF2B5EF4-FFF2-40B4-BE49-F238E27FC236}">
+                <a16:creationId xmlns:a16="http://schemas.microsoft.com/office/drawing/2014/main" id="{9C7E8854-7F3E-4442-BC30-0FA2B15FA669}"/>
+              </a:ext>
+            </a:extLst>
+          </p:cNvPr>
+          <p:cNvSpPr>
+            <a:spLocks noGrp="1"/>
+          </p:cNvSpPr>
+          <p:nvPr>
+            <p:ph idx="1"/>
+          </p:nvPr>
+        </p:nvSpPr>
+        <p:spPr>
+          <a:xfrm>
+            <a:off x="1103311" y="1273996"/>
+            <a:ext cx="10352373" cy="5373384"/>
+          </a:xfrm>
+        </p:spPr>
+        <p:txBody>
+          <a:bodyPr>
+            <a:normAutofit fontScale="25000" lnSpcReduction="20000"/>
+          </a:bodyPr>
+          <a:lstStyle/>
+          <a:p>
+            <a:pPr>
+              <a:buFont typeface="Arial" panose="020B0604020202020204" pitchFamily="34" charset="0"/>
+              <a:buChar char="•"/>
+            </a:pPr>
+            <a:r>
+              <a:rPr lang="en-US" sz="8000" dirty="0">
+                <a:solidFill>
+                  <a:schemeClr val="tx1">
+                    <a:lumMod val="95000"/>
+                  </a:schemeClr>
+                </a:solidFill>
+                <a:latin typeface="Times New Roman" panose="02020603050405020304" pitchFamily="18" charset="0"/>
+                <a:cs typeface="Times New Roman" panose="02020603050405020304" pitchFamily="18" charset="0"/>
+              </a:rPr>
+              <a:t>Admin can view and download all data entered by the user by just selecting the get data into a file button.</a:t>
+            </a:r>
+          </a:p>
+          <a:p>
+            <a:pPr>
+              <a:buFont typeface="Arial" panose="020B0604020202020204" pitchFamily="34" charset="0"/>
+              <a:buChar char="•"/>
+            </a:pPr>
+            <a:r>
+              <a:rPr lang="en-US" sz="8000" dirty="0">
+                <a:solidFill>
+                  <a:schemeClr val="tx1">
+                    <a:lumMod val="95000"/>
+                  </a:schemeClr>
+                </a:solidFill>
+                <a:latin typeface="Times New Roman" panose="02020603050405020304" pitchFamily="18" charset="0"/>
+                <a:cs typeface="Times New Roman" panose="02020603050405020304" pitchFamily="18" charset="0"/>
+              </a:rPr>
+              <a:t>Admin can create and manage the user groups by selecting add symbol.</a:t>
+            </a:r>
+          </a:p>
+          <a:p>
+            <a:pPr>
+              <a:buFont typeface="Arial" panose="020B0604020202020204" pitchFamily="34" charset="0"/>
+              <a:buChar char="•"/>
+            </a:pPr>
+            <a:r>
+              <a:rPr lang="en-US" sz="8000" dirty="0">
+                <a:solidFill>
+                  <a:schemeClr val="tx1">
+                    <a:lumMod val="95000"/>
+                  </a:schemeClr>
+                </a:solidFill>
+                <a:latin typeface="Times New Roman" panose="02020603050405020304" pitchFamily="18" charset="0"/>
+                <a:cs typeface="Times New Roman" panose="02020603050405020304" pitchFamily="18" charset="0"/>
+              </a:rPr>
+              <a:t>Admin can share challenge results with group members by clicking release results button.</a:t>
+            </a:r>
+          </a:p>
+          <a:p>
+            <a:pPr>
+              <a:buFont typeface="Arial" panose="020B0604020202020204" pitchFamily="34" charset="0"/>
+              <a:buChar char="•"/>
+            </a:pPr>
+            <a:r>
+              <a:rPr lang="en-US" sz="8000" dirty="0">
+                <a:solidFill>
+                  <a:schemeClr val="tx1">
+                    <a:lumMod val="95000"/>
+                  </a:schemeClr>
+                </a:solidFill>
+                <a:latin typeface="Times New Roman" panose="02020603050405020304" pitchFamily="18" charset="0"/>
+                <a:cs typeface="Times New Roman" panose="02020603050405020304" pitchFamily="18" charset="0"/>
+              </a:rPr>
+              <a:t>Users can create and edit data of personal details upon signup.</a:t>
+            </a:r>
+          </a:p>
+          <a:p>
+            <a:pPr>
+              <a:buFont typeface="Arial" panose="020B0604020202020204" pitchFamily="34" charset="0"/>
+              <a:buChar char="•"/>
+            </a:pPr>
+            <a:r>
+              <a:rPr lang="en-US" sz="8000" dirty="0">
+                <a:latin typeface="Times New Roman" panose="02020603050405020304" pitchFamily="18" charset="0"/>
+                <a:cs typeface="Times New Roman" panose="02020603050405020304" pitchFamily="18" charset="0"/>
+              </a:rPr>
+              <a:t>Users can participate in new challenges just by clicking register buttons on each page of challenges.</a:t>
+            </a:r>
+            <a:endParaRPr lang="en-US" sz="8000" dirty="0">
+              <a:solidFill>
+                <a:schemeClr val="tx1">
+                  <a:lumMod val="95000"/>
+                </a:schemeClr>
+              </a:solidFill>
+              <a:latin typeface="Times New Roman" panose="02020603050405020304" pitchFamily="18" charset="0"/>
+              <a:cs typeface="Times New Roman" panose="02020603050405020304" pitchFamily="18" charset="0"/>
+            </a:endParaRPr>
+          </a:p>
+          <a:p>
+            <a:pPr>
+              <a:buFont typeface="Arial" panose="020B0604020202020204" pitchFamily="34" charset="0"/>
+              <a:buChar char="•"/>
+            </a:pPr>
+            <a:r>
+              <a:rPr lang="en-US" sz="8000" dirty="0">
+                <a:solidFill>
+                  <a:schemeClr val="tx1">
+                    <a:lumMod val="95000"/>
+                  </a:schemeClr>
+                </a:solidFill>
+                <a:latin typeface="Times New Roman" panose="02020603050405020304" pitchFamily="18" charset="0"/>
+                <a:cs typeface="Times New Roman" panose="02020603050405020304" pitchFamily="18" charset="0"/>
+              </a:rPr>
+              <a:t>Users can accept or reject group assignments upon receiving mails from the admin invites.</a:t>
+            </a:r>
+          </a:p>
+          <a:p>
+            <a:pPr>
+              <a:buFont typeface="Arial" panose="020B0604020202020204" pitchFamily="34" charset="0"/>
+              <a:buChar char="•"/>
+            </a:pPr>
+            <a:r>
+              <a:rPr lang="en-US" sz="8000" dirty="0">
+                <a:solidFill>
+                  <a:schemeClr val="tx1">
+                    <a:lumMod val="95000"/>
+                  </a:schemeClr>
+                </a:solidFill>
+                <a:latin typeface="Times New Roman" panose="02020603050405020304" pitchFamily="18" charset="0"/>
+                <a:cs typeface="Times New Roman" panose="02020603050405020304" pitchFamily="18" charset="0"/>
+              </a:rPr>
+              <a:t>Users can view data from past challenges by clicking on the results.</a:t>
+            </a:r>
+          </a:p>
+          <a:p>
+            <a:pPr>
+              <a:buFont typeface="Arial" panose="020B0604020202020204" pitchFamily="34" charset="0"/>
+              <a:buChar char="•"/>
+            </a:pPr>
+            <a:r>
+              <a:rPr lang="en-US" sz="8000" dirty="0">
+                <a:solidFill>
+                  <a:schemeClr val="tx1">
+                    <a:lumMod val="95000"/>
+                  </a:schemeClr>
+                </a:solidFill>
+                <a:latin typeface="Times New Roman" panose="02020603050405020304" pitchFamily="18" charset="0"/>
+                <a:cs typeface="Times New Roman" panose="02020603050405020304" pitchFamily="18" charset="0"/>
+              </a:rPr>
+              <a:t>User can access the application only by submitting required details.</a:t>
+            </a:r>
+          </a:p>
+          <a:p>
+            <a:pPr>
+              <a:buFont typeface="Arial" panose="020B0604020202020204" pitchFamily="34" charset="0"/>
+              <a:buChar char="•"/>
+            </a:pPr>
+            <a:r>
+              <a:rPr lang="en-US" sz="8000" dirty="0">
+                <a:solidFill>
+                  <a:schemeClr val="tx1">
+                    <a:lumMod val="95000"/>
+                  </a:schemeClr>
+                </a:solidFill>
+                <a:latin typeface="Times New Roman" panose="02020603050405020304" pitchFamily="18" charset="0"/>
+                <a:cs typeface="Times New Roman" panose="02020603050405020304" pitchFamily="18" charset="0"/>
+              </a:rPr>
+              <a:t>Enabling responsive Mobile menu for Tablets and Mobiles.</a:t>
+            </a:r>
+          </a:p>
+          <a:p>
+            <a:pPr>
+              <a:buFont typeface="Arial" panose="020B0604020202020204" pitchFamily="34" charset="0"/>
+              <a:buChar char="•"/>
+            </a:pPr>
+            <a:r>
+              <a:rPr lang="en-US" sz="8000" dirty="0">
+                <a:solidFill>
+                  <a:schemeClr val="tx1">
+                    <a:lumMod val="95000"/>
+                  </a:schemeClr>
+                </a:solidFill>
+                <a:latin typeface="Times New Roman" panose="02020603050405020304" pitchFamily="18" charset="0"/>
+                <a:cs typeface="Times New Roman" panose="02020603050405020304" pitchFamily="18" charset="0"/>
+              </a:rPr>
+              <a:t>User can Easily Navigate across different screens.</a:t>
+            </a:r>
+          </a:p>
+          <a:p>
+            <a:pPr>
+              <a:buFont typeface="Arial" panose="020B0604020202020204" pitchFamily="34" charset="0"/>
+              <a:buChar char="•"/>
+            </a:pPr>
+            <a:r>
+              <a:rPr lang="en-US" sz="8000" dirty="0">
+                <a:solidFill>
+                  <a:schemeClr val="tx1">
+                    <a:lumMod val="95000"/>
+                  </a:schemeClr>
+                </a:solidFill>
+                <a:latin typeface="Times New Roman" panose="02020603050405020304" pitchFamily="18" charset="0"/>
+                <a:cs typeface="Times New Roman" panose="02020603050405020304" pitchFamily="18" charset="0"/>
+              </a:rPr>
+              <a:t>User can have Responsiveness of drop-down lists.</a:t>
+            </a:r>
+          </a:p>
+          <a:p>
+            <a:pPr>
+              <a:buFont typeface="Arial" panose="020B0604020202020204" pitchFamily="34" charset="0"/>
+              <a:buChar char="•"/>
+            </a:pPr>
+            <a:r>
+              <a:rPr lang="en-US" sz="8000" dirty="0">
+                <a:latin typeface="Times New Roman" panose="02020603050405020304" pitchFamily="18" charset="0"/>
+                <a:cs typeface="Times New Roman" panose="02020603050405020304" pitchFamily="18" charset="0"/>
+              </a:rPr>
+              <a:t>User can Distinguish the inactive buttons from active buttons.</a:t>
+            </a:r>
+            <a:endParaRPr lang="en-US" sz="8000" dirty="0">
+              <a:solidFill>
+                <a:schemeClr val="tx1">
+                  <a:lumMod val="95000"/>
+                </a:schemeClr>
+              </a:solidFill>
+              <a:latin typeface="Times New Roman" panose="02020603050405020304" pitchFamily="18" charset="0"/>
+              <a:cs typeface="Times New Roman" panose="02020603050405020304" pitchFamily="18" charset="0"/>
+            </a:endParaRPr>
+          </a:p>
+          <a:p>
+            <a:pPr marL="0" indent="0">
+              <a:buNone/>
+            </a:pPr>
+            <a:endParaRPr lang="en-US" dirty="0"/>
+          </a:p>
+        </p:txBody>
+      </p:sp>
+      <p:sp>
+        <p:nvSpPr>
+          <p:cNvPr id="6" name="Footer Placeholder 5">
+            <a:extLst>
+              <a:ext uri="{FF2B5EF4-FFF2-40B4-BE49-F238E27FC236}">
+                <a16:creationId xmlns:a16="http://schemas.microsoft.com/office/drawing/2014/main" id="{9DD87943-4C6A-46FB-B51C-3840DF598793}"/>
+              </a:ext>
+            </a:extLst>
+          </p:cNvPr>
+          <p:cNvSpPr>
+            <a:spLocks noGrp="1"/>
+          </p:cNvSpPr>
+          <p:nvPr>
+            <p:ph type="ftr" sz="quarter" idx="11"/>
+          </p:nvPr>
+        </p:nvSpPr>
+        <p:spPr/>
+        <p:txBody>
+          <a:bodyPr/>
+          <a:lstStyle/>
+          <a:p>
+            <a:r>
+              <a:rPr lang="en-US"/>
+              <a:t>Healthify-NWMSU</a:t>
+            </a:r>
+          </a:p>
+        </p:txBody>
+      </p:sp>
+      <p:sp>
+        <p:nvSpPr>
+          <p:cNvPr id="7" name="Slide Number Placeholder 6">
+            <a:extLst>
+              <a:ext uri="{FF2B5EF4-FFF2-40B4-BE49-F238E27FC236}">
+                <a16:creationId xmlns:a16="http://schemas.microsoft.com/office/drawing/2014/main" id="{2CA22E63-B086-4925-B662-12D17C54A126}"/>
+              </a:ext>
+            </a:extLst>
+          </p:cNvPr>
+          <p:cNvSpPr>
+            <a:spLocks noGrp="1"/>
+          </p:cNvSpPr>
+          <p:nvPr>
+            <p:ph type="sldNum" sz="quarter" idx="12"/>
+          </p:nvPr>
+        </p:nvSpPr>
+        <p:spPr/>
+        <p:txBody>
+          <a:bodyPr/>
+          <a:lstStyle/>
+          <a:p>
+            <a:fld id="{FC6EDEEF-6E47-4D41-B312-2A124904AE2A}" type="slidenum">
+              <a:rPr lang="en-US" smtClean="0"/>
+              <a:t>7</a:t>
+            </a:fld>
+            <a:endParaRPr lang="en-US"/>
+          </a:p>
+        </p:txBody>
+      </p:sp>
+    </p:spTree>
+    <p:extLst>
+      <p:ext uri="{BB962C8B-B14F-4D97-AF65-F5344CB8AC3E}">
+        <p14:creationId xmlns:p14="http://schemas.microsoft.com/office/powerpoint/2010/main" val="5059217"/>
+      </p:ext>
+    </p:extLst>
+  </p:cSld>
+  <p:clrMapOvr>
+    <a:masterClrMapping/>
+  </p:clrMapOvr>
+</p:sld>
+</file>
+
+<file path=ppt/slides/slide8.xml><?xml version="1.0" encoding="utf-8"?>
+<p:sld xmlns:a="http://schemas.openxmlformats.org/drawingml/2006/main" xmlns:r="http://schemas.openxmlformats.org/officeDocument/2006/relationships" xmlns:p="http://schemas.openxmlformats.org/presentationml/2006/main">
+  <p:cSld>
+    <p:spTree>
+      <p:nvGrpSpPr>
+        <p:cNvPr id="1" name=""/>
+        <p:cNvGrpSpPr/>
+        <p:nvPr/>
+      </p:nvGrpSpPr>
+      <p:grpSpPr>
+        <a:xfrm>
+          <a:off x="0" y="0"/>
+          <a:ext cx="0" cy="0"/>
+          <a:chOff x="0" y="0"/>
+          <a:chExt cx="0" cy="0"/>
+        </a:xfrm>
+      </p:grpSpPr>
+      <p:sp>
+        <p:nvSpPr>
+          <p:cNvPr id="2" name="Title 1">
+            <a:extLst>
+              <a:ext uri="{FF2B5EF4-FFF2-40B4-BE49-F238E27FC236}">
+                <a16:creationId xmlns:a16="http://schemas.microsoft.com/office/drawing/2014/main" id="{EDF33ABE-0CCC-4CB2-8A07-107E3F35A1F5}"/>
+              </a:ext>
+            </a:extLst>
+          </p:cNvPr>
+          <p:cNvSpPr>
+            <a:spLocks noGrp="1"/>
+          </p:cNvSpPr>
+          <p:nvPr>
+            <p:ph type="title"/>
+          </p:nvPr>
+        </p:nvSpPr>
+        <p:spPr/>
+        <p:txBody>
+          <a:bodyPr/>
+          <a:lstStyle/>
+          <a:p>
+            <a:r>
+              <a:rPr lang="en-US" b="1" dirty="0">
+                <a:solidFill>
+                  <a:schemeClr val="accent3"/>
+                </a:solidFill>
+                <a:effectLst>
+                  <a:outerShdw blurRad="38100" dist="38100" dir="2700000" algn="tl">
+                    <a:srgbClr val="000000">
+                      <a:alpha val="43137"/>
+                    </a:srgbClr>
+                  </a:outerShdw>
+                </a:effectLst>
+                <a:latin typeface="Times New Roman" panose="02020603050405020304" pitchFamily="18" charset="0"/>
+                <a:cs typeface="Times New Roman" panose="02020603050405020304" pitchFamily="18" charset="0"/>
+              </a:rPr>
+              <a:t>ER Diagram</a:t>
+            </a:r>
+          </a:p>
+        </p:txBody>
+      </p:sp>
+      <p:pic>
+        <p:nvPicPr>
+          <p:cNvPr id="5" name="Content Placeholder 4" descr="A close up of text on a white surface&#10;&#10;Description automatically generated">
+            <a:extLst>
+              <a:ext uri="{FF2B5EF4-FFF2-40B4-BE49-F238E27FC236}">
+                <a16:creationId xmlns:a16="http://schemas.microsoft.com/office/drawing/2014/main" id="{6EACB86E-0239-4971-8B76-392FF2502486}"/>
+              </a:ext>
+            </a:extLst>
+          </p:cNvPr>
+          <p:cNvPicPr>
+            <a:picLocks noGrp="1" noChangeAspect="1"/>
+          </p:cNvPicPr>
+          <p:nvPr>
+            <p:ph idx="1"/>
+          </p:nvPr>
+        </p:nvPicPr>
+        <p:blipFill>
+          <a:blip r:embed="rId2">
+            <a:extLst>
+              <a:ext uri="{28A0092B-C50C-407E-A947-70E740481C1C}">
+                <a14:useLocalDpi xmlns:a14="http://schemas.microsoft.com/office/drawing/2010/main" val="0"/>
+              </a:ext>
+            </a:extLst>
+          </a:blip>
+          <a:stretch>
+            <a:fillRect/>
+          </a:stretch>
+        </p:blipFill>
+        <p:spPr>
+          <a:xfrm>
+            <a:off x="1469204" y="1216889"/>
+            <a:ext cx="8825502" cy="4927057"/>
+          </a:xfrm>
+        </p:spPr>
+      </p:pic>
+      <p:sp>
+        <p:nvSpPr>
+          <p:cNvPr id="6" name="Footer Placeholder 5">
+            <a:extLst>
+              <a:ext uri="{FF2B5EF4-FFF2-40B4-BE49-F238E27FC236}">
+                <a16:creationId xmlns:a16="http://schemas.microsoft.com/office/drawing/2014/main" id="{BAE23FFC-2FF3-48E5-B3EA-BD5D2D982092}"/>
+              </a:ext>
+            </a:extLst>
+          </p:cNvPr>
+          <p:cNvSpPr>
+            <a:spLocks noGrp="1"/>
+          </p:cNvSpPr>
+          <p:nvPr>
+            <p:ph type="ftr" sz="quarter" idx="11"/>
+          </p:nvPr>
+        </p:nvSpPr>
+        <p:spPr/>
+        <p:txBody>
+          <a:bodyPr/>
+          <a:lstStyle/>
+          <a:p>
+            <a:r>
+              <a:rPr lang="en-US"/>
+              <a:t>Healthify-NWMSU</a:t>
+            </a:r>
+          </a:p>
+        </p:txBody>
+      </p:sp>
+      <p:sp>
+        <p:nvSpPr>
+          <p:cNvPr id="7" name="Slide Number Placeholder 6">
+            <a:extLst>
+              <a:ext uri="{FF2B5EF4-FFF2-40B4-BE49-F238E27FC236}">
+                <a16:creationId xmlns:a16="http://schemas.microsoft.com/office/drawing/2014/main" id="{78F6E9AC-376C-45ED-90C7-5AED69B56DBF}"/>
+              </a:ext>
+            </a:extLst>
+          </p:cNvPr>
+          <p:cNvSpPr>
+            <a:spLocks noGrp="1"/>
+          </p:cNvSpPr>
+          <p:nvPr>
+            <p:ph type="sldNum" sz="quarter" idx="12"/>
+          </p:nvPr>
+        </p:nvSpPr>
+        <p:spPr/>
+        <p:txBody>
+          <a:bodyPr/>
+          <a:lstStyle/>
+          <a:p>
+            <a:fld id="{FC6EDEEF-6E47-4D41-B312-2A124904AE2A}" type="slidenum">
+              <a:rPr lang="en-US" smtClean="0"/>
+              <a:t>8</a:t>
+            </a:fld>
+            <a:endParaRPr lang="en-US"/>
+          </a:p>
+        </p:txBody>
+      </p:sp>
+    </p:spTree>
+    <p:extLst>
+      <p:ext uri="{BB962C8B-B14F-4D97-AF65-F5344CB8AC3E}">
+        <p14:creationId xmlns:p14="http://schemas.microsoft.com/office/powerpoint/2010/main" val="3778845358"/>
+      </p:ext>
+    </p:extLst>
+  </p:cSld>
+  <p:clrMapOvr>
+    <a:masterClrMapping/>
+  </p:clrMapOvr>
+</p:sld>
+</file>
+
+<file path=ppt/slides/slide9.xml><?xml version="1.0" encoding="utf-8"?>
+<p:sld xmlns:a="http://schemas.openxmlformats.org/drawingml/2006/main" xmlns:r="http://schemas.openxmlformats.org/officeDocument/2006/relationships" xmlns:p="http://schemas.openxmlformats.org/presentationml/2006/main">
+  <p:cSld>
+    <p:spTree>
+      <p:nvGrpSpPr>
+        <p:cNvPr id="1" name=""/>
+        <p:cNvGrpSpPr/>
+        <p:nvPr/>
+      </p:nvGrpSpPr>
+      <p:grpSpPr>
+        <a:xfrm>
+          <a:off x="0" y="0"/>
+          <a:ext cx="0" cy="0"/>
+          <a:chOff x="0" y="0"/>
+          <a:chExt cx="0" cy="0"/>
+        </a:xfrm>
+      </p:grpSpPr>
+      <p:sp>
+        <p:nvSpPr>
+          <p:cNvPr id="2" name="Title 1">
+            <a:extLst>
+              <a:ext uri="{FF2B5EF4-FFF2-40B4-BE49-F238E27FC236}">
                 <a16:creationId xmlns:a16="http://schemas.microsoft.com/office/drawing/2014/main" id="{5C26CEDB-B68F-49B7-B077-EF59C97D7443}"/>
               </a:ext>
             </a:extLst>
@@ -6670,12 +9981,25 @@
         </p:spPr>
         <p:txBody>
           <a:bodyPr>
-            <a:normAutofit fontScale="90000"/>
+            <a:noAutofit/>
           </a:bodyPr>
           <a:lstStyle/>
           <a:p>
             <a:r>
-              <a:rPr lang="en-US" dirty="0"/>
+              <a:rPr lang="en-US" b="1" dirty="0">
+                <a:solidFill>
+                  <a:schemeClr val="accent3"/>
+                </a:solidFill>
+                <a:effectLst>
+                  <a:outerShdw blurRad="38100" dist="38100" dir="2700000" algn="tl">
+                    <a:srgbClr val="000000">
+                      <a:alpha val="43137"/>
+                    </a:srgbClr>
+                  </a:outerShdw>
+                </a:effectLst>
+                <a:latin typeface="Times New Roman" panose="02020603050405020304" pitchFamily="18" charset="0"/>
+                <a:cs typeface="Times New Roman" panose="02020603050405020304" pitchFamily="18" charset="0"/>
+              </a:rPr>
               <a:t>Testing</a:t>
             </a:r>
           </a:p>
@@ -6767,7 +10091,7 @@
           <a:p>
             <a:fld id="{FC6EDEEF-6E47-4D41-B312-2A124904AE2A}" type="slidenum">
               <a:rPr lang="en-US" smtClean="0"/>
-              <a:t>11</a:t>
+              <a:t>9</a:t>
             </a:fld>
             <a:endParaRPr lang="en-US"/>
           </a:p>
@@ -6956,3311 +10280,7 @@
     </p:spTree>
     <p:extLst>
       <p:ext uri="{BB962C8B-B14F-4D97-AF65-F5344CB8AC3E}">
-        <p14:creationId xmlns:p14="http://schemas.microsoft.com/office/powerpoint/2010/main" val="1471639468"/>
-      </p:ext>
-    </p:extLst>
-  </p:cSld>
-  <p:clrMapOvr>
-    <a:masterClrMapping/>
-  </p:clrMapOvr>
-</p:sld>
-</file>
-
-<file path=ppt/slides/slide12.xml><?xml version="1.0" encoding="utf-8"?>
-<p:sld xmlns:a="http://schemas.openxmlformats.org/drawingml/2006/main" xmlns:r="http://schemas.openxmlformats.org/officeDocument/2006/relationships" xmlns:p="http://schemas.openxmlformats.org/presentationml/2006/main">
-  <p:cSld>
-    <p:spTree>
-      <p:nvGrpSpPr>
-        <p:cNvPr id="1" name=""/>
-        <p:cNvGrpSpPr/>
-        <p:nvPr/>
-      </p:nvGrpSpPr>
-      <p:grpSpPr>
-        <a:xfrm>
-          <a:off x="0" y="0"/>
-          <a:ext cx="0" cy="0"/>
-          <a:chOff x="0" y="0"/>
-          <a:chExt cx="0" cy="0"/>
-        </a:xfrm>
-      </p:grpSpPr>
-      <p:sp>
-        <p:nvSpPr>
-          <p:cNvPr id="2" name="Title 1">
-            <a:extLst>
-              <a:ext uri="{FF2B5EF4-FFF2-40B4-BE49-F238E27FC236}">
-                <a16:creationId xmlns:a16="http://schemas.microsoft.com/office/drawing/2014/main" id="{405F658A-143D-4B11-9418-4DFD99116EE8}"/>
-              </a:ext>
-            </a:extLst>
-          </p:cNvPr>
-          <p:cNvSpPr>
-            <a:spLocks noGrp="1"/>
-          </p:cNvSpPr>
-          <p:nvPr>
-            <p:ph type="title"/>
-          </p:nvPr>
-        </p:nvSpPr>
-        <p:spPr/>
-        <p:txBody>
-          <a:bodyPr>
-            <a:normAutofit fontScale="90000"/>
-          </a:bodyPr>
-          <a:lstStyle/>
-          <a:p>
-            <a:r>
-              <a:rPr lang="en-US" b="1" dirty="0">
-                <a:solidFill>
-                  <a:schemeClr val="accent3"/>
-                </a:solidFill>
-                <a:effectLst>
-                  <a:outerShdw blurRad="38100" dist="38100" dir="2700000" algn="tl">
-                    <a:srgbClr val="000000">
-                      <a:alpha val="43137"/>
-                    </a:srgbClr>
-                  </a:outerShdw>
-                </a:effectLst>
-                <a:latin typeface="Times New Roman" panose="02020603050405020304" pitchFamily="18" charset="0"/>
-                <a:cs typeface="Times New Roman" panose="02020603050405020304" pitchFamily="18" charset="0"/>
-              </a:rPr>
-              <a:t>Benefits</a:t>
-            </a:r>
-            <a:br>
-              <a:rPr lang="en-US" sz="2400" b="1" dirty="0">
-                <a:latin typeface="Times New Roman" panose="02020603050405020304" pitchFamily="18" charset="0"/>
-                <a:cs typeface="Times New Roman" panose="02020603050405020304" pitchFamily="18" charset="0"/>
-              </a:rPr>
-            </a:br>
-            <a:br>
-              <a:rPr lang="en-US" sz="2400" b="1" dirty="0">
-                <a:latin typeface="Times New Roman" panose="02020603050405020304" pitchFamily="18" charset="0"/>
-                <a:cs typeface="Times New Roman" panose="02020603050405020304" pitchFamily="18" charset="0"/>
-              </a:rPr>
-            </a:br>
-            <a:endParaRPr lang="en-US" sz="2400" dirty="0">
-              <a:latin typeface="Times New Roman" panose="02020603050405020304" pitchFamily="18" charset="0"/>
-              <a:cs typeface="Times New Roman" panose="02020603050405020304" pitchFamily="18" charset="0"/>
-            </a:endParaRPr>
-          </a:p>
-        </p:txBody>
-      </p:sp>
-      <p:sp>
-        <p:nvSpPr>
-          <p:cNvPr id="3" name="Content Placeholder 2">
-            <a:extLst>
-              <a:ext uri="{FF2B5EF4-FFF2-40B4-BE49-F238E27FC236}">
-                <a16:creationId xmlns:a16="http://schemas.microsoft.com/office/drawing/2014/main" id="{3C1589E6-2CE7-437E-B912-6C37A64FE22A}"/>
-              </a:ext>
-            </a:extLst>
-          </p:cNvPr>
-          <p:cNvSpPr>
-            <a:spLocks noGrp="1"/>
-          </p:cNvSpPr>
-          <p:nvPr>
-            <p:ph idx="1"/>
-          </p:nvPr>
-        </p:nvSpPr>
-        <p:spPr>
-          <a:xfrm>
-            <a:off x="1103312" y="1335640"/>
-            <a:ext cx="8946541" cy="4912759"/>
-          </a:xfrm>
-        </p:spPr>
-        <p:txBody>
-          <a:bodyPr>
-            <a:normAutofit fontScale="92500" lnSpcReduction="10000"/>
-          </a:bodyPr>
-          <a:lstStyle/>
-          <a:p>
-            <a:r>
-              <a:rPr lang="en-US" dirty="0">
-                <a:latin typeface="Times New Roman" panose="02020603050405020304" pitchFamily="18" charset="0"/>
-                <a:cs typeface="Times New Roman" panose="02020603050405020304" pitchFamily="18" charset="0"/>
-              </a:rPr>
-              <a:t>Monitor your diet everyday</a:t>
-            </a:r>
-          </a:p>
-          <a:p>
-            <a:r>
-              <a:rPr lang="en-US" dirty="0">
-                <a:latin typeface="Times New Roman" panose="02020603050405020304" pitchFamily="18" charset="0"/>
-                <a:cs typeface="Times New Roman" panose="02020603050405020304" pitchFamily="18" charset="0"/>
-              </a:rPr>
-              <a:t>Track your footsteps</a:t>
-            </a:r>
-          </a:p>
-          <a:p>
-            <a:r>
-              <a:rPr lang="en-US" dirty="0">
-                <a:latin typeface="Times New Roman" panose="02020603050405020304" pitchFamily="18" charset="0"/>
-                <a:cs typeface="Times New Roman" panose="02020603050405020304" pitchFamily="18" charset="0"/>
-              </a:rPr>
-              <a:t>Track your water intake</a:t>
-            </a:r>
-          </a:p>
-          <a:p>
-            <a:r>
-              <a:rPr lang="en-US" dirty="0">
-                <a:latin typeface="Times New Roman" panose="02020603050405020304" pitchFamily="18" charset="0"/>
-                <a:cs typeface="Times New Roman" panose="02020603050405020304" pitchFamily="18" charset="0"/>
-              </a:rPr>
-              <a:t>Helps in calorie count</a:t>
-            </a:r>
-          </a:p>
-          <a:p>
-            <a:r>
-              <a:rPr lang="en-US" dirty="0">
-                <a:latin typeface="Times New Roman" panose="02020603050405020304" pitchFamily="18" charset="0"/>
-                <a:cs typeface="Times New Roman" panose="02020603050405020304" pitchFamily="18" charset="0"/>
-              </a:rPr>
-              <a:t>Set goals that you can achieve</a:t>
-            </a:r>
-          </a:p>
-          <a:p>
-            <a:r>
-              <a:rPr lang="en-US" dirty="0">
-                <a:latin typeface="Times New Roman" panose="02020603050405020304" pitchFamily="18" charset="0"/>
-                <a:cs typeface="Times New Roman" panose="02020603050405020304" pitchFamily="18" charset="0"/>
-              </a:rPr>
-              <a:t>Create your yoga studio</a:t>
-            </a:r>
-          </a:p>
-          <a:p>
-            <a:r>
-              <a:rPr lang="en-US" dirty="0">
-                <a:latin typeface="Times New Roman" panose="02020603050405020304" pitchFamily="18" charset="0"/>
-                <a:cs typeface="Times New Roman" panose="02020603050405020304" pitchFamily="18" charset="0"/>
-              </a:rPr>
-              <a:t>Easily keep track of your progress</a:t>
-            </a:r>
-          </a:p>
-          <a:p>
-            <a:r>
-              <a:rPr lang="en-US" dirty="0">
-                <a:latin typeface="Times New Roman" panose="02020603050405020304" pitchFamily="18" charset="0"/>
-                <a:cs typeface="Times New Roman" panose="02020603050405020304" pitchFamily="18" charset="0"/>
-              </a:rPr>
-              <a:t>Get free workout ideas</a:t>
-            </a:r>
-          </a:p>
-          <a:p>
-            <a:r>
-              <a:rPr lang="en-US" dirty="0">
-                <a:latin typeface="Times New Roman" panose="02020603050405020304" pitchFamily="18" charset="0"/>
-                <a:cs typeface="Times New Roman" panose="02020603050405020304" pitchFamily="18" charset="0"/>
-              </a:rPr>
-              <a:t>Heartrate tracking</a:t>
-            </a:r>
-          </a:p>
-          <a:p>
-            <a:r>
-              <a:rPr lang="en-US" dirty="0">
-                <a:latin typeface="Times New Roman" panose="02020603050405020304" pitchFamily="18" charset="0"/>
-                <a:cs typeface="Times New Roman" panose="02020603050405020304" pitchFamily="18" charset="0"/>
-              </a:rPr>
-              <a:t>Weight loss progression</a:t>
-            </a:r>
-          </a:p>
-          <a:p>
-            <a:r>
-              <a:rPr lang="en-US" dirty="0">
-                <a:latin typeface="Times New Roman" panose="02020603050405020304" pitchFamily="18" charset="0"/>
-                <a:cs typeface="Times New Roman" panose="02020603050405020304" pitchFamily="18" charset="0"/>
-              </a:rPr>
-              <a:t>Pedometer</a:t>
-            </a:r>
-          </a:p>
-          <a:p>
-            <a:r>
-              <a:rPr lang="en-US" dirty="0">
-                <a:latin typeface="Times New Roman" panose="02020603050405020304" pitchFamily="18" charset="0"/>
-                <a:cs typeface="Times New Roman" panose="02020603050405020304" pitchFamily="18" charset="0"/>
-              </a:rPr>
-              <a:t>Give free health and fitness tips</a:t>
-            </a:r>
-          </a:p>
-          <a:p>
-            <a:r>
-              <a:rPr lang="en-US" dirty="0">
-                <a:latin typeface="Times New Roman" panose="02020603050405020304" pitchFamily="18" charset="0"/>
-                <a:cs typeface="Times New Roman" panose="02020603050405020304" pitchFamily="18" charset="0"/>
-              </a:rPr>
-              <a:t>Keeps you Motivated</a:t>
-            </a:r>
-            <a:br>
-              <a:rPr lang="en-US" dirty="0">
-                <a:latin typeface="Times New Roman" panose="02020603050405020304" pitchFamily="18" charset="0"/>
-                <a:cs typeface="Times New Roman" panose="02020603050405020304" pitchFamily="18" charset="0"/>
-              </a:rPr>
-            </a:br>
-            <a:endParaRPr lang="en-US" dirty="0"/>
-          </a:p>
-        </p:txBody>
-      </p:sp>
-      <p:sp>
-        <p:nvSpPr>
-          <p:cNvPr id="6" name="Footer Placeholder 5">
-            <a:extLst>
-              <a:ext uri="{FF2B5EF4-FFF2-40B4-BE49-F238E27FC236}">
-                <a16:creationId xmlns:a16="http://schemas.microsoft.com/office/drawing/2014/main" id="{4B608E52-3160-4FB5-9321-FA0230206FAF}"/>
-              </a:ext>
-            </a:extLst>
-          </p:cNvPr>
-          <p:cNvSpPr>
-            <a:spLocks noGrp="1"/>
-          </p:cNvSpPr>
-          <p:nvPr>
-            <p:ph type="ftr" sz="quarter" idx="11"/>
-          </p:nvPr>
-        </p:nvSpPr>
-        <p:spPr/>
-        <p:txBody>
-          <a:bodyPr/>
-          <a:lstStyle/>
-          <a:p>
-            <a:r>
-              <a:rPr lang="en-US"/>
-              <a:t>Healthify-NWMSU</a:t>
-            </a:r>
-          </a:p>
-        </p:txBody>
-      </p:sp>
-      <p:sp>
-        <p:nvSpPr>
-          <p:cNvPr id="7" name="Slide Number Placeholder 6">
-            <a:extLst>
-              <a:ext uri="{FF2B5EF4-FFF2-40B4-BE49-F238E27FC236}">
-                <a16:creationId xmlns:a16="http://schemas.microsoft.com/office/drawing/2014/main" id="{B2E28E4D-841C-4814-8F4D-BA4586DE59F7}"/>
-              </a:ext>
-            </a:extLst>
-          </p:cNvPr>
-          <p:cNvSpPr>
-            <a:spLocks noGrp="1"/>
-          </p:cNvSpPr>
-          <p:nvPr>
-            <p:ph type="sldNum" sz="quarter" idx="12"/>
-          </p:nvPr>
-        </p:nvSpPr>
-        <p:spPr/>
-        <p:txBody>
-          <a:bodyPr/>
-          <a:lstStyle/>
-          <a:p>
-            <a:fld id="{FC6EDEEF-6E47-4D41-B312-2A124904AE2A}" type="slidenum">
-              <a:rPr lang="en-US" smtClean="0"/>
-              <a:t>12</a:t>
-            </a:fld>
-            <a:endParaRPr lang="en-US"/>
-          </a:p>
-        </p:txBody>
-      </p:sp>
-    </p:spTree>
-    <p:extLst>
-      <p:ext uri="{BB962C8B-B14F-4D97-AF65-F5344CB8AC3E}">
-        <p14:creationId xmlns:p14="http://schemas.microsoft.com/office/powerpoint/2010/main" val="964727621"/>
-      </p:ext>
-    </p:extLst>
-  </p:cSld>
-  <p:clrMapOvr>
-    <a:masterClrMapping/>
-  </p:clrMapOvr>
-</p:sld>
-</file>
-
-<file path=ppt/slides/slide13.xml><?xml version="1.0" encoding="utf-8"?>
-<p:sld xmlns:a="http://schemas.openxmlformats.org/drawingml/2006/main" xmlns:r="http://schemas.openxmlformats.org/officeDocument/2006/relationships" xmlns:p="http://schemas.openxmlformats.org/presentationml/2006/main">
-  <p:cSld>
-    <p:spTree>
-      <p:nvGrpSpPr>
-        <p:cNvPr id="1" name=""/>
-        <p:cNvGrpSpPr/>
-        <p:nvPr/>
-      </p:nvGrpSpPr>
-      <p:grpSpPr>
-        <a:xfrm>
-          <a:off x="0" y="0"/>
-          <a:ext cx="0" cy="0"/>
-          <a:chOff x="0" y="0"/>
-          <a:chExt cx="0" cy="0"/>
-        </a:xfrm>
-      </p:grpSpPr>
-      <p:sp>
-        <p:nvSpPr>
-          <p:cNvPr id="2" name="Title 1">
-            <a:extLst>
-              <a:ext uri="{FF2B5EF4-FFF2-40B4-BE49-F238E27FC236}">
-                <a16:creationId xmlns:a16="http://schemas.microsoft.com/office/drawing/2014/main" id="{C97ED26C-B80A-468B-9308-6F02858E1560}"/>
-              </a:ext>
-            </a:extLst>
-          </p:cNvPr>
-          <p:cNvSpPr>
-            <a:spLocks noGrp="1"/>
-          </p:cNvSpPr>
-          <p:nvPr>
-            <p:ph type="title"/>
-          </p:nvPr>
-        </p:nvSpPr>
-        <p:spPr>
-          <a:xfrm>
-            <a:off x="646111" y="452718"/>
-            <a:ext cx="9404723" cy="934293"/>
-          </a:xfrm>
-        </p:spPr>
-        <p:txBody>
-          <a:bodyPr/>
-          <a:lstStyle/>
-          <a:p>
-            <a:r>
-              <a:rPr lang="en-US" b="1" dirty="0">
-                <a:solidFill>
-                  <a:schemeClr val="accent3"/>
-                </a:solidFill>
-                <a:effectLst>
-                  <a:outerShdw blurRad="38100" dist="38100" dir="2700000" algn="tl">
-                    <a:srgbClr val="000000">
-                      <a:alpha val="43137"/>
-                    </a:srgbClr>
-                  </a:outerShdw>
-                </a:effectLst>
-                <a:latin typeface="Times New Roman" panose="02020603050405020304" pitchFamily="18" charset="0"/>
-                <a:cs typeface="Times New Roman" panose="02020603050405020304" pitchFamily="18" charset="0"/>
-              </a:rPr>
-              <a:t>References</a:t>
-            </a:r>
-          </a:p>
-        </p:txBody>
-      </p:sp>
-      <p:sp>
-        <p:nvSpPr>
-          <p:cNvPr id="3" name="Content Placeholder 2">
-            <a:extLst>
-              <a:ext uri="{FF2B5EF4-FFF2-40B4-BE49-F238E27FC236}">
-                <a16:creationId xmlns:a16="http://schemas.microsoft.com/office/drawing/2014/main" id="{5788D7AD-89B9-4372-933F-CB05EC9505E5}"/>
-              </a:ext>
-            </a:extLst>
-          </p:cNvPr>
-          <p:cNvSpPr>
-            <a:spLocks noGrp="1"/>
-          </p:cNvSpPr>
-          <p:nvPr>
-            <p:ph idx="1"/>
-          </p:nvPr>
-        </p:nvSpPr>
-        <p:spPr>
-          <a:xfrm>
-            <a:off x="1103312" y="1387012"/>
-            <a:ext cx="8946541" cy="4861388"/>
-          </a:xfrm>
-        </p:spPr>
-        <p:txBody>
-          <a:bodyPr/>
-          <a:lstStyle/>
-          <a:p>
-            <a:r>
-              <a:rPr lang="en-US" dirty="0">
-                <a:latin typeface="Times New Roman" panose="02020603050405020304" pitchFamily="18" charset="0"/>
-                <a:cs typeface="Times New Roman" panose="02020603050405020304" pitchFamily="18" charset="0"/>
-              </a:rPr>
-              <a:t>Jira link: </a:t>
-            </a:r>
-            <a:r>
-              <a:rPr lang="en-US" dirty="0">
-                <a:latin typeface="Times New Roman" panose="02020603050405020304" pitchFamily="18" charset="0"/>
-                <a:cs typeface="Times New Roman" panose="02020603050405020304" pitchFamily="18" charset="0"/>
-                <a:hlinkClick r:id="rId2"/>
-              </a:rPr>
-              <a:t>https://sowmyathogiti27.atlassian.net/jira/software/projects/HN/boards/2</a:t>
-            </a:r>
-            <a:endParaRPr lang="en-US" dirty="0">
-              <a:latin typeface="Times New Roman" panose="02020603050405020304" pitchFamily="18" charset="0"/>
-              <a:cs typeface="Times New Roman" panose="02020603050405020304" pitchFamily="18" charset="0"/>
-            </a:endParaRPr>
-          </a:p>
-          <a:p>
-            <a:r>
-              <a:rPr lang="en-US" dirty="0">
-                <a:latin typeface="Times New Roman" panose="02020603050405020304" pitchFamily="18" charset="0"/>
-                <a:cs typeface="Times New Roman" panose="02020603050405020304" pitchFamily="18" charset="0"/>
-              </a:rPr>
-              <a:t>FluidUI Link: </a:t>
-            </a:r>
-            <a:r>
-              <a:rPr lang="en-US" dirty="0">
-                <a:latin typeface="Times New Roman" panose="02020603050405020304" pitchFamily="18" charset="0"/>
-                <a:cs typeface="Times New Roman" panose="02020603050405020304" pitchFamily="18" charset="0"/>
-                <a:hlinkClick r:id="rId3"/>
-              </a:rPr>
-              <a:t>https://www.fluidui.com/editor/live/</a:t>
-            </a:r>
-            <a:endParaRPr lang="en-US" dirty="0">
-              <a:latin typeface="Times New Roman" panose="02020603050405020304" pitchFamily="18" charset="0"/>
-              <a:cs typeface="Times New Roman" panose="02020603050405020304" pitchFamily="18" charset="0"/>
-            </a:endParaRPr>
-          </a:p>
-          <a:p>
-            <a:r>
-              <a:rPr lang="en-US" dirty="0" err="1">
-                <a:latin typeface="Times New Roman" panose="02020603050405020304" pitchFamily="18" charset="0"/>
-                <a:cs typeface="Times New Roman" panose="02020603050405020304" pitchFamily="18" charset="0"/>
-              </a:rPr>
-              <a:t>Github</a:t>
-            </a:r>
-            <a:r>
-              <a:rPr lang="en-US" dirty="0">
-                <a:latin typeface="Times New Roman" panose="02020603050405020304" pitchFamily="18" charset="0"/>
-                <a:cs typeface="Times New Roman" panose="02020603050405020304" pitchFamily="18" charset="0"/>
-              </a:rPr>
-              <a:t> Link: </a:t>
-            </a:r>
-            <a:r>
-              <a:rPr lang="en-US" dirty="0">
-                <a:latin typeface="Times New Roman" panose="02020603050405020304" pitchFamily="18" charset="0"/>
-                <a:cs typeface="Times New Roman" panose="02020603050405020304" pitchFamily="18" charset="0"/>
-                <a:hlinkClick r:id="rId4"/>
-              </a:rPr>
-              <a:t>https://github.com/sowmyathogiti/Healthify-NWMSU</a:t>
-            </a:r>
-            <a:endParaRPr lang="en-US" dirty="0">
-              <a:latin typeface="Times New Roman" panose="02020603050405020304" pitchFamily="18" charset="0"/>
-              <a:cs typeface="Times New Roman" panose="02020603050405020304" pitchFamily="18" charset="0"/>
-            </a:endParaRPr>
-          </a:p>
-          <a:p>
-            <a:endParaRPr lang="en-US" dirty="0"/>
-          </a:p>
-        </p:txBody>
-      </p:sp>
-      <p:sp>
-        <p:nvSpPr>
-          <p:cNvPr id="6" name="Footer Placeholder 5">
-            <a:extLst>
-              <a:ext uri="{FF2B5EF4-FFF2-40B4-BE49-F238E27FC236}">
-                <a16:creationId xmlns:a16="http://schemas.microsoft.com/office/drawing/2014/main" id="{9E920EAF-6020-4B29-9674-1A67459ED1C8}"/>
-              </a:ext>
-            </a:extLst>
-          </p:cNvPr>
-          <p:cNvSpPr>
-            <a:spLocks noGrp="1"/>
-          </p:cNvSpPr>
-          <p:nvPr>
-            <p:ph type="ftr" sz="quarter" idx="11"/>
-          </p:nvPr>
-        </p:nvSpPr>
-        <p:spPr/>
-        <p:txBody>
-          <a:bodyPr/>
-          <a:lstStyle/>
-          <a:p>
-            <a:r>
-              <a:rPr lang="en-US"/>
-              <a:t>Healthify-NWMSU</a:t>
-            </a:r>
-          </a:p>
-        </p:txBody>
-      </p:sp>
-      <p:sp>
-        <p:nvSpPr>
-          <p:cNvPr id="7" name="Slide Number Placeholder 6">
-            <a:extLst>
-              <a:ext uri="{FF2B5EF4-FFF2-40B4-BE49-F238E27FC236}">
-                <a16:creationId xmlns:a16="http://schemas.microsoft.com/office/drawing/2014/main" id="{3426C4F2-2A88-4081-9B53-38FAE1053920}"/>
-              </a:ext>
-            </a:extLst>
-          </p:cNvPr>
-          <p:cNvSpPr>
-            <a:spLocks noGrp="1"/>
-          </p:cNvSpPr>
-          <p:nvPr>
-            <p:ph type="sldNum" sz="quarter" idx="12"/>
-          </p:nvPr>
-        </p:nvSpPr>
-        <p:spPr/>
-        <p:txBody>
-          <a:bodyPr/>
-          <a:lstStyle/>
-          <a:p>
-            <a:fld id="{FC6EDEEF-6E47-4D41-B312-2A124904AE2A}" type="slidenum">
-              <a:rPr lang="en-US" smtClean="0"/>
-              <a:t>13</a:t>
-            </a:fld>
-            <a:endParaRPr lang="en-US"/>
-          </a:p>
-        </p:txBody>
-      </p:sp>
-    </p:spTree>
-    <p:extLst>
-      <p:ext uri="{BB962C8B-B14F-4D97-AF65-F5344CB8AC3E}">
-        <p14:creationId xmlns:p14="http://schemas.microsoft.com/office/powerpoint/2010/main" val="613347474"/>
-      </p:ext>
-    </p:extLst>
-  </p:cSld>
-  <p:clrMapOvr>
-    <a:masterClrMapping/>
-  </p:clrMapOvr>
-</p:sld>
-</file>
-
-<file path=ppt/slides/slide14.xml><?xml version="1.0" encoding="utf-8"?>
-<p:sld xmlns:a="http://schemas.openxmlformats.org/drawingml/2006/main" xmlns:r="http://schemas.openxmlformats.org/officeDocument/2006/relationships" xmlns:p="http://schemas.openxmlformats.org/presentationml/2006/main">
-  <p:cSld>
-    <p:spTree>
-      <p:nvGrpSpPr>
-        <p:cNvPr id="1" name=""/>
-        <p:cNvGrpSpPr/>
-        <p:nvPr/>
-      </p:nvGrpSpPr>
-      <p:grpSpPr>
-        <a:xfrm>
-          <a:off x="0" y="0"/>
-          <a:ext cx="0" cy="0"/>
-          <a:chOff x="0" y="0"/>
-          <a:chExt cx="0" cy="0"/>
-        </a:xfrm>
-      </p:grpSpPr>
-      <p:sp>
-        <p:nvSpPr>
-          <p:cNvPr id="2" name="Title 1">
-            <a:extLst>
-              <a:ext uri="{FF2B5EF4-FFF2-40B4-BE49-F238E27FC236}">
-                <a16:creationId xmlns:a16="http://schemas.microsoft.com/office/drawing/2014/main" id="{2C604194-1C8A-4C9E-B1AF-0E12F8685766}"/>
-              </a:ext>
-            </a:extLst>
-          </p:cNvPr>
-          <p:cNvSpPr>
-            <a:spLocks noGrp="1"/>
-          </p:cNvSpPr>
-          <p:nvPr>
-            <p:ph type="title"/>
-          </p:nvPr>
-        </p:nvSpPr>
-        <p:spPr/>
-        <p:txBody>
-          <a:bodyPr/>
-          <a:lstStyle/>
-          <a:p>
-            <a:endParaRPr lang="en-US"/>
-          </a:p>
-        </p:txBody>
-      </p:sp>
-      <p:sp>
-        <p:nvSpPr>
-          <p:cNvPr id="3" name="Content Placeholder 2">
-            <a:extLst>
-              <a:ext uri="{FF2B5EF4-FFF2-40B4-BE49-F238E27FC236}">
-                <a16:creationId xmlns:a16="http://schemas.microsoft.com/office/drawing/2014/main" id="{3110738C-2F3D-4D74-8294-EACAC80F2821}"/>
-              </a:ext>
-            </a:extLst>
-          </p:cNvPr>
-          <p:cNvSpPr>
-            <a:spLocks noGrp="1"/>
-          </p:cNvSpPr>
-          <p:nvPr>
-            <p:ph idx="1"/>
-          </p:nvPr>
-        </p:nvSpPr>
-        <p:spPr/>
-        <p:txBody>
-          <a:bodyPr/>
-          <a:lstStyle/>
-          <a:p>
-            <a:endParaRPr lang="en-US" dirty="0"/>
-          </a:p>
-        </p:txBody>
-      </p:sp>
-      <p:sp>
-        <p:nvSpPr>
-          <p:cNvPr id="4" name="Footer Placeholder 3">
-            <a:extLst>
-              <a:ext uri="{FF2B5EF4-FFF2-40B4-BE49-F238E27FC236}">
-                <a16:creationId xmlns:a16="http://schemas.microsoft.com/office/drawing/2014/main" id="{E554116B-D012-45FA-859A-D28744FDB10A}"/>
-              </a:ext>
-            </a:extLst>
-          </p:cNvPr>
-          <p:cNvSpPr>
-            <a:spLocks noGrp="1"/>
-          </p:cNvSpPr>
-          <p:nvPr>
-            <p:ph type="ftr" sz="quarter" idx="11"/>
-          </p:nvPr>
-        </p:nvSpPr>
-        <p:spPr/>
-        <p:txBody>
-          <a:bodyPr/>
-          <a:lstStyle/>
-          <a:p>
-            <a:r>
-              <a:rPr lang="en-US"/>
-              <a:t>Healthify-NWMSU</a:t>
-            </a:r>
-          </a:p>
-        </p:txBody>
-      </p:sp>
-      <p:sp>
-        <p:nvSpPr>
-          <p:cNvPr id="5" name="Slide Number Placeholder 4">
-            <a:extLst>
-              <a:ext uri="{FF2B5EF4-FFF2-40B4-BE49-F238E27FC236}">
-                <a16:creationId xmlns:a16="http://schemas.microsoft.com/office/drawing/2014/main" id="{39B7C093-84C7-4286-83CB-8ADB42C8BEBD}"/>
-              </a:ext>
-            </a:extLst>
-          </p:cNvPr>
-          <p:cNvSpPr>
-            <a:spLocks noGrp="1"/>
-          </p:cNvSpPr>
-          <p:nvPr>
-            <p:ph type="sldNum" sz="quarter" idx="12"/>
-          </p:nvPr>
-        </p:nvSpPr>
-        <p:spPr/>
-        <p:txBody>
-          <a:bodyPr/>
-          <a:lstStyle/>
-          <a:p>
-            <a:fld id="{FC6EDEEF-6E47-4D41-B312-2A124904AE2A}" type="slidenum">
-              <a:rPr lang="en-US" smtClean="0"/>
-              <a:t>14</a:t>
-            </a:fld>
-            <a:endParaRPr lang="en-US"/>
-          </a:p>
-        </p:txBody>
-      </p:sp>
-      <p:sp>
-        <p:nvSpPr>
-          <p:cNvPr id="6" name="Thought Bubble: Cloud 5">
-            <a:extLst>
-              <a:ext uri="{FF2B5EF4-FFF2-40B4-BE49-F238E27FC236}">
-                <a16:creationId xmlns:a16="http://schemas.microsoft.com/office/drawing/2014/main" id="{B8208AA6-D504-4D2C-8300-3D388CB56686}"/>
-              </a:ext>
-            </a:extLst>
-          </p:cNvPr>
-          <p:cNvSpPr/>
-          <p:nvPr/>
-        </p:nvSpPr>
-        <p:spPr>
-          <a:xfrm>
-            <a:off x="3482939" y="2044557"/>
-            <a:ext cx="4428162" cy="2883044"/>
-          </a:xfrm>
-          <a:prstGeom prst="cloudCallout">
-            <a:avLst/>
-          </a:prstGeom>
-        </p:spPr>
-        <p:style>
-          <a:lnRef idx="2">
-            <a:schemeClr val="accent1">
-              <a:shade val="50000"/>
-            </a:schemeClr>
-          </a:lnRef>
-          <a:fillRef idx="1">
-            <a:schemeClr val="accent1"/>
-          </a:fillRef>
-          <a:effectRef idx="0">
-            <a:schemeClr val="accent1"/>
-          </a:effectRef>
-          <a:fontRef idx="minor">
-            <a:schemeClr val="lt1"/>
-          </a:fontRef>
-        </p:style>
-        <p:txBody>
-          <a:bodyPr rtlCol="0" anchor="ctr"/>
-          <a:lstStyle/>
-          <a:p>
-            <a:pPr algn="ctr"/>
-            <a:r>
-              <a:rPr lang="en-US" sz="4000" dirty="0">
-                <a:latin typeface="Times New Roman" panose="02020603050405020304" pitchFamily="18" charset="0"/>
-                <a:cs typeface="Times New Roman" panose="02020603050405020304" pitchFamily="18" charset="0"/>
-              </a:rPr>
-              <a:t>Queries…??</a:t>
-            </a:r>
-          </a:p>
-        </p:txBody>
-      </p:sp>
-    </p:spTree>
-    <p:extLst>
-      <p:ext uri="{BB962C8B-B14F-4D97-AF65-F5344CB8AC3E}">
-        <p14:creationId xmlns:p14="http://schemas.microsoft.com/office/powerpoint/2010/main" val="1034166838"/>
-      </p:ext>
-    </p:extLst>
-  </p:cSld>
-  <p:clrMapOvr>
-    <a:masterClrMapping/>
-  </p:clrMapOvr>
-</p:sld>
-</file>
-
-<file path=ppt/slides/slide15.xml><?xml version="1.0" encoding="utf-8"?>
-<p:sld xmlns:a="http://schemas.openxmlformats.org/drawingml/2006/main" xmlns:r="http://schemas.openxmlformats.org/officeDocument/2006/relationships" xmlns:p="http://schemas.openxmlformats.org/presentationml/2006/main">
-  <p:cSld>
-    <p:bg>
-      <p:bgPr>
-        <a:solidFill>
-          <a:schemeClr val="bg1"/>
-        </a:solidFill>
-        <a:effectLst/>
-      </p:bgPr>
-    </p:bg>
-    <p:spTree>
-      <p:nvGrpSpPr>
-        <p:cNvPr id="1" name=""/>
-        <p:cNvGrpSpPr/>
-        <p:nvPr/>
-      </p:nvGrpSpPr>
-      <p:grpSpPr>
-        <a:xfrm>
-          <a:off x="0" y="0"/>
-          <a:ext cx="0" cy="0"/>
-          <a:chOff x="0" y="0"/>
-          <a:chExt cx="0" cy="0"/>
-        </a:xfrm>
-      </p:grpSpPr>
-      <p:sp>
-        <p:nvSpPr>
-          <p:cNvPr id="2" name="Title 1">
-            <a:extLst>
-              <a:ext uri="{FF2B5EF4-FFF2-40B4-BE49-F238E27FC236}">
-                <a16:creationId xmlns:a16="http://schemas.microsoft.com/office/drawing/2014/main" id="{9779E0E0-BE73-487B-AAF5-B9C63665EBD8}"/>
-              </a:ext>
-            </a:extLst>
-          </p:cNvPr>
-          <p:cNvSpPr>
-            <a:spLocks noGrp="1"/>
-          </p:cNvSpPr>
-          <p:nvPr>
-            <p:ph type="title"/>
-          </p:nvPr>
-        </p:nvSpPr>
-        <p:spPr>
-          <a:xfrm>
-            <a:off x="677334" y="609600"/>
-            <a:ext cx="8596668" cy="1320800"/>
-          </a:xfrm>
-        </p:spPr>
-        <p:txBody>
-          <a:bodyPr vert="horz" lIns="91440" tIns="45720" rIns="91440" bIns="45720" rtlCol="0" anchor="t">
-            <a:normAutofit/>
-          </a:bodyPr>
-          <a:lstStyle/>
-          <a:p>
-            <a:endParaRPr lang="en-US"/>
-          </a:p>
-        </p:txBody>
-      </p:sp>
-      <p:sp>
-        <p:nvSpPr>
-          <p:cNvPr id="7" name="Footer Placeholder 6">
-            <a:extLst>
-              <a:ext uri="{FF2B5EF4-FFF2-40B4-BE49-F238E27FC236}">
-                <a16:creationId xmlns:a16="http://schemas.microsoft.com/office/drawing/2014/main" id="{DA6C3D57-D90D-478E-90C7-F2D2AEBD5DCC}"/>
-              </a:ext>
-            </a:extLst>
-          </p:cNvPr>
-          <p:cNvSpPr>
-            <a:spLocks noGrp="1"/>
-          </p:cNvSpPr>
-          <p:nvPr>
-            <p:ph type="ftr" sz="quarter" idx="11"/>
-          </p:nvPr>
-        </p:nvSpPr>
-        <p:spPr>
-          <a:xfrm>
-            <a:off x="677334" y="6041362"/>
-            <a:ext cx="5528230" cy="365125"/>
-          </a:xfrm>
-        </p:spPr>
-        <p:txBody>
-          <a:bodyPr vert="horz" lIns="91440" tIns="45720" rIns="91440" bIns="45720" rtlCol="0" anchor="ctr">
-            <a:normAutofit/>
-          </a:bodyPr>
-          <a:lstStyle/>
-          <a:p>
-            <a:pPr defTabSz="914400">
-              <a:spcAft>
-                <a:spcPts val="600"/>
-              </a:spcAft>
-            </a:pPr>
-            <a:r>
-              <a:rPr lang="en-US" kern="1200">
-                <a:solidFill>
-                  <a:schemeClr val="tx1">
-                    <a:tint val="75000"/>
-                  </a:schemeClr>
-                </a:solidFill>
-                <a:latin typeface="+mn-lt"/>
-                <a:ea typeface="+mn-ea"/>
-                <a:cs typeface="+mn-cs"/>
-              </a:rPr>
-              <a:t>Healthify-NWMSU</a:t>
-            </a:r>
-          </a:p>
-        </p:txBody>
-      </p:sp>
-      <p:pic>
-        <p:nvPicPr>
-          <p:cNvPr id="5" name="Content Placeholder 4" descr="A close up of a logo&#10;&#10;Description automatically generated">
-            <a:extLst>
-              <a:ext uri="{FF2B5EF4-FFF2-40B4-BE49-F238E27FC236}">
-                <a16:creationId xmlns:a16="http://schemas.microsoft.com/office/drawing/2014/main" id="{08FFB5C3-F678-438D-8035-CC3D28940A0B}"/>
-              </a:ext>
-            </a:extLst>
-          </p:cNvPr>
-          <p:cNvPicPr>
-            <a:picLocks noGrp="1" noChangeAspect="1"/>
-          </p:cNvPicPr>
-          <p:nvPr>
-            <p:ph idx="1"/>
-          </p:nvPr>
-        </p:nvPicPr>
-        <p:blipFill>
-          <a:blip r:embed="rId2">
-            <a:extLst>
-              <a:ext uri="{28A0092B-C50C-407E-A947-70E740481C1C}">
-                <a14:useLocalDpi xmlns:a14="http://schemas.microsoft.com/office/drawing/2010/main" val="0"/>
-              </a:ext>
-            </a:extLst>
-          </a:blip>
-          <a:stretch>
-            <a:fillRect/>
-          </a:stretch>
-        </p:blipFill>
-        <p:spPr>
-          <a:xfrm>
-            <a:off x="1244225" y="1051905"/>
-            <a:ext cx="8310741" cy="4425469"/>
-          </a:xfrm>
-          <a:prstGeom prst="rect">
-            <a:avLst/>
-          </a:prstGeom>
-        </p:spPr>
-      </p:pic>
-      <p:sp>
-        <p:nvSpPr>
-          <p:cNvPr id="6" name="Rectangle 5">
-            <a:extLst>
-              <a:ext uri="{FF2B5EF4-FFF2-40B4-BE49-F238E27FC236}">
-                <a16:creationId xmlns:a16="http://schemas.microsoft.com/office/drawing/2014/main" id="{0468E680-15C9-40DA-A95E-46A760AABEDE}"/>
-              </a:ext>
-            </a:extLst>
-          </p:cNvPr>
-          <p:cNvSpPr/>
-          <p:nvPr/>
-        </p:nvSpPr>
-        <p:spPr>
-          <a:xfrm>
-            <a:off x="6416039" y="2160589"/>
-            <a:ext cx="2927185" cy="3880773"/>
-          </a:xfrm>
-          <a:prstGeom prst="rect">
-            <a:avLst/>
-          </a:prstGeom>
-        </p:spPr>
-        <p:txBody>
-          <a:bodyPr vert="horz" lIns="91440" tIns="45720" rIns="91440" bIns="45720" rtlCol="0">
-            <a:normAutofit/>
-          </a:bodyPr>
-          <a:lstStyle/>
-          <a:p>
-            <a:pPr>
-              <a:spcBef>
-                <a:spcPts val="1000"/>
-              </a:spcBef>
-              <a:buClr>
-                <a:schemeClr val="accent1"/>
-              </a:buClr>
-              <a:buSzPct val="80000"/>
-              <a:buFont typeface="Wingdings 3" charset="2"/>
-              <a:buChar char=""/>
-            </a:pPr>
-            <a:endParaRPr lang="en-US" sz="1500" b="1" cap="none" spc="0">
-              <a:ln w="12700">
-                <a:solidFill>
-                  <a:schemeClr val="accent3">
-                    <a:lumMod val="50000"/>
-                  </a:schemeClr>
-                </a:solidFill>
-                <a:prstDash val="solid"/>
-              </a:ln>
-              <a:solidFill>
-                <a:schemeClr val="tx1">
-                  <a:lumMod val="75000"/>
-                  <a:lumOff val="25000"/>
-                </a:schemeClr>
-              </a:solidFill>
-              <a:effectLst>
-                <a:outerShdw blurRad="38100" dist="38100" dir="2700000" algn="tl">
-                  <a:srgbClr val="000000">
-                    <a:alpha val="43137"/>
-                  </a:srgbClr>
-                </a:outerShdw>
-              </a:effectLst>
-            </a:endParaRPr>
-          </a:p>
-        </p:txBody>
-      </p:sp>
-      <p:sp>
-        <p:nvSpPr>
-          <p:cNvPr id="8" name="Slide Number Placeholder 7">
-            <a:extLst>
-              <a:ext uri="{FF2B5EF4-FFF2-40B4-BE49-F238E27FC236}">
-                <a16:creationId xmlns:a16="http://schemas.microsoft.com/office/drawing/2014/main" id="{4F071EC0-212A-481C-B636-A2BEB6D1F37E}"/>
-              </a:ext>
-            </a:extLst>
-          </p:cNvPr>
-          <p:cNvSpPr>
-            <a:spLocks noGrp="1"/>
-          </p:cNvSpPr>
-          <p:nvPr>
-            <p:ph type="sldNum" sz="quarter" idx="12"/>
-          </p:nvPr>
-        </p:nvSpPr>
-        <p:spPr>
-          <a:xfrm>
-            <a:off x="8590663" y="6041362"/>
-            <a:ext cx="683339" cy="365125"/>
-          </a:xfrm>
-        </p:spPr>
-        <p:txBody>
-          <a:bodyPr vert="horz" lIns="91440" tIns="45720" rIns="91440" bIns="45720" rtlCol="0" anchor="ctr">
-            <a:normAutofit/>
-          </a:bodyPr>
-          <a:lstStyle/>
-          <a:p>
-            <a:pPr defTabSz="914400">
-              <a:spcAft>
-                <a:spcPts val="600"/>
-              </a:spcAft>
-            </a:pPr>
-            <a:fld id="{FC6EDEEF-6E47-4D41-B312-2A124904AE2A}" type="slidenum">
-              <a:rPr lang="en-US" smtClean="0"/>
-              <a:pPr defTabSz="914400">
-                <a:spcAft>
-                  <a:spcPts val="600"/>
-                </a:spcAft>
-              </a:pPr>
-              <a:t>15</a:t>
-            </a:fld>
-            <a:endParaRPr lang="en-US"/>
-          </a:p>
-        </p:txBody>
-      </p:sp>
-    </p:spTree>
-    <p:extLst>
-      <p:ext uri="{BB962C8B-B14F-4D97-AF65-F5344CB8AC3E}">
-        <p14:creationId xmlns:p14="http://schemas.microsoft.com/office/powerpoint/2010/main" val="355826045"/>
-      </p:ext>
-    </p:extLst>
-  </p:cSld>
-  <p:clrMapOvr>
-    <a:masterClrMapping/>
-  </p:clrMapOvr>
-</p:sld>
-</file>
-
-<file path=ppt/slides/slide2.xml><?xml version="1.0" encoding="utf-8"?>
-<p:sld xmlns:a="http://schemas.openxmlformats.org/drawingml/2006/main" xmlns:r="http://schemas.openxmlformats.org/officeDocument/2006/relationships" xmlns:p="http://schemas.openxmlformats.org/presentationml/2006/main">
-  <p:cSld>
-    <p:spTree>
-      <p:nvGrpSpPr>
-        <p:cNvPr id="1" name=""/>
-        <p:cNvGrpSpPr/>
-        <p:nvPr/>
-      </p:nvGrpSpPr>
-      <p:grpSpPr>
-        <a:xfrm>
-          <a:off x="0" y="0"/>
-          <a:ext cx="0" cy="0"/>
-          <a:chOff x="0" y="0"/>
-          <a:chExt cx="0" cy="0"/>
-        </a:xfrm>
-      </p:grpSpPr>
-      <p:sp>
-        <p:nvSpPr>
-          <p:cNvPr id="2" name="Title 1">
-            <a:extLst>
-              <a:ext uri="{FF2B5EF4-FFF2-40B4-BE49-F238E27FC236}">
-                <a16:creationId xmlns:a16="http://schemas.microsoft.com/office/drawing/2014/main" id="{8D92169C-45B9-4F5C-BC19-6EF2F92BC840}"/>
-              </a:ext>
-            </a:extLst>
-          </p:cNvPr>
-          <p:cNvSpPr>
-            <a:spLocks noGrp="1"/>
-          </p:cNvSpPr>
-          <p:nvPr>
-            <p:ph type="title"/>
-          </p:nvPr>
-        </p:nvSpPr>
-        <p:spPr/>
-        <p:txBody>
-          <a:bodyPr/>
-          <a:lstStyle/>
-          <a:p>
-            <a:endParaRPr lang="en-US" dirty="0"/>
-          </a:p>
-        </p:txBody>
-      </p:sp>
-      <p:sp>
-        <p:nvSpPr>
-          <p:cNvPr id="3" name="Content Placeholder 2">
-            <a:extLst>
-              <a:ext uri="{FF2B5EF4-FFF2-40B4-BE49-F238E27FC236}">
-                <a16:creationId xmlns:a16="http://schemas.microsoft.com/office/drawing/2014/main" id="{407994A8-EF1A-40FF-9A23-10EC476C603B}"/>
-              </a:ext>
-            </a:extLst>
-          </p:cNvPr>
-          <p:cNvSpPr>
-            <a:spLocks noGrp="1"/>
-          </p:cNvSpPr>
-          <p:nvPr>
-            <p:ph idx="1"/>
-          </p:nvPr>
-        </p:nvSpPr>
-        <p:spPr>
-          <a:xfrm>
-            <a:off x="369869" y="365125"/>
-            <a:ext cx="11578975" cy="5811838"/>
-          </a:xfrm>
-        </p:spPr>
-        <p:txBody>
-          <a:bodyPr>
-            <a:normAutofit/>
-          </a:bodyPr>
-          <a:lstStyle/>
-          <a:p>
-            <a:pPr marL="0" indent="0">
-              <a:buNone/>
-            </a:pPr>
-            <a:r>
-              <a:rPr lang="en-US" dirty="0">
-                <a:latin typeface="Times New Roman" panose="02020603050405020304" pitchFamily="18" charset="0"/>
-                <a:cs typeface="Times New Roman" panose="02020603050405020304" pitchFamily="18" charset="0"/>
-              </a:rPr>
-              <a:t>						</a:t>
-            </a:r>
-          </a:p>
-          <a:p>
-            <a:pPr marL="0" indent="0">
-              <a:buNone/>
-            </a:pPr>
-            <a:r>
-              <a:rPr lang="en-US" dirty="0">
-                <a:latin typeface="Times New Roman" panose="02020603050405020304" pitchFamily="18" charset="0"/>
-                <a:cs typeface="Times New Roman" panose="02020603050405020304" pitchFamily="18" charset="0"/>
-              </a:rPr>
-              <a:t>				     				</a:t>
-            </a:r>
-            <a:r>
-              <a:rPr lang="en-US" sz="4400" dirty="0">
-                <a:solidFill>
-                  <a:schemeClr val="accent3"/>
-                </a:solidFill>
-                <a:latin typeface="Times New Roman" panose="02020603050405020304" pitchFamily="18" charset="0"/>
-                <a:cs typeface="Times New Roman" panose="02020603050405020304" pitchFamily="18" charset="0"/>
-              </a:rPr>
-              <a:t>Group Members</a:t>
-            </a:r>
-          </a:p>
-          <a:p>
-            <a:endParaRPr lang="en-US" dirty="0">
-              <a:latin typeface="Times New Roman" panose="02020603050405020304" pitchFamily="18" charset="0"/>
-              <a:cs typeface="Times New Roman" panose="02020603050405020304" pitchFamily="18" charset="0"/>
-            </a:endParaRPr>
-          </a:p>
-          <a:p>
-            <a:pPr marL="0" indent="0">
-              <a:buNone/>
-            </a:pPr>
-            <a:r>
-              <a:rPr lang="en-US" dirty="0">
-                <a:latin typeface="Times New Roman" panose="02020603050405020304" pitchFamily="18" charset="0"/>
-                <a:cs typeface="Times New Roman" panose="02020603050405020304" pitchFamily="18" charset="0"/>
-              </a:rPr>
-              <a:t>   Sowmya </a:t>
-            </a:r>
-            <a:r>
-              <a:rPr lang="en-US" dirty="0" err="1">
-                <a:latin typeface="Times New Roman" panose="02020603050405020304" pitchFamily="18" charset="0"/>
-                <a:cs typeface="Times New Roman" panose="02020603050405020304" pitchFamily="18" charset="0"/>
-              </a:rPr>
-              <a:t>Thogiti</a:t>
-            </a:r>
-            <a:r>
-              <a:rPr lang="en-US" dirty="0">
-                <a:latin typeface="Times New Roman" panose="02020603050405020304" pitchFamily="18" charset="0"/>
-                <a:cs typeface="Times New Roman" panose="02020603050405020304" pitchFamily="18" charset="0"/>
-              </a:rPr>
-              <a:t>		 </a:t>
-            </a:r>
-            <a:r>
-              <a:rPr lang="en-US" dirty="0" err="1">
-                <a:latin typeface="Times New Roman" panose="02020603050405020304" pitchFamily="18" charset="0"/>
-                <a:cs typeface="Times New Roman" panose="02020603050405020304" pitchFamily="18" charset="0"/>
-              </a:rPr>
-              <a:t>Vineetha</a:t>
-            </a:r>
-            <a:r>
-              <a:rPr lang="en-US" dirty="0">
-                <a:latin typeface="Times New Roman" panose="02020603050405020304" pitchFamily="18" charset="0"/>
-                <a:cs typeface="Times New Roman" panose="02020603050405020304" pitchFamily="18" charset="0"/>
-              </a:rPr>
-              <a:t> </a:t>
-            </a:r>
-            <a:r>
-              <a:rPr lang="en-US" dirty="0" err="1">
-                <a:latin typeface="Times New Roman" panose="02020603050405020304" pitchFamily="18" charset="0"/>
-                <a:cs typeface="Times New Roman" panose="02020603050405020304" pitchFamily="18" charset="0"/>
-              </a:rPr>
-              <a:t>Yenugula</a:t>
-            </a:r>
-            <a:r>
-              <a:rPr lang="en-US" dirty="0">
-                <a:latin typeface="Times New Roman" panose="02020603050405020304" pitchFamily="18" charset="0"/>
-                <a:cs typeface="Times New Roman" panose="02020603050405020304" pitchFamily="18" charset="0"/>
-              </a:rPr>
-              <a:t>   	     Swaroopa 	  		   Naga Anshitha    	            Shiva Rama</a:t>
-            </a:r>
-          </a:p>
-          <a:p>
-            <a:pPr marL="0" indent="0">
-              <a:buNone/>
-            </a:pPr>
-            <a:r>
-              <a:rPr lang="en-US" dirty="0">
-                <a:latin typeface="Times New Roman" panose="02020603050405020304" pitchFamily="18" charset="0"/>
-                <a:cs typeface="Times New Roman" panose="02020603050405020304" pitchFamily="18" charset="0"/>
-              </a:rPr>
-              <a:t>(Project Manager)	       (</a:t>
-            </a:r>
-            <a:r>
-              <a:rPr lang="en-US" dirty="0" err="1">
-                <a:latin typeface="Times New Roman" panose="02020603050405020304" pitchFamily="18" charset="0"/>
-                <a:cs typeface="Times New Roman" panose="02020603050405020304" pitchFamily="18" charset="0"/>
-              </a:rPr>
-              <a:t>Fullstack</a:t>
-            </a:r>
-            <a:r>
-              <a:rPr lang="en-US" dirty="0">
-                <a:latin typeface="Times New Roman" panose="02020603050405020304" pitchFamily="18" charset="0"/>
-                <a:cs typeface="Times New Roman" panose="02020603050405020304" pitchFamily="18" charset="0"/>
-              </a:rPr>
-              <a:t> Developer)      </a:t>
-            </a:r>
-            <a:r>
-              <a:rPr lang="en-US" dirty="0" err="1">
-                <a:latin typeface="Times New Roman" panose="02020603050405020304" pitchFamily="18" charset="0"/>
-                <a:cs typeface="Times New Roman" panose="02020603050405020304" pitchFamily="18" charset="0"/>
-              </a:rPr>
-              <a:t>Thirumalareddy</a:t>
-            </a:r>
-            <a:r>
-              <a:rPr lang="en-US" dirty="0">
-                <a:latin typeface="Times New Roman" panose="02020603050405020304" pitchFamily="18" charset="0"/>
-                <a:cs typeface="Times New Roman" panose="02020603050405020304" pitchFamily="18" charset="0"/>
-              </a:rPr>
-              <a:t>		     Velagapudi		         Krishna </a:t>
-            </a:r>
-            <a:r>
-              <a:rPr lang="en-US" dirty="0" err="1">
-                <a:latin typeface="Times New Roman" panose="02020603050405020304" pitchFamily="18" charset="0"/>
-                <a:cs typeface="Times New Roman" panose="02020603050405020304" pitchFamily="18" charset="0"/>
-              </a:rPr>
-              <a:t>Vodnala</a:t>
-            </a:r>
-            <a:endParaRPr lang="en-US" dirty="0"/>
-          </a:p>
-          <a:p>
-            <a:pPr marL="3657600" lvl="8" indent="0">
-              <a:buNone/>
-            </a:pPr>
-            <a:r>
-              <a:rPr lang="en-US" sz="1800" dirty="0">
-                <a:latin typeface="Times New Roman" panose="02020603050405020304" pitchFamily="18" charset="0"/>
-                <a:cs typeface="Times New Roman" panose="02020603050405020304" pitchFamily="18" charset="0"/>
-              </a:rPr>
-              <a:t>              (Backend Developer)	  (UI and Tester)	        (DB Administrator)					</a:t>
-            </a:r>
-          </a:p>
-          <a:p>
-            <a:pPr marL="0" indent="0">
-              <a:buNone/>
-            </a:pPr>
-            <a:r>
-              <a:rPr lang="en-US" dirty="0">
-                <a:latin typeface="Times New Roman" panose="02020603050405020304" pitchFamily="18" charset="0"/>
-                <a:cs typeface="Times New Roman" panose="02020603050405020304" pitchFamily="18" charset="0"/>
-              </a:rPr>
-              <a:t>			</a:t>
-            </a:r>
-          </a:p>
-          <a:p>
-            <a:pPr marL="0" indent="0">
-              <a:buNone/>
-            </a:pPr>
-            <a:endParaRPr lang="en-US" dirty="0">
-              <a:latin typeface="Times New Roman" panose="02020603050405020304" pitchFamily="18" charset="0"/>
-              <a:cs typeface="Times New Roman" panose="02020603050405020304" pitchFamily="18" charset="0"/>
-            </a:endParaRPr>
-          </a:p>
-        </p:txBody>
-      </p:sp>
-      <p:pic>
-        <p:nvPicPr>
-          <p:cNvPr id="5" name="Picture 4" descr="A person standing in front of a body of water&#10;&#10;Description automatically generated">
-            <a:extLst>
-              <a:ext uri="{FF2B5EF4-FFF2-40B4-BE49-F238E27FC236}">
-                <a16:creationId xmlns:a16="http://schemas.microsoft.com/office/drawing/2014/main" id="{92DB79B2-DF6D-431D-8B85-E3B38A6179B2}"/>
-              </a:ext>
-            </a:extLst>
-          </p:cNvPr>
-          <p:cNvPicPr>
-            <a:picLocks noChangeAspect="1"/>
-          </p:cNvPicPr>
-          <p:nvPr/>
-        </p:nvPicPr>
-        <p:blipFill>
-          <a:blip r:embed="rId2">
-            <a:extLst>
-              <a:ext uri="{28A0092B-C50C-407E-A947-70E740481C1C}">
-                <a14:useLocalDpi xmlns:a14="http://schemas.microsoft.com/office/drawing/2010/main" val="0"/>
-              </a:ext>
-            </a:extLst>
-          </a:blip>
-          <a:stretch>
-            <a:fillRect/>
-          </a:stretch>
-        </p:blipFill>
-        <p:spPr>
-          <a:xfrm>
-            <a:off x="2843139" y="3044160"/>
-            <a:ext cx="1532972" cy="2038355"/>
-          </a:xfrm>
-          <a:prstGeom prst="rect">
-            <a:avLst/>
-          </a:prstGeom>
-        </p:spPr>
-      </p:pic>
-      <p:pic>
-        <p:nvPicPr>
-          <p:cNvPr id="7" name="Picture 6" descr="A person smiling for the camera&#10;&#10;Description automatically generated">
-            <a:extLst>
-              <a:ext uri="{FF2B5EF4-FFF2-40B4-BE49-F238E27FC236}">
-                <a16:creationId xmlns:a16="http://schemas.microsoft.com/office/drawing/2014/main" id="{64698B35-8E26-4280-AFB3-C7EAA5BE7E87}"/>
-              </a:ext>
-            </a:extLst>
-          </p:cNvPr>
-          <p:cNvPicPr>
-            <a:picLocks noChangeAspect="1"/>
-          </p:cNvPicPr>
-          <p:nvPr/>
-        </p:nvPicPr>
-        <p:blipFill>
-          <a:blip r:embed="rId3">
-            <a:extLst>
-              <a:ext uri="{28A0092B-C50C-407E-A947-70E740481C1C}">
-                <a14:useLocalDpi xmlns:a14="http://schemas.microsoft.com/office/drawing/2010/main" val="0"/>
-              </a:ext>
-            </a:extLst>
-          </a:blip>
-          <a:stretch>
-            <a:fillRect/>
-          </a:stretch>
-        </p:blipFill>
-        <p:spPr>
-          <a:xfrm>
-            <a:off x="9730722" y="3156373"/>
-            <a:ext cx="1532973" cy="2038356"/>
-          </a:xfrm>
-          <a:prstGeom prst="rect">
-            <a:avLst/>
-          </a:prstGeom>
-        </p:spPr>
-      </p:pic>
-      <p:pic>
-        <p:nvPicPr>
-          <p:cNvPr id="9" name="Picture 8" descr="A person smiling for the camera&#10;&#10;Description automatically generated">
-            <a:extLst>
-              <a:ext uri="{FF2B5EF4-FFF2-40B4-BE49-F238E27FC236}">
-                <a16:creationId xmlns:a16="http://schemas.microsoft.com/office/drawing/2014/main" id="{4DC14134-59B9-40CD-B4BE-E8D1F5CD7132}"/>
-              </a:ext>
-            </a:extLst>
-          </p:cNvPr>
-          <p:cNvPicPr>
-            <a:picLocks noChangeAspect="1"/>
-          </p:cNvPicPr>
-          <p:nvPr/>
-        </p:nvPicPr>
-        <p:blipFill>
-          <a:blip r:embed="rId4">
-            <a:extLst>
-              <a:ext uri="{28A0092B-C50C-407E-A947-70E740481C1C}">
-                <a14:useLocalDpi xmlns:a14="http://schemas.microsoft.com/office/drawing/2010/main" val="0"/>
-              </a:ext>
-            </a:extLst>
-          </a:blip>
-          <a:stretch>
-            <a:fillRect/>
-          </a:stretch>
-        </p:blipFill>
-        <p:spPr>
-          <a:xfrm>
-            <a:off x="7399360" y="3156373"/>
-            <a:ext cx="1532972" cy="2038356"/>
-          </a:xfrm>
-          <a:prstGeom prst="rect">
-            <a:avLst/>
-          </a:prstGeom>
-        </p:spPr>
-      </p:pic>
-      <p:pic>
-        <p:nvPicPr>
-          <p:cNvPr id="6" name="Picture 5" descr="A person standing in front of a house&#10;&#10;Description automatically generated">
-            <a:extLst>
-              <a:ext uri="{FF2B5EF4-FFF2-40B4-BE49-F238E27FC236}">
-                <a16:creationId xmlns:a16="http://schemas.microsoft.com/office/drawing/2014/main" id="{BB84EB3D-8FB7-429A-8E57-A3E8E731121F}"/>
-              </a:ext>
-            </a:extLst>
-          </p:cNvPr>
-          <p:cNvPicPr>
-            <a:picLocks noChangeAspect="1"/>
-          </p:cNvPicPr>
-          <p:nvPr/>
-        </p:nvPicPr>
-        <p:blipFill>
-          <a:blip r:embed="rId5">
-            <a:extLst>
-              <a:ext uri="{28A0092B-C50C-407E-A947-70E740481C1C}">
-                <a14:useLocalDpi xmlns:a14="http://schemas.microsoft.com/office/drawing/2010/main" val="0"/>
-              </a:ext>
-            </a:extLst>
-          </a:blip>
-          <a:stretch>
-            <a:fillRect/>
-          </a:stretch>
-        </p:blipFill>
-        <p:spPr>
-          <a:xfrm>
-            <a:off x="5098498" y="3084327"/>
-            <a:ext cx="1436568" cy="2038356"/>
-          </a:xfrm>
-          <a:prstGeom prst="rect">
-            <a:avLst/>
-          </a:prstGeom>
-        </p:spPr>
-      </p:pic>
-      <p:pic>
-        <p:nvPicPr>
-          <p:cNvPr id="10" name="Picture 9" descr="A person taking a selfie&#10;&#10;Description automatically generated">
-            <a:extLst>
-              <a:ext uri="{FF2B5EF4-FFF2-40B4-BE49-F238E27FC236}">
-                <a16:creationId xmlns:a16="http://schemas.microsoft.com/office/drawing/2014/main" id="{1D3FEEC3-AF16-4966-A8CF-1233051B5509}"/>
-              </a:ext>
-            </a:extLst>
-          </p:cNvPr>
-          <p:cNvPicPr>
-            <a:picLocks noChangeAspect="1"/>
-          </p:cNvPicPr>
-          <p:nvPr/>
-        </p:nvPicPr>
-        <p:blipFill>
-          <a:blip r:embed="rId6">
-            <a:extLst>
-              <a:ext uri="{28A0092B-C50C-407E-A947-70E740481C1C}">
-                <a14:useLocalDpi xmlns:a14="http://schemas.microsoft.com/office/drawing/2010/main" val="0"/>
-              </a:ext>
-            </a:extLst>
-          </a:blip>
-          <a:stretch>
-            <a:fillRect/>
-          </a:stretch>
-        </p:blipFill>
-        <p:spPr>
-          <a:xfrm>
-            <a:off x="666722" y="3084327"/>
-            <a:ext cx="1454030" cy="1938708"/>
-          </a:xfrm>
-          <a:prstGeom prst="rect">
-            <a:avLst/>
-          </a:prstGeom>
-        </p:spPr>
-      </p:pic>
-      <p:sp>
-        <p:nvSpPr>
-          <p:cNvPr id="13" name="Footer Placeholder 12">
-            <a:extLst>
-              <a:ext uri="{FF2B5EF4-FFF2-40B4-BE49-F238E27FC236}">
-                <a16:creationId xmlns:a16="http://schemas.microsoft.com/office/drawing/2014/main" id="{4DEB0D3C-FC0C-4AAE-8B1A-1CD6D3894DE9}"/>
-              </a:ext>
-            </a:extLst>
-          </p:cNvPr>
-          <p:cNvSpPr>
-            <a:spLocks noGrp="1"/>
-          </p:cNvSpPr>
-          <p:nvPr>
-            <p:ph type="ftr" sz="quarter" idx="11"/>
-          </p:nvPr>
-        </p:nvSpPr>
-        <p:spPr/>
-        <p:txBody>
-          <a:bodyPr/>
-          <a:lstStyle/>
-          <a:p>
-            <a:r>
-              <a:rPr lang="en-US"/>
-              <a:t>Healthify-NWMSU</a:t>
-            </a:r>
-          </a:p>
-        </p:txBody>
-      </p:sp>
-      <p:sp>
-        <p:nvSpPr>
-          <p:cNvPr id="15" name="Slide Number Placeholder 14">
-            <a:extLst>
-              <a:ext uri="{FF2B5EF4-FFF2-40B4-BE49-F238E27FC236}">
-                <a16:creationId xmlns:a16="http://schemas.microsoft.com/office/drawing/2014/main" id="{2FAD1378-BCC4-42D6-A20E-EC601EC1DFD7}"/>
-              </a:ext>
-            </a:extLst>
-          </p:cNvPr>
-          <p:cNvSpPr>
-            <a:spLocks noGrp="1"/>
-          </p:cNvSpPr>
-          <p:nvPr>
-            <p:ph type="sldNum" sz="quarter" idx="12"/>
-          </p:nvPr>
-        </p:nvSpPr>
-        <p:spPr/>
-        <p:txBody>
-          <a:bodyPr/>
-          <a:lstStyle/>
-          <a:p>
-            <a:fld id="{FC6EDEEF-6E47-4D41-B312-2A124904AE2A}" type="slidenum">
-              <a:rPr lang="en-US" smtClean="0"/>
-              <a:t>2</a:t>
-            </a:fld>
-            <a:endParaRPr lang="en-US"/>
-          </a:p>
-        </p:txBody>
-      </p:sp>
-    </p:spTree>
-    <p:extLst>
-      <p:ext uri="{BB962C8B-B14F-4D97-AF65-F5344CB8AC3E}">
-        <p14:creationId xmlns:p14="http://schemas.microsoft.com/office/powerpoint/2010/main" val="4176327129"/>
-      </p:ext>
-    </p:extLst>
-  </p:cSld>
-  <p:clrMapOvr>
-    <a:masterClrMapping/>
-  </p:clrMapOvr>
-</p:sld>
-</file>
-
-<file path=ppt/slides/slide3.xml><?xml version="1.0" encoding="utf-8"?>
-<p:sld xmlns:a="http://schemas.openxmlformats.org/drawingml/2006/main" xmlns:r="http://schemas.openxmlformats.org/officeDocument/2006/relationships" xmlns:p="http://schemas.openxmlformats.org/presentationml/2006/main">
-  <p:cSld>
-    <p:spTree>
-      <p:nvGrpSpPr>
-        <p:cNvPr id="1" name=""/>
-        <p:cNvGrpSpPr/>
-        <p:nvPr/>
-      </p:nvGrpSpPr>
-      <p:grpSpPr>
-        <a:xfrm>
-          <a:off x="0" y="0"/>
-          <a:ext cx="0" cy="0"/>
-          <a:chOff x="0" y="0"/>
-          <a:chExt cx="0" cy="0"/>
-        </a:xfrm>
-      </p:grpSpPr>
-      <p:sp>
-        <p:nvSpPr>
-          <p:cNvPr id="2" name="Title 1">
-            <a:extLst>
-              <a:ext uri="{FF2B5EF4-FFF2-40B4-BE49-F238E27FC236}">
-                <a16:creationId xmlns:a16="http://schemas.microsoft.com/office/drawing/2014/main" id="{C8C00379-46E4-446E-88A8-5933040D965B}"/>
-              </a:ext>
-            </a:extLst>
-          </p:cNvPr>
-          <p:cNvSpPr>
-            <a:spLocks noGrp="1"/>
-          </p:cNvSpPr>
-          <p:nvPr>
-            <p:ph type="title"/>
-          </p:nvPr>
-        </p:nvSpPr>
-        <p:spPr>
-          <a:xfrm>
-            <a:off x="646111" y="452718"/>
-            <a:ext cx="9404723" cy="893197"/>
-          </a:xfrm>
-        </p:spPr>
-        <p:txBody>
-          <a:bodyPr/>
-          <a:lstStyle/>
-          <a:p>
-            <a:r>
-              <a:rPr lang="en-US" b="1" dirty="0">
-                <a:solidFill>
-                  <a:schemeClr val="accent3"/>
-                </a:solidFill>
-                <a:effectLst>
-                  <a:outerShdw blurRad="38100" dist="38100" dir="2700000" algn="tl">
-                    <a:srgbClr val="000000">
-                      <a:alpha val="43137"/>
-                    </a:srgbClr>
-                  </a:outerShdw>
-                </a:effectLst>
-                <a:latin typeface="Times New Roman" panose="02020603050405020304" pitchFamily="18" charset="0"/>
-                <a:cs typeface="Times New Roman" panose="02020603050405020304" pitchFamily="18" charset="0"/>
-              </a:rPr>
-              <a:t>Requirements</a:t>
-            </a:r>
-            <a:r>
-              <a:rPr lang="en-US" dirty="0">
-                <a:effectLst>
-                  <a:outerShdw blurRad="38100" dist="38100" dir="2700000" algn="tl">
-                    <a:srgbClr val="000000">
-                      <a:alpha val="43137"/>
-                    </a:srgbClr>
-                  </a:outerShdw>
-                </a:effectLst>
-                <a:latin typeface="Times New Roman" panose="02020603050405020304" pitchFamily="18" charset="0"/>
-                <a:cs typeface="Times New Roman" panose="02020603050405020304" pitchFamily="18" charset="0"/>
-              </a:rPr>
-              <a:t>	</a:t>
-            </a:r>
-          </a:p>
-        </p:txBody>
-      </p:sp>
-      <p:sp>
-        <p:nvSpPr>
-          <p:cNvPr id="3" name="Content Placeholder 2">
-            <a:extLst>
-              <a:ext uri="{FF2B5EF4-FFF2-40B4-BE49-F238E27FC236}">
-                <a16:creationId xmlns:a16="http://schemas.microsoft.com/office/drawing/2014/main" id="{A0AC3E9A-BB0B-4A18-AEAA-7929FA74C75D}"/>
-              </a:ext>
-            </a:extLst>
-          </p:cNvPr>
-          <p:cNvSpPr>
-            <a:spLocks noGrp="1"/>
-          </p:cNvSpPr>
-          <p:nvPr>
-            <p:ph idx="1"/>
-          </p:nvPr>
-        </p:nvSpPr>
-        <p:spPr>
-          <a:xfrm>
-            <a:off x="1103312" y="1489753"/>
-            <a:ext cx="8946541" cy="4758647"/>
-          </a:xfrm>
-        </p:spPr>
-        <p:txBody>
-          <a:bodyPr>
-            <a:normAutofit/>
-          </a:bodyPr>
-          <a:lstStyle/>
-          <a:p>
-            <a:pPr fontAlgn="base"/>
-            <a:r>
-              <a:rPr lang="en-US" dirty="0">
-                <a:latin typeface="Times New Roman" panose="02020603050405020304" pitchFamily="18" charset="0"/>
-                <a:cs typeface="Times New Roman" panose="02020603050405020304" pitchFamily="18" charset="0"/>
-              </a:rPr>
-              <a:t>The text narrative or user story</a:t>
-            </a:r>
-          </a:p>
-          <a:p>
-            <a:pPr fontAlgn="base"/>
-            <a:r>
-              <a:rPr lang="en-US" dirty="0">
-                <a:latin typeface="Times New Roman" panose="02020603050405020304" pitchFamily="18" charset="0"/>
-                <a:cs typeface="Times New Roman" panose="02020603050405020304" pitchFamily="18" charset="0"/>
-              </a:rPr>
-              <a:t>Project scope</a:t>
-            </a:r>
-          </a:p>
-          <a:p>
-            <a:pPr fontAlgn="base"/>
-            <a:r>
-              <a:rPr lang="en-US" dirty="0">
-                <a:latin typeface="Times New Roman" panose="02020603050405020304" pitchFamily="18" charset="0"/>
-                <a:cs typeface="Times New Roman" panose="02020603050405020304" pitchFamily="18" charset="0"/>
-              </a:rPr>
-              <a:t>Technical specifications</a:t>
-            </a:r>
-          </a:p>
-          <a:p>
-            <a:pPr fontAlgn="base"/>
-            <a:r>
-              <a:rPr lang="en-US" dirty="0">
-                <a:latin typeface="Times New Roman" panose="02020603050405020304" pitchFamily="18" charset="0"/>
-                <a:cs typeface="Times New Roman" panose="02020603050405020304" pitchFamily="18" charset="0"/>
-              </a:rPr>
-              <a:t>Sketches</a:t>
-            </a:r>
-          </a:p>
-          <a:p>
-            <a:pPr fontAlgn="base"/>
-            <a:r>
-              <a:rPr lang="en-US" dirty="0">
-                <a:latin typeface="Times New Roman" panose="02020603050405020304" pitchFamily="18" charset="0"/>
-                <a:cs typeface="Times New Roman" panose="02020603050405020304" pitchFamily="18" charset="0"/>
-              </a:rPr>
-              <a:t>Asset creation</a:t>
-            </a:r>
-          </a:p>
-          <a:p>
-            <a:pPr fontAlgn="base"/>
-            <a:r>
-              <a:rPr lang="en-US" dirty="0">
-                <a:latin typeface="Times New Roman" panose="02020603050405020304" pitchFamily="18" charset="0"/>
-                <a:cs typeface="Times New Roman" panose="02020603050405020304" pitchFamily="18" charset="0"/>
-              </a:rPr>
-              <a:t>Putting everything together in a workflow document(Jira).</a:t>
-            </a:r>
-          </a:p>
-          <a:p>
-            <a:pPr fontAlgn="base"/>
-            <a:r>
-              <a:rPr lang="en-US" dirty="0">
-                <a:latin typeface="Times New Roman" panose="02020603050405020304" pitchFamily="18" charset="0"/>
-                <a:cs typeface="Times New Roman" panose="02020603050405020304" pitchFamily="18" charset="0"/>
-              </a:rPr>
-              <a:t>FluidUI</a:t>
-            </a:r>
-          </a:p>
-          <a:p>
-            <a:pPr fontAlgn="base"/>
-            <a:r>
-              <a:rPr lang="en-US" dirty="0">
-                <a:latin typeface="Times New Roman" panose="02020603050405020304" pitchFamily="18" charset="0"/>
-                <a:cs typeface="Times New Roman" panose="02020603050405020304" pitchFamily="18" charset="0"/>
-              </a:rPr>
-              <a:t>GitHub</a:t>
-            </a:r>
-          </a:p>
-          <a:p>
-            <a:endParaRPr lang="en-US" dirty="0"/>
-          </a:p>
-        </p:txBody>
-      </p:sp>
-      <p:sp>
-        <p:nvSpPr>
-          <p:cNvPr id="6" name="Footer Placeholder 5">
-            <a:extLst>
-              <a:ext uri="{FF2B5EF4-FFF2-40B4-BE49-F238E27FC236}">
-                <a16:creationId xmlns:a16="http://schemas.microsoft.com/office/drawing/2014/main" id="{38D8D3A6-7408-4215-99DB-0B35830B92DB}"/>
-              </a:ext>
-            </a:extLst>
-          </p:cNvPr>
-          <p:cNvSpPr>
-            <a:spLocks noGrp="1"/>
-          </p:cNvSpPr>
-          <p:nvPr>
-            <p:ph type="ftr" sz="quarter" idx="11"/>
-          </p:nvPr>
-        </p:nvSpPr>
-        <p:spPr/>
-        <p:txBody>
-          <a:bodyPr/>
-          <a:lstStyle/>
-          <a:p>
-            <a:r>
-              <a:rPr lang="en-US"/>
-              <a:t>Healthify-NWMSU</a:t>
-            </a:r>
-          </a:p>
-        </p:txBody>
-      </p:sp>
-      <p:sp>
-        <p:nvSpPr>
-          <p:cNvPr id="7" name="Slide Number Placeholder 6">
-            <a:extLst>
-              <a:ext uri="{FF2B5EF4-FFF2-40B4-BE49-F238E27FC236}">
-                <a16:creationId xmlns:a16="http://schemas.microsoft.com/office/drawing/2014/main" id="{53D8A5C7-D4C7-4B73-BDB0-C67A0F06FB39}"/>
-              </a:ext>
-            </a:extLst>
-          </p:cNvPr>
-          <p:cNvSpPr>
-            <a:spLocks noGrp="1"/>
-          </p:cNvSpPr>
-          <p:nvPr>
-            <p:ph type="sldNum" sz="quarter" idx="12"/>
-          </p:nvPr>
-        </p:nvSpPr>
-        <p:spPr/>
-        <p:txBody>
-          <a:bodyPr/>
-          <a:lstStyle/>
-          <a:p>
-            <a:fld id="{FC6EDEEF-6E47-4D41-B312-2A124904AE2A}" type="slidenum">
-              <a:rPr lang="en-US" smtClean="0"/>
-              <a:t>3</a:t>
-            </a:fld>
-            <a:endParaRPr lang="en-US"/>
-          </a:p>
-        </p:txBody>
-      </p:sp>
-    </p:spTree>
-    <p:extLst>
-      <p:ext uri="{BB962C8B-B14F-4D97-AF65-F5344CB8AC3E}">
-        <p14:creationId xmlns:p14="http://schemas.microsoft.com/office/powerpoint/2010/main" val="2403520679"/>
-      </p:ext>
-    </p:extLst>
-  </p:cSld>
-  <p:clrMapOvr>
-    <a:masterClrMapping/>
-  </p:clrMapOvr>
-</p:sld>
-</file>
-
-<file path=ppt/slides/slide4.xml><?xml version="1.0" encoding="utf-8"?>
-<p:sld xmlns:a="http://schemas.openxmlformats.org/drawingml/2006/main" xmlns:r="http://schemas.openxmlformats.org/officeDocument/2006/relationships" xmlns:p="http://schemas.openxmlformats.org/presentationml/2006/main">
-  <p:cSld>
-    <p:spTree>
-      <p:nvGrpSpPr>
-        <p:cNvPr id="1" name=""/>
-        <p:cNvGrpSpPr/>
-        <p:nvPr/>
-      </p:nvGrpSpPr>
-      <p:grpSpPr>
-        <a:xfrm>
-          <a:off x="0" y="0"/>
-          <a:ext cx="0" cy="0"/>
-          <a:chOff x="0" y="0"/>
-          <a:chExt cx="0" cy="0"/>
-        </a:xfrm>
-      </p:grpSpPr>
-      <p:sp>
-        <p:nvSpPr>
-          <p:cNvPr id="2" name="Title 1">
-            <a:extLst>
-              <a:ext uri="{FF2B5EF4-FFF2-40B4-BE49-F238E27FC236}">
-                <a16:creationId xmlns:a16="http://schemas.microsoft.com/office/drawing/2014/main" id="{53CAD9F5-5D35-43A4-86EF-12603C6DCE87}"/>
-              </a:ext>
-            </a:extLst>
-          </p:cNvPr>
-          <p:cNvSpPr>
-            <a:spLocks noGrp="1"/>
-          </p:cNvSpPr>
-          <p:nvPr>
-            <p:ph type="title"/>
-          </p:nvPr>
-        </p:nvSpPr>
-        <p:spPr>
-          <a:xfrm>
-            <a:off x="646111" y="401347"/>
-            <a:ext cx="9404723" cy="708262"/>
-          </a:xfrm>
-        </p:spPr>
-        <p:txBody>
-          <a:bodyPr>
-            <a:normAutofit fontScale="90000"/>
-          </a:bodyPr>
-          <a:lstStyle/>
-          <a:p>
-            <a:r>
-              <a:rPr lang="en-US" b="1" dirty="0">
-                <a:solidFill>
-                  <a:schemeClr val="accent3"/>
-                </a:solidFill>
-                <a:effectLst>
-                  <a:outerShdw blurRad="38100" dist="38100" dir="2700000" algn="tl">
-                    <a:srgbClr val="000000">
-                      <a:alpha val="43137"/>
-                    </a:srgbClr>
-                  </a:outerShdw>
-                </a:effectLst>
-                <a:latin typeface="Times New Roman" panose="02020603050405020304" pitchFamily="18" charset="0"/>
-                <a:cs typeface="Times New Roman" panose="02020603050405020304" pitchFamily="18" charset="0"/>
-              </a:rPr>
-              <a:t>Purpose</a:t>
-            </a:r>
-            <a:br>
-              <a:rPr lang="en-US" b="1" dirty="0">
-                <a:solidFill>
-                  <a:schemeClr val="accent3"/>
-                </a:solidFill>
-                <a:effectLst>
-                  <a:outerShdw blurRad="38100" dist="38100" dir="2700000" algn="tl">
-                    <a:srgbClr val="000000">
-                      <a:alpha val="43137"/>
-                    </a:srgbClr>
-                  </a:outerShdw>
-                </a:effectLst>
-                <a:latin typeface="Times New Roman" panose="02020603050405020304" pitchFamily="18" charset="0"/>
-                <a:cs typeface="Times New Roman" panose="02020603050405020304" pitchFamily="18" charset="0"/>
-              </a:rPr>
-            </a:br>
-            <a:br>
-              <a:rPr lang="en-US" b="1" dirty="0">
-                <a:solidFill>
-                  <a:schemeClr val="accent3"/>
-                </a:solidFill>
-                <a:effectLst>
-                  <a:outerShdw blurRad="38100" dist="38100" dir="2700000" algn="tl">
-                    <a:srgbClr val="000000">
-                      <a:alpha val="43137"/>
-                    </a:srgbClr>
-                  </a:outerShdw>
-                </a:effectLst>
-                <a:latin typeface="Times New Roman" panose="02020603050405020304" pitchFamily="18" charset="0"/>
-                <a:cs typeface="Times New Roman" panose="02020603050405020304" pitchFamily="18" charset="0"/>
-              </a:rPr>
-            </a:br>
-            <a:br>
-              <a:rPr lang="en-US" b="1" dirty="0">
-                <a:solidFill>
-                  <a:schemeClr val="accent3"/>
-                </a:solidFill>
-                <a:effectLst>
-                  <a:outerShdw blurRad="38100" dist="38100" dir="2700000" algn="tl">
-                    <a:srgbClr val="000000">
-                      <a:alpha val="43137"/>
-                    </a:srgbClr>
-                  </a:outerShdw>
-                </a:effectLst>
-                <a:latin typeface="Times New Roman" panose="02020603050405020304" pitchFamily="18" charset="0"/>
-                <a:cs typeface="Times New Roman" panose="02020603050405020304" pitchFamily="18" charset="0"/>
-              </a:rPr>
-            </a:br>
-            <a:br>
-              <a:rPr lang="en-US" b="1" dirty="0">
-                <a:solidFill>
-                  <a:schemeClr val="accent3"/>
-                </a:solidFill>
-                <a:effectLst>
-                  <a:outerShdw blurRad="38100" dist="38100" dir="2700000" algn="tl">
-                    <a:srgbClr val="000000">
-                      <a:alpha val="43137"/>
-                    </a:srgbClr>
-                  </a:outerShdw>
-                </a:effectLst>
-                <a:latin typeface="Times New Roman" panose="02020603050405020304" pitchFamily="18" charset="0"/>
-                <a:cs typeface="Times New Roman" panose="02020603050405020304" pitchFamily="18" charset="0"/>
-              </a:rPr>
-            </a:br>
-            <a:br>
-              <a:rPr lang="en-US" b="1" dirty="0">
-                <a:solidFill>
-                  <a:schemeClr val="accent3"/>
-                </a:solidFill>
-                <a:effectLst>
-                  <a:outerShdw blurRad="38100" dist="38100" dir="2700000" algn="tl">
-                    <a:srgbClr val="000000">
-                      <a:alpha val="43137"/>
-                    </a:srgbClr>
-                  </a:outerShdw>
-                </a:effectLst>
-                <a:latin typeface="Times New Roman" panose="02020603050405020304" pitchFamily="18" charset="0"/>
-                <a:cs typeface="Times New Roman" panose="02020603050405020304" pitchFamily="18" charset="0"/>
-              </a:rPr>
-            </a:br>
-            <a:r>
-              <a:rPr lang="en-US" b="1" dirty="0">
-                <a:solidFill>
-                  <a:schemeClr val="accent3"/>
-                </a:solidFill>
-                <a:effectLst>
-                  <a:outerShdw blurRad="38100" dist="38100" dir="2700000" algn="tl">
-                    <a:srgbClr val="000000">
-                      <a:alpha val="43137"/>
-                    </a:srgbClr>
-                  </a:outerShdw>
-                </a:effectLst>
-                <a:latin typeface="Times New Roman" panose="02020603050405020304" pitchFamily="18" charset="0"/>
-                <a:cs typeface="Times New Roman" panose="02020603050405020304" pitchFamily="18" charset="0"/>
-              </a:rPr>
-              <a:t>Overview</a:t>
-            </a:r>
-          </a:p>
-        </p:txBody>
-      </p:sp>
-      <p:sp>
-        <p:nvSpPr>
-          <p:cNvPr id="3" name="Content Placeholder 2">
-            <a:extLst>
-              <a:ext uri="{FF2B5EF4-FFF2-40B4-BE49-F238E27FC236}">
-                <a16:creationId xmlns:a16="http://schemas.microsoft.com/office/drawing/2014/main" id="{0169D338-F03C-45A3-AF88-E7BA60FE6263}"/>
-              </a:ext>
-            </a:extLst>
-          </p:cNvPr>
-          <p:cNvSpPr>
-            <a:spLocks noGrp="1"/>
-          </p:cNvSpPr>
-          <p:nvPr>
-            <p:ph idx="1"/>
-          </p:nvPr>
-        </p:nvSpPr>
-        <p:spPr>
-          <a:xfrm>
-            <a:off x="842482" y="1017142"/>
-            <a:ext cx="9152618" cy="5260368"/>
-          </a:xfrm>
-        </p:spPr>
-        <p:txBody>
-          <a:bodyPr>
-            <a:normAutofit/>
-          </a:bodyPr>
-          <a:lstStyle/>
-          <a:p>
-            <a:r>
-              <a:rPr lang="en-US" dirty="0">
-                <a:latin typeface="Times New Roman" panose="02020603050405020304" pitchFamily="18" charset="0"/>
-                <a:cs typeface="Times New Roman" panose="02020603050405020304" pitchFamily="18" charset="0"/>
-              </a:rPr>
-              <a:t>“Our vision is to make healthy living easy, fun, and affordable for all”</a:t>
-            </a:r>
-          </a:p>
-          <a:p>
-            <a:r>
-              <a:rPr lang="en-US" dirty="0">
-                <a:latin typeface="Times New Roman" panose="02020603050405020304" pitchFamily="18" charset="0"/>
-                <a:cs typeface="Times New Roman" panose="02020603050405020304" pitchFamily="18" charset="0"/>
-              </a:rPr>
-              <a:t>The Healthify-NWMSU app can incorporate data from thousands of third-party apps that are designed to promote healthier habits from nutrition to fitness.</a:t>
-            </a:r>
-          </a:p>
-          <a:p>
-            <a:r>
-              <a:rPr lang="en-US" dirty="0">
-                <a:latin typeface="Times New Roman" panose="02020603050405020304" pitchFamily="18" charset="0"/>
-                <a:cs typeface="Times New Roman" panose="02020603050405020304" pitchFamily="18" charset="0"/>
-              </a:rPr>
-              <a:t>This app lets you keep all your health and fitness information under your control and in one place on your device.</a:t>
-            </a:r>
-          </a:p>
-          <a:p>
-            <a:endParaRPr lang="en-US" dirty="0">
-              <a:latin typeface="Times New Roman" panose="02020603050405020304" pitchFamily="18" charset="0"/>
-              <a:cs typeface="Times New Roman" panose="02020603050405020304" pitchFamily="18" charset="0"/>
-            </a:endParaRPr>
-          </a:p>
-          <a:p>
-            <a:endParaRPr lang="en-US" dirty="0">
-              <a:latin typeface="Times New Roman" panose="02020603050405020304" pitchFamily="18" charset="0"/>
-              <a:cs typeface="Times New Roman" panose="02020603050405020304" pitchFamily="18" charset="0"/>
-            </a:endParaRPr>
-          </a:p>
-          <a:p>
-            <a:r>
-              <a:rPr lang="en-US" dirty="0">
-                <a:latin typeface="Times New Roman" panose="02020603050405020304" pitchFamily="18" charset="0"/>
-                <a:cs typeface="Times New Roman" panose="02020603050405020304" pitchFamily="18" charset="0"/>
-              </a:rPr>
-              <a:t>Healthify-NWMSU is a fitness app that helps users track their diet and weight and set fitness goals.</a:t>
-            </a:r>
-          </a:p>
-          <a:p>
-            <a:r>
-              <a:rPr lang="en-US" dirty="0">
-                <a:latin typeface="Times New Roman" panose="02020603050405020304" pitchFamily="18" charset="0"/>
-                <a:cs typeface="Times New Roman" panose="02020603050405020304" pitchFamily="18" charset="0"/>
-              </a:rPr>
-              <a:t>It is free to download app which allows user to track their calories, steps, manage, view and participate in group challenges.</a:t>
-            </a:r>
-          </a:p>
-          <a:p>
-            <a:r>
-              <a:rPr lang="en-US" dirty="0">
-                <a:latin typeface="Times New Roman" panose="02020603050405020304" pitchFamily="18" charset="0"/>
-                <a:cs typeface="Times New Roman" panose="02020603050405020304" pitchFamily="18" charset="0"/>
-              </a:rPr>
-              <a:t>It helps users to track their food intake and measure calories accurately.</a:t>
-            </a:r>
-          </a:p>
-        </p:txBody>
-      </p:sp>
-      <p:sp>
-        <p:nvSpPr>
-          <p:cNvPr id="6" name="Footer Placeholder 5">
-            <a:extLst>
-              <a:ext uri="{FF2B5EF4-FFF2-40B4-BE49-F238E27FC236}">
-                <a16:creationId xmlns:a16="http://schemas.microsoft.com/office/drawing/2014/main" id="{69C0F0D7-0734-4D29-BB83-BBAF6A313E5D}"/>
-              </a:ext>
-            </a:extLst>
-          </p:cNvPr>
-          <p:cNvSpPr>
-            <a:spLocks noGrp="1"/>
-          </p:cNvSpPr>
-          <p:nvPr>
-            <p:ph type="ftr" sz="quarter" idx="11"/>
-          </p:nvPr>
-        </p:nvSpPr>
-        <p:spPr/>
-        <p:txBody>
-          <a:bodyPr/>
-          <a:lstStyle/>
-          <a:p>
-            <a:r>
-              <a:rPr lang="en-US"/>
-              <a:t>Healthify-NWMSU</a:t>
-            </a:r>
-          </a:p>
-        </p:txBody>
-      </p:sp>
-      <p:sp>
-        <p:nvSpPr>
-          <p:cNvPr id="7" name="Slide Number Placeholder 6">
-            <a:extLst>
-              <a:ext uri="{FF2B5EF4-FFF2-40B4-BE49-F238E27FC236}">
-                <a16:creationId xmlns:a16="http://schemas.microsoft.com/office/drawing/2014/main" id="{0C27BE6C-AA7F-4054-A992-C71124FC6FE4}"/>
-              </a:ext>
-            </a:extLst>
-          </p:cNvPr>
-          <p:cNvSpPr>
-            <a:spLocks noGrp="1"/>
-          </p:cNvSpPr>
-          <p:nvPr>
-            <p:ph type="sldNum" sz="quarter" idx="12"/>
-          </p:nvPr>
-        </p:nvSpPr>
-        <p:spPr/>
-        <p:txBody>
-          <a:bodyPr/>
-          <a:lstStyle/>
-          <a:p>
-            <a:fld id="{FC6EDEEF-6E47-4D41-B312-2A124904AE2A}" type="slidenum">
-              <a:rPr lang="en-US" smtClean="0"/>
-              <a:t>4</a:t>
-            </a:fld>
-            <a:endParaRPr lang="en-US"/>
-          </a:p>
-        </p:txBody>
-      </p:sp>
-    </p:spTree>
-    <p:extLst>
-      <p:ext uri="{BB962C8B-B14F-4D97-AF65-F5344CB8AC3E}">
-        <p14:creationId xmlns:p14="http://schemas.microsoft.com/office/powerpoint/2010/main" val="602519577"/>
-      </p:ext>
-    </p:extLst>
-  </p:cSld>
-  <p:clrMapOvr>
-    <a:masterClrMapping/>
-  </p:clrMapOvr>
-</p:sld>
-</file>
-
-<file path=ppt/slides/slide5.xml><?xml version="1.0" encoding="utf-8"?>
-<p:sld xmlns:a="http://schemas.openxmlformats.org/drawingml/2006/main" xmlns:r="http://schemas.openxmlformats.org/officeDocument/2006/relationships" xmlns:p="http://schemas.openxmlformats.org/presentationml/2006/main">
-  <p:cSld>
-    <p:spTree>
-      <p:nvGrpSpPr>
-        <p:cNvPr id="1" name=""/>
-        <p:cNvGrpSpPr/>
-        <p:nvPr/>
-      </p:nvGrpSpPr>
-      <p:grpSpPr>
-        <a:xfrm>
-          <a:off x="0" y="0"/>
-          <a:ext cx="0" cy="0"/>
-          <a:chOff x="0" y="0"/>
-          <a:chExt cx="0" cy="0"/>
-        </a:xfrm>
-      </p:grpSpPr>
-      <p:sp>
-        <p:nvSpPr>
-          <p:cNvPr id="2" name="Title 1">
-            <a:extLst>
-              <a:ext uri="{FF2B5EF4-FFF2-40B4-BE49-F238E27FC236}">
-                <a16:creationId xmlns:a16="http://schemas.microsoft.com/office/drawing/2014/main" id="{125EC5BE-68C9-4C55-8D48-904C9CFC8A87}"/>
-              </a:ext>
-            </a:extLst>
-          </p:cNvPr>
-          <p:cNvSpPr>
-            <a:spLocks noGrp="1"/>
-          </p:cNvSpPr>
-          <p:nvPr>
-            <p:ph type="title"/>
-          </p:nvPr>
-        </p:nvSpPr>
-        <p:spPr>
-          <a:xfrm>
-            <a:off x="646111" y="401347"/>
-            <a:ext cx="9404723" cy="1400530"/>
-          </a:xfrm>
-        </p:spPr>
-        <p:txBody>
-          <a:bodyPr>
-            <a:normAutofit fontScale="90000"/>
-          </a:bodyPr>
-          <a:lstStyle/>
-          <a:p>
-            <a:r>
-              <a:rPr lang="en-US" b="1" dirty="0">
-                <a:solidFill>
-                  <a:schemeClr val="accent3"/>
-                </a:solidFill>
-                <a:effectLst>
-                  <a:outerShdw blurRad="38100" dist="38100" dir="2700000" algn="tl">
-                    <a:srgbClr val="000000">
-                      <a:alpha val="43137"/>
-                    </a:srgbClr>
-                  </a:outerShdw>
-                </a:effectLst>
-                <a:latin typeface="Times New Roman" panose="02020603050405020304" pitchFamily="18" charset="0"/>
-                <a:cs typeface="Times New Roman" panose="02020603050405020304" pitchFamily="18" charset="0"/>
-              </a:rPr>
-              <a:t>Screens of UI Sketches</a:t>
-            </a:r>
-            <a:br>
-              <a:rPr lang="en-US" sz="4000" dirty="0">
-                <a:latin typeface="Times New Roman" panose="02020603050405020304" pitchFamily="18" charset="0"/>
-                <a:cs typeface="Times New Roman" panose="02020603050405020304" pitchFamily="18" charset="0"/>
-              </a:rPr>
-            </a:br>
-            <a:br>
-              <a:rPr lang="en-US" dirty="0">
-                <a:latin typeface="Times New Roman" panose="02020603050405020304" pitchFamily="18" charset="0"/>
-                <a:cs typeface="Times New Roman" panose="02020603050405020304" pitchFamily="18" charset="0"/>
-              </a:rPr>
-            </a:br>
-            <a:endParaRPr lang="en-US" sz="2000" dirty="0">
-              <a:latin typeface="Times New Roman" panose="02020603050405020304" pitchFamily="18" charset="0"/>
-              <a:cs typeface="Times New Roman" panose="02020603050405020304" pitchFamily="18" charset="0"/>
-            </a:endParaRPr>
-          </a:p>
-        </p:txBody>
-      </p:sp>
-      <p:pic>
-        <p:nvPicPr>
-          <p:cNvPr id="5" name="Content Placeholder 4" descr="A screenshot of a cell phone&#10;&#10;Description automatically generated">
-            <a:extLst>
-              <a:ext uri="{FF2B5EF4-FFF2-40B4-BE49-F238E27FC236}">
-                <a16:creationId xmlns:a16="http://schemas.microsoft.com/office/drawing/2014/main" id="{0EAAE02D-95D7-4790-9B8B-0C2E66ED1508}"/>
-              </a:ext>
-            </a:extLst>
-          </p:cNvPr>
-          <p:cNvPicPr>
-            <a:picLocks noGrp="1" noChangeAspect="1"/>
-          </p:cNvPicPr>
-          <p:nvPr>
-            <p:ph idx="1"/>
-          </p:nvPr>
-        </p:nvPicPr>
-        <p:blipFill>
-          <a:blip r:embed="rId2">
-            <a:extLst>
-              <a:ext uri="{28A0092B-C50C-407E-A947-70E740481C1C}">
-                <a14:useLocalDpi xmlns:a14="http://schemas.microsoft.com/office/drawing/2010/main" val="0"/>
-              </a:ext>
-            </a:extLst>
-          </a:blip>
-          <a:stretch>
-            <a:fillRect/>
-          </a:stretch>
-        </p:blipFill>
-        <p:spPr>
-          <a:xfrm>
-            <a:off x="992292" y="1191803"/>
-            <a:ext cx="3024903" cy="4977926"/>
-          </a:xfrm>
-        </p:spPr>
-      </p:pic>
-      <p:pic>
-        <p:nvPicPr>
-          <p:cNvPr id="7" name="Picture 6" descr="A screenshot of a cell phone&#10;&#10;Description automatically generated">
-            <a:extLst>
-              <a:ext uri="{FF2B5EF4-FFF2-40B4-BE49-F238E27FC236}">
-                <a16:creationId xmlns:a16="http://schemas.microsoft.com/office/drawing/2014/main" id="{50FBA26D-8217-4E8F-AA9C-568663C77F8B}"/>
-              </a:ext>
-            </a:extLst>
-          </p:cNvPr>
-          <p:cNvPicPr>
-            <a:picLocks noChangeAspect="1"/>
-          </p:cNvPicPr>
-          <p:nvPr/>
-        </p:nvPicPr>
-        <p:blipFill>
-          <a:blip r:embed="rId3">
-            <a:extLst>
-              <a:ext uri="{28A0092B-C50C-407E-A947-70E740481C1C}">
-                <a14:useLocalDpi xmlns:a14="http://schemas.microsoft.com/office/drawing/2010/main" val="0"/>
-              </a:ext>
-            </a:extLst>
-          </a:blip>
-          <a:stretch>
-            <a:fillRect/>
-          </a:stretch>
-        </p:blipFill>
-        <p:spPr>
-          <a:xfrm>
-            <a:off x="4598458" y="1191803"/>
-            <a:ext cx="3024902" cy="4977926"/>
-          </a:xfrm>
-          <a:prstGeom prst="rect">
-            <a:avLst/>
-          </a:prstGeom>
-        </p:spPr>
-      </p:pic>
-      <p:sp>
-        <p:nvSpPr>
-          <p:cNvPr id="8" name="Footer Placeholder 7">
-            <a:extLst>
-              <a:ext uri="{FF2B5EF4-FFF2-40B4-BE49-F238E27FC236}">
-                <a16:creationId xmlns:a16="http://schemas.microsoft.com/office/drawing/2014/main" id="{3D7665F4-0963-419D-B051-3FE3079E217D}"/>
-              </a:ext>
-            </a:extLst>
-          </p:cNvPr>
-          <p:cNvSpPr>
-            <a:spLocks noGrp="1"/>
-          </p:cNvSpPr>
-          <p:nvPr>
-            <p:ph type="ftr" sz="quarter" idx="11"/>
-          </p:nvPr>
-        </p:nvSpPr>
-        <p:spPr/>
-        <p:txBody>
-          <a:bodyPr/>
-          <a:lstStyle/>
-          <a:p>
-            <a:r>
-              <a:rPr lang="en-US"/>
-              <a:t>Healthify-NWMSU</a:t>
-            </a:r>
-          </a:p>
-        </p:txBody>
-      </p:sp>
-      <p:sp>
-        <p:nvSpPr>
-          <p:cNvPr id="9" name="Slide Number Placeholder 8">
-            <a:extLst>
-              <a:ext uri="{FF2B5EF4-FFF2-40B4-BE49-F238E27FC236}">
-                <a16:creationId xmlns:a16="http://schemas.microsoft.com/office/drawing/2014/main" id="{4F7404B4-B404-4287-985D-DA10D897BF21}"/>
-              </a:ext>
-            </a:extLst>
-          </p:cNvPr>
-          <p:cNvSpPr>
-            <a:spLocks noGrp="1"/>
-          </p:cNvSpPr>
-          <p:nvPr>
-            <p:ph type="sldNum" sz="quarter" idx="12"/>
-          </p:nvPr>
-        </p:nvSpPr>
-        <p:spPr/>
-        <p:txBody>
-          <a:bodyPr/>
-          <a:lstStyle/>
-          <a:p>
-            <a:fld id="{FC6EDEEF-6E47-4D41-B312-2A124904AE2A}" type="slidenum">
-              <a:rPr lang="en-US" smtClean="0"/>
-              <a:t>5</a:t>
-            </a:fld>
-            <a:endParaRPr lang="en-US"/>
-          </a:p>
-        </p:txBody>
-      </p:sp>
-      <p:pic>
-        <p:nvPicPr>
-          <p:cNvPr id="10" name="Picture 9" descr="A screenshot of a cell phone&#10;&#10;Description automatically generated">
-            <a:extLst>
-              <a:ext uri="{FF2B5EF4-FFF2-40B4-BE49-F238E27FC236}">
-                <a16:creationId xmlns:a16="http://schemas.microsoft.com/office/drawing/2014/main" id="{8D84F9D6-7C5E-49A6-A655-EB05CB23DF91}"/>
-              </a:ext>
-            </a:extLst>
-          </p:cNvPr>
-          <p:cNvPicPr>
-            <a:picLocks noChangeAspect="1"/>
-          </p:cNvPicPr>
-          <p:nvPr/>
-        </p:nvPicPr>
-        <p:blipFill>
-          <a:blip r:embed="rId4">
-            <a:extLst>
-              <a:ext uri="{28A0092B-C50C-407E-A947-70E740481C1C}">
-                <a14:useLocalDpi xmlns:a14="http://schemas.microsoft.com/office/drawing/2010/main" val="0"/>
-              </a:ext>
-            </a:extLst>
-          </a:blip>
-          <a:stretch>
-            <a:fillRect/>
-          </a:stretch>
-        </p:blipFill>
-        <p:spPr>
-          <a:xfrm>
-            <a:off x="8378157" y="1191803"/>
-            <a:ext cx="2821551" cy="4884221"/>
-          </a:xfrm>
-          <a:prstGeom prst="rect">
-            <a:avLst/>
-          </a:prstGeom>
-        </p:spPr>
-      </p:pic>
-    </p:spTree>
-    <p:extLst>
-      <p:ext uri="{BB962C8B-B14F-4D97-AF65-F5344CB8AC3E}">
-        <p14:creationId xmlns:p14="http://schemas.microsoft.com/office/powerpoint/2010/main" val="793526837"/>
-      </p:ext>
-    </p:extLst>
-  </p:cSld>
-  <p:clrMapOvr>
-    <a:masterClrMapping/>
-  </p:clrMapOvr>
-</p:sld>
-</file>
-
-<file path=ppt/slides/slide6.xml><?xml version="1.0" encoding="utf-8"?>
-<p:sld xmlns:a="http://schemas.openxmlformats.org/drawingml/2006/main" xmlns:r="http://schemas.openxmlformats.org/officeDocument/2006/relationships" xmlns:p="http://schemas.openxmlformats.org/presentationml/2006/main">
-  <p:cSld>
-    <p:spTree>
-      <p:nvGrpSpPr>
-        <p:cNvPr id="1" name=""/>
-        <p:cNvGrpSpPr/>
-        <p:nvPr/>
-      </p:nvGrpSpPr>
-      <p:grpSpPr>
-        <a:xfrm>
-          <a:off x="0" y="0"/>
-          <a:ext cx="0" cy="0"/>
-          <a:chOff x="0" y="0"/>
-          <a:chExt cx="0" cy="0"/>
-        </a:xfrm>
-      </p:grpSpPr>
-      <p:sp>
-        <p:nvSpPr>
-          <p:cNvPr id="2" name="Title 1">
-            <a:extLst>
-              <a:ext uri="{FF2B5EF4-FFF2-40B4-BE49-F238E27FC236}">
-                <a16:creationId xmlns:a16="http://schemas.microsoft.com/office/drawing/2014/main" id="{EE86DD78-E9CE-490E-88B1-0385B046D747}"/>
-              </a:ext>
-            </a:extLst>
-          </p:cNvPr>
-          <p:cNvSpPr>
-            <a:spLocks noGrp="1"/>
-          </p:cNvSpPr>
-          <p:nvPr>
-            <p:ph type="title"/>
-          </p:nvPr>
-        </p:nvSpPr>
-        <p:spPr/>
-        <p:txBody>
-          <a:bodyPr/>
-          <a:lstStyle/>
-          <a:p>
-            <a:r>
-              <a:rPr lang="en-US" b="1" dirty="0">
-                <a:solidFill>
-                  <a:schemeClr val="accent3"/>
-                </a:solidFill>
-                <a:effectLst>
-                  <a:outerShdw blurRad="38100" dist="38100" dir="2700000" algn="tl">
-                    <a:srgbClr val="000000">
-                      <a:alpha val="43137"/>
-                    </a:srgbClr>
-                  </a:outerShdw>
-                </a:effectLst>
-                <a:latin typeface="Times New Roman" panose="02020603050405020304" pitchFamily="18" charset="0"/>
-                <a:cs typeface="Times New Roman" panose="02020603050405020304" pitchFamily="18" charset="0"/>
-              </a:rPr>
-              <a:t>Screens of UI Sketches</a:t>
-            </a:r>
-            <a:endParaRPr lang="en-US" b="1" dirty="0">
-              <a:solidFill>
-                <a:schemeClr val="accent3"/>
-              </a:solidFill>
-              <a:effectLst>
-                <a:outerShdw blurRad="38100" dist="38100" dir="2700000" algn="tl">
-                  <a:srgbClr val="000000">
-                    <a:alpha val="43137"/>
-                  </a:srgbClr>
-                </a:outerShdw>
-              </a:effectLst>
-            </a:endParaRPr>
-          </a:p>
-        </p:txBody>
-      </p:sp>
-      <p:pic>
-        <p:nvPicPr>
-          <p:cNvPr id="5" name="Content Placeholder 4" descr="A screenshot of a cell phone&#10;&#10;Description automatically generated">
-            <a:extLst>
-              <a:ext uri="{FF2B5EF4-FFF2-40B4-BE49-F238E27FC236}">
-                <a16:creationId xmlns:a16="http://schemas.microsoft.com/office/drawing/2014/main" id="{3C2846B6-CBD7-4174-A78E-EB0295F266B7}"/>
-              </a:ext>
-            </a:extLst>
-          </p:cNvPr>
-          <p:cNvPicPr>
-            <a:picLocks noGrp="1" noChangeAspect="1"/>
-          </p:cNvPicPr>
-          <p:nvPr>
-            <p:ph idx="1"/>
-          </p:nvPr>
-        </p:nvPicPr>
-        <p:blipFill>
-          <a:blip r:embed="rId2">
-            <a:extLst>
-              <a:ext uri="{28A0092B-C50C-407E-A947-70E740481C1C}">
-                <a14:useLocalDpi xmlns:a14="http://schemas.microsoft.com/office/drawing/2010/main" val="0"/>
-              </a:ext>
-            </a:extLst>
-          </a:blip>
-          <a:stretch>
-            <a:fillRect/>
-          </a:stretch>
-        </p:blipFill>
-        <p:spPr>
-          <a:xfrm>
-            <a:off x="4509204" y="1270000"/>
-            <a:ext cx="2821551" cy="4884221"/>
-          </a:xfrm>
-        </p:spPr>
-      </p:pic>
-      <p:pic>
-        <p:nvPicPr>
-          <p:cNvPr id="6" name="Picture 5" descr="A screenshot of a cell phone&#10;&#10;Description automatically generated">
-            <a:extLst>
-              <a:ext uri="{FF2B5EF4-FFF2-40B4-BE49-F238E27FC236}">
-                <a16:creationId xmlns:a16="http://schemas.microsoft.com/office/drawing/2014/main" id="{BC02AB21-A8B2-431B-B6C0-5A214AE639C7}"/>
-              </a:ext>
-            </a:extLst>
-          </p:cNvPr>
-          <p:cNvPicPr>
-            <a:picLocks noChangeAspect="1"/>
-          </p:cNvPicPr>
-          <p:nvPr/>
-        </p:nvPicPr>
-        <p:blipFill>
-          <a:blip r:embed="rId3">
-            <a:extLst>
-              <a:ext uri="{28A0092B-C50C-407E-A947-70E740481C1C}">
-                <a14:useLocalDpi xmlns:a14="http://schemas.microsoft.com/office/drawing/2010/main" val="0"/>
-              </a:ext>
-            </a:extLst>
-          </a:blip>
-          <a:stretch>
-            <a:fillRect/>
-          </a:stretch>
-        </p:blipFill>
-        <p:spPr>
-          <a:xfrm>
-            <a:off x="996594" y="1270000"/>
-            <a:ext cx="2821551" cy="4884221"/>
-          </a:xfrm>
-          <a:prstGeom prst="rect">
-            <a:avLst/>
-          </a:prstGeom>
-        </p:spPr>
-      </p:pic>
-      <p:sp>
-        <p:nvSpPr>
-          <p:cNvPr id="8" name="Footer Placeholder 7">
-            <a:extLst>
-              <a:ext uri="{FF2B5EF4-FFF2-40B4-BE49-F238E27FC236}">
-                <a16:creationId xmlns:a16="http://schemas.microsoft.com/office/drawing/2014/main" id="{5CED5646-90C1-4F81-90DA-AA017C6B22C5}"/>
-              </a:ext>
-            </a:extLst>
-          </p:cNvPr>
-          <p:cNvSpPr>
-            <a:spLocks noGrp="1"/>
-          </p:cNvSpPr>
-          <p:nvPr>
-            <p:ph type="ftr" sz="quarter" idx="11"/>
-          </p:nvPr>
-        </p:nvSpPr>
-        <p:spPr/>
-        <p:txBody>
-          <a:bodyPr/>
-          <a:lstStyle/>
-          <a:p>
-            <a:r>
-              <a:rPr lang="en-US"/>
-              <a:t>Healthify-NWMSU</a:t>
-            </a:r>
-          </a:p>
-        </p:txBody>
-      </p:sp>
-      <p:sp>
-        <p:nvSpPr>
-          <p:cNvPr id="9" name="Slide Number Placeholder 8">
-            <a:extLst>
-              <a:ext uri="{FF2B5EF4-FFF2-40B4-BE49-F238E27FC236}">
-                <a16:creationId xmlns:a16="http://schemas.microsoft.com/office/drawing/2014/main" id="{92881D41-A262-4F4C-BCDB-29B7F360E97E}"/>
-              </a:ext>
-            </a:extLst>
-          </p:cNvPr>
-          <p:cNvSpPr>
-            <a:spLocks noGrp="1"/>
-          </p:cNvSpPr>
-          <p:nvPr>
-            <p:ph type="sldNum" sz="quarter" idx="12"/>
-          </p:nvPr>
-        </p:nvSpPr>
-        <p:spPr/>
-        <p:txBody>
-          <a:bodyPr/>
-          <a:lstStyle/>
-          <a:p>
-            <a:fld id="{FC6EDEEF-6E47-4D41-B312-2A124904AE2A}" type="slidenum">
-              <a:rPr lang="en-US" smtClean="0"/>
-              <a:t>6</a:t>
-            </a:fld>
-            <a:endParaRPr lang="en-US"/>
-          </a:p>
-        </p:txBody>
-      </p:sp>
-      <p:pic>
-        <p:nvPicPr>
-          <p:cNvPr id="10" name="Content Placeholder 4" descr="A screenshot of a social media post&#10;&#10;Description automatically generated">
-            <a:extLst>
-              <a:ext uri="{FF2B5EF4-FFF2-40B4-BE49-F238E27FC236}">
-                <a16:creationId xmlns:a16="http://schemas.microsoft.com/office/drawing/2014/main" id="{EB2594DB-28A2-4C50-8FC6-1738B3EB1D2F}"/>
-              </a:ext>
-            </a:extLst>
-          </p:cNvPr>
-          <p:cNvPicPr>
-            <a:picLocks noChangeAspect="1"/>
-          </p:cNvPicPr>
-          <p:nvPr/>
-        </p:nvPicPr>
-        <p:blipFill>
-          <a:blip r:embed="rId4">
-            <a:extLst>
-              <a:ext uri="{28A0092B-C50C-407E-A947-70E740481C1C}">
-                <a14:useLocalDpi xmlns:a14="http://schemas.microsoft.com/office/drawing/2010/main" val="0"/>
-              </a:ext>
-            </a:extLst>
-          </a:blip>
-          <a:stretch>
-            <a:fillRect/>
-          </a:stretch>
-        </p:blipFill>
-        <p:spPr>
-          <a:xfrm>
-            <a:off x="8204623" y="1191802"/>
-            <a:ext cx="2809273" cy="4977926"/>
-          </a:xfrm>
-          <a:prstGeom prst="rect">
-            <a:avLst/>
-          </a:prstGeom>
-        </p:spPr>
-      </p:pic>
-    </p:spTree>
-    <p:extLst>
-      <p:ext uri="{BB962C8B-B14F-4D97-AF65-F5344CB8AC3E}">
-        <p14:creationId xmlns:p14="http://schemas.microsoft.com/office/powerpoint/2010/main" val="2990232904"/>
-      </p:ext>
-    </p:extLst>
-  </p:cSld>
-  <p:clrMapOvr>
-    <a:masterClrMapping/>
-  </p:clrMapOvr>
-</p:sld>
-</file>
-
-<file path=ppt/slides/slide7.xml><?xml version="1.0" encoding="utf-8"?>
-<p:sld xmlns:a="http://schemas.openxmlformats.org/drawingml/2006/main" xmlns:r="http://schemas.openxmlformats.org/officeDocument/2006/relationships" xmlns:p="http://schemas.openxmlformats.org/presentationml/2006/main">
-  <p:cSld>
-    <p:spTree>
-      <p:nvGrpSpPr>
-        <p:cNvPr id="1" name=""/>
-        <p:cNvGrpSpPr/>
-        <p:nvPr/>
-      </p:nvGrpSpPr>
-      <p:grpSpPr>
-        <a:xfrm>
-          <a:off x="0" y="0"/>
-          <a:ext cx="0" cy="0"/>
-          <a:chOff x="0" y="0"/>
-          <a:chExt cx="0" cy="0"/>
-        </a:xfrm>
-      </p:grpSpPr>
-      <p:sp>
-        <p:nvSpPr>
-          <p:cNvPr id="2" name="Title 1">
-            <a:extLst>
-              <a:ext uri="{FF2B5EF4-FFF2-40B4-BE49-F238E27FC236}">
-                <a16:creationId xmlns:a16="http://schemas.microsoft.com/office/drawing/2014/main" id="{573E737E-8EF4-48B3-9937-7787C41E3A2D}"/>
-              </a:ext>
-            </a:extLst>
-          </p:cNvPr>
-          <p:cNvSpPr>
-            <a:spLocks noGrp="1"/>
-          </p:cNvSpPr>
-          <p:nvPr>
-            <p:ph type="title"/>
-          </p:nvPr>
-        </p:nvSpPr>
-        <p:spPr>
-          <a:xfrm>
-            <a:off x="677334" y="599326"/>
-            <a:ext cx="8596668" cy="1320800"/>
-          </a:xfrm>
-        </p:spPr>
-        <p:txBody>
-          <a:bodyPr>
-            <a:normAutofit/>
-          </a:bodyPr>
-          <a:lstStyle/>
-          <a:p>
-            <a:r>
-              <a:rPr lang="en-US" b="1" dirty="0">
-                <a:solidFill>
-                  <a:schemeClr val="accent3"/>
-                </a:solidFill>
-                <a:effectLst>
-                  <a:outerShdw blurRad="38100" dist="38100" dir="2700000" algn="tl">
-                    <a:srgbClr val="000000">
-                      <a:alpha val="43137"/>
-                    </a:srgbClr>
-                  </a:outerShdw>
-                </a:effectLst>
-                <a:latin typeface="Times New Roman" panose="02020603050405020304" pitchFamily="18" charset="0"/>
-                <a:cs typeface="Times New Roman" panose="02020603050405020304" pitchFamily="18" charset="0"/>
-              </a:rPr>
-              <a:t>Acceptance Criteria</a:t>
-            </a:r>
-            <a:br>
-              <a:rPr lang="en-US" b="1" dirty="0">
-                <a:solidFill>
-                  <a:srgbClr val="24292E"/>
-                </a:solidFill>
-                <a:latin typeface="-apple-system"/>
-              </a:rPr>
-            </a:br>
-            <a:endParaRPr lang="en-US" dirty="0"/>
-          </a:p>
-        </p:txBody>
-      </p:sp>
-      <p:sp>
-        <p:nvSpPr>
-          <p:cNvPr id="3" name="Content Placeholder 2">
-            <a:extLst>
-              <a:ext uri="{FF2B5EF4-FFF2-40B4-BE49-F238E27FC236}">
-                <a16:creationId xmlns:a16="http://schemas.microsoft.com/office/drawing/2014/main" id="{9C7E8854-7F3E-4442-BC30-0FA2B15FA669}"/>
-              </a:ext>
-            </a:extLst>
-          </p:cNvPr>
-          <p:cNvSpPr>
-            <a:spLocks noGrp="1"/>
-          </p:cNvSpPr>
-          <p:nvPr>
-            <p:ph idx="1"/>
-          </p:nvPr>
-        </p:nvSpPr>
-        <p:spPr>
-          <a:xfrm>
-            <a:off x="1103311" y="1273996"/>
-            <a:ext cx="10352373" cy="5373384"/>
-          </a:xfrm>
-        </p:spPr>
-        <p:txBody>
-          <a:bodyPr>
-            <a:normAutofit fontScale="25000" lnSpcReduction="20000"/>
-          </a:bodyPr>
-          <a:lstStyle/>
-          <a:p>
-            <a:pPr>
-              <a:buFont typeface="Arial" panose="020B0604020202020204" pitchFamily="34" charset="0"/>
-              <a:buChar char="•"/>
-            </a:pPr>
-            <a:r>
-              <a:rPr lang="en-US" sz="8000" dirty="0">
-                <a:solidFill>
-                  <a:schemeClr val="tx1">
-                    <a:lumMod val="95000"/>
-                  </a:schemeClr>
-                </a:solidFill>
-                <a:latin typeface="Times New Roman" panose="02020603050405020304" pitchFamily="18" charset="0"/>
-                <a:cs typeface="Times New Roman" panose="02020603050405020304" pitchFamily="18" charset="0"/>
-              </a:rPr>
-              <a:t>Admin can view and download all data entered by the user by just selecting the get data into a file button.</a:t>
-            </a:r>
-          </a:p>
-          <a:p>
-            <a:pPr>
-              <a:buFont typeface="Arial" panose="020B0604020202020204" pitchFamily="34" charset="0"/>
-              <a:buChar char="•"/>
-            </a:pPr>
-            <a:r>
-              <a:rPr lang="en-US" sz="8000" dirty="0">
-                <a:solidFill>
-                  <a:schemeClr val="tx1">
-                    <a:lumMod val="95000"/>
-                  </a:schemeClr>
-                </a:solidFill>
-                <a:latin typeface="Times New Roman" panose="02020603050405020304" pitchFamily="18" charset="0"/>
-                <a:cs typeface="Times New Roman" panose="02020603050405020304" pitchFamily="18" charset="0"/>
-              </a:rPr>
-              <a:t>Admin can create and manage the user groups by selecting add symbol.</a:t>
-            </a:r>
-          </a:p>
-          <a:p>
-            <a:pPr>
-              <a:buFont typeface="Arial" panose="020B0604020202020204" pitchFamily="34" charset="0"/>
-              <a:buChar char="•"/>
-            </a:pPr>
-            <a:r>
-              <a:rPr lang="en-US" sz="8000" dirty="0">
-                <a:solidFill>
-                  <a:schemeClr val="tx1">
-                    <a:lumMod val="95000"/>
-                  </a:schemeClr>
-                </a:solidFill>
-                <a:latin typeface="Times New Roman" panose="02020603050405020304" pitchFamily="18" charset="0"/>
-                <a:cs typeface="Times New Roman" panose="02020603050405020304" pitchFamily="18" charset="0"/>
-              </a:rPr>
-              <a:t>Admin can share challenge results with group members by clicking release results button.</a:t>
-            </a:r>
-          </a:p>
-          <a:p>
-            <a:pPr>
-              <a:buFont typeface="Arial" panose="020B0604020202020204" pitchFamily="34" charset="0"/>
-              <a:buChar char="•"/>
-            </a:pPr>
-            <a:r>
-              <a:rPr lang="en-US" sz="8000" dirty="0">
-                <a:solidFill>
-                  <a:schemeClr val="tx1">
-                    <a:lumMod val="95000"/>
-                  </a:schemeClr>
-                </a:solidFill>
-                <a:latin typeface="Times New Roman" panose="02020603050405020304" pitchFamily="18" charset="0"/>
-                <a:cs typeface="Times New Roman" panose="02020603050405020304" pitchFamily="18" charset="0"/>
-              </a:rPr>
-              <a:t>Users can create and edit data of personal details upon signup.</a:t>
-            </a:r>
-          </a:p>
-          <a:p>
-            <a:pPr>
-              <a:buFont typeface="Arial" panose="020B0604020202020204" pitchFamily="34" charset="0"/>
-              <a:buChar char="•"/>
-            </a:pPr>
-            <a:r>
-              <a:rPr lang="en-US" sz="8000" dirty="0">
-                <a:latin typeface="Times New Roman" panose="02020603050405020304" pitchFamily="18" charset="0"/>
-                <a:cs typeface="Times New Roman" panose="02020603050405020304" pitchFamily="18" charset="0"/>
-              </a:rPr>
-              <a:t>Users can participate in new challenges just by clicking register buttons on each page of challenges.</a:t>
-            </a:r>
-            <a:endParaRPr lang="en-US" sz="8000" dirty="0">
-              <a:solidFill>
-                <a:schemeClr val="tx1">
-                  <a:lumMod val="95000"/>
-                </a:schemeClr>
-              </a:solidFill>
-              <a:latin typeface="Times New Roman" panose="02020603050405020304" pitchFamily="18" charset="0"/>
-              <a:cs typeface="Times New Roman" panose="02020603050405020304" pitchFamily="18" charset="0"/>
-            </a:endParaRPr>
-          </a:p>
-          <a:p>
-            <a:pPr>
-              <a:buFont typeface="Arial" panose="020B0604020202020204" pitchFamily="34" charset="0"/>
-              <a:buChar char="•"/>
-            </a:pPr>
-            <a:r>
-              <a:rPr lang="en-US" sz="8000" dirty="0">
-                <a:solidFill>
-                  <a:schemeClr val="tx1">
-                    <a:lumMod val="95000"/>
-                  </a:schemeClr>
-                </a:solidFill>
-                <a:latin typeface="Times New Roman" panose="02020603050405020304" pitchFamily="18" charset="0"/>
-                <a:cs typeface="Times New Roman" panose="02020603050405020304" pitchFamily="18" charset="0"/>
-              </a:rPr>
-              <a:t>Users can accept or reject group assignments upon receiving mails from the admin invites.</a:t>
-            </a:r>
-          </a:p>
-          <a:p>
-            <a:pPr>
-              <a:buFont typeface="Arial" panose="020B0604020202020204" pitchFamily="34" charset="0"/>
-              <a:buChar char="•"/>
-            </a:pPr>
-            <a:r>
-              <a:rPr lang="en-US" sz="8000" dirty="0">
-                <a:solidFill>
-                  <a:schemeClr val="tx1">
-                    <a:lumMod val="95000"/>
-                  </a:schemeClr>
-                </a:solidFill>
-                <a:latin typeface="Times New Roman" panose="02020603050405020304" pitchFamily="18" charset="0"/>
-                <a:cs typeface="Times New Roman" panose="02020603050405020304" pitchFamily="18" charset="0"/>
-              </a:rPr>
-              <a:t>Users can view data from past challenges by clicking on the results.</a:t>
-            </a:r>
-          </a:p>
-          <a:p>
-            <a:pPr>
-              <a:buFont typeface="Arial" panose="020B0604020202020204" pitchFamily="34" charset="0"/>
-              <a:buChar char="•"/>
-            </a:pPr>
-            <a:r>
-              <a:rPr lang="en-US" sz="8000" dirty="0">
-                <a:solidFill>
-                  <a:schemeClr val="tx1">
-                    <a:lumMod val="95000"/>
-                  </a:schemeClr>
-                </a:solidFill>
-                <a:latin typeface="Times New Roman" panose="02020603050405020304" pitchFamily="18" charset="0"/>
-                <a:cs typeface="Times New Roman" panose="02020603050405020304" pitchFamily="18" charset="0"/>
-              </a:rPr>
-              <a:t>User can access the application only by submitting required details.</a:t>
-            </a:r>
-          </a:p>
-          <a:p>
-            <a:pPr>
-              <a:buFont typeface="Arial" panose="020B0604020202020204" pitchFamily="34" charset="0"/>
-              <a:buChar char="•"/>
-            </a:pPr>
-            <a:r>
-              <a:rPr lang="en-US" sz="8000" dirty="0">
-                <a:solidFill>
-                  <a:schemeClr val="tx1">
-                    <a:lumMod val="95000"/>
-                  </a:schemeClr>
-                </a:solidFill>
-                <a:latin typeface="Times New Roman" panose="02020603050405020304" pitchFamily="18" charset="0"/>
-                <a:cs typeface="Times New Roman" panose="02020603050405020304" pitchFamily="18" charset="0"/>
-              </a:rPr>
-              <a:t>Enabling responsive Mobile menu for Tablets and Mobiles.</a:t>
-            </a:r>
-          </a:p>
-          <a:p>
-            <a:pPr>
-              <a:buFont typeface="Arial" panose="020B0604020202020204" pitchFamily="34" charset="0"/>
-              <a:buChar char="•"/>
-            </a:pPr>
-            <a:r>
-              <a:rPr lang="en-US" sz="8000" dirty="0">
-                <a:solidFill>
-                  <a:schemeClr val="tx1">
-                    <a:lumMod val="95000"/>
-                  </a:schemeClr>
-                </a:solidFill>
-                <a:latin typeface="Times New Roman" panose="02020603050405020304" pitchFamily="18" charset="0"/>
-                <a:cs typeface="Times New Roman" panose="02020603050405020304" pitchFamily="18" charset="0"/>
-              </a:rPr>
-              <a:t>User can Easily Navigate across different screens.</a:t>
-            </a:r>
-          </a:p>
-          <a:p>
-            <a:pPr>
-              <a:buFont typeface="Arial" panose="020B0604020202020204" pitchFamily="34" charset="0"/>
-              <a:buChar char="•"/>
-            </a:pPr>
-            <a:r>
-              <a:rPr lang="en-US" sz="8000" dirty="0">
-                <a:solidFill>
-                  <a:schemeClr val="tx1">
-                    <a:lumMod val="95000"/>
-                  </a:schemeClr>
-                </a:solidFill>
-                <a:latin typeface="Times New Roman" panose="02020603050405020304" pitchFamily="18" charset="0"/>
-                <a:cs typeface="Times New Roman" panose="02020603050405020304" pitchFamily="18" charset="0"/>
-              </a:rPr>
-              <a:t>User can have Responsiveness of drop-down lists.</a:t>
-            </a:r>
-          </a:p>
-          <a:p>
-            <a:pPr>
-              <a:buFont typeface="Arial" panose="020B0604020202020204" pitchFamily="34" charset="0"/>
-              <a:buChar char="•"/>
-            </a:pPr>
-            <a:r>
-              <a:rPr lang="en-US" sz="8000" dirty="0">
-                <a:latin typeface="Times New Roman" panose="02020603050405020304" pitchFamily="18" charset="0"/>
-                <a:cs typeface="Times New Roman" panose="02020603050405020304" pitchFamily="18" charset="0"/>
-              </a:rPr>
-              <a:t>User can Distinguish the inactive buttons from active buttons.</a:t>
-            </a:r>
-            <a:endParaRPr lang="en-US" sz="8000" dirty="0">
-              <a:solidFill>
-                <a:schemeClr val="tx1">
-                  <a:lumMod val="95000"/>
-                </a:schemeClr>
-              </a:solidFill>
-              <a:latin typeface="Times New Roman" panose="02020603050405020304" pitchFamily="18" charset="0"/>
-              <a:cs typeface="Times New Roman" panose="02020603050405020304" pitchFamily="18" charset="0"/>
-            </a:endParaRPr>
-          </a:p>
-          <a:p>
-            <a:pPr marL="0" indent="0">
-              <a:buNone/>
-            </a:pPr>
-            <a:endParaRPr lang="en-US" dirty="0"/>
-          </a:p>
-        </p:txBody>
-      </p:sp>
-      <p:sp>
-        <p:nvSpPr>
-          <p:cNvPr id="6" name="Footer Placeholder 5">
-            <a:extLst>
-              <a:ext uri="{FF2B5EF4-FFF2-40B4-BE49-F238E27FC236}">
-                <a16:creationId xmlns:a16="http://schemas.microsoft.com/office/drawing/2014/main" id="{9DD87943-4C6A-46FB-B51C-3840DF598793}"/>
-              </a:ext>
-            </a:extLst>
-          </p:cNvPr>
-          <p:cNvSpPr>
-            <a:spLocks noGrp="1"/>
-          </p:cNvSpPr>
-          <p:nvPr>
-            <p:ph type="ftr" sz="quarter" idx="11"/>
-          </p:nvPr>
-        </p:nvSpPr>
-        <p:spPr/>
-        <p:txBody>
-          <a:bodyPr/>
-          <a:lstStyle/>
-          <a:p>
-            <a:r>
-              <a:rPr lang="en-US"/>
-              <a:t>Healthify-NWMSU</a:t>
-            </a:r>
-          </a:p>
-        </p:txBody>
-      </p:sp>
-      <p:sp>
-        <p:nvSpPr>
-          <p:cNvPr id="7" name="Slide Number Placeholder 6">
-            <a:extLst>
-              <a:ext uri="{FF2B5EF4-FFF2-40B4-BE49-F238E27FC236}">
-                <a16:creationId xmlns:a16="http://schemas.microsoft.com/office/drawing/2014/main" id="{2CA22E63-B086-4925-B662-12D17C54A126}"/>
-              </a:ext>
-            </a:extLst>
-          </p:cNvPr>
-          <p:cNvSpPr>
-            <a:spLocks noGrp="1"/>
-          </p:cNvSpPr>
-          <p:nvPr>
-            <p:ph type="sldNum" sz="quarter" idx="12"/>
-          </p:nvPr>
-        </p:nvSpPr>
-        <p:spPr/>
-        <p:txBody>
-          <a:bodyPr/>
-          <a:lstStyle/>
-          <a:p>
-            <a:fld id="{FC6EDEEF-6E47-4D41-B312-2A124904AE2A}" type="slidenum">
-              <a:rPr lang="en-US" smtClean="0"/>
-              <a:t>7</a:t>
-            </a:fld>
-            <a:endParaRPr lang="en-US"/>
-          </a:p>
-        </p:txBody>
-      </p:sp>
-    </p:spTree>
-    <p:extLst>
-      <p:ext uri="{BB962C8B-B14F-4D97-AF65-F5344CB8AC3E}">
-        <p14:creationId xmlns:p14="http://schemas.microsoft.com/office/powerpoint/2010/main" val="5059217"/>
-      </p:ext>
-    </p:extLst>
-  </p:cSld>
-  <p:clrMapOvr>
-    <a:masterClrMapping/>
-  </p:clrMapOvr>
-</p:sld>
-</file>
-
-<file path=ppt/slides/slide8.xml><?xml version="1.0" encoding="utf-8"?>
-<p:sld xmlns:a="http://schemas.openxmlformats.org/drawingml/2006/main" xmlns:r="http://schemas.openxmlformats.org/officeDocument/2006/relationships" xmlns:p="http://schemas.openxmlformats.org/presentationml/2006/main">
-  <p:cSld>
-    <p:spTree>
-      <p:nvGrpSpPr>
-        <p:cNvPr id="1" name=""/>
-        <p:cNvGrpSpPr/>
-        <p:nvPr/>
-      </p:nvGrpSpPr>
-      <p:grpSpPr>
-        <a:xfrm>
-          <a:off x="0" y="0"/>
-          <a:ext cx="0" cy="0"/>
-          <a:chOff x="0" y="0"/>
-          <a:chExt cx="0" cy="0"/>
-        </a:xfrm>
-      </p:grpSpPr>
-      <p:sp>
-        <p:nvSpPr>
-          <p:cNvPr id="2" name="Title 1">
-            <a:extLst>
-              <a:ext uri="{FF2B5EF4-FFF2-40B4-BE49-F238E27FC236}">
-                <a16:creationId xmlns:a16="http://schemas.microsoft.com/office/drawing/2014/main" id="{EDF33ABE-0CCC-4CB2-8A07-107E3F35A1F5}"/>
-              </a:ext>
-            </a:extLst>
-          </p:cNvPr>
-          <p:cNvSpPr>
-            <a:spLocks noGrp="1"/>
-          </p:cNvSpPr>
-          <p:nvPr>
-            <p:ph type="title"/>
-          </p:nvPr>
-        </p:nvSpPr>
-        <p:spPr/>
-        <p:txBody>
-          <a:bodyPr/>
-          <a:lstStyle/>
-          <a:p>
-            <a:r>
-              <a:rPr lang="en-US" b="1" dirty="0">
-                <a:solidFill>
-                  <a:schemeClr val="accent3"/>
-                </a:solidFill>
-                <a:effectLst>
-                  <a:outerShdw blurRad="38100" dist="38100" dir="2700000" algn="tl">
-                    <a:srgbClr val="000000">
-                      <a:alpha val="43137"/>
-                    </a:srgbClr>
-                  </a:outerShdw>
-                </a:effectLst>
-                <a:latin typeface="Times New Roman" panose="02020603050405020304" pitchFamily="18" charset="0"/>
-                <a:cs typeface="Times New Roman" panose="02020603050405020304" pitchFamily="18" charset="0"/>
-              </a:rPr>
-              <a:t>ER Diagram</a:t>
-            </a:r>
-          </a:p>
-        </p:txBody>
-      </p:sp>
-      <p:pic>
-        <p:nvPicPr>
-          <p:cNvPr id="5" name="Content Placeholder 4" descr="A close up of text on a white surface&#10;&#10;Description automatically generated">
-            <a:extLst>
-              <a:ext uri="{FF2B5EF4-FFF2-40B4-BE49-F238E27FC236}">
-                <a16:creationId xmlns:a16="http://schemas.microsoft.com/office/drawing/2014/main" id="{6EACB86E-0239-4971-8B76-392FF2502486}"/>
-              </a:ext>
-            </a:extLst>
-          </p:cNvPr>
-          <p:cNvPicPr>
-            <a:picLocks noGrp="1" noChangeAspect="1"/>
-          </p:cNvPicPr>
-          <p:nvPr>
-            <p:ph idx="1"/>
-          </p:nvPr>
-        </p:nvPicPr>
-        <p:blipFill>
-          <a:blip r:embed="rId2">
-            <a:extLst>
-              <a:ext uri="{28A0092B-C50C-407E-A947-70E740481C1C}">
-                <a14:useLocalDpi xmlns:a14="http://schemas.microsoft.com/office/drawing/2010/main" val="0"/>
-              </a:ext>
-            </a:extLst>
-          </a:blip>
-          <a:stretch>
-            <a:fillRect/>
-          </a:stretch>
-        </p:blipFill>
-        <p:spPr>
-          <a:xfrm>
-            <a:off x="1469204" y="1216889"/>
-            <a:ext cx="8825502" cy="4927057"/>
-          </a:xfrm>
-        </p:spPr>
-      </p:pic>
-      <p:sp>
-        <p:nvSpPr>
-          <p:cNvPr id="6" name="Footer Placeholder 5">
-            <a:extLst>
-              <a:ext uri="{FF2B5EF4-FFF2-40B4-BE49-F238E27FC236}">
-                <a16:creationId xmlns:a16="http://schemas.microsoft.com/office/drawing/2014/main" id="{BAE23FFC-2FF3-48E5-B3EA-BD5D2D982092}"/>
-              </a:ext>
-            </a:extLst>
-          </p:cNvPr>
-          <p:cNvSpPr>
-            <a:spLocks noGrp="1"/>
-          </p:cNvSpPr>
-          <p:nvPr>
-            <p:ph type="ftr" sz="quarter" idx="11"/>
-          </p:nvPr>
-        </p:nvSpPr>
-        <p:spPr/>
-        <p:txBody>
-          <a:bodyPr/>
-          <a:lstStyle/>
-          <a:p>
-            <a:r>
-              <a:rPr lang="en-US"/>
-              <a:t>Healthify-NWMSU</a:t>
-            </a:r>
-          </a:p>
-        </p:txBody>
-      </p:sp>
-      <p:sp>
-        <p:nvSpPr>
-          <p:cNvPr id="7" name="Slide Number Placeholder 6">
-            <a:extLst>
-              <a:ext uri="{FF2B5EF4-FFF2-40B4-BE49-F238E27FC236}">
-                <a16:creationId xmlns:a16="http://schemas.microsoft.com/office/drawing/2014/main" id="{78F6E9AC-376C-45ED-90C7-5AED69B56DBF}"/>
-              </a:ext>
-            </a:extLst>
-          </p:cNvPr>
-          <p:cNvSpPr>
-            <a:spLocks noGrp="1"/>
-          </p:cNvSpPr>
-          <p:nvPr>
-            <p:ph type="sldNum" sz="quarter" idx="12"/>
-          </p:nvPr>
-        </p:nvSpPr>
-        <p:spPr/>
-        <p:txBody>
-          <a:bodyPr/>
-          <a:lstStyle/>
-          <a:p>
-            <a:fld id="{FC6EDEEF-6E47-4D41-B312-2A124904AE2A}" type="slidenum">
-              <a:rPr lang="en-US" smtClean="0"/>
-              <a:t>8</a:t>
-            </a:fld>
-            <a:endParaRPr lang="en-US"/>
-          </a:p>
-        </p:txBody>
-      </p:sp>
-    </p:spTree>
-    <p:extLst>
-      <p:ext uri="{BB962C8B-B14F-4D97-AF65-F5344CB8AC3E}">
-        <p14:creationId xmlns:p14="http://schemas.microsoft.com/office/powerpoint/2010/main" val="3778845358"/>
-      </p:ext>
-    </p:extLst>
-  </p:cSld>
-  <p:clrMapOvr>
-    <a:masterClrMapping/>
-  </p:clrMapOvr>
-</p:sld>
-</file>
-
-<file path=ppt/slides/slide9.xml><?xml version="1.0" encoding="utf-8"?>
-<p:sld xmlns:a="http://schemas.openxmlformats.org/drawingml/2006/main" xmlns:r="http://schemas.openxmlformats.org/officeDocument/2006/relationships" xmlns:p="http://schemas.openxmlformats.org/presentationml/2006/main">
-  <p:cSld>
-    <p:spTree>
-      <p:nvGrpSpPr>
-        <p:cNvPr id="1" name=""/>
-        <p:cNvGrpSpPr/>
-        <p:nvPr/>
-      </p:nvGrpSpPr>
-      <p:grpSpPr>
-        <a:xfrm>
-          <a:off x="0" y="0"/>
-          <a:ext cx="0" cy="0"/>
-          <a:chOff x="0" y="0"/>
-          <a:chExt cx="0" cy="0"/>
-        </a:xfrm>
-      </p:grpSpPr>
-      <p:sp>
-        <p:nvSpPr>
-          <p:cNvPr id="2" name="Title 1">
-            <a:extLst>
-              <a:ext uri="{FF2B5EF4-FFF2-40B4-BE49-F238E27FC236}">
-                <a16:creationId xmlns:a16="http://schemas.microsoft.com/office/drawing/2014/main" id="{D10C0F41-67DB-4902-B02E-10AF0EA12871}"/>
-              </a:ext>
-            </a:extLst>
-          </p:cNvPr>
-          <p:cNvSpPr>
-            <a:spLocks noGrp="1"/>
-          </p:cNvSpPr>
-          <p:nvPr>
-            <p:ph type="title"/>
-          </p:nvPr>
-        </p:nvSpPr>
-        <p:spPr/>
-        <p:txBody>
-          <a:bodyPr/>
-          <a:lstStyle/>
-          <a:p>
-            <a:r>
-              <a:rPr lang="en-US" b="1" dirty="0">
-                <a:solidFill>
-                  <a:schemeClr val="accent3"/>
-                </a:solidFill>
-                <a:effectLst>
-                  <a:outerShdw blurRad="38100" dist="38100" dir="2700000" algn="tl">
-                    <a:srgbClr val="000000">
-                      <a:alpha val="43137"/>
-                    </a:srgbClr>
-                  </a:outerShdw>
-                </a:effectLst>
-                <a:latin typeface="Times New Roman" panose="02020603050405020304" pitchFamily="18" charset="0"/>
-                <a:cs typeface="Times New Roman" panose="02020603050405020304" pitchFamily="18" charset="0"/>
-              </a:rPr>
-              <a:t>Schedule Management</a:t>
-            </a:r>
-          </a:p>
-        </p:txBody>
-      </p:sp>
-      <p:pic>
-        <p:nvPicPr>
-          <p:cNvPr id="5" name="Content Placeholder 4" descr="A screenshot of a computer&#10;&#10;Description automatically generated">
-            <a:extLst>
-              <a:ext uri="{FF2B5EF4-FFF2-40B4-BE49-F238E27FC236}">
-                <a16:creationId xmlns:a16="http://schemas.microsoft.com/office/drawing/2014/main" id="{B6736611-1689-4464-81E3-6C6B2B6F5B36}"/>
-              </a:ext>
-            </a:extLst>
-          </p:cNvPr>
-          <p:cNvPicPr>
-            <a:picLocks noGrp="1" noChangeAspect="1"/>
-          </p:cNvPicPr>
-          <p:nvPr>
-            <p:ph idx="1"/>
-          </p:nvPr>
-        </p:nvPicPr>
-        <p:blipFill>
-          <a:blip r:embed="rId2">
-            <a:extLst>
-              <a:ext uri="{28A0092B-C50C-407E-A947-70E740481C1C}">
-                <a14:useLocalDpi xmlns:a14="http://schemas.microsoft.com/office/drawing/2010/main" val="0"/>
-              </a:ext>
-            </a:extLst>
-          </a:blip>
-          <a:stretch>
-            <a:fillRect/>
-          </a:stretch>
-        </p:blipFill>
-        <p:spPr>
-          <a:xfrm>
-            <a:off x="1191803" y="1263721"/>
-            <a:ext cx="9832368" cy="4890499"/>
-          </a:xfrm>
-        </p:spPr>
-      </p:pic>
-      <p:sp>
-        <p:nvSpPr>
-          <p:cNvPr id="6" name="Footer Placeholder 5">
-            <a:extLst>
-              <a:ext uri="{FF2B5EF4-FFF2-40B4-BE49-F238E27FC236}">
-                <a16:creationId xmlns:a16="http://schemas.microsoft.com/office/drawing/2014/main" id="{BB5C8C6F-C16D-4AB6-9B47-536A364DF7B3}"/>
-              </a:ext>
-            </a:extLst>
-          </p:cNvPr>
-          <p:cNvSpPr>
-            <a:spLocks noGrp="1"/>
-          </p:cNvSpPr>
-          <p:nvPr>
-            <p:ph type="ftr" sz="quarter" idx="11"/>
-          </p:nvPr>
-        </p:nvSpPr>
-        <p:spPr/>
-        <p:txBody>
-          <a:bodyPr/>
-          <a:lstStyle/>
-          <a:p>
-            <a:r>
-              <a:rPr lang="en-US"/>
-              <a:t>Healthify-NWMSU</a:t>
-            </a:r>
-          </a:p>
-        </p:txBody>
-      </p:sp>
-      <p:sp>
-        <p:nvSpPr>
-          <p:cNvPr id="7" name="Slide Number Placeholder 6">
-            <a:extLst>
-              <a:ext uri="{FF2B5EF4-FFF2-40B4-BE49-F238E27FC236}">
-                <a16:creationId xmlns:a16="http://schemas.microsoft.com/office/drawing/2014/main" id="{6B953DC5-5829-4EC7-99E1-A0A0139D473D}"/>
-              </a:ext>
-            </a:extLst>
-          </p:cNvPr>
-          <p:cNvSpPr>
-            <a:spLocks noGrp="1"/>
-          </p:cNvSpPr>
-          <p:nvPr>
-            <p:ph type="sldNum" sz="quarter" idx="12"/>
-          </p:nvPr>
-        </p:nvSpPr>
-        <p:spPr/>
-        <p:txBody>
-          <a:bodyPr/>
-          <a:lstStyle/>
-          <a:p>
-            <a:fld id="{FC6EDEEF-6E47-4D41-B312-2A124904AE2A}" type="slidenum">
-              <a:rPr lang="en-US" smtClean="0"/>
-              <a:t>9</a:t>
-            </a:fld>
-            <a:endParaRPr lang="en-US"/>
-          </a:p>
-        </p:txBody>
-      </p:sp>
-    </p:spTree>
-    <p:extLst>
-      <p:ext uri="{BB962C8B-B14F-4D97-AF65-F5344CB8AC3E}">
-        <p14:creationId xmlns:p14="http://schemas.microsoft.com/office/powerpoint/2010/main" val="4153707155"/>
+        <p14:creationId xmlns:p14="http://schemas.microsoft.com/office/powerpoint/2010/main" val="3340613589"/>
       </p:ext>
     </p:extLst>
   </p:cSld>

--- a/Healthify-NWMSU.pptx
+++ b/Healthify-NWMSU.pptx
@@ -5,7 +5,7 @@
     <p:sldMasterId id="2147484073" r:id="rId1"/>
   </p:sldMasterIdLst>
   <p:notesMasterIdLst>
-    <p:notesMasterId r:id="rId17"/>
+    <p:notesMasterId r:id="rId18"/>
   </p:notesMasterIdLst>
   <p:sldIdLst>
     <p:sldId id="256" r:id="rId2"/>
@@ -15,14 +15,15 @@
     <p:sldId id="258" r:id="rId6"/>
     <p:sldId id="260" r:id="rId7"/>
     <p:sldId id="272" r:id="rId8"/>
-    <p:sldId id="263" r:id="rId9"/>
-    <p:sldId id="277" r:id="rId10"/>
-    <p:sldId id="273" r:id="rId11"/>
-    <p:sldId id="274" r:id="rId12"/>
-    <p:sldId id="275" r:id="rId13"/>
-    <p:sldId id="276" r:id="rId14"/>
-    <p:sldId id="278" r:id="rId15"/>
-    <p:sldId id="264" r:id="rId16"/>
+    <p:sldId id="279" r:id="rId9"/>
+    <p:sldId id="263" r:id="rId10"/>
+    <p:sldId id="277" r:id="rId11"/>
+    <p:sldId id="273" r:id="rId12"/>
+    <p:sldId id="274" r:id="rId13"/>
+    <p:sldId id="275" r:id="rId14"/>
+    <p:sldId id="276" r:id="rId15"/>
+    <p:sldId id="278" r:id="rId16"/>
+    <p:sldId id="264" r:id="rId17"/>
   </p:sldIdLst>
   <p:sldSz cx="12192000" cy="6858000"/>
   <p:notesSz cx="6858000" cy="9144000"/>
@@ -6488,3480 +6489,6 @@
           <p:cNvPr id="2" name="Title 1">
             <a:extLst>
               <a:ext uri="{FF2B5EF4-FFF2-40B4-BE49-F238E27FC236}">
-                <a16:creationId xmlns:a16="http://schemas.microsoft.com/office/drawing/2014/main" id="{D10C0F41-67DB-4902-B02E-10AF0EA12871}"/>
-              </a:ext>
-            </a:extLst>
-          </p:cNvPr>
-          <p:cNvSpPr>
-            <a:spLocks noGrp="1"/>
-          </p:cNvSpPr>
-          <p:nvPr>
-            <p:ph type="title"/>
-          </p:nvPr>
-        </p:nvSpPr>
-        <p:spPr/>
-        <p:txBody>
-          <a:bodyPr/>
-          <a:lstStyle/>
-          <a:p>
-            <a:r>
-              <a:rPr lang="en-US" b="1" dirty="0">
-                <a:solidFill>
-                  <a:schemeClr val="accent3"/>
-                </a:solidFill>
-                <a:effectLst>
-                  <a:outerShdw blurRad="38100" dist="38100" dir="2700000" algn="tl">
-                    <a:srgbClr val="000000">
-                      <a:alpha val="43137"/>
-                    </a:srgbClr>
-                  </a:outerShdw>
-                </a:effectLst>
-                <a:latin typeface="Times New Roman" panose="02020603050405020304" pitchFamily="18" charset="0"/>
-                <a:cs typeface="Times New Roman" panose="02020603050405020304" pitchFamily="18" charset="0"/>
-              </a:rPr>
-              <a:t>Schedule Management</a:t>
-            </a:r>
-          </a:p>
-        </p:txBody>
-      </p:sp>
-      <p:pic>
-        <p:nvPicPr>
-          <p:cNvPr id="5" name="Content Placeholder 4" descr="A screenshot of a computer&#10;&#10;Description automatically generated">
-            <a:extLst>
-              <a:ext uri="{FF2B5EF4-FFF2-40B4-BE49-F238E27FC236}">
-                <a16:creationId xmlns:a16="http://schemas.microsoft.com/office/drawing/2014/main" id="{B6736611-1689-4464-81E3-6C6B2B6F5B36}"/>
-              </a:ext>
-            </a:extLst>
-          </p:cNvPr>
-          <p:cNvPicPr>
-            <a:picLocks noGrp="1" noChangeAspect="1"/>
-          </p:cNvPicPr>
-          <p:nvPr>
-            <p:ph idx="1"/>
-          </p:nvPr>
-        </p:nvPicPr>
-        <p:blipFill>
-          <a:blip r:embed="rId2">
-            <a:extLst>
-              <a:ext uri="{28A0092B-C50C-407E-A947-70E740481C1C}">
-                <a14:useLocalDpi xmlns:a14="http://schemas.microsoft.com/office/drawing/2010/main" val="0"/>
-              </a:ext>
-            </a:extLst>
-          </a:blip>
-          <a:stretch>
-            <a:fillRect/>
-          </a:stretch>
-        </p:blipFill>
-        <p:spPr>
-          <a:xfrm>
-            <a:off x="1191803" y="1263721"/>
-            <a:ext cx="9832368" cy="4890499"/>
-          </a:xfrm>
-        </p:spPr>
-      </p:pic>
-      <p:sp>
-        <p:nvSpPr>
-          <p:cNvPr id="6" name="Footer Placeholder 5">
-            <a:extLst>
-              <a:ext uri="{FF2B5EF4-FFF2-40B4-BE49-F238E27FC236}">
-                <a16:creationId xmlns:a16="http://schemas.microsoft.com/office/drawing/2014/main" id="{BB5C8C6F-C16D-4AB6-9B47-536A364DF7B3}"/>
-              </a:ext>
-            </a:extLst>
-          </p:cNvPr>
-          <p:cNvSpPr>
-            <a:spLocks noGrp="1"/>
-          </p:cNvSpPr>
-          <p:nvPr>
-            <p:ph type="ftr" sz="quarter" idx="11"/>
-          </p:nvPr>
-        </p:nvSpPr>
-        <p:spPr/>
-        <p:txBody>
-          <a:bodyPr/>
-          <a:lstStyle/>
-          <a:p>
-            <a:r>
-              <a:rPr lang="en-US"/>
-              <a:t>Healthify-NWMSU</a:t>
-            </a:r>
-          </a:p>
-        </p:txBody>
-      </p:sp>
-      <p:sp>
-        <p:nvSpPr>
-          <p:cNvPr id="7" name="Slide Number Placeholder 6">
-            <a:extLst>
-              <a:ext uri="{FF2B5EF4-FFF2-40B4-BE49-F238E27FC236}">
-                <a16:creationId xmlns:a16="http://schemas.microsoft.com/office/drawing/2014/main" id="{6B953DC5-5829-4EC7-99E1-A0A0139D473D}"/>
-              </a:ext>
-            </a:extLst>
-          </p:cNvPr>
-          <p:cNvSpPr>
-            <a:spLocks noGrp="1"/>
-          </p:cNvSpPr>
-          <p:nvPr>
-            <p:ph type="sldNum" sz="quarter" idx="12"/>
-          </p:nvPr>
-        </p:nvSpPr>
-        <p:spPr/>
-        <p:txBody>
-          <a:bodyPr/>
-          <a:lstStyle/>
-          <a:p>
-            <a:fld id="{FC6EDEEF-6E47-4D41-B312-2A124904AE2A}" type="slidenum">
-              <a:rPr lang="en-US" smtClean="0"/>
-              <a:t>10</a:t>
-            </a:fld>
-            <a:endParaRPr lang="en-US"/>
-          </a:p>
-        </p:txBody>
-      </p:sp>
-    </p:spTree>
-    <p:extLst>
-      <p:ext uri="{BB962C8B-B14F-4D97-AF65-F5344CB8AC3E}">
-        <p14:creationId xmlns:p14="http://schemas.microsoft.com/office/powerpoint/2010/main" val="4153707155"/>
-      </p:ext>
-    </p:extLst>
-  </p:cSld>
-  <p:clrMapOvr>
-    <a:masterClrMapping/>
-  </p:clrMapOvr>
-</p:sld>
-</file>
-
-<file path=ppt/slides/slide11.xml><?xml version="1.0" encoding="utf-8"?>
-<p:sld xmlns:a="http://schemas.openxmlformats.org/drawingml/2006/main" xmlns:r="http://schemas.openxmlformats.org/officeDocument/2006/relationships" xmlns:p="http://schemas.openxmlformats.org/presentationml/2006/main">
-  <p:cSld>
-    <p:spTree>
-      <p:nvGrpSpPr>
-        <p:cNvPr id="1" name=""/>
-        <p:cNvGrpSpPr/>
-        <p:nvPr/>
-      </p:nvGrpSpPr>
-      <p:grpSpPr>
-        <a:xfrm>
-          <a:off x="0" y="0"/>
-          <a:ext cx="0" cy="0"/>
-          <a:chOff x="0" y="0"/>
-          <a:chExt cx="0" cy="0"/>
-        </a:xfrm>
-      </p:grpSpPr>
-      <p:sp>
-        <p:nvSpPr>
-          <p:cNvPr id="2" name="Title 1">
-            <a:extLst>
-              <a:ext uri="{FF2B5EF4-FFF2-40B4-BE49-F238E27FC236}">
-                <a16:creationId xmlns:a16="http://schemas.microsoft.com/office/drawing/2014/main" id="{019B3870-AD76-44DC-A5A0-5B8C0D926FEF}"/>
-              </a:ext>
-            </a:extLst>
-          </p:cNvPr>
-          <p:cNvSpPr>
-            <a:spLocks noGrp="1"/>
-          </p:cNvSpPr>
-          <p:nvPr>
-            <p:ph type="title"/>
-          </p:nvPr>
-        </p:nvSpPr>
-        <p:spPr/>
-        <p:txBody>
-          <a:bodyPr/>
-          <a:lstStyle/>
-          <a:p>
-            <a:r>
-              <a:rPr lang="en-US" b="1" dirty="0">
-                <a:solidFill>
-                  <a:schemeClr val="accent3"/>
-                </a:solidFill>
-                <a:effectLst>
-                  <a:outerShdw blurRad="38100" dist="38100" dir="2700000" algn="tl">
-                    <a:srgbClr val="000000">
-                      <a:alpha val="43137"/>
-                    </a:srgbClr>
-                  </a:outerShdw>
-                </a:effectLst>
-                <a:latin typeface="Times New Roman" panose="02020603050405020304" pitchFamily="18" charset="0"/>
-                <a:cs typeface="Times New Roman" panose="02020603050405020304" pitchFamily="18" charset="0"/>
-              </a:rPr>
-              <a:t>Cost Management </a:t>
-            </a:r>
-          </a:p>
-        </p:txBody>
-      </p:sp>
-      <p:pic>
-        <p:nvPicPr>
-          <p:cNvPr id="5" name="Content Placeholder 4" descr="A screenshot of a computer&#10;&#10;Description automatically generated">
-            <a:extLst>
-              <a:ext uri="{FF2B5EF4-FFF2-40B4-BE49-F238E27FC236}">
-                <a16:creationId xmlns:a16="http://schemas.microsoft.com/office/drawing/2014/main" id="{B434056D-5920-4F14-B7DD-B27BD2A28ADB}"/>
-              </a:ext>
-            </a:extLst>
-          </p:cNvPr>
-          <p:cNvPicPr>
-            <a:picLocks noGrp="1" noChangeAspect="1"/>
-          </p:cNvPicPr>
-          <p:nvPr>
-            <p:ph idx="1"/>
-          </p:nvPr>
-        </p:nvPicPr>
-        <p:blipFill>
-          <a:blip r:embed="rId2">
-            <a:extLst>
-              <a:ext uri="{28A0092B-C50C-407E-A947-70E740481C1C}">
-                <a14:useLocalDpi xmlns:a14="http://schemas.microsoft.com/office/drawing/2010/main" val="0"/>
-              </a:ext>
-            </a:extLst>
-          </a:blip>
-          <a:stretch>
-            <a:fillRect/>
-          </a:stretch>
-        </p:blipFill>
-        <p:spPr>
-          <a:xfrm>
-            <a:off x="1089062" y="1253448"/>
-            <a:ext cx="9647432" cy="4900772"/>
-          </a:xfrm>
-        </p:spPr>
-      </p:pic>
-      <p:sp>
-        <p:nvSpPr>
-          <p:cNvPr id="6" name="Footer Placeholder 5">
-            <a:extLst>
-              <a:ext uri="{FF2B5EF4-FFF2-40B4-BE49-F238E27FC236}">
-                <a16:creationId xmlns:a16="http://schemas.microsoft.com/office/drawing/2014/main" id="{516688C4-0ADD-40B0-B93A-5E20A555C43D}"/>
-              </a:ext>
-            </a:extLst>
-          </p:cNvPr>
-          <p:cNvSpPr>
-            <a:spLocks noGrp="1"/>
-          </p:cNvSpPr>
-          <p:nvPr>
-            <p:ph type="ftr" sz="quarter" idx="11"/>
-          </p:nvPr>
-        </p:nvSpPr>
-        <p:spPr/>
-        <p:txBody>
-          <a:bodyPr/>
-          <a:lstStyle/>
-          <a:p>
-            <a:r>
-              <a:rPr lang="en-US"/>
-              <a:t>Healthify-NWMSU</a:t>
-            </a:r>
-          </a:p>
-        </p:txBody>
-      </p:sp>
-      <p:sp>
-        <p:nvSpPr>
-          <p:cNvPr id="7" name="Slide Number Placeholder 6">
-            <a:extLst>
-              <a:ext uri="{FF2B5EF4-FFF2-40B4-BE49-F238E27FC236}">
-                <a16:creationId xmlns:a16="http://schemas.microsoft.com/office/drawing/2014/main" id="{26449E8A-D908-40AB-96FA-365AF937BD48}"/>
-              </a:ext>
-            </a:extLst>
-          </p:cNvPr>
-          <p:cNvSpPr>
-            <a:spLocks noGrp="1"/>
-          </p:cNvSpPr>
-          <p:nvPr>
-            <p:ph type="sldNum" sz="quarter" idx="12"/>
-          </p:nvPr>
-        </p:nvSpPr>
-        <p:spPr/>
-        <p:txBody>
-          <a:bodyPr/>
-          <a:lstStyle/>
-          <a:p>
-            <a:fld id="{FC6EDEEF-6E47-4D41-B312-2A124904AE2A}" type="slidenum">
-              <a:rPr lang="en-US" smtClean="0"/>
-              <a:t>11</a:t>
-            </a:fld>
-            <a:endParaRPr lang="en-US"/>
-          </a:p>
-        </p:txBody>
-      </p:sp>
-    </p:spTree>
-    <p:extLst>
-      <p:ext uri="{BB962C8B-B14F-4D97-AF65-F5344CB8AC3E}">
-        <p14:creationId xmlns:p14="http://schemas.microsoft.com/office/powerpoint/2010/main" val="1271753515"/>
-      </p:ext>
-    </p:extLst>
-  </p:cSld>
-  <p:clrMapOvr>
-    <a:masterClrMapping/>
-  </p:clrMapOvr>
-</p:sld>
-</file>
-
-<file path=ppt/slides/slide12.xml><?xml version="1.0" encoding="utf-8"?>
-<p:sld xmlns:a="http://schemas.openxmlformats.org/drawingml/2006/main" xmlns:r="http://schemas.openxmlformats.org/officeDocument/2006/relationships" xmlns:p="http://schemas.openxmlformats.org/presentationml/2006/main">
-  <p:cSld>
-    <p:spTree>
-      <p:nvGrpSpPr>
-        <p:cNvPr id="1" name=""/>
-        <p:cNvGrpSpPr/>
-        <p:nvPr/>
-      </p:nvGrpSpPr>
-      <p:grpSpPr>
-        <a:xfrm>
-          <a:off x="0" y="0"/>
-          <a:ext cx="0" cy="0"/>
-          <a:chOff x="0" y="0"/>
-          <a:chExt cx="0" cy="0"/>
-        </a:xfrm>
-      </p:grpSpPr>
-      <p:sp>
-        <p:nvSpPr>
-          <p:cNvPr id="2" name="Title 1">
-            <a:extLst>
-              <a:ext uri="{FF2B5EF4-FFF2-40B4-BE49-F238E27FC236}">
-                <a16:creationId xmlns:a16="http://schemas.microsoft.com/office/drawing/2014/main" id="{405F658A-143D-4B11-9418-4DFD99116EE8}"/>
-              </a:ext>
-            </a:extLst>
-          </p:cNvPr>
-          <p:cNvSpPr>
-            <a:spLocks noGrp="1"/>
-          </p:cNvSpPr>
-          <p:nvPr>
-            <p:ph type="title"/>
-          </p:nvPr>
-        </p:nvSpPr>
-        <p:spPr/>
-        <p:txBody>
-          <a:bodyPr>
-            <a:normAutofit fontScale="90000"/>
-          </a:bodyPr>
-          <a:lstStyle/>
-          <a:p>
-            <a:r>
-              <a:rPr lang="en-US" sz="4000" b="1" dirty="0">
-                <a:solidFill>
-                  <a:schemeClr val="accent3"/>
-                </a:solidFill>
-                <a:effectLst>
-                  <a:outerShdw blurRad="38100" dist="38100" dir="2700000" algn="tl">
-                    <a:srgbClr val="000000">
-                      <a:alpha val="43137"/>
-                    </a:srgbClr>
-                  </a:outerShdw>
-                </a:effectLst>
-                <a:latin typeface="Times New Roman" panose="02020603050405020304" pitchFamily="18" charset="0"/>
-                <a:cs typeface="Times New Roman" panose="02020603050405020304" pitchFamily="18" charset="0"/>
-              </a:rPr>
-              <a:t>Benefits</a:t>
-            </a:r>
-            <a:br>
-              <a:rPr lang="en-US" sz="2400" b="1" dirty="0">
-                <a:latin typeface="Times New Roman" panose="02020603050405020304" pitchFamily="18" charset="0"/>
-                <a:cs typeface="Times New Roman" panose="02020603050405020304" pitchFamily="18" charset="0"/>
-              </a:rPr>
-            </a:br>
-            <a:br>
-              <a:rPr lang="en-US" sz="2400" b="1" dirty="0">
-                <a:latin typeface="Times New Roman" panose="02020603050405020304" pitchFamily="18" charset="0"/>
-                <a:cs typeface="Times New Roman" panose="02020603050405020304" pitchFamily="18" charset="0"/>
-              </a:rPr>
-            </a:br>
-            <a:endParaRPr lang="en-US" sz="2400" dirty="0">
-              <a:latin typeface="Times New Roman" panose="02020603050405020304" pitchFamily="18" charset="0"/>
-              <a:cs typeface="Times New Roman" panose="02020603050405020304" pitchFamily="18" charset="0"/>
-            </a:endParaRPr>
-          </a:p>
-        </p:txBody>
-      </p:sp>
-      <p:sp>
-        <p:nvSpPr>
-          <p:cNvPr id="3" name="Content Placeholder 2">
-            <a:extLst>
-              <a:ext uri="{FF2B5EF4-FFF2-40B4-BE49-F238E27FC236}">
-                <a16:creationId xmlns:a16="http://schemas.microsoft.com/office/drawing/2014/main" id="{3C1589E6-2CE7-437E-B912-6C37A64FE22A}"/>
-              </a:ext>
-            </a:extLst>
-          </p:cNvPr>
-          <p:cNvSpPr>
-            <a:spLocks noGrp="1"/>
-          </p:cNvSpPr>
-          <p:nvPr>
-            <p:ph idx="1"/>
-          </p:nvPr>
-        </p:nvSpPr>
-        <p:spPr>
-          <a:xfrm>
-            <a:off x="1103312" y="1335640"/>
-            <a:ext cx="8946541" cy="4912759"/>
-          </a:xfrm>
-        </p:spPr>
-        <p:txBody>
-          <a:bodyPr>
-            <a:normAutofit fontScale="92500" lnSpcReduction="10000"/>
-          </a:bodyPr>
-          <a:lstStyle/>
-          <a:p>
-            <a:r>
-              <a:rPr lang="en-US" dirty="0">
-                <a:latin typeface="Times New Roman" panose="02020603050405020304" pitchFamily="18" charset="0"/>
-                <a:cs typeface="Times New Roman" panose="02020603050405020304" pitchFamily="18" charset="0"/>
-              </a:rPr>
-              <a:t>Monitor your diet everyday</a:t>
-            </a:r>
-          </a:p>
-          <a:p>
-            <a:r>
-              <a:rPr lang="en-US" dirty="0">
-                <a:latin typeface="Times New Roman" panose="02020603050405020304" pitchFamily="18" charset="0"/>
-                <a:cs typeface="Times New Roman" panose="02020603050405020304" pitchFamily="18" charset="0"/>
-              </a:rPr>
-              <a:t>Track your footsteps</a:t>
-            </a:r>
-          </a:p>
-          <a:p>
-            <a:r>
-              <a:rPr lang="en-US" dirty="0">
-                <a:latin typeface="Times New Roman" panose="02020603050405020304" pitchFamily="18" charset="0"/>
-                <a:cs typeface="Times New Roman" panose="02020603050405020304" pitchFamily="18" charset="0"/>
-              </a:rPr>
-              <a:t>Track your water intake</a:t>
-            </a:r>
-          </a:p>
-          <a:p>
-            <a:r>
-              <a:rPr lang="en-US" dirty="0">
-                <a:latin typeface="Times New Roman" panose="02020603050405020304" pitchFamily="18" charset="0"/>
-                <a:cs typeface="Times New Roman" panose="02020603050405020304" pitchFamily="18" charset="0"/>
-              </a:rPr>
-              <a:t>Helps in calorie count</a:t>
-            </a:r>
-          </a:p>
-          <a:p>
-            <a:r>
-              <a:rPr lang="en-US" dirty="0">
-                <a:latin typeface="Times New Roman" panose="02020603050405020304" pitchFamily="18" charset="0"/>
-                <a:cs typeface="Times New Roman" panose="02020603050405020304" pitchFamily="18" charset="0"/>
-              </a:rPr>
-              <a:t>Set goals that you can achieve</a:t>
-            </a:r>
-          </a:p>
-          <a:p>
-            <a:r>
-              <a:rPr lang="en-US" dirty="0">
-                <a:latin typeface="Times New Roman" panose="02020603050405020304" pitchFamily="18" charset="0"/>
-                <a:cs typeface="Times New Roman" panose="02020603050405020304" pitchFamily="18" charset="0"/>
-              </a:rPr>
-              <a:t>Create your yoga studio</a:t>
-            </a:r>
-          </a:p>
-          <a:p>
-            <a:r>
-              <a:rPr lang="en-US" dirty="0">
-                <a:latin typeface="Times New Roman" panose="02020603050405020304" pitchFamily="18" charset="0"/>
-                <a:cs typeface="Times New Roman" panose="02020603050405020304" pitchFamily="18" charset="0"/>
-              </a:rPr>
-              <a:t>Easily keep track of your progress</a:t>
-            </a:r>
-          </a:p>
-          <a:p>
-            <a:r>
-              <a:rPr lang="en-US" dirty="0">
-                <a:latin typeface="Times New Roman" panose="02020603050405020304" pitchFamily="18" charset="0"/>
-                <a:cs typeface="Times New Roman" panose="02020603050405020304" pitchFamily="18" charset="0"/>
-              </a:rPr>
-              <a:t>Get free workout ideas</a:t>
-            </a:r>
-          </a:p>
-          <a:p>
-            <a:r>
-              <a:rPr lang="en-US" dirty="0">
-                <a:latin typeface="Times New Roman" panose="02020603050405020304" pitchFamily="18" charset="0"/>
-                <a:cs typeface="Times New Roman" panose="02020603050405020304" pitchFamily="18" charset="0"/>
-              </a:rPr>
-              <a:t>Heartrate tracking</a:t>
-            </a:r>
-          </a:p>
-          <a:p>
-            <a:r>
-              <a:rPr lang="en-US" dirty="0">
-                <a:latin typeface="Times New Roman" panose="02020603050405020304" pitchFamily="18" charset="0"/>
-                <a:cs typeface="Times New Roman" panose="02020603050405020304" pitchFamily="18" charset="0"/>
-              </a:rPr>
-              <a:t>Weight loss progression</a:t>
-            </a:r>
-          </a:p>
-          <a:p>
-            <a:r>
-              <a:rPr lang="en-US" dirty="0">
-                <a:latin typeface="Times New Roman" panose="02020603050405020304" pitchFamily="18" charset="0"/>
-                <a:cs typeface="Times New Roman" panose="02020603050405020304" pitchFamily="18" charset="0"/>
-              </a:rPr>
-              <a:t>Pedometer</a:t>
-            </a:r>
-          </a:p>
-          <a:p>
-            <a:r>
-              <a:rPr lang="en-US" dirty="0">
-                <a:latin typeface="Times New Roman" panose="02020603050405020304" pitchFamily="18" charset="0"/>
-                <a:cs typeface="Times New Roman" panose="02020603050405020304" pitchFamily="18" charset="0"/>
-              </a:rPr>
-              <a:t>Give free health and fitness tips</a:t>
-            </a:r>
-          </a:p>
-          <a:p>
-            <a:r>
-              <a:rPr lang="en-US" dirty="0">
-                <a:latin typeface="Times New Roman" panose="02020603050405020304" pitchFamily="18" charset="0"/>
-                <a:cs typeface="Times New Roman" panose="02020603050405020304" pitchFamily="18" charset="0"/>
-              </a:rPr>
-              <a:t>Keeps you Motivated</a:t>
-            </a:r>
-            <a:br>
-              <a:rPr lang="en-US" dirty="0">
-                <a:latin typeface="Times New Roman" panose="02020603050405020304" pitchFamily="18" charset="0"/>
-                <a:cs typeface="Times New Roman" panose="02020603050405020304" pitchFamily="18" charset="0"/>
-              </a:rPr>
-            </a:br>
-            <a:endParaRPr lang="en-US" dirty="0"/>
-          </a:p>
-        </p:txBody>
-      </p:sp>
-      <p:sp>
-        <p:nvSpPr>
-          <p:cNvPr id="6" name="Footer Placeholder 5">
-            <a:extLst>
-              <a:ext uri="{FF2B5EF4-FFF2-40B4-BE49-F238E27FC236}">
-                <a16:creationId xmlns:a16="http://schemas.microsoft.com/office/drawing/2014/main" id="{4B608E52-3160-4FB5-9321-FA0230206FAF}"/>
-              </a:ext>
-            </a:extLst>
-          </p:cNvPr>
-          <p:cNvSpPr>
-            <a:spLocks noGrp="1"/>
-          </p:cNvSpPr>
-          <p:nvPr>
-            <p:ph type="ftr" sz="quarter" idx="11"/>
-          </p:nvPr>
-        </p:nvSpPr>
-        <p:spPr/>
-        <p:txBody>
-          <a:bodyPr/>
-          <a:lstStyle/>
-          <a:p>
-            <a:r>
-              <a:rPr lang="en-US"/>
-              <a:t>Healthify-NWMSU</a:t>
-            </a:r>
-          </a:p>
-        </p:txBody>
-      </p:sp>
-      <p:sp>
-        <p:nvSpPr>
-          <p:cNvPr id="7" name="Slide Number Placeholder 6">
-            <a:extLst>
-              <a:ext uri="{FF2B5EF4-FFF2-40B4-BE49-F238E27FC236}">
-                <a16:creationId xmlns:a16="http://schemas.microsoft.com/office/drawing/2014/main" id="{B2E28E4D-841C-4814-8F4D-BA4586DE59F7}"/>
-              </a:ext>
-            </a:extLst>
-          </p:cNvPr>
-          <p:cNvSpPr>
-            <a:spLocks noGrp="1"/>
-          </p:cNvSpPr>
-          <p:nvPr>
-            <p:ph type="sldNum" sz="quarter" idx="12"/>
-          </p:nvPr>
-        </p:nvSpPr>
-        <p:spPr/>
-        <p:txBody>
-          <a:bodyPr/>
-          <a:lstStyle/>
-          <a:p>
-            <a:fld id="{FC6EDEEF-6E47-4D41-B312-2A124904AE2A}" type="slidenum">
-              <a:rPr lang="en-US" smtClean="0"/>
-              <a:t>12</a:t>
-            </a:fld>
-            <a:endParaRPr lang="en-US"/>
-          </a:p>
-        </p:txBody>
-      </p:sp>
-    </p:spTree>
-    <p:extLst>
-      <p:ext uri="{BB962C8B-B14F-4D97-AF65-F5344CB8AC3E}">
-        <p14:creationId xmlns:p14="http://schemas.microsoft.com/office/powerpoint/2010/main" val="964727621"/>
-      </p:ext>
-    </p:extLst>
-  </p:cSld>
-  <p:clrMapOvr>
-    <a:masterClrMapping/>
-  </p:clrMapOvr>
-</p:sld>
-</file>
-
-<file path=ppt/slides/slide13.xml><?xml version="1.0" encoding="utf-8"?>
-<p:sld xmlns:a="http://schemas.openxmlformats.org/drawingml/2006/main" xmlns:r="http://schemas.openxmlformats.org/officeDocument/2006/relationships" xmlns:p="http://schemas.openxmlformats.org/presentationml/2006/main">
-  <p:cSld>
-    <p:spTree>
-      <p:nvGrpSpPr>
-        <p:cNvPr id="1" name=""/>
-        <p:cNvGrpSpPr/>
-        <p:nvPr/>
-      </p:nvGrpSpPr>
-      <p:grpSpPr>
-        <a:xfrm>
-          <a:off x="0" y="0"/>
-          <a:ext cx="0" cy="0"/>
-          <a:chOff x="0" y="0"/>
-          <a:chExt cx="0" cy="0"/>
-        </a:xfrm>
-      </p:grpSpPr>
-      <p:sp>
-        <p:nvSpPr>
-          <p:cNvPr id="2" name="Title 1">
-            <a:extLst>
-              <a:ext uri="{FF2B5EF4-FFF2-40B4-BE49-F238E27FC236}">
-                <a16:creationId xmlns:a16="http://schemas.microsoft.com/office/drawing/2014/main" id="{C97ED26C-B80A-468B-9308-6F02858E1560}"/>
-              </a:ext>
-            </a:extLst>
-          </p:cNvPr>
-          <p:cNvSpPr>
-            <a:spLocks noGrp="1"/>
-          </p:cNvSpPr>
-          <p:nvPr>
-            <p:ph type="title"/>
-          </p:nvPr>
-        </p:nvSpPr>
-        <p:spPr>
-          <a:xfrm>
-            <a:off x="646111" y="452718"/>
-            <a:ext cx="9404723" cy="934293"/>
-          </a:xfrm>
-        </p:spPr>
-        <p:txBody>
-          <a:bodyPr/>
-          <a:lstStyle/>
-          <a:p>
-            <a:r>
-              <a:rPr lang="en-US" b="1" dirty="0">
-                <a:solidFill>
-                  <a:schemeClr val="accent3"/>
-                </a:solidFill>
-                <a:effectLst>
-                  <a:outerShdw blurRad="38100" dist="38100" dir="2700000" algn="tl">
-                    <a:srgbClr val="000000">
-                      <a:alpha val="43137"/>
-                    </a:srgbClr>
-                  </a:outerShdw>
-                </a:effectLst>
-                <a:latin typeface="Times New Roman" panose="02020603050405020304" pitchFamily="18" charset="0"/>
-                <a:cs typeface="Times New Roman" panose="02020603050405020304" pitchFamily="18" charset="0"/>
-              </a:rPr>
-              <a:t>References</a:t>
-            </a:r>
-          </a:p>
-        </p:txBody>
-      </p:sp>
-      <p:sp>
-        <p:nvSpPr>
-          <p:cNvPr id="3" name="Content Placeholder 2">
-            <a:extLst>
-              <a:ext uri="{FF2B5EF4-FFF2-40B4-BE49-F238E27FC236}">
-                <a16:creationId xmlns:a16="http://schemas.microsoft.com/office/drawing/2014/main" id="{5788D7AD-89B9-4372-933F-CB05EC9505E5}"/>
-              </a:ext>
-            </a:extLst>
-          </p:cNvPr>
-          <p:cNvSpPr>
-            <a:spLocks noGrp="1"/>
-          </p:cNvSpPr>
-          <p:nvPr>
-            <p:ph idx="1"/>
-          </p:nvPr>
-        </p:nvSpPr>
-        <p:spPr>
-          <a:xfrm>
-            <a:off x="1103312" y="1387012"/>
-            <a:ext cx="8946541" cy="4861388"/>
-          </a:xfrm>
-        </p:spPr>
-        <p:txBody>
-          <a:bodyPr/>
-          <a:lstStyle/>
-          <a:p>
-            <a:r>
-              <a:rPr lang="en-US" dirty="0">
-                <a:latin typeface="Times New Roman" panose="02020603050405020304" pitchFamily="18" charset="0"/>
-                <a:cs typeface="Times New Roman" panose="02020603050405020304" pitchFamily="18" charset="0"/>
-              </a:rPr>
-              <a:t>Jira link: </a:t>
-            </a:r>
-            <a:r>
-              <a:rPr lang="en-US" dirty="0">
-                <a:latin typeface="Times New Roman" panose="02020603050405020304" pitchFamily="18" charset="0"/>
-                <a:cs typeface="Times New Roman" panose="02020603050405020304" pitchFamily="18" charset="0"/>
-                <a:hlinkClick r:id="rId2"/>
-              </a:rPr>
-              <a:t>https://sowmyathogiti27.atlassian.net/jira/software/projects/HN/boards/2</a:t>
-            </a:r>
-            <a:endParaRPr lang="en-US" dirty="0">
-              <a:latin typeface="Times New Roman" panose="02020603050405020304" pitchFamily="18" charset="0"/>
-              <a:cs typeface="Times New Roman" panose="02020603050405020304" pitchFamily="18" charset="0"/>
-            </a:endParaRPr>
-          </a:p>
-          <a:p>
-            <a:r>
-              <a:rPr lang="en-US" dirty="0">
-                <a:latin typeface="Times New Roman" panose="02020603050405020304" pitchFamily="18" charset="0"/>
-                <a:cs typeface="Times New Roman" panose="02020603050405020304" pitchFamily="18" charset="0"/>
-              </a:rPr>
-              <a:t>FluidUI Link: </a:t>
-            </a:r>
-            <a:r>
-              <a:rPr lang="en-US" dirty="0">
-                <a:latin typeface="Times New Roman" panose="02020603050405020304" pitchFamily="18" charset="0"/>
-                <a:cs typeface="Times New Roman" panose="02020603050405020304" pitchFamily="18" charset="0"/>
-                <a:hlinkClick r:id="rId3"/>
-              </a:rPr>
-              <a:t>https://www.fluidui.com/editor/live/</a:t>
-            </a:r>
-            <a:endParaRPr lang="en-US" dirty="0">
-              <a:latin typeface="Times New Roman" panose="02020603050405020304" pitchFamily="18" charset="0"/>
-              <a:cs typeface="Times New Roman" panose="02020603050405020304" pitchFamily="18" charset="0"/>
-            </a:endParaRPr>
-          </a:p>
-          <a:p>
-            <a:r>
-              <a:rPr lang="en-US" dirty="0" err="1">
-                <a:latin typeface="Times New Roman" panose="02020603050405020304" pitchFamily="18" charset="0"/>
-                <a:cs typeface="Times New Roman" panose="02020603050405020304" pitchFamily="18" charset="0"/>
-              </a:rPr>
-              <a:t>Github</a:t>
-            </a:r>
-            <a:r>
-              <a:rPr lang="en-US" dirty="0">
-                <a:latin typeface="Times New Roman" panose="02020603050405020304" pitchFamily="18" charset="0"/>
-                <a:cs typeface="Times New Roman" panose="02020603050405020304" pitchFamily="18" charset="0"/>
-              </a:rPr>
-              <a:t> Link: </a:t>
-            </a:r>
-            <a:r>
-              <a:rPr lang="en-US" dirty="0">
-                <a:latin typeface="Times New Roman" panose="02020603050405020304" pitchFamily="18" charset="0"/>
-                <a:cs typeface="Times New Roman" panose="02020603050405020304" pitchFamily="18" charset="0"/>
-                <a:hlinkClick r:id="rId4"/>
-              </a:rPr>
-              <a:t>https://github.com/sowmyathogiti/Healthify-NWMSU</a:t>
-            </a:r>
-            <a:endParaRPr lang="en-US" dirty="0">
-              <a:latin typeface="Times New Roman" panose="02020603050405020304" pitchFamily="18" charset="0"/>
-              <a:cs typeface="Times New Roman" panose="02020603050405020304" pitchFamily="18" charset="0"/>
-            </a:endParaRPr>
-          </a:p>
-          <a:p>
-            <a:endParaRPr lang="en-US" dirty="0"/>
-          </a:p>
-        </p:txBody>
-      </p:sp>
-      <p:sp>
-        <p:nvSpPr>
-          <p:cNvPr id="6" name="Footer Placeholder 5">
-            <a:extLst>
-              <a:ext uri="{FF2B5EF4-FFF2-40B4-BE49-F238E27FC236}">
-                <a16:creationId xmlns:a16="http://schemas.microsoft.com/office/drawing/2014/main" id="{9E920EAF-6020-4B29-9674-1A67459ED1C8}"/>
-              </a:ext>
-            </a:extLst>
-          </p:cNvPr>
-          <p:cNvSpPr>
-            <a:spLocks noGrp="1"/>
-          </p:cNvSpPr>
-          <p:nvPr>
-            <p:ph type="ftr" sz="quarter" idx="11"/>
-          </p:nvPr>
-        </p:nvSpPr>
-        <p:spPr/>
-        <p:txBody>
-          <a:bodyPr/>
-          <a:lstStyle/>
-          <a:p>
-            <a:r>
-              <a:rPr lang="en-US"/>
-              <a:t>Healthify-NWMSU</a:t>
-            </a:r>
-          </a:p>
-        </p:txBody>
-      </p:sp>
-      <p:sp>
-        <p:nvSpPr>
-          <p:cNvPr id="7" name="Slide Number Placeholder 6">
-            <a:extLst>
-              <a:ext uri="{FF2B5EF4-FFF2-40B4-BE49-F238E27FC236}">
-                <a16:creationId xmlns:a16="http://schemas.microsoft.com/office/drawing/2014/main" id="{3426C4F2-2A88-4081-9B53-38FAE1053920}"/>
-              </a:ext>
-            </a:extLst>
-          </p:cNvPr>
-          <p:cNvSpPr>
-            <a:spLocks noGrp="1"/>
-          </p:cNvSpPr>
-          <p:nvPr>
-            <p:ph type="sldNum" sz="quarter" idx="12"/>
-          </p:nvPr>
-        </p:nvSpPr>
-        <p:spPr/>
-        <p:txBody>
-          <a:bodyPr/>
-          <a:lstStyle/>
-          <a:p>
-            <a:fld id="{FC6EDEEF-6E47-4D41-B312-2A124904AE2A}" type="slidenum">
-              <a:rPr lang="en-US" smtClean="0"/>
-              <a:t>13</a:t>
-            </a:fld>
-            <a:endParaRPr lang="en-US"/>
-          </a:p>
-        </p:txBody>
-      </p:sp>
-    </p:spTree>
-    <p:extLst>
-      <p:ext uri="{BB962C8B-B14F-4D97-AF65-F5344CB8AC3E}">
-        <p14:creationId xmlns:p14="http://schemas.microsoft.com/office/powerpoint/2010/main" val="613347474"/>
-      </p:ext>
-    </p:extLst>
-  </p:cSld>
-  <p:clrMapOvr>
-    <a:masterClrMapping/>
-  </p:clrMapOvr>
-</p:sld>
-</file>
-
-<file path=ppt/slides/slide14.xml><?xml version="1.0" encoding="utf-8"?>
-<p:sld xmlns:a="http://schemas.openxmlformats.org/drawingml/2006/main" xmlns:r="http://schemas.openxmlformats.org/officeDocument/2006/relationships" xmlns:p="http://schemas.openxmlformats.org/presentationml/2006/main">
-  <p:cSld>
-    <p:spTree>
-      <p:nvGrpSpPr>
-        <p:cNvPr id="1" name=""/>
-        <p:cNvGrpSpPr/>
-        <p:nvPr/>
-      </p:nvGrpSpPr>
-      <p:grpSpPr>
-        <a:xfrm>
-          <a:off x="0" y="0"/>
-          <a:ext cx="0" cy="0"/>
-          <a:chOff x="0" y="0"/>
-          <a:chExt cx="0" cy="0"/>
-        </a:xfrm>
-      </p:grpSpPr>
-      <p:sp>
-        <p:nvSpPr>
-          <p:cNvPr id="2" name="Title 1">
-            <a:extLst>
-              <a:ext uri="{FF2B5EF4-FFF2-40B4-BE49-F238E27FC236}">
-                <a16:creationId xmlns:a16="http://schemas.microsoft.com/office/drawing/2014/main" id="{2C604194-1C8A-4C9E-B1AF-0E12F8685766}"/>
-              </a:ext>
-            </a:extLst>
-          </p:cNvPr>
-          <p:cNvSpPr>
-            <a:spLocks noGrp="1"/>
-          </p:cNvSpPr>
-          <p:nvPr>
-            <p:ph type="title"/>
-          </p:nvPr>
-        </p:nvSpPr>
-        <p:spPr/>
-        <p:txBody>
-          <a:bodyPr/>
-          <a:lstStyle/>
-          <a:p>
-            <a:endParaRPr lang="en-US"/>
-          </a:p>
-        </p:txBody>
-      </p:sp>
-      <p:sp>
-        <p:nvSpPr>
-          <p:cNvPr id="3" name="Content Placeholder 2">
-            <a:extLst>
-              <a:ext uri="{FF2B5EF4-FFF2-40B4-BE49-F238E27FC236}">
-                <a16:creationId xmlns:a16="http://schemas.microsoft.com/office/drawing/2014/main" id="{3110738C-2F3D-4D74-8294-EACAC80F2821}"/>
-              </a:ext>
-            </a:extLst>
-          </p:cNvPr>
-          <p:cNvSpPr>
-            <a:spLocks noGrp="1"/>
-          </p:cNvSpPr>
-          <p:nvPr>
-            <p:ph idx="1"/>
-          </p:nvPr>
-        </p:nvSpPr>
-        <p:spPr/>
-        <p:txBody>
-          <a:bodyPr/>
-          <a:lstStyle/>
-          <a:p>
-            <a:endParaRPr lang="en-US" dirty="0"/>
-          </a:p>
-        </p:txBody>
-      </p:sp>
-      <p:sp>
-        <p:nvSpPr>
-          <p:cNvPr id="4" name="Footer Placeholder 3">
-            <a:extLst>
-              <a:ext uri="{FF2B5EF4-FFF2-40B4-BE49-F238E27FC236}">
-                <a16:creationId xmlns:a16="http://schemas.microsoft.com/office/drawing/2014/main" id="{E554116B-D012-45FA-859A-D28744FDB10A}"/>
-              </a:ext>
-            </a:extLst>
-          </p:cNvPr>
-          <p:cNvSpPr>
-            <a:spLocks noGrp="1"/>
-          </p:cNvSpPr>
-          <p:nvPr>
-            <p:ph type="ftr" sz="quarter" idx="11"/>
-          </p:nvPr>
-        </p:nvSpPr>
-        <p:spPr/>
-        <p:txBody>
-          <a:bodyPr/>
-          <a:lstStyle/>
-          <a:p>
-            <a:r>
-              <a:rPr lang="en-US"/>
-              <a:t>Healthify-NWMSU</a:t>
-            </a:r>
-          </a:p>
-        </p:txBody>
-      </p:sp>
-      <p:sp>
-        <p:nvSpPr>
-          <p:cNvPr id="5" name="Slide Number Placeholder 4">
-            <a:extLst>
-              <a:ext uri="{FF2B5EF4-FFF2-40B4-BE49-F238E27FC236}">
-                <a16:creationId xmlns:a16="http://schemas.microsoft.com/office/drawing/2014/main" id="{39B7C093-84C7-4286-83CB-8ADB42C8BEBD}"/>
-              </a:ext>
-            </a:extLst>
-          </p:cNvPr>
-          <p:cNvSpPr>
-            <a:spLocks noGrp="1"/>
-          </p:cNvSpPr>
-          <p:nvPr>
-            <p:ph type="sldNum" sz="quarter" idx="12"/>
-          </p:nvPr>
-        </p:nvSpPr>
-        <p:spPr/>
-        <p:txBody>
-          <a:bodyPr/>
-          <a:lstStyle/>
-          <a:p>
-            <a:fld id="{FC6EDEEF-6E47-4D41-B312-2A124904AE2A}" type="slidenum">
-              <a:rPr lang="en-US" smtClean="0"/>
-              <a:t>14</a:t>
-            </a:fld>
-            <a:endParaRPr lang="en-US"/>
-          </a:p>
-        </p:txBody>
-      </p:sp>
-      <p:sp>
-        <p:nvSpPr>
-          <p:cNvPr id="6" name="Thought Bubble: Cloud 5">
-            <a:extLst>
-              <a:ext uri="{FF2B5EF4-FFF2-40B4-BE49-F238E27FC236}">
-                <a16:creationId xmlns:a16="http://schemas.microsoft.com/office/drawing/2014/main" id="{B8208AA6-D504-4D2C-8300-3D388CB56686}"/>
-              </a:ext>
-            </a:extLst>
-          </p:cNvPr>
-          <p:cNvSpPr/>
-          <p:nvPr/>
-        </p:nvSpPr>
-        <p:spPr>
-          <a:xfrm>
-            <a:off x="3482939" y="2044557"/>
-            <a:ext cx="4428162" cy="2883044"/>
-          </a:xfrm>
-          <a:prstGeom prst="cloudCallout">
-            <a:avLst/>
-          </a:prstGeom>
-        </p:spPr>
-        <p:style>
-          <a:lnRef idx="2">
-            <a:schemeClr val="accent1">
-              <a:shade val="50000"/>
-            </a:schemeClr>
-          </a:lnRef>
-          <a:fillRef idx="1">
-            <a:schemeClr val="accent1"/>
-          </a:fillRef>
-          <a:effectRef idx="0">
-            <a:schemeClr val="accent1"/>
-          </a:effectRef>
-          <a:fontRef idx="minor">
-            <a:schemeClr val="lt1"/>
-          </a:fontRef>
-        </p:style>
-        <p:txBody>
-          <a:bodyPr rtlCol="0" anchor="ctr"/>
-          <a:lstStyle/>
-          <a:p>
-            <a:pPr algn="ctr"/>
-            <a:r>
-              <a:rPr lang="en-US" sz="4000" dirty="0">
-                <a:latin typeface="Times New Roman" panose="02020603050405020304" pitchFamily="18" charset="0"/>
-                <a:cs typeface="Times New Roman" panose="02020603050405020304" pitchFamily="18" charset="0"/>
-              </a:rPr>
-              <a:t>Queries…??</a:t>
-            </a:r>
-          </a:p>
-        </p:txBody>
-      </p:sp>
-    </p:spTree>
-    <p:extLst>
-      <p:ext uri="{BB962C8B-B14F-4D97-AF65-F5344CB8AC3E}">
-        <p14:creationId xmlns:p14="http://schemas.microsoft.com/office/powerpoint/2010/main" val="1034166838"/>
-      </p:ext>
-    </p:extLst>
-  </p:cSld>
-  <p:clrMapOvr>
-    <a:masterClrMapping/>
-  </p:clrMapOvr>
-</p:sld>
-</file>
-
-<file path=ppt/slides/slide15.xml><?xml version="1.0" encoding="utf-8"?>
-<p:sld xmlns:a="http://schemas.openxmlformats.org/drawingml/2006/main" xmlns:r="http://schemas.openxmlformats.org/officeDocument/2006/relationships" xmlns:p="http://schemas.openxmlformats.org/presentationml/2006/main">
-  <p:cSld>
-    <p:bg>
-      <p:bgPr>
-        <a:solidFill>
-          <a:schemeClr val="bg1"/>
-        </a:solidFill>
-        <a:effectLst/>
-      </p:bgPr>
-    </p:bg>
-    <p:spTree>
-      <p:nvGrpSpPr>
-        <p:cNvPr id="1" name=""/>
-        <p:cNvGrpSpPr/>
-        <p:nvPr/>
-      </p:nvGrpSpPr>
-      <p:grpSpPr>
-        <a:xfrm>
-          <a:off x="0" y="0"/>
-          <a:ext cx="0" cy="0"/>
-          <a:chOff x="0" y="0"/>
-          <a:chExt cx="0" cy="0"/>
-        </a:xfrm>
-      </p:grpSpPr>
-      <p:sp>
-        <p:nvSpPr>
-          <p:cNvPr id="2" name="Title 1">
-            <a:extLst>
-              <a:ext uri="{FF2B5EF4-FFF2-40B4-BE49-F238E27FC236}">
-                <a16:creationId xmlns:a16="http://schemas.microsoft.com/office/drawing/2014/main" id="{9779E0E0-BE73-487B-AAF5-B9C63665EBD8}"/>
-              </a:ext>
-            </a:extLst>
-          </p:cNvPr>
-          <p:cNvSpPr>
-            <a:spLocks noGrp="1"/>
-          </p:cNvSpPr>
-          <p:nvPr>
-            <p:ph type="title"/>
-          </p:nvPr>
-        </p:nvSpPr>
-        <p:spPr>
-          <a:xfrm>
-            <a:off x="677334" y="609600"/>
-            <a:ext cx="8596668" cy="1320800"/>
-          </a:xfrm>
-        </p:spPr>
-        <p:txBody>
-          <a:bodyPr vert="horz" lIns="91440" tIns="45720" rIns="91440" bIns="45720" rtlCol="0" anchor="t">
-            <a:normAutofit/>
-          </a:bodyPr>
-          <a:lstStyle/>
-          <a:p>
-            <a:endParaRPr lang="en-US"/>
-          </a:p>
-        </p:txBody>
-      </p:sp>
-      <p:sp>
-        <p:nvSpPr>
-          <p:cNvPr id="7" name="Footer Placeholder 6">
-            <a:extLst>
-              <a:ext uri="{FF2B5EF4-FFF2-40B4-BE49-F238E27FC236}">
-                <a16:creationId xmlns:a16="http://schemas.microsoft.com/office/drawing/2014/main" id="{DA6C3D57-D90D-478E-90C7-F2D2AEBD5DCC}"/>
-              </a:ext>
-            </a:extLst>
-          </p:cNvPr>
-          <p:cNvSpPr>
-            <a:spLocks noGrp="1"/>
-          </p:cNvSpPr>
-          <p:nvPr>
-            <p:ph type="ftr" sz="quarter" idx="11"/>
-          </p:nvPr>
-        </p:nvSpPr>
-        <p:spPr>
-          <a:xfrm>
-            <a:off x="677334" y="6041362"/>
-            <a:ext cx="5528230" cy="365125"/>
-          </a:xfrm>
-        </p:spPr>
-        <p:txBody>
-          <a:bodyPr vert="horz" lIns="91440" tIns="45720" rIns="91440" bIns="45720" rtlCol="0" anchor="ctr">
-            <a:normAutofit/>
-          </a:bodyPr>
-          <a:lstStyle/>
-          <a:p>
-            <a:pPr defTabSz="914400">
-              <a:spcAft>
-                <a:spcPts val="600"/>
-              </a:spcAft>
-            </a:pPr>
-            <a:r>
-              <a:rPr lang="en-US" kern="1200">
-                <a:solidFill>
-                  <a:schemeClr val="tx1">
-                    <a:tint val="75000"/>
-                  </a:schemeClr>
-                </a:solidFill>
-                <a:latin typeface="+mn-lt"/>
-                <a:ea typeface="+mn-ea"/>
-                <a:cs typeface="+mn-cs"/>
-              </a:rPr>
-              <a:t>Healthify-NWMSU</a:t>
-            </a:r>
-          </a:p>
-        </p:txBody>
-      </p:sp>
-      <p:pic>
-        <p:nvPicPr>
-          <p:cNvPr id="5" name="Content Placeholder 4" descr="A close up of a logo&#10;&#10;Description automatically generated">
-            <a:extLst>
-              <a:ext uri="{FF2B5EF4-FFF2-40B4-BE49-F238E27FC236}">
-                <a16:creationId xmlns:a16="http://schemas.microsoft.com/office/drawing/2014/main" id="{08FFB5C3-F678-438D-8035-CC3D28940A0B}"/>
-              </a:ext>
-            </a:extLst>
-          </p:cNvPr>
-          <p:cNvPicPr>
-            <a:picLocks noGrp="1" noChangeAspect="1"/>
-          </p:cNvPicPr>
-          <p:nvPr>
-            <p:ph idx="1"/>
-          </p:nvPr>
-        </p:nvPicPr>
-        <p:blipFill>
-          <a:blip r:embed="rId2">
-            <a:extLst>
-              <a:ext uri="{28A0092B-C50C-407E-A947-70E740481C1C}">
-                <a14:useLocalDpi xmlns:a14="http://schemas.microsoft.com/office/drawing/2010/main" val="0"/>
-              </a:ext>
-            </a:extLst>
-          </a:blip>
-          <a:stretch>
-            <a:fillRect/>
-          </a:stretch>
-        </p:blipFill>
-        <p:spPr>
-          <a:xfrm>
-            <a:off x="1244225" y="1051905"/>
-            <a:ext cx="8310741" cy="4425469"/>
-          </a:xfrm>
-          <a:prstGeom prst="rect">
-            <a:avLst/>
-          </a:prstGeom>
-        </p:spPr>
-      </p:pic>
-      <p:sp>
-        <p:nvSpPr>
-          <p:cNvPr id="6" name="Rectangle 5">
-            <a:extLst>
-              <a:ext uri="{FF2B5EF4-FFF2-40B4-BE49-F238E27FC236}">
-                <a16:creationId xmlns:a16="http://schemas.microsoft.com/office/drawing/2014/main" id="{0468E680-15C9-40DA-A95E-46A760AABEDE}"/>
-              </a:ext>
-            </a:extLst>
-          </p:cNvPr>
-          <p:cNvSpPr/>
-          <p:nvPr/>
-        </p:nvSpPr>
-        <p:spPr>
-          <a:xfrm>
-            <a:off x="6416039" y="2160589"/>
-            <a:ext cx="2927185" cy="3880773"/>
-          </a:xfrm>
-          <a:prstGeom prst="rect">
-            <a:avLst/>
-          </a:prstGeom>
-        </p:spPr>
-        <p:txBody>
-          <a:bodyPr vert="horz" lIns="91440" tIns="45720" rIns="91440" bIns="45720" rtlCol="0">
-            <a:normAutofit/>
-          </a:bodyPr>
-          <a:lstStyle/>
-          <a:p>
-            <a:pPr>
-              <a:spcBef>
-                <a:spcPts val="1000"/>
-              </a:spcBef>
-              <a:buClr>
-                <a:schemeClr val="accent1"/>
-              </a:buClr>
-              <a:buSzPct val="80000"/>
-              <a:buFont typeface="Wingdings 3" charset="2"/>
-              <a:buChar char=""/>
-            </a:pPr>
-            <a:endParaRPr lang="en-US" sz="1500" b="1" cap="none" spc="0">
-              <a:ln w="12700">
-                <a:solidFill>
-                  <a:schemeClr val="accent3">
-                    <a:lumMod val="50000"/>
-                  </a:schemeClr>
-                </a:solidFill>
-                <a:prstDash val="solid"/>
-              </a:ln>
-              <a:solidFill>
-                <a:schemeClr val="tx1">
-                  <a:lumMod val="75000"/>
-                  <a:lumOff val="25000"/>
-                </a:schemeClr>
-              </a:solidFill>
-              <a:effectLst>
-                <a:outerShdw blurRad="38100" dist="38100" dir="2700000" algn="tl">
-                  <a:srgbClr val="000000">
-                    <a:alpha val="43137"/>
-                  </a:srgbClr>
-                </a:outerShdw>
-              </a:effectLst>
-            </a:endParaRPr>
-          </a:p>
-        </p:txBody>
-      </p:sp>
-      <p:sp>
-        <p:nvSpPr>
-          <p:cNvPr id="8" name="Slide Number Placeholder 7">
-            <a:extLst>
-              <a:ext uri="{FF2B5EF4-FFF2-40B4-BE49-F238E27FC236}">
-                <a16:creationId xmlns:a16="http://schemas.microsoft.com/office/drawing/2014/main" id="{4F071EC0-212A-481C-B636-A2BEB6D1F37E}"/>
-              </a:ext>
-            </a:extLst>
-          </p:cNvPr>
-          <p:cNvSpPr>
-            <a:spLocks noGrp="1"/>
-          </p:cNvSpPr>
-          <p:nvPr>
-            <p:ph type="sldNum" sz="quarter" idx="12"/>
-          </p:nvPr>
-        </p:nvSpPr>
-        <p:spPr>
-          <a:xfrm>
-            <a:off x="8590663" y="6041362"/>
-            <a:ext cx="683339" cy="365125"/>
-          </a:xfrm>
-        </p:spPr>
-        <p:txBody>
-          <a:bodyPr vert="horz" lIns="91440" tIns="45720" rIns="91440" bIns="45720" rtlCol="0" anchor="ctr">
-            <a:normAutofit/>
-          </a:bodyPr>
-          <a:lstStyle/>
-          <a:p>
-            <a:pPr defTabSz="914400">
-              <a:spcAft>
-                <a:spcPts val="600"/>
-              </a:spcAft>
-            </a:pPr>
-            <a:fld id="{FC6EDEEF-6E47-4D41-B312-2A124904AE2A}" type="slidenum">
-              <a:rPr lang="en-US" smtClean="0"/>
-              <a:pPr defTabSz="914400">
-                <a:spcAft>
-                  <a:spcPts val="600"/>
-                </a:spcAft>
-              </a:pPr>
-              <a:t>15</a:t>
-            </a:fld>
-            <a:endParaRPr lang="en-US"/>
-          </a:p>
-        </p:txBody>
-      </p:sp>
-    </p:spTree>
-    <p:extLst>
-      <p:ext uri="{BB962C8B-B14F-4D97-AF65-F5344CB8AC3E}">
-        <p14:creationId xmlns:p14="http://schemas.microsoft.com/office/powerpoint/2010/main" val="355826045"/>
-      </p:ext>
-    </p:extLst>
-  </p:cSld>
-  <p:clrMapOvr>
-    <a:masterClrMapping/>
-  </p:clrMapOvr>
-</p:sld>
-</file>
-
-<file path=ppt/slides/slide2.xml><?xml version="1.0" encoding="utf-8"?>
-<p:sld xmlns:a="http://schemas.openxmlformats.org/drawingml/2006/main" xmlns:r="http://schemas.openxmlformats.org/officeDocument/2006/relationships" xmlns:p="http://schemas.openxmlformats.org/presentationml/2006/main">
-  <p:cSld>
-    <p:spTree>
-      <p:nvGrpSpPr>
-        <p:cNvPr id="1" name=""/>
-        <p:cNvGrpSpPr/>
-        <p:nvPr/>
-      </p:nvGrpSpPr>
-      <p:grpSpPr>
-        <a:xfrm>
-          <a:off x="0" y="0"/>
-          <a:ext cx="0" cy="0"/>
-          <a:chOff x="0" y="0"/>
-          <a:chExt cx="0" cy="0"/>
-        </a:xfrm>
-      </p:grpSpPr>
-      <p:sp>
-        <p:nvSpPr>
-          <p:cNvPr id="2" name="Title 1">
-            <a:extLst>
-              <a:ext uri="{FF2B5EF4-FFF2-40B4-BE49-F238E27FC236}">
-                <a16:creationId xmlns:a16="http://schemas.microsoft.com/office/drawing/2014/main" id="{8D92169C-45B9-4F5C-BC19-6EF2F92BC840}"/>
-              </a:ext>
-            </a:extLst>
-          </p:cNvPr>
-          <p:cNvSpPr>
-            <a:spLocks noGrp="1"/>
-          </p:cNvSpPr>
-          <p:nvPr>
-            <p:ph type="title"/>
-          </p:nvPr>
-        </p:nvSpPr>
-        <p:spPr/>
-        <p:txBody>
-          <a:bodyPr/>
-          <a:lstStyle/>
-          <a:p>
-            <a:endParaRPr lang="en-US" dirty="0"/>
-          </a:p>
-        </p:txBody>
-      </p:sp>
-      <p:sp>
-        <p:nvSpPr>
-          <p:cNvPr id="3" name="Content Placeholder 2">
-            <a:extLst>
-              <a:ext uri="{FF2B5EF4-FFF2-40B4-BE49-F238E27FC236}">
-                <a16:creationId xmlns:a16="http://schemas.microsoft.com/office/drawing/2014/main" id="{407994A8-EF1A-40FF-9A23-10EC476C603B}"/>
-              </a:ext>
-            </a:extLst>
-          </p:cNvPr>
-          <p:cNvSpPr>
-            <a:spLocks noGrp="1"/>
-          </p:cNvSpPr>
-          <p:nvPr>
-            <p:ph idx="1"/>
-          </p:nvPr>
-        </p:nvSpPr>
-        <p:spPr>
-          <a:xfrm>
-            <a:off x="369869" y="365125"/>
-            <a:ext cx="11578975" cy="5811838"/>
-          </a:xfrm>
-        </p:spPr>
-        <p:txBody>
-          <a:bodyPr>
-            <a:normAutofit/>
-          </a:bodyPr>
-          <a:lstStyle/>
-          <a:p>
-            <a:pPr marL="0" indent="0">
-              <a:buNone/>
-            </a:pPr>
-            <a:r>
-              <a:rPr lang="en-US" dirty="0">
-                <a:latin typeface="Times New Roman" panose="02020603050405020304" pitchFamily="18" charset="0"/>
-                <a:cs typeface="Times New Roman" panose="02020603050405020304" pitchFamily="18" charset="0"/>
-              </a:rPr>
-              <a:t>						</a:t>
-            </a:r>
-          </a:p>
-          <a:p>
-            <a:pPr marL="0" indent="0">
-              <a:buNone/>
-            </a:pPr>
-            <a:r>
-              <a:rPr lang="en-US" dirty="0">
-                <a:latin typeface="Times New Roman" panose="02020603050405020304" pitchFamily="18" charset="0"/>
-                <a:cs typeface="Times New Roman" panose="02020603050405020304" pitchFamily="18" charset="0"/>
-              </a:rPr>
-              <a:t>				     				</a:t>
-            </a:r>
-            <a:r>
-              <a:rPr lang="en-US" sz="3600" b="1" dirty="0">
-                <a:solidFill>
-                  <a:schemeClr val="accent3"/>
-                </a:solidFill>
-                <a:effectLst>
-                  <a:outerShdw blurRad="38100" dist="38100" dir="2700000" algn="tl">
-                    <a:srgbClr val="000000">
-                      <a:alpha val="43137"/>
-                    </a:srgbClr>
-                  </a:outerShdw>
-                </a:effectLst>
-                <a:latin typeface="Times New Roman" panose="02020603050405020304" pitchFamily="18" charset="0"/>
-                <a:cs typeface="Times New Roman" panose="02020603050405020304" pitchFamily="18" charset="0"/>
-              </a:rPr>
-              <a:t>Group Members</a:t>
-            </a:r>
-          </a:p>
-          <a:p>
-            <a:endParaRPr lang="en-US" dirty="0">
-              <a:latin typeface="Times New Roman" panose="02020603050405020304" pitchFamily="18" charset="0"/>
-              <a:cs typeface="Times New Roman" panose="02020603050405020304" pitchFamily="18" charset="0"/>
-            </a:endParaRPr>
-          </a:p>
-          <a:p>
-            <a:pPr marL="0" indent="0">
-              <a:buNone/>
-            </a:pPr>
-            <a:r>
-              <a:rPr lang="en-US" dirty="0">
-                <a:latin typeface="Times New Roman" panose="02020603050405020304" pitchFamily="18" charset="0"/>
-                <a:cs typeface="Times New Roman" panose="02020603050405020304" pitchFamily="18" charset="0"/>
-              </a:rPr>
-              <a:t>   Sowmya </a:t>
-            </a:r>
-            <a:r>
-              <a:rPr lang="en-US" dirty="0" err="1">
-                <a:latin typeface="Times New Roman" panose="02020603050405020304" pitchFamily="18" charset="0"/>
-                <a:cs typeface="Times New Roman" panose="02020603050405020304" pitchFamily="18" charset="0"/>
-              </a:rPr>
-              <a:t>Thogiti</a:t>
-            </a:r>
-            <a:r>
-              <a:rPr lang="en-US" dirty="0">
-                <a:latin typeface="Times New Roman" panose="02020603050405020304" pitchFamily="18" charset="0"/>
-                <a:cs typeface="Times New Roman" panose="02020603050405020304" pitchFamily="18" charset="0"/>
-              </a:rPr>
-              <a:t>		 </a:t>
-            </a:r>
-            <a:r>
-              <a:rPr lang="en-US" dirty="0" err="1">
-                <a:latin typeface="Times New Roman" panose="02020603050405020304" pitchFamily="18" charset="0"/>
-                <a:cs typeface="Times New Roman" panose="02020603050405020304" pitchFamily="18" charset="0"/>
-              </a:rPr>
-              <a:t>Vineetha</a:t>
-            </a:r>
-            <a:r>
-              <a:rPr lang="en-US" dirty="0">
-                <a:latin typeface="Times New Roman" panose="02020603050405020304" pitchFamily="18" charset="0"/>
-                <a:cs typeface="Times New Roman" panose="02020603050405020304" pitchFamily="18" charset="0"/>
-              </a:rPr>
-              <a:t> </a:t>
-            </a:r>
-            <a:r>
-              <a:rPr lang="en-US" dirty="0" err="1">
-                <a:latin typeface="Times New Roman" panose="02020603050405020304" pitchFamily="18" charset="0"/>
-                <a:cs typeface="Times New Roman" panose="02020603050405020304" pitchFamily="18" charset="0"/>
-              </a:rPr>
-              <a:t>Yenugula</a:t>
-            </a:r>
-            <a:r>
-              <a:rPr lang="en-US" dirty="0">
-                <a:latin typeface="Times New Roman" panose="02020603050405020304" pitchFamily="18" charset="0"/>
-                <a:cs typeface="Times New Roman" panose="02020603050405020304" pitchFamily="18" charset="0"/>
-              </a:rPr>
-              <a:t>   	     Swaroopa 	  		   Naga Anshitha    	            Shiva Rama</a:t>
-            </a:r>
-          </a:p>
-          <a:p>
-            <a:pPr marL="0" indent="0">
-              <a:buNone/>
-            </a:pPr>
-            <a:r>
-              <a:rPr lang="en-US" dirty="0">
-                <a:latin typeface="Times New Roman" panose="02020603050405020304" pitchFamily="18" charset="0"/>
-                <a:cs typeface="Times New Roman" panose="02020603050405020304" pitchFamily="18" charset="0"/>
-              </a:rPr>
-              <a:t>(Project Manager)	       (</a:t>
-            </a:r>
-            <a:r>
-              <a:rPr lang="en-US" dirty="0" err="1">
-                <a:latin typeface="Times New Roman" panose="02020603050405020304" pitchFamily="18" charset="0"/>
-                <a:cs typeface="Times New Roman" panose="02020603050405020304" pitchFamily="18" charset="0"/>
-              </a:rPr>
-              <a:t>Fullstack</a:t>
-            </a:r>
-            <a:r>
-              <a:rPr lang="en-US" dirty="0">
-                <a:latin typeface="Times New Roman" panose="02020603050405020304" pitchFamily="18" charset="0"/>
-                <a:cs typeface="Times New Roman" panose="02020603050405020304" pitchFamily="18" charset="0"/>
-              </a:rPr>
-              <a:t> Developer)      </a:t>
-            </a:r>
-            <a:r>
-              <a:rPr lang="en-US" dirty="0" err="1">
-                <a:latin typeface="Times New Roman" panose="02020603050405020304" pitchFamily="18" charset="0"/>
-                <a:cs typeface="Times New Roman" panose="02020603050405020304" pitchFamily="18" charset="0"/>
-              </a:rPr>
-              <a:t>Thirumalareddy</a:t>
-            </a:r>
-            <a:r>
-              <a:rPr lang="en-US" dirty="0">
-                <a:latin typeface="Times New Roman" panose="02020603050405020304" pitchFamily="18" charset="0"/>
-                <a:cs typeface="Times New Roman" panose="02020603050405020304" pitchFamily="18" charset="0"/>
-              </a:rPr>
-              <a:t>		     Velagapudi		         Krishna </a:t>
-            </a:r>
-            <a:r>
-              <a:rPr lang="en-US" dirty="0" err="1">
-                <a:latin typeface="Times New Roman" panose="02020603050405020304" pitchFamily="18" charset="0"/>
-                <a:cs typeface="Times New Roman" panose="02020603050405020304" pitchFamily="18" charset="0"/>
-              </a:rPr>
-              <a:t>Vodnala</a:t>
-            </a:r>
-            <a:endParaRPr lang="en-US" dirty="0"/>
-          </a:p>
-          <a:p>
-            <a:pPr marL="3657600" lvl="8" indent="0">
-              <a:buNone/>
-            </a:pPr>
-            <a:r>
-              <a:rPr lang="en-US" sz="1800" dirty="0">
-                <a:latin typeface="Times New Roman" panose="02020603050405020304" pitchFamily="18" charset="0"/>
-                <a:cs typeface="Times New Roman" panose="02020603050405020304" pitchFamily="18" charset="0"/>
-              </a:rPr>
-              <a:t>              (Backend Developer)	  (UI and Tester)	        (DB Administrator)					</a:t>
-            </a:r>
-          </a:p>
-          <a:p>
-            <a:pPr marL="0" indent="0">
-              <a:buNone/>
-            </a:pPr>
-            <a:r>
-              <a:rPr lang="en-US" dirty="0">
-                <a:latin typeface="Times New Roman" panose="02020603050405020304" pitchFamily="18" charset="0"/>
-                <a:cs typeface="Times New Roman" panose="02020603050405020304" pitchFamily="18" charset="0"/>
-              </a:rPr>
-              <a:t>			</a:t>
-            </a:r>
-          </a:p>
-          <a:p>
-            <a:pPr marL="0" indent="0">
-              <a:buNone/>
-            </a:pPr>
-            <a:endParaRPr lang="en-US" dirty="0">
-              <a:latin typeface="Times New Roman" panose="02020603050405020304" pitchFamily="18" charset="0"/>
-              <a:cs typeface="Times New Roman" panose="02020603050405020304" pitchFamily="18" charset="0"/>
-            </a:endParaRPr>
-          </a:p>
-        </p:txBody>
-      </p:sp>
-      <p:pic>
-        <p:nvPicPr>
-          <p:cNvPr id="5" name="Picture 4" descr="A person standing in front of a body of water&#10;&#10;Description automatically generated">
-            <a:extLst>
-              <a:ext uri="{FF2B5EF4-FFF2-40B4-BE49-F238E27FC236}">
-                <a16:creationId xmlns:a16="http://schemas.microsoft.com/office/drawing/2014/main" id="{92DB79B2-DF6D-431D-8B85-E3B38A6179B2}"/>
-              </a:ext>
-            </a:extLst>
-          </p:cNvPr>
-          <p:cNvPicPr>
-            <a:picLocks noChangeAspect="1"/>
-          </p:cNvPicPr>
-          <p:nvPr/>
-        </p:nvPicPr>
-        <p:blipFill>
-          <a:blip r:embed="rId2">
-            <a:extLst>
-              <a:ext uri="{28A0092B-C50C-407E-A947-70E740481C1C}">
-                <a14:useLocalDpi xmlns:a14="http://schemas.microsoft.com/office/drawing/2010/main" val="0"/>
-              </a:ext>
-            </a:extLst>
-          </a:blip>
-          <a:stretch>
-            <a:fillRect/>
-          </a:stretch>
-        </p:blipFill>
-        <p:spPr>
-          <a:xfrm>
-            <a:off x="2843139" y="3044160"/>
-            <a:ext cx="1532972" cy="2038355"/>
-          </a:xfrm>
-          <a:prstGeom prst="rect">
-            <a:avLst/>
-          </a:prstGeom>
-        </p:spPr>
-      </p:pic>
-      <p:pic>
-        <p:nvPicPr>
-          <p:cNvPr id="7" name="Picture 6" descr="A person smiling for the camera&#10;&#10;Description automatically generated">
-            <a:extLst>
-              <a:ext uri="{FF2B5EF4-FFF2-40B4-BE49-F238E27FC236}">
-                <a16:creationId xmlns:a16="http://schemas.microsoft.com/office/drawing/2014/main" id="{64698B35-8E26-4280-AFB3-C7EAA5BE7E87}"/>
-              </a:ext>
-            </a:extLst>
-          </p:cNvPr>
-          <p:cNvPicPr>
-            <a:picLocks noChangeAspect="1"/>
-          </p:cNvPicPr>
-          <p:nvPr/>
-        </p:nvPicPr>
-        <p:blipFill>
-          <a:blip r:embed="rId3">
-            <a:extLst>
-              <a:ext uri="{28A0092B-C50C-407E-A947-70E740481C1C}">
-                <a14:useLocalDpi xmlns:a14="http://schemas.microsoft.com/office/drawing/2010/main" val="0"/>
-              </a:ext>
-            </a:extLst>
-          </a:blip>
-          <a:stretch>
-            <a:fillRect/>
-          </a:stretch>
-        </p:blipFill>
-        <p:spPr>
-          <a:xfrm>
-            <a:off x="9730722" y="3156373"/>
-            <a:ext cx="1532973" cy="2038356"/>
-          </a:xfrm>
-          <a:prstGeom prst="rect">
-            <a:avLst/>
-          </a:prstGeom>
-        </p:spPr>
-      </p:pic>
-      <p:pic>
-        <p:nvPicPr>
-          <p:cNvPr id="9" name="Picture 8" descr="A person smiling for the camera&#10;&#10;Description automatically generated">
-            <a:extLst>
-              <a:ext uri="{FF2B5EF4-FFF2-40B4-BE49-F238E27FC236}">
-                <a16:creationId xmlns:a16="http://schemas.microsoft.com/office/drawing/2014/main" id="{4DC14134-59B9-40CD-B4BE-E8D1F5CD7132}"/>
-              </a:ext>
-            </a:extLst>
-          </p:cNvPr>
-          <p:cNvPicPr>
-            <a:picLocks noChangeAspect="1"/>
-          </p:cNvPicPr>
-          <p:nvPr/>
-        </p:nvPicPr>
-        <p:blipFill>
-          <a:blip r:embed="rId4">
-            <a:extLst>
-              <a:ext uri="{28A0092B-C50C-407E-A947-70E740481C1C}">
-                <a14:useLocalDpi xmlns:a14="http://schemas.microsoft.com/office/drawing/2010/main" val="0"/>
-              </a:ext>
-            </a:extLst>
-          </a:blip>
-          <a:stretch>
-            <a:fillRect/>
-          </a:stretch>
-        </p:blipFill>
-        <p:spPr>
-          <a:xfrm>
-            <a:off x="7399360" y="3156373"/>
-            <a:ext cx="1532972" cy="2038356"/>
-          </a:xfrm>
-          <a:prstGeom prst="rect">
-            <a:avLst/>
-          </a:prstGeom>
-        </p:spPr>
-      </p:pic>
-      <p:pic>
-        <p:nvPicPr>
-          <p:cNvPr id="6" name="Picture 5" descr="A person standing in front of a house&#10;&#10;Description automatically generated">
-            <a:extLst>
-              <a:ext uri="{FF2B5EF4-FFF2-40B4-BE49-F238E27FC236}">
-                <a16:creationId xmlns:a16="http://schemas.microsoft.com/office/drawing/2014/main" id="{BB84EB3D-8FB7-429A-8E57-A3E8E731121F}"/>
-              </a:ext>
-            </a:extLst>
-          </p:cNvPr>
-          <p:cNvPicPr>
-            <a:picLocks noChangeAspect="1"/>
-          </p:cNvPicPr>
-          <p:nvPr/>
-        </p:nvPicPr>
-        <p:blipFill>
-          <a:blip r:embed="rId5">
-            <a:extLst>
-              <a:ext uri="{28A0092B-C50C-407E-A947-70E740481C1C}">
-                <a14:useLocalDpi xmlns:a14="http://schemas.microsoft.com/office/drawing/2010/main" val="0"/>
-              </a:ext>
-            </a:extLst>
-          </a:blip>
-          <a:stretch>
-            <a:fillRect/>
-          </a:stretch>
-        </p:blipFill>
-        <p:spPr>
-          <a:xfrm>
-            <a:off x="5098498" y="3084327"/>
-            <a:ext cx="1436568" cy="2038356"/>
-          </a:xfrm>
-          <a:prstGeom prst="rect">
-            <a:avLst/>
-          </a:prstGeom>
-        </p:spPr>
-      </p:pic>
-      <p:pic>
-        <p:nvPicPr>
-          <p:cNvPr id="10" name="Picture 9" descr="A person taking a selfie&#10;&#10;Description automatically generated">
-            <a:extLst>
-              <a:ext uri="{FF2B5EF4-FFF2-40B4-BE49-F238E27FC236}">
-                <a16:creationId xmlns:a16="http://schemas.microsoft.com/office/drawing/2014/main" id="{1D3FEEC3-AF16-4966-A8CF-1233051B5509}"/>
-              </a:ext>
-            </a:extLst>
-          </p:cNvPr>
-          <p:cNvPicPr>
-            <a:picLocks noChangeAspect="1"/>
-          </p:cNvPicPr>
-          <p:nvPr/>
-        </p:nvPicPr>
-        <p:blipFill>
-          <a:blip r:embed="rId6">
-            <a:extLst>
-              <a:ext uri="{28A0092B-C50C-407E-A947-70E740481C1C}">
-                <a14:useLocalDpi xmlns:a14="http://schemas.microsoft.com/office/drawing/2010/main" val="0"/>
-              </a:ext>
-            </a:extLst>
-          </a:blip>
-          <a:stretch>
-            <a:fillRect/>
-          </a:stretch>
-        </p:blipFill>
-        <p:spPr>
-          <a:xfrm>
-            <a:off x="666722" y="3084327"/>
-            <a:ext cx="1454030" cy="1938708"/>
-          </a:xfrm>
-          <a:prstGeom prst="rect">
-            <a:avLst/>
-          </a:prstGeom>
-        </p:spPr>
-      </p:pic>
-      <p:sp>
-        <p:nvSpPr>
-          <p:cNvPr id="13" name="Footer Placeholder 12">
-            <a:extLst>
-              <a:ext uri="{FF2B5EF4-FFF2-40B4-BE49-F238E27FC236}">
-                <a16:creationId xmlns:a16="http://schemas.microsoft.com/office/drawing/2014/main" id="{4DEB0D3C-FC0C-4AAE-8B1A-1CD6D3894DE9}"/>
-              </a:ext>
-            </a:extLst>
-          </p:cNvPr>
-          <p:cNvSpPr>
-            <a:spLocks noGrp="1"/>
-          </p:cNvSpPr>
-          <p:nvPr>
-            <p:ph type="ftr" sz="quarter" idx="11"/>
-          </p:nvPr>
-        </p:nvSpPr>
-        <p:spPr/>
-        <p:txBody>
-          <a:bodyPr/>
-          <a:lstStyle/>
-          <a:p>
-            <a:r>
-              <a:rPr lang="en-US"/>
-              <a:t>Healthify-NWMSU</a:t>
-            </a:r>
-          </a:p>
-        </p:txBody>
-      </p:sp>
-      <p:sp>
-        <p:nvSpPr>
-          <p:cNvPr id="15" name="Slide Number Placeholder 14">
-            <a:extLst>
-              <a:ext uri="{FF2B5EF4-FFF2-40B4-BE49-F238E27FC236}">
-                <a16:creationId xmlns:a16="http://schemas.microsoft.com/office/drawing/2014/main" id="{2FAD1378-BCC4-42D6-A20E-EC601EC1DFD7}"/>
-              </a:ext>
-            </a:extLst>
-          </p:cNvPr>
-          <p:cNvSpPr>
-            <a:spLocks noGrp="1"/>
-          </p:cNvSpPr>
-          <p:nvPr>
-            <p:ph type="sldNum" sz="quarter" idx="12"/>
-          </p:nvPr>
-        </p:nvSpPr>
-        <p:spPr/>
-        <p:txBody>
-          <a:bodyPr/>
-          <a:lstStyle/>
-          <a:p>
-            <a:fld id="{FC6EDEEF-6E47-4D41-B312-2A124904AE2A}" type="slidenum">
-              <a:rPr lang="en-US" smtClean="0"/>
-              <a:t>2</a:t>
-            </a:fld>
-            <a:endParaRPr lang="en-US"/>
-          </a:p>
-        </p:txBody>
-      </p:sp>
-    </p:spTree>
-    <p:extLst>
-      <p:ext uri="{BB962C8B-B14F-4D97-AF65-F5344CB8AC3E}">
-        <p14:creationId xmlns:p14="http://schemas.microsoft.com/office/powerpoint/2010/main" val="4176327129"/>
-      </p:ext>
-    </p:extLst>
-  </p:cSld>
-  <p:clrMapOvr>
-    <a:masterClrMapping/>
-  </p:clrMapOvr>
-</p:sld>
-</file>
-
-<file path=ppt/slides/slide3.xml><?xml version="1.0" encoding="utf-8"?>
-<p:sld xmlns:a="http://schemas.openxmlformats.org/drawingml/2006/main" xmlns:r="http://schemas.openxmlformats.org/officeDocument/2006/relationships" xmlns:p="http://schemas.openxmlformats.org/presentationml/2006/main">
-  <p:cSld>
-    <p:spTree>
-      <p:nvGrpSpPr>
-        <p:cNvPr id="1" name=""/>
-        <p:cNvGrpSpPr/>
-        <p:nvPr/>
-      </p:nvGrpSpPr>
-      <p:grpSpPr>
-        <a:xfrm>
-          <a:off x="0" y="0"/>
-          <a:ext cx="0" cy="0"/>
-          <a:chOff x="0" y="0"/>
-          <a:chExt cx="0" cy="0"/>
-        </a:xfrm>
-      </p:grpSpPr>
-      <p:sp>
-        <p:nvSpPr>
-          <p:cNvPr id="2" name="Title 1">
-            <a:extLst>
-              <a:ext uri="{FF2B5EF4-FFF2-40B4-BE49-F238E27FC236}">
-                <a16:creationId xmlns:a16="http://schemas.microsoft.com/office/drawing/2014/main" id="{C8C00379-46E4-446E-88A8-5933040D965B}"/>
-              </a:ext>
-            </a:extLst>
-          </p:cNvPr>
-          <p:cNvSpPr>
-            <a:spLocks noGrp="1"/>
-          </p:cNvSpPr>
-          <p:nvPr>
-            <p:ph type="title"/>
-          </p:nvPr>
-        </p:nvSpPr>
-        <p:spPr>
-          <a:xfrm>
-            <a:off x="646111" y="452718"/>
-            <a:ext cx="9404723" cy="893197"/>
-          </a:xfrm>
-        </p:spPr>
-        <p:txBody>
-          <a:bodyPr/>
-          <a:lstStyle/>
-          <a:p>
-            <a:r>
-              <a:rPr lang="en-US" b="1" dirty="0">
-                <a:solidFill>
-                  <a:schemeClr val="accent3"/>
-                </a:solidFill>
-                <a:effectLst>
-                  <a:outerShdw blurRad="38100" dist="38100" dir="2700000" algn="tl">
-                    <a:srgbClr val="000000">
-                      <a:alpha val="43137"/>
-                    </a:srgbClr>
-                  </a:outerShdw>
-                </a:effectLst>
-                <a:latin typeface="Times New Roman" panose="02020603050405020304" pitchFamily="18" charset="0"/>
-                <a:cs typeface="Times New Roman" panose="02020603050405020304" pitchFamily="18" charset="0"/>
-              </a:rPr>
-              <a:t>Requirements</a:t>
-            </a:r>
-            <a:r>
-              <a:rPr lang="en-US" dirty="0">
-                <a:effectLst>
-                  <a:outerShdw blurRad="38100" dist="38100" dir="2700000" algn="tl">
-                    <a:srgbClr val="000000">
-                      <a:alpha val="43137"/>
-                    </a:srgbClr>
-                  </a:outerShdw>
-                </a:effectLst>
-                <a:latin typeface="Times New Roman" panose="02020603050405020304" pitchFamily="18" charset="0"/>
-                <a:cs typeface="Times New Roman" panose="02020603050405020304" pitchFamily="18" charset="0"/>
-              </a:rPr>
-              <a:t>	</a:t>
-            </a:r>
-          </a:p>
-        </p:txBody>
-      </p:sp>
-      <p:sp>
-        <p:nvSpPr>
-          <p:cNvPr id="3" name="Content Placeholder 2">
-            <a:extLst>
-              <a:ext uri="{FF2B5EF4-FFF2-40B4-BE49-F238E27FC236}">
-                <a16:creationId xmlns:a16="http://schemas.microsoft.com/office/drawing/2014/main" id="{A0AC3E9A-BB0B-4A18-AEAA-7929FA74C75D}"/>
-              </a:ext>
-            </a:extLst>
-          </p:cNvPr>
-          <p:cNvSpPr>
-            <a:spLocks noGrp="1"/>
-          </p:cNvSpPr>
-          <p:nvPr>
-            <p:ph idx="1"/>
-          </p:nvPr>
-        </p:nvSpPr>
-        <p:spPr>
-          <a:xfrm>
-            <a:off x="1103312" y="1489753"/>
-            <a:ext cx="8946541" cy="4758647"/>
-          </a:xfrm>
-        </p:spPr>
-        <p:txBody>
-          <a:bodyPr>
-            <a:normAutofit/>
-          </a:bodyPr>
-          <a:lstStyle/>
-          <a:p>
-            <a:pPr fontAlgn="base"/>
-            <a:r>
-              <a:rPr lang="en-US" dirty="0">
-                <a:latin typeface="Times New Roman" panose="02020603050405020304" pitchFamily="18" charset="0"/>
-                <a:cs typeface="Times New Roman" panose="02020603050405020304" pitchFamily="18" charset="0"/>
-              </a:rPr>
-              <a:t>The text narrative or user story</a:t>
-            </a:r>
-          </a:p>
-          <a:p>
-            <a:pPr fontAlgn="base"/>
-            <a:r>
-              <a:rPr lang="en-US" dirty="0">
-                <a:latin typeface="Times New Roman" panose="02020603050405020304" pitchFamily="18" charset="0"/>
-                <a:cs typeface="Times New Roman" panose="02020603050405020304" pitchFamily="18" charset="0"/>
-              </a:rPr>
-              <a:t>Project scope</a:t>
-            </a:r>
-          </a:p>
-          <a:p>
-            <a:pPr fontAlgn="base"/>
-            <a:r>
-              <a:rPr lang="en-US" dirty="0">
-                <a:latin typeface="Times New Roman" panose="02020603050405020304" pitchFamily="18" charset="0"/>
-                <a:cs typeface="Times New Roman" panose="02020603050405020304" pitchFamily="18" charset="0"/>
-              </a:rPr>
-              <a:t>Technical specifications</a:t>
-            </a:r>
-          </a:p>
-          <a:p>
-            <a:pPr fontAlgn="base"/>
-            <a:r>
-              <a:rPr lang="en-US" dirty="0">
-                <a:latin typeface="Times New Roman" panose="02020603050405020304" pitchFamily="18" charset="0"/>
-                <a:cs typeface="Times New Roman" panose="02020603050405020304" pitchFamily="18" charset="0"/>
-              </a:rPr>
-              <a:t>Sketches</a:t>
-            </a:r>
-          </a:p>
-          <a:p>
-            <a:pPr fontAlgn="base"/>
-            <a:r>
-              <a:rPr lang="en-US" dirty="0">
-                <a:latin typeface="Times New Roman" panose="02020603050405020304" pitchFamily="18" charset="0"/>
-                <a:cs typeface="Times New Roman" panose="02020603050405020304" pitchFamily="18" charset="0"/>
-              </a:rPr>
-              <a:t>Asset creation</a:t>
-            </a:r>
-          </a:p>
-          <a:p>
-            <a:pPr fontAlgn="base"/>
-            <a:r>
-              <a:rPr lang="en-US" dirty="0">
-                <a:latin typeface="Times New Roman" panose="02020603050405020304" pitchFamily="18" charset="0"/>
-                <a:cs typeface="Times New Roman" panose="02020603050405020304" pitchFamily="18" charset="0"/>
-              </a:rPr>
-              <a:t>Putting everything together in a workflow document(Jira).</a:t>
-            </a:r>
-          </a:p>
-          <a:p>
-            <a:pPr fontAlgn="base"/>
-            <a:r>
-              <a:rPr lang="en-US" dirty="0">
-                <a:latin typeface="Times New Roman" panose="02020603050405020304" pitchFamily="18" charset="0"/>
-                <a:cs typeface="Times New Roman" panose="02020603050405020304" pitchFamily="18" charset="0"/>
-              </a:rPr>
-              <a:t>FluidUI</a:t>
-            </a:r>
-          </a:p>
-          <a:p>
-            <a:pPr fontAlgn="base"/>
-            <a:r>
-              <a:rPr lang="en-US" dirty="0">
-                <a:latin typeface="Times New Roman" panose="02020603050405020304" pitchFamily="18" charset="0"/>
-                <a:cs typeface="Times New Roman" panose="02020603050405020304" pitchFamily="18" charset="0"/>
-              </a:rPr>
-              <a:t>GitHub</a:t>
-            </a:r>
-          </a:p>
-          <a:p>
-            <a:endParaRPr lang="en-US" dirty="0"/>
-          </a:p>
-        </p:txBody>
-      </p:sp>
-      <p:sp>
-        <p:nvSpPr>
-          <p:cNvPr id="6" name="Footer Placeholder 5">
-            <a:extLst>
-              <a:ext uri="{FF2B5EF4-FFF2-40B4-BE49-F238E27FC236}">
-                <a16:creationId xmlns:a16="http://schemas.microsoft.com/office/drawing/2014/main" id="{38D8D3A6-7408-4215-99DB-0B35830B92DB}"/>
-              </a:ext>
-            </a:extLst>
-          </p:cNvPr>
-          <p:cNvSpPr>
-            <a:spLocks noGrp="1"/>
-          </p:cNvSpPr>
-          <p:nvPr>
-            <p:ph type="ftr" sz="quarter" idx="11"/>
-          </p:nvPr>
-        </p:nvSpPr>
-        <p:spPr/>
-        <p:txBody>
-          <a:bodyPr/>
-          <a:lstStyle/>
-          <a:p>
-            <a:r>
-              <a:rPr lang="en-US"/>
-              <a:t>Healthify-NWMSU</a:t>
-            </a:r>
-          </a:p>
-        </p:txBody>
-      </p:sp>
-      <p:sp>
-        <p:nvSpPr>
-          <p:cNvPr id="7" name="Slide Number Placeholder 6">
-            <a:extLst>
-              <a:ext uri="{FF2B5EF4-FFF2-40B4-BE49-F238E27FC236}">
-                <a16:creationId xmlns:a16="http://schemas.microsoft.com/office/drawing/2014/main" id="{53D8A5C7-D4C7-4B73-BDB0-C67A0F06FB39}"/>
-              </a:ext>
-            </a:extLst>
-          </p:cNvPr>
-          <p:cNvSpPr>
-            <a:spLocks noGrp="1"/>
-          </p:cNvSpPr>
-          <p:nvPr>
-            <p:ph type="sldNum" sz="quarter" idx="12"/>
-          </p:nvPr>
-        </p:nvSpPr>
-        <p:spPr/>
-        <p:txBody>
-          <a:bodyPr/>
-          <a:lstStyle/>
-          <a:p>
-            <a:fld id="{FC6EDEEF-6E47-4D41-B312-2A124904AE2A}" type="slidenum">
-              <a:rPr lang="en-US" smtClean="0"/>
-              <a:t>3</a:t>
-            </a:fld>
-            <a:endParaRPr lang="en-US"/>
-          </a:p>
-        </p:txBody>
-      </p:sp>
-    </p:spTree>
-    <p:extLst>
-      <p:ext uri="{BB962C8B-B14F-4D97-AF65-F5344CB8AC3E}">
-        <p14:creationId xmlns:p14="http://schemas.microsoft.com/office/powerpoint/2010/main" val="2403520679"/>
-      </p:ext>
-    </p:extLst>
-  </p:cSld>
-  <p:clrMapOvr>
-    <a:masterClrMapping/>
-  </p:clrMapOvr>
-</p:sld>
-</file>
-
-<file path=ppt/slides/slide4.xml><?xml version="1.0" encoding="utf-8"?>
-<p:sld xmlns:a="http://schemas.openxmlformats.org/drawingml/2006/main" xmlns:r="http://schemas.openxmlformats.org/officeDocument/2006/relationships" xmlns:p="http://schemas.openxmlformats.org/presentationml/2006/main">
-  <p:cSld>
-    <p:spTree>
-      <p:nvGrpSpPr>
-        <p:cNvPr id="1" name=""/>
-        <p:cNvGrpSpPr/>
-        <p:nvPr/>
-      </p:nvGrpSpPr>
-      <p:grpSpPr>
-        <a:xfrm>
-          <a:off x="0" y="0"/>
-          <a:ext cx="0" cy="0"/>
-          <a:chOff x="0" y="0"/>
-          <a:chExt cx="0" cy="0"/>
-        </a:xfrm>
-      </p:grpSpPr>
-      <p:sp>
-        <p:nvSpPr>
-          <p:cNvPr id="2" name="Title 1">
-            <a:extLst>
-              <a:ext uri="{FF2B5EF4-FFF2-40B4-BE49-F238E27FC236}">
-                <a16:creationId xmlns:a16="http://schemas.microsoft.com/office/drawing/2014/main" id="{53CAD9F5-5D35-43A4-86EF-12603C6DCE87}"/>
-              </a:ext>
-            </a:extLst>
-          </p:cNvPr>
-          <p:cNvSpPr>
-            <a:spLocks noGrp="1"/>
-          </p:cNvSpPr>
-          <p:nvPr>
-            <p:ph type="title"/>
-          </p:nvPr>
-        </p:nvSpPr>
-        <p:spPr>
-          <a:xfrm>
-            <a:off x="646111" y="401347"/>
-            <a:ext cx="9404723" cy="708262"/>
-          </a:xfrm>
-        </p:spPr>
-        <p:txBody>
-          <a:bodyPr>
-            <a:normAutofit fontScale="90000"/>
-          </a:bodyPr>
-          <a:lstStyle/>
-          <a:p>
-            <a:r>
-              <a:rPr lang="en-US" sz="4000" b="1" dirty="0">
-                <a:solidFill>
-                  <a:schemeClr val="accent3"/>
-                </a:solidFill>
-                <a:effectLst>
-                  <a:outerShdw blurRad="38100" dist="38100" dir="2700000" algn="tl">
-                    <a:srgbClr val="000000">
-                      <a:alpha val="43137"/>
-                    </a:srgbClr>
-                  </a:outerShdw>
-                </a:effectLst>
-                <a:latin typeface="Times New Roman" panose="02020603050405020304" pitchFamily="18" charset="0"/>
-                <a:cs typeface="Times New Roman" panose="02020603050405020304" pitchFamily="18" charset="0"/>
-              </a:rPr>
-              <a:t>Purpose</a:t>
-            </a:r>
-            <a:br>
-              <a:rPr lang="en-US" b="1" dirty="0">
-                <a:solidFill>
-                  <a:schemeClr val="accent3"/>
-                </a:solidFill>
-                <a:effectLst>
-                  <a:outerShdw blurRad="38100" dist="38100" dir="2700000" algn="tl">
-                    <a:srgbClr val="000000">
-                      <a:alpha val="43137"/>
-                    </a:srgbClr>
-                  </a:outerShdw>
-                </a:effectLst>
-                <a:latin typeface="Times New Roman" panose="02020603050405020304" pitchFamily="18" charset="0"/>
-                <a:cs typeface="Times New Roman" panose="02020603050405020304" pitchFamily="18" charset="0"/>
-              </a:rPr>
-            </a:br>
-            <a:br>
-              <a:rPr lang="en-US" b="1" dirty="0">
-                <a:solidFill>
-                  <a:schemeClr val="accent3"/>
-                </a:solidFill>
-                <a:effectLst>
-                  <a:outerShdw blurRad="38100" dist="38100" dir="2700000" algn="tl">
-                    <a:srgbClr val="000000">
-                      <a:alpha val="43137"/>
-                    </a:srgbClr>
-                  </a:outerShdw>
-                </a:effectLst>
-                <a:latin typeface="Times New Roman" panose="02020603050405020304" pitchFamily="18" charset="0"/>
-                <a:cs typeface="Times New Roman" panose="02020603050405020304" pitchFamily="18" charset="0"/>
-              </a:rPr>
-            </a:br>
-            <a:br>
-              <a:rPr lang="en-US" b="1" dirty="0">
-                <a:solidFill>
-                  <a:schemeClr val="accent3"/>
-                </a:solidFill>
-                <a:effectLst>
-                  <a:outerShdw blurRad="38100" dist="38100" dir="2700000" algn="tl">
-                    <a:srgbClr val="000000">
-                      <a:alpha val="43137"/>
-                    </a:srgbClr>
-                  </a:outerShdw>
-                </a:effectLst>
-                <a:latin typeface="Times New Roman" panose="02020603050405020304" pitchFamily="18" charset="0"/>
-                <a:cs typeface="Times New Roman" panose="02020603050405020304" pitchFamily="18" charset="0"/>
-              </a:rPr>
-            </a:br>
-            <a:br>
-              <a:rPr lang="en-US" b="1" dirty="0">
-                <a:solidFill>
-                  <a:schemeClr val="accent3"/>
-                </a:solidFill>
-                <a:effectLst>
-                  <a:outerShdw blurRad="38100" dist="38100" dir="2700000" algn="tl">
-                    <a:srgbClr val="000000">
-                      <a:alpha val="43137"/>
-                    </a:srgbClr>
-                  </a:outerShdw>
-                </a:effectLst>
-                <a:latin typeface="Times New Roman" panose="02020603050405020304" pitchFamily="18" charset="0"/>
-                <a:cs typeface="Times New Roman" panose="02020603050405020304" pitchFamily="18" charset="0"/>
-              </a:rPr>
-            </a:br>
-            <a:br>
-              <a:rPr lang="en-US" b="1" dirty="0">
-                <a:solidFill>
-                  <a:schemeClr val="accent3"/>
-                </a:solidFill>
-                <a:effectLst>
-                  <a:outerShdw blurRad="38100" dist="38100" dir="2700000" algn="tl">
-                    <a:srgbClr val="000000">
-                      <a:alpha val="43137"/>
-                    </a:srgbClr>
-                  </a:outerShdw>
-                </a:effectLst>
-                <a:latin typeface="Times New Roman" panose="02020603050405020304" pitchFamily="18" charset="0"/>
-                <a:cs typeface="Times New Roman" panose="02020603050405020304" pitchFamily="18" charset="0"/>
-              </a:rPr>
-            </a:br>
-            <a:r>
-              <a:rPr lang="en-US" sz="4000" b="1" dirty="0">
-                <a:solidFill>
-                  <a:schemeClr val="accent3"/>
-                </a:solidFill>
-                <a:effectLst>
-                  <a:outerShdw blurRad="38100" dist="38100" dir="2700000" algn="tl">
-                    <a:srgbClr val="000000">
-                      <a:alpha val="43137"/>
-                    </a:srgbClr>
-                  </a:outerShdw>
-                </a:effectLst>
-                <a:latin typeface="Times New Roman" panose="02020603050405020304" pitchFamily="18" charset="0"/>
-                <a:cs typeface="Times New Roman" panose="02020603050405020304" pitchFamily="18" charset="0"/>
-              </a:rPr>
-              <a:t>Overview</a:t>
-            </a:r>
-          </a:p>
-        </p:txBody>
-      </p:sp>
-      <p:sp>
-        <p:nvSpPr>
-          <p:cNvPr id="3" name="Content Placeholder 2">
-            <a:extLst>
-              <a:ext uri="{FF2B5EF4-FFF2-40B4-BE49-F238E27FC236}">
-                <a16:creationId xmlns:a16="http://schemas.microsoft.com/office/drawing/2014/main" id="{0169D338-F03C-45A3-AF88-E7BA60FE6263}"/>
-              </a:ext>
-            </a:extLst>
-          </p:cNvPr>
-          <p:cNvSpPr>
-            <a:spLocks noGrp="1"/>
-          </p:cNvSpPr>
-          <p:nvPr>
-            <p:ph idx="1"/>
-          </p:nvPr>
-        </p:nvSpPr>
-        <p:spPr>
-          <a:xfrm>
-            <a:off x="842482" y="1017142"/>
-            <a:ext cx="9152618" cy="5260368"/>
-          </a:xfrm>
-        </p:spPr>
-        <p:txBody>
-          <a:bodyPr>
-            <a:normAutofit/>
-          </a:bodyPr>
-          <a:lstStyle/>
-          <a:p>
-            <a:r>
-              <a:rPr lang="en-US" dirty="0">
-                <a:latin typeface="Times New Roman" panose="02020603050405020304" pitchFamily="18" charset="0"/>
-                <a:cs typeface="Times New Roman" panose="02020603050405020304" pitchFamily="18" charset="0"/>
-              </a:rPr>
-              <a:t>“Our vision is to make healthy living easy, fun, and affordable for all”</a:t>
-            </a:r>
-          </a:p>
-          <a:p>
-            <a:r>
-              <a:rPr lang="en-US" dirty="0">
-                <a:latin typeface="Times New Roman" panose="02020603050405020304" pitchFamily="18" charset="0"/>
-                <a:cs typeface="Times New Roman" panose="02020603050405020304" pitchFamily="18" charset="0"/>
-              </a:rPr>
-              <a:t>The Healthify-NWMSU app can incorporate data from thousands of third-party apps that are designed to promote healthier habits from nutrition to fitness.</a:t>
-            </a:r>
-          </a:p>
-          <a:p>
-            <a:r>
-              <a:rPr lang="en-US" dirty="0">
-                <a:latin typeface="Times New Roman" panose="02020603050405020304" pitchFamily="18" charset="0"/>
-                <a:cs typeface="Times New Roman" panose="02020603050405020304" pitchFamily="18" charset="0"/>
-              </a:rPr>
-              <a:t>This app lets you keep all your health and fitness information under your control and in one place on your device.</a:t>
-            </a:r>
-          </a:p>
-          <a:p>
-            <a:endParaRPr lang="en-US" dirty="0">
-              <a:latin typeface="Times New Roman" panose="02020603050405020304" pitchFamily="18" charset="0"/>
-              <a:cs typeface="Times New Roman" panose="02020603050405020304" pitchFamily="18" charset="0"/>
-            </a:endParaRPr>
-          </a:p>
-          <a:p>
-            <a:endParaRPr lang="en-US" dirty="0">
-              <a:latin typeface="Times New Roman" panose="02020603050405020304" pitchFamily="18" charset="0"/>
-              <a:cs typeface="Times New Roman" panose="02020603050405020304" pitchFamily="18" charset="0"/>
-            </a:endParaRPr>
-          </a:p>
-          <a:p>
-            <a:r>
-              <a:rPr lang="en-US" dirty="0">
-                <a:latin typeface="Times New Roman" panose="02020603050405020304" pitchFamily="18" charset="0"/>
-                <a:cs typeface="Times New Roman" panose="02020603050405020304" pitchFamily="18" charset="0"/>
-              </a:rPr>
-              <a:t>Healthify-NWMSU is a fitness app that helps users track their diet and weight and set fitness goals.</a:t>
-            </a:r>
-          </a:p>
-          <a:p>
-            <a:r>
-              <a:rPr lang="en-US" dirty="0">
-                <a:latin typeface="Times New Roman" panose="02020603050405020304" pitchFamily="18" charset="0"/>
-                <a:cs typeface="Times New Roman" panose="02020603050405020304" pitchFamily="18" charset="0"/>
-              </a:rPr>
-              <a:t>It is free to download app which allows user to track their calories, steps, manage, view and participate in group challenges.</a:t>
-            </a:r>
-          </a:p>
-          <a:p>
-            <a:r>
-              <a:rPr lang="en-US" dirty="0">
-                <a:latin typeface="Times New Roman" panose="02020603050405020304" pitchFamily="18" charset="0"/>
-                <a:cs typeface="Times New Roman" panose="02020603050405020304" pitchFamily="18" charset="0"/>
-              </a:rPr>
-              <a:t>It helps users to track their food intake and measure calories accurately.</a:t>
-            </a:r>
-          </a:p>
-        </p:txBody>
-      </p:sp>
-      <p:sp>
-        <p:nvSpPr>
-          <p:cNvPr id="6" name="Footer Placeholder 5">
-            <a:extLst>
-              <a:ext uri="{FF2B5EF4-FFF2-40B4-BE49-F238E27FC236}">
-                <a16:creationId xmlns:a16="http://schemas.microsoft.com/office/drawing/2014/main" id="{69C0F0D7-0734-4D29-BB83-BBAF6A313E5D}"/>
-              </a:ext>
-            </a:extLst>
-          </p:cNvPr>
-          <p:cNvSpPr>
-            <a:spLocks noGrp="1"/>
-          </p:cNvSpPr>
-          <p:nvPr>
-            <p:ph type="ftr" sz="quarter" idx="11"/>
-          </p:nvPr>
-        </p:nvSpPr>
-        <p:spPr/>
-        <p:txBody>
-          <a:bodyPr/>
-          <a:lstStyle/>
-          <a:p>
-            <a:r>
-              <a:rPr lang="en-US"/>
-              <a:t>Healthify-NWMSU</a:t>
-            </a:r>
-          </a:p>
-        </p:txBody>
-      </p:sp>
-      <p:sp>
-        <p:nvSpPr>
-          <p:cNvPr id="7" name="Slide Number Placeholder 6">
-            <a:extLst>
-              <a:ext uri="{FF2B5EF4-FFF2-40B4-BE49-F238E27FC236}">
-                <a16:creationId xmlns:a16="http://schemas.microsoft.com/office/drawing/2014/main" id="{0C27BE6C-AA7F-4054-A992-C71124FC6FE4}"/>
-              </a:ext>
-            </a:extLst>
-          </p:cNvPr>
-          <p:cNvSpPr>
-            <a:spLocks noGrp="1"/>
-          </p:cNvSpPr>
-          <p:nvPr>
-            <p:ph type="sldNum" sz="quarter" idx="12"/>
-          </p:nvPr>
-        </p:nvSpPr>
-        <p:spPr/>
-        <p:txBody>
-          <a:bodyPr/>
-          <a:lstStyle/>
-          <a:p>
-            <a:fld id="{FC6EDEEF-6E47-4D41-B312-2A124904AE2A}" type="slidenum">
-              <a:rPr lang="en-US" smtClean="0"/>
-              <a:t>4</a:t>
-            </a:fld>
-            <a:endParaRPr lang="en-US"/>
-          </a:p>
-        </p:txBody>
-      </p:sp>
-    </p:spTree>
-    <p:extLst>
-      <p:ext uri="{BB962C8B-B14F-4D97-AF65-F5344CB8AC3E}">
-        <p14:creationId xmlns:p14="http://schemas.microsoft.com/office/powerpoint/2010/main" val="602519577"/>
-      </p:ext>
-    </p:extLst>
-  </p:cSld>
-  <p:clrMapOvr>
-    <a:masterClrMapping/>
-  </p:clrMapOvr>
-</p:sld>
-</file>
-
-<file path=ppt/slides/slide5.xml><?xml version="1.0" encoding="utf-8"?>
-<p:sld xmlns:a="http://schemas.openxmlformats.org/drawingml/2006/main" xmlns:r="http://schemas.openxmlformats.org/officeDocument/2006/relationships" xmlns:p="http://schemas.openxmlformats.org/presentationml/2006/main">
-  <p:cSld>
-    <p:spTree>
-      <p:nvGrpSpPr>
-        <p:cNvPr id="1" name=""/>
-        <p:cNvGrpSpPr/>
-        <p:nvPr/>
-      </p:nvGrpSpPr>
-      <p:grpSpPr>
-        <a:xfrm>
-          <a:off x="0" y="0"/>
-          <a:ext cx="0" cy="0"/>
-          <a:chOff x="0" y="0"/>
-          <a:chExt cx="0" cy="0"/>
-        </a:xfrm>
-      </p:grpSpPr>
-      <p:sp>
-        <p:nvSpPr>
-          <p:cNvPr id="2" name="Title 1">
-            <a:extLst>
-              <a:ext uri="{FF2B5EF4-FFF2-40B4-BE49-F238E27FC236}">
-                <a16:creationId xmlns:a16="http://schemas.microsoft.com/office/drawing/2014/main" id="{125EC5BE-68C9-4C55-8D48-904C9CFC8A87}"/>
-              </a:ext>
-            </a:extLst>
-          </p:cNvPr>
-          <p:cNvSpPr>
-            <a:spLocks noGrp="1"/>
-          </p:cNvSpPr>
-          <p:nvPr>
-            <p:ph type="title"/>
-          </p:nvPr>
-        </p:nvSpPr>
-        <p:spPr>
-          <a:xfrm>
-            <a:off x="646111" y="401347"/>
-            <a:ext cx="9404723" cy="1400530"/>
-          </a:xfrm>
-        </p:spPr>
-        <p:txBody>
-          <a:bodyPr>
-            <a:normAutofit fontScale="90000"/>
-          </a:bodyPr>
-          <a:lstStyle/>
-          <a:p>
-            <a:r>
-              <a:rPr lang="en-US" sz="4000" b="1" dirty="0">
-                <a:solidFill>
-                  <a:schemeClr val="accent3"/>
-                </a:solidFill>
-                <a:effectLst>
-                  <a:outerShdw blurRad="38100" dist="38100" dir="2700000" algn="tl">
-                    <a:srgbClr val="000000">
-                      <a:alpha val="43137"/>
-                    </a:srgbClr>
-                  </a:outerShdw>
-                </a:effectLst>
-                <a:latin typeface="Times New Roman" panose="02020603050405020304" pitchFamily="18" charset="0"/>
-                <a:cs typeface="Times New Roman" panose="02020603050405020304" pitchFamily="18" charset="0"/>
-              </a:rPr>
-              <a:t>Screens of UI Sketches</a:t>
-            </a:r>
-            <a:br>
-              <a:rPr lang="en-US" sz="4000" dirty="0">
-                <a:latin typeface="Times New Roman" panose="02020603050405020304" pitchFamily="18" charset="0"/>
-                <a:cs typeface="Times New Roman" panose="02020603050405020304" pitchFamily="18" charset="0"/>
-              </a:rPr>
-            </a:br>
-            <a:br>
-              <a:rPr lang="en-US" dirty="0">
-                <a:latin typeface="Times New Roman" panose="02020603050405020304" pitchFamily="18" charset="0"/>
-                <a:cs typeface="Times New Roman" panose="02020603050405020304" pitchFamily="18" charset="0"/>
-              </a:rPr>
-            </a:br>
-            <a:endParaRPr lang="en-US" sz="2000" dirty="0">
-              <a:latin typeface="Times New Roman" panose="02020603050405020304" pitchFamily="18" charset="0"/>
-              <a:cs typeface="Times New Roman" panose="02020603050405020304" pitchFamily="18" charset="0"/>
-            </a:endParaRPr>
-          </a:p>
-        </p:txBody>
-      </p:sp>
-      <p:pic>
-        <p:nvPicPr>
-          <p:cNvPr id="5" name="Content Placeholder 4" descr="A screenshot of a cell phone&#10;&#10;Description automatically generated">
-            <a:extLst>
-              <a:ext uri="{FF2B5EF4-FFF2-40B4-BE49-F238E27FC236}">
-                <a16:creationId xmlns:a16="http://schemas.microsoft.com/office/drawing/2014/main" id="{0EAAE02D-95D7-4790-9B8B-0C2E66ED1508}"/>
-              </a:ext>
-            </a:extLst>
-          </p:cNvPr>
-          <p:cNvPicPr>
-            <a:picLocks noGrp="1" noChangeAspect="1"/>
-          </p:cNvPicPr>
-          <p:nvPr>
-            <p:ph idx="1"/>
-          </p:nvPr>
-        </p:nvPicPr>
-        <p:blipFill>
-          <a:blip r:embed="rId2">
-            <a:extLst>
-              <a:ext uri="{28A0092B-C50C-407E-A947-70E740481C1C}">
-                <a14:useLocalDpi xmlns:a14="http://schemas.microsoft.com/office/drawing/2010/main" val="0"/>
-              </a:ext>
-            </a:extLst>
-          </a:blip>
-          <a:stretch>
-            <a:fillRect/>
-          </a:stretch>
-        </p:blipFill>
-        <p:spPr>
-          <a:xfrm>
-            <a:off x="992292" y="1191803"/>
-            <a:ext cx="3024903" cy="4977926"/>
-          </a:xfrm>
-        </p:spPr>
-      </p:pic>
-      <p:pic>
-        <p:nvPicPr>
-          <p:cNvPr id="7" name="Picture 6" descr="A screenshot of a cell phone&#10;&#10;Description automatically generated">
-            <a:extLst>
-              <a:ext uri="{FF2B5EF4-FFF2-40B4-BE49-F238E27FC236}">
-                <a16:creationId xmlns:a16="http://schemas.microsoft.com/office/drawing/2014/main" id="{50FBA26D-8217-4E8F-AA9C-568663C77F8B}"/>
-              </a:ext>
-            </a:extLst>
-          </p:cNvPr>
-          <p:cNvPicPr>
-            <a:picLocks noChangeAspect="1"/>
-          </p:cNvPicPr>
-          <p:nvPr/>
-        </p:nvPicPr>
-        <p:blipFill>
-          <a:blip r:embed="rId3">
-            <a:extLst>
-              <a:ext uri="{28A0092B-C50C-407E-A947-70E740481C1C}">
-                <a14:useLocalDpi xmlns:a14="http://schemas.microsoft.com/office/drawing/2010/main" val="0"/>
-              </a:ext>
-            </a:extLst>
-          </a:blip>
-          <a:stretch>
-            <a:fillRect/>
-          </a:stretch>
-        </p:blipFill>
-        <p:spPr>
-          <a:xfrm>
-            <a:off x="4598458" y="1191803"/>
-            <a:ext cx="3024902" cy="4977926"/>
-          </a:xfrm>
-          <a:prstGeom prst="rect">
-            <a:avLst/>
-          </a:prstGeom>
-        </p:spPr>
-      </p:pic>
-      <p:sp>
-        <p:nvSpPr>
-          <p:cNvPr id="8" name="Footer Placeholder 7">
-            <a:extLst>
-              <a:ext uri="{FF2B5EF4-FFF2-40B4-BE49-F238E27FC236}">
-                <a16:creationId xmlns:a16="http://schemas.microsoft.com/office/drawing/2014/main" id="{3D7665F4-0963-419D-B051-3FE3079E217D}"/>
-              </a:ext>
-            </a:extLst>
-          </p:cNvPr>
-          <p:cNvSpPr>
-            <a:spLocks noGrp="1"/>
-          </p:cNvSpPr>
-          <p:nvPr>
-            <p:ph type="ftr" sz="quarter" idx="11"/>
-          </p:nvPr>
-        </p:nvSpPr>
-        <p:spPr/>
-        <p:txBody>
-          <a:bodyPr/>
-          <a:lstStyle/>
-          <a:p>
-            <a:r>
-              <a:rPr lang="en-US"/>
-              <a:t>Healthify-NWMSU</a:t>
-            </a:r>
-          </a:p>
-        </p:txBody>
-      </p:sp>
-      <p:sp>
-        <p:nvSpPr>
-          <p:cNvPr id="9" name="Slide Number Placeholder 8">
-            <a:extLst>
-              <a:ext uri="{FF2B5EF4-FFF2-40B4-BE49-F238E27FC236}">
-                <a16:creationId xmlns:a16="http://schemas.microsoft.com/office/drawing/2014/main" id="{4F7404B4-B404-4287-985D-DA10D897BF21}"/>
-              </a:ext>
-            </a:extLst>
-          </p:cNvPr>
-          <p:cNvSpPr>
-            <a:spLocks noGrp="1"/>
-          </p:cNvSpPr>
-          <p:nvPr>
-            <p:ph type="sldNum" sz="quarter" idx="12"/>
-          </p:nvPr>
-        </p:nvSpPr>
-        <p:spPr/>
-        <p:txBody>
-          <a:bodyPr/>
-          <a:lstStyle/>
-          <a:p>
-            <a:fld id="{FC6EDEEF-6E47-4D41-B312-2A124904AE2A}" type="slidenum">
-              <a:rPr lang="en-US" smtClean="0"/>
-              <a:t>5</a:t>
-            </a:fld>
-            <a:endParaRPr lang="en-US"/>
-          </a:p>
-        </p:txBody>
-      </p:sp>
-      <p:pic>
-        <p:nvPicPr>
-          <p:cNvPr id="10" name="Picture 9" descr="A screenshot of a cell phone&#10;&#10;Description automatically generated">
-            <a:extLst>
-              <a:ext uri="{FF2B5EF4-FFF2-40B4-BE49-F238E27FC236}">
-                <a16:creationId xmlns:a16="http://schemas.microsoft.com/office/drawing/2014/main" id="{8D84F9D6-7C5E-49A6-A655-EB05CB23DF91}"/>
-              </a:ext>
-            </a:extLst>
-          </p:cNvPr>
-          <p:cNvPicPr>
-            <a:picLocks noChangeAspect="1"/>
-          </p:cNvPicPr>
-          <p:nvPr/>
-        </p:nvPicPr>
-        <p:blipFill>
-          <a:blip r:embed="rId4">
-            <a:extLst>
-              <a:ext uri="{28A0092B-C50C-407E-A947-70E740481C1C}">
-                <a14:useLocalDpi xmlns:a14="http://schemas.microsoft.com/office/drawing/2010/main" val="0"/>
-              </a:ext>
-            </a:extLst>
-          </a:blip>
-          <a:stretch>
-            <a:fillRect/>
-          </a:stretch>
-        </p:blipFill>
-        <p:spPr>
-          <a:xfrm>
-            <a:off x="8378157" y="1191803"/>
-            <a:ext cx="2821551" cy="4884221"/>
-          </a:xfrm>
-          <a:prstGeom prst="rect">
-            <a:avLst/>
-          </a:prstGeom>
-        </p:spPr>
-      </p:pic>
-    </p:spTree>
-    <p:extLst>
-      <p:ext uri="{BB962C8B-B14F-4D97-AF65-F5344CB8AC3E}">
-        <p14:creationId xmlns:p14="http://schemas.microsoft.com/office/powerpoint/2010/main" val="793526837"/>
-      </p:ext>
-    </p:extLst>
-  </p:cSld>
-  <p:clrMapOvr>
-    <a:masterClrMapping/>
-  </p:clrMapOvr>
-</p:sld>
-</file>
-
-<file path=ppt/slides/slide6.xml><?xml version="1.0" encoding="utf-8"?>
-<p:sld xmlns:a="http://schemas.openxmlformats.org/drawingml/2006/main" xmlns:r="http://schemas.openxmlformats.org/officeDocument/2006/relationships" xmlns:p="http://schemas.openxmlformats.org/presentationml/2006/main">
-  <p:cSld>
-    <p:spTree>
-      <p:nvGrpSpPr>
-        <p:cNvPr id="1" name=""/>
-        <p:cNvGrpSpPr/>
-        <p:nvPr/>
-      </p:nvGrpSpPr>
-      <p:grpSpPr>
-        <a:xfrm>
-          <a:off x="0" y="0"/>
-          <a:ext cx="0" cy="0"/>
-          <a:chOff x="0" y="0"/>
-          <a:chExt cx="0" cy="0"/>
-        </a:xfrm>
-      </p:grpSpPr>
-      <p:sp>
-        <p:nvSpPr>
-          <p:cNvPr id="2" name="Title 1">
-            <a:extLst>
-              <a:ext uri="{FF2B5EF4-FFF2-40B4-BE49-F238E27FC236}">
-                <a16:creationId xmlns:a16="http://schemas.microsoft.com/office/drawing/2014/main" id="{EE86DD78-E9CE-490E-88B1-0385B046D747}"/>
-              </a:ext>
-            </a:extLst>
-          </p:cNvPr>
-          <p:cNvSpPr>
-            <a:spLocks noGrp="1"/>
-          </p:cNvSpPr>
-          <p:nvPr>
-            <p:ph type="title"/>
-          </p:nvPr>
-        </p:nvSpPr>
-        <p:spPr/>
-        <p:txBody>
-          <a:bodyPr/>
-          <a:lstStyle/>
-          <a:p>
-            <a:r>
-              <a:rPr lang="en-US" b="1" dirty="0">
-                <a:solidFill>
-                  <a:schemeClr val="accent3"/>
-                </a:solidFill>
-                <a:effectLst>
-                  <a:outerShdw blurRad="38100" dist="38100" dir="2700000" algn="tl">
-                    <a:srgbClr val="000000">
-                      <a:alpha val="43137"/>
-                    </a:srgbClr>
-                  </a:outerShdw>
-                </a:effectLst>
-                <a:latin typeface="Times New Roman" panose="02020603050405020304" pitchFamily="18" charset="0"/>
-                <a:cs typeface="Times New Roman" panose="02020603050405020304" pitchFamily="18" charset="0"/>
-              </a:rPr>
-              <a:t>Screens of UI Sketches</a:t>
-            </a:r>
-            <a:endParaRPr lang="en-US" b="1" dirty="0">
-              <a:solidFill>
-                <a:schemeClr val="accent3"/>
-              </a:solidFill>
-              <a:effectLst>
-                <a:outerShdw blurRad="38100" dist="38100" dir="2700000" algn="tl">
-                  <a:srgbClr val="000000">
-                    <a:alpha val="43137"/>
-                  </a:srgbClr>
-                </a:outerShdw>
-              </a:effectLst>
-            </a:endParaRPr>
-          </a:p>
-        </p:txBody>
-      </p:sp>
-      <p:pic>
-        <p:nvPicPr>
-          <p:cNvPr id="5" name="Content Placeholder 4" descr="A screenshot of a cell phone&#10;&#10;Description automatically generated">
-            <a:extLst>
-              <a:ext uri="{FF2B5EF4-FFF2-40B4-BE49-F238E27FC236}">
-                <a16:creationId xmlns:a16="http://schemas.microsoft.com/office/drawing/2014/main" id="{3C2846B6-CBD7-4174-A78E-EB0295F266B7}"/>
-              </a:ext>
-            </a:extLst>
-          </p:cNvPr>
-          <p:cNvPicPr>
-            <a:picLocks noGrp="1" noChangeAspect="1"/>
-          </p:cNvPicPr>
-          <p:nvPr>
-            <p:ph idx="1"/>
-          </p:nvPr>
-        </p:nvPicPr>
-        <p:blipFill>
-          <a:blip r:embed="rId2">
-            <a:extLst>
-              <a:ext uri="{28A0092B-C50C-407E-A947-70E740481C1C}">
-                <a14:useLocalDpi xmlns:a14="http://schemas.microsoft.com/office/drawing/2010/main" val="0"/>
-              </a:ext>
-            </a:extLst>
-          </a:blip>
-          <a:stretch>
-            <a:fillRect/>
-          </a:stretch>
-        </p:blipFill>
-        <p:spPr>
-          <a:xfrm>
-            <a:off x="4509204" y="1270000"/>
-            <a:ext cx="2821551" cy="4884221"/>
-          </a:xfrm>
-        </p:spPr>
-      </p:pic>
-      <p:pic>
-        <p:nvPicPr>
-          <p:cNvPr id="6" name="Picture 5" descr="A screenshot of a cell phone&#10;&#10;Description automatically generated">
-            <a:extLst>
-              <a:ext uri="{FF2B5EF4-FFF2-40B4-BE49-F238E27FC236}">
-                <a16:creationId xmlns:a16="http://schemas.microsoft.com/office/drawing/2014/main" id="{BC02AB21-A8B2-431B-B6C0-5A214AE639C7}"/>
-              </a:ext>
-            </a:extLst>
-          </p:cNvPr>
-          <p:cNvPicPr>
-            <a:picLocks noChangeAspect="1"/>
-          </p:cNvPicPr>
-          <p:nvPr/>
-        </p:nvPicPr>
-        <p:blipFill>
-          <a:blip r:embed="rId3">
-            <a:extLst>
-              <a:ext uri="{28A0092B-C50C-407E-A947-70E740481C1C}">
-                <a14:useLocalDpi xmlns:a14="http://schemas.microsoft.com/office/drawing/2010/main" val="0"/>
-              </a:ext>
-            </a:extLst>
-          </a:blip>
-          <a:stretch>
-            <a:fillRect/>
-          </a:stretch>
-        </p:blipFill>
-        <p:spPr>
-          <a:xfrm>
-            <a:off x="996594" y="1270000"/>
-            <a:ext cx="2821551" cy="4884221"/>
-          </a:xfrm>
-          <a:prstGeom prst="rect">
-            <a:avLst/>
-          </a:prstGeom>
-        </p:spPr>
-      </p:pic>
-      <p:sp>
-        <p:nvSpPr>
-          <p:cNvPr id="8" name="Footer Placeholder 7">
-            <a:extLst>
-              <a:ext uri="{FF2B5EF4-FFF2-40B4-BE49-F238E27FC236}">
-                <a16:creationId xmlns:a16="http://schemas.microsoft.com/office/drawing/2014/main" id="{5CED5646-90C1-4F81-90DA-AA017C6B22C5}"/>
-              </a:ext>
-            </a:extLst>
-          </p:cNvPr>
-          <p:cNvSpPr>
-            <a:spLocks noGrp="1"/>
-          </p:cNvSpPr>
-          <p:nvPr>
-            <p:ph type="ftr" sz="quarter" idx="11"/>
-          </p:nvPr>
-        </p:nvSpPr>
-        <p:spPr/>
-        <p:txBody>
-          <a:bodyPr/>
-          <a:lstStyle/>
-          <a:p>
-            <a:r>
-              <a:rPr lang="en-US"/>
-              <a:t>Healthify-NWMSU</a:t>
-            </a:r>
-          </a:p>
-        </p:txBody>
-      </p:sp>
-      <p:sp>
-        <p:nvSpPr>
-          <p:cNvPr id="9" name="Slide Number Placeholder 8">
-            <a:extLst>
-              <a:ext uri="{FF2B5EF4-FFF2-40B4-BE49-F238E27FC236}">
-                <a16:creationId xmlns:a16="http://schemas.microsoft.com/office/drawing/2014/main" id="{92881D41-A262-4F4C-BCDB-29B7F360E97E}"/>
-              </a:ext>
-            </a:extLst>
-          </p:cNvPr>
-          <p:cNvSpPr>
-            <a:spLocks noGrp="1"/>
-          </p:cNvSpPr>
-          <p:nvPr>
-            <p:ph type="sldNum" sz="quarter" idx="12"/>
-          </p:nvPr>
-        </p:nvSpPr>
-        <p:spPr/>
-        <p:txBody>
-          <a:bodyPr/>
-          <a:lstStyle/>
-          <a:p>
-            <a:fld id="{FC6EDEEF-6E47-4D41-B312-2A124904AE2A}" type="slidenum">
-              <a:rPr lang="en-US" smtClean="0"/>
-              <a:t>6</a:t>
-            </a:fld>
-            <a:endParaRPr lang="en-US"/>
-          </a:p>
-        </p:txBody>
-      </p:sp>
-      <p:pic>
-        <p:nvPicPr>
-          <p:cNvPr id="10" name="Content Placeholder 4" descr="A screenshot of a social media post&#10;&#10;Description automatically generated">
-            <a:extLst>
-              <a:ext uri="{FF2B5EF4-FFF2-40B4-BE49-F238E27FC236}">
-                <a16:creationId xmlns:a16="http://schemas.microsoft.com/office/drawing/2014/main" id="{EB2594DB-28A2-4C50-8FC6-1738B3EB1D2F}"/>
-              </a:ext>
-            </a:extLst>
-          </p:cNvPr>
-          <p:cNvPicPr>
-            <a:picLocks noChangeAspect="1"/>
-          </p:cNvPicPr>
-          <p:nvPr/>
-        </p:nvPicPr>
-        <p:blipFill>
-          <a:blip r:embed="rId4">
-            <a:extLst>
-              <a:ext uri="{28A0092B-C50C-407E-A947-70E740481C1C}">
-                <a14:useLocalDpi xmlns:a14="http://schemas.microsoft.com/office/drawing/2010/main" val="0"/>
-              </a:ext>
-            </a:extLst>
-          </a:blip>
-          <a:stretch>
-            <a:fillRect/>
-          </a:stretch>
-        </p:blipFill>
-        <p:spPr>
-          <a:xfrm>
-            <a:off x="8204623" y="1191802"/>
-            <a:ext cx="2809273" cy="4977926"/>
-          </a:xfrm>
-          <a:prstGeom prst="rect">
-            <a:avLst/>
-          </a:prstGeom>
-        </p:spPr>
-      </p:pic>
-    </p:spTree>
-    <p:extLst>
-      <p:ext uri="{BB962C8B-B14F-4D97-AF65-F5344CB8AC3E}">
-        <p14:creationId xmlns:p14="http://schemas.microsoft.com/office/powerpoint/2010/main" val="2990232904"/>
-      </p:ext>
-    </p:extLst>
-  </p:cSld>
-  <p:clrMapOvr>
-    <a:masterClrMapping/>
-  </p:clrMapOvr>
-</p:sld>
-</file>
-
-<file path=ppt/slides/slide7.xml><?xml version="1.0" encoding="utf-8"?>
-<p:sld xmlns:a="http://schemas.openxmlformats.org/drawingml/2006/main" xmlns:r="http://schemas.openxmlformats.org/officeDocument/2006/relationships" xmlns:p="http://schemas.openxmlformats.org/presentationml/2006/main">
-  <p:cSld>
-    <p:spTree>
-      <p:nvGrpSpPr>
-        <p:cNvPr id="1" name=""/>
-        <p:cNvGrpSpPr/>
-        <p:nvPr/>
-      </p:nvGrpSpPr>
-      <p:grpSpPr>
-        <a:xfrm>
-          <a:off x="0" y="0"/>
-          <a:ext cx="0" cy="0"/>
-          <a:chOff x="0" y="0"/>
-          <a:chExt cx="0" cy="0"/>
-        </a:xfrm>
-      </p:grpSpPr>
-      <p:sp>
-        <p:nvSpPr>
-          <p:cNvPr id="2" name="Title 1">
-            <a:extLst>
-              <a:ext uri="{FF2B5EF4-FFF2-40B4-BE49-F238E27FC236}">
-                <a16:creationId xmlns:a16="http://schemas.microsoft.com/office/drawing/2014/main" id="{573E737E-8EF4-48B3-9937-7787C41E3A2D}"/>
-              </a:ext>
-            </a:extLst>
-          </p:cNvPr>
-          <p:cNvSpPr>
-            <a:spLocks noGrp="1"/>
-          </p:cNvSpPr>
-          <p:nvPr>
-            <p:ph type="title"/>
-          </p:nvPr>
-        </p:nvSpPr>
-        <p:spPr>
-          <a:xfrm>
-            <a:off x="677334" y="599326"/>
-            <a:ext cx="8596668" cy="1320800"/>
-          </a:xfrm>
-        </p:spPr>
-        <p:txBody>
-          <a:bodyPr>
-            <a:normAutofit/>
-          </a:bodyPr>
-          <a:lstStyle/>
-          <a:p>
-            <a:r>
-              <a:rPr lang="en-US" b="1" dirty="0">
-                <a:solidFill>
-                  <a:schemeClr val="accent3"/>
-                </a:solidFill>
-                <a:effectLst>
-                  <a:outerShdw blurRad="38100" dist="38100" dir="2700000" algn="tl">
-                    <a:srgbClr val="000000">
-                      <a:alpha val="43137"/>
-                    </a:srgbClr>
-                  </a:outerShdw>
-                </a:effectLst>
-                <a:latin typeface="Times New Roman" panose="02020603050405020304" pitchFamily="18" charset="0"/>
-                <a:cs typeface="Times New Roman" panose="02020603050405020304" pitchFamily="18" charset="0"/>
-              </a:rPr>
-              <a:t>Acceptance Criteria</a:t>
-            </a:r>
-            <a:br>
-              <a:rPr lang="en-US" b="1" dirty="0">
-                <a:solidFill>
-                  <a:srgbClr val="24292E"/>
-                </a:solidFill>
-                <a:latin typeface="-apple-system"/>
-              </a:rPr>
-            </a:br>
-            <a:endParaRPr lang="en-US" dirty="0"/>
-          </a:p>
-        </p:txBody>
-      </p:sp>
-      <p:sp>
-        <p:nvSpPr>
-          <p:cNvPr id="3" name="Content Placeholder 2">
-            <a:extLst>
-              <a:ext uri="{FF2B5EF4-FFF2-40B4-BE49-F238E27FC236}">
-                <a16:creationId xmlns:a16="http://schemas.microsoft.com/office/drawing/2014/main" id="{9C7E8854-7F3E-4442-BC30-0FA2B15FA669}"/>
-              </a:ext>
-            </a:extLst>
-          </p:cNvPr>
-          <p:cNvSpPr>
-            <a:spLocks noGrp="1"/>
-          </p:cNvSpPr>
-          <p:nvPr>
-            <p:ph idx="1"/>
-          </p:nvPr>
-        </p:nvSpPr>
-        <p:spPr>
-          <a:xfrm>
-            <a:off x="1103311" y="1273996"/>
-            <a:ext cx="10352373" cy="5373384"/>
-          </a:xfrm>
-        </p:spPr>
-        <p:txBody>
-          <a:bodyPr>
-            <a:normAutofit fontScale="25000" lnSpcReduction="20000"/>
-          </a:bodyPr>
-          <a:lstStyle/>
-          <a:p>
-            <a:pPr>
-              <a:buFont typeface="Arial" panose="020B0604020202020204" pitchFamily="34" charset="0"/>
-              <a:buChar char="•"/>
-            </a:pPr>
-            <a:r>
-              <a:rPr lang="en-US" sz="8000" dirty="0">
-                <a:solidFill>
-                  <a:schemeClr val="tx1">
-                    <a:lumMod val="95000"/>
-                  </a:schemeClr>
-                </a:solidFill>
-                <a:latin typeface="Times New Roman" panose="02020603050405020304" pitchFamily="18" charset="0"/>
-                <a:cs typeface="Times New Roman" panose="02020603050405020304" pitchFamily="18" charset="0"/>
-              </a:rPr>
-              <a:t>Admin can view and download all data entered by the user by just selecting the get data into a file button.</a:t>
-            </a:r>
-          </a:p>
-          <a:p>
-            <a:pPr>
-              <a:buFont typeface="Arial" panose="020B0604020202020204" pitchFamily="34" charset="0"/>
-              <a:buChar char="•"/>
-            </a:pPr>
-            <a:r>
-              <a:rPr lang="en-US" sz="8000" dirty="0">
-                <a:solidFill>
-                  <a:schemeClr val="tx1">
-                    <a:lumMod val="95000"/>
-                  </a:schemeClr>
-                </a:solidFill>
-                <a:latin typeface="Times New Roman" panose="02020603050405020304" pitchFamily="18" charset="0"/>
-                <a:cs typeface="Times New Roman" panose="02020603050405020304" pitchFamily="18" charset="0"/>
-              </a:rPr>
-              <a:t>Admin can create and manage the user groups by selecting add symbol.</a:t>
-            </a:r>
-          </a:p>
-          <a:p>
-            <a:pPr>
-              <a:buFont typeface="Arial" panose="020B0604020202020204" pitchFamily="34" charset="0"/>
-              <a:buChar char="•"/>
-            </a:pPr>
-            <a:r>
-              <a:rPr lang="en-US" sz="8000" dirty="0">
-                <a:solidFill>
-                  <a:schemeClr val="tx1">
-                    <a:lumMod val="95000"/>
-                  </a:schemeClr>
-                </a:solidFill>
-                <a:latin typeface="Times New Roman" panose="02020603050405020304" pitchFamily="18" charset="0"/>
-                <a:cs typeface="Times New Roman" panose="02020603050405020304" pitchFamily="18" charset="0"/>
-              </a:rPr>
-              <a:t>Admin can share challenge results with group members by clicking release results button.</a:t>
-            </a:r>
-          </a:p>
-          <a:p>
-            <a:pPr>
-              <a:buFont typeface="Arial" panose="020B0604020202020204" pitchFamily="34" charset="0"/>
-              <a:buChar char="•"/>
-            </a:pPr>
-            <a:r>
-              <a:rPr lang="en-US" sz="8000" dirty="0">
-                <a:solidFill>
-                  <a:schemeClr val="tx1">
-                    <a:lumMod val="95000"/>
-                  </a:schemeClr>
-                </a:solidFill>
-                <a:latin typeface="Times New Roman" panose="02020603050405020304" pitchFamily="18" charset="0"/>
-                <a:cs typeface="Times New Roman" panose="02020603050405020304" pitchFamily="18" charset="0"/>
-              </a:rPr>
-              <a:t>Users can create and edit data of personal details upon signup.</a:t>
-            </a:r>
-          </a:p>
-          <a:p>
-            <a:pPr>
-              <a:buFont typeface="Arial" panose="020B0604020202020204" pitchFamily="34" charset="0"/>
-              <a:buChar char="•"/>
-            </a:pPr>
-            <a:r>
-              <a:rPr lang="en-US" sz="8000" dirty="0">
-                <a:latin typeface="Times New Roman" panose="02020603050405020304" pitchFamily="18" charset="0"/>
-                <a:cs typeface="Times New Roman" panose="02020603050405020304" pitchFamily="18" charset="0"/>
-              </a:rPr>
-              <a:t>Users can participate in new challenges just by clicking register buttons on each page of challenges.</a:t>
-            </a:r>
-            <a:endParaRPr lang="en-US" sz="8000" dirty="0">
-              <a:solidFill>
-                <a:schemeClr val="tx1">
-                  <a:lumMod val="95000"/>
-                </a:schemeClr>
-              </a:solidFill>
-              <a:latin typeface="Times New Roman" panose="02020603050405020304" pitchFamily="18" charset="0"/>
-              <a:cs typeface="Times New Roman" panose="02020603050405020304" pitchFamily="18" charset="0"/>
-            </a:endParaRPr>
-          </a:p>
-          <a:p>
-            <a:pPr>
-              <a:buFont typeface="Arial" panose="020B0604020202020204" pitchFamily="34" charset="0"/>
-              <a:buChar char="•"/>
-            </a:pPr>
-            <a:r>
-              <a:rPr lang="en-US" sz="8000" dirty="0">
-                <a:solidFill>
-                  <a:schemeClr val="tx1">
-                    <a:lumMod val="95000"/>
-                  </a:schemeClr>
-                </a:solidFill>
-                <a:latin typeface="Times New Roman" panose="02020603050405020304" pitchFamily="18" charset="0"/>
-                <a:cs typeface="Times New Roman" panose="02020603050405020304" pitchFamily="18" charset="0"/>
-              </a:rPr>
-              <a:t>Users can accept or reject group assignments upon receiving mails from the admin invites.</a:t>
-            </a:r>
-          </a:p>
-          <a:p>
-            <a:pPr>
-              <a:buFont typeface="Arial" panose="020B0604020202020204" pitchFamily="34" charset="0"/>
-              <a:buChar char="•"/>
-            </a:pPr>
-            <a:r>
-              <a:rPr lang="en-US" sz="8000" dirty="0">
-                <a:solidFill>
-                  <a:schemeClr val="tx1">
-                    <a:lumMod val="95000"/>
-                  </a:schemeClr>
-                </a:solidFill>
-                <a:latin typeface="Times New Roman" panose="02020603050405020304" pitchFamily="18" charset="0"/>
-                <a:cs typeface="Times New Roman" panose="02020603050405020304" pitchFamily="18" charset="0"/>
-              </a:rPr>
-              <a:t>Users can view data from past challenges by clicking on the results.</a:t>
-            </a:r>
-          </a:p>
-          <a:p>
-            <a:pPr>
-              <a:buFont typeface="Arial" panose="020B0604020202020204" pitchFamily="34" charset="0"/>
-              <a:buChar char="•"/>
-            </a:pPr>
-            <a:r>
-              <a:rPr lang="en-US" sz="8000" dirty="0">
-                <a:solidFill>
-                  <a:schemeClr val="tx1">
-                    <a:lumMod val="95000"/>
-                  </a:schemeClr>
-                </a:solidFill>
-                <a:latin typeface="Times New Roman" panose="02020603050405020304" pitchFamily="18" charset="0"/>
-                <a:cs typeface="Times New Roman" panose="02020603050405020304" pitchFamily="18" charset="0"/>
-              </a:rPr>
-              <a:t>User can access the application only by submitting required details.</a:t>
-            </a:r>
-          </a:p>
-          <a:p>
-            <a:pPr>
-              <a:buFont typeface="Arial" panose="020B0604020202020204" pitchFamily="34" charset="0"/>
-              <a:buChar char="•"/>
-            </a:pPr>
-            <a:r>
-              <a:rPr lang="en-US" sz="8000" dirty="0">
-                <a:solidFill>
-                  <a:schemeClr val="tx1">
-                    <a:lumMod val="95000"/>
-                  </a:schemeClr>
-                </a:solidFill>
-                <a:latin typeface="Times New Roman" panose="02020603050405020304" pitchFamily="18" charset="0"/>
-                <a:cs typeface="Times New Roman" panose="02020603050405020304" pitchFamily="18" charset="0"/>
-              </a:rPr>
-              <a:t>Enabling responsive Mobile menu for Tablets and Mobiles.</a:t>
-            </a:r>
-          </a:p>
-          <a:p>
-            <a:pPr>
-              <a:buFont typeface="Arial" panose="020B0604020202020204" pitchFamily="34" charset="0"/>
-              <a:buChar char="•"/>
-            </a:pPr>
-            <a:r>
-              <a:rPr lang="en-US" sz="8000" dirty="0">
-                <a:solidFill>
-                  <a:schemeClr val="tx1">
-                    <a:lumMod val="95000"/>
-                  </a:schemeClr>
-                </a:solidFill>
-                <a:latin typeface="Times New Roman" panose="02020603050405020304" pitchFamily="18" charset="0"/>
-                <a:cs typeface="Times New Roman" panose="02020603050405020304" pitchFamily="18" charset="0"/>
-              </a:rPr>
-              <a:t>User can Easily Navigate across different screens.</a:t>
-            </a:r>
-          </a:p>
-          <a:p>
-            <a:pPr>
-              <a:buFont typeface="Arial" panose="020B0604020202020204" pitchFamily="34" charset="0"/>
-              <a:buChar char="•"/>
-            </a:pPr>
-            <a:r>
-              <a:rPr lang="en-US" sz="8000" dirty="0">
-                <a:solidFill>
-                  <a:schemeClr val="tx1">
-                    <a:lumMod val="95000"/>
-                  </a:schemeClr>
-                </a:solidFill>
-                <a:latin typeface="Times New Roman" panose="02020603050405020304" pitchFamily="18" charset="0"/>
-                <a:cs typeface="Times New Roman" panose="02020603050405020304" pitchFamily="18" charset="0"/>
-              </a:rPr>
-              <a:t>User can have Responsiveness of drop-down lists.</a:t>
-            </a:r>
-          </a:p>
-          <a:p>
-            <a:pPr>
-              <a:buFont typeface="Arial" panose="020B0604020202020204" pitchFamily="34" charset="0"/>
-              <a:buChar char="•"/>
-            </a:pPr>
-            <a:r>
-              <a:rPr lang="en-US" sz="8000" dirty="0">
-                <a:latin typeface="Times New Roman" panose="02020603050405020304" pitchFamily="18" charset="0"/>
-                <a:cs typeface="Times New Roman" panose="02020603050405020304" pitchFamily="18" charset="0"/>
-              </a:rPr>
-              <a:t>User can Distinguish the inactive buttons from active buttons.</a:t>
-            </a:r>
-            <a:endParaRPr lang="en-US" sz="8000" dirty="0">
-              <a:solidFill>
-                <a:schemeClr val="tx1">
-                  <a:lumMod val="95000"/>
-                </a:schemeClr>
-              </a:solidFill>
-              <a:latin typeface="Times New Roman" panose="02020603050405020304" pitchFamily="18" charset="0"/>
-              <a:cs typeface="Times New Roman" panose="02020603050405020304" pitchFamily="18" charset="0"/>
-            </a:endParaRPr>
-          </a:p>
-          <a:p>
-            <a:pPr marL="0" indent="0">
-              <a:buNone/>
-            </a:pPr>
-            <a:endParaRPr lang="en-US" dirty="0"/>
-          </a:p>
-        </p:txBody>
-      </p:sp>
-      <p:sp>
-        <p:nvSpPr>
-          <p:cNvPr id="6" name="Footer Placeholder 5">
-            <a:extLst>
-              <a:ext uri="{FF2B5EF4-FFF2-40B4-BE49-F238E27FC236}">
-                <a16:creationId xmlns:a16="http://schemas.microsoft.com/office/drawing/2014/main" id="{9DD87943-4C6A-46FB-B51C-3840DF598793}"/>
-              </a:ext>
-            </a:extLst>
-          </p:cNvPr>
-          <p:cNvSpPr>
-            <a:spLocks noGrp="1"/>
-          </p:cNvSpPr>
-          <p:nvPr>
-            <p:ph type="ftr" sz="quarter" idx="11"/>
-          </p:nvPr>
-        </p:nvSpPr>
-        <p:spPr/>
-        <p:txBody>
-          <a:bodyPr/>
-          <a:lstStyle/>
-          <a:p>
-            <a:r>
-              <a:rPr lang="en-US"/>
-              <a:t>Healthify-NWMSU</a:t>
-            </a:r>
-          </a:p>
-        </p:txBody>
-      </p:sp>
-      <p:sp>
-        <p:nvSpPr>
-          <p:cNvPr id="7" name="Slide Number Placeholder 6">
-            <a:extLst>
-              <a:ext uri="{FF2B5EF4-FFF2-40B4-BE49-F238E27FC236}">
-                <a16:creationId xmlns:a16="http://schemas.microsoft.com/office/drawing/2014/main" id="{2CA22E63-B086-4925-B662-12D17C54A126}"/>
-              </a:ext>
-            </a:extLst>
-          </p:cNvPr>
-          <p:cNvSpPr>
-            <a:spLocks noGrp="1"/>
-          </p:cNvSpPr>
-          <p:nvPr>
-            <p:ph type="sldNum" sz="quarter" idx="12"/>
-          </p:nvPr>
-        </p:nvSpPr>
-        <p:spPr/>
-        <p:txBody>
-          <a:bodyPr/>
-          <a:lstStyle/>
-          <a:p>
-            <a:fld id="{FC6EDEEF-6E47-4D41-B312-2A124904AE2A}" type="slidenum">
-              <a:rPr lang="en-US" smtClean="0"/>
-              <a:t>7</a:t>
-            </a:fld>
-            <a:endParaRPr lang="en-US"/>
-          </a:p>
-        </p:txBody>
-      </p:sp>
-    </p:spTree>
-    <p:extLst>
-      <p:ext uri="{BB962C8B-B14F-4D97-AF65-F5344CB8AC3E}">
-        <p14:creationId xmlns:p14="http://schemas.microsoft.com/office/powerpoint/2010/main" val="5059217"/>
-      </p:ext>
-    </p:extLst>
-  </p:cSld>
-  <p:clrMapOvr>
-    <a:masterClrMapping/>
-  </p:clrMapOvr>
-</p:sld>
-</file>
-
-<file path=ppt/slides/slide8.xml><?xml version="1.0" encoding="utf-8"?>
-<p:sld xmlns:a="http://schemas.openxmlformats.org/drawingml/2006/main" xmlns:r="http://schemas.openxmlformats.org/officeDocument/2006/relationships" xmlns:p="http://schemas.openxmlformats.org/presentationml/2006/main">
-  <p:cSld>
-    <p:spTree>
-      <p:nvGrpSpPr>
-        <p:cNvPr id="1" name=""/>
-        <p:cNvGrpSpPr/>
-        <p:nvPr/>
-      </p:nvGrpSpPr>
-      <p:grpSpPr>
-        <a:xfrm>
-          <a:off x="0" y="0"/>
-          <a:ext cx="0" cy="0"/>
-          <a:chOff x="0" y="0"/>
-          <a:chExt cx="0" cy="0"/>
-        </a:xfrm>
-      </p:grpSpPr>
-      <p:sp>
-        <p:nvSpPr>
-          <p:cNvPr id="2" name="Title 1">
-            <a:extLst>
-              <a:ext uri="{FF2B5EF4-FFF2-40B4-BE49-F238E27FC236}">
-                <a16:creationId xmlns:a16="http://schemas.microsoft.com/office/drawing/2014/main" id="{EDF33ABE-0CCC-4CB2-8A07-107E3F35A1F5}"/>
-              </a:ext>
-            </a:extLst>
-          </p:cNvPr>
-          <p:cNvSpPr>
-            <a:spLocks noGrp="1"/>
-          </p:cNvSpPr>
-          <p:nvPr>
-            <p:ph type="title"/>
-          </p:nvPr>
-        </p:nvSpPr>
-        <p:spPr/>
-        <p:txBody>
-          <a:bodyPr/>
-          <a:lstStyle/>
-          <a:p>
-            <a:r>
-              <a:rPr lang="en-US" b="1" dirty="0">
-                <a:solidFill>
-                  <a:schemeClr val="accent3"/>
-                </a:solidFill>
-                <a:effectLst>
-                  <a:outerShdw blurRad="38100" dist="38100" dir="2700000" algn="tl">
-                    <a:srgbClr val="000000">
-                      <a:alpha val="43137"/>
-                    </a:srgbClr>
-                  </a:outerShdw>
-                </a:effectLst>
-                <a:latin typeface="Times New Roman" panose="02020603050405020304" pitchFamily="18" charset="0"/>
-                <a:cs typeface="Times New Roman" panose="02020603050405020304" pitchFamily="18" charset="0"/>
-              </a:rPr>
-              <a:t>ER Diagram</a:t>
-            </a:r>
-          </a:p>
-        </p:txBody>
-      </p:sp>
-      <p:pic>
-        <p:nvPicPr>
-          <p:cNvPr id="5" name="Content Placeholder 4" descr="A close up of text on a white surface&#10;&#10;Description automatically generated">
-            <a:extLst>
-              <a:ext uri="{FF2B5EF4-FFF2-40B4-BE49-F238E27FC236}">
-                <a16:creationId xmlns:a16="http://schemas.microsoft.com/office/drawing/2014/main" id="{6EACB86E-0239-4971-8B76-392FF2502486}"/>
-              </a:ext>
-            </a:extLst>
-          </p:cNvPr>
-          <p:cNvPicPr>
-            <a:picLocks noGrp="1" noChangeAspect="1"/>
-          </p:cNvPicPr>
-          <p:nvPr>
-            <p:ph idx="1"/>
-          </p:nvPr>
-        </p:nvPicPr>
-        <p:blipFill>
-          <a:blip r:embed="rId2">
-            <a:extLst>
-              <a:ext uri="{28A0092B-C50C-407E-A947-70E740481C1C}">
-                <a14:useLocalDpi xmlns:a14="http://schemas.microsoft.com/office/drawing/2010/main" val="0"/>
-              </a:ext>
-            </a:extLst>
-          </a:blip>
-          <a:stretch>
-            <a:fillRect/>
-          </a:stretch>
-        </p:blipFill>
-        <p:spPr>
-          <a:xfrm>
-            <a:off x="1469204" y="1216889"/>
-            <a:ext cx="8825502" cy="4927057"/>
-          </a:xfrm>
-        </p:spPr>
-      </p:pic>
-      <p:sp>
-        <p:nvSpPr>
-          <p:cNvPr id="6" name="Footer Placeholder 5">
-            <a:extLst>
-              <a:ext uri="{FF2B5EF4-FFF2-40B4-BE49-F238E27FC236}">
-                <a16:creationId xmlns:a16="http://schemas.microsoft.com/office/drawing/2014/main" id="{BAE23FFC-2FF3-48E5-B3EA-BD5D2D982092}"/>
-              </a:ext>
-            </a:extLst>
-          </p:cNvPr>
-          <p:cNvSpPr>
-            <a:spLocks noGrp="1"/>
-          </p:cNvSpPr>
-          <p:nvPr>
-            <p:ph type="ftr" sz="quarter" idx="11"/>
-          </p:nvPr>
-        </p:nvSpPr>
-        <p:spPr/>
-        <p:txBody>
-          <a:bodyPr/>
-          <a:lstStyle/>
-          <a:p>
-            <a:r>
-              <a:rPr lang="en-US"/>
-              <a:t>Healthify-NWMSU</a:t>
-            </a:r>
-          </a:p>
-        </p:txBody>
-      </p:sp>
-      <p:sp>
-        <p:nvSpPr>
-          <p:cNvPr id="7" name="Slide Number Placeholder 6">
-            <a:extLst>
-              <a:ext uri="{FF2B5EF4-FFF2-40B4-BE49-F238E27FC236}">
-                <a16:creationId xmlns:a16="http://schemas.microsoft.com/office/drawing/2014/main" id="{78F6E9AC-376C-45ED-90C7-5AED69B56DBF}"/>
-              </a:ext>
-            </a:extLst>
-          </p:cNvPr>
-          <p:cNvSpPr>
-            <a:spLocks noGrp="1"/>
-          </p:cNvSpPr>
-          <p:nvPr>
-            <p:ph type="sldNum" sz="quarter" idx="12"/>
-          </p:nvPr>
-        </p:nvSpPr>
-        <p:spPr/>
-        <p:txBody>
-          <a:bodyPr/>
-          <a:lstStyle/>
-          <a:p>
-            <a:fld id="{FC6EDEEF-6E47-4D41-B312-2A124904AE2A}" type="slidenum">
-              <a:rPr lang="en-US" smtClean="0"/>
-              <a:t>8</a:t>
-            </a:fld>
-            <a:endParaRPr lang="en-US"/>
-          </a:p>
-        </p:txBody>
-      </p:sp>
-    </p:spTree>
-    <p:extLst>
-      <p:ext uri="{BB962C8B-B14F-4D97-AF65-F5344CB8AC3E}">
-        <p14:creationId xmlns:p14="http://schemas.microsoft.com/office/powerpoint/2010/main" val="3778845358"/>
-      </p:ext>
-    </p:extLst>
-  </p:cSld>
-  <p:clrMapOvr>
-    <a:masterClrMapping/>
-  </p:clrMapOvr>
-</p:sld>
-</file>
-
-<file path=ppt/slides/slide9.xml><?xml version="1.0" encoding="utf-8"?>
-<p:sld xmlns:a="http://schemas.openxmlformats.org/drawingml/2006/main" xmlns:r="http://schemas.openxmlformats.org/officeDocument/2006/relationships" xmlns:p="http://schemas.openxmlformats.org/presentationml/2006/main">
-  <p:cSld>
-    <p:spTree>
-      <p:nvGrpSpPr>
-        <p:cNvPr id="1" name=""/>
-        <p:cNvGrpSpPr/>
-        <p:nvPr/>
-      </p:nvGrpSpPr>
-      <p:grpSpPr>
-        <a:xfrm>
-          <a:off x="0" y="0"/>
-          <a:ext cx="0" cy="0"/>
-          <a:chOff x="0" y="0"/>
-          <a:chExt cx="0" cy="0"/>
-        </a:xfrm>
-      </p:grpSpPr>
-      <p:sp>
-        <p:nvSpPr>
-          <p:cNvPr id="2" name="Title 1">
-            <a:extLst>
-              <a:ext uri="{FF2B5EF4-FFF2-40B4-BE49-F238E27FC236}">
                 <a16:creationId xmlns:a16="http://schemas.microsoft.com/office/drawing/2014/main" id="{5C26CEDB-B68F-49B7-B077-EF59C97D7443}"/>
               </a:ext>
             </a:extLst>
@@ -10091,7 +6618,7 @@
           <a:p>
             <a:fld id="{FC6EDEEF-6E47-4D41-B312-2A124904AE2A}" type="slidenum">
               <a:rPr lang="en-US" smtClean="0"/>
-              <a:t>9</a:t>
+              <a:t>10</a:t>
             </a:fld>
             <a:endParaRPr lang="en-US"/>
           </a:p>
@@ -10281,6 +6808,3643 @@
     <p:extLst>
       <p:ext uri="{BB962C8B-B14F-4D97-AF65-F5344CB8AC3E}">
         <p14:creationId xmlns:p14="http://schemas.microsoft.com/office/powerpoint/2010/main" val="3340613589"/>
+      </p:ext>
+    </p:extLst>
+  </p:cSld>
+  <p:clrMapOvr>
+    <a:masterClrMapping/>
+  </p:clrMapOvr>
+</p:sld>
+</file>
+
+<file path=ppt/slides/slide11.xml><?xml version="1.0" encoding="utf-8"?>
+<p:sld xmlns:a="http://schemas.openxmlformats.org/drawingml/2006/main" xmlns:r="http://schemas.openxmlformats.org/officeDocument/2006/relationships" xmlns:p="http://schemas.openxmlformats.org/presentationml/2006/main">
+  <p:cSld>
+    <p:spTree>
+      <p:nvGrpSpPr>
+        <p:cNvPr id="1" name=""/>
+        <p:cNvGrpSpPr/>
+        <p:nvPr/>
+      </p:nvGrpSpPr>
+      <p:grpSpPr>
+        <a:xfrm>
+          <a:off x="0" y="0"/>
+          <a:ext cx="0" cy="0"/>
+          <a:chOff x="0" y="0"/>
+          <a:chExt cx="0" cy="0"/>
+        </a:xfrm>
+      </p:grpSpPr>
+      <p:sp>
+        <p:nvSpPr>
+          <p:cNvPr id="2" name="Title 1">
+            <a:extLst>
+              <a:ext uri="{FF2B5EF4-FFF2-40B4-BE49-F238E27FC236}">
+                <a16:creationId xmlns:a16="http://schemas.microsoft.com/office/drawing/2014/main" id="{D10C0F41-67DB-4902-B02E-10AF0EA12871}"/>
+              </a:ext>
+            </a:extLst>
+          </p:cNvPr>
+          <p:cNvSpPr>
+            <a:spLocks noGrp="1"/>
+          </p:cNvSpPr>
+          <p:nvPr>
+            <p:ph type="title"/>
+          </p:nvPr>
+        </p:nvSpPr>
+        <p:spPr/>
+        <p:txBody>
+          <a:bodyPr/>
+          <a:lstStyle/>
+          <a:p>
+            <a:r>
+              <a:rPr lang="en-US" b="1" dirty="0">
+                <a:solidFill>
+                  <a:schemeClr val="accent3"/>
+                </a:solidFill>
+                <a:effectLst>
+                  <a:outerShdw blurRad="38100" dist="38100" dir="2700000" algn="tl">
+                    <a:srgbClr val="000000">
+                      <a:alpha val="43137"/>
+                    </a:srgbClr>
+                  </a:outerShdw>
+                </a:effectLst>
+                <a:latin typeface="Times New Roman" panose="02020603050405020304" pitchFamily="18" charset="0"/>
+                <a:cs typeface="Times New Roman" panose="02020603050405020304" pitchFamily="18" charset="0"/>
+              </a:rPr>
+              <a:t>Schedule Management</a:t>
+            </a:r>
+          </a:p>
+        </p:txBody>
+      </p:sp>
+      <p:pic>
+        <p:nvPicPr>
+          <p:cNvPr id="5" name="Content Placeholder 4" descr="A screenshot of a computer&#10;&#10;Description automatically generated">
+            <a:extLst>
+              <a:ext uri="{FF2B5EF4-FFF2-40B4-BE49-F238E27FC236}">
+                <a16:creationId xmlns:a16="http://schemas.microsoft.com/office/drawing/2014/main" id="{B6736611-1689-4464-81E3-6C6B2B6F5B36}"/>
+              </a:ext>
+            </a:extLst>
+          </p:cNvPr>
+          <p:cNvPicPr>
+            <a:picLocks noGrp="1" noChangeAspect="1"/>
+          </p:cNvPicPr>
+          <p:nvPr>
+            <p:ph idx="1"/>
+          </p:nvPr>
+        </p:nvPicPr>
+        <p:blipFill>
+          <a:blip r:embed="rId2">
+            <a:extLst>
+              <a:ext uri="{28A0092B-C50C-407E-A947-70E740481C1C}">
+                <a14:useLocalDpi xmlns:a14="http://schemas.microsoft.com/office/drawing/2010/main" val="0"/>
+              </a:ext>
+            </a:extLst>
+          </a:blip>
+          <a:stretch>
+            <a:fillRect/>
+          </a:stretch>
+        </p:blipFill>
+        <p:spPr>
+          <a:xfrm>
+            <a:off x="1191803" y="1263721"/>
+            <a:ext cx="9832368" cy="4890499"/>
+          </a:xfrm>
+        </p:spPr>
+      </p:pic>
+      <p:sp>
+        <p:nvSpPr>
+          <p:cNvPr id="6" name="Footer Placeholder 5">
+            <a:extLst>
+              <a:ext uri="{FF2B5EF4-FFF2-40B4-BE49-F238E27FC236}">
+                <a16:creationId xmlns:a16="http://schemas.microsoft.com/office/drawing/2014/main" id="{BB5C8C6F-C16D-4AB6-9B47-536A364DF7B3}"/>
+              </a:ext>
+            </a:extLst>
+          </p:cNvPr>
+          <p:cNvSpPr>
+            <a:spLocks noGrp="1"/>
+          </p:cNvSpPr>
+          <p:nvPr>
+            <p:ph type="ftr" sz="quarter" idx="11"/>
+          </p:nvPr>
+        </p:nvSpPr>
+        <p:spPr/>
+        <p:txBody>
+          <a:bodyPr/>
+          <a:lstStyle/>
+          <a:p>
+            <a:r>
+              <a:rPr lang="en-US"/>
+              <a:t>Healthify-NWMSU</a:t>
+            </a:r>
+          </a:p>
+        </p:txBody>
+      </p:sp>
+      <p:sp>
+        <p:nvSpPr>
+          <p:cNvPr id="7" name="Slide Number Placeholder 6">
+            <a:extLst>
+              <a:ext uri="{FF2B5EF4-FFF2-40B4-BE49-F238E27FC236}">
+                <a16:creationId xmlns:a16="http://schemas.microsoft.com/office/drawing/2014/main" id="{6B953DC5-5829-4EC7-99E1-A0A0139D473D}"/>
+              </a:ext>
+            </a:extLst>
+          </p:cNvPr>
+          <p:cNvSpPr>
+            <a:spLocks noGrp="1"/>
+          </p:cNvSpPr>
+          <p:nvPr>
+            <p:ph type="sldNum" sz="quarter" idx="12"/>
+          </p:nvPr>
+        </p:nvSpPr>
+        <p:spPr/>
+        <p:txBody>
+          <a:bodyPr/>
+          <a:lstStyle/>
+          <a:p>
+            <a:fld id="{FC6EDEEF-6E47-4D41-B312-2A124904AE2A}" type="slidenum">
+              <a:rPr lang="en-US" smtClean="0"/>
+              <a:t>11</a:t>
+            </a:fld>
+            <a:endParaRPr lang="en-US"/>
+          </a:p>
+        </p:txBody>
+      </p:sp>
+    </p:spTree>
+    <p:extLst>
+      <p:ext uri="{BB962C8B-B14F-4D97-AF65-F5344CB8AC3E}">
+        <p14:creationId xmlns:p14="http://schemas.microsoft.com/office/powerpoint/2010/main" val="4153707155"/>
+      </p:ext>
+    </p:extLst>
+  </p:cSld>
+  <p:clrMapOvr>
+    <a:masterClrMapping/>
+  </p:clrMapOvr>
+</p:sld>
+</file>
+
+<file path=ppt/slides/slide12.xml><?xml version="1.0" encoding="utf-8"?>
+<p:sld xmlns:a="http://schemas.openxmlformats.org/drawingml/2006/main" xmlns:r="http://schemas.openxmlformats.org/officeDocument/2006/relationships" xmlns:p="http://schemas.openxmlformats.org/presentationml/2006/main">
+  <p:cSld>
+    <p:spTree>
+      <p:nvGrpSpPr>
+        <p:cNvPr id="1" name=""/>
+        <p:cNvGrpSpPr/>
+        <p:nvPr/>
+      </p:nvGrpSpPr>
+      <p:grpSpPr>
+        <a:xfrm>
+          <a:off x="0" y="0"/>
+          <a:ext cx="0" cy="0"/>
+          <a:chOff x="0" y="0"/>
+          <a:chExt cx="0" cy="0"/>
+        </a:xfrm>
+      </p:grpSpPr>
+      <p:sp>
+        <p:nvSpPr>
+          <p:cNvPr id="2" name="Title 1">
+            <a:extLst>
+              <a:ext uri="{FF2B5EF4-FFF2-40B4-BE49-F238E27FC236}">
+                <a16:creationId xmlns:a16="http://schemas.microsoft.com/office/drawing/2014/main" id="{019B3870-AD76-44DC-A5A0-5B8C0D926FEF}"/>
+              </a:ext>
+            </a:extLst>
+          </p:cNvPr>
+          <p:cNvSpPr>
+            <a:spLocks noGrp="1"/>
+          </p:cNvSpPr>
+          <p:nvPr>
+            <p:ph type="title"/>
+          </p:nvPr>
+        </p:nvSpPr>
+        <p:spPr/>
+        <p:txBody>
+          <a:bodyPr/>
+          <a:lstStyle/>
+          <a:p>
+            <a:r>
+              <a:rPr lang="en-US" b="1" dirty="0">
+                <a:solidFill>
+                  <a:schemeClr val="accent3"/>
+                </a:solidFill>
+                <a:effectLst>
+                  <a:outerShdw blurRad="38100" dist="38100" dir="2700000" algn="tl">
+                    <a:srgbClr val="000000">
+                      <a:alpha val="43137"/>
+                    </a:srgbClr>
+                  </a:outerShdw>
+                </a:effectLst>
+                <a:latin typeface="Times New Roman" panose="02020603050405020304" pitchFamily="18" charset="0"/>
+                <a:cs typeface="Times New Roman" panose="02020603050405020304" pitchFamily="18" charset="0"/>
+              </a:rPr>
+              <a:t>Cost Management </a:t>
+            </a:r>
+          </a:p>
+        </p:txBody>
+      </p:sp>
+      <p:pic>
+        <p:nvPicPr>
+          <p:cNvPr id="5" name="Content Placeholder 4" descr="A screenshot of a computer&#10;&#10;Description automatically generated">
+            <a:extLst>
+              <a:ext uri="{FF2B5EF4-FFF2-40B4-BE49-F238E27FC236}">
+                <a16:creationId xmlns:a16="http://schemas.microsoft.com/office/drawing/2014/main" id="{B434056D-5920-4F14-B7DD-B27BD2A28ADB}"/>
+              </a:ext>
+            </a:extLst>
+          </p:cNvPr>
+          <p:cNvPicPr>
+            <a:picLocks noGrp="1" noChangeAspect="1"/>
+          </p:cNvPicPr>
+          <p:nvPr>
+            <p:ph idx="1"/>
+          </p:nvPr>
+        </p:nvPicPr>
+        <p:blipFill>
+          <a:blip r:embed="rId2">
+            <a:extLst>
+              <a:ext uri="{28A0092B-C50C-407E-A947-70E740481C1C}">
+                <a14:useLocalDpi xmlns:a14="http://schemas.microsoft.com/office/drawing/2010/main" val="0"/>
+              </a:ext>
+            </a:extLst>
+          </a:blip>
+          <a:stretch>
+            <a:fillRect/>
+          </a:stretch>
+        </p:blipFill>
+        <p:spPr>
+          <a:xfrm>
+            <a:off x="1089062" y="1253448"/>
+            <a:ext cx="9647432" cy="4900772"/>
+          </a:xfrm>
+        </p:spPr>
+      </p:pic>
+      <p:sp>
+        <p:nvSpPr>
+          <p:cNvPr id="6" name="Footer Placeholder 5">
+            <a:extLst>
+              <a:ext uri="{FF2B5EF4-FFF2-40B4-BE49-F238E27FC236}">
+                <a16:creationId xmlns:a16="http://schemas.microsoft.com/office/drawing/2014/main" id="{516688C4-0ADD-40B0-B93A-5E20A555C43D}"/>
+              </a:ext>
+            </a:extLst>
+          </p:cNvPr>
+          <p:cNvSpPr>
+            <a:spLocks noGrp="1"/>
+          </p:cNvSpPr>
+          <p:nvPr>
+            <p:ph type="ftr" sz="quarter" idx="11"/>
+          </p:nvPr>
+        </p:nvSpPr>
+        <p:spPr/>
+        <p:txBody>
+          <a:bodyPr/>
+          <a:lstStyle/>
+          <a:p>
+            <a:r>
+              <a:rPr lang="en-US"/>
+              <a:t>Healthify-NWMSU</a:t>
+            </a:r>
+          </a:p>
+        </p:txBody>
+      </p:sp>
+      <p:sp>
+        <p:nvSpPr>
+          <p:cNvPr id="7" name="Slide Number Placeholder 6">
+            <a:extLst>
+              <a:ext uri="{FF2B5EF4-FFF2-40B4-BE49-F238E27FC236}">
+                <a16:creationId xmlns:a16="http://schemas.microsoft.com/office/drawing/2014/main" id="{26449E8A-D908-40AB-96FA-365AF937BD48}"/>
+              </a:ext>
+            </a:extLst>
+          </p:cNvPr>
+          <p:cNvSpPr>
+            <a:spLocks noGrp="1"/>
+          </p:cNvSpPr>
+          <p:nvPr>
+            <p:ph type="sldNum" sz="quarter" idx="12"/>
+          </p:nvPr>
+        </p:nvSpPr>
+        <p:spPr/>
+        <p:txBody>
+          <a:bodyPr/>
+          <a:lstStyle/>
+          <a:p>
+            <a:fld id="{FC6EDEEF-6E47-4D41-B312-2A124904AE2A}" type="slidenum">
+              <a:rPr lang="en-US" smtClean="0"/>
+              <a:t>12</a:t>
+            </a:fld>
+            <a:endParaRPr lang="en-US"/>
+          </a:p>
+        </p:txBody>
+      </p:sp>
+    </p:spTree>
+    <p:extLst>
+      <p:ext uri="{BB962C8B-B14F-4D97-AF65-F5344CB8AC3E}">
+        <p14:creationId xmlns:p14="http://schemas.microsoft.com/office/powerpoint/2010/main" val="1271753515"/>
+      </p:ext>
+    </p:extLst>
+  </p:cSld>
+  <p:clrMapOvr>
+    <a:masterClrMapping/>
+  </p:clrMapOvr>
+</p:sld>
+</file>
+
+<file path=ppt/slides/slide13.xml><?xml version="1.0" encoding="utf-8"?>
+<p:sld xmlns:a="http://schemas.openxmlformats.org/drawingml/2006/main" xmlns:r="http://schemas.openxmlformats.org/officeDocument/2006/relationships" xmlns:p="http://schemas.openxmlformats.org/presentationml/2006/main">
+  <p:cSld>
+    <p:spTree>
+      <p:nvGrpSpPr>
+        <p:cNvPr id="1" name=""/>
+        <p:cNvGrpSpPr/>
+        <p:nvPr/>
+      </p:nvGrpSpPr>
+      <p:grpSpPr>
+        <a:xfrm>
+          <a:off x="0" y="0"/>
+          <a:ext cx="0" cy="0"/>
+          <a:chOff x="0" y="0"/>
+          <a:chExt cx="0" cy="0"/>
+        </a:xfrm>
+      </p:grpSpPr>
+      <p:sp>
+        <p:nvSpPr>
+          <p:cNvPr id="2" name="Title 1">
+            <a:extLst>
+              <a:ext uri="{FF2B5EF4-FFF2-40B4-BE49-F238E27FC236}">
+                <a16:creationId xmlns:a16="http://schemas.microsoft.com/office/drawing/2014/main" id="{405F658A-143D-4B11-9418-4DFD99116EE8}"/>
+              </a:ext>
+            </a:extLst>
+          </p:cNvPr>
+          <p:cNvSpPr>
+            <a:spLocks noGrp="1"/>
+          </p:cNvSpPr>
+          <p:nvPr>
+            <p:ph type="title"/>
+          </p:nvPr>
+        </p:nvSpPr>
+        <p:spPr/>
+        <p:txBody>
+          <a:bodyPr>
+            <a:normAutofit fontScale="90000"/>
+          </a:bodyPr>
+          <a:lstStyle/>
+          <a:p>
+            <a:r>
+              <a:rPr lang="en-US" sz="4000" b="1" dirty="0">
+                <a:solidFill>
+                  <a:schemeClr val="accent3"/>
+                </a:solidFill>
+                <a:effectLst>
+                  <a:outerShdw blurRad="38100" dist="38100" dir="2700000" algn="tl">
+                    <a:srgbClr val="000000">
+                      <a:alpha val="43137"/>
+                    </a:srgbClr>
+                  </a:outerShdw>
+                </a:effectLst>
+                <a:latin typeface="Times New Roman" panose="02020603050405020304" pitchFamily="18" charset="0"/>
+                <a:cs typeface="Times New Roman" panose="02020603050405020304" pitchFamily="18" charset="0"/>
+              </a:rPr>
+              <a:t>Benefits</a:t>
+            </a:r>
+            <a:br>
+              <a:rPr lang="en-US" sz="2400" b="1" dirty="0">
+                <a:latin typeface="Times New Roman" panose="02020603050405020304" pitchFamily="18" charset="0"/>
+                <a:cs typeface="Times New Roman" panose="02020603050405020304" pitchFamily="18" charset="0"/>
+              </a:rPr>
+            </a:br>
+            <a:br>
+              <a:rPr lang="en-US" sz="2400" b="1" dirty="0">
+                <a:latin typeface="Times New Roman" panose="02020603050405020304" pitchFamily="18" charset="0"/>
+                <a:cs typeface="Times New Roman" panose="02020603050405020304" pitchFamily="18" charset="0"/>
+              </a:rPr>
+            </a:br>
+            <a:endParaRPr lang="en-US" sz="2400" dirty="0">
+              <a:latin typeface="Times New Roman" panose="02020603050405020304" pitchFamily="18" charset="0"/>
+              <a:cs typeface="Times New Roman" panose="02020603050405020304" pitchFamily="18" charset="0"/>
+            </a:endParaRPr>
+          </a:p>
+        </p:txBody>
+      </p:sp>
+      <p:sp>
+        <p:nvSpPr>
+          <p:cNvPr id="3" name="Content Placeholder 2">
+            <a:extLst>
+              <a:ext uri="{FF2B5EF4-FFF2-40B4-BE49-F238E27FC236}">
+                <a16:creationId xmlns:a16="http://schemas.microsoft.com/office/drawing/2014/main" id="{3C1589E6-2CE7-437E-B912-6C37A64FE22A}"/>
+              </a:ext>
+            </a:extLst>
+          </p:cNvPr>
+          <p:cNvSpPr>
+            <a:spLocks noGrp="1"/>
+          </p:cNvSpPr>
+          <p:nvPr>
+            <p:ph idx="1"/>
+          </p:nvPr>
+        </p:nvSpPr>
+        <p:spPr>
+          <a:xfrm>
+            <a:off x="1103312" y="1335640"/>
+            <a:ext cx="8946541" cy="4912759"/>
+          </a:xfrm>
+        </p:spPr>
+        <p:txBody>
+          <a:bodyPr>
+            <a:normAutofit fontScale="92500" lnSpcReduction="10000"/>
+          </a:bodyPr>
+          <a:lstStyle/>
+          <a:p>
+            <a:r>
+              <a:rPr lang="en-US" dirty="0">
+                <a:latin typeface="Times New Roman" panose="02020603050405020304" pitchFamily="18" charset="0"/>
+                <a:cs typeface="Times New Roman" panose="02020603050405020304" pitchFamily="18" charset="0"/>
+              </a:rPr>
+              <a:t>Monitor your diet everyday</a:t>
+            </a:r>
+          </a:p>
+          <a:p>
+            <a:r>
+              <a:rPr lang="en-US" dirty="0">
+                <a:latin typeface="Times New Roman" panose="02020603050405020304" pitchFamily="18" charset="0"/>
+                <a:cs typeface="Times New Roman" panose="02020603050405020304" pitchFamily="18" charset="0"/>
+              </a:rPr>
+              <a:t>Track your footsteps</a:t>
+            </a:r>
+          </a:p>
+          <a:p>
+            <a:r>
+              <a:rPr lang="en-US" dirty="0">
+                <a:latin typeface="Times New Roman" panose="02020603050405020304" pitchFamily="18" charset="0"/>
+                <a:cs typeface="Times New Roman" panose="02020603050405020304" pitchFamily="18" charset="0"/>
+              </a:rPr>
+              <a:t>Track your water intake</a:t>
+            </a:r>
+          </a:p>
+          <a:p>
+            <a:r>
+              <a:rPr lang="en-US" dirty="0">
+                <a:latin typeface="Times New Roman" panose="02020603050405020304" pitchFamily="18" charset="0"/>
+                <a:cs typeface="Times New Roman" panose="02020603050405020304" pitchFamily="18" charset="0"/>
+              </a:rPr>
+              <a:t>Helps in calorie count</a:t>
+            </a:r>
+          </a:p>
+          <a:p>
+            <a:r>
+              <a:rPr lang="en-US" dirty="0">
+                <a:latin typeface="Times New Roman" panose="02020603050405020304" pitchFamily="18" charset="0"/>
+                <a:cs typeface="Times New Roman" panose="02020603050405020304" pitchFamily="18" charset="0"/>
+              </a:rPr>
+              <a:t>Set goals that you can achieve</a:t>
+            </a:r>
+          </a:p>
+          <a:p>
+            <a:r>
+              <a:rPr lang="en-US" dirty="0">
+                <a:latin typeface="Times New Roman" panose="02020603050405020304" pitchFamily="18" charset="0"/>
+                <a:cs typeface="Times New Roman" panose="02020603050405020304" pitchFamily="18" charset="0"/>
+              </a:rPr>
+              <a:t>Create your yoga studio</a:t>
+            </a:r>
+          </a:p>
+          <a:p>
+            <a:r>
+              <a:rPr lang="en-US" dirty="0">
+                <a:latin typeface="Times New Roman" panose="02020603050405020304" pitchFamily="18" charset="0"/>
+                <a:cs typeface="Times New Roman" panose="02020603050405020304" pitchFamily="18" charset="0"/>
+              </a:rPr>
+              <a:t>Easily keep track of your progress</a:t>
+            </a:r>
+          </a:p>
+          <a:p>
+            <a:r>
+              <a:rPr lang="en-US" dirty="0">
+                <a:latin typeface="Times New Roman" panose="02020603050405020304" pitchFamily="18" charset="0"/>
+                <a:cs typeface="Times New Roman" panose="02020603050405020304" pitchFamily="18" charset="0"/>
+              </a:rPr>
+              <a:t>Get free workout ideas</a:t>
+            </a:r>
+          </a:p>
+          <a:p>
+            <a:r>
+              <a:rPr lang="en-US" dirty="0">
+                <a:latin typeface="Times New Roman" panose="02020603050405020304" pitchFamily="18" charset="0"/>
+                <a:cs typeface="Times New Roman" panose="02020603050405020304" pitchFamily="18" charset="0"/>
+              </a:rPr>
+              <a:t>Heartrate tracking</a:t>
+            </a:r>
+          </a:p>
+          <a:p>
+            <a:r>
+              <a:rPr lang="en-US" dirty="0">
+                <a:latin typeface="Times New Roman" panose="02020603050405020304" pitchFamily="18" charset="0"/>
+                <a:cs typeface="Times New Roman" panose="02020603050405020304" pitchFamily="18" charset="0"/>
+              </a:rPr>
+              <a:t>Weight loss progression</a:t>
+            </a:r>
+          </a:p>
+          <a:p>
+            <a:r>
+              <a:rPr lang="en-US" dirty="0">
+                <a:latin typeface="Times New Roman" panose="02020603050405020304" pitchFamily="18" charset="0"/>
+                <a:cs typeface="Times New Roman" panose="02020603050405020304" pitchFamily="18" charset="0"/>
+              </a:rPr>
+              <a:t>Pedometer</a:t>
+            </a:r>
+          </a:p>
+          <a:p>
+            <a:r>
+              <a:rPr lang="en-US" dirty="0">
+                <a:latin typeface="Times New Roman" panose="02020603050405020304" pitchFamily="18" charset="0"/>
+                <a:cs typeface="Times New Roman" panose="02020603050405020304" pitchFamily="18" charset="0"/>
+              </a:rPr>
+              <a:t>Give free health and fitness tips</a:t>
+            </a:r>
+          </a:p>
+          <a:p>
+            <a:r>
+              <a:rPr lang="en-US" dirty="0">
+                <a:latin typeface="Times New Roman" panose="02020603050405020304" pitchFamily="18" charset="0"/>
+                <a:cs typeface="Times New Roman" panose="02020603050405020304" pitchFamily="18" charset="0"/>
+              </a:rPr>
+              <a:t>Keeps you Motivated</a:t>
+            </a:r>
+            <a:br>
+              <a:rPr lang="en-US" dirty="0">
+                <a:latin typeface="Times New Roman" panose="02020603050405020304" pitchFamily="18" charset="0"/>
+                <a:cs typeface="Times New Roman" panose="02020603050405020304" pitchFamily="18" charset="0"/>
+              </a:rPr>
+            </a:br>
+            <a:endParaRPr lang="en-US" dirty="0"/>
+          </a:p>
+        </p:txBody>
+      </p:sp>
+      <p:sp>
+        <p:nvSpPr>
+          <p:cNvPr id="6" name="Footer Placeholder 5">
+            <a:extLst>
+              <a:ext uri="{FF2B5EF4-FFF2-40B4-BE49-F238E27FC236}">
+                <a16:creationId xmlns:a16="http://schemas.microsoft.com/office/drawing/2014/main" id="{4B608E52-3160-4FB5-9321-FA0230206FAF}"/>
+              </a:ext>
+            </a:extLst>
+          </p:cNvPr>
+          <p:cNvSpPr>
+            <a:spLocks noGrp="1"/>
+          </p:cNvSpPr>
+          <p:nvPr>
+            <p:ph type="ftr" sz="quarter" idx="11"/>
+          </p:nvPr>
+        </p:nvSpPr>
+        <p:spPr/>
+        <p:txBody>
+          <a:bodyPr/>
+          <a:lstStyle/>
+          <a:p>
+            <a:r>
+              <a:rPr lang="en-US"/>
+              <a:t>Healthify-NWMSU</a:t>
+            </a:r>
+          </a:p>
+        </p:txBody>
+      </p:sp>
+      <p:sp>
+        <p:nvSpPr>
+          <p:cNvPr id="7" name="Slide Number Placeholder 6">
+            <a:extLst>
+              <a:ext uri="{FF2B5EF4-FFF2-40B4-BE49-F238E27FC236}">
+                <a16:creationId xmlns:a16="http://schemas.microsoft.com/office/drawing/2014/main" id="{B2E28E4D-841C-4814-8F4D-BA4586DE59F7}"/>
+              </a:ext>
+            </a:extLst>
+          </p:cNvPr>
+          <p:cNvSpPr>
+            <a:spLocks noGrp="1"/>
+          </p:cNvSpPr>
+          <p:nvPr>
+            <p:ph type="sldNum" sz="quarter" idx="12"/>
+          </p:nvPr>
+        </p:nvSpPr>
+        <p:spPr/>
+        <p:txBody>
+          <a:bodyPr/>
+          <a:lstStyle/>
+          <a:p>
+            <a:fld id="{FC6EDEEF-6E47-4D41-B312-2A124904AE2A}" type="slidenum">
+              <a:rPr lang="en-US" smtClean="0"/>
+              <a:t>13</a:t>
+            </a:fld>
+            <a:endParaRPr lang="en-US"/>
+          </a:p>
+        </p:txBody>
+      </p:sp>
+    </p:spTree>
+    <p:extLst>
+      <p:ext uri="{BB962C8B-B14F-4D97-AF65-F5344CB8AC3E}">
+        <p14:creationId xmlns:p14="http://schemas.microsoft.com/office/powerpoint/2010/main" val="964727621"/>
+      </p:ext>
+    </p:extLst>
+  </p:cSld>
+  <p:clrMapOvr>
+    <a:masterClrMapping/>
+  </p:clrMapOvr>
+</p:sld>
+</file>
+
+<file path=ppt/slides/slide14.xml><?xml version="1.0" encoding="utf-8"?>
+<p:sld xmlns:a="http://schemas.openxmlformats.org/drawingml/2006/main" xmlns:r="http://schemas.openxmlformats.org/officeDocument/2006/relationships" xmlns:p="http://schemas.openxmlformats.org/presentationml/2006/main">
+  <p:cSld>
+    <p:spTree>
+      <p:nvGrpSpPr>
+        <p:cNvPr id="1" name=""/>
+        <p:cNvGrpSpPr/>
+        <p:nvPr/>
+      </p:nvGrpSpPr>
+      <p:grpSpPr>
+        <a:xfrm>
+          <a:off x="0" y="0"/>
+          <a:ext cx="0" cy="0"/>
+          <a:chOff x="0" y="0"/>
+          <a:chExt cx="0" cy="0"/>
+        </a:xfrm>
+      </p:grpSpPr>
+      <p:sp>
+        <p:nvSpPr>
+          <p:cNvPr id="2" name="Title 1">
+            <a:extLst>
+              <a:ext uri="{FF2B5EF4-FFF2-40B4-BE49-F238E27FC236}">
+                <a16:creationId xmlns:a16="http://schemas.microsoft.com/office/drawing/2014/main" id="{C97ED26C-B80A-468B-9308-6F02858E1560}"/>
+              </a:ext>
+            </a:extLst>
+          </p:cNvPr>
+          <p:cNvSpPr>
+            <a:spLocks noGrp="1"/>
+          </p:cNvSpPr>
+          <p:nvPr>
+            <p:ph type="title"/>
+          </p:nvPr>
+        </p:nvSpPr>
+        <p:spPr>
+          <a:xfrm>
+            <a:off x="646111" y="452718"/>
+            <a:ext cx="9404723" cy="934293"/>
+          </a:xfrm>
+        </p:spPr>
+        <p:txBody>
+          <a:bodyPr/>
+          <a:lstStyle/>
+          <a:p>
+            <a:r>
+              <a:rPr lang="en-US" b="1" dirty="0">
+                <a:solidFill>
+                  <a:schemeClr val="accent3"/>
+                </a:solidFill>
+                <a:effectLst>
+                  <a:outerShdw blurRad="38100" dist="38100" dir="2700000" algn="tl">
+                    <a:srgbClr val="000000">
+                      <a:alpha val="43137"/>
+                    </a:srgbClr>
+                  </a:outerShdw>
+                </a:effectLst>
+                <a:latin typeface="Times New Roman" panose="02020603050405020304" pitchFamily="18" charset="0"/>
+                <a:cs typeface="Times New Roman" panose="02020603050405020304" pitchFamily="18" charset="0"/>
+              </a:rPr>
+              <a:t>References</a:t>
+            </a:r>
+          </a:p>
+        </p:txBody>
+      </p:sp>
+      <p:sp>
+        <p:nvSpPr>
+          <p:cNvPr id="3" name="Content Placeholder 2">
+            <a:extLst>
+              <a:ext uri="{FF2B5EF4-FFF2-40B4-BE49-F238E27FC236}">
+                <a16:creationId xmlns:a16="http://schemas.microsoft.com/office/drawing/2014/main" id="{5788D7AD-89B9-4372-933F-CB05EC9505E5}"/>
+              </a:ext>
+            </a:extLst>
+          </p:cNvPr>
+          <p:cNvSpPr>
+            <a:spLocks noGrp="1"/>
+          </p:cNvSpPr>
+          <p:nvPr>
+            <p:ph idx="1"/>
+          </p:nvPr>
+        </p:nvSpPr>
+        <p:spPr>
+          <a:xfrm>
+            <a:off x="1103312" y="1387012"/>
+            <a:ext cx="8946541" cy="4861388"/>
+          </a:xfrm>
+        </p:spPr>
+        <p:txBody>
+          <a:bodyPr/>
+          <a:lstStyle/>
+          <a:p>
+            <a:r>
+              <a:rPr lang="en-US" dirty="0">
+                <a:latin typeface="Times New Roman" panose="02020603050405020304" pitchFamily="18" charset="0"/>
+                <a:cs typeface="Times New Roman" panose="02020603050405020304" pitchFamily="18" charset="0"/>
+              </a:rPr>
+              <a:t>Jira link: </a:t>
+            </a:r>
+            <a:r>
+              <a:rPr lang="en-US" dirty="0">
+                <a:latin typeface="Times New Roman" panose="02020603050405020304" pitchFamily="18" charset="0"/>
+                <a:cs typeface="Times New Roman" panose="02020603050405020304" pitchFamily="18" charset="0"/>
+                <a:hlinkClick r:id="rId2"/>
+              </a:rPr>
+              <a:t>https://sowmyathogiti27.atlassian.net/jira/software/projects/HN/boards/2</a:t>
+            </a:r>
+            <a:endParaRPr lang="en-US" dirty="0">
+              <a:latin typeface="Times New Roman" panose="02020603050405020304" pitchFamily="18" charset="0"/>
+              <a:cs typeface="Times New Roman" panose="02020603050405020304" pitchFamily="18" charset="0"/>
+            </a:endParaRPr>
+          </a:p>
+          <a:p>
+            <a:r>
+              <a:rPr lang="en-US" dirty="0">
+                <a:latin typeface="Times New Roman" panose="02020603050405020304" pitchFamily="18" charset="0"/>
+                <a:cs typeface="Times New Roman" panose="02020603050405020304" pitchFamily="18" charset="0"/>
+              </a:rPr>
+              <a:t>FluidUI Link: </a:t>
+            </a:r>
+            <a:r>
+              <a:rPr lang="en-US" dirty="0">
+                <a:latin typeface="Times New Roman" panose="02020603050405020304" pitchFamily="18" charset="0"/>
+                <a:cs typeface="Times New Roman" panose="02020603050405020304" pitchFamily="18" charset="0"/>
+                <a:hlinkClick r:id="rId3"/>
+              </a:rPr>
+              <a:t>https://www.fluidui.com/editor/live/</a:t>
+            </a:r>
+            <a:endParaRPr lang="en-US" dirty="0">
+              <a:latin typeface="Times New Roman" panose="02020603050405020304" pitchFamily="18" charset="0"/>
+              <a:cs typeface="Times New Roman" panose="02020603050405020304" pitchFamily="18" charset="0"/>
+            </a:endParaRPr>
+          </a:p>
+          <a:p>
+            <a:r>
+              <a:rPr lang="en-US" dirty="0" err="1">
+                <a:latin typeface="Times New Roman" panose="02020603050405020304" pitchFamily="18" charset="0"/>
+                <a:cs typeface="Times New Roman" panose="02020603050405020304" pitchFamily="18" charset="0"/>
+              </a:rPr>
+              <a:t>Github</a:t>
+            </a:r>
+            <a:r>
+              <a:rPr lang="en-US" dirty="0">
+                <a:latin typeface="Times New Roman" panose="02020603050405020304" pitchFamily="18" charset="0"/>
+                <a:cs typeface="Times New Roman" panose="02020603050405020304" pitchFamily="18" charset="0"/>
+              </a:rPr>
+              <a:t> Link: </a:t>
+            </a:r>
+            <a:r>
+              <a:rPr lang="en-US" dirty="0">
+                <a:latin typeface="Times New Roman" panose="02020603050405020304" pitchFamily="18" charset="0"/>
+                <a:cs typeface="Times New Roman" panose="02020603050405020304" pitchFamily="18" charset="0"/>
+                <a:hlinkClick r:id="rId4"/>
+              </a:rPr>
+              <a:t>https://github.com/sowmyathogiti/Healthify-NWMSU</a:t>
+            </a:r>
+            <a:endParaRPr lang="en-US" dirty="0">
+              <a:latin typeface="Times New Roman" panose="02020603050405020304" pitchFamily="18" charset="0"/>
+              <a:cs typeface="Times New Roman" panose="02020603050405020304" pitchFamily="18" charset="0"/>
+            </a:endParaRPr>
+          </a:p>
+          <a:p>
+            <a:endParaRPr lang="en-US" dirty="0"/>
+          </a:p>
+        </p:txBody>
+      </p:sp>
+      <p:sp>
+        <p:nvSpPr>
+          <p:cNvPr id="6" name="Footer Placeholder 5">
+            <a:extLst>
+              <a:ext uri="{FF2B5EF4-FFF2-40B4-BE49-F238E27FC236}">
+                <a16:creationId xmlns:a16="http://schemas.microsoft.com/office/drawing/2014/main" id="{9E920EAF-6020-4B29-9674-1A67459ED1C8}"/>
+              </a:ext>
+            </a:extLst>
+          </p:cNvPr>
+          <p:cNvSpPr>
+            <a:spLocks noGrp="1"/>
+          </p:cNvSpPr>
+          <p:nvPr>
+            <p:ph type="ftr" sz="quarter" idx="11"/>
+          </p:nvPr>
+        </p:nvSpPr>
+        <p:spPr/>
+        <p:txBody>
+          <a:bodyPr/>
+          <a:lstStyle/>
+          <a:p>
+            <a:r>
+              <a:rPr lang="en-US"/>
+              <a:t>Healthify-NWMSU</a:t>
+            </a:r>
+          </a:p>
+        </p:txBody>
+      </p:sp>
+      <p:sp>
+        <p:nvSpPr>
+          <p:cNvPr id="7" name="Slide Number Placeholder 6">
+            <a:extLst>
+              <a:ext uri="{FF2B5EF4-FFF2-40B4-BE49-F238E27FC236}">
+                <a16:creationId xmlns:a16="http://schemas.microsoft.com/office/drawing/2014/main" id="{3426C4F2-2A88-4081-9B53-38FAE1053920}"/>
+              </a:ext>
+            </a:extLst>
+          </p:cNvPr>
+          <p:cNvSpPr>
+            <a:spLocks noGrp="1"/>
+          </p:cNvSpPr>
+          <p:nvPr>
+            <p:ph type="sldNum" sz="quarter" idx="12"/>
+          </p:nvPr>
+        </p:nvSpPr>
+        <p:spPr/>
+        <p:txBody>
+          <a:bodyPr/>
+          <a:lstStyle/>
+          <a:p>
+            <a:fld id="{FC6EDEEF-6E47-4D41-B312-2A124904AE2A}" type="slidenum">
+              <a:rPr lang="en-US" smtClean="0"/>
+              <a:t>14</a:t>
+            </a:fld>
+            <a:endParaRPr lang="en-US"/>
+          </a:p>
+        </p:txBody>
+      </p:sp>
+    </p:spTree>
+    <p:extLst>
+      <p:ext uri="{BB962C8B-B14F-4D97-AF65-F5344CB8AC3E}">
+        <p14:creationId xmlns:p14="http://schemas.microsoft.com/office/powerpoint/2010/main" val="613347474"/>
+      </p:ext>
+    </p:extLst>
+  </p:cSld>
+  <p:clrMapOvr>
+    <a:masterClrMapping/>
+  </p:clrMapOvr>
+</p:sld>
+</file>
+
+<file path=ppt/slides/slide15.xml><?xml version="1.0" encoding="utf-8"?>
+<p:sld xmlns:a="http://schemas.openxmlformats.org/drawingml/2006/main" xmlns:r="http://schemas.openxmlformats.org/officeDocument/2006/relationships" xmlns:p="http://schemas.openxmlformats.org/presentationml/2006/main">
+  <p:cSld>
+    <p:spTree>
+      <p:nvGrpSpPr>
+        <p:cNvPr id="1" name=""/>
+        <p:cNvGrpSpPr/>
+        <p:nvPr/>
+      </p:nvGrpSpPr>
+      <p:grpSpPr>
+        <a:xfrm>
+          <a:off x="0" y="0"/>
+          <a:ext cx="0" cy="0"/>
+          <a:chOff x="0" y="0"/>
+          <a:chExt cx="0" cy="0"/>
+        </a:xfrm>
+      </p:grpSpPr>
+      <p:sp>
+        <p:nvSpPr>
+          <p:cNvPr id="2" name="Title 1">
+            <a:extLst>
+              <a:ext uri="{FF2B5EF4-FFF2-40B4-BE49-F238E27FC236}">
+                <a16:creationId xmlns:a16="http://schemas.microsoft.com/office/drawing/2014/main" id="{2C604194-1C8A-4C9E-B1AF-0E12F8685766}"/>
+              </a:ext>
+            </a:extLst>
+          </p:cNvPr>
+          <p:cNvSpPr>
+            <a:spLocks noGrp="1"/>
+          </p:cNvSpPr>
+          <p:nvPr>
+            <p:ph type="title"/>
+          </p:nvPr>
+        </p:nvSpPr>
+        <p:spPr/>
+        <p:txBody>
+          <a:bodyPr/>
+          <a:lstStyle/>
+          <a:p>
+            <a:endParaRPr lang="en-US"/>
+          </a:p>
+        </p:txBody>
+      </p:sp>
+      <p:sp>
+        <p:nvSpPr>
+          <p:cNvPr id="3" name="Content Placeholder 2">
+            <a:extLst>
+              <a:ext uri="{FF2B5EF4-FFF2-40B4-BE49-F238E27FC236}">
+                <a16:creationId xmlns:a16="http://schemas.microsoft.com/office/drawing/2014/main" id="{3110738C-2F3D-4D74-8294-EACAC80F2821}"/>
+              </a:ext>
+            </a:extLst>
+          </p:cNvPr>
+          <p:cNvSpPr>
+            <a:spLocks noGrp="1"/>
+          </p:cNvSpPr>
+          <p:nvPr>
+            <p:ph idx="1"/>
+          </p:nvPr>
+        </p:nvSpPr>
+        <p:spPr/>
+        <p:txBody>
+          <a:bodyPr/>
+          <a:lstStyle/>
+          <a:p>
+            <a:endParaRPr lang="en-US" dirty="0"/>
+          </a:p>
+        </p:txBody>
+      </p:sp>
+      <p:sp>
+        <p:nvSpPr>
+          <p:cNvPr id="4" name="Footer Placeholder 3">
+            <a:extLst>
+              <a:ext uri="{FF2B5EF4-FFF2-40B4-BE49-F238E27FC236}">
+                <a16:creationId xmlns:a16="http://schemas.microsoft.com/office/drawing/2014/main" id="{E554116B-D012-45FA-859A-D28744FDB10A}"/>
+              </a:ext>
+            </a:extLst>
+          </p:cNvPr>
+          <p:cNvSpPr>
+            <a:spLocks noGrp="1"/>
+          </p:cNvSpPr>
+          <p:nvPr>
+            <p:ph type="ftr" sz="quarter" idx="11"/>
+          </p:nvPr>
+        </p:nvSpPr>
+        <p:spPr/>
+        <p:txBody>
+          <a:bodyPr/>
+          <a:lstStyle/>
+          <a:p>
+            <a:r>
+              <a:rPr lang="en-US"/>
+              <a:t>Healthify-NWMSU</a:t>
+            </a:r>
+          </a:p>
+        </p:txBody>
+      </p:sp>
+      <p:sp>
+        <p:nvSpPr>
+          <p:cNvPr id="5" name="Slide Number Placeholder 4">
+            <a:extLst>
+              <a:ext uri="{FF2B5EF4-FFF2-40B4-BE49-F238E27FC236}">
+                <a16:creationId xmlns:a16="http://schemas.microsoft.com/office/drawing/2014/main" id="{39B7C093-84C7-4286-83CB-8ADB42C8BEBD}"/>
+              </a:ext>
+            </a:extLst>
+          </p:cNvPr>
+          <p:cNvSpPr>
+            <a:spLocks noGrp="1"/>
+          </p:cNvSpPr>
+          <p:nvPr>
+            <p:ph type="sldNum" sz="quarter" idx="12"/>
+          </p:nvPr>
+        </p:nvSpPr>
+        <p:spPr/>
+        <p:txBody>
+          <a:bodyPr/>
+          <a:lstStyle/>
+          <a:p>
+            <a:fld id="{FC6EDEEF-6E47-4D41-B312-2A124904AE2A}" type="slidenum">
+              <a:rPr lang="en-US" smtClean="0"/>
+              <a:t>15</a:t>
+            </a:fld>
+            <a:endParaRPr lang="en-US"/>
+          </a:p>
+        </p:txBody>
+      </p:sp>
+      <p:sp>
+        <p:nvSpPr>
+          <p:cNvPr id="6" name="Thought Bubble: Cloud 5">
+            <a:extLst>
+              <a:ext uri="{FF2B5EF4-FFF2-40B4-BE49-F238E27FC236}">
+                <a16:creationId xmlns:a16="http://schemas.microsoft.com/office/drawing/2014/main" id="{B8208AA6-D504-4D2C-8300-3D388CB56686}"/>
+              </a:ext>
+            </a:extLst>
+          </p:cNvPr>
+          <p:cNvSpPr/>
+          <p:nvPr/>
+        </p:nvSpPr>
+        <p:spPr>
+          <a:xfrm>
+            <a:off x="3482939" y="2044557"/>
+            <a:ext cx="4428162" cy="2883044"/>
+          </a:xfrm>
+          <a:prstGeom prst="cloudCallout">
+            <a:avLst/>
+          </a:prstGeom>
+        </p:spPr>
+        <p:style>
+          <a:lnRef idx="2">
+            <a:schemeClr val="accent1">
+              <a:shade val="50000"/>
+            </a:schemeClr>
+          </a:lnRef>
+          <a:fillRef idx="1">
+            <a:schemeClr val="accent1"/>
+          </a:fillRef>
+          <a:effectRef idx="0">
+            <a:schemeClr val="accent1"/>
+          </a:effectRef>
+          <a:fontRef idx="minor">
+            <a:schemeClr val="lt1"/>
+          </a:fontRef>
+        </p:style>
+        <p:txBody>
+          <a:bodyPr rtlCol="0" anchor="ctr"/>
+          <a:lstStyle/>
+          <a:p>
+            <a:pPr algn="ctr"/>
+            <a:r>
+              <a:rPr lang="en-US" sz="4000" dirty="0">
+                <a:latin typeface="Times New Roman" panose="02020603050405020304" pitchFamily="18" charset="0"/>
+                <a:cs typeface="Times New Roman" panose="02020603050405020304" pitchFamily="18" charset="0"/>
+              </a:rPr>
+              <a:t>Queries…??</a:t>
+            </a:r>
+          </a:p>
+        </p:txBody>
+      </p:sp>
+    </p:spTree>
+    <p:extLst>
+      <p:ext uri="{BB962C8B-B14F-4D97-AF65-F5344CB8AC3E}">
+        <p14:creationId xmlns:p14="http://schemas.microsoft.com/office/powerpoint/2010/main" val="1034166838"/>
+      </p:ext>
+    </p:extLst>
+  </p:cSld>
+  <p:clrMapOvr>
+    <a:masterClrMapping/>
+  </p:clrMapOvr>
+</p:sld>
+</file>
+
+<file path=ppt/slides/slide16.xml><?xml version="1.0" encoding="utf-8"?>
+<p:sld xmlns:a="http://schemas.openxmlformats.org/drawingml/2006/main" xmlns:r="http://schemas.openxmlformats.org/officeDocument/2006/relationships" xmlns:p="http://schemas.openxmlformats.org/presentationml/2006/main">
+  <p:cSld>
+    <p:bg>
+      <p:bgPr>
+        <a:solidFill>
+          <a:schemeClr val="bg1"/>
+        </a:solidFill>
+        <a:effectLst/>
+      </p:bgPr>
+    </p:bg>
+    <p:spTree>
+      <p:nvGrpSpPr>
+        <p:cNvPr id="1" name=""/>
+        <p:cNvGrpSpPr/>
+        <p:nvPr/>
+      </p:nvGrpSpPr>
+      <p:grpSpPr>
+        <a:xfrm>
+          <a:off x="0" y="0"/>
+          <a:ext cx="0" cy="0"/>
+          <a:chOff x="0" y="0"/>
+          <a:chExt cx="0" cy="0"/>
+        </a:xfrm>
+      </p:grpSpPr>
+      <p:sp>
+        <p:nvSpPr>
+          <p:cNvPr id="2" name="Title 1">
+            <a:extLst>
+              <a:ext uri="{FF2B5EF4-FFF2-40B4-BE49-F238E27FC236}">
+                <a16:creationId xmlns:a16="http://schemas.microsoft.com/office/drawing/2014/main" id="{9779E0E0-BE73-487B-AAF5-B9C63665EBD8}"/>
+              </a:ext>
+            </a:extLst>
+          </p:cNvPr>
+          <p:cNvSpPr>
+            <a:spLocks noGrp="1"/>
+          </p:cNvSpPr>
+          <p:nvPr>
+            <p:ph type="title"/>
+          </p:nvPr>
+        </p:nvSpPr>
+        <p:spPr>
+          <a:xfrm>
+            <a:off x="677334" y="609600"/>
+            <a:ext cx="8596668" cy="1320800"/>
+          </a:xfrm>
+        </p:spPr>
+        <p:txBody>
+          <a:bodyPr vert="horz" lIns="91440" tIns="45720" rIns="91440" bIns="45720" rtlCol="0" anchor="t">
+            <a:normAutofit/>
+          </a:bodyPr>
+          <a:lstStyle/>
+          <a:p>
+            <a:endParaRPr lang="en-US"/>
+          </a:p>
+        </p:txBody>
+      </p:sp>
+      <p:sp>
+        <p:nvSpPr>
+          <p:cNvPr id="7" name="Footer Placeholder 6">
+            <a:extLst>
+              <a:ext uri="{FF2B5EF4-FFF2-40B4-BE49-F238E27FC236}">
+                <a16:creationId xmlns:a16="http://schemas.microsoft.com/office/drawing/2014/main" id="{DA6C3D57-D90D-478E-90C7-F2D2AEBD5DCC}"/>
+              </a:ext>
+            </a:extLst>
+          </p:cNvPr>
+          <p:cNvSpPr>
+            <a:spLocks noGrp="1"/>
+          </p:cNvSpPr>
+          <p:nvPr>
+            <p:ph type="ftr" sz="quarter" idx="11"/>
+          </p:nvPr>
+        </p:nvSpPr>
+        <p:spPr>
+          <a:xfrm>
+            <a:off x="677334" y="6041362"/>
+            <a:ext cx="5528230" cy="365125"/>
+          </a:xfrm>
+        </p:spPr>
+        <p:txBody>
+          <a:bodyPr vert="horz" lIns="91440" tIns="45720" rIns="91440" bIns="45720" rtlCol="0" anchor="ctr">
+            <a:normAutofit/>
+          </a:bodyPr>
+          <a:lstStyle/>
+          <a:p>
+            <a:pPr defTabSz="914400">
+              <a:spcAft>
+                <a:spcPts val="600"/>
+              </a:spcAft>
+            </a:pPr>
+            <a:r>
+              <a:rPr lang="en-US" kern="1200">
+                <a:solidFill>
+                  <a:schemeClr val="tx1">
+                    <a:tint val="75000"/>
+                  </a:schemeClr>
+                </a:solidFill>
+                <a:latin typeface="+mn-lt"/>
+                <a:ea typeface="+mn-ea"/>
+                <a:cs typeface="+mn-cs"/>
+              </a:rPr>
+              <a:t>Healthify-NWMSU</a:t>
+            </a:r>
+          </a:p>
+        </p:txBody>
+      </p:sp>
+      <p:pic>
+        <p:nvPicPr>
+          <p:cNvPr id="5" name="Content Placeholder 4" descr="A close up of a logo&#10;&#10;Description automatically generated">
+            <a:extLst>
+              <a:ext uri="{FF2B5EF4-FFF2-40B4-BE49-F238E27FC236}">
+                <a16:creationId xmlns:a16="http://schemas.microsoft.com/office/drawing/2014/main" id="{08FFB5C3-F678-438D-8035-CC3D28940A0B}"/>
+              </a:ext>
+            </a:extLst>
+          </p:cNvPr>
+          <p:cNvPicPr>
+            <a:picLocks noGrp="1" noChangeAspect="1"/>
+          </p:cNvPicPr>
+          <p:nvPr>
+            <p:ph idx="1"/>
+          </p:nvPr>
+        </p:nvPicPr>
+        <p:blipFill>
+          <a:blip r:embed="rId2">
+            <a:extLst>
+              <a:ext uri="{28A0092B-C50C-407E-A947-70E740481C1C}">
+                <a14:useLocalDpi xmlns:a14="http://schemas.microsoft.com/office/drawing/2010/main" val="0"/>
+              </a:ext>
+            </a:extLst>
+          </a:blip>
+          <a:stretch>
+            <a:fillRect/>
+          </a:stretch>
+        </p:blipFill>
+        <p:spPr>
+          <a:xfrm>
+            <a:off x="1244225" y="1051905"/>
+            <a:ext cx="8310741" cy="4425469"/>
+          </a:xfrm>
+          <a:prstGeom prst="rect">
+            <a:avLst/>
+          </a:prstGeom>
+        </p:spPr>
+      </p:pic>
+      <p:sp>
+        <p:nvSpPr>
+          <p:cNvPr id="6" name="Rectangle 5">
+            <a:extLst>
+              <a:ext uri="{FF2B5EF4-FFF2-40B4-BE49-F238E27FC236}">
+                <a16:creationId xmlns:a16="http://schemas.microsoft.com/office/drawing/2014/main" id="{0468E680-15C9-40DA-A95E-46A760AABEDE}"/>
+              </a:ext>
+            </a:extLst>
+          </p:cNvPr>
+          <p:cNvSpPr/>
+          <p:nvPr/>
+        </p:nvSpPr>
+        <p:spPr>
+          <a:xfrm>
+            <a:off x="6416039" y="2160589"/>
+            <a:ext cx="2927185" cy="3880773"/>
+          </a:xfrm>
+          <a:prstGeom prst="rect">
+            <a:avLst/>
+          </a:prstGeom>
+        </p:spPr>
+        <p:txBody>
+          <a:bodyPr vert="horz" lIns="91440" tIns="45720" rIns="91440" bIns="45720" rtlCol="0">
+            <a:normAutofit/>
+          </a:bodyPr>
+          <a:lstStyle/>
+          <a:p>
+            <a:pPr>
+              <a:spcBef>
+                <a:spcPts val="1000"/>
+              </a:spcBef>
+              <a:buClr>
+                <a:schemeClr val="accent1"/>
+              </a:buClr>
+              <a:buSzPct val="80000"/>
+              <a:buFont typeface="Wingdings 3" charset="2"/>
+              <a:buChar char=""/>
+            </a:pPr>
+            <a:endParaRPr lang="en-US" sz="1500" b="1" cap="none" spc="0">
+              <a:ln w="12700">
+                <a:solidFill>
+                  <a:schemeClr val="accent3">
+                    <a:lumMod val="50000"/>
+                  </a:schemeClr>
+                </a:solidFill>
+                <a:prstDash val="solid"/>
+              </a:ln>
+              <a:solidFill>
+                <a:schemeClr val="tx1">
+                  <a:lumMod val="75000"/>
+                  <a:lumOff val="25000"/>
+                </a:schemeClr>
+              </a:solidFill>
+              <a:effectLst>
+                <a:outerShdw blurRad="38100" dist="38100" dir="2700000" algn="tl">
+                  <a:srgbClr val="000000">
+                    <a:alpha val="43137"/>
+                  </a:srgbClr>
+                </a:outerShdw>
+              </a:effectLst>
+            </a:endParaRPr>
+          </a:p>
+        </p:txBody>
+      </p:sp>
+      <p:sp>
+        <p:nvSpPr>
+          <p:cNvPr id="8" name="Slide Number Placeholder 7">
+            <a:extLst>
+              <a:ext uri="{FF2B5EF4-FFF2-40B4-BE49-F238E27FC236}">
+                <a16:creationId xmlns:a16="http://schemas.microsoft.com/office/drawing/2014/main" id="{4F071EC0-212A-481C-B636-A2BEB6D1F37E}"/>
+              </a:ext>
+            </a:extLst>
+          </p:cNvPr>
+          <p:cNvSpPr>
+            <a:spLocks noGrp="1"/>
+          </p:cNvSpPr>
+          <p:nvPr>
+            <p:ph type="sldNum" sz="quarter" idx="12"/>
+          </p:nvPr>
+        </p:nvSpPr>
+        <p:spPr>
+          <a:xfrm>
+            <a:off x="8590663" y="6041362"/>
+            <a:ext cx="683339" cy="365125"/>
+          </a:xfrm>
+        </p:spPr>
+        <p:txBody>
+          <a:bodyPr vert="horz" lIns="91440" tIns="45720" rIns="91440" bIns="45720" rtlCol="0" anchor="ctr">
+            <a:normAutofit/>
+          </a:bodyPr>
+          <a:lstStyle/>
+          <a:p>
+            <a:pPr defTabSz="914400">
+              <a:spcAft>
+                <a:spcPts val="600"/>
+              </a:spcAft>
+            </a:pPr>
+            <a:fld id="{FC6EDEEF-6E47-4D41-B312-2A124904AE2A}" type="slidenum">
+              <a:rPr lang="en-US" smtClean="0"/>
+              <a:pPr defTabSz="914400">
+                <a:spcAft>
+                  <a:spcPts val="600"/>
+                </a:spcAft>
+              </a:pPr>
+              <a:t>16</a:t>
+            </a:fld>
+            <a:endParaRPr lang="en-US"/>
+          </a:p>
+        </p:txBody>
+      </p:sp>
+    </p:spTree>
+    <p:extLst>
+      <p:ext uri="{BB962C8B-B14F-4D97-AF65-F5344CB8AC3E}">
+        <p14:creationId xmlns:p14="http://schemas.microsoft.com/office/powerpoint/2010/main" val="355826045"/>
+      </p:ext>
+    </p:extLst>
+  </p:cSld>
+  <p:clrMapOvr>
+    <a:masterClrMapping/>
+  </p:clrMapOvr>
+</p:sld>
+</file>
+
+<file path=ppt/slides/slide2.xml><?xml version="1.0" encoding="utf-8"?>
+<p:sld xmlns:a="http://schemas.openxmlformats.org/drawingml/2006/main" xmlns:r="http://schemas.openxmlformats.org/officeDocument/2006/relationships" xmlns:p="http://schemas.openxmlformats.org/presentationml/2006/main">
+  <p:cSld>
+    <p:spTree>
+      <p:nvGrpSpPr>
+        <p:cNvPr id="1" name=""/>
+        <p:cNvGrpSpPr/>
+        <p:nvPr/>
+      </p:nvGrpSpPr>
+      <p:grpSpPr>
+        <a:xfrm>
+          <a:off x="0" y="0"/>
+          <a:ext cx="0" cy="0"/>
+          <a:chOff x="0" y="0"/>
+          <a:chExt cx="0" cy="0"/>
+        </a:xfrm>
+      </p:grpSpPr>
+      <p:sp>
+        <p:nvSpPr>
+          <p:cNvPr id="2" name="Title 1">
+            <a:extLst>
+              <a:ext uri="{FF2B5EF4-FFF2-40B4-BE49-F238E27FC236}">
+                <a16:creationId xmlns:a16="http://schemas.microsoft.com/office/drawing/2014/main" id="{8D92169C-45B9-4F5C-BC19-6EF2F92BC840}"/>
+              </a:ext>
+            </a:extLst>
+          </p:cNvPr>
+          <p:cNvSpPr>
+            <a:spLocks noGrp="1"/>
+          </p:cNvSpPr>
+          <p:nvPr>
+            <p:ph type="title"/>
+          </p:nvPr>
+        </p:nvSpPr>
+        <p:spPr/>
+        <p:txBody>
+          <a:bodyPr/>
+          <a:lstStyle/>
+          <a:p>
+            <a:endParaRPr lang="en-US" dirty="0"/>
+          </a:p>
+        </p:txBody>
+      </p:sp>
+      <p:sp>
+        <p:nvSpPr>
+          <p:cNvPr id="3" name="Content Placeholder 2">
+            <a:extLst>
+              <a:ext uri="{FF2B5EF4-FFF2-40B4-BE49-F238E27FC236}">
+                <a16:creationId xmlns:a16="http://schemas.microsoft.com/office/drawing/2014/main" id="{407994A8-EF1A-40FF-9A23-10EC476C603B}"/>
+              </a:ext>
+            </a:extLst>
+          </p:cNvPr>
+          <p:cNvSpPr>
+            <a:spLocks noGrp="1"/>
+          </p:cNvSpPr>
+          <p:nvPr>
+            <p:ph idx="1"/>
+          </p:nvPr>
+        </p:nvSpPr>
+        <p:spPr>
+          <a:xfrm>
+            <a:off x="369869" y="365125"/>
+            <a:ext cx="11578975" cy="5811838"/>
+          </a:xfrm>
+        </p:spPr>
+        <p:txBody>
+          <a:bodyPr>
+            <a:normAutofit/>
+          </a:bodyPr>
+          <a:lstStyle/>
+          <a:p>
+            <a:pPr marL="0" indent="0">
+              <a:buNone/>
+            </a:pPr>
+            <a:r>
+              <a:rPr lang="en-US" dirty="0">
+                <a:latin typeface="Times New Roman" panose="02020603050405020304" pitchFamily="18" charset="0"/>
+                <a:cs typeface="Times New Roman" panose="02020603050405020304" pitchFamily="18" charset="0"/>
+              </a:rPr>
+              <a:t>						</a:t>
+            </a:r>
+          </a:p>
+          <a:p>
+            <a:pPr marL="0" indent="0">
+              <a:buNone/>
+            </a:pPr>
+            <a:r>
+              <a:rPr lang="en-US" dirty="0">
+                <a:latin typeface="Times New Roman" panose="02020603050405020304" pitchFamily="18" charset="0"/>
+                <a:cs typeface="Times New Roman" panose="02020603050405020304" pitchFamily="18" charset="0"/>
+              </a:rPr>
+              <a:t>				     				</a:t>
+            </a:r>
+            <a:r>
+              <a:rPr lang="en-US" sz="3600" b="1" dirty="0">
+                <a:solidFill>
+                  <a:schemeClr val="accent3"/>
+                </a:solidFill>
+                <a:effectLst>
+                  <a:outerShdw blurRad="38100" dist="38100" dir="2700000" algn="tl">
+                    <a:srgbClr val="000000">
+                      <a:alpha val="43137"/>
+                    </a:srgbClr>
+                  </a:outerShdw>
+                </a:effectLst>
+                <a:latin typeface="Times New Roman" panose="02020603050405020304" pitchFamily="18" charset="0"/>
+                <a:cs typeface="Times New Roman" panose="02020603050405020304" pitchFamily="18" charset="0"/>
+              </a:rPr>
+              <a:t>Group Members</a:t>
+            </a:r>
+          </a:p>
+          <a:p>
+            <a:endParaRPr lang="en-US" dirty="0">
+              <a:latin typeface="Times New Roman" panose="02020603050405020304" pitchFamily="18" charset="0"/>
+              <a:cs typeface="Times New Roman" panose="02020603050405020304" pitchFamily="18" charset="0"/>
+            </a:endParaRPr>
+          </a:p>
+          <a:p>
+            <a:pPr marL="0" indent="0">
+              <a:buNone/>
+            </a:pPr>
+            <a:r>
+              <a:rPr lang="en-US" dirty="0">
+                <a:latin typeface="Times New Roman" panose="02020603050405020304" pitchFamily="18" charset="0"/>
+                <a:cs typeface="Times New Roman" panose="02020603050405020304" pitchFamily="18" charset="0"/>
+              </a:rPr>
+              <a:t>   Sowmya </a:t>
+            </a:r>
+            <a:r>
+              <a:rPr lang="en-US" dirty="0" err="1">
+                <a:latin typeface="Times New Roman" panose="02020603050405020304" pitchFamily="18" charset="0"/>
+                <a:cs typeface="Times New Roman" panose="02020603050405020304" pitchFamily="18" charset="0"/>
+              </a:rPr>
+              <a:t>Thogiti</a:t>
+            </a:r>
+            <a:r>
+              <a:rPr lang="en-US" dirty="0">
+                <a:latin typeface="Times New Roman" panose="02020603050405020304" pitchFamily="18" charset="0"/>
+                <a:cs typeface="Times New Roman" panose="02020603050405020304" pitchFamily="18" charset="0"/>
+              </a:rPr>
+              <a:t>		 </a:t>
+            </a:r>
+            <a:r>
+              <a:rPr lang="en-US" dirty="0" err="1">
+                <a:latin typeface="Times New Roman" panose="02020603050405020304" pitchFamily="18" charset="0"/>
+                <a:cs typeface="Times New Roman" panose="02020603050405020304" pitchFamily="18" charset="0"/>
+              </a:rPr>
+              <a:t>Vineetha</a:t>
+            </a:r>
+            <a:r>
+              <a:rPr lang="en-US" dirty="0">
+                <a:latin typeface="Times New Roman" panose="02020603050405020304" pitchFamily="18" charset="0"/>
+                <a:cs typeface="Times New Roman" panose="02020603050405020304" pitchFamily="18" charset="0"/>
+              </a:rPr>
+              <a:t> </a:t>
+            </a:r>
+            <a:r>
+              <a:rPr lang="en-US" dirty="0" err="1">
+                <a:latin typeface="Times New Roman" panose="02020603050405020304" pitchFamily="18" charset="0"/>
+                <a:cs typeface="Times New Roman" panose="02020603050405020304" pitchFamily="18" charset="0"/>
+              </a:rPr>
+              <a:t>Yenugula</a:t>
+            </a:r>
+            <a:r>
+              <a:rPr lang="en-US" dirty="0">
+                <a:latin typeface="Times New Roman" panose="02020603050405020304" pitchFamily="18" charset="0"/>
+                <a:cs typeface="Times New Roman" panose="02020603050405020304" pitchFamily="18" charset="0"/>
+              </a:rPr>
+              <a:t>   	     Swaroopa 	  		   Naga Anshitha    	            Shiva Rama</a:t>
+            </a:r>
+          </a:p>
+          <a:p>
+            <a:pPr marL="0" indent="0">
+              <a:buNone/>
+            </a:pPr>
+            <a:r>
+              <a:rPr lang="en-US" dirty="0">
+                <a:latin typeface="Times New Roman" panose="02020603050405020304" pitchFamily="18" charset="0"/>
+                <a:cs typeface="Times New Roman" panose="02020603050405020304" pitchFamily="18" charset="0"/>
+              </a:rPr>
+              <a:t>(Project Manager)	       (</a:t>
+            </a:r>
+            <a:r>
+              <a:rPr lang="en-US" dirty="0" err="1">
+                <a:latin typeface="Times New Roman" panose="02020603050405020304" pitchFamily="18" charset="0"/>
+                <a:cs typeface="Times New Roman" panose="02020603050405020304" pitchFamily="18" charset="0"/>
+              </a:rPr>
+              <a:t>Fullstack</a:t>
+            </a:r>
+            <a:r>
+              <a:rPr lang="en-US" dirty="0">
+                <a:latin typeface="Times New Roman" panose="02020603050405020304" pitchFamily="18" charset="0"/>
+                <a:cs typeface="Times New Roman" panose="02020603050405020304" pitchFamily="18" charset="0"/>
+              </a:rPr>
+              <a:t> Developer)      </a:t>
+            </a:r>
+            <a:r>
+              <a:rPr lang="en-US" dirty="0" err="1">
+                <a:latin typeface="Times New Roman" panose="02020603050405020304" pitchFamily="18" charset="0"/>
+                <a:cs typeface="Times New Roman" panose="02020603050405020304" pitchFamily="18" charset="0"/>
+              </a:rPr>
+              <a:t>Thirumalareddy</a:t>
+            </a:r>
+            <a:r>
+              <a:rPr lang="en-US" dirty="0">
+                <a:latin typeface="Times New Roman" panose="02020603050405020304" pitchFamily="18" charset="0"/>
+                <a:cs typeface="Times New Roman" panose="02020603050405020304" pitchFamily="18" charset="0"/>
+              </a:rPr>
+              <a:t>		     Velagapudi		         Krishna </a:t>
+            </a:r>
+            <a:r>
+              <a:rPr lang="en-US" dirty="0" err="1">
+                <a:latin typeface="Times New Roman" panose="02020603050405020304" pitchFamily="18" charset="0"/>
+                <a:cs typeface="Times New Roman" panose="02020603050405020304" pitchFamily="18" charset="0"/>
+              </a:rPr>
+              <a:t>Vodnala</a:t>
+            </a:r>
+            <a:endParaRPr lang="en-US" dirty="0"/>
+          </a:p>
+          <a:p>
+            <a:pPr marL="3657600" lvl="8" indent="0">
+              <a:buNone/>
+            </a:pPr>
+            <a:r>
+              <a:rPr lang="en-US" sz="1800" dirty="0">
+                <a:latin typeface="Times New Roman" panose="02020603050405020304" pitchFamily="18" charset="0"/>
+                <a:cs typeface="Times New Roman" panose="02020603050405020304" pitchFamily="18" charset="0"/>
+              </a:rPr>
+              <a:t>              (Backend Developer)	  (UI and Tester)	        (DB Administrator)					</a:t>
+            </a:r>
+          </a:p>
+          <a:p>
+            <a:pPr marL="0" indent="0">
+              <a:buNone/>
+            </a:pPr>
+            <a:r>
+              <a:rPr lang="en-US" dirty="0">
+                <a:latin typeface="Times New Roman" panose="02020603050405020304" pitchFamily="18" charset="0"/>
+                <a:cs typeface="Times New Roman" panose="02020603050405020304" pitchFamily="18" charset="0"/>
+              </a:rPr>
+              <a:t>			</a:t>
+            </a:r>
+          </a:p>
+          <a:p>
+            <a:pPr marL="0" indent="0">
+              <a:buNone/>
+            </a:pPr>
+            <a:endParaRPr lang="en-US" dirty="0">
+              <a:latin typeface="Times New Roman" panose="02020603050405020304" pitchFamily="18" charset="0"/>
+              <a:cs typeface="Times New Roman" panose="02020603050405020304" pitchFamily="18" charset="0"/>
+            </a:endParaRPr>
+          </a:p>
+        </p:txBody>
+      </p:sp>
+      <p:pic>
+        <p:nvPicPr>
+          <p:cNvPr id="5" name="Picture 4" descr="A person standing in front of a body of water&#10;&#10;Description automatically generated">
+            <a:extLst>
+              <a:ext uri="{FF2B5EF4-FFF2-40B4-BE49-F238E27FC236}">
+                <a16:creationId xmlns:a16="http://schemas.microsoft.com/office/drawing/2014/main" id="{92DB79B2-DF6D-431D-8B85-E3B38A6179B2}"/>
+              </a:ext>
+            </a:extLst>
+          </p:cNvPr>
+          <p:cNvPicPr>
+            <a:picLocks noChangeAspect="1"/>
+          </p:cNvPicPr>
+          <p:nvPr/>
+        </p:nvPicPr>
+        <p:blipFill>
+          <a:blip r:embed="rId2">
+            <a:extLst>
+              <a:ext uri="{28A0092B-C50C-407E-A947-70E740481C1C}">
+                <a14:useLocalDpi xmlns:a14="http://schemas.microsoft.com/office/drawing/2010/main" val="0"/>
+              </a:ext>
+            </a:extLst>
+          </a:blip>
+          <a:stretch>
+            <a:fillRect/>
+          </a:stretch>
+        </p:blipFill>
+        <p:spPr>
+          <a:xfrm>
+            <a:off x="2843139" y="3044160"/>
+            <a:ext cx="1532972" cy="2038355"/>
+          </a:xfrm>
+          <a:prstGeom prst="rect">
+            <a:avLst/>
+          </a:prstGeom>
+        </p:spPr>
+      </p:pic>
+      <p:pic>
+        <p:nvPicPr>
+          <p:cNvPr id="7" name="Picture 6" descr="A person smiling for the camera&#10;&#10;Description automatically generated">
+            <a:extLst>
+              <a:ext uri="{FF2B5EF4-FFF2-40B4-BE49-F238E27FC236}">
+                <a16:creationId xmlns:a16="http://schemas.microsoft.com/office/drawing/2014/main" id="{64698B35-8E26-4280-AFB3-C7EAA5BE7E87}"/>
+              </a:ext>
+            </a:extLst>
+          </p:cNvPr>
+          <p:cNvPicPr>
+            <a:picLocks noChangeAspect="1"/>
+          </p:cNvPicPr>
+          <p:nvPr/>
+        </p:nvPicPr>
+        <p:blipFill>
+          <a:blip r:embed="rId3">
+            <a:extLst>
+              <a:ext uri="{28A0092B-C50C-407E-A947-70E740481C1C}">
+                <a14:useLocalDpi xmlns:a14="http://schemas.microsoft.com/office/drawing/2010/main" val="0"/>
+              </a:ext>
+            </a:extLst>
+          </a:blip>
+          <a:stretch>
+            <a:fillRect/>
+          </a:stretch>
+        </p:blipFill>
+        <p:spPr>
+          <a:xfrm>
+            <a:off x="9730722" y="3156373"/>
+            <a:ext cx="1532973" cy="2038356"/>
+          </a:xfrm>
+          <a:prstGeom prst="rect">
+            <a:avLst/>
+          </a:prstGeom>
+        </p:spPr>
+      </p:pic>
+      <p:pic>
+        <p:nvPicPr>
+          <p:cNvPr id="9" name="Picture 8" descr="A person smiling for the camera&#10;&#10;Description automatically generated">
+            <a:extLst>
+              <a:ext uri="{FF2B5EF4-FFF2-40B4-BE49-F238E27FC236}">
+                <a16:creationId xmlns:a16="http://schemas.microsoft.com/office/drawing/2014/main" id="{4DC14134-59B9-40CD-B4BE-E8D1F5CD7132}"/>
+              </a:ext>
+            </a:extLst>
+          </p:cNvPr>
+          <p:cNvPicPr>
+            <a:picLocks noChangeAspect="1"/>
+          </p:cNvPicPr>
+          <p:nvPr/>
+        </p:nvPicPr>
+        <p:blipFill>
+          <a:blip r:embed="rId4">
+            <a:extLst>
+              <a:ext uri="{28A0092B-C50C-407E-A947-70E740481C1C}">
+                <a14:useLocalDpi xmlns:a14="http://schemas.microsoft.com/office/drawing/2010/main" val="0"/>
+              </a:ext>
+            </a:extLst>
+          </a:blip>
+          <a:stretch>
+            <a:fillRect/>
+          </a:stretch>
+        </p:blipFill>
+        <p:spPr>
+          <a:xfrm>
+            <a:off x="7399360" y="3156373"/>
+            <a:ext cx="1532972" cy="2038356"/>
+          </a:xfrm>
+          <a:prstGeom prst="rect">
+            <a:avLst/>
+          </a:prstGeom>
+        </p:spPr>
+      </p:pic>
+      <p:pic>
+        <p:nvPicPr>
+          <p:cNvPr id="6" name="Picture 5" descr="A person standing in front of a house&#10;&#10;Description automatically generated">
+            <a:extLst>
+              <a:ext uri="{FF2B5EF4-FFF2-40B4-BE49-F238E27FC236}">
+                <a16:creationId xmlns:a16="http://schemas.microsoft.com/office/drawing/2014/main" id="{BB84EB3D-8FB7-429A-8E57-A3E8E731121F}"/>
+              </a:ext>
+            </a:extLst>
+          </p:cNvPr>
+          <p:cNvPicPr>
+            <a:picLocks noChangeAspect="1"/>
+          </p:cNvPicPr>
+          <p:nvPr/>
+        </p:nvPicPr>
+        <p:blipFill>
+          <a:blip r:embed="rId5">
+            <a:extLst>
+              <a:ext uri="{28A0092B-C50C-407E-A947-70E740481C1C}">
+                <a14:useLocalDpi xmlns:a14="http://schemas.microsoft.com/office/drawing/2010/main" val="0"/>
+              </a:ext>
+            </a:extLst>
+          </a:blip>
+          <a:stretch>
+            <a:fillRect/>
+          </a:stretch>
+        </p:blipFill>
+        <p:spPr>
+          <a:xfrm>
+            <a:off x="5098498" y="3084327"/>
+            <a:ext cx="1436568" cy="2038356"/>
+          </a:xfrm>
+          <a:prstGeom prst="rect">
+            <a:avLst/>
+          </a:prstGeom>
+        </p:spPr>
+      </p:pic>
+      <p:pic>
+        <p:nvPicPr>
+          <p:cNvPr id="10" name="Picture 9" descr="A person taking a selfie&#10;&#10;Description automatically generated">
+            <a:extLst>
+              <a:ext uri="{FF2B5EF4-FFF2-40B4-BE49-F238E27FC236}">
+                <a16:creationId xmlns:a16="http://schemas.microsoft.com/office/drawing/2014/main" id="{1D3FEEC3-AF16-4966-A8CF-1233051B5509}"/>
+              </a:ext>
+            </a:extLst>
+          </p:cNvPr>
+          <p:cNvPicPr>
+            <a:picLocks noChangeAspect="1"/>
+          </p:cNvPicPr>
+          <p:nvPr/>
+        </p:nvPicPr>
+        <p:blipFill>
+          <a:blip r:embed="rId6">
+            <a:extLst>
+              <a:ext uri="{28A0092B-C50C-407E-A947-70E740481C1C}">
+                <a14:useLocalDpi xmlns:a14="http://schemas.microsoft.com/office/drawing/2010/main" val="0"/>
+              </a:ext>
+            </a:extLst>
+          </a:blip>
+          <a:stretch>
+            <a:fillRect/>
+          </a:stretch>
+        </p:blipFill>
+        <p:spPr>
+          <a:xfrm>
+            <a:off x="666722" y="3084327"/>
+            <a:ext cx="1454030" cy="1938708"/>
+          </a:xfrm>
+          <a:prstGeom prst="rect">
+            <a:avLst/>
+          </a:prstGeom>
+        </p:spPr>
+      </p:pic>
+      <p:sp>
+        <p:nvSpPr>
+          <p:cNvPr id="13" name="Footer Placeholder 12">
+            <a:extLst>
+              <a:ext uri="{FF2B5EF4-FFF2-40B4-BE49-F238E27FC236}">
+                <a16:creationId xmlns:a16="http://schemas.microsoft.com/office/drawing/2014/main" id="{4DEB0D3C-FC0C-4AAE-8B1A-1CD6D3894DE9}"/>
+              </a:ext>
+            </a:extLst>
+          </p:cNvPr>
+          <p:cNvSpPr>
+            <a:spLocks noGrp="1"/>
+          </p:cNvSpPr>
+          <p:nvPr>
+            <p:ph type="ftr" sz="quarter" idx="11"/>
+          </p:nvPr>
+        </p:nvSpPr>
+        <p:spPr/>
+        <p:txBody>
+          <a:bodyPr/>
+          <a:lstStyle/>
+          <a:p>
+            <a:r>
+              <a:rPr lang="en-US"/>
+              <a:t>Healthify-NWMSU</a:t>
+            </a:r>
+          </a:p>
+        </p:txBody>
+      </p:sp>
+      <p:sp>
+        <p:nvSpPr>
+          <p:cNvPr id="15" name="Slide Number Placeholder 14">
+            <a:extLst>
+              <a:ext uri="{FF2B5EF4-FFF2-40B4-BE49-F238E27FC236}">
+                <a16:creationId xmlns:a16="http://schemas.microsoft.com/office/drawing/2014/main" id="{2FAD1378-BCC4-42D6-A20E-EC601EC1DFD7}"/>
+              </a:ext>
+            </a:extLst>
+          </p:cNvPr>
+          <p:cNvSpPr>
+            <a:spLocks noGrp="1"/>
+          </p:cNvSpPr>
+          <p:nvPr>
+            <p:ph type="sldNum" sz="quarter" idx="12"/>
+          </p:nvPr>
+        </p:nvSpPr>
+        <p:spPr/>
+        <p:txBody>
+          <a:bodyPr/>
+          <a:lstStyle/>
+          <a:p>
+            <a:fld id="{FC6EDEEF-6E47-4D41-B312-2A124904AE2A}" type="slidenum">
+              <a:rPr lang="en-US" smtClean="0"/>
+              <a:t>2</a:t>
+            </a:fld>
+            <a:endParaRPr lang="en-US"/>
+          </a:p>
+        </p:txBody>
+      </p:sp>
+    </p:spTree>
+    <p:extLst>
+      <p:ext uri="{BB962C8B-B14F-4D97-AF65-F5344CB8AC3E}">
+        <p14:creationId xmlns:p14="http://schemas.microsoft.com/office/powerpoint/2010/main" val="4176327129"/>
+      </p:ext>
+    </p:extLst>
+  </p:cSld>
+  <p:clrMapOvr>
+    <a:masterClrMapping/>
+  </p:clrMapOvr>
+</p:sld>
+</file>
+
+<file path=ppt/slides/slide3.xml><?xml version="1.0" encoding="utf-8"?>
+<p:sld xmlns:a="http://schemas.openxmlformats.org/drawingml/2006/main" xmlns:r="http://schemas.openxmlformats.org/officeDocument/2006/relationships" xmlns:p="http://schemas.openxmlformats.org/presentationml/2006/main">
+  <p:cSld>
+    <p:spTree>
+      <p:nvGrpSpPr>
+        <p:cNvPr id="1" name=""/>
+        <p:cNvGrpSpPr/>
+        <p:nvPr/>
+      </p:nvGrpSpPr>
+      <p:grpSpPr>
+        <a:xfrm>
+          <a:off x="0" y="0"/>
+          <a:ext cx="0" cy="0"/>
+          <a:chOff x="0" y="0"/>
+          <a:chExt cx="0" cy="0"/>
+        </a:xfrm>
+      </p:grpSpPr>
+      <p:sp>
+        <p:nvSpPr>
+          <p:cNvPr id="2" name="Title 1">
+            <a:extLst>
+              <a:ext uri="{FF2B5EF4-FFF2-40B4-BE49-F238E27FC236}">
+                <a16:creationId xmlns:a16="http://schemas.microsoft.com/office/drawing/2014/main" id="{C8C00379-46E4-446E-88A8-5933040D965B}"/>
+              </a:ext>
+            </a:extLst>
+          </p:cNvPr>
+          <p:cNvSpPr>
+            <a:spLocks noGrp="1"/>
+          </p:cNvSpPr>
+          <p:nvPr>
+            <p:ph type="title"/>
+          </p:nvPr>
+        </p:nvSpPr>
+        <p:spPr>
+          <a:xfrm>
+            <a:off x="646111" y="452718"/>
+            <a:ext cx="9404723" cy="893197"/>
+          </a:xfrm>
+        </p:spPr>
+        <p:txBody>
+          <a:bodyPr/>
+          <a:lstStyle/>
+          <a:p>
+            <a:r>
+              <a:rPr lang="en-US" b="1" dirty="0">
+                <a:solidFill>
+                  <a:schemeClr val="accent3"/>
+                </a:solidFill>
+                <a:effectLst>
+                  <a:outerShdw blurRad="38100" dist="38100" dir="2700000" algn="tl">
+                    <a:srgbClr val="000000">
+                      <a:alpha val="43137"/>
+                    </a:srgbClr>
+                  </a:outerShdw>
+                </a:effectLst>
+                <a:latin typeface="Times New Roman" panose="02020603050405020304" pitchFamily="18" charset="0"/>
+                <a:cs typeface="Times New Roman" panose="02020603050405020304" pitchFamily="18" charset="0"/>
+              </a:rPr>
+              <a:t>Requirements</a:t>
+            </a:r>
+            <a:r>
+              <a:rPr lang="en-US" dirty="0">
+                <a:effectLst>
+                  <a:outerShdw blurRad="38100" dist="38100" dir="2700000" algn="tl">
+                    <a:srgbClr val="000000">
+                      <a:alpha val="43137"/>
+                    </a:srgbClr>
+                  </a:outerShdw>
+                </a:effectLst>
+                <a:latin typeface="Times New Roman" panose="02020603050405020304" pitchFamily="18" charset="0"/>
+                <a:cs typeface="Times New Roman" panose="02020603050405020304" pitchFamily="18" charset="0"/>
+              </a:rPr>
+              <a:t>	</a:t>
+            </a:r>
+          </a:p>
+        </p:txBody>
+      </p:sp>
+      <p:sp>
+        <p:nvSpPr>
+          <p:cNvPr id="3" name="Content Placeholder 2">
+            <a:extLst>
+              <a:ext uri="{FF2B5EF4-FFF2-40B4-BE49-F238E27FC236}">
+                <a16:creationId xmlns:a16="http://schemas.microsoft.com/office/drawing/2014/main" id="{A0AC3E9A-BB0B-4A18-AEAA-7929FA74C75D}"/>
+              </a:ext>
+            </a:extLst>
+          </p:cNvPr>
+          <p:cNvSpPr>
+            <a:spLocks noGrp="1"/>
+          </p:cNvSpPr>
+          <p:nvPr>
+            <p:ph idx="1"/>
+          </p:nvPr>
+        </p:nvSpPr>
+        <p:spPr>
+          <a:xfrm>
+            <a:off x="1103312" y="1489753"/>
+            <a:ext cx="8946541" cy="4758647"/>
+          </a:xfrm>
+        </p:spPr>
+        <p:txBody>
+          <a:bodyPr>
+            <a:normAutofit/>
+          </a:bodyPr>
+          <a:lstStyle/>
+          <a:p>
+            <a:pPr fontAlgn="base"/>
+            <a:r>
+              <a:rPr lang="en-US" dirty="0">
+                <a:latin typeface="Times New Roman" panose="02020603050405020304" pitchFamily="18" charset="0"/>
+                <a:cs typeface="Times New Roman" panose="02020603050405020304" pitchFamily="18" charset="0"/>
+              </a:rPr>
+              <a:t>The text narrative or user story</a:t>
+            </a:r>
+          </a:p>
+          <a:p>
+            <a:pPr fontAlgn="base"/>
+            <a:r>
+              <a:rPr lang="en-US" dirty="0">
+                <a:latin typeface="Times New Roman" panose="02020603050405020304" pitchFamily="18" charset="0"/>
+                <a:cs typeface="Times New Roman" panose="02020603050405020304" pitchFamily="18" charset="0"/>
+              </a:rPr>
+              <a:t>Project scope</a:t>
+            </a:r>
+          </a:p>
+          <a:p>
+            <a:pPr fontAlgn="base"/>
+            <a:r>
+              <a:rPr lang="en-US" dirty="0">
+                <a:latin typeface="Times New Roman" panose="02020603050405020304" pitchFamily="18" charset="0"/>
+                <a:cs typeface="Times New Roman" panose="02020603050405020304" pitchFamily="18" charset="0"/>
+              </a:rPr>
+              <a:t>Technical specifications</a:t>
+            </a:r>
+          </a:p>
+          <a:p>
+            <a:pPr fontAlgn="base"/>
+            <a:r>
+              <a:rPr lang="en-US" dirty="0">
+                <a:latin typeface="Times New Roman" panose="02020603050405020304" pitchFamily="18" charset="0"/>
+                <a:cs typeface="Times New Roman" panose="02020603050405020304" pitchFamily="18" charset="0"/>
+              </a:rPr>
+              <a:t>Sketches</a:t>
+            </a:r>
+          </a:p>
+          <a:p>
+            <a:pPr fontAlgn="base"/>
+            <a:r>
+              <a:rPr lang="en-US" dirty="0">
+                <a:latin typeface="Times New Roman" panose="02020603050405020304" pitchFamily="18" charset="0"/>
+                <a:cs typeface="Times New Roman" panose="02020603050405020304" pitchFamily="18" charset="0"/>
+              </a:rPr>
+              <a:t>Asset creation</a:t>
+            </a:r>
+          </a:p>
+          <a:p>
+            <a:pPr fontAlgn="base"/>
+            <a:r>
+              <a:rPr lang="en-US" dirty="0">
+                <a:latin typeface="Times New Roman" panose="02020603050405020304" pitchFamily="18" charset="0"/>
+                <a:cs typeface="Times New Roman" panose="02020603050405020304" pitchFamily="18" charset="0"/>
+              </a:rPr>
+              <a:t>Putting everything together in a workflow document(Jira).</a:t>
+            </a:r>
+          </a:p>
+          <a:p>
+            <a:pPr fontAlgn="base"/>
+            <a:r>
+              <a:rPr lang="en-US" dirty="0">
+                <a:latin typeface="Times New Roman" panose="02020603050405020304" pitchFamily="18" charset="0"/>
+                <a:cs typeface="Times New Roman" panose="02020603050405020304" pitchFamily="18" charset="0"/>
+              </a:rPr>
+              <a:t>FluidUI</a:t>
+            </a:r>
+          </a:p>
+          <a:p>
+            <a:pPr fontAlgn="base"/>
+            <a:r>
+              <a:rPr lang="en-US" dirty="0">
+                <a:latin typeface="Times New Roman" panose="02020603050405020304" pitchFamily="18" charset="0"/>
+                <a:cs typeface="Times New Roman" panose="02020603050405020304" pitchFamily="18" charset="0"/>
+              </a:rPr>
+              <a:t>GitHub</a:t>
+            </a:r>
+          </a:p>
+          <a:p>
+            <a:endParaRPr lang="en-US" dirty="0"/>
+          </a:p>
+        </p:txBody>
+      </p:sp>
+      <p:sp>
+        <p:nvSpPr>
+          <p:cNvPr id="6" name="Footer Placeholder 5">
+            <a:extLst>
+              <a:ext uri="{FF2B5EF4-FFF2-40B4-BE49-F238E27FC236}">
+                <a16:creationId xmlns:a16="http://schemas.microsoft.com/office/drawing/2014/main" id="{38D8D3A6-7408-4215-99DB-0B35830B92DB}"/>
+              </a:ext>
+            </a:extLst>
+          </p:cNvPr>
+          <p:cNvSpPr>
+            <a:spLocks noGrp="1"/>
+          </p:cNvSpPr>
+          <p:nvPr>
+            <p:ph type="ftr" sz="quarter" idx="11"/>
+          </p:nvPr>
+        </p:nvSpPr>
+        <p:spPr/>
+        <p:txBody>
+          <a:bodyPr/>
+          <a:lstStyle/>
+          <a:p>
+            <a:r>
+              <a:rPr lang="en-US"/>
+              <a:t>Healthify-NWMSU</a:t>
+            </a:r>
+          </a:p>
+        </p:txBody>
+      </p:sp>
+      <p:sp>
+        <p:nvSpPr>
+          <p:cNvPr id="7" name="Slide Number Placeholder 6">
+            <a:extLst>
+              <a:ext uri="{FF2B5EF4-FFF2-40B4-BE49-F238E27FC236}">
+                <a16:creationId xmlns:a16="http://schemas.microsoft.com/office/drawing/2014/main" id="{53D8A5C7-D4C7-4B73-BDB0-C67A0F06FB39}"/>
+              </a:ext>
+            </a:extLst>
+          </p:cNvPr>
+          <p:cNvSpPr>
+            <a:spLocks noGrp="1"/>
+          </p:cNvSpPr>
+          <p:nvPr>
+            <p:ph type="sldNum" sz="quarter" idx="12"/>
+          </p:nvPr>
+        </p:nvSpPr>
+        <p:spPr/>
+        <p:txBody>
+          <a:bodyPr/>
+          <a:lstStyle/>
+          <a:p>
+            <a:fld id="{FC6EDEEF-6E47-4D41-B312-2A124904AE2A}" type="slidenum">
+              <a:rPr lang="en-US" smtClean="0"/>
+              <a:t>3</a:t>
+            </a:fld>
+            <a:endParaRPr lang="en-US"/>
+          </a:p>
+        </p:txBody>
+      </p:sp>
+    </p:spTree>
+    <p:extLst>
+      <p:ext uri="{BB962C8B-B14F-4D97-AF65-F5344CB8AC3E}">
+        <p14:creationId xmlns:p14="http://schemas.microsoft.com/office/powerpoint/2010/main" val="2403520679"/>
+      </p:ext>
+    </p:extLst>
+  </p:cSld>
+  <p:clrMapOvr>
+    <a:masterClrMapping/>
+  </p:clrMapOvr>
+</p:sld>
+</file>
+
+<file path=ppt/slides/slide4.xml><?xml version="1.0" encoding="utf-8"?>
+<p:sld xmlns:a="http://schemas.openxmlformats.org/drawingml/2006/main" xmlns:r="http://schemas.openxmlformats.org/officeDocument/2006/relationships" xmlns:p="http://schemas.openxmlformats.org/presentationml/2006/main">
+  <p:cSld>
+    <p:spTree>
+      <p:nvGrpSpPr>
+        <p:cNvPr id="1" name=""/>
+        <p:cNvGrpSpPr/>
+        <p:nvPr/>
+      </p:nvGrpSpPr>
+      <p:grpSpPr>
+        <a:xfrm>
+          <a:off x="0" y="0"/>
+          <a:ext cx="0" cy="0"/>
+          <a:chOff x="0" y="0"/>
+          <a:chExt cx="0" cy="0"/>
+        </a:xfrm>
+      </p:grpSpPr>
+      <p:sp>
+        <p:nvSpPr>
+          <p:cNvPr id="2" name="Title 1">
+            <a:extLst>
+              <a:ext uri="{FF2B5EF4-FFF2-40B4-BE49-F238E27FC236}">
+                <a16:creationId xmlns:a16="http://schemas.microsoft.com/office/drawing/2014/main" id="{53CAD9F5-5D35-43A4-86EF-12603C6DCE87}"/>
+              </a:ext>
+            </a:extLst>
+          </p:cNvPr>
+          <p:cNvSpPr>
+            <a:spLocks noGrp="1"/>
+          </p:cNvSpPr>
+          <p:nvPr>
+            <p:ph type="title"/>
+          </p:nvPr>
+        </p:nvSpPr>
+        <p:spPr>
+          <a:xfrm>
+            <a:off x="646111" y="401347"/>
+            <a:ext cx="9404723" cy="708262"/>
+          </a:xfrm>
+        </p:spPr>
+        <p:txBody>
+          <a:bodyPr>
+            <a:normAutofit fontScale="90000"/>
+          </a:bodyPr>
+          <a:lstStyle/>
+          <a:p>
+            <a:r>
+              <a:rPr lang="en-US" sz="4000" b="1" dirty="0">
+                <a:solidFill>
+                  <a:schemeClr val="accent3"/>
+                </a:solidFill>
+                <a:effectLst>
+                  <a:outerShdw blurRad="38100" dist="38100" dir="2700000" algn="tl">
+                    <a:srgbClr val="000000">
+                      <a:alpha val="43137"/>
+                    </a:srgbClr>
+                  </a:outerShdw>
+                </a:effectLst>
+                <a:latin typeface="Times New Roman" panose="02020603050405020304" pitchFamily="18" charset="0"/>
+                <a:cs typeface="Times New Roman" panose="02020603050405020304" pitchFamily="18" charset="0"/>
+              </a:rPr>
+              <a:t>Purpose</a:t>
+            </a:r>
+            <a:br>
+              <a:rPr lang="en-US" b="1" dirty="0">
+                <a:solidFill>
+                  <a:schemeClr val="accent3"/>
+                </a:solidFill>
+                <a:effectLst>
+                  <a:outerShdw blurRad="38100" dist="38100" dir="2700000" algn="tl">
+                    <a:srgbClr val="000000">
+                      <a:alpha val="43137"/>
+                    </a:srgbClr>
+                  </a:outerShdw>
+                </a:effectLst>
+                <a:latin typeface="Times New Roman" panose="02020603050405020304" pitchFamily="18" charset="0"/>
+                <a:cs typeface="Times New Roman" panose="02020603050405020304" pitchFamily="18" charset="0"/>
+              </a:rPr>
+            </a:br>
+            <a:br>
+              <a:rPr lang="en-US" b="1" dirty="0">
+                <a:solidFill>
+                  <a:schemeClr val="accent3"/>
+                </a:solidFill>
+                <a:effectLst>
+                  <a:outerShdw blurRad="38100" dist="38100" dir="2700000" algn="tl">
+                    <a:srgbClr val="000000">
+                      <a:alpha val="43137"/>
+                    </a:srgbClr>
+                  </a:outerShdw>
+                </a:effectLst>
+                <a:latin typeface="Times New Roman" panose="02020603050405020304" pitchFamily="18" charset="0"/>
+                <a:cs typeface="Times New Roman" panose="02020603050405020304" pitchFamily="18" charset="0"/>
+              </a:rPr>
+            </a:br>
+            <a:br>
+              <a:rPr lang="en-US" b="1" dirty="0">
+                <a:solidFill>
+                  <a:schemeClr val="accent3"/>
+                </a:solidFill>
+                <a:effectLst>
+                  <a:outerShdw blurRad="38100" dist="38100" dir="2700000" algn="tl">
+                    <a:srgbClr val="000000">
+                      <a:alpha val="43137"/>
+                    </a:srgbClr>
+                  </a:outerShdw>
+                </a:effectLst>
+                <a:latin typeface="Times New Roman" panose="02020603050405020304" pitchFamily="18" charset="0"/>
+                <a:cs typeface="Times New Roman" panose="02020603050405020304" pitchFamily="18" charset="0"/>
+              </a:rPr>
+            </a:br>
+            <a:br>
+              <a:rPr lang="en-US" b="1" dirty="0">
+                <a:solidFill>
+                  <a:schemeClr val="accent3"/>
+                </a:solidFill>
+                <a:effectLst>
+                  <a:outerShdw blurRad="38100" dist="38100" dir="2700000" algn="tl">
+                    <a:srgbClr val="000000">
+                      <a:alpha val="43137"/>
+                    </a:srgbClr>
+                  </a:outerShdw>
+                </a:effectLst>
+                <a:latin typeface="Times New Roman" panose="02020603050405020304" pitchFamily="18" charset="0"/>
+                <a:cs typeface="Times New Roman" panose="02020603050405020304" pitchFamily="18" charset="0"/>
+              </a:rPr>
+            </a:br>
+            <a:br>
+              <a:rPr lang="en-US" b="1" dirty="0">
+                <a:solidFill>
+                  <a:schemeClr val="accent3"/>
+                </a:solidFill>
+                <a:effectLst>
+                  <a:outerShdw blurRad="38100" dist="38100" dir="2700000" algn="tl">
+                    <a:srgbClr val="000000">
+                      <a:alpha val="43137"/>
+                    </a:srgbClr>
+                  </a:outerShdw>
+                </a:effectLst>
+                <a:latin typeface="Times New Roman" panose="02020603050405020304" pitchFamily="18" charset="0"/>
+                <a:cs typeface="Times New Roman" panose="02020603050405020304" pitchFamily="18" charset="0"/>
+              </a:rPr>
+            </a:br>
+            <a:r>
+              <a:rPr lang="en-US" sz="4000" b="1" dirty="0">
+                <a:solidFill>
+                  <a:schemeClr val="accent3"/>
+                </a:solidFill>
+                <a:effectLst>
+                  <a:outerShdw blurRad="38100" dist="38100" dir="2700000" algn="tl">
+                    <a:srgbClr val="000000">
+                      <a:alpha val="43137"/>
+                    </a:srgbClr>
+                  </a:outerShdw>
+                </a:effectLst>
+                <a:latin typeface="Times New Roman" panose="02020603050405020304" pitchFamily="18" charset="0"/>
+                <a:cs typeface="Times New Roman" panose="02020603050405020304" pitchFamily="18" charset="0"/>
+              </a:rPr>
+              <a:t>Overview</a:t>
+            </a:r>
+          </a:p>
+        </p:txBody>
+      </p:sp>
+      <p:sp>
+        <p:nvSpPr>
+          <p:cNvPr id="3" name="Content Placeholder 2">
+            <a:extLst>
+              <a:ext uri="{FF2B5EF4-FFF2-40B4-BE49-F238E27FC236}">
+                <a16:creationId xmlns:a16="http://schemas.microsoft.com/office/drawing/2014/main" id="{0169D338-F03C-45A3-AF88-E7BA60FE6263}"/>
+              </a:ext>
+            </a:extLst>
+          </p:cNvPr>
+          <p:cNvSpPr>
+            <a:spLocks noGrp="1"/>
+          </p:cNvSpPr>
+          <p:nvPr>
+            <p:ph idx="1"/>
+          </p:nvPr>
+        </p:nvSpPr>
+        <p:spPr>
+          <a:xfrm>
+            <a:off x="842482" y="1017142"/>
+            <a:ext cx="9152618" cy="5260368"/>
+          </a:xfrm>
+        </p:spPr>
+        <p:txBody>
+          <a:bodyPr>
+            <a:normAutofit/>
+          </a:bodyPr>
+          <a:lstStyle/>
+          <a:p>
+            <a:r>
+              <a:rPr lang="en-US" dirty="0">
+                <a:latin typeface="Times New Roman" panose="02020603050405020304" pitchFamily="18" charset="0"/>
+                <a:cs typeface="Times New Roman" panose="02020603050405020304" pitchFamily="18" charset="0"/>
+              </a:rPr>
+              <a:t>“Our vision is to make healthy living easy, fun, and affordable for all”</a:t>
+            </a:r>
+          </a:p>
+          <a:p>
+            <a:r>
+              <a:rPr lang="en-US" dirty="0">
+                <a:latin typeface="Times New Roman" panose="02020603050405020304" pitchFamily="18" charset="0"/>
+                <a:cs typeface="Times New Roman" panose="02020603050405020304" pitchFamily="18" charset="0"/>
+              </a:rPr>
+              <a:t>The Healthify-NWMSU app can incorporate data from thousands of third-party apps that are designed to promote healthier habits from nutrition to fitness.</a:t>
+            </a:r>
+          </a:p>
+          <a:p>
+            <a:r>
+              <a:rPr lang="en-US" dirty="0">
+                <a:latin typeface="Times New Roman" panose="02020603050405020304" pitchFamily="18" charset="0"/>
+                <a:cs typeface="Times New Roman" panose="02020603050405020304" pitchFamily="18" charset="0"/>
+              </a:rPr>
+              <a:t>This app lets you keep all your health and fitness information under your control and in one place on your device.</a:t>
+            </a:r>
+          </a:p>
+          <a:p>
+            <a:endParaRPr lang="en-US" dirty="0">
+              <a:latin typeface="Times New Roman" panose="02020603050405020304" pitchFamily="18" charset="0"/>
+              <a:cs typeface="Times New Roman" panose="02020603050405020304" pitchFamily="18" charset="0"/>
+            </a:endParaRPr>
+          </a:p>
+          <a:p>
+            <a:endParaRPr lang="en-US" dirty="0">
+              <a:latin typeface="Times New Roman" panose="02020603050405020304" pitchFamily="18" charset="0"/>
+              <a:cs typeface="Times New Roman" panose="02020603050405020304" pitchFamily="18" charset="0"/>
+            </a:endParaRPr>
+          </a:p>
+          <a:p>
+            <a:r>
+              <a:rPr lang="en-US" dirty="0">
+                <a:latin typeface="Times New Roman" panose="02020603050405020304" pitchFamily="18" charset="0"/>
+                <a:cs typeface="Times New Roman" panose="02020603050405020304" pitchFamily="18" charset="0"/>
+              </a:rPr>
+              <a:t>Healthify-NWMSU is a fitness app that helps users track their diet and weight and set fitness goals.</a:t>
+            </a:r>
+          </a:p>
+          <a:p>
+            <a:r>
+              <a:rPr lang="en-US" dirty="0">
+                <a:latin typeface="Times New Roman" panose="02020603050405020304" pitchFamily="18" charset="0"/>
+                <a:cs typeface="Times New Roman" panose="02020603050405020304" pitchFamily="18" charset="0"/>
+              </a:rPr>
+              <a:t>It is free to download app which allows user to track their calories, steps, manage, view and participate in group challenges.</a:t>
+            </a:r>
+          </a:p>
+          <a:p>
+            <a:r>
+              <a:rPr lang="en-US" dirty="0">
+                <a:latin typeface="Times New Roman" panose="02020603050405020304" pitchFamily="18" charset="0"/>
+                <a:cs typeface="Times New Roman" panose="02020603050405020304" pitchFamily="18" charset="0"/>
+              </a:rPr>
+              <a:t>It helps users to track their food intake and measure calories accurately.</a:t>
+            </a:r>
+          </a:p>
+        </p:txBody>
+      </p:sp>
+      <p:sp>
+        <p:nvSpPr>
+          <p:cNvPr id="6" name="Footer Placeholder 5">
+            <a:extLst>
+              <a:ext uri="{FF2B5EF4-FFF2-40B4-BE49-F238E27FC236}">
+                <a16:creationId xmlns:a16="http://schemas.microsoft.com/office/drawing/2014/main" id="{69C0F0D7-0734-4D29-BB83-BBAF6A313E5D}"/>
+              </a:ext>
+            </a:extLst>
+          </p:cNvPr>
+          <p:cNvSpPr>
+            <a:spLocks noGrp="1"/>
+          </p:cNvSpPr>
+          <p:nvPr>
+            <p:ph type="ftr" sz="quarter" idx="11"/>
+          </p:nvPr>
+        </p:nvSpPr>
+        <p:spPr/>
+        <p:txBody>
+          <a:bodyPr/>
+          <a:lstStyle/>
+          <a:p>
+            <a:r>
+              <a:rPr lang="en-US"/>
+              <a:t>Healthify-NWMSU</a:t>
+            </a:r>
+          </a:p>
+        </p:txBody>
+      </p:sp>
+      <p:sp>
+        <p:nvSpPr>
+          <p:cNvPr id="7" name="Slide Number Placeholder 6">
+            <a:extLst>
+              <a:ext uri="{FF2B5EF4-FFF2-40B4-BE49-F238E27FC236}">
+                <a16:creationId xmlns:a16="http://schemas.microsoft.com/office/drawing/2014/main" id="{0C27BE6C-AA7F-4054-A992-C71124FC6FE4}"/>
+              </a:ext>
+            </a:extLst>
+          </p:cNvPr>
+          <p:cNvSpPr>
+            <a:spLocks noGrp="1"/>
+          </p:cNvSpPr>
+          <p:nvPr>
+            <p:ph type="sldNum" sz="quarter" idx="12"/>
+          </p:nvPr>
+        </p:nvSpPr>
+        <p:spPr/>
+        <p:txBody>
+          <a:bodyPr/>
+          <a:lstStyle/>
+          <a:p>
+            <a:fld id="{FC6EDEEF-6E47-4D41-B312-2A124904AE2A}" type="slidenum">
+              <a:rPr lang="en-US" smtClean="0"/>
+              <a:t>4</a:t>
+            </a:fld>
+            <a:endParaRPr lang="en-US"/>
+          </a:p>
+        </p:txBody>
+      </p:sp>
+    </p:spTree>
+    <p:extLst>
+      <p:ext uri="{BB962C8B-B14F-4D97-AF65-F5344CB8AC3E}">
+        <p14:creationId xmlns:p14="http://schemas.microsoft.com/office/powerpoint/2010/main" val="602519577"/>
+      </p:ext>
+    </p:extLst>
+  </p:cSld>
+  <p:clrMapOvr>
+    <a:masterClrMapping/>
+  </p:clrMapOvr>
+</p:sld>
+</file>
+
+<file path=ppt/slides/slide5.xml><?xml version="1.0" encoding="utf-8"?>
+<p:sld xmlns:a="http://schemas.openxmlformats.org/drawingml/2006/main" xmlns:r="http://schemas.openxmlformats.org/officeDocument/2006/relationships" xmlns:p="http://schemas.openxmlformats.org/presentationml/2006/main">
+  <p:cSld>
+    <p:spTree>
+      <p:nvGrpSpPr>
+        <p:cNvPr id="1" name=""/>
+        <p:cNvGrpSpPr/>
+        <p:nvPr/>
+      </p:nvGrpSpPr>
+      <p:grpSpPr>
+        <a:xfrm>
+          <a:off x="0" y="0"/>
+          <a:ext cx="0" cy="0"/>
+          <a:chOff x="0" y="0"/>
+          <a:chExt cx="0" cy="0"/>
+        </a:xfrm>
+      </p:grpSpPr>
+      <p:sp>
+        <p:nvSpPr>
+          <p:cNvPr id="2" name="Title 1">
+            <a:extLst>
+              <a:ext uri="{FF2B5EF4-FFF2-40B4-BE49-F238E27FC236}">
+                <a16:creationId xmlns:a16="http://schemas.microsoft.com/office/drawing/2014/main" id="{125EC5BE-68C9-4C55-8D48-904C9CFC8A87}"/>
+              </a:ext>
+            </a:extLst>
+          </p:cNvPr>
+          <p:cNvSpPr>
+            <a:spLocks noGrp="1"/>
+          </p:cNvSpPr>
+          <p:nvPr>
+            <p:ph type="title"/>
+          </p:nvPr>
+        </p:nvSpPr>
+        <p:spPr>
+          <a:xfrm>
+            <a:off x="646111" y="401347"/>
+            <a:ext cx="9404723" cy="1400530"/>
+          </a:xfrm>
+        </p:spPr>
+        <p:txBody>
+          <a:bodyPr>
+            <a:normAutofit fontScale="90000"/>
+          </a:bodyPr>
+          <a:lstStyle/>
+          <a:p>
+            <a:r>
+              <a:rPr lang="en-US" sz="4000" b="1" dirty="0">
+                <a:solidFill>
+                  <a:schemeClr val="accent3"/>
+                </a:solidFill>
+                <a:effectLst>
+                  <a:outerShdw blurRad="38100" dist="38100" dir="2700000" algn="tl">
+                    <a:srgbClr val="000000">
+                      <a:alpha val="43137"/>
+                    </a:srgbClr>
+                  </a:outerShdw>
+                </a:effectLst>
+                <a:latin typeface="Times New Roman" panose="02020603050405020304" pitchFamily="18" charset="0"/>
+                <a:cs typeface="Times New Roman" panose="02020603050405020304" pitchFamily="18" charset="0"/>
+              </a:rPr>
+              <a:t>Screens of UI Sketches</a:t>
+            </a:r>
+            <a:br>
+              <a:rPr lang="en-US" sz="4000" dirty="0">
+                <a:latin typeface="Times New Roman" panose="02020603050405020304" pitchFamily="18" charset="0"/>
+                <a:cs typeface="Times New Roman" panose="02020603050405020304" pitchFamily="18" charset="0"/>
+              </a:rPr>
+            </a:br>
+            <a:br>
+              <a:rPr lang="en-US" dirty="0">
+                <a:latin typeface="Times New Roman" panose="02020603050405020304" pitchFamily="18" charset="0"/>
+                <a:cs typeface="Times New Roman" panose="02020603050405020304" pitchFamily="18" charset="0"/>
+              </a:rPr>
+            </a:br>
+            <a:endParaRPr lang="en-US" sz="2000" dirty="0">
+              <a:latin typeface="Times New Roman" panose="02020603050405020304" pitchFamily="18" charset="0"/>
+              <a:cs typeface="Times New Roman" panose="02020603050405020304" pitchFamily="18" charset="0"/>
+            </a:endParaRPr>
+          </a:p>
+        </p:txBody>
+      </p:sp>
+      <p:pic>
+        <p:nvPicPr>
+          <p:cNvPr id="5" name="Content Placeholder 4" descr="A screenshot of a cell phone&#10;&#10;Description automatically generated">
+            <a:extLst>
+              <a:ext uri="{FF2B5EF4-FFF2-40B4-BE49-F238E27FC236}">
+                <a16:creationId xmlns:a16="http://schemas.microsoft.com/office/drawing/2014/main" id="{0EAAE02D-95D7-4790-9B8B-0C2E66ED1508}"/>
+              </a:ext>
+            </a:extLst>
+          </p:cNvPr>
+          <p:cNvPicPr>
+            <a:picLocks noGrp="1" noChangeAspect="1"/>
+          </p:cNvPicPr>
+          <p:nvPr>
+            <p:ph idx="1"/>
+          </p:nvPr>
+        </p:nvPicPr>
+        <p:blipFill>
+          <a:blip r:embed="rId2">
+            <a:extLst>
+              <a:ext uri="{28A0092B-C50C-407E-A947-70E740481C1C}">
+                <a14:useLocalDpi xmlns:a14="http://schemas.microsoft.com/office/drawing/2010/main" val="0"/>
+              </a:ext>
+            </a:extLst>
+          </a:blip>
+          <a:stretch>
+            <a:fillRect/>
+          </a:stretch>
+        </p:blipFill>
+        <p:spPr>
+          <a:xfrm>
+            <a:off x="992292" y="1191803"/>
+            <a:ext cx="3024903" cy="4977926"/>
+          </a:xfrm>
+        </p:spPr>
+      </p:pic>
+      <p:pic>
+        <p:nvPicPr>
+          <p:cNvPr id="7" name="Picture 6" descr="A screenshot of a cell phone&#10;&#10;Description automatically generated">
+            <a:extLst>
+              <a:ext uri="{FF2B5EF4-FFF2-40B4-BE49-F238E27FC236}">
+                <a16:creationId xmlns:a16="http://schemas.microsoft.com/office/drawing/2014/main" id="{50FBA26D-8217-4E8F-AA9C-568663C77F8B}"/>
+              </a:ext>
+            </a:extLst>
+          </p:cNvPr>
+          <p:cNvPicPr>
+            <a:picLocks noChangeAspect="1"/>
+          </p:cNvPicPr>
+          <p:nvPr/>
+        </p:nvPicPr>
+        <p:blipFill>
+          <a:blip r:embed="rId3">
+            <a:extLst>
+              <a:ext uri="{28A0092B-C50C-407E-A947-70E740481C1C}">
+                <a14:useLocalDpi xmlns:a14="http://schemas.microsoft.com/office/drawing/2010/main" val="0"/>
+              </a:ext>
+            </a:extLst>
+          </a:blip>
+          <a:stretch>
+            <a:fillRect/>
+          </a:stretch>
+        </p:blipFill>
+        <p:spPr>
+          <a:xfrm>
+            <a:off x="4598458" y="1191803"/>
+            <a:ext cx="3024902" cy="4977926"/>
+          </a:xfrm>
+          <a:prstGeom prst="rect">
+            <a:avLst/>
+          </a:prstGeom>
+        </p:spPr>
+      </p:pic>
+      <p:sp>
+        <p:nvSpPr>
+          <p:cNvPr id="8" name="Footer Placeholder 7">
+            <a:extLst>
+              <a:ext uri="{FF2B5EF4-FFF2-40B4-BE49-F238E27FC236}">
+                <a16:creationId xmlns:a16="http://schemas.microsoft.com/office/drawing/2014/main" id="{3D7665F4-0963-419D-B051-3FE3079E217D}"/>
+              </a:ext>
+            </a:extLst>
+          </p:cNvPr>
+          <p:cNvSpPr>
+            <a:spLocks noGrp="1"/>
+          </p:cNvSpPr>
+          <p:nvPr>
+            <p:ph type="ftr" sz="quarter" idx="11"/>
+          </p:nvPr>
+        </p:nvSpPr>
+        <p:spPr/>
+        <p:txBody>
+          <a:bodyPr/>
+          <a:lstStyle/>
+          <a:p>
+            <a:r>
+              <a:rPr lang="en-US"/>
+              <a:t>Healthify-NWMSU</a:t>
+            </a:r>
+          </a:p>
+        </p:txBody>
+      </p:sp>
+      <p:sp>
+        <p:nvSpPr>
+          <p:cNvPr id="9" name="Slide Number Placeholder 8">
+            <a:extLst>
+              <a:ext uri="{FF2B5EF4-FFF2-40B4-BE49-F238E27FC236}">
+                <a16:creationId xmlns:a16="http://schemas.microsoft.com/office/drawing/2014/main" id="{4F7404B4-B404-4287-985D-DA10D897BF21}"/>
+              </a:ext>
+            </a:extLst>
+          </p:cNvPr>
+          <p:cNvSpPr>
+            <a:spLocks noGrp="1"/>
+          </p:cNvSpPr>
+          <p:nvPr>
+            <p:ph type="sldNum" sz="quarter" idx="12"/>
+          </p:nvPr>
+        </p:nvSpPr>
+        <p:spPr/>
+        <p:txBody>
+          <a:bodyPr/>
+          <a:lstStyle/>
+          <a:p>
+            <a:fld id="{FC6EDEEF-6E47-4D41-B312-2A124904AE2A}" type="slidenum">
+              <a:rPr lang="en-US" smtClean="0"/>
+              <a:t>5</a:t>
+            </a:fld>
+            <a:endParaRPr lang="en-US"/>
+          </a:p>
+        </p:txBody>
+      </p:sp>
+      <p:pic>
+        <p:nvPicPr>
+          <p:cNvPr id="10" name="Picture 9" descr="A screenshot of a cell phone&#10;&#10;Description automatically generated">
+            <a:extLst>
+              <a:ext uri="{FF2B5EF4-FFF2-40B4-BE49-F238E27FC236}">
+                <a16:creationId xmlns:a16="http://schemas.microsoft.com/office/drawing/2014/main" id="{8D84F9D6-7C5E-49A6-A655-EB05CB23DF91}"/>
+              </a:ext>
+            </a:extLst>
+          </p:cNvPr>
+          <p:cNvPicPr>
+            <a:picLocks noChangeAspect="1"/>
+          </p:cNvPicPr>
+          <p:nvPr/>
+        </p:nvPicPr>
+        <p:blipFill>
+          <a:blip r:embed="rId4">
+            <a:extLst>
+              <a:ext uri="{28A0092B-C50C-407E-A947-70E740481C1C}">
+                <a14:useLocalDpi xmlns:a14="http://schemas.microsoft.com/office/drawing/2010/main" val="0"/>
+              </a:ext>
+            </a:extLst>
+          </a:blip>
+          <a:stretch>
+            <a:fillRect/>
+          </a:stretch>
+        </p:blipFill>
+        <p:spPr>
+          <a:xfrm>
+            <a:off x="8378157" y="1191803"/>
+            <a:ext cx="2821551" cy="4884221"/>
+          </a:xfrm>
+          <a:prstGeom prst="rect">
+            <a:avLst/>
+          </a:prstGeom>
+        </p:spPr>
+      </p:pic>
+    </p:spTree>
+    <p:extLst>
+      <p:ext uri="{BB962C8B-B14F-4D97-AF65-F5344CB8AC3E}">
+        <p14:creationId xmlns:p14="http://schemas.microsoft.com/office/powerpoint/2010/main" val="793526837"/>
+      </p:ext>
+    </p:extLst>
+  </p:cSld>
+  <p:clrMapOvr>
+    <a:masterClrMapping/>
+  </p:clrMapOvr>
+</p:sld>
+</file>
+
+<file path=ppt/slides/slide6.xml><?xml version="1.0" encoding="utf-8"?>
+<p:sld xmlns:a="http://schemas.openxmlformats.org/drawingml/2006/main" xmlns:r="http://schemas.openxmlformats.org/officeDocument/2006/relationships" xmlns:p="http://schemas.openxmlformats.org/presentationml/2006/main">
+  <p:cSld>
+    <p:spTree>
+      <p:nvGrpSpPr>
+        <p:cNvPr id="1" name=""/>
+        <p:cNvGrpSpPr/>
+        <p:nvPr/>
+      </p:nvGrpSpPr>
+      <p:grpSpPr>
+        <a:xfrm>
+          <a:off x="0" y="0"/>
+          <a:ext cx="0" cy="0"/>
+          <a:chOff x="0" y="0"/>
+          <a:chExt cx="0" cy="0"/>
+        </a:xfrm>
+      </p:grpSpPr>
+      <p:sp>
+        <p:nvSpPr>
+          <p:cNvPr id="2" name="Title 1">
+            <a:extLst>
+              <a:ext uri="{FF2B5EF4-FFF2-40B4-BE49-F238E27FC236}">
+                <a16:creationId xmlns:a16="http://schemas.microsoft.com/office/drawing/2014/main" id="{EE86DD78-E9CE-490E-88B1-0385B046D747}"/>
+              </a:ext>
+            </a:extLst>
+          </p:cNvPr>
+          <p:cNvSpPr>
+            <a:spLocks noGrp="1"/>
+          </p:cNvSpPr>
+          <p:nvPr>
+            <p:ph type="title"/>
+          </p:nvPr>
+        </p:nvSpPr>
+        <p:spPr/>
+        <p:txBody>
+          <a:bodyPr/>
+          <a:lstStyle/>
+          <a:p>
+            <a:r>
+              <a:rPr lang="en-US" b="1" dirty="0">
+                <a:solidFill>
+                  <a:schemeClr val="accent3"/>
+                </a:solidFill>
+                <a:effectLst>
+                  <a:outerShdw blurRad="38100" dist="38100" dir="2700000" algn="tl">
+                    <a:srgbClr val="000000">
+                      <a:alpha val="43137"/>
+                    </a:srgbClr>
+                  </a:outerShdw>
+                </a:effectLst>
+                <a:latin typeface="Times New Roman" panose="02020603050405020304" pitchFamily="18" charset="0"/>
+                <a:cs typeface="Times New Roman" panose="02020603050405020304" pitchFamily="18" charset="0"/>
+              </a:rPr>
+              <a:t>Screens of UI Sketches</a:t>
+            </a:r>
+            <a:endParaRPr lang="en-US" b="1" dirty="0">
+              <a:solidFill>
+                <a:schemeClr val="accent3"/>
+              </a:solidFill>
+              <a:effectLst>
+                <a:outerShdw blurRad="38100" dist="38100" dir="2700000" algn="tl">
+                  <a:srgbClr val="000000">
+                    <a:alpha val="43137"/>
+                  </a:srgbClr>
+                </a:outerShdw>
+              </a:effectLst>
+            </a:endParaRPr>
+          </a:p>
+        </p:txBody>
+      </p:sp>
+      <p:pic>
+        <p:nvPicPr>
+          <p:cNvPr id="5" name="Content Placeholder 4" descr="A screenshot of a cell phone&#10;&#10;Description automatically generated">
+            <a:extLst>
+              <a:ext uri="{FF2B5EF4-FFF2-40B4-BE49-F238E27FC236}">
+                <a16:creationId xmlns:a16="http://schemas.microsoft.com/office/drawing/2014/main" id="{3C2846B6-CBD7-4174-A78E-EB0295F266B7}"/>
+              </a:ext>
+            </a:extLst>
+          </p:cNvPr>
+          <p:cNvPicPr>
+            <a:picLocks noGrp="1" noChangeAspect="1"/>
+          </p:cNvPicPr>
+          <p:nvPr>
+            <p:ph idx="1"/>
+          </p:nvPr>
+        </p:nvPicPr>
+        <p:blipFill>
+          <a:blip r:embed="rId2">
+            <a:extLst>
+              <a:ext uri="{28A0092B-C50C-407E-A947-70E740481C1C}">
+                <a14:useLocalDpi xmlns:a14="http://schemas.microsoft.com/office/drawing/2010/main" val="0"/>
+              </a:ext>
+            </a:extLst>
+          </a:blip>
+          <a:stretch>
+            <a:fillRect/>
+          </a:stretch>
+        </p:blipFill>
+        <p:spPr>
+          <a:xfrm>
+            <a:off x="7653096" y="1216217"/>
+            <a:ext cx="2821551" cy="4884221"/>
+          </a:xfrm>
+        </p:spPr>
+      </p:pic>
+      <p:pic>
+        <p:nvPicPr>
+          <p:cNvPr id="6" name="Picture 5" descr="A screenshot of a cell phone&#10;&#10;Description automatically generated">
+            <a:extLst>
+              <a:ext uri="{FF2B5EF4-FFF2-40B4-BE49-F238E27FC236}">
+                <a16:creationId xmlns:a16="http://schemas.microsoft.com/office/drawing/2014/main" id="{BC02AB21-A8B2-431B-B6C0-5A214AE639C7}"/>
+              </a:ext>
+            </a:extLst>
+          </p:cNvPr>
+          <p:cNvPicPr>
+            <a:picLocks noChangeAspect="1"/>
+          </p:cNvPicPr>
+          <p:nvPr/>
+        </p:nvPicPr>
+        <p:blipFill>
+          <a:blip r:embed="rId3">
+            <a:extLst>
+              <a:ext uri="{28A0092B-C50C-407E-A947-70E740481C1C}">
+                <a14:useLocalDpi xmlns:a14="http://schemas.microsoft.com/office/drawing/2010/main" val="0"/>
+              </a:ext>
+            </a:extLst>
+          </a:blip>
+          <a:stretch>
+            <a:fillRect/>
+          </a:stretch>
+        </p:blipFill>
+        <p:spPr>
+          <a:xfrm>
+            <a:off x="4258078" y="1216217"/>
+            <a:ext cx="2821551" cy="4884221"/>
+          </a:xfrm>
+          <a:prstGeom prst="rect">
+            <a:avLst/>
+          </a:prstGeom>
+        </p:spPr>
+      </p:pic>
+      <p:sp>
+        <p:nvSpPr>
+          <p:cNvPr id="8" name="Footer Placeholder 7">
+            <a:extLst>
+              <a:ext uri="{FF2B5EF4-FFF2-40B4-BE49-F238E27FC236}">
+                <a16:creationId xmlns:a16="http://schemas.microsoft.com/office/drawing/2014/main" id="{5CED5646-90C1-4F81-90DA-AA017C6B22C5}"/>
+              </a:ext>
+            </a:extLst>
+          </p:cNvPr>
+          <p:cNvSpPr>
+            <a:spLocks noGrp="1"/>
+          </p:cNvSpPr>
+          <p:nvPr>
+            <p:ph type="ftr" sz="quarter" idx="11"/>
+          </p:nvPr>
+        </p:nvSpPr>
+        <p:spPr/>
+        <p:txBody>
+          <a:bodyPr/>
+          <a:lstStyle/>
+          <a:p>
+            <a:r>
+              <a:rPr lang="en-US"/>
+              <a:t>Healthify-NWMSU</a:t>
+            </a:r>
+          </a:p>
+        </p:txBody>
+      </p:sp>
+      <p:sp>
+        <p:nvSpPr>
+          <p:cNvPr id="9" name="Slide Number Placeholder 8">
+            <a:extLst>
+              <a:ext uri="{FF2B5EF4-FFF2-40B4-BE49-F238E27FC236}">
+                <a16:creationId xmlns:a16="http://schemas.microsoft.com/office/drawing/2014/main" id="{92881D41-A262-4F4C-BCDB-29B7F360E97E}"/>
+              </a:ext>
+            </a:extLst>
+          </p:cNvPr>
+          <p:cNvSpPr>
+            <a:spLocks noGrp="1"/>
+          </p:cNvSpPr>
+          <p:nvPr>
+            <p:ph type="sldNum" sz="quarter" idx="12"/>
+          </p:nvPr>
+        </p:nvSpPr>
+        <p:spPr/>
+        <p:txBody>
+          <a:bodyPr/>
+          <a:lstStyle/>
+          <a:p>
+            <a:fld id="{FC6EDEEF-6E47-4D41-B312-2A124904AE2A}" type="slidenum">
+              <a:rPr lang="en-US" smtClean="0"/>
+              <a:t>6</a:t>
+            </a:fld>
+            <a:endParaRPr lang="en-US"/>
+          </a:p>
+        </p:txBody>
+      </p:sp>
+      <p:pic>
+        <p:nvPicPr>
+          <p:cNvPr id="10" name="Content Placeholder 4" descr="A screenshot of a social media post&#10;&#10;Description automatically generated">
+            <a:extLst>
+              <a:ext uri="{FF2B5EF4-FFF2-40B4-BE49-F238E27FC236}">
+                <a16:creationId xmlns:a16="http://schemas.microsoft.com/office/drawing/2014/main" id="{EB2594DB-28A2-4C50-8FC6-1738B3EB1D2F}"/>
+              </a:ext>
+            </a:extLst>
+          </p:cNvPr>
+          <p:cNvPicPr>
+            <a:picLocks noChangeAspect="1"/>
+          </p:cNvPicPr>
+          <p:nvPr/>
+        </p:nvPicPr>
+        <p:blipFill>
+          <a:blip r:embed="rId4">
+            <a:extLst>
+              <a:ext uri="{28A0092B-C50C-407E-A947-70E740481C1C}">
+                <a14:useLocalDpi xmlns:a14="http://schemas.microsoft.com/office/drawing/2010/main" val="0"/>
+              </a:ext>
+            </a:extLst>
+          </a:blip>
+          <a:stretch>
+            <a:fillRect/>
+          </a:stretch>
+        </p:blipFill>
+        <p:spPr>
+          <a:xfrm>
+            <a:off x="875338" y="1169363"/>
+            <a:ext cx="2809273" cy="4977926"/>
+          </a:xfrm>
+          <a:prstGeom prst="rect">
+            <a:avLst/>
+          </a:prstGeom>
+        </p:spPr>
+      </p:pic>
+    </p:spTree>
+    <p:extLst>
+      <p:ext uri="{BB962C8B-B14F-4D97-AF65-F5344CB8AC3E}">
+        <p14:creationId xmlns:p14="http://schemas.microsoft.com/office/powerpoint/2010/main" val="2990232904"/>
+      </p:ext>
+    </p:extLst>
+  </p:cSld>
+  <p:clrMapOvr>
+    <a:masterClrMapping/>
+  </p:clrMapOvr>
+</p:sld>
+</file>
+
+<file path=ppt/slides/slide7.xml><?xml version="1.0" encoding="utf-8"?>
+<p:sld xmlns:a="http://schemas.openxmlformats.org/drawingml/2006/main" xmlns:r="http://schemas.openxmlformats.org/officeDocument/2006/relationships" xmlns:p="http://schemas.openxmlformats.org/presentationml/2006/main">
+  <p:cSld>
+    <p:spTree>
+      <p:nvGrpSpPr>
+        <p:cNvPr id="1" name=""/>
+        <p:cNvGrpSpPr/>
+        <p:nvPr/>
+      </p:nvGrpSpPr>
+      <p:grpSpPr>
+        <a:xfrm>
+          <a:off x="0" y="0"/>
+          <a:ext cx="0" cy="0"/>
+          <a:chOff x="0" y="0"/>
+          <a:chExt cx="0" cy="0"/>
+        </a:xfrm>
+      </p:grpSpPr>
+      <p:sp>
+        <p:nvSpPr>
+          <p:cNvPr id="2" name="Title 1">
+            <a:extLst>
+              <a:ext uri="{FF2B5EF4-FFF2-40B4-BE49-F238E27FC236}">
+                <a16:creationId xmlns:a16="http://schemas.microsoft.com/office/drawing/2014/main" id="{573E737E-8EF4-48B3-9937-7787C41E3A2D}"/>
+              </a:ext>
+            </a:extLst>
+          </p:cNvPr>
+          <p:cNvSpPr>
+            <a:spLocks noGrp="1"/>
+          </p:cNvSpPr>
+          <p:nvPr>
+            <p:ph type="title"/>
+          </p:nvPr>
+        </p:nvSpPr>
+        <p:spPr>
+          <a:xfrm>
+            <a:off x="677334" y="599326"/>
+            <a:ext cx="8596668" cy="1320800"/>
+          </a:xfrm>
+        </p:spPr>
+        <p:txBody>
+          <a:bodyPr>
+            <a:normAutofit/>
+          </a:bodyPr>
+          <a:lstStyle/>
+          <a:p>
+            <a:r>
+              <a:rPr lang="en-US" b="1" dirty="0">
+                <a:solidFill>
+                  <a:schemeClr val="accent3"/>
+                </a:solidFill>
+                <a:effectLst>
+                  <a:outerShdw blurRad="38100" dist="38100" dir="2700000" algn="tl">
+                    <a:srgbClr val="000000">
+                      <a:alpha val="43137"/>
+                    </a:srgbClr>
+                  </a:outerShdw>
+                </a:effectLst>
+                <a:latin typeface="Times New Roman" panose="02020603050405020304" pitchFamily="18" charset="0"/>
+                <a:cs typeface="Times New Roman" panose="02020603050405020304" pitchFamily="18" charset="0"/>
+              </a:rPr>
+              <a:t>Acceptance Criteria</a:t>
+            </a:r>
+            <a:br>
+              <a:rPr lang="en-US" b="1" dirty="0">
+                <a:solidFill>
+                  <a:srgbClr val="24292E"/>
+                </a:solidFill>
+                <a:latin typeface="-apple-system"/>
+              </a:rPr>
+            </a:br>
+            <a:endParaRPr lang="en-US" dirty="0"/>
+          </a:p>
+        </p:txBody>
+      </p:sp>
+      <p:sp>
+        <p:nvSpPr>
+          <p:cNvPr id="3" name="Content Placeholder 2">
+            <a:extLst>
+              <a:ext uri="{FF2B5EF4-FFF2-40B4-BE49-F238E27FC236}">
+                <a16:creationId xmlns:a16="http://schemas.microsoft.com/office/drawing/2014/main" id="{9C7E8854-7F3E-4442-BC30-0FA2B15FA669}"/>
+              </a:ext>
+            </a:extLst>
+          </p:cNvPr>
+          <p:cNvSpPr>
+            <a:spLocks noGrp="1"/>
+          </p:cNvSpPr>
+          <p:nvPr>
+            <p:ph idx="1"/>
+          </p:nvPr>
+        </p:nvSpPr>
+        <p:spPr>
+          <a:xfrm>
+            <a:off x="1103311" y="1273996"/>
+            <a:ext cx="10352373" cy="5373384"/>
+          </a:xfrm>
+        </p:spPr>
+        <p:txBody>
+          <a:bodyPr>
+            <a:normAutofit fontScale="25000" lnSpcReduction="20000"/>
+          </a:bodyPr>
+          <a:lstStyle/>
+          <a:p>
+            <a:pPr>
+              <a:buFont typeface="Arial" panose="020B0604020202020204" pitchFamily="34" charset="0"/>
+              <a:buChar char="•"/>
+            </a:pPr>
+            <a:r>
+              <a:rPr lang="en-US" sz="8000" dirty="0">
+                <a:solidFill>
+                  <a:schemeClr val="tx1">
+                    <a:lumMod val="95000"/>
+                  </a:schemeClr>
+                </a:solidFill>
+                <a:latin typeface="Times New Roman" panose="02020603050405020304" pitchFamily="18" charset="0"/>
+                <a:cs typeface="Times New Roman" panose="02020603050405020304" pitchFamily="18" charset="0"/>
+              </a:rPr>
+              <a:t>Admin can view and download all data entered by the user by just selecting the get data into a file button.</a:t>
+            </a:r>
+          </a:p>
+          <a:p>
+            <a:pPr>
+              <a:buFont typeface="Arial" panose="020B0604020202020204" pitchFamily="34" charset="0"/>
+              <a:buChar char="•"/>
+            </a:pPr>
+            <a:r>
+              <a:rPr lang="en-US" sz="8000" dirty="0">
+                <a:solidFill>
+                  <a:schemeClr val="tx1">
+                    <a:lumMod val="95000"/>
+                  </a:schemeClr>
+                </a:solidFill>
+                <a:latin typeface="Times New Roman" panose="02020603050405020304" pitchFamily="18" charset="0"/>
+                <a:cs typeface="Times New Roman" panose="02020603050405020304" pitchFamily="18" charset="0"/>
+              </a:rPr>
+              <a:t>Admin can create and manage the user groups by selecting add symbol.</a:t>
+            </a:r>
+          </a:p>
+          <a:p>
+            <a:pPr>
+              <a:buFont typeface="Arial" panose="020B0604020202020204" pitchFamily="34" charset="0"/>
+              <a:buChar char="•"/>
+            </a:pPr>
+            <a:r>
+              <a:rPr lang="en-US" sz="8000" dirty="0">
+                <a:solidFill>
+                  <a:schemeClr val="tx1">
+                    <a:lumMod val="95000"/>
+                  </a:schemeClr>
+                </a:solidFill>
+                <a:latin typeface="Times New Roman" panose="02020603050405020304" pitchFamily="18" charset="0"/>
+                <a:cs typeface="Times New Roman" panose="02020603050405020304" pitchFamily="18" charset="0"/>
+              </a:rPr>
+              <a:t>Admin can share challenge results with group members by clicking release results button.</a:t>
+            </a:r>
+          </a:p>
+          <a:p>
+            <a:pPr>
+              <a:buFont typeface="Arial" panose="020B0604020202020204" pitchFamily="34" charset="0"/>
+              <a:buChar char="•"/>
+            </a:pPr>
+            <a:r>
+              <a:rPr lang="en-US" sz="8000" dirty="0">
+                <a:solidFill>
+                  <a:schemeClr val="tx1">
+                    <a:lumMod val="95000"/>
+                  </a:schemeClr>
+                </a:solidFill>
+                <a:latin typeface="Times New Roman" panose="02020603050405020304" pitchFamily="18" charset="0"/>
+                <a:cs typeface="Times New Roman" panose="02020603050405020304" pitchFamily="18" charset="0"/>
+              </a:rPr>
+              <a:t>Users can create and edit data of personal details upon signup.</a:t>
+            </a:r>
+          </a:p>
+          <a:p>
+            <a:pPr>
+              <a:buFont typeface="Arial" panose="020B0604020202020204" pitchFamily="34" charset="0"/>
+              <a:buChar char="•"/>
+            </a:pPr>
+            <a:r>
+              <a:rPr lang="en-US" sz="8000" dirty="0">
+                <a:latin typeface="Times New Roman" panose="02020603050405020304" pitchFamily="18" charset="0"/>
+                <a:cs typeface="Times New Roman" panose="02020603050405020304" pitchFamily="18" charset="0"/>
+              </a:rPr>
+              <a:t>Users can participate in new challenges just by clicking register buttons on each page of challenges.</a:t>
+            </a:r>
+            <a:endParaRPr lang="en-US" sz="8000" dirty="0">
+              <a:solidFill>
+                <a:schemeClr val="tx1">
+                  <a:lumMod val="95000"/>
+                </a:schemeClr>
+              </a:solidFill>
+              <a:latin typeface="Times New Roman" panose="02020603050405020304" pitchFamily="18" charset="0"/>
+              <a:cs typeface="Times New Roman" panose="02020603050405020304" pitchFamily="18" charset="0"/>
+            </a:endParaRPr>
+          </a:p>
+          <a:p>
+            <a:pPr>
+              <a:buFont typeface="Arial" panose="020B0604020202020204" pitchFamily="34" charset="0"/>
+              <a:buChar char="•"/>
+            </a:pPr>
+            <a:r>
+              <a:rPr lang="en-US" sz="8000" dirty="0">
+                <a:solidFill>
+                  <a:schemeClr val="tx1">
+                    <a:lumMod val="95000"/>
+                  </a:schemeClr>
+                </a:solidFill>
+                <a:latin typeface="Times New Roman" panose="02020603050405020304" pitchFamily="18" charset="0"/>
+                <a:cs typeface="Times New Roman" panose="02020603050405020304" pitchFamily="18" charset="0"/>
+              </a:rPr>
+              <a:t>Users can accept or reject group assignments upon receiving mails from the admin invites.</a:t>
+            </a:r>
+          </a:p>
+          <a:p>
+            <a:pPr>
+              <a:buFont typeface="Arial" panose="020B0604020202020204" pitchFamily="34" charset="0"/>
+              <a:buChar char="•"/>
+            </a:pPr>
+            <a:r>
+              <a:rPr lang="en-US" sz="8000" dirty="0">
+                <a:solidFill>
+                  <a:schemeClr val="tx1">
+                    <a:lumMod val="95000"/>
+                  </a:schemeClr>
+                </a:solidFill>
+                <a:latin typeface="Times New Roman" panose="02020603050405020304" pitchFamily="18" charset="0"/>
+                <a:cs typeface="Times New Roman" panose="02020603050405020304" pitchFamily="18" charset="0"/>
+              </a:rPr>
+              <a:t>Users can view data from past challenges by clicking on the results.</a:t>
+            </a:r>
+          </a:p>
+          <a:p>
+            <a:pPr>
+              <a:buFont typeface="Arial" panose="020B0604020202020204" pitchFamily="34" charset="0"/>
+              <a:buChar char="•"/>
+            </a:pPr>
+            <a:r>
+              <a:rPr lang="en-US" sz="8000" dirty="0">
+                <a:solidFill>
+                  <a:schemeClr val="tx1">
+                    <a:lumMod val="95000"/>
+                  </a:schemeClr>
+                </a:solidFill>
+                <a:latin typeface="Times New Roman" panose="02020603050405020304" pitchFamily="18" charset="0"/>
+                <a:cs typeface="Times New Roman" panose="02020603050405020304" pitchFamily="18" charset="0"/>
+              </a:rPr>
+              <a:t>User can access the application only by submitting required details.</a:t>
+            </a:r>
+          </a:p>
+          <a:p>
+            <a:pPr>
+              <a:buFont typeface="Arial" panose="020B0604020202020204" pitchFamily="34" charset="0"/>
+              <a:buChar char="•"/>
+            </a:pPr>
+            <a:r>
+              <a:rPr lang="en-US" sz="8000" dirty="0">
+                <a:solidFill>
+                  <a:schemeClr val="tx1">
+                    <a:lumMod val="95000"/>
+                  </a:schemeClr>
+                </a:solidFill>
+                <a:latin typeface="Times New Roman" panose="02020603050405020304" pitchFamily="18" charset="0"/>
+                <a:cs typeface="Times New Roman" panose="02020603050405020304" pitchFamily="18" charset="0"/>
+              </a:rPr>
+              <a:t>Enabling responsive Mobile menu for Tablets and Mobiles.</a:t>
+            </a:r>
+          </a:p>
+          <a:p>
+            <a:pPr>
+              <a:buFont typeface="Arial" panose="020B0604020202020204" pitchFamily="34" charset="0"/>
+              <a:buChar char="•"/>
+            </a:pPr>
+            <a:r>
+              <a:rPr lang="en-US" sz="8000" dirty="0">
+                <a:solidFill>
+                  <a:schemeClr val="tx1">
+                    <a:lumMod val="95000"/>
+                  </a:schemeClr>
+                </a:solidFill>
+                <a:latin typeface="Times New Roman" panose="02020603050405020304" pitchFamily="18" charset="0"/>
+                <a:cs typeface="Times New Roman" panose="02020603050405020304" pitchFamily="18" charset="0"/>
+              </a:rPr>
+              <a:t>User can Easily Navigate across different screens.</a:t>
+            </a:r>
+          </a:p>
+          <a:p>
+            <a:pPr>
+              <a:buFont typeface="Arial" panose="020B0604020202020204" pitchFamily="34" charset="0"/>
+              <a:buChar char="•"/>
+            </a:pPr>
+            <a:r>
+              <a:rPr lang="en-US" sz="8000" dirty="0">
+                <a:solidFill>
+                  <a:schemeClr val="tx1">
+                    <a:lumMod val="95000"/>
+                  </a:schemeClr>
+                </a:solidFill>
+                <a:latin typeface="Times New Roman" panose="02020603050405020304" pitchFamily="18" charset="0"/>
+                <a:cs typeface="Times New Roman" panose="02020603050405020304" pitchFamily="18" charset="0"/>
+              </a:rPr>
+              <a:t>User can have Responsiveness of drop-down lists.</a:t>
+            </a:r>
+          </a:p>
+          <a:p>
+            <a:pPr>
+              <a:buFont typeface="Arial" panose="020B0604020202020204" pitchFamily="34" charset="0"/>
+              <a:buChar char="•"/>
+            </a:pPr>
+            <a:r>
+              <a:rPr lang="en-US" sz="8000" dirty="0">
+                <a:latin typeface="Times New Roman" panose="02020603050405020304" pitchFamily="18" charset="0"/>
+                <a:cs typeface="Times New Roman" panose="02020603050405020304" pitchFamily="18" charset="0"/>
+              </a:rPr>
+              <a:t>User can Distinguish the inactive buttons from active buttons.</a:t>
+            </a:r>
+            <a:endParaRPr lang="en-US" sz="8000" dirty="0">
+              <a:solidFill>
+                <a:schemeClr val="tx1">
+                  <a:lumMod val="95000"/>
+                </a:schemeClr>
+              </a:solidFill>
+              <a:latin typeface="Times New Roman" panose="02020603050405020304" pitchFamily="18" charset="0"/>
+              <a:cs typeface="Times New Roman" panose="02020603050405020304" pitchFamily="18" charset="0"/>
+            </a:endParaRPr>
+          </a:p>
+          <a:p>
+            <a:pPr marL="0" indent="0">
+              <a:buNone/>
+            </a:pPr>
+            <a:endParaRPr lang="en-US" dirty="0"/>
+          </a:p>
+        </p:txBody>
+      </p:sp>
+      <p:sp>
+        <p:nvSpPr>
+          <p:cNvPr id="6" name="Footer Placeholder 5">
+            <a:extLst>
+              <a:ext uri="{FF2B5EF4-FFF2-40B4-BE49-F238E27FC236}">
+                <a16:creationId xmlns:a16="http://schemas.microsoft.com/office/drawing/2014/main" id="{9DD87943-4C6A-46FB-B51C-3840DF598793}"/>
+              </a:ext>
+            </a:extLst>
+          </p:cNvPr>
+          <p:cNvSpPr>
+            <a:spLocks noGrp="1"/>
+          </p:cNvSpPr>
+          <p:nvPr>
+            <p:ph type="ftr" sz="quarter" idx="11"/>
+          </p:nvPr>
+        </p:nvSpPr>
+        <p:spPr/>
+        <p:txBody>
+          <a:bodyPr/>
+          <a:lstStyle/>
+          <a:p>
+            <a:r>
+              <a:rPr lang="en-US"/>
+              <a:t>Healthify-NWMSU</a:t>
+            </a:r>
+          </a:p>
+        </p:txBody>
+      </p:sp>
+      <p:sp>
+        <p:nvSpPr>
+          <p:cNvPr id="7" name="Slide Number Placeholder 6">
+            <a:extLst>
+              <a:ext uri="{FF2B5EF4-FFF2-40B4-BE49-F238E27FC236}">
+                <a16:creationId xmlns:a16="http://schemas.microsoft.com/office/drawing/2014/main" id="{2CA22E63-B086-4925-B662-12D17C54A126}"/>
+              </a:ext>
+            </a:extLst>
+          </p:cNvPr>
+          <p:cNvSpPr>
+            <a:spLocks noGrp="1"/>
+          </p:cNvSpPr>
+          <p:nvPr>
+            <p:ph type="sldNum" sz="quarter" idx="12"/>
+          </p:nvPr>
+        </p:nvSpPr>
+        <p:spPr/>
+        <p:txBody>
+          <a:bodyPr/>
+          <a:lstStyle/>
+          <a:p>
+            <a:fld id="{FC6EDEEF-6E47-4D41-B312-2A124904AE2A}" type="slidenum">
+              <a:rPr lang="en-US" smtClean="0"/>
+              <a:t>7</a:t>
+            </a:fld>
+            <a:endParaRPr lang="en-US"/>
+          </a:p>
+        </p:txBody>
+      </p:sp>
+    </p:spTree>
+    <p:extLst>
+      <p:ext uri="{BB962C8B-B14F-4D97-AF65-F5344CB8AC3E}">
+        <p14:creationId xmlns:p14="http://schemas.microsoft.com/office/powerpoint/2010/main" val="5059217"/>
+      </p:ext>
+    </p:extLst>
+  </p:cSld>
+  <p:clrMapOvr>
+    <a:masterClrMapping/>
+  </p:clrMapOvr>
+</p:sld>
+</file>
+
+<file path=ppt/slides/slide8.xml><?xml version="1.0" encoding="utf-8"?>
+<p:sld xmlns:a="http://schemas.openxmlformats.org/drawingml/2006/main" xmlns:r="http://schemas.openxmlformats.org/officeDocument/2006/relationships" xmlns:p="http://schemas.openxmlformats.org/presentationml/2006/main">
+  <p:cSld>
+    <p:spTree>
+      <p:nvGrpSpPr>
+        <p:cNvPr id="1" name=""/>
+        <p:cNvGrpSpPr/>
+        <p:nvPr/>
+      </p:nvGrpSpPr>
+      <p:grpSpPr>
+        <a:xfrm>
+          <a:off x="0" y="0"/>
+          <a:ext cx="0" cy="0"/>
+          <a:chOff x="0" y="0"/>
+          <a:chExt cx="0" cy="0"/>
+        </a:xfrm>
+      </p:grpSpPr>
+      <p:sp>
+        <p:nvSpPr>
+          <p:cNvPr id="2" name="Title 1">
+            <a:extLst>
+              <a:ext uri="{FF2B5EF4-FFF2-40B4-BE49-F238E27FC236}">
+                <a16:creationId xmlns:a16="http://schemas.microsoft.com/office/drawing/2014/main" id="{B1BC11D7-8A41-45C1-AEDE-0E53214677D3}"/>
+              </a:ext>
+            </a:extLst>
+          </p:cNvPr>
+          <p:cNvSpPr>
+            <a:spLocks noGrp="1"/>
+          </p:cNvSpPr>
+          <p:nvPr>
+            <p:ph type="title"/>
+          </p:nvPr>
+        </p:nvSpPr>
+        <p:spPr/>
+        <p:txBody>
+          <a:bodyPr/>
+          <a:lstStyle/>
+          <a:p>
+            <a:r>
+              <a:rPr lang="en-US" b="1" dirty="0">
+                <a:solidFill>
+                  <a:schemeClr val="accent3"/>
+                </a:solidFill>
+                <a:effectLst>
+                  <a:outerShdw blurRad="38100" dist="38100" dir="2700000" algn="tl">
+                    <a:srgbClr val="000000">
+                      <a:alpha val="43137"/>
+                    </a:srgbClr>
+                  </a:outerShdw>
+                </a:effectLst>
+                <a:latin typeface="Times New Roman" panose="02020603050405020304" pitchFamily="18" charset="0"/>
+                <a:cs typeface="Times New Roman" panose="02020603050405020304" pitchFamily="18" charset="0"/>
+              </a:rPr>
+              <a:t>Jira Workflow</a:t>
+            </a:r>
+          </a:p>
+        </p:txBody>
+      </p:sp>
+      <p:pic>
+        <p:nvPicPr>
+          <p:cNvPr id="7" name="Content Placeholder 6" descr="A screenshot of a cell phone&#10;&#10;Description automatically generated">
+            <a:extLst>
+              <a:ext uri="{FF2B5EF4-FFF2-40B4-BE49-F238E27FC236}">
+                <a16:creationId xmlns:a16="http://schemas.microsoft.com/office/drawing/2014/main" id="{515EFC0D-496C-4106-89B0-A526380500AB}"/>
+              </a:ext>
+            </a:extLst>
+          </p:cNvPr>
+          <p:cNvPicPr>
+            <a:picLocks noGrp="1" noChangeAspect="1"/>
+          </p:cNvPicPr>
+          <p:nvPr>
+            <p:ph idx="1"/>
+          </p:nvPr>
+        </p:nvPicPr>
+        <p:blipFill>
+          <a:blip r:embed="rId2">
+            <a:extLst>
+              <a:ext uri="{28A0092B-C50C-407E-A947-70E740481C1C}">
+                <a14:useLocalDpi xmlns:a14="http://schemas.microsoft.com/office/drawing/2010/main" val="0"/>
+              </a:ext>
+            </a:extLst>
+          </a:blip>
+          <a:stretch>
+            <a:fillRect/>
+          </a:stretch>
+        </p:blipFill>
+        <p:spPr>
+          <a:xfrm>
+            <a:off x="702404" y="1325366"/>
+            <a:ext cx="9879978" cy="4716659"/>
+          </a:xfrm>
+        </p:spPr>
+      </p:pic>
+      <p:sp>
+        <p:nvSpPr>
+          <p:cNvPr id="4" name="Footer Placeholder 3">
+            <a:extLst>
+              <a:ext uri="{FF2B5EF4-FFF2-40B4-BE49-F238E27FC236}">
+                <a16:creationId xmlns:a16="http://schemas.microsoft.com/office/drawing/2014/main" id="{B10119E2-47A8-4B77-ACC3-A54855000B3C}"/>
+              </a:ext>
+            </a:extLst>
+          </p:cNvPr>
+          <p:cNvSpPr>
+            <a:spLocks noGrp="1"/>
+          </p:cNvSpPr>
+          <p:nvPr>
+            <p:ph type="ftr" sz="quarter" idx="11"/>
+          </p:nvPr>
+        </p:nvSpPr>
+        <p:spPr/>
+        <p:txBody>
+          <a:bodyPr/>
+          <a:lstStyle/>
+          <a:p>
+            <a:r>
+              <a:rPr lang="en-US"/>
+              <a:t>Healthify-NWMSU</a:t>
+            </a:r>
+          </a:p>
+        </p:txBody>
+      </p:sp>
+      <p:sp>
+        <p:nvSpPr>
+          <p:cNvPr id="5" name="Slide Number Placeholder 4">
+            <a:extLst>
+              <a:ext uri="{FF2B5EF4-FFF2-40B4-BE49-F238E27FC236}">
+                <a16:creationId xmlns:a16="http://schemas.microsoft.com/office/drawing/2014/main" id="{CC4D7613-E19B-4CFB-8CE7-9D7BDA395AD4}"/>
+              </a:ext>
+            </a:extLst>
+          </p:cNvPr>
+          <p:cNvSpPr>
+            <a:spLocks noGrp="1"/>
+          </p:cNvSpPr>
+          <p:nvPr>
+            <p:ph type="sldNum" sz="quarter" idx="12"/>
+          </p:nvPr>
+        </p:nvSpPr>
+        <p:spPr/>
+        <p:txBody>
+          <a:bodyPr/>
+          <a:lstStyle/>
+          <a:p>
+            <a:fld id="{FC6EDEEF-6E47-4D41-B312-2A124904AE2A}" type="slidenum">
+              <a:rPr lang="en-US" smtClean="0"/>
+              <a:t>8</a:t>
+            </a:fld>
+            <a:endParaRPr lang="en-US"/>
+          </a:p>
+        </p:txBody>
+      </p:sp>
+    </p:spTree>
+    <p:extLst>
+      <p:ext uri="{BB962C8B-B14F-4D97-AF65-F5344CB8AC3E}">
+        <p14:creationId xmlns:p14="http://schemas.microsoft.com/office/powerpoint/2010/main" val="611337613"/>
+      </p:ext>
+    </p:extLst>
+  </p:cSld>
+  <p:clrMapOvr>
+    <a:masterClrMapping/>
+  </p:clrMapOvr>
+</p:sld>
+</file>
+
+<file path=ppt/slides/slide9.xml><?xml version="1.0" encoding="utf-8"?>
+<p:sld xmlns:a="http://schemas.openxmlformats.org/drawingml/2006/main" xmlns:r="http://schemas.openxmlformats.org/officeDocument/2006/relationships" xmlns:p="http://schemas.openxmlformats.org/presentationml/2006/main">
+  <p:cSld>
+    <p:spTree>
+      <p:nvGrpSpPr>
+        <p:cNvPr id="1" name=""/>
+        <p:cNvGrpSpPr/>
+        <p:nvPr/>
+      </p:nvGrpSpPr>
+      <p:grpSpPr>
+        <a:xfrm>
+          <a:off x="0" y="0"/>
+          <a:ext cx="0" cy="0"/>
+          <a:chOff x="0" y="0"/>
+          <a:chExt cx="0" cy="0"/>
+        </a:xfrm>
+      </p:grpSpPr>
+      <p:sp>
+        <p:nvSpPr>
+          <p:cNvPr id="2" name="Title 1">
+            <a:extLst>
+              <a:ext uri="{FF2B5EF4-FFF2-40B4-BE49-F238E27FC236}">
+                <a16:creationId xmlns:a16="http://schemas.microsoft.com/office/drawing/2014/main" id="{EDF33ABE-0CCC-4CB2-8A07-107E3F35A1F5}"/>
+              </a:ext>
+            </a:extLst>
+          </p:cNvPr>
+          <p:cNvSpPr>
+            <a:spLocks noGrp="1"/>
+          </p:cNvSpPr>
+          <p:nvPr>
+            <p:ph type="title"/>
+          </p:nvPr>
+        </p:nvSpPr>
+        <p:spPr/>
+        <p:txBody>
+          <a:bodyPr/>
+          <a:lstStyle/>
+          <a:p>
+            <a:r>
+              <a:rPr lang="en-US" b="1" dirty="0">
+                <a:solidFill>
+                  <a:schemeClr val="accent3"/>
+                </a:solidFill>
+                <a:effectLst>
+                  <a:outerShdw blurRad="38100" dist="38100" dir="2700000" algn="tl">
+                    <a:srgbClr val="000000">
+                      <a:alpha val="43137"/>
+                    </a:srgbClr>
+                  </a:outerShdw>
+                </a:effectLst>
+                <a:latin typeface="Times New Roman" panose="02020603050405020304" pitchFamily="18" charset="0"/>
+                <a:cs typeface="Times New Roman" panose="02020603050405020304" pitchFamily="18" charset="0"/>
+              </a:rPr>
+              <a:t>ER Diagram</a:t>
+            </a:r>
+          </a:p>
+        </p:txBody>
+      </p:sp>
+      <p:pic>
+        <p:nvPicPr>
+          <p:cNvPr id="5" name="Content Placeholder 4" descr="A close up of text on a white surface&#10;&#10;Description automatically generated">
+            <a:extLst>
+              <a:ext uri="{FF2B5EF4-FFF2-40B4-BE49-F238E27FC236}">
+                <a16:creationId xmlns:a16="http://schemas.microsoft.com/office/drawing/2014/main" id="{6EACB86E-0239-4971-8B76-392FF2502486}"/>
+              </a:ext>
+            </a:extLst>
+          </p:cNvPr>
+          <p:cNvPicPr>
+            <a:picLocks noGrp="1" noChangeAspect="1"/>
+          </p:cNvPicPr>
+          <p:nvPr>
+            <p:ph idx="1"/>
+          </p:nvPr>
+        </p:nvPicPr>
+        <p:blipFill>
+          <a:blip r:embed="rId2">
+            <a:extLst>
+              <a:ext uri="{28A0092B-C50C-407E-A947-70E740481C1C}">
+                <a14:useLocalDpi xmlns:a14="http://schemas.microsoft.com/office/drawing/2010/main" val="0"/>
+              </a:ext>
+            </a:extLst>
+          </a:blip>
+          <a:stretch>
+            <a:fillRect/>
+          </a:stretch>
+        </p:blipFill>
+        <p:spPr>
+          <a:xfrm>
+            <a:off x="1469204" y="1216889"/>
+            <a:ext cx="8825502" cy="4927057"/>
+          </a:xfrm>
+        </p:spPr>
+      </p:pic>
+      <p:sp>
+        <p:nvSpPr>
+          <p:cNvPr id="6" name="Footer Placeholder 5">
+            <a:extLst>
+              <a:ext uri="{FF2B5EF4-FFF2-40B4-BE49-F238E27FC236}">
+                <a16:creationId xmlns:a16="http://schemas.microsoft.com/office/drawing/2014/main" id="{BAE23FFC-2FF3-48E5-B3EA-BD5D2D982092}"/>
+              </a:ext>
+            </a:extLst>
+          </p:cNvPr>
+          <p:cNvSpPr>
+            <a:spLocks noGrp="1"/>
+          </p:cNvSpPr>
+          <p:nvPr>
+            <p:ph type="ftr" sz="quarter" idx="11"/>
+          </p:nvPr>
+        </p:nvSpPr>
+        <p:spPr/>
+        <p:txBody>
+          <a:bodyPr/>
+          <a:lstStyle/>
+          <a:p>
+            <a:r>
+              <a:rPr lang="en-US"/>
+              <a:t>Healthify-NWMSU</a:t>
+            </a:r>
+          </a:p>
+        </p:txBody>
+      </p:sp>
+      <p:sp>
+        <p:nvSpPr>
+          <p:cNvPr id="7" name="Slide Number Placeholder 6">
+            <a:extLst>
+              <a:ext uri="{FF2B5EF4-FFF2-40B4-BE49-F238E27FC236}">
+                <a16:creationId xmlns:a16="http://schemas.microsoft.com/office/drawing/2014/main" id="{78F6E9AC-376C-45ED-90C7-5AED69B56DBF}"/>
+              </a:ext>
+            </a:extLst>
+          </p:cNvPr>
+          <p:cNvSpPr>
+            <a:spLocks noGrp="1"/>
+          </p:cNvSpPr>
+          <p:nvPr>
+            <p:ph type="sldNum" sz="quarter" idx="12"/>
+          </p:nvPr>
+        </p:nvSpPr>
+        <p:spPr/>
+        <p:txBody>
+          <a:bodyPr/>
+          <a:lstStyle/>
+          <a:p>
+            <a:fld id="{FC6EDEEF-6E47-4D41-B312-2A124904AE2A}" type="slidenum">
+              <a:rPr lang="en-US" smtClean="0"/>
+              <a:t>9</a:t>
+            </a:fld>
+            <a:endParaRPr lang="en-US"/>
+          </a:p>
+        </p:txBody>
+      </p:sp>
+    </p:spTree>
+    <p:extLst>
+      <p:ext uri="{BB962C8B-B14F-4D97-AF65-F5344CB8AC3E}">
+        <p14:creationId xmlns:p14="http://schemas.microsoft.com/office/powerpoint/2010/main" val="3778845358"/>
       </p:ext>
     </p:extLst>
   </p:cSld>

--- a/Healthify-NWMSU.pptx
+++ b/Healthify-NWMSU.pptx
@@ -15,11 +15,11 @@
     <p:sldId id="258" r:id="rId6"/>
     <p:sldId id="260" r:id="rId7"/>
     <p:sldId id="272" r:id="rId8"/>
-    <p:sldId id="279" r:id="rId9"/>
-    <p:sldId id="263" r:id="rId10"/>
-    <p:sldId id="277" r:id="rId11"/>
-    <p:sldId id="273" r:id="rId12"/>
-    <p:sldId id="274" r:id="rId13"/>
+    <p:sldId id="263" r:id="rId9"/>
+    <p:sldId id="277" r:id="rId10"/>
+    <p:sldId id="273" r:id="rId11"/>
+    <p:sldId id="274" r:id="rId12"/>
+    <p:sldId id="279" r:id="rId13"/>
     <p:sldId id="275" r:id="rId14"/>
     <p:sldId id="276" r:id="rId15"/>
     <p:sldId id="278" r:id="rId16"/>
@@ -6489,6 +6489,3643 @@
           <p:cNvPr id="2" name="Title 1">
             <a:extLst>
               <a:ext uri="{FF2B5EF4-FFF2-40B4-BE49-F238E27FC236}">
+                <a16:creationId xmlns:a16="http://schemas.microsoft.com/office/drawing/2014/main" id="{D10C0F41-67DB-4902-B02E-10AF0EA12871}"/>
+              </a:ext>
+            </a:extLst>
+          </p:cNvPr>
+          <p:cNvSpPr>
+            <a:spLocks noGrp="1"/>
+          </p:cNvSpPr>
+          <p:nvPr>
+            <p:ph type="title"/>
+          </p:nvPr>
+        </p:nvSpPr>
+        <p:spPr/>
+        <p:txBody>
+          <a:bodyPr/>
+          <a:lstStyle/>
+          <a:p>
+            <a:r>
+              <a:rPr lang="en-US" b="1" dirty="0">
+                <a:solidFill>
+                  <a:schemeClr val="accent3"/>
+                </a:solidFill>
+                <a:effectLst>
+                  <a:outerShdw blurRad="38100" dist="38100" dir="2700000" algn="tl">
+                    <a:srgbClr val="000000">
+                      <a:alpha val="43137"/>
+                    </a:srgbClr>
+                  </a:outerShdw>
+                </a:effectLst>
+                <a:latin typeface="Times New Roman" panose="02020603050405020304" pitchFamily="18" charset="0"/>
+                <a:cs typeface="Times New Roman" panose="02020603050405020304" pitchFamily="18" charset="0"/>
+              </a:rPr>
+              <a:t>Schedule Management</a:t>
+            </a:r>
+          </a:p>
+        </p:txBody>
+      </p:sp>
+      <p:pic>
+        <p:nvPicPr>
+          <p:cNvPr id="5" name="Content Placeholder 4" descr="A screenshot of a computer&#10;&#10;Description automatically generated">
+            <a:extLst>
+              <a:ext uri="{FF2B5EF4-FFF2-40B4-BE49-F238E27FC236}">
+                <a16:creationId xmlns:a16="http://schemas.microsoft.com/office/drawing/2014/main" id="{B6736611-1689-4464-81E3-6C6B2B6F5B36}"/>
+              </a:ext>
+            </a:extLst>
+          </p:cNvPr>
+          <p:cNvPicPr>
+            <a:picLocks noGrp="1" noChangeAspect="1"/>
+          </p:cNvPicPr>
+          <p:nvPr>
+            <p:ph idx="1"/>
+          </p:nvPr>
+        </p:nvPicPr>
+        <p:blipFill>
+          <a:blip r:embed="rId2">
+            <a:extLst>
+              <a:ext uri="{28A0092B-C50C-407E-A947-70E740481C1C}">
+                <a14:useLocalDpi xmlns:a14="http://schemas.microsoft.com/office/drawing/2010/main" val="0"/>
+              </a:ext>
+            </a:extLst>
+          </a:blip>
+          <a:stretch>
+            <a:fillRect/>
+          </a:stretch>
+        </p:blipFill>
+        <p:spPr>
+          <a:xfrm>
+            <a:off x="1191803" y="1263721"/>
+            <a:ext cx="9832368" cy="4890499"/>
+          </a:xfrm>
+        </p:spPr>
+      </p:pic>
+      <p:sp>
+        <p:nvSpPr>
+          <p:cNvPr id="6" name="Footer Placeholder 5">
+            <a:extLst>
+              <a:ext uri="{FF2B5EF4-FFF2-40B4-BE49-F238E27FC236}">
+                <a16:creationId xmlns:a16="http://schemas.microsoft.com/office/drawing/2014/main" id="{BB5C8C6F-C16D-4AB6-9B47-536A364DF7B3}"/>
+              </a:ext>
+            </a:extLst>
+          </p:cNvPr>
+          <p:cNvSpPr>
+            <a:spLocks noGrp="1"/>
+          </p:cNvSpPr>
+          <p:nvPr>
+            <p:ph type="ftr" sz="quarter" idx="11"/>
+          </p:nvPr>
+        </p:nvSpPr>
+        <p:spPr/>
+        <p:txBody>
+          <a:bodyPr/>
+          <a:lstStyle/>
+          <a:p>
+            <a:r>
+              <a:rPr lang="en-US"/>
+              <a:t>Healthify-NWMSU</a:t>
+            </a:r>
+          </a:p>
+        </p:txBody>
+      </p:sp>
+      <p:sp>
+        <p:nvSpPr>
+          <p:cNvPr id="7" name="Slide Number Placeholder 6">
+            <a:extLst>
+              <a:ext uri="{FF2B5EF4-FFF2-40B4-BE49-F238E27FC236}">
+                <a16:creationId xmlns:a16="http://schemas.microsoft.com/office/drawing/2014/main" id="{6B953DC5-5829-4EC7-99E1-A0A0139D473D}"/>
+              </a:ext>
+            </a:extLst>
+          </p:cNvPr>
+          <p:cNvSpPr>
+            <a:spLocks noGrp="1"/>
+          </p:cNvSpPr>
+          <p:nvPr>
+            <p:ph type="sldNum" sz="quarter" idx="12"/>
+          </p:nvPr>
+        </p:nvSpPr>
+        <p:spPr/>
+        <p:txBody>
+          <a:bodyPr/>
+          <a:lstStyle/>
+          <a:p>
+            <a:fld id="{FC6EDEEF-6E47-4D41-B312-2A124904AE2A}" type="slidenum">
+              <a:rPr lang="en-US" smtClean="0"/>
+              <a:t>10</a:t>
+            </a:fld>
+            <a:endParaRPr lang="en-US"/>
+          </a:p>
+        </p:txBody>
+      </p:sp>
+    </p:spTree>
+    <p:extLst>
+      <p:ext uri="{BB962C8B-B14F-4D97-AF65-F5344CB8AC3E}">
+        <p14:creationId xmlns:p14="http://schemas.microsoft.com/office/powerpoint/2010/main" val="4153707155"/>
+      </p:ext>
+    </p:extLst>
+  </p:cSld>
+  <p:clrMapOvr>
+    <a:masterClrMapping/>
+  </p:clrMapOvr>
+</p:sld>
+</file>
+
+<file path=ppt/slides/slide11.xml><?xml version="1.0" encoding="utf-8"?>
+<p:sld xmlns:a="http://schemas.openxmlformats.org/drawingml/2006/main" xmlns:r="http://schemas.openxmlformats.org/officeDocument/2006/relationships" xmlns:p="http://schemas.openxmlformats.org/presentationml/2006/main">
+  <p:cSld>
+    <p:spTree>
+      <p:nvGrpSpPr>
+        <p:cNvPr id="1" name=""/>
+        <p:cNvGrpSpPr/>
+        <p:nvPr/>
+      </p:nvGrpSpPr>
+      <p:grpSpPr>
+        <a:xfrm>
+          <a:off x="0" y="0"/>
+          <a:ext cx="0" cy="0"/>
+          <a:chOff x="0" y="0"/>
+          <a:chExt cx="0" cy="0"/>
+        </a:xfrm>
+      </p:grpSpPr>
+      <p:sp>
+        <p:nvSpPr>
+          <p:cNvPr id="2" name="Title 1">
+            <a:extLst>
+              <a:ext uri="{FF2B5EF4-FFF2-40B4-BE49-F238E27FC236}">
+                <a16:creationId xmlns:a16="http://schemas.microsoft.com/office/drawing/2014/main" id="{019B3870-AD76-44DC-A5A0-5B8C0D926FEF}"/>
+              </a:ext>
+            </a:extLst>
+          </p:cNvPr>
+          <p:cNvSpPr>
+            <a:spLocks noGrp="1"/>
+          </p:cNvSpPr>
+          <p:nvPr>
+            <p:ph type="title"/>
+          </p:nvPr>
+        </p:nvSpPr>
+        <p:spPr/>
+        <p:txBody>
+          <a:bodyPr/>
+          <a:lstStyle/>
+          <a:p>
+            <a:r>
+              <a:rPr lang="en-US" b="1" dirty="0">
+                <a:solidFill>
+                  <a:schemeClr val="accent3"/>
+                </a:solidFill>
+                <a:effectLst>
+                  <a:outerShdw blurRad="38100" dist="38100" dir="2700000" algn="tl">
+                    <a:srgbClr val="000000">
+                      <a:alpha val="43137"/>
+                    </a:srgbClr>
+                  </a:outerShdw>
+                </a:effectLst>
+                <a:latin typeface="Times New Roman" panose="02020603050405020304" pitchFamily="18" charset="0"/>
+                <a:cs typeface="Times New Roman" panose="02020603050405020304" pitchFamily="18" charset="0"/>
+              </a:rPr>
+              <a:t>Cost Management </a:t>
+            </a:r>
+          </a:p>
+        </p:txBody>
+      </p:sp>
+      <p:pic>
+        <p:nvPicPr>
+          <p:cNvPr id="5" name="Content Placeholder 4" descr="A screenshot of a computer&#10;&#10;Description automatically generated">
+            <a:extLst>
+              <a:ext uri="{FF2B5EF4-FFF2-40B4-BE49-F238E27FC236}">
+                <a16:creationId xmlns:a16="http://schemas.microsoft.com/office/drawing/2014/main" id="{B434056D-5920-4F14-B7DD-B27BD2A28ADB}"/>
+              </a:ext>
+            </a:extLst>
+          </p:cNvPr>
+          <p:cNvPicPr>
+            <a:picLocks noGrp="1" noChangeAspect="1"/>
+          </p:cNvPicPr>
+          <p:nvPr>
+            <p:ph idx="1"/>
+          </p:nvPr>
+        </p:nvPicPr>
+        <p:blipFill>
+          <a:blip r:embed="rId2">
+            <a:extLst>
+              <a:ext uri="{28A0092B-C50C-407E-A947-70E740481C1C}">
+                <a14:useLocalDpi xmlns:a14="http://schemas.microsoft.com/office/drawing/2010/main" val="0"/>
+              </a:ext>
+            </a:extLst>
+          </a:blip>
+          <a:stretch>
+            <a:fillRect/>
+          </a:stretch>
+        </p:blipFill>
+        <p:spPr>
+          <a:xfrm>
+            <a:off x="1089062" y="1253448"/>
+            <a:ext cx="9647432" cy="4900772"/>
+          </a:xfrm>
+        </p:spPr>
+      </p:pic>
+      <p:sp>
+        <p:nvSpPr>
+          <p:cNvPr id="6" name="Footer Placeholder 5">
+            <a:extLst>
+              <a:ext uri="{FF2B5EF4-FFF2-40B4-BE49-F238E27FC236}">
+                <a16:creationId xmlns:a16="http://schemas.microsoft.com/office/drawing/2014/main" id="{516688C4-0ADD-40B0-B93A-5E20A555C43D}"/>
+              </a:ext>
+            </a:extLst>
+          </p:cNvPr>
+          <p:cNvSpPr>
+            <a:spLocks noGrp="1"/>
+          </p:cNvSpPr>
+          <p:nvPr>
+            <p:ph type="ftr" sz="quarter" idx="11"/>
+          </p:nvPr>
+        </p:nvSpPr>
+        <p:spPr/>
+        <p:txBody>
+          <a:bodyPr/>
+          <a:lstStyle/>
+          <a:p>
+            <a:r>
+              <a:rPr lang="en-US"/>
+              <a:t>Healthify-NWMSU</a:t>
+            </a:r>
+          </a:p>
+        </p:txBody>
+      </p:sp>
+      <p:sp>
+        <p:nvSpPr>
+          <p:cNvPr id="7" name="Slide Number Placeholder 6">
+            <a:extLst>
+              <a:ext uri="{FF2B5EF4-FFF2-40B4-BE49-F238E27FC236}">
+                <a16:creationId xmlns:a16="http://schemas.microsoft.com/office/drawing/2014/main" id="{26449E8A-D908-40AB-96FA-365AF937BD48}"/>
+              </a:ext>
+            </a:extLst>
+          </p:cNvPr>
+          <p:cNvSpPr>
+            <a:spLocks noGrp="1"/>
+          </p:cNvSpPr>
+          <p:nvPr>
+            <p:ph type="sldNum" sz="quarter" idx="12"/>
+          </p:nvPr>
+        </p:nvSpPr>
+        <p:spPr/>
+        <p:txBody>
+          <a:bodyPr/>
+          <a:lstStyle/>
+          <a:p>
+            <a:fld id="{FC6EDEEF-6E47-4D41-B312-2A124904AE2A}" type="slidenum">
+              <a:rPr lang="en-US" smtClean="0"/>
+              <a:t>11</a:t>
+            </a:fld>
+            <a:endParaRPr lang="en-US"/>
+          </a:p>
+        </p:txBody>
+      </p:sp>
+    </p:spTree>
+    <p:extLst>
+      <p:ext uri="{BB962C8B-B14F-4D97-AF65-F5344CB8AC3E}">
+        <p14:creationId xmlns:p14="http://schemas.microsoft.com/office/powerpoint/2010/main" val="1271753515"/>
+      </p:ext>
+    </p:extLst>
+  </p:cSld>
+  <p:clrMapOvr>
+    <a:masterClrMapping/>
+  </p:clrMapOvr>
+</p:sld>
+</file>
+
+<file path=ppt/slides/slide12.xml><?xml version="1.0" encoding="utf-8"?>
+<p:sld xmlns:a="http://schemas.openxmlformats.org/drawingml/2006/main" xmlns:r="http://schemas.openxmlformats.org/officeDocument/2006/relationships" xmlns:p="http://schemas.openxmlformats.org/presentationml/2006/main">
+  <p:cSld>
+    <p:spTree>
+      <p:nvGrpSpPr>
+        <p:cNvPr id="1" name=""/>
+        <p:cNvGrpSpPr/>
+        <p:nvPr/>
+      </p:nvGrpSpPr>
+      <p:grpSpPr>
+        <a:xfrm>
+          <a:off x="0" y="0"/>
+          <a:ext cx="0" cy="0"/>
+          <a:chOff x="0" y="0"/>
+          <a:chExt cx="0" cy="0"/>
+        </a:xfrm>
+      </p:grpSpPr>
+      <p:sp>
+        <p:nvSpPr>
+          <p:cNvPr id="2" name="Title 1">
+            <a:extLst>
+              <a:ext uri="{FF2B5EF4-FFF2-40B4-BE49-F238E27FC236}">
+                <a16:creationId xmlns:a16="http://schemas.microsoft.com/office/drawing/2014/main" id="{B1BC11D7-8A41-45C1-AEDE-0E53214677D3}"/>
+              </a:ext>
+            </a:extLst>
+          </p:cNvPr>
+          <p:cNvSpPr>
+            <a:spLocks noGrp="1"/>
+          </p:cNvSpPr>
+          <p:nvPr>
+            <p:ph type="title"/>
+          </p:nvPr>
+        </p:nvSpPr>
+        <p:spPr/>
+        <p:txBody>
+          <a:bodyPr/>
+          <a:lstStyle/>
+          <a:p>
+            <a:r>
+              <a:rPr lang="en-US" b="1" dirty="0">
+                <a:solidFill>
+                  <a:schemeClr val="accent3"/>
+                </a:solidFill>
+                <a:effectLst>
+                  <a:outerShdw blurRad="38100" dist="38100" dir="2700000" algn="tl">
+                    <a:srgbClr val="000000">
+                      <a:alpha val="43137"/>
+                    </a:srgbClr>
+                  </a:outerShdw>
+                </a:effectLst>
+                <a:latin typeface="Times New Roman" panose="02020603050405020304" pitchFamily="18" charset="0"/>
+                <a:cs typeface="Times New Roman" panose="02020603050405020304" pitchFamily="18" charset="0"/>
+              </a:rPr>
+              <a:t>Jira Workflow</a:t>
+            </a:r>
+          </a:p>
+        </p:txBody>
+      </p:sp>
+      <p:pic>
+        <p:nvPicPr>
+          <p:cNvPr id="7" name="Content Placeholder 6" descr="A screenshot of a cell phone&#10;&#10;Description automatically generated">
+            <a:extLst>
+              <a:ext uri="{FF2B5EF4-FFF2-40B4-BE49-F238E27FC236}">
+                <a16:creationId xmlns:a16="http://schemas.microsoft.com/office/drawing/2014/main" id="{515EFC0D-496C-4106-89B0-A526380500AB}"/>
+              </a:ext>
+            </a:extLst>
+          </p:cNvPr>
+          <p:cNvPicPr>
+            <a:picLocks noGrp="1" noChangeAspect="1"/>
+          </p:cNvPicPr>
+          <p:nvPr>
+            <p:ph idx="1"/>
+          </p:nvPr>
+        </p:nvPicPr>
+        <p:blipFill>
+          <a:blip r:embed="rId2">
+            <a:extLst>
+              <a:ext uri="{28A0092B-C50C-407E-A947-70E740481C1C}">
+                <a14:useLocalDpi xmlns:a14="http://schemas.microsoft.com/office/drawing/2010/main" val="0"/>
+              </a:ext>
+            </a:extLst>
+          </a:blip>
+          <a:stretch>
+            <a:fillRect/>
+          </a:stretch>
+        </p:blipFill>
+        <p:spPr>
+          <a:xfrm>
+            <a:off x="702404" y="1325366"/>
+            <a:ext cx="9879978" cy="4716659"/>
+          </a:xfrm>
+        </p:spPr>
+      </p:pic>
+      <p:sp>
+        <p:nvSpPr>
+          <p:cNvPr id="4" name="Footer Placeholder 3">
+            <a:extLst>
+              <a:ext uri="{FF2B5EF4-FFF2-40B4-BE49-F238E27FC236}">
+                <a16:creationId xmlns:a16="http://schemas.microsoft.com/office/drawing/2014/main" id="{B10119E2-47A8-4B77-ACC3-A54855000B3C}"/>
+              </a:ext>
+            </a:extLst>
+          </p:cNvPr>
+          <p:cNvSpPr>
+            <a:spLocks noGrp="1"/>
+          </p:cNvSpPr>
+          <p:nvPr>
+            <p:ph type="ftr" sz="quarter" idx="11"/>
+          </p:nvPr>
+        </p:nvSpPr>
+        <p:spPr/>
+        <p:txBody>
+          <a:bodyPr/>
+          <a:lstStyle/>
+          <a:p>
+            <a:r>
+              <a:rPr lang="en-US"/>
+              <a:t>Healthify-NWMSU</a:t>
+            </a:r>
+          </a:p>
+        </p:txBody>
+      </p:sp>
+      <p:sp>
+        <p:nvSpPr>
+          <p:cNvPr id="5" name="Slide Number Placeholder 4">
+            <a:extLst>
+              <a:ext uri="{FF2B5EF4-FFF2-40B4-BE49-F238E27FC236}">
+                <a16:creationId xmlns:a16="http://schemas.microsoft.com/office/drawing/2014/main" id="{CC4D7613-E19B-4CFB-8CE7-9D7BDA395AD4}"/>
+              </a:ext>
+            </a:extLst>
+          </p:cNvPr>
+          <p:cNvSpPr>
+            <a:spLocks noGrp="1"/>
+          </p:cNvSpPr>
+          <p:nvPr>
+            <p:ph type="sldNum" sz="quarter" idx="12"/>
+          </p:nvPr>
+        </p:nvSpPr>
+        <p:spPr/>
+        <p:txBody>
+          <a:bodyPr/>
+          <a:lstStyle/>
+          <a:p>
+            <a:fld id="{FC6EDEEF-6E47-4D41-B312-2A124904AE2A}" type="slidenum">
+              <a:rPr lang="en-US" smtClean="0"/>
+              <a:t>12</a:t>
+            </a:fld>
+            <a:endParaRPr lang="en-US"/>
+          </a:p>
+        </p:txBody>
+      </p:sp>
+    </p:spTree>
+    <p:extLst>
+      <p:ext uri="{BB962C8B-B14F-4D97-AF65-F5344CB8AC3E}">
+        <p14:creationId xmlns:p14="http://schemas.microsoft.com/office/powerpoint/2010/main" val="3499311189"/>
+      </p:ext>
+    </p:extLst>
+  </p:cSld>
+  <p:clrMapOvr>
+    <a:masterClrMapping/>
+  </p:clrMapOvr>
+</p:sld>
+</file>
+
+<file path=ppt/slides/slide13.xml><?xml version="1.0" encoding="utf-8"?>
+<p:sld xmlns:a="http://schemas.openxmlformats.org/drawingml/2006/main" xmlns:r="http://schemas.openxmlformats.org/officeDocument/2006/relationships" xmlns:p="http://schemas.openxmlformats.org/presentationml/2006/main">
+  <p:cSld>
+    <p:spTree>
+      <p:nvGrpSpPr>
+        <p:cNvPr id="1" name=""/>
+        <p:cNvGrpSpPr/>
+        <p:nvPr/>
+      </p:nvGrpSpPr>
+      <p:grpSpPr>
+        <a:xfrm>
+          <a:off x="0" y="0"/>
+          <a:ext cx="0" cy="0"/>
+          <a:chOff x="0" y="0"/>
+          <a:chExt cx="0" cy="0"/>
+        </a:xfrm>
+      </p:grpSpPr>
+      <p:sp>
+        <p:nvSpPr>
+          <p:cNvPr id="2" name="Title 1">
+            <a:extLst>
+              <a:ext uri="{FF2B5EF4-FFF2-40B4-BE49-F238E27FC236}">
+                <a16:creationId xmlns:a16="http://schemas.microsoft.com/office/drawing/2014/main" id="{405F658A-143D-4B11-9418-4DFD99116EE8}"/>
+              </a:ext>
+            </a:extLst>
+          </p:cNvPr>
+          <p:cNvSpPr>
+            <a:spLocks noGrp="1"/>
+          </p:cNvSpPr>
+          <p:nvPr>
+            <p:ph type="title"/>
+          </p:nvPr>
+        </p:nvSpPr>
+        <p:spPr/>
+        <p:txBody>
+          <a:bodyPr>
+            <a:normAutofit fontScale="90000"/>
+          </a:bodyPr>
+          <a:lstStyle/>
+          <a:p>
+            <a:r>
+              <a:rPr lang="en-US" sz="4000" b="1" dirty="0">
+                <a:solidFill>
+                  <a:schemeClr val="accent3"/>
+                </a:solidFill>
+                <a:effectLst>
+                  <a:outerShdw blurRad="38100" dist="38100" dir="2700000" algn="tl">
+                    <a:srgbClr val="000000">
+                      <a:alpha val="43137"/>
+                    </a:srgbClr>
+                  </a:outerShdw>
+                </a:effectLst>
+                <a:latin typeface="Times New Roman" panose="02020603050405020304" pitchFamily="18" charset="0"/>
+                <a:cs typeface="Times New Roman" panose="02020603050405020304" pitchFamily="18" charset="0"/>
+              </a:rPr>
+              <a:t>Benefits</a:t>
+            </a:r>
+            <a:br>
+              <a:rPr lang="en-US" sz="2400" b="1" dirty="0">
+                <a:latin typeface="Times New Roman" panose="02020603050405020304" pitchFamily="18" charset="0"/>
+                <a:cs typeface="Times New Roman" panose="02020603050405020304" pitchFamily="18" charset="0"/>
+              </a:rPr>
+            </a:br>
+            <a:br>
+              <a:rPr lang="en-US" sz="2400" b="1" dirty="0">
+                <a:latin typeface="Times New Roman" panose="02020603050405020304" pitchFamily="18" charset="0"/>
+                <a:cs typeface="Times New Roman" panose="02020603050405020304" pitchFamily="18" charset="0"/>
+              </a:rPr>
+            </a:br>
+            <a:endParaRPr lang="en-US" sz="2400" dirty="0">
+              <a:latin typeface="Times New Roman" panose="02020603050405020304" pitchFamily="18" charset="0"/>
+              <a:cs typeface="Times New Roman" panose="02020603050405020304" pitchFamily="18" charset="0"/>
+            </a:endParaRPr>
+          </a:p>
+        </p:txBody>
+      </p:sp>
+      <p:sp>
+        <p:nvSpPr>
+          <p:cNvPr id="3" name="Content Placeholder 2">
+            <a:extLst>
+              <a:ext uri="{FF2B5EF4-FFF2-40B4-BE49-F238E27FC236}">
+                <a16:creationId xmlns:a16="http://schemas.microsoft.com/office/drawing/2014/main" id="{3C1589E6-2CE7-437E-B912-6C37A64FE22A}"/>
+              </a:ext>
+            </a:extLst>
+          </p:cNvPr>
+          <p:cNvSpPr>
+            <a:spLocks noGrp="1"/>
+          </p:cNvSpPr>
+          <p:nvPr>
+            <p:ph idx="1"/>
+          </p:nvPr>
+        </p:nvSpPr>
+        <p:spPr>
+          <a:xfrm>
+            <a:off x="1103312" y="1335640"/>
+            <a:ext cx="8946541" cy="4912759"/>
+          </a:xfrm>
+        </p:spPr>
+        <p:txBody>
+          <a:bodyPr>
+            <a:normAutofit fontScale="92500" lnSpcReduction="10000"/>
+          </a:bodyPr>
+          <a:lstStyle/>
+          <a:p>
+            <a:r>
+              <a:rPr lang="en-US" dirty="0">
+                <a:latin typeface="Times New Roman" panose="02020603050405020304" pitchFamily="18" charset="0"/>
+                <a:cs typeface="Times New Roman" panose="02020603050405020304" pitchFamily="18" charset="0"/>
+              </a:rPr>
+              <a:t>Monitor your diet everyday</a:t>
+            </a:r>
+          </a:p>
+          <a:p>
+            <a:r>
+              <a:rPr lang="en-US" dirty="0">
+                <a:latin typeface="Times New Roman" panose="02020603050405020304" pitchFamily="18" charset="0"/>
+                <a:cs typeface="Times New Roman" panose="02020603050405020304" pitchFamily="18" charset="0"/>
+              </a:rPr>
+              <a:t>Track your footsteps</a:t>
+            </a:r>
+          </a:p>
+          <a:p>
+            <a:r>
+              <a:rPr lang="en-US" dirty="0">
+                <a:latin typeface="Times New Roman" panose="02020603050405020304" pitchFamily="18" charset="0"/>
+                <a:cs typeface="Times New Roman" panose="02020603050405020304" pitchFamily="18" charset="0"/>
+              </a:rPr>
+              <a:t>Track your water intake</a:t>
+            </a:r>
+          </a:p>
+          <a:p>
+            <a:r>
+              <a:rPr lang="en-US" dirty="0">
+                <a:latin typeface="Times New Roman" panose="02020603050405020304" pitchFamily="18" charset="0"/>
+                <a:cs typeface="Times New Roman" panose="02020603050405020304" pitchFamily="18" charset="0"/>
+              </a:rPr>
+              <a:t>Helps in calorie count</a:t>
+            </a:r>
+          </a:p>
+          <a:p>
+            <a:r>
+              <a:rPr lang="en-US" dirty="0">
+                <a:latin typeface="Times New Roman" panose="02020603050405020304" pitchFamily="18" charset="0"/>
+                <a:cs typeface="Times New Roman" panose="02020603050405020304" pitchFamily="18" charset="0"/>
+              </a:rPr>
+              <a:t>Set goals that you can achieve</a:t>
+            </a:r>
+          </a:p>
+          <a:p>
+            <a:r>
+              <a:rPr lang="en-US" dirty="0">
+                <a:latin typeface="Times New Roman" panose="02020603050405020304" pitchFamily="18" charset="0"/>
+                <a:cs typeface="Times New Roman" panose="02020603050405020304" pitchFamily="18" charset="0"/>
+              </a:rPr>
+              <a:t>Create your yoga studio</a:t>
+            </a:r>
+          </a:p>
+          <a:p>
+            <a:r>
+              <a:rPr lang="en-US" dirty="0">
+                <a:latin typeface="Times New Roman" panose="02020603050405020304" pitchFamily="18" charset="0"/>
+                <a:cs typeface="Times New Roman" panose="02020603050405020304" pitchFamily="18" charset="0"/>
+              </a:rPr>
+              <a:t>Easily keep track of your progress</a:t>
+            </a:r>
+          </a:p>
+          <a:p>
+            <a:r>
+              <a:rPr lang="en-US" dirty="0">
+                <a:latin typeface="Times New Roman" panose="02020603050405020304" pitchFamily="18" charset="0"/>
+                <a:cs typeface="Times New Roman" panose="02020603050405020304" pitchFamily="18" charset="0"/>
+              </a:rPr>
+              <a:t>Get free workout ideas</a:t>
+            </a:r>
+          </a:p>
+          <a:p>
+            <a:r>
+              <a:rPr lang="en-US" dirty="0">
+                <a:latin typeface="Times New Roman" panose="02020603050405020304" pitchFamily="18" charset="0"/>
+                <a:cs typeface="Times New Roman" panose="02020603050405020304" pitchFamily="18" charset="0"/>
+              </a:rPr>
+              <a:t>Heartrate tracking</a:t>
+            </a:r>
+          </a:p>
+          <a:p>
+            <a:r>
+              <a:rPr lang="en-US" dirty="0">
+                <a:latin typeface="Times New Roman" panose="02020603050405020304" pitchFamily="18" charset="0"/>
+                <a:cs typeface="Times New Roman" panose="02020603050405020304" pitchFamily="18" charset="0"/>
+              </a:rPr>
+              <a:t>Weight loss progression</a:t>
+            </a:r>
+          </a:p>
+          <a:p>
+            <a:r>
+              <a:rPr lang="en-US" dirty="0">
+                <a:latin typeface="Times New Roman" panose="02020603050405020304" pitchFamily="18" charset="0"/>
+                <a:cs typeface="Times New Roman" panose="02020603050405020304" pitchFamily="18" charset="0"/>
+              </a:rPr>
+              <a:t>Pedometer</a:t>
+            </a:r>
+          </a:p>
+          <a:p>
+            <a:r>
+              <a:rPr lang="en-US" dirty="0">
+                <a:latin typeface="Times New Roman" panose="02020603050405020304" pitchFamily="18" charset="0"/>
+                <a:cs typeface="Times New Roman" panose="02020603050405020304" pitchFamily="18" charset="0"/>
+              </a:rPr>
+              <a:t>Give free health and fitness tips</a:t>
+            </a:r>
+          </a:p>
+          <a:p>
+            <a:r>
+              <a:rPr lang="en-US" dirty="0">
+                <a:latin typeface="Times New Roman" panose="02020603050405020304" pitchFamily="18" charset="0"/>
+                <a:cs typeface="Times New Roman" panose="02020603050405020304" pitchFamily="18" charset="0"/>
+              </a:rPr>
+              <a:t>Keeps you Motivated</a:t>
+            </a:r>
+            <a:br>
+              <a:rPr lang="en-US" dirty="0">
+                <a:latin typeface="Times New Roman" panose="02020603050405020304" pitchFamily="18" charset="0"/>
+                <a:cs typeface="Times New Roman" panose="02020603050405020304" pitchFamily="18" charset="0"/>
+              </a:rPr>
+            </a:br>
+            <a:endParaRPr lang="en-US" dirty="0"/>
+          </a:p>
+        </p:txBody>
+      </p:sp>
+      <p:sp>
+        <p:nvSpPr>
+          <p:cNvPr id="6" name="Footer Placeholder 5">
+            <a:extLst>
+              <a:ext uri="{FF2B5EF4-FFF2-40B4-BE49-F238E27FC236}">
+                <a16:creationId xmlns:a16="http://schemas.microsoft.com/office/drawing/2014/main" id="{4B608E52-3160-4FB5-9321-FA0230206FAF}"/>
+              </a:ext>
+            </a:extLst>
+          </p:cNvPr>
+          <p:cNvSpPr>
+            <a:spLocks noGrp="1"/>
+          </p:cNvSpPr>
+          <p:nvPr>
+            <p:ph type="ftr" sz="quarter" idx="11"/>
+          </p:nvPr>
+        </p:nvSpPr>
+        <p:spPr/>
+        <p:txBody>
+          <a:bodyPr/>
+          <a:lstStyle/>
+          <a:p>
+            <a:r>
+              <a:rPr lang="en-US"/>
+              <a:t>Healthify-NWMSU</a:t>
+            </a:r>
+          </a:p>
+        </p:txBody>
+      </p:sp>
+      <p:sp>
+        <p:nvSpPr>
+          <p:cNvPr id="7" name="Slide Number Placeholder 6">
+            <a:extLst>
+              <a:ext uri="{FF2B5EF4-FFF2-40B4-BE49-F238E27FC236}">
+                <a16:creationId xmlns:a16="http://schemas.microsoft.com/office/drawing/2014/main" id="{B2E28E4D-841C-4814-8F4D-BA4586DE59F7}"/>
+              </a:ext>
+            </a:extLst>
+          </p:cNvPr>
+          <p:cNvSpPr>
+            <a:spLocks noGrp="1"/>
+          </p:cNvSpPr>
+          <p:nvPr>
+            <p:ph type="sldNum" sz="quarter" idx="12"/>
+          </p:nvPr>
+        </p:nvSpPr>
+        <p:spPr/>
+        <p:txBody>
+          <a:bodyPr/>
+          <a:lstStyle/>
+          <a:p>
+            <a:fld id="{FC6EDEEF-6E47-4D41-B312-2A124904AE2A}" type="slidenum">
+              <a:rPr lang="en-US" smtClean="0"/>
+              <a:t>13</a:t>
+            </a:fld>
+            <a:endParaRPr lang="en-US"/>
+          </a:p>
+        </p:txBody>
+      </p:sp>
+    </p:spTree>
+    <p:extLst>
+      <p:ext uri="{BB962C8B-B14F-4D97-AF65-F5344CB8AC3E}">
+        <p14:creationId xmlns:p14="http://schemas.microsoft.com/office/powerpoint/2010/main" val="964727621"/>
+      </p:ext>
+    </p:extLst>
+  </p:cSld>
+  <p:clrMapOvr>
+    <a:masterClrMapping/>
+  </p:clrMapOvr>
+</p:sld>
+</file>
+
+<file path=ppt/slides/slide14.xml><?xml version="1.0" encoding="utf-8"?>
+<p:sld xmlns:a="http://schemas.openxmlformats.org/drawingml/2006/main" xmlns:r="http://schemas.openxmlformats.org/officeDocument/2006/relationships" xmlns:p="http://schemas.openxmlformats.org/presentationml/2006/main">
+  <p:cSld>
+    <p:spTree>
+      <p:nvGrpSpPr>
+        <p:cNvPr id="1" name=""/>
+        <p:cNvGrpSpPr/>
+        <p:nvPr/>
+      </p:nvGrpSpPr>
+      <p:grpSpPr>
+        <a:xfrm>
+          <a:off x="0" y="0"/>
+          <a:ext cx="0" cy="0"/>
+          <a:chOff x="0" y="0"/>
+          <a:chExt cx="0" cy="0"/>
+        </a:xfrm>
+      </p:grpSpPr>
+      <p:sp>
+        <p:nvSpPr>
+          <p:cNvPr id="2" name="Title 1">
+            <a:extLst>
+              <a:ext uri="{FF2B5EF4-FFF2-40B4-BE49-F238E27FC236}">
+                <a16:creationId xmlns:a16="http://schemas.microsoft.com/office/drawing/2014/main" id="{C97ED26C-B80A-468B-9308-6F02858E1560}"/>
+              </a:ext>
+            </a:extLst>
+          </p:cNvPr>
+          <p:cNvSpPr>
+            <a:spLocks noGrp="1"/>
+          </p:cNvSpPr>
+          <p:nvPr>
+            <p:ph type="title"/>
+          </p:nvPr>
+        </p:nvSpPr>
+        <p:spPr>
+          <a:xfrm>
+            <a:off x="646111" y="452718"/>
+            <a:ext cx="9404723" cy="934293"/>
+          </a:xfrm>
+        </p:spPr>
+        <p:txBody>
+          <a:bodyPr/>
+          <a:lstStyle/>
+          <a:p>
+            <a:r>
+              <a:rPr lang="en-US" b="1" dirty="0">
+                <a:solidFill>
+                  <a:schemeClr val="accent3"/>
+                </a:solidFill>
+                <a:effectLst>
+                  <a:outerShdw blurRad="38100" dist="38100" dir="2700000" algn="tl">
+                    <a:srgbClr val="000000">
+                      <a:alpha val="43137"/>
+                    </a:srgbClr>
+                  </a:outerShdw>
+                </a:effectLst>
+                <a:latin typeface="Times New Roman" panose="02020603050405020304" pitchFamily="18" charset="0"/>
+                <a:cs typeface="Times New Roman" panose="02020603050405020304" pitchFamily="18" charset="0"/>
+              </a:rPr>
+              <a:t>References</a:t>
+            </a:r>
+          </a:p>
+        </p:txBody>
+      </p:sp>
+      <p:sp>
+        <p:nvSpPr>
+          <p:cNvPr id="3" name="Content Placeholder 2">
+            <a:extLst>
+              <a:ext uri="{FF2B5EF4-FFF2-40B4-BE49-F238E27FC236}">
+                <a16:creationId xmlns:a16="http://schemas.microsoft.com/office/drawing/2014/main" id="{5788D7AD-89B9-4372-933F-CB05EC9505E5}"/>
+              </a:ext>
+            </a:extLst>
+          </p:cNvPr>
+          <p:cNvSpPr>
+            <a:spLocks noGrp="1"/>
+          </p:cNvSpPr>
+          <p:nvPr>
+            <p:ph idx="1"/>
+          </p:nvPr>
+        </p:nvSpPr>
+        <p:spPr>
+          <a:xfrm>
+            <a:off x="1103312" y="1387012"/>
+            <a:ext cx="8946541" cy="4861388"/>
+          </a:xfrm>
+        </p:spPr>
+        <p:txBody>
+          <a:bodyPr/>
+          <a:lstStyle/>
+          <a:p>
+            <a:r>
+              <a:rPr lang="en-US" dirty="0">
+                <a:latin typeface="Times New Roman" panose="02020603050405020304" pitchFamily="18" charset="0"/>
+                <a:cs typeface="Times New Roman" panose="02020603050405020304" pitchFamily="18" charset="0"/>
+              </a:rPr>
+              <a:t>Jira link: </a:t>
+            </a:r>
+            <a:r>
+              <a:rPr lang="en-US" dirty="0">
+                <a:latin typeface="Times New Roman" panose="02020603050405020304" pitchFamily="18" charset="0"/>
+                <a:cs typeface="Times New Roman" panose="02020603050405020304" pitchFamily="18" charset="0"/>
+                <a:hlinkClick r:id="rId2"/>
+              </a:rPr>
+              <a:t>https://sowmyathogiti27.atlassian.net/jira/software/projects/HN/boards/2</a:t>
+            </a:r>
+            <a:endParaRPr lang="en-US" dirty="0">
+              <a:latin typeface="Times New Roman" panose="02020603050405020304" pitchFamily="18" charset="0"/>
+              <a:cs typeface="Times New Roman" panose="02020603050405020304" pitchFamily="18" charset="0"/>
+            </a:endParaRPr>
+          </a:p>
+          <a:p>
+            <a:r>
+              <a:rPr lang="en-US" dirty="0">
+                <a:latin typeface="Times New Roman" panose="02020603050405020304" pitchFamily="18" charset="0"/>
+                <a:cs typeface="Times New Roman" panose="02020603050405020304" pitchFamily="18" charset="0"/>
+              </a:rPr>
+              <a:t>FluidUI Link: </a:t>
+            </a:r>
+            <a:r>
+              <a:rPr lang="en-US" dirty="0">
+                <a:latin typeface="Times New Roman" panose="02020603050405020304" pitchFamily="18" charset="0"/>
+                <a:cs typeface="Times New Roman" panose="02020603050405020304" pitchFamily="18" charset="0"/>
+                <a:hlinkClick r:id="rId3"/>
+              </a:rPr>
+              <a:t>https://www.fluidui.com/editor/live/</a:t>
+            </a:r>
+            <a:endParaRPr lang="en-US" dirty="0">
+              <a:latin typeface="Times New Roman" panose="02020603050405020304" pitchFamily="18" charset="0"/>
+              <a:cs typeface="Times New Roman" panose="02020603050405020304" pitchFamily="18" charset="0"/>
+            </a:endParaRPr>
+          </a:p>
+          <a:p>
+            <a:r>
+              <a:rPr lang="en-US" dirty="0" err="1">
+                <a:latin typeface="Times New Roman" panose="02020603050405020304" pitchFamily="18" charset="0"/>
+                <a:cs typeface="Times New Roman" panose="02020603050405020304" pitchFamily="18" charset="0"/>
+              </a:rPr>
+              <a:t>Github</a:t>
+            </a:r>
+            <a:r>
+              <a:rPr lang="en-US" dirty="0">
+                <a:latin typeface="Times New Roman" panose="02020603050405020304" pitchFamily="18" charset="0"/>
+                <a:cs typeface="Times New Roman" panose="02020603050405020304" pitchFamily="18" charset="0"/>
+              </a:rPr>
+              <a:t> Link: </a:t>
+            </a:r>
+            <a:r>
+              <a:rPr lang="en-US" dirty="0">
+                <a:latin typeface="Times New Roman" panose="02020603050405020304" pitchFamily="18" charset="0"/>
+                <a:cs typeface="Times New Roman" panose="02020603050405020304" pitchFamily="18" charset="0"/>
+                <a:hlinkClick r:id="rId4"/>
+              </a:rPr>
+              <a:t>https://github.com/sowmyathogiti/Healthify-NWMSU</a:t>
+            </a:r>
+            <a:endParaRPr lang="en-US" dirty="0">
+              <a:latin typeface="Times New Roman" panose="02020603050405020304" pitchFamily="18" charset="0"/>
+              <a:cs typeface="Times New Roman" panose="02020603050405020304" pitchFamily="18" charset="0"/>
+            </a:endParaRPr>
+          </a:p>
+          <a:p>
+            <a:endParaRPr lang="en-US" dirty="0"/>
+          </a:p>
+        </p:txBody>
+      </p:sp>
+      <p:sp>
+        <p:nvSpPr>
+          <p:cNvPr id="6" name="Footer Placeholder 5">
+            <a:extLst>
+              <a:ext uri="{FF2B5EF4-FFF2-40B4-BE49-F238E27FC236}">
+                <a16:creationId xmlns:a16="http://schemas.microsoft.com/office/drawing/2014/main" id="{9E920EAF-6020-4B29-9674-1A67459ED1C8}"/>
+              </a:ext>
+            </a:extLst>
+          </p:cNvPr>
+          <p:cNvSpPr>
+            <a:spLocks noGrp="1"/>
+          </p:cNvSpPr>
+          <p:nvPr>
+            <p:ph type="ftr" sz="quarter" idx="11"/>
+          </p:nvPr>
+        </p:nvSpPr>
+        <p:spPr/>
+        <p:txBody>
+          <a:bodyPr/>
+          <a:lstStyle/>
+          <a:p>
+            <a:r>
+              <a:rPr lang="en-US"/>
+              <a:t>Healthify-NWMSU</a:t>
+            </a:r>
+          </a:p>
+        </p:txBody>
+      </p:sp>
+      <p:sp>
+        <p:nvSpPr>
+          <p:cNvPr id="7" name="Slide Number Placeholder 6">
+            <a:extLst>
+              <a:ext uri="{FF2B5EF4-FFF2-40B4-BE49-F238E27FC236}">
+                <a16:creationId xmlns:a16="http://schemas.microsoft.com/office/drawing/2014/main" id="{3426C4F2-2A88-4081-9B53-38FAE1053920}"/>
+              </a:ext>
+            </a:extLst>
+          </p:cNvPr>
+          <p:cNvSpPr>
+            <a:spLocks noGrp="1"/>
+          </p:cNvSpPr>
+          <p:nvPr>
+            <p:ph type="sldNum" sz="quarter" idx="12"/>
+          </p:nvPr>
+        </p:nvSpPr>
+        <p:spPr/>
+        <p:txBody>
+          <a:bodyPr/>
+          <a:lstStyle/>
+          <a:p>
+            <a:fld id="{FC6EDEEF-6E47-4D41-B312-2A124904AE2A}" type="slidenum">
+              <a:rPr lang="en-US" smtClean="0"/>
+              <a:t>14</a:t>
+            </a:fld>
+            <a:endParaRPr lang="en-US"/>
+          </a:p>
+        </p:txBody>
+      </p:sp>
+    </p:spTree>
+    <p:extLst>
+      <p:ext uri="{BB962C8B-B14F-4D97-AF65-F5344CB8AC3E}">
+        <p14:creationId xmlns:p14="http://schemas.microsoft.com/office/powerpoint/2010/main" val="613347474"/>
+      </p:ext>
+    </p:extLst>
+  </p:cSld>
+  <p:clrMapOvr>
+    <a:masterClrMapping/>
+  </p:clrMapOvr>
+</p:sld>
+</file>
+
+<file path=ppt/slides/slide15.xml><?xml version="1.0" encoding="utf-8"?>
+<p:sld xmlns:a="http://schemas.openxmlformats.org/drawingml/2006/main" xmlns:r="http://schemas.openxmlformats.org/officeDocument/2006/relationships" xmlns:p="http://schemas.openxmlformats.org/presentationml/2006/main">
+  <p:cSld>
+    <p:spTree>
+      <p:nvGrpSpPr>
+        <p:cNvPr id="1" name=""/>
+        <p:cNvGrpSpPr/>
+        <p:nvPr/>
+      </p:nvGrpSpPr>
+      <p:grpSpPr>
+        <a:xfrm>
+          <a:off x="0" y="0"/>
+          <a:ext cx="0" cy="0"/>
+          <a:chOff x="0" y="0"/>
+          <a:chExt cx="0" cy="0"/>
+        </a:xfrm>
+      </p:grpSpPr>
+      <p:sp>
+        <p:nvSpPr>
+          <p:cNvPr id="2" name="Title 1">
+            <a:extLst>
+              <a:ext uri="{FF2B5EF4-FFF2-40B4-BE49-F238E27FC236}">
+                <a16:creationId xmlns:a16="http://schemas.microsoft.com/office/drawing/2014/main" id="{2C604194-1C8A-4C9E-B1AF-0E12F8685766}"/>
+              </a:ext>
+            </a:extLst>
+          </p:cNvPr>
+          <p:cNvSpPr>
+            <a:spLocks noGrp="1"/>
+          </p:cNvSpPr>
+          <p:nvPr>
+            <p:ph type="title"/>
+          </p:nvPr>
+        </p:nvSpPr>
+        <p:spPr/>
+        <p:txBody>
+          <a:bodyPr/>
+          <a:lstStyle/>
+          <a:p>
+            <a:endParaRPr lang="en-US"/>
+          </a:p>
+        </p:txBody>
+      </p:sp>
+      <p:sp>
+        <p:nvSpPr>
+          <p:cNvPr id="3" name="Content Placeholder 2">
+            <a:extLst>
+              <a:ext uri="{FF2B5EF4-FFF2-40B4-BE49-F238E27FC236}">
+                <a16:creationId xmlns:a16="http://schemas.microsoft.com/office/drawing/2014/main" id="{3110738C-2F3D-4D74-8294-EACAC80F2821}"/>
+              </a:ext>
+            </a:extLst>
+          </p:cNvPr>
+          <p:cNvSpPr>
+            <a:spLocks noGrp="1"/>
+          </p:cNvSpPr>
+          <p:nvPr>
+            <p:ph idx="1"/>
+          </p:nvPr>
+        </p:nvSpPr>
+        <p:spPr/>
+        <p:txBody>
+          <a:bodyPr/>
+          <a:lstStyle/>
+          <a:p>
+            <a:endParaRPr lang="en-US" dirty="0"/>
+          </a:p>
+        </p:txBody>
+      </p:sp>
+      <p:sp>
+        <p:nvSpPr>
+          <p:cNvPr id="4" name="Footer Placeholder 3">
+            <a:extLst>
+              <a:ext uri="{FF2B5EF4-FFF2-40B4-BE49-F238E27FC236}">
+                <a16:creationId xmlns:a16="http://schemas.microsoft.com/office/drawing/2014/main" id="{E554116B-D012-45FA-859A-D28744FDB10A}"/>
+              </a:ext>
+            </a:extLst>
+          </p:cNvPr>
+          <p:cNvSpPr>
+            <a:spLocks noGrp="1"/>
+          </p:cNvSpPr>
+          <p:nvPr>
+            <p:ph type="ftr" sz="quarter" idx="11"/>
+          </p:nvPr>
+        </p:nvSpPr>
+        <p:spPr/>
+        <p:txBody>
+          <a:bodyPr/>
+          <a:lstStyle/>
+          <a:p>
+            <a:r>
+              <a:rPr lang="en-US"/>
+              <a:t>Healthify-NWMSU</a:t>
+            </a:r>
+          </a:p>
+        </p:txBody>
+      </p:sp>
+      <p:sp>
+        <p:nvSpPr>
+          <p:cNvPr id="5" name="Slide Number Placeholder 4">
+            <a:extLst>
+              <a:ext uri="{FF2B5EF4-FFF2-40B4-BE49-F238E27FC236}">
+                <a16:creationId xmlns:a16="http://schemas.microsoft.com/office/drawing/2014/main" id="{39B7C093-84C7-4286-83CB-8ADB42C8BEBD}"/>
+              </a:ext>
+            </a:extLst>
+          </p:cNvPr>
+          <p:cNvSpPr>
+            <a:spLocks noGrp="1"/>
+          </p:cNvSpPr>
+          <p:nvPr>
+            <p:ph type="sldNum" sz="quarter" idx="12"/>
+          </p:nvPr>
+        </p:nvSpPr>
+        <p:spPr/>
+        <p:txBody>
+          <a:bodyPr/>
+          <a:lstStyle/>
+          <a:p>
+            <a:fld id="{FC6EDEEF-6E47-4D41-B312-2A124904AE2A}" type="slidenum">
+              <a:rPr lang="en-US" smtClean="0"/>
+              <a:t>15</a:t>
+            </a:fld>
+            <a:endParaRPr lang="en-US"/>
+          </a:p>
+        </p:txBody>
+      </p:sp>
+      <p:sp>
+        <p:nvSpPr>
+          <p:cNvPr id="6" name="Thought Bubble: Cloud 5">
+            <a:extLst>
+              <a:ext uri="{FF2B5EF4-FFF2-40B4-BE49-F238E27FC236}">
+                <a16:creationId xmlns:a16="http://schemas.microsoft.com/office/drawing/2014/main" id="{B8208AA6-D504-4D2C-8300-3D388CB56686}"/>
+              </a:ext>
+            </a:extLst>
+          </p:cNvPr>
+          <p:cNvSpPr/>
+          <p:nvPr/>
+        </p:nvSpPr>
+        <p:spPr>
+          <a:xfrm>
+            <a:off x="3482939" y="2044557"/>
+            <a:ext cx="4428162" cy="2883044"/>
+          </a:xfrm>
+          <a:prstGeom prst="cloudCallout">
+            <a:avLst/>
+          </a:prstGeom>
+        </p:spPr>
+        <p:style>
+          <a:lnRef idx="2">
+            <a:schemeClr val="accent1">
+              <a:shade val="50000"/>
+            </a:schemeClr>
+          </a:lnRef>
+          <a:fillRef idx="1">
+            <a:schemeClr val="accent1"/>
+          </a:fillRef>
+          <a:effectRef idx="0">
+            <a:schemeClr val="accent1"/>
+          </a:effectRef>
+          <a:fontRef idx="minor">
+            <a:schemeClr val="lt1"/>
+          </a:fontRef>
+        </p:style>
+        <p:txBody>
+          <a:bodyPr rtlCol="0" anchor="ctr"/>
+          <a:lstStyle/>
+          <a:p>
+            <a:pPr algn="ctr"/>
+            <a:r>
+              <a:rPr lang="en-US" sz="4000" dirty="0">
+                <a:latin typeface="Times New Roman" panose="02020603050405020304" pitchFamily="18" charset="0"/>
+                <a:cs typeface="Times New Roman" panose="02020603050405020304" pitchFamily="18" charset="0"/>
+              </a:rPr>
+              <a:t>Queries…??</a:t>
+            </a:r>
+          </a:p>
+        </p:txBody>
+      </p:sp>
+    </p:spTree>
+    <p:extLst>
+      <p:ext uri="{BB962C8B-B14F-4D97-AF65-F5344CB8AC3E}">
+        <p14:creationId xmlns:p14="http://schemas.microsoft.com/office/powerpoint/2010/main" val="1034166838"/>
+      </p:ext>
+    </p:extLst>
+  </p:cSld>
+  <p:clrMapOvr>
+    <a:masterClrMapping/>
+  </p:clrMapOvr>
+</p:sld>
+</file>
+
+<file path=ppt/slides/slide16.xml><?xml version="1.0" encoding="utf-8"?>
+<p:sld xmlns:a="http://schemas.openxmlformats.org/drawingml/2006/main" xmlns:r="http://schemas.openxmlformats.org/officeDocument/2006/relationships" xmlns:p="http://schemas.openxmlformats.org/presentationml/2006/main">
+  <p:cSld>
+    <p:bg>
+      <p:bgPr>
+        <a:solidFill>
+          <a:schemeClr val="bg1"/>
+        </a:solidFill>
+        <a:effectLst/>
+      </p:bgPr>
+    </p:bg>
+    <p:spTree>
+      <p:nvGrpSpPr>
+        <p:cNvPr id="1" name=""/>
+        <p:cNvGrpSpPr/>
+        <p:nvPr/>
+      </p:nvGrpSpPr>
+      <p:grpSpPr>
+        <a:xfrm>
+          <a:off x="0" y="0"/>
+          <a:ext cx="0" cy="0"/>
+          <a:chOff x="0" y="0"/>
+          <a:chExt cx="0" cy="0"/>
+        </a:xfrm>
+      </p:grpSpPr>
+      <p:sp>
+        <p:nvSpPr>
+          <p:cNvPr id="2" name="Title 1">
+            <a:extLst>
+              <a:ext uri="{FF2B5EF4-FFF2-40B4-BE49-F238E27FC236}">
+                <a16:creationId xmlns:a16="http://schemas.microsoft.com/office/drawing/2014/main" id="{9779E0E0-BE73-487B-AAF5-B9C63665EBD8}"/>
+              </a:ext>
+            </a:extLst>
+          </p:cNvPr>
+          <p:cNvSpPr>
+            <a:spLocks noGrp="1"/>
+          </p:cNvSpPr>
+          <p:nvPr>
+            <p:ph type="title"/>
+          </p:nvPr>
+        </p:nvSpPr>
+        <p:spPr>
+          <a:xfrm>
+            <a:off x="677334" y="609600"/>
+            <a:ext cx="8596668" cy="1320800"/>
+          </a:xfrm>
+        </p:spPr>
+        <p:txBody>
+          <a:bodyPr vert="horz" lIns="91440" tIns="45720" rIns="91440" bIns="45720" rtlCol="0" anchor="t">
+            <a:normAutofit/>
+          </a:bodyPr>
+          <a:lstStyle/>
+          <a:p>
+            <a:endParaRPr lang="en-US"/>
+          </a:p>
+        </p:txBody>
+      </p:sp>
+      <p:sp>
+        <p:nvSpPr>
+          <p:cNvPr id="7" name="Footer Placeholder 6">
+            <a:extLst>
+              <a:ext uri="{FF2B5EF4-FFF2-40B4-BE49-F238E27FC236}">
+                <a16:creationId xmlns:a16="http://schemas.microsoft.com/office/drawing/2014/main" id="{DA6C3D57-D90D-478E-90C7-F2D2AEBD5DCC}"/>
+              </a:ext>
+            </a:extLst>
+          </p:cNvPr>
+          <p:cNvSpPr>
+            <a:spLocks noGrp="1"/>
+          </p:cNvSpPr>
+          <p:nvPr>
+            <p:ph type="ftr" sz="quarter" idx="11"/>
+          </p:nvPr>
+        </p:nvSpPr>
+        <p:spPr>
+          <a:xfrm>
+            <a:off x="677334" y="6041362"/>
+            <a:ext cx="5528230" cy="365125"/>
+          </a:xfrm>
+        </p:spPr>
+        <p:txBody>
+          <a:bodyPr vert="horz" lIns="91440" tIns="45720" rIns="91440" bIns="45720" rtlCol="0" anchor="ctr">
+            <a:normAutofit/>
+          </a:bodyPr>
+          <a:lstStyle/>
+          <a:p>
+            <a:pPr defTabSz="914400">
+              <a:spcAft>
+                <a:spcPts val="600"/>
+              </a:spcAft>
+            </a:pPr>
+            <a:r>
+              <a:rPr lang="en-US" kern="1200">
+                <a:solidFill>
+                  <a:schemeClr val="tx1">
+                    <a:tint val="75000"/>
+                  </a:schemeClr>
+                </a:solidFill>
+                <a:latin typeface="+mn-lt"/>
+                <a:ea typeface="+mn-ea"/>
+                <a:cs typeface="+mn-cs"/>
+              </a:rPr>
+              <a:t>Healthify-NWMSU</a:t>
+            </a:r>
+          </a:p>
+        </p:txBody>
+      </p:sp>
+      <p:pic>
+        <p:nvPicPr>
+          <p:cNvPr id="5" name="Content Placeholder 4" descr="A close up of a logo&#10;&#10;Description automatically generated">
+            <a:extLst>
+              <a:ext uri="{FF2B5EF4-FFF2-40B4-BE49-F238E27FC236}">
+                <a16:creationId xmlns:a16="http://schemas.microsoft.com/office/drawing/2014/main" id="{08FFB5C3-F678-438D-8035-CC3D28940A0B}"/>
+              </a:ext>
+            </a:extLst>
+          </p:cNvPr>
+          <p:cNvPicPr>
+            <a:picLocks noGrp="1" noChangeAspect="1"/>
+          </p:cNvPicPr>
+          <p:nvPr>
+            <p:ph idx="1"/>
+          </p:nvPr>
+        </p:nvPicPr>
+        <p:blipFill>
+          <a:blip r:embed="rId2">
+            <a:extLst>
+              <a:ext uri="{28A0092B-C50C-407E-A947-70E740481C1C}">
+                <a14:useLocalDpi xmlns:a14="http://schemas.microsoft.com/office/drawing/2010/main" val="0"/>
+              </a:ext>
+            </a:extLst>
+          </a:blip>
+          <a:stretch>
+            <a:fillRect/>
+          </a:stretch>
+        </p:blipFill>
+        <p:spPr>
+          <a:xfrm>
+            <a:off x="1244225" y="1051905"/>
+            <a:ext cx="8310741" cy="4425469"/>
+          </a:xfrm>
+          <a:prstGeom prst="rect">
+            <a:avLst/>
+          </a:prstGeom>
+        </p:spPr>
+      </p:pic>
+      <p:sp>
+        <p:nvSpPr>
+          <p:cNvPr id="6" name="Rectangle 5">
+            <a:extLst>
+              <a:ext uri="{FF2B5EF4-FFF2-40B4-BE49-F238E27FC236}">
+                <a16:creationId xmlns:a16="http://schemas.microsoft.com/office/drawing/2014/main" id="{0468E680-15C9-40DA-A95E-46A760AABEDE}"/>
+              </a:ext>
+            </a:extLst>
+          </p:cNvPr>
+          <p:cNvSpPr/>
+          <p:nvPr/>
+        </p:nvSpPr>
+        <p:spPr>
+          <a:xfrm>
+            <a:off x="6416039" y="2160589"/>
+            <a:ext cx="2927185" cy="3880773"/>
+          </a:xfrm>
+          <a:prstGeom prst="rect">
+            <a:avLst/>
+          </a:prstGeom>
+        </p:spPr>
+        <p:txBody>
+          <a:bodyPr vert="horz" lIns="91440" tIns="45720" rIns="91440" bIns="45720" rtlCol="0">
+            <a:normAutofit/>
+          </a:bodyPr>
+          <a:lstStyle/>
+          <a:p>
+            <a:pPr>
+              <a:spcBef>
+                <a:spcPts val="1000"/>
+              </a:spcBef>
+              <a:buClr>
+                <a:schemeClr val="accent1"/>
+              </a:buClr>
+              <a:buSzPct val="80000"/>
+              <a:buFont typeface="Wingdings 3" charset="2"/>
+              <a:buChar char=""/>
+            </a:pPr>
+            <a:endParaRPr lang="en-US" sz="1500" b="1" cap="none" spc="0">
+              <a:ln w="12700">
+                <a:solidFill>
+                  <a:schemeClr val="accent3">
+                    <a:lumMod val="50000"/>
+                  </a:schemeClr>
+                </a:solidFill>
+                <a:prstDash val="solid"/>
+              </a:ln>
+              <a:solidFill>
+                <a:schemeClr val="tx1">
+                  <a:lumMod val="75000"/>
+                  <a:lumOff val="25000"/>
+                </a:schemeClr>
+              </a:solidFill>
+              <a:effectLst>
+                <a:outerShdw blurRad="38100" dist="38100" dir="2700000" algn="tl">
+                  <a:srgbClr val="000000">
+                    <a:alpha val="43137"/>
+                  </a:srgbClr>
+                </a:outerShdw>
+              </a:effectLst>
+            </a:endParaRPr>
+          </a:p>
+        </p:txBody>
+      </p:sp>
+      <p:sp>
+        <p:nvSpPr>
+          <p:cNvPr id="8" name="Slide Number Placeholder 7">
+            <a:extLst>
+              <a:ext uri="{FF2B5EF4-FFF2-40B4-BE49-F238E27FC236}">
+                <a16:creationId xmlns:a16="http://schemas.microsoft.com/office/drawing/2014/main" id="{4F071EC0-212A-481C-B636-A2BEB6D1F37E}"/>
+              </a:ext>
+            </a:extLst>
+          </p:cNvPr>
+          <p:cNvSpPr>
+            <a:spLocks noGrp="1"/>
+          </p:cNvSpPr>
+          <p:nvPr>
+            <p:ph type="sldNum" sz="quarter" idx="12"/>
+          </p:nvPr>
+        </p:nvSpPr>
+        <p:spPr>
+          <a:xfrm>
+            <a:off x="8590663" y="6041362"/>
+            <a:ext cx="683339" cy="365125"/>
+          </a:xfrm>
+        </p:spPr>
+        <p:txBody>
+          <a:bodyPr vert="horz" lIns="91440" tIns="45720" rIns="91440" bIns="45720" rtlCol="0" anchor="ctr">
+            <a:normAutofit/>
+          </a:bodyPr>
+          <a:lstStyle/>
+          <a:p>
+            <a:pPr defTabSz="914400">
+              <a:spcAft>
+                <a:spcPts val="600"/>
+              </a:spcAft>
+            </a:pPr>
+            <a:fld id="{FC6EDEEF-6E47-4D41-B312-2A124904AE2A}" type="slidenum">
+              <a:rPr lang="en-US" smtClean="0"/>
+              <a:pPr defTabSz="914400">
+                <a:spcAft>
+                  <a:spcPts val="600"/>
+                </a:spcAft>
+              </a:pPr>
+              <a:t>16</a:t>
+            </a:fld>
+            <a:endParaRPr lang="en-US"/>
+          </a:p>
+        </p:txBody>
+      </p:sp>
+    </p:spTree>
+    <p:extLst>
+      <p:ext uri="{BB962C8B-B14F-4D97-AF65-F5344CB8AC3E}">
+        <p14:creationId xmlns:p14="http://schemas.microsoft.com/office/powerpoint/2010/main" val="355826045"/>
+      </p:ext>
+    </p:extLst>
+  </p:cSld>
+  <p:clrMapOvr>
+    <a:masterClrMapping/>
+  </p:clrMapOvr>
+</p:sld>
+</file>
+
+<file path=ppt/slides/slide2.xml><?xml version="1.0" encoding="utf-8"?>
+<p:sld xmlns:a="http://schemas.openxmlformats.org/drawingml/2006/main" xmlns:r="http://schemas.openxmlformats.org/officeDocument/2006/relationships" xmlns:p="http://schemas.openxmlformats.org/presentationml/2006/main">
+  <p:cSld>
+    <p:spTree>
+      <p:nvGrpSpPr>
+        <p:cNvPr id="1" name=""/>
+        <p:cNvGrpSpPr/>
+        <p:nvPr/>
+      </p:nvGrpSpPr>
+      <p:grpSpPr>
+        <a:xfrm>
+          <a:off x="0" y="0"/>
+          <a:ext cx="0" cy="0"/>
+          <a:chOff x="0" y="0"/>
+          <a:chExt cx="0" cy="0"/>
+        </a:xfrm>
+      </p:grpSpPr>
+      <p:sp>
+        <p:nvSpPr>
+          <p:cNvPr id="2" name="Title 1">
+            <a:extLst>
+              <a:ext uri="{FF2B5EF4-FFF2-40B4-BE49-F238E27FC236}">
+                <a16:creationId xmlns:a16="http://schemas.microsoft.com/office/drawing/2014/main" id="{8D92169C-45B9-4F5C-BC19-6EF2F92BC840}"/>
+              </a:ext>
+            </a:extLst>
+          </p:cNvPr>
+          <p:cNvSpPr>
+            <a:spLocks noGrp="1"/>
+          </p:cNvSpPr>
+          <p:nvPr>
+            <p:ph type="title"/>
+          </p:nvPr>
+        </p:nvSpPr>
+        <p:spPr/>
+        <p:txBody>
+          <a:bodyPr/>
+          <a:lstStyle/>
+          <a:p>
+            <a:endParaRPr lang="en-US" dirty="0"/>
+          </a:p>
+        </p:txBody>
+      </p:sp>
+      <p:sp>
+        <p:nvSpPr>
+          <p:cNvPr id="3" name="Content Placeholder 2">
+            <a:extLst>
+              <a:ext uri="{FF2B5EF4-FFF2-40B4-BE49-F238E27FC236}">
+                <a16:creationId xmlns:a16="http://schemas.microsoft.com/office/drawing/2014/main" id="{407994A8-EF1A-40FF-9A23-10EC476C603B}"/>
+              </a:ext>
+            </a:extLst>
+          </p:cNvPr>
+          <p:cNvSpPr>
+            <a:spLocks noGrp="1"/>
+          </p:cNvSpPr>
+          <p:nvPr>
+            <p:ph idx="1"/>
+          </p:nvPr>
+        </p:nvSpPr>
+        <p:spPr>
+          <a:xfrm>
+            <a:off x="369869" y="365125"/>
+            <a:ext cx="11578975" cy="5811838"/>
+          </a:xfrm>
+        </p:spPr>
+        <p:txBody>
+          <a:bodyPr>
+            <a:normAutofit/>
+          </a:bodyPr>
+          <a:lstStyle/>
+          <a:p>
+            <a:pPr marL="0" indent="0">
+              <a:buNone/>
+            </a:pPr>
+            <a:r>
+              <a:rPr lang="en-US" dirty="0">
+                <a:latin typeface="Times New Roman" panose="02020603050405020304" pitchFamily="18" charset="0"/>
+                <a:cs typeface="Times New Roman" panose="02020603050405020304" pitchFamily="18" charset="0"/>
+              </a:rPr>
+              <a:t>						</a:t>
+            </a:r>
+          </a:p>
+          <a:p>
+            <a:pPr marL="0" indent="0">
+              <a:buNone/>
+            </a:pPr>
+            <a:r>
+              <a:rPr lang="en-US" dirty="0">
+                <a:latin typeface="Times New Roman" panose="02020603050405020304" pitchFamily="18" charset="0"/>
+                <a:cs typeface="Times New Roman" panose="02020603050405020304" pitchFamily="18" charset="0"/>
+              </a:rPr>
+              <a:t>				     				</a:t>
+            </a:r>
+            <a:r>
+              <a:rPr lang="en-US" sz="3600" b="1" dirty="0">
+                <a:solidFill>
+                  <a:schemeClr val="accent3"/>
+                </a:solidFill>
+                <a:effectLst>
+                  <a:outerShdw blurRad="38100" dist="38100" dir="2700000" algn="tl">
+                    <a:srgbClr val="000000">
+                      <a:alpha val="43137"/>
+                    </a:srgbClr>
+                  </a:outerShdw>
+                </a:effectLst>
+                <a:latin typeface="Times New Roman" panose="02020603050405020304" pitchFamily="18" charset="0"/>
+                <a:cs typeface="Times New Roman" panose="02020603050405020304" pitchFamily="18" charset="0"/>
+              </a:rPr>
+              <a:t>Group Members</a:t>
+            </a:r>
+          </a:p>
+          <a:p>
+            <a:endParaRPr lang="en-US" dirty="0">
+              <a:latin typeface="Times New Roman" panose="02020603050405020304" pitchFamily="18" charset="0"/>
+              <a:cs typeface="Times New Roman" panose="02020603050405020304" pitchFamily="18" charset="0"/>
+            </a:endParaRPr>
+          </a:p>
+          <a:p>
+            <a:pPr marL="0" indent="0">
+              <a:buNone/>
+            </a:pPr>
+            <a:r>
+              <a:rPr lang="en-US" dirty="0">
+                <a:latin typeface="Times New Roman" panose="02020603050405020304" pitchFamily="18" charset="0"/>
+                <a:cs typeface="Times New Roman" panose="02020603050405020304" pitchFamily="18" charset="0"/>
+              </a:rPr>
+              <a:t>   Sowmya </a:t>
+            </a:r>
+            <a:r>
+              <a:rPr lang="en-US" dirty="0" err="1">
+                <a:latin typeface="Times New Roman" panose="02020603050405020304" pitchFamily="18" charset="0"/>
+                <a:cs typeface="Times New Roman" panose="02020603050405020304" pitchFamily="18" charset="0"/>
+              </a:rPr>
+              <a:t>Thogiti</a:t>
+            </a:r>
+            <a:r>
+              <a:rPr lang="en-US" dirty="0">
+                <a:latin typeface="Times New Roman" panose="02020603050405020304" pitchFamily="18" charset="0"/>
+                <a:cs typeface="Times New Roman" panose="02020603050405020304" pitchFamily="18" charset="0"/>
+              </a:rPr>
+              <a:t>		 </a:t>
+            </a:r>
+            <a:r>
+              <a:rPr lang="en-US" dirty="0" err="1">
+                <a:latin typeface="Times New Roman" panose="02020603050405020304" pitchFamily="18" charset="0"/>
+                <a:cs typeface="Times New Roman" panose="02020603050405020304" pitchFamily="18" charset="0"/>
+              </a:rPr>
+              <a:t>Vineetha</a:t>
+            </a:r>
+            <a:r>
+              <a:rPr lang="en-US" dirty="0">
+                <a:latin typeface="Times New Roman" panose="02020603050405020304" pitchFamily="18" charset="0"/>
+                <a:cs typeface="Times New Roman" panose="02020603050405020304" pitchFamily="18" charset="0"/>
+              </a:rPr>
+              <a:t> </a:t>
+            </a:r>
+            <a:r>
+              <a:rPr lang="en-US" dirty="0" err="1">
+                <a:latin typeface="Times New Roman" panose="02020603050405020304" pitchFamily="18" charset="0"/>
+                <a:cs typeface="Times New Roman" panose="02020603050405020304" pitchFamily="18" charset="0"/>
+              </a:rPr>
+              <a:t>Yenugula</a:t>
+            </a:r>
+            <a:r>
+              <a:rPr lang="en-US" dirty="0">
+                <a:latin typeface="Times New Roman" panose="02020603050405020304" pitchFamily="18" charset="0"/>
+                <a:cs typeface="Times New Roman" panose="02020603050405020304" pitchFamily="18" charset="0"/>
+              </a:rPr>
+              <a:t>   	     Swaroopa 	  		   Naga Anshitha    	            Shiva Rama</a:t>
+            </a:r>
+          </a:p>
+          <a:p>
+            <a:pPr marL="0" indent="0">
+              <a:buNone/>
+            </a:pPr>
+            <a:r>
+              <a:rPr lang="en-US" dirty="0">
+                <a:latin typeface="Times New Roman" panose="02020603050405020304" pitchFamily="18" charset="0"/>
+                <a:cs typeface="Times New Roman" panose="02020603050405020304" pitchFamily="18" charset="0"/>
+              </a:rPr>
+              <a:t>(Project Manager)	       (</a:t>
+            </a:r>
+            <a:r>
+              <a:rPr lang="en-US" dirty="0" err="1">
+                <a:latin typeface="Times New Roman" panose="02020603050405020304" pitchFamily="18" charset="0"/>
+                <a:cs typeface="Times New Roman" panose="02020603050405020304" pitchFamily="18" charset="0"/>
+              </a:rPr>
+              <a:t>Fullstack</a:t>
+            </a:r>
+            <a:r>
+              <a:rPr lang="en-US" dirty="0">
+                <a:latin typeface="Times New Roman" panose="02020603050405020304" pitchFamily="18" charset="0"/>
+                <a:cs typeface="Times New Roman" panose="02020603050405020304" pitchFamily="18" charset="0"/>
+              </a:rPr>
+              <a:t> Developer)      </a:t>
+            </a:r>
+            <a:r>
+              <a:rPr lang="en-US" dirty="0" err="1">
+                <a:latin typeface="Times New Roman" panose="02020603050405020304" pitchFamily="18" charset="0"/>
+                <a:cs typeface="Times New Roman" panose="02020603050405020304" pitchFamily="18" charset="0"/>
+              </a:rPr>
+              <a:t>Thirumalareddy</a:t>
+            </a:r>
+            <a:r>
+              <a:rPr lang="en-US" dirty="0">
+                <a:latin typeface="Times New Roman" panose="02020603050405020304" pitchFamily="18" charset="0"/>
+                <a:cs typeface="Times New Roman" panose="02020603050405020304" pitchFamily="18" charset="0"/>
+              </a:rPr>
+              <a:t>		     Velagapudi		         Krishna </a:t>
+            </a:r>
+            <a:r>
+              <a:rPr lang="en-US" dirty="0" err="1">
+                <a:latin typeface="Times New Roman" panose="02020603050405020304" pitchFamily="18" charset="0"/>
+                <a:cs typeface="Times New Roman" panose="02020603050405020304" pitchFamily="18" charset="0"/>
+              </a:rPr>
+              <a:t>Vodnala</a:t>
+            </a:r>
+            <a:endParaRPr lang="en-US" dirty="0"/>
+          </a:p>
+          <a:p>
+            <a:pPr marL="3657600" lvl="8" indent="0">
+              <a:buNone/>
+            </a:pPr>
+            <a:r>
+              <a:rPr lang="en-US" sz="1800" dirty="0">
+                <a:latin typeface="Times New Roman" panose="02020603050405020304" pitchFamily="18" charset="0"/>
+                <a:cs typeface="Times New Roman" panose="02020603050405020304" pitchFamily="18" charset="0"/>
+              </a:rPr>
+              <a:t>              (Backend Developer)	  (UI and Tester)	        (DB Administrator)					</a:t>
+            </a:r>
+          </a:p>
+          <a:p>
+            <a:pPr marL="0" indent="0">
+              <a:buNone/>
+            </a:pPr>
+            <a:r>
+              <a:rPr lang="en-US" dirty="0">
+                <a:latin typeface="Times New Roman" panose="02020603050405020304" pitchFamily="18" charset="0"/>
+                <a:cs typeface="Times New Roman" panose="02020603050405020304" pitchFamily="18" charset="0"/>
+              </a:rPr>
+              <a:t>			</a:t>
+            </a:r>
+          </a:p>
+          <a:p>
+            <a:pPr marL="0" indent="0">
+              <a:buNone/>
+            </a:pPr>
+            <a:endParaRPr lang="en-US" dirty="0">
+              <a:latin typeface="Times New Roman" panose="02020603050405020304" pitchFamily="18" charset="0"/>
+              <a:cs typeface="Times New Roman" panose="02020603050405020304" pitchFamily="18" charset="0"/>
+            </a:endParaRPr>
+          </a:p>
+        </p:txBody>
+      </p:sp>
+      <p:pic>
+        <p:nvPicPr>
+          <p:cNvPr id="5" name="Picture 4" descr="A person standing in front of a body of water&#10;&#10;Description automatically generated">
+            <a:extLst>
+              <a:ext uri="{FF2B5EF4-FFF2-40B4-BE49-F238E27FC236}">
+                <a16:creationId xmlns:a16="http://schemas.microsoft.com/office/drawing/2014/main" id="{92DB79B2-DF6D-431D-8B85-E3B38A6179B2}"/>
+              </a:ext>
+            </a:extLst>
+          </p:cNvPr>
+          <p:cNvPicPr>
+            <a:picLocks noChangeAspect="1"/>
+          </p:cNvPicPr>
+          <p:nvPr/>
+        </p:nvPicPr>
+        <p:blipFill>
+          <a:blip r:embed="rId2">
+            <a:extLst>
+              <a:ext uri="{28A0092B-C50C-407E-A947-70E740481C1C}">
+                <a14:useLocalDpi xmlns:a14="http://schemas.microsoft.com/office/drawing/2010/main" val="0"/>
+              </a:ext>
+            </a:extLst>
+          </a:blip>
+          <a:stretch>
+            <a:fillRect/>
+          </a:stretch>
+        </p:blipFill>
+        <p:spPr>
+          <a:xfrm>
+            <a:off x="2843139" y="3044160"/>
+            <a:ext cx="1532972" cy="2038355"/>
+          </a:xfrm>
+          <a:prstGeom prst="rect">
+            <a:avLst/>
+          </a:prstGeom>
+        </p:spPr>
+      </p:pic>
+      <p:pic>
+        <p:nvPicPr>
+          <p:cNvPr id="7" name="Picture 6" descr="A person smiling for the camera&#10;&#10;Description automatically generated">
+            <a:extLst>
+              <a:ext uri="{FF2B5EF4-FFF2-40B4-BE49-F238E27FC236}">
+                <a16:creationId xmlns:a16="http://schemas.microsoft.com/office/drawing/2014/main" id="{64698B35-8E26-4280-AFB3-C7EAA5BE7E87}"/>
+              </a:ext>
+            </a:extLst>
+          </p:cNvPr>
+          <p:cNvPicPr>
+            <a:picLocks noChangeAspect="1"/>
+          </p:cNvPicPr>
+          <p:nvPr/>
+        </p:nvPicPr>
+        <p:blipFill>
+          <a:blip r:embed="rId3">
+            <a:extLst>
+              <a:ext uri="{28A0092B-C50C-407E-A947-70E740481C1C}">
+                <a14:useLocalDpi xmlns:a14="http://schemas.microsoft.com/office/drawing/2010/main" val="0"/>
+              </a:ext>
+            </a:extLst>
+          </a:blip>
+          <a:stretch>
+            <a:fillRect/>
+          </a:stretch>
+        </p:blipFill>
+        <p:spPr>
+          <a:xfrm>
+            <a:off x="9730722" y="3156373"/>
+            <a:ext cx="1532973" cy="2038356"/>
+          </a:xfrm>
+          <a:prstGeom prst="rect">
+            <a:avLst/>
+          </a:prstGeom>
+        </p:spPr>
+      </p:pic>
+      <p:pic>
+        <p:nvPicPr>
+          <p:cNvPr id="9" name="Picture 8" descr="A person smiling for the camera&#10;&#10;Description automatically generated">
+            <a:extLst>
+              <a:ext uri="{FF2B5EF4-FFF2-40B4-BE49-F238E27FC236}">
+                <a16:creationId xmlns:a16="http://schemas.microsoft.com/office/drawing/2014/main" id="{4DC14134-59B9-40CD-B4BE-E8D1F5CD7132}"/>
+              </a:ext>
+            </a:extLst>
+          </p:cNvPr>
+          <p:cNvPicPr>
+            <a:picLocks noChangeAspect="1"/>
+          </p:cNvPicPr>
+          <p:nvPr/>
+        </p:nvPicPr>
+        <p:blipFill>
+          <a:blip r:embed="rId4">
+            <a:extLst>
+              <a:ext uri="{28A0092B-C50C-407E-A947-70E740481C1C}">
+                <a14:useLocalDpi xmlns:a14="http://schemas.microsoft.com/office/drawing/2010/main" val="0"/>
+              </a:ext>
+            </a:extLst>
+          </a:blip>
+          <a:stretch>
+            <a:fillRect/>
+          </a:stretch>
+        </p:blipFill>
+        <p:spPr>
+          <a:xfrm>
+            <a:off x="7399360" y="3156373"/>
+            <a:ext cx="1532972" cy="2038356"/>
+          </a:xfrm>
+          <a:prstGeom prst="rect">
+            <a:avLst/>
+          </a:prstGeom>
+        </p:spPr>
+      </p:pic>
+      <p:pic>
+        <p:nvPicPr>
+          <p:cNvPr id="6" name="Picture 5" descr="A person standing in front of a house&#10;&#10;Description automatically generated">
+            <a:extLst>
+              <a:ext uri="{FF2B5EF4-FFF2-40B4-BE49-F238E27FC236}">
+                <a16:creationId xmlns:a16="http://schemas.microsoft.com/office/drawing/2014/main" id="{BB84EB3D-8FB7-429A-8E57-A3E8E731121F}"/>
+              </a:ext>
+            </a:extLst>
+          </p:cNvPr>
+          <p:cNvPicPr>
+            <a:picLocks noChangeAspect="1"/>
+          </p:cNvPicPr>
+          <p:nvPr/>
+        </p:nvPicPr>
+        <p:blipFill>
+          <a:blip r:embed="rId5">
+            <a:extLst>
+              <a:ext uri="{28A0092B-C50C-407E-A947-70E740481C1C}">
+                <a14:useLocalDpi xmlns:a14="http://schemas.microsoft.com/office/drawing/2010/main" val="0"/>
+              </a:ext>
+            </a:extLst>
+          </a:blip>
+          <a:stretch>
+            <a:fillRect/>
+          </a:stretch>
+        </p:blipFill>
+        <p:spPr>
+          <a:xfrm>
+            <a:off x="5098498" y="3084327"/>
+            <a:ext cx="1436568" cy="2038356"/>
+          </a:xfrm>
+          <a:prstGeom prst="rect">
+            <a:avLst/>
+          </a:prstGeom>
+        </p:spPr>
+      </p:pic>
+      <p:pic>
+        <p:nvPicPr>
+          <p:cNvPr id="10" name="Picture 9" descr="A person taking a selfie&#10;&#10;Description automatically generated">
+            <a:extLst>
+              <a:ext uri="{FF2B5EF4-FFF2-40B4-BE49-F238E27FC236}">
+                <a16:creationId xmlns:a16="http://schemas.microsoft.com/office/drawing/2014/main" id="{1D3FEEC3-AF16-4966-A8CF-1233051B5509}"/>
+              </a:ext>
+            </a:extLst>
+          </p:cNvPr>
+          <p:cNvPicPr>
+            <a:picLocks noChangeAspect="1"/>
+          </p:cNvPicPr>
+          <p:nvPr/>
+        </p:nvPicPr>
+        <p:blipFill>
+          <a:blip r:embed="rId6">
+            <a:extLst>
+              <a:ext uri="{28A0092B-C50C-407E-A947-70E740481C1C}">
+                <a14:useLocalDpi xmlns:a14="http://schemas.microsoft.com/office/drawing/2010/main" val="0"/>
+              </a:ext>
+            </a:extLst>
+          </a:blip>
+          <a:stretch>
+            <a:fillRect/>
+          </a:stretch>
+        </p:blipFill>
+        <p:spPr>
+          <a:xfrm>
+            <a:off x="666722" y="3084327"/>
+            <a:ext cx="1454030" cy="1938708"/>
+          </a:xfrm>
+          <a:prstGeom prst="rect">
+            <a:avLst/>
+          </a:prstGeom>
+        </p:spPr>
+      </p:pic>
+      <p:sp>
+        <p:nvSpPr>
+          <p:cNvPr id="13" name="Footer Placeholder 12">
+            <a:extLst>
+              <a:ext uri="{FF2B5EF4-FFF2-40B4-BE49-F238E27FC236}">
+                <a16:creationId xmlns:a16="http://schemas.microsoft.com/office/drawing/2014/main" id="{4DEB0D3C-FC0C-4AAE-8B1A-1CD6D3894DE9}"/>
+              </a:ext>
+            </a:extLst>
+          </p:cNvPr>
+          <p:cNvSpPr>
+            <a:spLocks noGrp="1"/>
+          </p:cNvSpPr>
+          <p:nvPr>
+            <p:ph type="ftr" sz="quarter" idx="11"/>
+          </p:nvPr>
+        </p:nvSpPr>
+        <p:spPr/>
+        <p:txBody>
+          <a:bodyPr/>
+          <a:lstStyle/>
+          <a:p>
+            <a:r>
+              <a:rPr lang="en-US"/>
+              <a:t>Healthify-NWMSU</a:t>
+            </a:r>
+          </a:p>
+        </p:txBody>
+      </p:sp>
+      <p:sp>
+        <p:nvSpPr>
+          <p:cNvPr id="15" name="Slide Number Placeholder 14">
+            <a:extLst>
+              <a:ext uri="{FF2B5EF4-FFF2-40B4-BE49-F238E27FC236}">
+                <a16:creationId xmlns:a16="http://schemas.microsoft.com/office/drawing/2014/main" id="{2FAD1378-BCC4-42D6-A20E-EC601EC1DFD7}"/>
+              </a:ext>
+            </a:extLst>
+          </p:cNvPr>
+          <p:cNvSpPr>
+            <a:spLocks noGrp="1"/>
+          </p:cNvSpPr>
+          <p:nvPr>
+            <p:ph type="sldNum" sz="quarter" idx="12"/>
+          </p:nvPr>
+        </p:nvSpPr>
+        <p:spPr/>
+        <p:txBody>
+          <a:bodyPr/>
+          <a:lstStyle/>
+          <a:p>
+            <a:fld id="{FC6EDEEF-6E47-4D41-B312-2A124904AE2A}" type="slidenum">
+              <a:rPr lang="en-US" smtClean="0"/>
+              <a:t>2</a:t>
+            </a:fld>
+            <a:endParaRPr lang="en-US"/>
+          </a:p>
+        </p:txBody>
+      </p:sp>
+    </p:spTree>
+    <p:extLst>
+      <p:ext uri="{BB962C8B-B14F-4D97-AF65-F5344CB8AC3E}">
+        <p14:creationId xmlns:p14="http://schemas.microsoft.com/office/powerpoint/2010/main" val="4176327129"/>
+      </p:ext>
+    </p:extLst>
+  </p:cSld>
+  <p:clrMapOvr>
+    <a:masterClrMapping/>
+  </p:clrMapOvr>
+</p:sld>
+</file>
+
+<file path=ppt/slides/slide3.xml><?xml version="1.0" encoding="utf-8"?>
+<p:sld xmlns:a="http://schemas.openxmlformats.org/drawingml/2006/main" xmlns:r="http://schemas.openxmlformats.org/officeDocument/2006/relationships" xmlns:p="http://schemas.openxmlformats.org/presentationml/2006/main">
+  <p:cSld>
+    <p:spTree>
+      <p:nvGrpSpPr>
+        <p:cNvPr id="1" name=""/>
+        <p:cNvGrpSpPr/>
+        <p:nvPr/>
+      </p:nvGrpSpPr>
+      <p:grpSpPr>
+        <a:xfrm>
+          <a:off x="0" y="0"/>
+          <a:ext cx="0" cy="0"/>
+          <a:chOff x="0" y="0"/>
+          <a:chExt cx="0" cy="0"/>
+        </a:xfrm>
+      </p:grpSpPr>
+      <p:sp>
+        <p:nvSpPr>
+          <p:cNvPr id="2" name="Title 1">
+            <a:extLst>
+              <a:ext uri="{FF2B5EF4-FFF2-40B4-BE49-F238E27FC236}">
+                <a16:creationId xmlns:a16="http://schemas.microsoft.com/office/drawing/2014/main" id="{C8C00379-46E4-446E-88A8-5933040D965B}"/>
+              </a:ext>
+            </a:extLst>
+          </p:cNvPr>
+          <p:cNvSpPr>
+            <a:spLocks noGrp="1"/>
+          </p:cNvSpPr>
+          <p:nvPr>
+            <p:ph type="title"/>
+          </p:nvPr>
+        </p:nvSpPr>
+        <p:spPr>
+          <a:xfrm>
+            <a:off x="646111" y="452718"/>
+            <a:ext cx="9404723" cy="893197"/>
+          </a:xfrm>
+        </p:spPr>
+        <p:txBody>
+          <a:bodyPr/>
+          <a:lstStyle/>
+          <a:p>
+            <a:r>
+              <a:rPr lang="en-US" b="1" dirty="0">
+                <a:solidFill>
+                  <a:schemeClr val="accent3"/>
+                </a:solidFill>
+                <a:effectLst>
+                  <a:outerShdw blurRad="38100" dist="38100" dir="2700000" algn="tl">
+                    <a:srgbClr val="000000">
+                      <a:alpha val="43137"/>
+                    </a:srgbClr>
+                  </a:outerShdw>
+                </a:effectLst>
+                <a:latin typeface="Times New Roman" panose="02020603050405020304" pitchFamily="18" charset="0"/>
+                <a:cs typeface="Times New Roman" panose="02020603050405020304" pitchFamily="18" charset="0"/>
+              </a:rPr>
+              <a:t>Requirements</a:t>
+            </a:r>
+            <a:r>
+              <a:rPr lang="en-US" dirty="0">
+                <a:effectLst>
+                  <a:outerShdw blurRad="38100" dist="38100" dir="2700000" algn="tl">
+                    <a:srgbClr val="000000">
+                      <a:alpha val="43137"/>
+                    </a:srgbClr>
+                  </a:outerShdw>
+                </a:effectLst>
+                <a:latin typeface="Times New Roman" panose="02020603050405020304" pitchFamily="18" charset="0"/>
+                <a:cs typeface="Times New Roman" panose="02020603050405020304" pitchFamily="18" charset="0"/>
+              </a:rPr>
+              <a:t>	</a:t>
+            </a:r>
+          </a:p>
+        </p:txBody>
+      </p:sp>
+      <p:sp>
+        <p:nvSpPr>
+          <p:cNvPr id="3" name="Content Placeholder 2">
+            <a:extLst>
+              <a:ext uri="{FF2B5EF4-FFF2-40B4-BE49-F238E27FC236}">
+                <a16:creationId xmlns:a16="http://schemas.microsoft.com/office/drawing/2014/main" id="{A0AC3E9A-BB0B-4A18-AEAA-7929FA74C75D}"/>
+              </a:ext>
+            </a:extLst>
+          </p:cNvPr>
+          <p:cNvSpPr>
+            <a:spLocks noGrp="1"/>
+          </p:cNvSpPr>
+          <p:nvPr>
+            <p:ph idx="1"/>
+          </p:nvPr>
+        </p:nvSpPr>
+        <p:spPr>
+          <a:xfrm>
+            <a:off x="1103312" y="1489753"/>
+            <a:ext cx="8946541" cy="4758647"/>
+          </a:xfrm>
+        </p:spPr>
+        <p:txBody>
+          <a:bodyPr>
+            <a:normAutofit/>
+          </a:bodyPr>
+          <a:lstStyle/>
+          <a:p>
+            <a:pPr fontAlgn="base"/>
+            <a:r>
+              <a:rPr lang="en-US" dirty="0">
+                <a:latin typeface="Times New Roman" panose="02020603050405020304" pitchFamily="18" charset="0"/>
+                <a:cs typeface="Times New Roman" panose="02020603050405020304" pitchFamily="18" charset="0"/>
+              </a:rPr>
+              <a:t>The text narrative or user story</a:t>
+            </a:r>
+          </a:p>
+          <a:p>
+            <a:pPr fontAlgn="base"/>
+            <a:r>
+              <a:rPr lang="en-US" dirty="0">
+                <a:latin typeface="Times New Roman" panose="02020603050405020304" pitchFamily="18" charset="0"/>
+                <a:cs typeface="Times New Roman" panose="02020603050405020304" pitchFamily="18" charset="0"/>
+              </a:rPr>
+              <a:t>Project scope</a:t>
+            </a:r>
+          </a:p>
+          <a:p>
+            <a:pPr fontAlgn="base"/>
+            <a:r>
+              <a:rPr lang="en-US" dirty="0">
+                <a:latin typeface="Times New Roman" panose="02020603050405020304" pitchFamily="18" charset="0"/>
+                <a:cs typeface="Times New Roman" panose="02020603050405020304" pitchFamily="18" charset="0"/>
+              </a:rPr>
+              <a:t>Technical specifications</a:t>
+            </a:r>
+          </a:p>
+          <a:p>
+            <a:pPr fontAlgn="base"/>
+            <a:r>
+              <a:rPr lang="en-US" dirty="0">
+                <a:latin typeface="Times New Roman" panose="02020603050405020304" pitchFamily="18" charset="0"/>
+                <a:cs typeface="Times New Roman" panose="02020603050405020304" pitchFamily="18" charset="0"/>
+              </a:rPr>
+              <a:t>Sketches</a:t>
+            </a:r>
+          </a:p>
+          <a:p>
+            <a:pPr fontAlgn="base"/>
+            <a:r>
+              <a:rPr lang="en-US" dirty="0">
+                <a:latin typeface="Times New Roman" panose="02020603050405020304" pitchFamily="18" charset="0"/>
+                <a:cs typeface="Times New Roman" panose="02020603050405020304" pitchFamily="18" charset="0"/>
+              </a:rPr>
+              <a:t>Asset creation</a:t>
+            </a:r>
+          </a:p>
+          <a:p>
+            <a:pPr fontAlgn="base"/>
+            <a:r>
+              <a:rPr lang="en-US" dirty="0">
+                <a:latin typeface="Times New Roman" panose="02020603050405020304" pitchFamily="18" charset="0"/>
+                <a:cs typeface="Times New Roman" panose="02020603050405020304" pitchFamily="18" charset="0"/>
+              </a:rPr>
+              <a:t>Putting everything together in a workflow document(Jira).</a:t>
+            </a:r>
+          </a:p>
+          <a:p>
+            <a:pPr fontAlgn="base"/>
+            <a:r>
+              <a:rPr lang="en-US" dirty="0">
+                <a:latin typeface="Times New Roman" panose="02020603050405020304" pitchFamily="18" charset="0"/>
+                <a:cs typeface="Times New Roman" panose="02020603050405020304" pitchFamily="18" charset="0"/>
+              </a:rPr>
+              <a:t>FluidUI</a:t>
+            </a:r>
+          </a:p>
+          <a:p>
+            <a:pPr fontAlgn="base"/>
+            <a:r>
+              <a:rPr lang="en-US" dirty="0">
+                <a:latin typeface="Times New Roman" panose="02020603050405020304" pitchFamily="18" charset="0"/>
+                <a:cs typeface="Times New Roman" panose="02020603050405020304" pitchFamily="18" charset="0"/>
+              </a:rPr>
+              <a:t>GitHub</a:t>
+            </a:r>
+          </a:p>
+          <a:p>
+            <a:endParaRPr lang="en-US" dirty="0"/>
+          </a:p>
+        </p:txBody>
+      </p:sp>
+      <p:sp>
+        <p:nvSpPr>
+          <p:cNvPr id="6" name="Footer Placeholder 5">
+            <a:extLst>
+              <a:ext uri="{FF2B5EF4-FFF2-40B4-BE49-F238E27FC236}">
+                <a16:creationId xmlns:a16="http://schemas.microsoft.com/office/drawing/2014/main" id="{38D8D3A6-7408-4215-99DB-0B35830B92DB}"/>
+              </a:ext>
+            </a:extLst>
+          </p:cNvPr>
+          <p:cNvSpPr>
+            <a:spLocks noGrp="1"/>
+          </p:cNvSpPr>
+          <p:nvPr>
+            <p:ph type="ftr" sz="quarter" idx="11"/>
+          </p:nvPr>
+        </p:nvSpPr>
+        <p:spPr/>
+        <p:txBody>
+          <a:bodyPr/>
+          <a:lstStyle/>
+          <a:p>
+            <a:r>
+              <a:rPr lang="en-US"/>
+              <a:t>Healthify-NWMSU</a:t>
+            </a:r>
+          </a:p>
+        </p:txBody>
+      </p:sp>
+      <p:sp>
+        <p:nvSpPr>
+          <p:cNvPr id="7" name="Slide Number Placeholder 6">
+            <a:extLst>
+              <a:ext uri="{FF2B5EF4-FFF2-40B4-BE49-F238E27FC236}">
+                <a16:creationId xmlns:a16="http://schemas.microsoft.com/office/drawing/2014/main" id="{53D8A5C7-D4C7-4B73-BDB0-C67A0F06FB39}"/>
+              </a:ext>
+            </a:extLst>
+          </p:cNvPr>
+          <p:cNvSpPr>
+            <a:spLocks noGrp="1"/>
+          </p:cNvSpPr>
+          <p:nvPr>
+            <p:ph type="sldNum" sz="quarter" idx="12"/>
+          </p:nvPr>
+        </p:nvSpPr>
+        <p:spPr/>
+        <p:txBody>
+          <a:bodyPr/>
+          <a:lstStyle/>
+          <a:p>
+            <a:fld id="{FC6EDEEF-6E47-4D41-B312-2A124904AE2A}" type="slidenum">
+              <a:rPr lang="en-US" smtClean="0"/>
+              <a:t>3</a:t>
+            </a:fld>
+            <a:endParaRPr lang="en-US"/>
+          </a:p>
+        </p:txBody>
+      </p:sp>
+    </p:spTree>
+    <p:extLst>
+      <p:ext uri="{BB962C8B-B14F-4D97-AF65-F5344CB8AC3E}">
+        <p14:creationId xmlns:p14="http://schemas.microsoft.com/office/powerpoint/2010/main" val="2403520679"/>
+      </p:ext>
+    </p:extLst>
+  </p:cSld>
+  <p:clrMapOvr>
+    <a:masterClrMapping/>
+  </p:clrMapOvr>
+</p:sld>
+</file>
+
+<file path=ppt/slides/slide4.xml><?xml version="1.0" encoding="utf-8"?>
+<p:sld xmlns:a="http://schemas.openxmlformats.org/drawingml/2006/main" xmlns:r="http://schemas.openxmlformats.org/officeDocument/2006/relationships" xmlns:p="http://schemas.openxmlformats.org/presentationml/2006/main">
+  <p:cSld>
+    <p:spTree>
+      <p:nvGrpSpPr>
+        <p:cNvPr id="1" name=""/>
+        <p:cNvGrpSpPr/>
+        <p:nvPr/>
+      </p:nvGrpSpPr>
+      <p:grpSpPr>
+        <a:xfrm>
+          <a:off x="0" y="0"/>
+          <a:ext cx="0" cy="0"/>
+          <a:chOff x="0" y="0"/>
+          <a:chExt cx="0" cy="0"/>
+        </a:xfrm>
+      </p:grpSpPr>
+      <p:sp>
+        <p:nvSpPr>
+          <p:cNvPr id="2" name="Title 1">
+            <a:extLst>
+              <a:ext uri="{FF2B5EF4-FFF2-40B4-BE49-F238E27FC236}">
+                <a16:creationId xmlns:a16="http://schemas.microsoft.com/office/drawing/2014/main" id="{53CAD9F5-5D35-43A4-86EF-12603C6DCE87}"/>
+              </a:ext>
+            </a:extLst>
+          </p:cNvPr>
+          <p:cNvSpPr>
+            <a:spLocks noGrp="1"/>
+          </p:cNvSpPr>
+          <p:nvPr>
+            <p:ph type="title"/>
+          </p:nvPr>
+        </p:nvSpPr>
+        <p:spPr>
+          <a:xfrm>
+            <a:off x="646111" y="401347"/>
+            <a:ext cx="9404723" cy="708262"/>
+          </a:xfrm>
+        </p:spPr>
+        <p:txBody>
+          <a:bodyPr>
+            <a:normAutofit fontScale="90000"/>
+          </a:bodyPr>
+          <a:lstStyle/>
+          <a:p>
+            <a:r>
+              <a:rPr lang="en-US" sz="4000" b="1" dirty="0">
+                <a:solidFill>
+                  <a:schemeClr val="accent3"/>
+                </a:solidFill>
+                <a:effectLst>
+                  <a:outerShdw blurRad="38100" dist="38100" dir="2700000" algn="tl">
+                    <a:srgbClr val="000000">
+                      <a:alpha val="43137"/>
+                    </a:srgbClr>
+                  </a:outerShdw>
+                </a:effectLst>
+                <a:latin typeface="Times New Roman" panose="02020603050405020304" pitchFamily="18" charset="0"/>
+                <a:cs typeface="Times New Roman" panose="02020603050405020304" pitchFamily="18" charset="0"/>
+              </a:rPr>
+              <a:t>Purpose</a:t>
+            </a:r>
+            <a:br>
+              <a:rPr lang="en-US" b="1" dirty="0">
+                <a:solidFill>
+                  <a:schemeClr val="accent3"/>
+                </a:solidFill>
+                <a:effectLst>
+                  <a:outerShdw blurRad="38100" dist="38100" dir="2700000" algn="tl">
+                    <a:srgbClr val="000000">
+                      <a:alpha val="43137"/>
+                    </a:srgbClr>
+                  </a:outerShdw>
+                </a:effectLst>
+                <a:latin typeface="Times New Roman" panose="02020603050405020304" pitchFamily="18" charset="0"/>
+                <a:cs typeface="Times New Roman" panose="02020603050405020304" pitchFamily="18" charset="0"/>
+              </a:rPr>
+            </a:br>
+            <a:br>
+              <a:rPr lang="en-US" b="1" dirty="0">
+                <a:solidFill>
+                  <a:schemeClr val="accent3"/>
+                </a:solidFill>
+                <a:effectLst>
+                  <a:outerShdw blurRad="38100" dist="38100" dir="2700000" algn="tl">
+                    <a:srgbClr val="000000">
+                      <a:alpha val="43137"/>
+                    </a:srgbClr>
+                  </a:outerShdw>
+                </a:effectLst>
+                <a:latin typeface="Times New Roman" panose="02020603050405020304" pitchFamily="18" charset="0"/>
+                <a:cs typeface="Times New Roman" panose="02020603050405020304" pitchFamily="18" charset="0"/>
+              </a:rPr>
+            </a:br>
+            <a:br>
+              <a:rPr lang="en-US" b="1" dirty="0">
+                <a:solidFill>
+                  <a:schemeClr val="accent3"/>
+                </a:solidFill>
+                <a:effectLst>
+                  <a:outerShdw blurRad="38100" dist="38100" dir="2700000" algn="tl">
+                    <a:srgbClr val="000000">
+                      <a:alpha val="43137"/>
+                    </a:srgbClr>
+                  </a:outerShdw>
+                </a:effectLst>
+                <a:latin typeface="Times New Roman" panose="02020603050405020304" pitchFamily="18" charset="0"/>
+                <a:cs typeface="Times New Roman" panose="02020603050405020304" pitchFamily="18" charset="0"/>
+              </a:rPr>
+            </a:br>
+            <a:br>
+              <a:rPr lang="en-US" b="1" dirty="0">
+                <a:solidFill>
+                  <a:schemeClr val="accent3"/>
+                </a:solidFill>
+                <a:effectLst>
+                  <a:outerShdw blurRad="38100" dist="38100" dir="2700000" algn="tl">
+                    <a:srgbClr val="000000">
+                      <a:alpha val="43137"/>
+                    </a:srgbClr>
+                  </a:outerShdw>
+                </a:effectLst>
+                <a:latin typeface="Times New Roman" panose="02020603050405020304" pitchFamily="18" charset="0"/>
+                <a:cs typeface="Times New Roman" panose="02020603050405020304" pitchFamily="18" charset="0"/>
+              </a:rPr>
+            </a:br>
+            <a:br>
+              <a:rPr lang="en-US" b="1" dirty="0">
+                <a:solidFill>
+                  <a:schemeClr val="accent3"/>
+                </a:solidFill>
+                <a:effectLst>
+                  <a:outerShdw blurRad="38100" dist="38100" dir="2700000" algn="tl">
+                    <a:srgbClr val="000000">
+                      <a:alpha val="43137"/>
+                    </a:srgbClr>
+                  </a:outerShdw>
+                </a:effectLst>
+                <a:latin typeface="Times New Roman" panose="02020603050405020304" pitchFamily="18" charset="0"/>
+                <a:cs typeface="Times New Roman" panose="02020603050405020304" pitchFamily="18" charset="0"/>
+              </a:rPr>
+            </a:br>
+            <a:r>
+              <a:rPr lang="en-US" sz="4000" b="1" dirty="0">
+                <a:solidFill>
+                  <a:schemeClr val="accent3"/>
+                </a:solidFill>
+                <a:effectLst>
+                  <a:outerShdw blurRad="38100" dist="38100" dir="2700000" algn="tl">
+                    <a:srgbClr val="000000">
+                      <a:alpha val="43137"/>
+                    </a:srgbClr>
+                  </a:outerShdw>
+                </a:effectLst>
+                <a:latin typeface="Times New Roman" panose="02020603050405020304" pitchFamily="18" charset="0"/>
+                <a:cs typeface="Times New Roman" panose="02020603050405020304" pitchFamily="18" charset="0"/>
+              </a:rPr>
+              <a:t>Overview</a:t>
+            </a:r>
+          </a:p>
+        </p:txBody>
+      </p:sp>
+      <p:sp>
+        <p:nvSpPr>
+          <p:cNvPr id="3" name="Content Placeholder 2">
+            <a:extLst>
+              <a:ext uri="{FF2B5EF4-FFF2-40B4-BE49-F238E27FC236}">
+                <a16:creationId xmlns:a16="http://schemas.microsoft.com/office/drawing/2014/main" id="{0169D338-F03C-45A3-AF88-E7BA60FE6263}"/>
+              </a:ext>
+            </a:extLst>
+          </p:cNvPr>
+          <p:cNvSpPr>
+            <a:spLocks noGrp="1"/>
+          </p:cNvSpPr>
+          <p:nvPr>
+            <p:ph idx="1"/>
+          </p:nvPr>
+        </p:nvSpPr>
+        <p:spPr>
+          <a:xfrm>
+            <a:off x="842482" y="1017142"/>
+            <a:ext cx="9152618" cy="5260368"/>
+          </a:xfrm>
+        </p:spPr>
+        <p:txBody>
+          <a:bodyPr>
+            <a:normAutofit/>
+          </a:bodyPr>
+          <a:lstStyle/>
+          <a:p>
+            <a:r>
+              <a:rPr lang="en-US" dirty="0">
+                <a:latin typeface="Times New Roman" panose="02020603050405020304" pitchFamily="18" charset="0"/>
+                <a:cs typeface="Times New Roman" panose="02020603050405020304" pitchFamily="18" charset="0"/>
+              </a:rPr>
+              <a:t>“Our vision is to make healthy living easy, fun, and affordable for all”</a:t>
+            </a:r>
+          </a:p>
+          <a:p>
+            <a:r>
+              <a:rPr lang="en-US" dirty="0">
+                <a:latin typeface="Times New Roman" panose="02020603050405020304" pitchFamily="18" charset="0"/>
+                <a:cs typeface="Times New Roman" panose="02020603050405020304" pitchFamily="18" charset="0"/>
+              </a:rPr>
+              <a:t>The Healthify-NWMSU app can incorporate data from thousands of third-party apps that are designed to promote healthier habits from nutrition to fitness.</a:t>
+            </a:r>
+          </a:p>
+          <a:p>
+            <a:r>
+              <a:rPr lang="en-US" dirty="0">
+                <a:latin typeface="Times New Roman" panose="02020603050405020304" pitchFamily="18" charset="0"/>
+                <a:cs typeface="Times New Roman" panose="02020603050405020304" pitchFamily="18" charset="0"/>
+              </a:rPr>
+              <a:t>This app lets you keep all your health and fitness information under your control and in one place on your device.</a:t>
+            </a:r>
+          </a:p>
+          <a:p>
+            <a:endParaRPr lang="en-US" dirty="0">
+              <a:latin typeface="Times New Roman" panose="02020603050405020304" pitchFamily="18" charset="0"/>
+              <a:cs typeface="Times New Roman" panose="02020603050405020304" pitchFamily="18" charset="0"/>
+            </a:endParaRPr>
+          </a:p>
+          <a:p>
+            <a:endParaRPr lang="en-US" dirty="0">
+              <a:latin typeface="Times New Roman" panose="02020603050405020304" pitchFamily="18" charset="0"/>
+              <a:cs typeface="Times New Roman" panose="02020603050405020304" pitchFamily="18" charset="0"/>
+            </a:endParaRPr>
+          </a:p>
+          <a:p>
+            <a:r>
+              <a:rPr lang="en-US" dirty="0">
+                <a:latin typeface="Times New Roman" panose="02020603050405020304" pitchFamily="18" charset="0"/>
+                <a:cs typeface="Times New Roman" panose="02020603050405020304" pitchFamily="18" charset="0"/>
+              </a:rPr>
+              <a:t>Healthify-NWMSU is a fitness app that helps users track their diet and weight and set fitness goals.</a:t>
+            </a:r>
+          </a:p>
+          <a:p>
+            <a:r>
+              <a:rPr lang="en-US" dirty="0">
+                <a:latin typeface="Times New Roman" panose="02020603050405020304" pitchFamily="18" charset="0"/>
+                <a:cs typeface="Times New Roman" panose="02020603050405020304" pitchFamily="18" charset="0"/>
+              </a:rPr>
+              <a:t>It is free to download app which allows user to track their calories, steps, manage, view and participate in group challenges.</a:t>
+            </a:r>
+          </a:p>
+          <a:p>
+            <a:r>
+              <a:rPr lang="en-US" dirty="0">
+                <a:latin typeface="Times New Roman" panose="02020603050405020304" pitchFamily="18" charset="0"/>
+                <a:cs typeface="Times New Roman" panose="02020603050405020304" pitchFamily="18" charset="0"/>
+              </a:rPr>
+              <a:t>It helps users to track their food intake and measure calories accurately.</a:t>
+            </a:r>
+          </a:p>
+        </p:txBody>
+      </p:sp>
+      <p:sp>
+        <p:nvSpPr>
+          <p:cNvPr id="6" name="Footer Placeholder 5">
+            <a:extLst>
+              <a:ext uri="{FF2B5EF4-FFF2-40B4-BE49-F238E27FC236}">
+                <a16:creationId xmlns:a16="http://schemas.microsoft.com/office/drawing/2014/main" id="{69C0F0D7-0734-4D29-BB83-BBAF6A313E5D}"/>
+              </a:ext>
+            </a:extLst>
+          </p:cNvPr>
+          <p:cNvSpPr>
+            <a:spLocks noGrp="1"/>
+          </p:cNvSpPr>
+          <p:nvPr>
+            <p:ph type="ftr" sz="quarter" idx="11"/>
+          </p:nvPr>
+        </p:nvSpPr>
+        <p:spPr/>
+        <p:txBody>
+          <a:bodyPr/>
+          <a:lstStyle/>
+          <a:p>
+            <a:r>
+              <a:rPr lang="en-US"/>
+              <a:t>Healthify-NWMSU</a:t>
+            </a:r>
+          </a:p>
+        </p:txBody>
+      </p:sp>
+      <p:sp>
+        <p:nvSpPr>
+          <p:cNvPr id="7" name="Slide Number Placeholder 6">
+            <a:extLst>
+              <a:ext uri="{FF2B5EF4-FFF2-40B4-BE49-F238E27FC236}">
+                <a16:creationId xmlns:a16="http://schemas.microsoft.com/office/drawing/2014/main" id="{0C27BE6C-AA7F-4054-A992-C71124FC6FE4}"/>
+              </a:ext>
+            </a:extLst>
+          </p:cNvPr>
+          <p:cNvSpPr>
+            <a:spLocks noGrp="1"/>
+          </p:cNvSpPr>
+          <p:nvPr>
+            <p:ph type="sldNum" sz="quarter" idx="12"/>
+          </p:nvPr>
+        </p:nvSpPr>
+        <p:spPr/>
+        <p:txBody>
+          <a:bodyPr/>
+          <a:lstStyle/>
+          <a:p>
+            <a:fld id="{FC6EDEEF-6E47-4D41-B312-2A124904AE2A}" type="slidenum">
+              <a:rPr lang="en-US" smtClean="0"/>
+              <a:t>4</a:t>
+            </a:fld>
+            <a:endParaRPr lang="en-US"/>
+          </a:p>
+        </p:txBody>
+      </p:sp>
+    </p:spTree>
+    <p:extLst>
+      <p:ext uri="{BB962C8B-B14F-4D97-AF65-F5344CB8AC3E}">
+        <p14:creationId xmlns:p14="http://schemas.microsoft.com/office/powerpoint/2010/main" val="602519577"/>
+      </p:ext>
+    </p:extLst>
+  </p:cSld>
+  <p:clrMapOvr>
+    <a:masterClrMapping/>
+  </p:clrMapOvr>
+</p:sld>
+</file>
+
+<file path=ppt/slides/slide5.xml><?xml version="1.0" encoding="utf-8"?>
+<p:sld xmlns:a="http://schemas.openxmlformats.org/drawingml/2006/main" xmlns:r="http://schemas.openxmlformats.org/officeDocument/2006/relationships" xmlns:p="http://schemas.openxmlformats.org/presentationml/2006/main">
+  <p:cSld>
+    <p:spTree>
+      <p:nvGrpSpPr>
+        <p:cNvPr id="1" name=""/>
+        <p:cNvGrpSpPr/>
+        <p:nvPr/>
+      </p:nvGrpSpPr>
+      <p:grpSpPr>
+        <a:xfrm>
+          <a:off x="0" y="0"/>
+          <a:ext cx="0" cy="0"/>
+          <a:chOff x="0" y="0"/>
+          <a:chExt cx="0" cy="0"/>
+        </a:xfrm>
+      </p:grpSpPr>
+      <p:sp>
+        <p:nvSpPr>
+          <p:cNvPr id="2" name="Title 1">
+            <a:extLst>
+              <a:ext uri="{FF2B5EF4-FFF2-40B4-BE49-F238E27FC236}">
+                <a16:creationId xmlns:a16="http://schemas.microsoft.com/office/drawing/2014/main" id="{125EC5BE-68C9-4C55-8D48-904C9CFC8A87}"/>
+              </a:ext>
+            </a:extLst>
+          </p:cNvPr>
+          <p:cNvSpPr>
+            <a:spLocks noGrp="1"/>
+          </p:cNvSpPr>
+          <p:nvPr>
+            <p:ph type="title"/>
+          </p:nvPr>
+        </p:nvSpPr>
+        <p:spPr>
+          <a:xfrm>
+            <a:off x="646111" y="401347"/>
+            <a:ext cx="9404723" cy="1400530"/>
+          </a:xfrm>
+        </p:spPr>
+        <p:txBody>
+          <a:bodyPr>
+            <a:normAutofit fontScale="90000"/>
+          </a:bodyPr>
+          <a:lstStyle/>
+          <a:p>
+            <a:r>
+              <a:rPr lang="en-US" sz="4000" b="1" dirty="0">
+                <a:solidFill>
+                  <a:schemeClr val="accent3"/>
+                </a:solidFill>
+                <a:effectLst>
+                  <a:outerShdw blurRad="38100" dist="38100" dir="2700000" algn="tl">
+                    <a:srgbClr val="000000">
+                      <a:alpha val="43137"/>
+                    </a:srgbClr>
+                  </a:outerShdw>
+                </a:effectLst>
+                <a:latin typeface="Times New Roman" panose="02020603050405020304" pitchFamily="18" charset="0"/>
+                <a:cs typeface="Times New Roman" panose="02020603050405020304" pitchFamily="18" charset="0"/>
+              </a:rPr>
+              <a:t>Screens of UI Sketches</a:t>
+            </a:r>
+            <a:br>
+              <a:rPr lang="en-US" sz="4000" dirty="0">
+                <a:latin typeface="Times New Roman" panose="02020603050405020304" pitchFamily="18" charset="0"/>
+                <a:cs typeface="Times New Roman" panose="02020603050405020304" pitchFamily="18" charset="0"/>
+              </a:rPr>
+            </a:br>
+            <a:br>
+              <a:rPr lang="en-US" dirty="0">
+                <a:latin typeface="Times New Roman" panose="02020603050405020304" pitchFamily="18" charset="0"/>
+                <a:cs typeface="Times New Roman" panose="02020603050405020304" pitchFamily="18" charset="0"/>
+              </a:rPr>
+            </a:br>
+            <a:endParaRPr lang="en-US" sz="2000" dirty="0">
+              <a:latin typeface="Times New Roman" panose="02020603050405020304" pitchFamily="18" charset="0"/>
+              <a:cs typeface="Times New Roman" panose="02020603050405020304" pitchFamily="18" charset="0"/>
+            </a:endParaRPr>
+          </a:p>
+        </p:txBody>
+      </p:sp>
+      <p:pic>
+        <p:nvPicPr>
+          <p:cNvPr id="5" name="Content Placeholder 4" descr="A screenshot of a cell phone&#10;&#10;Description automatically generated">
+            <a:extLst>
+              <a:ext uri="{FF2B5EF4-FFF2-40B4-BE49-F238E27FC236}">
+                <a16:creationId xmlns:a16="http://schemas.microsoft.com/office/drawing/2014/main" id="{0EAAE02D-95D7-4790-9B8B-0C2E66ED1508}"/>
+              </a:ext>
+            </a:extLst>
+          </p:cNvPr>
+          <p:cNvPicPr>
+            <a:picLocks noGrp="1" noChangeAspect="1"/>
+          </p:cNvPicPr>
+          <p:nvPr>
+            <p:ph idx="1"/>
+          </p:nvPr>
+        </p:nvPicPr>
+        <p:blipFill>
+          <a:blip r:embed="rId2">
+            <a:extLst>
+              <a:ext uri="{28A0092B-C50C-407E-A947-70E740481C1C}">
+                <a14:useLocalDpi xmlns:a14="http://schemas.microsoft.com/office/drawing/2010/main" val="0"/>
+              </a:ext>
+            </a:extLst>
+          </a:blip>
+          <a:stretch>
+            <a:fillRect/>
+          </a:stretch>
+        </p:blipFill>
+        <p:spPr>
+          <a:xfrm>
+            <a:off x="992292" y="1191803"/>
+            <a:ext cx="3024903" cy="4977926"/>
+          </a:xfrm>
+        </p:spPr>
+      </p:pic>
+      <p:pic>
+        <p:nvPicPr>
+          <p:cNvPr id="7" name="Picture 6" descr="A screenshot of a cell phone&#10;&#10;Description automatically generated">
+            <a:extLst>
+              <a:ext uri="{FF2B5EF4-FFF2-40B4-BE49-F238E27FC236}">
+                <a16:creationId xmlns:a16="http://schemas.microsoft.com/office/drawing/2014/main" id="{50FBA26D-8217-4E8F-AA9C-568663C77F8B}"/>
+              </a:ext>
+            </a:extLst>
+          </p:cNvPr>
+          <p:cNvPicPr>
+            <a:picLocks noChangeAspect="1"/>
+          </p:cNvPicPr>
+          <p:nvPr/>
+        </p:nvPicPr>
+        <p:blipFill>
+          <a:blip r:embed="rId3">
+            <a:extLst>
+              <a:ext uri="{28A0092B-C50C-407E-A947-70E740481C1C}">
+                <a14:useLocalDpi xmlns:a14="http://schemas.microsoft.com/office/drawing/2010/main" val="0"/>
+              </a:ext>
+            </a:extLst>
+          </a:blip>
+          <a:stretch>
+            <a:fillRect/>
+          </a:stretch>
+        </p:blipFill>
+        <p:spPr>
+          <a:xfrm>
+            <a:off x="4598458" y="1191803"/>
+            <a:ext cx="3024902" cy="4977926"/>
+          </a:xfrm>
+          <a:prstGeom prst="rect">
+            <a:avLst/>
+          </a:prstGeom>
+        </p:spPr>
+      </p:pic>
+      <p:sp>
+        <p:nvSpPr>
+          <p:cNvPr id="8" name="Footer Placeholder 7">
+            <a:extLst>
+              <a:ext uri="{FF2B5EF4-FFF2-40B4-BE49-F238E27FC236}">
+                <a16:creationId xmlns:a16="http://schemas.microsoft.com/office/drawing/2014/main" id="{3D7665F4-0963-419D-B051-3FE3079E217D}"/>
+              </a:ext>
+            </a:extLst>
+          </p:cNvPr>
+          <p:cNvSpPr>
+            <a:spLocks noGrp="1"/>
+          </p:cNvSpPr>
+          <p:nvPr>
+            <p:ph type="ftr" sz="quarter" idx="11"/>
+          </p:nvPr>
+        </p:nvSpPr>
+        <p:spPr/>
+        <p:txBody>
+          <a:bodyPr/>
+          <a:lstStyle/>
+          <a:p>
+            <a:r>
+              <a:rPr lang="en-US"/>
+              <a:t>Healthify-NWMSU</a:t>
+            </a:r>
+          </a:p>
+        </p:txBody>
+      </p:sp>
+      <p:sp>
+        <p:nvSpPr>
+          <p:cNvPr id="9" name="Slide Number Placeholder 8">
+            <a:extLst>
+              <a:ext uri="{FF2B5EF4-FFF2-40B4-BE49-F238E27FC236}">
+                <a16:creationId xmlns:a16="http://schemas.microsoft.com/office/drawing/2014/main" id="{4F7404B4-B404-4287-985D-DA10D897BF21}"/>
+              </a:ext>
+            </a:extLst>
+          </p:cNvPr>
+          <p:cNvSpPr>
+            <a:spLocks noGrp="1"/>
+          </p:cNvSpPr>
+          <p:nvPr>
+            <p:ph type="sldNum" sz="quarter" idx="12"/>
+          </p:nvPr>
+        </p:nvSpPr>
+        <p:spPr/>
+        <p:txBody>
+          <a:bodyPr/>
+          <a:lstStyle/>
+          <a:p>
+            <a:fld id="{FC6EDEEF-6E47-4D41-B312-2A124904AE2A}" type="slidenum">
+              <a:rPr lang="en-US" smtClean="0"/>
+              <a:t>5</a:t>
+            </a:fld>
+            <a:endParaRPr lang="en-US"/>
+          </a:p>
+        </p:txBody>
+      </p:sp>
+      <p:pic>
+        <p:nvPicPr>
+          <p:cNvPr id="10" name="Picture 9" descr="A screenshot of a cell phone&#10;&#10;Description automatically generated">
+            <a:extLst>
+              <a:ext uri="{FF2B5EF4-FFF2-40B4-BE49-F238E27FC236}">
+                <a16:creationId xmlns:a16="http://schemas.microsoft.com/office/drawing/2014/main" id="{8D84F9D6-7C5E-49A6-A655-EB05CB23DF91}"/>
+              </a:ext>
+            </a:extLst>
+          </p:cNvPr>
+          <p:cNvPicPr>
+            <a:picLocks noChangeAspect="1"/>
+          </p:cNvPicPr>
+          <p:nvPr/>
+        </p:nvPicPr>
+        <p:blipFill>
+          <a:blip r:embed="rId4">
+            <a:extLst>
+              <a:ext uri="{28A0092B-C50C-407E-A947-70E740481C1C}">
+                <a14:useLocalDpi xmlns:a14="http://schemas.microsoft.com/office/drawing/2010/main" val="0"/>
+              </a:ext>
+            </a:extLst>
+          </a:blip>
+          <a:stretch>
+            <a:fillRect/>
+          </a:stretch>
+        </p:blipFill>
+        <p:spPr>
+          <a:xfrm>
+            <a:off x="8378157" y="1191803"/>
+            <a:ext cx="2821551" cy="4884221"/>
+          </a:xfrm>
+          <a:prstGeom prst="rect">
+            <a:avLst/>
+          </a:prstGeom>
+        </p:spPr>
+      </p:pic>
+    </p:spTree>
+    <p:extLst>
+      <p:ext uri="{BB962C8B-B14F-4D97-AF65-F5344CB8AC3E}">
+        <p14:creationId xmlns:p14="http://schemas.microsoft.com/office/powerpoint/2010/main" val="793526837"/>
+      </p:ext>
+    </p:extLst>
+  </p:cSld>
+  <p:clrMapOvr>
+    <a:masterClrMapping/>
+  </p:clrMapOvr>
+</p:sld>
+</file>
+
+<file path=ppt/slides/slide6.xml><?xml version="1.0" encoding="utf-8"?>
+<p:sld xmlns:a="http://schemas.openxmlformats.org/drawingml/2006/main" xmlns:r="http://schemas.openxmlformats.org/officeDocument/2006/relationships" xmlns:p="http://schemas.openxmlformats.org/presentationml/2006/main">
+  <p:cSld>
+    <p:spTree>
+      <p:nvGrpSpPr>
+        <p:cNvPr id="1" name=""/>
+        <p:cNvGrpSpPr/>
+        <p:nvPr/>
+      </p:nvGrpSpPr>
+      <p:grpSpPr>
+        <a:xfrm>
+          <a:off x="0" y="0"/>
+          <a:ext cx="0" cy="0"/>
+          <a:chOff x="0" y="0"/>
+          <a:chExt cx="0" cy="0"/>
+        </a:xfrm>
+      </p:grpSpPr>
+      <p:sp>
+        <p:nvSpPr>
+          <p:cNvPr id="2" name="Title 1">
+            <a:extLst>
+              <a:ext uri="{FF2B5EF4-FFF2-40B4-BE49-F238E27FC236}">
+                <a16:creationId xmlns:a16="http://schemas.microsoft.com/office/drawing/2014/main" id="{EE86DD78-E9CE-490E-88B1-0385B046D747}"/>
+              </a:ext>
+            </a:extLst>
+          </p:cNvPr>
+          <p:cNvSpPr>
+            <a:spLocks noGrp="1"/>
+          </p:cNvSpPr>
+          <p:nvPr>
+            <p:ph type="title"/>
+          </p:nvPr>
+        </p:nvSpPr>
+        <p:spPr/>
+        <p:txBody>
+          <a:bodyPr/>
+          <a:lstStyle/>
+          <a:p>
+            <a:r>
+              <a:rPr lang="en-US" b="1" dirty="0">
+                <a:solidFill>
+                  <a:schemeClr val="accent3"/>
+                </a:solidFill>
+                <a:effectLst>
+                  <a:outerShdw blurRad="38100" dist="38100" dir="2700000" algn="tl">
+                    <a:srgbClr val="000000">
+                      <a:alpha val="43137"/>
+                    </a:srgbClr>
+                  </a:outerShdw>
+                </a:effectLst>
+                <a:latin typeface="Times New Roman" panose="02020603050405020304" pitchFamily="18" charset="0"/>
+                <a:cs typeface="Times New Roman" panose="02020603050405020304" pitchFamily="18" charset="0"/>
+              </a:rPr>
+              <a:t>Screens of UI Sketches</a:t>
+            </a:r>
+            <a:endParaRPr lang="en-US" b="1" dirty="0">
+              <a:solidFill>
+                <a:schemeClr val="accent3"/>
+              </a:solidFill>
+              <a:effectLst>
+                <a:outerShdw blurRad="38100" dist="38100" dir="2700000" algn="tl">
+                  <a:srgbClr val="000000">
+                    <a:alpha val="43137"/>
+                  </a:srgbClr>
+                </a:outerShdw>
+              </a:effectLst>
+            </a:endParaRPr>
+          </a:p>
+        </p:txBody>
+      </p:sp>
+      <p:pic>
+        <p:nvPicPr>
+          <p:cNvPr id="5" name="Content Placeholder 4" descr="A screenshot of a cell phone&#10;&#10;Description automatically generated">
+            <a:extLst>
+              <a:ext uri="{FF2B5EF4-FFF2-40B4-BE49-F238E27FC236}">
+                <a16:creationId xmlns:a16="http://schemas.microsoft.com/office/drawing/2014/main" id="{3C2846B6-CBD7-4174-A78E-EB0295F266B7}"/>
+              </a:ext>
+            </a:extLst>
+          </p:cNvPr>
+          <p:cNvPicPr>
+            <a:picLocks noGrp="1" noChangeAspect="1"/>
+          </p:cNvPicPr>
+          <p:nvPr>
+            <p:ph idx="1"/>
+          </p:nvPr>
+        </p:nvPicPr>
+        <p:blipFill>
+          <a:blip r:embed="rId2">
+            <a:extLst>
+              <a:ext uri="{28A0092B-C50C-407E-A947-70E740481C1C}">
+                <a14:useLocalDpi xmlns:a14="http://schemas.microsoft.com/office/drawing/2010/main" val="0"/>
+              </a:ext>
+            </a:extLst>
+          </a:blip>
+          <a:stretch>
+            <a:fillRect/>
+          </a:stretch>
+        </p:blipFill>
+        <p:spPr>
+          <a:xfrm>
+            <a:off x="7653096" y="1216217"/>
+            <a:ext cx="2821551" cy="4884221"/>
+          </a:xfrm>
+        </p:spPr>
+      </p:pic>
+      <p:pic>
+        <p:nvPicPr>
+          <p:cNvPr id="6" name="Picture 5" descr="A screenshot of a cell phone&#10;&#10;Description automatically generated">
+            <a:extLst>
+              <a:ext uri="{FF2B5EF4-FFF2-40B4-BE49-F238E27FC236}">
+                <a16:creationId xmlns:a16="http://schemas.microsoft.com/office/drawing/2014/main" id="{BC02AB21-A8B2-431B-B6C0-5A214AE639C7}"/>
+              </a:ext>
+            </a:extLst>
+          </p:cNvPr>
+          <p:cNvPicPr>
+            <a:picLocks noChangeAspect="1"/>
+          </p:cNvPicPr>
+          <p:nvPr/>
+        </p:nvPicPr>
+        <p:blipFill>
+          <a:blip r:embed="rId3">
+            <a:extLst>
+              <a:ext uri="{28A0092B-C50C-407E-A947-70E740481C1C}">
+                <a14:useLocalDpi xmlns:a14="http://schemas.microsoft.com/office/drawing/2010/main" val="0"/>
+              </a:ext>
+            </a:extLst>
+          </a:blip>
+          <a:stretch>
+            <a:fillRect/>
+          </a:stretch>
+        </p:blipFill>
+        <p:spPr>
+          <a:xfrm>
+            <a:off x="4258078" y="1216217"/>
+            <a:ext cx="2821551" cy="4884221"/>
+          </a:xfrm>
+          <a:prstGeom prst="rect">
+            <a:avLst/>
+          </a:prstGeom>
+        </p:spPr>
+      </p:pic>
+      <p:sp>
+        <p:nvSpPr>
+          <p:cNvPr id="8" name="Footer Placeholder 7">
+            <a:extLst>
+              <a:ext uri="{FF2B5EF4-FFF2-40B4-BE49-F238E27FC236}">
+                <a16:creationId xmlns:a16="http://schemas.microsoft.com/office/drawing/2014/main" id="{5CED5646-90C1-4F81-90DA-AA017C6B22C5}"/>
+              </a:ext>
+            </a:extLst>
+          </p:cNvPr>
+          <p:cNvSpPr>
+            <a:spLocks noGrp="1"/>
+          </p:cNvSpPr>
+          <p:nvPr>
+            <p:ph type="ftr" sz="quarter" idx="11"/>
+          </p:nvPr>
+        </p:nvSpPr>
+        <p:spPr/>
+        <p:txBody>
+          <a:bodyPr/>
+          <a:lstStyle/>
+          <a:p>
+            <a:r>
+              <a:rPr lang="en-US"/>
+              <a:t>Healthify-NWMSU</a:t>
+            </a:r>
+          </a:p>
+        </p:txBody>
+      </p:sp>
+      <p:sp>
+        <p:nvSpPr>
+          <p:cNvPr id="9" name="Slide Number Placeholder 8">
+            <a:extLst>
+              <a:ext uri="{FF2B5EF4-FFF2-40B4-BE49-F238E27FC236}">
+                <a16:creationId xmlns:a16="http://schemas.microsoft.com/office/drawing/2014/main" id="{92881D41-A262-4F4C-BCDB-29B7F360E97E}"/>
+              </a:ext>
+            </a:extLst>
+          </p:cNvPr>
+          <p:cNvSpPr>
+            <a:spLocks noGrp="1"/>
+          </p:cNvSpPr>
+          <p:nvPr>
+            <p:ph type="sldNum" sz="quarter" idx="12"/>
+          </p:nvPr>
+        </p:nvSpPr>
+        <p:spPr/>
+        <p:txBody>
+          <a:bodyPr/>
+          <a:lstStyle/>
+          <a:p>
+            <a:fld id="{FC6EDEEF-6E47-4D41-B312-2A124904AE2A}" type="slidenum">
+              <a:rPr lang="en-US" smtClean="0"/>
+              <a:t>6</a:t>
+            </a:fld>
+            <a:endParaRPr lang="en-US"/>
+          </a:p>
+        </p:txBody>
+      </p:sp>
+      <p:pic>
+        <p:nvPicPr>
+          <p:cNvPr id="10" name="Content Placeholder 4" descr="A screenshot of a social media post&#10;&#10;Description automatically generated">
+            <a:extLst>
+              <a:ext uri="{FF2B5EF4-FFF2-40B4-BE49-F238E27FC236}">
+                <a16:creationId xmlns:a16="http://schemas.microsoft.com/office/drawing/2014/main" id="{EB2594DB-28A2-4C50-8FC6-1738B3EB1D2F}"/>
+              </a:ext>
+            </a:extLst>
+          </p:cNvPr>
+          <p:cNvPicPr>
+            <a:picLocks noChangeAspect="1"/>
+          </p:cNvPicPr>
+          <p:nvPr/>
+        </p:nvPicPr>
+        <p:blipFill>
+          <a:blip r:embed="rId4">
+            <a:extLst>
+              <a:ext uri="{28A0092B-C50C-407E-A947-70E740481C1C}">
+                <a14:useLocalDpi xmlns:a14="http://schemas.microsoft.com/office/drawing/2010/main" val="0"/>
+              </a:ext>
+            </a:extLst>
+          </a:blip>
+          <a:stretch>
+            <a:fillRect/>
+          </a:stretch>
+        </p:blipFill>
+        <p:spPr>
+          <a:xfrm>
+            <a:off x="875338" y="1169363"/>
+            <a:ext cx="2809273" cy="4977926"/>
+          </a:xfrm>
+          <a:prstGeom prst="rect">
+            <a:avLst/>
+          </a:prstGeom>
+        </p:spPr>
+      </p:pic>
+    </p:spTree>
+    <p:extLst>
+      <p:ext uri="{BB962C8B-B14F-4D97-AF65-F5344CB8AC3E}">
+        <p14:creationId xmlns:p14="http://schemas.microsoft.com/office/powerpoint/2010/main" val="2990232904"/>
+      </p:ext>
+    </p:extLst>
+  </p:cSld>
+  <p:clrMapOvr>
+    <a:masterClrMapping/>
+  </p:clrMapOvr>
+</p:sld>
+</file>
+
+<file path=ppt/slides/slide7.xml><?xml version="1.0" encoding="utf-8"?>
+<p:sld xmlns:a="http://schemas.openxmlformats.org/drawingml/2006/main" xmlns:r="http://schemas.openxmlformats.org/officeDocument/2006/relationships" xmlns:p="http://schemas.openxmlformats.org/presentationml/2006/main">
+  <p:cSld>
+    <p:spTree>
+      <p:nvGrpSpPr>
+        <p:cNvPr id="1" name=""/>
+        <p:cNvGrpSpPr/>
+        <p:nvPr/>
+      </p:nvGrpSpPr>
+      <p:grpSpPr>
+        <a:xfrm>
+          <a:off x="0" y="0"/>
+          <a:ext cx="0" cy="0"/>
+          <a:chOff x="0" y="0"/>
+          <a:chExt cx="0" cy="0"/>
+        </a:xfrm>
+      </p:grpSpPr>
+      <p:sp>
+        <p:nvSpPr>
+          <p:cNvPr id="2" name="Title 1">
+            <a:extLst>
+              <a:ext uri="{FF2B5EF4-FFF2-40B4-BE49-F238E27FC236}">
+                <a16:creationId xmlns:a16="http://schemas.microsoft.com/office/drawing/2014/main" id="{573E737E-8EF4-48B3-9937-7787C41E3A2D}"/>
+              </a:ext>
+            </a:extLst>
+          </p:cNvPr>
+          <p:cNvSpPr>
+            <a:spLocks noGrp="1"/>
+          </p:cNvSpPr>
+          <p:nvPr>
+            <p:ph type="title"/>
+          </p:nvPr>
+        </p:nvSpPr>
+        <p:spPr>
+          <a:xfrm>
+            <a:off x="677334" y="599326"/>
+            <a:ext cx="8596668" cy="1320800"/>
+          </a:xfrm>
+        </p:spPr>
+        <p:txBody>
+          <a:bodyPr>
+            <a:normAutofit/>
+          </a:bodyPr>
+          <a:lstStyle/>
+          <a:p>
+            <a:r>
+              <a:rPr lang="en-US" b="1" dirty="0">
+                <a:solidFill>
+                  <a:schemeClr val="accent3"/>
+                </a:solidFill>
+                <a:effectLst>
+                  <a:outerShdw blurRad="38100" dist="38100" dir="2700000" algn="tl">
+                    <a:srgbClr val="000000">
+                      <a:alpha val="43137"/>
+                    </a:srgbClr>
+                  </a:outerShdw>
+                </a:effectLst>
+                <a:latin typeface="Times New Roman" panose="02020603050405020304" pitchFamily="18" charset="0"/>
+                <a:cs typeface="Times New Roman" panose="02020603050405020304" pitchFamily="18" charset="0"/>
+              </a:rPr>
+              <a:t>Acceptance Criteria</a:t>
+            </a:r>
+            <a:br>
+              <a:rPr lang="en-US" b="1" dirty="0">
+                <a:solidFill>
+                  <a:srgbClr val="24292E"/>
+                </a:solidFill>
+                <a:latin typeface="-apple-system"/>
+              </a:rPr>
+            </a:br>
+            <a:endParaRPr lang="en-US" dirty="0"/>
+          </a:p>
+        </p:txBody>
+      </p:sp>
+      <p:sp>
+        <p:nvSpPr>
+          <p:cNvPr id="3" name="Content Placeholder 2">
+            <a:extLst>
+              <a:ext uri="{FF2B5EF4-FFF2-40B4-BE49-F238E27FC236}">
+                <a16:creationId xmlns:a16="http://schemas.microsoft.com/office/drawing/2014/main" id="{9C7E8854-7F3E-4442-BC30-0FA2B15FA669}"/>
+              </a:ext>
+            </a:extLst>
+          </p:cNvPr>
+          <p:cNvSpPr>
+            <a:spLocks noGrp="1"/>
+          </p:cNvSpPr>
+          <p:nvPr>
+            <p:ph idx="1"/>
+          </p:nvPr>
+        </p:nvSpPr>
+        <p:spPr>
+          <a:xfrm>
+            <a:off x="1103311" y="1273996"/>
+            <a:ext cx="10352373" cy="5373384"/>
+          </a:xfrm>
+        </p:spPr>
+        <p:txBody>
+          <a:bodyPr>
+            <a:normAutofit fontScale="25000" lnSpcReduction="20000"/>
+          </a:bodyPr>
+          <a:lstStyle/>
+          <a:p>
+            <a:pPr>
+              <a:buFont typeface="Arial" panose="020B0604020202020204" pitchFamily="34" charset="0"/>
+              <a:buChar char="•"/>
+            </a:pPr>
+            <a:r>
+              <a:rPr lang="en-US" sz="8000" dirty="0">
+                <a:solidFill>
+                  <a:schemeClr val="tx1">
+                    <a:lumMod val="95000"/>
+                  </a:schemeClr>
+                </a:solidFill>
+                <a:latin typeface="Times New Roman" panose="02020603050405020304" pitchFamily="18" charset="0"/>
+                <a:cs typeface="Times New Roman" panose="02020603050405020304" pitchFamily="18" charset="0"/>
+              </a:rPr>
+              <a:t>Admin can view and download all data entered by the user by just selecting the get data into a file button.</a:t>
+            </a:r>
+          </a:p>
+          <a:p>
+            <a:pPr>
+              <a:buFont typeface="Arial" panose="020B0604020202020204" pitchFamily="34" charset="0"/>
+              <a:buChar char="•"/>
+            </a:pPr>
+            <a:r>
+              <a:rPr lang="en-US" sz="8000" dirty="0">
+                <a:solidFill>
+                  <a:schemeClr val="tx1">
+                    <a:lumMod val="95000"/>
+                  </a:schemeClr>
+                </a:solidFill>
+                <a:latin typeface="Times New Roman" panose="02020603050405020304" pitchFamily="18" charset="0"/>
+                <a:cs typeface="Times New Roman" panose="02020603050405020304" pitchFamily="18" charset="0"/>
+              </a:rPr>
+              <a:t>Admin can create and manage the user groups by selecting add symbol.</a:t>
+            </a:r>
+          </a:p>
+          <a:p>
+            <a:pPr>
+              <a:buFont typeface="Arial" panose="020B0604020202020204" pitchFamily="34" charset="0"/>
+              <a:buChar char="•"/>
+            </a:pPr>
+            <a:r>
+              <a:rPr lang="en-US" sz="8000" dirty="0">
+                <a:solidFill>
+                  <a:schemeClr val="tx1">
+                    <a:lumMod val="95000"/>
+                  </a:schemeClr>
+                </a:solidFill>
+                <a:latin typeface="Times New Roman" panose="02020603050405020304" pitchFamily="18" charset="0"/>
+                <a:cs typeface="Times New Roman" panose="02020603050405020304" pitchFamily="18" charset="0"/>
+              </a:rPr>
+              <a:t>Admin can share challenge results with group members by clicking release results button.</a:t>
+            </a:r>
+          </a:p>
+          <a:p>
+            <a:pPr>
+              <a:buFont typeface="Arial" panose="020B0604020202020204" pitchFamily="34" charset="0"/>
+              <a:buChar char="•"/>
+            </a:pPr>
+            <a:r>
+              <a:rPr lang="en-US" sz="8000" dirty="0">
+                <a:solidFill>
+                  <a:schemeClr val="tx1">
+                    <a:lumMod val="95000"/>
+                  </a:schemeClr>
+                </a:solidFill>
+                <a:latin typeface="Times New Roman" panose="02020603050405020304" pitchFamily="18" charset="0"/>
+                <a:cs typeface="Times New Roman" panose="02020603050405020304" pitchFamily="18" charset="0"/>
+              </a:rPr>
+              <a:t>Users can create and edit data of personal details upon signup.</a:t>
+            </a:r>
+          </a:p>
+          <a:p>
+            <a:pPr>
+              <a:buFont typeface="Arial" panose="020B0604020202020204" pitchFamily="34" charset="0"/>
+              <a:buChar char="•"/>
+            </a:pPr>
+            <a:r>
+              <a:rPr lang="en-US" sz="8000" dirty="0">
+                <a:latin typeface="Times New Roman" panose="02020603050405020304" pitchFamily="18" charset="0"/>
+                <a:cs typeface="Times New Roman" panose="02020603050405020304" pitchFamily="18" charset="0"/>
+              </a:rPr>
+              <a:t>Users can participate in new challenges just by clicking register buttons on each page of challenges.</a:t>
+            </a:r>
+            <a:endParaRPr lang="en-US" sz="8000" dirty="0">
+              <a:solidFill>
+                <a:schemeClr val="tx1">
+                  <a:lumMod val="95000"/>
+                </a:schemeClr>
+              </a:solidFill>
+              <a:latin typeface="Times New Roman" panose="02020603050405020304" pitchFamily="18" charset="0"/>
+              <a:cs typeface="Times New Roman" panose="02020603050405020304" pitchFamily="18" charset="0"/>
+            </a:endParaRPr>
+          </a:p>
+          <a:p>
+            <a:pPr>
+              <a:buFont typeface="Arial" panose="020B0604020202020204" pitchFamily="34" charset="0"/>
+              <a:buChar char="•"/>
+            </a:pPr>
+            <a:r>
+              <a:rPr lang="en-US" sz="8000" dirty="0">
+                <a:solidFill>
+                  <a:schemeClr val="tx1">
+                    <a:lumMod val="95000"/>
+                  </a:schemeClr>
+                </a:solidFill>
+                <a:latin typeface="Times New Roman" panose="02020603050405020304" pitchFamily="18" charset="0"/>
+                <a:cs typeface="Times New Roman" panose="02020603050405020304" pitchFamily="18" charset="0"/>
+              </a:rPr>
+              <a:t>Users can accept or reject group assignments upon receiving mails from the admin invites.</a:t>
+            </a:r>
+          </a:p>
+          <a:p>
+            <a:pPr>
+              <a:buFont typeface="Arial" panose="020B0604020202020204" pitchFamily="34" charset="0"/>
+              <a:buChar char="•"/>
+            </a:pPr>
+            <a:r>
+              <a:rPr lang="en-US" sz="8000" dirty="0">
+                <a:solidFill>
+                  <a:schemeClr val="tx1">
+                    <a:lumMod val="95000"/>
+                  </a:schemeClr>
+                </a:solidFill>
+                <a:latin typeface="Times New Roman" panose="02020603050405020304" pitchFamily="18" charset="0"/>
+                <a:cs typeface="Times New Roman" panose="02020603050405020304" pitchFamily="18" charset="0"/>
+              </a:rPr>
+              <a:t>Users can view data from past challenges by clicking on the results.</a:t>
+            </a:r>
+          </a:p>
+          <a:p>
+            <a:pPr>
+              <a:buFont typeface="Arial" panose="020B0604020202020204" pitchFamily="34" charset="0"/>
+              <a:buChar char="•"/>
+            </a:pPr>
+            <a:r>
+              <a:rPr lang="en-US" sz="8000" dirty="0">
+                <a:solidFill>
+                  <a:schemeClr val="tx1">
+                    <a:lumMod val="95000"/>
+                  </a:schemeClr>
+                </a:solidFill>
+                <a:latin typeface="Times New Roman" panose="02020603050405020304" pitchFamily="18" charset="0"/>
+                <a:cs typeface="Times New Roman" panose="02020603050405020304" pitchFamily="18" charset="0"/>
+              </a:rPr>
+              <a:t>User can access the application only by submitting required details.</a:t>
+            </a:r>
+          </a:p>
+          <a:p>
+            <a:pPr>
+              <a:buFont typeface="Arial" panose="020B0604020202020204" pitchFamily="34" charset="0"/>
+              <a:buChar char="•"/>
+            </a:pPr>
+            <a:r>
+              <a:rPr lang="en-US" sz="8000" dirty="0">
+                <a:solidFill>
+                  <a:schemeClr val="tx1">
+                    <a:lumMod val="95000"/>
+                  </a:schemeClr>
+                </a:solidFill>
+                <a:latin typeface="Times New Roman" panose="02020603050405020304" pitchFamily="18" charset="0"/>
+                <a:cs typeface="Times New Roman" panose="02020603050405020304" pitchFamily="18" charset="0"/>
+              </a:rPr>
+              <a:t>Enabling responsive Mobile menu for Tablets and Mobiles.</a:t>
+            </a:r>
+          </a:p>
+          <a:p>
+            <a:pPr>
+              <a:buFont typeface="Arial" panose="020B0604020202020204" pitchFamily="34" charset="0"/>
+              <a:buChar char="•"/>
+            </a:pPr>
+            <a:r>
+              <a:rPr lang="en-US" sz="8000" dirty="0">
+                <a:solidFill>
+                  <a:schemeClr val="tx1">
+                    <a:lumMod val="95000"/>
+                  </a:schemeClr>
+                </a:solidFill>
+                <a:latin typeface="Times New Roman" panose="02020603050405020304" pitchFamily="18" charset="0"/>
+                <a:cs typeface="Times New Roman" panose="02020603050405020304" pitchFamily="18" charset="0"/>
+              </a:rPr>
+              <a:t>User can Easily Navigate across different screens.</a:t>
+            </a:r>
+          </a:p>
+          <a:p>
+            <a:pPr>
+              <a:buFont typeface="Arial" panose="020B0604020202020204" pitchFamily="34" charset="0"/>
+              <a:buChar char="•"/>
+            </a:pPr>
+            <a:r>
+              <a:rPr lang="en-US" sz="8000" dirty="0">
+                <a:solidFill>
+                  <a:schemeClr val="tx1">
+                    <a:lumMod val="95000"/>
+                  </a:schemeClr>
+                </a:solidFill>
+                <a:latin typeface="Times New Roman" panose="02020603050405020304" pitchFamily="18" charset="0"/>
+                <a:cs typeface="Times New Roman" panose="02020603050405020304" pitchFamily="18" charset="0"/>
+              </a:rPr>
+              <a:t>User can have Responsiveness of drop-down lists.</a:t>
+            </a:r>
+          </a:p>
+          <a:p>
+            <a:pPr>
+              <a:buFont typeface="Arial" panose="020B0604020202020204" pitchFamily="34" charset="0"/>
+              <a:buChar char="•"/>
+            </a:pPr>
+            <a:r>
+              <a:rPr lang="en-US" sz="8000" dirty="0">
+                <a:latin typeface="Times New Roman" panose="02020603050405020304" pitchFamily="18" charset="0"/>
+                <a:cs typeface="Times New Roman" panose="02020603050405020304" pitchFamily="18" charset="0"/>
+              </a:rPr>
+              <a:t>User can Distinguish the inactive buttons from active buttons.</a:t>
+            </a:r>
+            <a:endParaRPr lang="en-US" sz="8000" dirty="0">
+              <a:solidFill>
+                <a:schemeClr val="tx1">
+                  <a:lumMod val="95000"/>
+                </a:schemeClr>
+              </a:solidFill>
+              <a:latin typeface="Times New Roman" panose="02020603050405020304" pitchFamily="18" charset="0"/>
+              <a:cs typeface="Times New Roman" panose="02020603050405020304" pitchFamily="18" charset="0"/>
+            </a:endParaRPr>
+          </a:p>
+          <a:p>
+            <a:pPr marL="0" indent="0">
+              <a:buNone/>
+            </a:pPr>
+            <a:endParaRPr lang="en-US" dirty="0"/>
+          </a:p>
+        </p:txBody>
+      </p:sp>
+      <p:sp>
+        <p:nvSpPr>
+          <p:cNvPr id="6" name="Footer Placeholder 5">
+            <a:extLst>
+              <a:ext uri="{FF2B5EF4-FFF2-40B4-BE49-F238E27FC236}">
+                <a16:creationId xmlns:a16="http://schemas.microsoft.com/office/drawing/2014/main" id="{9DD87943-4C6A-46FB-B51C-3840DF598793}"/>
+              </a:ext>
+            </a:extLst>
+          </p:cNvPr>
+          <p:cNvSpPr>
+            <a:spLocks noGrp="1"/>
+          </p:cNvSpPr>
+          <p:nvPr>
+            <p:ph type="ftr" sz="quarter" idx="11"/>
+          </p:nvPr>
+        </p:nvSpPr>
+        <p:spPr/>
+        <p:txBody>
+          <a:bodyPr/>
+          <a:lstStyle/>
+          <a:p>
+            <a:r>
+              <a:rPr lang="en-US"/>
+              <a:t>Healthify-NWMSU</a:t>
+            </a:r>
+          </a:p>
+        </p:txBody>
+      </p:sp>
+      <p:sp>
+        <p:nvSpPr>
+          <p:cNvPr id="7" name="Slide Number Placeholder 6">
+            <a:extLst>
+              <a:ext uri="{FF2B5EF4-FFF2-40B4-BE49-F238E27FC236}">
+                <a16:creationId xmlns:a16="http://schemas.microsoft.com/office/drawing/2014/main" id="{2CA22E63-B086-4925-B662-12D17C54A126}"/>
+              </a:ext>
+            </a:extLst>
+          </p:cNvPr>
+          <p:cNvSpPr>
+            <a:spLocks noGrp="1"/>
+          </p:cNvSpPr>
+          <p:nvPr>
+            <p:ph type="sldNum" sz="quarter" idx="12"/>
+          </p:nvPr>
+        </p:nvSpPr>
+        <p:spPr/>
+        <p:txBody>
+          <a:bodyPr/>
+          <a:lstStyle/>
+          <a:p>
+            <a:fld id="{FC6EDEEF-6E47-4D41-B312-2A124904AE2A}" type="slidenum">
+              <a:rPr lang="en-US" smtClean="0"/>
+              <a:t>7</a:t>
+            </a:fld>
+            <a:endParaRPr lang="en-US"/>
+          </a:p>
+        </p:txBody>
+      </p:sp>
+    </p:spTree>
+    <p:extLst>
+      <p:ext uri="{BB962C8B-B14F-4D97-AF65-F5344CB8AC3E}">
+        <p14:creationId xmlns:p14="http://schemas.microsoft.com/office/powerpoint/2010/main" val="5059217"/>
+      </p:ext>
+    </p:extLst>
+  </p:cSld>
+  <p:clrMapOvr>
+    <a:masterClrMapping/>
+  </p:clrMapOvr>
+</p:sld>
+</file>
+
+<file path=ppt/slides/slide8.xml><?xml version="1.0" encoding="utf-8"?>
+<p:sld xmlns:a="http://schemas.openxmlformats.org/drawingml/2006/main" xmlns:r="http://schemas.openxmlformats.org/officeDocument/2006/relationships" xmlns:p="http://schemas.openxmlformats.org/presentationml/2006/main">
+  <p:cSld>
+    <p:spTree>
+      <p:nvGrpSpPr>
+        <p:cNvPr id="1" name=""/>
+        <p:cNvGrpSpPr/>
+        <p:nvPr/>
+      </p:nvGrpSpPr>
+      <p:grpSpPr>
+        <a:xfrm>
+          <a:off x="0" y="0"/>
+          <a:ext cx="0" cy="0"/>
+          <a:chOff x="0" y="0"/>
+          <a:chExt cx="0" cy="0"/>
+        </a:xfrm>
+      </p:grpSpPr>
+      <p:sp>
+        <p:nvSpPr>
+          <p:cNvPr id="2" name="Title 1">
+            <a:extLst>
+              <a:ext uri="{FF2B5EF4-FFF2-40B4-BE49-F238E27FC236}">
+                <a16:creationId xmlns:a16="http://schemas.microsoft.com/office/drawing/2014/main" id="{EDF33ABE-0CCC-4CB2-8A07-107E3F35A1F5}"/>
+              </a:ext>
+            </a:extLst>
+          </p:cNvPr>
+          <p:cNvSpPr>
+            <a:spLocks noGrp="1"/>
+          </p:cNvSpPr>
+          <p:nvPr>
+            <p:ph type="title"/>
+          </p:nvPr>
+        </p:nvSpPr>
+        <p:spPr/>
+        <p:txBody>
+          <a:bodyPr/>
+          <a:lstStyle/>
+          <a:p>
+            <a:r>
+              <a:rPr lang="en-US" b="1" dirty="0">
+                <a:solidFill>
+                  <a:schemeClr val="accent3"/>
+                </a:solidFill>
+                <a:effectLst>
+                  <a:outerShdw blurRad="38100" dist="38100" dir="2700000" algn="tl">
+                    <a:srgbClr val="000000">
+                      <a:alpha val="43137"/>
+                    </a:srgbClr>
+                  </a:outerShdw>
+                </a:effectLst>
+                <a:latin typeface="Times New Roman" panose="02020603050405020304" pitchFamily="18" charset="0"/>
+                <a:cs typeface="Times New Roman" panose="02020603050405020304" pitchFamily="18" charset="0"/>
+              </a:rPr>
+              <a:t>ER Diagram</a:t>
+            </a:r>
+          </a:p>
+        </p:txBody>
+      </p:sp>
+      <p:pic>
+        <p:nvPicPr>
+          <p:cNvPr id="5" name="Content Placeholder 4" descr="A close up of text on a white surface&#10;&#10;Description automatically generated">
+            <a:extLst>
+              <a:ext uri="{FF2B5EF4-FFF2-40B4-BE49-F238E27FC236}">
+                <a16:creationId xmlns:a16="http://schemas.microsoft.com/office/drawing/2014/main" id="{6EACB86E-0239-4971-8B76-392FF2502486}"/>
+              </a:ext>
+            </a:extLst>
+          </p:cNvPr>
+          <p:cNvPicPr>
+            <a:picLocks noGrp="1" noChangeAspect="1"/>
+          </p:cNvPicPr>
+          <p:nvPr>
+            <p:ph idx="1"/>
+          </p:nvPr>
+        </p:nvPicPr>
+        <p:blipFill>
+          <a:blip r:embed="rId2">
+            <a:extLst>
+              <a:ext uri="{28A0092B-C50C-407E-A947-70E740481C1C}">
+                <a14:useLocalDpi xmlns:a14="http://schemas.microsoft.com/office/drawing/2010/main" val="0"/>
+              </a:ext>
+            </a:extLst>
+          </a:blip>
+          <a:stretch>
+            <a:fillRect/>
+          </a:stretch>
+        </p:blipFill>
+        <p:spPr>
+          <a:xfrm>
+            <a:off x="1469204" y="1216889"/>
+            <a:ext cx="8825502" cy="4927057"/>
+          </a:xfrm>
+        </p:spPr>
+      </p:pic>
+      <p:sp>
+        <p:nvSpPr>
+          <p:cNvPr id="6" name="Footer Placeholder 5">
+            <a:extLst>
+              <a:ext uri="{FF2B5EF4-FFF2-40B4-BE49-F238E27FC236}">
+                <a16:creationId xmlns:a16="http://schemas.microsoft.com/office/drawing/2014/main" id="{BAE23FFC-2FF3-48E5-B3EA-BD5D2D982092}"/>
+              </a:ext>
+            </a:extLst>
+          </p:cNvPr>
+          <p:cNvSpPr>
+            <a:spLocks noGrp="1"/>
+          </p:cNvSpPr>
+          <p:nvPr>
+            <p:ph type="ftr" sz="quarter" idx="11"/>
+          </p:nvPr>
+        </p:nvSpPr>
+        <p:spPr/>
+        <p:txBody>
+          <a:bodyPr/>
+          <a:lstStyle/>
+          <a:p>
+            <a:r>
+              <a:rPr lang="en-US"/>
+              <a:t>Healthify-NWMSU</a:t>
+            </a:r>
+          </a:p>
+        </p:txBody>
+      </p:sp>
+      <p:sp>
+        <p:nvSpPr>
+          <p:cNvPr id="7" name="Slide Number Placeholder 6">
+            <a:extLst>
+              <a:ext uri="{FF2B5EF4-FFF2-40B4-BE49-F238E27FC236}">
+                <a16:creationId xmlns:a16="http://schemas.microsoft.com/office/drawing/2014/main" id="{78F6E9AC-376C-45ED-90C7-5AED69B56DBF}"/>
+              </a:ext>
+            </a:extLst>
+          </p:cNvPr>
+          <p:cNvSpPr>
+            <a:spLocks noGrp="1"/>
+          </p:cNvSpPr>
+          <p:nvPr>
+            <p:ph type="sldNum" sz="quarter" idx="12"/>
+          </p:nvPr>
+        </p:nvSpPr>
+        <p:spPr/>
+        <p:txBody>
+          <a:bodyPr/>
+          <a:lstStyle/>
+          <a:p>
+            <a:fld id="{FC6EDEEF-6E47-4D41-B312-2A124904AE2A}" type="slidenum">
+              <a:rPr lang="en-US" smtClean="0"/>
+              <a:t>8</a:t>
+            </a:fld>
+            <a:endParaRPr lang="en-US"/>
+          </a:p>
+        </p:txBody>
+      </p:sp>
+    </p:spTree>
+    <p:extLst>
+      <p:ext uri="{BB962C8B-B14F-4D97-AF65-F5344CB8AC3E}">
+        <p14:creationId xmlns:p14="http://schemas.microsoft.com/office/powerpoint/2010/main" val="3778845358"/>
+      </p:ext>
+    </p:extLst>
+  </p:cSld>
+  <p:clrMapOvr>
+    <a:masterClrMapping/>
+  </p:clrMapOvr>
+</p:sld>
+</file>
+
+<file path=ppt/slides/slide9.xml><?xml version="1.0" encoding="utf-8"?>
+<p:sld xmlns:a="http://schemas.openxmlformats.org/drawingml/2006/main" xmlns:r="http://schemas.openxmlformats.org/officeDocument/2006/relationships" xmlns:p="http://schemas.openxmlformats.org/presentationml/2006/main">
+  <p:cSld>
+    <p:spTree>
+      <p:nvGrpSpPr>
+        <p:cNvPr id="1" name=""/>
+        <p:cNvGrpSpPr/>
+        <p:nvPr/>
+      </p:nvGrpSpPr>
+      <p:grpSpPr>
+        <a:xfrm>
+          <a:off x="0" y="0"/>
+          <a:ext cx="0" cy="0"/>
+          <a:chOff x="0" y="0"/>
+          <a:chExt cx="0" cy="0"/>
+        </a:xfrm>
+      </p:grpSpPr>
+      <p:sp>
+        <p:nvSpPr>
+          <p:cNvPr id="2" name="Title 1">
+            <a:extLst>
+              <a:ext uri="{FF2B5EF4-FFF2-40B4-BE49-F238E27FC236}">
                 <a16:creationId xmlns:a16="http://schemas.microsoft.com/office/drawing/2014/main" id="{5C26CEDB-B68F-49B7-B077-EF59C97D7443}"/>
               </a:ext>
             </a:extLst>
@@ -6618,7 +10255,7 @@
           <a:p>
             <a:fld id="{FC6EDEEF-6E47-4D41-B312-2A124904AE2A}" type="slidenum">
               <a:rPr lang="en-US" smtClean="0"/>
-              <a:t>10</a:t>
+              <a:t>9</a:t>
             </a:fld>
             <a:endParaRPr lang="en-US"/>
           </a:p>
@@ -6808,3643 +10445,6 @@
     <p:extLst>
       <p:ext uri="{BB962C8B-B14F-4D97-AF65-F5344CB8AC3E}">
         <p14:creationId xmlns:p14="http://schemas.microsoft.com/office/powerpoint/2010/main" val="3340613589"/>
-      </p:ext>
-    </p:extLst>
-  </p:cSld>
-  <p:clrMapOvr>
-    <a:masterClrMapping/>
-  </p:clrMapOvr>
-</p:sld>
-</file>
-
-<file path=ppt/slides/slide11.xml><?xml version="1.0" encoding="utf-8"?>
-<p:sld xmlns:a="http://schemas.openxmlformats.org/drawingml/2006/main" xmlns:r="http://schemas.openxmlformats.org/officeDocument/2006/relationships" xmlns:p="http://schemas.openxmlformats.org/presentationml/2006/main">
-  <p:cSld>
-    <p:spTree>
-      <p:nvGrpSpPr>
-        <p:cNvPr id="1" name=""/>
-        <p:cNvGrpSpPr/>
-        <p:nvPr/>
-      </p:nvGrpSpPr>
-      <p:grpSpPr>
-        <a:xfrm>
-          <a:off x="0" y="0"/>
-          <a:ext cx="0" cy="0"/>
-          <a:chOff x="0" y="0"/>
-          <a:chExt cx="0" cy="0"/>
-        </a:xfrm>
-      </p:grpSpPr>
-      <p:sp>
-        <p:nvSpPr>
-          <p:cNvPr id="2" name="Title 1">
-            <a:extLst>
-              <a:ext uri="{FF2B5EF4-FFF2-40B4-BE49-F238E27FC236}">
-                <a16:creationId xmlns:a16="http://schemas.microsoft.com/office/drawing/2014/main" id="{D10C0F41-67DB-4902-B02E-10AF0EA12871}"/>
-              </a:ext>
-            </a:extLst>
-          </p:cNvPr>
-          <p:cNvSpPr>
-            <a:spLocks noGrp="1"/>
-          </p:cNvSpPr>
-          <p:nvPr>
-            <p:ph type="title"/>
-          </p:nvPr>
-        </p:nvSpPr>
-        <p:spPr/>
-        <p:txBody>
-          <a:bodyPr/>
-          <a:lstStyle/>
-          <a:p>
-            <a:r>
-              <a:rPr lang="en-US" b="1" dirty="0">
-                <a:solidFill>
-                  <a:schemeClr val="accent3"/>
-                </a:solidFill>
-                <a:effectLst>
-                  <a:outerShdw blurRad="38100" dist="38100" dir="2700000" algn="tl">
-                    <a:srgbClr val="000000">
-                      <a:alpha val="43137"/>
-                    </a:srgbClr>
-                  </a:outerShdw>
-                </a:effectLst>
-                <a:latin typeface="Times New Roman" panose="02020603050405020304" pitchFamily="18" charset="0"/>
-                <a:cs typeface="Times New Roman" panose="02020603050405020304" pitchFamily="18" charset="0"/>
-              </a:rPr>
-              <a:t>Schedule Management</a:t>
-            </a:r>
-          </a:p>
-        </p:txBody>
-      </p:sp>
-      <p:pic>
-        <p:nvPicPr>
-          <p:cNvPr id="5" name="Content Placeholder 4" descr="A screenshot of a computer&#10;&#10;Description automatically generated">
-            <a:extLst>
-              <a:ext uri="{FF2B5EF4-FFF2-40B4-BE49-F238E27FC236}">
-                <a16:creationId xmlns:a16="http://schemas.microsoft.com/office/drawing/2014/main" id="{B6736611-1689-4464-81E3-6C6B2B6F5B36}"/>
-              </a:ext>
-            </a:extLst>
-          </p:cNvPr>
-          <p:cNvPicPr>
-            <a:picLocks noGrp="1" noChangeAspect="1"/>
-          </p:cNvPicPr>
-          <p:nvPr>
-            <p:ph idx="1"/>
-          </p:nvPr>
-        </p:nvPicPr>
-        <p:blipFill>
-          <a:blip r:embed="rId2">
-            <a:extLst>
-              <a:ext uri="{28A0092B-C50C-407E-A947-70E740481C1C}">
-                <a14:useLocalDpi xmlns:a14="http://schemas.microsoft.com/office/drawing/2010/main" val="0"/>
-              </a:ext>
-            </a:extLst>
-          </a:blip>
-          <a:stretch>
-            <a:fillRect/>
-          </a:stretch>
-        </p:blipFill>
-        <p:spPr>
-          <a:xfrm>
-            <a:off x="1191803" y="1263721"/>
-            <a:ext cx="9832368" cy="4890499"/>
-          </a:xfrm>
-        </p:spPr>
-      </p:pic>
-      <p:sp>
-        <p:nvSpPr>
-          <p:cNvPr id="6" name="Footer Placeholder 5">
-            <a:extLst>
-              <a:ext uri="{FF2B5EF4-FFF2-40B4-BE49-F238E27FC236}">
-                <a16:creationId xmlns:a16="http://schemas.microsoft.com/office/drawing/2014/main" id="{BB5C8C6F-C16D-4AB6-9B47-536A364DF7B3}"/>
-              </a:ext>
-            </a:extLst>
-          </p:cNvPr>
-          <p:cNvSpPr>
-            <a:spLocks noGrp="1"/>
-          </p:cNvSpPr>
-          <p:nvPr>
-            <p:ph type="ftr" sz="quarter" idx="11"/>
-          </p:nvPr>
-        </p:nvSpPr>
-        <p:spPr/>
-        <p:txBody>
-          <a:bodyPr/>
-          <a:lstStyle/>
-          <a:p>
-            <a:r>
-              <a:rPr lang="en-US"/>
-              <a:t>Healthify-NWMSU</a:t>
-            </a:r>
-          </a:p>
-        </p:txBody>
-      </p:sp>
-      <p:sp>
-        <p:nvSpPr>
-          <p:cNvPr id="7" name="Slide Number Placeholder 6">
-            <a:extLst>
-              <a:ext uri="{FF2B5EF4-FFF2-40B4-BE49-F238E27FC236}">
-                <a16:creationId xmlns:a16="http://schemas.microsoft.com/office/drawing/2014/main" id="{6B953DC5-5829-4EC7-99E1-A0A0139D473D}"/>
-              </a:ext>
-            </a:extLst>
-          </p:cNvPr>
-          <p:cNvSpPr>
-            <a:spLocks noGrp="1"/>
-          </p:cNvSpPr>
-          <p:nvPr>
-            <p:ph type="sldNum" sz="quarter" idx="12"/>
-          </p:nvPr>
-        </p:nvSpPr>
-        <p:spPr/>
-        <p:txBody>
-          <a:bodyPr/>
-          <a:lstStyle/>
-          <a:p>
-            <a:fld id="{FC6EDEEF-6E47-4D41-B312-2A124904AE2A}" type="slidenum">
-              <a:rPr lang="en-US" smtClean="0"/>
-              <a:t>11</a:t>
-            </a:fld>
-            <a:endParaRPr lang="en-US"/>
-          </a:p>
-        </p:txBody>
-      </p:sp>
-    </p:spTree>
-    <p:extLst>
-      <p:ext uri="{BB962C8B-B14F-4D97-AF65-F5344CB8AC3E}">
-        <p14:creationId xmlns:p14="http://schemas.microsoft.com/office/powerpoint/2010/main" val="4153707155"/>
-      </p:ext>
-    </p:extLst>
-  </p:cSld>
-  <p:clrMapOvr>
-    <a:masterClrMapping/>
-  </p:clrMapOvr>
-</p:sld>
-</file>
-
-<file path=ppt/slides/slide12.xml><?xml version="1.0" encoding="utf-8"?>
-<p:sld xmlns:a="http://schemas.openxmlformats.org/drawingml/2006/main" xmlns:r="http://schemas.openxmlformats.org/officeDocument/2006/relationships" xmlns:p="http://schemas.openxmlformats.org/presentationml/2006/main">
-  <p:cSld>
-    <p:spTree>
-      <p:nvGrpSpPr>
-        <p:cNvPr id="1" name=""/>
-        <p:cNvGrpSpPr/>
-        <p:nvPr/>
-      </p:nvGrpSpPr>
-      <p:grpSpPr>
-        <a:xfrm>
-          <a:off x="0" y="0"/>
-          <a:ext cx="0" cy="0"/>
-          <a:chOff x="0" y="0"/>
-          <a:chExt cx="0" cy="0"/>
-        </a:xfrm>
-      </p:grpSpPr>
-      <p:sp>
-        <p:nvSpPr>
-          <p:cNvPr id="2" name="Title 1">
-            <a:extLst>
-              <a:ext uri="{FF2B5EF4-FFF2-40B4-BE49-F238E27FC236}">
-                <a16:creationId xmlns:a16="http://schemas.microsoft.com/office/drawing/2014/main" id="{019B3870-AD76-44DC-A5A0-5B8C0D926FEF}"/>
-              </a:ext>
-            </a:extLst>
-          </p:cNvPr>
-          <p:cNvSpPr>
-            <a:spLocks noGrp="1"/>
-          </p:cNvSpPr>
-          <p:nvPr>
-            <p:ph type="title"/>
-          </p:nvPr>
-        </p:nvSpPr>
-        <p:spPr/>
-        <p:txBody>
-          <a:bodyPr/>
-          <a:lstStyle/>
-          <a:p>
-            <a:r>
-              <a:rPr lang="en-US" b="1" dirty="0">
-                <a:solidFill>
-                  <a:schemeClr val="accent3"/>
-                </a:solidFill>
-                <a:effectLst>
-                  <a:outerShdw blurRad="38100" dist="38100" dir="2700000" algn="tl">
-                    <a:srgbClr val="000000">
-                      <a:alpha val="43137"/>
-                    </a:srgbClr>
-                  </a:outerShdw>
-                </a:effectLst>
-                <a:latin typeface="Times New Roman" panose="02020603050405020304" pitchFamily="18" charset="0"/>
-                <a:cs typeface="Times New Roman" panose="02020603050405020304" pitchFamily="18" charset="0"/>
-              </a:rPr>
-              <a:t>Cost Management </a:t>
-            </a:r>
-          </a:p>
-        </p:txBody>
-      </p:sp>
-      <p:pic>
-        <p:nvPicPr>
-          <p:cNvPr id="5" name="Content Placeholder 4" descr="A screenshot of a computer&#10;&#10;Description automatically generated">
-            <a:extLst>
-              <a:ext uri="{FF2B5EF4-FFF2-40B4-BE49-F238E27FC236}">
-                <a16:creationId xmlns:a16="http://schemas.microsoft.com/office/drawing/2014/main" id="{B434056D-5920-4F14-B7DD-B27BD2A28ADB}"/>
-              </a:ext>
-            </a:extLst>
-          </p:cNvPr>
-          <p:cNvPicPr>
-            <a:picLocks noGrp="1" noChangeAspect="1"/>
-          </p:cNvPicPr>
-          <p:nvPr>
-            <p:ph idx="1"/>
-          </p:nvPr>
-        </p:nvPicPr>
-        <p:blipFill>
-          <a:blip r:embed="rId2">
-            <a:extLst>
-              <a:ext uri="{28A0092B-C50C-407E-A947-70E740481C1C}">
-                <a14:useLocalDpi xmlns:a14="http://schemas.microsoft.com/office/drawing/2010/main" val="0"/>
-              </a:ext>
-            </a:extLst>
-          </a:blip>
-          <a:stretch>
-            <a:fillRect/>
-          </a:stretch>
-        </p:blipFill>
-        <p:spPr>
-          <a:xfrm>
-            <a:off x="1089062" y="1253448"/>
-            <a:ext cx="9647432" cy="4900772"/>
-          </a:xfrm>
-        </p:spPr>
-      </p:pic>
-      <p:sp>
-        <p:nvSpPr>
-          <p:cNvPr id="6" name="Footer Placeholder 5">
-            <a:extLst>
-              <a:ext uri="{FF2B5EF4-FFF2-40B4-BE49-F238E27FC236}">
-                <a16:creationId xmlns:a16="http://schemas.microsoft.com/office/drawing/2014/main" id="{516688C4-0ADD-40B0-B93A-5E20A555C43D}"/>
-              </a:ext>
-            </a:extLst>
-          </p:cNvPr>
-          <p:cNvSpPr>
-            <a:spLocks noGrp="1"/>
-          </p:cNvSpPr>
-          <p:nvPr>
-            <p:ph type="ftr" sz="quarter" idx="11"/>
-          </p:nvPr>
-        </p:nvSpPr>
-        <p:spPr/>
-        <p:txBody>
-          <a:bodyPr/>
-          <a:lstStyle/>
-          <a:p>
-            <a:r>
-              <a:rPr lang="en-US"/>
-              <a:t>Healthify-NWMSU</a:t>
-            </a:r>
-          </a:p>
-        </p:txBody>
-      </p:sp>
-      <p:sp>
-        <p:nvSpPr>
-          <p:cNvPr id="7" name="Slide Number Placeholder 6">
-            <a:extLst>
-              <a:ext uri="{FF2B5EF4-FFF2-40B4-BE49-F238E27FC236}">
-                <a16:creationId xmlns:a16="http://schemas.microsoft.com/office/drawing/2014/main" id="{26449E8A-D908-40AB-96FA-365AF937BD48}"/>
-              </a:ext>
-            </a:extLst>
-          </p:cNvPr>
-          <p:cNvSpPr>
-            <a:spLocks noGrp="1"/>
-          </p:cNvSpPr>
-          <p:nvPr>
-            <p:ph type="sldNum" sz="quarter" idx="12"/>
-          </p:nvPr>
-        </p:nvSpPr>
-        <p:spPr/>
-        <p:txBody>
-          <a:bodyPr/>
-          <a:lstStyle/>
-          <a:p>
-            <a:fld id="{FC6EDEEF-6E47-4D41-B312-2A124904AE2A}" type="slidenum">
-              <a:rPr lang="en-US" smtClean="0"/>
-              <a:t>12</a:t>
-            </a:fld>
-            <a:endParaRPr lang="en-US"/>
-          </a:p>
-        </p:txBody>
-      </p:sp>
-    </p:spTree>
-    <p:extLst>
-      <p:ext uri="{BB962C8B-B14F-4D97-AF65-F5344CB8AC3E}">
-        <p14:creationId xmlns:p14="http://schemas.microsoft.com/office/powerpoint/2010/main" val="1271753515"/>
-      </p:ext>
-    </p:extLst>
-  </p:cSld>
-  <p:clrMapOvr>
-    <a:masterClrMapping/>
-  </p:clrMapOvr>
-</p:sld>
-</file>
-
-<file path=ppt/slides/slide13.xml><?xml version="1.0" encoding="utf-8"?>
-<p:sld xmlns:a="http://schemas.openxmlformats.org/drawingml/2006/main" xmlns:r="http://schemas.openxmlformats.org/officeDocument/2006/relationships" xmlns:p="http://schemas.openxmlformats.org/presentationml/2006/main">
-  <p:cSld>
-    <p:spTree>
-      <p:nvGrpSpPr>
-        <p:cNvPr id="1" name=""/>
-        <p:cNvGrpSpPr/>
-        <p:nvPr/>
-      </p:nvGrpSpPr>
-      <p:grpSpPr>
-        <a:xfrm>
-          <a:off x="0" y="0"/>
-          <a:ext cx="0" cy="0"/>
-          <a:chOff x="0" y="0"/>
-          <a:chExt cx="0" cy="0"/>
-        </a:xfrm>
-      </p:grpSpPr>
-      <p:sp>
-        <p:nvSpPr>
-          <p:cNvPr id="2" name="Title 1">
-            <a:extLst>
-              <a:ext uri="{FF2B5EF4-FFF2-40B4-BE49-F238E27FC236}">
-                <a16:creationId xmlns:a16="http://schemas.microsoft.com/office/drawing/2014/main" id="{405F658A-143D-4B11-9418-4DFD99116EE8}"/>
-              </a:ext>
-            </a:extLst>
-          </p:cNvPr>
-          <p:cNvSpPr>
-            <a:spLocks noGrp="1"/>
-          </p:cNvSpPr>
-          <p:nvPr>
-            <p:ph type="title"/>
-          </p:nvPr>
-        </p:nvSpPr>
-        <p:spPr/>
-        <p:txBody>
-          <a:bodyPr>
-            <a:normAutofit fontScale="90000"/>
-          </a:bodyPr>
-          <a:lstStyle/>
-          <a:p>
-            <a:r>
-              <a:rPr lang="en-US" sz="4000" b="1" dirty="0">
-                <a:solidFill>
-                  <a:schemeClr val="accent3"/>
-                </a:solidFill>
-                <a:effectLst>
-                  <a:outerShdw blurRad="38100" dist="38100" dir="2700000" algn="tl">
-                    <a:srgbClr val="000000">
-                      <a:alpha val="43137"/>
-                    </a:srgbClr>
-                  </a:outerShdw>
-                </a:effectLst>
-                <a:latin typeface="Times New Roman" panose="02020603050405020304" pitchFamily="18" charset="0"/>
-                <a:cs typeface="Times New Roman" panose="02020603050405020304" pitchFamily="18" charset="0"/>
-              </a:rPr>
-              <a:t>Benefits</a:t>
-            </a:r>
-            <a:br>
-              <a:rPr lang="en-US" sz="2400" b="1" dirty="0">
-                <a:latin typeface="Times New Roman" panose="02020603050405020304" pitchFamily="18" charset="0"/>
-                <a:cs typeface="Times New Roman" panose="02020603050405020304" pitchFamily="18" charset="0"/>
-              </a:rPr>
-            </a:br>
-            <a:br>
-              <a:rPr lang="en-US" sz="2400" b="1" dirty="0">
-                <a:latin typeface="Times New Roman" panose="02020603050405020304" pitchFamily="18" charset="0"/>
-                <a:cs typeface="Times New Roman" panose="02020603050405020304" pitchFamily="18" charset="0"/>
-              </a:rPr>
-            </a:br>
-            <a:endParaRPr lang="en-US" sz="2400" dirty="0">
-              <a:latin typeface="Times New Roman" panose="02020603050405020304" pitchFamily="18" charset="0"/>
-              <a:cs typeface="Times New Roman" panose="02020603050405020304" pitchFamily="18" charset="0"/>
-            </a:endParaRPr>
-          </a:p>
-        </p:txBody>
-      </p:sp>
-      <p:sp>
-        <p:nvSpPr>
-          <p:cNvPr id="3" name="Content Placeholder 2">
-            <a:extLst>
-              <a:ext uri="{FF2B5EF4-FFF2-40B4-BE49-F238E27FC236}">
-                <a16:creationId xmlns:a16="http://schemas.microsoft.com/office/drawing/2014/main" id="{3C1589E6-2CE7-437E-B912-6C37A64FE22A}"/>
-              </a:ext>
-            </a:extLst>
-          </p:cNvPr>
-          <p:cNvSpPr>
-            <a:spLocks noGrp="1"/>
-          </p:cNvSpPr>
-          <p:nvPr>
-            <p:ph idx="1"/>
-          </p:nvPr>
-        </p:nvSpPr>
-        <p:spPr>
-          <a:xfrm>
-            <a:off x="1103312" y="1335640"/>
-            <a:ext cx="8946541" cy="4912759"/>
-          </a:xfrm>
-        </p:spPr>
-        <p:txBody>
-          <a:bodyPr>
-            <a:normAutofit fontScale="92500" lnSpcReduction="10000"/>
-          </a:bodyPr>
-          <a:lstStyle/>
-          <a:p>
-            <a:r>
-              <a:rPr lang="en-US" dirty="0">
-                <a:latin typeface="Times New Roman" panose="02020603050405020304" pitchFamily="18" charset="0"/>
-                <a:cs typeface="Times New Roman" panose="02020603050405020304" pitchFamily="18" charset="0"/>
-              </a:rPr>
-              <a:t>Monitor your diet everyday</a:t>
-            </a:r>
-          </a:p>
-          <a:p>
-            <a:r>
-              <a:rPr lang="en-US" dirty="0">
-                <a:latin typeface="Times New Roman" panose="02020603050405020304" pitchFamily="18" charset="0"/>
-                <a:cs typeface="Times New Roman" panose="02020603050405020304" pitchFamily="18" charset="0"/>
-              </a:rPr>
-              <a:t>Track your footsteps</a:t>
-            </a:r>
-          </a:p>
-          <a:p>
-            <a:r>
-              <a:rPr lang="en-US" dirty="0">
-                <a:latin typeface="Times New Roman" panose="02020603050405020304" pitchFamily="18" charset="0"/>
-                <a:cs typeface="Times New Roman" panose="02020603050405020304" pitchFamily="18" charset="0"/>
-              </a:rPr>
-              <a:t>Track your water intake</a:t>
-            </a:r>
-          </a:p>
-          <a:p>
-            <a:r>
-              <a:rPr lang="en-US" dirty="0">
-                <a:latin typeface="Times New Roman" panose="02020603050405020304" pitchFamily="18" charset="0"/>
-                <a:cs typeface="Times New Roman" panose="02020603050405020304" pitchFamily="18" charset="0"/>
-              </a:rPr>
-              <a:t>Helps in calorie count</a:t>
-            </a:r>
-          </a:p>
-          <a:p>
-            <a:r>
-              <a:rPr lang="en-US" dirty="0">
-                <a:latin typeface="Times New Roman" panose="02020603050405020304" pitchFamily="18" charset="0"/>
-                <a:cs typeface="Times New Roman" panose="02020603050405020304" pitchFamily="18" charset="0"/>
-              </a:rPr>
-              <a:t>Set goals that you can achieve</a:t>
-            </a:r>
-          </a:p>
-          <a:p>
-            <a:r>
-              <a:rPr lang="en-US" dirty="0">
-                <a:latin typeface="Times New Roman" panose="02020603050405020304" pitchFamily="18" charset="0"/>
-                <a:cs typeface="Times New Roman" panose="02020603050405020304" pitchFamily="18" charset="0"/>
-              </a:rPr>
-              <a:t>Create your yoga studio</a:t>
-            </a:r>
-          </a:p>
-          <a:p>
-            <a:r>
-              <a:rPr lang="en-US" dirty="0">
-                <a:latin typeface="Times New Roman" panose="02020603050405020304" pitchFamily="18" charset="0"/>
-                <a:cs typeface="Times New Roman" panose="02020603050405020304" pitchFamily="18" charset="0"/>
-              </a:rPr>
-              <a:t>Easily keep track of your progress</a:t>
-            </a:r>
-          </a:p>
-          <a:p>
-            <a:r>
-              <a:rPr lang="en-US" dirty="0">
-                <a:latin typeface="Times New Roman" panose="02020603050405020304" pitchFamily="18" charset="0"/>
-                <a:cs typeface="Times New Roman" panose="02020603050405020304" pitchFamily="18" charset="0"/>
-              </a:rPr>
-              <a:t>Get free workout ideas</a:t>
-            </a:r>
-          </a:p>
-          <a:p>
-            <a:r>
-              <a:rPr lang="en-US" dirty="0">
-                <a:latin typeface="Times New Roman" panose="02020603050405020304" pitchFamily="18" charset="0"/>
-                <a:cs typeface="Times New Roman" panose="02020603050405020304" pitchFamily="18" charset="0"/>
-              </a:rPr>
-              <a:t>Heartrate tracking</a:t>
-            </a:r>
-          </a:p>
-          <a:p>
-            <a:r>
-              <a:rPr lang="en-US" dirty="0">
-                <a:latin typeface="Times New Roman" panose="02020603050405020304" pitchFamily="18" charset="0"/>
-                <a:cs typeface="Times New Roman" panose="02020603050405020304" pitchFamily="18" charset="0"/>
-              </a:rPr>
-              <a:t>Weight loss progression</a:t>
-            </a:r>
-          </a:p>
-          <a:p>
-            <a:r>
-              <a:rPr lang="en-US" dirty="0">
-                <a:latin typeface="Times New Roman" panose="02020603050405020304" pitchFamily="18" charset="0"/>
-                <a:cs typeface="Times New Roman" panose="02020603050405020304" pitchFamily="18" charset="0"/>
-              </a:rPr>
-              <a:t>Pedometer</a:t>
-            </a:r>
-          </a:p>
-          <a:p>
-            <a:r>
-              <a:rPr lang="en-US" dirty="0">
-                <a:latin typeface="Times New Roman" panose="02020603050405020304" pitchFamily="18" charset="0"/>
-                <a:cs typeface="Times New Roman" panose="02020603050405020304" pitchFamily="18" charset="0"/>
-              </a:rPr>
-              <a:t>Give free health and fitness tips</a:t>
-            </a:r>
-          </a:p>
-          <a:p>
-            <a:r>
-              <a:rPr lang="en-US" dirty="0">
-                <a:latin typeface="Times New Roman" panose="02020603050405020304" pitchFamily="18" charset="0"/>
-                <a:cs typeface="Times New Roman" panose="02020603050405020304" pitchFamily="18" charset="0"/>
-              </a:rPr>
-              <a:t>Keeps you Motivated</a:t>
-            </a:r>
-            <a:br>
-              <a:rPr lang="en-US" dirty="0">
-                <a:latin typeface="Times New Roman" panose="02020603050405020304" pitchFamily="18" charset="0"/>
-                <a:cs typeface="Times New Roman" panose="02020603050405020304" pitchFamily="18" charset="0"/>
-              </a:rPr>
-            </a:br>
-            <a:endParaRPr lang="en-US" dirty="0"/>
-          </a:p>
-        </p:txBody>
-      </p:sp>
-      <p:sp>
-        <p:nvSpPr>
-          <p:cNvPr id="6" name="Footer Placeholder 5">
-            <a:extLst>
-              <a:ext uri="{FF2B5EF4-FFF2-40B4-BE49-F238E27FC236}">
-                <a16:creationId xmlns:a16="http://schemas.microsoft.com/office/drawing/2014/main" id="{4B608E52-3160-4FB5-9321-FA0230206FAF}"/>
-              </a:ext>
-            </a:extLst>
-          </p:cNvPr>
-          <p:cNvSpPr>
-            <a:spLocks noGrp="1"/>
-          </p:cNvSpPr>
-          <p:nvPr>
-            <p:ph type="ftr" sz="quarter" idx="11"/>
-          </p:nvPr>
-        </p:nvSpPr>
-        <p:spPr/>
-        <p:txBody>
-          <a:bodyPr/>
-          <a:lstStyle/>
-          <a:p>
-            <a:r>
-              <a:rPr lang="en-US"/>
-              <a:t>Healthify-NWMSU</a:t>
-            </a:r>
-          </a:p>
-        </p:txBody>
-      </p:sp>
-      <p:sp>
-        <p:nvSpPr>
-          <p:cNvPr id="7" name="Slide Number Placeholder 6">
-            <a:extLst>
-              <a:ext uri="{FF2B5EF4-FFF2-40B4-BE49-F238E27FC236}">
-                <a16:creationId xmlns:a16="http://schemas.microsoft.com/office/drawing/2014/main" id="{B2E28E4D-841C-4814-8F4D-BA4586DE59F7}"/>
-              </a:ext>
-            </a:extLst>
-          </p:cNvPr>
-          <p:cNvSpPr>
-            <a:spLocks noGrp="1"/>
-          </p:cNvSpPr>
-          <p:nvPr>
-            <p:ph type="sldNum" sz="quarter" idx="12"/>
-          </p:nvPr>
-        </p:nvSpPr>
-        <p:spPr/>
-        <p:txBody>
-          <a:bodyPr/>
-          <a:lstStyle/>
-          <a:p>
-            <a:fld id="{FC6EDEEF-6E47-4D41-B312-2A124904AE2A}" type="slidenum">
-              <a:rPr lang="en-US" smtClean="0"/>
-              <a:t>13</a:t>
-            </a:fld>
-            <a:endParaRPr lang="en-US"/>
-          </a:p>
-        </p:txBody>
-      </p:sp>
-    </p:spTree>
-    <p:extLst>
-      <p:ext uri="{BB962C8B-B14F-4D97-AF65-F5344CB8AC3E}">
-        <p14:creationId xmlns:p14="http://schemas.microsoft.com/office/powerpoint/2010/main" val="964727621"/>
-      </p:ext>
-    </p:extLst>
-  </p:cSld>
-  <p:clrMapOvr>
-    <a:masterClrMapping/>
-  </p:clrMapOvr>
-</p:sld>
-</file>
-
-<file path=ppt/slides/slide14.xml><?xml version="1.0" encoding="utf-8"?>
-<p:sld xmlns:a="http://schemas.openxmlformats.org/drawingml/2006/main" xmlns:r="http://schemas.openxmlformats.org/officeDocument/2006/relationships" xmlns:p="http://schemas.openxmlformats.org/presentationml/2006/main">
-  <p:cSld>
-    <p:spTree>
-      <p:nvGrpSpPr>
-        <p:cNvPr id="1" name=""/>
-        <p:cNvGrpSpPr/>
-        <p:nvPr/>
-      </p:nvGrpSpPr>
-      <p:grpSpPr>
-        <a:xfrm>
-          <a:off x="0" y="0"/>
-          <a:ext cx="0" cy="0"/>
-          <a:chOff x="0" y="0"/>
-          <a:chExt cx="0" cy="0"/>
-        </a:xfrm>
-      </p:grpSpPr>
-      <p:sp>
-        <p:nvSpPr>
-          <p:cNvPr id="2" name="Title 1">
-            <a:extLst>
-              <a:ext uri="{FF2B5EF4-FFF2-40B4-BE49-F238E27FC236}">
-                <a16:creationId xmlns:a16="http://schemas.microsoft.com/office/drawing/2014/main" id="{C97ED26C-B80A-468B-9308-6F02858E1560}"/>
-              </a:ext>
-            </a:extLst>
-          </p:cNvPr>
-          <p:cNvSpPr>
-            <a:spLocks noGrp="1"/>
-          </p:cNvSpPr>
-          <p:nvPr>
-            <p:ph type="title"/>
-          </p:nvPr>
-        </p:nvSpPr>
-        <p:spPr>
-          <a:xfrm>
-            <a:off x="646111" y="452718"/>
-            <a:ext cx="9404723" cy="934293"/>
-          </a:xfrm>
-        </p:spPr>
-        <p:txBody>
-          <a:bodyPr/>
-          <a:lstStyle/>
-          <a:p>
-            <a:r>
-              <a:rPr lang="en-US" b="1" dirty="0">
-                <a:solidFill>
-                  <a:schemeClr val="accent3"/>
-                </a:solidFill>
-                <a:effectLst>
-                  <a:outerShdw blurRad="38100" dist="38100" dir="2700000" algn="tl">
-                    <a:srgbClr val="000000">
-                      <a:alpha val="43137"/>
-                    </a:srgbClr>
-                  </a:outerShdw>
-                </a:effectLst>
-                <a:latin typeface="Times New Roman" panose="02020603050405020304" pitchFamily="18" charset="0"/>
-                <a:cs typeface="Times New Roman" panose="02020603050405020304" pitchFamily="18" charset="0"/>
-              </a:rPr>
-              <a:t>References</a:t>
-            </a:r>
-          </a:p>
-        </p:txBody>
-      </p:sp>
-      <p:sp>
-        <p:nvSpPr>
-          <p:cNvPr id="3" name="Content Placeholder 2">
-            <a:extLst>
-              <a:ext uri="{FF2B5EF4-FFF2-40B4-BE49-F238E27FC236}">
-                <a16:creationId xmlns:a16="http://schemas.microsoft.com/office/drawing/2014/main" id="{5788D7AD-89B9-4372-933F-CB05EC9505E5}"/>
-              </a:ext>
-            </a:extLst>
-          </p:cNvPr>
-          <p:cNvSpPr>
-            <a:spLocks noGrp="1"/>
-          </p:cNvSpPr>
-          <p:nvPr>
-            <p:ph idx="1"/>
-          </p:nvPr>
-        </p:nvSpPr>
-        <p:spPr>
-          <a:xfrm>
-            <a:off x="1103312" y="1387012"/>
-            <a:ext cx="8946541" cy="4861388"/>
-          </a:xfrm>
-        </p:spPr>
-        <p:txBody>
-          <a:bodyPr/>
-          <a:lstStyle/>
-          <a:p>
-            <a:r>
-              <a:rPr lang="en-US" dirty="0">
-                <a:latin typeface="Times New Roman" panose="02020603050405020304" pitchFamily="18" charset="0"/>
-                <a:cs typeface="Times New Roman" panose="02020603050405020304" pitchFamily="18" charset="0"/>
-              </a:rPr>
-              <a:t>Jira link: </a:t>
-            </a:r>
-            <a:r>
-              <a:rPr lang="en-US" dirty="0">
-                <a:latin typeface="Times New Roman" panose="02020603050405020304" pitchFamily="18" charset="0"/>
-                <a:cs typeface="Times New Roman" panose="02020603050405020304" pitchFamily="18" charset="0"/>
-                <a:hlinkClick r:id="rId2"/>
-              </a:rPr>
-              <a:t>https://sowmyathogiti27.atlassian.net/jira/software/projects/HN/boards/2</a:t>
-            </a:r>
-            <a:endParaRPr lang="en-US" dirty="0">
-              <a:latin typeface="Times New Roman" panose="02020603050405020304" pitchFamily="18" charset="0"/>
-              <a:cs typeface="Times New Roman" panose="02020603050405020304" pitchFamily="18" charset="0"/>
-            </a:endParaRPr>
-          </a:p>
-          <a:p>
-            <a:r>
-              <a:rPr lang="en-US" dirty="0">
-                <a:latin typeface="Times New Roman" panose="02020603050405020304" pitchFamily="18" charset="0"/>
-                <a:cs typeface="Times New Roman" panose="02020603050405020304" pitchFamily="18" charset="0"/>
-              </a:rPr>
-              <a:t>FluidUI Link: </a:t>
-            </a:r>
-            <a:r>
-              <a:rPr lang="en-US" dirty="0">
-                <a:latin typeface="Times New Roman" panose="02020603050405020304" pitchFamily="18" charset="0"/>
-                <a:cs typeface="Times New Roman" panose="02020603050405020304" pitchFamily="18" charset="0"/>
-                <a:hlinkClick r:id="rId3"/>
-              </a:rPr>
-              <a:t>https://www.fluidui.com/editor/live/</a:t>
-            </a:r>
-            <a:endParaRPr lang="en-US" dirty="0">
-              <a:latin typeface="Times New Roman" panose="02020603050405020304" pitchFamily="18" charset="0"/>
-              <a:cs typeface="Times New Roman" panose="02020603050405020304" pitchFamily="18" charset="0"/>
-            </a:endParaRPr>
-          </a:p>
-          <a:p>
-            <a:r>
-              <a:rPr lang="en-US" dirty="0" err="1">
-                <a:latin typeface="Times New Roman" panose="02020603050405020304" pitchFamily="18" charset="0"/>
-                <a:cs typeface="Times New Roman" panose="02020603050405020304" pitchFamily="18" charset="0"/>
-              </a:rPr>
-              <a:t>Github</a:t>
-            </a:r>
-            <a:r>
-              <a:rPr lang="en-US" dirty="0">
-                <a:latin typeface="Times New Roman" panose="02020603050405020304" pitchFamily="18" charset="0"/>
-                <a:cs typeface="Times New Roman" panose="02020603050405020304" pitchFamily="18" charset="0"/>
-              </a:rPr>
-              <a:t> Link: </a:t>
-            </a:r>
-            <a:r>
-              <a:rPr lang="en-US" dirty="0">
-                <a:latin typeface="Times New Roman" panose="02020603050405020304" pitchFamily="18" charset="0"/>
-                <a:cs typeface="Times New Roman" panose="02020603050405020304" pitchFamily="18" charset="0"/>
-                <a:hlinkClick r:id="rId4"/>
-              </a:rPr>
-              <a:t>https://github.com/sowmyathogiti/Healthify-NWMSU</a:t>
-            </a:r>
-            <a:endParaRPr lang="en-US" dirty="0">
-              <a:latin typeface="Times New Roman" panose="02020603050405020304" pitchFamily="18" charset="0"/>
-              <a:cs typeface="Times New Roman" panose="02020603050405020304" pitchFamily="18" charset="0"/>
-            </a:endParaRPr>
-          </a:p>
-          <a:p>
-            <a:endParaRPr lang="en-US" dirty="0"/>
-          </a:p>
-        </p:txBody>
-      </p:sp>
-      <p:sp>
-        <p:nvSpPr>
-          <p:cNvPr id="6" name="Footer Placeholder 5">
-            <a:extLst>
-              <a:ext uri="{FF2B5EF4-FFF2-40B4-BE49-F238E27FC236}">
-                <a16:creationId xmlns:a16="http://schemas.microsoft.com/office/drawing/2014/main" id="{9E920EAF-6020-4B29-9674-1A67459ED1C8}"/>
-              </a:ext>
-            </a:extLst>
-          </p:cNvPr>
-          <p:cNvSpPr>
-            <a:spLocks noGrp="1"/>
-          </p:cNvSpPr>
-          <p:nvPr>
-            <p:ph type="ftr" sz="quarter" idx="11"/>
-          </p:nvPr>
-        </p:nvSpPr>
-        <p:spPr/>
-        <p:txBody>
-          <a:bodyPr/>
-          <a:lstStyle/>
-          <a:p>
-            <a:r>
-              <a:rPr lang="en-US"/>
-              <a:t>Healthify-NWMSU</a:t>
-            </a:r>
-          </a:p>
-        </p:txBody>
-      </p:sp>
-      <p:sp>
-        <p:nvSpPr>
-          <p:cNvPr id="7" name="Slide Number Placeholder 6">
-            <a:extLst>
-              <a:ext uri="{FF2B5EF4-FFF2-40B4-BE49-F238E27FC236}">
-                <a16:creationId xmlns:a16="http://schemas.microsoft.com/office/drawing/2014/main" id="{3426C4F2-2A88-4081-9B53-38FAE1053920}"/>
-              </a:ext>
-            </a:extLst>
-          </p:cNvPr>
-          <p:cNvSpPr>
-            <a:spLocks noGrp="1"/>
-          </p:cNvSpPr>
-          <p:nvPr>
-            <p:ph type="sldNum" sz="quarter" idx="12"/>
-          </p:nvPr>
-        </p:nvSpPr>
-        <p:spPr/>
-        <p:txBody>
-          <a:bodyPr/>
-          <a:lstStyle/>
-          <a:p>
-            <a:fld id="{FC6EDEEF-6E47-4D41-B312-2A124904AE2A}" type="slidenum">
-              <a:rPr lang="en-US" smtClean="0"/>
-              <a:t>14</a:t>
-            </a:fld>
-            <a:endParaRPr lang="en-US"/>
-          </a:p>
-        </p:txBody>
-      </p:sp>
-    </p:spTree>
-    <p:extLst>
-      <p:ext uri="{BB962C8B-B14F-4D97-AF65-F5344CB8AC3E}">
-        <p14:creationId xmlns:p14="http://schemas.microsoft.com/office/powerpoint/2010/main" val="613347474"/>
-      </p:ext>
-    </p:extLst>
-  </p:cSld>
-  <p:clrMapOvr>
-    <a:masterClrMapping/>
-  </p:clrMapOvr>
-</p:sld>
-</file>
-
-<file path=ppt/slides/slide15.xml><?xml version="1.0" encoding="utf-8"?>
-<p:sld xmlns:a="http://schemas.openxmlformats.org/drawingml/2006/main" xmlns:r="http://schemas.openxmlformats.org/officeDocument/2006/relationships" xmlns:p="http://schemas.openxmlformats.org/presentationml/2006/main">
-  <p:cSld>
-    <p:spTree>
-      <p:nvGrpSpPr>
-        <p:cNvPr id="1" name=""/>
-        <p:cNvGrpSpPr/>
-        <p:nvPr/>
-      </p:nvGrpSpPr>
-      <p:grpSpPr>
-        <a:xfrm>
-          <a:off x="0" y="0"/>
-          <a:ext cx="0" cy="0"/>
-          <a:chOff x="0" y="0"/>
-          <a:chExt cx="0" cy="0"/>
-        </a:xfrm>
-      </p:grpSpPr>
-      <p:sp>
-        <p:nvSpPr>
-          <p:cNvPr id="2" name="Title 1">
-            <a:extLst>
-              <a:ext uri="{FF2B5EF4-FFF2-40B4-BE49-F238E27FC236}">
-                <a16:creationId xmlns:a16="http://schemas.microsoft.com/office/drawing/2014/main" id="{2C604194-1C8A-4C9E-B1AF-0E12F8685766}"/>
-              </a:ext>
-            </a:extLst>
-          </p:cNvPr>
-          <p:cNvSpPr>
-            <a:spLocks noGrp="1"/>
-          </p:cNvSpPr>
-          <p:nvPr>
-            <p:ph type="title"/>
-          </p:nvPr>
-        </p:nvSpPr>
-        <p:spPr/>
-        <p:txBody>
-          <a:bodyPr/>
-          <a:lstStyle/>
-          <a:p>
-            <a:endParaRPr lang="en-US"/>
-          </a:p>
-        </p:txBody>
-      </p:sp>
-      <p:sp>
-        <p:nvSpPr>
-          <p:cNvPr id="3" name="Content Placeholder 2">
-            <a:extLst>
-              <a:ext uri="{FF2B5EF4-FFF2-40B4-BE49-F238E27FC236}">
-                <a16:creationId xmlns:a16="http://schemas.microsoft.com/office/drawing/2014/main" id="{3110738C-2F3D-4D74-8294-EACAC80F2821}"/>
-              </a:ext>
-            </a:extLst>
-          </p:cNvPr>
-          <p:cNvSpPr>
-            <a:spLocks noGrp="1"/>
-          </p:cNvSpPr>
-          <p:nvPr>
-            <p:ph idx="1"/>
-          </p:nvPr>
-        </p:nvSpPr>
-        <p:spPr/>
-        <p:txBody>
-          <a:bodyPr/>
-          <a:lstStyle/>
-          <a:p>
-            <a:endParaRPr lang="en-US" dirty="0"/>
-          </a:p>
-        </p:txBody>
-      </p:sp>
-      <p:sp>
-        <p:nvSpPr>
-          <p:cNvPr id="4" name="Footer Placeholder 3">
-            <a:extLst>
-              <a:ext uri="{FF2B5EF4-FFF2-40B4-BE49-F238E27FC236}">
-                <a16:creationId xmlns:a16="http://schemas.microsoft.com/office/drawing/2014/main" id="{E554116B-D012-45FA-859A-D28744FDB10A}"/>
-              </a:ext>
-            </a:extLst>
-          </p:cNvPr>
-          <p:cNvSpPr>
-            <a:spLocks noGrp="1"/>
-          </p:cNvSpPr>
-          <p:nvPr>
-            <p:ph type="ftr" sz="quarter" idx="11"/>
-          </p:nvPr>
-        </p:nvSpPr>
-        <p:spPr/>
-        <p:txBody>
-          <a:bodyPr/>
-          <a:lstStyle/>
-          <a:p>
-            <a:r>
-              <a:rPr lang="en-US"/>
-              <a:t>Healthify-NWMSU</a:t>
-            </a:r>
-          </a:p>
-        </p:txBody>
-      </p:sp>
-      <p:sp>
-        <p:nvSpPr>
-          <p:cNvPr id="5" name="Slide Number Placeholder 4">
-            <a:extLst>
-              <a:ext uri="{FF2B5EF4-FFF2-40B4-BE49-F238E27FC236}">
-                <a16:creationId xmlns:a16="http://schemas.microsoft.com/office/drawing/2014/main" id="{39B7C093-84C7-4286-83CB-8ADB42C8BEBD}"/>
-              </a:ext>
-            </a:extLst>
-          </p:cNvPr>
-          <p:cNvSpPr>
-            <a:spLocks noGrp="1"/>
-          </p:cNvSpPr>
-          <p:nvPr>
-            <p:ph type="sldNum" sz="quarter" idx="12"/>
-          </p:nvPr>
-        </p:nvSpPr>
-        <p:spPr/>
-        <p:txBody>
-          <a:bodyPr/>
-          <a:lstStyle/>
-          <a:p>
-            <a:fld id="{FC6EDEEF-6E47-4D41-B312-2A124904AE2A}" type="slidenum">
-              <a:rPr lang="en-US" smtClean="0"/>
-              <a:t>15</a:t>
-            </a:fld>
-            <a:endParaRPr lang="en-US"/>
-          </a:p>
-        </p:txBody>
-      </p:sp>
-      <p:sp>
-        <p:nvSpPr>
-          <p:cNvPr id="6" name="Thought Bubble: Cloud 5">
-            <a:extLst>
-              <a:ext uri="{FF2B5EF4-FFF2-40B4-BE49-F238E27FC236}">
-                <a16:creationId xmlns:a16="http://schemas.microsoft.com/office/drawing/2014/main" id="{B8208AA6-D504-4D2C-8300-3D388CB56686}"/>
-              </a:ext>
-            </a:extLst>
-          </p:cNvPr>
-          <p:cNvSpPr/>
-          <p:nvPr/>
-        </p:nvSpPr>
-        <p:spPr>
-          <a:xfrm>
-            <a:off x="3482939" y="2044557"/>
-            <a:ext cx="4428162" cy="2883044"/>
-          </a:xfrm>
-          <a:prstGeom prst="cloudCallout">
-            <a:avLst/>
-          </a:prstGeom>
-        </p:spPr>
-        <p:style>
-          <a:lnRef idx="2">
-            <a:schemeClr val="accent1">
-              <a:shade val="50000"/>
-            </a:schemeClr>
-          </a:lnRef>
-          <a:fillRef idx="1">
-            <a:schemeClr val="accent1"/>
-          </a:fillRef>
-          <a:effectRef idx="0">
-            <a:schemeClr val="accent1"/>
-          </a:effectRef>
-          <a:fontRef idx="minor">
-            <a:schemeClr val="lt1"/>
-          </a:fontRef>
-        </p:style>
-        <p:txBody>
-          <a:bodyPr rtlCol="0" anchor="ctr"/>
-          <a:lstStyle/>
-          <a:p>
-            <a:pPr algn="ctr"/>
-            <a:r>
-              <a:rPr lang="en-US" sz="4000" dirty="0">
-                <a:latin typeface="Times New Roman" panose="02020603050405020304" pitchFamily="18" charset="0"/>
-                <a:cs typeface="Times New Roman" panose="02020603050405020304" pitchFamily="18" charset="0"/>
-              </a:rPr>
-              <a:t>Queries…??</a:t>
-            </a:r>
-          </a:p>
-        </p:txBody>
-      </p:sp>
-    </p:spTree>
-    <p:extLst>
-      <p:ext uri="{BB962C8B-B14F-4D97-AF65-F5344CB8AC3E}">
-        <p14:creationId xmlns:p14="http://schemas.microsoft.com/office/powerpoint/2010/main" val="1034166838"/>
-      </p:ext>
-    </p:extLst>
-  </p:cSld>
-  <p:clrMapOvr>
-    <a:masterClrMapping/>
-  </p:clrMapOvr>
-</p:sld>
-</file>
-
-<file path=ppt/slides/slide16.xml><?xml version="1.0" encoding="utf-8"?>
-<p:sld xmlns:a="http://schemas.openxmlformats.org/drawingml/2006/main" xmlns:r="http://schemas.openxmlformats.org/officeDocument/2006/relationships" xmlns:p="http://schemas.openxmlformats.org/presentationml/2006/main">
-  <p:cSld>
-    <p:bg>
-      <p:bgPr>
-        <a:solidFill>
-          <a:schemeClr val="bg1"/>
-        </a:solidFill>
-        <a:effectLst/>
-      </p:bgPr>
-    </p:bg>
-    <p:spTree>
-      <p:nvGrpSpPr>
-        <p:cNvPr id="1" name=""/>
-        <p:cNvGrpSpPr/>
-        <p:nvPr/>
-      </p:nvGrpSpPr>
-      <p:grpSpPr>
-        <a:xfrm>
-          <a:off x="0" y="0"/>
-          <a:ext cx="0" cy="0"/>
-          <a:chOff x="0" y="0"/>
-          <a:chExt cx="0" cy="0"/>
-        </a:xfrm>
-      </p:grpSpPr>
-      <p:sp>
-        <p:nvSpPr>
-          <p:cNvPr id="2" name="Title 1">
-            <a:extLst>
-              <a:ext uri="{FF2B5EF4-FFF2-40B4-BE49-F238E27FC236}">
-                <a16:creationId xmlns:a16="http://schemas.microsoft.com/office/drawing/2014/main" id="{9779E0E0-BE73-487B-AAF5-B9C63665EBD8}"/>
-              </a:ext>
-            </a:extLst>
-          </p:cNvPr>
-          <p:cNvSpPr>
-            <a:spLocks noGrp="1"/>
-          </p:cNvSpPr>
-          <p:nvPr>
-            <p:ph type="title"/>
-          </p:nvPr>
-        </p:nvSpPr>
-        <p:spPr>
-          <a:xfrm>
-            <a:off x="677334" y="609600"/>
-            <a:ext cx="8596668" cy="1320800"/>
-          </a:xfrm>
-        </p:spPr>
-        <p:txBody>
-          <a:bodyPr vert="horz" lIns="91440" tIns="45720" rIns="91440" bIns="45720" rtlCol="0" anchor="t">
-            <a:normAutofit/>
-          </a:bodyPr>
-          <a:lstStyle/>
-          <a:p>
-            <a:endParaRPr lang="en-US"/>
-          </a:p>
-        </p:txBody>
-      </p:sp>
-      <p:sp>
-        <p:nvSpPr>
-          <p:cNvPr id="7" name="Footer Placeholder 6">
-            <a:extLst>
-              <a:ext uri="{FF2B5EF4-FFF2-40B4-BE49-F238E27FC236}">
-                <a16:creationId xmlns:a16="http://schemas.microsoft.com/office/drawing/2014/main" id="{DA6C3D57-D90D-478E-90C7-F2D2AEBD5DCC}"/>
-              </a:ext>
-            </a:extLst>
-          </p:cNvPr>
-          <p:cNvSpPr>
-            <a:spLocks noGrp="1"/>
-          </p:cNvSpPr>
-          <p:nvPr>
-            <p:ph type="ftr" sz="quarter" idx="11"/>
-          </p:nvPr>
-        </p:nvSpPr>
-        <p:spPr>
-          <a:xfrm>
-            <a:off x="677334" y="6041362"/>
-            <a:ext cx="5528230" cy="365125"/>
-          </a:xfrm>
-        </p:spPr>
-        <p:txBody>
-          <a:bodyPr vert="horz" lIns="91440" tIns="45720" rIns="91440" bIns="45720" rtlCol="0" anchor="ctr">
-            <a:normAutofit/>
-          </a:bodyPr>
-          <a:lstStyle/>
-          <a:p>
-            <a:pPr defTabSz="914400">
-              <a:spcAft>
-                <a:spcPts val="600"/>
-              </a:spcAft>
-            </a:pPr>
-            <a:r>
-              <a:rPr lang="en-US" kern="1200">
-                <a:solidFill>
-                  <a:schemeClr val="tx1">
-                    <a:tint val="75000"/>
-                  </a:schemeClr>
-                </a:solidFill>
-                <a:latin typeface="+mn-lt"/>
-                <a:ea typeface="+mn-ea"/>
-                <a:cs typeface="+mn-cs"/>
-              </a:rPr>
-              <a:t>Healthify-NWMSU</a:t>
-            </a:r>
-          </a:p>
-        </p:txBody>
-      </p:sp>
-      <p:pic>
-        <p:nvPicPr>
-          <p:cNvPr id="5" name="Content Placeholder 4" descr="A close up of a logo&#10;&#10;Description automatically generated">
-            <a:extLst>
-              <a:ext uri="{FF2B5EF4-FFF2-40B4-BE49-F238E27FC236}">
-                <a16:creationId xmlns:a16="http://schemas.microsoft.com/office/drawing/2014/main" id="{08FFB5C3-F678-438D-8035-CC3D28940A0B}"/>
-              </a:ext>
-            </a:extLst>
-          </p:cNvPr>
-          <p:cNvPicPr>
-            <a:picLocks noGrp="1" noChangeAspect="1"/>
-          </p:cNvPicPr>
-          <p:nvPr>
-            <p:ph idx="1"/>
-          </p:nvPr>
-        </p:nvPicPr>
-        <p:blipFill>
-          <a:blip r:embed="rId2">
-            <a:extLst>
-              <a:ext uri="{28A0092B-C50C-407E-A947-70E740481C1C}">
-                <a14:useLocalDpi xmlns:a14="http://schemas.microsoft.com/office/drawing/2010/main" val="0"/>
-              </a:ext>
-            </a:extLst>
-          </a:blip>
-          <a:stretch>
-            <a:fillRect/>
-          </a:stretch>
-        </p:blipFill>
-        <p:spPr>
-          <a:xfrm>
-            <a:off x="1244225" y="1051905"/>
-            <a:ext cx="8310741" cy="4425469"/>
-          </a:xfrm>
-          <a:prstGeom prst="rect">
-            <a:avLst/>
-          </a:prstGeom>
-        </p:spPr>
-      </p:pic>
-      <p:sp>
-        <p:nvSpPr>
-          <p:cNvPr id="6" name="Rectangle 5">
-            <a:extLst>
-              <a:ext uri="{FF2B5EF4-FFF2-40B4-BE49-F238E27FC236}">
-                <a16:creationId xmlns:a16="http://schemas.microsoft.com/office/drawing/2014/main" id="{0468E680-15C9-40DA-A95E-46A760AABEDE}"/>
-              </a:ext>
-            </a:extLst>
-          </p:cNvPr>
-          <p:cNvSpPr/>
-          <p:nvPr/>
-        </p:nvSpPr>
-        <p:spPr>
-          <a:xfrm>
-            <a:off x="6416039" y="2160589"/>
-            <a:ext cx="2927185" cy="3880773"/>
-          </a:xfrm>
-          <a:prstGeom prst="rect">
-            <a:avLst/>
-          </a:prstGeom>
-        </p:spPr>
-        <p:txBody>
-          <a:bodyPr vert="horz" lIns="91440" tIns="45720" rIns="91440" bIns="45720" rtlCol="0">
-            <a:normAutofit/>
-          </a:bodyPr>
-          <a:lstStyle/>
-          <a:p>
-            <a:pPr>
-              <a:spcBef>
-                <a:spcPts val="1000"/>
-              </a:spcBef>
-              <a:buClr>
-                <a:schemeClr val="accent1"/>
-              </a:buClr>
-              <a:buSzPct val="80000"/>
-              <a:buFont typeface="Wingdings 3" charset="2"/>
-              <a:buChar char=""/>
-            </a:pPr>
-            <a:endParaRPr lang="en-US" sz="1500" b="1" cap="none" spc="0">
-              <a:ln w="12700">
-                <a:solidFill>
-                  <a:schemeClr val="accent3">
-                    <a:lumMod val="50000"/>
-                  </a:schemeClr>
-                </a:solidFill>
-                <a:prstDash val="solid"/>
-              </a:ln>
-              <a:solidFill>
-                <a:schemeClr val="tx1">
-                  <a:lumMod val="75000"/>
-                  <a:lumOff val="25000"/>
-                </a:schemeClr>
-              </a:solidFill>
-              <a:effectLst>
-                <a:outerShdw blurRad="38100" dist="38100" dir="2700000" algn="tl">
-                  <a:srgbClr val="000000">
-                    <a:alpha val="43137"/>
-                  </a:srgbClr>
-                </a:outerShdw>
-              </a:effectLst>
-            </a:endParaRPr>
-          </a:p>
-        </p:txBody>
-      </p:sp>
-      <p:sp>
-        <p:nvSpPr>
-          <p:cNvPr id="8" name="Slide Number Placeholder 7">
-            <a:extLst>
-              <a:ext uri="{FF2B5EF4-FFF2-40B4-BE49-F238E27FC236}">
-                <a16:creationId xmlns:a16="http://schemas.microsoft.com/office/drawing/2014/main" id="{4F071EC0-212A-481C-B636-A2BEB6D1F37E}"/>
-              </a:ext>
-            </a:extLst>
-          </p:cNvPr>
-          <p:cNvSpPr>
-            <a:spLocks noGrp="1"/>
-          </p:cNvSpPr>
-          <p:nvPr>
-            <p:ph type="sldNum" sz="quarter" idx="12"/>
-          </p:nvPr>
-        </p:nvSpPr>
-        <p:spPr>
-          <a:xfrm>
-            <a:off x="8590663" y="6041362"/>
-            <a:ext cx="683339" cy="365125"/>
-          </a:xfrm>
-        </p:spPr>
-        <p:txBody>
-          <a:bodyPr vert="horz" lIns="91440" tIns="45720" rIns="91440" bIns="45720" rtlCol="0" anchor="ctr">
-            <a:normAutofit/>
-          </a:bodyPr>
-          <a:lstStyle/>
-          <a:p>
-            <a:pPr defTabSz="914400">
-              <a:spcAft>
-                <a:spcPts val="600"/>
-              </a:spcAft>
-            </a:pPr>
-            <a:fld id="{FC6EDEEF-6E47-4D41-B312-2A124904AE2A}" type="slidenum">
-              <a:rPr lang="en-US" smtClean="0"/>
-              <a:pPr defTabSz="914400">
-                <a:spcAft>
-                  <a:spcPts val="600"/>
-                </a:spcAft>
-              </a:pPr>
-              <a:t>16</a:t>
-            </a:fld>
-            <a:endParaRPr lang="en-US"/>
-          </a:p>
-        </p:txBody>
-      </p:sp>
-    </p:spTree>
-    <p:extLst>
-      <p:ext uri="{BB962C8B-B14F-4D97-AF65-F5344CB8AC3E}">
-        <p14:creationId xmlns:p14="http://schemas.microsoft.com/office/powerpoint/2010/main" val="355826045"/>
-      </p:ext>
-    </p:extLst>
-  </p:cSld>
-  <p:clrMapOvr>
-    <a:masterClrMapping/>
-  </p:clrMapOvr>
-</p:sld>
-</file>
-
-<file path=ppt/slides/slide2.xml><?xml version="1.0" encoding="utf-8"?>
-<p:sld xmlns:a="http://schemas.openxmlformats.org/drawingml/2006/main" xmlns:r="http://schemas.openxmlformats.org/officeDocument/2006/relationships" xmlns:p="http://schemas.openxmlformats.org/presentationml/2006/main">
-  <p:cSld>
-    <p:spTree>
-      <p:nvGrpSpPr>
-        <p:cNvPr id="1" name=""/>
-        <p:cNvGrpSpPr/>
-        <p:nvPr/>
-      </p:nvGrpSpPr>
-      <p:grpSpPr>
-        <a:xfrm>
-          <a:off x="0" y="0"/>
-          <a:ext cx="0" cy="0"/>
-          <a:chOff x="0" y="0"/>
-          <a:chExt cx="0" cy="0"/>
-        </a:xfrm>
-      </p:grpSpPr>
-      <p:sp>
-        <p:nvSpPr>
-          <p:cNvPr id="2" name="Title 1">
-            <a:extLst>
-              <a:ext uri="{FF2B5EF4-FFF2-40B4-BE49-F238E27FC236}">
-                <a16:creationId xmlns:a16="http://schemas.microsoft.com/office/drawing/2014/main" id="{8D92169C-45B9-4F5C-BC19-6EF2F92BC840}"/>
-              </a:ext>
-            </a:extLst>
-          </p:cNvPr>
-          <p:cNvSpPr>
-            <a:spLocks noGrp="1"/>
-          </p:cNvSpPr>
-          <p:nvPr>
-            <p:ph type="title"/>
-          </p:nvPr>
-        </p:nvSpPr>
-        <p:spPr/>
-        <p:txBody>
-          <a:bodyPr/>
-          <a:lstStyle/>
-          <a:p>
-            <a:endParaRPr lang="en-US" dirty="0"/>
-          </a:p>
-        </p:txBody>
-      </p:sp>
-      <p:sp>
-        <p:nvSpPr>
-          <p:cNvPr id="3" name="Content Placeholder 2">
-            <a:extLst>
-              <a:ext uri="{FF2B5EF4-FFF2-40B4-BE49-F238E27FC236}">
-                <a16:creationId xmlns:a16="http://schemas.microsoft.com/office/drawing/2014/main" id="{407994A8-EF1A-40FF-9A23-10EC476C603B}"/>
-              </a:ext>
-            </a:extLst>
-          </p:cNvPr>
-          <p:cNvSpPr>
-            <a:spLocks noGrp="1"/>
-          </p:cNvSpPr>
-          <p:nvPr>
-            <p:ph idx="1"/>
-          </p:nvPr>
-        </p:nvSpPr>
-        <p:spPr>
-          <a:xfrm>
-            <a:off x="369869" y="365125"/>
-            <a:ext cx="11578975" cy="5811838"/>
-          </a:xfrm>
-        </p:spPr>
-        <p:txBody>
-          <a:bodyPr>
-            <a:normAutofit/>
-          </a:bodyPr>
-          <a:lstStyle/>
-          <a:p>
-            <a:pPr marL="0" indent="0">
-              <a:buNone/>
-            </a:pPr>
-            <a:r>
-              <a:rPr lang="en-US" dirty="0">
-                <a:latin typeface="Times New Roman" panose="02020603050405020304" pitchFamily="18" charset="0"/>
-                <a:cs typeface="Times New Roman" panose="02020603050405020304" pitchFamily="18" charset="0"/>
-              </a:rPr>
-              <a:t>						</a:t>
-            </a:r>
-          </a:p>
-          <a:p>
-            <a:pPr marL="0" indent="0">
-              <a:buNone/>
-            </a:pPr>
-            <a:r>
-              <a:rPr lang="en-US" dirty="0">
-                <a:latin typeface="Times New Roman" panose="02020603050405020304" pitchFamily="18" charset="0"/>
-                <a:cs typeface="Times New Roman" panose="02020603050405020304" pitchFamily="18" charset="0"/>
-              </a:rPr>
-              <a:t>				     				</a:t>
-            </a:r>
-            <a:r>
-              <a:rPr lang="en-US" sz="3600" b="1" dirty="0">
-                <a:solidFill>
-                  <a:schemeClr val="accent3"/>
-                </a:solidFill>
-                <a:effectLst>
-                  <a:outerShdw blurRad="38100" dist="38100" dir="2700000" algn="tl">
-                    <a:srgbClr val="000000">
-                      <a:alpha val="43137"/>
-                    </a:srgbClr>
-                  </a:outerShdw>
-                </a:effectLst>
-                <a:latin typeface="Times New Roman" panose="02020603050405020304" pitchFamily="18" charset="0"/>
-                <a:cs typeface="Times New Roman" panose="02020603050405020304" pitchFamily="18" charset="0"/>
-              </a:rPr>
-              <a:t>Group Members</a:t>
-            </a:r>
-          </a:p>
-          <a:p>
-            <a:endParaRPr lang="en-US" dirty="0">
-              <a:latin typeface="Times New Roman" panose="02020603050405020304" pitchFamily="18" charset="0"/>
-              <a:cs typeface="Times New Roman" panose="02020603050405020304" pitchFamily="18" charset="0"/>
-            </a:endParaRPr>
-          </a:p>
-          <a:p>
-            <a:pPr marL="0" indent="0">
-              <a:buNone/>
-            </a:pPr>
-            <a:r>
-              <a:rPr lang="en-US" dirty="0">
-                <a:latin typeface="Times New Roman" panose="02020603050405020304" pitchFamily="18" charset="0"/>
-                <a:cs typeface="Times New Roman" panose="02020603050405020304" pitchFamily="18" charset="0"/>
-              </a:rPr>
-              <a:t>   Sowmya </a:t>
-            </a:r>
-            <a:r>
-              <a:rPr lang="en-US" dirty="0" err="1">
-                <a:latin typeface="Times New Roman" panose="02020603050405020304" pitchFamily="18" charset="0"/>
-                <a:cs typeface="Times New Roman" panose="02020603050405020304" pitchFamily="18" charset="0"/>
-              </a:rPr>
-              <a:t>Thogiti</a:t>
-            </a:r>
-            <a:r>
-              <a:rPr lang="en-US" dirty="0">
-                <a:latin typeface="Times New Roman" panose="02020603050405020304" pitchFamily="18" charset="0"/>
-                <a:cs typeface="Times New Roman" panose="02020603050405020304" pitchFamily="18" charset="0"/>
-              </a:rPr>
-              <a:t>		 </a:t>
-            </a:r>
-            <a:r>
-              <a:rPr lang="en-US" dirty="0" err="1">
-                <a:latin typeface="Times New Roman" panose="02020603050405020304" pitchFamily="18" charset="0"/>
-                <a:cs typeface="Times New Roman" panose="02020603050405020304" pitchFamily="18" charset="0"/>
-              </a:rPr>
-              <a:t>Vineetha</a:t>
-            </a:r>
-            <a:r>
-              <a:rPr lang="en-US" dirty="0">
-                <a:latin typeface="Times New Roman" panose="02020603050405020304" pitchFamily="18" charset="0"/>
-                <a:cs typeface="Times New Roman" panose="02020603050405020304" pitchFamily="18" charset="0"/>
-              </a:rPr>
-              <a:t> </a:t>
-            </a:r>
-            <a:r>
-              <a:rPr lang="en-US" dirty="0" err="1">
-                <a:latin typeface="Times New Roman" panose="02020603050405020304" pitchFamily="18" charset="0"/>
-                <a:cs typeface="Times New Roman" panose="02020603050405020304" pitchFamily="18" charset="0"/>
-              </a:rPr>
-              <a:t>Yenugula</a:t>
-            </a:r>
-            <a:r>
-              <a:rPr lang="en-US" dirty="0">
-                <a:latin typeface="Times New Roman" panose="02020603050405020304" pitchFamily="18" charset="0"/>
-                <a:cs typeface="Times New Roman" panose="02020603050405020304" pitchFamily="18" charset="0"/>
-              </a:rPr>
-              <a:t>   	     Swaroopa 	  		   Naga Anshitha    	            Shiva Rama</a:t>
-            </a:r>
-          </a:p>
-          <a:p>
-            <a:pPr marL="0" indent="0">
-              <a:buNone/>
-            </a:pPr>
-            <a:r>
-              <a:rPr lang="en-US" dirty="0">
-                <a:latin typeface="Times New Roman" panose="02020603050405020304" pitchFamily="18" charset="0"/>
-                <a:cs typeface="Times New Roman" panose="02020603050405020304" pitchFamily="18" charset="0"/>
-              </a:rPr>
-              <a:t>(Project Manager)	       (</a:t>
-            </a:r>
-            <a:r>
-              <a:rPr lang="en-US" dirty="0" err="1">
-                <a:latin typeface="Times New Roman" panose="02020603050405020304" pitchFamily="18" charset="0"/>
-                <a:cs typeface="Times New Roman" panose="02020603050405020304" pitchFamily="18" charset="0"/>
-              </a:rPr>
-              <a:t>Fullstack</a:t>
-            </a:r>
-            <a:r>
-              <a:rPr lang="en-US" dirty="0">
-                <a:latin typeface="Times New Roman" panose="02020603050405020304" pitchFamily="18" charset="0"/>
-                <a:cs typeface="Times New Roman" panose="02020603050405020304" pitchFamily="18" charset="0"/>
-              </a:rPr>
-              <a:t> Developer)      </a:t>
-            </a:r>
-            <a:r>
-              <a:rPr lang="en-US" dirty="0" err="1">
-                <a:latin typeface="Times New Roman" panose="02020603050405020304" pitchFamily="18" charset="0"/>
-                <a:cs typeface="Times New Roman" panose="02020603050405020304" pitchFamily="18" charset="0"/>
-              </a:rPr>
-              <a:t>Thirumalareddy</a:t>
-            </a:r>
-            <a:r>
-              <a:rPr lang="en-US" dirty="0">
-                <a:latin typeface="Times New Roman" panose="02020603050405020304" pitchFamily="18" charset="0"/>
-                <a:cs typeface="Times New Roman" panose="02020603050405020304" pitchFamily="18" charset="0"/>
-              </a:rPr>
-              <a:t>		     Velagapudi		         Krishna </a:t>
-            </a:r>
-            <a:r>
-              <a:rPr lang="en-US" dirty="0" err="1">
-                <a:latin typeface="Times New Roman" panose="02020603050405020304" pitchFamily="18" charset="0"/>
-                <a:cs typeface="Times New Roman" panose="02020603050405020304" pitchFamily="18" charset="0"/>
-              </a:rPr>
-              <a:t>Vodnala</a:t>
-            </a:r>
-            <a:endParaRPr lang="en-US" dirty="0"/>
-          </a:p>
-          <a:p>
-            <a:pPr marL="3657600" lvl="8" indent="0">
-              <a:buNone/>
-            </a:pPr>
-            <a:r>
-              <a:rPr lang="en-US" sz="1800" dirty="0">
-                <a:latin typeface="Times New Roman" panose="02020603050405020304" pitchFamily="18" charset="0"/>
-                <a:cs typeface="Times New Roman" panose="02020603050405020304" pitchFamily="18" charset="0"/>
-              </a:rPr>
-              <a:t>              (Backend Developer)	  (UI and Tester)	        (DB Administrator)					</a:t>
-            </a:r>
-          </a:p>
-          <a:p>
-            <a:pPr marL="0" indent="0">
-              <a:buNone/>
-            </a:pPr>
-            <a:r>
-              <a:rPr lang="en-US" dirty="0">
-                <a:latin typeface="Times New Roman" panose="02020603050405020304" pitchFamily="18" charset="0"/>
-                <a:cs typeface="Times New Roman" panose="02020603050405020304" pitchFamily="18" charset="0"/>
-              </a:rPr>
-              <a:t>			</a:t>
-            </a:r>
-          </a:p>
-          <a:p>
-            <a:pPr marL="0" indent="0">
-              <a:buNone/>
-            </a:pPr>
-            <a:endParaRPr lang="en-US" dirty="0">
-              <a:latin typeface="Times New Roman" panose="02020603050405020304" pitchFamily="18" charset="0"/>
-              <a:cs typeface="Times New Roman" panose="02020603050405020304" pitchFamily="18" charset="0"/>
-            </a:endParaRPr>
-          </a:p>
-        </p:txBody>
-      </p:sp>
-      <p:pic>
-        <p:nvPicPr>
-          <p:cNvPr id="5" name="Picture 4" descr="A person standing in front of a body of water&#10;&#10;Description automatically generated">
-            <a:extLst>
-              <a:ext uri="{FF2B5EF4-FFF2-40B4-BE49-F238E27FC236}">
-                <a16:creationId xmlns:a16="http://schemas.microsoft.com/office/drawing/2014/main" id="{92DB79B2-DF6D-431D-8B85-E3B38A6179B2}"/>
-              </a:ext>
-            </a:extLst>
-          </p:cNvPr>
-          <p:cNvPicPr>
-            <a:picLocks noChangeAspect="1"/>
-          </p:cNvPicPr>
-          <p:nvPr/>
-        </p:nvPicPr>
-        <p:blipFill>
-          <a:blip r:embed="rId2">
-            <a:extLst>
-              <a:ext uri="{28A0092B-C50C-407E-A947-70E740481C1C}">
-                <a14:useLocalDpi xmlns:a14="http://schemas.microsoft.com/office/drawing/2010/main" val="0"/>
-              </a:ext>
-            </a:extLst>
-          </a:blip>
-          <a:stretch>
-            <a:fillRect/>
-          </a:stretch>
-        </p:blipFill>
-        <p:spPr>
-          <a:xfrm>
-            <a:off x="2843139" y="3044160"/>
-            <a:ext cx="1532972" cy="2038355"/>
-          </a:xfrm>
-          <a:prstGeom prst="rect">
-            <a:avLst/>
-          </a:prstGeom>
-        </p:spPr>
-      </p:pic>
-      <p:pic>
-        <p:nvPicPr>
-          <p:cNvPr id="7" name="Picture 6" descr="A person smiling for the camera&#10;&#10;Description automatically generated">
-            <a:extLst>
-              <a:ext uri="{FF2B5EF4-FFF2-40B4-BE49-F238E27FC236}">
-                <a16:creationId xmlns:a16="http://schemas.microsoft.com/office/drawing/2014/main" id="{64698B35-8E26-4280-AFB3-C7EAA5BE7E87}"/>
-              </a:ext>
-            </a:extLst>
-          </p:cNvPr>
-          <p:cNvPicPr>
-            <a:picLocks noChangeAspect="1"/>
-          </p:cNvPicPr>
-          <p:nvPr/>
-        </p:nvPicPr>
-        <p:blipFill>
-          <a:blip r:embed="rId3">
-            <a:extLst>
-              <a:ext uri="{28A0092B-C50C-407E-A947-70E740481C1C}">
-                <a14:useLocalDpi xmlns:a14="http://schemas.microsoft.com/office/drawing/2010/main" val="0"/>
-              </a:ext>
-            </a:extLst>
-          </a:blip>
-          <a:stretch>
-            <a:fillRect/>
-          </a:stretch>
-        </p:blipFill>
-        <p:spPr>
-          <a:xfrm>
-            <a:off x="9730722" y="3156373"/>
-            <a:ext cx="1532973" cy="2038356"/>
-          </a:xfrm>
-          <a:prstGeom prst="rect">
-            <a:avLst/>
-          </a:prstGeom>
-        </p:spPr>
-      </p:pic>
-      <p:pic>
-        <p:nvPicPr>
-          <p:cNvPr id="9" name="Picture 8" descr="A person smiling for the camera&#10;&#10;Description automatically generated">
-            <a:extLst>
-              <a:ext uri="{FF2B5EF4-FFF2-40B4-BE49-F238E27FC236}">
-                <a16:creationId xmlns:a16="http://schemas.microsoft.com/office/drawing/2014/main" id="{4DC14134-59B9-40CD-B4BE-E8D1F5CD7132}"/>
-              </a:ext>
-            </a:extLst>
-          </p:cNvPr>
-          <p:cNvPicPr>
-            <a:picLocks noChangeAspect="1"/>
-          </p:cNvPicPr>
-          <p:nvPr/>
-        </p:nvPicPr>
-        <p:blipFill>
-          <a:blip r:embed="rId4">
-            <a:extLst>
-              <a:ext uri="{28A0092B-C50C-407E-A947-70E740481C1C}">
-                <a14:useLocalDpi xmlns:a14="http://schemas.microsoft.com/office/drawing/2010/main" val="0"/>
-              </a:ext>
-            </a:extLst>
-          </a:blip>
-          <a:stretch>
-            <a:fillRect/>
-          </a:stretch>
-        </p:blipFill>
-        <p:spPr>
-          <a:xfrm>
-            <a:off x="7399360" y="3156373"/>
-            <a:ext cx="1532972" cy="2038356"/>
-          </a:xfrm>
-          <a:prstGeom prst="rect">
-            <a:avLst/>
-          </a:prstGeom>
-        </p:spPr>
-      </p:pic>
-      <p:pic>
-        <p:nvPicPr>
-          <p:cNvPr id="6" name="Picture 5" descr="A person standing in front of a house&#10;&#10;Description automatically generated">
-            <a:extLst>
-              <a:ext uri="{FF2B5EF4-FFF2-40B4-BE49-F238E27FC236}">
-                <a16:creationId xmlns:a16="http://schemas.microsoft.com/office/drawing/2014/main" id="{BB84EB3D-8FB7-429A-8E57-A3E8E731121F}"/>
-              </a:ext>
-            </a:extLst>
-          </p:cNvPr>
-          <p:cNvPicPr>
-            <a:picLocks noChangeAspect="1"/>
-          </p:cNvPicPr>
-          <p:nvPr/>
-        </p:nvPicPr>
-        <p:blipFill>
-          <a:blip r:embed="rId5">
-            <a:extLst>
-              <a:ext uri="{28A0092B-C50C-407E-A947-70E740481C1C}">
-                <a14:useLocalDpi xmlns:a14="http://schemas.microsoft.com/office/drawing/2010/main" val="0"/>
-              </a:ext>
-            </a:extLst>
-          </a:blip>
-          <a:stretch>
-            <a:fillRect/>
-          </a:stretch>
-        </p:blipFill>
-        <p:spPr>
-          <a:xfrm>
-            <a:off x="5098498" y="3084327"/>
-            <a:ext cx="1436568" cy="2038356"/>
-          </a:xfrm>
-          <a:prstGeom prst="rect">
-            <a:avLst/>
-          </a:prstGeom>
-        </p:spPr>
-      </p:pic>
-      <p:pic>
-        <p:nvPicPr>
-          <p:cNvPr id="10" name="Picture 9" descr="A person taking a selfie&#10;&#10;Description automatically generated">
-            <a:extLst>
-              <a:ext uri="{FF2B5EF4-FFF2-40B4-BE49-F238E27FC236}">
-                <a16:creationId xmlns:a16="http://schemas.microsoft.com/office/drawing/2014/main" id="{1D3FEEC3-AF16-4966-A8CF-1233051B5509}"/>
-              </a:ext>
-            </a:extLst>
-          </p:cNvPr>
-          <p:cNvPicPr>
-            <a:picLocks noChangeAspect="1"/>
-          </p:cNvPicPr>
-          <p:nvPr/>
-        </p:nvPicPr>
-        <p:blipFill>
-          <a:blip r:embed="rId6">
-            <a:extLst>
-              <a:ext uri="{28A0092B-C50C-407E-A947-70E740481C1C}">
-                <a14:useLocalDpi xmlns:a14="http://schemas.microsoft.com/office/drawing/2010/main" val="0"/>
-              </a:ext>
-            </a:extLst>
-          </a:blip>
-          <a:stretch>
-            <a:fillRect/>
-          </a:stretch>
-        </p:blipFill>
-        <p:spPr>
-          <a:xfrm>
-            <a:off x="666722" y="3084327"/>
-            <a:ext cx="1454030" cy="1938708"/>
-          </a:xfrm>
-          <a:prstGeom prst="rect">
-            <a:avLst/>
-          </a:prstGeom>
-        </p:spPr>
-      </p:pic>
-      <p:sp>
-        <p:nvSpPr>
-          <p:cNvPr id="13" name="Footer Placeholder 12">
-            <a:extLst>
-              <a:ext uri="{FF2B5EF4-FFF2-40B4-BE49-F238E27FC236}">
-                <a16:creationId xmlns:a16="http://schemas.microsoft.com/office/drawing/2014/main" id="{4DEB0D3C-FC0C-4AAE-8B1A-1CD6D3894DE9}"/>
-              </a:ext>
-            </a:extLst>
-          </p:cNvPr>
-          <p:cNvSpPr>
-            <a:spLocks noGrp="1"/>
-          </p:cNvSpPr>
-          <p:nvPr>
-            <p:ph type="ftr" sz="quarter" idx="11"/>
-          </p:nvPr>
-        </p:nvSpPr>
-        <p:spPr/>
-        <p:txBody>
-          <a:bodyPr/>
-          <a:lstStyle/>
-          <a:p>
-            <a:r>
-              <a:rPr lang="en-US"/>
-              <a:t>Healthify-NWMSU</a:t>
-            </a:r>
-          </a:p>
-        </p:txBody>
-      </p:sp>
-      <p:sp>
-        <p:nvSpPr>
-          <p:cNvPr id="15" name="Slide Number Placeholder 14">
-            <a:extLst>
-              <a:ext uri="{FF2B5EF4-FFF2-40B4-BE49-F238E27FC236}">
-                <a16:creationId xmlns:a16="http://schemas.microsoft.com/office/drawing/2014/main" id="{2FAD1378-BCC4-42D6-A20E-EC601EC1DFD7}"/>
-              </a:ext>
-            </a:extLst>
-          </p:cNvPr>
-          <p:cNvSpPr>
-            <a:spLocks noGrp="1"/>
-          </p:cNvSpPr>
-          <p:nvPr>
-            <p:ph type="sldNum" sz="quarter" idx="12"/>
-          </p:nvPr>
-        </p:nvSpPr>
-        <p:spPr/>
-        <p:txBody>
-          <a:bodyPr/>
-          <a:lstStyle/>
-          <a:p>
-            <a:fld id="{FC6EDEEF-6E47-4D41-B312-2A124904AE2A}" type="slidenum">
-              <a:rPr lang="en-US" smtClean="0"/>
-              <a:t>2</a:t>
-            </a:fld>
-            <a:endParaRPr lang="en-US"/>
-          </a:p>
-        </p:txBody>
-      </p:sp>
-    </p:spTree>
-    <p:extLst>
-      <p:ext uri="{BB962C8B-B14F-4D97-AF65-F5344CB8AC3E}">
-        <p14:creationId xmlns:p14="http://schemas.microsoft.com/office/powerpoint/2010/main" val="4176327129"/>
-      </p:ext>
-    </p:extLst>
-  </p:cSld>
-  <p:clrMapOvr>
-    <a:masterClrMapping/>
-  </p:clrMapOvr>
-</p:sld>
-</file>
-
-<file path=ppt/slides/slide3.xml><?xml version="1.0" encoding="utf-8"?>
-<p:sld xmlns:a="http://schemas.openxmlformats.org/drawingml/2006/main" xmlns:r="http://schemas.openxmlformats.org/officeDocument/2006/relationships" xmlns:p="http://schemas.openxmlformats.org/presentationml/2006/main">
-  <p:cSld>
-    <p:spTree>
-      <p:nvGrpSpPr>
-        <p:cNvPr id="1" name=""/>
-        <p:cNvGrpSpPr/>
-        <p:nvPr/>
-      </p:nvGrpSpPr>
-      <p:grpSpPr>
-        <a:xfrm>
-          <a:off x="0" y="0"/>
-          <a:ext cx="0" cy="0"/>
-          <a:chOff x="0" y="0"/>
-          <a:chExt cx="0" cy="0"/>
-        </a:xfrm>
-      </p:grpSpPr>
-      <p:sp>
-        <p:nvSpPr>
-          <p:cNvPr id="2" name="Title 1">
-            <a:extLst>
-              <a:ext uri="{FF2B5EF4-FFF2-40B4-BE49-F238E27FC236}">
-                <a16:creationId xmlns:a16="http://schemas.microsoft.com/office/drawing/2014/main" id="{C8C00379-46E4-446E-88A8-5933040D965B}"/>
-              </a:ext>
-            </a:extLst>
-          </p:cNvPr>
-          <p:cNvSpPr>
-            <a:spLocks noGrp="1"/>
-          </p:cNvSpPr>
-          <p:nvPr>
-            <p:ph type="title"/>
-          </p:nvPr>
-        </p:nvSpPr>
-        <p:spPr>
-          <a:xfrm>
-            <a:off x="646111" y="452718"/>
-            <a:ext cx="9404723" cy="893197"/>
-          </a:xfrm>
-        </p:spPr>
-        <p:txBody>
-          <a:bodyPr/>
-          <a:lstStyle/>
-          <a:p>
-            <a:r>
-              <a:rPr lang="en-US" b="1" dirty="0">
-                <a:solidFill>
-                  <a:schemeClr val="accent3"/>
-                </a:solidFill>
-                <a:effectLst>
-                  <a:outerShdw blurRad="38100" dist="38100" dir="2700000" algn="tl">
-                    <a:srgbClr val="000000">
-                      <a:alpha val="43137"/>
-                    </a:srgbClr>
-                  </a:outerShdw>
-                </a:effectLst>
-                <a:latin typeface="Times New Roman" panose="02020603050405020304" pitchFamily="18" charset="0"/>
-                <a:cs typeface="Times New Roman" panose="02020603050405020304" pitchFamily="18" charset="0"/>
-              </a:rPr>
-              <a:t>Requirements</a:t>
-            </a:r>
-            <a:r>
-              <a:rPr lang="en-US" dirty="0">
-                <a:effectLst>
-                  <a:outerShdw blurRad="38100" dist="38100" dir="2700000" algn="tl">
-                    <a:srgbClr val="000000">
-                      <a:alpha val="43137"/>
-                    </a:srgbClr>
-                  </a:outerShdw>
-                </a:effectLst>
-                <a:latin typeface="Times New Roman" panose="02020603050405020304" pitchFamily="18" charset="0"/>
-                <a:cs typeface="Times New Roman" panose="02020603050405020304" pitchFamily="18" charset="0"/>
-              </a:rPr>
-              <a:t>	</a:t>
-            </a:r>
-          </a:p>
-        </p:txBody>
-      </p:sp>
-      <p:sp>
-        <p:nvSpPr>
-          <p:cNvPr id="3" name="Content Placeholder 2">
-            <a:extLst>
-              <a:ext uri="{FF2B5EF4-FFF2-40B4-BE49-F238E27FC236}">
-                <a16:creationId xmlns:a16="http://schemas.microsoft.com/office/drawing/2014/main" id="{A0AC3E9A-BB0B-4A18-AEAA-7929FA74C75D}"/>
-              </a:ext>
-            </a:extLst>
-          </p:cNvPr>
-          <p:cNvSpPr>
-            <a:spLocks noGrp="1"/>
-          </p:cNvSpPr>
-          <p:nvPr>
-            <p:ph idx="1"/>
-          </p:nvPr>
-        </p:nvSpPr>
-        <p:spPr>
-          <a:xfrm>
-            <a:off x="1103312" y="1489753"/>
-            <a:ext cx="8946541" cy="4758647"/>
-          </a:xfrm>
-        </p:spPr>
-        <p:txBody>
-          <a:bodyPr>
-            <a:normAutofit/>
-          </a:bodyPr>
-          <a:lstStyle/>
-          <a:p>
-            <a:pPr fontAlgn="base"/>
-            <a:r>
-              <a:rPr lang="en-US" dirty="0">
-                <a:latin typeface="Times New Roman" panose="02020603050405020304" pitchFamily="18" charset="0"/>
-                <a:cs typeface="Times New Roman" panose="02020603050405020304" pitchFamily="18" charset="0"/>
-              </a:rPr>
-              <a:t>The text narrative or user story</a:t>
-            </a:r>
-          </a:p>
-          <a:p>
-            <a:pPr fontAlgn="base"/>
-            <a:r>
-              <a:rPr lang="en-US" dirty="0">
-                <a:latin typeface="Times New Roman" panose="02020603050405020304" pitchFamily="18" charset="0"/>
-                <a:cs typeface="Times New Roman" panose="02020603050405020304" pitchFamily="18" charset="0"/>
-              </a:rPr>
-              <a:t>Project scope</a:t>
-            </a:r>
-          </a:p>
-          <a:p>
-            <a:pPr fontAlgn="base"/>
-            <a:r>
-              <a:rPr lang="en-US" dirty="0">
-                <a:latin typeface="Times New Roman" panose="02020603050405020304" pitchFamily="18" charset="0"/>
-                <a:cs typeface="Times New Roman" panose="02020603050405020304" pitchFamily="18" charset="0"/>
-              </a:rPr>
-              <a:t>Technical specifications</a:t>
-            </a:r>
-          </a:p>
-          <a:p>
-            <a:pPr fontAlgn="base"/>
-            <a:r>
-              <a:rPr lang="en-US" dirty="0">
-                <a:latin typeface="Times New Roman" panose="02020603050405020304" pitchFamily="18" charset="0"/>
-                <a:cs typeface="Times New Roman" panose="02020603050405020304" pitchFamily="18" charset="0"/>
-              </a:rPr>
-              <a:t>Sketches</a:t>
-            </a:r>
-          </a:p>
-          <a:p>
-            <a:pPr fontAlgn="base"/>
-            <a:r>
-              <a:rPr lang="en-US" dirty="0">
-                <a:latin typeface="Times New Roman" panose="02020603050405020304" pitchFamily="18" charset="0"/>
-                <a:cs typeface="Times New Roman" panose="02020603050405020304" pitchFamily="18" charset="0"/>
-              </a:rPr>
-              <a:t>Asset creation</a:t>
-            </a:r>
-          </a:p>
-          <a:p>
-            <a:pPr fontAlgn="base"/>
-            <a:r>
-              <a:rPr lang="en-US" dirty="0">
-                <a:latin typeface="Times New Roman" panose="02020603050405020304" pitchFamily="18" charset="0"/>
-                <a:cs typeface="Times New Roman" panose="02020603050405020304" pitchFamily="18" charset="0"/>
-              </a:rPr>
-              <a:t>Putting everything together in a workflow document(Jira).</a:t>
-            </a:r>
-          </a:p>
-          <a:p>
-            <a:pPr fontAlgn="base"/>
-            <a:r>
-              <a:rPr lang="en-US" dirty="0">
-                <a:latin typeface="Times New Roman" panose="02020603050405020304" pitchFamily="18" charset="0"/>
-                <a:cs typeface="Times New Roman" panose="02020603050405020304" pitchFamily="18" charset="0"/>
-              </a:rPr>
-              <a:t>FluidUI</a:t>
-            </a:r>
-          </a:p>
-          <a:p>
-            <a:pPr fontAlgn="base"/>
-            <a:r>
-              <a:rPr lang="en-US" dirty="0">
-                <a:latin typeface="Times New Roman" panose="02020603050405020304" pitchFamily="18" charset="0"/>
-                <a:cs typeface="Times New Roman" panose="02020603050405020304" pitchFamily="18" charset="0"/>
-              </a:rPr>
-              <a:t>GitHub</a:t>
-            </a:r>
-          </a:p>
-          <a:p>
-            <a:endParaRPr lang="en-US" dirty="0"/>
-          </a:p>
-        </p:txBody>
-      </p:sp>
-      <p:sp>
-        <p:nvSpPr>
-          <p:cNvPr id="6" name="Footer Placeholder 5">
-            <a:extLst>
-              <a:ext uri="{FF2B5EF4-FFF2-40B4-BE49-F238E27FC236}">
-                <a16:creationId xmlns:a16="http://schemas.microsoft.com/office/drawing/2014/main" id="{38D8D3A6-7408-4215-99DB-0B35830B92DB}"/>
-              </a:ext>
-            </a:extLst>
-          </p:cNvPr>
-          <p:cNvSpPr>
-            <a:spLocks noGrp="1"/>
-          </p:cNvSpPr>
-          <p:nvPr>
-            <p:ph type="ftr" sz="quarter" idx="11"/>
-          </p:nvPr>
-        </p:nvSpPr>
-        <p:spPr/>
-        <p:txBody>
-          <a:bodyPr/>
-          <a:lstStyle/>
-          <a:p>
-            <a:r>
-              <a:rPr lang="en-US"/>
-              <a:t>Healthify-NWMSU</a:t>
-            </a:r>
-          </a:p>
-        </p:txBody>
-      </p:sp>
-      <p:sp>
-        <p:nvSpPr>
-          <p:cNvPr id="7" name="Slide Number Placeholder 6">
-            <a:extLst>
-              <a:ext uri="{FF2B5EF4-FFF2-40B4-BE49-F238E27FC236}">
-                <a16:creationId xmlns:a16="http://schemas.microsoft.com/office/drawing/2014/main" id="{53D8A5C7-D4C7-4B73-BDB0-C67A0F06FB39}"/>
-              </a:ext>
-            </a:extLst>
-          </p:cNvPr>
-          <p:cNvSpPr>
-            <a:spLocks noGrp="1"/>
-          </p:cNvSpPr>
-          <p:nvPr>
-            <p:ph type="sldNum" sz="quarter" idx="12"/>
-          </p:nvPr>
-        </p:nvSpPr>
-        <p:spPr/>
-        <p:txBody>
-          <a:bodyPr/>
-          <a:lstStyle/>
-          <a:p>
-            <a:fld id="{FC6EDEEF-6E47-4D41-B312-2A124904AE2A}" type="slidenum">
-              <a:rPr lang="en-US" smtClean="0"/>
-              <a:t>3</a:t>
-            </a:fld>
-            <a:endParaRPr lang="en-US"/>
-          </a:p>
-        </p:txBody>
-      </p:sp>
-    </p:spTree>
-    <p:extLst>
-      <p:ext uri="{BB962C8B-B14F-4D97-AF65-F5344CB8AC3E}">
-        <p14:creationId xmlns:p14="http://schemas.microsoft.com/office/powerpoint/2010/main" val="2403520679"/>
-      </p:ext>
-    </p:extLst>
-  </p:cSld>
-  <p:clrMapOvr>
-    <a:masterClrMapping/>
-  </p:clrMapOvr>
-</p:sld>
-</file>
-
-<file path=ppt/slides/slide4.xml><?xml version="1.0" encoding="utf-8"?>
-<p:sld xmlns:a="http://schemas.openxmlformats.org/drawingml/2006/main" xmlns:r="http://schemas.openxmlformats.org/officeDocument/2006/relationships" xmlns:p="http://schemas.openxmlformats.org/presentationml/2006/main">
-  <p:cSld>
-    <p:spTree>
-      <p:nvGrpSpPr>
-        <p:cNvPr id="1" name=""/>
-        <p:cNvGrpSpPr/>
-        <p:nvPr/>
-      </p:nvGrpSpPr>
-      <p:grpSpPr>
-        <a:xfrm>
-          <a:off x="0" y="0"/>
-          <a:ext cx="0" cy="0"/>
-          <a:chOff x="0" y="0"/>
-          <a:chExt cx="0" cy="0"/>
-        </a:xfrm>
-      </p:grpSpPr>
-      <p:sp>
-        <p:nvSpPr>
-          <p:cNvPr id="2" name="Title 1">
-            <a:extLst>
-              <a:ext uri="{FF2B5EF4-FFF2-40B4-BE49-F238E27FC236}">
-                <a16:creationId xmlns:a16="http://schemas.microsoft.com/office/drawing/2014/main" id="{53CAD9F5-5D35-43A4-86EF-12603C6DCE87}"/>
-              </a:ext>
-            </a:extLst>
-          </p:cNvPr>
-          <p:cNvSpPr>
-            <a:spLocks noGrp="1"/>
-          </p:cNvSpPr>
-          <p:nvPr>
-            <p:ph type="title"/>
-          </p:nvPr>
-        </p:nvSpPr>
-        <p:spPr>
-          <a:xfrm>
-            <a:off x="646111" y="401347"/>
-            <a:ext cx="9404723" cy="708262"/>
-          </a:xfrm>
-        </p:spPr>
-        <p:txBody>
-          <a:bodyPr>
-            <a:normAutofit fontScale="90000"/>
-          </a:bodyPr>
-          <a:lstStyle/>
-          <a:p>
-            <a:r>
-              <a:rPr lang="en-US" sz="4000" b="1" dirty="0">
-                <a:solidFill>
-                  <a:schemeClr val="accent3"/>
-                </a:solidFill>
-                <a:effectLst>
-                  <a:outerShdw blurRad="38100" dist="38100" dir="2700000" algn="tl">
-                    <a:srgbClr val="000000">
-                      <a:alpha val="43137"/>
-                    </a:srgbClr>
-                  </a:outerShdw>
-                </a:effectLst>
-                <a:latin typeface="Times New Roman" panose="02020603050405020304" pitchFamily="18" charset="0"/>
-                <a:cs typeface="Times New Roman" panose="02020603050405020304" pitchFamily="18" charset="0"/>
-              </a:rPr>
-              <a:t>Purpose</a:t>
-            </a:r>
-            <a:br>
-              <a:rPr lang="en-US" b="1" dirty="0">
-                <a:solidFill>
-                  <a:schemeClr val="accent3"/>
-                </a:solidFill>
-                <a:effectLst>
-                  <a:outerShdw blurRad="38100" dist="38100" dir="2700000" algn="tl">
-                    <a:srgbClr val="000000">
-                      <a:alpha val="43137"/>
-                    </a:srgbClr>
-                  </a:outerShdw>
-                </a:effectLst>
-                <a:latin typeface="Times New Roman" panose="02020603050405020304" pitchFamily="18" charset="0"/>
-                <a:cs typeface="Times New Roman" panose="02020603050405020304" pitchFamily="18" charset="0"/>
-              </a:rPr>
-            </a:br>
-            <a:br>
-              <a:rPr lang="en-US" b="1" dirty="0">
-                <a:solidFill>
-                  <a:schemeClr val="accent3"/>
-                </a:solidFill>
-                <a:effectLst>
-                  <a:outerShdw blurRad="38100" dist="38100" dir="2700000" algn="tl">
-                    <a:srgbClr val="000000">
-                      <a:alpha val="43137"/>
-                    </a:srgbClr>
-                  </a:outerShdw>
-                </a:effectLst>
-                <a:latin typeface="Times New Roman" panose="02020603050405020304" pitchFamily="18" charset="0"/>
-                <a:cs typeface="Times New Roman" panose="02020603050405020304" pitchFamily="18" charset="0"/>
-              </a:rPr>
-            </a:br>
-            <a:br>
-              <a:rPr lang="en-US" b="1" dirty="0">
-                <a:solidFill>
-                  <a:schemeClr val="accent3"/>
-                </a:solidFill>
-                <a:effectLst>
-                  <a:outerShdw blurRad="38100" dist="38100" dir="2700000" algn="tl">
-                    <a:srgbClr val="000000">
-                      <a:alpha val="43137"/>
-                    </a:srgbClr>
-                  </a:outerShdw>
-                </a:effectLst>
-                <a:latin typeface="Times New Roman" panose="02020603050405020304" pitchFamily="18" charset="0"/>
-                <a:cs typeface="Times New Roman" panose="02020603050405020304" pitchFamily="18" charset="0"/>
-              </a:rPr>
-            </a:br>
-            <a:br>
-              <a:rPr lang="en-US" b="1" dirty="0">
-                <a:solidFill>
-                  <a:schemeClr val="accent3"/>
-                </a:solidFill>
-                <a:effectLst>
-                  <a:outerShdw blurRad="38100" dist="38100" dir="2700000" algn="tl">
-                    <a:srgbClr val="000000">
-                      <a:alpha val="43137"/>
-                    </a:srgbClr>
-                  </a:outerShdw>
-                </a:effectLst>
-                <a:latin typeface="Times New Roman" panose="02020603050405020304" pitchFamily="18" charset="0"/>
-                <a:cs typeface="Times New Roman" panose="02020603050405020304" pitchFamily="18" charset="0"/>
-              </a:rPr>
-            </a:br>
-            <a:br>
-              <a:rPr lang="en-US" b="1" dirty="0">
-                <a:solidFill>
-                  <a:schemeClr val="accent3"/>
-                </a:solidFill>
-                <a:effectLst>
-                  <a:outerShdw blurRad="38100" dist="38100" dir="2700000" algn="tl">
-                    <a:srgbClr val="000000">
-                      <a:alpha val="43137"/>
-                    </a:srgbClr>
-                  </a:outerShdw>
-                </a:effectLst>
-                <a:latin typeface="Times New Roman" panose="02020603050405020304" pitchFamily="18" charset="0"/>
-                <a:cs typeface="Times New Roman" panose="02020603050405020304" pitchFamily="18" charset="0"/>
-              </a:rPr>
-            </a:br>
-            <a:r>
-              <a:rPr lang="en-US" sz="4000" b="1" dirty="0">
-                <a:solidFill>
-                  <a:schemeClr val="accent3"/>
-                </a:solidFill>
-                <a:effectLst>
-                  <a:outerShdw blurRad="38100" dist="38100" dir="2700000" algn="tl">
-                    <a:srgbClr val="000000">
-                      <a:alpha val="43137"/>
-                    </a:srgbClr>
-                  </a:outerShdw>
-                </a:effectLst>
-                <a:latin typeface="Times New Roman" panose="02020603050405020304" pitchFamily="18" charset="0"/>
-                <a:cs typeface="Times New Roman" panose="02020603050405020304" pitchFamily="18" charset="0"/>
-              </a:rPr>
-              <a:t>Overview</a:t>
-            </a:r>
-          </a:p>
-        </p:txBody>
-      </p:sp>
-      <p:sp>
-        <p:nvSpPr>
-          <p:cNvPr id="3" name="Content Placeholder 2">
-            <a:extLst>
-              <a:ext uri="{FF2B5EF4-FFF2-40B4-BE49-F238E27FC236}">
-                <a16:creationId xmlns:a16="http://schemas.microsoft.com/office/drawing/2014/main" id="{0169D338-F03C-45A3-AF88-E7BA60FE6263}"/>
-              </a:ext>
-            </a:extLst>
-          </p:cNvPr>
-          <p:cNvSpPr>
-            <a:spLocks noGrp="1"/>
-          </p:cNvSpPr>
-          <p:nvPr>
-            <p:ph idx="1"/>
-          </p:nvPr>
-        </p:nvSpPr>
-        <p:spPr>
-          <a:xfrm>
-            <a:off x="842482" y="1017142"/>
-            <a:ext cx="9152618" cy="5260368"/>
-          </a:xfrm>
-        </p:spPr>
-        <p:txBody>
-          <a:bodyPr>
-            <a:normAutofit/>
-          </a:bodyPr>
-          <a:lstStyle/>
-          <a:p>
-            <a:r>
-              <a:rPr lang="en-US" dirty="0">
-                <a:latin typeface="Times New Roman" panose="02020603050405020304" pitchFamily="18" charset="0"/>
-                <a:cs typeface="Times New Roman" panose="02020603050405020304" pitchFamily="18" charset="0"/>
-              </a:rPr>
-              <a:t>“Our vision is to make healthy living easy, fun, and affordable for all”</a:t>
-            </a:r>
-          </a:p>
-          <a:p>
-            <a:r>
-              <a:rPr lang="en-US" dirty="0">
-                <a:latin typeface="Times New Roman" panose="02020603050405020304" pitchFamily="18" charset="0"/>
-                <a:cs typeface="Times New Roman" panose="02020603050405020304" pitchFamily="18" charset="0"/>
-              </a:rPr>
-              <a:t>The Healthify-NWMSU app can incorporate data from thousands of third-party apps that are designed to promote healthier habits from nutrition to fitness.</a:t>
-            </a:r>
-          </a:p>
-          <a:p>
-            <a:r>
-              <a:rPr lang="en-US" dirty="0">
-                <a:latin typeface="Times New Roman" panose="02020603050405020304" pitchFamily="18" charset="0"/>
-                <a:cs typeface="Times New Roman" panose="02020603050405020304" pitchFamily="18" charset="0"/>
-              </a:rPr>
-              <a:t>This app lets you keep all your health and fitness information under your control and in one place on your device.</a:t>
-            </a:r>
-          </a:p>
-          <a:p>
-            <a:endParaRPr lang="en-US" dirty="0">
-              <a:latin typeface="Times New Roman" panose="02020603050405020304" pitchFamily="18" charset="0"/>
-              <a:cs typeface="Times New Roman" panose="02020603050405020304" pitchFamily="18" charset="0"/>
-            </a:endParaRPr>
-          </a:p>
-          <a:p>
-            <a:endParaRPr lang="en-US" dirty="0">
-              <a:latin typeface="Times New Roman" panose="02020603050405020304" pitchFamily="18" charset="0"/>
-              <a:cs typeface="Times New Roman" panose="02020603050405020304" pitchFamily="18" charset="0"/>
-            </a:endParaRPr>
-          </a:p>
-          <a:p>
-            <a:r>
-              <a:rPr lang="en-US" dirty="0">
-                <a:latin typeface="Times New Roman" panose="02020603050405020304" pitchFamily="18" charset="0"/>
-                <a:cs typeface="Times New Roman" panose="02020603050405020304" pitchFamily="18" charset="0"/>
-              </a:rPr>
-              <a:t>Healthify-NWMSU is a fitness app that helps users track their diet and weight and set fitness goals.</a:t>
-            </a:r>
-          </a:p>
-          <a:p>
-            <a:r>
-              <a:rPr lang="en-US" dirty="0">
-                <a:latin typeface="Times New Roman" panose="02020603050405020304" pitchFamily="18" charset="0"/>
-                <a:cs typeface="Times New Roman" panose="02020603050405020304" pitchFamily="18" charset="0"/>
-              </a:rPr>
-              <a:t>It is free to download app which allows user to track their calories, steps, manage, view and participate in group challenges.</a:t>
-            </a:r>
-          </a:p>
-          <a:p>
-            <a:r>
-              <a:rPr lang="en-US" dirty="0">
-                <a:latin typeface="Times New Roman" panose="02020603050405020304" pitchFamily="18" charset="0"/>
-                <a:cs typeface="Times New Roman" panose="02020603050405020304" pitchFamily="18" charset="0"/>
-              </a:rPr>
-              <a:t>It helps users to track their food intake and measure calories accurately.</a:t>
-            </a:r>
-          </a:p>
-        </p:txBody>
-      </p:sp>
-      <p:sp>
-        <p:nvSpPr>
-          <p:cNvPr id="6" name="Footer Placeholder 5">
-            <a:extLst>
-              <a:ext uri="{FF2B5EF4-FFF2-40B4-BE49-F238E27FC236}">
-                <a16:creationId xmlns:a16="http://schemas.microsoft.com/office/drawing/2014/main" id="{69C0F0D7-0734-4D29-BB83-BBAF6A313E5D}"/>
-              </a:ext>
-            </a:extLst>
-          </p:cNvPr>
-          <p:cNvSpPr>
-            <a:spLocks noGrp="1"/>
-          </p:cNvSpPr>
-          <p:nvPr>
-            <p:ph type="ftr" sz="quarter" idx="11"/>
-          </p:nvPr>
-        </p:nvSpPr>
-        <p:spPr/>
-        <p:txBody>
-          <a:bodyPr/>
-          <a:lstStyle/>
-          <a:p>
-            <a:r>
-              <a:rPr lang="en-US"/>
-              <a:t>Healthify-NWMSU</a:t>
-            </a:r>
-          </a:p>
-        </p:txBody>
-      </p:sp>
-      <p:sp>
-        <p:nvSpPr>
-          <p:cNvPr id="7" name="Slide Number Placeholder 6">
-            <a:extLst>
-              <a:ext uri="{FF2B5EF4-FFF2-40B4-BE49-F238E27FC236}">
-                <a16:creationId xmlns:a16="http://schemas.microsoft.com/office/drawing/2014/main" id="{0C27BE6C-AA7F-4054-A992-C71124FC6FE4}"/>
-              </a:ext>
-            </a:extLst>
-          </p:cNvPr>
-          <p:cNvSpPr>
-            <a:spLocks noGrp="1"/>
-          </p:cNvSpPr>
-          <p:nvPr>
-            <p:ph type="sldNum" sz="quarter" idx="12"/>
-          </p:nvPr>
-        </p:nvSpPr>
-        <p:spPr/>
-        <p:txBody>
-          <a:bodyPr/>
-          <a:lstStyle/>
-          <a:p>
-            <a:fld id="{FC6EDEEF-6E47-4D41-B312-2A124904AE2A}" type="slidenum">
-              <a:rPr lang="en-US" smtClean="0"/>
-              <a:t>4</a:t>
-            </a:fld>
-            <a:endParaRPr lang="en-US"/>
-          </a:p>
-        </p:txBody>
-      </p:sp>
-    </p:spTree>
-    <p:extLst>
-      <p:ext uri="{BB962C8B-B14F-4D97-AF65-F5344CB8AC3E}">
-        <p14:creationId xmlns:p14="http://schemas.microsoft.com/office/powerpoint/2010/main" val="602519577"/>
-      </p:ext>
-    </p:extLst>
-  </p:cSld>
-  <p:clrMapOvr>
-    <a:masterClrMapping/>
-  </p:clrMapOvr>
-</p:sld>
-</file>
-
-<file path=ppt/slides/slide5.xml><?xml version="1.0" encoding="utf-8"?>
-<p:sld xmlns:a="http://schemas.openxmlformats.org/drawingml/2006/main" xmlns:r="http://schemas.openxmlformats.org/officeDocument/2006/relationships" xmlns:p="http://schemas.openxmlformats.org/presentationml/2006/main">
-  <p:cSld>
-    <p:spTree>
-      <p:nvGrpSpPr>
-        <p:cNvPr id="1" name=""/>
-        <p:cNvGrpSpPr/>
-        <p:nvPr/>
-      </p:nvGrpSpPr>
-      <p:grpSpPr>
-        <a:xfrm>
-          <a:off x="0" y="0"/>
-          <a:ext cx="0" cy="0"/>
-          <a:chOff x="0" y="0"/>
-          <a:chExt cx="0" cy="0"/>
-        </a:xfrm>
-      </p:grpSpPr>
-      <p:sp>
-        <p:nvSpPr>
-          <p:cNvPr id="2" name="Title 1">
-            <a:extLst>
-              <a:ext uri="{FF2B5EF4-FFF2-40B4-BE49-F238E27FC236}">
-                <a16:creationId xmlns:a16="http://schemas.microsoft.com/office/drawing/2014/main" id="{125EC5BE-68C9-4C55-8D48-904C9CFC8A87}"/>
-              </a:ext>
-            </a:extLst>
-          </p:cNvPr>
-          <p:cNvSpPr>
-            <a:spLocks noGrp="1"/>
-          </p:cNvSpPr>
-          <p:nvPr>
-            <p:ph type="title"/>
-          </p:nvPr>
-        </p:nvSpPr>
-        <p:spPr>
-          <a:xfrm>
-            <a:off x="646111" y="401347"/>
-            <a:ext cx="9404723" cy="1400530"/>
-          </a:xfrm>
-        </p:spPr>
-        <p:txBody>
-          <a:bodyPr>
-            <a:normAutofit fontScale="90000"/>
-          </a:bodyPr>
-          <a:lstStyle/>
-          <a:p>
-            <a:r>
-              <a:rPr lang="en-US" sz="4000" b="1" dirty="0">
-                <a:solidFill>
-                  <a:schemeClr val="accent3"/>
-                </a:solidFill>
-                <a:effectLst>
-                  <a:outerShdw blurRad="38100" dist="38100" dir="2700000" algn="tl">
-                    <a:srgbClr val="000000">
-                      <a:alpha val="43137"/>
-                    </a:srgbClr>
-                  </a:outerShdw>
-                </a:effectLst>
-                <a:latin typeface="Times New Roman" panose="02020603050405020304" pitchFamily="18" charset="0"/>
-                <a:cs typeface="Times New Roman" panose="02020603050405020304" pitchFamily="18" charset="0"/>
-              </a:rPr>
-              <a:t>Screens of UI Sketches</a:t>
-            </a:r>
-            <a:br>
-              <a:rPr lang="en-US" sz="4000" dirty="0">
-                <a:latin typeface="Times New Roman" panose="02020603050405020304" pitchFamily="18" charset="0"/>
-                <a:cs typeface="Times New Roman" panose="02020603050405020304" pitchFamily="18" charset="0"/>
-              </a:rPr>
-            </a:br>
-            <a:br>
-              <a:rPr lang="en-US" dirty="0">
-                <a:latin typeface="Times New Roman" panose="02020603050405020304" pitchFamily="18" charset="0"/>
-                <a:cs typeface="Times New Roman" panose="02020603050405020304" pitchFamily="18" charset="0"/>
-              </a:rPr>
-            </a:br>
-            <a:endParaRPr lang="en-US" sz="2000" dirty="0">
-              <a:latin typeface="Times New Roman" panose="02020603050405020304" pitchFamily="18" charset="0"/>
-              <a:cs typeface="Times New Roman" panose="02020603050405020304" pitchFamily="18" charset="0"/>
-            </a:endParaRPr>
-          </a:p>
-        </p:txBody>
-      </p:sp>
-      <p:pic>
-        <p:nvPicPr>
-          <p:cNvPr id="5" name="Content Placeholder 4" descr="A screenshot of a cell phone&#10;&#10;Description automatically generated">
-            <a:extLst>
-              <a:ext uri="{FF2B5EF4-FFF2-40B4-BE49-F238E27FC236}">
-                <a16:creationId xmlns:a16="http://schemas.microsoft.com/office/drawing/2014/main" id="{0EAAE02D-95D7-4790-9B8B-0C2E66ED1508}"/>
-              </a:ext>
-            </a:extLst>
-          </p:cNvPr>
-          <p:cNvPicPr>
-            <a:picLocks noGrp="1" noChangeAspect="1"/>
-          </p:cNvPicPr>
-          <p:nvPr>
-            <p:ph idx="1"/>
-          </p:nvPr>
-        </p:nvPicPr>
-        <p:blipFill>
-          <a:blip r:embed="rId2">
-            <a:extLst>
-              <a:ext uri="{28A0092B-C50C-407E-A947-70E740481C1C}">
-                <a14:useLocalDpi xmlns:a14="http://schemas.microsoft.com/office/drawing/2010/main" val="0"/>
-              </a:ext>
-            </a:extLst>
-          </a:blip>
-          <a:stretch>
-            <a:fillRect/>
-          </a:stretch>
-        </p:blipFill>
-        <p:spPr>
-          <a:xfrm>
-            <a:off x="992292" y="1191803"/>
-            <a:ext cx="3024903" cy="4977926"/>
-          </a:xfrm>
-        </p:spPr>
-      </p:pic>
-      <p:pic>
-        <p:nvPicPr>
-          <p:cNvPr id="7" name="Picture 6" descr="A screenshot of a cell phone&#10;&#10;Description automatically generated">
-            <a:extLst>
-              <a:ext uri="{FF2B5EF4-FFF2-40B4-BE49-F238E27FC236}">
-                <a16:creationId xmlns:a16="http://schemas.microsoft.com/office/drawing/2014/main" id="{50FBA26D-8217-4E8F-AA9C-568663C77F8B}"/>
-              </a:ext>
-            </a:extLst>
-          </p:cNvPr>
-          <p:cNvPicPr>
-            <a:picLocks noChangeAspect="1"/>
-          </p:cNvPicPr>
-          <p:nvPr/>
-        </p:nvPicPr>
-        <p:blipFill>
-          <a:blip r:embed="rId3">
-            <a:extLst>
-              <a:ext uri="{28A0092B-C50C-407E-A947-70E740481C1C}">
-                <a14:useLocalDpi xmlns:a14="http://schemas.microsoft.com/office/drawing/2010/main" val="0"/>
-              </a:ext>
-            </a:extLst>
-          </a:blip>
-          <a:stretch>
-            <a:fillRect/>
-          </a:stretch>
-        </p:blipFill>
-        <p:spPr>
-          <a:xfrm>
-            <a:off x="4598458" y="1191803"/>
-            <a:ext cx="3024902" cy="4977926"/>
-          </a:xfrm>
-          <a:prstGeom prst="rect">
-            <a:avLst/>
-          </a:prstGeom>
-        </p:spPr>
-      </p:pic>
-      <p:sp>
-        <p:nvSpPr>
-          <p:cNvPr id="8" name="Footer Placeholder 7">
-            <a:extLst>
-              <a:ext uri="{FF2B5EF4-FFF2-40B4-BE49-F238E27FC236}">
-                <a16:creationId xmlns:a16="http://schemas.microsoft.com/office/drawing/2014/main" id="{3D7665F4-0963-419D-B051-3FE3079E217D}"/>
-              </a:ext>
-            </a:extLst>
-          </p:cNvPr>
-          <p:cNvSpPr>
-            <a:spLocks noGrp="1"/>
-          </p:cNvSpPr>
-          <p:nvPr>
-            <p:ph type="ftr" sz="quarter" idx="11"/>
-          </p:nvPr>
-        </p:nvSpPr>
-        <p:spPr/>
-        <p:txBody>
-          <a:bodyPr/>
-          <a:lstStyle/>
-          <a:p>
-            <a:r>
-              <a:rPr lang="en-US"/>
-              <a:t>Healthify-NWMSU</a:t>
-            </a:r>
-          </a:p>
-        </p:txBody>
-      </p:sp>
-      <p:sp>
-        <p:nvSpPr>
-          <p:cNvPr id="9" name="Slide Number Placeholder 8">
-            <a:extLst>
-              <a:ext uri="{FF2B5EF4-FFF2-40B4-BE49-F238E27FC236}">
-                <a16:creationId xmlns:a16="http://schemas.microsoft.com/office/drawing/2014/main" id="{4F7404B4-B404-4287-985D-DA10D897BF21}"/>
-              </a:ext>
-            </a:extLst>
-          </p:cNvPr>
-          <p:cNvSpPr>
-            <a:spLocks noGrp="1"/>
-          </p:cNvSpPr>
-          <p:nvPr>
-            <p:ph type="sldNum" sz="quarter" idx="12"/>
-          </p:nvPr>
-        </p:nvSpPr>
-        <p:spPr/>
-        <p:txBody>
-          <a:bodyPr/>
-          <a:lstStyle/>
-          <a:p>
-            <a:fld id="{FC6EDEEF-6E47-4D41-B312-2A124904AE2A}" type="slidenum">
-              <a:rPr lang="en-US" smtClean="0"/>
-              <a:t>5</a:t>
-            </a:fld>
-            <a:endParaRPr lang="en-US"/>
-          </a:p>
-        </p:txBody>
-      </p:sp>
-      <p:pic>
-        <p:nvPicPr>
-          <p:cNvPr id="10" name="Picture 9" descr="A screenshot of a cell phone&#10;&#10;Description automatically generated">
-            <a:extLst>
-              <a:ext uri="{FF2B5EF4-FFF2-40B4-BE49-F238E27FC236}">
-                <a16:creationId xmlns:a16="http://schemas.microsoft.com/office/drawing/2014/main" id="{8D84F9D6-7C5E-49A6-A655-EB05CB23DF91}"/>
-              </a:ext>
-            </a:extLst>
-          </p:cNvPr>
-          <p:cNvPicPr>
-            <a:picLocks noChangeAspect="1"/>
-          </p:cNvPicPr>
-          <p:nvPr/>
-        </p:nvPicPr>
-        <p:blipFill>
-          <a:blip r:embed="rId4">
-            <a:extLst>
-              <a:ext uri="{28A0092B-C50C-407E-A947-70E740481C1C}">
-                <a14:useLocalDpi xmlns:a14="http://schemas.microsoft.com/office/drawing/2010/main" val="0"/>
-              </a:ext>
-            </a:extLst>
-          </a:blip>
-          <a:stretch>
-            <a:fillRect/>
-          </a:stretch>
-        </p:blipFill>
-        <p:spPr>
-          <a:xfrm>
-            <a:off x="8378157" y="1191803"/>
-            <a:ext cx="2821551" cy="4884221"/>
-          </a:xfrm>
-          <a:prstGeom prst="rect">
-            <a:avLst/>
-          </a:prstGeom>
-        </p:spPr>
-      </p:pic>
-    </p:spTree>
-    <p:extLst>
-      <p:ext uri="{BB962C8B-B14F-4D97-AF65-F5344CB8AC3E}">
-        <p14:creationId xmlns:p14="http://schemas.microsoft.com/office/powerpoint/2010/main" val="793526837"/>
-      </p:ext>
-    </p:extLst>
-  </p:cSld>
-  <p:clrMapOvr>
-    <a:masterClrMapping/>
-  </p:clrMapOvr>
-</p:sld>
-</file>
-
-<file path=ppt/slides/slide6.xml><?xml version="1.0" encoding="utf-8"?>
-<p:sld xmlns:a="http://schemas.openxmlformats.org/drawingml/2006/main" xmlns:r="http://schemas.openxmlformats.org/officeDocument/2006/relationships" xmlns:p="http://schemas.openxmlformats.org/presentationml/2006/main">
-  <p:cSld>
-    <p:spTree>
-      <p:nvGrpSpPr>
-        <p:cNvPr id="1" name=""/>
-        <p:cNvGrpSpPr/>
-        <p:nvPr/>
-      </p:nvGrpSpPr>
-      <p:grpSpPr>
-        <a:xfrm>
-          <a:off x="0" y="0"/>
-          <a:ext cx="0" cy="0"/>
-          <a:chOff x="0" y="0"/>
-          <a:chExt cx="0" cy="0"/>
-        </a:xfrm>
-      </p:grpSpPr>
-      <p:sp>
-        <p:nvSpPr>
-          <p:cNvPr id="2" name="Title 1">
-            <a:extLst>
-              <a:ext uri="{FF2B5EF4-FFF2-40B4-BE49-F238E27FC236}">
-                <a16:creationId xmlns:a16="http://schemas.microsoft.com/office/drawing/2014/main" id="{EE86DD78-E9CE-490E-88B1-0385B046D747}"/>
-              </a:ext>
-            </a:extLst>
-          </p:cNvPr>
-          <p:cNvSpPr>
-            <a:spLocks noGrp="1"/>
-          </p:cNvSpPr>
-          <p:nvPr>
-            <p:ph type="title"/>
-          </p:nvPr>
-        </p:nvSpPr>
-        <p:spPr/>
-        <p:txBody>
-          <a:bodyPr/>
-          <a:lstStyle/>
-          <a:p>
-            <a:r>
-              <a:rPr lang="en-US" b="1" dirty="0">
-                <a:solidFill>
-                  <a:schemeClr val="accent3"/>
-                </a:solidFill>
-                <a:effectLst>
-                  <a:outerShdw blurRad="38100" dist="38100" dir="2700000" algn="tl">
-                    <a:srgbClr val="000000">
-                      <a:alpha val="43137"/>
-                    </a:srgbClr>
-                  </a:outerShdw>
-                </a:effectLst>
-                <a:latin typeface="Times New Roman" panose="02020603050405020304" pitchFamily="18" charset="0"/>
-                <a:cs typeface="Times New Roman" panose="02020603050405020304" pitchFamily="18" charset="0"/>
-              </a:rPr>
-              <a:t>Screens of UI Sketches</a:t>
-            </a:r>
-            <a:endParaRPr lang="en-US" b="1" dirty="0">
-              <a:solidFill>
-                <a:schemeClr val="accent3"/>
-              </a:solidFill>
-              <a:effectLst>
-                <a:outerShdw blurRad="38100" dist="38100" dir="2700000" algn="tl">
-                  <a:srgbClr val="000000">
-                    <a:alpha val="43137"/>
-                  </a:srgbClr>
-                </a:outerShdw>
-              </a:effectLst>
-            </a:endParaRPr>
-          </a:p>
-        </p:txBody>
-      </p:sp>
-      <p:pic>
-        <p:nvPicPr>
-          <p:cNvPr id="5" name="Content Placeholder 4" descr="A screenshot of a cell phone&#10;&#10;Description automatically generated">
-            <a:extLst>
-              <a:ext uri="{FF2B5EF4-FFF2-40B4-BE49-F238E27FC236}">
-                <a16:creationId xmlns:a16="http://schemas.microsoft.com/office/drawing/2014/main" id="{3C2846B6-CBD7-4174-A78E-EB0295F266B7}"/>
-              </a:ext>
-            </a:extLst>
-          </p:cNvPr>
-          <p:cNvPicPr>
-            <a:picLocks noGrp="1" noChangeAspect="1"/>
-          </p:cNvPicPr>
-          <p:nvPr>
-            <p:ph idx="1"/>
-          </p:nvPr>
-        </p:nvPicPr>
-        <p:blipFill>
-          <a:blip r:embed="rId2">
-            <a:extLst>
-              <a:ext uri="{28A0092B-C50C-407E-A947-70E740481C1C}">
-                <a14:useLocalDpi xmlns:a14="http://schemas.microsoft.com/office/drawing/2010/main" val="0"/>
-              </a:ext>
-            </a:extLst>
-          </a:blip>
-          <a:stretch>
-            <a:fillRect/>
-          </a:stretch>
-        </p:blipFill>
-        <p:spPr>
-          <a:xfrm>
-            <a:off x="7653096" y="1216217"/>
-            <a:ext cx="2821551" cy="4884221"/>
-          </a:xfrm>
-        </p:spPr>
-      </p:pic>
-      <p:pic>
-        <p:nvPicPr>
-          <p:cNvPr id="6" name="Picture 5" descr="A screenshot of a cell phone&#10;&#10;Description automatically generated">
-            <a:extLst>
-              <a:ext uri="{FF2B5EF4-FFF2-40B4-BE49-F238E27FC236}">
-                <a16:creationId xmlns:a16="http://schemas.microsoft.com/office/drawing/2014/main" id="{BC02AB21-A8B2-431B-B6C0-5A214AE639C7}"/>
-              </a:ext>
-            </a:extLst>
-          </p:cNvPr>
-          <p:cNvPicPr>
-            <a:picLocks noChangeAspect="1"/>
-          </p:cNvPicPr>
-          <p:nvPr/>
-        </p:nvPicPr>
-        <p:blipFill>
-          <a:blip r:embed="rId3">
-            <a:extLst>
-              <a:ext uri="{28A0092B-C50C-407E-A947-70E740481C1C}">
-                <a14:useLocalDpi xmlns:a14="http://schemas.microsoft.com/office/drawing/2010/main" val="0"/>
-              </a:ext>
-            </a:extLst>
-          </a:blip>
-          <a:stretch>
-            <a:fillRect/>
-          </a:stretch>
-        </p:blipFill>
-        <p:spPr>
-          <a:xfrm>
-            <a:off x="4258078" y="1216217"/>
-            <a:ext cx="2821551" cy="4884221"/>
-          </a:xfrm>
-          <a:prstGeom prst="rect">
-            <a:avLst/>
-          </a:prstGeom>
-        </p:spPr>
-      </p:pic>
-      <p:sp>
-        <p:nvSpPr>
-          <p:cNvPr id="8" name="Footer Placeholder 7">
-            <a:extLst>
-              <a:ext uri="{FF2B5EF4-FFF2-40B4-BE49-F238E27FC236}">
-                <a16:creationId xmlns:a16="http://schemas.microsoft.com/office/drawing/2014/main" id="{5CED5646-90C1-4F81-90DA-AA017C6B22C5}"/>
-              </a:ext>
-            </a:extLst>
-          </p:cNvPr>
-          <p:cNvSpPr>
-            <a:spLocks noGrp="1"/>
-          </p:cNvSpPr>
-          <p:nvPr>
-            <p:ph type="ftr" sz="quarter" idx="11"/>
-          </p:nvPr>
-        </p:nvSpPr>
-        <p:spPr/>
-        <p:txBody>
-          <a:bodyPr/>
-          <a:lstStyle/>
-          <a:p>
-            <a:r>
-              <a:rPr lang="en-US"/>
-              <a:t>Healthify-NWMSU</a:t>
-            </a:r>
-          </a:p>
-        </p:txBody>
-      </p:sp>
-      <p:sp>
-        <p:nvSpPr>
-          <p:cNvPr id="9" name="Slide Number Placeholder 8">
-            <a:extLst>
-              <a:ext uri="{FF2B5EF4-FFF2-40B4-BE49-F238E27FC236}">
-                <a16:creationId xmlns:a16="http://schemas.microsoft.com/office/drawing/2014/main" id="{92881D41-A262-4F4C-BCDB-29B7F360E97E}"/>
-              </a:ext>
-            </a:extLst>
-          </p:cNvPr>
-          <p:cNvSpPr>
-            <a:spLocks noGrp="1"/>
-          </p:cNvSpPr>
-          <p:nvPr>
-            <p:ph type="sldNum" sz="quarter" idx="12"/>
-          </p:nvPr>
-        </p:nvSpPr>
-        <p:spPr/>
-        <p:txBody>
-          <a:bodyPr/>
-          <a:lstStyle/>
-          <a:p>
-            <a:fld id="{FC6EDEEF-6E47-4D41-B312-2A124904AE2A}" type="slidenum">
-              <a:rPr lang="en-US" smtClean="0"/>
-              <a:t>6</a:t>
-            </a:fld>
-            <a:endParaRPr lang="en-US"/>
-          </a:p>
-        </p:txBody>
-      </p:sp>
-      <p:pic>
-        <p:nvPicPr>
-          <p:cNvPr id="10" name="Content Placeholder 4" descr="A screenshot of a social media post&#10;&#10;Description automatically generated">
-            <a:extLst>
-              <a:ext uri="{FF2B5EF4-FFF2-40B4-BE49-F238E27FC236}">
-                <a16:creationId xmlns:a16="http://schemas.microsoft.com/office/drawing/2014/main" id="{EB2594DB-28A2-4C50-8FC6-1738B3EB1D2F}"/>
-              </a:ext>
-            </a:extLst>
-          </p:cNvPr>
-          <p:cNvPicPr>
-            <a:picLocks noChangeAspect="1"/>
-          </p:cNvPicPr>
-          <p:nvPr/>
-        </p:nvPicPr>
-        <p:blipFill>
-          <a:blip r:embed="rId4">
-            <a:extLst>
-              <a:ext uri="{28A0092B-C50C-407E-A947-70E740481C1C}">
-                <a14:useLocalDpi xmlns:a14="http://schemas.microsoft.com/office/drawing/2010/main" val="0"/>
-              </a:ext>
-            </a:extLst>
-          </a:blip>
-          <a:stretch>
-            <a:fillRect/>
-          </a:stretch>
-        </p:blipFill>
-        <p:spPr>
-          <a:xfrm>
-            <a:off x="875338" y="1169363"/>
-            <a:ext cx="2809273" cy="4977926"/>
-          </a:xfrm>
-          <a:prstGeom prst="rect">
-            <a:avLst/>
-          </a:prstGeom>
-        </p:spPr>
-      </p:pic>
-    </p:spTree>
-    <p:extLst>
-      <p:ext uri="{BB962C8B-B14F-4D97-AF65-F5344CB8AC3E}">
-        <p14:creationId xmlns:p14="http://schemas.microsoft.com/office/powerpoint/2010/main" val="2990232904"/>
-      </p:ext>
-    </p:extLst>
-  </p:cSld>
-  <p:clrMapOvr>
-    <a:masterClrMapping/>
-  </p:clrMapOvr>
-</p:sld>
-</file>
-
-<file path=ppt/slides/slide7.xml><?xml version="1.0" encoding="utf-8"?>
-<p:sld xmlns:a="http://schemas.openxmlformats.org/drawingml/2006/main" xmlns:r="http://schemas.openxmlformats.org/officeDocument/2006/relationships" xmlns:p="http://schemas.openxmlformats.org/presentationml/2006/main">
-  <p:cSld>
-    <p:spTree>
-      <p:nvGrpSpPr>
-        <p:cNvPr id="1" name=""/>
-        <p:cNvGrpSpPr/>
-        <p:nvPr/>
-      </p:nvGrpSpPr>
-      <p:grpSpPr>
-        <a:xfrm>
-          <a:off x="0" y="0"/>
-          <a:ext cx="0" cy="0"/>
-          <a:chOff x="0" y="0"/>
-          <a:chExt cx="0" cy="0"/>
-        </a:xfrm>
-      </p:grpSpPr>
-      <p:sp>
-        <p:nvSpPr>
-          <p:cNvPr id="2" name="Title 1">
-            <a:extLst>
-              <a:ext uri="{FF2B5EF4-FFF2-40B4-BE49-F238E27FC236}">
-                <a16:creationId xmlns:a16="http://schemas.microsoft.com/office/drawing/2014/main" id="{573E737E-8EF4-48B3-9937-7787C41E3A2D}"/>
-              </a:ext>
-            </a:extLst>
-          </p:cNvPr>
-          <p:cNvSpPr>
-            <a:spLocks noGrp="1"/>
-          </p:cNvSpPr>
-          <p:nvPr>
-            <p:ph type="title"/>
-          </p:nvPr>
-        </p:nvSpPr>
-        <p:spPr>
-          <a:xfrm>
-            <a:off x="677334" y="599326"/>
-            <a:ext cx="8596668" cy="1320800"/>
-          </a:xfrm>
-        </p:spPr>
-        <p:txBody>
-          <a:bodyPr>
-            <a:normAutofit/>
-          </a:bodyPr>
-          <a:lstStyle/>
-          <a:p>
-            <a:r>
-              <a:rPr lang="en-US" b="1" dirty="0">
-                <a:solidFill>
-                  <a:schemeClr val="accent3"/>
-                </a:solidFill>
-                <a:effectLst>
-                  <a:outerShdw blurRad="38100" dist="38100" dir="2700000" algn="tl">
-                    <a:srgbClr val="000000">
-                      <a:alpha val="43137"/>
-                    </a:srgbClr>
-                  </a:outerShdw>
-                </a:effectLst>
-                <a:latin typeface="Times New Roman" panose="02020603050405020304" pitchFamily="18" charset="0"/>
-                <a:cs typeface="Times New Roman" panose="02020603050405020304" pitchFamily="18" charset="0"/>
-              </a:rPr>
-              <a:t>Acceptance Criteria</a:t>
-            </a:r>
-            <a:br>
-              <a:rPr lang="en-US" b="1" dirty="0">
-                <a:solidFill>
-                  <a:srgbClr val="24292E"/>
-                </a:solidFill>
-                <a:latin typeface="-apple-system"/>
-              </a:rPr>
-            </a:br>
-            <a:endParaRPr lang="en-US" dirty="0"/>
-          </a:p>
-        </p:txBody>
-      </p:sp>
-      <p:sp>
-        <p:nvSpPr>
-          <p:cNvPr id="3" name="Content Placeholder 2">
-            <a:extLst>
-              <a:ext uri="{FF2B5EF4-FFF2-40B4-BE49-F238E27FC236}">
-                <a16:creationId xmlns:a16="http://schemas.microsoft.com/office/drawing/2014/main" id="{9C7E8854-7F3E-4442-BC30-0FA2B15FA669}"/>
-              </a:ext>
-            </a:extLst>
-          </p:cNvPr>
-          <p:cNvSpPr>
-            <a:spLocks noGrp="1"/>
-          </p:cNvSpPr>
-          <p:nvPr>
-            <p:ph idx="1"/>
-          </p:nvPr>
-        </p:nvSpPr>
-        <p:spPr>
-          <a:xfrm>
-            <a:off x="1103311" y="1273996"/>
-            <a:ext cx="10352373" cy="5373384"/>
-          </a:xfrm>
-        </p:spPr>
-        <p:txBody>
-          <a:bodyPr>
-            <a:normAutofit fontScale="25000" lnSpcReduction="20000"/>
-          </a:bodyPr>
-          <a:lstStyle/>
-          <a:p>
-            <a:pPr>
-              <a:buFont typeface="Arial" panose="020B0604020202020204" pitchFamily="34" charset="0"/>
-              <a:buChar char="•"/>
-            </a:pPr>
-            <a:r>
-              <a:rPr lang="en-US" sz="8000" dirty="0">
-                <a:solidFill>
-                  <a:schemeClr val="tx1">
-                    <a:lumMod val="95000"/>
-                  </a:schemeClr>
-                </a:solidFill>
-                <a:latin typeface="Times New Roman" panose="02020603050405020304" pitchFamily="18" charset="0"/>
-                <a:cs typeface="Times New Roman" panose="02020603050405020304" pitchFamily="18" charset="0"/>
-              </a:rPr>
-              <a:t>Admin can view and download all data entered by the user by just selecting the get data into a file button.</a:t>
-            </a:r>
-          </a:p>
-          <a:p>
-            <a:pPr>
-              <a:buFont typeface="Arial" panose="020B0604020202020204" pitchFamily="34" charset="0"/>
-              <a:buChar char="•"/>
-            </a:pPr>
-            <a:r>
-              <a:rPr lang="en-US" sz="8000" dirty="0">
-                <a:solidFill>
-                  <a:schemeClr val="tx1">
-                    <a:lumMod val="95000"/>
-                  </a:schemeClr>
-                </a:solidFill>
-                <a:latin typeface="Times New Roman" panose="02020603050405020304" pitchFamily="18" charset="0"/>
-                <a:cs typeface="Times New Roman" panose="02020603050405020304" pitchFamily="18" charset="0"/>
-              </a:rPr>
-              <a:t>Admin can create and manage the user groups by selecting add symbol.</a:t>
-            </a:r>
-          </a:p>
-          <a:p>
-            <a:pPr>
-              <a:buFont typeface="Arial" panose="020B0604020202020204" pitchFamily="34" charset="0"/>
-              <a:buChar char="•"/>
-            </a:pPr>
-            <a:r>
-              <a:rPr lang="en-US" sz="8000" dirty="0">
-                <a:solidFill>
-                  <a:schemeClr val="tx1">
-                    <a:lumMod val="95000"/>
-                  </a:schemeClr>
-                </a:solidFill>
-                <a:latin typeface="Times New Roman" panose="02020603050405020304" pitchFamily="18" charset="0"/>
-                <a:cs typeface="Times New Roman" panose="02020603050405020304" pitchFamily="18" charset="0"/>
-              </a:rPr>
-              <a:t>Admin can share challenge results with group members by clicking release results button.</a:t>
-            </a:r>
-          </a:p>
-          <a:p>
-            <a:pPr>
-              <a:buFont typeface="Arial" panose="020B0604020202020204" pitchFamily="34" charset="0"/>
-              <a:buChar char="•"/>
-            </a:pPr>
-            <a:r>
-              <a:rPr lang="en-US" sz="8000" dirty="0">
-                <a:solidFill>
-                  <a:schemeClr val="tx1">
-                    <a:lumMod val="95000"/>
-                  </a:schemeClr>
-                </a:solidFill>
-                <a:latin typeface="Times New Roman" panose="02020603050405020304" pitchFamily="18" charset="0"/>
-                <a:cs typeface="Times New Roman" panose="02020603050405020304" pitchFamily="18" charset="0"/>
-              </a:rPr>
-              <a:t>Users can create and edit data of personal details upon signup.</a:t>
-            </a:r>
-          </a:p>
-          <a:p>
-            <a:pPr>
-              <a:buFont typeface="Arial" panose="020B0604020202020204" pitchFamily="34" charset="0"/>
-              <a:buChar char="•"/>
-            </a:pPr>
-            <a:r>
-              <a:rPr lang="en-US" sz="8000" dirty="0">
-                <a:latin typeface="Times New Roman" panose="02020603050405020304" pitchFamily="18" charset="0"/>
-                <a:cs typeface="Times New Roman" panose="02020603050405020304" pitchFamily="18" charset="0"/>
-              </a:rPr>
-              <a:t>Users can participate in new challenges just by clicking register buttons on each page of challenges.</a:t>
-            </a:r>
-            <a:endParaRPr lang="en-US" sz="8000" dirty="0">
-              <a:solidFill>
-                <a:schemeClr val="tx1">
-                  <a:lumMod val="95000"/>
-                </a:schemeClr>
-              </a:solidFill>
-              <a:latin typeface="Times New Roman" panose="02020603050405020304" pitchFamily="18" charset="0"/>
-              <a:cs typeface="Times New Roman" panose="02020603050405020304" pitchFamily="18" charset="0"/>
-            </a:endParaRPr>
-          </a:p>
-          <a:p>
-            <a:pPr>
-              <a:buFont typeface="Arial" panose="020B0604020202020204" pitchFamily="34" charset="0"/>
-              <a:buChar char="•"/>
-            </a:pPr>
-            <a:r>
-              <a:rPr lang="en-US" sz="8000" dirty="0">
-                <a:solidFill>
-                  <a:schemeClr val="tx1">
-                    <a:lumMod val="95000"/>
-                  </a:schemeClr>
-                </a:solidFill>
-                <a:latin typeface="Times New Roman" panose="02020603050405020304" pitchFamily="18" charset="0"/>
-                <a:cs typeface="Times New Roman" panose="02020603050405020304" pitchFamily="18" charset="0"/>
-              </a:rPr>
-              <a:t>Users can accept or reject group assignments upon receiving mails from the admin invites.</a:t>
-            </a:r>
-          </a:p>
-          <a:p>
-            <a:pPr>
-              <a:buFont typeface="Arial" panose="020B0604020202020204" pitchFamily="34" charset="0"/>
-              <a:buChar char="•"/>
-            </a:pPr>
-            <a:r>
-              <a:rPr lang="en-US" sz="8000" dirty="0">
-                <a:solidFill>
-                  <a:schemeClr val="tx1">
-                    <a:lumMod val="95000"/>
-                  </a:schemeClr>
-                </a:solidFill>
-                <a:latin typeface="Times New Roman" panose="02020603050405020304" pitchFamily="18" charset="0"/>
-                <a:cs typeface="Times New Roman" panose="02020603050405020304" pitchFamily="18" charset="0"/>
-              </a:rPr>
-              <a:t>Users can view data from past challenges by clicking on the results.</a:t>
-            </a:r>
-          </a:p>
-          <a:p>
-            <a:pPr>
-              <a:buFont typeface="Arial" panose="020B0604020202020204" pitchFamily="34" charset="0"/>
-              <a:buChar char="•"/>
-            </a:pPr>
-            <a:r>
-              <a:rPr lang="en-US" sz="8000" dirty="0">
-                <a:solidFill>
-                  <a:schemeClr val="tx1">
-                    <a:lumMod val="95000"/>
-                  </a:schemeClr>
-                </a:solidFill>
-                <a:latin typeface="Times New Roman" panose="02020603050405020304" pitchFamily="18" charset="0"/>
-                <a:cs typeface="Times New Roman" panose="02020603050405020304" pitchFamily="18" charset="0"/>
-              </a:rPr>
-              <a:t>User can access the application only by submitting required details.</a:t>
-            </a:r>
-          </a:p>
-          <a:p>
-            <a:pPr>
-              <a:buFont typeface="Arial" panose="020B0604020202020204" pitchFamily="34" charset="0"/>
-              <a:buChar char="•"/>
-            </a:pPr>
-            <a:r>
-              <a:rPr lang="en-US" sz="8000" dirty="0">
-                <a:solidFill>
-                  <a:schemeClr val="tx1">
-                    <a:lumMod val="95000"/>
-                  </a:schemeClr>
-                </a:solidFill>
-                <a:latin typeface="Times New Roman" panose="02020603050405020304" pitchFamily="18" charset="0"/>
-                <a:cs typeface="Times New Roman" panose="02020603050405020304" pitchFamily="18" charset="0"/>
-              </a:rPr>
-              <a:t>Enabling responsive Mobile menu for Tablets and Mobiles.</a:t>
-            </a:r>
-          </a:p>
-          <a:p>
-            <a:pPr>
-              <a:buFont typeface="Arial" panose="020B0604020202020204" pitchFamily="34" charset="0"/>
-              <a:buChar char="•"/>
-            </a:pPr>
-            <a:r>
-              <a:rPr lang="en-US" sz="8000" dirty="0">
-                <a:solidFill>
-                  <a:schemeClr val="tx1">
-                    <a:lumMod val="95000"/>
-                  </a:schemeClr>
-                </a:solidFill>
-                <a:latin typeface="Times New Roman" panose="02020603050405020304" pitchFamily="18" charset="0"/>
-                <a:cs typeface="Times New Roman" panose="02020603050405020304" pitchFamily="18" charset="0"/>
-              </a:rPr>
-              <a:t>User can Easily Navigate across different screens.</a:t>
-            </a:r>
-          </a:p>
-          <a:p>
-            <a:pPr>
-              <a:buFont typeface="Arial" panose="020B0604020202020204" pitchFamily="34" charset="0"/>
-              <a:buChar char="•"/>
-            </a:pPr>
-            <a:r>
-              <a:rPr lang="en-US" sz="8000" dirty="0">
-                <a:solidFill>
-                  <a:schemeClr val="tx1">
-                    <a:lumMod val="95000"/>
-                  </a:schemeClr>
-                </a:solidFill>
-                <a:latin typeface="Times New Roman" panose="02020603050405020304" pitchFamily="18" charset="0"/>
-                <a:cs typeface="Times New Roman" panose="02020603050405020304" pitchFamily="18" charset="0"/>
-              </a:rPr>
-              <a:t>User can have Responsiveness of drop-down lists.</a:t>
-            </a:r>
-          </a:p>
-          <a:p>
-            <a:pPr>
-              <a:buFont typeface="Arial" panose="020B0604020202020204" pitchFamily="34" charset="0"/>
-              <a:buChar char="•"/>
-            </a:pPr>
-            <a:r>
-              <a:rPr lang="en-US" sz="8000" dirty="0">
-                <a:latin typeface="Times New Roman" panose="02020603050405020304" pitchFamily="18" charset="0"/>
-                <a:cs typeface="Times New Roman" panose="02020603050405020304" pitchFamily="18" charset="0"/>
-              </a:rPr>
-              <a:t>User can Distinguish the inactive buttons from active buttons.</a:t>
-            </a:r>
-            <a:endParaRPr lang="en-US" sz="8000" dirty="0">
-              <a:solidFill>
-                <a:schemeClr val="tx1">
-                  <a:lumMod val="95000"/>
-                </a:schemeClr>
-              </a:solidFill>
-              <a:latin typeface="Times New Roman" panose="02020603050405020304" pitchFamily="18" charset="0"/>
-              <a:cs typeface="Times New Roman" panose="02020603050405020304" pitchFamily="18" charset="0"/>
-            </a:endParaRPr>
-          </a:p>
-          <a:p>
-            <a:pPr marL="0" indent="0">
-              <a:buNone/>
-            </a:pPr>
-            <a:endParaRPr lang="en-US" dirty="0"/>
-          </a:p>
-        </p:txBody>
-      </p:sp>
-      <p:sp>
-        <p:nvSpPr>
-          <p:cNvPr id="6" name="Footer Placeholder 5">
-            <a:extLst>
-              <a:ext uri="{FF2B5EF4-FFF2-40B4-BE49-F238E27FC236}">
-                <a16:creationId xmlns:a16="http://schemas.microsoft.com/office/drawing/2014/main" id="{9DD87943-4C6A-46FB-B51C-3840DF598793}"/>
-              </a:ext>
-            </a:extLst>
-          </p:cNvPr>
-          <p:cNvSpPr>
-            <a:spLocks noGrp="1"/>
-          </p:cNvSpPr>
-          <p:nvPr>
-            <p:ph type="ftr" sz="quarter" idx="11"/>
-          </p:nvPr>
-        </p:nvSpPr>
-        <p:spPr/>
-        <p:txBody>
-          <a:bodyPr/>
-          <a:lstStyle/>
-          <a:p>
-            <a:r>
-              <a:rPr lang="en-US"/>
-              <a:t>Healthify-NWMSU</a:t>
-            </a:r>
-          </a:p>
-        </p:txBody>
-      </p:sp>
-      <p:sp>
-        <p:nvSpPr>
-          <p:cNvPr id="7" name="Slide Number Placeholder 6">
-            <a:extLst>
-              <a:ext uri="{FF2B5EF4-FFF2-40B4-BE49-F238E27FC236}">
-                <a16:creationId xmlns:a16="http://schemas.microsoft.com/office/drawing/2014/main" id="{2CA22E63-B086-4925-B662-12D17C54A126}"/>
-              </a:ext>
-            </a:extLst>
-          </p:cNvPr>
-          <p:cNvSpPr>
-            <a:spLocks noGrp="1"/>
-          </p:cNvSpPr>
-          <p:nvPr>
-            <p:ph type="sldNum" sz="quarter" idx="12"/>
-          </p:nvPr>
-        </p:nvSpPr>
-        <p:spPr/>
-        <p:txBody>
-          <a:bodyPr/>
-          <a:lstStyle/>
-          <a:p>
-            <a:fld id="{FC6EDEEF-6E47-4D41-B312-2A124904AE2A}" type="slidenum">
-              <a:rPr lang="en-US" smtClean="0"/>
-              <a:t>7</a:t>
-            </a:fld>
-            <a:endParaRPr lang="en-US"/>
-          </a:p>
-        </p:txBody>
-      </p:sp>
-    </p:spTree>
-    <p:extLst>
-      <p:ext uri="{BB962C8B-B14F-4D97-AF65-F5344CB8AC3E}">
-        <p14:creationId xmlns:p14="http://schemas.microsoft.com/office/powerpoint/2010/main" val="5059217"/>
-      </p:ext>
-    </p:extLst>
-  </p:cSld>
-  <p:clrMapOvr>
-    <a:masterClrMapping/>
-  </p:clrMapOvr>
-</p:sld>
-</file>
-
-<file path=ppt/slides/slide8.xml><?xml version="1.0" encoding="utf-8"?>
-<p:sld xmlns:a="http://schemas.openxmlformats.org/drawingml/2006/main" xmlns:r="http://schemas.openxmlformats.org/officeDocument/2006/relationships" xmlns:p="http://schemas.openxmlformats.org/presentationml/2006/main">
-  <p:cSld>
-    <p:spTree>
-      <p:nvGrpSpPr>
-        <p:cNvPr id="1" name=""/>
-        <p:cNvGrpSpPr/>
-        <p:nvPr/>
-      </p:nvGrpSpPr>
-      <p:grpSpPr>
-        <a:xfrm>
-          <a:off x="0" y="0"/>
-          <a:ext cx="0" cy="0"/>
-          <a:chOff x="0" y="0"/>
-          <a:chExt cx="0" cy="0"/>
-        </a:xfrm>
-      </p:grpSpPr>
-      <p:sp>
-        <p:nvSpPr>
-          <p:cNvPr id="2" name="Title 1">
-            <a:extLst>
-              <a:ext uri="{FF2B5EF4-FFF2-40B4-BE49-F238E27FC236}">
-                <a16:creationId xmlns:a16="http://schemas.microsoft.com/office/drawing/2014/main" id="{B1BC11D7-8A41-45C1-AEDE-0E53214677D3}"/>
-              </a:ext>
-            </a:extLst>
-          </p:cNvPr>
-          <p:cNvSpPr>
-            <a:spLocks noGrp="1"/>
-          </p:cNvSpPr>
-          <p:nvPr>
-            <p:ph type="title"/>
-          </p:nvPr>
-        </p:nvSpPr>
-        <p:spPr/>
-        <p:txBody>
-          <a:bodyPr/>
-          <a:lstStyle/>
-          <a:p>
-            <a:r>
-              <a:rPr lang="en-US" b="1" dirty="0">
-                <a:solidFill>
-                  <a:schemeClr val="accent3"/>
-                </a:solidFill>
-                <a:effectLst>
-                  <a:outerShdw blurRad="38100" dist="38100" dir="2700000" algn="tl">
-                    <a:srgbClr val="000000">
-                      <a:alpha val="43137"/>
-                    </a:srgbClr>
-                  </a:outerShdw>
-                </a:effectLst>
-                <a:latin typeface="Times New Roman" panose="02020603050405020304" pitchFamily="18" charset="0"/>
-                <a:cs typeface="Times New Roman" panose="02020603050405020304" pitchFamily="18" charset="0"/>
-              </a:rPr>
-              <a:t>Jira Workflow</a:t>
-            </a:r>
-          </a:p>
-        </p:txBody>
-      </p:sp>
-      <p:pic>
-        <p:nvPicPr>
-          <p:cNvPr id="7" name="Content Placeholder 6" descr="A screenshot of a cell phone&#10;&#10;Description automatically generated">
-            <a:extLst>
-              <a:ext uri="{FF2B5EF4-FFF2-40B4-BE49-F238E27FC236}">
-                <a16:creationId xmlns:a16="http://schemas.microsoft.com/office/drawing/2014/main" id="{515EFC0D-496C-4106-89B0-A526380500AB}"/>
-              </a:ext>
-            </a:extLst>
-          </p:cNvPr>
-          <p:cNvPicPr>
-            <a:picLocks noGrp="1" noChangeAspect="1"/>
-          </p:cNvPicPr>
-          <p:nvPr>
-            <p:ph idx="1"/>
-          </p:nvPr>
-        </p:nvPicPr>
-        <p:blipFill>
-          <a:blip r:embed="rId2">
-            <a:extLst>
-              <a:ext uri="{28A0092B-C50C-407E-A947-70E740481C1C}">
-                <a14:useLocalDpi xmlns:a14="http://schemas.microsoft.com/office/drawing/2010/main" val="0"/>
-              </a:ext>
-            </a:extLst>
-          </a:blip>
-          <a:stretch>
-            <a:fillRect/>
-          </a:stretch>
-        </p:blipFill>
-        <p:spPr>
-          <a:xfrm>
-            <a:off x="702404" y="1325366"/>
-            <a:ext cx="9879978" cy="4716659"/>
-          </a:xfrm>
-        </p:spPr>
-      </p:pic>
-      <p:sp>
-        <p:nvSpPr>
-          <p:cNvPr id="4" name="Footer Placeholder 3">
-            <a:extLst>
-              <a:ext uri="{FF2B5EF4-FFF2-40B4-BE49-F238E27FC236}">
-                <a16:creationId xmlns:a16="http://schemas.microsoft.com/office/drawing/2014/main" id="{B10119E2-47A8-4B77-ACC3-A54855000B3C}"/>
-              </a:ext>
-            </a:extLst>
-          </p:cNvPr>
-          <p:cNvSpPr>
-            <a:spLocks noGrp="1"/>
-          </p:cNvSpPr>
-          <p:nvPr>
-            <p:ph type="ftr" sz="quarter" idx="11"/>
-          </p:nvPr>
-        </p:nvSpPr>
-        <p:spPr/>
-        <p:txBody>
-          <a:bodyPr/>
-          <a:lstStyle/>
-          <a:p>
-            <a:r>
-              <a:rPr lang="en-US"/>
-              <a:t>Healthify-NWMSU</a:t>
-            </a:r>
-          </a:p>
-        </p:txBody>
-      </p:sp>
-      <p:sp>
-        <p:nvSpPr>
-          <p:cNvPr id="5" name="Slide Number Placeholder 4">
-            <a:extLst>
-              <a:ext uri="{FF2B5EF4-FFF2-40B4-BE49-F238E27FC236}">
-                <a16:creationId xmlns:a16="http://schemas.microsoft.com/office/drawing/2014/main" id="{CC4D7613-E19B-4CFB-8CE7-9D7BDA395AD4}"/>
-              </a:ext>
-            </a:extLst>
-          </p:cNvPr>
-          <p:cNvSpPr>
-            <a:spLocks noGrp="1"/>
-          </p:cNvSpPr>
-          <p:nvPr>
-            <p:ph type="sldNum" sz="quarter" idx="12"/>
-          </p:nvPr>
-        </p:nvSpPr>
-        <p:spPr/>
-        <p:txBody>
-          <a:bodyPr/>
-          <a:lstStyle/>
-          <a:p>
-            <a:fld id="{FC6EDEEF-6E47-4D41-B312-2A124904AE2A}" type="slidenum">
-              <a:rPr lang="en-US" smtClean="0"/>
-              <a:t>8</a:t>
-            </a:fld>
-            <a:endParaRPr lang="en-US"/>
-          </a:p>
-        </p:txBody>
-      </p:sp>
-    </p:spTree>
-    <p:extLst>
-      <p:ext uri="{BB962C8B-B14F-4D97-AF65-F5344CB8AC3E}">
-        <p14:creationId xmlns:p14="http://schemas.microsoft.com/office/powerpoint/2010/main" val="611337613"/>
-      </p:ext>
-    </p:extLst>
-  </p:cSld>
-  <p:clrMapOvr>
-    <a:masterClrMapping/>
-  </p:clrMapOvr>
-</p:sld>
-</file>
-
-<file path=ppt/slides/slide9.xml><?xml version="1.0" encoding="utf-8"?>
-<p:sld xmlns:a="http://schemas.openxmlformats.org/drawingml/2006/main" xmlns:r="http://schemas.openxmlformats.org/officeDocument/2006/relationships" xmlns:p="http://schemas.openxmlformats.org/presentationml/2006/main">
-  <p:cSld>
-    <p:spTree>
-      <p:nvGrpSpPr>
-        <p:cNvPr id="1" name=""/>
-        <p:cNvGrpSpPr/>
-        <p:nvPr/>
-      </p:nvGrpSpPr>
-      <p:grpSpPr>
-        <a:xfrm>
-          <a:off x="0" y="0"/>
-          <a:ext cx="0" cy="0"/>
-          <a:chOff x="0" y="0"/>
-          <a:chExt cx="0" cy="0"/>
-        </a:xfrm>
-      </p:grpSpPr>
-      <p:sp>
-        <p:nvSpPr>
-          <p:cNvPr id="2" name="Title 1">
-            <a:extLst>
-              <a:ext uri="{FF2B5EF4-FFF2-40B4-BE49-F238E27FC236}">
-                <a16:creationId xmlns:a16="http://schemas.microsoft.com/office/drawing/2014/main" id="{EDF33ABE-0CCC-4CB2-8A07-107E3F35A1F5}"/>
-              </a:ext>
-            </a:extLst>
-          </p:cNvPr>
-          <p:cNvSpPr>
-            <a:spLocks noGrp="1"/>
-          </p:cNvSpPr>
-          <p:nvPr>
-            <p:ph type="title"/>
-          </p:nvPr>
-        </p:nvSpPr>
-        <p:spPr/>
-        <p:txBody>
-          <a:bodyPr/>
-          <a:lstStyle/>
-          <a:p>
-            <a:r>
-              <a:rPr lang="en-US" b="1" dirty="0">
-                <a:solidFill>
-                  <a:schemeClr val="accent3"/>
-                </a:solidFill>
-                <a:effectLst>
-                  <a:outerShdw blurRad="38100" dist="38100" dir="2700000" algn="tl">
-                    <a:srgbClr val="000000">
-                      <a:alpha val="43137"/>
-                    </a:srgbClr>
-                  </a:outerShdw>
-                </a:effectLst>
-                <a:latin typeface="Times New Roman" panose="02020603050405020304" pitchFamily="18" charset="0"/>
-                <a:cs typeface="Times New Roman" panose="02020603050405020304" pitchFamily="18" charset="0"/>
-              </a:rPr>
-              <a:t>ER Diagram</a:t>
-            </a:r>
-          </a:p>
-        </p:txBody>
-      </p:sp>
-      <p:pic>
-        <p:nvPicPr>
-          <p:cNvPr id="5" name="Content Placeholder 4" descr="A close up of text on a white surface&#10;&#10;Description automatically generated">
-            <a:extLst>
-              <a:ext uri="{FF2B5EF4-FFF2-40B4-BE49-F238E27FC236}">
-                <a16:creationId xmlns:a16="http://schemas.microsoft.com/office/drawing/2014/main" id="{6EACB86E-0239-4971-8B76-392FF2502486}"/>
-              </a:ext>
-            </a:extLst>
-          </p:cNvPr>
-          <p:cNvPicPr>
-            <a:picLocks noGrp="1" noChangeAspect="1"/>
-          </p:cNvPicPr>
-          <p:nvPr>
-            <p:ph idx="1"/>
-          </p:nvPr>
-        </p:nvPicPr>
-        <p:blipFill>
-          <a:blip r:embed="rId2">
-            <a:extLst>
-              <a:ext uri="{28A0092B-C50C-407E-A947-70E740481C1C}">
-                <a14:useLocalDpi xmlns:a14="http://schemas.microsoft.com/office/drawing/2010/main" val="0"/>
-              </a:ext>
-            </a:extLst>
-          </a:blip>
-          <a:stretch>
-            <a:fillRect/>
-          </a:stretch>
-        </p:blipFill>
-        <p:spPr>
-          <a:xfrm>
-            <a:off x="1469204" y="1216889"/>
-            <a:ext cx="8825502" cy="4927057"/>
-          </a:xfrm>
-        </p:spPr>
-      </p:pic>
-      <p:sp>
-        <p:nvSpPr>
-          <p:cNvPr id="6" name="Footer Placeholder 5">
-            <a:extLst>
-              <a:ext uri="{FF2B5EF4-FFF2-40B4-BE49-F238E27FC236}">
-                <a16:creationId xmlns:a16="http://schemas.microsoft.com/office/drawing/2014/main" id="{BAE23FFC-2FF3-48E5-B3EA-BD5D2D982092}"/>
-              </a:ext>
-            </a:extLst>
-          </p:cNvPr>
-          <p:cNvSpPr>
-            <a:spLocks noGrp="1"/>
-          </p:cNvSpPr>
-          <p:nvPr>
-            <p:ph type="ftr" sz="quarter" idx="11"/>
-          </p:nvPr>
-        </p:nvSpPr>
-        <p:spPr/>
-        <p:txBody>
-          <a:bodyPr/>
-          <a:lstStyle/>
-          <a:p>
-            <a:r>
-              <a:rPr lang="en-US"/>
-              <a:t>Healthify-NWMSU</a:t>
-            </a:r>
-          </a:p>
-        </p:txBody>
-      </p:sp>
-      <p:sp>
-        <p:nvSpPr>
-          <p:cNvPr id="7" name="Slide Number Placeholder 6">
-            <a:extLst>
-              <a:ext uri="{FF2B5EF4-FFF2-40B4-BE49-F238E27FC236}">
-                <a16:creationId xmlns:a16="http://schemas.microsoft.com/office/drawing/2014/main" id="{78F6E9AC-376C-45ED-90C7-5AED69B56DBF}"/>
-              </a:ext>
-            </a:extLst>
-          </p:cNvPr>
-          <p:cNvSpPr>
-            <a:spLocks noGrp="1"/>
-          </p:cNvSpPr>
-          <p:nvPr>
-            <p:ph type="sldNum" sz="quarter" idx="12"/>
-          </p:nvPr>
-        </p:nvSpPr>
-        <p:spPr/>
-        <p:txBody>
-          <a:bodyPr/>
-          <a:lstStyle/>
-          <a:p>
-            <a:fld id="{FC6EDEEF-6E47-4D41-B312-2A124904AE2A}" type="slidenum">
-              <a:rPr lang="en-US" smtClean="0"/>
-              <a:t>9</a:t>
-            </a:fld>
-            <a:endParaRPr lang="en-US"/>
-          </a:p>
-        </p:txBody>
-      </p:sp>
-    </p:spTree>
-    <p:extLst>
-      <p:ext uri="{BB962C8B-B14F-4D97-AF65-F5344CB8AC3E}">
-        <p14:creationId xmlns:p14="http://schemas.microsoft.com/office/powerpoint/2010/main" val="3778845358"/>
       </p:ext>
     </p:extLst>
   </p:cSld>

--- a/Healthify-NWMSU.pptx
+++ b/Healthify-NWMSU.pptx
@@ -9177,7 +9177,7 @@
         </p:blipFill>
         <p:spPr>
           <a:xfrm>
-            <a:off x="4598458" y="1191803"/>
+            <a:off x="8174806" y="1191802"/>
             <a:ext cx="3024902" cy="4977926"/>
           </a:xfrm>
           <a:prstGeom prst="rect">
@@ -9270,7 +9270,7 @@
         </p:blipFill>
         <p:spPr>
           <a:xfrm>
-            <a:off x="8378157" y="1191803"/>
+            <a:off x="4667385" y="1238655"/>
             <a:ext cx="2821551" cy="4884221"/>
           </a:xfrm>
           <a:prstGeom prst="rect">

--- a/Healthify-NWMSU.pptx
+++ b/Healthify-NWMSU.pptx
@@ -6319,45 +6319,6 @@
               </a:rPr>
               <a:t>-NWMSU</a:t>
             </a:r>
-          </a:p>
-        </p:txBody>
-      </p:sp>
-      <p:sp>
-        <p:nvSpPr>
-          <p:cNvPr id="3" name="Subtitle 2">
-            <a:extLst>
-              <a:ext uri="{FF2B5EF4-FFF2-40B4-BE49-F238E27FC236}">
-                <a16:creationId xmlns:a16="http://schemas.microsoft.com/office/drawing/2014/main" id="{9E6FDF23-70BF-427F-A305-0D0AF007C468}"/>
-              </a:ext>
-            </a:extLst>
-          </p:cNvPr>
-          <p:cNvSpPr>
-            <a:spLocks noGrp="1"/>
-          </p:cNvSpPr>
-          <p:nvPr>
-            <p:ph type="subTitle" idx="1"/>
-          </p:nvPr>
-        </p:nvSpPr>
-        <p:spPr>
-          <a:xfrm>
-            <a:off x="1154955" y="4777380"/>
-            <a:ext cx="6974911" cy="861420"/>
-          </a:xfrm>
-        </p:spPr>
-        <p:txBody>
-          <a:bodyPr>
-            <a:normAutofit/>
-          </a:bodyPr>
-          <a:lstStyle/>
-          <a:p>
-            <a:endParaRPr lang="en-US">
-              <a:solidFill>
-                <a:schemeClr val="tx1">
-                  <a:lumMod val="85000"/>
-                  <a:lumOff val="15000"/>
-                </a:schemeClr>
-              </a:solidFill>
-            </a:endParaRPr>
           </a:p>
         </p:txBody>
       </p:sp>
